--- a/BLOSUMscoresComparedToSingleSNAPscores.pptx
+++ b/BLOSUMscoresComparedToSingleSNAPscores.pptx
@@ -5,7 +5,7 @@
     <p:sldMasterId id="2147483648" r:id="rId1"/>
   </p:sldMasterIdLst>
   <p:notesMasterIdLst>
-    <p:notesMasterId r:id="rId22"/>
+    <p:notesMasterId r:id="rId23"/>
   </p:notesMasterIdLst>
   <p:sldIdLst>
     <p:sldId id="256" r:id="rId2"/>
@@ -25,9 +25,10 @@
     <p:sldId id="257" r:id="rId16"/>
     <p:sldId id="267" r:id="rId17"/>
     <p:sldId id="266" r:id="rId18"/>
-    <p:sldId id="275" r:id="rId19"/>
-    <p:sldId id="265" r:id="rId20"/>
-    <p:sldId id="274" r:id="rId21"/>
+    <p:sldId id="276" r:id="rId19"/>
+    <p:sldId id="275" r:id="rId20"/>
+    <p:sldId id="265" r:id="rId21"/>
+    <p:sldId id="274" r:id="rId22"/>
   </p:sldIdLst>
   <p:sldSz cx="12192000" cy="6858000"/>
   <p:notesSz cx="6858000" cy="9144000"/>
@@ -375,7 +376,7 @@
           <a:p>
             <a:fld id="{BD6544A4-5AEA-4FD1-BFF4-C7493F24BB4E}" type="slidenum">
               <a:rPr lang="en-US" smtClean="0"/>
-              <a:t>‹Nr.›</a:t>
+              <a:t>‹#›</a:t>
             </a:fld>
             <a:endParaRPr lang="en-US"/>
           </a:p>
@@ -692,7 +693,7 @@
             <a:fld id="{B38A1AC8-FB3F-493B-87B4-B9C3F07C4D88}" type="slidenum">
               <a:rPr lang="en-US" smtClean="0"/>
               <a:pPr/>
-              <a:t>‹Nr.›</a:t>
+              <a:t>‹#›</a:t>
             </a:fld>
             <a:endParaRPr lang="en-US" dirty="0"/>
           </a:p>
@@ -963,7 +964,7 @@
           <a:p>
             <a:fld id="{CCAAE293-A3DA-4FFC-871C-7F0F209F7CB2}" type="slidenum">
               <a:rPr lang="en-US" smtClean="0"/>
-              <a:t>‹Nr.›</a:t>
+              <a:t>‹#›</a:t>
             </a:fld>
             <a:endParaRPr lang="en-US"/>
           </a:p>
@@ -1173,7 +1174,7 @@
           <a:p>
             <a:fld id="{CCAAE293-A3DA-4FFC-871C-7F0F209F7CB2}" type="slidenum">
               <a:rPr lang="en-US" smtClean="0"/>
-              <a:t>‹Nr.›</a:t>
+              <a:t>‹#›</a:t>
             </a:fld>
             <a:endParaRPr lang="en-US"/>
           </a:p>
@@ -1373,7 +1374,7 @@
           <a:p>
             <a:fld id="{CCAAE293-A3DA-4FFC-871C-7F0F209F7CB2}" type="slidenum">
               <a:rPr lang="en-US" smtClean="0"/>
-              <a:t>‹Nr.›</a:t>
+              <a:t>‹#›</a:t>
             </a:fld>
             <a:endParaRPr lang="en-US"/>
           </a:p>
@@ -1715,7 +1716,7 @@
           <a:p>
             <a:fld id="{CCAAE293-A3DA-4FFC-871C-7F0F209F7CB2}" type="slidenum">
               <a:rPr lang="en-US" smtClean="0"/>
-              <a:t>‹Nr.›</a:t>
+              <a:t>‹#›</a:t>
             </a:fld>
             <a:endParaRPr lang="en-US"/>
           </a:p>
@@ -1983,7 +1984,7 @@
           <a:p>
             <a:fld id="{CCAAE293-A3DA-4FFC-871C-7F0F209F7CB2}" type="slidenum">
               <a:rPr lang="en-US" smtClean="0"/>
-              <a:t>‹Nr.›</a:t>
+              <a:t>‹#›</a:t>
             </a:fld>
             <a:endParaRPr lang="en-US"/>
           </a:p>
@@ -2469,7 +2470,7 @@
           <a:p>
             <a:fld id="{CCAAE293-A3DA-4FFC-871C-7F0F209F7CB2}" type="slidenum">
               <a:rPr lang="en-US" smtClean="0"/>
-              <a:t>‹Nr.›</a:t>
+              <a:t>‹#›</a:t>
             </a:fld>
             <a:endParaRPr lang="en-US"/>
           </a:p>
@@ -2611,7 +2612,7 @@
           <a:p>
             <a:fld id="{CCAAE293-A3DA-4FFC-871C-7F0F209F7CB2}" type="slidenum">
               <a:rPr lang="en-US" smtClean="0"/>
-              <a:t>‹Nr.›</a:t>
+              <a:t>‹#›</a:t>
             </a:fld>
             <a:endParaRPr lang="en-US"/>
           </a:p>
@@ -2724,7 +2725,7 @@
           <a:p>
             <a:fld id="{CCAAE293-A3DA-4FFC-871C-7F0F209F7CB2}" type="slidenum">
               <a:rPr lang="en-US" smtClean="0"/>
-              <a:t>‹Nr.›</a:t>
+              <a:t>‹#›</a:t>
             </a:fld>
             <a:endParaRPr lang="en-US"/>
           </a:p>
@@ -3037,7 +3038,7 @@
           <a:p>
             <a:fld id="{CCAAE293-A3DA-4FFC-871C-7F0F209F7CB2}" type="slidenum">
               <a:rPr lang="en-US" smtClean="0"/>
-              <a:t>‹Nr.›</a:t>
+              <a:t>‹#›</a:t>
             </a:fld>
             <a:endParaRPr lang="en-US"/>
           </a:p>
@@ -3326,7 +3327,7 @@
           <a:p>
             <a:fld id="{CCAAE293-A3DA-4FFC-871C-7F0F209F7CB2}" type="slidenum">
               <a:rPr lang="en-US" smtClean="0"/>
-              <a:t>‹Nr.›</a:t>
+              <a:t>‹#›</a:t>
             </a:fld>
             <a:endParaRPr lang="en-US"/>
           </a:p>
@@ -3605,7 +3606,7 @@
           <a:p>
             <a:fld id="{CCAAE293-A3DA-4FFC-871C-7F0F209F7CB2}" type="slidenum">
               <a:rPr lang="en-US" smtClean="0"/>
-              <a:t>‹Nr.›</a:t>
+              <a:t>‹#›</a:t>
             </a:fld>
             <a:endParaRPr lang="en-US"/>
           </a:p>
@@ -6041,26 +6042,9 @@
           </a:lstStyle>
           <a:p>
             <a:r>
-              <a:rPr lang="de-DE" dirty="0" err="1"/>
-              <a:t>Testing</a:t>
-            </a:r>
-            <a:r>
               <a:rPr lang="de-DE" dirty="0"/>
-              <a:t> </a:t>
-            </a:r>
-            <a:r>
-              <a:rPr lang="de-DE" dirty="0" err="1"/>
-              <a:t>for</a:t>
-            </a:r>
-            <a:r>
-              <a:rPr lang="de-DE" dirty="0"/>
-              <a:t> </a:t>
-            </a:r>
-            <a:r>
-              <a:rPr lang="de-DE" dirty="0" err="1"/>
-              <a:t>Overfitting</a:t>
-            </a:r>
-            <a:endParaRPr lang="de-DE" dirty="0"/>
+              <a:t>Testing for overfitting</a:t>
+            </a:r>
           </a:p>
         </p:txBody>
       </p:sp>
@@ -6129,10 +6113,10 @@
       </p:grpSpPr>
       <p:sp>
         <p:nvSpPr>
-          <p:cNvPr id="2" name="Titel 1">
-            <a:extLst>
-              <a:ext uri="{FF2B5EF4-FFF2-40B4-BE49-F238E27FC236}">
-                <a16:creationId xmlns:a16="http://schemas.microsoft.com/office/drawing/2014/main" id="{0A1CFA08-33E9-4E06-B481-DDF49C7CE225}"/>
+          <p:cNvPr id="2" name="Title 1">
+            <a:extLst>
+              <a:ext uri="{FF2B5EF4-FFF2-40B4-BE49-F238E27FC236}">
+                <a16:creationId xmlns:a16="http://schemas.microsoft.com/office/drawing/2014/main" id="{001AF39E-1616-4458-B383-32A4EFFBC15A}"/>
               </a:ext>
             </a:extLst>
           </p:cNvPr>
@@ -6143,82 +6127,70 @@
             <p:ph type="title"/>
           </p:nvPr>
         </p:nvSpPr>
-        <p:spPr/>
+        <p:spPr>
+          <a:xfrm>
+            <a:off x="838200" y="365125"/>
+            <a:ext cx="10515600" cy="1325563"/>
+          </a:xfrm>
+        </p:spPr>
         <p:txBody>
           <a:bodyPr/>
           <a:lstStyle/>
           <a:p>
             <a:pPr algn="ctr"/>
             <a:r>
-              <a:rPr lang="de-DE" dirty="0" err="1"/>
-              <a:t>Thank</a:t>
-            </a:r>
-            <a:r>
               <a:rPr lang="de-DE" dirty="0"/>
-              <a:t> </a:t>
-            </a:r>
-            <a:r>
-              <a:rPr lang="de-DE" dirty="0" err="1"/>
-              <a:t>you</a:t>
-            </a:r>
-            <a:r>
-              <a:rPr lang="de-DE" dirty="0"/>
-              <a:t>!</a:t>
-            </a:r>
-          </a:p>
-        </p:txBody>
-      </p:sp>
-      <p:sp>
-        <p:nvSpPr>
-          <p:cNvPr id="3" name="Inhaltsplatzhalter 2">
-            <a:extLst>
-              <a:ext uri="{FF2B5EF4-FFF2-40B4-BE49-F238E27FC236}">
-                <a16:creationId xmlns:a16="http://schemas.microsoft.com/office/drawing/2014/main" id="{D1ED0091-A0CC-4522-A4E1-99602C92F687}"/>
-              </a:ext>
-            </a:extLst>
-          </p:cNvPr>
-          <p:cNvSpPr>
-            <a:spLocks noGrp="1"/>
-          </p:cNvSpPr>
+              <a:t>Testing </a:t>
+            </a:r>
+            <a:r>
+              <a:rPr lang="de-DE"/>
+              <a:t>for overfitting</a:t>
+            </a:r>
+            <a:endParaRPr lang="en-GB" dirty="0"/>
+          </a:p>
+        </p:txBody>
+      </p:sp>
+      <p:pic>
+        <p:nvPicPr>
+          <p:cNvPr id="6" name="Content Placeholder 5">
+            <a:extLst>
+              <a:ext uri="{FF2B5EF4-FFF2-40B4-BE49-F238E27FC236}">
+                <a16:creationId xmlns:a16="http://schemas.microsoft.com/office/drawing/2014/main" id="{25C075C5-BDCF-496D-BED7-16EC905C951B}"/>
+              </a:ext>
+            </a:extLst>
+          </p:cNvPr>
+          <p:cNvPicPr>
+            <a:picLocks noGrp="1" noChangeAspect="1"/>
+          </p:cNvPicPr>
           <p:nvPr>
             <p:ph idx="1"/>
           </p:nvPr>
-        </p:nvSpPr>
-        <p:spPr/>
-        <p:txBody>
-          <a:bodyPr>
-            <a:normAutofit/>
-          </a:bodyPr>
-          <a:lstStyle/>
-          <a:p>
-            <a:pPr marL="0" indent="0" algn="ctr">
-              <a:buNone/>
-            </a:pPr>
-            <a:endParaRPr lang="de-DE" sz="3600" dirty="0"/>
-          </a:p>
-          <a:p>
-            <a:pPr marL="0" indent="0" algn="ctr">
-              <a:buNone/>
-            </a:pPr>
-            <a:endParaRPr lang="de-DE" sz="3600" dirty="0"/>
-          </a:p>
-          <a:p>
-            <a:pPr marL="0" indent="0" algn="ctr">
-              <a:buNone/>
-            </a:pPr>
-            <a:r>
-              <a:rPr lang="de-DE" sz="3600" dirty="0"/>
-              <a:t>Questions?</a:t>
-            </a:r>
-          </a:p>
-        </p:txBody>
-      </p:sp>
-      <p:sp>
-        <p:nvSpPr>
-          <p:cNvPr id="4" name="Foliennummernplatzhalter 3">
-            <a:extLst>
-              <a:ext uri="{FF2B5EF4-FFF2-40B4-BE49-F238E27FC236}">
-                <a16:creationId xmlns:a16="http://schemas.microsoft.com/office/drawing/2014/main" id="{6FE2A71F-4FFC-484B-93E3-04D170029A13}"/>
+        </p:nvPicPr>
+        <p:blipFill>
+          <a:blip r:embed="rId2">
+            <a:extLst>
+              <a:ext uri="{28A0092B-C50C-407E-A947-70E740481C1C}">
+                <a14:useLocalDpi xmlns:a14="http://schemas.microsoft.com/office/drawing/2010/main" val="0"/>
+              </a:ext>
+            </a:extLst>
+          </a:blip>
+          <a:stretch>
+            <a:fillRect/>
+          </a:stretch>
+        </p:blipFill>
+        <p:spPr>
+          <a:xfrm>
+            <a:off x="269941" y="1371915"/>
+            <a:ext cx="6261488" cy="4351338"/>
+          </a:xfrm>
+        </p:spPr>
+      </p:pic>
+      <p:sp>
+        <p:nvSpPr>
+          <p:cNvPr id="4" name="Slide Number Placeholder 3">
+            <a:extLst>
+              <a:ext uri="{FF2B5EF4-FFF2-40B4-BE49-F238E27FC236}">
+                <a16:creationId xmlns:a16="http://schemas.microsoft.com/office/drawing/2014/main" id="{F8505AD8-0AE0-44EE-B9DA-DF7F5B75F34C}"/>
               </a:ext>
             </a:extLst>
           </p:cNvPr>
@@ -6229,7 +6201,12 @@
             <p:ph type="sldNum" sz="quarter" idx="12"/>
           </p:nvPr>
         </p:nvSpPr>
-        <p:spPr/>
+        <p:spPr>
+          <a:xfrm>
+            <a:off x="8610600" y="6356350"/>
+            <a:ext cx="2743200" cy="365125"/>
+          </a:xfrm>
+        </p:spPr>
         <p:txBody>
           <a:bodyPr/>
           <a:lstStyle/>
@@ -6242,10 +6219,46 @@
           </a:p>
         </p:txBody>
       </p:sp>
+      <p:pic>
+        <p:nvPicPr>
+          <p:cNvPr id="8" name="Picture 7">
+            <a:extLst>
+              <a:ext uri="{FF2B5EF4-FFF2-40B4-BE49-F238E27FC236}">
+                <a16:creationId xmlns:a16="http://schemas.microsoft.com/office/drawing/2014/main" id="{F1215526-4599-4C4C-92F5-9BDF9AD3A98B}"/>
+              </a:ext>
+            </a:extLst>
+          </p:cNvPr>
+          <p:cNvPicPr>
+            <a:picLocks noChangeAspect="1"/>
+          </p:cNvPicPr>
+          <p:nvPr/>
+        </p:nvPicPr>
+        <p:blipFill>
+          <a:blip r:embed="rId3">
+            <a:extLst>
+              <a:ext uri="{28A0092B-C50C-407E-A947-70E740481C1C}">
+                <a14:useLocalDpi xmlns:a14="http://schemas.microsoft.com/office/drawing/2010/main" val="0"/>
+              </a:ext>
+            </a:extLst>
+          </a:blip>
+          <a:stretch>
+            <a:fillRect/>
+          </a:stretch>
+        </p:blipFill>
+        <p:spPr>
+          <a:xfrm>
+            <a:off x="6209198" y="1371915"/>
+            <a:ext cx="5982801" cy="4370841"/>
+          </a:xfrm>
+          <a:prstGeom prst="rect">
+            <a:avLst/>
+          </a:prstGeom>
+        </p:spPr>
+      </p:pic>
     </p:spTree>
     <p:extLst>
       <p:ext uri="{BB962C8B-B14F-4D97-AF65-F5344CB8AC3E}">
-        <p14:creationId xmlns:p14="http://schemas.microsoft.com/office/powerpoint/2010/main" val="1520254085"/>
+        <p14:creationId xmlns:p14="http://schemas.microsoft.com/office/powerpoint/2010/main" val="3242295772"/>
       </p:ext>
     </p:extLst>
   </p:cSld>
@@ -6277,7 +6290,7 @@
           <p:cNvPr id="2" name="Titel 1">
             <a:extLst>
               <a:ext uri="{FF2B5EF4-FFF2-40B4-BE49-F238E27FC236}">
-                <a16:creationId xmlns:a16="http://schemas.microsoft.com/office/drawing/2014/main" id="{9D97ED67-0983-40BA-B344-DFF1A8F9D645}"/>
+                <a16:creationId xmlns:a16="http://schemas.microsoft.com/office/drawing/2014/main" id="{0A1CFA08-33E9-4E06-B481-DDF49C7CE225}"/>
               </a:ext>
             </a:extLst>
           </p:cNvPr>
@@ -6293,9 +6306,22 @@
           <a:bodyPr/>
           <a:lstStyle/>
           <a:p>
-            <a:r>
-              <a:rPr lang="en-US" dirty="0"/>
-              <a:t>stats</a:t>
+            <a:pPr algn="ctr"/>
+            <a:r>
+              <a:rPr lang="de-DE" dirty="0" err="1"/>
+              <a:t>Thank</a:t>
+            </a:r>
+            <a:r>
+              <a:rPr lang="de-DE" dirty="0"/>
+              <a:t> </a:t>
+            </a:r>
+            <a:r>
+              <a:rPr lang="de-DE" dirty="0" err="1"/>
+              <a:t>you</a:t>
+            </a:r>
+            <a:r>
+              <a:rPr lang="de-DE" dirty="0"/>
+              <a:t>!</a:t>
             </a:r>
           </a:p>
         </p:txBody>
@@ -6305,7 +6331,7 @@
           <p:cNvPr id="3" name="Inhaltsplatzhalter 2">
             <a:extLst>
               <a:ext uri="{FF2B5EF4-FFF2-40B4-BE49-F238E27FC236}">
-                <a16:creationId xmlns:a16="http://schemas.microsoft.com/office/drawing/2014/main" id="{2EB22B1B-35DF-494F-B9F2-FC28829ED749}"/>
+                <a16:creationId xmlns:a16="http://schemas.microsoft.com/office/drawing/2014/main" id="{D1ED0091-A0CC-4522-A4E1-99602C92F687}"/>
               </a:ext>
             </a:extLst>
           </p:cNvPr>
@@ -6319,61 +6345,28 @@
         <p:spPr/>
         <p:txBody>
           <a:bodyPr>
-            <a:normAutofit lnSpcReduction="10000"/>
+            <a:normAutofit/>
           </a:bodyPr>
           <a:lstStyle/>
           <a:p>
-            <a:r>
-              <a:rPr lang="en-US" dirty="0"/>
-              <a:t>TP:	519</a:t>
-            </a:r>
-          </a:p>
-          <a:p>
-            <a:r>
-              <a:rPr lang="en-US" dirty="0"/>
-              <a:t>FP:	517</a:t>
-            </a:r>
-          </a:p>
-          <a:p>
-            <a:r>
-              <a:rPr lang="en-US" dirty="0"/>
-              <a:t>TN:	27949</a:t>
-            </a:r>
-          </a:p>
-          <a:p>
-            <a:r>
-              <a:rPr lang="en-US" dirty="0"/>
-              <a:t>FN:	2842</a:t>
-            </a:r>
-          </a:p>
-          <a:p>
-            <a:r>
-              <a:rPr lang="en-US" dirty="0"/>
-              <a:t>FPR:	0.01816201784585119</a:t>
-            </a:r>
-          </a:p>
-          <a:p>
-            <a:r>
-              <a:rPr lang="en-US" dirty="0"/>
-              <a:t>Precision:	0.500965250965251 ± 0.08711481944094397</a:t>
-            </a:r>
-          </a:p>
-          <a:p>
-            <a:r>
-              <a:rPr lang="en-US" dirty="0"/>
-              <a:t>Recall/TPR:	0.15441832787860757 ± 0.03622178707225869</a:t>
-            </a:r>
-          </a:p>
-          <a:p>
-            <a:r>
-              <a:rPr lang="en-US" dirty="0"/>
-              <a:t>F1-score:	0.2360700477598363 ± 0.0487765726023605</a:t>
-            </a:r>
-          </a:p>
-          <a:p>
-            <a:r>
-              <a:rPr lang="en-US" dirty="0"/>
-              <a:t>MCC:	0.23597300754427067 ± 0.05293743405150672(stderr)</a:t>
+            <a:pPr marL="0" indent="0" algn="ctr">
+              <a:buNone/>
+            </a:pPr>
+            <a:endParaRPr lang="de-DE" sz="3600" dirty="0"/>
+          </a:p>
+          <a:p>
+            <a:pPr marL="0" indent="0" algn="ctr">
+              <a:buNone/>
+            </a:pPr>
+            <a:endParaRPr lang="de-DE" sz="3600" dirty="0"/>
+          </a:p>
+          <a:p>
+            <a:pPr marL="0" indent="0" algn="ctr">
+              <a:buNone/>
+            </a:pPr>
+            <a:r>
+              <a:rPr lang="de-DE" sz="3600" dirty="0"/>
+              <a:t>Questions?</a:t>
             </a:r>
           </a:p>
         </p:txBody>
@@ -6383,7 +6376,7 @@
           <p:cNvPr id="4" name="Foliennummernplatzhalter 3">
             <a:extLst>
               <a:ext uri="{FF2B5EF4-FFF2-40B4-BE49-F238E27FC236}">
-                <a16:creationId xmlns:a16="http://schemas.microsoft.com/office/drawing/2014/main" id="{FA0D585C-CC90-4B30-90DD-73F0D164A1C9}"/>
+                <a16:creationId xmlns:a16="http://schemas.microsoft.com/office/drawing/2014/main" id="{6FE2A71F-4FFC-484B-93E3-04D170029A13}"/>
               </a:ext>
             </a:extLst>
           </p:cNvPr>
@@ -6410,7 +6403,7 @@
     </p:spTree>
     <p:extLst>
       <p:ext uri="{BB962C8B-B14F-4D97-AF65-F5344CB8AC3E}">
-        <p14:creationId xmlns:p14="http://schemas.microsoft.com/office/powerpoint/2010/main" val="4122554641"/>
+        <p14:creationId xmlns:p14="http://schemas.microsoft.com/office/powerpoint/2010/main" val="1520254085"/>
       </p:ext>
     </p:extLst>
   </p:cSld>
@@ -6589,7 +6582,7 @@
           <p:cNvPr id="2" name="Titel 1">
             <a:extLst>
               <a:ext uri="{FF2B5EF4-FFF2-40B4-BE49-F238E27FC236}">
-                <a16:creationId xmlns:a16="http://schemas.microsoft.com/office/drawing/2014/main" id="{936C496B-94C2-4A47-81DC-95D6DBF1CF49}"/>
+                <a16:creationId xmlns:a16="http://schemas.microsoft.com/office/drawing/2014/main" id="{9D97ED67-0983-40BA-B344-DFF1A8F9D645}"/>
               </a:ext>
             </a:extLst>
           </p:cNvPr>
@@ -6606,18 +6599,9 @@
           <a:lstStyle/>
           <a:p>
             <a:r>
-              <a:rPr lang="de-DE" dirty="0" err="1"/>
-              <a:t>Stats</a:t>
-            </a:r>
-            <a:r>
-              <a:rPr lang="de-DE" dirty="0"/>
-              <a:t> </a:t>
-            </a:r>
-            <a:r>
-              <a:rPr lang="de-DE" dirty="0" err="1"/>
-              <a:t>crossvalidation</a:t>
-            </a:r>
-            <a:endParaRPr lang="de-DE" dirty="0"/>
+              <a:rPr lang="en-US" dirty="0"/>
+              <a:t>stats</a:t>
+            </a:r>
           </a:p>
         </p:txBody>
       </p:sp>
@@ -6626,7 +6610,7 @@
           <p:cNvPr id="3" name="Inhaltsplatzhalter 2">
             <a:extLst>
               <a:ext uri="{FF2B5EF4-FFF2-40B4-BE49-F238E27FC236}">
-                <a16:creationId xmlns:a16="http://schemas.microsoft.com/office/drawing/2014/main" id="{5EA29DD7-D7EA-4CAD-A334-63FCFE0325A4}"/>
+                <a16:creationId xmlns:a16="http://schemas.microsoft.com/office/drawing/2014/main" id="{2EB22B1B-35DF-494F-B9F2-FC28829ED749}"/>
               </a:ext>
             </a:extLst>
           </p:cNvPr>
@@ -6639,56 +6623,63 @@
         </p:nvSpPr>
         <p:spPr/>
         <p:txBody>
-          <a:bodyPr/>
-          <a:lstStyle/>
-          <a:p>
-            <a:r>
-              <a:rPr lang="it-IT" dirty="0"/>
-              <a:t>TP: 1401</a:t>
-            </a:r>
-          </a:p>
-          <a:p>
-            <a:r>
-              <a:rPr lang="it-IT" dirty="0"/>
-              <a:t>FP: 2221</a:t>
-            </a:r>
-          </a:p>
-          <a:p>
-            <a:r>
-              <a:rPr lang="it-IT" dirty="0"/>
-              <a:t>TN: 105203</a:t>
-            </a:r>
-          </a:p>
-          <a:p>
-            <a:r>
-              <a:rPr lang="it-IT" dirty="0"/>
-              <a:t>FN: 9076</a:t>
-            </a:r>
-          </a:p>
-          <a:p>
-            <a:r>
-              <a:rPr lang="it-IT" dirty="0"/>
-              <a:t>TPR: 0.13372148515796506</a:t>
-            </a:r>
-          </a:p>
-          <a:p>
-            <a:r>
-              <a:rPr lang="it-IT" dirty="0"/>
-              <a:t>FPR: 0.020675081918379506</a:t>
-            </a:r>
-          </a:p>
-          <a:p>
-            <a:r>
-              <a:rPr lang="it-IT" dirty="0"/>
-              <a:t>Precision: 0.38680287134180014</a:t>
-            </a:r>
-          </a:p>
-          <a:p>
-            <a:r>
-              <a:rPr lang="it-IT" dirty="0"/>
-              <a:t>MCC: 0.1864096719348082</a:t>
-            </a:r>
-            <a:endParaRPr lang="de-DE" dirty="0"/>
+          <a:bodyPr>
+            <a:normAutofit lnSpcReduction="10000"/>
+          </a:bodyPr>
+          <a:lstStyle/>
+          <a:p>
+            <a:r>
+              <a:rPr lang="en-US" dirty="0"/>
+              <a:t>TP:	519</a:t>
+            </a:r>
+          </a:p>
+          <a:p>
+            <a:r>
+              <a:rPr lang="en-US" dirty="0"/>
+              <a:t>FP:	517</a:t>
+            </a:r>
+          </a:p>
+          <a:p>
+            <a:r>
+              <a:rPr lang="en-US" dirty="0"/>
+              <a:t>TN:	27949</a:t>
+            </a:r>
+          </a:p>
+          <a:p>
+            <a:r>
+              <a:rPr lang="en-US" dirty="0"/>
+              <a:t>FN:	2842</a:t>
+            </a:r>
+          </a:p>
+          <a:p>
+            <a:r>
+              <a:rPr lang="en-US" dirty="0"/>
+              <a:t>FPR:	0.01816201784585119</a:t>
+            </a:r>
+          </a:p>
+          <a:p>
+            <a:r>
+              <a:rPr lang="en-US" dirty="0"/>
+              <a:t>Precision:	0.500965250965251 ± 0.08711481944094397</a:t>
+            </a:r>
+          </a:p>
+          <a:p>
+            <a:r>
+              <a:rPr lang="en-US" dirty="0"/>
+              <a:t>Recall/TPR:	0.15441832787860757 ± 0.03622178707225869</a:t>
+            </a:r>
+          </a:p>
+          <a:p>
+            <a:r>
+              <a:rPr lang="en-US" dirty="0"/>
+              <a:t>F1-score:	0.2360700477598363 ± 0.0487765726023605</a:t>
+            </a:r>
+          </a:p>
+          <a:p>
+            <a:r>
+              <a:rPr lang="en-US" dirty="0"/>
+              <a:t>MCC:	0.23597300754427067 ± 0.05293743405150672(stderr)</a:t>
+            </a:r>
           </a:p>
         </p:txBody>
       </p:sp>
@@ -6697,7 +6688,7 @@
           <p:cNvPr id="4" name="Foliennummernplatzhalter 3">
             <a:extLst>
               <a:ext uri="{FF2B5EF4-FFF2-40B4-BE49-F238E27FC236}">
-                <a16:creationId xmlns:a16="http://schemas.microsoft.com/office/drawing/2014/main" id="{A5348A38-D92B-4498-9829-ABADED6CBFF9}"/>
+                <a16:creationId xmlns:a16="http://schemas.microsoft.com/office/drawing/2014/main" id="{FA0D585C-CC90-4B30-90DD-73F0D164A1C9}"/>
               </a:ext>
             </a:extLst>
           </p:cNvPr>
@@ -6716,6 +6707,173 @@
             <a:fld id="{CCAAE293-A3DA-4FFC-871C-7F0F209F7CB2}" type="slidenum">
               <a:rPr lang="en-US" smtClean="0"/>
               <a:t>20</a:t>
+            </a:fld>
+            <a:endParaRPr lang="en-US"/>
+          </a:p>
+        </p:txBody>
+      </p:sp>
+    </p:spTree>
+    <p:extLst>
+      <p:ext uri="{BB962C8B-B14F-4D97-AF65-F5344CB8AC3E}">
+        <p14:creationId xmlns:p14="http://schemas.microsoft.com/office/powerpoint/2010/main" val="4122554641"/>
+      </p:ext>
+    </p:extLst>
+  </p:cSld>
+  <p:clrMapOvr>
+    <a:masterClrMapping/>
+  </p:clrMapOvr>
+</p:sld>
+</file>
+
+<file path=ppt/slides/slide21.xml><?xml version="1.0" encoding="utf-8"?>
+<p:sld xmlns:a="http://schemas.openxmlformats.org/drawingml/2006/main" xmlns:r="http://schemas.openxmlformats.org/officeDocument/2006/relationships" xmlns:p="http://schemas.openxmlformats.org/presentationml/2006/main">
+  <p:cSld>
+    <p:spTree>
+      <p:nvGrpSpPr>
+        <p:cNvPr id="1" name=""/>
+        <p:cNvGrpSpPr/>
+        <p:nvPr/>
+      </p:nvGrpSpPr>
+      <p:grpSpPr>
+        <a:xfrm>
+          <a:off x="0" y="0"/>
+          <a:ext cx="0" cy="0"/>
+          <a:chOff x="0" y="0"/>
+          <a:chExt cx="0" cy="0"/>
+        </a:xfrm>
+      </p:grpSpPr>
+      <p:sp>
+        <p:nvSpPr>
+          <p:cNvPr id="2" name="Titel 1">
+            <a:extLst>
+              <a:ext uri="{FF2B5EF4-FFF2-40B4-BE49-F238E27FC236}">
+                <a16:creationId xmlns:a16="http://schemas.microsoft.com/office/drawing/2014/main" id="{936C496B-94C2-4A47-81DC-95D6DBF1CF49}"/>
+              </a:ext>
+            </a:extLst>
+          </p:cNvPr>
+          <p:cNvSpPr>
+            <a:spLocks noGrp="1"/>
+          </p:cNvSpPr>
+          <p:nvPr>
+            <p:ph type="title"/>
+          </p:nvPr>
+        </p:nvSpPr>
+        <p:spPr/>
+        <p:txBody>
+          <a:bodyPr/>
+          <a:lstStyle/>
+          <a:p>
+            <a:r>
+              <a:rPr lang="de-DE" dirty="0" err="1"/>
+              <a:t>Stats</a:t>
+            </a:r>
+            <a:r>
+              <a:rPr lang="de-DE" dirty="0"/>
+              <a:t> </a:t>
+            </a:r>
+            <a:r>
+              <a:rPr lang="de-DE" dirty="0" err="1"/>
+              <a:t>crossvalidation</a:t>
+            </a:r>
+            <a:endParaRPr lang="de-DE" dirty="0"/>
+          </a:p>
+        </p:txBody>
+      </p:sp>
+      <p:sp>
+        <p:nvSpPr>
+          <p:cNvPr id="3" name="Inhaltsplatzhalter 2">
+            <a:extLst>
+              <a:ext uri="{FF2B5EF4-FFF2-40B4-BE49-F238E27FC236}">
+                <a16:creationId xmlns:a16="http://schemas.microsoft.com/office/drawing/2014/main" id="{5EA29DD7-D7EA-4CAD-A334-63FCFE0325A4}"/>
+              </a:ext>
+            </a:extLst>
+          </p:cNvPr>
+          <p:cNvSpPr>
+            <a:spLocks noGrp="1"/>
+          </p:cNvSpPr>
+          <p:nvPr>
+            <p:ph idx="1"/>
+          </p:nvPr>
+        </p:nvSpPr>
+        <p:spPr/>
+        <p:txBody>
+          <a:bodyPr/>
+          <a:lstStyle/>
+          <a:p>
+            <a:r>
+              <a:rPr lang="it-IT" dirty="0"/>
+              <a:t>TP: 1401</a:t>
+            </a:r>
+          </a:p>
+          <a:p>
+            <a:r>
+              <a:rPr lang="it-IT" dirty="0"/>
+              <a:t>FP: 2221</a:t>
+            </a:r>
+          </a:p>
+          <a:p>
+            <a:r>
+              <a:rPr lang="it-IT" dirty="0"/>
+              <a:t>TN: 105203</a:t>
+            </a:r>
+          </a:p>
+          <a:p>
+            <a:r>
+              <a:rPr lang="it-IT" dirty="0"/>
+              <a:t>FN: 9076</a:t>
+            </a:r>
+          </a:p>
+          <a:p>
+            <a:r>
+              <a:rPr lang="it-IT" dirty="0"/>
+              <a:t>TPR: 0.13372148515796506</a:t>
+            </a:r>
+          </a:p>
+          <a:p>
+            <a:r>
+              <a:rPr lang="it-IT" dirty="0"/>
+              <a:t>FPR: 0.020675081918379506</a:t>
+            </a:r>
+          </a:p>
+          <a:p>
+            <a:r>
+              <a:rPr lang="it-IT" dirty="0"/>
+              <a:t>Precision: 0.38680287134180014</a:t>
+            </a:r>
+          </a:p>
+          <a:p>
+            <a:r>
+              <a:rPr lang="it-IT" dirty="0"/>
+              <a:t>MCC: 0.1864096719348082</a:t>
+            </a:r>
+            <a:endParaRPr lang="de-DE" dirty="0"/>
+          </a:p>
+        </p:txBody>
+      </p:sp>
+      <p:sp>
+        <p:nvSpPr>
+          <p:cNvPr id="4" name="Foliennummernplatzhalter 3">
+            <a:extLst>
+              <a:ext uri="{FF2B5EF4-FFF2-40B4-BE49-F238E27FC236}">
+                <a16:creationId xmlns:a16="http://schemas.microsoft.com/office/drawing/2014/main" id="{A5348A38-D92B-4498-9829-ABADED6CBFF9}"/>
+              </a:ext>
+            </a:extLst>
+          </p:cNvPr>
+          <p:cNvSpPr>
+            <a:spLocks noGrp="1"/>
+          </p:cNvSpPr>
+          <p:nvPr>
+            <p:ph type="sldNum" sz="quarter" idx="12"/>
+          </p:nvPr>
+        </p:nvSpPr>
+        <p:spPr/>
+        <p:txBody>
+          <a:bodyPr/>
+          <a:lstStyle/>
+          <a:p>
+            <a:fld id="{CCAAE293-A3DA-4FFC-871C-7F0F209F7CB2}" type="slidenum">
+              <a:rPr lang="en-US" smtClean="0"/>
+              <a:t>21</a:t>
             </a:fld>
             <a:endParaRPr lang="en-US"/>
           </a:p>

--- a/BLOSUMscoresComparedToSingleSNAPscores.pptx
+++ b/BLOSUMscoresComparedToSingleSNAPscores.pptx
@@ -376,7 +376,7 @@
           <a:p>
             <a:fld id="{BD6544A4-5AEA-4FD1-BFF4-C7493F24BB4E}" type="slidenum">
               <a:rPr lang="en-US" smtClean="0"/>
-              <a:t>‹#›</a:t>
+              <a:t>‹Nr.›</a:t>
             </a:fld>
             <a:endParaRPr lang="en-US"/>
           </a:p>
@@ -693,7 +693,7 @@
             <a:fld id="{B38A1AC8-FB3F-493B-87B4-B9C3F07C4D88}" type="slidenum">
               <a:rPr lang="en-US" smtClean="0"/>
               <a:pPr/>
-              <a:t>‹#›</a:t>
+              <a:t>‹Nr.›</a:t>
             </a:fld>
             <a:endParaRPr lang="en-US" dirty="0"/>
           </a:p>
@@ -964,7 +964,7 @@
           <a:p>
             <a:fld id="{CCAAE293-A3DA-4FFC-871C-7F0F209F7CB2}" type="slidenum">
               <a:rPr lang="en-US" smtClean="0"/>
-              <a:t>‹#›</a:t>
+              <a:t>‹Nr.›</a:t>
             </a:fld>
             <a:endParaRPr lang="en-US"/>
           </a:p>
@@ -1174,7 +1174,7 @@
           <a:p>
             <a:fld id="{CCAAE293-A3DA-4FFC-871C-7F0F209F7CB2}" type="slidenum">
               <a:rPr lang="en-US" smtClean="0"/>
-              <a:t>‹#›</a:t>
+              <a:t>‹Nr.›</a:t>
             </a:fld>
             <a:endParaRPr lang="en-US"/>
           </a:p>
@@ -1374,7 +1374,7 @@
           <a:p>
             <a:fld id="{CCAAE293-A3DA-4FFC-871C-7F0F209F7CB2}" type="slidenum">
               <a:rPr lang="en-US" smtClean="0"/>
-              <a:t>‹#›</a:t>
+              <a:t>‹Nr.›</a:t>
             </a:fld>
             <a:endParaRPr lang="en-US"/>
           </a:p>
@@ -1716,7 +1716,7 @@
           <a:p>
             <a:fld id="{CCAAE293-A3DA-4FFC-871C-7F0F209F7CB2}" type="slidenum">
               <a:rPr lang="en-US" smtClean="0"/>
-              <a:t>‹#›</a:t>
+              <a:t>‹Nr.›</a:t>
             </a:fld>
             <a:endParaRPr lang="en-US"/>
           </a:p>
@@ -1984,7 +1984,7 @@
           <a:p>
             <a:fld id="{CCAAE293-A3DA-4FFC-871C-7F0F209F7CB2}" type="slidenum">
               <a:rPr lang="en-US" smtClean="0"/>
-              <a:t>‹#›</a:t>
+              <a:t>‹Nr.›</a:t>
             </a:fld>
             <a:endParaRPr lang="en-US"/>
           </a:p>
@@ -2470,7 +2470,7 @@
           <a:p>
             <a:fld id="{CCAAE293-A3DA-4FFC-871C-7F0F209F7CB2}" type="slidenum">
               <a:rPr lang="en-US" smtClean="0"/>
-              <a:t>‹#›</a:t>
+              <a:t>‹Nr.›</a:t>
             </a:fld>
             <a:endParaRPr lang="en-US"/>
           </a:p>
@@ -2612,7 +2612,7 @@
           <a:p>
             <a:fld id="{CCAAE293-A3DA-4FFC-871C-7F0F209F7CB2}" type="slidenum">
               <a:rPr lang="en-US" smtClean="0"/>
-              <a:t>‹#›</a:t>
+              <a:t>‹Nr.›</a:t>
             </a:fld>
             <a:endParaRPr lang="en-US"/>
           </a:p>
@@ -2725,7 +2725,7 @@
           <a:p>
             <a:fld id="{CCAAE293-A3DA-4FFC-871C-7F0F209F7CB2}" type="slidenum">
               <a:rPr lang="en-US" smtClean="0"/>
-              <a:t>‹#›</a:t>
+              <a:t>‹Nr.›</a:t>
             </a:fld>
             <a:endParaRPr lang="en-US"/>
           </a:p>
@@ -3038,7 +3038,7 @@
           <a:p>
             <a:fld id="{CCAAE293-A3DA-4FFC-871C-7F0F209F7CB2}" type="slidenum">
               <a:rPr lang="en-US" smtClean="0"/>
-              <a:t>‹#›</a:t>
+              <a:t>‹Nr.›</a:t>
             </a:fld>
             <a:endParaRPr lang="en-US"/>
           </a:p>
@@ -3327,7 +3327,7 @@
           <a:p>
             <a:fld id="{CCAAE293-A3DA-4FFC-871C-7F0F209F7CB2}" type="slidenum">
               <a:rPr lang="en-US" smtClean="0"/>
-              <a:t>‹#›</a:t>
+              <a:t>‹Nr.›</a:t>
             </a:fld>
             <a:endParaRPr lang="en-US"/>
           </a:p>
@@ -3606,7 +3606,7 @@
           <a:p>
             <a:fld id="{CCAAE293-A3DA-4FFC-871C-7F0F209F7CB2}" type="slidenum">
               <a:rPr lang="en-US" smtClean="0"/>
-              <a:t>‹#›</a:t>
+              <a:t>‹Nr.›</a:t>
             </a:fld>
             <a:endParaRPr lang="en-US"/>
           </a:p>
@@ -4777,21 +4777,6 @@
           <a:p>
             <a:endParaRPr lang="en-US" dirty="0"/>
           </a:p>
-          <a:p>
-            <a:r>
-              <a:rPr lang="en-US" dirty="0"/>
-              <a:t>MCC: 0.24 ± 0.05</a:t>
-            </a:r>
-          </a:p>
-          <a:p>
-            <a:endParaRPr lang="en-US" dirty="0"/>
-          </a:p>
-          <a:p>
-            <a:r>
-              <a:rPr lang="en-US" dirty="0"/>
-              <a:t>F1-score:	0.24 ± 0.05</a:t>
-            </a:r>
-          </a:p>
         </p:txBody>
       </p:sp>
       <p:sp>
@@ -4904,6 +4889,134 @@
           </a:prstGeom>
         </p:spPr>
       </p:pic>
+      <p:sp>
+        <p:nvSpPr>
+          <p:cNvPr id="5" name="Textfeld 4">
+            <a:extLst>
+              <a:ext uri="{FF2B5EF4-FFF2-40B4-BE49-F238E27FC236}">
+                <a16:creationId xmlns:a16="http://schemas.microsoft.com/office/drawing/2014/main" id="{A20160BE-0E87-4117-B39A-45786E0E9AF9}"/>
+              </a:ext>
+            </a:extLst>
+          </p:cNvPr>
+          <p:cNvSpPr txBox="1"/>
+          <p:nvPr/>
+        </p:nvSpPr>
+        <p:spPr>
+          <a:xfrm>
+            <a:off x="1019532" y="4195341"/>
+            <a:ext cx="4823669" cy="1754326"/>
+          </a:xfrm>
+          <a:prstGeom prst="rect">
+            <a:avLst/>
+          </a:prstGeom>
+          <a:noFill/>
+        </p:spPr>
+        <p:txBody>
+          <a:bodyPr wrap="square" rtlCol="0">
+            <a:spAutoFit/>
+          </a:bodyPr>
+          <a:lstStyle/>
+          <a:p>
+            <a:pPr algn="ctr"/>
+            <a:r>
+              <a:rPr lang="de-DE" dirty="0"/>
+              <a:t>Cross-validation:</a:t>
+            </a:r>
+          </a:p>
+          <a:p>
+            <a:pPr algn="ctr"/>
+            <a:endParaRPr lang="de-DE" dirty="0"/>
+          </a:p>
+          <a:p>
+            <a:pPr algn="ctr"/>
+            <a:r>
+              <a:rPr lang="en-US" dirty="0"/>
+              <a:t>MCC: 0.19 ± 0.06</a:t>
+            </a:r>
+          </a:p>
+          <a:p>
+            <a:pPr algn="ctr"/>
+            <a:endParaRPr lang="en-US" dirty="0"/>
+          </a:p>
+          <a:p>
+            <a:pPr algn="ctr"/>
+            <a:r>
+              <a:rPr lang="en-US" dirty="0"/>
+              <a:t>F1-score:	0.19 ± 0.05</a:t>
+            </a:r>
+          </a:p>
+          <a:p>
+            <a:pPr algn="ctr"/>
+            <a:endParaRPr lang="de-DE" dirty="0"/>
+          </a:p>
+        </p:txBody>
+      </p:sp>
+      <p:sp>
+        <p:nvSpPr>
+          <p:cNvPr id="9" name="Textfeld 8">
+            <a:extLst>
+              <a:ext uri="{FF2B5EF4-FFF2-40B4-BE49-F238E27FC236}">
+                <a16:creationId xmlns:a16="http://schemas.microsoft.com/office/drawing/2014/main" id="{2116E3B5-479F-4B33-97DA-FEB452B6B981}"/>
+              </a:ext>
+            </a:extLst>
+          </p:cNvPr>
+          <p:cNvSpPr txBox="1"/>
+          <p:nvPr/>
+        </p:nvSpPr>
+        <p:spPr>
+          <a:xfrm>
+            <a:off x="5843201" y="4195341"/>
+            <a:ext cx="4823669" cy="1754326"/>
+          </a:xfrm>
+          <a:prstGeom prst="rect">
+            <a:avLst/>
+          </a:prstGeom>
+          <a:noFill/>
+        </p:spPr>
+        <p:txBody>
+          <a:bodyPr wrap="square" rtlCol="0">
+            <a:spAutoFit/>
+          </a:bodyPr>
+          <a:lstStyle/>
+          <a:p>
+            <a:pPr algn="ctr"/>
+            <a:r>
+              <a:rPr lang="de-DE" dirty="0" err="1"/>
+              <a:t>Testset</a:t>
+            </a:r>
+            <a:r>
+              <a:rPr lang="de-DE" dirty="0"/>
+              <a:t>:</a:t>
+            </a:r>
+          </a:p>
+          <a:p>
+            <a:pPr algn="ctr"/>
+            <a:endParaRPr lang="de-DE" dirty="0"/>
+          </a:p>
+          <a:p>
+            <a:pPr algn="ctr"/>
+            <a:r>
+              <a:rPr lang="en-US" dirty="0"/>
+              <a:t>MCC: 0.24 ± 0.05</a:t>
+            </a:r>
+          </a:p>
+          <a:p>
+            <a:pPr algn="ctr"/>
+            <a:endParaRPr lang="en-US" dirty="0"/>
+          </a:p>
+          <a:p>
+            <a:pPr algn="ctr"/>
+            <a:r>
+              <a:rPr lang="en-US" dirty="0"/>
+              <a:t>F1-score:	0.24 ± 0.05</a:t>
+            </a:r>
+          </a:p>
+          <a:p>
+            <a:pPr algn="ctr"/>
+            <a:endParaRPr lang="de-DE" dirty="0"/>
+          </a:p>
+        </p:txBody>
+      </p:sp>
     </p:spTree>
     <p:extLst>
       <p:ext uri="{BB962C8B-B14F-4D97-AF65-F5344CB8AC3E}">
@@ -5852,9 +5965,10 @@
           </a:bodyPr>
           <a:lstStyle/>
           <a:p>
+            <a:pPr algn="ctr"/>
             <a:r>
               <a:rPr lang="de-DE" dirty="0"/>
-              <a:t>MCC: -0.0012085301496811804</a:t>
+              <a:t>MCC: -0.001</a:t>
             </a:r>
           </a:p>
         </p:txBody>
@@ -5894,7 +6008,7 @@
             </a:r>
             <a:r>
               <a:rPr lang="en-US" dirty="0"/>
-              <a:t>0.23597300754427067</a:t>
+              <a:t>0.24</a:t>
             </a:r>
             <a:r>
               <a:rPr lang="de-DE" dirty="0"/>
@@ -6797,7 +6911,9 @@
         </p:nvSpPr>
         <p:spPr/>
         <p:txBody>
-          <a:bodyPr/>
+          <a:bodyPr>
+            <a:normAutofit lnSpcReduction="10000"/>
+          </a:bodyPr>
           <a:lstStyle/>
           <a:p>
             <a:r>
@@ -6826,25 +6942,50 @@
           <a:p>
             <a:r>
               <a:rPr lang="it-IT" dirty="0"/>
-              <a:t>TPR: 0.13372148515796506</a:t>
-            </a:r>
+              <a:t>TPR: 0.13372148515796506 </a:t>
+            </a:r>
+            <a:r>
+              <a:rPr lang="en-US" dirty="0"/>
+              <a:t>± 0.03525876255192725</a:t>
+            </a:r>
+            <a:endParaRPr lang="it-IT" dirty="0"/>
           </a:p>
           <a:p>
             <a:r>
               <a:rPr lang="it-IT" dirty="0"/>
-              <a:t>FPR: 0.020675081918379506</a:t>
-            </a:r>
+              <a:t>FPR: 0.020675081918379506 </a:t>
+            </a:r>
+            <a:r>
+              <a:rPr lang="en-US" dirty="0"/>
+              <a:t>± </a:t>
+            </a:r>
+            <a:endParaRPr lang="it-IT" dirty="0"/>
           </a:p>
           <a:p>
             <a:r>
               <a:rPr lang="it-IT" dirty="0"/>
-              <a:t>Precision: 0.38680287134180014</a:t>
-            </a:r>
+              <a:t>Precision: 0.38680287134180014 </a:t>
+            </a:r>
+            <a:r>
+              <a:rPr lang="en-US" dirty="0"/>
+              <a:t>± 0.09980623925902139</a:t>
+            </a:r>
+            <a:endParaRPr lang="it-IT" dirty="0"/>
           </a:p>
           <a:p>
             <a:r>
               <a:rPr lang="it-IT" dirty="0"/>
-              <a:t>MCC: 0.1864096719348082</a:t>
+              <a:t>MCC: 0.1864096719348082 </a:t>
+            </a:r>
+            <a:r>
+              <a:rPr lang="en-US" dirty="0"/>
+              <a:t>± 0.05680394618676588</a:t>
+            </a:r>
+          </a:p>
+          <a:p>
+            <a:r>
+              <a:rPr lang="en-US" dirty="0"/>
+              <a:t>F1: 0.1898892068383594 ± 0.04955890189837977</a:t>
             </a:r>
             <a:endParaRPr lang="de-DE" dirty="0"/>
           </a:p>

--- a/BLOSUMscoresComparedToSingleSNAPscores.pptx
+++ b/BLOSUMscoresComparedToSingleSNAPscores.pptx
@@ -5,7 +5,7 @@
     <p:sldMasterId id="2147483648" r:id="rId1"/>
   </p:sldMasterIdLst>
   <p:notesMasterIdLst>
-    <p:notesMasterId r:id="rId23"/>
+    <p:notesMasterId r:id="rId24"/>
   </p:notesMasterIdLst>
   <p:sldIdLst>
     <p:sldId id="256" r:id="rId2"/>
@@ -24,11 +24,12 @@
     <p:sldId id="264" r:id="rId15"/>
     <p:sldId id="257" r:id="rId16"/>
     <p:sldId id="267" r:id="rId17"/>
-    <p:sldId id="266" r:id="rId18"/>
-    <p:sldId id="276" r:id="rId19"/>
-    <p:sldId id="275" r:id="rId20"/>
-    <p:sldId id="265" r:id="rId21"/>
-    <p:sldId id="274" r:id="rId22"/>
+    <p:sldId id="277" r:id="rId18"/>
+    <p:sldId id="266" r:id="rId19"/>
+    <p:sldId id="276" r:id="rId20"/>
+    <p:sldId id="275" r:id="rId21"/>
+    <p:sldId id="265" r:id="rId22"/>
+    <p:sldId id="274" r:id="rId23"/>
   </p:sldIdLst>
   <p:sldSz cx="12192000" cy="6858000"/>
   <p:notesSz cx="6858000" cy="9144000"/>
@@ -217,7 +218,7 @@
           <a:p>
             <a:fld id="{BE47421D-6B25-4D09-8162-8EA388836D4C}" type="datetimeFigureOut">
               <a:rPr lang="en-US" smtClean="0"/>
-              <a:t>6/26/2019</a:t>
+              <a:t>7/1/2019</a:t>
             </a:fld>
             <a:endParaRPr lang="en-US"/>
           </a:p>
@@ -376,7 +377,7 @@
           <a:p>
             <a:fld id="{BD6544A4-5AEA-4FD1-BFF4-C7493F24BB4E}" type="slidenum">
               <a:rPr lang="en-US" smtClean="0"/>
-              <a:t>‹Nr.›</a:t>
+              <a:t>‹#›</a:t>
             </a:fld>
             <a:endParaRPr lang="en-US"/>
           </a:p>
@@ -634,7 +635,7 @@
           <a:p>
             <a:fld id="{B71E07F1-449B-44C9-BD54-F5C07B09ED41}" type="datetime1">
               <a:rPr lang="en-US" smtClean="0"/>
-              <a:t>6/26/2019</a:t>
+              <a:t>7/1/2019</a:t>
             </a:fld>
             <a:endParaRPr lang="en-US"/>
           </a:p>
@@ -693,7 +694,7 @@
             <a:fld id="{B38A1AC8-FB3F-493B-87B4-B9C3F07C4D88}" type="slidenum">
               <a:rPr lang="en-US" smtClean="0"/>
               <a:pPr/>
-              <a:t>‹Nr.›</a:t>
+              <a:t>‹#›</a:t>
             </a:fld>
             <a:endParaRPr lang="en-US" dirty="0"/>
           </a:p>
@@ -910,7 +911,7 @@
           <a:p>
             <a:fld id="{D79EEBDE-3FA1-4063-B80D-915D5E4A78B1}" type="datetime1">
               <a:rPr lang="en-US" smtClean="0"/>
-              <a:t>6/26/2019</a:t>
+              <a:t>7/1/2019</a:t>
             </a:fld>
             <a:endParaRPr lang="en-US"/>
           </a:p>
@@ -964,7 +965,7 @@
           <a:p>
             <a:fld id="{CCAAE293-A3DA-4FFC-871C-7F0F209F7CB2}" type="slidenum">
               <a:rPr lang="en-US" smtClean="0"/>
-              <a:t>‹Nr.›</a:t>
+              <a:t>‹#›</a:t>
             </a:fld>
             <a:endParaRPr lang="en-US"/>
           </a:p>
@@ -1120,7 +1121,7 @@
           <a:p>
             <a:fld id="{353630B3-3CD1-4E3F-9E40-349197FCC2B7}" type="datetime1">
               <a:rPr lang="en-US" smtClean="0"/>
-              <a:t>6/26/2019</a:t>
+              <a:t>7/1/2019</a:t>
             </a:fld>
             <a:endParaRPr lang="en-US"/>
           </a:p>
@@ -1174,7 +1175,7 @@
           <a:p>
             <a:fld id="{CCAAE293-A3DA-4FFC-871C-7F0F209F7CB2}" type="slidenum">
               <a:rPr lang="en-US" smtClean="0"/>
-              <a:t>‹Nr.›</a:t>
+              <a:t>‹#›</a:t>
             </a:fld>
             <a:endParaRPr lang="en-US"/>
           </a:p>
@@ -1320,7 +1321,7 @@
           <a:p>
             <a:fld id="{24599511-F4D0-4114-BAA1-E622A7DA1467}" type="datetime1">
               <a:rPr lang="en-US" smtClean="0"/>
-              <a:t>6/26/2019</a:t>
+              <a:t>7/1/2019</a:t>
             </a:fld>
             <a:endParaRPr lang="en-US"/>
           </a:p>
@@ -1374,7 +1375,7 @@
           <a:p>
             <a:fld id="{CCAAE293-A3DA-4FFC-871C-7F0F209F7CB2}" type="slidenum">
               <a:rPr lang="en-US" smtClean="0"/>
-              <a:t>‹Nr.›</a:t>
+              <a:t>‹#›</a:t>
             </a:fld>
             <a:endParaRPr lang="en-US"/>
           </a:p>
@@ -1662,7 +1663,7 @@
           <a:p>
             <a:fld id="{B53D693C-CC4D-4420-83CB-F3E160B96F87}" type="datetime1">
               <a:rPr lang="en-US" smtClean="0"/>
-              <a:t>6/26/2019</a:t>
+              <a:t>7/1/2019</a:t>
             </a:fld>
             <a:endParaRPr lang="en-US"/>
           </a:p>
@@ -1716,7 +1717,7 @@
           <a:p>
             <a:fld id="{CCAAE293-A3DA-4FFC-871C-7F0F209F7CB2}" type="slidenum">
               <a:rPr lang="en-US" smtClean="0"/>
-              <a:t>‹Nr.›</a:t>
+              <a:t>‹#›</a:t>
             </a:fld>
             <a:endParaRPr lang="en-US"/>
           </a:p>
@@ -1930,7 +1931,7 @@
           <a:p>
             <a:fld id="{367EC864-8FCC-448A-BE17-39D9885DBBCA}" type="datetime1">
               <a:rPr lang="en-US" smtClean="0"/>
-              <a:t>6/26/2019</a:t>
+              <a:t>7/1/2019</a:t>
             </a:fld>
             <a:endParaRPr lang="en-US"/>
           </a:p>
@@ -1984,7 +1985,7 @@
           <a:p>
             <a:fld id="{CCAAE293-A3DA-4FFC-871C-7F0F209F7CB2}" type="slidenum">
               <a:rPr lang="en-US" smtClean="0"/>
-              <a:t>‹Nr.›</a:t>
+              <a:t>‹#›</a:t>
             </a:fld>
             <a:endParaRPr lang="en-US"/>
           </a:p>
@@ -2416,7 +2417,7 @@
           <a:p>
             <a:fld id="{C761778D-CD2C-459B-A136-243974ED1D6B}" type="datetime1">
               <a:rPr lang="en-US" smtClean="0"/>
-              <a:t>6/26/2019</a:t>
+              <a:t>7/1/2019</a:t>
             </a:fld>
             <a:endParaRPr lang="en-US"/>
           </a:p>
@@ -2470,7 +2471,7 @@
           <a:p>
             <a:fld id="{CCAAE293-A3DA-4FFC-871C-7F0F209F7CB2}" type="slidenum">
               <a:rPr lang="en-US" smtClean="0"/>
-              <a:t>‹Nr.›</a:t>
+              <a:t>‹#›</a:t>
             </a:fld>
             <a:endParaRPr lang="en-US"/>
           </a:p>
@@ -2558,7 +2559,7 @@
           <a:p>
             <a:fld id="{6C2D183E-439E-4D5A-9FCD-6954BE72083F}" type="datetime1">
               <a:rPr lang="en-US" smtClean="0"/>
-              <a:t>6/26/2019</a:t>
+              <a:t>7/1/2019</a:t>
             </a:fld>
             <a:endParaRPr lang="en-US"/>
           </a:p>
@@ -2612,7 +2613,7 @@
           <a:p>
             <a:fld id="{CCAAE293-A3DA-4FFC-871C-7F0F209F7CB2}" type="slidenum">
               <a:rPr lang="en-US" smtClean="0"/>
-              <a:t>‹Nr.›</a:t>
+              <a:t>‹#›</a:t>
             </a:fld>
             <a:endParaRPr lang="en-US"/>
           </a:p>
@@ -2671,7 +2672,7 @@
           <a:p>
             <a:fld id="{163580C6-060F-4634-B1A7-AFF51B63E4D2}" type="datetime1">
               <a:rPr lang="en-US" smtClean="0"/>
-              <a:t>6/26/2019</a:t>
+              <a:t>7/1/2019</a:t>
             </a:fld>
             <a:endParaRPr lang="en-US"/>
           </a:p>
@@ -2725,7 +2726,7 @@
           <a:p>
             <a:fld id="{CCAAE293-A3DA-4FFC-871C-7F0F209F7CB2}" type="slidenum">
               <a:rPr lang="en-US" smtClean="0"/>
-              <a:t>‹Nr.›</a:t>
+              <a:t>‹#›</a:t>
             </a:fld>
             <a:endParaRPr lang="en-US"/>
           </a:p>
@@ -2984,7 +2985,7 @@
           <a:p>
             <a:fld id="{9B3BBF64-0219-4289-BC1E-E296F521D572}" type="datetime1">
               <a:rPr lang="en-US" smtClean="0"/>
-              <a:t>6/26/2019</a:t>
+              <a:t>7/1/2019</a:t>
             </a:fld>
             <a:endParaRPr lang="en-US"/>
           </a:p>
@@ -3038,7 +3039,7 @@
           <a:p>
             <a:fld id="{CCAAE293-A3DA-4FFC-871C-7F0F209F7CB2}" type="slidenum">
               <a:rPr lang="en-US" smtClean="0"/>
-              <a:t>‹Nr.›</a:t>
+              <a:t>‹#›</a:t>
             </a:fld>
             <a:endParaRPr lang="en-US"/>
           </a:p>
@@ -3273,7 +3274,7 @@
           <a:p>
             <a:fld id="{C33C430B-6D56-4AA7-83BC-CDEA806B7089}" type="datetime1">
               <a:rPr lang="en-US" smtClean="0"/>
-              <a:t>6/26/2019</a:t>
+              <a:t>7/1/2019</a:t>
             </a:fld>
             <a:endParaRPr lang="en-US"/>
           </a:p>
@@ -3327,7 +3328,7 @@
           <a:p>
             <a:fld id="{CCAAE293-A3DA-4FFC-871C-7F0F209F7CB2}" type="slidenum">
               <a:rPr lang="en-US" smtClean="0"/>
-              <a:t>‹Nr.›</a:t>
+              <a:t>‹#›</a:t>
             </a:fld>
             <a:endParaRPr lang="en-US"/>
           </a:p>
@@ -3516,7 +3517,7 @@
           <a:p>
             <a:fld id="{A2DE2F3D-109B-4EFE-A3EA-B646ECF38A5C}" type="datetime1">
               <a:rPr lang="en-US" smtClean="0"/>
-              <a:t>6/26/2019</a:t>
+              <a:t>7/1/2019</a:t>
             </a:fld>
             <a:endParaRPr lang="en-US"/>
           </a:p>
@@ -3606,7 +3607,7 @@
           <a:p>
             <a:fld id="{CCAAE293-A3DA-4FFC-871C-7F0F209F7CB2}" type="slidenum">
               <a:rPr lang="en-US" smtClean="0"/>
-              <a:t>‹Nr.›</a:t>
+              <a:t>‹#›</a:t>
             </a:fld>
             <a:endParaRPr lang="en-US"/>
           </a:p>
@@ -6079,12 +6080,47 @@
           <a:chExt cx="0" cy="0"/>
         </a:xfrm>
       </p:grpSpPr>
-      <p:sp>
-        <p:nvSpPr>
-          <p:cNvPr id="4" name="Foliennummernplatzhalter 3">
-            <a:extLst>
-              <a:ext uri="{FF2B5EF4-FFF2-40B4-BE49-F238E27FC236}">
-                <a16:creationId xmlns:a16="http://schemas.microsoft.com/office/drawing/2014/main" id="{768EA576-5302-4115-88A4-24E38051F977}"/>
+      <p:pic>
+        <p:nvPicPr>
+          <p:cNvPr id="7" name="Content Placeholder 6">
+            <a:extLst>
+              <a:ext uri="{FF2B5EF4-FFF2-40B4-BE49-F238E27FC236}">
+                <a16:creationId xmlns:a16="http://schemas.microsoft.com/office/drawing/2014/main" id="{E946860C-4040-4A86-AD2C-E81F655627A7}"/>
+              </a:ext>
+            </a:extLst>
+          </p:cNvPr>
+          <p:cNvPicPr>
+            <a:picLocks noGrp="1" noChangeAspect="1"/>
+          </p:cNvPicPr>
+          <p:nvPr>
+            <p:ph sz="half" idx="1"/>
+          </p:nvPr>
+        </p:nvPicPr>
+        <p:blipFill>
+          <a:blip r:embed="rId2">
+            <a:extLst>
+              <a:ext uri="{28A0092B-C50C-407E-A947-70E740481C1C}">
+                <a14:useLocalDpi xmlns:a14="http://schemas.microsoft.com/office/drawing/2010/main" val="0"/>
+              </a:ext>
+            </a:extLst>
+          </a:blip>
+          <a:stretch>
+            <a:fillRect/>
+          </a:stretch>
+        </p:blipFill>
+        <p:spPr>
+          <a:xfrm>
+            <a:off x="2178775" y="1112383"/>
+            <a:ext cx="7834449" cy="5243967"/>
+          </a:xfrm>
+        </p:spPr>
+      </p:pic>
+      <p:sp>
+        <p:nvSpPr>
+          <p:cNvPr id="5" name="Slide Number Placeholder 4">
+            <a:extLst>
+              <a:ext uri="{FF2B5EF4-FFF2-40B4-BE49-F238E27FC236}">
+                <a16:creationId xmlns:a16="http://schemas.microsoft.com/office/drawing/2014/main" id="{F6CA6D56-A3A3-43A7-B142-4A792E6DED8D}"/>
               </a:ext>
             </a:extLst>
           </p:cNvPr>
@@ -6095,7 +6131,12 @@
             <p:ph type="sldNum" sz="quarter" idx="12"/>
           </p:nvPr>
         </p:nvSpPr>
-        <p:spPr/>
+        <p:spPr>
+          <a:xfrm>
+            <a:off x="8610600" y="6356350"/>
+            <a:ext cx="2743200" cy="365125"/>
+          </a:xfrm>
+        </p:spPr>
         <p:txBody>
           <a:bodyPr/>
           <a:lstStyle/>
@@ -6103,6 +6144,102 @@
             <a:fld id="{CCAAE293-A3DA-4FFC-871C-7F0F209F7CB2}" type="slidenum">
               <a:rPr lang="en-US" smtClean="0"/>
               <a:t>17</a:t>
+            </a:fld>
+            <a:endParaRPr lang="en-US"/>
+          </a:p>
+        </p:txBody>
+      </p:sp>
+      <p:sp>
+        <p:nvSpPr>
+          <p:cNvPr id="2" name="Title 1">
+            <a:extLst>
+              <a:ext uri="{FF2B5EF4-FFF2-40B4-BE49-F238E27FC236}">
+                <a16:creationId xmlns:a16="http://schemas.microsoft.com/office/drawing/2014/main" id="{7F0FE8B0-FB92-4D8E-9F76-A2BBF7481B1A}"/>
+              </a:ext>
+            </a:extLst>
+          </p:cNvPr>
+          <p:cNvSpPr>
+            <a:spLocks noGrp="1"/>
+          </p:cNvSpPr>
+          <p:nvPr>
+            <p:ph type="title"/>
+          </p:nvPr>
+        </p:nvSpPr>
+        <p:spPr>
+          <a:xfrm>
+            <a:off x="838200" y="365125"/>
+            <a:ext cx="10515600" cy="1325563"/>
+          </a:xfrm>
+        </p:spPr>
+        <p:txBody>
+          <a:bodyPr/>
+          <a:lstStyle/>
+          <a:p>
+            <a:r>
+              <a:rPr lang="en-GB" dirty="0" err="1"/>
+              <a:t>Cutoff</a:t>
+            </a:r>
+            <a:r>
+              <a:rPr lang="en-GB" dirty="0"/>
+              <a:t> distribution</a:t>
+            </a:r>
+          </a:p>
+        </p:txBody>
+      </p:sp>
+    </p:spTree>
+    <p:extLst>
+      <p:ext uri="{BB962C8B-B14F-4D97-AF65-F5344CB8AC3E}">
+        <p14:creationId xmlns:p14="http://schemas.microsoft.com/office/powerpoint/2010/main" val="3467787485"/>
+      </p:ext>
+    </p:extLst>
+  </p:cSld>
+  <p:clrMapOvr>
+    <a:masterClrMapping/>
+  </p:clrMapOvr>
+</p:sld>
+</file>
+
+<file path=ppt/slides/slide18.xml><?xml version="1.0" encoding="utf-8"?>
+<p:sld xmlns:a="http://schemas.openxmlformats.org/drawingml/2006/main" xmlns:r="http://schemas.openxmlformats.org/officeDocument/2006/relationships" xmlns:p="http://schemas.openxmlformats.org/presentationml/2006/main">
+  <p:cSld>
+    <p:spTree>
+      <p:nvGrpSpPr>
+        <p:cNvPr id="1" name=""/>
+        <p:cNvGrpSpPr/>
+        <p:nvPr/>
+      </p:nvGrpSpPr>
+      <p:grpSpPr>
+        <a:xfrm>
+          <a:off x="0" y="0"/>
+          <a:ext cx="0" cy="0"/>
+          <a:chOff x="0" y="0"/>
+          <a:chExt cx="0" cy="0"/>
+        </a:xfrm>
+      </p:grpSpPr>
+      <p:sp>
+        <p:nvSpPr>
+          <p:cNvPr id="4" name="Foliennummernplatzhalter 3">
+            <a:extLst>
+              <a:ext uri="{FF2B5EF4-FFF2-40B4-BE49-F238E27FC236}">
+                <a16:creationId xmlns:a16="http://schemas.microsoft.com/office/drawing/2014/main" id="{768EA576-5302-4115-88A4-24E38051F977}"/>
+              </a:ext>
+            </a:extLst>
+          </p:cNvPr>
+          <p:cNvSpPr>
+            <a:spLocks noGrp="1"/>
+          </p:cNvSpPr>
+          <p:nvPr>
+            <p:ph type="sldNum" sz="quarter" idx="12"/>
+          </p:nvPr>
+        </p:nvSpPr>
+        <p:spPr/>
+        <p:txBody>
+          <a:bodyPr/>
+          <a:lstStyle/>
+          <a:p>
+            <a:fld id="{CCAAE293-A3DA-4FFC-871C-7F0F209F7CB2}" type="slidenum">
+              <a:rPr lang="en-US" smtClean="0"/>
+              <a:t>18</a:t>
             </a:fld>
             <a:endParaRPr lang="en-US"/>
           </a:p>
@@ -6208,7 +6345,7 @@
 </p:sld>
 </file>
 
-<file path=ppt/slides/slide18.xml><?xml version="1.0" encoding="utf-8"?>
+<file path=ppt/slides/slide19.xml><?xml version="1.0" encoding="utf-8"?>
 <p:sld xmlns:a="http://schemas.openxmlformats.org/drawingml/2006/main" xmlns:r="http://schemas.openxmlformats.org/officeDocument/2006/relationships" xmlns:p="http://schemas.openxmlformats.org/presentationml/2006/main">
   <p:cSld>
     <p:spTree>
@@ -6327,7 +6464,7 @@
           <a:p>
             <a:fld id="{CCAAE293-A3DA-4FFC-871C-7F0F209F7CB2}" type="slidenum">
               <a:rPr lang="en-US" smtClean="0"/>
-              <a:t>18</a:t>
+              <a:t>19</a:t>
             </a:fld>
             <a:endParaRPr lang="en-US"/>
           </a:p>
@@ -6373,151 +6510,6 @@
     <p:extLst>
       <p:ext uri="{BB962C8B-B14F-4D97-AF65-F5344CB8AC3E}">
         <p14:creationId xmlns:p14="http://schemas.microsoft.com/office/powerpoint/2010/main" val="3242295772"/>
-      </p:ext>
-    </p:extLst>
-  </p:cSld>
-  <p:clrMapOvr>
-    <a:masterClrMapping/>
-  </p:clrMapOvr>
-</p:sld>
-</file>
-
-<file path=ppt/slides/slide19.xml><?xml version="1.0" encoding="utf-8"?>
-<p:sld xmlns:a="http://schemas.openxmlformats.org/drawingml/2006/main" xmlns:r="http://schemas.openxmlformats.org/officeDocument/2006/relationships" xmlns:p="http://schemas.openxmlformats.org/presentationml/2006/main">
-  <p:cSld>
-    <p:spTree>
-      <p:nvGrpSpPr>
-        <p:cNvPr id="1" name=""/>
-        <p:cNvGrpSpPr/>
-        <p:nvPr/>
-      </p:nvGrpSpPr>
-      <p:grpSpPr>
-        <a:xfrm>
-          <a:off x="0" y="0"/>
-          <a:ext cx="0" cy="0"/>
-          <a:chOff x="0" y="0"/>
-          <a:chExt cx="0" cy="0"/>
-        </a:xfrm>
-      </p:grpSpPr>
-      <p:sp>
-        <p:nvSpPr>
-          <p:cNvPr id="2" name="Titel 1">
-            <a:extLst>
-              <a:ext uri="{FF2B5EF4-FFF2-40B4-BE49-F238E27FC236}">
-                <a16:creationId xmlns:a16="http://schemas.microsoft.com/office/drawing/2014/main" id="{0A1CFA08-33E9-4E06-B481-DDF49C7CE225}"/>
-              </a:ext>
-            </a:extLst>
-          </p:cNvPr>
-          <p:cNvSpPr>
-            <a:spLocks noGrp="1"/>
-          </p:cNvSpPr>
-          <p:nvPr>
-            <p:ph type="title"/>
-          </p:nvPr>
-        </p:nvSpPr>
-        <p:spPr/>
-        <p:txBody>
-          <a:bodyPr/>
-          <a:lstStyle/>
-          <a:p>
-            <a:pPr algn="ctr"/>
-            <a:r>
-              <a:rPr lang="de-DE" dirty="0" err="1"/>
-              <a:t>Thank</a:t>
-            </a:r>
-            <a:r>
-              <a:rPr lang="de-DE" dirty="0"/>
-              <a:t> </a:t>
-            </a:r>
-            <a:r>
-              <a:rPr lang="de-DE" dirty="0" err="1"/>
-              <a:t>you</a:t>
-            </a:r>
-            <a:r>
-              <a:rPr lang="de-DE" dirty="0"/>
-              <a:t>!</a:t>
-            </a:r>
-          </a:p>
-        </p:txBody>
-      </p:sp>
-      <p:sp>
-        <p:nvSpPr>
-          <p:cNvPr id="3" name="Inhaltsplatzhalter 2">
-            <a:extLst>
-              <a:ext uri="{FF2B5EF4-FFF2-40B4-BE49-F238E27FC236}">
-                <a16:creationId xmlns:a16="http://schemas.microsoft.com/office/drawing/2014/main" id="{D1ED0091-A0CC-4522-A4E1-99602C92F687}"/>
-              </a:ext>
-            </a:extLst>
-          </p:cNvPr>
-          <p:cNvSpPr>
-            <a:spLocks noGrp="1"/>
-          </p:cNvSpPr>
-          <p:nvPr>
-            <p:ph idx="1"/>
-          </p:nvPr>
-        </p:nvSpPr>
-        <p:spPr/>
-        <p:txBody>
-          <a:bodyPr>
-            <a:normAutofit/>
-          </a:bodyPr>
-          <a:lstStyle/>
-          <a:p>
-            <a:pPr marL="0" indent="0" algn="ctr">
-              <a:buNone/>
-            </a:pPr>
-            <a:endParaRPr lang="de-DE" sz="3600" dirty="0"/>
-          </a:p>
-          <a:p>
-            <a:pPr marL="0" indent="0" algn="ctr">
-              <a:buNone/>
-            </a:pPr>
-            <a:endParaRPr lang="de-DE" sz="3600" dirty="0"/>
-          </a:p>
-          <a:p>
-            <a:pPr marL="0" indent="0" algn="ctr">
-              <a:buNone/>
-            </a:pPr>
-            <a:r>
-              <a:rPr lang="de-DE" sz="3600" dirty="0"/>
-              <a:t>Questions?</a:t>
-            </a:r>
-          </a:p>
-        </p:txBody>
-      </p:sp>
-      <p:sp>
-        <p:nvSpPr>
-          <p:cNvPr id="4" name="Foliennummernplatzhalter 3">
-            <a:extLst>
-              <a:ext uri="{FF2B5EF4-FFF2-40B4-BE49-F238E27FC236}">
-                <a16:creationId xmlns:a16="http://schemas.microsoft.com/office/drawing/2014/main" id="{6FE2A71F-4FFC-484B-93E3-04D170029A13}"/>
-              </a:ext>
-            </a:extLst>
-          </p:cNvPr>
-          <p:cNvSpPr>
-            <a:spLocks noGrp="1"/>
-          </p:cNvSpPr>
-          <p:nvPr>
-            <p:ph type="sldNum" sz="quarter" idx="12"/>
-          </p:nvPr>
-        </p:nvSpPr>
-        <p:spPr/>
-        <p:txBody>
-          <a:bodyPr/>
-          <a:lstStyle/>
-          <a:p>
-            <a:fld id="{CCAAE293-A3DA-4FFC-871C-7F0F209F7CB2}" type="slidenum">
-              <a:rPr lang="en-US" smtClean="0"/>
-              <a:t>19</a:t>
-            </a:fld>
-            <a:endParaRPr lang="en-US"/>
-          </a:p>
-        </p:txBody>
-      </p:sp>
-    </p:spTree>
-    <p:extLst>
-      <p:ext uri="{BB962C8B-B14F-4D97-AF65-F5344CB8AC3E}">
-        <p14:creationId xmlns:p14="http://schemas.microsoft.com/office/powerpoint/2010/main" val="1520254085"/>
       </p:ext>
     </p:extLst>
   </p:cSld>
@@ -6696,7 +6688,7 @@
           <p:cNvPr id="2" name="Titel 1">
             <a:extLst>
               <a:ext uri="{FF2B5EF4-FFF2-40B4-BE49-F238E27FC236}">
-                <a16:creationId xmlns:a16="http://schemas.microsoft.com/office/drawing/2014/main" id="{9D97ED67-0983-40BA-B344-DFF1A8F9D645}"/>
+                <a16:creationId xmlns:a16="http://schemas.microsoft.com/office/drawing/2014/main" id="{0A1CFA08-33E9-4E06-B481-DDF49C7CE225}"/>
               </a:ext>
             </a:extLst>
           </p:cNvPr>
@@ -6712,9 +6704,22 @@
           <a:bodyPr/>
           <a:lstStyle/>
           <a:p>
-            <a:r>
-              <a:rPr lang="en-US" dirty="0"/>
-              <a:t>stats</a:t>
+            <a:pPr algn="ctr"/>
+            <a:r>
+              <a:rPr lang="de-DE" dirty="0" err="1"/>
+              <a:t>Thank</a:t>
+            </a:r>
+            <a:r>
+              <a:rPr lang="de-DE" dirty="0"/>
+              <a:t> </a:t>
+            </a:r>
+            <a:r>
+              <a:rPr lang="de-DE" dirty="0" err="1"/>
+              <a:t>you</a:t>
+            </a:r>
+            <a:r>
+              <a:rPr lang="de-DE" dirty="0"/>
+              <a:t>!</a:t>
             </a:r>
           </a:p>
         </p:txBody>
@@ -6724,7 +6729,7 @@
           <p:cNvPr id="3" name="Inhaltsplatzhalter 2">
             <a:extLst>
               <a:ext uri="{FF2B5EF4-FFF2-40B4-BE49-F238E27FC236}">
-                <a16:creationId xmlns:a16="http://schemas.microsoft.com/office/drawing/2014/main" id="{2EB22B1B-35DF-494F-B9F2-FC28829ED749}"/>
+                <a16:creationId xmlns:a16="http://schemas.microsoft.com/office/drawing/2014/main" id="{D1ED0091-A0CC-4522-A4E1-99602C92F687}"/>
               </a:ext>
             </a:extLst>
           </p:cNvPr>
@@ -6738,61 +6743,28 @@
         <p:spPr/>
         <p:txBody>
           <a:bodyPr>
-            <a:normAutofit lnSpcReduction="10000"/>
+            <a:normAutofit/>
           </a:bodyPr>
           <a:lstStyle/>
           <a:p>
-            <a:r>
-              <a:rPr lang="en-US" dirty="0"/>
-              <a:t>TP:	519</a:t>
-            </a:r>
-          </a:p>
-          <a:p>
-            <a:r>
-              <a:rPr lang="en-US" dirty="0"/>
-              <a:t>FP:	517</a:t>
-            </a:r>
-          </a:p>
-          <a:p>
-            <a:r>
-              <a:rPr lang="en-US" dirty="0"/>
-              <a:t>TN:	27949</a:t>
-            </a:r>
-          </a:p>
-          <a:p>
-            <a:r>
-              <a:rPr lang="en-US" dirty="0"/>
-              <a:t>FN:	2842</a:t>
-            </a:r>
-          </a:p>
-          <a:p>
-            <a:r>
-              <a:rPr lang="en-US" dirty="0"/>
-              <a:t>FPR:	0.01816201784585119</a:t>
-            </a:r>
-          </a:p>
-          <a:p>
-            <a:r>
-              <a:rPr lang="en-US" dirty="0"/>
-              <a:t>Precision:	0.500965250965251 ± 0.08711481944094397</a:t>
-            </a:r>
-          </a:p>
-          <a:p>
-            <a:r>
-              <a:rPr lang="en-US" dirty="0"/>
-              <a:t>Recall/TPR:	0.15441832787860757 ± 0.03622178707225869</a:t>
-            </a:r>
-          </a:p>
-          <a:p>
-            <a:r>
-              <a:rPr lang="en-US" dirty="0"/>
-              <a:t>F1-score:	0.2360700477598363 ± 0.0487765726023605</a:t>
-            </a:r>
-          </a:p>
-          <a:p>
-            <a:r>
-              <a:rPr lang="en-US" dirty="0"/>
-              <a:t>MCC:	0.23597300754427067 ± 0.05293743405150672(stderr)</a:t>
+            <a:pPr marL="0" indent="0" algn="ctr">
+              <a:buNone/>
+            </a:pPr>
+            <a:endParaRPr lang="de-DE" sz="3600" dirty="0"/>
+          </a:p>
+          <a:p>
+            <a:pPr marL="0" indent="0" algn="ctr">
+              <a:buNone/>
+            </a:pPr>
+            <a:endParaRPr lang="de-DE" sz="3600" dirty="0"/>
+          </a:p>
+          <a:p>
+            <a:pPr marL="0" indent="0" algn="ctr">
+              <a:buNone/>
+            </a:pPr>
+            <a:r>
+              <a:rPr lang="de-DE" sz="3600" dirty="0"/>
+              <a:t>Questions?</a:t>
             </a:r>
           </a:p>
         </p:txBody>
@@ -6802,7 +6774,7 @@
           <p:cNvPr id="4" name="Foliennummernplatzhalter 3">
             <a:extLst>
               <a:ext uri="{FF2B5EF4-FFF2-40B4-BE49-F238E27FC236}">
-                <a16:creationId xmlns:a16="http://schemas.microsoft.com/office/drawing/2014/main" id="{FA0D585C-CC90-4B30-90DD-73F0D164A1C9}"/>
+                <a16:creationId xmlns:a16="http://schemas.microsoft.com/office/drawing/2014/main" id="{6FE2A71F-4FFC-484B-93E3-04D170029A13}"/>
               </a:ext>
             </a:extLst>
           </p:cNvPr>
@@ -6829,7 +6801,7 @@
     </p:spTree>
     <p:extLst>
       <p:ext uri="{BB962C8B-B14F-4D97-AF65-F5344CB8AC3E}">
-        <p14:creationId xmlns:p14="http://schemas.microsoft.com/office/powerpoint/2010/main" val="4122554641"/>
+        <p14:creationId xmlns:p14="http://schemas.microsoft.com/office/powerpoint/2010/main" val="1520254085"/>
       </p:ext>
     </p:extLst>
   </p:cSld>
@@ -6861,7 +6833,7 @@
           <p:cNvPr id="2" name="Titel 1">
             <a:extLst>
               <a:ext uri="{FF2B5EF4-FFF2-40B4-BE49-F238E27FC236}">
-                <a16:creationId xmlns:a16="http://schemas.microsoft.com/office/drawing/2014/main" id="{936C496B-94C2-4A47-81DC-95D6DBF1CF49}"/>
+                <a16:creationId xmlns:a16="http://schemas.microsoft.com/office/drawing/2014/main" id="{9D97ED67-0983-40BA-B344-DFF1A8F9D645}"/>
               </a:ext>
             </a:extLst>
           </p:cNvPr>
@@ -6878,18 +6850,9 @@
           <a:lstStyle/>
           <a:p>
             <a:r>
-              <a:rPr lang="de-DE" dirty="0" err="1"/>
-              <a:t>Stats</a:t>
-            </a:r>
-            <a:r>
-              <a:rPr lang="de-DE" dirty="0"/>
-              <a:t> </a:t>
-            </a:r>
-            <a:r>
-              <a:rPr lang="de-DE" dirty="0" err="1"/>
-              <a:t>crossvalidation</a:t>
-            </a:r>
-            <a:endParaRPr lang="de-DE" dirty="0"/>
+              <a:rPr lang="en-US" dirty="0"/>
+              <a:t>stats</a:t>
+            </a:r>
           </a:p>
         </p:txBody>
       </p:sp>
@@ -6898,7 +6861,7 @@
           <p:cNvPr id="3" name="Inhaltsplatzhalter 2">
             <a:extLst>
               <a:ext uri="{FF2B5EF4-FFF2-40B4-BE49-F238E27FC236}">
-                <a16:creationId xmlns:a16="http://schemas.microsoft.com/office/drawing/2014/main" id="{5EA29DD7-D7EA-4CAD-A334-63FCFE0325A4}"/>
+                <a16:creationId xmlns:a16="http://schemas.microsoft.com/office/drawing/2014/main" id="{2EB22B1B-35DF-494F-B9F2-FC28829ED749}"/>
               </a:ext>
             </a:extLst>
           </p:cNvPr>
@@ -6917,77 +6880,57 @@
           <a:lstStyle/>
           <a:p>
             <a:r>
-              <a:rPr lang="it-IT" dirty="0"/>
-              <a:t>TP: 1401</a:t>
-            </a:r>
-          </a:p>
-          <a:p>
-            <a:r>
-              <a:rPr lang="it-IT" dirty="0"/>
-              <a:t>FP: 2221</a:t>
-            </a:r>
-          </a:p>
-          <a:p>
-            <a:r>
-              <a:rPr lang="it-IT" dirty="0"/>
-              <a:t>TN: 105203</a:t>
-            </a:r>
-          </a:p>
-          <a:p>
-            <a:r>
-              <a:rPr lang="it-IT" dirty="0"/>
-              <a:t>FN: 9076</a:t>
-            </a:r>
-          </a:p>
-          <a:p>
-            <a:r>
-              <a:rPr lang="it-IT" dirty="0"/>
-              <a:t>TPR: 0.13372148515796506 </a:t>
-            </a:r>
-            <a:r>
               <a:rPr lang="en-US" dirty="0"/>
-              <a:t>± 0.03525876255192725</a:t>
-            </a:r>
-            <a:endParaRPr lang="it-IT" dirty="0"/>
-          </a:p>
-          <a:p>
-            <a:r>
-              <a:rPr lang="it-IT" dirty="0"/>
-              <a:t>FPR: 0.020675081918379506 </a:t>
-            </a:r>
+              <a:t>TP:	519</a:t>
+            </a:r>
+          </a:p>
+          <a:p>
             <a:r>
               <a:rPr lang="en-US" dirty="0"/>
-              <a:t>± </a:t>
-            </a:r>
-            <a:endParaRPr lang="it-IT" dirty="0"/>
-          </a:p>
-          <a:p>
-            <a:r>
-              <a:rPr lang="it-IT" dirty="0"/>
-              <a:t>Precision: 0.38680287134180014 </a:t>
-            </a:r>
+              <a:t>FP:	517</a:t>
+            </a:r>
+          </a:p>
+          <a:p>
             <a:r>
               <a:rPr lang="en-US" dirty="0"/>
-              <a:t>± 0.09980623925902139</a:t>
-            </a:r>
-            <a:endParaRPr lang="it-IT" dirty="0"/>
-          </a:p>
-          <a:p>
-            <a:r>
-              <a:rPr lang="it-IT" dirty="0"/>
-              <a:t>MCC: 0.1864096719348082 </a:t>
-            </a:r>
+              <a:t>TN:	27949</a:t>
+            </a:r>
+          </a:p>
+          <a:p>
             <a:r>
               <a:rPr lang="en-US" dirty="0"/>
-              <a:t>± 0.05680394618676588</a:t>
+              <a:t>FN:	2842</a:t>
             </a:r>
           </a:p>
           <a:p>
             <a:r>
               <a:rPr lang="en-US" dirty="0"/>
-              <a:t>F1: 0.1898892068383594 ± 0.04955890189837977</a:t>
-            </a:r>
-            <a:endParaRPr lang="de-DE" dirty="0"/>
+              <a:t>FPR:	0.01816201784585119</a:t>
+            </a:r>
+          </a:p>
+          <a:p>
+            <a:r>
+              <a:rPr lang="en-US" dirty="0"/>
+              <a:t>Precision:	0.500965250965251 ± 0.08711481944094397</a:t>
+            </a:r>
+          </a:p>
+          <a:p>
+            <a:r>
+              <a:rPr lang="en-US" dirty="0"/>
+              <a:t>Recall/TPR:	0.15441832787860757 ± 0.03622178707225869</a:t>
+            </a:r>
+          </a:p>
+          <a:p>
+            <a:r>
+              <a:rPr lang="en-US" dirty="0"/>
+              <a:t>F1-score:	0.2360700477598363 ± 0.0487765726023605</a:t>
+            </a:r>
+          </a:p>
+          <a:p>
+            <a:r>
+              <a:rPr lang="en-US" dirty="0"/>
+              <a:t>MCC:	0.23597300754427067 ± 0.05293743405150672(stderr)</a:t>
+            </a:r>
           </a:p>
         </p:txBody>
       </p:sp>
@@ -6996,7 +6939,7 @@
           <p:cNvPr id="4" name="Foliennummernplatzhalter 3">
             <a:extLst>
               <a:ext uri="{FF2B5EF4-FFF2-40B4-BE49-F238E27FC236}">
-                <a16:creationId xmlns:a16="http://schemas.microsoft.com/office/drawing/2014/main" id="{A5348A38-D92B-4498-9829-ABADED6CBFF9}"/>
+                <a16:creationId xmlns:a16="http://schemas.microsoft.com/office/drawing/2014/main" id="{FA0D585C-CC90-4B30-90DD-73F0D164A1C9}"/>
               </a:ext>
             </a:extLst>
           </p:cNvPr>
@@ -7015,6 +6958,200 @@
             <a:fld id="{CCAAE293-A3DA-4FFC-871C-7F0F209F7CB2}" type="slidenum">
               <a:rPr lang="en-US" smtClean="0"/>
               <a:t>21</a:t>
+            </a:fld>
+            <a:endParaRPr lang="en-US"/>
+          </a:p>
+        </p:txBody>
+      </p:sp>
+    </p:spTree>
+    <p:extLst>
+      <p:ext uri="{BB962C8B-B14F-4D97-AF65-F5344CB8AC3E}">
+        <p14:creationId xmlns:p14="http://schemas.microsoft.com/office/powerpoint/2010/main" val="4122554641"/>
+      </p:ext>
+    </p:extLst>
+  </p:cSld>
+  <p:clrMapOvr>
+    <a:masterClrMapping/>
+  </p:clrMapOvr>
+</p:sld>
+</file>
+
+<file path=ppt/slides/slide22.xml><?xml version="1.0" encoding="utf-8"?>
+<p:sld xmlns:a="http://schemas.openxmlformats.org/drawingml/2006/main" xmlns:r="http://schemas.openxmlformats.org/officeDocument/2006/relationships" xmlns:p="http://schemas.openxmlformats.org/presentationml/2006/main">
+  <p:cSld>
+    <p:spTree>
+      <p:nvGrpSpPr>
+        <p:cNvPr id="1" name=""/>
+        <p:cNvGrpSpPr/>
+        <p:nvPr/>
+      </p:nvGrpSpPr>
+      <p:grpSpPr>
+        <a:xfrm>
+          <a:off x="0" y="0"/>
+          <a:ext cx="0" cy="0"/>
+          <a:chOff x="0" y="0"/>
+          <a:chExt cx="0" cy="0"/>
+        </a:xfrm>
+      </p:grpSpPr>
+      <p:sp>
+        <p:nvSpPr>
+          <p:cNvPr id="2" name="Titel 1">
+            <a:extLst>
+              <a:ext uri="{FF2B5EF4-FFF2-40B4-BE49-F238E27FC236}">
+                <a16:creationId xmlns:a16="http://schemas.microsoft.com/office/drawing/2014/main" id="{936C496B-94C2-4A47-81DC-95D6DBF1CF49}"/>
+              </a:ext>
+            </a:extLst>
+          </p:cNvPr>
+          <p:cNvSpPr>
+            <a:spLocks noGrp="1"/>
+          </p:cNvSpPr>
+          <p:nvPr>
+            <p:ph type="title"/>
+          </p:nvPr>
+        </p:nvSpPr>
+        <p:spPr/>
+        <p:txBody>
+          <a:bodyPr/>
+          <a:lstStyle/>
+          <a:p>
+            <a:r>
+              <a:rPr lang="de-DE" dirty="0" err="1"/>
+              <a:t>Stats</a:t>
+            </a:r>
+            <a:r>
+              <a:rPr lang="de-DE" dirty="0"/>
+              <a:t> </a:t>
+            </a:r>
+            <a:r>
+              <a:rPr lang="de-DE" dirty="0" err="1"/>
+              <a:t>crossvalidation</a:t>
+            </a:r>
+            <a:endParaRPr lang="de-DE" dirty="0"/>
+          </a:p>
+        </p:txBody>
+      </p:sp>
+      <p:sp>
+        <p:nvSpPr>
+          <p:cNvPr id="3" name="Inhaltsplatzhalter 2">
+            <a:extLst>
+              <a:ext uri="{FF2B5EF4-FFF2-40B4-BE49-F238E27FC236}">
+                <a16:creationId xmlns:a16="http://schemas.microsoft.com/office/drawing/2014/main" id="{5EA29DD7-D7EA-4CAD-A334-63FCFE0325A4}"/>
+              </a:ext>
+            </a:extLst>
+          </p:cNvPr>
+          <p:cNvSpPr>
+            <a:spLocks noGrp="1"/>
+          </p:cNvSpPr>
+          <p:nvPr>
+            <p:ph idx="1"/>
+          </p:nvPr>
+        </p:nvSpPr>
+        <p:spPr/>
+        <p:txBody>
+          <a:bodyPr>
+            <a:normAutofit lnSpcReduction="10000"/>
+          </a:bodyPr>
+          <a:lstStyle/>
+          <a:p>
+            <a:r>
+              <a:rPr lang="it-IT" dirty="0"/>
+              <a:t>TP: 1401</a:t>
+            </a:r>
+          </a:p>
+          <a:p>
+            <a:r>
+              <a:rPr lang="it-IT" dirty="0"/>
+              <a:t>FP: 2221</a:t>
+            </a:r>
+          </a:p>
+          <a:p>
+            <a:r>
+              <a:rPr lang="it-IT" dirty="0"/>
+              <a:t>TN: 105203</a:t>
+            </a:r>
+          </a:p>
+          <a:p>
+            <a:r>
+              <a:rPr lang="it-IT" dirty="0"/>
+              <a:t>FN: 9076</a:t>
+            </a:r>
+          </a:p>
+          <a:p>
+            <a:r>
+              <a:rPr lang="it-IT" dirty="0"/>
+              <a:t>TPR: 0.13372148515796506 </a:t>
+            </a:r>
+            <a:r>
+              <a:rPr lang="en-US" dirty="0"/>
+              <a:t>± 0.03525876255192725</a:t>
+            </a:r>
+            <a:endParaRPr lang="it-IT" dirty="0"/>
+          </a:p>
+          <a:p>
+            <a:r>
+              <a:rPr lang="it-IT" dirty="0"/>
+              <a:t>FPR: 0.020675081918379506 </a:t>
+            </a:r>
+            <a:r>
+              <a:rPr lang="en-US" dirty="0"/>
+              <a:t>± </a:t>
+            </a:r>
+            <a:endParaRPr lang="it-IT" dirty="0"/>
+          </a:p>
+          <a:p>
+            <a:r>
+              <a:rPr lang="it-IT" dirty="0"/>
+              <a:t>Precision: 0.38680287134180014 </a:t>
+            </a:r>
+            <a:r>
+              <a:rPr lang="en-US" dirty="0"/>
+              <a:t>± 0.09980623925902139</a:t>
+            </a:r>
+            <a:endParaRPr lang="it-IT" dirty="0"/>
+          </a:p>
+          <a:p>
+            <a:r>
+              <a:rPr lang="it-IT" dirty="0"/>
+              <a:t>MCC: 0.1864096719348082 </a:t>
+            </a:r>
+            <a:r>
+              <a:rPr lang="en-US" dirty="0"/>
+              <a:t>± 0.05680394618676588</a:t>
+            </a:r>
+          </a:p>
+          <a:p>
+            <a:r>
+              <a:rPr lang="en-US" dirty="0"/>
+              <a:t>F1: 0.1898892068383594 ± 0.04955890189837977</a:t>
+            </a:r>
+            <a:endParaRPr lang="de-DE" dirty="0"/>
+          </a:p>
+        </p:txBody>
+      </p:sp>
+      <p:sp>
+        <p:nvSpPr>
+          <p:cNvPr id="4" name="Foliennummernplatzhalter 3">
+            <a:extLst>
+              <a:ext uri="{FF2B5EF4-FFF2-40B4-BE49-F238E27FC236}">
+                <a16:creationId xmlns:a16="http://schemas.microsoft.com/office/drawing/2014/main" id="{A5348A38-D92B-4498-9829-ABADED6CBFF9}"/>
+              </a:ext>
+            </a:extLst>
+          </p:cNvPr>
+          <p:cNvSpPr>
+            <a:spLocks noGrp="1"/>
+          </p:cNvSpPr>
+          <p:nvPr>
+            <p:ph type="sldNum" sz="quarter" idx="12"/>
+          </p:nvPr>
+        </p:nvSpPr>
+        <p:spPr/>
+        <p:txBody>
+          <a:bodyPr/>
+          <a:lstStyle/>
+          <a:p>
+            <a:fld id="{CCAAE293-A3DA-4FFC-871C-7F0F209F7CB2}" type="slidenum">
+              <a:rPr lang="en-US" smtClean="0"/>
+              <a:t>22</a:t>
             </a:fld>
             <a:endParaRPr lang="en-US"/>
           </a:p>

--- a/BLOSUMscoresComparedToSingleSNAPscores.pptx
+++ b/BLOSUMscoresComparedToSingleSNAPscores.pptx
@@ -5,7 +5,7 @@
     <p:sldMasterId id="2147483648" r:id="rId1"/>
   </p:sldMasterIdLst>
   <p:notesMasterIdLst>
-    <p:notesMasterId r:id="rId24"/>
+    <p:notesMasterId r:id="rId26"/>
   </p:notesMasterIdLst>
   <p:sldIdLst>
     <p:sldId id="256" r:id="rId2"/>
@@ -13,23 +13,25 @@
     <p:sldId id="273" r:id="rId4"/>
     <p:sldId id="258" r:id="rId5"/>
     <p:sldId id="259" r:id="rId6"/>
-    <p:sldId id="260" r:id="rId7"/>
-    <p:sldId id="261" r:id="rId8"/>
-    <p:sldId id="262" r:id="rId9"/>
-    <p:sldId id="263" r:id="rId10"/>
-    <p:sldId id="268" r:id="rId11"/>
-    <p:sldId id="269" r:id="rId12"/>
-    <p:sldId id="270" r:id="rId13"/>
-    <p:sldId id="271" r:id="rId14"/>
-    <p:sldId id="264" r:id="rId15"/>
-    <p:sldId id="257" r:id="rId16"/>
-    <p:sldId id="267" r:id="rId17"/>
-    <p:sldId id="277" r:id="rId18"/>
-    <p:sldId id="266" r:id="rId19"/>
-    <p:sldId id="276" r:id="rId20"/>
-    <p:sldId id="275" r:id="rId21"/>
-    <p:sldId id="265" r:id="rId22"/>
-    <p:sldId id="274" r:id="rId23"/>
+    <p:sldId id="279" r:id="rId7"/>
+    <p:sldId id="260" r:id="rId8"/>
+    <p:sldId id="261" r:id="rId9"/>
+    <p:sldId id="262" r:id="rId10"/>
+    <p:sldId id="278" r:id="rId11"/>
+    <p:sldId id="263" r:id="rId12"/>
+    <p:sldId id="268" r:id="rId13"/>
+    <p:sldId id="269" r:id="rId14"/>
+    <p:sldId id="270" r:id="rId15"/>
+    <p:sldId id="271" r:id="rId16"/>
+    <p:sldId id="264" r:id="rId17"/>
+    <p:sldId id="257" r:id="rId18"/>
+    <p:sldId id="267" r:id="rId19"/>
+    <p:sldId id="277" r:id="rId20"/>
+    <p:sldId id="266" r:id="rId21"/>
+    <p:sldId id="276" r:id="rId22"/>
+    <p:sldId id="275" r:id="rId23"/>
+    <p:sldId id="265" r:id="rId24"/>
+    <p:sldId id="274" r:id="rId25"/>
   </p:sldIdLst>
   <p:sldSz cx="12192000" cy="6858000"/>
   <p:notesSz cx="6858000" cy="9144000"/>
@@ -377,7 +379,7 @@
           <a:p>
             <a:fld id="{BD6544A4-5AEA-4FD1-BFF4-C7493F24BB4E}" type="slidenum">
               <a:rPr lang="en-US" smtClean="0"/>
-              <a:t>‹#›</a:t>
+              <a:t>‹Nr.›</a:t>
             </a:fld>
             <a:endParaRPr lang="en-US"/>
           </a:p>
@@ -694,7 +696,7 @@
             <a:fld id="{B38A1AC8-FB3F-493B-87B4-B9C3F07C4D88}" type="slidenum">
               <a:rPr lang="en-US" smtClean="0"/>
               <a:pPr/>
-              <a:t>‹#›</a:t>
+              <a:t>‹Nr.›</a:t>
             </a:fld>
             <a:endParaRPr lang="en-US" dirty="0"/>
           </a:p>
@@ -965,7 +967,7 @@
           <a:p>
             <a:fld id="{CCAAE293-A3DA-4FFC-871C-7F0F209F7CB2}" type="slidenum">
               <a:rPr lang="en-US" smtClean="0"/>
-              <a:t>‹#›</a:t>
+              <a:t>‹Nr.›</a:t>
             </a:fld>
             <a:endParaRPr lang="en-US"/>
           </a:p>
@@ -1175,7 +1177,7 @@
           <a:p>
             <a:fld id="{CCAAE293-A3DA-4FFC-871C-7F0F209F7CB2}" type="slidenum">
               <a:rPr lang="en-US" smtClean="0"/>
-              <a:t>‹#›</a:t>
+              <a:t>‹Nr.›</a:t>
             </a:fld>
             <a:endParaRPr lang="en-US"/>
           </a:p>
@@ -1375,7 +1377,7 @@
           <a:p>
             <a:fld id="{CCAAE293-A3DA-4FFC-871C-7F0F209F7CB2}" type="slidenum">
               <a:rPr lang="en-US" smtClean="0"/>
-              <a:t>‹#›</a:t>
+              <a:t>‹Nr.›</a:t>
             </a:fld>
             <a:endParaRPr lang="en-US"/>
           </a:p>
@@ -1717,7 +1719,7 @@
           <a:p>
             <a:fld id="{CCAAE293-A3DA-4FFC-871C-7F0F209F7CB2}" type="slidenum">
               <a:rPr lang="en-US" smtClean="0"/>
-              <a:t>‹#›</a:t>
+              <a:t>‹Nr.›</a:t>
             </a:fld>
             <a:endParaRPr lang="en-US"/>
           </a:p>
@@ -1985,7 +1987,7 @@
           <a:p>
             <a:fld id="{CCAAE293-A3DA-4FFC-871C-7F0F209F7CB2}" type="slidenum">
               <a:rPr lang="en-US" smtClean="0"/>
-              <a:t>‹#›</a:t>
+              <a:t>‹Nr.›</a:t>
             </a:fld>
             <a:endParaRPr lang="en-US"/>
           </a:p>
@@ -2471,7 +2473,7 @@
           <a:p>
             <a:fld id="{CCAAE293-A3DA-4FFC-871C-7F0F209F7CB2}" type="slidenum">
               <a:rPr lang="en-US" smtClean="0"/>
-              <a:t>‹#›</a:t>
+              <a:t>‹Nr.›</a:t>
             </a:fld>
             <a:endParaRPr lang="en-US"/>
           </a:p>
@@ -2613,7 +2615,7 @@
           <a:p>
             <a:fld id="{CCAAE293-A3DA-4FFC-871C-7F0F209F7CB2}" type="slidenum">
               <a:rPr lang="en-US" smtClean="0"/>
-              <a:t>‹#›</a:t>
+              <a:t>‹Nr.›</a:t>
             </a:fld>
             <a:endParaRPr lang="en-US"/>
           </a:p>
@@ -2726,7 +2728,7 @@
           <a:p>
             <a:fld id="{CCAAE293-A3DA-4FFC-871C-7F0F209F7CB2}" type="slidenum">
               <a:rPr lang="en-US" smtClean="0"/>
-              <a:t>‹#›</a:t>
+              <a:t>‹Nr.›</a:t>
             </a:fld>
             <a:endParaRPr lang="en-US"/>
           </a:p>
@@ -3039,7 +3041,7 @@
           <a:p>
             <a:fld id="{CCAAE293-A3DA-4FFC-871C-7F0F209F7CB2}" type="slidenum">
               <a:rPr lang="en-US" smtClean="0"/>
-              <a:t>‹#›</a:t>
+              <a:t>‹Nr.›</a:t>
             </a:fld>
             <a:endParaRPr lang="en-US"/>
           </a:p>
@@ -3328,7 +3330,7 @@
           <a:p>
             <a:fld id="{CCAAE293-A3DA-4FFC-871C-7F0F209F7CB2}" type="slidenum">
               <a:rPr lang="en-US" smtClean="0"/>
-              <a:t>‹#›</a:t>
+              <a:t>‹Nr.›</a:t>
             </a:fld>
             <a:endParaRPr lang="en-US"/>
           </a:p>
@@ -3607,7 +3609,7 @@
           <a:p>
             <a:fld id="{CCAAE293-A3DA-4FFC-871C-7F0F209F7CB2}" type="slidenum">
               <a:rPr lang="en-US" smtClean="0"/>
-              <a:t>‹#›</a:t>
+              <a:t>‹Nr.›</a:t>
             </a:fld>
             <a:endParaRPr lang="en-US"/>
           </a:p>
@@ -4099,10 +4101,10 @@
       </p:grpSpPr>
       <p:sp>
         <p:nvSpPr>
-          <p:cNvPr id="5" name="Titel 4">
-            <a:extLst>
-              <a:ext uri="{FF2B5EF4-FFF2-40B4-BE49-F238E27FC236}">
-                <a16:creationId xmlns:a16="http://schemas.microsoft.com/office/drawing/2014/main" id="{ACFF07FE-4BFA-4138-9A63-E2152340D587}"/>
+          <p:cNvPr id="2" name="Titel 1">
+            <a:extLst>
+              <a:ext uri="{FF2B5EF4-FFF2-40B4-BE49-F238E27FC236}">
+                <a16:creationId xmlns:a16="http://schemas.microsoft.com/office/drawing/2014/main" id="{0443C47C-4423-4E72-B3BD-FC90A9A178BE}"/>
               </a:ext>
             </a:extLst>
           </p:cNvPr>
@@ -4121,31 +4123,117 @@
             <a:pPr algn="ctr"/>
             <a:r>
               <a:rPr lang="de-DE" dirty="0"/>
-              <a:t>Hyperparameter: Grid </a:t>
+              <a:t>Training </a:t>
             </a:r>
             <a:r>
               <a:rPr lang="de-DE" dirty="0" err="1"/>
-              <a:t>search</a:t>
+              <a:t>dataset</a:t>
             </a:r>
             <a:endParaRPr lang="de-DE" dirty="0"/>
+          </a:p>
+        </p:txBody>
+      </p:sp>
+      <p:sp>
+        <p:nvSpPr>
+          <p:cNvPr id="3" name="Inhaltsplatzhalter 2">
+            <a:extLst>
+              <a:ext uri="{FF2B5EF4-FFF2-40B4-BE49-F238E27FC236}">
+                <a16:creationId xmlns:a16="http://schemas.microsoft.com/office/drawing/2014/main" id="{6E16E57F-A9DA-49A7-B9A8-BBBF53D7A0DF}"/>
+              </a:ext>
+            </a:extLst>
+          </p:cNvPr>
+          <p:cNvSpPr>
+            <a:spLocks noGrp="1"/>
+          </p:cNvSpPr>
+          <p:nvPr>
+            <p:ph idx="1"/>
+          </p:nvPr>
+        </p:nvSpPr>
+        <p:spPr/>
+        <p:txBody>
+          <a:bodyPr/>
+          <a:lstStyle/>
+          <a:p>
+            <a:r>
+              <a:rPr lang="de-DE" dirty="0"/>
+              <a:t>769 Proteins </a:t>
+            </a:r>
+            <a:r>
+              <a:rPr lang="de-DE" dirty="0" err="1"/>
+              <a:t>from</a:t>
+            </a:r>
+            <a:r>
+              <a:rPr lang="de-DE" dirty="0"/>
+              <a:t> </a:t>
+            </a:r>
+            <a:r>
+              <a:rPr lang="de-DE" dirty="0" err="1"/>
+              <a:t>BioLip</a:t>
+            </a:r>
+            <a:endParaRPr lang="de-DE" dirty="0"/>
+          </a:p>
+          <a:p>
+            <a:pPr marL="0" indent="0">
+              <a:buNone/>
+            </a:pPr>
+            <a:r>
+              <a:rPr lang="de-DE" dirty="0">
+                <a:sym typeface="Wingdings" panose="05000000000000000000" pitchFamily="2" charset="2"/>
+              </a:rPr>
+              <a:t>	 117435 </a:t>
+            </a:r>
+            <a:r>
+              <a:rPr lang="de-DE" dirty="0" err="1">
+                <a:sym typeface="Wingdings" panose="05000000000000000000" pitchFamily="2" charset="2"/>
+              </a:rPr>
+              <a:t>residues</a:t>
+            </a:r>
+            <a:endParaRPr lang="de-DE" dirty="0"/>
+          </a:p>
+        </p:txBody>
+      </p:sp>
+      <p:sp>
+        <p:nvSpPr>
+          <p:cNvPr id="4" name="Foliennummernplatzhalter 3">
+            <a:extLst>
+              <a:ext uri="{FF2B5EF4-FFF2-40B4-BE49-F238E27FC236}">
+                <a16:creationId xmlns:a16="http://schemas.microsoft.com/office/drawing/2014/main" id="{2C191ED7-C3D1-467A-8E7C-75B24E1EF3C0}"/>
+              </a:ext>
+            </a:extLst>
+          </p:cNvPr>
+          <p:cNvSpPr>
+            <a:spLocks noGrp="1"/>
+          </p:cNvSpPr>
+          <p:nvPr>
+            <p:ph type="sldNum" sz="quarter" idx="12"/>
+          </p:nvPr>
+        </p:nvSpPr>
+        <p:spPr/>
+        <p:txBody>
+          <a:bodyPr/>
+          <a:lstStyle/>
+          <a:p>
+            <a:fld id="{CCAAE293-A3DA-4FFC-871C-7F0F209F7CB2}" type="slidenum">
+              <a:rPr lang="en-US" smtClean="0"/>
+              <a:t>10</a:t>
+            </a:fld>
+            <a:endParaRPr lang="en-US"/>
           </a:p>
         </p:txBody>
       </p:sp>
       <p:pic>
         <p:nvPicPr>
-          <p:cNvPr id="8" name="Inhaltsplatzhalter 7">
-            <a:extLst>
-              <a:ext uri="{FF2B5EF4-FFF2-40B4-BE49-F238E27FC236}">
-                <a16:creationId xmlns:a16="http://schemas.microsoft.com/office/drawing/2014/main" id="{DD13C4F1-21ED-4973-B770-7D5C0CD37A89}"/>
+          <p:cNvPr id="5" name="Grafik 4">
+            <a:extLst>
+              <a:ext uri="{FF2B5EF4-FFF2-40B4-BE49-F238E27FC236}">
+                <a16:creationId xmlns:a16="http://schemas.microsoft.com/office/drawing/2014/main" id="{8FC39B14-880B-40B2-89C6-D6556DA459BC}"/>
               </a:ext>
             </a:extLst>
           </p:cNvPr>
           <p:cNvPicPr>
-            <a:picLocks noGrp="1" noChangeAspect="1"/>
+            <a:picLocks noChangeAspect="1"/>
           </p:cNvPicPr>
-          <p:nvPr>
-            <p:ph sz="half" idx="1"/>
-          </p:nvPr>
+          <p:nvPr/>
         </p:nvPicPr>
         <p:blipFill>
           <a:blip r:embed="rId2"/>
@@ -4155,79 +4243,18 @@
         </p:blipFill>
         <p:spPr>
           <a:xfrm>
-            <a:off x="1249491" y="2053453"/>
-            <a:ext cx="4359018" cy="3895682"/>
+            <a:off x="6944452" y="2684477"/>
+            <a:ext cx="4776240" cy="3582180"/>
           </a:xfrm>
           <a:prstGeom prst="rect">
             <a:avLst/>
           </a:prstGeom>
         </p:spPr>
       </p:pic>
-      <p:pic>
-        <p:nvPicPr>
-          <p:cNvPr id="9" name="Inhaltsplatzhalter 8">
-            <a:extLst>
-              <a:ext uri="{FF2B5EF4-FFF2-40B4-BE49-F238E27FC236}">
-                <a16:creationId xmlns:a16="http://schemas.microsoft.com/office/drawing/2014/main" id="{D9478754-314A-47F3-8298-65235AA2C335}"/>
-              </a:ext>
-            </a:extLst>
-          </p:cNvPr>
-          <p:cNvPicPr>
-            <a:picLocks noGrp="1" noChangeAspect="1"/>
-          </p:cNvPicPr>
-          <p:nvPr>
-            <p:ph sz="half" idx="2"/>
-          </p:nvPr>
-        </p:nvPicPr>
-        <p:blipFill>
-          <a:blip r:embed="rId3"/>
-          <a:stretch>
-            <a:fillRect/>
-          </a:stretch>
-        </p:blipFill>
-        <p:spPr>
-          <a:xfrm>
-            <a:off x="6644456" y="2108322"/>
-            <a:ext cx="4237087" cy="3785944"/>
-          </a:xfrm>
-          <a:prstGeom prst="rect">
-            <a:avLst/>
-          </a:prstGeom>
-        </p:spPr>
-      </p:pic>
-      <p:sp>
-        <p:nvSpPr>
-          <p:cNvPr id="4" name="Foliennummernplatzhalter 3">
-            <a:extLst>
-              <a:ext uri="{FF2B5EF4-FFF2-40B4-BE49-F238E27FC236}">
-                <a16:creationId xmlns:a16="http://schemas.microsoft.com/office/drawing/2014/main" id="{41274183-5DF6-42AA-9AF2-97B73CC23AA2}"/>
-              </a:ext>
-            </a:extLst>
-          </p:cNvPr>
-          <p:cNvSpPr>
-            <a:spLocks noGrp="1"/>
-          </p:cNvSpPr>
-          <p:nvPr>
-            <p:ph type="sldNum" sz="quarter" idx="12"/>
-          </p:nvPr>
-        </p:nvSpPr>
-        <p:spPr/>
-        <p:txBody>
-          <a:bodyPr/>
-          <a:lstStyle/>
-          <a:p>
-            <a:fld id="{CCAAE293-A3DA-4FFC-871C-7F0F209F7CB2}" type="slidenum">
-              <a:rPr lang="en-US" smtClean="0"/>
-              <a:t>10</a:t>
-            </a:fld>
-            <a:endParaRPr lang="en-US"/>
-          </a:p>
-        </p:txBody>
-      </p:sp>
     </p:spTree>
     <p:extLst>
       <p:ext uri="{BB962C8B-B14F-4D97-AF65-F5344CB8AC3E}">
-        <p14:creationId xmlns:p14="http://schemas.microsoft.com/office/powerpoint/2010/main" val="1355063638"/>
+        <p14:creationId xmlns:p14="http://schemas.microsoft.com/office/powerpoint/2010/main" val="3608603696"/>
       </p:ext>
     </p:extLst>
   </p:cSld>
@@ -4259,7 +4286,7 @@
           <p:cNvPr id="2" name="Titel 1">
             <a:extLst>
               <a:ext uri="{FF2B5EF4-FFF2-40B4-BE49-F238E27FC236}">
-                <a16:creationId xmlns:a16="http://schemas.microsoft.com/office/drawing/2014/main" id="{5E3917E8-C5E2-4F20-AEFC-8A7FF8A5F443}"/>
+                <a16:creationId xmlns:a16="http://schemas.microsoft.com/office/drawing/2014/main" id="{90DA7BD1-7036-4062-A3E7-109EE85AC270}"/>
               </a:ext>
             </a:extLst>
           </p:cNvPr>
@@ -4278,22 +4305,127 @@
             <a:pPr algn="ctr"/>
             <a:r>
               <a:rPr lang="de-DE" dirty="0"/>
-              <a:t>Hyperparameter: Grid </a:t>
-            </a:r>
+              <a:t>Hyperparameter</a:t>
+            </a:r>
+            <a:endParaRPr lang="en-US" dirty="0"/>
+          </a:p>
+        </p:txBody>
+      </p:sp>
+      <p:sp>
+        <p:nvSpPr>
+          <p:cNvPr id="3" name="Inhaltsplatzhalter 2">
+            <a:extLst>
+              <a:ext uri="{FF2B5EF4-FFF2-40B4-BE49-F238E27FC236}">
+                <a16:creationId xmlns:a16="http://schemas.microsoft.com/office/drawing/2014/main" id="{08A62452-8D0B-487B-BF6E-8C680AB179B6}"/>
+              </a:ext>
+            </a:extLst>
+          </p:cNvPr>
+          <p:cNvSpPr>
+            <a:spLocks noGrp="1"/>
+          </p:cNvSpPr>
+          <p:nvPr>
+            <p:ph idx="1"/>
+          </p:nvPr>
+        </p:nvSpPr>
+        <p:spPr/>
+        <p:txBody>
+          <a:bodyPr>
+            <a:normAutofit fontScale="92500" lnSpcReduction="20000"/>
+          </a:bodyPr>
+          <a:lstStyle/>
+          <a:p>
             <a:r>
               <a:rPr lang="de-DE" dirty="0" err="1"/>
-              <a:t>search</a:t>
-            </a:r>
+              <a:t>Weigths</a:t>
+            </a:r>
+            <a:r>
+              <a:rPr lang="de-DE" dirty="0"/>
+              <a:t>: </a:t>
+            </a:r>
+          </a:p>
+          <a:p>
+            <a:pPr lvl="1"/>
+            <a:r>
+              <a:rPr lang="de-DE" dirty="0"/>
+              <a:t>Binding: 0.6</a:t>
+            </a:r>
+          </a:p>
+          <a:p>
+            <a:pPr lvl="1"/>
+            <a:r>
+              <a:rPr lang="de-DE" dirty="0"/>
+              <a:t>Non-</a:t>
+            </a:r>
+            <a:r>
+              <a:rPr lang="de-DE" dirty="0" err="1"/>
+              <a:t>binding</a:t>
+            </a:r>
+            <a:r>
+              <a:rPr lang="de-DE" dirty="0"/>
+              <a:t>: 0.4</a:t>
+            </a:r>
+          </a:p>
+          <a:p>
             <a:endParaRPr lang="de-DE" dirty="0"/>
           </a:p>
-        </p:txBody>
-      </p:sp>
-      <p:sp>
-        <p:nvSpPr>
-          <p:cNvPr id="5" name="Foliennummernplatzhalter 4">
-            <a:extLst>
-              <a:ext uri="{FF2B5EF4-FFF2-40B4-BE49-F238E27FC236}">
-                <a16:creationId xmlns:a16="http://schemas.microsoft.com/office/drawing/2014/main" id="{80A4DD8A-DF34-4E71-A690-0584852C452E}"/>
+          <a:p>
+            <a:r>
+              <a:rPr lang="de-DE" dirty="0"/>
+              <a:t>Learning rate: 0.003</a:t>
+            </a:r>
+          </a:p>
+          <a:p>
+            <a:endParaRPr lang="de-DE" dirty="0"/>
+          </a:p>
+          <a:p>
+            <a:r>
+              <a:rPr lang="de-DE" dirty="0" err="1"/>
+              <a:t>Prediction</a:t>
+            </a:r>
+            <a:r>
+              <a:rPr lang="de-DE" dirty="0"/>
+              <a:t> </a:t>
+            </a:r>
+            <a:r>
+              <a:rPr lang="de-DE" dirty="0" err="1"/>
+              <a:t>Cutoff</a:t>
+            </a:r>
+            <a:r>
+              <a:rPr lang="de-DE" dirty="0"/>
+              <a:t>: 0.4</a:t>
+            </a:r>
+          </a:p>
+          <a:p>
+            <a:endParaRPr lang="de-DE" dirty="0"/>
+          </a:p>
+          <a:p>
+            <a:r>
+              <a:rPr lang="de-DE" dirty="0"/>
+              <a:t>Momentum: 0.9</a:t>
+            </a:r>
+          </a:p>
+          <a:p>
+            <a:endParaRPr lang="de-DE" dirty="0"/>
+          </a:p>
+          <a:p>
+            <a:r>
+              <a:rPr lang="de-DE" dirty="0" err="1"/>
+              <a:t>Epochs</a:t>
+            </a:r>
+            <a:r>
+              <a:rPr lang="de-DE" dirty="0"/>
+              <a:t>: 200</a:t>
+            </a:r>
+            <a:endParaRPr lang="en-US" dirty="0"/>
+          </a:p>
+        </p:txBody>
+      </p:sp>
+      <p:sp>
+        <p:nvSpPr>
+          <p:cNvPr id="4" name="Foliennummernplatzhalter 3">
+            <a:extLst>
+              <a:ext uri="{FF2B5EF4-FFF2-40B4-BE49-F238E27FC236}">
+                <a16:creationId xmlns:a16="http://schemas.microsoft.com/office/drawing/2014/main" id="{5BC1D8A0-0EDC-4692-8350-8E5C893B0A2A}"/>
               </a:ext>
             </a:extLst>
           </p:cNvPr>
@@ -4312,6 +4444,256 @@
             <a:fld id="{CCAAE293-A3DA-4FFC-871C-7F0F209F7CB2}" type="slidenum">
               <a:rPr lang="en-US" smtClean="0"/>
               <a:t>11</a:t>
+            </a:fld>
+            <a:endParaRPr lang="en-US"/>
+          </a:p>
+        </p:txBody>
+      </p:sp>
+    </p:spTree>
+    <p:extLst>
+      <p:ext uri="{BB962C8B-B14F-4D97-AF65-F5344CB8AC3E}">
+        <p14:creationId xmlns:p14="http://schemas.microsoft.com/office/powerpoint/2010/main" val="3829208825"/>
+      </p:ext>
+    </p:extLst>
+  </p:cSld>
+  <p:clrMapOvr>
+    <a:masterClrMapping/>
+  </p:clrMapOvr>
+</p:sld>
+</file>
+
+<file path=ppt/slides/slide12.xml><?xml version="1.0" encoding="utf-8"?>
+<p:sld xmlns:a="http://schemas.openxmlformats.org/drawingml/2006/main" xmlns:r="http://schemas.openxmlformats.org/officeDocument/2006/relationships" xmlns:p="http://schemas.openxmlformats.org/presentationml/2006/main">
+  <p:cSld>
+    <p:spTree>
+      <p:nvGrpSpPr>
+        <p:cNvPr id="1" name=""/>
+        <p:cNvGrpSpPr/>
+        <p:nvPr/>
+      </p:nvGrpSpPr>
+      <p:grpSpPr>
+        <a:xfrm>
+          <a:off x="0" y="0"/>
+          <a:ext cx="0" cy="0"/>
+          <a:chOff x="0" y="0"/>
+          <a:chExt cx="0" cy="0"/>
+        </a:xfrm>
+      </p:grpSpPr>
+      <p:sp>
+        <p:nvSpPr>
+          <p:cNvPr id="5" name="Titel 4">
+            <a:extLst>
+              <a:ext uri="{FF2B5EF4-FFF2-40B4-BE49-F238E27FC236}">
+                <a16:creationId xmlns:a16="http://schemas.microsoft.com/office/drawing/2014/main" id="{ACFF07FE-4BFA-4138-9A63-E2152340D587}"/>
+              </a:ext>
+            </a:extLst>
+          </p:cNvPr>
+          <p:cNvSpPr>
+            <a:spLocks noGrp="1"/>
+          </p:cNvSpPr>
+          <p:nvPr>
+            <p:ph type="title"/>
+          </p:nvPr>
+        </p:nvSpPr>
+        <p:spPr/>
+        <p:txBody>
+          <a:bodyPr/>
+          <a:lstStyle/>
+          <a:p>
+            <a:pPr algn="ctr"/>
+            <a:r>
+              <a:rPr lang="de-DE" dirty="0"/>
+              <a:t>Hyperparameter: Grid </a:t>
+            </a:r>
+            <a:r>
+              <a:rPr lang="de-DE" dirty="0" err="1"/>
+              <a:t>search</a:t>
+            </a:r>
+            <a:endParaRPr lang="de-DE" dirty="0"/>
+          </a:p>
+        </p:txBody>
+      </p:sp>
+      <p:pic>
+        <p:nvPicPr>
+          <p:cNvPr id="8" name="Inhaltsplatzhalter 7">
+            <a:extLst>
+              <a:ext uri="{FF2B5EF4-FFF2-40B4-BE49-F238E27FC236}">
+                <a16:creationId xmlns:a16="http://schemas.microsoft.com/office/drawing/2014/main" id="{DD13C4F1-21ED-4973-B770-7D5C0CD37A89}"/>
+              </a:ext>
+            </a:extLst>
+          </p:cNvPr>
+          <p:cNvPicPr>
+            <a:picLocks noGrp="1" noChangeAspect="1"/>
+          </p:cNvPicPr>
+          <p:nvPr>
+            <p:ph sz="half" idx="1"/>
+          </p:nvPr>
+        </p:nvPicPr>
+        <p:blipFill>
+          <a:blip r:embed="rId2"/>
+          <a:stretch>
+            <a:fillRect/>
+          </a:stretch>
+        </p:blipFill>
+        <p:spPr>
+          <a:xfrm>
+            <a:off x="1249491" y="2053453"/>
+            <a:ext cx="4359018" cy="3895682"/>
+          </a:xfrm>
+          <a:prstGeom prst="rect">
+            <a:avLst/>
+          </a:prstGeom>
+        </p:spPr>
+      </p:pic>
+      <p:pic>
+        <p:nvPicPr>
+          <p:cNvPr id="9" name="Inhaltsplatzhalter 8">
+            <a:extLst>
+              <a:ext uri="{FF2B5EF4-FFF2-40B4-BE49-F238E27FC236}">
+                <a16:creationId xmlns:a16="http://schemas.microsoft.com/office/drawing/2014/main" id="{D9478754-314A-47F3-8298-65235AA2C335}"/>
+              </a:ext>
+            </a:extLst>
+          </p:cNvPr>
+          <p:cNvPicPr>
+            <a:picLocks noGrp="1" noChangeAspect="1"/>
+          </p:cNvPicPr>
+          <p:nvPr>
+            <p:ph sz="half" idx="2"/>
+          </p:nvPr>
+        </p:nvPicPr>
+        <p:blipFill>
+          <a:blip r:embed="rId3"/>
+          <a:stretch>
+            <a:fillRect/>
+          </a:stretch>
+        </p:blipFill>
+        <p:spPr>
+          <a:xfrm>
+            <a:off x="6644456" y="2108322"/>
+            <a:ext cx="4237087" cy="3785944"/>
+          </a:xfrm>
+          <a:prstGeom prst="rect">
+            <a:avLst/>
+          </a:prstGeom>
+        </p:spPr>
+      </p:pic>
+      <p:sp>
+        <p:nvSpPr>
+          <p:cNvPr id="4" name="Foliennummernplatzhalter 3">
+            <a:extLst>
+              <a:ext uri="{FF2B5EF4-FFF2-40B4-BE49-F238E27FC236}">
+                <a16:creationId xmlns:a16="http://schemas.microsoft.com/office/drawing/2014/main" id="{41274183-5DF6-42AA-9AF2-97B73CC23AA2}"/>
+              </a:ext>
+            </a:extLst>
+          </p:cNvPr>
+          <p:cNvSpPr>
+            <a:spLocks noGrp="1"/>
+          </p:cNvSpPr>
+          <p:nvPr>
+            <p:ph type="sldNum" sz="quarter" idx="12"/>
+          </p:nvPr>
+        </p:nvSpPr>
+        <p:spPr/>
+        <p:txBody>
+          <a:bodyPr/>
+          <a:lstStyle/>
+          <a:p>
+            <a:fld id="{CCAAE293-A3DA-4FFC-871C-7F0F209F7CB2}" type="slidenum">
+              <a:rPr lang="en-US" smtClean="0"/>
+              <a:t>12</a:t>
+            </a:fld>
+            <a:endParaRPr lang="en-US"/>
+          </a:p>
+        </p:txBody>
+      </p:sp>
+    </p:spTree>
+    <p:extLst>
+      <p:ext uri="{BB962C8B-B14F-4D97-AF65-F5344CB8AC3E}">
+        <p14:creationId xmlns:p14="http://schemas.microsoft.com/office/powerpoint/2010/main" val="1355063638"/>
+      </p:ext>
+    </p:extLst>
+  </p:cSld>
+  <p:clrMapOvr>
+    <a:masterClrMapping/>
+  </p:clrMapOvr>
+</p:sld>
+</file>
+
+<file path=ppt/slides/slide13.xml><?xml version="1.0" encoding="utf-8"?>
+<p:sld xmlns:a="http://schemas.openxmlformats.org/drawingml/2006/main" xmlns:r="http://schemas.openxmlformats.org/officeDocument/2006/relationships" xmlns:p="http://schemas.openxmlformats.org/presentationml/2006/main">
+  <p:cSld>
+    <p:spTree>
+      <p:nvGrpSpPr>
+        <p:cNvPr id="1" name=""/>
+        <p:cNvGrpSpPr/>
+        <p:nvPr/>
+      </p:nvGrpSpPr>
+      <p:grpSpPr>
+        <a:xfrm>
+          <a:off x="0" y="0"/>
+          <a:ext cx="0" cy="0"/>
+          <a:chOff x="0" y="0"/>
+          <a:chExt cx="0" cy="0"/>
+        </a:xfrm>
+      </p:grpSpPr>
+      <p:sp>
+        <p:nvSpPr>
+          <p:cNvPr id="2" name="Titel 1">
+            <a:extLst>
+              <a:ext uri="{FF2B5EF4-FFF2-40B4-BE49-F238E27FC236}">
+                <a16:creationId xmlns:a16="http://schemas.microsoft.com/office/drawing/2014/main" id="{5E3917E8-C5E2-4F20-AEFC-8A7FF8A5F443}"/>
+              </a:ext>
+            </a:extLst>
+          </p:cNvPr>
+          <p:cNvSpPr>
+            <a:spLocks noGrp="1"/>
+          </p:cNvSpPr>
+          <p:nvPr>
+            <p:ph type="title"/>
+          </p:nvPr>
+        </p:nvSpPr>
+        <p:spPr/>
+        <p:txBody>
+          <a:bodyPr/>
+          <a:lstStyle/>
+          <a:p>
+            <a:pPr algn="ctr"/>
+            <a:r>
+              <a:rPr lang="de-DE" dirty="0"/>
+              <a:t>Hyperparameter: Grid </a:t>
+            </a:r>
+            <a:r>
+              <a:rPr lang="de-DE" dirty="0" err="1"/>
+              <a:t>search</a:t>
+            </a:r>
+            <a:endParaRPr lang="de-DE" dirty="0"/>
+          </a:p>
+        </p:txBody>
+      </p:sp>
+      <p:sp>
+        <p:nvSpPr>
+          <p:cNvPr id="5" name="Foliennummernplatzhalter 4">
+            <a:extLst>
+              <a:ext uri="{FF2B5EF4-FFF2-40B4-BE49-F238E27FC236}">
+                <a16:creationId xmlns:a16="http://schemas.microsoft.com/office/drawing/2014/main" id="{80A4DD8A-DF34-4E71-A690-0584852C452E}"/>
+              </a:ext>
+            </a:extLst>
+          </p:cNvPr>
+          <p:cNvSpPr>
+            <a:spLocks noGrp="1"/>
+          </p:cNvSpPr>
+          <p:nvPr>
+            <p:ph type="sldNum" sz="quarter" idx="12"/>
+          </p:nvPr>
+        </p:nvSpPr>
+        <p:spPr/>
+        <p:txBody>
+          <a:bodyPr/>
+          <a:lstStyle/>
+          <a:p>
+            <a:fld id="{CCAAE293-A3DA-4FFC-871C-7F0F209F7CB2}" type="slidenum">
+              <a:rPr lang="en-US" smtClean="0"/>
+              <a:t>13</a:t>
             </a:fld>
             <a:endParaRPr lang="en-US"/>
           </a:p>
@@ -4400,7 +4782,7 @@
 </p:sld>
 </file>
 
-<file path=ppt/slides/slide12.xml><?xml version="1.0" encoding="utf-8"?>
+<file path=ppt/slides/slide14.xml><?xml version="1.0" encoding="utf-8"?>
 <p:sld xmlns:a="http://schemas.openxmlformats.org/drawingml/2006/main" xmlns:r="http://schemas.openxmlformats.org/officeDocument/2006/relationships" xmlns:p="http://schemas.openxmlformats.org/presentationml/2006/main">
   <p:cSld>
     <p:spTree>
@@ -4474,7 +4856,7 @@
           <a:p>
             <a:fld id="{CCAAE293-A3DA-4FFC-871C-7F0F209F7CB2}" type="slidenum">
               <a:rPr lang="en-US" smtClean="0"/>
-              <a:t>12</a:t>
+              <a:t>14</a:t>
             </a:fld>
             <a:endParaRPr lang="en-US"/>
           </a:p>
@@ -4563,7 +4945,7 @@
 </p:sld>
 </file>
 
-<file path=ppt/slides/slide13.xml><?xml version="1.0" encoding="utf-8"?>
+<file path=ppt/slides/slide15.xml><?xml version="1.0" encoding="utf-8"?>
 <p:sld xmlns:a="http://schemas.openxmlformats.org/drawingml/2006/main" xmlns:r="http://schemas.openxmlformats.org/officeDocument/2006/relationships" xmlns:p="http://schemas.openxmlformats.org/presentationml/2006/main">
   <p:cSld>
     <p:spTree>
@@ -4637,7 +5019,7 @@
           <a:p>
             <a:fld id="{CCAAE293-A3DA-4FFC-871C-7F0F209F7CB2}" type="slidenum">
               <a:rPr lang="en-US" smtClean="0"/>
-              <a:t>13</a:t>
+              <a:t>15</a:t>
             </a:fld>
             <a:endParaRPr lang="en-US"/>
           </a:p>
@@ -4691,7 +5073,7 @@
 </p:sld>
 </file>
 
-<file path=ppt/slides/slide14.xml><?xml version="1.0" encoding="utf-8"?>
+<file path=ppt/slides/slide16.xml><?xml version="1.0" encoding="utf-8"?>
 <p:sld xmlns:a="http://schemas.openxmlformats.org/drawingml/2006/main" xmlns:r="http://schemas.openxmlformats.org/officeDocument/2006/relationships" xmlns:p="http://schemas.openxmlformats.org/presentationml/2006/main">
   <p:cSld>
     <p:spTree>
@@ -4803,7 +5185,7 @@
           <a:p>
             <a:fld id="{CCAAE293-A3DA-4FFC-871C-7F0F209F7CB2}" type="slidenum">
               <a:rPr lang="en-US" smtClean="0"/>
-              <a:t>14</a:t>
+              <a:t>16</a:t>
             </a:fld>
             <a:endParaRPr lang="en-US"/>
           </a:p>
@@ -4998,7 +5380,7 @@
             <a:pPr algn="ctr"/>
             <a:r>
               <a:rPr lang="en-US" dirty="0"/>
-              <a:t>MCC: 0.24 ± 0.05</a:t>
+              <a:t>MCC: 0.24 ± 0.01</a:t>
             </a:r>
           </a:p>
           <a:p>
@@ -5009,7 +5391,7 @@
             <a:pPr algn="ctr"/>
             <a:r>
               <a:rPr lang="en-US" dirty="0"/>
-              <a:t>F1-score:	0.24 ± 0.05</a:t>
+              <a:t>F1-score:	0.24 ± 0.01</a:t>
             </a:r>
           </a:p>
           <a:p>
@@ -5031,7 +5413,7 @@
 </p:sld>
 </file>
 
-<file path=ppt/slides/slide15.xml><?xml version="1.0" encoding="utf-8"?>
+<file path=ppt/slides/slide17.xml><?xml version="1.0" encoding="utf-8"?>
 <p:sld xmlns:a="http://schemas.openxmlformats.org/drawingml/2006/main" xmlns:r="http://schemas.openxmlformats.org/officeDocument/2006/relationships" xmlns:p="http://schemas.openxmlformats.org/presentationml/2006/main">
   <p:cSld>
     <p:spTree>
@@ -5444,7 +5826,7 @@
           <a:p>
             <a:fld id="{CCAAE293-A3DA-4FFC-871C-7F0F209F7CB2}" type="slidenum">
               <a:rPr lang="en-US" smtClean="0"/>
-              <a:t>15</a:t>
+              <a:t>17</a:t>
             </a:fld>
             <a:endParaRPr lang="en-US"/>
           </a:p>
@@ -5463,7 +5845,7 @@
 </p:sld>
 </file>
 
-<file path=ppt/slides/slide16.xml><?xml version="1.0" encoding="utf-8"?>
+<file path=ppt/slides/slide18.xml><?xml version="1.0" encoding="utf-8"?>
 <p:sld xmlns:a="http://schemas.openxmlformats.org/drawingml/2006/main" xmlns:r="http://schemas.openxmlformats.org/officeDocument/2006/relationships" xmlns:p="http://schemas.openxmlformats.org/presentationml/2006/main">
   <p:cSld>
     <p:spTree>
@@ -5558,7 +5940,7 @@
           <a:p>
             <a:fld id="{CCAAE293-A3DA-4FFC-871C-7F0F209F7CB2}" type="slidenum">
               <a:rPr lang="en-US" smtClean="0"/>
-              <a:t>16</a:t>
+              <a:t>18</a:t>
             </a:fld>
             <a:endParaRPr lang="en-US"/>
           </a:p>
@@ -6063,7 +6445,7 @@
 </p:sld>
 </file>
 
-<file path=ppt/slides/slide17.xml><?xml version="1.0" encoding="utf-8"?>
+<file path=ppt/slides/slide19.xml><?xml version="1.0" encoding="utf-8"?>
 <p:sld xmlns:a="http://schemas.openxmlformats.org/drawingml/2006/main" xmlns:r="http://schemas.openxmlformats.org/officeDocument/2006/relationships" xmlns:p="http://schemas.openxmlformats.org/presentationml/2006/main">
   <p:cSld>
     <p:spTree>
@@ -6143,7 +6525,7 @@
           <a:p>
             <a:fld id="{CCAAE293-A3DA-4FFC-871C-7F0F209F7CB2}" type="slidenum">
               <a:rPr lang="en-US" smtClean="0"/>
-              <a:t>17</a:t>
+              <a:t>19</a:t>
             </a:fld>
             <a:endParaRPr lang="en-US"/>
           </a:p>
@@ -6199,7 +6581,7 @@
 </p:sld>
 </file>
 
-<file path=ppt/slides/slide18.xml><?xml version="1.0" encoding="utf-8"?>
+<file path=ppt/slides/slide2.xml><?xml version="1.0" encoding="utf-8"?>
 <p:sld xmlns:a="http://schemas.openxmlformats.org/drawingml/2006/main" xmlns:r="http://schemas.openxmlformats.org/officeDocument/2006/relationships" xmlns:p="http://schemas.openxmlformats.org/presentationml/2006/main">
   <p:cSld>
     <p:spTree>
@@ -6218,10 +6600,97 @@
       </p:grpSpPr>
       <p:sp>
         <p:nvSpPr>
+          <p:cNvPr id="2" name="Titel 1">
+            <a:extLst>
+              <a:ext uri="{FF2B5EF4-FFF2-40B4-BE49-F238E27FC236}">
+                <a16:creationId xmlns:a16="http://schemas.microsoft.com/office/drawing/2014/main" id="{F9CD20AA-91B5-4158-923D-AF0E8C740F43}"/>
+              </a:ext>
+            </a:extLst>
+          </p:cNvPr>
+          <p:cNvSpPr>
+            <a:spLocks noGrp="1"/>
+          </p:cNvSpPr>
+          <p:nvPr>
+            <p:ph type="title"/>
+          </p:nvPr>
+        </p:nvSpPr>
+        <p:spPr/>
+        <p:txBody>
+          <a:bodyPr/>
+          <a:lstStyle/>
+          <a:p>
+            <a:pPr algn="ctr"/>
+            <a:r>
+              <a:rPr lang="de-DE" dirty="0"/>
+              <a:t>Outline</a:t>
+            </a:r>
+          </a:p>
+        </p:txBody>
+      </p:sp>
+      <p:sp>
+        <p:nvSpPr>
+          <p:cNvPr id="3" name="Inhaltsplatzhalter 2">
+            <a:extLst>
+              <a:ext uri="{FF2B5EF4-FFF2-40B4-BE49-F238E27FC236}">
+                <a16:creationId xmlns:a16="http://schemas.microsoft.com/office/drawing/2014/main" id="{34D02058-2A45-4C57-9888-15A9F46BB3A6}"/>
+              </a:ext>
+            </a:extLst>
+          </p:cNvPr>
+          <p:cNvSpPr>
+            <a:spLocks noGrp="1"/>
+          </p:cNvSpPr>
+          <p:nvPr>
+            <p:ph idx="1"/>
+          </p:nvPr>
+        </p:nvSpPr>
+        <p:spPr/>
+        <p:txBody>
+          <a:bodyPr/>
+          <a:lstStyle/>
+          <a:p>
+            <a:r>
+              <a:rPr lang="de-DE" dirty="0"/>
+              <a:t>Feature</a:t>
+            </a:r>
+          </a:p>
+          <a:p>
+            <a:endParaRPr lang="de-DE" dirty="0"/>
+          </a:p>
+          <a:p>
+            <a:r>
+              <a:rPr lang="de-DE" dirty="0" err="1"/>
+              <a:t>Algorithm</a:t>
+            </a:r>
+            <a:r>
+              <a:rPr lang="de-DE" dirty="0"/>
+              <a:t> </a:t>
+            </a:r>
+            <a:r>
+              <a:rPr lang="de-DE" dirty="0" err="1"/>
+              <a:t>structure</a:t>
+            </a:r>
+            <a:r>
+              <a:rPr lang="de-DE" dirty="0"/>
+              <a:t> and Hyperparameters</a:t>
+            </a:r>
+          </a:p>
+          <a:p>
+            <a:endParaRPr lang="de-DE" dirty="0"/>
+          </a:p>
+          <a:p>
+            <a:r>
+              <a:rPr lang="de-DE" dirty="0"/>
+              <a:t> Performance</a:t>
+            </a:r>
+          </a:p>
+        </p:txBody>
+      </p:sp>
+      <p:sp>
+        <p:nvSpPr>
           <p:cNvPr id="4" name="Foliennummernplatzhalter 3">
             <a:extLst>
               <a:ext uri="{FF2B5EF4-FFF2-40B4-BE49-F238E27FC236}">
-                <a16:creationId xmlns:a16="http://schemas.microsoft.com/office/drawing/2014/main" id="{768EA576-5302-4115-88A4-24E38051F977}"/>
+                <a16:creationId xmlns:a16="http://schemas.microsoft.com/office/drawing/2014/main" id="{C40F9798-9367-4AE8-91DF-E1FE6C05B5A7}"/>
               </a:ext>
             </a:extLst>
           </p:cNvPr>
@@ -6239,7 +6708,66 @@
           <a:p>
             <a:fld id="{CCAAE293-A3DA-4FFC-871C-7F0F209F7CB2}" type="slidenum">
               <a:rPr lang="en-US" smtClean="0"/>
-              <a:t>18</a:t>
+              <a:t>2</a:t>
+            </a:fld>
+            <a:endParaRPr lang="en-US"/>
+          </a:p>
+        </p:txBody>
+      </p:sp>
+    </p:spTree>
+    <p:extLst>
+      <p:ext uri="{BB962C8B-B14F-4D97-AF65-F5344CB8AC3E}">
+        <p14:creationId xmlns:p14="http://schemas.microsoft.com/office/powerpoint/2010/main" val="3125192918"/>
+      </p:ext>
+    </p:extLst>
+  </p:cSld>
+  <p:clrMapOvr>
+    <a:masterClrMapping/>
+  </p:clrMapOvr>
+</p:sld>
+</file>
+
+<file path=ppt/slides/slide20.xml><?xml version="1.0" encoding="utf-8"?>
+<p:sld xmlns:a="http://schemas.openxmlformats.org/drawingml/2006/main" xmlns:r="http://schemas.openxmlformats.org/officeDocument/2006/relationships" xmlns:p="http://schemas.openxmlformats.org/presentationml/2006/main">
+  <p:cSld>
+    <p:spTree>
+      <p:nvGrpSpPr>
+        <p:cNvPr id="1" name=""/>
+        <p:cNvGrpSpPr/>
+        <p:nvPr/>
+      </p:nvGrpSpPr>
+      <p:grpSpPr>
+        <a:xfrm>
+          <a:off x="0" y="0"/>
+          <a:ext cx="0" cy="0"/>
+          <a:chOff x="0" y="0"/>
+          <a:chExt cx="0" cy="0"/>
+        </a:xfrm>
+      </p:grpSpPr>
+      <p:sp>
+        <p:nvSpPr>
+          <p:cNvPr id="4" name="Foliennummernplatzhalter 3">
+            <a:extLst>
+              <a:ext uri="{FF2B5EF4-FFF2-40B4-BE49-F238E27FC236}">
+                <a16:creationId xmlns:a16="http://schemas.microsoft.com/office/drawing/2014/main" id="{768EA576-5302-4115-88A4-24E38051F977}"/>
+              </a:ext>
+            </a:extLst>
+          </p:cNvPr>
+          <p:cNvSpPr>
+            <a:spLocks noGrp="1"/>
+          </p:cNvSpPr>
+          <p:nvPr>
+            <p:ph type="sldNum" sz="quarter" idx="12"/>
+          </p:nvPr>
+        </p:nvSpPr>
+        <p:spPr/>
+        <p:txBody>
+          <a:bodyPr/>
+          <a:lstStyle/>
+          <a:p>
+            <a:fld id="{CCAAE293-A3DA-4FFC-871C-7F0F209F7CB2}" type="slidenum">
+              <a:rPr lang="en-US" smtClean="0"/>
+              <a:t>20</a:t>
             </a:fld>
             <a:endParaRPr lang="en-US"/>
           </a:p>
@@ -6345,7 +6873,7 @@
 </p:sld>
 </file>
 
-<file path=ppt/slides/slide19.xml><?xml version="1.0" encoding="utf-8"?>
+<file path=ppt/slides/slide21.xml><?xml version="1.0" encoding="utf-8"?>
 <p:sld xmlns:a="http://schemas.openxmlformats.org/drawingml/2006/main" xmlns:r="http://schemas.openxmlformats.org/officeDocument/2006/relationships" xmlns:p="http://schemas.openxmlformats.org/presentationml/2006/main">
   <p:cSld>
     <p:spTree>
@@ -6464,7 +6992,7 @@
           <a:p>
             <a:fld id="{CCAAE293-A3DA-4FFC-871C-7F0F209F7CB2}" type="slidenum">
               <a:rPr lang="en-US" smtClean="0"/>
-              <a:t>19</a:t>
+              <a:t>21</a:t>
             </a:fld>
             <a:endParaRPr lang="en-US"/>
           </a:p>
@@ -6519,463 +7047,6 @@
 </p:sld>
 </file>
 
-<file path=ppt/slides/slide2.xml><?xml version="1.0" encoding="utf-8"?>
-<p:sld xmlns:a="http://schemas.openxmlformats.org/drawingml/2006/main" xmlns:r="http://schemas.openxmlformats.org/officeDocument/2006/relationships" xmlns:p="http://schemas.openxmlformats.org/presentationml/2006/main">
-  <p:cSld>
-    <p:spTree>
-      <p:nvGrpSpPr>
-        <p:cNvPr id="1" name=""/>
-        <p:cNvGrpSpPr/>
-        <p:nvPr/>
-      </p:nvGrpSpPr>
-      <p:grpSpPr>
-        <a:xfrm>
-          <a:off x="0" y="0"/>
-          <a:ext cx="0" cy="0"/>
-          <a:chOff x="0" y="0"/>
-          <a:chExt cx="0" cy="0"/>
-        </a:xfrm>
-      </p:grpSpPr>
-      <p:sp>
-        <p:nvSpPr>
-          <p:cNvPr id="2" name="Titel 1">
-            <a:extLst>
-              <a:ext uri="{FF2B5EF4-FFF2-40B4-BE49-F238E27FC236}">
-                <a16:creationId xmlns:a16="http://schemas.microsoft.com/office/drawing/2014/main" id="{F9CD20AA-91B5-4158-923D-AF0E8C740F43}"/>
-              </a:ext>
-            </a:extLst>
-          </p:cNvPr>
-          <p:cNvSpPr>
-            <a:spLocks noGrp="1"/>
-          </p:cNvSpPr>
-          <p:nvPr>
-            <p:ph type="title"/>
-          </p:nvPr>
-        </p:nvSpPr>
-        <p:spPr/>
-        <p:txBody>
-          <a:bodyPr/>
-          <a:lstStyle/>
-          <a:p>
-            <a:pPr algn="ctr"/>
-            <a:r>
-              <a:rPr lang="de-DE" dirty="0" err="1"/>
-              <a:t>Outlay</a:t>
-            </a:r>
-            <a:endParaRPr lang="de-DE" dirty="0"/>
-          </a:p>
-        </p:txBody>
-      </p:sp>
-      <p:sp>
-        <p:nvSpPr>
-          <p:cNvPr id="3" name="Inhaltsplatzhalter 2">
-            <a:extLst>
-              <a:ext uri="{FF2B5EF4-FFF2-40B4-BE49-F238E27FC236}">
-                <a16:creationId xmlns:a16="http://schemas.microsoft.com/office/drawing/2014/main" id="{34D02058-2A45-4C57-9888-15A9F46BB3A6}"/>
-              </a:ext>
-            </a:extLst>
-          </p:cNvPr>
-          <p:cNvSpPr>
-            <a:spLocks noGrp="1"/>
-          </p:cNvSpPr>
-          <p:nvPr>
-            <p:ph idx="1"/>
-          </p:nvPr>
-        </p:nvSpPr>
-        <p:spPr/>
-        <p:txBody>
-          <a:bodyPr/>
-          <a:lstStyle/>
-          <a:p>
-            <a:r>
-              <a:rPr lang="de-DE" dirty="0"/>
-              <a:t>Feature</a:t>
-            </a:r>
-          </a:p>
-          <a:p>
-            <a:endParaRPr lang="de-DE" dirty="0"/>
-          </a:p>
-          <a:p>
-            <a:r>
-              <a:rPr lang="de-DE" dirty="0" err="1"/>
-              <a:t>Algorithm</a:t>
-            </a:r>
-            <a:r>
-              <a:rPr lang="de-DE" dirty="0"/>
-              <a:t> </a:t>
-            </a:r>
-            <a:r>
-              <a:rPr lang="de-DE" dirty="0" err="1"/>
-              <a:t>structure</a:t>
-            </a:r>
-            <a:r>
-              <a:rPr lang="de-DE" dirty="0"/>
-              <a:t> and Hyperparameters</a:t>
-            </a:r>
-          </a:p>
-          <a:p>
-            <a:endParaRPr lang="de-DE" dirty="0"/>
-          </a:p>
-          <a:p>
-            <a:r>
-              <a:rPr lang="de-DE" dirty="0"/>
-              <a:t> Performance</a:t>
-            </a:r>
-          </a:p>
-        </p:txBody>
-      </p:sp>
-      <p:sp>
-        <p:nvSpPr>
-          <p:cNvPr id="4" name="Foliennummernplatzhalter 3">
-            <a:extLst>
-              <a:ext uri="{FF2B5EF4-FFF2-40B4-BE49-F238E27FC236}">
-                <a16:creationId xmlns:a16="http://schemas.microsoft.com/office/drawing/2014/main" id="{C40F9798-9367-4AE8-91DF-E1FE6C05B5A7}"/>
-              </a:ext>
-            </a:extLst>
-          </p:cNvPr>
-          <p:cNvSpPr>
-            <a:spLocks noGrp="1"/>
-          </p:cNvSpPr>
-          <p:nvPr>
-            <p:ph type="sldNum" sz="quarter" idx="12"/>
-          </p:nvPr>
-        </p:nvSpPr>
-        <p:spPr/>
-        <p:txBody>
-          <a:bodyPr/>
-          <a:lstStyle/>
-          <a:p>
-            <a:fld id="{CCAAE293-A3DA-4FFC-871C-7F0F209F7CB2}" type="slidenum">
-              <a:rPr lang="en-US" smtClean="0"/>
-              <a:t>2</a:t>
-            </a:fld>
-            <a:endParaRPr lang="en-US"/>
-          </a:p>
-        </p:txBody>
-      </p:sp>
-    </p:spTree>
-    <p:extLst>
-      <p:ext uri="{BB962C8B-B14F-4D97-AF65-F5344CB8AC3E}">
-        <p14:creationId xmlns:p14="http://schemas.microsoft.com/office/powerpoint/2010/main" val="3125192918"/>
-      </p:ext>
-    </p:extLst>
-  </p:cSld>
-  <p:clrMapOvr>
-    <a:masterClrMapping/>
-  </p:clrMapOvr>
-</p:sld>
-</file>
-
-<file path=ppt/slides/slide20.xml><?xml version="1.0" encoding="utf-8"?>
-<p:sld xmlns:a="http://schemas.openxmlformats.org/drawingml/2006/main" xmlns:r="http://schemas.openxmlformats.org/officeDocument/2006/relationships" xmlns:p="http://schemas.openxmlformats.org/presentationml/2006/main">
-  <p:cSld>
-    <p:spTree>
-      <p:nvGrpSpPr>
-        <p:cNvPr id="1" name=""/>
-        <p:cNvGrpSpPr/>
-        <p:nvPr/>
-      </p:nvGrpSpPr>
-      <p:grpSpPr>
-        <a:xfrm>
-          <a:off x="0" y="0"/>
-          <a:ext cx="0" cy="0"/>
-          <a:chOff x="0" y="0"/>
-          <a:chExt cx="0" cy="0"/>
-        </a:xfrm>
-      </p:grpSpPr>
-      <p:sp>
-        <p:nvSpPr>
-          <p:cNvPr id="2" name="Titel 1">
-            <a:extLst>
-              <a:ext uri="{FF2B5EF4-FFF2-40B4-BE49-F238E27FC236}">
-                <a16:creationId xmlns:a16="http://schemas.microsoft.com/office/drawing/2014/main" id="{0A1CFA08-33E9-4E06-B481-DDF49C7CE225}"/>
-              </a:ext>
-            </a:extLst>
-          </p:cNvPr>
-          <p:cNvSpPr>
-            <a:spLocks noGrp="1"/>
-          </p:cNvSpPr>
-          <p:nvPr>
-            <p:ph type="title"/>
-          </p:nvPr>
-        </p:nvSpPr>
-        <p:spPr/>
-        <p:txBody>
-          <a:bodyPr/>
-          <a:lstStyle/>
-          <a:p>
-            <a:pPr algn="ctr"/>
-            <a:r>
-              <a:rPr lang="de-DE" dirty="0" err="1"/>
-              <a:t>Thank</a:t>
-            </a:r>
-            <a:r>
-              <a:rPr lang="de-DE" dirty="0"/>
-              <a:t> </a:t>
-            </a:r>
-            <a:r>
-              <a:rPr lang="de-DE" dirty="0" err="1"/>
-              <a:t>you</a:t>
-            </a:r>
-            <a:r>
-              <a:rPr lang="de-DE" dirty="0"/>
-              <a:t>!</a:t>
-            </a:r>
-          </a:p>
-        </p:txBody>
-      </p:sp>
-      <p:sp>
-        <p:nvSpPr>
-          <p:cNvPr id="3" name="Inhaltsplatzhalter 2">
-            <a:extLst>
-              <a:ext uri="{FF2B5EF4-FFF2-40B4-BE49-F238E27FC236}">
-                <a16:creationId xmlns:a16="http://schemas.microsoft.com/office/drawing/2014/main" id="{D1ED0091-A0CC-4522-A4E1-99602C92F687}"/>
-              </a:ext>
-            </a:extLst>
-          </p:cNvPr>
-          <p:cNvSpPr>
-            <a:spLocks noGrp="1"/>
-          </p:cNvSpPr>
-          <p:nvPr>
-            <p:ph idx="1"/>
-          </p:nvPr>
-        </p:nvSpPr>
-        <p:spPr/>
-        <p:txBody>
-          <a:bodyPr>
-            <a:normAutofit/>
-          </a:bodyPr>
-          <a:lstStyle/>
-          <a:p>
-            <a:pPr marL="0" indent="0" algn="ctr">
-              <a:buNone/>
-            </a:pPr>
-            <a:endParaRPr lang="de-DE" sz="3600" dirty="0"/>
-          </a:p>
-          <a:p>
-            <a:pPr marL="0" indent="0" algn="ctr">
-              <a:buNone/>
-            </a:pPr>
-            <a:endParaRPr lang="de-DE" sz="3600" dirty="0"/>
-          </a:p>
-          <a:p>
-            <a:pPr marL="0" indent="0" algn="ctr">
-              <a:buNone/>
-            </a:pPr>
-            <a:r>
-              <a:rPr lang="de-DE" sz="3600" dirty="0"/>
-              <a:t>Questions?</a:t>
-            </a:r>
-          </a:p>
-        </p:txBody>
-      </p:sp>
-      <p:sp>
-        <p:nvSpPr>
-          <p:cNvPr id="4" name="Foliennummernplatzhalter 3">
-            <a:extLst>
-              <a:ext uri="{FF2B5EF4-FFF2-40B4-BE49-F238E27FC236}">
-                <a16:creationId xmlns:a16="http://schemas.microsoft.com/office/drawing/2014/main" id="{6FE2A71F-4FFC-484B-93E3-04D170029A13}"/>
-              </a:ext>
-            </a:extLst>
-          </p:cNvPr>
-          <p:cNvSpPr>
-            <a:spLocks noGrp="1"/>
-          </p:cNvSpPr>
-          <p:nvPr>
-            <p:ph type="sldNum" sz="quarter" idx="12"/>
-          </p:nvPr>
-        </p:nvSpPr>
-        <p:spPr/>
-        <p:txBody>
-          <a:bodyPr/>
-          <a:lstStyle/>
-          <a:p>
-            <a:fld id="{CCAAE293-A3DA-4FFC-871C-7F0F209F7CB2}" type="slidenum">
-              <a:rPr lang="en-US" smtClean="0"/>
-              <a:t>20</a:t>
-            </a:fld>
-            <a:endParaRPr lang="en-US"/>
-          </a:p>
-        </p:txBody>
-      </p:sp>
-    </p:spTree>
-    <p:extLst>
-      <p:ext uri="{BB962C8B-B14F-4D97-AF65-F5344CB8AC3E}">
-        <p14:creationId xmlns:p14="http://schemas.microsoft.com/office/powerpoint/2010/main" val="1520254085"/>
-      </p:ext>
-    </p:extLst>
-  </p:cSld>
-  <p:clrMapOvr>
-    <a:masterClrMapping/>
-  </p:clrMapOvr>
-</p:sld>
-</file>
-
-<file path=ppt/slides/slide21.xml><?xml version="1.0" encoding="utf-8"?>
-<p:sld xmlns:a="http://schemas.openxmlformats.org/drawingml/2006/main" xmlns:r="http://schemas.openxmlformats.org/officeDocument/2006/relationships" xmlns:p="http://schemas.openxmlformats.org/presentationml/2006/main">
-  <p:cSld>
-    <p:spTree>
-      <p:nvGrpSpPr>
-        <p:cNvPr id="1" name=""/>
-        <p:cNvGrpSpPr/>
-        <p:nvPr/>
-      </p:nvGrpSpPr>
-      <p:grpSpPr>
-        <a:xfrm>
-          <a:off x="0" y="0"/>
-          <a:ext cx="0" cy="0"/>
-          <a:chOff x="0" y="0"/>
-          <a:chExt cx="0" cy="0"/>
-        </a:xfrm>
-      </p:grpSpPr>
-      <p:sp>
-        <p:nvSpPr>
-          <p:cNvPr id="2" name="Titel 1">
-            <a:extLst>
-              <a:ext uri="{FF2B5EF4-FFF2-40B4-BE49-F238E27FC236}">
-                <a16:creationId xmlns:a16="http://schemas.microsoft.com/office/drawing/2014/main" id="{9D97ED67-0983-40BA-B344-DFF1A8F9D645}"/>
-              </a:ext>
-            </a:extLst>
-          </p:cNvPr>
-          <p:cNvSpPr>
-            <a:spLocks noGrp="1"/>
-          </p:cNvSpPr>
-          <p:nvPr>
-            <p:ph type="title"/>
-          </p:nvPr>
-        </p:nvSpPr>
-        <p:spPr/>
-        <p:txBody>
-          <a:bodyPr/>
-          <a:lstStyle/>
-          <a:p>
-            <a:r>
-              <a:rPr lang="en-US" dirty="0"/>
-              <a:t>stats</a:t>
-            </a:r>
-          </a:p>
-        </p:txBody>
-      </p:sp>
-      <p:sp>
-        <p:nvSpPr>
-          <p:cNvPr id="3" name="Inhaltsplatzhalter 2">
-            <a:extLst>
-              <a:ext uri="{FF2B5EF4-FFF2-40B4-BE49-F238E27FC236}">
-                <a16:creationId xmlns:a16="http://schemas.microsoft.com/office/drawing/2014/main" id="{2EB22B1B-35DF-494F-B9F2-FC28829ED749}"/>
-              </a:ext>
-            </a:extLst>
-          </p:cNvPr>
-          <p:cNvSpPr>
-            <a:spLocks noGrp="1"/>
-          </p:cNvSpPr>
-          <p:nvPr>
-            <p:ph idx="1"/>
-          </p:nvPr>
-        </p:nvSpPr>
-        <p:spPr/>
-        <p:txBody>
-          <a:bodyPr>
-            <a:normAutofit lnSpcReduction="10000"/>
-          </a:bodyPr>
-          <a:lstStyle/>
-          <a:p>
-            <a:r>
-              <a:rPr lang="en-US" dirty="0"/>
-              <a:t>TP:	519</a:t>
-            </a:r>
-          </a:p>
-          <a:p>
-            <a:r>
-              <a:rPr lang="en-US" dirty="0"/>
-              <a:t>FP:	517</a:t>
-            </a:r>
-          </a:p>
-          <a:p>
-            <a:r>
-              <a:rPr lang="en-US" dirty="0"/>
-              <a:t>TN:	27949</a:t>
-            </a:r>
-          </a:p>
-          <a:p>
-            <a:r>
-              <a:rPr lang="en-US" dirty="0"/>
-              <a:t>FN:	2842</a:t>
-            </a:r>
-          </a:p>
-          <a:p>
-            <a:r>
-              <a:rPr lang="en-US" dirty="0"/>
-              <a:t>FPR:	0.01816201784585119</a:t>
-            </a:r>
-          </a:p>
-          <a:p>
-            <a:r>
-              <a:rPr lang="en-US" dirty="0"/>
-              <a:t>Precision:	0.500965250965251 ± 0.08711481944094397</a:t>
-            </a:r>
-          </a:p>
-          <a:p>
-            <a:r>
-              <a:rPr lang="en-US" dirty="0"/>
-              <a:t>Recall/TPR:	0.15441832787860757 ± 0.03622178707225869</a:t>
-            </a:r>
-          </a:p>
-          <a:p>
-            <a:r>
-              <a:rPr lang="en-US" dirty="0"/>
-              <a:t>F1-score:	0.2360700477598363 ± 0.0487765726023605</a:t>
-            </a:r>
-          </a:p>
-          <a:p>
-            <a:r>
-              <a:rPr lang="en-US" dirty="0"/>
-              <a:t>MCC:	0.23597300754427067 ± 0.05293743405150672(stderr)</a:t>
-            </a:r>
-          </a:p>
-        </p:txBody>
-      </p:sp>
-      <p:sp>
-        <p:nvSpPr>
-          <p:cNvPr id="4" name="Foliennummernplatzhalter 3">
-            <a:extLst>
-              <a:ext uri="{FF2B5EF4-FFF2-40B4-BE49-F238E27FC236}">
-                <a16:creationId xmlns:a16="http://schemas.microsoft.com/office/drawing/2014/main" id="{FA0D585C-CC90-4B30-90DD-73F0D164A1C9}"/>
-              </a:ext>
-            </a:extLst>
-          </p:cNvPr>
-          <p:cNvSpPr>
-            <a:spLocks noGrp="1"/>
-          </p:cNvSpPr>
-          <p:nvPr>
-            <p:ph type="sldNum" sz="quarter" idx="12"/>
-          </p:nvPr>
-        </p:nvSpPr>
-        <p:spPr/>
-        <p:txBody>
-          <a:bodyPr/>
-          <a:lstStyle/>
-          <a:p>
-            <a:fld id="{CCAAE293-A3DA-4FFC-871C-7F0F209F7CB2}" type="slidenum">
-              <a:rPr lang="en-US" smtClean="0"/>
-              <a:t>21</a:t>
-            </a:fld>
-            <a:endParaRPr lang="en-US"/>
-          </a:p>
-        </p:txBody>
-      </p:sp>
-    </p:spTree>
-    <p:extLst>
-      <p:ext uri="{BB962C8B-B14F-4D97-AF65-F5344CB8AC3E}">
-        <p14:creationId xmlns:p14="http://schemas.microsoft.com/office/powerpoint/2010/main" val="4122554641"/>
-      </p:ext>
-    </p:extLst>
-  </p:cSld>
-  <p:clrMapOvr>
-    <a:masterClrMapping/>
-  </p:clrMapOvr>
-</p:sld>
-</file>
-
 <file path=ppt/slides/slide22.xml><?xml version="1.0" encoding="utf-8"?>
 <p:sld xmlns:a="http://schemas.openxmlformats.org/drawingml/2006/main" xmlns:r="http://schemas.openxmlformats.org/officeDocument/2006/relationships" xmlns:p="http://schemas.openxmlformats.org/presentationml/2006/main">
   <p:cSld>
@@ -6998,7 +7069,7 @@
           <p:cNvPr id="2" name="Titel 1">
             <a:extLst>
               <a:ext uri="{FF2B5EF4-FFF2-40B4-BE49-F238E27FC236}">
-                <a16:creationId xmlns:a16="http://schemas.microsoft.com/office/drawing/2014/main" id="{936C496B-94C2-4A47-81DC-95D6DBF1CF49}"/>
+                <a16:creationId xmlns:a16="http://schemas.microsoft.com/office/drawing/2014/main" id="{0A1CFA08-33E9-4E06-B481-DDF49C7CE225}"/>
               </a:ext>
             </a:extLst>
           </p:cNvPr>
@@ -7014,9 +7085,10 @@
           <a:bodyPr/>
           <a:lstStyle/>
           <a:p>
+            <a:pPr algn="ctr"/>
             <a:r>
               <a:rPr lang="de-DE" dirty="0" err="1"/>
-              <a:t>Stats</a:t>
+              <a:t>Thank</a:t>
             </a:r>
             <a:r>
               <a:rPr lang="de-DE" dirty="0"/>
@@ -7024,9 +7096,12 @@
             </a:r>
             <a:r>
               <a:rPr lang="de-DE" dirty="0" err="1"/>
-              <a:t>crossvalidation</a:t>
-            </a:r>
-            <a:endParaRPr lang="de-DE" dirty="0"/>
+              <a:t>you</a:t>
+            </a:r>
+            <a:r>
+              <a:rPr lang="de-DE" dirty="0"/>
+              <a:t>!</a:t>
+            </a:r>
           </a:p>
         </p:txBody>
       </p:sp>
@@ -7035,7 +7110,139 @@
           <p:cNvPr id="3" name="Inhaltsplatzhalter 2">
             <a:extLst>
               <a:ext uri="{FF2B5EF4-FFF2-40B4-BE49-F238E27FC236}">
-                <a16:creationId xmlns:a16="http://schemas.microsoft.com/office/drawing/2014/main" id="{5EA29DD7-D7EA-4CAD-A334-63FCFE0325A4}"/>
+                <a16:creationId xmlns:a16="http://schemas.microsoft.com/office/drawing/2014/main" id="{D1ED0091-A0CC-4522-A4E1-99602C92F687}"/>
+              </a:ext>
+            </a:extLst>
+          </p:cNvPr>
+          <p:cNvSpPr>
+            <a:spLocks noGrp="1"/>
+          </p:cNvSpPr>
+          <p:nvPr>
+            <p:ph idx="1"/>
+          </p:nvPr>
+        </p:nvSpPr>
+        <p:spPr/>
+        <p:txBody>
+          <a:bodyPr>
+            <a:normAutofit/>
+          </a:bodyPr>
+          <a:lstStyle/>
+          <a:p>
+            <a:pPr marL="0" indent="0" algn="ctr">
+              <a:buNone/>
+            </a:pPr>
+            <a:endParaRPr lang="de-DE" sz="3600" dirty="0"/>
+          </a:p>
+          <a:p>
+            <a:pPr marL="0" indent="0" algn="ctr">
+              <a:buNone/>
+            </a:pPr>
+            <a:endParaRPr lang="de-DE" sz="3600" dirty="0"/>
+          </a:p>
+          <a:p>
+            <a:pPr marL="0" indent="0" algn="ctr">
+              <a:buNone/>
+            </a:pPr>
+            <a:r>
+              <a:rPr lang="de-DE" sz="3600" dirty="0"/>
+              <a:t>Questions?</a:t>
+            </a:r>
+          </a:p>
+        </p:txBody>
+      </p:sp>
+      <p:sp>
+        <p:nvSpPr>
+          <p:cNvPr id="4" name="Foliennummernplatzhalter 3">
+            <a:extLst>
+              <a:ext uri="{FF2B5EF4-FFF2-40B4-BE49-F238E27FC236}">
+                <a16:creationId xmlns:a16="http://schemas.microsoft.com/office/drawing/2014/main" id="{6FE2A71F-4FFC-484B-93E3-04D170029A13}"/>
+              </a:ext>
+            </a:extLst>
+          </p:cNvPr>
+          <p:cNvSpPr>
+            <a:spLocks noGrp="1"/>
+          </p:cNvSpPr>
+          <p:nvPr>
+            <p:ph type="sldNum" sz="quarter" idx="12"/>
+          </p:nvPr>
+        </p:nvSpPr>
+        <p:spPr/>
+        <p:txBody>
+          <a:bodyPr/>
+          <a:lstStyle/>
+          <a:p>
+            <a:fld id="{CCAAE293-A3DA-4FFC-871C-7F0F209F7CB2}" type="slidenum">
+              <a:rPr lang="en-US" smtClean="0"/>
+              <a:t>22</a:t>
+            </a:fld>
+            <a:endParaRPr lang="en-US"/>
+          </a:p>
+        </p:txBody>
+      </p:sp>
+    </p:spTree>
+    <p:extLst>
+      <p:ext uri="{BB962C8B-B14F-4D97-AF65-F5344CB8AC3E}">
+        <p14:creationId xmlns:p14="http://schemas.microsoft.com/office/powerpoint/2010/main" val="1520254085"/>
+      </p:ext>
+    </p:extLst>
+  </p:cSld>
+  <p:clrMapOvr>
+    <a:masterClrMapping/>
+  </p:clrMapOvr>
+</p:sld>
+</file>
+
+<file path=ppt/slides/slide23.xml><?xml version="1.0" encoding="utf-8"?>
+<p:sld xmlns:a="http://schemas.openxmlformats.org/drawingml/2006/main" xmlns:r="http://schemas.openxmlformats.org/officeDocument/2006/relationships" xmlns:p="http://schemas.openxmlformats.org/presentationml/2006/main">
+  <p:cSld>
+    <p:spTree>
+      <p:nvGrpSpPr>
+        <p:cNvPr id="1" name=""/>
+        <p:cNvGrpSpPr/>
+        <p:nvPr/>
+      </p:nvGrpSpPr>
+      <p:grpSpPr>
+        <a:xfrm>
+          <a:off x="0" y="0"/>
+          <a:ext cx="0" cy="0"/>
+          <a:chOff x="0" y="0"/>
+          <a:chExt cx="0" cy="0"/>
+        </a:xfrm>
+      </p:grpSpPr>
+      <p:sp>
+        <p:nvSpPr>
+          <p:cNvPr id="2" name="Titel 1">
+            <a:extLst>
+              <a:ext uri="{FF2B5EF4-FFF2-40B4-BE49-F238E27FC236}">
+                <a16:creationId xmlns:a16="http://schemas.microsoft.com/office/drawing/2014/main" id="{9D97ED67-0983-40BA-B344-DFF1A8F9D645}"/>
+              </a:ext>
+            </a:extLst>
+          </p:cNvPr>
+          <p:cNvSpPr>
+            <a:spLocks noGrp="1"/>
+          </p:cNvSpPr>
+          <p:nvPr>
+            <p:ph type="title"/>
+          </p:nvPr>
+        </p:nvSpPr>
+        <p:spPr/>
+        <p:txBody>
+          <a:bodyPr/>
+          <a:lstStyle/>
+          <a:p>
+            <a:r>
+              <a:rPr lang="en-US" dirty="0"/>
+              <a:t>stats</a:t>
+            </a:r>
+          </a:p>
+        </p:txBody>
+      </p:sp>
+      <p:sp>
+        <p:nvSpPr>
+          <p:cNvPr id="3" name="Inhaltsplatzhalter 2">
+            <a:extLst>
+              <a:ext uri="{FF2B5EF4-FFF2-40B4-BE49-F238E27FC236}">
+                <a16:creationId xmlns:a16="http://schemas.microsoft.com/office/drawing/2014/main" id="{2EB22B1B-35DF-494F-B9F2-FC28829ED749}"/>
               </a:ext>
             </a:extLst>
           </p:cNvPr>
@@ -7054,6 +7261,180 @@
           <a:lstStyle/>
           <a:p>
             <a:r>
+              <a:rPr lang="en-US" dirty="0"/>
+              <a:t>TP:	519</a:t>
+            </a:r>
+          </a:p>
+          <a:p>
+            <a:r>
+              <a:rPr lang="en-US" dirty="0"/>
+              <a:t>FP:	517</a:t>
+            </a:r>
+          </a:p>
+          <a:p>
+            <a:r>
+              <a:rPr lang="en-US" dirty="0"/>
+              <a:t>TN:	27949</a:t>
+            </a:r>
+          </a:p>
+          <a:p>
+            <a:r>
+              <a:rPr lang="en-US" dirty="0"/>
+              <a:t>FN:	2842</a:t>
+            </a:r>
+          </a:p>
+          <a:p>
+            <a:r>
+              <a:rPr lang="en-US" dirty="0"/>
+              <a:t>FPR:	0.01816201784585119</a:t>
+            </a:r>
+          </a:p>
+          <a:p>
+            <a:r>
+              <a:rPr lang="en-US" dirty="0"/>
+              <a:t>Precision:	0.500965250965251 ± 0.016364012582564594</a:t>
+            </a:r>
+          </a:p>
+          <a:p>
+            <a:r>
+              <a:rPr lang="en-US" dirty="0"/>
+              <a:t>Recall/TPR:	0.15441832787860757 ± 0.006444302866129453</a:t>
+            </a:r>
+          </a:p>
+          <a:p>
+            <a:r>
+              <a:rPr lang="en-US" dirty="0"/>
+              <a:t>F1-score:	0.2360700477598363 ± 0.008823521693012324 </a:t>
+            </a:r>
+          </a:p>
+          <a:p>
+            <a:r>
+              <a:rPr lang="en-US" dirty="0"/>
+              <a:t>MCC:	0.23597300754427067 ± 0.00979017430278977</a:t>
+            </a:r>
+          </a:p>
+        </p:txBody>
+      </p:sp>
+      <p:sp>
+        <p:nvSpPr>
+          <p:cNvPr id="4" name="Foliennummernplatzhalter 3">
+            <a:extLst>
+              <a:ext uri="{FF2B5EF4-FFF2-40B4-BE49-F238E27FC236}">
+                <a16:creationId xmlns:a16="http://schemas.microsoft.com/office/drawing/2014/main" id="{FA0D585C-CC90-4B30-90DD-73F0D164A1C9}"/>
+              </a:ext>
+            </a:extLst>
+          </p:cNvPr>
+          <p:cNvSpPr>
+            <a:spLocks noGrp="1"/>
+          </p:cNvSpPr>
+          <p:nvPr>
+            <p:ph type="sldNum" sz="quarter" idx="12"/>
+          </p:nvPr>
+        </p:nvSpPr>
+        <p:spPr/>
+        <p:txBody>
+          <a:bodyPr/>
+          <a:lstStyle/>
+          <a:p>
+            <a:fld id="{CCAAE293-A3DA-4FFC-871C-7F0F209F7CB2}" type="slidenum">
+              <a:rPr lang="en-US" smtClean="0"/>
+              <a:t>23</a:t>
+            </a:fld>
+            <a:endParaRPr lang="en-US"/>
+          </a:p>
+        </p:txBody>
+      </p:sp>
+    </p:spTree>
+    <p:extLst>
+      <p:ext uri="{BB962C8B-B14F-4D97-AF65-F5344CB8AC3E}">
+        <p14:creationId xmlns:p14="http://schemas.microsoft.com/office/powerpoint/2010/main" val="4122554641"/>
+      </p:ext>
+    </p:extLst>
+  </p:cSld>
+  <p:clrMapOvr>
+    <a:masterClrMapping/>
+  </p:clrMapOvr>
+</p:sld>
+</file>
+
+<file path=ppt/slides/slide24.xml><?xml version="1.0" encoding="utf-8"?>
+<p:sld xmlns:a="http://schemas.openxmlformats.org/drawingml/2006/main" xmlns:r="http://schemas.openxmlformats.org/officeDocument/2006/relationships" xmlns:p="http://schemas.openxmlformats.org/presentationml/2006/main">
+  <p:cSld>
+    <p:spTree>
+      <p:nvGrpSpPr>
+        <p:cNvPr id="1" name=""/>
+        <p:cNvGrpSpPr/>
+        <p:nvPr/>
+      </p:nvGrpSpPr>
+      <p:grpSpPr>
+        <a:xfrm>
+          <a:off x="0" y="0"/>
+          <a:ext cx="0" cy="0"/>
+          <a:chOff x="0" y="0"/>
+          <a:chExt cx="0" cy="0"/>
+        </a:xfrm>
+      </p:grpSpPr>
+      <p:sp>
+        <p:nvSpPr>
+          <p:cNvPr id="2" name="Titel 1">
+            <a:extLst>
+              <a:ext uri="{FF2B5EF4-FFF2-40B4-BE49-F238E27FC236}">
+                <a16:creationId xmlns:a16="http://schemas.microsoft.com/office/drawing/2014/main" id="{936C496B-94C2-4A47-81DC-95D6DBF1CF49}"/>
+              </a:ext>
+            </a:extLst>
+          </p:cNvPr>
+          <p:cNvSpPr>
+            <a:spLocks noGrp="1"/>
+          </p:cNvSpPr>
+          <p:nvPr>
+            <p:ph type="title"/>
+          </p:nvPr>
+        </p:nvSpPr>
+        <p:spPr/>
+        <p:txBody>
+          <a:bodyPr/>
+          <a:lstStyle/>
+          <a:p>
+            <a:r>
+              <a:rPr lang="de-DE" dirty="0" err="1"/>
+              <a:t>Stats</a:t>
+            </a:r>
+            <a:r>
+              <a:rPr lang="de-DE" dirty="0"/>
+              <a:t> </a:t>
+            </a:r>
+            <a:r>
+              <a:rPr lang="de-DE" dirty="0" err="1"/>
+              <a:t>crossvalidation</a:t>
+            </a:r>
+            <a:endParaRPr lang="de-DE" dirty="0"/>
+          </a:p>
+        </p:txBody>
+      </p:sp>
+      <p:sp>
+        <p:nvSpPr>
+          <p:cNvPr id="3" name="Inhaltsplatzhalter 2">
+            <a:extLst>
+              <a:ext uri="{FF2B5EF4-FFF2-40B4-BE49-F238E27FC236}">
+                <a16:creationId xmlns:a16="http://schemas.microsoft.com/office/drawing/2014/main" id="{5EA29DD7-D7EA-4CAD-A334-63FCFE0325A4}"/>
+              </a:ext>
+            </a:extLst>
+          </p:cNvPr>
+          <p:cNvSpPr>
+            <a:spLocks noGrp="1"/>
+          </p:cNvSpPr>
+          <p:nvPr>
+            <p:ph idx="1"/>
+          </p:nvPr>
+        </p:nvSpPr>
+        <p:spPr/>
+        <p:txBody>
+          <a:bodyPr>
+            <a:normAutofit lnSpcReduction="10000"/>
+          </a:bodyPr>
+          <a:lstStyle/>
+          <a:p>
+            <a:r>
               <a:rPr lang="it-IT" dirty="0"/>
               <a:t>TP: 1401</a:t>
             </a:r>
@@ -7083,9 +7464,13 @@
             </a:r>
             <a:r>
               <a:rPr lang="en-US" dirty="0"/>
-              <a:t>± 0.03525876255192725</a:t>
-            </a:r>
-            <a:endParaRPr lang="it-IT" dirty="0"/>
+              <a:t>± </a:t>
+            </a:r>
+            <a:r>
+              <a:rPr lang="de-DE" dirty="0"/>
+              <a:t>0.006728852995094254</a:t>
+            </a:r>
+            <a:endParaRPr lang="en-US" dirty="0"/>
           </a:p>
           <a:p>
             <a:r>
@@ -7105,7 +7490,11 @@
             </a:r>
             <a:r>
               <a:rPr lang="en-US" dirty="0"/>
-              <a:t>± 0.09980623925902139</a:t>
+              <a:t>± </a:t>
+            </a:r>
+            <a:r>
+              <a:rPr lang="de-DE" dirty="0"/>
+              <a:t>0.01515588223022108</a:t>
             </a:r>
             <a:endParaRPr lang="it-IT" dirty="0"/>
           </a:p>
@@ -7116,15 +7505,23 @@
             </a:r>
             <a:r>
               <a:rPr lang="en-US" dirty="0"/>
-              <a:t>± 0.05680394618676588</a:t>
-            </a:r>
+              <a:t>± </a:t>
+            </a:r>
+            <a:r>
+              <a:rPr lang="de-DE" dirty="0"/>
+              <a:t>0.009743841686838386</a:t>
+            </a:r>
+            <a:endParaRPr lang="en-US" dirty="0"/>
           </a:p>
           <a:p>
             <a:r>
               <a:rPr lang="en-US" dirty="0"/>
-              <a:t>F1: 0.1898892068383594 ± 0.04955890189837977</a:t>
-            </a:r>
-            <a:endParaRPr lang="de-DE" dirty="0"/>
+              <a:t>F1: 0.1898892068383594 ± </a:t>
+            </a:r>
+            <a:r>
+              <a:rPr lang="de-DE" dirty="0"/>
+              <a:t>0.008877620919506887</a:t>
+            </a:r>
           </a:p>
         </p:txBody>
       </p:sp>
@@ -7151,7 +7548,7 @@
           <a:p>
             <a:fld id="{CCAAE293-A3DA-4FFC-871C-7F0F209F7CB2}" type="slidenum">
               <a:rPr lang="en-US" smtClean="0"/>
-              <a:t>22</a:t>
+              <a:t>24</a:t>
             </a:fld>
             <a:endParaRPr lang="en-US"/>
           </a:p>
@@ -7787,106 +8184,10 @@
       </p:grpSpPr>
       <p:sp>
         <p:nvSpPr>
-          <p:cNvPr id="2" name="Titel 1">
-            <a:extLst>
-              <a:ext uri="{FF2B5EF4-FFF2-40B4-BE49-F238E27FC236}">
-                <a16:creationId xmlns:a16="http://schemas.microsoft.com/office/drawing/2014/main" id="{9591C612-F88B-4465-8B3F-44166E3449EA}"/>
-              </a:ext>
-            </a:extLst>
-          </p:cNvPr>
-          <p:cNvSpPr>
-            <a:spLocks noGrp="1"/>
-          </p:cNvSpPr>
-          <p:nvPr>
-            <p:ph type="title"/>
-          </p:nvPr>
-        </p:nvSpPr>
-        <p:spPr/>
-        <p:txBody>
-          <a:bodyPr/>
-          <a:lstStyle/>
-          <a:p>
-            <a:pPr algn="ctr"/>
-            <a:r>
-              <a:rPr lang="en-US" dirty="0"/>
-              <a:t>Feature: raw scores</a:t>
-            </a:r>
-          </a:p>
-        </p:txBody>
-      </p:sp>
-      <p:sp>
-        <p:nvSpPr>
-          <p:cNvPr id="3" name="Inhaltsplatzhalter 2">
-            <a:extLst>
-              <a:ext uri="{FF2B5EF4-FFF2-40B4-BE49-F238E27FC236}">
-                <a16:creationId xmlns:a16="http://schemas.microsoft.com/office/drawing/2014/main" id="{5B3C0166-0693-45E2-8540-A3B3EA29A65E}"/>
-              </a:ext>
-            </a:extLst>
-          </p:cNvPr>
-          <p:cNvSpPr>
-            <a:spLocks noGrp="1"/>
-          </p:cNvSpPr>
-          <p:nvPr>
-            <p:ph idx="1"/>
-          </p:nvPr>
-        </p:nvSpPr>
-        <p:spPr/>
-        <p:txBody>
-          <a:bodyPr/>
-          <a:lstStyle/>
-          <a:p>
-            <a:r>
-              <a:rPr lang="en-US" dirty="0"/>
-              <a:t>Predicts similar to random</a:t>
-            </a:r>
-          </a:p>
-          <a:p>
-            <a:r>
-              <a:rPr lang="en-US" dirty="0"/>
-              <a:t>Problem: Too little Information to get meaningful results</a:t>
-            </a:r>
-          </a:p>
-          <a:p>
-            <a:r>
-              <a:rPr lang="en-US" dirty="0"/>
-              <a:t>Solution: input raw scores</a:t>
-            </a:r>
-          </a:p>
-          <a:p>
-            <a:endParaRPr lang="en-US" dirty="0"/>
-          </a:p>
-          <a:p>
-            <a:endParaRPr lang="en-US" dirty="0"/>
-          </a:p>
-          <a:p>
-            <a:pPr marL="0" indent="0">
-              <a:buNone/>
-            </a:pPr>
-            <a:r>
-              <a:rPr lang="en-US" dirty="0"/>
-              <a:t>[48, -1, 75, -1, 70, -2, 79, -3, 36, -1, 58, 0, 76, -2, 73, -3, 67, -2, 15, 1, </a:t>
-            </a:r>
-          </a:p>
-          <a:p>
-            <a:pPr marL="0" indent="0">
-              <a:buNone/>
-            </a:pPr>
-            <a:r>
-              <a:rPr lang="en-US" dirty="0"/>
-              <a:t>    24, 2, 76, -1, 0, 0, 30, 0, 79, -2, 65, -1, 62, -1, 68, -1, 51, -1, 27, 1]</a:t>
-            </a:r>
-          </a:p>
-          <a:p>
-            <a:endParaRPr lang="en-US" dirty="0"/>
-          </a:p>
-        </p:txBody>
-      </p:sp>
-      <p:sp>
-        <p:nvSpPr>
           <p:cNvPr id="4" name="Foliennummernplatzhalter 3">
             <a:extLst>
               <a:ext uri="{FF2B5EF4-FFF2-40B4-BE49-F238E27FC236}">
-                <a16:creationId xmlns:a16="http://schemas.microsoft.com/office/drawing/2014/main" id="{74F85361-5C17-48B6-93DB-1EDA5C35426C}"/>
+                <a16:creationId xmlns:a16="http://schemas.microsoft.com/office/drawing/2014/main" id="{0894080F-5EA4-4230-9BA5-ACC49E6CC441}"/>
               </a:ext>
             </a:extLst>
           </p:cNvPr>
@@ -7910,10 +8211,748 @@
           </a:p>
         </p:txBody>
       </p:sp>
+      <p:pic>
+        <p:nvPicPr>
+          <p:cNvPr id="5" name="table">
+            <a:extLst>
+              <a:ext uri="{FF2B5EF4-FFF2-40B4-BE49-F238E27FC236}">
+                <a16:creationId xmlns:a16="http://schemas.microsoft.com/office/drawing/2014/main" id="{C6419AD2-7A35-45F1-AD9A-9DB7F960EBB0}"/>
+              </a:ext>
+            </a:extLst>
+          </p:cNvPr>
+          <p:cNvPicPr>
+            <a:picLocks noChangeAspect="1"/>
+          </p:cNvPicPr>
+          <p:nvPr/>
+        </p:nvPicPr>
+        <p:blipFill>
+          <a:blip r:embed="rId2"/>
+          <a:stretch>
+            <a:fillRect/>
+          </a:stretch>
+        </p:blipFill>
+        <p:spPr>
+          <a:xfrm>
+            <a:off x="852890" y="1348229"/>
+            <a:ext cx="3061228" cy="5077212"/>
+          </a:xfrm>
+          <a:prstGeom prst="rect">
+            <a:avLst/>
+          </a:prstGeom>
+        </p:spPr>
+      </p:pic>
+      <p:pic>
+        <p:nvPicPr>
+          <p:cNvPr id="6" name="table">
+            <a:extLst>
+              <a:ext uri="{FF2B5EF4-FFF2-40B4-BE49-F238E27FC236}">
+                <a16:creationId xmlns:a16="http://schemas.microsoft.com/office/drawing/2014/main" id="{98871E3C-09A0-42E8-9DC4-ADE93C6F94E3}"/>
+              </a:ext>
+            </a:extLst>
+          </p:cNvPr>
+          <p:cNvPicPr>
+            <a:picLocks noChangeAspect="1"/>
+          </p:cNvPicPr>
+          <p:nvPr/>
+        </p:nvPicPr>
+        <p:blipFill>
+          <a:blip r:embed="rId3"/>
+          <a:stretch>
+            <a:fillRect/>
+          </a:stretch>
+        </p:blipFill>
+        <p:spPr>
+          <a:xfrm>
+            <a:off x="7038242" y="1403154"/>
+            <a:ext cx="4300868" cy="4967360"/>
+          </a:xfrm>
+          <a:prstGeom prst="rect">
+            <a:avLst/>
+          </a:prstGeom>
+        </p:spPr>
+      </p:pic>
+      <p:sp>
+        <p:nvSpPr>
+          <p:cNvPr id="7" name="CUTOFFS">
+            <a:extLst>
+              <a:ext uri="{FF2B5EF4-FFF2-40B4-BE49-F238E27FC236}">
+                <a16:creationId xmlns:a16="http://schemas.microsoft.com/office/drawing/2014/main" id="{8858DAE9-DD3C-43D5-829B-4088D1D3D367}"/>
+              </a:ext>
+            </a:extLst>
+          </p:cNvPr>
+          <p:cNvSpPr txBox="1"/>
+          <p:nvPr/>
+        </p:nvSpPr>
+        <p:spPr>
+          <a:xfrm>
+            <a:off x="1526925" y="432559"/>
+            <a:ext cx="1713159" cy="535940"/>
+          </a:xfrm>
+          <a:prstGeom prst="rect">
+            <a:avLst/>
+          </a:prstGeom>
+          <a:ln w="12700">
+            <a:miter lim="400000"/>
+          </a:ln>
+          <a:extLst>
+            <a:ext uri="{C572A759-6A51-4108-AA02-DFA0A04FC94B}">
+              <ma14:wrappingTextBoxFlag xmlns="" xmlns:m="http://schemas.openxmlformats.org/officeDocument/2006/math" xmlns:a14="http://schemas.microsoft.com/office/drawing/2010/main" xmlns:ma14="http://schemas.microsoft.com/office/mac/drawingml/2011/main" xmlns:lc="http://schemas.openxmlformats.org/drawingml/2006/lockedCanvas" val="1"/>
+            </a:ext>
+          </a:extLst>
+        </p:spPr>
+        <p:txBody>
+          <a:bodyPr wrap="none" lIns="45719" rIns="45719">
+            <a:spAutoFit/>
+          </a:bodyPr>
+          <a:lstStyle>
+            <a:defPPr marL="0" marR="0" indent="0" algn="l" defTabSz="914400" rtl="0" fontAlgn="auto" latinLnBrk="1" hangingPunct="0">
+              <a:lnSpc>
+                <a:spcPct val="100000"/>
+              </a:lnSpc>
+              <a:spcBef>
+                <a:spcPts val="0"/>
+              </a:spcBef>
+              <a:spcAft>
+                <a:spcPts val="0"/>
+              </a:spcAft>
+              <a:buClrTx/>
+              <a:buSzTx/>
+              <a:buFontTx/>
+              <a:buNone/>
+              <a:tabLst/>
+              <a:defRPr kumimoji="0" sz="1800" b="0" i="0" u="none" strike="noStrike" cap="none" spc="0" normalizeH="0" baseline="0">
+                <a:ln>
+                  <a:noFill/>
+                </a:ln>
+                <a:solidFill>
+                  <a:srgbClr val="000000"/>
+                </a:solidFill>
+                <a:effectLst/>
+                <a:uFillTx/>
+              </a:defRPr>
+            </a:defPPr>
+            <a:lvl1pPr marL="0" marR="0" indent="0" algn="l" defTabSz="914400" rtl="0" fontAlgn="auto" latinLnBrk="0" hangingPunct="0">
+              <a:lnSpc>
+                <a:spcPct val="100000"/>
+              </a:lnSpc>
+              <a:spcBef>
+                <a:spcPts val="0"/>
+              </a:spcBef>
+              <a:spcAft>
+                <a:spcPts val="0"/>
+              </a:spcAft>
+              <a:buClrTx/>
+              <a:buSzTx/>
+              <a:buFontTx/>
+              <a:buNone/>
+              <a:tabLst/>
+              <a:defRPr kumimoji="0" sz="1800" b="0" i="0" u="none" strike="noStrike" cap="none" spc="0" normalizeH="0" baseline="0">
+                <a:ln>
+                  <a:noFill/>
+                </a:ln>
+                <a:solidFill>
+                  <a:srgbClr val="000000"/>
+                </a:solidFill>
+                <a:effectLst/>
+                <a:uFillTx/>
+                <a:latin typeface="+mn-lt"/>
+                <a:ea typeface="+mn-ea"/>
+                <a:cs typeface="+mn-cs"/>
+                <a:sym typeface="Calibri"/>
+              </a:defRPr>
+            </a:lvl1pPr>
+            <a:lvl2pPr marL="0" marR="0" indent="457200" algn="l" defTabSz="914400" rtl="0" fontAlgn="auto" latinLnBrk="0" hangingPunct="0">
+              <a:lnSpc>
+                <a:spcPct val="100000"/>
+              </a:lnSpc>
+              <a:spcBef>
+                <a:spcPts val="0"/>
+              </a:spcBef>
+              <a:spcAft>
+                <a:spcPts val="0"/>
+              </a:spcAft>
+              <a:buClrTx/>
+              <a:buSzTx/>
+              <a:buFontTx/>
+              <a:buNone/>
+              <a:tabLst/>
+              <a:defRPr kumimoji="0" sz="1800" b="0" i="0" u="none" strike="noStrike" cap="none" spc="0" normalizeH="0" baseline="0">
+                <a:ln>
+                  <a:noFill/>
+                </a:ln>
+                <a:solidFill>
+                  <a:srgbClr val="000000"/>
+                </a:solidFill>
+                <a:effectLst/>
+                <a:uFillTx/>
+                <a:latin typeface="+mn-lt"/>
+                <a:ea typeface="+mn-ea"/>
+                <a:cs typeface="+mn-cs"/>
+                <a:sym typeface="Calibri"/>
+              </a:defRPr>
+            </a:lvl2pPr>
+            <a:lvl3pPr marL="0" marR="0" indent="914400" algn="l" defTabSz="914400" rtl="0" fontAlgn="auto" latinLnBrk="0" hangingPunct="0">
+              <a:lnSpc>
+                <a:spcPct val="100000"/>
+              </a:lnSpc>
+              <a:spcBef>
+                <a:spcPts val="0"/>
+              </a:spcBef>
+              <a:spcAft>
+                <a:spcPts val="0"/>
+              </a:spcAft>
+              <a:buClrTx/>
+              <a:buSzTx/>
+              <a:buFontTx/>
+              <a:buNone/>
+              <a:tabLst/>
+              <a:defRPr kumimoji="0" sz="1800" b="0" i="0" u="none" strike="noStrike" cap="none" spc="0" normalizeH="0" baseline="0">
+                <a:ln>
+                  <a:noFill/>
+                </a:ln>
+                <a:solidFill>
+                  <a:srgbClr val="000000"/>
+                </a:solidFill>
+                <a:effectLst/>
+                <a:uFillTx/>
+                <a:latin typeface="+mn-lt"/>
+                <a:ea typeface="+mn-ea"/>
+                <a:cs typeface="+mn-cs"/>
+                <a:sym typeface="Calibri"/>
+              </a:defRPr>
+            </a:lvl3pPr>
+            <a:lvl4pPr marL="0" marR="0" indent="1371600" algn="l" defTabSz="914400" rtl="0" fontAlgn="auto" latinLnBrk="0" hangingPunct="0">
+              <a:lnSpc>
+                <a:spcPct val="100000"/>
+              </a:lnSpc>
+              <a:spcBef>
+                <a:spcPts val="0"/>
+              </a:spcBef>
+              <a:spcAft>
+                <a:spcPts val="0"/>
+              </a:spcAft>
+              <a:buClrTx/>
+              <a:buSzTx/>
+              <a:buFontTx/>
+              <a:buNone/>
+              <a:tabLst/>
+              <a:defRPr kumimoji="0" sz="1800" b="0" i="0" u="none" strike="noStrike" cap="none" spc="0" normalizeH="0" baseline="0">
+                <a:ln>
+                  <a:noFill/>
+                </a:ln>
+                <a:solidFill>
+                  <a:srgbClr val="000000"/>
+                </a:solidFill>
+                <a:effectLst/>
+                <a:uFillTx/>
+                <a:latin typeface="+mn-lt"/>
+                <a:ea typeface="+mn-ea"/>
+                <a:cs typeface="+mn-cs"/>
+                <a:sym typeface="Calibri"/>
+              </a:defRPr>
+            </a:lvl4pPr>
+            <a:lvl5pPr marL="0" marR="0" indent="1828800" algn="l" defTabSz="914400" rtl="0" fontAlgn="auto" latinLnBrk="0" hangingPunct="0">
+              <a:lnSpc>
+                <a:spcPct val="100000"/>
+              </a:lnSpc>
+              <a:spcBef>
+                <a:spcPts val="0"/>
+              </a:spcBef>
+              <a:spcAft>
+                <a:spcPts val="0"/>
+              </a:spcAft>
+              <a:buClrTx/>
+              <a:buSzTx/>
+              <a:buFontTx/>
+              <a:buNone/>
+              <a:tabLst/>
+              <a:defRPr kumimoji="0" sz="1800" b="0" i="0" u="none" strike="noStrike" cap="none" spc="0" normalizeH="0" baseline="0">
+                <a:ln>
+                  <a:noFill/>
+                </a:ln>
+                <a:solidFill>
+                  <a:srgbClr val="000000"/>
+                </a:solidFill>
+                <a:effectLst/>
+                <a:uFillTx/>
+                <a:latin typeface="+mn-lt"/>
+                <a:ea typeface="+mn-ea"/>
+                <a:cs typeface="+mn-cs"/>
+                <a:sym typeface="Calibri"/>
+              </a:defRPr>
+            </a:lvl5pPr>
+            <a:lvl6pPr marL="0" marR="0" indent="2286000" algn="l" defTabSz="914400" rtl="0" fontAlgn="auto" latinLnBrk="0" hangingPunct="0">
+              <a:lnSpc>
+                <a:spcPct val="100000"/>
+              </a:lnSpc>
+              <a:spcBef>
+                <a:spcPts val="0"/>
+              </a:spcBef>
+              <a:spcAft>
+                <a:spcPts val="0"/>
+              </a:spcAft>
+              <a:buClrTx/>
+              <a:buSzTx/>
+              <a:buFontTx/>
+              <a:buNone/>
+              <a:tabLst/>
+              <a:defRPr kumimoji="0" sz="1800" b="0" i="0" u="none" strike="noStrike" cap="none" spc="0" normalizeH="0" baseline="0">
+                <a:ln>
+                  <a:noFill/>
+                </a:ln>
+                <a:solidFill>
+                  <a:srgbClr val="000000"/>
+                </a:solidFill>
+                <a:effectLst/>
+                <a:uFillTx/>
+                <a:latin typeface="+mn-lt"/>
+                <a:ea typeface="+mn-ea"/>
+                <a:cs typeface="+mn-cs"/>
+                <a:sym typeface="Calibri"/>
+              </a:defRPr>
+            </a:lvl6pPr>
+            <a:lvl7pPr marL="0" marR="0" indent="2743200" algn="l" defTabSz="914400" rtl="0" fontAlgn="auto" latinLnBrk="0" hangingPunct="0">
+              <a:lnSpc>
+                <a:spcPct val="100000"/>
+              </a:lnSpc>
+              <a:spcBef>
+                <a:spcPts val="0"/>
+              </a:spcBef>
+              <a:spcAft>
+                <a:spcPts val="0"/>
+              </a:spcAft>
+              <a:buClrTx/>
+              <a:buSzTx/>
+              <a:buFontTx/>
+              <a:buNone/>
+              <a:tabLst/>
+              <a:defRPr kumimoji="0" sz="1800" b="0" i="0" u="none" strike="noStrike" cap="none" spc="0" normalizeH="0" baseline="0">
+                <a:ln>
+                  <a:noFill/>
+                </a:ln>
+                <a:solidFill>
+                  <a:srgbClr val="000000"/>
+                </a:solidFill>
+                <a:effectLst/>
+                <a:uFillTx/>
+                <a:latin typeface="+mn-lt"/>
+                <a:ea typeface="+mn-ea"/>
+                <a:cs typeface="+mn-cs"/>
+                <a:sym typeface="Calibri"/>
+              </a:defRPr>
+            </a:lvl7pPr>
+            <a:lvl8pPr marL="0" marR="0" indent="3200400" algn="l" defTabSz="914400" rtl="0" fontAlgn="auto" latinLnBrk="0" hangingPunct="0">
+              <a:lnSpc>
+                <a:spcPct val="100000"/>
+              </a:lnSpc>
+              <a:spcBef>
+                <a:spcPts val="0"/>
+              </a:spcBef>
+              <a:spcAft>
+                <a:spcPts val="0"/>
+              </a:spcAft>
+              <a:buClrTx/>
+              <a:buSzTx/>
+              <a:buFontTx/>
+              <a:buNone/>
+              <a:tabLst/>
+              <a:defRPr kumimoji="0" sz="1800" b="0" i="0" u="none" strike="noStrike" cap="none" spc="0" normalizeH="0" baseline="0">
+                <a:ln>
+                  <a:noFill/>
+                </a:ln>
+                <a:solidFill>
+                  <a:srgbClr val="000000"/>
+                </a:solidFill>
+                <a:effectLst/>
+                <a:uFillTx/>
+                <a:latin typeface="+mn-lt"/>
+                <a:ea typeface="+mn-ea"/>
+                <a:cs typeface="+mn-cs"/>
+                <a:sym typeface="Calibri"/>
+              </a:defRPr>
+            </a:lvl8pPr>
+            <a:lvl9pPr marL="0" marR="0" indent="3657600" algn="l" defTabSz="914400" rtl="0" fontAlgn="auto" latinLnBrk="0" hangingPunct="0">
+              <a:lnSpc>
+                <a:spcPct val="100000"/>
+              </a:lnSpc>
+              <a:spcBef>
+                <a:spcPts val="0"/>
+              </a:spcBef>
+              <a:spcAft>
+                <a:spcPts val="0"/>
+              </a:spcAft>
+              <a:buClrTx/>
+              <a:buSzTx/>
+              <a:buFontTx/>
+              <a:buNone/>
+              <a:tabLst/>
+              <a:defRPr kumimoji="0" sz="1800" b="0" i="0" u="none" strike="noStrike" cap="none" spc="0" normalizeH="0" baseline="0">
+                <a:ln>
+                  <a:noFill/>
+                </a:ln>
+                <a:solidFill>
+                  <a:srgbClr val="000000"/>
+                </a:solidFill>
+                <a:effectLst/>
+                <a:uFillTx/>
+                <a:latin typeface="+mn-lt"/>
+                <a:ea typeface="+mn-ea"/>
+                <a:cs typeface="+mn-cs"/>
+                <a:sym typeface="Calibri"/>
+              </a:defRPr>
+            </a:lvl9pPr>
+          </a:lstStyle>
+          <a:p>
+            <a:r>
+              <a:rPr dirty="0"/>
+              <a:t>CUTOFFS</a:t>
+            </a:r>
+          </a:p>
+        </p:txBody>
+      </p:sp>
+      <p:sp>
+        <p:nvSpPr>
+          <p:cNvPr id="8" name="CONVERSION">
+            <a:extLst>
+              <a:ext uri="{FF2B5EF4-FFF2-40B4-BE49-F238E27FC236}">
+                <a16:creationId xmlns:a16="http://schemas.microsoft.com/office/drawing/2014/main" id="{ECA851A3-E7E0-4024-BF54-6BC445354D9E}"/>
+              </a:ext>
+            </a:extLst>
+          </p:cNvPr>
+          <p:cNvSpPr txBox="1"/>
+          <p:nvPr/>
+        </p:nvSpPr>
+        <p:spPr>
+          <a:xfrm>
+            <a:off x="8004303" y="432559"/>
+            <a:ext cx="2368747" cy="535941"/>
+          </a:xfrm>
+          <a:prstGeom prst="rect">
+            <a:avLst/>
+          </a:prstGeom>
+          <a:ln w="12700">
+            <a:miter lim="400000"/>
+          </a:ln>
+          <a:extLst>
+            <a:ext uri="{C572A759-6A51-4108-AA02-DFA0A04FC94B}">
+              <ma14:wrappingTextBoxFlag xmlns="" xmlns:m="http://schemas.openxmlformats.org/officeDocument/2006/math" xmlns:a14="http://schemas.microsoft.com/office/drawing/2010/main" xmlns:ma14="http://schemas.microsoft.com/office/mac/drawingml/2011/main" xmlns:lc="http://schemas.openxmlformats.org/drawingml/2006/lockedCanvas" val="1"/>
+            </a:ext>
+          </a:extLst>
+        </p:spPr>
+        <p:txBody>
+          <a:bodyPr wrap="none" lIns="45719" rIns="45719">
+            <a:spAutoFit/>
+          </a:bodyPr>
+          <a:lstStyle>
+            <a:defPPr marL="0" marR="0" indent="0" algn="l" defTabSz="914400" rtl="0" fontAlgn="auto" latinLnBrk="1" hangingPunct="0">
+              <a:lnSpc>
+                <a:spcPct val="100000"/>
+              </a:lnSpc>
+              <a:spcBef>
+                <a:spcPts val="0"/>
+              </a:spcBef>
+              <a:spcAft>
+                <a:spcPts val="0"/>
+              </a:spcAft>
+              <a:buClrTx/>
+              <a:buSzTx/>
+              <a:buFontTx/>
+              <a:buNone/>
+              <a:tabLst/>
+              <a:defRPr kumimoji="0" sz="1800" b="0" i="0" u="none" strike="noStrike" cap="none" spc="0" normalizeH="0" baseline="0">
+                <a:ln>
+                  <a:noFill/>
+                </a:ln>
+                <a:solidFill>
+                  <a:srgbClr val="000000"/>
+                </a:solidFill>
+                <a:effectLst/>
+                <a:uFillTx/>
+              </a:defRPr>
+            </a:defPPr>
+            <a:lvl1pPr marL="0" marR="0" indent="0" algn="l" defTabSz="914400" rtl="0" fontAlgn="auto" latinLnBrk="0" hangingPunct="0">
+              <a:lnSpc>
+                <a:spcPct val="100000"/>
+              </a:lnSpc>
+              <a:spcBef>
+                <a:spcPts val="0"/>
+              </a:spcBef>
+              <a:spcAft>
+                <a:spcPts val="0"/>
+              </a:spcAft>
+              <a:buClrTx/>
+              <a:buSzTx/>
+              <a:buFontTx/>
+              <a:buNone/>
+              <a:tabLst/>
+              <a:defRPr kumimoji="0" sz="1800" b="0" i="0" u="none" strike="noStrike" cap="none" spc="0" normalizeH="0" baseline="0">
+                <a:ln>
+                  <a:noFill/>
+                </a:ln>
+                <a:solidFill>
+                  <a:srgbClr val="000000"/>
+                </a:solidFill>
+                <a:effectLst/>
+                <a:uFillTx/>
+                <a:latin typeface="+mn-lt"/>
+                <a:ea typeface="+mn-ea"/>
+                <a:cs typeface="+mn-cs"/>
+                <a:sym typeface="Calibri"/>
+              </a:defRPr>
+            </a:lvl1pPr>
+            <a:lvl2pPr marL="0" marR="0" indent="457200" algn="l" defTabSz="914400" rtl="0" fontAlgn="auto" latinLnBrk="0" hangingPunct="0">
+              <a:lnSpc>
+                <a:spcPct val="100000"/>
+              </a:lnSpc>
+              <a:spcBef>
+                <a:spcPts val="0"/>
+              </a:spcBef>
+              <a:spcAft>
+                <a:spcPts val="0"/>
+              </a:spcAft>
+              <a:buClrTx/>
+              <a:buSzTx/>
+              <a:buFontTx/>
+              <a:buNone/>
+              <a:tabLst/>
+              <a:defRPr kumimoji="0" sz="1800" b="0" i="0" u="none" strike="noStrike" cap="none" spc="0" normalizeH="0" baseline="0">
+                <a:ln>
+                  <a:noFill/>
+                </a:ln>
+                <a:solidFill>
+                  <a:srgbClr val="000000"/>
+                </a:solidFill>
+                <a:effectLst/>
+                <a:uFillTx/>
+                <a:latin typeface="+mn-lt"/>
+                <a:ea typeface="+mn-ea"/>
+                <a:cs typeface="+mn-cs"/>
+                <a:sym typeface="Calibri"/>
+              </a:defRPr>
+            </a:lvl2pPr>
+            <a:lvl3pPr marL="0" marR="0" indent="914400" algn="l" defTabSz="914400" rtl="0" fontAlgn="auto" latinLnBrk="0" hangingPunct="0">
+              <a:lnSpc>
+                <a:spcPct val="100000"/>
+              </a:lnSpc>
+              <a:spcBef>
+                <a:spcPts val="0"/>
+              </a:spcBef>
+              <a:spcAft>
+                <a:spcPts val="0"/>
+              </a:spcAft>
+              <a:buClrTx/>
+              <a:buSzTx/>
+              <a:buFontTx/>
+              <a:buNone/>
+              <a:tabLst/>
+              <a:defRPr kumimoji="0" sz="1800" b="0" i="0" u="none" strike="noStrike" cap="none" spc="0" normalizeH="0" baseline="0">
+                <a:ln>
+                  <a:noFill/>
+                </a:ln>
+                <a:solidFill>
+                  <a:srgbClr val="000000"/>
+                </a:solidFill>
+                <a:effectLst/>
+                <a:uFillTx/>
+                <a:latin typeface="+mn-lt"/>
+                <a:ea typeface="+mn-ea"/>
+                <a:cs typeface="+mn-cs"/>
+                <a:sym typeface="Calibri"/>
+              </a:defRPr>
+            </a:lvl3pPr>
+            <a:lvl4pPr marL="0" marR="0" indent="1371600" algn="l" defTabSz="914400" rtl="0" fontAlgn="auto" latinLnBrk="0" hangingPunct="0">
+              <a:lnSpc>
+                <a:spcPct val="100000"/>
+              </a:lnSpc>
+              <a:spcBef>
+                <a:spcPts val="0"/>
+              </a:spcBef>
+              <a:spcAft>
+                <a:spcPts val="0"/>
+              </a:spcAft>
+              <a:buClrTx/>
+              <a:buSzTx/>
+              <a:buFontTx/>
+              <a:buNone/>
+              <a:tabLst/>
+              <a:defRPr kumimoji="0" sz="1800" b="0" i="0" u="none" strike="noStrike" cap="none" spc="0" normalizeH="0" baseline="0">
+                <a:ln>
+                  <a:noFill/>
+                </a:ln>
+                <a:solidFill>
+                  <a:srgbClr val="000000"/>
+                </a:solidFill>
+                <a:effectLst/>
+                <a:uFillTx/>
+                <a:latin typeface="+mn-lt"/>
+                <a:ea typeface="+mn-ea"/>
+                <a:cs typeface="+mn-cs"/>
+                <a:sym typeface="Calibri"/>
+              </a:defRPr>
+            </a:lvl4pPr>
+            <a:lvl5pPr marL="0" marR="0" indent="1828800" algn="l" defTabSz="914400" rtl="0" fontAlgn="auto" latinLnBrk="0" hangingPunct="0">
+              <a:lnSpc>
+                <a:spcPct val="100000"/>
+              </a:lnSpc>
+              <a:spcBef>
+                <a:spcPts val="0"/>
+              </a:spcBef>
+              <a:spcAft>
+                <a:spcPts val="0"/>
+              </a:spcAft>
+              <a:buClrTx/>
+              <a:buSzTx/>
+              <a:buFontTx/>
+              <a:buNone/>
+              <a:tabLst/>
+              <a:defRPr kumimoji="0" sz="1800" b="0" i="0" u="none" strike="noStrike" cap="none" spc="0" normalizeH="0" baseline="0">
+                <a:ln>
+                  <a:noFill/>
+                </a:ln>
+                <a:solidFill>
+                  <a:srgbClr val="000000"/>
+                </a:solidFill>
+                <a:effectLst/>
+                <a:uFillTx/>
+                <a:latin typeface="+mn-lt"/>
+                <a:ea typeface="+mn-ea"/>
+                <a:cs typeface="+mn-cs"/>
+                <a:sym typeface="Calibri"/>
+              </a:defRPr>
+            </a:lvl5pPr>
+            <a:lvl6pPr marL="0" marR="0" indent="2286000" algn="l" defTabSz="914400" rtl="0" fontAlgn="auto" latinLnBrk="0" hangingPunct="0">
+              <a:lnSpc>
+                <a:spcPct val="100000"/>
+              </a:lnSpc>
+              <a:spcBef>
+                <a:spcPts val="0"/>
+              </a:spcBef>
+              <a:spcAft>
+                <a:spcPts val="0"/>
+              </a:spcAft>
+              <a:buClrTx/>
+              <a:buSzTx/>
+              <a:buFontTx/>
+              <a:buNone/>
+              <a:tabLst/>
+              <a:defRPr kumimoji="0" sz="1800" b="0" i="0" u="none" strike="noStrike" cap="none" spc="0" normalizeH="0" baseline="0">
+                <a:ln>
+                  <a:noFill/>
+                </a:ln>
+                <a:solidFill>
+                  <a:srgbClr val="000000"/>
+                </a:solidFill>
+                <a:effectLst/>
+                <a:uFillTx/>
+                <a:latin typeface="+mn-lt"/>
+                <a:ea typeface="+mn-ea"/>
+                <a:cs typeface="+mn-cs"/>
+                <a:sym typeface="Calibri"/>
+              </a:defRPr>
+            </a:lvl6pPr>
+            <a:lvl7pPr marL="0" marR="0" indent="2743200" algn="l" defTabSz="914400" rtl="0" fontAlgn="auto" latinLnBrk="0" hangingPunct="0">
+              <a:lnSpc>
+                <a:spcPct val="100000"/>
+              </a:lnSpc>
+              <a:spcBef>
+                <a:spcPts val="0"/>
+              </a:spcBef>
+              <a:spcAft>
+                <a:spcPts val="0"/>
+              </a:spcAft>
+              <a:buClrTx/>
+              <a:buSzTx/>
+              <a:buFontTx/>
+              <a:buNone/>
+              <a:tabLst/>
+              <a:defRPr kumimoji="0" sz="1800" b="0" i="0" u="none" strike="noStrike" cap="none" spc="0" normalizeH="0" baseline="0">
+                <a:ln>
+                  <a:noFill/>
+                </a:ln>
+                <a:solidFill>
+                  <a:srgbClr val="000000"/>
+                </a:solidFill>
+                <a:effectLst/>
+                <a:uFillTx/>
+                <a:latin typeface="+mn-lt"/>
+                <a:ea typeface="+mn-ea"/>
+                <a:cs typeface="+mn-cs"/>
+                <a:sym typeface="Calibri"/>
+              </a:defRPr>
+            </a:lvl7pPr>
+            <a:lvl8pPr marL="0" marR="0" indent="3200400" algn="l" defTabSz="914400" rtl="0" fontAlgn="auto" latinLnBrk="0" hangingPunct="0">
+              <a:lnSpc>
+                <a:spcPct val="100000"/>
+              </a:lnSpc>
+              <a:spcBef>
+                <a:spcPts val="0"/>
+              </a:spcBef>
+              <a:spcAft>
+                <a:spcPts val="0"/>
+              </a:spcAft>
+              <a:buClrTx/>
+              <a:buSzTx/>
+              <a:buFontTx/>
+              <a:buNone/>
+              <a:tabLst/>
+              <a:defRPr kumimoji="0" sz="1800" b="0" i="0" u="none" strike="noStrike" cap="none" spc="0" normalizeH="0" baseline="0">
+                <a:ln>
+                  <a:noFill/>
+                </a:ln>
+                <a:solidFill>
+                  <a:srgbClr val="000000"/>
+                </a:solidFill>
+                <a:effectLst/>
+                <a:uFillTx/>
+                <a:latin typeface="+mn-lt"/>
+                <a:ea typeface="+mn-ea"/>
+                <a:cs typeface="+mn-cs"/>
+                <a:sym typeface="Calibri"/>
+              </a:defRPr>
+            </a:lvl8pPr>
+            <a:lvl9pPr marL="0" marR="0" indent="3657600" algn="l" defTabSz="914400" rtl="0" fontAlgn="auto" latinLnBrk="0" hangingPunct="0">
+              <a:lnSpc>
+                <a:spcPct val="100000"/>
+              </a:lnSpc>
+              <a:spcBef>
+                <a:spcPts val="0"/>
+              </a:spcBef>
+              <a:spcAft>
+                <a:spcPts val="0"/>
+              </a:spcAft>
+              <a:buClrTx/>
+              <a:buSzTx/>
+              <a:buFontTx/>
+              <a:buNone/>
+              <a:tabLst/>
+              <a:defRPr kumimoji="0" sz="1800" b="0" i="0" u="none" strike="noStrike" cap="none" spc="0" normalizeH="0" baseline="0">
+                <a:ln>
+                  <a:noFill/>
+                </a:ln>
+                <a:solidFill>
+                  <a:srgbClr val="000000"/>
+                </a:solidFill>
+                <a:effectLst/>
+                <a:uFillTx/>
+                <a:latin typeface="+mn-lt"/>
+                <a:ea typeface="+mn-ea"/>
+                <a:cs typeface="+mn-cs"/>
+                <a:sym typeface="Calibri"/>
+              </a:defRPr>
+            </a:lvl9pPr>
+          </a:lstStyle>
+          <a:p>
+            <a:r>
+              <a:rPr dirty="0"/>
+              <a:t>CONVERSION</a:t>
+            </a:r>
+          </a:p>
+        </p:txBody>
+      </p:sp>
     </p:spTree>
     <p:extLst>
       <p:ext uri="{BB962C8B-B14F-4D97-AF65-F5344CB8AC3E}">
-        <p14:creationId xmlns:p14="http://schemas.microsoft.com/office/powerpoint/2010/main" val="67827862"/>
+        <p14:creationId xmlns:p14="http://schemas.microsoft.com/office/powerpoint/2010/main" val="2842224520"/>
       </p:ext>
     </p:extLst>
   </p:cSld>
@@ -7945,7 +8984,7 @@
           <p:cNvPr id="2" name="Titel 1">
             <a:extLst>
               <a:ext uri="{FF2B5EF4-FFF2-40B4-BE49-F238E27FC236}">
-                <a16:creationId xmlns:a16="http://schemas.microsoft.com/office/drawing/2014/main" id="{60F4F9F7-1F09-4688-9724-856BD95194F1}"/>
+                <a16:creationId xmlns:a16="http://schemas.microsoft.com/office/drawing/2014/main" id="{9591C612-F88B-4465-8B3F-44166E3449EA}"/>
               </a:ext>
             </a:extLst>
           </p:cNvPr>
@@ -7964,89 +9003,76 @@
             <a:pPr algn="ctr"/>
             <a:r>
               <a:rPr lang="en-US" dirty="0"/>
-              <a:t>Feature</a:t>
-            </a:r>
-            <a:r>
-              <a:rPr lang="de-DE" dirty="0"/>
-              <a:t>: </a:t>
-            </a:r>
-            <a:r>
-              <a:rPr lang="de-DE" dirty="0" err="1"/>
-              <a:t>scaled</a:t>
-            </a:r>
-            <a:r>
-              <a:rPr lang="de-DE" dirty="0"/>
-              <a:t> Values</a:t>
-            </a:r>
+              <a:t>Feature: raw scores</a:t>
+            </a:r>
+          </a:p>
+        </p:txBody>
+      </p:sp>
+      <p:sp>
+        <p:nvSpPr>
+          <p:cNvPr id="3" name="Inhaltsplatzhalter 2">
+            <a:extLst>
+              <a:ext uri="{FF2B5EF4-FFF2-40B4-BE49-F238E27FC236}">
+                <a16:creationId xmlns:a16="http://schemas.microsoft.com/office/drawing/2014/main" id="{5B3C0166-0693-45E2-8540-A3B3EA29A65E}"/>
+              </a:ext>
+            </a:extLst>
+          </p:cNvPr>
+          <p:cNvSpPr>
+            <a:spLocks noGrp="1"/>
+          </p:cNvSpPr>
+          <p:nvPr>
+            <p:ph idx="1"/>
+          </p:nvPr>
+        </p:nvSpPr>
+        <p:spPr/>
+        <p:txBody>
+          <a:bodyPr/>
+          <a:lstStyle/>
+          <a:p>
+            <a:r>
+              <a:rPr lang="en-US" dirty="0"/>
+              <a:t>Predicts similar to random</a:t>
+            </a:r>
+          </a:p>
+          <a:p>
+            <a:r>
+              <a:rPr lang="en-US" dirty="0"/>
+              <a:t>Problem: Too little Information to get meaningful results</a:t>
+            </a:r>
+          </a:p>
+          <a:p>
+            <a:r>
+              <a:rPr lang="en-US" dirty="0"/>
+              <a:t>Solution: input raw scores</a:t>
+            </a:r>
+          </a:p>
+          <a:p>
             <a:endParaRPr lang="en-US" dirty="0"/>
           </a:p>
-        </p:txBody>
-      </p:sp>
-      <p:sp>
-        <p:nvSpPr>
-          <p:cNvPr id="3" name="Inhaltsplatzhalter 2">
-            <a:extLst>
-              <a:ext uri="{FF2B5EF4-FFF2-40B4-BE49-F238E27FC236}">
-                <a16:creationId xmlns:a16="http://schemas.microsoft.com/office/drawing/2014/main" id="{DABFB4CD-55BA-4B9D-9388-099CEA4FC0CC}"/>
-              </a:ext>
-            </a:extLst>
-          </p:cNvPr>
-          <p:cNvSpPr>
-            <a:spLocks noGrp="1"/>
-          </p:cNvSpPr>
-          <p:nvPr>
-            <p:ph idx="1"/>
-          </p:nvPr>
-        </p:nvSpPr>
-        <p:spPr/>
-        <p:txBody>
-          <a:bodyPr/>
-          <a:lstStyle/>
-          <a:p>
-            <a:r>
-              <a:rPr lang="en-US" dirty="0"/>
-              <a:t>BLOSUM scores are very small compared to SNAP scores</a:t>
-            </a:r>
+          <a:p>
+            <a:endParaRPr lang="en-US" dirty="0"/>
           </a:p>
           <a:p>
             <a:pPr marL="0" indent="0">
               <a:buNone/>
             </a:pPr>
-            <a:endParaRPr lang="en-US" dirty="0"/>
+            <a:r>
+              <a:rPr lang="en-US" dirty="0"/>
+              <a:t>[48, -1, 75, -1, 70, -2, 79, -3, 36, -1, 58, 0, 76, -2, 73, -3, 67, -2, 15, 1, </a:t>
+            </a:r>
           </a:p>
           <a:p>
             <a:pPr marL="0" indent="0">
               <a:buNone/>
             </a:pPr>
+            <a:r>
+              <a:rPr lang="en-US" dirty="0"/>
+              <a:t>    24, 2, 76, -1, 0, 0, 30, 0, 79, -2, 65, -1, 62, -1, 68, -1, 51, -1, 27, 1]</a:t>
+            </a:r>
+          </a:p>
+          <a:p>
             <a:endParaRPr lang="en-US" dirty="0"/>
           </a:p>
-          <a:p>
-            <a:pPr marL="0" indent="0">
-              <a:buNone/>
-            </a:pPr>
-            <a:r>
-              <a:rPr lang="en-US" dirty="0"/>
-              <a:t>[48, -25, 75, -25, 70, -50, 79, -75, 36, -25, 58, 0, 76, -50, 73, -75, 67, </a:t>
-            </a:r>
-          </a:p>
-          <a:p>
-            <a:pPr marL="0" indent="0">
-              <a:buNone/>
-            </a:pPr>
-            <a:r>
-              <a:rPr lang="en-US" dirty="0"/>
-              <a:t>   -50, 15, 33, 24, 66, 76, -25, 0, 0, 30, 0, 79, -50, 65, -25, 62, -25, 68, </a:t>
-            </a:r>
-          </a:p>
-          <a:p>
-            <a:pPr marL="0" indent="0">
-              <a:buNone/>
-            </a:pPr>
-            <a:r>
-              <a:rPr lang="en-US" dirty="0"/>
-              <a:t>   -25, 51, -25, 27, 33]</a:t>
-            </a:r>
-          </a:p>
         </p:txBody>
       </p:sp>
       <p:sp>
@@ -8054,7 +9080,7 @@
           <p:cNvPr id="4" name="Foliennummernplatzhalter 3">
             <a:extLst>
               <a:ext uri="{FF2B5EF4-FFF2-40B4-BE49-F238E27FC236}">
-                <a16:creationId xmlns:a16="http://schemas.microsoft.com/office/drawing/2014/main" id="{CBB3139C-6890-4543-90A0-FAE3AA3EE102}"/>
+                <a16:creationId xmlns:a16="http://schemas.microsoft.com/office/drawing/2014/main" id="{74F85361-5C17-48B6-93DB-1EDA5C35426C}"/>
               </a:ext>
             </a:extLst>
           </p:cNvPr>
@@ -8081,7 +9107,7 @@
     </p:spTree>
     <p:extLst>
       <p:ext uri="{BB962C8B-B14F-4D97-AF65-F5344CB8AC3E}">
-        <p14:creationId xmlns:p14="http://schemas.microsoft.com/office/powerpoint/2010/main" val="2783528183"/>
+        <p14:creationId xmlns:p14="http://schemas.microsoft.com/office/powerpoint/2010/main" val="67827862"/>
       </p:ext>
     </p:extLst>
   </p:cSld>
@@ -8110,6 +9136,174 @@
       </p:grpSpPr>
       <p:sp>
         <p:nvSpPr>
+          <p:cNvPr id="2" name="Titel 1">
+            <a:extLst>
+              <a:ext uri="{FF2B5EF4-FFF2-40B4-BE49-F238E27FC236}">
+                <a16:creationId xmlns:a16="http://schemas.microsoft.com/office/drawing/2014/main" id="{60F4F9F7-1F09-4688-9724-856BD95194F1}"/>
+              </a:ext>
+            </a:extLst>
+          </p:cNvPr>
+          <p:cNvSpPr>
+            <a:spLocks noGrp="1"/>
+          </p:cNvSpPr>
+          <p:nvPr>
+            <p:ph type="title"/>
+          </p:nvPr>
+        </p:nvSpPr>
+        <p:spPr/>
+        <p:txBody>
+          <a:bodyPr/>
+          <a:lstStyle/>
+          <a:p>
+            <a:pPr algn="ctr"/>
+            <a:r>
+              <a:rPr lang="en-US" dirty="0"/>
+              <a:t>Feature</a:t>
+            </a:r>
+            <a:r>
+              <a:rPr lang="de-DE" dirty="0"/>
+              <a:t>: </a:t>
+            </a:r>
+            <a:r>
+              <a:rPr lang="de-DE" dirty="0" err="1"/>
+              <a:t>scaled</a:t>
+            </a:r>
+            <a:r>
+              <a:rPr lang="de-DE" dirty="0"/>
+              <a:t> Values</a:t>
+            </a:r>
+            <a:endParaRPr lang="en-US" dirty="0"/>
+          </a:p>
+        </p:txBody>
+      </p:sp>
+      <p:sp>
+        <p:nvSpPr>
+          <p:cNvPr id="3" name="Inhaltsplatzhalter 2">
+            <a:extLst>
+              <a:ext uri="{FF2B5EF4-FFF2-40B4-BE49-F238E27FC236}">
+                <a16:creationId xmlns:a16="http://schemas.microsoft.com/office/drawing/2014/main" id="{DABFB4CD-55BA-4B9D-9388-099CEA4FC0CC}"/>
+              </a:ext>
+            </a:extLst>
+          </p:cNvPr>
+          <p:cNvSpPr>
+            <a:spLocks noGrp="1"/>
+          </p:cNvSpPr>
+          <p:nvPr>
+            <p:ph idx="1"/>
+          </p:nvPr>
+        </p:nvSpPr>
+        <p:spPr/>
+        <p:txBody>
+          <a:bodyPr/>
+          <a:lstStyle/>
+          <a:p>
+            <a:r>
+              <a:rPr lang="en-US" dirty="0"/>
+              <a:t>BLOSUM scores are very small compared to SNAP scores</a:t>
+            </a:r>
+          </a:p>
+          <a:p>
+            <a:pPr marL="0" indent="0">
+              <a:buNone/>
+            </a:pPr>
+            <a:endParaRPr lang="en-US" dirty="0"/>
+          </a:p>
+          <a:p>
+            <a:pPr marL="0" indent="0">
+              <a:buNone/>
+            </a:pPr>
+            <a:endParaRPr lang="en-US" dirty="0"/>
+          </a:p>
+          <a:p>
+            <a:pPr marL="0" indent="0">
+              <a:buNone/>
+            </a:pPr>
+            <a:r>
+              <a:rPr lang="en-US" dirty="0"/>
+              <a:t>[48, -25, 75, -25, 70, -50, 79, -75, 36, -25, 58, 0, 76, -50, 73, -75, 67, </a:t>
+            </a:r>
+          </a:p>
+          <a:p>
+            <a:pPr marL="0" indent="0">
+              <a:buNone/>
+            </a:pPr>
+            <a:r>
+              <a:rPr lang="en-US" dirty="0"/>
+              <a:t>   -50, 15, 33, 24, 66, 76, -25, 0, 0, 30, 0, 79, -50, 65, -25, 62, -25, 68, </a:t>
+            </a:r>
+          </a:p>
+          <a:p>
+            <a:pPr marL="0" indent="0">
+              <a:buNone/>
+            </a:pPr>
+            <a:r>
+              <a:rPr lang="en-US" dirty="0"/>
+              <a:t>   -25, 51, -25, 27, 33]</a:t>
+            </a:r>
+          </a:p>
+        </p:txBody>
+      </p:sp>
+      <p:sp>
+        <p:nvSpPr>
+          <p:cNvPr id="4" name="Foliennummernplatzhalter 3">
+            <a:extLst>
+              <a:ext uri="{FF2B5EF4-FFF2-40B4-BE49-F238E27FC236}">
+                <a16:creationId xmlns:a16="http://schemas.microsoft.com/office/drawing/2014/main" id="{CBB3139C-6890-4543-90A0-FAE3AA3EE102}"/>
+              </a:ext>
+            </a:extLst>
+          </p:cNvPr>
+          <p:cNvSpPr>
+            <a:spLocks noGrp="1"/>
+          </p:cNvSpPr>
+          <p:nvPr>
+            <p:ph type="sldNum" sz="quarter" idx="12"/>
+          </p:nvPr>
+        </p:nvSpPr>
+        <p:spPr/>
+        <p:txBody>
+          <a:bodyPr/>
+          <a:lstStyle/>
+          <a:p>
+            <a:fld id="{CCAAE293-A3DA-4FFC-871C-7F0F209F7CB2}" type="slidenum">
+              <a:rPr lang="en-US" smtClean="0"/>
+              <a:t>8</a:t>
+            </a:fld>
+            <a:endParaRPr lang="en-US"/>
+          </a:p>
+        </p:txBody>
+      </p:sp>
+    </p:spTree>
+    <p:extLst>
+      <p:ext uri="{BB962C8B-B14F-4D97-AF65-F5344CB8AC3E}">
+        <p14:creationId xmlns:p14="http://schemas.microsoft.com/office/powerpoint/2010/main" val="2783528183"/>
+      </p:ext>
+    </p:extLst>
+  </p:cSld>
+  <p:clrMapOvr>
+    <a:masterClrMapping/>
+  </p:clrMapOvr>
+</p:sld>
+</file>
+
+<file path=ppt/slides/slide9.xml><?xml version="1.0" encoding="utf-8"?>
+<p:sld xmlns:a="http://schemas.openxmlformats.org/drawingml/2006/main" xmlns:r="http://schemas.openxmlformats.org/officeDocument/2006/relationships" xmlns:p="http://schemas.openxmlformats.org/presentationml/2006/main">
+  <p:cSld>
+    <p:spTree>
+      <p:nvGrpSpPr>
+        <p:cNvPr id="1" name=""/>
+        <p:cNvGrpSpPr/>
+        <p:nvPr/>
+      </p:nvGrpSpPr>
+      <p:grpSpPr>
+        <a:xfrm>
+          <a:off x="0" y="0"/>
+          <a:ext cx="0" cy="0"/>
+          <a:chOff x="0" y="0"/>
+          <a:chExt cx="0" cy="0"/>
+        </a:xfrm>
+      </p:grpSpPr>
+      <p:sp>
+        <p:nvSpPr>
           <p:cNvPr id="6" name="Titel 5">
             <a:extLst>
               <a:ext uri="{FF2B5EF4-FFF2-40B4-BE49-F238E27FC236}">
@@ -8275,7 +9469,7 @@
           <a:p>
             <a:fld id="{CCAAE293-A3DA-4FFC-871C-7F0F209F7CB2}" type="slidenum">
               <a:rPr lang="en-US" smtClean="0"/>
-              <a:t>8</a:t>
+              <a:t>9</a:t>
             </a:fld>
             <a:endParaRPr lang="en-US"/>
           </a:p>
@@ -8515,204 +9709,6 @@
     <p:extLst>
       <p:ext uri="{BB962C8B-B14F-4D97-AF65-F5344CB8AC3E}">
         <p14:creationId xmlns:p14="http://schemas.microsoft.com/office/powerpoint/2010/main" val="396671851"/>
-      </p:ext>
-    </p:extLst>
-  </p:cSld>
-  <p:clrMapOvr>
-    <a:masterClrMapping/>
-  </p:clrMapOvr>
-</p:sld>
-</file>
-
-<file path=ppt/slides/slide9.xml><?xml version="1.0" encoding="utf-8"?>
-<p:sld xmlns:a="http://schemas.openxmlformats.org/drawingml/2006/main" xmlns:r="http://schemas.openxmlformats.org/officeDocument/2006/relationships" xmlns:p="http://schemas.openxmlformats.org/presentationml/2006/main">
-  <p:cSld>
-    <p:spTree>
-      <p:nvGrpSpPr>
-        <p:cNvPr id="1" name=""/>
-        <p:cNvGrpSpPr/>
-        <p:nvPr/>
-      </p:nvGrpSpPr>
-      <p:grpSpPr>
-        <a:xfrm>
-          <a:off x="0" y="0"/>
-          <a:ext cx="0" cy="0"/>
-          <a:chOff x="0" y="0"/>
-          <a:chExt cx="0" cy="0"/>
-        </a:xfrm>
-      </p:grpSpPr>
-      <p:sp>
-        <p:nvSpPr>
-          <p:cNvPr id="2" name="Titel 1">
-            <a:extLst>
-              <a:ext uri="{FF2B5EF4-FFF2-40B4-BE49-F238E27FC236}">
-                <a16:creationId xmlns:a16="http://schemas.microsoft.com/office/drawing/2014/main" id="{90DA7BD1-7036-4062-A3E7-109EE85AC270}"/>
-              </a:ext>
-            </a:extLst>
-          </p:cNvPr>
-          <p:cNvSpPr>
-            <a:spLocks noGrp="1"/>
-          </p:cNvSpPr>
-          <p:nvPr>
-            <p:ph type="title"/>
-          </p:nvPr>
-        </p:nvSpPr>
-        <p:spPr/>
-        <p:txBody>
-          <a:bodyPr/>
-          <a:lstStyle/>
-          <a:p>
-            <a:pPr algn="ctr"/>
-            <a:r>
-              <a:rPr lang="de-DE" dirty="0"/>
-              <a:t>Hyperparameter</a:t>
-            </a:r>
-            <a:endParaRPr lang="en-US" dirty="0"/>
-          </a:p>
-        </p:txBody>
-      </p:sp>
-      <p:sp>
-        <p:nvSpPr>
-          <p:cNvPr id="3" name="Inhaltsplatzhalter 2">
-            <a:extLst>
-              <a:ext uri="{FF2B5EF4-FFF2-40B4-BE49-F238E27FC236}">
-                <a16:creationId xmlns:a16="http://schemas.microsoft.com/office/drawing/2014/main" id="{08A62452-8D0B-487B-BF6E-8C680AB179B6}"/>
-              </a:ext>
-            </a:extLst>
-          </p:cNvPr>
-          <p:cNvSpPr>
-            <a:spLocks noGrp="1"/>
-          </p:cNvSpPr>
-          <p:nvPr>
-            <p:ph idx="1"/>
-          </p:nvPr>
-        </p:nvSpPr>
-        <p:spPr/>
-        <p:txBody>
-          <a:bodyPr>
-            <a:normAutofit fontScale="92500" lnSpcReduction="20000"/>
-          </a:bodyPr>
-          <a:lstStyle/>
-          <a:p>
-            <a:r>
-              <a:rPr lang="de-DE" dirty="0" err="1"/>
-              <a:t>Weigths</a:t>
-            </a:r>
-            <a:r>
-              <a:rPr lang="de-DE" dirty="0"/>
-              <a:t>: </a:t>
-            </a:r>
-          </a:p>
-          <a:p>
-            <a:pPr lvl="1"/>
-            <a:r>
-              <a:rPr lang="de-DE" dirty="0"/>
-              <a:t>Binding: 0.6</a:t>
-            </a:r>
-          </a:p>
-          <a:p>
-            <a:pPr lvl="1"/>
-            <a:r>
-              <a:rPr lang="de-DE" dirty="0"/>
-              <a:t>Non-</a:t>
-            </a:r>
-            <a:r>
-              <a:rPr lang="de-DE" dirty="0" err="1"/>
-              <a:t>binding</a:t>
-            </a:r>
-            <a:r>
-              <a:rPr lang="de-DE" dirty="0"/>
-              <a:t>: 0.4</a:t>
-            </a:r>
-          </a:p>
-          <a:p>
-            <a:endParaRPr lang="de-DE" dirty="0"/>
-          </a:p>
-          <a:p>
-            <a:r>
-              <a:rPr lang="de-DE" dirty="0"/>
-              <a:t>Learning rate: 0.003</a:t>
-            </a:r>
-          </a:p>
-          <a:p>
-            <a:endParaRPr lang="de-DE" dirty="0"/>
-          </a:p>
-          <a:p>
-            <a:r>
-              <a:rPr lang="de-DE" dirty="0" err="1"/>
-              <a:t>Prediction</a:t>
-            </a:r>
-            <a:r>
-              <a:rPr lang="de-DE" dirty="0"/>
-              <a:t> </a:t>
-            </a:r>
-            <a:r>
-              <a:rPr lang="de-DE" dirty="0" err="1"/>
-              <a:t>Cutoff</a:t>
-            </a:r>
-            <a:r>
-              <a:rPr lang="de-DE" dirty="0"/>
-              <a:t>: 0.4</a:t>
-            </a:r>
-          </a:p>
-          <a:p>
-            <a:endParaRPr lang="de-DE" dirty="0"/>
-          </a:p>
-          <a:p>
-            <a:r>
-              <a:rPr lang="de-DE" dirty="0"/>
-              <a:t>Momentum: 0.9</a:t>
-            </a:r>
-          </a:p>
-          <a:p>
-            <a:endParaRPr lang="de-DE" dirty="0"/>
-          </a:p>
-          <a:p>
-            <a:r>
-              <a:rPr lang="de-DE" dirty="0" err="1"/>
-              <a:t>Epochs</a:t>
-            </a:r>
-            <a:r>
-              <a:rPr lang="de-DE" dirty="0"/>
-              <a:t>: 200</a:t>
-            </a:r>
-            <a:endParaRPr lang="en-US" dirty="0"/>
-          </a:p>
-        </p:txBody>
-      </p:sp>
-      <p:sp>
-        <p:nvSpPr>
-          <p:cNvPr id="4" name="Foliennummernplatzhalter 3">
-            <a:extLst>
-              <a:ext uri="{FF2B5EF4-FFF2-40B4-BE49-F238E27FC236}">
-                <a16:creationId xmlns:a16="http://schemas.microsoft.com/office/drawing/2014/main" id="{5BC1D8A0-0EDC-4692-8350-8E5C893B0A2A}"/>
-              </a:ext>
-            </a:extLst>
-          </p:cNvPr>
-          <p:cNvSpPr>
-            <a:spLocks noGrp="1"/>
-          </p:cNvSpPr>
-          <p:nvPr>
-            <p:ph type="sldNum" sz="quarter" idx="12"/>
-          </p:nvPr>
-        </p:nvSpPr>
-        <p:spPr/>
-        <p:txBody>
-          <a:bodyPr/>
-          <a:lstStyle/>
-          <a:p>
-            <a:fld id="{CCAAE293-A3DA-4FFC-871C-7F0F209F7CB2}" type="slidenum">
-              <a:rPr lang="en-US" smtClean="0"/>
-              <a:t>9</a:t>
-            </a:fld>
-            <a:endParaRPr lang="en-US"/>
-          </a:p>
-        </p:txBody>
-      </p:sp>
-    </p:spTree>
-    <p:extLst>
-      <p:ext uri="{BB962C8B-B14F-4D97-AF65-F5344CB8AC3E}">
-        <p14:creationId xmlns:p14="http://schemas.microsoft.com/office/powerpoint/2010/main" val="3829208825"/>
       </p:ext>
     </p:extLst>
   </p:cSld>

--- a/BLOSUMscoresComparedToSingleSNAPscores.pptx
+++ b/BLOSUMscoresComparedToSingleSNAPscores.pptx
@@ -5,7 +5,7 @@
     <p:sldMasterId id="2147483648" r:id="rId1"/>
   </p:sldMasterIdLst>
   <p:notesMasterIdLst>
-    <p:notesMasterId r:id="rId26"/>
+    <p:notesMasterId r:id="rId24"/>
   </p:notesMasterIdLst>
   <p:sldIdLst>
     <p:sldId id="256" r:id="rId2"/>
@@ -19,19 +19,17 @@
     <p:sldId id="262" r:id="rId10"/>
     <p:sldId id="278" r:id="rId11"/>
     <p:sldId id="263" r:id="rId12"/>
-    <p:sldId id="268" r:id="rId13"/>
-    <p:sldId id="269" r:id="rId14"/>
-    <p:sldId id="270" r:id="rId15"/>
-    <p:sldId id="271" r:id="rId16"/>
-    <p:sldId id="264" r:id="rId17"/>
-    <p:sldId id="257" r:id="rId18"/>
-    <p:sldId id="267" r:id="rId19"/>
-    <p:sldId id="277" r:id="rId20"/>
-    <p:sldId id="266" r:id="rId21"/>
-    <p:sldId id="276" r:id="rId22"/>
-    <p:sldId id="275" r:id="rId23"/>
-    <p:sldId id="265" r:id="rId24"/>
-    <p:sldId id="274" r:id="rId25"/>
+    <p:sldId id="281" r:id="rId13"/>
+    <p:sldId id="280" r:id="rId14"/>
+    <p:sldId id="264" r:id="rId15"/>
+    <p:sldId id="257" r:id="rId16"/>
+    <p:sldId id="267" r:id="rId17"/>
+    <p:sldId id="277" r:id="rId18"/>
+    <p:sldId id="266" r:id="rId19"/>
+    <p:sldId id="276" r:id="rId20"/>
+    <p:sldId id="275" r:id="rId21"/>
+    <p:sldId id="265" r:id="rId22"/>
+    <p:sldId id="274" r:id="rId23"/>
   </p:sldIdLst>
   <p:sldSz cx="12192000" cy="6858000"/>
   <p:notesSz cx="6858000" cy="9144000"/>
@@ -138,6 +136,830 @@
 </p:presentation>
 </file>
 
+<file path=ppt/charts/chart1.xml><?xml version="1.0" encoding="utf-8"?>
+<c:chartSpace xmlns:c="http://schemas.openxmlformats.org/drawingml/2006/chart" xmlns:a="http://schemas.openxmlformats.org/drawingml/2006/main" xmlns:r="http://schemas.openxmlformats.org/officeDocument/2006/relationships" xmlns:c16r2="http://schemas.microsoft.com/office/drawing/2015/06/chart">
+  <c:date1904 val="0"/>
+  <c:lang val="de-DE"/>
+  <c:roundedCorners val="0"/>
+  <mc:AlternateContent xmlns:mc="http://schemas.openxmlformats.org/markup-compatibility/2006">
+    <mc:Choice xmlns:c14="http://schemas.microsoft.com/office/drawing/2007/8/2/chart" Requires="c14">
+      <c14:style val="102"/>
+    </mc:Choice>
+    <mc:Fallback>
+      <c:style val="2"/>
+    </mc:Fallback>
+  </mc:AlternateContent>
+  <c:chart>
+    <c:autoTitleDeleted val="1"/>
+    <c:plotArea>
+      <c:layout/>
+      <c:pieChart>
+        <c:varyColors val="1"/>
+        <c:ser>
+          <c:idx val="0"/>
+          <c:order val="0"/>
+          <c:tx>
+            <c:strRef>
+              <c:f>Tabelle1!$B$1</c:f>
+              <c:strCache>
+                <c:ptCount val="1"/>
+                <c:pt idx="0">
+                  <c:v>Binding</c:v>
+                </c:pt>
+              </c:strCache>
+            </c:strRef>
+          </c:tx>
+          <c:dPt>
+            <c:idx val="0"/>
+            <c:bubble3D val="0"/>
+            <c:spPr>
+              <a:solidFill>
+                <a:schemeClr val="accent1"/>
+              </a:solidFill>
+              <a:ln>
+                <a:noFill/>
+              </a:ln>
+              <a:effectLst>
+                <a:outerShdw blurRad="317500" algn="ctr" rotWithShape="0">
+                  <a:prstClr val="black">
+                    <a:alpha val="25000"/>
+                  </a:prstClr>
+                </a:outerShdw>
+              </a:effectLst>
+            </c:spPr>
+          </c:dPt>
+          <c:dPt>
+            <c:idx val="1"/>
+            <c:bubble3D val="0"/>
+            <c:spPr>
+              <a:solidFill>
+                <a:schemeClr val="accent2"/>
+              </a:solidFill>
+              <a:ln>
+                <a:noFill/>
+              </a:ln>
+              <a:effectLst>
+                <a:outerShdw blurRad="317500" algn="ctr" rotWithShape="0">
+                  <a:prstClr val="black">
+                    <a:alpha val="25000"/>
+                  </a:prstClr>
+                </a:outerShdw>
+              </a:effectLst>
+            </c:spPr>
+          </c:dPt>
+          <c:dLbls>
+            <c:numFmt formatCode="0.00%" sourceLinked="0"/>
+            <c:spPr>
+              <a:noFill/>
+              <a:ln>
+                <a:noFill/>
+              </a:ln>
+              <a:effectLst/>
+            </c:spPr>
+            <c:txPr>
+              <a:bodyPr rot="0" spcFirstLastPara="1" vertOverflow="ellipsis" vert="horz" wrap="square" lIns="38100" tIns="19050" rIns="38100" bIns="19050" anchor="ctr" anchorCtr="1">
+                <a:spAutoFit/>
+              </a:bodyPr>
+              <a:lstStyle/>
+              <a:p>
+                <a:pPr>
+                  <a:defRPr sz="1197" b="1" i="0" u="none" strike="noStrike" kern="1200" baseline="0">
+                    <a:solidFill>
+                      <a:schemeClr val="lt1"/>
+                    </a:solidFill>
+                    <a:latin typeface="+mn-lt"/>
+                    <a:ea typeface="+mn-ea"/>
+                    <a:cs typeface="+mn-cs"/>
+                  </a:defRPr>
+                </a:pPr>
+                <a:endParaRPr lang="en-US"/>
+              </a:p>
+            </c:txPr>
+            <c:dLblPos val="ctr"/>
+            <c:showLegendKey val="0"/>
+            <c:showVal val="0"/>
+            <c:showCatName val="0"/>
+            <c:showSerName val="0"/>
+            <c:showPercent val="1"/>
+            <c:showBubbleSize val="0"/>
+            <c:showLeaderLines val="1"/>
+            <c:leaderLines>
+              <c:spPr>
+                <a:ln w="9525" cap="flat" cmpd="sng" algn="ctr">
+                  <a:solidFill>
+                    <a:schemeClr val="dk1">
+                      <a:lumMod val="35000"/>
+                      <a:lumOff val="65000"/>
+                    </a:schemeClr>
+                  </a:solidFill>
+                  <a:round/>
+                </a:ln>
+                <a:effectLst/>
+              </c:spPr>
+            </c:leaderLines>
+            <c:extLst>
+              <c:ext xmlns:c15="http://schemas.microsoft.com/office/drawing/2012/chart" uri="{CE6537A1-D6FC-4f65-9D91-7224C49458BB}"/>
+            </c:extLst>
+          </c:dLbls>
+          <c:cat>
+            <c:strRef>
+              <c:f>Tabelle1!$A$2:$A$5</c:f>
+              <c:strCache>
+                <c:ptCount val="2"/>
+                <c:pt idx="0">
+                  <c:v>Binding</c:v>
+                </c:pt>
+                <c:pt idx="1">
+                  <c:v>Non-binding</c:v>
+                </c:pt>
+              </c:strCache>
+            </c:strRef>
+          </c:cat>
+          <c:val>
+            <c:numRef>
+              <c:f>Tabelle1!$B$2:$B$5</c:f>
+              <c:numCache>
+                <c:formatCode>General</c:formatCode>
+                <c:ptCount val="2"/>
+                <c:pt idx="0">
+                  <c:v>3361</c:v>
+                </c:pt>
+                <c:pt idx="1">
+                  <c:v>28446</c:v>
+                </c:pt>
+              </c:numCache>
+            </c:numRef>
+          </c:val>
+          <c:extLst>
+            <c:ext xmlns:c15="http://schemas.microsoft.com/office/drawing/2012/chart" uri="{02D57815-91ED-43cb-92C2-25804820EDAC}">
+              <c15:categoryFilterExceptions/>
+            </c:ext>
+            <c:ext xmlns:c16="http://schemas.microsoft.com/office/drawing/2014/chart" uri="{C3380CC4-5D6E-409C-BE32-E72D297353CC}">
+              <c16:uniqueId val="{00000000-BE2E-4589-A15E-AFCF3766DEBA}"/>
+            </c:ext>
+          </c:extLst>
+        </c:ser>
+        <c:dLbls>
+          <c:dLblPos val="ctr"/>
+          <c:showLegendKey val="0"/>
+          <c:showVal val="1"/>
+          <c:showCatName val="0"/>
+          <c:showSerName val="0"/>
+          <c:showPercent val="0"/>
+          <c:showBubbleSize val="0"/>
+          <c:showLeaderLines val="1"/>
+        </c:dLbls>
+        <c:firstSliceAng val="0"/>
+      </c:pieChart>
+      <c:spPr>
+        <a:noFill/>
+        <a:ln>
+          <a:noFill/>
+        </a:ln>
+        <a:effectLst/>
+      </c:spPr>
+    </c:plotArea>
+    <c:legend>
+      <c:legendPos val="b"/>
+      <c:overlay val="0"/>
+      <c:spPr>
+        <a:solidFill>
+          <a:schemeClr val="lt1">
+            <a:alpha val="78000"/>
+          </a:schemeClr>
+        </a:solidFill>
+        <a:ln>
+          <a:noFill/>
+        </a:ln>
+        <a:effectLst/>
+      </c:spPr>
+      <c:txPr>
+        <a:bodyPr rot="0" spcFirstLastPara="1" vertOverflow="ellipsis" vert="horz" wrap="square" anchor="ctr" anchorCtr="1"/>
+        <a:lstStyle/>
+        <a:p>
+          <a:pPr>
+            <a:defRPr sz="1197" b="0" i="0" u="none" strike="noStrike" kern="1200" baseline="0">
+              <a:solidFill>
+                <a:schemeClr val="dk1">
+                  <a:lumMod val="65000"/>
+                  <a:lumOff val="35000"/>
+                </a:schemeClr>
+              </a:solidFill>
+              <a:latin typeface="+mn-lt"/>
+              <a:ea typeface="+mn-ea"/>
+              <a:cs typeface="+mn-cs"/>
+            </a:defRPr>
+          </a:pPr>
+          <a:endParaRPr lang="en-US"/>
+        </a:p>
+      </c:txPr>
+    </c:legend>
+    <c:plotVisOnly val="1"/>
+    <c:dispBlanksAs val="gap"/>
+    <c:extLst>
+      <c:ext xmlns:c16r3="http://schemas.microsoft.com/office/drawing/2017/03/chart" uri="{56B9EC1D-385E-4148-901F-78D8002777C0}">
+        <c16r3:dataDisplayOptions16>
+          <c16r3:dispNaAsBlank val="1"/>
+        </c16r3:dataDisplayOptions16>
+      </c:ext>
+    </c:extLst>
+    <c:showDLblsOverMax val="0"/>
+  </c:chart>
+  <c:spPr>
+    <a:noFill/>
+    <a:ln w="9525" cap="flat" cmpd="sng" algn="ctr">
+      <a:noFill/>
+      <a:round/>
+    </a:ln>
+    <a:effectLst/>
+  </c:spPr>
+  <c:txPr>
+    <a:bodyPr/>
+    <a:lstStyle/>
+    <a:p>
+      <a:pPr>
+        <a:defRPr/>
+      </a:pPr>
+      <a:endParaRPr lang="en-US"/>
+    </a:p>
+  </c:txPr>
+  <c:externalData r:id="rId3">
+    <c:autoUpdate val="0"/>
+  </c:externalData>
+</c:chartSpace>
+</file>
+
+<file path=ppt/charts/colors1.xml><?xml version="1.0" encoding="utf-8"?>
+<cs:colorStyle xmlns:cs="http://schemas.microsoft.com/office/drawing/2012/chartStyle" xmlns:a="http://schemas.openxmlformats.org/drawingml/2006/main" meth="cycle" id="10">
+  <a:schemeClr val="accent1"/>
+  <a:schemeClr val="accent2"/>
+  <a:schemeClr val="accent3"/>
+  <a:schemeClr val="accent4"/>
+  <a:schemeClr val="accent5"/>
+  <a:schemeClr val="accent6"/>
+  <cs:variation/>
+  <cs:variation>
+    <a:lumMod val="60000"/>
+  </cs:variation>
+  <cs:variation>
+    <a:lumMod val="80000"/>
+    <a:lumOff val="20000"/>
+  </cs:variation>
+  <cs:variation>
+    <a:lumMod val="80000"/>
+  </cs:variation>
+  <cs:variation>
+    <a:lumMod val="60000"/>
+    <a:lumOff val="40000"/>
+  </cs:variation>
+  <cs:variation>
+    <a:lumMod val="50000"/>
+  </cs:variation>
+  <cs:variation>
+    <a:lumMod val="70000"/>
+    <a:lumOff val="30000"/>
+  </cs:variation>
+  <cs:variation>
+    <a:lumMod val="70000"/>
+  </cs:variation>
+  <cs:variation>
+    <a:lumMod val="50000"/>
+    <a:lumOff val="50000"/>
+  </cs:variation>
+</cs:colorStyle>
+</file>
+
+<file path=ppt/charts/style1.xml><?xml version="1.0" encoding="utf-8"?>
+<cs:chartStyle xmlns:cs="http://schemas.microsoft.com/office/drawing/2012/chartStyle" xmlns:a="http://schemas.openxmlformats.org/drawingml/2006/main" id="261">
+  <cs:axisTitle>
+    <cs:lnRef idx="0"/>
+    <cs:fillRef idx="0"/>
+    <cs:effectRef idx="0"/>
+    <cs:fontRef idx="minor">
+      <a:schemeClr val="dk1">
+        <a:lumMod val="65000"/>
+        <a:lumOff val="35000"/>
+      </a:schemeClr>
+    </cs:fontRef>
+    <cs:defRPr sz="1197" kern="1200"/>
+  </cs:axisTitle>
+  <cs:categoryAxis>
+    <cs:lnRef idx="0"/>
+    <cs:fillRef idx="0"/>
+    <cs:effectRef idx="0"/>
+    <cs:fontRef idx="minor">
+      <a:schemeClr val="dk1">
+        <a:lumMod val="65000"/>
+        <a:lumOff val="35000"/>
+      </a:schemeClr>
+    </cs:fontRef>
+    <cs:defRPr sz="1197" kern="1200"/>
+  </cs:categoryAxis>
+  <cs:chartArea>
+    <cs:lnRef idx="0"/>
+    <cs:fillRef idx="0"/>
+    <cs:effectRef idx="0"/>
+    <cs:fontRef idx="minor">
+      <a:schemeClr val="dk1"/>
+    </cs:fontRef>
+    <cs:spPr>
+      <a:pattFill prst="dkDnDiag">
+        <a:fgClr>
+          <a:schemeClr val="lt1">
+            <a:lumMod val="95000"/>
+          </a:schemeClr>
+        </a:fgClr>
+        <a:bgClr>
+          <a:schemeClr val="lt1"/>
+        </a:bgClr>
+      </a:pattFill>
+      <a:ln w="9525" cap="flat" cmpd="sng" algn="ctr">
+        <a:solidFill>
+          <a:schemeClr val="dk1">
+            <a:lumMod val="15000"/>
+            <a:lumOff val="85000"/>
+          </a:schemeClr>
+        </a:solidFill>
+        <a:round/>
+      </a:ln>
+    </cs:spPr>
+    <cs:defRPr sz="1197" kern="1200"/>
+  </cs:chartArea>
+  <cs:dataLabel>
+    <cs:lnRef idx="0"/>
+    <cs:fillRef idx="0"/>
+    <cs:effectRef idx="0"/>
+    <cs:fontRef idx="minor">
+      <a:schemeClr val="lt1"/>
+    </cs:fontRef>
+    <cs:defRPr sz="1197" b="1" i="0" u="none" strike="noStrike" kern="1200" baseline="0"/>
+  </cs:dataLabel>
+  <cs:dataLabelCallout>
+    <cs:lnRef idx="0"/>
+    <cs:fillRef idx="0"/>
+    <cs:effectRef idx="0"/>
+    <cs:fontRef idx="minor">
+      <a:schemeClr val="dk1">
+        <a:lumMod val="65000"/>
+        <a:lumOff val="35000"/>
+      </a:schemeClr>
+    </cs:fontRef>
+    <cs:spPr>
+      <a:solidFill>
+        <a:schemeClr val="lt1">
+          <a:alpha val="75000"/>
+        </a:schemeClr>
+      </a:solidFill>
+      <a:ln w="9525">
+        <a:solidFill>
+          <a:schemeClr val="dk1">
+            <a:lumMod val="25000"/>
+            <a:lumOff val="75000"/>
+          </a:schemeClr>
+        </a:solidFill>
+      </a:ln>
+    </cs:spPr>
+    <cs:defRPr sz="1197" kern="1200"/>
+    <cs:bodyPr rot="0" spcFirstLastPara="1" vertOverflow="clip" horzOverflow="clip" vert="horz" wrap="square" lIns="36576" tIns="18288" rIns="36576" bIns="18288" anchor="ctr" anchorCtr="1">
+      <a:spAutoFit/>
+    </cs:bodyPr>
+  </cs:dataLabelCallout>
+  <cs:dataPoint>
+    <cs:lnRef idx="0"/>
+    <cs:fillRef idx="0">
+      <cs:styleClr val="auto"/>
+    </cs:fillRef>
+    <cs:effectRef idx="0"/>
+    <cs:fontRef idx="minor">
+      <a:schemeClr val="dk1"/>
+    </cs:fontRef>
+    <cs:spPr>
+      <a:solidFill>
+        <a:schemeClr val="phClr"/>
+      </a:solidFill>
+      <a:effectLst>
+        <a:outerShdw blurRad="317500" algn="ctr" rotWithShape="0">
+          <a:prstClr val="black">
+            <a:alpha val="25000"/>
+          </a:prstClr>
+        </a:outerShdw>
+      </a:effectLst>
+    </cs:spPr>
+  </cs:dataPoint>
+  <cs:dataPoint3D>
+    <cs:lnRef idx="0"/>
+    <cs:fillRef idx="0">
+      <cs:styleClr val="auto"/>
+    </cs:fillRef>
+    <cs:effectRef idx="0"/>
+    <cs:fontRef idx="minor">
+      <a:schemeClr val="dk1"/>
+    </cs:fontRef>
+    <cs:spPr>
+      <a:solidFill>
+        <a:schemeClr val="phClr"/>
+      </a:solidFill>
+      <a:effectLst>
+        <a:outerShdw blurRad="88900" sx="102000" sy="102000" algn="ctr" rotWithShape="0">
+          <a:prstClr val="black">
+            <a:alpha val="20000"/>
+          </a:prstClr>
+        </a:outerShdw>
+      </a:effectLst>
+      <a:scene3d>
+        <a:camera prst="orthographicFront"/>
+        <a:lightRig rig="threePt" dir="t"/>
+      </a:scene3d>
+      <a:sp3d prstMaterial="matte"/>
+    </cs:spPr>
+  </cs:dataPoint3D>
+  <cs:dataPointLine>
+    <cs:lnRef idx="0">
+      <cs:styleClr val="auto"/>
+    </cs:lnRef>
+    <cs:fillRef idx="0"/>
+    <cs:effectRef idx="0"/>
+    <cs:fontRef idx="minor">
+      <a:schemeClr val="dk1"/>
+    </cs:fontRef>
+    <cs:spPr>
+      <a:ln w="28575" cap="rnd">
+        <a:solidFill>
+          <a:schemeClr val="phClr"/>
+        </a:solidFill>
+        <a:round/>
+      </a:ln>
+    </cs:spPr>
+  </cs:dataPointLine>
+  <cs:dataPointMarker>
+    <cs:lnRef idx="0"/>
+    <cs:fillRef idx="0">
+      <cs:styleClr val="auto"/>
+    </cs:fillRef>
+    <cs:effectRef idx="0"/>
+    <cs:fontRef idx="minor">
+      <a:schemeClr val="dk1"/>
+    </cs:fontRef>
+    <cs:spPr>
+      <a:solidFill>
+        <a:schemeClr val="phClr"/>
+      </a:solidFill>
+      <a:ln w="9525">
+        <a:solidFill>
+          <a:schemeClr val="lt1"/>
+        </a:solidFill>
+      </a:ln>
+    </cs:spPr>
+  </cs:dataPointMarker>
+  <cs:dataPointMarkerLayout symbol="circle" size="6"/>
+  <cs:dataPointWireframe>
+    <cs:lnRef idx="0">
+      <cs:styleClr val="auto"/>
+    </cs:lnRef>
+    <cs:fillRef idx="0"/>
+    <cs:effectRef idx="0"/>
+    <cs:fontRef idx="minor">
+      <a:schemeClr val="dk1"/>
+    </cs:fontRef>
+    <cs:spPr>
+      <a:ln w="9525" cap="rnd">
+        <a:solidFill>
+          <a:schemeClr val="phClr"/>
+        </a:solidFill>
+        <a:round/>
+      </a:ln>
+    </cs:spPr>
+  </cs:dataPointWireframe>
+  <cs:dataTable>
+    <cs:lnRef idx="0"/>
+    <cs:fillRef idx="0"/>
+    <cs:effectRef idx="0"/>
+    <cs:fontRef idx="minor">
+      <a:schemeClr val="dk1">
+        <a:lumMod val="65000"/>
+        <a:lumOff val="35000"/>
+      </a:schemeClr>
+    </cs:fontRef>
+    <cs:spPr>
+      <a:noFill/>
+      <a:ln w="9525" cap="flat" cmpd="sng" algn="ctr">
+        <a:solidFill>
+          <a:schemeClr val="dk1">
+            <a:lumMod val="15000"/>
+            <a:lumOff val="85000"/>
+          </a:schemeClr>
+        </a:solidFill>
+        <a:round/>
+      </a:ln>
+    </cs:spPr>
+    <cs:defRPr sz="1197" kern="1200"/>
+  </cs:dataTable>
+  <cs:downBar>
+    <cs:lnRef idx="0"/>
+    <cs:fillRef idx="0"/>
+    <cs:effectRef idx="0"/>
+    <cs:fontRef idx="minor">
+      <a:schemeClr val="dk1"/>
+    </cs:fontRef>
+    <cs:spPr>
+      <a:solidFill>
+        <a:schemeClr val="dk1">
+          <a:lumMod val="75000"/>
+          <a:lumOff val="25000"/>
+        </a:schemeClr>
+      </a:solidFill>
+      <a:ln w="9525" cap="flat" cmpd="sng" algn="ctr">
+        <a:solidFill>
+          <a:schemeClr val="dk1">
+            <a:lumMod val="65000"/>
+            <a:lumOff val="35000"/>
+          </a:schemeClr>
+        </a:solidFill>
+        <a:round/>
+      </a:ln>
+    </cs:spPr>
+  </cs:downBar>
+  <cs:dropLine>
+    <cs:lnRef idx="0"/>
+    <cs:fillRef idx="0"/>
+    <cs:effectRef idx="0"/>
+    <cs:fontRef idx="minor">
+      <a:schemeClr val="dk1"/>
+    </cs:fontRef>
+    <cs:spPr>
+      <a:ln w="9525" cap="flat" cmpd="sng" algn="ctr">
+        <a:solidFill>
+          <a:schemeClr val="dk1">
+            <a:lumMod val="35000"/>
+            <a:lumOff val="65000"/>
+          </a:schemeClr>
+        </a:solidFill>
+        <a:round/>
+      </a:ln>
+    </cs:spPr>
+  </cs:dropLine>
+  <cs:errorBar>
+    <cs:lnRef idx="0"/>
+    <cs:fillRef idx="0"/>
+    <cs:effectRef idx="0"/>
+    <cs:fontRef idx="minor">
+      <a:schemeClr val="dk1"/>
+    </cs:fontRef>
+    <cs:spPr>
+      <a:ln w="9525" cap="flat" cmpd="sng" algn="ctr">
+        <a:solidFill>
+          <a:schemeClr val="dk1">
+            <a:lumMod val="65000"/>
+            <a:lumOff val="35000"/>
+          </a:schemeClr>
+        </a:solidFill>
+        <a:round/>
+      </a:ln>
+    </cs:spPr>
+  </cs:errorBar>
+  <cs:floor>
+    <cs:lnRef idx="0"/>
+    <cs:fillRef idx="0"/>
+    <cs:effectRef idx="0"/>
+    <cs:fontRef idx="minor">
+      <a:schemeClr val="dk1"/>
+    </cs:fontRef>
+    <cs:spPr>
+      <a:noFill/>
+      <a:ln>
+        <a:noFill/>
+      </a:ln>
+    </cs:spPr>
+  </cs:floor>
+  <cs:gridlineMajor>
+    <cs:lnRef idx="0"/>
+    <cs:fillRef idx="0"/>
+    <cs:effectRef idx="0"/>
+    <cs:fontRef idx="minor">
+      <a:schemeClr val="dk1"/>
+    </cs:fontRef>
+    <cs:spPr>
+      <a:ln w="9525" cap="flat" cmpd="sng" algn="ctr">
+        <a:solidFill>
+          <a:schemeClr val="dk1">
+            <a:lumMod val="15000"/>
+            <a:lumOff val="85000"/>
+          </a:schemeClr>
+        </a:solidFill>
+        <a:round/>
+      </a:ln>
+    </cs:spPr>
+  </cs:gridlineMajor>
+  <cs:gridlineMinor>
+    <cs:lnRef idx="0"/>
+    <cs:fillRef idx="0"/>
+    <cs:effectRef idx="0"/>
+    <cs:fontRef idx="minor">
+      <a:schemeClr val="dk1"/>
+    </cs:fontRef>
+    <cs:spPr>
+      <a:ln w="9525" cap="flat" cmpd="sng" algn="ctr">
+        <a:solidFill>
+          <a:schemeClr val="dk1">
+            <a:lumMod val="5000"/>
+            <a:lumOff val="95000"/>
+          </a:schemeClr>
+        </a:solidFill>
+        <a:round/>
+      </a:ln>
+    </cs:spPr>
+  </cs:gridlineMinor>
+  <cs:hiLoLine>
+    <cs:lnRef idx="0"/>
+    <cs:fillRef idx="0"/>
+    <cs:effectRef idx="0"/>
+    <cs:fontRef idx="minor">
+      <a:schemeClr val="dk1"/>
+    </cs:fontRef>
+    <cs:spPr>
+      <a:ln w="9525" cap="flat" cmpd="sng" algn="ctr">
+        <a:solidFill>
+          <a:schemeClr val="dk1">
+            <a:lumMod val="50000"/>
+            <a:lumOff val="50000"/>
+          </a:schemeClr>
+        </a:solidFill>
+        <a:round/>
+      </a:ln>
+    </cs:spPr>
+  </cs:hiLoLine>
+  <cs:leaderLine>
+    <cs:lnRef idx="0"/>
+    <cs:fillRef idx="0"/>
+    <cs:effectRef idx="0"/>
+    <cs:fontRef idx="minor">
+      <a:schemeClr val="dk1"/>
+    </cs:fontRef>
+    <cs:spPr>
+      <a:ln w="9525" cap="flat" cmpd="sng" algn="ctr">
+        <a:solidFill>
+          <a:schemeClr val="dk1">
+            <a:lumMod val="35000"/>
+            <a:lumOff val="65000"/>
+          </a:schemeClr>
+        </a:solidFill>
+        <a:round/>
+      </a:ln>
+    </cs:spPr>
+  </cs:leaderLine>
+  <cs:legend>
+    <cs:lnRef idx="0"/>
+    <cs:fillRef idx="0"/>
+    <cs:effectRef idx="0"/>
+    <cs:fontRef idx="minor">
+      <a:schemeClr val="dk1">
+        <a:lumMod val="65000"/>
+        <a:lumOff val="35000"/>
+      </a:schemeClr>
+    </cs:fontRef>
+    <cs:spPr>
+      <a:solidFill>
+        <a:schemeClr val="lt1">
+          <a:alpha val="78000"/>
+        </a:schemeClr>
+      </a:solidFill>
+    </cs:spPr>
+    <cs:defRPr sz="1197" kern="1200"/>
+  </cs:legend>
+  <cs:plotArea mods="allowNoFillOverride allowNoLineOverride">
+    <cs:lnRef idx="0"/>
+    <cs:fillRef idx="0"/>
+    <cs:effectRef idx="0"/>
+    <cs:fontRef idx="minor">
+      <a:schemeClr val="dk1"/>
+    </cs:fontRef>
+  </cs:plotArea>
+  <cs:plotArea3D mods="allowNoFillOverride allowNoLineOverride">
+    <cs:lnRef idx="0"/>
+    <cs:fillRef idx="0"/>
+    <cs:effectRef idx="0"/>
+    <cs:fontRef idx="minor">
+      <a:schemeClr val="dk1"/>
+    </cs:fontRef>
+  </cs:plotArea3D>
+  <cs:seriesAxis>
+    <cs:lnRef idx="0"/>
+    <cs:fillRef idx="0"/>
+    <cs:effectRef idx="0"/>
+    <cs:fontRef idx="minor">
+      <a:schemeClr val="dk1">
+        <a:lumMod val="65000"/>
+        <a:lumOff val="35000"/>
+      </a:schemeClr>
+    </cs:fontRef>
+    <cs:defRPr sz="1197" kern="1200"/>
+  </cs:seriesAxis>
+  <cs:seriesLine>
+    <cs:lnRef idx="0"/>
+    <cs:fillRef idx="0"/>
+    <cs:effectRef idx="0"/>
+    <cs:fontRef idx="minor">
+      <a:schemeClr val="dk1"/>
+    </cs:fontRef>
+    <cs:spPr>
+      <a:ln w="9525" cap="flat" cmpd="sng" algn="ctr">
+        <a:solidFill>
+          <a:schemeClr val="dk1">
+            <a:lumMod val="35000"/>
+            <a:lumOff val="65000"/>
+          </a:schemeClr>
+        </a:solidFill>
+        <a:round/>
+      </a:ln>
+    </cs:spPr>
+  </cs:seriesLine>
+  <cs:title>
+    <cs:lnRef idx="0"/>
+    <cs:fillRef idx="0"/>
+    <cs:effectRef idx="0"/>
+    <cs:fontRef idx="minor">
+      <a:schemeClr val="dk1">
+        <a:lumMod val="65000"/>
+        <a:lumOff val="35000"/>
+      </a:schemeClr>
+    </cs:fontRef>
+    <cs:defRPr sz="2200" b="1" kern="1200" baseline="0"/>
+  </cs:title>
+  <cs:trendline>
+    <cs:lnRef idx="0">
+      <cs:styleClr val="auto"/>
+    </cs:lnRef>
+    <cs:fillRef idx="0"/>
+    <cs:effectRef idx="0"/>
+    <cs:fontRef idx="minor">
+      <a:schemeClr val="dk1"/>
+    </cs:fontRef>
+    <cs:spPr>
+      <a:ln w="19050" cap="rnd">
+        <a:solidFill>
+          <a:schemeClr val="phClr"/>
+        </a:solidFill>
+        <a:prstDash val="sysDash"/>
+      </a:ln>
+    </cs:spPr>
+  </cs:trendline>
+  <cs:trendlineLabel>
+    <cs:lnRef idx="0"/>
+    <cs:fillRef idx="0"/>
+    <cs:effectRef idx="0"/>
+    <cs:fontRef idx="minor">
+      <a:schemeClr val="dk1">
+        <a:lumMod val="65000"/>
+        <a:lumOff val="35000"/>
+      </a:schemeClr>
+    </cs:fontRef>
+    <cs:defRPr sz="1197" kern="1200"/>
+  </cs:trendlineLabel>
+  <cs:upBar>
+    <cs:lnRef idx="0"/>
+    <cs:fillRef idx="0"/>
+    <cs:effectRef idx="0"/>
+    <cs:fontRef idx="minor">
+      <a:schemeClr val="dk1"/>
+    </cs:fontRef>
+    <cs:spPr>
+      <a:solidFill>
+        <a:schemeClr val="lt1"/>
+      </a:solidFill>
+      <a:ln w="9525" cap="flat" cmpd="sng" algn="ctr">
+        <a:solidFill>
+          <a:schemeClr val="dk1">
+            <a:lumMod val="65000"/>
+            <a:lumOff val="35000"/>
+          </a:schemeClr>
+        </a:solidFill>
+        <a:round/>
+      </a:ln>
+    </cs:spPr>
+  </cs:upBar>
+  <cs:valueAxis>
+    <cs:lnRef idx="0"/>
+    <cs:fillRef idx="0"/>
+    <cs:effectRef idx="0"/>
+    <cs:fontRef idx="minor">
+      <a:schemeClr val="dk1">
+        <a:lumMod val="65000"/>
+        <a:lumOff val="35000"/>
+      </a:schemeClr>
+    </cs:fontRef>
+    <cs:defRPr sz="1197" kern="1200"/>
+  </cs:valueAxis>
+  <cs:wall>
+    <cs:lnRef idx="0"/>
+    <cs:fillRef idx="0"/>
+    <cs:effectRef idx="0"/>
+    <cs:fontRef idx="minor">
+      <a:schemeClr val="dk1"/>
+    </cs:fontRef>
+  </cs:wall>
+</cs:chartStyle>
+</file>
+
 <file path=ppt/notesMasters/notesMaster1.xml><?xml version="1.0" encoding="utf-8"?>
 <p:notesMaster xmlns:a="http://schemas.openxmlformats.org/drawingml/2006/main" xmlns:r="http://schemas.openxmlformats.org/officeDocument/2006/relationships" xmlns:p="http://schemas.openxmlformats.org/presentationml/2006/main">
   <p:cSld>
@@ -220,7 +1042,7 @@
           <a:p>
             <a:fld id="{BE47421D-6B25-4D09-8162-8EA388836D4C}" type="datetimeFigureOut">
               <a:rPr lang="en-US" smtClean="0"/>
-              <a:t>7/1/2019</a:t>
+              <a:t>7/2/2019</a:t>
             </a:fld>
             <a:endParaRPr lang="en-US"/>
           </a:p>
@@ -637,7 +1459,7 @@
           <a:p>
             <a:fld id="{B71E07F1-449B-44C9-BD54-F5C07B09ED41}" type="datetime1">
               <a:rPr lang="en-US" smtClean="0"/>
-              <a:t>7/1/2019</a:t>
+              <a:t>7/2/2019</a:t>
             </a:fld>
             <a:endParaRPr lang="en-US"/>
           </a:p>
@@ -913,7 +1735,7 @@
           <a:p>
             <a:fld id="{D79EEBDE-3FA1-4063-B80D-915D5E4A78B1}" type="datetime1">
               <a:rPr lang="en-US" smtClean="0"/>
-              <a:t>7/1/2019</a:t>
+              <a:t>7/2/2019</a:t>
             </a:fld>
             <a:endParaRPr lang="en-US"/>
           </a:p>
@@ -1123,7 +1945,7 @@
           <a:p>
             <a:fld id="{353630B3-3CD1-4E3F-9E40-349197FCC2B7}" type="datetime1">
               <a:rPr lang="en-US" smtClean="0"/>
-              <a:t>7/1/2019</a:t>
+              <a:t>7/2/2019</a:t>
             </a:fld>
             <a:endParaRPr lang="en-US"/>
           </a:p>
@@ -1323,7 +2145,7 @@
           <a:p>
             <a:fld id="{24599511-F4D0-4114-BAA1-E622A7DA1467}" type="datetime1">
               <a:rPr lang="en-US" smtClean="0"/>
-              <a:t>7/1/2019</a:t>
+              <a:t>7/2/2019</a:t>
             </a:fld>
             <a:endParaRPr lang="en-US"/>
           </a:p>
@@ -1665,7 +2487,7 @@
           <a:p>
             <a:fld id="{B53D693C-CC4D-4420-83CB-F3E160B96F87}" type="datetime1">
               <a:rPr lang="en-US" smtClean="0"/>
-              <a:t>7/1/2019</a:t>
+              <a:t>7/2/2019</a:t>
             </a:fld>
             <a:endParaRPr lang="en-US"/>
           </a:p>
@@ -1933,7 +2755,7 @@
           <a:p>
             <a:fld id="{367EC864-8FCC-448A-BE17-39D9885DBBCA}" type="datetime1">
               <a:rPr lang="en-US" smtClean="0"/>
-              <a:t>7/1/2019</a:t>
+              <a:t>7/2/2019</a:t>
             </a:fld>
             <a:endParaRPr lang="en-US"/>
           </a:p>
@@ -2419,7 +3241,7 @@
           <a:p>
             <a:fld id="{C761778D-CD2C-459B-A136-243974ED1D6B}" type="datetime1">
               <a:rPr lang="en-US" smtClean="0"/>
-              <a:t>7/1/2019</a:t>
+              <a:t>7/2/2019</a:t>
             </a:fld>
             <a:endParaRPr lang="en-US"/>
           </a:p>
@@ -2561,7 +3383,7 @@
           <a:p>
             <a:fld id="{6C2D183E-439E-4D5A-9FCD-6954BE72083F}" type="datetime1">
               <a:rPr lang="en-US" smtClean="0"/>
-              <a:t>7/1/2019</a:t>
+              <a:t>7/2/2019</a:t>
             </a:fld>
             <a:endParaRPr lang="en-US"/>
           </a:p>
@@ -2674,7 +3496,7 @@
           <a:p>
             <a:fld id="{163580C6-060F-4634-B1A7-AFF51B63E4D2}" type="datetime1">
               <a:rPr lang="en-US" smtClean="0"/>
-              <a:t>7/1/2019</a:t>
+              <a:t>7/2/2019</a:t>
             </a:fld>
             <a:endParaRPr lang="en-US"/>
           </a:p>
@@ -2987,7 +3809,7 @@
           <a:p>
             <a:fld id="{9B3BBF64-0219-4289-BC1E-E296F521D572}" type="datetime1">
               <a:rPr lang="en-US" smtClean="0"/>
-              <a:t>7/1/2019</a:t>
+              <a:t>7/2/2019</a:t>
             </a:fld>
             <a:endParaRPr lang="en-US"/>
           </a:p>
@@ -3276,7 +4098,7 @@
           <a:p>
             <a:fld id="{C33C430B-6D56-4AA7-83BC-CDEA806B7089}" type="datetime1">
               <a:rPr lang="en-US" smtClean="0"/>
-              <a:t>7/1/2019</a:t>
+              <a:t>7/2/2019</a:t>
             </a:fld>
             <a:endParaRPr lang="en-US"/>
           </a:p>
@@ -3519,7 +4341,7 @@
           <a:p>
             <a:fld id="{A2DE2F3D-109B-4EFE-A3EA-B646ECF38A5C}" type="datetime1">
               <a:rPr lang="en-US" smtClean="0"/>
-              <a:t>7/1/2019</a:t>
+              <a:t>7/2/2019</a:t>
             </a:fld>
             <a:endParaRPr lang="en-US"/>
           </a:p>
@@ -4243,8 +5065,38 @@
         </p:blipFill>
         <p:spPr>
           <a:xfrm>
-            <a:off x="6944452" y="2684477"/>
-            <a:ext cx="4776240" cy="3582180"/>
+            <a:off x="5619400" y="1690688"/>
+            <a:ext cx="6101292" cy="4575969"/>
+          </a:xfrm>
+          <a:prstGeom prst="rect">
+            <a:avLst/>
+          </a:prstGeom>
+        </p:spPr>
+      </p:pic>
+      <p:pic>
+        <p:nvPicPr>
+          <p:cNvPr id="6" name="Grafik 5">
+            <a:extLst>
+              <a:ext uri="{FF2B5EF4-FFF2-40B4-BE49-F238E27FC236}">
+                <a16:creationId xmlns:a16="http://schemas.microsoft.com/office/drawing/2014/main" id="{E4BB4DFA-6D48-4520-9010-7EDE8E742BFB}"/>
+              </a:ext>
+            </a:extLst>
+          </p:cNvPr>
+          <p:cNvPicPr>
+            <a:picLocks noChangeAspect="1"/>
+          </p:cNvPicPr>
+          <p:nvPr/>
+        </p:nvPicPr>
+        <p:blipFill>
+          <a:blip r:embed="rId3"/>
+          <a:stretch>
+            <a:fillRect/>
+          </a:stretch>
+        </p:blipFill>
+        <p:spPr>
+          <a:xfrm>
+            <a:off x="789396" y="2910695"/>
+            <a:ext cx="4794671" cy="3582180"/>
           </a:xfrm>
           <a:prstGeom prst="rect">
             <a:avLst/>
@@ -4449,6 +5301,42 @@
           </a:p>
         </p:txBody>
       </p:sp>
+      <p:pic>
+        <p:nvPicPr>
+          <p:cNvPr id="6" name="Grafik 5">
+            <a:extLst>
+              <a:ext uri="{FF2B5EF4-FFF2-40B4-BE49-F238E27FC236}">
+                <a16:creationId xmlns:a16="http://schemas.microsoft.com/office/drawing/2014/main" id="{4F2F33D3-9069-4D4C-9516-E199B042BB8A}"/>
+              </a:ext>
+            </a:extLst>
+          </p:cNvPr>
+          <p:cNvPicPr>
+            <a:picLocks noChangeAspect="1"/>
+          </p:cNvPicPr>
+          <p:nvPr/>
+        </p:nvPicPr>
+        <p:blipFill>
+          <a:blip r:embed="rId2">
+            <a:extLst>
+              <a:ext uri="{28A0092B-C50C-407E-A947-70E740481C1C}">
+                <a14:useLocalDpi xmlns:a14="http://schemas.microsoft.com/office/drawing/2010/main" val="0"/>
+              </a:ext>
+            </a:extLst>
+          </a:blip>
+          <a:stretch>
+            <a:fillRect/>
+          </a:stretch>
+        </p:blipFill>
+        <p:spPr>
+          <a:xfrm>
+            <a:off x="5584723" y="1396182"/>
+            <a:ext cx="5844477" cy="4780782"/>
+          </a:xfrm>
+          <a:prstGeom prst="rect">
+            <a:avLst/>
+          </a:prstGeom>
+        </p:spPr>
+      </p:pic>
     </p:spTree>
     <p:extLst>
       <p:ext uri="{BB962C8B-B14F-4D97-AF65-F5344CB8AC3E}">
@@ -4481,10 +5369,10 @@
       </p:grpSpPr>
       <p:sp>
         <p:nvSpPr>
-          <p:cNvPr id="5" name="Titel 4">
-            <a:extLst>
-              <a:ext uri="{FF2B5EF4-FFF2-40B4-BE49-F238E27FC236}">
-                <a16:creationId xmlns:a16="http://schemas.microsoft.com/office/drawing/2014/main" id="{ACFF07FE-4BFA-4138-9A63-E2152340D587}"/>
+          <p:cNvPr id="2" name="Titel 1">
+            <a:extLst>
+              <a:ext uri="{FF2B5EF4-FFF2-40B4-BE49-F238E27FC236}">
+                <a16:creationId xmlns:a16="http://schemas.microsoft.com/office/drawing/2014/main" id="{D5928BB7-F736-403A-8148-D7C277B66138}"/>
               </a:ext>
             </a:extLst>
           </p:cNvPr>
@@ -4502,23 +5390,18 @@
           <a:p>
             <a:pPr algn="ctr"/>
             <a:r>
-              <a:rPr lang="de-DE" dirty="0"/>
-              <a:t>Hyperparameter: Grid </a:t>
-            </a:r>
-            <a:r>
-              <a:rPr lang="de-DE" dirty="0" err="1"/>
-              <a:t>search</a:t>
-            </a:r>
-            <a:endParaRPr lang="de-DE" dirty="0"/>
+              <a:rPr lang="en-US" dirty="0"/>
+              <a:t>Hyperparameter</a:t>
+            </a:r>
           </a:p>
         </p:txBody>
       </p:sp>
       <p:pic>
         <p:nvPicPr>
-          <p:cNvPr id="8" name="Inhaltsplatzhalter 7">
-            <a:extLst>
-              <a:ext uri="{FF2B5EF4-FFF2-40B4-BE49-F238E27FC236}">
-                <a16:creationId xmlns:a16="http://schemas.microsoft.com/office/drawing/2014/main" id="{DD13C4F1-21ED-4973-B770-7D5C0CD37A89}"/>
+          <p:cNvPr id="6" name="Inhaltsplatzhalter 5">
+            <a:extLst>
+              <a:ext uri="{FF2B5EF4-FFF2-40B4-BE49-F238E27FC236}">
+                <a16:creationId xmlns:a16="http://schemas.microsoft.com/office/drawing/2014/main" id="{67BCE079-D2DF-4BF4-BD70-8B1480456968}"/>
               </a:ext>
             </a:extLst>
           </p:cNvPr>
@@ -4526,55 +5409,26 @@
             <a:picLocks noGrp="1" noChangeAspect="1"/>
           </p:cNvPicPr>
           <p:nvPr>
-            <p:ph sz="half" idx="1"/>
+            <p:ph idx="1"/>
           </p:nvPr>
         </p:nvPicPr>
         <p:blipFill>
-          <a:blip r:embed="rId2"/>
+          <a:blip r:embed="rId2">
+            <a:extLst>
+              <a:ext uri="{28A0092B-C50C-407E-A947-70E740481C1C}">
+                <a14:useLocalDpi xmlns:a14="http://schemas.microsoft.com/office/drawing/2010/main" val="0"/>
+              </a:ext>
+            </a:extLst>
+          </a:blip>
           <a:stretch>
             <a:fillRect/>
           </a:stretch>
         </p:blipFill>
         <p:spPr>
           <a:xfrm>
-            <a:off x="1249491" y="2053453"/>
-            <a:ext cx="4359018" cy="3895682"/>
+            <a:off x="3287950" y="1573162"/>
+            <a:ext cx="5616099" cy="4593969"/>
           </a:xfrm>
-          <a:prstGeom prst="rect">
-            <a:avLst/>
-          </a:prstGeom>
-        </p:spPr>
-      </p:pic>
-      <p:pic>
-        <p:nvPicPr>
-          <p:cNvPr id="9" name="Inhaltsplatzhalter 8">
-            <a:extLst>
-              <a:ext uri="{FF2B5EF4-FFF2-40B4-BE49-F238E27FC236}">
-                <a16:creationId xmlns:a16="http://schemas.microsoft.com/office/drawing/2014/main" id="{D9478754-314A-47F3-8298-65235AA2C335}"/>
-              </a:ext>
-            </a:extLst>
-          </p:cNvPr>
-          <p:cNvPicPr>
-            <a:picLocks noGrp="1" noChangeAspect="1"/>
-          </p:cNvPicPr>
-          <p:nvPr>
-            <p:ph sz="half" idx="2"/>
-          </p:nvPr>
-        </p:nvPicPr>
-        <p:blipFill>
-          <a:blip r:embed="rId3"/>
-          <a:stretch>
-            <a:fillRect/>
-          </a:stretch>
-        </p:blipFill>
-        <p:spPr>
-          <a:xfrm>
-            <a:off x="6644456" y="2108322"/>
-            <a:ext cx="4237087" cy="3785944"/>
-          </a:xfrm>
-          <a:prstGeom prst="rect">
-            <a:avLst/>
-          </a:prstGeom>
         </p:spPr>
       </p:pic>
       <p:sp>
@@ -4582,7 +5436,7 @@
           <p:cNvPr id="4" name="Foliennummernplatzhalter 3">
             <a:extLst>
               <a:ext uri="{FF2B5EF4-FFF2-40B4-BE49-F238E27FC236}">
-                <a16:creationId xmlns:a16="http://schemas.microsoft.com/office/drawing/2014/main" id="{41274183-5DF6-42AA-9AF2-97B73CC23AA2}"/>
+                <a16:creationId xmlns:a16="http://schemas.microsoft.com/office/drawing/2014/main" id="{44CFEA97-8DE3-4EE5-BE9E-4910A307BF39}"/>
               </a:ext>
             </a:extLst>
           </p:cNvPr>
@@ -4609,7 +5463,7 @@
     </p:spTree>
     <p:extLst>
       <p:ext uri="{BB962C8B-B14F-4D97-AF65-F5344CB8AC3E}">
-        <p14:creationId xmlns:p14="http://schemas.microsoft.com/office/powerpoint/2010/main" val="1355063638"/>
+        <p14:creationId xmlns:p14="http://schemas.microsoft.com/office/powerpoint/2010/main" val="3319780062"/>
       </p:ext>
     </p:extLst>
   </p:cSld>
@@ -4641,7 +5495,7 @@
           <p:cNvPr id="2" name="Titel 1">
             <a:extLst>
               <a:ext uri="{FF2B5EF4-FFF2-40B4-BE49-F238E27FC236}">
-                <a16:creationId xmlns:a16="http://schemas.microsoft.com/office/drawing/2014/main" id="{5E3917E8-C5E2-4F20-AEFC-8A7FF8A5F443}"/>
+                <a16:creationId xmlns:a16="http://schemas.microsoft.com/office/drawing/2014/main" id="{78D063C6-82FD-42B7-9CA8-2140C8CFC3ED}"/>
               </a:ext>
             </a:extLst>
           </p:cNvPr>
@@ -4659,23 +5513,55 @@
           <a:p>
             <a:pPr algn="ctr"/>
             <a:r>
-              <a:rPr lang="de-DE" dirty="0"/>
-              <a:t>Hyperparameter: Grid </a:t>
-            </a:r>
-            <a:r>
-              <a:rPr lang="de-DE" dirty="0" err="1"/>
-              <a:t>search</a:t>
-            </a:r>
-            <a:endParaRPr lang="de-DE" dirty="0"/>
+              <a:rPr lang="en-US" dirty="0"/>
+              <a:t>Testing Dataset</a:t>
+            </a:r>
           </a:p>
         </p:txBody>
       </p:sp>
       <p:sp>
         <p:nvSpPr>
-          <p:cNvPr id="5" name="Foliennummernplatzhalter 4">
-            <a:extLst>
-              <a:ext uri="{FF2B5EF4-FFF2-40B4-BE49-F238E27FC236}">
-                <a16:creationId xmlns:a16="http://schemas.microsoft.com/office/drawing/2014/main" id="{80A4DD8A-DF34-4E71-A690-0584852C452E}"/>
+          <p:cNvPr id="3" name="Inhaltsplatzhalter 2">
+            <a:extLst>
+              <a:ext uri="{FF2B5EF4-FFF2-40B4-BE49-F238E27FC236}">
+                <a16:creationId xmlns:a16="http://schemas.microsoft.com/office/drawing/2014/main" id="{207ED216-F3FD-486D-8A29-606A0C6CB608}"/>
+              </a:ext>
+            </a:extLst>
+          </p:cNvPr>
+          <p:cNvSpPr>
+            <a:spLocks noGrp="1"/>
+          </p:cNvSpPr>
+          <p:nvPr>
+            <p:ph idx="1"/>
+          </p:nvPr>
+        </p:nvSpPr>
+        <p:spPr/>
+        <p:txBody>
+          <a:bodyPr/>
+          <a:lstStyle/>
+          <a:p>
+            <a:r>
+              <a:rPr lang="en-US" dirty="0"/>
+              <a:t>31827 residues</a:t>
+            </a:r>
+          </a:p>
+          <a:p>
+            <a:endParaRPr lang="en-US" dirty="0"/>
+          </a:p>
+          <a:p>
+            <a:r>
+              <a:rPr lang="en-US" dirty="0"/>
+              <a:t>No other information known</a:t>
+            </a:r>
+          </a:p>
+        </p:txBody>
+      </p:sp>
+      <p:sp>
+        <p:nvSpPr>
+          <p:cNvPr id="4" name="Foliennummernplatzhalter 3">
+            <a:extLst>
+              <a:ext uri="{FF2B5EF4-FFF2-40B4-BE49-F238E27FC236}">
+                <a16:creationId xmlns:a16="http://schemas.microsoft.com/office/drawing/2014/main" id="{5842A49C-7318-4E14-ABC9-729CE3AC47DC}"/>
               </a:ext>
             </a:extLst>
           </p:cNvPr>
@@ -4699,80 +5585,38 @@
           </a:p>
         </p:txBody>
       </p:sp>
-      <p:pic>
-        <p:nvPicPr>
-          <p:cNvPr id="6" name="WeightBinding.png" descr="WeightBinding.png">
-            <a:extLst>
-              <a:ext uri="{FF2B5EF4-FFF2-40B4-BE49-F238E27FC236}">
-                <a16:creationId xmlns:a16="http://schemas.microsoft.com/office/drawing/2014/main" id="{995238E6-4187-49DE-AE67-1E369E0B7125}"/>
-              </a:ext>
-            </a:extLst>
-          </p:cNvPr>
-          <p:cNvPicPr>
-            <a:picLocks noGrp="1" noChangeAspect="1"/>
-          </p:cNvPicPr>
+      <p:graphicFrame>
+        <p:nvGraphicFramePr>
+          <p:cNvPr id="7" name="Diagramm 6">
+            <a:extLst>
+              <a:ext uri="{FF2B5EF4-FFF2-40B4-BE49-F238E27FC236}">
+                <a16:creationId xmlns:a16="http://schemas.microsoft.com/office/drawing/2014/main" id="{D390DAA7-BDF0-4A48-B9AE-039DFF5D00A1}"/>
+              </a:ext>
+            </a:extLst>
+          </p:cNvPr>
+          <p:cNvGraphicFramePr/>
           <p:nvPr>
-            <p:ph sz="half" idx="1"/>
+            <p:extLst>
+              <p:ext uri="{D42A27DB-BD31-4B8C-83A1-F6EECF244321}">
+                <p14:modId xmlns:p14="http://schemas.microsoft.com/office/powerpoint/2010/main" val="369933093"/>
+              </p:ext>
+            </p:extLst>
           </p:nvPr>
-        </p:nvPicPr>
-        <p:blipFill>
-          <a:blip r:embed="rId2"/>
-          <a:stretch>
-            <a:fillRect/>
-          </a:stretch>
-        </p:blipFill>
-        <p:spPr>
-          <a:xfrm>
-            <a:off x="838200" y="2631408"/>
-            <a:ext cx="5181600" cy="2739771"/>
-          </a:xfrm>
-          <a:prstGeom prst="rect">
-            <a:avLst/>
-          </a:prstGeom>
-          <a:ln w="12700">
-            <a:miter lim="400000"/>
-          </a:ln>
-        </p:spPr>
-      </p:pic>
-      <p:pic>
-        <p:nvPicPr>
-          <p:cNvPr id="7" name="WeighNonBinding.png" descr="WeighNonBinding.png">
-            <a:extLst>
-              <a:ext uri="{FF2B5EF4-FFF2-40B4-BE49-F238E27FC236}">
-                <a16:creationId xmlns:a16="http://schemas.microsoft.com/office/drawing/2014/main" id="{077F4CB1-D396-4B8F-B6E9-6E47A270E277}"/>
-              </a:ext>
-            </a:extLst>
-          </p:cNvPr>
-          <p:cNvPicPr>
-            <a:picLocks noGrp="1" noChangeAspect="1"/>
-          </p:cNvPicPr>
-          <p:nvPr>
-            <p:ph sz="half" idx="2"/>
-          </p:nvPr>
-        </p:nvPicPr>
-        <p:blipFill>
-          <a:blip r:embed="rId3"/>
-          <a:stretch>
-            <a:fillRect/>
-          </a:stretch>
-        </p:blipFill>
-        <p:spPr>
-          <a:xfrm>
-            <a:off x="6172200" y="2631408"/>
-            <a:ext cx="5181600" cy="2739771"/>
-          </a:xfrm>
-          <a:prstGeom prst="rect">
-            <a:avLst/>
-          </a:prstGeom>
-          <a:ln w="12700">
-            <a:miter lim="400000"/>
-          </a:ln>
-        </p:spPr>
-      </p:pic>
+        </p:nvGraphicFramePr>
+        <p:xfrm>
+          <a:off x="6182954" y="1586809"/>
+          <a:ext cx="6419542" cy="4185246"/>
+        </p:xfrm>
+        <a:graphic>
+          <a:graphicData uri="http://schemas.openxmlformats.org/drawingml/2006/chart">
+            <c:chart xmlns:c="http://schemas.openxmlformats.org/drawingml/2006/chart" xmlns:r="http://schemas.openxmlformats.org/officeDocument/2006/relationships" r:id="rId2"/>
+          </a:graphicData>
+        </a:graphic>
+      </p:graphicFrame>
     </p:spTree>
     <p:extLst>
       <p:ext uri="{BB962C8B-B14F-4D97-AF65-F5344CB8AC3E}">
-        <p14:creationId xmlns:p14="http://schemas.microsoft.com/office/powerpoint/2010/main" val="3437600055"/>
+        <p14:creationId xmlns:p14="http://schemas.microsoft.com/office/powerpoint/2010/main" val="2599109697"/>
       </p:ext>
     </p:extLst>
   </p:cSld>
@@ -4804,297 +5648,6 @@
           <p:cNvPr id="2" name="Titel 1">
             <a:extLst>
               <a:ext uri="{FF2B5EF4-FFF2-40B4-BE49-F238E27FC236}">
-                <a16:creationId xmlns:a16="http://schemas.microsoft.com/office/drawing/2014/main" id="{BC47E63C-8BEB-46E4-A67C-028C263AB2BF}"/>
-              </a:ext>
-            </a:extLst>
-          </p:cNvPr>
-          <p:cNvSpPr>
-            <a:spLocks noGrp="1"/>
-          </p:cNvSpPr>
-          <p:nvPr>
-            <p:ph type="title"/>
-          </p:nvPr>
-        </p:nvSpPr>
-        <p:spPr/>
-        <p:txBody>
-          <a:bodyPr/>
-          <a:lstStyle/>
-          <a:p>
-            <a:pPr algn="ctr"/>
-            <a:r>
-              <a:rPr lang="de-DE" dirty="0"/>
-              <a:t>Hyperparameter: Grid </a:t>
-            </a:r>
-            <a:r>
-              <a:rPr lang="de-DE" dirty="0" err="1"/>
-              <a:t>search</a:t>
-            </a:r>
-            <a:endParaRPr lang="de-DE" dirty="0"/>
-          </a:p>
-        </p:txBody>
-      </p:sp>
-      <p:sp>
-        <p:nvSpPr>
-          <p:cNvPr id="5" name="Foliennummernplatzhalter 4">
-            <a:extLst>
-              <a:ext uri="{FF2B5EF4-FFF2-40B4-BE49-F238E27FC236}">
-                <a16:creationId xmlns:a16="http://schemas.microsoft.com/office/drawing/2014/main" id="{26C3A902-E35E-445D-A5DB-FFFA2DC59516}"/>
-              </a:ext>
-            </a:extLst>
-          </p:cNvPr>
-          <p:cNvSpPr>
-            <a:spLocks noGrp="1"/>
-          </p:cNvSpPr>
-          <p:nvPr>
-            <p:ph type="sldNum" sz="quarter" idx="12"/>
-          </p:nvPr>
-        </p:nvSpPr>
-        <p:spPr/>
-        <p:txBody>
-          <a:bodyPr/>
-          <a:lstStyle/>
-          <a:p>
-            <a:fld id="{CCAAE293-A3DA-4FFC-871C-7F0F209F7CB2}" type="slidenum">
-              <a:rPr lang="en-US" smtClean="0"/>
-              <a:t>14</a:t>
-            </a:fld>
-            <a:endParaRPr lang="en-US"/>
-          </a:p>
-        </p:txBody>
-      </p:sp>
-      <p:pic>
-        <p:nvPicPr>
-          <p:cNvPr id="6" name="HiddenNodes.png" descr="HiddenNodes.png">
-            <a:extLst>
-              <a:ext uri="{FF2B5EF4-FFF2-40B4-BE49-F238E27FC236}">
-                <a16:creationId xmlns:a16="http://schemas.microsoft.com/office/drawing/2014/main" id="{6AAC1D14-878D-4EAF-8D1E-4FF8F4C5CE69}"/>
-              </a:ext>
-            </a:extLst>
-          </p:cNvPr>
-          <p:cNvPicPr>
-            <a:picLocks noGrp="1" noChangeAspect="1"/>
-          </p:cNvPicPr>
-          <p:nvPr>
-            <p:ph sz="half" idx="1"/>
-          </p:nvPr>
-        </p:nvPicPr>
-        <p:blipFill>
-          <a:blip r:embed="rId2"/>
-          <a:stretch>
-            <a:fillRect/>
-          </a:stretch>
-        </p:blipFill>
-        <p:spPr>
-          <a:xfrm>
-            <a:off x="838200" y="2631408"/>
-            <a:ext cx="5181600" cy="2739771"/>
-          </a:xfrm>
-          <a:prstGeom prst="rect">
-            <a:avLst/>
-          </a:prstGeom>
-          <a:ln w="12700">
-            <a:miter lim="400000"/>
-          </a:ln>
-        </p:spPr>
-      </p:pic>
-      <p:pic>
-        <p:nvPicPr>
-          <p:cNvPr id="7" name="Epochs.png" descr="Epochs.png">
-            <a:extLst>
-              <a:ext uri="{FF2B5EF4-FFF2-40B4-BE49-F238E27FC236}">
-                <a16:creationId xmlns:a16="http://schemas.microsoft.com/office/drawing/2014/main" id="{32CB2DC2-A1B2-4011-B333-57BE2685A703}"/>
-              </a:ext>
-            </a:extLst>
-          </p:cNvPr>
-          <p:cNvPicPr>
-            <a:picLocks noGrp="1" noChangeAspect="1"/>
-          </p:cNvPicPr>
-          <p:nvPr>
-            <p:ph sz="half" idx="2"/>
-          </p:nvPr>
-        </p:nvPicPr>
-        <p:blipFill>
-          <a:blip r:embed="rId3"/>
-          <a:stretch>
-            <a:fillRect/>
-          </a:stretch>
-        </p:blipFill>
-        <p:spPr>
-          <a:xfrm>
-            <a:off x="6328685" y="1825625"/>
-            <a:ext cx="4868629" cy="4351338"/>
-          </a:xfrm>
-          <a:prstGeom prst="rect">
-            <a:avLst/>
-          </a:prstGeom>
-          <a:ln w="12700">
-            <a:miter lim="400000"/>
-          </a:ln>
-        </p:spPr>
-      </p:pic>
-    </p:spTree>
-    <p:extLst>
-      <p:ext uri="{BB962C8B-B14F-4D97-AF65-F5344CB8AC3E}">
-        <p14:creationId xmlns:p14="http://schemas.microsoft.com/office/powerpoint/2010/main" val="1367925957"/>
-      </p:ext>
-    </p:extLst>
-  </p:cSld>
-  <p:clrMapOvr>
-    <a:masterClrMapping/>
-  </p:clrMapOvr>
-</p:sld>
-</file>
-
-<file path=ppt/slides/slide15.xml><?xml version="1.0" encoding="utf-8"?>
-<p:sld xmlns:a="http://schemas.openxmlformats.org/drawingml/2006/main" xmlns:r="http://schemas.openxmlformats.org/officeDocument/2006/relationships" xmlns:p="http://schemas.openxmlformats.org/presentationml/2006/main">
-  <p:cSld>
-    <p:spTree>
-      <p:nvGrpSpPr>
-        <p:cNvPr id="1" name=""/>
-        <p:cNvGrpSpPr/>
-        <p:nvPr/>
-      </p:nvGrpSpPr>
-      <p:grpSpPr>
-        <a:xfrm>
-          <a:off x="0" y="0"/>
-          <a:ext cx="0" cy="0"/>
-          <a:chOff x="0" y="0"/>
-          <a:chExt cx="0" cy="0"/>
-        </a:xfrm>
-      </p:grpSpPr>
-      <p:sp>
-        <p:nvSpPr>
-          <p:cNvPr id="6" name="Titel 5">
-            <a:extLst>
-              <a:ext uri="{FF2B5EF4-FFF2-40B4-BE49-F238E27FC236}">
-                <a16:creationId xmlns:a16="http://schemas.microsoft.com/office/drawing/2014/main" id="{5640FC08-8FC1-473A-A9C2-14D8F8007C76}"/>
-              </a:ext>
-            </a:extLst>
-          </p:cNvPr>
-          <p:cNvSpPr>
-            <a:spLocks noGrp="1"/>
-          </p:cNvSpPr>
-          <p:nvPr>
-            <p:ph type="title"/>
-          </p:nvPr>
-        </p:nvSpPr>
-        <p:spPr/>
-        <p:txBody>
-          <a:bodyPr/>
-          <a:lstStyle/>
-          <a:p>
-            <a:pPr algn="ctr"/>
-            <a:r>
-              <a:rPr lang="de-DE" dirty="0"/>
-              <a:t>Hyperparameter: Grid </a:t>
-            </a:r>
-            <a:r>
-              <a:rPr lang="de-DE" dirty="0" err="1"/>
-              <a:t>search</a:t>
-            </a:r>
-            <a:endParaRPr lang="de-DE" dirty="0"/>
-          </a:p>
-        </p:txBody>
-      </p:sp>
-      <p:sp>
-        <p:nvSpPr>
-          <p:cNvPr id="5" name="Foliennummernplatzhalter 4">
-            <a:extLst>
-              <a:ext uri="{FF2B5EF4-FFF2-40B4-BE49-F238E27FC236}">
-                <a16:creationId xmlns:a16="http://schemas.microsoft.com/office/drawing/2014/main" id="{68D86FEF-829F-4780-8DAE-A88725F0C506}"/>
-              </a:ext>
-            </a:extLst>
-          </p:cNvPr>
-          <p:cNvSpPr>
-            <a:spLocks noGrp="1"/>
-          </p:cNvSpPr>
-          <p:nvPr>
-            <p:ph type="sldNum" sz="quarter" idx="12"/>
-          </p:nvPr>
-        </p:nvSpPr>
-        <p:spPr/>
-        <p:txBody>
-          <a:bodyPr/>
-          <a:lstStyle/>
-          <a:p>
-            <a:fld id="{CCAAE293-A3DA-4FFC-871C-7F0F209F7CB2}" type="slidenum">
-              <a:rPr lang="en-US" smtClean="0"/>
-              <a:t>15</a:t>
-            </a:fld>
-            <a:endParaRPr lang="en-US"/>
-          </a:p>
-        </p:txBody>
-      </p:sp>
-      <p:pic>
-        <p:nvPicPr>
-          <p:cNvPr id="8" name="BestCutoff.png" descr="BestCutoff.png">
-            <a:extLst>
-              <a:ext uri="{FF2B5EF4-FFF2-40B4-BE49-F238E27FC236}">
-                <a16:creationId xmlns:a16="http://schemas.microsoft.com/office/drawing/2014/main" id="{A6F39EBE-441F-4084-B4B7-A4F3853478A0}"/>
-              </a:ext>
-            </a:extLst>
-          </p:cNvPr>
-          <p:cNvPicPr>
-            <a:picLocks noGrp="1" noChangeAspect="1"/>
-          </p:cNvPicPr>
-          <p:nvPr>
-            <p:ph idx="1"/>
-          </p:nvPr>
-        </p:nvPicPr>
-        <p:blipFill>
-          <a:blip r:embed="rId2"/>
-          <a:stretch>
-            <a:fillRect/>
-          </a:stretch>
-        </p:blipFill>
-        <p:spPr>
-          <a:xfrm>
-            <a:off x="3661685" y="1825625"/>
-            <a:ext cx="4868629" cy="4351338"/>
-          </a:xfrm>
-          <a:prstGeom prst="rect">
-            <a:avLst/>
-          </a:prstGeom>
-          <a:ln w="12700">
-            <a:miter lim="400000"/>
-          </a:ln>
-        </p:spPr>
-      </p:pic>
-    </p:spTree>
-    <p:extLst>
-      <p:ext uri="{BB962C8B-B14F-4D97-AF65-F5344CB8AC3E}">
-        <p14:creationId xmlns:p14="http://schemas.microsoft.com/office/powerpoint/2010/main" val="130984706"/>
-      </p:ext>
-    </p:extLst>
-  </p:cSld>
-  <p:clrMapOvr>
-    <a:masterClrMapping/>
-  </p:clrMapOvr>
-</p:sld>
-</file>
-
-<file path=ppt/slides/slide16.xml><?xml version="1.0" encoding="utf-8"?>
-<p:sld xmlns:a="http://schemas.openxmlformats.org/drawingml/2006/main" xmlns:r="http://schemas.openxmlformats.org/officeDocument/2006/relationships" xmlns:p="http://schemas.openxmlformats.org/presentationml/2006/main">
-  <p:cSld>
-    <p:spTree>
-      <p:nvGrpSpPr>
-        <p:cNvPr id="1" name=""/>
-        <p:cNvGrpSpPr/>
-        <p:nvPr/>
-      </p:nvGrpSpPr>
-      <p:grpSpPr>
-        <a:xfrm>
-          <a:off x="0" y="0"/>
-          <a:ext cx="0" cy="0"/>
-          <a:chOff x="0" y="0"/>
-          <a:chExt cx="0" cy="0"/>
-        </a:xfrm>
-      </p:grpSpPr>
-      <p:sp>
-        <p:nvSpPr>
-          <p:cNvPr id="2" name="Titel 1">
-            <a:extLst>
-              <a:ext uri="{FF2B5EF4-FFF2-40B4-BE49-F238E27FC236}">
                 <a16:creationId xmlns:a16="http://schemas.microsoft.com/office/drawing/2014/main" id="{0DEB258A-EA2F-43B8-8736-0D3A0E6C84ED}"/>
               </a:ext>
             </a:extLst>
@@ -5185,7 +5738,7 @@
           <a:p>
             <a:fld id="{CCAAE293-A3DA-4FFC-871C-7F0F209F7CB2}" type="slidenum">
               <a:rPr lang="en-US" smtClean="0"/>
-              <a:t>16</a:t>
+              <a:t>14</a:t>
             </a:fld>
             <a:endParaRPr lang="en-US"/>
           </a:p>
@@ -5286,8 +5839,8 @@
         </p:nvSpPr>
         <p:spPr>
           <a:xfrm>
-            <a:off x="1019532" y="4195341"/>
-            <a:ext cx="4823669" cy="1754326"/>
+            <a:off x="1019532" y="3868639"/>
+            <a:ext cx="4823669" cy="2554545"/>
           </a:xfrm>
           <a:prstGeom prst="rect">
             <a:avLst/>
@@ -5302,35 +5855,46 @@
           <a:p>
             <a:pPr algn="ctr"/>
             <a:r>
-              <a:rPr lang="de-DE" dirty="0"/>
+              <a:rPr lang="de-DE" sz="2000" b="1" dirty="0"/>
               <a:t>Cross-validation:</a:t>
             </a:r>
           </a:p>
           <a:p>
             <a:pPr algn="ctr"/>
-            <a:endParaRPr lang="de-DE" dirty="0"/>
+            <a:endParaRPr lang="de-DE" sz="2000" dirty="0"/>
           </a:p>
           <a:p>
             <a:pPr algn="ctr"/>
             <a:r>
-              <a:rPr lang="en-US" dirty="0"/>
-              <a:t>MCC: 0.19 ± 0.06</a:t>
+              <a:rPr lang="en-US" sz="2000" dirty="0"/>
+              <a:t>MCC: 0.19 ± 0.01</a:t>
             </a:r>
           </a:p>
           <a:p>
             <a:pPr algn="ctr"/>
-            <a:endParaRPr lang="en-US" dirty="0"/>
+            <a:endParaRPr lang="en-US" sz="2000" dirty="0"/>
           </a:p>
           <a:p>
             <a:pPr algn="ctr"/>
             <a:r>
-              <a:rPr lang="en-US" dirty="0"/>
-              <a:t>F1-score:	0.19 ± 0.05</a:t>
+              <a:rPr lang="en-US" sz="2000" dirty="0"/>
+              <a:t>F1-score: 0.19 ± 0.01</a:t>
             </a:r>
           </a:p>
           <a:p>
             <a:pPr algn="ctr"/>
-            <a:endParaRPr lang="de-DE" dirty="0"/>
+            <a:endParaRPr lang="en-US" sz="2000" dirty="0"/>
+          </a:p>
+          <a:p>
+            <a:pPr algn="ctr"/>
+            <a:r>
+              <a:rPr lang="en-US" sz="2000" dirty="0"/>
+              <a:t>Precision: 0.4 ± 0.02</a:t>
+            </a:r>
+          </a:p>
+          <a:p>
+            <a:pPr algn="ctr"/>
+            <a:endParaRPr lang="de-DE" sz="2000" dirty="0"/>
           </a:p>
         </p:txBody>
       </p:sp>
@@ -5348,8 +5912,8 @@
         </p:nvSpPr>
         <p:spPr>
           <a:xfrm>
-            <a:off x="5843201" y="4195341"/>
-            <a:ext cx="4823669" cy="1754326"/>
+            <a:off x="5705549" y="3868639"/>
+            <a:ext cx="4823669" cy="2554545"/>
           </a:xfrm>
           <a:prstGeom prst="rect">
             <a:avLst/>
@@ -5364,39 +5928,50 @@
           <a:p>
             <a:pPr algn="ctr"/>
             <a:r>
-              <a:rPr lang="de-DE" dirty="0" err="1"/>
+              <a:rPr lang="de-DE" sz="2000" b="1" dirty="0" err="1"/>
               <a:t>Testset</a:t>
             </a:r>
             <a:r>
-              <a:rPr lang="de-DE" dirty="0"/>
+              <a:rPr lang="de-DE" sz="2000" b="1" dirty="0"/>
               <a:t>:</a:t>
             </a:r>
           </a:p>
           <a:p>
             <a:pPr algn="ctr"/>
-            <a:endParaRPr lang="de-DE" dirty="0"/>
+            <a:endParaRPr lang="de-DE" sz="2000" dirty="0"/>
           </a:p>
           <a:p>
             <a:pPr algn="ctr"/>
             <a:r>
-              <a:rPr lang="en-US" dirty="0"/>
+              <a:rPr lang="en-US" sz="2000" dirty="0"/>
               <a:t>MCC: 0.24 ± 0.01</a:t>
             </a:r>
           </a:p>
           <a:p>
             <a:pPr algn="ctr"/>
-            <a:endParaRPr lang="en-US" dirty="0"/>
+            <a:endParaRPr lang="en-US" sz="2000" dirty="0"/>
           </a:p>
           <a:p>
             <a:pPr algn="ctr"/>
             <a:r>
-              <a:rPr lang="en-US" dirty="0"/>
-              <a:t>F1-score:	0.24 ± 0.01</a:t>
+              <a:rPr lang="en-US" sz="2000" dirty="0"/>
+              <a:t>F1-score: 0.24 ± 0.01</a:t>
             </a:r>
           </a:p>
           <a:p>
             <a:pPr algn="ctr"/>
-            <a:endParaRPr lang="de-DE" dirty="0"/>
+            <a:endParaRPr lang="en-US" sz="2000" dirty="0"/>
+          </a:p>
+          <a:p>
+            <a:pPr algn="ctr"/>
+            <a:r>
+              <a:rPr lang="en-US" sz="2000" dirty="0"/>
+              <a:t>Precision: 0.5 ± 0.02</a:t>
+            </a:r>
+          </a:p>
+          <a:p>
+            <a:pPr algn="ctr"/>
+            <a:endParaRPr lang="de-DE" sz="2000" dirty="0"/>
           </a:p>
         </p:txBody>
       </p:sp>
@@ -5413,7 +5988,7 @@
 </p:sld>
 </file>
 
-<file path=ppt/slides/slide17.xml><?xml version="1.0" encoding="utf-8"?>
+<file path=ppt/slides/slide15.xml><?xml version="1.0" encoding="utf-8"?>
 <p:sld xmlns:a="http://schemas.openxmlformats.org/drawingml/2006/main" xmlns:r="http://schemas.openxmlformats.org/officeDocument/2006/relationships" xmlns:p="http://schemas.openxmlformats.org/presentationml/2006/main">
   <p:cSld>
     <p:spTree>
@@ -5826,7 +6401,7 @@
           <a:p>
             <a:fld id="{CCAAE293-A3DA-4FFC-871C-7F0F209F7CB2}" type="slidenum">
               <a:rPr lang="en-US" smtClean="0"/>
-              <a:t>17</a:t>
+              <a:t>15</a:t>
             </a:fld>
             <a:endParaRPr lang="en-US"/>
           </a:p>
@@ -5845,7 +6420,7 @@
 </p:sld>
 </file>
 
-<file path=ppt/slides/slide18.xml><?xml version="1.0" encoding="utf-8"?>
+<file path=ppt/slides/slide16.xml><?xml version="1.0" encoding="utf-8"?>
 <p:sld xmlns:a="http://schemas.openxmlformats.org/drawingml/2006/main" xmlns:r="http://schemas.openxmlformats.org/officeDocument/2006/relationships" xmlns:p="http://schemas.openxmlformats.org/presentationml/2006/main">
   <p:cSld>
     <p:spTree>
@@ -5940,7 +6515,7 @@
           <a:p>
             <a:fld id="{CCAAE293-A3DA-4FFC-871C-7F0F209F7CB2}" type="slidenum">
               <a:rPr lang="en-US" smtClean="0"/>
-              <a:t>18</a:t>
+              <a:t>16</a:t>
             </a:fld>
             <a:endParaRPr lang="en-US"/>
           </a:p>
@@ -6445,7 +7020,7 @@
 </p:sld>
 </file>
 
-<file path=ppt/slides/slide19.xml><?xml version="1.0" encoding="utf-8"?>
+<file path=ppt/slides/slide17.xml><?xml version="1.0" encoding="utf-8"?>
 <p:sld xmlns:a="http://schemas.openxmlformats.org/drawingml/2006/main" xmlns:r="http://schemas.openxmlformats.org/officeDocument/2006/relationships" xmlns:p="http://schemas.openxmlformats.org/presentationml/2006/main">
   <p:cSld>
     <p:spTree>
@@ -6525,7 +7100,7 @@
           <a:p>
             <a:fld id="{CCAAE293-A3DA-4FFC-871C-7F0F209F7CB2}" type="slidenum">
               <a:rPr lang="en-US" smtClean="0"/>
-              <a:t>19</a:t>
+              <a:t>17</a:t>
             </a:fld>
             <a:endParaRPr lang="en-US"/>
           </a:p>
@@ -6581,153 +7156,7 @@
 </p:sld>
 </file>
 
-<file path=ppt/slides/slide2.xml><?xml version="1.0" encoding="utf-8"?>
-<p:sld xmlns:a="http://schemas.openxmlformats.org/drawingml/2006/main" xmlns:r="http://schemas.openxmlformats.org/officeDocument/2006/relationships" xmlns:p="http://schemas.openxmlformats.org/presentationml/2006/main">
-  <p:cSld>
-    <p:spTree>
-      <p:nvGrpSpPr>
-        <p:cNvPr id="1" name=""/>
-        <p:cNvGrpSpPr/>
-        <p:nvPr/>
-      </p:nvGrpSpPr>
-      <p:grpSpPr>
-        <a:xfrm>
-          <a:off x="0" y="0"/>
-          <a:ext cx="0" cy="0"/>
-          <a:chOff x="0" y="0"/>
-          <a:chExt cx="0" cy="0"/>
-        </a:xfrm>
-      </p:grpSpPr>
-      <p:sp>
-        <p:nvSpPr>
-          <p:cNvPr id="2" name="Titel 1">
-            <a:extLst>
-              <a:ext uri="{FF2B5EF4-FFF2-40B4-BE49-F238E27FC236}">
-                <a16:creationId xmlns:a16="http://schemas.microsoft.com/office/drawing/2014/main" id="{F9CD20AA-91B5-4158-923D-AF0E8C740F43}"/>
-              </a:ext>
-            </a:extLst>
-          </p:cNvPr>
-          <p:cNvSpPr>
-            <a:spLocks noGrp="1"/>
-          </p:cNvSpPr>
-          <p:nvPr>
-            <p:ph type="title"/>
-          </p:nvPr>
-        </p:nvSpPr>
-        <p:spPr/>
-        <p:txBody>
-          <a:bodyPr/>
-          <a:lstStyle/>
-          <a:p>
-            <a:pPr algn="ctr"/>
-            <a:r>
-              <a:rPr lang="de-DE" dirty="0"/>
-              <a:t>Outline</a:t>
-            </a:r>
-          </a:p>
-        </p:txBody>
-      </p:sp>
-      <p:sp>
-        <p:nvSpPr>
-          <p:cNvPr id="3" name="Inhaltsplatzhalter 2">
-            <a:extLst>
-              <a:ext uri="{FF2B5EF4-FFF2-40B4-BE49-F238E27FC236}">
-                <a16:creationId xmlns:a16="http://schemas.microsoft.com/office/drawing/2014/main" id="{34D02058-2A45-4C57-9888-15A9F46BB3A6}"/>
-              </a:ext>
-            </a:extLst>
-          </p:cNvPr>
-          <p:cNvSpPr>
-            <a:spLocks noGrp="1"/>
-          </p:cNvSpPr>
-          <p:nvPr>
-            <p:ph idx="1"/>
-          </p:nvPr>
-        </p:nvSpPr>
-        <p:spPr/>
-        <p:txBody>
-          <a:bodyPr/>
-          <a:lstStyle/>
-          <a:p>
-            <a:r>
-              <a:rPr lang="de-DE" dirty="0"/>
-              <a:t>Feature</a:t>
-            </a:r>
-          </a:p>
-          <a:p>
-            <a:endParaRPr lang="de-DE" dirty="0"/>
-          </a:p>
-          <a:p>
-            <a:r>
-              <a:rPr lang="de-DE" dirty="0" err="1"/>
-              <a:t>Algorithm</a:t>
-            </a:r>
-            <a:r>
-              <a:rPr lang="de-DE" dirty="0"/>
-              <a:t> </a:t>
-            </a:r>
-            <a:r>
-              <a:rPr lang="de-DE" dirty="0" err="1"/>
-              <a:t>structure</a:t>
-            </a:r>
-            <a:r>
-              <a:rPr lang="de-DE" dirty="0"/>
-              <a:t> and Hyperparameters</a:t>
-            </a:r>
-          </a:p>
-          <a:p>
-            <a:endParaRPr lang="de-DE" dirty="0"/>
-          </a:p>
-          <a:p>
-            <a:r>
-              <a:rPr lang="de-DE" dirty="0"/>
-              <a:t> Performance</a:t>
-            </a:r>
-          </a:p>
-        </p:txBody>
-      </p:sp>
-      <p:sp>
-        <p:nvSpPr>
-          <p:cNvPr id="4" name="Foliennummernplatzhalter 3">
-            <a:extLst>
-              <a:ext uri="{FF2B5EF4-FFF2-40B4-BE49-F238E27FC236}">
-                <a16:creationId xmlns:a16="http://schemas.microsoft.com/office/drawing/2014/main" id="{C40F9798-9367-4AE8-91DF-E1FE6C05B5A7}"/>
-              </a:ext>
-            </a:extLst>
-          </p:cNvPr>
-          <p:cNvSpPr>
-            <a:spLocks noGrp="1"/>
-          </p:cNvSpPr>
-          <p:nvPr>
-            <p:ph type="sldNum" sz="quarter" idx="12"/>
-          </p:nvPr>
-        </p:nvSpPr>
-        <p:spPr/>
-        <p:txBody>
-          <a:bodyPr/>
-          <a:lstStyle/>
-          <a:p>
-            <a:fld id="{CCAAE293-A3DA-4FFC-871C-7F0F209F7CB2}" type="slidenum">
-              <a:rPr lang="en-US" smtClean="0"/>
-              <a:t>2</a:t>
-            </a:fld>
-            <a:endParaRPr lang="en-US"/>
-          </a:p>
-        </p:txBody>
-      </p:sp>
-    </p:spTree>
-    <p:extLst>
-      <p:ext uri="{BB962C8B-B14F-4D97-AF65-F5344CB8AC3E}">
-        <p14:creationId xmlns:p14="http://schemas.microsoft.com/office/powerpoint/2010/main" val="3125192918"/>
-      </p:ext>
-    </p:extLst>
-  </p:cSld>
-  <p:clrMapOvr>
-    <a:masterClrMapping/>
-  </p:clrMapOvr>
-</p:sld>
-</file>
-
-<file path=ppt/slides/slide20.xml><?xml version="1.0" encoding="utf-8"?>
+<file path=ppt/slides/slide18.xml><?xml version="1.0" encoding="utf-8"?>
 <p:sld xmlns:a="http://schemas.openxmlformats.org/drawingml/2006/main" xmlns:r="http://schemas.openxmlformats.org/officeDocument/2006/relationships" xmlns:p="http://schemas.openxmlformats.org/presentationml/2006/main">
   <p:cSld>
     <p:spTree>
@@ -6767,7 +7196,7 @@
           <a:p>
             <a:fld id="{CCAAE293-A3DA-4FFC-871C-7F0F209F7CB2}" type="slidenum">
               <a:rPr lang="en-US" smtClean="0"/>
-              <a:t>20</a:t>
+              <a:t>18</a:t>
             </a:fld>
             <a:endParaRPr lang="en-US"/>
           </a:p>
@@ -6873,6 +7302,471 @@
 </p:sld>
 </file>
 
+<file path=ppt/slides/slide19.xml><?xml version="1.0" encoding="utf-8"?>
+<p:sld xmlns:a="http://schemas.openxmlformats.org/drawingml/2006/main" xmlns:r="http://schemas.openxmlformats.org/officeDocument/2006/relationships" xmlns:p="http://schemas.openxmlformats.org/presentationml/2006/main">
+  <p:cSld>
+    <p:spTree>
+      <p:nvGrpSpPr>
+        <p:cNvPr id="1" name=""/>
+        <p:cNvGrpSpPr/>
+        <p:nvPr/>
+      </p:nvGrpSpPr>
+      <p:grpSpPr>
+        <a:xfrm>
+          <a:off x="0" y="0"/>
+          <a:ext cx="0" cy="0"/>
+          <a:chOff x="0" y="0"/>
+          <a:chExt cx="0" cy="0"/>
+        </a:xfrm>
+      </p:grpSpPr>
+      <p:sp>
+        <p:nvSpPr>
+          <p:cNvPr id="2" name="Title 1">
+            <a:extLst>
+              <a:ext uri="{FF2B5EF4-FFF2-40B4-BE49-F238E27FC236}">
+                <a16:creationId xmlns:a16="http://schemas.microsoft.com/office/drawing/2014/main" id="{001AF39E-1616-4458-B383-32A4EFFBC15A}"/>
+              </a:ext>
+            </a:extLst>
+          </p:cNvPr>
+          <p:cNvSpPr>
+            <a:spLocks noGrp="1"/>
+          </p:cNvSpPr>
+          <p:nvPr>
+            <p:ph type="title"/>
+          </p:nvPr>
+        </p:nvSpPr>
+        <p:spPr>
+          <a:xfrm>
+            <a:off x="838200" y="365125"/>
+            <a:ext cx="10515600" cy="1325563"/>
+          </a:xfrm>
+        </p:spPr>
+        <p:txBody>
+          <a:bodyPr/>
+          <a:lstStyle/>
+          <a:p>
+            <a:pPr algn="ctr"/>
+            <a:r>
+              <a:rPr lang="de-DE" dirty="0"/>
+              <a:t>Testing </a:t>
+            </a:r>
+            <a:r>
+              <a:rPr lang="de-DE"/>
+              <a:t>for overfitting</a:t>
+            </a:r>
+            <a:endParaRPr lang="en-GB" dirty="0"/>
+          </a:p>
+        </p:txBody>
+      </p:sp>
+      <p:pic>
+        <p:nvPicPr>
+          <p:cNvPr id="6" name="Content Placeholder 5">
+            <a:extLst>
+              <a:ext uri="{FF2B5EF4-FFF2-40B4-BE49-F238E27FC236}">
+                <a16:creationId xmlns:a16="http://schemas.microsoft.com/office/drawing/2014/main" id="{25C075C5-BDCF-496D-BED7-16EC905C951B}"/>
+              </a:ext>
+            </a:extLst>
+          </p:cNvPr>
+          <p:cNvPicPr>
+            <a:picLocks noGrp="1" noChangeAspect="1"/>
+          </p:cNvPicPr>
+          <p:nvPr>
+            <p:ph idx="1"/>
+          </p:nvPr>
+        </p:nvPicPr>
+        <p:blipFill>
+          <a:blip r:embed="rId2">
+            <a:extLst>
+              <a:ext uri="{28A0092B-C50C-407E-A947-70E740481C1C}">
+                <a14:useLocalDpi xmlns:a14="http://schemas.microsoft.com/office/drawing/2010/main" val="0"/>
+              </a:ext>
+            </a:extLst>
+          </a:blip>
+          <a:stretch>
+            <a:fillRect/>
+          </a:stretch>
+        </p:blipFill>
+        <p:spPr>
+          <a:xfrm>
+            <a:off x="269941" y="1371915"/>
+            <a:ext cx="6261488" cy="4351338"/>
+          </a:xfrm>
+        </p:spPr>
+      </p:pic>
+      <p:sp>
+        <p:nvSpPr>
+          <p:cNvPr id="4" name="Slide Number Placeholder 3">
+            <a:extLst>
+              <a:ext uri="{FF2B5EF4-FFF2-40B4-BE49-F238E27FC236}">
+                <a16:creationId xmlns:a16="http://schemas.microsoft.com/office/drawing/2014/main" id="{F8505AD8-0AE0-44EE-B9DA-DF7F5B75F34C}"/>
+              </a:ext>
+            </a:extLst>
+          </p:cNvPr>
+          <p:cNvSpPr>
+            <a:spLocks noGrp="1"/>
+          </p:cNvSpPr>
+          <p:nvPr>
+            <p:ph type="sldNum" sz="quarter" idx="12"/>
+          </p:nvPr>
+        </p:nvSpPr>
+        <p:spPr>
+          <a:xfrm>
+            <a:off x="8610600" y="6356350"/>
+            <a:ext cx="2743200" cy="365125"/>
+          </a:xfrm>
+        </p:spPr>
+        <p:txBody>
+          <a:bodyPr/>
+          <a:lstStyle/>
+          <a:p>
+            <a:fld id="{CCAAE293-A3DA-4FFC-871C-7F0F209F7CB2}" type="slidenum">
+              <a:rPr lang="en-US" smtClean="0"/>
+              <a:t>19</a:t>
+            </a:fld>
+            <a:endParaRPr lang="en-US"/>
+          </a:p>
+        </p:txBody>
+      </p:sp>
+      <p:pic>
+        <p:nvPicPr>
+          <p:cNvPr id="8" name="Picture 7">
+            <a:extLst>
+              <a:ext uri="{FF2B5EF4-FFF2-40B4-BE49-F238E27FC236}">
+                <a16:creationId xmlns:a16="http://schemas.microsoft.com/office/drawing/2014/main" id="{F1215526-4599-4C4C-92F5-9BDF9AD3A98B}"/>
+              </a:ext>
+            </a:extLst>
+          </p:cNvPr>
+          <p:cNvPicPr>
+            <a:picLocks noChangeAspect="1"/>
+          </p:cNvPicPr>
+          <p:nvPr/>
+        </p:nvPicPr>
+        <p:blipFill>
+          <a:blip r:embed="rId3">
+            <a:extLst>
+              <a:ext uri="{28A0092B-C50C-407E-A947-70E740481C1C}">
+                <a14:useLocalDpi xmlns:a14="http://schemas.microsoft.com/office/drawing/2010/main" val="0"/>
+              </a:ext>
+            </a:extLst>
+          </a:blip>
+          <a:stretch>
+            <a:fillRect/>
+          </a:stretch>
+        </p:blipFill>
+        <p:spPr>
+          <a:xfrm>
+            <a:off x="6209198" y="1371915"/>
+            <a:ext cx="5982801" cy="4370841"/>
+          </a:xfrm>
+          <a:prstGeom prst="rect">
+            <a:avLst/>
+          </a:prstGeom>
+        </p:spPr>
+      </p:pic>
+    </p:spTree>
+    <p:extLst>
+      <p:ext uri="{BB962C8B-B14F-4D97-AF65-F5344CB8AC3E}">
+        <p14:creationId xmlns:p14="http://schemas.microsoft.com/office/powerpoint/2010/main" val="3242295772"/>
+      </p:ext>
+    </p:extLst>
+  </p:cSld>
+  <p:clrMapOvr>
+    <a:masterClrMapping/>
+  </p:clrMapOvr>
+</p:sld>
+</file>
+
+<file path=ppt/slides/slide2.xml><?xml version="1.0" encoding="utf-8"?>
+<p:sld xmlns:a="http://schemas.openxmlformats.org/drawingml/2006/main" xmlns:r="http://schemas.openxmlformats.org/officeDocument/2006/relationships" xmlns:p="http://schemas.openxmlformats.org/presentationml/2006/main">
+  <p:cSld>
+    <p:spTree>
+      <p:nvGrpSpPr>
+        <p:cNvPr id="1" name=""/>
+        <p:cNvGrpSpPr/>
+        <p:nvPr/>
+      </p:nvGrpSpPr>
+      <p:grpSpPr>
+        <a:xfrm>
+          <a:off x="0" y="0"/>
+          <a:ext cx="0" cy="0"/>
+          <a:chOff x="0" y="0"/>
+          <a:chExt cx="0" cy="0"/>
+        </a:xfrm>
+      </p:grpSpPr>
+      <p:sp>
+        <p:nvSpPr>
+          <p:cNvPr id="2" name="Titel 1">
+            <a:extLst>
+              <a:ext uri="{FF2B5EF4-FFF2-40B4-BE49-F238E27FC236}">
+                <a16:creationId xmlns:a16="http://schemas.microsoft.com/office/drawing/2014/main" id="{F9CD20AA-91B5-4158-923D-AF0E8C740F43}"/>
+              </a:ext>
+            </a:extLst>
+          </p:cNvPr>
+          <p:cNvSpPr>
+            <a:spLocks noGrp="1"/>
+          </p:cNvSpPr>
+          <p:nvPr>
+            <p:ph type="title"/>
+          </p:nvPr>
+        </p:nvSpPr>
+        <p:spPr/>
+        <p:txBody>
+          <a:bodyPr/>
+          <a:lstStyle/>
+          <a:p>
+            <a:pPr algn="ctr"/>
+            <a:r>
+              <a:rPr lang="de-DE" dirty="0"/>
+              <a:t>Outline</a:t>
+            </a:r>
+          </a:p>
+        </p:txBody>
+      </p:sp>
+      <p:sp>
+        <p:nvSpPr>
+          <p:cNvPr id="3" name="Inhaltsplatzhalter 2">
+            <a:extLst>
+              <a:ext uri="{FF2B5EF4-FFF2-40B4-BE49-F238E27FC236}">
+                <a16:creationId xmlns:a16="http://schemas.microsoft.com/office/drawing/2014/main" id="{34D02058-2A45-4C57-9888-15A9F46BB3A6}"/>
+              </a:ext>
+            </a:extLst>
+          </p:cNvPr>
+          <p:cNvSpPr>
+            <a:spLocks noGrp="1"/>
+          </p:cNvSpPr>
+          <p:nvPr>
+            <p:ph idx="1"/>
+          </p:nvPr>
+        </p:nvSpPr>
+        <p:spPr/>
+        <p:txBody>
+          <a:bodyPr/>
+          <a:lstStyle/>
+          <a:p>
+            <a:r>
+              <a:rPr lang="de-DE" dirty="0"/>
+              <a:t>Feature</a:t>
+            </a:r>
+          </a:p>
+          <a:p>
+            <a:endParaRPr lang="de-DE" dirty="0"/>
+          </a:p>
+          <a:p>
+            <a:r>
+              <a:rPr lang="de-DE" dirty="0" err="1"/>
+              <a:t>Algorithm</a:t>
+            </a:r>
+            <a:r>
+              <a:rPr lang="de-DE" dirty="0"/>
+              <a:t> </a:t>
+            </a:r>
+            <a:r>
+              <a:rPr lang="de-DE" dirty="0" err="1"/>
+              <a:t>structure</a:t>
+            </a:r>
+            <a:r>
+              <a:rPr lang="de-DE" dirty="0"/>
+              <a:t> and Hyperparameters</a:t>
+            </a:r>
+          </a:p>
+          <a:p>
+            <a:endParaRPr lang="de-DE" dirty="0"/>
+          </a:p>
+          <a:p>
+            <a:r>
+              <a:rPr lang="de-DE" dirty="0"/>
+              <a:t> Performance</a:t>
+            </a:r>
+          </a:p>
+        </p:txBody>
+      </p:sp>
+      <p:sp>
+        <p:nvSpPr>
+          <p:cNvPr id="4" name="Foliennummernplatzhalter 3">
+            <a:extLst>
+              <a:ext uri="{FF2B5EF4-FFF2-40B4-BE49-F238E27FC236}">
+                <a16:creationId xmlns:a16="http://schemas.microsoft.com/office/drawing/2014/main" id="{C40F9798-9367-4AE8-91DF-E1FE6C05B5A7}"/>
+              </a:ext>
+            </a:extLst>
+          </p:cNvPr>
+          <p:cNvSpPr>
+            <a:spLocks noGrp="1"/>
+          </p:cNvSpPr>
+          <p:nvPr>
+            <p:ph type="sldNum" sz="quarter" idx="12"/>
+          </p:nvPr>
+        </p:nvSpPr>
+        <p:spPr/>
+        <p:txBody>
+          <a:bodyPr/>
+          <a:lstStyle/>
+          <a:p>
+            <a:fld id="{CCAAE293-A3DA-4FFC-871C-7F0F209F7CB2}" type="slidenum">
+              <a:rPr lang="en-US" smtClean="0"/>
+              <a:t>2</a:t>
+            </a:fld>
+            <a:endParaRPr lang="en-US"/>
+          </a:p>
+        </p:txBody>
+      </p:sp>
+    </p:spTree>
+    <p:extLst>
+      <p:ext uri="{BB962C8B-B14F-4D97-AF65-F5344CB8AC3E}">
+        <p14:creationId xmlns:p14="http://schemas.microsoft.com/office/powerpoint/2010/main" val="3125192918"/>
+      </p:ext>
+    </p:extLst>
+  </p:cSld>
+  <p:clrMapOvr>
+    <a:masterClrMapping/>
+  </p:clrMapOvr>
+</p:sld>
+</file>
+
+<file path=ppt/slides/slide20.xml><?xml version="1.0" encoding="utf-8"?>
+<p:sld xmlns:a="http://schemas.openxmlformats.org/drawingml/2006/main" xmlns:r="http://schemas.openxmlformats.org/officeDocument/2006/relationships" xmlns:p="http://schemas.openxmlformats.org/presentationml/2006/main">
+  <p:cSld>
+    <p:spTree>
+      <p:nvGrpSpPr>
+        <p:cNvPr id="1" name=""/>
+        <p:cNvGrpSpPr/>
+        <p:nvPr/>
+      </p:nvGrpSpPr>
+      <p:grpSpPr>
+        <a:xfrm>
+          <a:off x="0" y="0"/>
+          <a:ext cx="0" cy="0"/>
+          <a:chOff x="0" y="0"/>
+          <a:chExt cx="0" cy="0"/>
+        </a:xfrm>
+      </p:grpSpPr>
+      <p:sp>
+        <p:nvSpPr>
+          <p:cNvPr id="2" name="Titel 1">
+            <a:extLst>
+              <a:ext uri="{FF2B5EF4-FFF2-40B4-BE49-F238E27FC236}">
+                <a16:creationId xmlns:a16="http://schemas.microsoft.com/office/drawing/2014/main" id="{0A1CFA08-33E9-4E06-B481-DDF49C7CE225}"/>
+              </a:ext>
+            </a:extLst>
+          </p:cNvPr>
+          <p:cNvSpPr>
+            <a:spLocks noGrp="1"/>
+          </p:cNvSpPr>
+          <p:nvPr>
+            <p:ph type="title"/>
+          </p:nvPr>
+        </p:nvSpPr>
+        <p:spPr/>
+        <p:txBody>
+          <a:bodyPr/>
+          <a:lstStyle/>
+          <a:p>
+            <a:pPr algn="ctr"/>
+            <a:r>
+              <a:rPr lang="de-DE" dirty="0" err="1"/>
+              <a:t>Thank</a:t>
+            </a:r>
+            <a:r>
+              <a:rPr lang="de-DE" dirty="0"/>
+              <a:t> </a:t>
+            </a:r>
+            <a:r>
+              <a:rPr lang="de-DE" dirty="0" err="1"/>
+              <a:t>you</a:t>
+            </a:r>
+            <a:r>
+              <a:rPr lang="de-DE" dirty="0"/>
+              <a:t>!</a:t>
+            </a:r>
+          </a:p>
+        </p:txBody>
+      </p:sp>
+      <p:sp>
+        <p:nvSpPr>
+          <p:cNvPr id="3" name="Inhaltsplatzhalter 2">
+            <a:extLst>
+              <a:ext uri="{FF2B5EF4-FFF2-40B4-BE49-F238E27FC236}">
+                <a16:creationId xmlns:a16="http://schemas.microsoft.com/office/drawing/2014/main" id="{D1ED0091-A0CC-4522-A4E1-99602C92F687}"/>
+              </a:ext>
+            </a:extLst>
+          </p:cNvPr>
+          <p:cNvSpPr>
+            <a:spLocks noGrp="1"/>
+          </p:cNvSpPr>
+          <p:nvPr>
+            <p:ph idx="1"/>
+          </p:nvPr>
+        </p:nvSpPr>
+        <p:spPr/>
+        <p:txBody>
+          <a:bodyPr>
+            <a:normAutofit/>
+          </a:bodyPr>
+          <a:lstStyle/>
+          <a:p>
+            <a:pPr marL="0" indent="0" algn="ctr">
+              <a:buNone/>
+            </a:pPr>
+            <a:endParaRPr lang="de-DE" sz="3600" dirty="0"/>
+          </a:p>
+          <a:p>
+            <a:pPr marL="0" indent="0" algn="ctr">
+              <a:buNone/>
+            </a:pPr>
+            <a:endParaRPr lang="de-DE" sz="3600" dirty="0"/>
+          </a:p>
+          <a:p>
+            <a:pPr marL="0" indent="0" algn="ctr">
+              <a:buNone/>
+            </a:pPr>
+            <a:r>
+              <a:rPr lang="de-DE" sz="3600" dirty="0"/>
+              <a:t>Questions?</a:t>
+            </a:r>
+          </a:p>
+        </p:txBody>
+      </p:sp>
+      <p:sp>
+        <p:nvSpPr>
+          <p:cNvPr id="4" name="Foliennummernplatzhalter 3">
+            <a:extLst>
+              <a:ext uri="{FF2B5EF4-FFF2-40B4-BE49-F238E27FC236}">
+                <a16:creationId xmlns:a16="http://schemas.microsoft.com/office/drawing/2014/main" id="{6FE2A71F-4FFC-484B-93E3-04D170029A13}"/>
+              </a:ext>
+            </a:extLst>
+          </p:cNvPr>
+          <p:cNvSpPr>
+            <a:spLocks noGrp="1"/>
+          </p:cNvSpPr>
+          <p:nvPr>
+            <p:ph type="sldNum" sz="quarter" idx="12"/>
+          </p:nvPr>
+        </p:nvSpPr>
+        <p:spPr/>
+        <p:txBody>
+          <a:bodyPr/>
+          <a:lstStyle/>
+          <a:p>
+            <a:fld id="{CCAAE293-A3DA-4FFC-871C-7F0F209F7CB2}" type="slidenum">
+              <a:rPr lang="en-US" smtClean="0"/>
+              <a:t>20</a:t>
+            </a:fld>
+            <a:endParaRPr lang="en-US"/>
+          </a:p>
+        </p:txBody>
+      </p:sp>
+    </p:spTree>
+    <p:extLst>
+      <p:ext uri="{BB962C8B-B14F-4D97-AF65-F5344CB8AC3E}">
+        <p14:creationId xmlns:p14="http://schemas.microsoft.com/office/powerpoint/2010/main" val="1520254085"/>
+      </p:ext>
+    </p:extLst>
+  </p:cSld>
+  <p:clrMapOvr>
+    <a:masterClrMapping/>
+  </p:clrMapOvr>
+</p:sld>
+</file>
+
 <file path=ppt/slides/slide21.xml><?xml version="1.0" encoding="utf-8"?>
 <p:sld xmlns:a="http://schemas.openxmlformats.org/drawingml/2006/main" xmlns:r="http://schemas.openxmlformats.org/officeDocument/2006/relationships" xmlns:p="http://schemas.openxmlformats.org/presentationml/2006/main">
   <p:cSld>
@@ -6892,10 +7786,10 @@
       </p:grpSpPr>
       <p:sp>
         <p:nvSpPr>
-          <p:cNvPr id="2" name="Title 1">
-            <a:extLst>
-              <a:ext uri="{FF2B5EF4-FFF2-40B4-BE49-F238E27FC236}">
-                <a16:creationId xmlns:a16="http://schemas.microsoft.com/office/drawing/2014/main" id="{001AF39E-1616-4458-B383-32A4EFFBC15A}"/>
+          <p:cNvPr id="2" name="Titel 1">
+            <a:extLst>
+              <a:ext uri="{FF2B5EF4-FFF2-40B4-BE49-F238E27FC236}">
+                <a16:creationId xmlns:a16="http://schemas.microsoft.com/office/drawing/2014/main" id="{9D97ED67-0983-40BA-B344-DFF1A8F9D645}"/>
               </a:ext>
             </a:extLst>
           </p:cNvPr>
@@ -6906,70 +7800,102 @@
             <p:ph type="title"/>
           </p:nvPr>
         </p:nvSpPr>
-        <p:spPr>
-          <a:xfrm>
-            <a:off x="838200" y="365125"/>
-            <a:ext cx="10515600" cy="1325563"/>
-          </a:xfrm>
-        </p:spPr>
+        <p:spPr/>
         <p:txBody>
           <a:bodyPr/>
           <a:lstStyle/>
           <a:p>
-            <a:pPr algn="ctr"/>
-            <a:r>
-              <a:rPr lang="de-DE" dirty="0"/>
-              <a:t>Testing </a:t>
-            </a:r>
-            <a:r>
-              <a:rPr lang="de-DE"/>
-              <a:t>for overfitting</a:t>
-            </a:r>
-            <a:endParaRPr lang="en-GB" dirty="0"/>
+            <a:r>
+              <a:rPr lang="en-US" dirty="0"/>
+              <a:t>stats</a:t>
+            </a:r>
           </a:p>
         </p:txBody>
       </p:sp>
-      <p:pic>
-        <p:nvPicPr>
-          <p:cNvPr id="6" name="Content Placeholder 5">
-            <a:extLst>
-              <a:ext uri="{FF2B5EF4-FFF2-40B4-BE49-F238E27FC236}">
-                <a16:creationId xmlns:a16="http://schemas.microsoft.com/office/drawing/2014/main" id="{25C075C5-BDCF-496D-BED7-16EC905C951B}"/>
-              </a:ext>
-            </a:extLst>
-          </p:cNvPr>
-          <p:cNvPicPr>
-            <a:picLocks noGrp="1" noChangeAspect="1"/>
-          </p:cNvPicPr>
+      <p:sp>
+        <p:nvSpPr>
+          <p:cNvPr id="3" name="Inhaltsplatzhalter 2">
+            <a:extLst>
+              <a:ext uri="{FF2B5EF4-FFF2-40B4-BE49-F238E27FC236}">
+                <a16:creationId xmlns:a16="http://schemas.microsoft.com/office/drawing/2014/main" id="{2EB22B1B-35DF-494F-B9F2-FC28829ED749}"/>
+              </a:ext>
+            </a:extLst>
+          </p:cNvPr>
+          <p:cNvSpPr>
+            <a:spLocks noGrp="1"/>
+          </p:cNvSpPr>
           <p:nvPr>
             <p:ph idx="1"/>
           </p:nvPr>
-        </p:nvPicPr>
-        <p:blipFill>
-          <a:blip r:embed="rId2">
-            <a:extLst>
-              <a:ext uri="{28A0092B-C50C-407E-A947-70E740481C1C}">
-                <a14:useLocalDpi xmlns:a14="http://schemas.microsoft.com/office/drawing/2010/main" val="0"/>
-              </a:ext>
-            </a:extLst>
-          </a:blip>
-          <a:stretch>
-            <a:fillRect/>
-          </a:stretch>
-        </p:blipFill>
-        <p:spPr>
-          <a:xfrm>
-            <a:off x="269941" y="1371915"/>
-            <a:ext cx="6261488" cy="4351338"/>
-          </a:xfrm>
-        </p:spPr>
-      </p:pic>
+        </p:nvSpPr>
+        <p:spPr/>
+        <p:txBody>
+          <a:bodyPr>
+            <a:normAutofit lnSpcReduction="10000"/>
+          </a:bodyPr>
+          <a:lstStyle/>
+          <a:p>
+            <a:r>
+              <a:rPr lang="en-US" dirty="0"/>
+              <a:t>TP:	519</a:t>
+            </a:r>
+          </a:p>
+          <a:p>
+            <a:r>
+              <a:rPr lang="en-US" dirty="0"/>
+              <a:t>FP:	517</a:t>
+            </a:r>
+          </a:p>
+          <a:p>
+            <a:r>
+              <a:rPr lang="en-US" dirty="0"/>
+              <a:t>TN:	27949</a:t>
+            </a:r>
+          </a:p>
+          <a:p>
+            <a:r>
+              <a:rPr lang="en-US" dirty="0"/>
+              <a:t>FN:	2842</a:t>
+            </a:r>
+          </a:p>
+          <a:p>
+            <a:r>
+              <a:rPr lang="en-US" dirty="0"/>
+              <a:t>FPR:	0.01816201784585119</a:t>
+            </a:r>
+          </a:p>
+          <a:p>
+            <a:r>
+              <a:rPr lang="en-US" dirty="0"/>
+              <a:t>Precision:	0.500965250965251 ± 0.016364012582564594</a:t>
+            </a:r>
+          </a:p>
+          <a:p>
+            <a:r>
+              <a:rPr lang="en-US" dirty="0"/>
+              <a:t>Recall/TPR:	0.15441832787860757 ± 0.006444302866129453</a:t>
+            </a:r>
+          </a:p>
+          <a:p>
+            <a:r>
+              <a:rPr lang="en-US" dirty="0"/>
+              <a:t>F1-score:	0.2360700477598363 ± 0.008823521693012324 </a:t>
+            </a:r>
+          </a:p>
+          <a:p>
+            <a:r>
+              <a:rPr lang="en-US" dirty="0"/>
+              <a:t>MCC:	0.23597300754427067 ± 0.00979017430278977</a:t>
+            </a:r>
+          </a:p>
+        </p:txBody>
+      </p:sp>
       <p:sp>
         <p:nvSpPr>
-          <p:cNvPr id="4" name="Slide Number Placeholder 3">
-            <a:extLst>
-              <a:ext uri="{FF2B5EF4-FFF2-40B4-BE49-F238E27FC236}">
-                <a16:creationId xmlns:a16="http://schemas.microsoft.com/office/drawing/2014/main" id="{F8505AD8-0AE0-44EE-B9DA-DF7F5B75F34C}"/>
+          <p:cNvPr id="4" name="Foliennummernplatzhalter 3">
+            <a:extLst>
+              <a:ext uri="{FF2B5EF4-FFF2-40B4-BE49-F238E27FC236}">
+                <a16:creationId xmlns:a16="http://schemas.microsoft.com/office/drawing/2014/main" id="{FA0D585C-CC90-4B30-90DD-73F0D164A1C9}"/>
               </a:ext>
             </a:extLst>
           </p:cNvPr>
@@ -6980,12 +7906,7 @@
             <p:ph type="sldNum" sz="quarter" idx="12"/>
           </p:nvPr>
         </p:nvSpPr>
-        <p:spPr>
-          <a:xfrm>
-            <a:off x="8610600" y="6356350"/>
-            <a:ext cx="2743200" cy="365125"/>
-          </a:xfrm>
-        </p:spPr>
+        <p:spPr/>
         <p:txBody>
           <a:bodyPr/>
           <a:lstStyle/>
@@ -6998,46 +7919,10 @@
           </a:p>
         </p:txBody>
       </p:sp>
-      <p:pic>
-        <p:nvPicPr>
-          <p:cNvPr id="8" name="Picture 7">
-            <a:extLst>
-              <a:ext uri="{FF2B5EF4-FFF2-40B4-BE49-F238E27FC236}">
-                <a16:creationId xmlns:a16="http://schemas.microsoft.com/office/drawing/2014/main" id="{F1215526-4599-4C4C-92F5-9BDF9AD3A98B}"/>
-              </a:ext>
-            </a:extLst>
-          </p:cNvPr>
-          <p:cNvPicPr>
-            <a:picLocks noChangeAspect="1"/>
-          </p:cNvPicPr>
-          <p:nvPr/>
-        </p:nvPicPr>
-        <p:blipFill>
-          <a:blip r:embed="rId3">
-            <a:extLst>
-              <a:ext uri="{28A0092B-C50C-407E-A947-70E740481C1C}">
-                <a14:useLocalDpi xmlns:a14="http://schemas.microsoft.com/office/drawing/2010/main" val="0"/>
-              </a:ext>
-            </a:extLst>
-          </a:blip>
-          <a:stretch>
-            <a:fillRect/>
-          </a:stretch>
-        </p:blipFill>
-        <p:spPr>
-          <a:xfrm>
-            <a:off x="6209198" y="1371915"/>
-            <a:ext cx="5982801" cy="4370841"/>
-          </a:xfrm>
-          <a:prstGeom prst="rect">
-            <a:avLst/>
-          </a:prstGeom>
-        </p:spPr>
-      </p:pic>
     </p:spTree>
     <p:extLst>
       <p:ext uri="{BB962C8B-B14F-4D97-AF65-F5344CB8AC3E}">
-        <p14:creationId xmlns:p14="http://schemas.microsoft.com/office/powerpoint/2010/main" val="3242295772"/>
+        <p14:creationId xmlns:p14="http://schemas.microsoft.com/office/powerpoint/2010/main" val="4122554641"/>
       </p:ext>
     </p:extLst>
   </p:cSld>
@@ -7069,7 +7954,7 @@
           <p:cNvPr id="2" name="Titel 1">
             <a:extLst>
               <a:ext uri="{FF2B5EF4-FFF2-40B4-BE49-F238E27FC236}">
-                <a16:creationId xmlns:a16="http://schemas.microsoft.com/office/drawing/2014/main" id="{0A1CFA08-33E9-4E06-B481-DDF49C7CE225}"/>
+                <a16:creationId xmlns:a16="http://schemas.microsoft.com/office/drawing/2014/main" id="{936C496B-94C2-4A47-81DC-95D6DBF1CF49}"/>
               </a:ext>
             </a:extLst>
           </p:cNvPr>
@@ -7085,10 +7970,9 @@
           <a:bodyPr/>
           <a:lstStyle/>
           <a:p>
-            <a:pPr algn="ctr"/>
             <a:r>
               <a:rPr lang="de-DE" dirty="0" err="1"/>
-              <a:t>Thank</a:t>
+              <a:t>Stats</a:t>
             </a:r>
             <a:r>
               <a:rPr lang="de-DE" dirty="0"/>
@@ -7096,12 +7980,9 @@
             </a:r>
             <a:r>
               <a:rPr lang="de-DE" dirty="0" err="1"/>
-              <a:t>you</a:t>
-            </a:r>
-            <a:r>
-              <a:rPr lang="de-DE" dirty="0"/>
-              <a:t>!</a:t>
-            </a:r>
+              <a:t>crossvalidation</a:t>
+            </a:r>
+            <a:endParaRPr lang="de-DE" dirty="0"/>
           </a:p>
         </p:txBody>
       </p:sp>
@@ -7110,139 +7991,7 @@
           <p:cNvPr id="3" name="Inhaltsplatzhalter 2">
             <a:extLst>
               <a:ext uri="{FF2B5EF4-FFF2-40B4-BE49-F238E27FC236}">
-                <a16:creationId xmlns:a16="http://schemas.microsoft.com/office/drawing/2014/main" id="{D1ED0091-A0CC-4522-A4E1-99602C92F687}"/>
-              </a:ext>
-            </a:extLst>
-          </p:cNvPr>
-          <p:cNvSpPr>
-            <a:spLocks noGrp="1"/>
-          </p:cNvSpPr>
-          <p:nvPr>
-            <p:ph idx="1"/>
-          </p:nvPr>
-        </p:nvSpPr>
-        <p:spPr/>
-        <p:txBody>
-          <a:bodyPr>
-            <a:normAutofit/>
-          </a:bodyPr>
-          <a:lstStyle/>
-          <a:p>
-            <a:pPr marL="0" indent="0" algn="ctr">
-              <a:buNone/>
-            </a:pPr>
-            <a:endParaRPr lang="de-DE" sz="3600" dirty="0"/>
-          </a:p>
-          <a:p>
-            <a:pPr marL="0" indent="0" algn="ctr">
-              <a:buNone/>
-            </a:pPr>
-            <a:endParaRPr lang="de-DE" sz="3600" dirty="0"/>
-          </a:p>
-          <a:p>
-            <a:pPr marL="0" indent="0" algn="ctr">
-              <a:buNone/>
-            </a:pPr>
-            <a:r>
-              <a:rPr lang="de-DE" sz="3600" dirty="0"/>
-              <a:t>Questions?</a:t>
-            </a:r>
-          </a:p>
-        </p:txBody>
-      </p:sp>
-      <p:sp>
-        <p:nvSpPr>
-          <p:cNvPr id="4" name="Foliennummernplatzhalter 3">
-            <a:extLst>
-              <a:ext uri="{FF2B5EF4-FFF2-40B4-BE49-F238E27FC236}">
-                <a16:creationId xmlns:a16="http://schemas.microsoft.com/office/drawing/2014/main" id="{6FE2A71F-4FFC-484B-93E3-04D170029A13}"/>
-              </a:ext>
-            </a:extLst>
-          </p:cNvPr>
-          <p:cNvSpPr>
-            <a:spLocks noGrp="1"/>
-          </p:cNvSpPr>
-          <p:nvPr>
-            <p:ph type="sldNum" sz="quarter" idx="12"/>
-          </p:nvPr>
-        </p:nvSpPr>
-        <p:spPr/>
-        <p:txBody>
-          <a:bodyPr/>
-          <a:lstStyle/>
-          <a:p>
-            <a:fld id="{CCAAE293-A3DA-4FFC-871C-7F0F209F7CB2}" type="slidenum">
-              <a:rPr lang="en-US" smtClean="0"/>
-              <a:t>22</a:t>
-            </a:fld>
-            <a:endParaRPr lang="en-US"/>
-          </a:p>
-        </p:txBody>
-      </p:sp>
-    </p:spTree>
-    <p:extLst>
-      <p:ext uri="{BB962C8B-B14F-4D97-AF65-F5344CB8AC3E}">
-        <p14:creationId xmlns:p14="http://schemas.microsoft.com/office/powerpoint/2010/main" val="1520254085"/>
-      </p:ext>
-    </p:extLst>
-  </p:cSld>
-  <p:clrMapOvr>
-    <a:masterClrMapping/>
-  </p:clrMapOvr>
-</p:sld>
-</file>
-
-<file path=ppt/slides/slide23.xml><?xml version="1.0" encoding="utf-8"?>
-<p:sld xmlns:a="http://schemas.openxmlformats.org/drawingml/2006/main" xmlns:r="http://schemas.openxmlformats.org/officeDocument/2006/relationships" xmlns:p="http://schemas.openxmlformats.org/presentationml/2006/main">
-  <p:cSld>
-    <p:spTree>
-      <p:nvGrpSpPr>
-        <p:cNvPr id="1" name=""/>
-        <p:cNvGrpSpPr/>
-        <p:nvPr/>
-      </p:nvGrpSpPr>
-      <p:grpSpPr>
-        <a:xfrm>
-          <a:off x="0" y="0"/>
-          <a:ext cx="0" cy="0"/>
-          <a:chOff x="0" y="0"/>
-          <a:chExt cx="0" cy="0"/>
-        </a:xfrm>
-      </p:grpSpPr>
-      <p:sp>
-        <p:nvSpPr>
-          <p:cNvPr id="2" name="Titel 1">
-            <a:extLst>
-              <a:ext uri="{FF2B5EF4-FFF2-40B4-BE49-F238E27FC236}">
-                <a16:creationId xmlns:a16="http://schemas.microsoft.com/office/drawing/2014/main" id="{9D97ED67-0983-40BA-B344-DFF1A8F9D645}"/>
-              </a:ext>
-            </a:extLst>
-          </p:cNvPr>
-          <p:cNvSpPr>
-            <a:spLocks noGrp="1"/>
-          </p:cNvSpPr>
-          <p:nvPr>
-            <p:ph type="title"/>
-          </p:nvPr>
-        </p:nvSpPr>
-        <p:spPr/>
-        <p:txBody>
-          <a:bodyPr/>
-          <a:lstStyle/>
-          <a:p>
-            <a:r>
-              <a:rPr lang="en-US" dirty="0"/>
-              <a:t>stats</a:t>
-            </a:r>
-          </a:p>
-        </p:txBody>
-      </p:sp>
-      <p:sp>
-        <p:nvSpPr>
-          <p:cNvPr id="3" name="Inhaltsplatzhalter 2">
-            <a:extLst>
-              <a:ext uri="{FF2B5EF4-FFF2-40B4-BE49-F238E27FC236}">
-                <a16:creationId xmlns:a16="http://schemas.microsoft.com/office/drawing/2014/main" id="{2EB22B1B-35DF-494F-B9F2-FC28829ED749}"/>
+                <a16:creationId xmlns:a16="http://schemas.microsoft.com/office/drawing/2014/main" id="{5EA29DD7-D7EA-4CAD-A334-63FCFE0325A4}"/>
               </a:ext>
             </a:extLst>
           </p:cNvPr>
@@ -7261,56 +8010,92 @@
           <a:lstStyle/>
           <a:p>
             <a:r>
+              <a:rPr lang="it-IT" dirty="0"/>
+              <a:t>TP: 1401</a:t>
+            </a:r>
+          </a:p>
+          <a:p>
+            <a:r>
+              <a:rPr lang="it-IT" dirty="0"/>
+              <a:t>FP: 2221</a:t>
+            </a:r>
+          </a:p>
+          <a:p>
+            <a:r>
+              <a:rPr lang="it-IT" dirty="0"/>
+              <a:t>TN: 105203</a:t>
+            </a:r>
+          </a:p>
+          <a:p>
+            <a:r>
+              <a:rPr lang="it-IT" dirty="0"/>
+              <a:t>FN: 9076</a:t>
+            </a:r>
+          </a:p>
+          <a:p>
+            <a:r>
+              <a:rPr lang="it-IT" dirty="0"/>
+              <a:t>TPR: 0.13372148515796506 </a:t>
+            </a:r>
+            <a:r>
               <a:rPr lang="en-US" dirty="0"/>
-              <a:t>TP:	519</a:t>
-            </a:r>
-          </a:p>
-          <a:p>
+              <a:t>± </a:t>
+            </a:r>
+            <a:r>
+              <a:rPr lang="de-DE" dirty="0"/>
+              <a:t>0.006728852995094254</a:t>
+            </a:r>
+            <a:endParaRPr lang="en-US" dirty="0"/>
+          </a:p>
+          <a:p>
+            <a:r>
+              <a:rPr lang="it-IT" dirty="0"/>
+              <a:t>FPR: 0.020675081918379506 </a:t>
+            </a:r>
             <a:r>
               <a:rPr lang="en-US" dirty="0"/>
-              <a:t>FP:	517</a:t>
-            </a:r>
-          </a:p>
-          <a:p>
+              <a:t>± </a:t>
+            </a:r>
+            <a:endParaRPr lang="it-IT" dirty="0"/>
+          </a:p>
+          <a:p>
+            <a:r>
+              <a:rPr lang="it-IT" dirty="0"/>
+              <a:t>Precision: 0.38680287134180014 </a:t>
+            </a:r>
             <a:r>
               <a:rPr lang="en-US" dirty="0"/>
-              <a:t>TN:	27949</a:t>
-            </a:r>
-          </a:p>
-          <a:p>
+              <a:t>± </a:t>
+            </a:r>
+            <a:r>
+              <a:rPr lang="de-DE" dirty="0"/>
+              <a:t>0.01515588223022108</a:t>
+            </a:r>
+            <a:endParaRPr lang="it-IT" dirty="0"/>
+          </a:p>
+          <a:p>
+            <a:r>
+              <a:rPr lang="it-IT" dirty="0"/>
+              <a:t>MCC: 0.1864096719348082 </a:t>
+            </a:r>
             <a:r>
               <a:rPr lang="en-US" dirty="0"/>
-              <a:t>FN:	2842</a:t>
-            </a:r>
+              <a:t>± </a:t>
+            </a:r>
+            <a:r>
+              <a:rPr lang="de-DE" dirty="0"/>
+              <a:t>0.009743841686838386</a:t>
+            </a:r>
+            <a:endParaRPr lang="en-US" dirty="0"/>
           </a:p>
           <a:p>
             <a:r>
               <a:rPr lang="en-US" dirty="0"/>
-              <a:t>FPR:	0.01816201784585119</a:t>
-            </a:r>
-          </a:p>
-          <a:p>
-            <a:r>
-              <a:rPr lang="en-US" dirty="0"/>
-              <a:t>Precision:	0.500965250965251 ± 0.016364012582564594</a:t>
-            </a:r>
-          </a:p>
-          <a:p>
-            <a:r>
-              <a:rPr lang="en-US" dirty="0"/>
-              <a:t>Recall/TPR:	0.15441832787860757 ± 0.006444302866129453</a:t>
-            </a:r>
-          </a:p>
-          <a:p>
-            <a:r>
-              <a:rPr lang="en-US" dirty="0"/>
-              <a:t>F1-score:	0.2360700477598363 ± 0.008823521693012324 </a:t>
-            </a:r>
-          </a:p>
-          <a:p>
-            <a:r>
-              <a:rPr lang="en-US" dirty="0"/>
-              <a:t>MCC:	0.23597300754427067 ± 0.00979017430278977</a:t>
+              <a:t>F1: 0.1898892068383594 ± </a:t>
+            </a:r>
+            <a:r>
+              <a:rPr lang="de-DE" dirty="0"/>
+              <a:t>0.008877620919506887</a:t>
             </a:r>
           </a:p>
         </p:txBody>
@@ -7320,7 +8105,7 @@
           <p:cNvPr id="4" name="Foliennummernplatzhalter 3">
             <a:extLst>
               <a:ext uri="{FF2B5EF4-FFF2-40B4-BE49-F238E27FC236}">
-                <a16:creationId xmlns:a16="http://schemas.microsoft.com/office/drawing/2014/main" id="{FA0D585C-CC90-4B30-90DD-73F0D164A1C9}"/>
+                <a16:creationId xmlns:a16="http://schemas.microsoft.com/office/drawing/2014/main" id="{A5348A38-D92B-4498-9829-ABADED6CBFF9}"/>
               </a:ext>
             </a:extLst>
           </p:cNvPr>
@@ -7338,217 +8123,7 @@
           <a:p>
             <a:fld id="{CCAAE293-A3DA-4FFC-871C-7F0F209F7CB2}" type="slidenum">
               <a:rPr lang="en-US" smtClean="0"/>
-              <a:t>23</a:t>
-            </a:fld>
-            <a:endParaRPr lang="en-US"/>
-          </a:p>
-        </p:txBody>
-      </p:sp>
-    </p:spTree>
-    <p:extLst>
-      <p:ext uri="{BB962C8B-B14F-4D97-AF65-F5344CB8AC3E}">
-        <p14:creationId xmlns:p14="http://schemas.microsoft.com/office/powerpoint/2010/main" val="4122554641"/>
-      </p:ext>
-    </p:extLst>
-  </p:cSld>
-  <p:clrMapOvr>
-    <a:masterClrMapping/>
-  </p:clrMapOvr>
-</p:sld>
-</file>
-
-<file path=ppt/slides/slide24.xml><?xml version="1.0" encoding="utf-8"?>
-<p:sld xmlns:a="http://schemas.openxmlformats.org/drawingml/2006/main" xmlns:r="http://schemas.openxmlformats.org/officeDocument/2006/relationships" xmlns:p="http://schemas.openxmlformats.org/presentationml/2006/main">
-  <p:cSld>
-    <p:spTree>
-      <p:nvGrpSpPr>
-        <p:cNvPr id="1" name=""/>
-        <p:cNvGrpSpPr/>
-        <p:nvPr/>
-      </p:nvGrpSpPr>
-      <p:grpSpPr>
-        <a:xfrm>
-          <a:off x="0" y="0"/>
-          <a:ext cx="0" cy="0"/>
-          <a:chOff x="0" y="0"/>
-          <a:chExt cx="0" cy="0"/>
-        </a:xfrm>
-      </p:grpSpPr>
-      <p:sp>
-        <p:nvSpPr>
-          <p:cNvPr id="2" name="Titel 1">
-            <a:extLst>
-              <a:ext uri="{FF2B5EF4-FFF2-40B4-BE49-F238E27FC236}">
-                <a16:creationId xmlns:a16="http://schemas.microsoft.com/office/drawing/2014/main" id="{936C496B-94C2-4A47-81DC-95D6DBF1CF49}"/>
-              </a:ext>
-            </a:extLst>
-          </p:cNvPr>
-          <p:cNvSpPr>
-            <a:spLocks noGrp="1"/>
-          </p:cNvSpPr>
-          <p:nvPr>
-            <p:ph type="title"/>
-          </p:nvPr>
-        </p:nvSpPr>
-        <p:spPr/>
-        <p:txBody>
-          <a:bodyPr/>
-          <a:lstStyle/>
-          <a:p>
-            <a:r>
-              <a:rPr lang="de-DE" dirty="0" err="1"/>
-              <a:t>Stats</a:t>
-            </a:r>
-            <a:r>
-              <a:rPr lang="de-DE" dirty="0"/>
-              <a:t> </a:t>
-            </a:r>
-            <a:r>
-              <a:rPr lang="de-DE" dirty="0" err="1"/>
-              <a:t>crossvalidation</a:t>
-            </a:r>
-            <a:endParaRPr lang="de-DE" dirty="0"/>
-          </a:p>
-        </p:txBody>
-      </p:sp>
-      <p:sp>
-        <p:nvSpPr>
-          <p:cNvPr id="3" name="Inhaltsplatzhalter 2">
-            <a:extLst>
-              <a:ext uri="{FF2B5EF4-FFF2-40B4-BE49-F238E27FC236}">
-                <a16:creationId xmlns:a16="http://schemas.microsoft.com/office/drawing/2014/main" id="{5EA29DD7-D7EA-4CAD-A334-63FCFE0325A4}"/>
-              </a:ext>
-            </a:extLst>
-          </p:cNvPr>
-          <p:cNvSpPr>
-            <a:spLocks noGrp="1"/>
-          </p:cNvSpPr>
-          <p:nvPr>
-            <p:ph idx="1"/>
-          </p:nvPr>
-        </p:nvSpPr>
-        <p:spPr/>
-        <p:txBody>
-          <a:bodyPr>
-            <a:normAutofit lnSpcReduction="10000"/>
-          </a:bodyPr>
-          <a:lstStyle/>
-          <a:p>
-            <a:r>
-              <a:rPr lang="it-IT" dirty="0"/>
-              <a:t>TP: 1401</a:t>
-            </a:r>
-          </a:p>
-          <a:p>
-            <a:r>
-              <a:rPr lang="it-IT" dirty="0"/>
-              <a:t>FP: 2221</a:t>
-            </a:r>
-          </a:p>
-          <a:p>
-            <a:r>
-              <a:rPr lang="it-IT" dirty="0"/>
-              <a:t>TN: 105203</a:t>
-            </a:r>
-          </a:p>
-          <a:p>
-            <a:r>
-              <a:rPr lang="it-IT" dirty="0"/>
-              <a:t>FN: 9076</a:t>
-            </a:r>
-          </a:p>
-          <a:p>
-            <a:r>
-              <a:rPr lang="it-IT" dirty="0"/>
-              <a:t>TPR: 0.13372148515796506 </a:t>
-            </a:r>
-            <a:r>
-              <a:rPr lang="en-US" dirty="0"/>
-              <a:t>± </a:t>
-            </a:r>
-            <a:r>
-              <a:rPr lang="de-DE" dirty="0"/>
-              <a:t>0.006728852995094254</a:t>
-            </a:r>
-            <a:endParaRPr lang="en-US" dirty="0"/>
-          </a:p>
-          <a:p>
-            <a:r>
-              <a:rPr lang="it-IT" dirty="0"/>
-              <a:t>FPR: 0.020675081918379506 </a:t>
-            </a:r>
-            <a:r>
-              <a:rPr lang="en-US" dirty="0"/>
-              <a:t>± </a:t>
-            </a:r>
-            <a:endParaRPr lang="it-IT" dirty="0"/>
-          </a:p>
-          <a:p>
-            <a:r>
-              <a:rPr lang="it-IT" dirty="0"/>
-              <a:t>Precision: 0.38680287134180014 </a:t>
-            </a:r>
-            <a:r>
-              <a:rPr lang="en-US" dirty="0"/>
-              <a:t>± </a:t>
-            </a:r>
-            <a:r>
-              <a:rPr lang="de-DE" dirty="0"/>
-              <a:t>0.01515588223022108</a:t>
-            </a:r>
-            <a:endParaRPr lang="it-IT" dirty="0"/>
-          </a:p>
-          <a:p>
-            <a:r>
-              <a:rPr lang="it-IT" dirty="0"/>
-              <a:t>MCC: 0.1864096719348082 </a:t>
-            </a:r>
-            <a:r>
-              <a:rPr lang="en-US" dirty="0"/>
-              <a:t>± </a:t>
-            </a:r>
-            <a:r>
-              <a:rPr lang="de-DE" dirty="0"/>
-              <a:t>0.009743841686838386</a:t>
-            </a:r>
-            <a:endParaRPr lang="en-US" dirty="0"/>
-          </a:p>
-          <a:p>
-            <a:r>
-              <a:rPr lang="en-US" dirty="0"/>
-              <a:t>F1: 0.1898892068383594 ± </a:t>
-            </a:r>
-            <a:r>
-              <a:rPr lang="de-DE" dirty="0"/>
-              <a:t>0.008877620919506887</a:t>
-            </a:r>
-          </a:p>
-        </p:txBody>
-      </p:sp>
-      <p:sp>
-        <p:nvSpPr>
-          <p:cNvPr id="4" name="Foliennummernplatzhalter 3">
-            <a:extLst>
-              <a:ext uri="{FF2B5EF4-FFF2-40B4-BE49-F238E27FC236}">
-                <a16:creationId xmlns:a16="http://schemas.microsoft.com/office/drawing/2014/main" id="{A5348A38-D92B-4498-9829-ABADED6CBFF9}"/>
-              </a:ext>
-            </a:extLst>
-          </p:cNvPr>
-          <p:cNvSpPr>
-            <a:spLocks noGrp="1"/>
-          </p:cNvSpPr>
-          <p:nvPr>
-            <p:ph type="sldNum" sz="quarter" idx="12"/>
-          </p:nvPr>
-        </p:nvSpPr>
-        <p:spPr/>
-        <p:txBody>
-          <a:bodyPr/>
-          <a:lstStyle/>
-          <a:p>
-            <a:fld id="{CCAAE293-A3DA-4FFC-871C-7F0F209F7CB2}" type="slidenum">
-              <a:rPr lang="en-US" smtClean="0"/>
-              <a:t>24</a:t>
+              <a:t>22</a:t>
             </a:fld>
             <a:endParaRPr lang="en-US"/>
           </a:p>
@@ -8211,740 +8786,4313 @@
           </a:p>
         </p:txBody>
       </p:sp>
-      <p:pic>
-        <p:nvPicPr>
-          <p:cNvPr id="5" name="table">
-            <a:extLst>
-              <a:ext uri="{FF2B5EF4-FFF2-40B4-BE49-F238E27FC236}">
-                <a16:creationId xmlns:a16="http://schemas.microsoft.com/office/drawing/2014/main" id="{C6419AD2-7A35-45F1-AD9A-9DB7F960EBB0}"/>
-              </a:ext>
-            </a:extLst>
-          </p:cNvPr>
-          <p:cNvPicPr>
-            <a:picLocks noChangeAspect="1"/>
-          </p:cNvPicPr>
+      <p:grpSp>
+        <p:nvGrpSpPr>
+          <p:cNvPr id="2" name="Gruppieren 1">
+            <a:extLst>
+              <a:ext uri="{FF2B5EF4-FFF2-40B4-BE49-F238E27FC236}">
+                <a16:creationId xmlns:a16="http://schemas.microsoft.com/office/drawing/2014/main" id="{E1F83B14-ECDC-4454-9011-9B25F91707E3}"/>
+              </a:ext>
+            </a:extLst>
+          </p:cNvPr>
+          <p:cNvGrpSpPr/>
           <p:nvPr/>
-        </p:nvPicPr>
-        <p:blipFill>
-          <a:blip r:embed="rId2"/>
-          <a:stretch>
-            <a:fillRect/>
-          </a:stretch>
-        </p:blipFill>
+        </p:nvGrpSpPr>
+        <p:grpSpPr>
+          <a:xfrm>
+            <a:off x="518594" y="618605"/>
+            <a:ext cx="3061228" cy="5456941"/>
+            <a:chOff x="852890" y="968500"/>
+            <a:chExt cx="3061228" cy="5456941"/>
+          </a:xfrm>
+        </p:grpSpPr>
+        <p:pic>
+          <p:nvPicPr>
+            <p:cNvPr id="5" name="table">
+              <a:extLst>
+                <a:ext uri="{FF2B5EF4-FFF2-40B4-BE49-F238E27FC236}">
+                  <a16:creationId xmlns:a16="http://schemas.microsoft.com/office/drawing/2014/main" id="{C6419AD2-7A35-45F1-AD9A-9DB7F960EBB0}"/>
+                </a:ext>
+              </a:extLst>
+            </p:cNvPr>
+            <p:cNvPicPr>
+              <a:picLocks noChangeAspect="1"/>
+            </p:cNvPicPr>
+            <p:nvPr/>
+          </p:nvPicPr>
+          <p:blipFill>
+            <a:blip r:embed="rId2"/>
+            <a:stretch>
+              <a:fillRect/>
+            </a:stretch>
+          </p:blipFill>
+          <p:spPr>
+            <a:xfrm>
+              <a:off x="852890" y="1348229"/>
+              <a:ext cx="3061228" cy="5077212"/>
+            </a:xfrm>
+            <a:prstGeom prst="rect">
+              <a:avLst/>
+            </a:prstGeom>
+          </p:spPr>
+        </p:pic>
+        <p:sp>
+          <p:nvSpPr>
+            <p:cNvPr id="7" name="CUTOFFS">
+              <a:extLst>
+                <a:ext uri="{FF2B5EF4-FFF2-40B4-BE49-F238E27FC236}">
+                  <a16:creationId xmlns:a16="http://schemas.microsoft.com/office/drawing/2014/main" id="{8858DAE9-DD3C-43D5-829B-4088D1D3D367}"/>
+                </a:ext>
+              </a:extLst>
+            </p:cNvPr>
+            <p:cNvSpPr txBox="1"/>
+            <p:nvPr/>
+          </p:nvSpPr>
+          <p:spPr>
+            <a:xfrm>
+              <a:off x="1818950" y="968500"/>
+              <a:ext cx="935318" cy="369332"/>
+            </a:xfrm>
+            <a:prstGeom prst="rect">
+              <a:avLst/>
+            </a:prstGeom>
+            <a:ln w="12700">
+              <a:miter lim="400000"/>
+            </a:ln>
+            <a:extLst>
+              <a:ext uri="{C572A759-6A51-4108-AA02-DFA0A04FC94B}">
+                <ma14:wrappingTextBoxFlag xmlns:lc="http://schemas.openxmlformats.org/drawingml/2006/lockedCanvas" xmlns:ma14="http://schemas.microsoft.com/office/mac/drawingml/2011/main" xmlns:a14="http://schemas.microsoft.com/office/drawing/2010/main" xmlns:m="http://schemas.openxmlformats.org/officeDocument/2006/math" xmlns="" val="1"/>
+              </a:ext>
+            </a:extLst>
+          </p:spPr>
+          <p:txBody>
+            <a:bodyPr wrap="none" lIns="45719" rIns="45719">
+              <a:spAutoFit/>
+            </a:bodyPr>
+            <a:lstStyle>
+              <a:defPPr marL="0" marR="0" indent="0" algn="l" defTabSz="914400" rtl="0" fontAlgn="auto" latinLnBrk="1" hangingPunct="0">
+                <a:lnSpc>
+                  <a:spcPct val="100000"/>
+                </a:lnSpc>
+                <a:spcBef>
+                  <a:spcPts val="0"/>
+                </a:spcBef>
+                <a:spcAft>
+                  <a:spcPts val="0"/>
+                </a:spcAft>
+                <a:buClrTx/>
+                <a:buSzTx/>
+                <a:buFontTx/>
+                <a:buNone/>
+                <a:tabLst/>
+                <a:defRPr kumimoji="0" sz="1800" b="0" i="0" u="none" strike="noStrike" cap="none" spc="0" normalizeH="0" baseline="0">
+                  <a:ln>
+                    <a:noFill/>
+                  </a:ln>
+                  <a:solidFill>
+                    <a:srgbClr val="000000"/>
+                  </a:solidFill>
+                  <a:effectLst/>
+                  <a:uFillTx/>
+                </a:defRPr>
+              </a:defPPr>
+              <a:lvl1pPr marL="0" marR="0" indent="0" algn="l" defTabSz="914400" rtl="0" fontAlgn="auto" latinLnBrk="0" hangingPunct="0">
+                <a:lnSpc>
+                  <a:spcPct val="100000"/>
+                </a:lnSpc>
+                <a:spcBef>
+                  <a:spcPts val="0"/>
+                </a:spcBef>
+                <a:spcAft>
+                  <a:spcPts val="0"/>
+                </a:spcAft>
+                <a:buClrTx/>
+                <a:buSzTx/>
+                <a:buFontTx/>
+                <a:buNone/>
+                <a:tabLst/>
+                <a:defRPr kumimoji="0" sz="1800" b="0" i="0" u="none" strike="noStrike" cap="none" spc="0" normalizeH="0" baseline="0">
+                  <a:ln>
+                    <a:noFill/>
+                  </a:ln>
+                  <a:solidFill>
+                    <a:srgbClr val="000000"/>
+                  </a:solidFill>
+                  <a:effectLst/>
+                  <a:uFillTx/>
+                  <a:latin typeface="+mn-lt"/>
+                  <a:ea typeface="+mn-ea"/>
+                  <a:cs typeface="+mn-cs"/>
+                  <a:sym typeface="Calibri"/>
+                </a:defRPr>
+              </a:lvl1pPr>
+              <a:lvl2pPr marL="0" marR="0" indent="457200" algn="l" defTabSz="914400" rtl="0" fontAlgn="auto" latinLnBrk="0" hangingPunct="0">
+                <a:lnSpc>
+                  <a:spcPct val="100000"/>
+                </a:lnSpc>
+                <a:spcBef>
+                  <a:spcPts val="0"/>
+                </a:spcBef>
+                <a:spcAft>
+                  <a:spcPts val="0"/>
+                </a:spcAft>
+                <a:buClrTx/>
+                <a:buSzTx/>
+                <a:buFontTx/>
+                <a:buNone/>
+                <a:tabLst/>
+                <a:defRPr kumimoji="0" sz="1800" b="0" i="0" u="none" strike="noStrike" cap="none" spc="0" normalizeH="0" baseline="0">
+                  <a:ln>
+                    <a:noFill/>
+                  </a:ln>
+                  <a:solidFill>
+                    <a:srgbClr val="000000"/>
+                  </a:solidFill>
+                  <a:effectLst/>
+                  <a:uFillTx/>
+                  <a:latin typeface="+mn-lt"/>
+                  <a:ea typeface="+mn-ea"/>
+                  <a:cs typeface="+mn-cs"/>
+                  <a:sym typeface="Calibri"/>
+                </a:defRPr>
+              </a:lvl2pPr>
+              <a:lvl3pPr marL="0" marR="0" indent="914400" algn="l" defTabSz="914400" rtl="0" fontAlgn="auto" latinLnBrk="0" hangingPunct="0">
+                <a:lnSpc>
+                  <a:spcPct val="100000"/>
+                </a:lnSpc>
+                <a:spcBef>
+                  <a:spcPts val="0"/>
+                </a:spcBef>
+                <a:spcAft>
+                  <a:spcPts val="0"/>
+                </a:spcAft>
+                <a:buClrTx/>
+                <a:buSzTx/>
+                <a:buFontTx/>
+                <a:buNone/>
+                <a:tabLst/>
+                <a:defRPr kumimoji="0" sz="1800" b="0" i="0" u="none" strike="noStrike" cap="none" spc="0" normalizeH="0" baseline="0">
+                  <a:ln>
+                    <a:noFill/>
+                  </a:ln>
+                  <a:solidFill>
+                    <a:srgbClr val="000000"/>
+                  </a:solidFill>
+                  <a:effectLst/>
+                  <a:uFillTx/>
+                  <a:latin typeface="+mn-lt"/>
+                  <a:ea typeface="+mn-ea"/>
+                  <a:cs typeface="+mn-cs"/>
+                  <a:sym typeface="Calibri"/>
+                </a:defRPr>
+              </a:lvl3pPr>
+              <a:lvl4pPr marL="0" marR="0" indent="1371600" algn="l" defTabSz="914400" rtl="0" fontAlgn="auto" latinLnBrk="0" hangingPunct="0">
+                <a:lnSpc>
+                  <a:spcPct val="100000"/>
+                </a:lnSpc>
+                <a:spcBef>
+                  <a:spcPts val="0"/>
+                </a:spcBef>
+                <a:spcAft>
+                  <a:spcPts val="0"/>
+                </a:spcAft>
+                <a:buClrTx/>
+                <a:buSzTx/>
+                <a:buFontTx/>
+                <a:buNone/>
+                <a:tabLst/>
+                <a:defRPr kumimoji="0" sz="1800" b="0" i="0" u="none" strike="noStrike" cap="none" spc="0" normalizeH="0" baseline="0">
+                  <a:ln>
+                    <a:noFill/>
+                  </a:ln>
+                  <a:solidFill>
+                    <a:srgbClr val="000000"/>
+                  </a:solidFill>
+                  <a:effectLst/>
+                  <a:uFillTx/>
+                  <a:latin typeface="+mn-lt"/>
+                  <a:ea typeface="+mn-ea"/>
+                  <a:cs typeface="+mn-cs"/>
+                  <a:sym typeface="Calibri"/>
+                </a:defRPr>
+              </a:lvl4pPr>
+              <a:lvl5pPr marL="0" marR="0" indent="1828800" algn="l" defTabSz="914400" rtl="0" fontAlgn="auto" latinLnBrk="0" hangingPunct="0">
+                <a:lnSpc>
+                  <a:spcPct val="100000"/>
+                </a:lnSpc>
+                <a:spcBef>
+                  <a:spcPts val="0"/>
+                </a:spcBef>
+                <a:spcAft>
+                  <a:spcPts val="0"/>
+                </a:spcAft>
+                <a:buClrTx/>
+                <a:buSzTx/>
+                <a:buFontTx/>
+                <a:buNone/>
+                <a:tabLst/>
+                <a:defRPr kumimoji="0" sz="1800" b="0" i="0" u="none" strike="noStrike" cap="none" spc="0" normalizeH="0" baseline="0">
+                  <a:ln>
+                    <a:noFill/>
+                  </a:ln>
+                  <a:solidFill>
+                    <a:srgbClr val="000000"/>
+                  </a:solidFill>
+                  <a:effectLst/>
+                  <a:uFillTx/>
+                  <a:latin typeface="+mn-lt"/>
+                  <a:ea typeface="+mn-ea"/>
+                  <a:cs typeface="+mn-cs"/>
+                  <a:sym typeface="Calibri"/>
+                </a:defRPr>
+              </a:lvl5pPr>
+              <a:lvl6pPr marL="0" marR="0" indent="2286000" algn="l" defTabSz="914400" rtl="0" fontAlgn="auto" latinLnBrk="0" hangingPunct="0">
+                <a:lnSpc>
+                  <a:spcPct val="100000"/>
+                </a:lnSpc>
+                <a:spcBef>
+                  <a:spcPts val="0"/>
+                </a:spcBef>
+                <a:spcAft>
+                  <a:spcPts val="0"/>
+                </a:spcAft>
+                <a:buClrTx/>
+                <a:buSzTx/>
+                <a:buFontTx/>
+                <a:buNone/>
+                <a:tabLst/>
+                <a:defRPr kumimoji="0" sz="1800" b="0" i="0" u="none" strike="noStrike" cap="none" spc="0" normalizeH="0" baseline="0">
+                  <a:ln>
+                    <a:noFill/>
+                  </a:ln>
+                  <a:solidFill>
+                    <a:srgbClr val="000000"/>
+                  </a:solidFill>
+                  <a:effectLst/>
+                  <a:uFillTx/>
+                  <a:latin typeface="+mn-lt"/>
+                  <a:ea typeface="+mn-ea"/>
+                  <a:cs typeface="+mn-cs"/>
+                  <a:sym typeface="Calibri"/>
+                </a:defRPr>
+              </a:lvl6pPr>
+              <a:lvl7pPr marL="0" marR="0" indent="2743200" algn="l" defTabSz="914400" rtl="0" fontAlgn="auto" latinLnBrk="0" hangingPunct="0">
+                <a:lnSpc>
+                  <a:spcPct val="100000"/>
+                </a:lnSpc>
+                <a:spcBef>
+                  <a:spcPts val="0"/>
+                </a:spcBef>
+                <a:spcAft>
+                  <a:spcPts val="0"/>
+                </a:spcAft>
+                <a:buClrTx/>
+                <a:buSzTx/>
+                <a:buFontTx/>
+                <a:buNone/>
+                <a:tabLst/>
+                <a:defRPr kumimoji="0" sz="1800" b="0" i="0" u="none" strike="noStrike" cap="none" spc="0" normalizeH="0" baseline="0">
+                  <a:ln>
+                    <a:noFill/>
+                  </a:ln>
+                  <a:solidFill>
+                    <a:srgbClr val="000000"/>
+                  </a:solidFill>
+                  <a:effectLst/>
+                  <a:uFillTx/>
+                  <a:latin typeface="+mn-lt"/>
+                  <a:ea typeface="+mn-ea"/>
+                  <a:cs typeface="+mn-cs"/>
+                  <a:sym typeface="Calibri"/>
+                </a:defRPr>
+              </a:lvl7pPr>
+              <a:lvl8pPr marL="0" marR="0" indent="3200400" algn="l" defTabSz="914400" rtl="0" fontAlgn="auto" latinLnBrk="0" hangingPunct="0">
+                <a:lnSpc>
+                  <a:spcPct val="100000"/>
+                </a:lnSpc>
+                <a:spcBef>
+                  <a:spcPts val="0"/>
+                </a:spcBef>
+                <a:spcAft>
+                  <a:spcPts val="0"/>
+                </a:spcAft>
+                <a:buClrTx/>
+                <a:buSzTx/>
+                <a:buFontTx/>
+                <a:buNone/>
+                <a:tabLst/>
+                <a:defRPr kumimoji="0" sz="1800" b="0" i="0" u="none" strike="noStrike" cap="none" spc="0" normalizeH="0" baseline="0">
+                  <a:ln>
+                    <a:noFill/>
+                  </a:ln>
+                  <a:solidFill>
+                    <a:srgbClr val="000000"/>
+                  </a:solidFill>
+                  <a:effectLst/>
+                  <a:uFillTx/>
+                  <a:latin typeface="+mn-lt"/>
+                  <a:ea typeface="+mn-ea"/>
+                  <a:cs typeface="+mn-cs"/>
+                  <a:sym typeface="Calibri"/>
+                </a:defRPr>
+              </a:lvl8pPr>
+              <a:lvl9pPr marL="0" marR="0" indent="3657600" algn="l" defTabSz="914400" rtl="0" fontAlgn="auto" latinLnBrk="0" hangingPunct="0">
+                <a:lnSpc>
+                  <a:spcPct val="100000"/>
+                </a:lnSpc>
+                <a:spcBef>
+                  <a:spcPts val="0"/>
+                </a:spcBef>
+                <a:spcAft>
+                  <a:spcPts val="0"/>
+                </a:spcAft>
+                <a:buClrTx/>
+                <a:buSzTx/>
+                <a:buFontTx/>
+                <a:buNone/>
+                <a:tabLst/>
+                <a:defRPr kumimoji="0" sz="1800" b="0" i="0" u="none" strike="noStrike" cap="none" spc="0" normalizeH="0" baseline="0">
+                  <a:ln>
+                    <a:noFill/>
+                  </a:ln>
+                  <a:solidFill>
+                    <a:srgbClr val="000000"/>
+                  </a:solidFill>
+                  <a:effectLst/>
+                  <a:uFillTx/>
+                  <a:latin typeface="+mn-lt"/>
+                  <a:ea typeface="+mn-ea"/>
+                  <a:cs typeface="+mn-cs"/>
+                  <a:sym typeface="Calibri"/>
+                </a:defRPr>
+              </a:lvl9pPr>
+            </a:lstStyle>
+            <a:p>
+              <a:pPr algn="ctr"/>
+              <a:r>
+                <a:rPr dirty="0"/>
+                <a:t>CUTOFFS</a:t>
+              </a:r>
+            </a:p>
+          </p:txBody>
+        </p:sp>
+      </p:grpSp>
+      <p:grpSp>
+        <p:nvGrpSpPr>
+          <p:cNvPr id="3" name="Gruppieren 2">
+            <a:extLst>
+              <a:ext uri="{FF2B5EF4-FFF2-40B4-BE49-F238E27FC236}">
+                <a16:creationId xmlns:a16="http://schemas.microsoft.com/office/drawing/2014/main" id="{0230E9AB-C5ED-4A90-9D1C-435AB41428D2}"/>
+              </a:ext>
+            </a:extLst>
+          </p:cNvPr>
+          <p:cNvGrpSpPr/>
+          <p:nvPr/>
+        </p:nvGrpSpPr>
+        <p:grpSpPr>
+          <a:xfrm>
+            <a:off x="4309732" y="618605"/>
+            <a:ext cx="4300868" cy="5256111"/>
+            <a:chOff x="6861262" y="913573"/>
+            <a:chExt cx="4300868" cy="5256111"/>
+          </a:xfrm>
+        </p:grpSpPr>
+        <p:sp>
+          <p:nvSpPr>
+            <p:cNvPr id="8" name="CONVERSION">
+              <a:extLst>
+                <a:ext uri="{FF2B5EF4-FFF2-40B4-BE49-F238E27FC236}">
+                  <a16:creationId xmlns:a16="http://schemas.microsoft.com/office/drawing/2014/main" id="{ECA851A3-E7E0-4024-BF54-6BC445354D9E}"/>
+                </a:ext>
+              </a:extLst>
+            </p:cNvPr>
+            <p:cNvSpPr txBox="1"/>
+            <p:nvPr/>
+          </p:nvSpPr>
+          <p:spPr>
+            <a:xfrm>
+              <a:off x="8338884" y="913573"/>
+              <a:ext cx="1345623" cy="369332"/>
+            </a:xfrm>
+            <a:prstGeom prst="rect">
+              <a:avLst/>
+            </a:prstGeom>
+            <a:ln w="12700">
+              <a:miter lim="400000"/>
+            </a:ln>
+            <a:extLst>
+              <a:ext uri="{C572A759-6A51-4108-AA02-DFA0A04FC94B}">
+                <ma14:wrappingTextBoxFlag xmlns:lc="http://schemas.openxmlformats.org/drawingml/2006/lockedCanvas" xmlns:ma14="http://schemas.microsoft.com/office/mac/drawingml/2011/main" xmlns:a14="http://schemas.microsoft.com/office/drawing/2010/main" xmlns:m="http://schemas.openxmlformats.org/officeDocument/2006/math" xmlns="" val="1"/>
+              </a:ext>
+            </a:extLst>
+          </p:spPr>
+          <p:txBody>
+            <a:bodyPr wrap="none" lIns="45719" rIns="45719">
+              <a:spAutoFit/>
+            </a:bodyPr>
+            <a:lstStyle>
+              <a:defPPr marL="0" marR="0" indent="0" algn="l" defTabSz="914400" rtl="0" fontAlgn="auto" latinLnBrk="1" hangingPunct="0">
+                <a:lnSpc>
+                  <a:spcPct val="100000"/>
+                </a:lnSpc>
+                <a:spcBef>
+                  <a:spcPts val="0"/>
+                </a:spcBef>
+                <a:spcAft>
+                  <a:spcPts val="0"/>
+                </a:spcAft>
+                <a:buClrTx/>
+                <a:buSzTx/>
+                <a:buFontTx/>
+                <a:buNone/>
+                <a:tabLst/>
+                <a:defRPr kumimoji="0" sz="1800" b="0" i="0" u="none" strike="noStrike" cap="none" spc="0" normalizeH="0" baseline="0">
+                  <a:ln>
+                    <a:noFill/>
+                  </a:ln>
+                  <a:solidFill>
+                    <a:srgbClr val="000000"/>
+                  </a:solidFill>
+                  <a:effectLst/>
+                  <a:uFillTx/>
+                </a:defRPr>
+              </a:defPPr>
+              <a:lvl1pPr marL="0" marR="0" indent="0" algn="l" defTabSz="914400" rtl="0" fontAlgn="auto" latinLnBrk="0" hangingPunct="0">
+                <a:lnSpc>
+                  <a:spcPct val="100000"/>
+                </a:lnSpc>
+                <a:spcBef>
+                  <a:spcPts val="0"/>
+                </a:spcBef>
+                <a:spcAft>
+                  <a:spcPts val="0"/>
+                </a:spcAft>
+                <a:buClrTx/>
+                <a:buSzTx/>
+                <a:buFontTx/>
+                <a:buNone/>
+                <a:tabLst/>
+                <a:defRPr kumimoji="0" sz="1800" b="0" i="0" u="none" strike="noStrike" cap="none" spc="0" normalizeH="0" baseline="0">
+                  <a:ln>
+                    <a:noFill/>
+                  </a:ln>
+                  <a:solidFill>
+                    <a:srgbClr val="000000"/>
+                  </a:solidFill>
+                  <a:effectLst/>
+                  <a:uFillTx/>
+                  <a:latin typeface="+mn-lt"/>
+                  <a:ea typeface="+mn-ea"/>
+                  <a:cs typeface="+mn-cs"/>
+                  <a:sym typeface="Calibri"/>
+                </a:defRPr>
+              </a:lvl1pPr>
+              <a:lvl2pPr marL="0" marR="0" indent="457200" algn="l" defTabSz="914400" rtl="0" fontAlgn="auto" latinLnBrk="0" hangingPunct="0">
+                <a:lnSpc>
+                  <a:spcPct val="100000"/>
+                </a:lnSpc>
+                <a:spcBef>
+                  <a:spcPts val="0"/>
+                </a:spcBef>
+                <a:spcAft>
+                  <a:spcPts val="0"/>
+                </a:spcAft>
+                <a:buClrTx/>
+                <a:buSzTx/>
+                <a:buFontTx/>
+                <a:buNone/>
+                <a:tabLst/>
+                <a:defRPr kumimoji="0" sz="1800" b="0" i="0" u="none" strike="noStrike" cap="none" spc="0" normalizeH="0" baseline="0">
+                  <a:ln>
+                    <a:noFill/>
+                  </a:ln>
+                  <a:solidFill>
+                    <a:srgbClr val="000000"/>
+                  </a:solidFill>
+                  <a:effectLst/>
+                  <a:uFillTx/>
+                  <a:latin typeface="+mn-lt"/>
+                  <a:ea typeface="+mn-ea"/>
+                  <a:cs typeface="+mn-cs"/>
+                  <a:sym typeface="Calibri"/>
+                </a:defRPr>
+              </a:lvl2pPr>
+              <a:lvl3pPr marL="0" marR="0" indent="914400" algn="l" defTabSz="914400" rtl="0" fontAlgn="auto" latinLnBrk="0" hangingPunct="0">
+                <a:lnSpc>
+                  <a:spcPct val="100000"/>
+                </a:lnSpc>
+                <a:spcBef>
+                  <a:spcPts val="0"/>
+                </a:spcBef>
+                <a:spcAft>
+                  <a:spcPts val="0"/>
+                </a:spcAft>
+                <a:buClrTx/>
+                <a:buSzTx/>
+                <a:buFontTx/>
+                <a:buNone/>
+                <a:tabLst/>
+                <a:defRPr kumimoji="0" sz="1800" b="0" i="0" u="none" strike="noStrike" cap="none" spc="0" normalizeH="0" baseline="0">
+                  <a:ln>
+                    <a:noFill/>
+                  </a:ln>
+                  <a:solidFill>
+                    <a:srgbClr val="000000"/>
+                  </a:solidFill>
+                  <a:effectLst/>
+                  <a:uFillTx/>
+                  <a:latin typeface="+mn-lt"/>
+                  <a:ea typeface="+mn-ea"/>
+                  <a:cs typeface="+mn-cs"/>
+                  <a:sym typeface="Calibri"/>
+                </a:defRPr>
+              </a:lvl3pPr>
+              <a:lvl4pPr marL="0" marR="0" indent="1371600" algn="l" defTabSz="914400" rtl="0" fontAlgn="auto" latinLnBrk="0" hangingPunct="0">
+                <a:lnSpc>
+                  <a:spcPct val="100000"/>
+                </a:lnSpc>
+                <a:spcBef>
+                  <a:spcPts val="0"/>
+                </a:spcBef>
+                <a:spcAft>
+                  <a:spcPts val="0"/>
+                </a:spcAft>
+                <a:buClrTx/>
+                <a:buSzTx/>
+                <a:buFontTx/>
+                <a:buNone/>
+                <a:tabLst/>
+                <a:defRPr kumimoji="0" sz="1800" b="0" i="0" u="none" strike="noStrike" cap="none" spc="0" normalizeH="0" baseline="0">
+                  <a:ln>
+                    <a:noFill/>
+                  </a:ln>
+                  <a:solidFill>
+                    <a:srgbClr val="000000"/>
+                  </a:solidFill>
+                  <a:effectLst/>
+                  <a:uFillTx/>
+                  <a:latin typeface="+mn-lt"/>
+                  <a:ea typeface="+mn-ea"/>
+                  <a:cs typeface="+mn-cs"/>
+                  <a:sym typeface="Calibri"/>
+                </a:defRPr>
+              </a:lvl4pPr>
+              <a:lvl5pPr marL="0" marR="0" indent="1828800" algn="l" defTabSz="914400" rtl="0" fontAlgn="auto" latinLnBrk="0" hangingPunct="0">
+                <a:lnSpc>
+                  <a:spcPct val="100000"/>
+                </a:lnSpc>
+                <a:spcBef>
+                  <a:spcPts val="0"/>
+                </a:spcBef>
+                <a:spcAft>
+                  <a:spcPts val="0"/>
+                </a:spcAft>
+                <a:buClrTx/>
+                <a:buSzTx/>
+                <a:buFontTx/>
+                <a:buNone/>
+                <a:tabLst/>
+                <a:defRPr kumimoji="0" sz="1800" b="0" i="0" u="none" strike="noStrike" cap="none" spc="0" normalizeH="0" baseline="0">
+                  <a:ln>
+                    <a:noFill/>
+                  </a:ln>
+                  <a:solidFill>
+                    <a:srgbClr val="000000"/>
+                  </a:solidFill>
+                  <a:effectLst/>
+                  <a:uFillTx/>
+                  <a:latin typeface="+mn-lt"/>
+                  <a:ea typeface="+mn-ea"/>
+                  <a:cs typeface="+mn-cs"/>
+                  <a:sym typeface="Calibri"/>
+                </a:defRPr>
+              </a:lvl5pPr>
+              <a:lvl6pPr marL="0" marR="0" indent="2286000" algn="l" defTabSz="914400" rtl="0" fontAlgn="auto" latinLnBrk="0" hangingPunct="0">
+                <a:lnSpc>
+                  <a:spcPct val="100000"/>
+                </a:lnSpc>
+                <a:spcBef>
+                  <a:spcPts val="0"/>
+                </a:spcBef>
+                <a:spcAft>
+                  <a:spcPts val="0"/>
+                </a:spcAft>
+                <a:buClrTx/>
+                <a:buSzTx/>
+                <a:buFontTx/>
+                <a:buNone/>
+                <a:tabLst/>
+                <a:defRPr kumimoji="0" sz="1800" b="0" i="0" u="none" strike="noStrike" cap="none" spc="0" normalizeH="0" baseline="0">
+                  <a:ln>
+                    <a:noFill/>
+                  </a:ln>
+                  <a:solidFill>
+                    <a:srgbClr val="000000"/>
+                  </a:solidFill>
+                  <a:effectLst/>
+                  <a:uFillTx/>
+                  <a:latin typeface="+mn-lt"/>
+                  <a:ea typeface="+mn-ea"/>
+                  <a:cs typeface="+mn-cs"/>
+                  <a:sym typeface="Calibri"/>
+                </a:defRPr>
+              </a:lvl6pPr>
+              <a:lvl7pPr marL="0" marR="0" indent="2743200" algn="l" defTabSz="914400" rtl="0" fontAlgn="auto" latinLnBrk="0" hangingPunct="0">
+                <a:lnSpc>
+                  <a:spcPct val="100000"/>
+                </a:lnSpc>
+                <a:spcBef>
+                  <a:spcPts val="0"/>
+                </a:spcBef>
+                <a:spcAft>
+                  <a:spcPts val="0"/>
+                </a:spcAft>
+                <a:buClrTx/>
+                <a:buSzTx/>
+                <a:buFontTx/>
+                <a:buNone/>
+                <a:tabLst/>
+                <a:defRPr kumimoji="0" sz="1800" b="0" i="0" u="none" strike="noStrike" cap="none" spc="0" normalizeH="0" baseline="0">
+                  <a:ln>
+                    <a:noFill/>
+                  </a:ln>
+                  <a:solidFill>
+                    <a:srgbClr val="000000"/>
+                  </a:solidFill>
+                  <a:effectLst/>
+                  <a:uFillTx/>
+                  <a:latin typeface="+mn-lt"/>
+                  <a:ea typeface="+mn-ea"/>
+                  <a:cs typeface="+mn-cs"/>
+                  <a:sym typeface="Calibri"/>
+                </a:defRPr>
+              </a:lvl7pPr>
+              <a:lvl8pPr marL="0" marR="0" indent="3200400" algn="l" defTabSz="914400" rtl="0" fontAlgn="auto" latinLnBrk="0" hangingPunct="0">
+                <a:lnSpc>
+                  <a:spcPct val="100000"/>
+                </a:lnSpc>
+                <a:spcBef>
+                  <a:spcPts val="0"/>
+                </a:spcBef>
+                <a:spcAft>
+                  <a:spcPts val="0"/>
+                </a:spcAft>
+                <a:buClrTx/>
+                <a:buSzTx/>
+                <a:buFontTx/>
+                <a:buNone/>
+                <a:tabLst/>
+                <a:defRPr kumimoji="0" sz="1800" b="0" i="0" u="none" strike="noStrike" cap="none" spc="0" normalizeH="0" baseline="0">
+                  <a:ln>
+                    <a:noFill/>
+                  </a:ln>
+                  <a:solidFill>
+                    <a:srgbClr val="000000"/>
+                  </a:solidFill>
+                  <a:effectLst/>
+                  <a:uFillTx/>
+                  <a:latin typeface="+mn-lt"/>
+                  <a:ea typeface="+mn-ea"/>
+                  <a:cs typeface="+mn-cs"/>
+                  <a:sym typeface="Calibri"/>
+                </a:defRPr>
+              </a:lvl8pPr>
+              <a:lvl9pPr marL="0" marR="0" indent="3657600" algn="l" defTabSz="914400" rtl="0" fontAlgn="auto" latinLnBrk="0" hangingPunct="0">
+                <a:lnSpc>
+                  <a:spcPct val="100000"/>
+                </a:lnSpc>
+                <a:spcBef>
+                  <a:spcPts val="0"/>
+                </a:spcBef>
+                <a:spcAft>
+                  <a:spcPts val="0"/>
+                </a:spcAft>
+                <a:buClrTx/>
+                <a:buSzTx/>
+                <a:buFontTx/>
+                <a:buNone/>
+                <a:tabLst/>
+                <a:defRPr kumimoji="0" sz="1800" b="0" i="0" u="none" strike="noStrike" cap="none" spc="0" normalizeH="0" baseline="0">
+                  <a:ln>
+                    <a:noFill/>
+                  </a:ln>
+                  <a:solidFill>
+                    <a:srgbClr val="000000"/>
+                  </a:solidFill>
+                  <a:effectLst/>
+                  <a:uFillTx/>
+                  <a:latin typeface="+mn-lt"/>
+                  <a:ea typeface="+mn-ea"/>
+                  <a:cs typeface="+mn-cs"/>
+                  <a:sym typeface="Calibri"/>
+                </a:defRPr>
+              </a:lvl9pPr>
+            </a:lstStyle>
+            <a:p>
+              <a:pPr algn="ctr"/>
+              <a:r>
+                <a:rPr dirty="0"/>
+                <a:t>CONVERSION</a:t>
+              </a:r>
+            </a:p>
+          </p:txBody>
+        </p:sp>
+        <p:graphicFrame>
+          <p:nvGraphicFramePr>
+            <p:cNvPr id="9" name="Table">
+              <a:extLst>
+                <a:ext uri="{FF2B5EF4-FFF2-40B4-BE49-F238E27FC236}">
+                  <a16:creationId xmlns:a16="http://schemas.microsoft.com/office/drawing/2014/main" id="{4BCB8311-8A3D-42F5-BCB9-CE23BB2475F9}"/>
+                </a:ext>
+              </a:extLst>
+            </p:cNvPr>
+            <p:cNvGraphicFramePr/>
+            <p:nvPr>
+              <p:extLst>
+                <p:ext uri="{D42A27DB-BD31-4B8C-83A1-F6EECF244321}">
+                  <p14:modId xmlns:p14="http://schemas.microsoft.com/office/powerpoint/2010/main" val="17968322"/>
+                </p:ext>
+              </p:extLst>
+            </p:nvPr>
+          </p:nvGraphicFramePr>
+          <p:xfrm>
+            <a:off x="6861262" y="1494132"/>
+            <a:ext cx="4300868" cy="4675552"/>
+          </p:xfrm>
+          <a:graphic>
+            <a:graphicData uri="http://schemas.openxmlformats.org/drawingml/2006/table">
+              <a:tbl>
+                <a:tblPr firstRow="1">
+                  <a:tableStyleId>{F5AB1C69-6EDB-4FF4-983F-18BD219EF322}</a:tableStyleId>
+                </a:tblPr>
+                <a:tblGrid>
+                  <a:gridCol w="1075217">
+                    <a:extLst>
+                      <a:ext uri="{9D8B030D-6E8A-4147-A177-3AD203B41FA5}">
+                        <a16:colId xmlns:a16="http://schemas.microsoft.com/office/drawing/2014/main" val="20000"/>
+                      </a:ext>
+                    </a:extLst>
+                  </a:gridCol>
+                  <a:gridCol w="1075217">
+                    <a:extLst>
+                      <a:ext uri="{9D8B030D-6E8A-4147-A177-3AD203B41FA5}">
+                        <a16:colId xmlns:a16="http://schemas.microsoft.com/office/drawing/2014/main" val="20001"/>
+                      </a:ext>
+                    </a:extLst>
+                  </a:gridCol>
+                  <a:gridCol w="1075217">
+                    <a:extLst>
+                      <a:ext uri="{9D8B030D-6E8A-4147-A177-3AD203B41FA5}">
+                        <a16:colId xmlns:a16="http://schemas.microsoft.com/office/drawing/2014/main" val="20002"/>
+                      </a:ext>
+                    </a:extLst>
+                  </a:gridCol>
+                  <a:gridCol w="1075217">
+                    <a:extLst>
+                      <a:ext uri="{9D8B030D-6E8A-4147-A177-3AD203B41FA5}">
+                        <a16:colId xmlns:a16="http://schemas.microsoft.com/office/drawing/2014/main" val="20003"/>
+                      </a:ext>
+                    </a:extLst>
+                  </a:gridCol>
+                </a:tblGrid>
+                <a:tr h="584444">
+                  <a:tc>
+                    <a:txBody>
+                      <a:bodyPr/>
+                      <a:lstStyle>
+                        <a:lvl1pPr marL="0" algn="l" defTabSz="914400" rtl="0" eaLnBrk="1" latinLnBrk="0" hangingPunct="1">
+                          <a:defRPr sz="1800" kern="1200">
+                            <a:solidFill>
+                              <a:schemeClr val="tx1"/>
+                            </a:solidFill>
+                            <a:latin typeface="Calibri"/>
+                            <a:ea typeface="Calibri"/>
+                            <a:cs typeface="Calibri"/>
+                          </a:defRPr>
+                        </a:lvl1pPr>
+                        <a:lvl2pPr marL="457200" algn="l" defTabSz="914400" rtl="0" eaLnBrk="1" latinLnBrk="0" hangingPunct="1">
+                          <a:defRPr sz="1800" kern="1200">
+                            <a:solidFill>
+                              <a:schemeClr val="tx1"/>
+                            </a:solidFill>
+                            <a:latin typeface="Calibri"/>
+                            <a:ea typeface="Calibri"/>
+                            <a:cs typeface="Calibri"/>
+                          </a:defRPr>
+                        </a:lvl2pPr>
+                        <a:lvl3pPr marL="914400" algn="l" defTabSz="914400" rtl="0" eaLnBrk="1" latinLnBrk="0" hangingPunct="1">
+                          <a:defRPr sz="1800" kern="1200">
+                            <a:solidFill>
+                              <a:schemeClr val="tx1"/>
+                            </a:solidFill>
+                            <a:latin typeface="Calibri"/>
+                            <a:ea typeface="Calibri"/>
+                            <a:cs typeface="Calibri"/>
+                          </a:defRPr>
+                        </a:lvl3pPr>
+                        <a:lvl4pPr marL="1371600" algn="l" defTabSz="914400" rtl="0" eaLnBrk="1" latinLnBrk="0" hangingPunct="1">
+                          <a:defRPr sz="1800" kern="1200">
+                            <a:solidFill>
+                              <a:schemeClr val="tx1"/>
+                            </a:solidFill>
+                            <a:latin typeface="Calibri"/>
+                            <a:ea typeface="Calibri"/>
+                            <a:cs typeface="Calibri"/>
+                          </a:defRPr>
+                        </a:lvl4pPr>
+                        <a:lvl5pPr marL="1828800" algn="l" defTabSz="914400" rtl="0" eaLnBrk="1" latinLnBrk="0" hangingPunct="1">
+                          <a:defRPr sz="1800" kern="1200">
+                            <a:solidFill>
+                              <a:schemeClr val="tx1"/>
+                            </a:solidFill>
+                            <a:latin typeface="Calibri"/>
+                            <a:ea typeface="Calibri"/>
+                            <a:cs typeface="Calibri"/>
+                          </a:defRPr>
+                        </a:lvl5pPr>
+                        <a:lvl6pPr marL="2286000" algn="l" defTabSz="914400" rtl="0" eaLnBrk="1" latinLnBrk="0" hangingPunct="1">
+                          <a:defRPr sz="1800" kern="1200">
+                            <a:solidFill>
+                              <a:schemeClr val="tx1"/>
+                            </a:solidFill>
+                            <a:latin typeface="Calibri"/>
+                            <a:ea typeface="Calibri"/>
+                            <a:cs typeface="Calibri"/>
+                          </a:defRPr>
+                        </a:lvl6pPr>
+                        <a:lvl7pPr marL="2743200" algn="l" defTabSz="914400" rtl="0" eaLnBrk="1" latinLnBrk="0" hangingPunct="1">
+                          <a:defRPr sz="1800" kern="1200">
+                            <a:solidFill>
+                              <a:schemeClr val="tx1"/>
+                            </a:solidFill>
+                            <a:latin typeface="Calibri"/>
+                            <a:ea typeface="Calibri"/>
+                            <a:cs typeface="Calibri"/>
+                          </a:defRPr>
+                        </a:lvl7pPr>
+                        <a:lvl8pPr marL="3200400" algn="l" defTabSz="914400" rtl="0" eaLnBrk="1" latinLnBrk="0" hangingPunct="1">
+                          <a:defRPr sz="1800" kern="1200">
+                            <a:solidFill>
+                              <a:schemeClr val="tx1"/>
+                            </a:solidFill>
+                            <a:latin typeface="Calibri"/>
+                            <a:ea typeface="Calibri"/>
+                            <a:cs typeface="Calibri"/>
+                          </a:defRPr>
+                        </a:lvl8pPr>
+                        <a:lvl9pPr marL="3657600" algn="l" defTabSz="914400" rtl="0" eaLnBrk="1" latinLnBrk="0" hangingPunct="1">
+                          <a:defRPr sz="1800" kern="1200">
+                            <a:solidFill>
+                              <a:schemeClr val="tx1"/>
+                            </a:solidFill>
+                            <a:latin typeface="Calibri"/>
+                            <a:ea typeface="Calibri"/>
+                            <a:cs typeface="Calibri"/>
+                          </a:defRPr>
+                        </a:lvl9pPr>
+                      </a:lstStyle>
+                      <a:p>
+                        <a:pPr algn="ctr">
+                          <a:defRPr sz="1800" b="0"/>
+                        </a:pPr>
+                        <a:r>
+                          <a:t>Mutation</a:t>
+                        </a:r>
+                        <a:endParaRPr b="1"/>
+                      </a:p>
+                    </a:txBody>
+                    <a:tcPr marL="0" marR="0" marT="0" marB="0" anchor="ctr" horzOverflow="overflow"/>
+                  </a:tc>
+                  <a:tc>
+                    <a:txBody>
+                      <a:bodyPr/>
+                      <a:lstStyle>
+                        <a:lvl1pPr marL="0" algn="l" defTabSz="914400" rtl="0" eaLnBrk="1" latinLnBrk="0" hangingPunct="1">
+                          <a:defRPr sz="1800" kern="1200">
+                            <a:solidFill>
+                              <a:schemeClr val="tx1"/>
+                            </a:solidFill>
+                            <a:latin typeface="Calibri"/>
+                            <a:ea typeface="Calibri"/>
+                            <a:cs typeface="Calibri"/>
+                          </a:defRPr>
+                        </a:lvl1pPr>
+                        <a:lvl2pPr marL="457200" algn="l" defTabSz="914400" rtl="0" eaLnBrk="1" latinLnBrk="0" hangingPunct="1">
+                          <a:defRPr sz="1800" kern="1200">
+                            <a:solidFill>
+                              <a:schemeClr val="tx1"/>
+                            </a:solidFill>
+                            <a:latin typeface="Calibri"/>
+                            <a:ea typeface="Calibri"/>
+                            <a:cs typeface="Calibri"/>
+                          </a:defRPr>
+                        </a:lvl2pPr>
+                        <a:lvl3pPr marL="914400" algn="l" defTabSz="914400" rtl="0" eaLnBrk="1" latinLnBrk="0" hangingPunct="1">
+                          <a:defRPr sz="1800" kern="1200">
+                            <a:solidFill>
+                              <a:schemeClr val="tx1"/>
+                            </a:solidFill>
+                            <a:latin typeface="Calibri"/>
+                            <a:ea typeface="Calibri"/>
+                            <a:cs typeface="Calibri"/>
+                          </a:defRPr>
+                        </a:lvl3pPr>
+                        <a:lvl4pPr marL="1371600" algn="l" defTabSz="914400" rtl="0" eaLnBrk="1" latinLnBrk="0" hangingPunct="1">
+                          <a:defRPr sz="1800" kern="1200">
+                            <a:solidFill>
+                              <a:schemeClr val="tx1"/>
+                            </a:solidFill>
+                            <a:latin typeface="Calibri"/>
+                            <a:ea typeface="Calibri"/>
+                            <a:cs typeface="Calibri"/>
+                          </a:defRPr>
+                        </a:lvl4pPr>
+                        <a:lvl5pPr marL="1828800" algn="l" defTabSz="914400" rtl="0" eaLnBrk="1" latinLnBrk="0" hangingPunct="1">
+                          <a:defRPr sz="1800" kern="1200">
+                            <a:solidFill>
+                              <a:schemeClr val="tx1"/>
+                            </a:solidFill>
+                            <a:latin typeface="Calibri"/>
+                            <a:ea typeface="Calibri"/>
+                            <a:cs typeface="Calibri"/>
+                          </a:defRPr>
+                        </a:lvl5pPr>
+                        <a:lvl6pPr marL="2286000" algn="l" defTabSz="914400" rtl="0" eaLnBrk="1" latinLnBrk="0" hangingPunct="1">
+                          <a:defRPr sz="1800" kern="1200">
+                            <a:solidFill>
+                              <a:schemeClr val="tx1"/>
+                            </a:solidFill>
+                            <a:latin typeface="Calibri"/>
+                            <a:ea typeface="Calibri"/>
+                            <a:cs typeface="Calibri"/>
+                          </a:defRPr>
+                        </a:lvl6pPr>
+                        <a:lvl7pPr marL="2743200" algn="l" defTabSz="914400" rtl="0" eaLnBrk="1" latinLnBrk="0" hangingPunct="1">
+                          <a:defRPr sz="1800" kern="1200">
+                            <a:solidFill>
+                              <a:schemeClr val="tx1"/>
+                            </a:solidFill>
+                            <a:latin typeface="Calibri"/>
+                            <a:ea typeface="Calibri"/>
+                            <a:cs typeface="Calibri"/>
+                          </a:defRPr>
+                        </a:lvl7pPr>
+                        <a:lvl8pPr marL="3200400" algn="l" defTabSz="914400" rtl="0" eaLnBrk="1" latinLnBrk="0" hangingPunct="1">
+                          <a:defRPr sz="1800" kern="1200">
+                            <a:solidFill>
+                              <a:schemeClr val="tx1"/>
+                            </a:solidFill>
+                            <a:latin typeface="Calibri"/>
+                            <a:ea typeface="Calibri"/>
+                            <a:cs typeface="Calibri"/>
+                          </a:defRPr>
+                        </a:lvl8pPr>
+                        <a:lvl9pPr marL="3657600" algn="l" defTabSz="914400" rtl="0" eaLnBrk="1" latinLnBrk="0" hangingPunct="1">
+                          <a:defRPr sz="1800" kern="1200">
+                            <a:solidFill>
+                              <a:schemeClr val="tx1"/>
+                            </a:solidFill>
+                            <a:latin typeface="Calibri"/>
+                            <a:ea typeface="Calibri"/>
+                            <a:cs typeface="Calibri"/>
+                          </a:defRPr>
+                        </a:lvl9pPr>
+                      </a:lstStyle>
+                      <a:p>
+                        <a:pPr algn="ctr">
+                          <a:defRPr sz="1800" b="0"/>
+                        </a:pPr>
+                        <a:r>
+                          <a:t>BLOSUM</a:t>
+                        </a:r>
+                        <a:endParaRPr b="1"/>
+                      </a:p>
+                    </a:txBody>
+                    <a:tcPr marL="0" marR="0" marT="0" marB="0" anchor="ctr" horzOverflow="overflow"/>
+                  </a:tc>
+                  <a:tc>
+                    <a:txBody>
+                      <a:bodyPr/>
+                      <a:lstStyle>
+                        <a:lvl1pPr marL="0" algn="l" defTabSz="914400" rtl="0" eaLnBrk="1" latinLnBrk="0" hangingPunct="1">
+                          <a:defRPr sz="1800" kern="1200">
+                            <a:solidFill>
+                              <a:schemeClr val="tx1"/>
+                            </a:solidFill>
+                            <a:latin typeface="Calibri"/>
+                            <a:ea typeface="Calibri"/>
+                            <a:cs typeface="Calibri"/>
+                          </a:defRPr>
+                        </a:lvl1pPr>
+                        <a:lvl2pPr marL="457200" algn="l" defTabSz="914400" rtl="0" eaLnBrk="1" latinLnBrk="0" hangingPunct="1">
+                          <a:defRPr sz="1800" kern="1200">
+                            <a:solidFill>
+                              <a:schemeClr val="tx1"/>
+                            </a:solidFill>
+                            <a:latin typeface="Calibri"/>
+                            <a:ea typeface="Calibri"/>
+                            <a:cs typeface="Calibri"/>
+                          </a:defRPr>
+                        </a:lvl2pPr>
+                        <a:lvl3pPr marL="914400" algn="l" defTabSz="914400" rtl="0" eaLnBrk="1" latinLnBrk="0" hangingPunct="1">
+                          <a:defRPr sz="1800" kern="1200">
+                            <a:solidFill>
+                              <a:schemeClr val="tx1"/>
+                            </a:solidFill>
+                            <a:latin typeface="Calibri"/>
+                            <a:ea typeface="Calibri"/>
+                            <a:cs typeface="Calibri"/>
+                          </a:defRPr>
+                        </a:lvl3pPr>
+                        <a:lvl4pPr marL="1371600" algn="l" defTabSz="914400" rtl="0" eaLnBrk="1" latinLnBrk="0" hangingPunct="1">
+                          <a:defRPr sz="1800" kern="1200">
+                            <a:solidFill>
+                              <a:schemeClr val="tx1"/>
+                            </a:solidFill>
+                            <a:latin typeface="Calibri"/>
+                            <a:ea typeface="Calibri"/>
+                            <a:cs typeface="Calibri"/>
+                          </a:defRPr>
+                        </a:lvl4pPr>
+                        <a:lvl5pPr marL="1828800" algn="l" defTabSz="914400" rtl="0" eaLnBrk="1" latinLnBrk="0" hangingPunct="1">
+                          <a:defRPr sz="1800" kern="1200">
+                            <a:solidFill>
+                              <a:schemeClr val="tx1"/>
+                            </a:solidFill>
+                            <a:latin typeface="Calibri"/>
+                            <a:ea typeface="Calibri"/>
+                            <a:cs typeface="Calibri"/>
+                          </a:defRPr>
+                        </a:lvl5pPr>
+                        <a:lvl6pPr marL="2286000" algn="l" defTabSz="914400" rtl="0" eaLnBrk="1" latinLnBrk="0" hangingPunct="1">
+                          <a:defRPr sz="1800" kern="1200">
+                            <a:solidFill>
+                              <a:schemeClr val="tx1"/>
+                            </a:solidFill>
+                            <a:latin typeface="Calibri"/>
+                            <a:ea typeface="Calibri"/>
+                            <a:cs typeface="Calibri"/>
+                          </a:defRPr>
+                        </a:lvl6pPr>
+                        <a:lvl7pPr marL="2743200" algn="l" defTabSz="914400" rtl="0" eaLnBrk="1" latinLnBrk="0" hangingPunct="1">
+                          <a:defRPr sz="1800" kern="1200">
+                            <a:solidFill>
+                              <a:schemeClr val="tx1"/>
+                            </a:solidFill>
+                            <a:latin typeface="Calibri"/>
+                            <a:ea typeface="Calibri"/>
+                            <a:cs typeface="Calibri"/>
+                          </a:defRPr>
+                        </a:lvl7pPr>
+                        <a:lvl8pPr marL="3200400" algn="l" defTabSz="914400" rtl="0" eaLnBrk="1" latinLnBrk="0" hangingPunct="1">
+                          <a:defRPr sz="1800" kern="1200">
+                            <a:solidFill>
+                              <a:schemeClr val="tx1"/>
+                            </a:solidFill>
+                            <a:latin typeface="Calibri"/>
+                            <a:ea typeface="Calibri"/>
+                            <a:cs typeface="Calibri"/>
+                          </a:defRPr>
+                        </a:lvl8pPr>
+                        <a:lvl9pPr marL="3657600" algn="l" defTabSz="914400" rtl="0" eaLnBrk="1" latinLnBrk="0" hangingPunct="1">
+                          <a:defRPr sz="1800" kern="1200">
+                            <a:solidFill>
+                              <a:schemeClr val="tx1"/>
+                            </a:solidFill>
+                            <a:latin typeface="Calibri"/>
+                            <a:ea typeface="Calibri"/>
+                            <a:cs typeface="Calibri"/>
+                          </a:defRPr>
+                        </a:lvl9pPr>
+                      </a:lstStyle>
+                      <a:p>
+                        <a:pPr algn="ctr">
+                          <a:defRPr sz="1800" b="0"/>
+                        </a:pPr>
+                        <a:r>
+                          <a:t>SNAP</a:t>
+                        </a:r>
+                        <a:endParaRPr b="1"/>
+                      </a:p>
+                    </a:txBody>
+                    <a:tcPr marL="0" marR="0" marT="0" marB="0" anchor="ctr" horzOverflow="overflow"/>
+                  </a:tc>
+                  <a:tc>
+                    <a:txBody>
+                      <a:bodyPr/>
+                      <a:lstStyle>
+                        <a:lvl1pPr marL="0" algn="l" defTabSz="914400" rtl="0" eaLnBrk="1" latinLnBrk="0" hangingPunct="1">
+                          <a:defRPr sz="1800" kern="1200">
+                            <a:solidFill>
+                              <a:schemeClr val="tx1"/>
+                            </a:solidFill>
+                            <a:latin typeface="Calibri"/>
+                            <a:ea typeface="Calibri"/>
+                            <a:cs typeface="Calibri"/>
+                          </a:defRPr>
+                        </a:lvl1pPr>
+                        <a:lvl2pPr marL="457200" algn="l" defTabSz="914400" rtl="0" eaLnBrk="1" latinLnBrk="0" hangingPunct="1">
+                          <a:defRPr sz="1800" kern="1200">
+                            <a:solidFill>
+                              <a:schemeClr val="tx1"/>
+                            </a:solidFill>
+                            <a:latin typeface="Calibri"/>
+                            <a:ea typeface="Calibri"/>
+                            <a:cs typeface="Calibri"/>
+                          </a:defRPr>
+                        </a:lvl2pPr>
+                        <a:lvl3pPr marL="914400" algn="l" defTabSz="914400" rtl="0" eaLnBrk="1" latinLnBrk="0" hangingPunct="1">
+                          <a:defRPr sz="1800" kern="1200">
+                            <a:solidFill>
+                              <a:schemeClr val="tx1"/>
+                            </a:solidFill>
+                            <a:latin typeface="Calibri"/>
+                            <a:ea typeface="Calibri"/>
+                            <a:cs typeface="Calibri"/>
+                          </a:defRPr>
+                        </a:lvl3pPr>
+                        <a:lvl4pPr marL="1371600" algn="l" defTabSz="914400" rtl="0" eaLnBrk="1" latinLnBrk="0" hangingPunct="1">
+                          <a:defRPr sz="1800" kern="1200">
+                            <a:solidFill>
+                              <a:schemeClr val="tx1"/>
+                            </a:solidFill>
+                            <a:latin typeface="Calibri"/>
+                            <a:ea typeface="Calibri"/>
+                            <a:cs typeface="Calibri"/>
+                          </a:defRPr>
+                        </a:lvl4pPr>
+                        <a:lvl5pPr marL="1828800" algn="l" defTabSz="914400" rtl="0" eaLnBrk="1" latinLnBrk="0" hangingPunct="1">
+                          <a:defRPr sz="1800" kern="1200">
+                            <a:solidFill>
+                              <a:schemeClr val="tx1"/>
+                            </a:solidFill>
+                            <a:latin typeface="Calibri"/>
+                            <a:ea typeface="Calibri"/>
+                            <a:cs typeface="Calibri"/>
+                          </a:defRPr>
+                        </a:lvl5pPr>
+                        <a:lvl6pPr marL="2286000" algn="l" defTabSz="914400" rtl="0" eaLnBrk="1" latinLnBrk="0" hangingPunct="1">
+                          <a:defRPr sz="1800" kern="1200">
+                            <a:solidFill>
+                              <a:schemeClr val="tx1"/>
+                            </a:solidFill>
+                            <a:latin typeface="Calibri"/>
+                            <a:ea typeface="Calibri"/>
+                            <a:cs typeface="Calibri"/>
+                          </a:defRPr>
+                        </a:lvl6pPr>
+                        <a:lvl7pPr marL="2743200" algn="l" defTabSz="914400" rtl="0" eaLnBrk="1" latinLnBrk="0" hangingPunct="1">
+                          <a:defRPr sz="1800" kern="1200">
+                            <a:solidFill>
+                              <a:schemeClr val="tx1"/>
+                            </a:solidFill>
+                            <a:latin typeface="Calibri"/>
+                            <a:ea typeface="Calibri"/>
+                            <a:cs typeface="Calibri"/>
+                          </a:defRPr>
+                        </a:lvl7pPr>
+                        <a:lvl8pPr marL="3200400" algn="l" defTabSz="914400" rtl="0" eaLnBrk="1" latinLnBrk="0" hangingPunct="1">
+                          <a:defRPr sz="1800" kern="1200">
+                            <a:solidFill>
+                              <a:schemeClr val="tx1"/>
+                            </a:solidFill>
+                            <a:latin typeface="Calibri"/>
+                            <a:ea typeface="Calibri"/>
+                            <a:cs typeface="Calibri"/>
+                          </a:defRPr>
+                        </a:lvl8pPr>
+                        <a:lvl9pPr marL="3657600" algn="l" defTabSz="914400" rtl="0" eaLnBrk="1" latinLnBrk="0" hangingPunct="1">
+                          <a:defRPr sz="1800" kern="1200">
+                            <a:solidFill>
+                              <a:schemeClr val="tx1"/>
+                            </a:solidFill>
+                            <a:latin typeface="Calibri"/>
+                            <a:ea typeface="Calibri"/>
+                            <a:cs typeface="Calibri"/>
+                          </a:defRPr>
+                        </a:lvl9pPr>
+                      </a:lstStyle>
+                      <a:p>
+                        <a:pPr algn="ctr">
+                          <a:defRPr sz="1800" b="0"/>
+                        </a:pPr>
+                        <a:r>
+                          <a:t>Feature</a:t>
+                        </a:r>
+                        <a:endParaRPr b="1"/>
+                      </a:p>
+                    </a:txBody>
+                    <a:tcPr marL="0" marR="0" marT="0" marB="0" anchor="ctr" horzOverflow="overflow"/>
+                  </a:tc>
+                  <a:extLst>
+                    <a:ext uri="{0D108BD9-81ED-4DB2-BD59-A6C34878D82A}">
+                      <a16:rowId xmlns:a16="http://schemas.microsoft.com/office/drawing/2014/main" val="10000"/>
+                    </a:ext>
+                  </a:extLst>
+                </a:tr>
+                <a:tr h="584444">
+                  <a:tc>
+                    <a:txBody>
+                      <a:bodyPr/>
+                      <a:lstStyle>
+                        <a:lvl1pPr marL="0" algn="l" defTabSz="914400" rtl="0" eaLnBrk="1" latinLnBrk="0" hangingPunct="1">
+                          <a:defRPr sz="1800" kern="1200">
+                            <a:solidFill>
+                              <a:schemeClr val="tx1"/>
+                            </a:solidFill>
+                            <a:latin typeface="Calibri"/>
+                            <a:ea typeface="Calibri"/>
+                            <a:cs typeface="Calibri"/>
+                          </a:defRPr>
+                        </a:lvl1pPr>
+                        <a:lvl2pPr marL="457200" algn="l" defTabSz="914400" rtl="0" eaLnBrk="1" latinLnBrk="0" hangingPunct="1">
+                          <a:defRPr sz="1800" kern="1200">
+                            <a:solidFill>
+                              <a:schemeClr val="tx1"/>
+                            </a:solidFill>
+                            <a:latin typeface="Calibri"/>
+                            <a:ea typeface="Calibri"/>
+                            <a:cs typeface="Calibri"/>
+                          </a:defRPr>
+                        </a:lvl2pPr>
+                        <a:lvl3pPr marL="914400" algn="l" defTabSz="914400" rtl="0" eaLnBrk="1" latinLnBrk="0" hangingPunct="1">
+                          <a:defRPr sz="1800" kern="1200">
+                            <a:solidFill>
+                              <a:schemeClr val="tx1"/>
+                            </a:solidFill>
+                            <a:latin typeface="Calibri"/>
+                            <a:ea typeface="Calibri"/>
+                            <a:cs typeface="Calibri"/>
+                          </a:defRPr>
+                        </a:lvl3pPr>
+                        <a:lvl4pPr marL="1371600" algn="l" defTabSz="914400" rtl="0" eaLnBrk="1" latinLnBrk="0" hangingPunct="1">
+                          <a:defRPr sz="1800" kern="1200">
+                            <a:solidFill>
+                              <a:schemeClr val="tx1"/>
+                            </a:solidFill>
+                            <a:latin typeface="Calibri"/>
+                            <a:ea typeface="Calibri"/>
+                            <a:cs typeface="Calibri"/>
+                          </a:defRPr>
+                        </a:lvl4pPr>
+                        <a:lvl5pPr marL="1828800" algn="l" defTabSz="914400" rtl="0" eaLnBrk="1" latinLnBrk="0" hangingPunct="1">
+                          <a:defRPr sz="1800" kern="1200">
+                            <a:solidFill>
+                              <a:schemeClr val="tx1"/>
+                            </a:solidFill>
+                            <a:latin typeface="Calibri"/>
+                            <a:ea typeface="Calibri"/>
+                            <a:cs typeface="Calibri"/>
+                          </a:defRPr>
+                        </a:lvl5pPr>
+                        <a:lvl6pPr marL="2286000" algn="l" defTabSz="914400" rtl="0" eaLnBrk="1" latinLnBrk="0" hangingPunct="1">
+                          <a:defRPr sz="1800" kern="1200">
+                            <a:solidFill>
+                              <a:schemeClr val="tx1"/>
+                            </a:solidFill>
+                            <a:latin typeface="Calibri"/>
+                            <a:ea typeface="Calibri"/>
+                            <a:cs typeface="Calibri"/>
+                          </a:defRPr>
+                        </a:lvl6pPr>
+                        <a:lvl7pPr marL="2743200" algn="l" defTabSz="914400" rtl="0" eaLnBrk="1" latinLnBrk="0" hangingPunct="1">
+                          <a:defRPr sz="1800" kern="1200">
+                            <a:solidFill>
+                              <a:schemeClr val="tx1"/>
+                            </a:solidFill>
+                            <a:latin typeface="Calibri"/>
+                            <a:ea typeface="Calibri"/>
+                            <a:cs typeface="Calibri"/>
+                          </a:defRPr>
+                        </a:lvl7pPr>
+                        <a:lvl8pPr marL="3200400" algn="l" defTabSz="914400" rtl="0" eaLnBrk="1" latinLnBrk="0" hangingPunct="1">
+                          <a:defRPr sz="1800" kern="1200">
+                            <a:solidFill>
+                              <a:schemeClr val="tx1"/>
+                            </a:solidFill>
+                            <a:latin typeface="Calibri"/>
+                            <a:ea typeface="Calibri"/>
+                            <a:cs typeface="Calibri"/>
+                          </a:defRPr>
+                        </a:lvl8pPr>
+                        <a:lvl9pPr marL="3657600" algn="l" defTabSz="914400" rtl="0" eaLnBrk="1" latinLnBrk="0" hangingPunct="1">
+                          <a:defRPr sz="1800" kern="1200">
+                            <a:solidFill>
+                              <a:schemeClr val="tx1"/>
+                            </a:solidFill>
+                            <a:latin typeface="Calibri"/>
+                            <a:ea typeface="Calibri"/>
+                            <a:cs typeface="Calibri"/>
+                          </a:defRPr>
+                        </a:lvl9pPr>
+                      </a:lstStyle>
+                      <a:p>
+                        <a:pPr algn="ctr">
+                          <a:defRPr sz="1800"/>
+                        </a:pPr>
+                        <a:r>
+                          <a:t>M -&gt; A</a:t>
+                        </a:r>
+                      </a:p>
+                    </a:txBody>
+                    <a:tcPr marL="0" marR="0" marT="0" marB="0" anchor="ctr" horzOverflow="overflow"/>
+                  </a:tc>
+                  <a:tc>
+                    <a:txBody>
+                      <a:bodyPr/>
+                      <a:lstStyle>
+                        <a:lvl1pPr marL="0" algn="l" defTabSz="914400" rtl="0" eaLnBrk="1" latinLnBrk="0" hangingPunct="1">
+                          <a:defRPr sz="1800" kern="1200">
+                            <a:solidFill>
+                              <a:schemeClr val="tx1"/>
+                            </a:solidFill>
+                            <a:latin typeface="Calibri"/>
+                            <a:ea typeface="Calibri"/>
+                            <a:cs typeface="Calibri"/>
+                          </a:defRPr>
+                        </a:lvl1pPr>
+                        <a:lvl2pPr marL="457200" algn="l" defTabSz="914400" rtl="0" eaLnBrk="1" latinLnBrk="0" hangingPunct="1">
+                          <a:defRPr sz="1800" kern="1200">
+                            <a:solidFill>
+                              <a:schemeClr val="tx1"/>
+                            </a:solidFill>
+                            <a:latin typeface="Calibri"/>
+                            <a:ea typeface="Calibri"/>
+                            <a:cs typeface="Calibri"/>
+                          </a:defRPr>
+                        </a:lvl2pPr>
+                        <a:lvl3pPr marL="914400" algn="l" defTabSz="914400" rtl="0" eaLnBrk="1" latinLnBrk="0" hangingPunct="1">
+                          <a:defRPr sz="1800" kern="1200">
+                            <a:solidFill>
+                              <a:schemeClr val="tx1"/>
+                            </a:solidFill>
+                            <a:latin typeface="Calibri"/>
+                            <a:ea typeface="Calibri"/>
+                            <a:cs typeface="Calibri"/>
+                          </a:defRPr>
+                        </a:lvl3pPr>
+                        <a:lvl4pPr marL="1371600" algn="l" defTabSz="914400" rtl="0" eaLnBrk="1" latinLnBrk="0" hangingPunct="1">
+                          <a:defRPr sz="1800" kern="1200">
+                            <a:solidFill>
+                              <a:schemeClr val="tx1"/>
+                            </a:solidFill>
+                            <a:latin typeface="Calibri"/>
+                            <a:ea typeface="Calibri"/>
+                            <a:cs typeface="Calibri"/>
+                          </a:defRPr>
+                        </a:lvl4pPr>
+                        <a:lvl5pPr marL="1828800" algn="l" defTabSz="914400" rtl="0" eaLnBrk="1" latinLnBrk="0" hangingPunct="1">
+                          <a:defRPr sz="1800" kern="1200">
+                            <a:solidFill>
+                              <a:schemeClr val="tx1"/>
+                            </a:solidFill>
+                            <a:latin typeface="Calibri"/>
+                            <a:ea typeface="Calibri"/>
+                            <a:cs typeface="Calibri"/>
+                          </a:defRPr>
+                        </a:lvl5pPr>
+                        <a:lvl6pPr marL="2286000" algn="l" defTabSz="914400" rtl="0" eaLnBrk="1" latinLnBrk="0" hangingPunct="1">
+                          <a:defRPr sz="1800" kern="1200">
+                            <a:solidFill>
+                              <a:schemeClr val="tx1"/>
+                            </a:solidFill>
+                            <a:latin typeface="Calibri"/>
+                            <a:ea typeface="Calibri"/>
+                            <a:cs typeface="Calibri"/>
+                          </a:defRPr>
+                        </a:lvl6pPr>
+                        <a:lvl7pPr marL="2743200" algn="l" defTabSz="914400" rtl="0" eaLnBrk="1" latinLnBrk="0" hangingPunct="1">
+                          <a:defRPr sz="1800" kern="1200">
+                            <a:solidFill>
+                              <a:schemeClr val="tx1"/>
+                            </a:solidFill>
+                            <a:latin typeface="Calibri"/>
+                            <a:ea typeface="Calibri"/>
+                            <a:cs typeface="Calibri"/>
+                          </a:defRPr>
+                        </a:lvl7pPr>
+                        <a:lvl8pPr marL="3200400" algn="l" defTabSz="914400" rtl="0" eaLnBrk="1" latinLnBrk="0" hangingPunct="1">
+                          <a:defRPr sz="1800" kern="1200">
+                            <a:solidFill>
+                              <a:schemeClr val="tx1"/>
+                            </a:solidFill>
+                            <a:latin typeface="Calibri"/>
+                            <a:ea typeface="Calibri"/>
+                            <a:cs typeface="Calibri"/>
+                          </a:defRPr>
+                        </a:lvl8pPr>
+                        <a:lvl9pPr marL="3657600" algn="l" defTabSz="914400" rtl="0" eaLnBrk="1" latinLnBrk="0" hangingPunct="1">
+                          <a:defRPr sz="1800" kern="1200">
+                            <a:solidFill>
+                              <a:schemeClr val="tx1"/>
+                            </a:solidFill>
+                            <a:latin typeface="Calibri"/>
+                            <a:ea typeface="Calibri"/>
+                            <a:cs typeface="Calibri"/>
+                          </a:defRPr>
+                        </a:lvl9pPr>
+                      </a:lstStyle>
+                      <a:p>
+                        <a:pPr algn="ctr">
+                          <a:defRPr sz="1800"/>
+                        </a:pPr>
+                        <a:r>
+                          <a:rPr dirty="0"/>
+                          <a:t>-1</a:t>
+                        </a:r>
+                      </a:p>
+                    </a:txBody>
+                    <a:tcPr marL="0" marR="0" marT="0" marB="0" anchor="ctr" horzOverflow="overflow"/>
+                  </a:tc>
+                  <a:tc>
+                    <a:txBody>
+                      <a:bodyPr/>
+                      <a:lstStyle>
+                        <a:lvl1pPr marL="0" algn="l" defTabSz="914400" rtl="0" eaLnBrk="1" latinLnBrk="0" hangingPunct="1">
+                          <a:defRPr sz="1800" kern="1200">
+                            <a:solidFill>
+                              <a:schemeClr val="tx1"/>
+                            </a:solidFill>
+                            <a:latin typeface="Calibri"/>
+                            <a:ea typeface="Calibri"/>
+                            <a:cs typeface="Calibri"/>
+                          </a:defRPr>
+                        </a:lvl1pPr>
+                        <a:lvl2pPr marL="457200" algn="l" defTabSz="914400" rtl="0" eaLnBrk="1" latinLnBrk="0" hangingPunct="1">
+                          <a:defRPr sz="1800" kern="1200">
+                            <a:solidFill>
+                              <a:schemeClr val="tx1"/>
+                            </a:solidFill>
+                            <a:latin typeface="Calibri"/>
+                            <a:ea typeface="Calibri"/>
+                            <a:cs typeface="Calibri"/>
+                          </a:defRPr>
+                        </a:lvl2pPr>
+                        <a:lvl3pPr marL="914400" algn="l" defTabSz="914400" rtl="0" eaLnBrk="1" latinLnBrk="0" hangingPunct="1">
+                          <a:defRPr sz="1800" kern="1200">
+                            <a:solidFill>
+                              <a:schemeClr val="tx1"/>
+                            </a:solidFill>
+                            <a:latin typeface="Calibri"/>
+                            <a:ea typeface="Calibri"/>
+                            <a:cs typeface="Calibri"/>
+                          </a:defRPr>
+                        </a:lvl3pPr>
+                        <a:lvl4pPr marL="1371600" algn="l" defTabSz="914400" rtl="0" eaLnBrk="1" latinLnBrk="0" hangingPunct="1">
+                          <a:defRPr sz="1800" kern="1200">
+                            <a:solidFill>
+                              <a:schemeClr val="tx1"/>
+                            </a:solidFill>
+                            <a:latin typeface="Calibri"/>
+                            <a:ea typeface="Calibri"/>
+                            <a:cs typeface="Calibri"/>
+                          </a:defRPr>
+                        </a:lvl4pPr>
+                        <a:lvl5pPr marL="1828800" algn="l" defTabSz="914400" rtl="0" eaLnBrk="1" latinLnBrk="0" hangingPunct="1">
+                          <a:defRPr sz="1800" kern="1200">
+                            <a:solidFill>
+                              <a:schemeClr val="tx1"/>
+                            </a:solidFill>
+                            <a:latin typeface="Calibri"/>
+                            <a:ea typeface="Calibri"/>
+                            <a:cs typeface="Calibri"/>
+                          </a:defRPr>
+                        </a:lvl5pPr>
+                        <a:lvl6pPr marL="2286000" algn="l" defTabSz="914400" rtl="0" eaLnBrk="1" latinLnBrk="0" hangingPunct="1">
+                          <a:defRPr sz="1800" kern="1200">
+                            <a:solidFill>
+                              <a:schemeClr val="tx1"/>
+                            </a:solidFill>
+                            <a:latin typeface="Calibri"/>
+                            <a:ea typeface="Calibri"/>
+                            <a:cs typeface="Calibri"/>
+                          </a:defRPr>
+                        </a:lvl6pPr>
+                        <a:lvl7pPr marL="2743200" algn="l" defTabSz="914400" rtl="0" eaLnBrk="1" latinLnBrk="0" hangingPunct="1">
+                          <a:defRPr sz="1800" kern="1200">
+                            <a:solidFill>
+                              <a:schemeClr val="tx1"/>
+                            </a:solidFill>
+                            <a:latin typeface="Calibri"/>
+                            <a:ea typeface="Calibri"/>
+                            <a:cs typeface="Calibri"/>
+                          </a:defRPr>
+                        </a:lvl7pPr>
+                        <a:lvl8pPr marL="3200400" algn="l" defTabSz="914400" rtl="0" eaLnBrk="1" latinLnBrk="0" hangingPunct="1">
+                          <a:defRPr sz="1800" kern="1200">
+                            <a:solidFill>
+                              <a:schemeClr val="tx1"/>
+                            </a:solidFill>
+                            <a:latin typeface="Calibri"/>
+                            <a:ea typeface="Calibri"/>
+                            <a:cs typeface="Calibri"/>
+                          </a:defRPr>
+                        </a:lvl8pPr>
+                        <a:lvl9pPr marL="3657600" algn="l" defTabSz="914400" rtl="0" eaLnBrk="1" latinLnBrk="0" hangingPunct="1">
+                          <a:defRPr sz="1800" kern="1200">
+                            <a:solidFill>
+                              <a:schemeClr val="tx1"/>
+                            </a:solidFill>
+                            <a:latin typeface="Calibri"/>
+                            <a:ea typeface="Calibri"/>
+                            <a:cs typeface="Calibri"/>
+                          </a:defRPr>
+                        </a:lvl9pPr>
+                      </a:lstStyle>
+                      <a:p>
+                        <a:pPr algn="ctr">
+                          <a:defRPr sz="1800"/>
+                        </a:pPr>
+                        <a:r>
+                          <a:t>59</a:t>
+                        </a:r>
+                      </a:p>
+                    </a:txBody>
+                    <a:tcPr marL="0" marR="0" marT="0" marB="0" anchor="ctr" horzOverflow="overflow"/>
+                  </a:tc>
+                  <a:tc>
+                    <a:txBody>
+                      <a:bodyPr/>
+                      <a:lstStyle>
+                        <a:lvl1pPr marL="0" algn="l" defTabSz="914400" rtl="0" eaLnBrk="1" latinLnBrk="0" hangingPunct="1">
+                          <a:defRPr sz="1800" kern="1200">
+                            <a:solidFill>
+                              <a:schemeClr val="tx1"/>
+                            </a:solidFill>
+                            <a:latin typeface="Calibri"/>
+                            <a:ea typeface="Calibri"/>
+                            <a:cs typeface="Calibri"/>
+                          </a:defRPr>
+                        </a:lvl1pPr>
+                        <a:lvl2pPr marL="457200" algn="l" defTabSz="914400" rtl="0" eaLnBrk="1" latinLnBrk="0" hangingPunct="1">
+                          <a:defRPr sz="1800" kern="1200">
+                            <a:solidFill>
+                              <a:schemeClr val="tx1"/>
+                            </a:solidFill>
+                            <a:latin typeface="Calibri"/>
+                            <a:ea typeface="Calibri"/>
+                            <a:cs typeface="Calibri"/>
+                          </a:defRPr>
+                        </a:lvl2pPr>
+                        <a:lvl3pPr marL="914400" algn="l" defTabSz="914400" rtl="0" eaLnBrk="1" latinLnBrk="0" hangingPunct="1">
+                          <a:defRPr sz="1800" kern="1200">
+                            <a:solidFill>
+                              <a:schemeClr val="tx1"/>
+                            </a:solidFill>
+                            <a:latin typeface="Calibri"/>
+                            <a:ea typeface="Calibri"/>
+                            <a:cs typeface="Calibri"/>
+                          </a:defRPr>
+                        </a:lvl3pPr>
+                        <a:lvl4pPr marL="1371600" algn="l" defTabSz="914400" rtl="0" eaLnBrk="1" latinLnBrk="0" hangingPunct="1">
+                          <a:defRPr sz="1800" kern="1200">
+                            <a:solidFill>
+                              <a:schemeClr val="tx1"/>
+                            </a:solidFill>
+                            <a:latin typeface="Calibri"/>
+                            <a:ea typeface="Calibri"/>
+                            <a:cs typeface="Calibri"/>
+                          </a:defRPr>
+                        </a:lvl4pPr>
+                        <a:lvl5pPr marL="1828800" algn="l" defTabSz="914400" rtl="0" eaLnBrk="1" latinLnBrk="0" hangingPunct="1">
+                          <a:defRPr sz="1800" kern="1200">
+                            <a:solidFill>
+                              <a:schemeClr val="tx1"/>
+                            </a:solidFill>
+                            <a:latin typeface="Calibri"/>
+                            <a:ea typeface="Calibri"/>
+                            <a:cs typeface="Calibri"/>
+                          </a:defRPr>
+                        </a:lvl5pPr>
+                        <a:lvl6pPr marL="2286000" algn="l" defTabSz="914400" rtl="0" eaLnBrk="1" latinLnBrk="0" hangingPunct="1">
+                          <a:defRPr sz="1800" kern="1200">
+                            <a:solidFill>
+                              <a:schemeClr val="tx1"/>
+                            </a:solidFill>
+                            <a:latin typeface="Calibri"/>
+                            <a:ea typeface="Calibri"/>
+                            <a:cs typeface="Calibri"/>
+                          </a:defRPr>
+                        </a:lvl6pPr>
+                        <a:lvl7pPr marL="2743200" algn="l" defTabSz="914400" rtl="0" eaLnBrk="1" latinLnBrk="0" hangingPunct="1">
+                          <a:defRPr sz="1800" kern="1200">
+                            <a:solidFill>
+                              <a:schemeClr val="tx1"/>
+                            </a:solidFill>
+                            <a:latin typeface="Calibri"/>
+                            <a:ea typeface="Calibri"/>
+                            <a:cs typeface="Calibri"/>
+                          </a:defRPr>
+                        </a:lvl7pPr>
+                        <a:lvl8pPr marL="3200400" algn="l" defTabSz="914400" rtl="0" eaLnBrk="1" latinLnBrk="0" hangingPunct="1">
+                          <a:defRPr sz="1800" kern="1200">
+                            <a:solidFill>
+                              <a:schemeClr val="tx1"/>
+                            </a:solidFill>
+                            <a:latin typeface="Calibri"/>
+                            <a:ea typeface="Calibri"/>
+                            <a:cs typeface="Calibri"/>
+                          </a:defRPr>
+                        </a:lvl8pPr>
+                        <a:lvl9pPr marL="3657600" algn="l" defTabSz="914400" rtl="0" eaLnBrk="1" latinLnBrk="0" hangingPunct="1">
+                          <a:defRPr sz="1800" kern="1200">
+                            <a:solidFill>
+                              <a:schemeClr val="tx1"/>
+                            </a:solidFill>
+                            <a:latin typeface="Calibri"/>
+                            <a:ea typeface="Calibri"/>
+                            <a:cs typeface="Calibri"/>
+                          </a:defRPr>
+                        </a:lvl9pPr>
+                      </a:lstStyle>
+                      <a:p>
+                        <a:pPr algn="ctr">
+                          <a:defRPr sz="1800"/>
+                        </a:pPr>
+                        <a:r>
+                          <a:rPr lang="de-DE" dirty="0"/>
+                          <a:t>-1</a:t>
+                        </a:r>
+                        <a:endParaRPr dirty="0"/>
+                      </a:p>
+                    </a:txBody>
+                    <a:tcPr marL="0" marR="0" marT="0" marB="0" anchor="ctr" horzOverflow="overflow"/>
+                  </a:tc>
+                  <a:extLst>
+                    <a:ext uri="{0D108BD9-81ED-4DB2-BD59-A6C34878D82A}">
+                      <a16:rowId xmlns:a16="http://schemas.microsoft.com/office/drawing/2014/main" val="10001"/>
+                    </a:ext>
+                  </a:extLst>
+                </a:tr>
+                <a:tr h="584444">
+                  <a:tc>
+                    <a:txBody>
+                      <a:bodyPr/>
+                      <a:lstStyle>
+                        <a:lvl1pPr marL="0" algn="l" defTabSz="914400" rtl="0" eaLnBrk="1" latinLnBrk="0" hangingPunct="1">
+                          <a:defRPr sz="1800" kern="1200">
+                            <a:solidFill>
+                              <a:schemeClr val="tx1"/>
+                            </a:solidFill>
+                            <a:latin typeface="Calibri"/>
+                            <a:ea typeface="Calibri"/>
+                            <a:cs typeface="Calibri"/>
+                          </a:defRPr>
+                        </a:lvl1pPr>
+                        <a:lvl2pPr marL="457200" algn="l" defTabSz="914400" rtl="0" eaLnBrk="1" latinLnBrk="0" hangingPunct="1">
+                          <a:defRPr sz="1800" kern="1200">
+                            <a:solidFill>
+                              <a:schemeClr val="tx1"/>
+                            </a:solidFill>
+                            <a:latin typeface="Calibri"/>
+                            <a:ea typeface="Calibri"/>
+                            <a:cs typeface="Calibri"/>
+                          </a:defRPr>
+                        </a:lvl2pPr>
+                        <a:lvl3pPr marL="914400" algn="l" defTabSz="914400" rtl="0" eaLnBrk="1" latinLnBrk="0" hangingPunct="1">
+                          <a:defRPr sz="1800" kern="1200">
+                            <a:solidFill>
+                              <a:schemeClr val="tx1"/>
+                            </a:solidFill>
+                            <a:latin typeface="Calibri"/>
+                            <a:ea typeface="Calibri"/>
+                            <a:cs typeface="Calibri"/>
+                          </a:defRPr>
+                        </a:lvl3pPr>
+                        <a:lvl4pPr marL="1371600" algn="l" defTabSz="914400" rtl="0" eaLnBrk="1" latinLnBrk="0" hangingPunct="1">
+                          <a:defRPr sz="1800" kern="1200">
+                            <a:solidFill>
+                              <a:schemeClr val="tx1"/>
+                            </a:solidFill>
+                            <a:latin typeface="Calibri"/>
+                            <a:ea typeface="Calibri"/>
+                            <a:cs typeface="Calibri"/>
+                          </a:defRPr>
+                        </a:lvl4pPr>
+                        <a:lvl5pPr marL="1828800" algn="l" defTabSz="914400" rtl="0" eaLnBrk="1" latinLnBrk="0" hangingPunct="1">
+                          <a:defRPr sz="1800" kern="1200">
+                            <a:solidFill>
+                              <a:schemeClr val="tx1"/>
+                            </a:solidFill>
+                            <a:latin typeface="Calibri"/>
+                            <a:ea typeface="Calibri"/>
+                            <a:cs typeface="Calibri"/>
+                          </a:defRPr>
+                        </a:lvl5pPr>
+                        <a:lvl6pPr marL="2286000" algn="l" defTabSz="914400" rtl="0" eaLnBrk="1" latinLnBrk="0" hangingPunct="1">
+                          <a:defRPr sz="1800" kern="1200">
+                            <a:solidFill>
+                              <a:schemeClr val="tx1"/>
+                            </a:solidFill>
+                            <a:latin typeface="Calibri"/>
+                            <a:ea typeface="Calibri"/>
+                            <a:cs typeface="Calibri"/>
+                          </a:defRPr>
+                        </a:lvl6pPr>
+                        <a:lvl7pPr marL="2743200" algn="l" defTabSz="914400" rtl="0" eaLnBrk="1" latinLnBrk="0" hangingPunct="1">
+                          <a:defRPr sz="1800" kern="1200">
+                            <a:solidFill>
+                              <a:schemeClr val="tx1"/>
+                            </a:solidFill>
+                            <a:latin typeface="Calibri"/>
+                            <a:ea typeface="Calibri"/>
+                            <a:cs typeface="Calibri"/>
+                          </a:defRPr>
+                        </a:lvl7pPr>
+                        <a:lvl8pPr marL="3200400" algn="l" defTabSz="914400" rtl="0" eaLnBrk="1" latinLnBrk="0" hangingPunct="1">
+                          <a:defRPr sz="1800" kern="1200">
+                            <a:solidFill>
+                              <a:schemeClr val="tx1"/>
+                            </a:solidFill>
+                            <a:latin typeface="Calibri"/>
+                            <a:ea typeface="Calibri"/>
+                            <a:cs typeface="Calibri"/>
+                          </a:defRPr>
+                        </a:lvl8pPr>
+                        <a:lvl9pPr marL="3657600" algn="l" defTabSz="914400" rtl="0" eaLnBrk="1" latinLnBrk="0" hangingPunct="1">
+                          <a:defRPr sz="1800" kern="1200">
+                            <a:solidFill>
+                              <a:schemeClr val="tx1"/>
+                            </a:solidFill>
+                            <a:latin typeface="Calibri"/>
+                            <a:ea typeface="Calibri"/>
+                            <a:cs typeface="Calibri"/>
+                          </a:defRPr>
+                        </a:lvl9pPr>
+                      </a:lstStyle>
+                      <a:p>
+                        <a:pPr algn="ctr">
+                          <a:defRPr sz="1800"/>
+                        </a:pPr>
+                        <a:r>
+                          <a:t>M -&gt; R</a:t>
+                        </a:r>
+                      </a:p>
+                    </a:txBody>
+                    <a:tcPr marL="0" marR="0" marT="0" marB="0" anchor="ctr" horzOverflow="overflow"/>
+                  </a:tc>
+                  <a:tc>
+                    <a:txBody>
+                      <a:bodyPr/>
+                      <a:lstStyle>
+                        <a:lvl1pPr marL="0" algn="l" defTabSz="914400" rtl="0" eaLnBrk="1" latinLnBrk="0" hangingPunct="1">
+                          <a:defRPr sz="1800" kern="1200">
+                            <a:solidFill>
+                              <a:schemeClr val="tx1"/>
+                            </a:solidFill>
+                            <a:latin typeface="Calibri"/>
+                            <a:ea typeface="Calibri"/>
+                            <a:cs typeface="Calibri"/>
+                          </a:defRPr>
+                        </a:lvl1pPr>
+                        <a:lvl2pPr marL="457200" algn="l" defTabSz="914400" rtl="0" eaLnBrk="1" latinLnBrk="0" hangingPunct="1">
+                          <a:defRPr sz="1800" kern="1200">
+                            <a:solidFill>
+                              <a:schemeClr val="tx1"/>
+                            </a:solidFill>
+                            <a:latin typeface="Calibri"/>
+                            <a:ea typeface="Calibri"/>
+                            <a:cs typeface="Calibri"/>
+                          </a:defRPr>
+                        </a:lvl2pPr>
+                        <a:lvl3pPr marL="914400" algn="l" defTabSz="914400" rtl="0" eaLnBrk="1" latinLnBrk="0" hangingPunct="1">
+                          <a:defRPr sz="1800" kern="1200">
+                            <a:solidFill>
+                              <a:schemeClr val="tx1"/>
+                            </a:solidFill>
+                            <a:latin typeface="Calibri"/>
+                            <a:ea typeface="Calibri"/>
+                            <a:cs typeface="Calibri"/>
+                          </a:defRPr>
+                        </a:lvl3pPr>
+                        <a:lvl4pPr marL="1371600" algn="l" defTabSz="914400" rtl="0" eaLnBrk="1" latinLnBrk="0" hangingPunct="1">
+                          <a:defRPr sz="1800" kern="1200">
+                            <a:solidFill>
+                              <a:schemeClr val="tx1"/>
+                            </a:solidFill>
+                            <a:latin typeface="Calibri"/>
+                            <a:ea typeface="Calibri"/>
+                            <a:cs typeface="Calibri"/>
+                          </a:defRPr>
+                        </a:lvl4pPr>
+                        <a:lvl5pPr marL="1828800" algn="l" defTabSz="914400" rtl="0" eaLnBrk="1" latinLnBrk="0" hangingPunct="1">
+                          <a:defRPr sz="1800" kern="1200">
+                            <a:solidFill>
+                              <a:schemeClr val="tx1"/>
+                            </a:solidFill>
+                            <a:latin typeface="Calibri"/>
+                            <a:ea typeface="Calibri"/>
+                            <a:cs typeface="Calibri"/>
+                          </a:defRPr>
+                        </a:lvl5pPr>
+                        <a:lvl6pPr marL="2286000" algn="l" defTabSz="914400" rtl="0" eaLnBrk="1" latinLnBrk="0" hangingPunct="1">
+                          <a:defRPr sz="1800" kern="1200">
+                            <a:solidFill>
+                              <a:schemeClr val="tx1"/>
+                            </a:solidFill>
+                            <a:latin typeface="Calibri"/>
+                            <a:ea typeface="Calibri"/>
+                            <a:cs typeface="Calibri"/>
+                          </a:defRPr>
+                        </a:lvl6pPr>
+                        <a:lvl7pPr marL="2743200" algn="l" defTabSz="914400" rtl="0" eaLnBrk="1" latinLnBrk="0" hangingPunct="1">
+                          <a:defRPr sz="1800" kern="1200">
+                            <a:solidFill>
+                              <a:schemeClr val="tx1"/>
+                            </a:solidFill>
+                            <a:latin typeface="Calibri"/>
+                            <a:ea typeface="Calibri"/>
+                            <a:cs typeface="Calibri"/>
+                          </a:defRPr>
+                        </a:lvl7pPr>
+                        <a:lvl8pPr marL="3200400" algn="l" defTabSz="914400" rtl="0" eaLnBrk="1" latinLnBrk="0" hangingPunct="1">
+                          <a:defRPr sz="1800" kern="1200">
+                            <a:solidFill>
+                              <a:schemeClr val="tx1"/>
+                            </a:solidFill>
+                            <a:latin typeface="Calibri"/>
+                            <a:ea typeface="Calibri"/>
+                            <a:cs typeface="Calibri"/>
+                          </a:defRPr>
+                        </a:lvl8pPr>
+                        <a:lvl9pPr marL="3657600" algn="l" defTabSz="914400" rtl="0" eaLnBrk="1" latinLnBrk="0" hangingPunct="1">
+                          <a:defRPr sz="1800" kern="1200">
+                            <a:solidFill>
+                              <a:schemeClr val="tx1"/>
+                            </a:solidFill>
+                            <a:latin typeface="Calibri"/>
+                            <a:ea typeface="Calibri"/>
+                            <a:cs typeface="Calibri"/>
+                          </a:defRPr>
+                        </a:lvl9pPr>
+                      </a:lstStyle>
+                      <a:p>
+                        <a:pPr algn="ctr">
+                          <a:defRPr sz="1800"/>
+                        </a:pPr>
+                        <a:r>
+                          <a:t>-1</a:t>
+                        </a:r>
+                      </a:p>
+                    </a:txBody>
+                    <a:tcPr marL="0" marR="0" marT="0" marB="0" anchor="ctr" horzOverflow="overflow"/>
+                  </a:tc>
+                  <a:tc>
+                    <a:txBody>
+                      <a:bodyPr/>
+                      <a:lstStyle>
+                        <a:lvl1pPr marL="0" algn="l" defTabSz="914400" rtl="0" eaLnBrk="1" latinLnBrk="0" hangingPunct="1">
+                          <a:defRPr sz="1800" kern="1200">
+                            <a:solidFill>
+                              <a:schemeClr val="tx1"/>
+                            </a:solidFill>
+                            <a:latin typeface="Calibri"/>
+                            <a:ea typeface="Calibri"/>
+                            <a:cs typeface="Calibri"/>
+                          </a:defRPr>
+                        </a:lvl1pPr>
+                        <a:lvl2pPr marL="457200" algn="l" defTabSz="914400" rtl="0" eaLnBrk="1" latinLnBrk="0" hangingPunct="1">
+                          <a:defRPr sz="1800" kern="1200">
+                            <a:solidFill>
+                              <a:schemeClr val="tx1"/>
+                            </a:solidFill>
+                            <a:latin typeface="Calibri"/>
+                            <a:ea typeface="Calibri"/>
+                            <a:cs typeface="Calibri"/>
+                          </a:defRPr>
+                        </a:lvl2pPr>
+                        <a:lvl3pPr marL="914400" algn="l" defTabSz="914400" rtl="0" eaLnBrk="1" latinLnBrk="0" hangingPunct="1">
+                          <a:defRPr sz="1800" kern="1200">
+                            <a:solidFill>
+                              <a:schemeClr val="tx1"/>
+                            </a:solidFill>
+                            <a:latin typeface="Calibri"/>
+                            <a:ea typeface="Calibri"/>
+                            <a:cs typeface="Calibri"/>
+                          </a:defRPr>
+                        </a:lvl3pPr>
+                        <a:lvl4pPr marL="1371600" algn="l" defTabSz="914400" rtl="0" eaLnBrk="1" latinLnBrk="0" hangingPunct="1">
+                          <a:defRPr sz="1800" kern="1200">
+                            <a:solidFill>
+                              <a:schemeClr val="tx1"/>
+                            </a:solidFill>
+                            <a:latin typeface="Calibri"/>
+                            <a:ea typeface="Calibri"/>
+                            <a:cs typeface="Calibri"/>
+                          </a:defRPr>
+                        </a:lvl4pPr>
+                        <a:lvl5pPr marL="1828800" algn="l" defTabSz="914400" rtl="0" eaLnBrk="1" latinLnBrk="0" hangingPunct="1">
+                          <a:defRPr sz="1800" kern="1200">
+                            <a:solidFill>
+                              <a:schemeClr val="tx1"/>
+                            </a:solidFill>
+                            <a:latin typeface="Calibri"/>
+                            <a:ea typeface="Calibri"/>
+                            <a:cs typeface="Calibri"/>
+                          </a:defRPr>
+                        </a:lvl5pPr>
+                        <a:lvl6pPr marL="2286000" algn="l" defTabSz="914400" rtl="0" eaLnBrk="1" latinLnBrk="0" hangingPunct="1">
+                          <a:defRPr sz="1800" kern="1200">
+                            <a:solidFill>
+                              <a:schemeClr val="tx1"/>
+                            </a:solidFill>
+                            <a:latin typeface="Calibri"/>
+                            <a:ea typeface="Calibri"/>
+                            <a:cs typeface="Calibri"/>
+                          </a:defRPr>
+                        </a:lvl6pPr>
+                        <a:lvl7pPr marL="2743200" algn="l" defTabSz="914400" rtl="0" eaLnBrk="1" latinLnBrk="0" hangingPunct="1">
+                          <a:defRPr sz="1800" kern="1200">
+                            <a:solidFill>
+                              <a:schemeClr val="tx1"/>
+                            </a:solidFill>
+                            <a:latin typeface="Calibri"/>
+                            <a:ea typeface="Calibri"/>
+                            <a:cs typeface="Calibri"/>
+                          </a:defRPr>
+                        </a:lvl7pPr>
+                        <a:lvl8pPr marL="3200400" algn="l" defTabSz="914400" rtl="0" eaLnBrk="1" latinLnBrk="0" hangingPunct="1">
+                          <a:defRPr sz="1800" kern="1200">
+                            <a:solidFill>
+                              <a:schemeClr val="tx1"/>
+                            </a:solidFill>
+                            <a:latin typeface="Calibri"/>
+                            <a:ea typeface="Calibri"/>
+                            <a:cs typeface="Calibri"/>
+                          </a:defRPr>
+                        </a:lvl8pPr>
+                        <a:lvl9pPr marL="3657600" algn="l" defTabSz="914400" rtl="0" eaLnBrk="1" latinLnBrk="0" hangingPunct="1">
+                          <a:defRPr sz="1800" kern="1200">
+                            <a:solidFill>
+                              <a:schemeClr val="tx1"/>
+                            </a:solidFill>
+                            <a:latin typeface="Calibri"/>
+                            <a:ea typeface="Calibri"/>
+                            <a:cs typeface="Calibri"/>
+                          </a:defRPr>
+                        </a:lvl9pPr>
+                      </a:lstStyle>
+                      <a:p>
+                        <a:pPr algn="ctr">
+                          <a:defRPr sz="1800"/>
+                        </a:pPr>
+                        <a:r>
+                          <a:t>91</a:t>
+                        </a:r>
+                      </a:p>
+                    </a:txBody>
+                    <a:tcPr marL="0" marR="0" marT="0" marB="0" anchor="ctr" horzOverflow="overflow"/>
+                  </a:tc>
+                  <a:tc>
+                    <a:txBody>
+                      <a:bodyPr/>
+                      <a:lstStyle>
+                        <a:lvl1pPr marL="0" algn="l" defTabSz="914400" rtl="0" eaLnBrk="1" latinLnBrk="0" hangingPunct="1">
+                          <a:defRPr sz="1800" kern="1200">
+                            <a:solidFill>
+                              <a:schemeClr val="tx1"/>
+                            </a:solidFill>
+                            <a:latin typeface="Calibri"/>
+                            <a:ea typeface="Calibri"/>
+                            <a:cs typeface="Calibri"/>
+                          </a:defRPr>
+                        </a:lvl1pPr>
+                        <a:lvl2pPr marL="457200" algn="l" defTabSz="914400" rtl="0" eaLnBrk="1" latinLnBrk="0" hangingPunct="1">
+                          <a:defRPr sz="1800" kern="1200">
+                            <a:solidFill>
+                              <a:schemeClr val="tx1"/>
+                            </a:solidFill>
+                            <a:latin typeface="Calibri"/>
+                            <a:ea typeface="Calibri"/>
+                            <a:cs typeface="Calibri"/>
+                          </a:defRPr>
+                        </a:lvl2pPr>
+                        <a:lvl3pPr marL="914400" algn="l" defTabSz="914400" rtl="0" eaLnBrk="1" latinLnBrk="0" hangingPunct="1">
+                          <a:defRPr sz="1800" kern="1200">
+                            <a:solidFill>
+                              <a:schemeClr val="tx1"/>
+                            </a:solidFill>
+                            <a:latin typeface="Calibri"/>
+                            <a:ea typeface="Calibri"/>
+                            <a:cs typeface="Calibri"/>
+                          </a:defRPr>
+                        </a:lvl3pPr>
+                        <a:lvl4pPr marL="1371600" algn="l" defTabSz="914400" rtl="0" eaLnBrk="1" latinLnBrk="0" hangingPunct="1">
+                          <a:defRPr sz="1800" kern="1200">
+                            <a:solidFill>
+                              <a:schemeClr val="tx1"/>
+                            </a:solidFill>
+                            <a:latin typeface="Calibri"/>
+                            <a:ea typeface="Calibri"/>
+                            <a:cs typeface="Calibri"/>
+                          </a:defRPr>
+                        </a:lvl4pPr>
+                        <a:lvl5pPr marL="1828800" algn="l" defTabSz="914400" rtl="0" eaLnBrk="1" latinLnBrk="0" hangingPunct="1">
+                          <a:defRPr sz="1800" kern="1200">
+                            <a:solidFill>
+                              <a:schemeClr val="tx1"/>
+                            </a:solidFill>
+                            <a:latin typeface="Calibri"/>
+                            <a:ea typeface="Calibri"/>
+                            <a:cs typeface="Calibri"/>
+                          </a:defRPr>
+                        </a:lvl5pPr>
+                        <a:lvl6pPr marL="2286000" algn="l" defTabSz="914400" rtl="0" eaLnBrk="1" latinLnBrk="0" hangingPunct="1">
+                          <a:defRPr sz="1800" kern="1200">
+                            <a:solidFill>
+                              <a:schemeClr val="tx1"/>
+                            </a:solidFill>
+                            <a:latin typeface="Calibri"/>
+                            <a:ea typeface="Calibri"/>
+                            <a:cs typeface="Calibri"/>
+                          </a:defRPr>
+                        </a:lvl6pPr>
+                        <a:lvl7pPr marL="2743200" algn="l" defTabSz="914400" rtl="0" eaLnBrk="1" latinLnBrk="0" hangingPunct="1">
+                          <a:defRPr sz="1800" kern="1200">
+                            <a:solidFill>
+                              <a:schemeClr val="tx1"/>
+                            </a:solidFill>
+                            <a:latin typeface="Calibri"/>
+                            <a:ea typeface="Calibri"/>
+                            <a:cs typeface="Calibri"/>
+                          </a:defRPr>
+                        </a:lvl7pPr>
+                        <a:lvl8pPr marL="3200400" algn="l" defTabSz="914400" rtl="0" eaLnBrk="1" latinLnBrk="0" hangingPunct="1">
+                          <a:defRPr sz="1800" kern="1200">
+                            <a:solidFill>
+                              <a:schemeClr val="tx1"/>
+                            </a:solidFill>
+                            <a:latin typeface="Calibri"/>
+                            <a:ea typeface="Calibri"/>
+                            <a:cs typeface="Calibri"/>
+                          </a:defRPr>
+                        </a:lvl8pPr>
+                        <a:lvl9pPr marL="3657600" algn="l" defTabSz="914400" rtl="0" eaLnBrk="1" latinLnBrk="0" hangingPunct="1">
+                          <a:defRPr sz="1800" kern="1200">
+                            <a:solidFill>
+                              <a:schemeClr val="tx1"/>
+                            </a:solidFill>
+                            <a:latin typeface="Calibri"/>
+                            <a:ea typeface="Calibri"/>
+                            <a:cs typeface="Calibri"/>
+                          </a:defRPr>
+                        </a:lvl9pPr>
+                      </a:lstStyle>
+                      <a:p>
+                        <a:pPr algn="ctr">
+                          <a:defRPr sz="1800"/>
+                        </a:pPr>
+                        <a:r>
+                          <a:rPr dirty="0"/>
+                          <a:t>1</a:t>
+                        </a:r>
+                      </a:p>
+                    </a:txBody>
+                    <a:tcPr marL="0" marR="0" marT="0" marB="0" anchor="ctr" horzOverflow="overflow"/>
+                  </a:tc>
+                  <a:extLst>
+                    <a:ext uri="{0D108BD9-81ED-4DB2-BD59-A6C34878D82A}">
+                      <a16:rowId xmlns:a16="http://schemas.microsoft.com/office/drawing/2014/main" val="10002"/>
+                    </a:ext>
+                  </a:extLst>
+                </a:tr>
+                <a:tr h="584444">
+                  <a:tc>
+                    <a:txBody>
+                      <a:bodyPr/>
+                      <a:lstStyle>
+                        <a:lvl1pPr marL="0" algn="l" defTabSz="914400" rtl="0" eaLnBrk="1" latinLnBrk="0" hangingPunct="1">
+                          <a:defRPr sz="1800" kern="1200">
+                            <a:solidFill>
+                              <a:schemeClr val="tx1"/>
+                            </a:solidFill>
+                            <a:latin typeface="Calibri"/>
+                            <a:ea typeface="Calibri"/>
+                            <a:cs typeface="Calibri"/>
+                          </a:defRPr>
+                        </a:lvl1pPr>
+                        <a:lvl2pPr marL="457200" algn="l" defTabSz="914400" rtl="0" eaLnBrk="1" latinLnBrk="0" hangingPunct="1">
+                          <a:defRPr sz="1800" kern="1200">
+                            <a:solidFill>
+                              <a:schemeClr val="tx1"/>
+                            </a:solidFill>
+                            <a:latin typeface="Calibri"/>
+                            <a:ea typeface="Calibri"/>
+                            <a:cs typeface="Calibri"/>
+                          </a:defRPr>
+                        </a:lvl2pPr>
+                        <a:lvl3pPr marL="914400" algn="l" defTabSz="914400" rtl="0" eaLnBrk="1" latinLnBrk="0" hangingPunct="1">
+                          <a:defRPr sz="1800" kern="1200">
+                            <a:solidFill>
+                              <a:schemeClr val="tx1"/>
+                            </a:solidFill>
+                            <a:latin typeface="Calibri"/>
+                            <a:ea typeface="Calibri"/>
+                            <a:cs typeface="Calibri"/>
+                          </a:defRPr>
+                        </a:lvl3pPr>
+                        <a:lvl4pPr marL="1371600" algn="l" defTabSz="914400" rtl="0" eaLnBrk="1" latinLnBrk="0" hangingPunct="1">
+                          <a:defRPr sz="1800" kern="1200">
+                            <a:solidFill>
+                              <a:schemeClr val="tx1"/>
+                            </a:solidFill>
+                            <a:latin typeface="Calibri"/>
+                            <a:ea typeface="Calibri"/>
+                            <a:cs typeface="Calibri"/>
+                          </a:defRPr>
+                        </a:lvl4pPr>
+                        <a:lvl5pPr marL="1828800" algn="l" defTabSz="914400" rtl="0" eaLnBrk="1" latinLnBrk="0" hangingPunct="1">
+                          <a:defRPr sz="1800" kern="1200">
+                            <a:solidFill>
+                              <a:schemeClr val="tx1"/>
+                            </a:solidFill>
+                            <a:latin typeface="Calibri"/>
+                            <a:ea typeface="Calibri"/>
+                            <a:cs typeface="Calibri"/>
+                          </a:defRPr>
+                        </a:lvl5pPr>
+                        <a:lvl6pPr marL="2286000" algn="l" defTabSz="914400" rtl="0" eaLnBrk="1" latinLnBrk="0" hangingPunct="1">
+                          <a:defRPr sz="1800" kern="1200">
+                            <a:solidFill>
+                              <a:schemeClr val="tx1"/>
+                            </a:solidFill>
+                            <a:latin typeface="Calibri"/>
+                            <a:ea typeface="Calibri"/>
+                            <a:cs typeface="Calibri"/>
+                          </a:defRPr>
+                        </a:lvl6pPr>
+                        <a:lvl7pPr marL="2743200" algn="l" defTabSz="914400" rtl="0" eaLnBrk="1" latinLnBrk="0" hangingPunct="1">
+                          <a:defRPr sz="1800" kern="1200">
+                            <a:solidFill>
+                              <a:schemeClr val="tx1"/>
+                            </a:solidFill>
+                            <a:latin typeface="Calibri"/>
+                            <a:ea typeface="Calibri"/>
+                            <a:cs typeface="Calibri"/>
+                          </a:defRPr>
+                        </a:lvl7pPr>
+                        <a:lvl8pPr marL="3200400" algn="l" defTabSz="914400" rtl="0" eaLnBrk="1" latinLnBrk="0" hangingPunct="1">
+                          <a:defRPr sz="1800" kern="1200">
+                            <a:solidFill>
+                              <a:schemeClr val="tx1"/>
+                            </a:solidFill>
+                            <a:latin typeface="Calibri"/>
+                            <a:ea typeface="Calibri"/>
+                            <a:cs typeface="Calibri"/>
+                          </a:defRPr>
+                        </a:lvl8pPr>
+                        <a:lvl9pPr marL="3657600" algn="l" defTabSz="914400" rtl="0" eaLnBrk="1" latinLnBrk="0" hangingPunct="1">
+                          <a:defRPr sz="1800" kern="1200">
+                            <a:solidFill>
+                              <a:schemeClr val="tx1"/>
+                            </a:solidFill>
+                            <a:latin typeface="Calibri"/>
+                            <a:ea typeface="Calibri"/>
+                            <a:cs typeface="Calibri"/>
+                          </a:defRPr>
+                        </a:lvl9pPr>
+                      </a:lstStyle>
+                      <a:p>
+                        <a:pPr algn="ctr">
+                          <a:defRPr sz="1800"/>
+                        </a:pPr>
+                        <a:r>
+                          <a:t>M -&gt; N</a:t>
+                        </a:r>
+                      </a:p>
+                    </a:txBody>
+                    <a:tcPr marL="0" marR="0" marT="0" marB="0" anchor="ctr" horzOverflow="overflow"/>
+                  </a:tc>
+                  <a:tc>
+                    <a:txBody>
+                      <a:bodyPr/>
+                      <a:lstStyle>
+                        <a:lvl1pPr marL="0" algn="l" defTabSz="914400" rtl="0" eaLnBrk="1" latinLnBrk="0" hangingPunct="1">
+                          <a:defRPr sz="1800" kern="1200">
+                            <a:solidFill>
+                              <a:schemeClr val="tx1"/>
+                            </a:solidFill>
+                            <a:latin typeface="Calibri"/>
+                            <a:ea typeface="Calibri"/>
+                            <a:cs typeface="Calibri"/>
+                          </a:defRPr>
+                        </a:lvl1pPr>
+                        <a:lvl2pPr marL="457200" algn="l" defTabSz="914400" rtl="0" eaLnBrk="1" latinLnBrk="0" hangingPunct="1">
+                          <a:defRPr sz="1800" kern="1200">
+                            <a:solidFill>
+                              <a:schemeClr val="tx1"/>
+                            </a:solidFill>
+                            <a:latin typeface="Calibri"/>
+                            <a:ea typeface="Calibri"/>
+                            <a:cs typeface="Calibri"/>
+                          </a:defRPr>
+                        </a:lvl2pPr>
+                        <a:lvl3pPr marL="914400" algn="l" defTabSz="914400" rtl="0" eaLnBrk="1" latinLnBrk="0" hangingPunct="1">
+                          <a:defRPr sz="1800" kern="1200">
+                            <a:solidFill>
+                              <a:schemeClr val="tx1"/>
+                            </a:solidFill>
+                            <a:latin typeface="Calibri"/>
+                            <a:ea typeface="Calibri"/>
+                            <a:cs typeface="Calibri"/>
+                          </a:defRPr>
+                        </a:lvl3pPr>
+                        <a:lvl4pPr marL="1371600" algn="l" defTabSz="914400" rtl="0" eaLnBrk="1" latinLnBrk="0" hangingPunct="1">
+                          <a:defRPr sz="1800" kern="1200">
+                            <a:solidFill>
+                              <a:schemeClr val="tx1"/>
+                            </a:solidFill>
+                            <a:latin typeface="Calibri"/>
+                            <a:ea typeface="Calibri"/>
+                            <a:cs typeface="Calibri"/>
+                          </a:defRPr>
+                        </a:lvl4pPr>
+                        <a:lvl5pPr marL="1828800" algn="l" defTabSz="914400" rtl="0" eaLnBrk="1" latinLnBrk="0" hangingPunct="1">
+                          <a:defRPr sz="1800" kern="1200">
+                            <a:solidFill>
+                              <a:schemeClr val="tx1"/>
+                            </a:solidFill>
+                            <a:latin typeface="Calibri"/>
+                            <a:ea typeface="Calibri"/>
+                            <a:cs typeface="Calibri"/>
+                          </a:defRPr>
+                        </a:lvl5pPr>
+                        <a:lvl6pPr marL="2286000" algn="l" defTabSz="914400" rtl="0" eaLnBrk="1" latinLnBrk="0" hangingPunct="1">
+                          <a:defRPr sz="1800" kern="1200">
+                            <a:solidFill>
+                              <a:schemeClr val="tx1"/>
+                            </a:solidFill>
+                            <a:latin typeface="Calibri"/>
+                            <a:ea typeface="Calibri"/>
+                            <a:cs typeface="Calibri"/>
+                          </a:defRPr>
+                        </a:lvl6pPr>
+                        <a:lvl7pPr marL="2743200" algn="l" defTabSz="914400" rtl="0" eaLnBrk="1" latinLnBrk="0" hangingPunct="1">
+                          <a:defRPr sz="1800" kern="1200">
+                            <a:solidFill>
+                              <a:schemeClr val="tx1"/>
+                            </a:solidFill>
+                            <a:latin typeface="Calibri"/>
+                            <a:ea typeface="Calibri"/>
+                            <a:cs typeface="Calibri"/>
+                          </a:defRPr>
+                        </a:lvl7pPr>
+                        <a:lvl8pPr marL="3200400" algn="l" defTabSz="914400" rtl="0" eaLnBrk="1" latinLnBrk="0" hangingPunct="1">
+                          <a:defRPr sz="1800" kern="1200">
+                            <a:solidFill>
+                              <a:schemeClr val="tx1"/>
+                            </a:solidFill>
+                            <a:latin typeface="Calibri"/>
+                            <a:ea typeface="Calibri"/>
+                            <a:cs typeface="Calibri"/>
+                          </a:defRPr>
+                        </a:lvl8pPr>
+                        <a:lvl9pPr marL="3657600" algn="l" defTabSz="914400" rtl="0" eaLnBrk="1" latinLnBrk="0" hangingPunct="1">
+                          <a:defRPr sz="1800" kern="1200">
+                            <a:solidFill>
+                              <a:schemeClr val="tx1"/>
+                            </a:solidFill>
+                            <a:latin typeface="Calibri"/>
+                            <a:ea typeface="Calibri"/>
+                            <a:cs typeface="Calibri"/>
+                          </a:defRPr>
+                        </a:lvl9pPr>
+                      </a:lstStyle>
+                      <a:p>
+                        <a:pPr algn="ctr">
+                          <a:defRPr sz="1800"/>
+                        </a:pPr>
+                        <a:r>
+                          <a:rPr dirty="0"/>
+                          <a:t>-2</a:t>
+                        </a:r>
+                      </a:p>
+                    </a:txBody>
+                    <a:tcPr marL="0" marR="0" marT="0" marB="0" anchor="ctr" horzOverflow="overflow"/>
+                  </a:tc>
+                  <a:tc>
+                    <a:txBody>
+                      <a:bodyPr/>
+                      <a:lstStyle>
+                        <a:lvl1pPr marL="0" algn="l" defTabSz="914400" rtl="0" eaLnBrk="1" latinLnBrk="0" hangingPunct="1">
+                          <a:defRPr sz="1800" kern="1200">
+                            <a:solidFill>
+                              <a:schemeClr val="tx1"/>
+                            </a:solidFill>
+                            <a:latin typeface="Calibri"/>
+                            <a:ea typeface="Calibri"/>
+                            <a:cs typeface="Calibri"/>
+                          </a:defRPr>
+                        </a:lvl1pPr>
+                        <a:lvl2pPr marL="457200" algn="l" defTabSz="914400" rtl="0" eaLnBrk="1" latinLnBrk="0" hangingPunct="1">
+                          <a:defRPr sz="1800" kern="1200">
+                            <a:solidFill>
+                              <a:schemeClr val="tx1"/>
+                            </a:solidFill>
+                            <a:latin typeface="Calibri"/>
+                            <a:ea typeface="Calibri"/>
+                            <a:cs typeface="Calibri"/>
+                          </a:defRPr>
+                        </a:lvl2pPr>
+                        <a:lvl3pPr marL="914400" algn="l" defTabSz="914400" rtl="0" eaLnBrk="1" latinLnBrk="0" hangingPunct="1">
+                          <a:defRPr sz="1800" kern="1200">
+                            <a:solidFill>
+                              <a:schemeClr val="tx1"/>
+                            </a:solidFill>
+                            <a:latin typeface="Calibri"/>
+                            <a:ea typeface="Calibri"/>
+                            <a:cs typeface="Calibri"/>
+                          </a:defRPr>
+                        </a:lvl3pPr>
+                        <a:lvl4pPr marL="1371600" algn="l" defTabSz="914400" rtl="0" eaLnBrk="1" latinLnBrk="0" hangingPunct="1">
+                          <a:defRPr sz="1800" kern="1200">
+                            <a:solidFill>
+                              <a:schemeClr val="tx1"/>
+                            </a:solidFill>
+                            <a:latin typeface="Calibri"/>
+                            <a:ea typeface="Calibri"/>
+                            <a:cs typeface="Calibri"/>
+                          </a:defRPr>
+                        </a:lvl4pPr>
+                        <a:lvl5pPr marL="1828800" algn="l" defTabSz="914400" rtl="0" eaLnBrk="1" latinLnBrk="0" hangingPunct="1">
+                          <a:defRPr sz="1800" kern="1200">
+                            <a:solidFill>
+                              <a:schemeClr val="tx1"/>
+                            </a:solidFill>
+                            <a:latin typeface="Calibri"/>
+                            <a:ea typeface="Calibri"/>
+                            <a:cs typeface="Calibri"/>
+                          </a:defRPr>
+                        </a:lvl5pPr>
+                        <a:lvl6pPr marL="2286000" algn="l" defTabSz="914400" rtl="0" eaLnBrk="1" latinLnBrk="0" hangingPunct="1">
+                          <a:defRPr sz="1800" kern="1200">
+                            <a:solidFill>
+                              <a:schemeClr val="tx1"/>
+                            </a:solidFill>
+                            <a:latin typeface="Calibri"/>
+                            <a:ea typeface="Calibri"/>
+                            <a:cs typeface="Calibri"/>
+                          </a:defRPr>
+                        </a:lvl6pPr>
+                        <a:lvl7pPr marL="2743200" algn="l" defTabSz="914400" rtl="0" eaLnBrk="1" latinLnBrk="0" hangingPunct="1">
+                          <a:defRPr sz="1800" kern="1200">
+                            <a:solidFill>
+                              <a:schemeClr val="tx1"/>
+                            </a:solidFill>
+                            <a:latin typeface="Calibri"/>
+                            <a:ea typeface="Calibri"/>
+                            <a:cs typeface="Calibri"/>
+                          </a:defRPr>
+                        </a:lvl7pPr>
+                        <a:lvl8pPr marL="3200400" algn="l" defTabSz="914400" rtl="0" eaLnBrk="1" latinLnBrk="0" hangingPunct="1">
+                          <a:defRPr sz="1800" kern="1200">
+                            <a:solidFill>
+                              <a:schemeClr val="tx1"/>
+                            </a:solidFill>
+                            <a:latin typeface="Calibri"/>
+                            <a:ea typeface="Calibri"/>
+                            <a:cs typeface="Calibri"/>
+                          </a:defRPr>
+                        </a:lvl8pPr>
+                        <a:lvl9pPr marL="3657600" algn="l" defTabSz="914400" rtl="0" eaLnBrk="1" latinLnBrk="0" hangingPunct="1">
+                          <a:defRPr sz="1800" kern="1200">
+                            <a:solidFill>
+                              <a:schemeClr val="tx1"/>
+                            </a:solidFill>
+                            <a:latin typeface="Calibri"/>
+                            <a:ea typeface="Calibri"/>
+                            <a:cs typeface="Calibri"/>
+                          </a:defRPr>
+                        </a:lvl9pPr>
+                      </a:lstStyle>
+                      <a:p>
+                        <a:pPr algn="ctr">
+                          <a:defRPr sz="1800"/>
+                        </a:pPr>
+                        <a:r>
+                          <a:t>85</a:t>
+                        </a:r>
+                      </a:p>
+                    </a:txBody>
+                    <a:tcPr marL="0" marR="0" marT="0" marB="0" anchor="ctr" horzOverflow="overflow"/>
+                  </a:tc>
+                  <a:tc>
+                    <a:txBody>
+                      <a:bodyPr/>
+                      <a:lstStyle>
+                        <a:lvl1pPr marL="0" algn="l" defTabSz="914400" rtl="0" eaLnBrk="1" latinLnBrk="0" hangingPunct="1">
+                          <a:defRPr sz="1800" kern="1200">
+                            <a:solidFill>
+                              <a:schemeClr val="tx1"/>
+                            </a:solidFill>
+                            <a:latin typeface="Calibri"/>
+                            <a:ea typeface="Calibri"/>
+                            <a:cs typeface="Calibri"/>
+                          </a:defRPr>
+                        </a:lvl1pPr>
+                        <a:lvl2pPr marL="457200" algn="l" defTabSz="914400" rtl="0" eaLnBrk="1" latinLnBrk="0" hangingPunct="1">
+                          <a:defRPr sz="1800" kern="1200">
+                            <a:solidFill>
+                              <a:schemeClr val="tx1"/>
+                            </a:solidFill>
+                            <a:latin typeface="Calibri"/>
+                            <a:ea typeface="Calibri"/>
+                            <a:cs typeface="Calibri"/>
+                          </a:defRPr>
+                        </a:lvl2pPr>
+                        <a:lvl3pPr marL="914400" algn="l" defTabSz="914400" rtl="0" eaLnBrk="1" latinLnBrk="0" hangingPunct="1">
+                          <a:defRPr sz="1800" kern="1200">
+                            <a:solidFill>
+                              <a:schemeClr val="tx1"/>
+                            </a:solidFill>
+                            <a:latin typeface="Calibri"/>
+                            <a:ea typeface="Calibri"/>
+                            <a:cs typeface="Calibri"/>
+                          </a:defRPr>
+                        </a:lvl3pPr>
+                        <a:lvl4pPr marL="1371600" algn="l" defTabSz="914400" rtl="0" eaLnBrk="1" latinLnBrk="0" hangingPunct="1">
+                          <a:defRPr sz="1800" kern="1200">
+                            <a:solidFill>
+                              <a:schemeClr val="tx1"/>
+                            </a:solidFill>
+                            <a:latin typeface="Calibri"/>
+                            <a:ea typeface="Calibri"/>
+                            <a:cs typeface="Calibri"/>
+                          </a:defRPr>
+                        </a:lvl4pPr>
+                        <a:lvl5pPr marL="1828800" algn="l" defTabSz="914400" rtl="0" eaLnBrk="1" latinLnBrk="0" hangingPunct="1">
+                          <a:defRPr sz="1800" kern="1200">
+                            <a:solidFill>
+                              <a:schemeClr val="tx1"/>
+                            </a:solidFill>
+                            <a:latin typeface="Calibri"/>
+                            <a:ea typeface="Calibri"/>
+                            <a:cs typeface="Calibri"/>
+                          </a:defRPr>
+                        </a:lvl5pPr>
+                        <a:lvl6pPr marL="2286000" algn="l" defTabSz="914400" rtl="0" eaLnBrk="1" latinLnBrk="0" hangingPunct="1">
+                          <a:defRPr sz="1800" kern="1200">
+                            <a:solidFill>
+                              <a:schemeClr val="tx1"/>
+                            </a:solidFill>
+                            <a:latin typeface="Calibri"/>
+                            <a:ea typeface="Calibri"/>
+                            <a:cs typeface="Calibri"/>
+                          </a:defRPr>
+                        </a:lvl6pPr>
+                        <a:lvl7pPr marL="2743200" algn="l" defTabSz="914400" rtl="0" eaLnBrk="1" latinLnBrk="0" hangingPunct="1">
+                          <a:defRPr sz="1800" kern="1200">
+                            <a:solidFill>
+                              <a:schemeClr val="tx1"/>
+                            </a:solidFill>
+                            <a:latin typeface="Calibri"/>
+                            <a:ea typeface="Calibri"/>
+                            <a:cs typeface="Calibri"/>
+                          </a:defRPr>
+                        </a:lvl7pPr>
+                        <a:lvl8pPr marL="3200400" algn="l" defTabSz="914400" rtl="0" eaLnBrk="1" latinLnBrk="0" hangingPunct="1">
+                          <a:defRPr sz="1800" kern="1200">
+                            <a:solidFill>
+                              <a:schemeClr val="tx1"/>
+                            </a:solidFill>
+                            <a:latin typeface="Calibri"/>
+                            <a:ea typeface="Calibri"/>
+                            <a:cs typeface="Calibri"/>
+                          </a:defRPr>
+                        </a:lvl8pPr>
+                        <a:lvl9pPr marL="3657600" algn="l" defTabSz="914400" rtl="0" eaLnBrk="1" latinLnBrk="0" hangingPunct="1">
+                          <a:defRPr sz="1800" kern="1200">
+                            <a:solidFill>
+                              <a:schemeClr val="tx1"/>
+                            </a:solidFill>
+                            <a:latin typeface="Calibri"/>
+                            <a:ea typeface="Calibri"/>
+                            <a:cs typeface="Calibri"/>
+                          </a:defRPr>
+                        </a:lvl9pPr>
+                      </a:lstStyle>
+                      <a:p>
+                        <a:pPr algn="ctr">
+                          <a:defRPr sz="1800"/>
+                        </a:pPr>
+                        <a:r>
+                          <a:rPr dirty="0"/>
+                          <a:t>1</a:t>
+                        </a:r>
+                      </a:p>
+                    </a:txBody>
+                    <a:tcPr marL="0" marR="0" marT="0" marB="0" anchor="ctr" horzOverflow="overflow"/>
+                  </a:tc>
+                  <a:extLst>
+                    <a:ext uri="{0D108BD9-81ED-4DB2-BD59-A6C34878D82A}">
+                      <a16:rowId xmlns:a16="http://schemas.microsoft.com/office/drawing/2014/main" val="10003"/>
+                    </a:ext>
+                  </a:extLst>
+                </a:tr>
+                <a:tr h="584444">
+                  <a:tc>
+                    <a:txBody>
+                      <a:bodyPr/>
+                      <a:lstStyle>
+                        <a:lvl1pPr marL="0" algn="l" defTabSz="914400" rtl="0" eaLnBrk="1" latinLnBrk="0" hangingPunct="1">
+                          <a:defRPr sz="1800" kern="1200">
+                            <a:solidFill>
+                              <a:schemeClr val="tx1"/>
+                            </a:solidFill>
+                            <a:latin typeface="Calibri"/>
+                            <a:ea typeface="Calibri"/>
+                            <a:cs typeface="Calibri"/>
+                          </a:defRPr>
+                        </a:lvl1pPr>
+                        <a:lvl2pPr marL="457200" algn="l" defTabSz="914400" rtl="0" eaLnBrk="1" latinLnBrk="0" hangingPunct="1">
+                          <a:defRPr sz="1800" kern="1200">
+                            <a:solidFill>
+                              <a:schemeClr val="tx1"/>
+                            </a:solidFill>
+                            <a:latin typeface="Calibri"/>
+                            <a:ea typeface="Calibri"/>
+                            <a:cs typeface="Calibri"/>
+                          </a:defRPr>
+                        </a:lvl2pPr>
+                        <a:lvl3pPr marL="914400" algn="l" defTabSz="914400" rtl="0" eaLnBrk="1" latinLnBrk="0" hangingPunct="1">
+                          <a:defRPr sz="1800" kern="1200">
+                            <a:solidFill>
+                              <a:schemeClr val="tx1"/>
+                            </a:solidFill>
+                            <a:latin typeface="Calibri"/>
+                            <a:ea typeface="Calibri"/>
+                            <a:cs typeface="Calibri"/>
+                          </a:defRPr>
+                        </a:lvl3pPr>
+                        <a:lvl4pPr marL="1371600" algn="l" defTabSz="914400" rtl="0" eaLnBrk="1" latinLnBrk="0" hangingPunct="1">
+                          <a:defRPr sz="1800" kern="1200">
+                            <a:solidFill>
+                              <a:schemeClr val="tx1"/>
+                            </a:solidFill>
+                            <a:latin typeface="Calibri"/>
+                            <a:ea typeface="Calibri"/>
+                            <a:cs typeface="Calibri"/>
+                          </a:defRPr>
+                        </a:lvl4pPr>
+                        <a:lvl5pPr marL="1828800" algn="l" defTabSz="914400" rtl="0" eaLnBrk="1" latinLnBrk="0" hangingPunct="1">
+                          <a:defRPr sz="1800" kern="1200">
+                            <a:solidFill>
+                              <a:schemeClr val="tx1"/>
+                            </a:solidFill>
+                            <a:latin typeface="Calibri"/>
+                            <a:ea typeface="Calibri"/>
+                            <a:cs typeface="Calibri"/>
+                          </a:defRPr>
+                        </a:lvl5pPr>
+                        <a:lvl6pPr marL="2286000" algn="l" defTabSz="914400" rtl="0" eaLnBrk="1" latinLnBrk="0" hangingPunct="1">
+                          <a:defRPr sz="1800" kern="1200">
+                            <a:solidFill>
+                              <a:schemeClr val="tx1"/>
+                            </a:solidFill>
+                            <a:latin typeface="Calibri"/>
+                            <a:ea typeface="Calibri"/>
+                            <a:cs typeface="Calibri"/>
+                          </a:defRPr>
+                        </a:lvl6pPr>
+                        <a:lvl7pPr marL="2743200" algn="l" defTabSz="914400" rtl="0" eaLnBrk="1" latinLnBrk="0" hangingPunct="1">
+                          <a:defRPr sz="1800" kern="1200">
+                            <a:solidFill>
+                              <a:schemeClr val="tx1"/>
+                            </a:solidFill>
+                            <a:latin typeface="Calibri"/>
+                            <a:ea typeface="Calibri"/>
+                            <a:cs typeface="Calibri"/>
+                          </a:defRPr>
+                        </a:lvl7pPr>
+                        <a:lvl8pPr marL="3200400" algn="l" defTabSz="914400" rtl="0" eaLnBrk="1" latinLnBrk="0" hangingPunct="1">
+                          <a:defRPr sz="1800" kern="1200">
+                            <a:solidFill>
+                              <a:schemeClr val="tx1"/>
+                            </a:solidFill>
+                            <a:latin typeface="Calibri"/>
+                            <a:ea typeface="Calibri"/>
+                            <a:cs typeface="Calibri"/>
+                          </a:defRPr>
+                        </a:lvl8pPr>
+                        <a:lvl9pPr marL="3657600" algn="l" defTabSz="914400" rtl="0" eaLnBrk="1" latinLnBrk="0" hangingPunct="1">
+                          <a:defRPr sz="1800" kern="1200">
+                            <a:solidFill>
+                              <a:schemeClr val="tx1"/>
+                            </a:solidFill>
+                            <a:latin typeface="Calibri"/>
+                            <a:ea typeface="Calibri"/>
+                            <a:cs typeface="Calibri"/>
+                          </a:defRPr>
+                        </a:lvl9pPr>
+                      </a:lstStyle>
+                      <a:p>
+                        <a:pPr algn="ctr">
+                          <a:defRPr sz="1800"/>
+                        </a:pPr>
+                        <a:r>
+                          <a:t>M -&gt; D</a:t>
+                        </a:r>
+                      </a:p>
+                    </a:txBody>
+                    <a:tcPr marL="0" marR="0" marT="0" marB="0" anchor="ctr" horzOverflow="overflow"/>
+                  </a:tc>
+                  <a:tc>
+                    <a:txBody>
+                      <a:bodyPr/>
+                      <a:lstStyle>
+                        <a:lvl1pPr marL="0" algn="l" defTabSz="914400" rtl="0" eaLnBrk="1" latinLnBrk="0" hangingPunct="1">
+                          <a:defRPr sz="1800" kern="1200">
+                            <a:solidFill>
+                              <a:schemeClr val="tx1"/>
+                            </a:solidFill>
+                            <a:latin typeface="Calibri"/>
+                            <a:ea typeface="Calibri"/>
+                            <a:cs typeface="Calibri"/>
+                          </a:defRPr>
+                        </a:lvl1pPr>
+                        <a:lvl2pPr marL="457200" algn="l" defTabSz="914400" rtl="0" eaLnBrk="1" latinLnBrk="0" hangingPunct="1">
+                          <a:defRPr sz="1800" kern="1200">
+                            <a:solidFill>
+                              <a:schemeClr val="tx1"/>
+                            </a:solidFill>
+                            <a:latin typeface="Calibri"/>
+                            <a:ea typeface="Calibri"/>
+                            <a:cs typeface="Calibri"/>
+                          </a:defRPr>
+                        </a:lvl2pPr>
+                        <a:lvl3pPr marL="914400" algn="l" defTabSz="914400" rtl="0" eaLnBrk="1" latinLnBrk="0" hangingPunct="1">
+                          <a:defRPr sz="1800" kern="1200">
+                            <a:solidFill>
+                              <a:schemeClr val="tx1"/>
+                            </a:solidFill>
+                            <a:latin typeface="Calibri"/>
+                            <a:ea typeface="Calibri"/>
+                            <a:cs typeface="Calibri"/>
+                          </a:defRPr>
+                        </a:lvl3pPr>
+                        <a:lvl4pPr marL="1371600" algn="l" defTabSz="914400" rtl="0" eaLnBrk="1" latinLnBrk="0" hangingPunct="1">
+                          <a:defRPr sz="1800" kern="1200">
+                            <a:solidFill>
+                              <a:schemeClr val="tx1"/>
+                            </a:solidFill>
+                            <a:latin typeface="Calibri"/>
+                            <a:ea typeface="Calibri"/>
+                            <a:cs typeface="Calibri"/>
+                          </a:defRPr>
+                        </a:lvl4pPr>
+                        <a:lvl5pPr marL="1828800" algn="l" defTabSz="914400" rtl="0" eaLnBrk="1" latinLnBrk="0" hangingPunct="1">
+                          <a:defRPr sz="1800" kern="1200">
+                            <a:solidFill>
+                              <a:schemeClr val="tx1"/>
+                            </a:solidFill>
+                            <a:latin typeface="Calibri"/>
+                            <a:ea typeface="Calibri"/>
+                            <a:cs typeface="Calibri"/>
+                          </a:defRPr>
+                        </a:lvl5pPr>
+                        <a:lvl6pPr marL="2286000" algn="l" defTabSz="914400" rtl="0" eaLnBrk="1" latinLnBrk="0" hangingPunct="1">
+                          <a:defRPr sz="1800" kern="1200">
+                            <a:solidFill>
+                              <a:schemeClr val="tx1"/>
+                            </a:solidFill>
+                            <a:latin typeface="Calibri"/>
+                            <a:ea typeface="Calibri"/>
+                            <a:cs typeface="Calibri"/>
+                          </a:defRPr>
+                        </a:lvl6pPr>
+                        <a:lvl7pPr marL="2743200" algn="l" defTabSz="914400" rtl="0" eaLnBrk="1" latinLnBrk="0" hangingPunct="1">
+                          <a:defRPr sz="1800" kern="1200">
+                            <a:solidFill>
+                              <a:schemeClr val="tx1"/>
+                            </a:solidFill>
+                            <a:latin typeface="Calibri"/>
+                            <a:ea typeface="Calibri"/>
+                            <a:cs typeface="Calibri"/>
+                          </a:defRPr>
+                        </a:lvl7pPr>
+                        <a:lvl8pPr marL="3200400" algn="l" defTabSz="914400" rtl="0" eaLnBrk="1" latinLnBrk="0" hangingPunct="1">
+                          <a:defRPr sz="1800" kern="1200">
+                            <a:solidFill>
+                              <a:schemeClr val="tx1"/>
+                            </a:solidFill>
+                            <a:latin typeface="Calibri"/>
+                            <a:ea typeface="Calibri"/>
+                            <a:cs typeface="Calibri"/>
+                          </a:defRPr>
+                        </a:lvl8pPr>
+                        <a:lvl9pPr marL="3657600" algn="l" defTabSz="914400" rtl="0" eaLnBrk="1" latinLnBrk="0" hangingPunct="1">
+                          <a:defRPr sz="1800" kern="1200">
+                            <a:solidFill>
+                              <a:schemeClr val="tx1"/>
+                            </a:solidFill>
+                            <a:latin typeface="Calibri"/>
+                            <a:ea typeface="Calibri"/>
+                            <a:cs typeface="Calibri"/>
+                          </a:defRPr>
+                        </a:lvl9pPr>
+                      </a:lstStyle>
+                      <a:p>
+                        <a:pPr algn="ctr">
+                          <a:defRPr sz="1800"/>
+                        </a:pPr>
+                        <a:r>
+                          <a:t>-3</a:t>
+                        </a:r>
+                      </a:p>
+                    </a:txBody>
+                    <a:tcPr marL="0" marR="0" marT="0" marB="0" anchor="ctr" horzOverflow="overflow"/>
+                  </a:tc>
+                  <a:tc>
+                    <a:txBody>
+                      <a:bodyPr/>
+                      <a:lstStyle>
+                        <a:lvl1pPr marL="0" algn="l" defTabSz="914400" rtl="0" eaLnBrk="1" latinLnBrk="0" hangingPunct="1">
+                          <a:defRPr sz="1800" kern="1200">
+                            <a:solidFill>
+                              <a:schemeClr val="tx1"/>
+                            </a:solidFill>
+                            <a:latin typeface="Calibri"/>
+                            <a:ea typeface="Calibri"/>
+                            <a:cs typeface="Calibri"/>
+                          </a:defRPr>
+                        </a:lvl1pPr>
+                        <a:lvl2pPr marL="457200" algn="l" defTabSz="914400" rtl="0" eaLnBrk="1" latinLnBrk="0" hangingPunct="1">
+                          <a:defRPr sz="1800" kern="1200">
+                            <a:solidFill>
+                              <a:schemeClr val="tx1"/>
+                            </a:solidFill>
+                            <a:latin typeface="Calibri"/>
+                            <a:ea typeface="Calibri"/>
+                            <a:cs typeface="Calibri"/>
+                          </a:defRPr>
+                        </a:lvl2pPr>
+                        <a:lvl3pPr marL="914400" algn="l" defTabSz="914400" rtl="0" eaLnBrk="1" latinLnBrk="0" hangingPunct="1">
+                          <a:defRPr sz="1800" kern="1200">
+                            <a:solidFill>
+                              <a:schemeClr val="tx1"/>
+                            </a:solidFill>
+                            <a:latin typeface="Calibri"/>
+                            <a:ea typeface="Calibri"/>
+                            <a:cs typeface="Calibri"/>
+                          </a:defRPr>
+                        </a:lvl3pPr>
+                        <a:lvl4pPr marL="1371600" algn="l" defTabSz="914400" rtl="0" eaLnBrk="1" latinLnBrk="0" hangingPunct="1">
+                          <a:defRPr sz="1800" kern="1200">
+                            <a:solidFill>
+                              <a:schemeClr val="tx1"/>
+                            </a:solidFill>
+                            <a:latin typeface="Calibri"/>
+                            <a:ea typeface="Calibri"/>
+                            <a:cs typeface="Calibri"/>
+                          </a:defRPr>
+                        </a:lvl4pPr>
+                        <a:lvl5pPr marL="1828800" algn="l" defTabSz="914400" rtl="0" eaLnBrk="1" latinLnBrk="0" hangingPunct="1">
+                          <a:defRPr sz="1800" kern="1200">
+                            <a:solidFill>
+                              <a:schemeClr val="tx1"/>
+                            </a:solidFill>
+                            <a:latin typeface="Calibri"/>
+                            <a:ea typeface="Calibri"/>
+                            <a:cs typeface="Calibri"/>
+                          </a:defRPr>
+                        </a:lvl5pPr>
+                        <a:lvl6pPr marL="2286000" algn="l" defTabSz="914400" rtl="0" eaLnBrk="1" latinLnBrk="0" hangingPunct="1">
+                          <a:defRPr sz="1800" kern="1200">
+                            <a:solidFill>
+                              <a:schemeClr val="tx1"/>
+                            </a:solidFill>
+                            <a:latin typeface="Calibri"/>
+                            <a:ea typeface="Calibri"/>
+                            <a:cs typeface="Calibri"/>
+                          </a:defRPr>
+                        </a:lvl6pPr>
+                        <a:lvl7pPr marL="2743200" algn="l" defTabSz="914400" rtl="0" eaLnBrk="1" latinLnBrk="0" hangingPunct="1">
+                          <a:defRPr sz="1800" kern="1200">
+                            <a:solidFill>
+                              <a:schemeClr val="tx1"/>
+                            </a:solidFill>
+                            <a:latin typeface="Calibri"/>
+                            <a:ea typeface="Calibri"/>
+                            <a:cs typeface="Calibri"/>
+                          </a:defRPr>
+                        </a:lvl7pPr>
+                        <a:lvl8pPr marL="3200400" algn="l" defTabSz="914400" rtl="0" eaLnBrk="1" latinLnBrk="0" hangingPunct="1">
+                          <a:defRPr sz="1800" kern="1200">
+                            <a:solidFill>
+                              <a:schemeClr val="tx1"/>
+                            </a:solidFill>
+                            <a:latin typeface="Calibri"/>
+                            <a:ea typeface="Calibri"/>
+                            <a:cs typeface="Calibri"/>
+                          </a:defRPr>
+                        </a:lvl8pPr>
+                        <a:lvl9pPr marL="3657600" algn="l" defTabSz="914400" rtl="0" eaLnBrk="1" latinLnBrk="0" hangingPunct="1">
+                          <a:defRPr sz="1800" kern="1200">
+                            <a:solidFill>
+                              <a:schemeClr val="tx1"/>
+                            </a:solidFill>
+                            <a:latin typeface="Calibri"/>
+                            <a:ea typeface="Calibri"/>
+                            <a:cs typeface="Calibri"/>
+                          </a:defRPr>
+                        </a:lvl9pPr>
+                      </a:lstStyle>
+                      <a:p>
+                        <a:pPr algn="ctr">
+                          <a:defRPr sz="1800"/>
+                        </a:pPr>
+                        <a:r>
+                          <a:t>80</a:t>
+                        </a:r>
+                      </a:p>
+                    </a:txBody>
+                    <a:tcPr marL="0" marR="0" marT="0" marB="0" anchor="ctr" horzOverflow="overflow"/>
+                  </a:tc>
+                  <a:tc>
+                    <a:txBody>
+                      <a:bodyPr/>
+                      <a:lstStyle>
+                        <a:lvl1pPr marL="0" algn="l" defTabSz="914400" rtl="0" eaLnBrk="1" latinLnBrk="0" hangingPunct="1">
+                          <a:defRPr sz="1800" kern="1200">
+                            <a:solidFill>
+                              <a:schemeClr val="tx1"/>
+                            </a:solidFill>
+                            <a:latin typeface="Calibri"/>
+                            <a:ea typeface="Calibri"/>
+                            <a:cs typeface="Calibri"/>
+                          </a:defRPr>
+                        </a:lvl1pPr>
+                        <a:lvl2pPr marL="457200" algn="l" defTabSz="914400" rtl="0" eaLnBrk="1" latinLnBrk="0" hangingPunct="1">
+                          <a:defRPr sz="1800" kern="1200">
+                            <a:solidFill>
+                              <a:schemeClr val="tx1"/>
+                            </a:solidFill>
+                            <a:latin typeface="Calibri"/>
+                            <a:ea typeface="Calibri"/>
+                            <a:cs typeface="Calibri"/>
+                          </a:defRPr>
+                        </a:lvl2pPr>
+                        <a:lvl3pPr marL="914400" algn="l" defTabSz="914400" rtl="0" eaLnBrk="1" latinLnBrk="0" hangingPunct="1">
+                          <a:defRPr sz="1800" kern="1200">
+                            <a:solidFill>
+                              <a:schemeClr val="tx1"/>
+                            </a:solidFill>
+                            <a:latin typeface="Calibri"/>
+                            <a:ea typeface="Calibri"/>
+                            <a:cs typeface="Calibri"/>
+                          </a:defRPr>
+                        </a:lvl3pPr>
+                        <a:lvl4pPr marL="1371600" algn="l" defTabSz="914400" rtl="0" eaLnBrk="1" latinLnBrk="0" hangingPunct="1">
+                          <a:defRPr sz="1800" kern="1200">
+                            <a:solidFill>
+                              <a:schemeClr val="tx1"/>
+                            </a:solidFill>
+                            <a:latin typeface="Calibri"/>
+                            <a:ea typeface="Calibri"/>
+                            <a:cs typeface="Calibri"/>
+                          </a:defRPr>
+                        </a:lvl4pPr>
+                        <a:lvl5pPr marL="1828800" algn="l" defTabSz="914400" rtl="0" eaLnBrk="1" latinLnBrk="0" hangingPunct="1">
+                          <a:defRPr sz="1800" kern="1200">
+                            <a:solidFill>
+                              <a:schemeClr val="tx1"/>
+                            </a:solidFill>
+                            <a:latin typeface="Calibri"/>
+                            <a:ea typeface="Calibri"/>
+                            <a:cs typeface="Calibri"/>
+                          </a:defRPr>
+                        </a:lvl5pPr>
+                        <a:lvl6pPr marL="2286000" algn="l" defTabSz="914400" rtl="0" eaLnBrk="1" latinLnBrk="0" hangingPunct="1">
+                          <a:defRPr sz="1800" kern="1200">
+                            <a:solidFill>
+                              <a:schemeClr val="tx1"/>
+                            </a:solidFill>
+                            <a:latin typeface="Calibri"/>
+                            <a:ea typeface="Calibri"/>
+                            <a:cs typeface="Calibri"/>
+                          </a:defRPr>
+                        </a:lvl6pPr>
+                        <a:lvl7pPr marL="2743200" algn="l" defTabSz="914400" rtl="0" eaLnBrk="1" latinLnBrk="0" hangingPunct="1">
+                          <a:defRPr sz="1800" kern="1200">
+                            <a:solidFill>
+                              <a:schemeClr val="tx1"/>
+                            </a:solidFill>
+                            <a:latin typeface="Calibri"/>
+                            <a:ea typeface="Calibri"/>
+                            <a:cs typeface="Calibri"/>
+                          </a:defRPr>
+                        </a:lvl7pPr>
+                        <a:lvl8pPr marL="3200400" algn="l" defTabSz="914400" rtl="0" eaLnBrk="1" latinLnBrk="0" hangingPunct="1">
+                          <a:defRPr sz="1800" kern="1200">
+                            <a:solidFill>
+                              <a:schemeClr val="tx1"/>
+                            </a:solidFill>
+                            <a:latin typeface="Calibri"/>
+                            <a:ea typeface="Calibri"/>
+                            <a:cs typeface="Calibri"/>
+                          </a:defRPr>
+                        </a:lvl8pPr>
+                        <a:lvl9pPr marL="3657600" algn="l" defTabSz="914400" rtl="0" eaLnBrk="1" latinLnBrk="0" hangingPunct="1">
+                          <a:defRPr sz="1800" kern="1200">
+                            <a:solidFill>
+                              <a:schemeClr val="tx1"/>
+                            </a:solidFill>
+                            <a:latin typeface="Calibri"/>
+                            <a:ea typeface="Calibri"/>
+                            <a:cs typeface="Calibri"/>
+                          </a:defRPr>
+                        </a:lvl9pPr>
+                      </a:lstStyle>
+                      <a:p>
+                        <a:pPr algn="ctr">
+                          <a:defRPr sz="1800"/>
+                        </a:pPr>
+                        <a:r>
+                          <a:rPr lang="de-DE" dirty="0"/>
+                          <a:t>-1</a:t>
+                        </a:r>
+                        <a:endParaRPr dirty="0"/>
+                      </a:p>
+                    </a:txBody>
+                    <a:tcPr marL="0" marR="0" marT="0" marB="0" anchor="ctr" horzOverflow="overflow"/>
+                  </a:tc>
+                  <a:extLst>
+                    <a:ext uri="{0D108BD9-81ED-4DB2-BD59-A6C34878D82A}">
+                      <a16:rowId xmlns:a16="http://schemas.microsoft.com/office/drawing/2014/main" val="10004"/>
+                    </a:ext>
+                  </a:extLst>
+                </a:tr>
+                <a:tr h="584444">
+                  <a:tc>
+                    <a:txBody>
+                      <a:bodyPr/>
+                      <a:lstStyle>
+                        <a:lvl1pPr marL="0" algn="l" defTabSz="914400" rtl="0" eaLnBrk="1" latinLnBrk="0" hangingPunct="1">
+                          <a:defRPr sz="1800" kern="1200">
+                            <a:solidFill>
+                              <a:schemeClr val="tx1"/>
+                            </a:solidFill>
+                            <a:latin typeface="Calibri"/>
+                            <a:ea typeface="Calibri"/>
+                            <a:cs typeface="Calibri"/>
+                          </a:defRPr>
+                        </a:lvl1pPr>
+                        <a:lvl2pPr marL="457200" algn="l" defTabSz="914400" rtl="0" eaLnBrk="1" latinLnBrk="0" hangingPunct="1">
+                          <a:defRPr sz="1800" kern="1200">
+                            <a:solidFill>
+                              <a:schemeClr val="tx1"/>
+                            </a:solidFill>
+                            <a:latin typeface="Calibri"/>
+                            <a:ea typeface="Calibri"/>
+                            <a:cs typeface="Calibri"/>
+                          </a:defRPr>
+                        </a:lvl2pPr>
+                        <a:lvl3pPr marL="914400" algn="l" defTabSz="914400" rtl="0" eaLnBrk="1" latinLnBrk="0" hangingPunct="1">
+                          <a:defRPr sz="1800" kern="1200">
+                            <a:solidFill>
+                              <a:schemeClr val="tx1"/>
+                            </a:solidFill>
+                            <a:latin typeface="Calibri"/>
+                            <a:ea typeface="Calibri"/>
+                            <a:cs typeface="Calibri"/>
+                          </a:defRPr>
+                        </a:lvl3pPr>
+                        <a:lvl4pPr marL="1371600" algn="l" defTabSz="914400" rtl="0" eaLnBrk="1" latinLnBrk="0" hangingPunct="1">
+                          <a:defRPr sz="1800" kern="1200">
+                            <a:solidFill>
+                              <a:schemeClr val="tx1"/>
+                            </a:solidFill>
+                            <a:latin typeface="Calibri"/>
+                            <a:ea typeface="Calibri"/>
+                            <a:cs typeface="Calibri"/>
+                          </a:defRPr>
+                        </a:lvl4pPr>
+                        <a:lvl5pPr marL="1828800" algn="l" defTabSz="914400" rtl="0" eaLnBrk="1" latinLnBrk="0" hangingPunct="1">
+                          <a:defRPr sz="1800" kern="1200">
+                            <a:solidFill>
+                              <a:schemeClr val="tx1"/>
+                            </a:solidFill>
+                            <a:latin typeface="Calibri"/>
+                            <a:ea typeface="Calibri"/>
+                            <a:cs typeface="Calibri"/>
+                          </a:defRPr>
+                        </a:lvl5pPr>
+                        <a:lvl6pPr marL="2286000" algn="l" defTabSz="914400" rtl="0" eaLnBrk="1" latinLnBrk="0" hangingPunct="1">
+                          <a:defRPr sz="1800" kern="1200">
+                            <a:solidFill>
+                              <a:schemeClr val="tx1"/>
+                            </a:solidFill>
+                            <a:latin typeface="Calibri"/>
+                            <a:ea typeface="Calibri"/>
+                            <a:cs typeface="Calibri"/>
+                          </a:defRPr>
+                        </a:lvl6pPr>
+                        <a:lvl7pPr marL="2743200" algn="l" defTabSz="914400" rtl="0" eaLnBrk="1" latinLnBrk="0" hangingPunct="1">
+                          <a:defRPr sz="1800" kern="1200">
+                            <a:solidFill>
+                              <a:schemeClr val="tx1"/>
+                            </a:solidFill>
+                            <a:latin typeface="Calibri"/>
+                            <a:ea typeface="Calibri"/>
+                            <a:cs typeface="Calibri"/>
+                          </a:defRPr>
+                        </a:lvl7pPr>
+                        <a:lvl8pPr marL="3200400" algn="l" defTabSz="914400" rtl="0" eaLnBrk="1" latinLnBrk="0" hangingPunct="1">
+                          <a:defRPr sz="1800" kern="1200">
+                            <a:solidFill>
+                              <a:schemeClr val="tx1"/>
+                            </a:solidFill>
+                            <a:latin typeface="Calibri"/>
+                            <a:ea typeface="Calibri"/>
+                            <a:cs typeface="Calibri"/>
+                          </a:defRPr>
+                        </a:lvl8pPr>
+                        <a:lvl9pPr marL="3657600" algn="l" defTabSz="914400" rtl="0" eaLnBrk="1" latinLnBrk="0" hangingPunct="1">
+                          <a:defRPr sz="1800" kern="1200">
+                            <a:solidFill>
+                              <a:schemeClr val="tx1"/>
+                            </a:solidFill>
+                            <a:latin typeface="Calibri"/>
+                            <a:ea typeface="Calibri"/>
+                            <a:cs typeface="Calibri"/>
+                          </a:defRPr>
+                        </a:lvl9pPr>
+                      </a:lstStyle>
+                      <a:p>
+                        <a:pPr algn="ctr">
+                          <a:defRPr sz="1800"/>
+                        </a:pPr>
+                        <a:r>
+                          <a:t>M -&gt; C</a:t>
+                        </a:r>
+                      </a:p>
+                    </a:txBody>
+                    <a:tcPr marL="0" marR="0" marT="0" marB="0" anchor="ctr" horzOverflow="overflow"/>
+                  </a:tc>
+                  <a:tc>
+                    <a:txBody>
+                      <a:bodyPr/>
+                      <a:lstStyle>
+                        <a:lvl1pPr marL="0" algn="l" defTabSz="914400" rtl="0" eaLnBrk="1" latinLnBrk="0" hangingPunct="1">
+                          <a:defRPr sz="1800" kern="1200">
+                            <a:solidFill>
+                              <a:schemeClr val="tx1"/>
+                            </a:solidFill>
+                            <a:latin typeface="Calibri"/>
+                            <a:ea typeface="Calibri"/>
+                            <a:cs typeface="Calibri"/>
+                          </a:defRPr>
+                        </a:lvl1pPr>
+                        <a:lvl2pPr marL="457200" algn="l" defTabSz="914400" rtl="0" eaLnBrk="1" latinLnBrk="0" hangingPunct="1">
+                          <a:defRPr sz="1800" kern="1200">
+                            <a:solidFill>
+                              <a:schemeClr val="tx1"/>
+                            </a:solidFill>
+                            <a:latin typeface="Calibri"/>
+                            <a:ea typeface="Calibri"/>
+                            <a:cs typeface="Calibri"/>
+                          </a:defRPr>
+                        </a:lvl2pPr>
+                        <a:lvl3pPr marL="914400" algn="l" defTabSz="914400" rtl="0" eaLnBrk="1" latinLnBrk="0" hangingPunct="1">
+                          <a:defRPr sz="1800" kern="1200">
+                            <a:solidFill>
+                              <a:schemeClr val="tx1"/>
+                            </a:solidFill>
+                            <a:latin typeface="Calibri"/>
+                            <a:ea typeface="Calibri"/>
+                            <a:cs typeface="Calibri"/>
+                          </a:defRPr>
+                        </a:lvl3pPr>
+                        <a:lvl4pPr marL="1371600" algn="l" defTabSz="914400" rtl="0" eaLnBrk="1" latinLnBrk="0" hangingPunct="1">
+                          <a:defRPr sz="1800" kern="1200">
+                            <a:solidFill>
+                              <a:schemeClr val="tx1"/>
+                            </a:solidFill>
+                            <a:latin typeface="Calibri"/>
+                            <a:ea typeface="Calibri"/>
+                            <a:cs typeface="Calibri"/>
+                          </a:defRPr>
+                        </a:lvl4pPr>
+                        <a:lvl5pPr marL="1828800" algn="l" defTabSz="914400" rtl="0" eaLnBrk="1" latinLnBrk="0" hangingPunct="1">
+                          <a:defRPr sz="1800" kern="1200">
+                            <a:solidFill>
+                              <a:schemeClr val="tx1"/>
+                            </a:solidFill>
+                            <a:latin typeface="Calibri"/>
+                            <a:ea typeface="Calibri"/>
+                            <a:cs typeface="Calibri"/>
+                          </a:defRPr>
+                        </a:lvl5pPr>
+                        <a:lvl6pPr marL="2286000" algn="l" defTabSz="914400" rtl="0" eaLnBrk="1" latinLnBrk="0" hangingPunct="1">
+                          <a:defRPr sz="1800" kern="1200">
+                            <a:solidFill>
+                              <a:schemeClr val="tx1"/>
+                            </a:solidFill>
+                            <a:latin typeface="Calibri"/>
+                            <a:ea typeface="Calibri"/>
+                            <a:cs typeface="Calibri"/>
+                          </a:defRPr>
+                        </a:lvl6pPr>
+                        <a:lvl7pPr marL="2743200" algn="l" defTabSz="914400" rtl="0" eaLnBrk="1" latinLnBrk="0" hangingPunct="1">
+                          <a:defRPr sz="1800" kern="1200">
+                            <a:solidFill>
+                              <a:schemeClr val="tx1"/>
+                            </a:solidFill>
+                            <a:latin typeface="Calibri"/>
+                            <a:ea typeface="Calibri"/>
+                            <a:cs typeface="Calibri"/>
+                          </a:defRPr>
+                        </a:lvl7pPr>
+                        <a:lvl8pPr marL="3200400" algn="l" defTabSz="914400" rtl="0" eaLnBrk="1" latinLnBrk="0" hangingPunct="1">
+                          <a:defRPr sz="1800" kern="1200">
+                            <a:solidFill>
+                              <a:schemeClr val="tx1"/>
+                            </a:solidFill>
+                            <a:latin typeface="Calibri"/>
+                            <a:ea typeface="Calibri"/>
+                            <a:cs typeface="Calibri"/>
+                          </a:defRPr>
+                        </a:lvl8pPr>
+                        <a:lvl9pPr marL="3657600" algn="l" defTabSz="914400" rtl="0" eaLnBrk="1" latinLnBrk="0" hangingPunct="1">
+                          <a:defRPr sz="1800" kern="1200">
+                            <a:solidFill>
+                              <a:schemeClr val="tx1"/>
+                            </a:solidFill>
+                            <a:latin typeface="Calibri"/>
+                            <a:ea typeface="Calibri"/>
+                            <a:cs typeface="Calibri"/>
+                          </a:defRPr>
+                        </a:lvl9pPr>
+                      </a:lstStyle>
+                      <a:p>
+                        <a:pPr algn="ctr">
+                          <a:defRPr sz="1800"/>
+                        </a:pPr>
+                        <a:r>
+                          <a:t>-1</a:t>
+                        </a:r>
+                      </a:p>
+                    </a:txBody>
+                    <a:tcPr marL="0" marR="0" marT="0" marB="0" anchor="ctr" horzOverflow="overflow"/>
+                  </a:tc>
+                  <a:tc>
+                    <a:txBody>
+                      <a:bodyPr/>
+                      <a:lstStyle>
+                        <a:lvl1pPr marL="0" algn="l" defTabSz="914400" rtl="0" eaLnBrk="1" latinLnBrk="0" hangingPunct="1">
+                          <a:defRPr sz="1800" kern="1200">
+                            <a:solidFill>
+                              <a:schemeClr val="tx1"/>
+                            </a:solidFill>
+                            <a:latin typeface="Calibri"/>
+                            <a:ea typeface="Calibri"/>
+                            <a:cs typeface="Calibri"/>
+                          </a:defRPr>
+                        </a:lvl1pPr>
+                        <a:lvl2pPr marL="457200" algn="l" defTabSz="914400" rtl="0" eaLnBrk="1" latinLnBrk="0" hangingPunct="1">
+                          <a:defRPr sz="1800" kern="1200">
+                            <a:solidFill>
+                              <a:schemeClr val="tx1"/>
+                            </a:solidFill>
+                            <a:latin typeface="Calibri"/>
+                            <a:ea typeface="Calibri"/>
+                            <a:cs typeface="Calibri"/>
+                          </a:defRPr>
+                        </a:lvl2pPr>
+                        <a:lvl3pPr marL="914400" algn="l" defTabSz="914400" rtl="0" eaLnBrk="1" latinLnBrk="0" hangingPunct="1">
+                          <a:defRPr sz="1800" kern="1200">
+                            <a:solidFill>
+                              <a:schemeClr val="tx1"/>
+                            </a:solidFill>
+                            <a:latin typeface="Calibri"/>
+                            <a:ea typeface="Calibri"/>
+                            <a:cs typeface="Calibri"/>
+                          </a:defRPr>
+                        </a:lvl3pPr>
+                        <a:lvl4pPr marL="1371600" algn="l" defTabSz="914400" rtl="0" eaLnBrk="1" latinLnBrk="0" hangingPunct="1">
+                          <a:defRPr sz="1800" kern="1200">
+                            <a:solidFill>
+                              <a:schemeClr val="tx1"/>
+                            </a:solidFill>
+                            <a:latin typeface="Calibri"/>
+                            <a:ea typeface="Calibri"/>
+                            <a:cs typeface="Calibri"/>
+                          </a:defRPr>
+                        </a:lvl4pPr>
+                        <a:lvl5pPr marL="1828800" algn="l" defTabSz="914400" rtl="0" eaLnBrk="1" latinLnBrk="0" hangingPunct="1">
+                          <a:defRPr sz="1800" kern="1200">
+                            <a:solidFill>
+                              <a:schemeClr val="tx1"/>
+                            </a:solidFill>
+                            <a:latin typeface="Calibri"/>
+                            <a:ea typeface="Calibri"/>
+                            <a:cs typeface="Calibri"/>
+                          </a:defRPr>
+                        </a:lvl5pPr>
+                        <a:lvl6pPr marL="2286000" algn="l" defTabSz="914400" rtl="0" eaLnBrk="1" latinLnBrk="0" hangingPunct="1">
+                          <a:defRPr sz="1800" kern="1200">
+                            <a:solidFill>
+                              <a:schemeClr val="tx1"/>
+                            </a:solidFill>
+                            <a:latin typeface="Calibri"/>
+                            <a:ea typeface="Calibri"/>
+                            <a:cs typeface="Calibri"/>
+                          </a:defRPr>
+                        </a:lvl6pPr>
+                        <a:lvl7pPr marL="2743200" algn="l" defTabSz="914400" rtl="0" eaLnBrk="1" latinLnBrk="0" hangingPunct="1">
+                          <a:defRPr sz="1800" kern="1200">
+                            <a:solidFill>
+                              <a:schemeClr val="tx1"/>
+                            </a:solidFill>
+                            <a:latin typeface="Calibri"/>
+                            <a:ea typeface="Calibri"/>
+                            <a:cs typeface="Calibri"/>
+                          </a:defRPr>
+                        </a:lvl7pPr>
+                        <a:lvl8pPr marL="3200400" algn="l" defTabSz="914400" rtl="0" eaLnBrk="1" latinLnBrk="0" hangingPunct="1">
+                          <a:defRPr sz="1800" kern="1200">
+                            <a:solidFill>
+                              <a:schemeClr val="tx1"/>
+                            </a:solidFill>
+                            <a:latin typeface="Calibri"/>
+                            <a:ea typeface="Calibri"/>
+                            <a:cs typeface="Calibri"/>
+                          </a:defRPr>
+                        </a:lvl8pPr>
+                        <a:lvl9pPr marL="3657600" algn="l" defTabSz="914400" rtl="0" eaLnBrk="1" latinLnBrk="0" hangingPunct="1">
+                          <a:defRPr sz="1800" kern="1200">
+                            <a:solidFill>
+                              <a:schemeClr val="tx1"/>
+                            </a:solidFill>
+                            <a:latin typeface="Calibri"/>
+                            <a:ea typeface="Calibri"/>
+                            <a:cs typeface="Calibri"/>
+                          </a:defRPr>
+                        </a:lvl9pPr>
+                      </a:lstStyle>
+                      <a:p>
+                        <a:pPr algn="ctr">
+                          <a:defRPr sz="1800"/>
+                        </a:pPr>
+                        <a:r>
+                          <a:t>80</a:t>
+                        </a:r>
+                      </a:p>
+                    </a:txBody>
+                    <a:tcPr marL="0" marR="0" marT="0" marB="0" anchor="ctr" horzOverflow="overflow"/>
+                  </a:tc>
+                  <a:tc>
+                    <a:txBody>
+                      <a:bodyPr/>
+                      <a:lstStyle>
+                        <a:lvl1pPr marL="0" algn="l" defTabSz="914400" rtl="0" eaLnBrk="1" latinLnBrk="0" hangingPunct="1">
+                          <a:defRPr sz="1800" kern="1200">
+                            <a:solidFill>
+                              <a:schemeClr val="tx1"/>
+                            </a:solidFill>
+                            <a:latin typeface="Calibri"/>
+                            <a:ea typeface="Calibri"/>
+                            <a:cs typeface="Calibri"/>
+                          </a:defRPr>
+                        </a:lvl1pPr>
+                        <a:lvl2pPr marL="457200" algn="l" defTabSz="914400" rtl="0" eaLnBrk="1" latinLnBrk="0" hangingPunct="1">
+                          <a:defRPr sz="1800" kern="1200">
+                            <a:solidFill>
+                              <a:schemeClr val="tx1"/>
+                            </a:solidFill>
+                            <a:latin typeface="Calibri"/>
+                            <a:ea typeface="Calibri"/>
+                            <a:cs typeface="Calibri"/>
+                          </a:defRPr>
+                        </a:lvl2pPr>
+                        <a:lvl3pPr marL="914400" algn="l" defTabSz="914400" rtl="0" eaLnBrk="1" latinLnBrk="0" hangingPunct="1">
+                          <a:defRPr sz="1800" kern="1200">
+                            <a:solidFill>
+                              <a:schemeClr val="tx1"/>
+                            </a:solidFill>
+                            <a:latin typeface="Calibri"/>
+                            <a:ea typeface="Calibri"/>
+                            <a:cs typeface="Calibri"/>
+                          </a:defRPr>
+                        </a:lvl3pPr>
+                        <a:lvl4pPr marL="1371600" algn="l" defTabSz="914400" rtl="0" eaLnBrk="1" latinLnBrk="0" hangingPunct="1">
+                          <a:defRPr sz="1800" kern="1200">
+                            <a:solidFill>
+                              <a:schemeClr val="tx1"/>
+                            </a:solidFill>
+                            <a:latin typeface="Calibri"/>
+                            <a:ea typeface="Calibri"/>
+                            <a:cs typeface="Calibri"/>
+                          </a:defRPr>
+                        </a:lvl4pPr>
+                        <a:lvl5pPr marL="1828800" algn="l" defTabSz="914400" rtl="0" eaLnBrk="1" latinLnBrk="0" hangingPunct="1">
+                          <a:defRPr sz="1800" kern="1200">
+                            <a:solidFill>
+                              <a:schemeClr val="tx1"/>
+                            </a:solidFill>
+                            <a:latin typeface="Calibri"/>
+                            <a:ea typeface="Calibri"/>
+                            <a:cs typeface="Calibri"/>
+                          </a:defRPr>
+                        </a:lvl5pPr>
+                        <a:lvl6pPr marL="2286000" algn="l" defTabSz="914400" rtl="0" eaLnBrk="1" latinLnBrk="0" hangingPunct="1">
+                          <a:defRPr sz="1800" kern="1200">
+                            <a:solidFill>
+                              <a:schemeClr val="tx1"/>
+                            </a:solidFill>
+                            <a:latin typeface="Calibri"/>
+                            <a:ea typeface="Calibri"/>
+                            <a:cs typeface="Calibri"/>
+                          </a:defRPr>
+                        </a:lvl6pPr>
+                        <a:lvl7pPr marL="2743200" algn="l" defTabSz="914400" rtl="0" eaLnBrk="1" latinLnBrk="0" hangingPunct="1">
+                          <a:defRPr sz="1800" kern="1200">
+                            <a:solidFill>
+                              <a:schemeClr val="tx1"/>
+                            </a:solidFill>
+                            <a:latin typeface="Calibri"/>
+                            <a:ea typeface="Calibri"/>
+                            <a:cs typeface="Calibri"/>
+                          </a:defRPr>
+                        </a:lvl7pPr>
+                        <a:lvl8pPr marL="3200400" algn="l" defTabSz="914400" rtl="0" eaLnBrk="1" latinLnBrk="0" hangingPunct="1">
+                          <a:defRPr sz="1800" kern="1200">
+                            <a:solidFill>
+                              <a:schemeClr val="tx1"/>
+                            </a:solidFill>
+                            <a:latin typeface="Calibri"/>
+                            <a:ea typeface="Calibri"/>
+                            <a:cs typeface="Calibri"/>
+                          </a:defRPr>
+                        </a:lvl8pPr>
+                        <a:lvl9pPr marL="3657600" algn="l" defTabSz="914400" rtl="0" eaLnBrk="1" latinLnBrk="0" hangingPunct="1">
+                          <a:defRPr sz="1800" kern="1200">
+                            <a:solidFill>
+                              <a:schemeClr val="tx1"/>
+                            </a:solidFill>
+                            <a:latin typeface="Calibri"/>
+                            <a:ea typeface="Calibri"/>
+                            <a:cs typeface="Calibri"/>
+                          </a:defRPr>
+                        </a:lvl9pPr>
+                      </a:lstStyle>
+                      <a:p>
+                        <a:pPr algn="ctr">
+                          <a:defRPr sz="1800"/>
+                        </a:pPr>
+                        <a:r>
+                          <a:t>1</a:t>
+                        </a:r>
+                      </a:p>
+                    </a:txBody>
+                    <a:tcPr marL="0" marR="0" marT="0" marB="0" anchor="ctr" horzOverflow="overflow"/>
+                  </a:tc>
+                  <a:extLst>
+                    <a:ext uri="{0D108BD9-81ED-4DB2-BD59-A6C34878D82A}">
+                      <a16:rowId xmlns:a16="http://schemas.microsoft.com/office/drawing/2014/main" val="10005"/>
+                    </a:ext>
+                  </a:extLst>
+                </a:tr>
+                <a:tr h="584444">
+                  <a:tc>
+                    <a:txBody>
+                      <a:bodyPr/>
+                      <a:lstStyle>
+                        <a:lvl1pPr marL="0" algn="l" defTabSz="914400" rtl="0" eaLnBrk="1" latinLnBrk="0" hangingPunct="1">
+                          <a:defRPr sz="1800" kern="1200">
+                            <a:solidFill>
+                              <a:schemeClr val="tx1"/>
+                            </a:solidFill>
+                            <a:latin typeface="Calibri"/>
+                            <a:ea typeface="Calibri"/>
+                            <a:cs typeface="Calibri"/>
+                          </a:defRPr>
+                        </a:lvl1pPr>
+                        <a:lvl2pPr marL="457200" algn="l" defTabSz="914400" rtl="0" eaLnBrk="1" latinLnBrk="0" hangingPunct="1">
+                          <a:defRPr sz="1800" kern="1200">
+                            <a:solidFill>
+                              <a:schemeClr val="tx1"/>
+                            </a:solidFill>
+                            <a:latin typeface="Calibri"/>
+                            <a:ea typeface="Calibri"/>
+                            <a:cs typeface="Calibri"/>
+                          </a:defRPr>
+                        </a:lvl2pPr>
+                        <a:lvl3pPr marL="914400" algn="l" defTabSz="914400" rtl="0" eaLnBrk="1" latinLnBrk="0" hangingPunct="1">
+                          <a:defRPr sz="1800" kern="1200">
+                            <a:solidFill>
+                              <a:schemeClr val="tx1"/>
+                            </a:solidFill>
+                            <a:latin typeface="Calibri"/>
+                            <a:ea typeface="Calibri"/>
+                            <a:cs typeface="Calibri"/>
+                          </a:defRPr>
+                        </a:lvl3pPr>
+                        <a:lvl4pPr marL="1371600" algn="l" defTabSz="914400" rtl="0" eaLnBrk="1" latinLnBrk="0" hangingPunct="1">
+                          <a:defRPr sz="1800" kern="1200">
+                            <a:solidFill>
+                              <a:schemeClr val="tx1"/>
+                            </a:solidFill>
+                            <a:latin typeface="Calibri"/>
+                            <a:ea typeface="Calibri"/>
+                            <a:cs typeface="Calibri"/>
+                          </a:defRPr>
+                        </a:lvl4pPr>
+                        <a:lvl5pPr marL="1828800" algn="l" defTabSz="914400" rtl="0" eaLnBrk="1" latinLnBrk="0" hangingPunct="1">
+                          <a:defRPr sz="1800" kern="1200">
+                            <a:solidFill>
+                              <a:schemeClr val="tx1"/>
+                            </a:solidFill>
+                            <a:latin typeface="Calibri"/>
+                            <a:ea typeface="Calibri"/>
+                            <a:cs typeface="Calibri"/>
+                          </a:defRPr>
+                        </a:lvl5pPr>
+                        <a:lvl6pPr marL="2286000" algn="l" defTabSz="914400" rtl="0" eaLnBrk="1" latinLnBrk="0" hangingPunct="1">
+                          <a:defRPr sz="1800" kern="1200">
+                            <a:solidFill>
+                              <a:schemeClr val="tx1"/>
+                            </a:solidFill>
+                            <a:latin typeface="Calibri"/>
+                            <a:ea typeface="Calibri"/>
+                            <a:cs typeface="Calibri"/>
+                          </a:defRPr>
+                        </a:lvl6pPr>
+                        <a:lvl7pPr marL="2743200" algn="l" defTabSz="914400" rtl="0" eaLnBrk="1" latinLnBrk="0" hangingPunct="1">
+                          <a:defRPr sz="1800" kern="1200">
+                            <a:solidFill>
+                              <a:schemeClr val="tx1"/>
+                            </a:solidFill>
+                            <a:latin typeface="Calibri"/>
+                            <a:ea typeface="Calibri"/>
+                            <a:cs typeface="Calibri"/>
+                          </a:defRPr>
+                        </a:lvl7pPr>
+                        <a:lvl8pPr marL="3200400" algn="l" defTabSz="914400" rtl="0" eaLnBrk="1" latinLnBrk="0" hangingPunct="1">
+                          <a:defRPr sz="1800" kern="1200">
+                            <a:solidFill>
+                              <a:schemeClr val="tx1"/>
+                            </a:solidFill>
+                            <a:latin typeface="Calibri"/>
+                            <a:ea typeface="Calibri"/>
+                            <a:cs typeface="Calibri"/>
+                          </a:defRPr>
+                        </a:lvl8pPr>
+                        <a:lvl9pPr marL="3657600" algn="l" defTabSz="914400" rtl="0" eaLnBrk="1" latinLnBrk="0" hangingPunct="1">
+                          <a:defRPr sz="1800" kern="1200">
+                            <a:solidFill>
+                              <a:schemeClr val="tx1"/>
+                            </a:solidFill>
+                            <a:latin typeface="Calibri"/>
+                            <a:ea typeface="Calibri"/>
+                            <a:cs typeface="Calibri"/>
+                          </a:defRPr>
+                        </a:lvl9pPr>
+                      </a:lstStyle>
+                      <a:p>
+                        <a:pPr algn="ctr">
+                          <a:defRPr sz="1800"/>
+                        </a:pPr>
+                        <a:r>
+                          <a:t>…</a:t>
+                        </a:r>
+                      </a:p>
+                    </a:txBody>
+                    <a:tcPr marL="0" marR="0" marT="0" marB="0" anchor="ctr" horzOverflow="overflow"/>
+                  </a:tc>
+                  <a:tc>
+                    <a:txBody>
+                      <a:bodyPr/>
+                      <a:lstStyle>
+                        <a:lvl1pPr marL="0" algn="l" defTabSz="914400" rtl="0" eaLnBrk="1" latinLnBrk="0" hangingPunct="1">
+                          <a:defRPr sz="1800" kern="1200">
+                            <a:solidFill>
+                              <a:schemeClr val="tx1"/>
+                            </a:solidFill>
+                            <a:latin typeface="Calibri"/>
+                            <a:ea typeface="Calibri"/>
+                            <a:cs typeface="Calibri"/>
+                          </a:defRPr>
+                        </a:lvl1pPr>
+                        <a:lvl2pPr marL="457200" algn="l" defTabSz="914400" rtl="0" eaLnBrk="1" latinLnBrk="0" hangingPunct="1">
+                          <a:defRPr sz="1800" kern="1200">
+                            <a:solidFill>
+                              <a:schemeClr val="tx1"/>
+                            </a:solidFill>
+                            <a:latin typeface="Calibri"/>
+                            <a:ea typeface="Calibri"/>
+                            <a:cs typeface="Calibri"/>
+                          </a:defRPr>
+                        </a:lvl2pPr>
+                        <a:lvl3pPr marL="914400" algn="l" defTabSz="914400" rtl="0" eaLnBrk="1" latinLnBrk="0" hangingPunct="1">
+                          <a:defRPr sz="1800" kern="1200">
+                            <a:solidFill>
+                              <a:schemeClr val="tx1"/>
+                            </a:solidFill>
+                            <a:latin typeface="Calibri"/>
+                            <a:ea typeface="Calibri"/>
+                            <a:cs typeface="Calibri"/>
+                          </a:defRPr>
+                        </a:lvl3pPr>
+                        <a:lvl4pPr marL="1371600" algn="l" defTabSz="914400" rtl="0" eaLnBrk="1" latinLnBrk="0" hangingPunct="1">
+                          <a:defRPr sz="1800" kern="1200">
+                            <a:solidFill>
+                              <a:schemeClr val="tx1"/>
+                            </a:solidFill>
+                            <a:latin typeface="Calibri"/>
+                            <a:ea typeface="Calibri"/>
+                            <a:cs typeface="Calibri"/>
+                          </a:defRPr>
+                        </a:lvl4pPr>
+                        <a:lvl5pPr marL="1828800" algn="l" defTabSz="914400" rtl="0" eaLnBrk="1" latinLnBrk="0" hangingPunct="1">
+                          <a:defRPr sz="1800" kern="1200">
+                            <a:solidFill>
+                              <a:schemeClr val="tx1"/>
+                            </a:solidFill>
+                            <a:latin typeface="Calibri"/>
+                            <a:ea typeface="Calibri"/>
+                            <a:cs typeface="Calibri"/>
+                          </a:defRPr>
+                        </a:lvl5pPr>
+                        <a:lvl6pPr marL="2286000" algn="l" defTabSz="914400" rtl="0" eaLnBrk="1" latinLnBrk="0" hangingPunct="1">
+                          <a:defRPr sz="1800" kern="1200">
+                            <a:solidFill>
+                              <a:schemeClr val="tx1"/>
+                            </a:solidFill>
+                            <a:latin typeface="Calibri"/>
+                            <a:ea typeface="Calibri"/>
+                            <a:cs typeface="Calibri"/>
+                          </a:defRPr>
+                        </a:lvl6pPr>
+                        <a:lvl7pPr marL="2743200" algn="l" defTabSz="914400" rtl="0" eaLnBrk="1" latinLnBrk="0" hangingPunct="1">
+                          <a:defRPr sz="1800" kern="1200">
+                            <a:solidFill>
+                              <a:schemeClr val="tx1"/>
+                            </a:solidFill>
+                            <a:latin typeface="Calibri"/>
+                            <a:ea typeface="Calibri"/>
+                            <a:cs typeface="Calibri"/>
+                          </a:defRPr>
+                        </a:lvl7pPr>
+                        <a:lvl8pPr marL="3200400" algn="l" defTabSz="914400" rtl="0" eaLnBrk="1" latinLnBrk="0" hangingPunct="1">
+                          <a:defRPr sz="1800" kern="1200">
+                            <a:solidFill>
+                              <a:schemeClr val="tx1"/>
+                            </a:solidFill>
+                            <a:latin typeface="Calibri"/>
+                            <a:ea typeface="Calibri"/>
+                            <a:cs typeface="Calibri"/>
+                          </a:defRPr>
+                        </a:lvl8pPr>
+                        <a:lvl9pPr marL="3657600" algn="l" defTabSz="914400" rtl="0" eaLnBrk="1" latinLnBrk="0" hangingPunct="1">
+                          <a:defRPr sz="1800" kern="1200">
+                            <a:solidFill>
+                              <a:schemeClr val="tx1"/>
+                            </a:solidFill>
+                            <a:latin typeface="Calibri"/>
+                            <a:ea typeface="Calibri"/>
+                            <a:cs typeface="Calibri"/>
+                          </a:defRPr>
+                        </a:lvl9pPr>
+                      </a:lstStyle>
+                      <a:p>
+                        <a:pPr algn="ctr">
+                          <a:defRPr sz="1800"/>
+                        </a:pPr>
+                        <a:r>
+                          <a:t>…</a:t>
+                        </a:r>
+                      </a:p>
+                    </a:txBody>
+                    <a:tcPr marL="0" marR="0" marT="0" marB="0" anchor="ctr" horzOverflow="overflow"/>
+                  </a:tc>
+                  <a:tc>
+                    <a:txBody>
+                      <a:bodyPr/>
+                      <a:lstStyle>
+                        <a:lvl1pPr marL="0" algn="l" defTabSz="914400" rtl="0" eaLnBrk="1" latinLnBrk="0" hangingPunct="1">
+                          <a:defRPr sz="1800" kern="1200">
+                            <a:solidFill>
+                              <a:schemeClr val="tx1"/>
+                            </a:solidFill>
+                            <a:latin typeface="Calibri"/>
+                            <a:ea typeface="Calibri"/>
+                            <a:cs typeface="Calibri"/>
+                          </a:defRPr>
+                        </a:lvl1pPr>
+                        <a:lvl2pPr marL="457200" algn="l" defTabSz="914400" rtl="0" eaLnBrk="1" latinLnBrk="0" hangingPunct="1">
+                          <a:defRPr sz="1800" kern="1200">
+                            <a:solidFill>
+                              <a:schemeClr val="tx1"/>
+                            </a:solidFill>
+                            <a:latin typeface="Calibri"/>
+                            <a:ea typeface="Calibri"/>
+                            <a:cs typeface="Calibri"/>
+                          </a:defRPr>
+                        </a:lvl2pPr>
+                        <a:lvl3pPr marL="914400" algn="l" defTabSz="914400" rtl="0" eaLnBrk="1" latinLnBrk="0" hangingPunct="1">
+                          <a:defRPr sz="1800" kern="1200">
+                            <a:solidFill>
+                              <a:schemeClr val="tx1"/>
+                            </a:solidFill>
+                            <a:latin typeface="Calibri"/>
+                            <a:ea typeface="Calibri"/>
+                            <a:cs typeface="Calibri"/>
+                          </a:defRPr>
+                        </a:lvl3pPr>
+                        <a:lvl4pPr marL="1371600" algn="l" defTabSz="914400" rtl="0" eaLnBrk="1" latinLnBrk="0" hangingPunct="1">
+                          <a:defRPr sz="1800" kern="1200">
+                            <a:solidFill>
+                              <a:schemeClr val="tx1"/>
+                            </a:solidFill>
+                            <a:latin typeface="Calibri"/>
+                            <a:ea typeface="Calibri"/>
+                            <a:cs typeface="Calibri"/>
+                          </a:defRPr>
+                        </a:lvl4pPr>
+                        <a:lvl5pPr marL="1828800" algn="l" defTabSz="914400" rtl="0" eaLnBrk="1" latinLnBrk="0" hangingPunct="1">
+                          <a:defRPr sz="1800" kern="1200">
+                            <a:solidFill>
+                              <a:schemeClr val="tx1"/>
+                            </a:solidFill>
+                            <a:latin typeface="Calibri"/>
+                            <a:ea typeface="Calibri"/>
+                            <a:cs typeface="Calibri"/>
+                          </a:defRPr>
+                        </a:lvl5pPr>
+                        <a:lvl6pPr marL="2286000" algn="l" defTabSz="914400" rtl="0" eaLnBrk="1" latinLnBrk="0" hangingPunct="1">
+                          <a:defRPr sz="1800" kern="1200">
+                            <a:solidFill>
+                              <a:schemeClr val="tx1"/>
+                            </a:solidFill>
+                            <a:latin typeface="Calibri"/>
+                            <a:ea typeface="Calibri"/>
+                            <a:cs typeface="Calibri"/>
+                          </a:defRPr>
+                        </a:lvl6pPr>
+                        <a:lvl7pPr marL="2743200" algn="l" defTabSz="914400" rtl="0" eaLnBrk="1" latinLnBrk="0" hangingPunct="1">
+                          <a:defRPr sz="1800" kern="1200">
+                            <a:solidFill>
+                              <a:schemeClr val="tx1"/>
+                            </a:solidFill>
+                            <a:latin typeface="Calibri"/>
+                            <a:ea typeface="Calibri"/>
+                            <a:cs typeface="Calibri"/>
+                          </a:defRPr>
+                        </a:lvl7pPr>
+                        <a:lvl8pPr marL="3200400" algn="l" defTabSz="914400" rtl="0" eaLnBrk="1" latinLnBrk="0" hangingPunct="1">
+                          <a:defRPr sz="1800" kern="1200">
+                            <a:solidFill>
+                              <a:schemeClr val="tx1"/>
+                            </a:solidFill>
+                            <a:latin typeface="Calibri"/>
+                            <a:ea typeface="Calibri"/>
+                            <a:cs typeface="Calibri"/>
+                          </a:defRPr>
+                        </a:lvl8pPr>
+                        <a:lvl9pPr marL="3657600" algn="l" defTabSz="914400" rtl="0" eaLnBrk="1" latinLnBrk="0" hangingPunct="1">
+                          <a:defRPr sz="1800" kern="1200">
+                            <a:solidFill>
+                              <a:schemeClr val="tx1"/>
+                            </a:solidFill>
+                            <a:latin typeface="Calibri"/>
+                            <a:ea typeface="Calibri"/>
+                            <a:cs typeface="Calibri"/>
+                          </a:defRPr>
+                        </a:lvl9pPr>
+                      </a:lstStyle>
+                      <a:p>
+                        <a:pPr algn="ctr">
+                          <a:defRPr sz="1800"/>
+                        </a:pPr>
+                        <a:r>
+                          <a:t>…</a:t>
+                        </a:r>
+                      </a:p>
+                    </a:txBody>
+                    <a:tcPr marL="0" marR="0" marT="0" marB="0" anchor="ctr" horzOverflow="overflow"/>
+                  </a:tc>
+                  <a:tc>
+                    <a:txBody>
+                      <a:bodyPr/>
+                      <a:lstStyle>
+                        <a:lvl1pPr marL="0" algn="l" defTabSz="914400" rtl="0" eaLnBrk="1" latinLnBrk="0" hangingPunct="1">
+                          <a:defRPr sz="1800" kern="1200">
+                            <a:solidFill>
+                              <a:schemeClr val="tx1"/>
+                            </a:solidFill>
+                            <a:latin typeface="Calibri"/>
+                            <a:ea typeface="Calibri"/>
+                            <a:cs typeface="Calibri"/>
+                          </a:defRPr>
+                        </a:lvl1pPr>
+                        <a:lvl2pPr marL="457200" algn="l" defTabSz="914400" rtl="0" eaLnBrk="1" latinLnBrk="0" hangingPunct="1">
+                          <a:defRPr sz="1800" kern="1200">
+                            <a:solidFill>
+                              <a:schemeClr val="tx1"/>
+                            </a:solidFill>
+                            <a:latin typeface="Calibri"/>
+                            <a:ea typeface="Calibri"/>
+                            <a:cs typeface="Calibri"/>
+                          </a:defRPr>
+                        </a:lvl2pPr>
+                        <a:lvl3pPr marL="914400" algn="l" defTabSz="914400" rtl="0" eaLnBrk="1" latinLnBrk="0" hangingPunct="1">
+                          <a:defRPr sz="1800" kern="1200">
+                            <a:solidFill>
+                              <a:schemeClr val="tx1"/>
+                            </a:solidFill>
+                            <a:latin typeface="Calibri"/>
+                            <a:ea typeface="Calibri"/>
+                            <a:cs typeface="Calibri"/>
+                          </a:defRPr>
+                        </a:lvl3pPr>
+                        <a:lvl4pPr marL="1371600" algn="l" defTabSz="914400" rtl="0" eaLnBrk="1" latinLnBrk="0" hangingPunct="1">
+                          <a:defRPr sz="1800" kern="1200">
+                            <a:solidFill>
+                              <a:schemeClr val="tx1"/>
+                            </a:solidFill>
+                            <a:latin typeface="Calibri"/>
+                            <a:ea typeface="Calibri"/>
+                            <a:cs typeface="Calibri"/>
+                          </a:defRPr>
+                        </a:lvl4pPr>
+                        <a:lvl5pPr marL="1828800" algn="l" defTabSz="914400" rtl="0" eaLnBrk="1" latinLnBrk="0" hangingPunct="1">
+                          <a:defRPr sz="1800" kern="1200">
+                            <a:solidFill>
+                              <a:schemeClr val="tx1"/>
+                            </a:solidFill>
+                            <a:latin typeface="Calibri"/>
+                            <a:ea typeface="Calibri"/>
+                            <a:cs typeface="Calibri"/>
+                          </a:defRPr>
+                        </a:lvl5pPr>
+                        <a:lvl6pPr marL="2286000" algn="l" defTabSz="914400" rtl="0" eaLnBrk="1" latinLnBrk="0" hangingPunct="1">
+                          <a:defRPr sz="1800" kern="1200">
+                            <a:solidFill>
+                              <a:schemeClr val="tx1"/>
+                            </a:solidFill>
+                            <a:latin typeface="Calibri"/>
+                            <a:ea typeface="Calibri"/>
+                            <a:cs typeface="Calibri"/>
+                          </a:defRPr>
+                        </a:lvl6pPr>
+                        <a:lvl7pPr marL="2743200" algn="l" defTabSz="914400" rtl="0" eaLnBrk="1" latinLnBrk="0" hangingPunct="1">
+                          <a:defRPr sz="1800" kern="1200">
+                            <a:solidFill>
+                              <a:schemeClr val="tx1"/>
+                            </a:solidFill>
+                            <a:latin typeface="Calibri"/>
+                            <a:ea typeface="Calibri"/>
+                            <a:cs typeface="Calibri"/>
+                          </a:defRPr>
+                        </a:lvl7pPr>
+                        <a:lvl8pPr marL="3200400" algn="l" defTabSz="914400" rtl="0" eaLnBrk="1" latinLnBrk="0" hangingPunct="1">
+                          <a:defRPr sz="1800" kern="1200">
+                            <a:solidFill>
+                              <a:schemeClr val="tx1"/>
+                            </a:solidFill>
+                            <a:latin typeface="Calibri"/>
+                            <a:ea typeface="Calibri"/>
+                            <a:cs typeface="Calibri"/>
+                          </a:defRPr>
+                        </a:lvl8pPr>
+                        <a:lvl9pPr marL="3657600" algn="l" defTabSz="914400" rtl="0" eaLnBrk="1" latinLnBrk="0" hangingPunct="1">
+                          <a:defRPr sz="1800" kern="1200">
+                            <a:solidFill>
+                              <a:schemeClr val="tx1"/>
+                            </a:solidFill>
+                            <a:latin typeface="Calibri"/>
+                            <a:ea typeface="Calibri"/>
+                            <a:cs typeface="Calibri"/>
+                          </a:defRPr>
+                        </a:lvl9pPr>
+                      </a:lstStyle>
+                      <a:p>
+                        <a:pPr algn="ctr">
+                          <a:defRPr sz="1800"/>
+                        </a:pPr>
+                        <a:r>
+                          <a:t>…</a:t>
+                        </a:r>
+                      </a:p>
+                    </a:txBody>
+                    <a:tcPr marL="0" marR="0" marT="0" marB="0" anchor="ctr" horzOverflow="overflow"/>
+                  </a:tc>
+                  <a:extLst>
+                    <a:ext uri="{0D108BD9-81ED-4DB2-BD59-A6C34878D82A}">
+                      <a16:rowId xmlns:a16="http://schemas.microsoft.com/office/drawing/2014/main" val="10006"/>
+                    </a:ext>
+                  </a:extLst>
+                </a:tr>
+                <a:tr h="584444">
+                  <a:tc>
+                    <a:txBody>
+                      <a:bodyPr/>
+                      <a:lstStyle>
+                        <a:lvl1pPr marL="0" algn="l" defTabSz="914400" rtl="0" eaLnBrk="1" latinLnBrk="0" hangingPunct="1">
+                          <a:defRPr sz="1800" kern="1200">
+                            <a:solidFill>
+                              <a:schemeClr val="tx1"/>
+                            </a:solidFill>
+                            <a:latin typeface="Calibri"/>
+                            <a:ea typeface="Calibri"/>
+                            <a:cs typeface="Calibri"/>
+                          </a:defRPr>
+                        </a:lvl1pPr>
+                        <a:lvl2pPr marL="457200" algn="l" defTabSz="914400" rtl="0" eaLnBrk="1" latinLnBrk="0" hangingPunct="1">
+                          <a:defRPr sz="1800" kern="1200">
+                            <a:solidFill>
+                              <a:schemeClr val="tx1"/>
+                            </a:solidFill>
+                            <a:latin typeface="Calibri"/>
+                            <a:ea typeface="Calibri"/>
+                            <a:cs typeface="Calibri"/>
+                          </a:defRPr>
+                        </a:lvl2pPr>
+                        <a:lvl3pPr marL="914400" algn="l" defTabSz="914400" rtl="0" eaLnBrk="1" latinLnBrk="0" hangingPunct="1">
+                          <a:defRPr sz="1800" kern="1200">
+                            <a:solidFill>
+                              <a:schemeClr val="tx1"/>
+                            </a:solidFill>
+                            <a:latin typeface="Calibri"/>
+                            <a:ea typeface="Calibri"/>
+                            <a:cs typeface="Calibri"/>
+                          </a:defRPr>
+                        </a:lvl3pPr>
+                        <a:lvl4pPr marL="1371600" algn="l" defTabSz="914400" rtl="0" eaLnBrk="1" latinLnBrk="0" hangingPunct="1">
+                          <a:defRPr sz="1800" kern="1200">
+                            <a:solidFill>
+                              <a:schemeClr val="tx1"/>
+                            </a:solidFill>
+                            <a:latin typeface="Calibri"/>
+                            <a:ea typeface="Calibri"/>
+                            <a:cs typeface="Calibri"/>
+                          </a:defRPr>
+                        </a:lvl4pPr>
+                        <a:lvl5pPr marL="1828800" algn="l" defTabSz="914400" rtl="0" eaLnBrk="1" latinLnBrk="0" hangingPunct="1">
+                          <a:defRPr sz="1800" kern="1200">
+                            <a:solidFill>
+                              <a:schemeClr val="tx1"/>
+                            </a:solidFill>
+                            <a:latin typeface="Calibri"/>
+                            <a:ea typeface="Calibri"/>
+                            <a:cs typeface="Calibri"/>
+                          </a:defRPr>
+                        </a:lvl5pPr>
+                        <a:lvl6pPr marL="2286000" algn="l" defTabSz="914400" rtl="0" eaLnBrk="1" latinLnBrk="0" hangingPunct="1">
+                          <a:defRPr sz="1800" kern="1200">
+                            <a:solidFill>
+                              <a:schemeClr val="tx1"/>
+                            </a:solidFill>
+                            <a:latin typeface="Calibri"/>
+                            <a:ea typeface="Calibri"/>
+                            <a:cs typeface="Calibri"/>
+                          </a:defRPr>
+                        </a:lvl6pPr>
+                        <a:lvl7pPr marL="2743200" algn="l" defTabSz="914400" rtl="0" eaLnBrk="1" latinLnBrk="0" hangingPunct="1">
+                          <a:defRPr sz="1800" kern="1200">
+                            <a:solidFill>
+                              <a:schemeClr val="tx1"/>
+                            </a:solidFill>
+                            <a:latin typeface="Calibri"/>
+                            <a:ea typeface="Calibri"/>
+                            <a:cs typeface="Calibri"/>
+                          </a:defRPr>
+                        </a:lvl7pPr>
+                        <a:lvl8pPr marL="3200400" algn="l" defTabSz="914400" rtl="0" eaLnBrk="1" latinLnBrk="0" hangingPunct="1">
+                          <a:defRPr sz="1800" kern="1200">
+                            <a:solidFill>
+                              <a:schemeClr val="tx1"/>
+                            </a:solidFill>
+                            <a:latin typeface="Calibri"/>
+                            <a:ea typeface="Calibri"/>
+                            <a:cs typeface="Calibri"/>
+                          </a:defRPr>
+                        </a:lvl8pPr>
+                        <a:lvl9pPr marL="3657600" algn="l" defTabSz="914400" rtl="0" eaLnBrk="1" latinLnBrk="0" hangingPunct="1">
+                          <a:defRPr sz="1800" kern="1200">
+                            <a:solidFill>
+                              <a:schemeClr val="tx1"/>
+                            </a:solidFill>
+                            <a:latin typeface="Calibri"/>
+                            <a:ea typeface="Calibri"/>
+                            <a:cs typeface="Calibri"/>
+                          </a:defRPr>
+                        </a:lvl9pPr>
+                      </a:lstStyle>
+                      <a:p>
+                        <a:pPr algn="ctr">
+                          <a:defRPr sz="1800"/>
+                        </a:pPr>
+                        <a:r>
+                          <a:t>M -&gt; V</a:t>
+                        </a:r>
+                      </a:p>
+                    </a:txBody>
+                    <a:tcPr marL="0" marR="0" marT="0" marB="0" anchor="ctr" horzOverflow="overflow"/>
+                  </a:tc>
+                  <a:tc>
+                    <a:txBody>
+                      <a:bodyPr/>
+                      <a:lstStyle>
+                        <a:lvl1pPr marL="0" algn="l" defTabSz="914400" rtl="0" eaLnBrk="1" latinLnBrk="0" hangingPunct="1">
+                          <a:defRPr sz="1800" kern="1200">
+                            <a:solidFill>
+                              <a:schemeClr val="tx1"/>
+                            </a:solidFill>
+                            <a:latin typeface="Calibri"/>
+                            <a:ea typeface="Calibri"/>
+                            <a:cs typeface="Calibri"/>
+                          </a:defRPr>
+                        </a:lvl1pPr>
+                        <a:lvl2pPr marL="457200" algn="l" defTabSz="914400" rtl="0" eaLnBrk="1" latinLnBrk="0" hangingPunct="1">
+                          <a:defRPr sz="1800" kern="1200">
+                            <a:solidFill>
+                              <a:schemeClr val="tx1"/>
+                            </a:solidFill>
+                            <a:latin typeface="Calibri"/>
+                            <a:ea typeface="Calibri"/>
+                            <a:cs typeface="Calibri"/>
+                          </a:defRPr>
+                        </a:lvl2pPr>
+                        <a:lvl3pPr marL="914400" algn="l" defTabSz="914400" rtl="0" eaLnBrk="1" latinLnBrk="0" hangingPunct="1">
+                          <a:defRPr sz="1800" kern="1200">
+                            <a:solidFill>
+                              <a:schemeClr val="tx1"/>
+                            </a:solidFill>
+                            <a:latin typeface="Calibri"/>
+                            <a:ea typeface="Calibri"/>
+                            <a:cs typeface="Calibri"/>
+                          </a:defRPr>
+                        </a:lvl3pPr>
+                        <a:lvl4pPr marL="1371600" algn="l" defTabSz="914400" rtl="0" eaLnBrk="1" latinLnBrk="0" hangingPunct="1">
+                          <a:defRPr sz="1800" kern="1200">
+                            <a:solidFill>
+                              <a:schemeClr val="tx1"/>
+                            </a:solidFill>
+                            <a:latin typeface="Calibri"/>
+                            <a:ea typeface="Calibri"/>
+                            <a:cs typeface="Calibri"/>
+                          </a:defRPr>
+                        </a:lvl4pPr>
+                        <a:lvl5pPr marL="1828800" algn="l" defTabSz="914400" rtl="0" eaLnBrk="1" latinLnBrk="0" hangingPunct="1">
+                          <a:defRPr sz="1800" kern="1200">
+                            <a:solidFill>
+                              <a:schemeClr val="tx1"/>
+                            </a:solidFill>
+                            <a:latin typeface="Calibri"/>
+                            <a:ea typeface="Calibri"/>
+                            <a:cs typeface="Calibri"/>
+                          </a:defRPr>
+                        </a:lvl5pPr>
+                        <a:lvl6pPr marL="2286000" algn="l" defTabSz="914400" rtl="0" eaLnBrk="1" latinLnBrk="0" hangingPunct="1">
+                          <a:defRPr sz="1800" kern="1200">
+                            <a:solidFill>
+                              <a:schemeClr val="tx1"/>
+                            </a:solidFill>
+                            <a:latin typeface="Calibri"/>
+                            <a:ea typeface="Calibri"/>
+                            <a:cs typeface="Calibri"/>
+                          </a:defRPr>
+                        </a:lvl6pPr>
+                        <a:lvl7pPr marL="2743200" algn="l" defTabSz="914400" rtl="0" eaLnBrk="1" latinLnBrk="0" hangingPunct="1">
+                          <a:defRPr sz="1800" kern="1200">
+                            <a:solidFill>
+                              <a:schemeClr val="tx1"/>
+                            </a:solidFill>
+                            <a:latin typeface="Calibri"/>
+                            <a:ea typeface="Calibri"/>
+                            <a:cs typeface="Calibri"/>
+                          </a:defRPr>
+                        </a:lvl7pPr>
+                        <a:lvl8pPr marL="3200400" algn="l" defTabSz="914400" rtl="0" eaLnBrk="1" latinLnBrk="0" hangingPunct="1">
+                          <a:defRPr sz="1800" kern="1200">
+                            <a:solidFill>
+                              <a:schemeClr val="tx1"/>
+                            </a:solidFill>
+                            <a:latin typeface="Calibri"/>
+                            <a:ea typeface="Calibri"/>
+                            <a:cs typeface="Calibri"/>
+                          </a:defRPr>
+                        </a:lvl8pPr>
+                        <a:lvl9pPr marL="3657600" algn="l" defTabSz="914400" rtl="0" eaLnBrk="1" latinLnBrk="0" hangingPunct="1">
+                          <a:defRPr sz="1800" kern="1200">
+                            <a:solidFill>
+                              <a:schemeClr val="tx1"/>
+                            </a:solidFill>
+                            <a:latin typeface="Calibri"/>
+                            <a:ea typeface="Calibri"/>
+                            <a:cs typeface="Calibri"/>
+                          </a:defRPr>
+                        </a:lvl9pPr>
+                      </a:lstStyle>
+                      <a:p>
+                        <a:pPr algn="ctr">
+                          <a:defRPr sz="1800"/>
+                        </a:pPr>
+                        <a:r>
+                          <a:rPr dirty="0"/>
+                          <a:t>1</a:t>
+                        </a:r>
+                      </a:p>
+                    </a:txBody>
+                    <a:tcPr marL="0" marR="0" marT="0" marB="0" anchor="ctr" horzOverflow="overflow"/>
+                  </a:tc>
+                  <a:tc>
+                    <a:txBody>
+                      <a:bodyPr/>
+                      <a:lstStyle>
+                        <a:lvl1pPr marL="0" algn="l" defTabSz="914400" rtl="0" eaLnBrk="1" latinLnBrk="0" hangingPunct="1">
+                          <a:defRPr sz="1800" kern="1200">
+                            <a:solidFill>
+                              <a:schemeClr val="tx1"/>
+                            </a:solidFill>
+                            <a:latin typeface="Calibri"/>
+                            <a:ea typeface="Calibri"/>
+                            <a:cs typeface="Calibri"/>
+                          </a:defRPr>
+                        </a:lvl1pPr>
+                        <a:lvl2pPr marL="457200" algn="l" defTabSz="914400" rtl="0" eaLnBrk="1" latinLnBrk="0" hangingPunct="1">
+                          <a:defRPr sz="1800" kern="1200">
+                            <a:solidFill>
+                              <a:schemeClr val="tx1"/>
+                            </a:solidFill>
+                            <a:latin typeface="Calibri"/>
+                            <a:ea typeface="Calibri"/>
+                            <a:cs typeface="Calibri"/>
+                          </a:defRPr>
+                        </a:lvl2pPr>
+                        <a:lvl3pPr marL="914400" algn="l" defTabSz="914400" rtl="0" eaLnBrk="1" latinLnBrk="0" hangingPunct="1">
+                          <a:defRPr sz="1800" kern="1200">
+                            <a:solidFill>
+                              <a:schemeClr val="tx1"/>
+                            </a:solidFill>
+                            <a:latin typeface="Calibri"/>
+                            <a:ea typeface="Calibri"/>
+                            <a:cs typeface="Calibri"/>
+                          </a:defRPr>
+                        </a:lvl3pPr>
+                        <a:lvl4pPr marL="1371600" algn="l" defTabSz="914400" rtl="0" eaLnBrk="1" latinLnBrk="0" hangingPunct="1">
+                          <a:defRPr sz="1800" kern="1200">
+                            <a:solidFill>
+                              <a:schemeClr val="tx1"/>
+                            </a:solidFill>
+                            <a:latin typeface="Calibri"/>
+                            <a:ea typeface="Calibri"/>
+                            <a:cs typeface="Calibri"/>
+                          </a:defRPr>
+                        </a:lvl4pPr>
+                        <a:lvl5pPr marL="1828800" algn="l" defTabSz="914400" rtl="0" eaLnBrk="1" latinLnBrk="0" hangingPunct="1">
+                          <a:defRPr sz="1800" kern="1200">
+                            <a:solidFill>
+                              <a:schemeClr val="tx1"/>
+                            </a:solidFill>
+                            <a:latin typeface="Calibri"/>
+                            <a:ea typeface="Calibri"/>
+                            <a:cs typeface="Calibri"/>
+                          </a:defRPr>
+                        </a:lvl5pPr>
+                        <a:lvl6pPr marL="2286000" algn="l" defTabSz="914400" rtl="0" eaLnBrk="1" latinLnBrk="0" hangingPunct="1">
+                          <a:defRPr sz="1800" kern="1200">
+                            <a:solidFill>
+                              <a:schemeClr val="tx1"/>
+                            </a:solidFill>
+                            <a:latin typeface="Calibri"/>
+                            <a:ea typeface="Calibri"/>
+                            <a:cs typeface="Calibri"/>
+                          </a:defRPr>
+                        </a:lvl6pPr>
+                        <a:lvl7pPr marL="2743200" algn="l" defTabSz="914400" rtl="0" eaLnBrk="1" latinLnBrk="0" hangingPunct="1">
+                          <a:defRPr sz="1800" kern="1200">
+                            <a:solidFill>
+                              <a:schemeClr val="tx1"/>
+                            </a:solidFill>
+                            <a:latin typeface="Calibri"/>
+                            <a:ea typeface="Calibri"/>
+                            <a:cs typeface="Calibri"/>
+                          </a:defRPr>
+                        </a:lvl7pPr>
+                        <a:lvl8pPr marL="3200400" algn="l" defTabSz="914400" rtl="0" eaLnBrk="1" latinLnBrk="0" hangingPunct="1">
+                          <a:defRPr sz="1800" kern="1200">
+                            <a:solidFill>
+                              <a:schemeClr val="tx1"/>
+                            </a:solidFill>
+                            <a:latin typeface="Calibri"/>
+                            <a:ea typeface="Calibri"/>
+                            <a:cs typeface="Calibri"/>
+                          </a:defRPr>
+                        </a:lvl8pPr>
+                        <a:lvl9pPr marL="3657600" algn="l" defTabSz="914400" rtl="0" eaLnBrk="1" latinLnBrk="0" hangingPunct="1">
+                          <a:defRPr sz="1800" kern="1200">
+                            <a:solidFill>
+                              <a:schemeClr val="tx1"/>
+                            </a:solidFill>
+                            <a:latin typeface="Calibri"/>
+                            <a:ea typeface="Calibri"/>
+                            <a:cs typeface="Calibri"/>
+                          </a:defRPr>
+                        </a:lvl9pPr>
+                      </a:lstStyle>
+                      <a:p>
+                        <a:pPr algn="ctr">
+                          <a:defRPr sz="1800"/>
+                        </a:pPr>
+                        <a:r>
+                          <a:t>82</a:t>
+                        </a:r>
+                      </a:p>
+                    </a:txBody>
+                    <a:tcPr marL="0" marR="0" marT="0" marB="0" anchor="ctr" horzOverflow="overflow"/>
+                  </a:tc>
+                  <a:tc>
+                    <a:txBody>
+                      <a:bodyPr/>
+                      <a:lstStyle>
+                        <a:lvl1pPr marL="0" algn="l" defTabSz="914400" rtl="0" eaLnBrk="1" latinLnBrk="0" hangingPunct="1">
+                          <a:defRPr sz="1800" kern="1200">
+                            <a:solidFill>
+                              <a:schemeClr val="tx1"/>
+                            </a:solidFill>
+                            <a:latin typeface="Calibri"/>
+                            <a:ea typeface="Calibri"/>
+                            <a:cs typeface="Calibri"/>
+                          </a:defRPr>
+                        </a:lvl1pPr>
+                        <a:lvl2pPr marL="457200" algn="l" defTabSz="914400" rtl="0" eaLnBrk="1" latinLnBrk="0" hangingPunct="1">
+                          <a:defRPr sz="1800" kern="1200">
+                            <a:solidFill>
+                              <a:schemeClr val="tx1"/>
+                            </a:solidFill>
+                            <a:latin typeface="Calibri"/>
+                            <a:ea typeface="Calibri"/>
+                            <a:cs typeface="Calibri"/>
+                          </a:defRPr>
+                        </a:lvl2pPr>
+                        <a:lvl3pPr marL="914400" algn="l" defTabSz="914400" rtl="0" eaLnBrk="1" latinLnBrk="0" hangingPunct="1">
+                          <a:defRPr sz="1800" kern="1200">
+                            <a:solidFill>
+                              <a:schemeClr val="tx1"/>
+                            </a:solidFill>
+                            <a:latin typeface="Calibri"/>
+                            <a:ea typeface="Calibri"/>
+                            <a:cs typeface="Calibri"/>
+                          </a:defRPr>
+                        </a:lvl3pPr>
+                        <a:lvl4pPr marL="1371600" algn="l" defTabSz="914400" rtl="0" eaLnBrk="1" latinLnBrk="0" hangingPunct="1">
+                          <a:defRPr sz="1800" kern="1200">
+                            <a:solidFill>
+                              <a:schemeClr val="tx1"/>
+                            </a:solidFill>
+                            <a:latin typeface="Calibri"/>
+                            <a:ea typeface="Calibri"/>
+                            <a:cs typeface="Calibri"/>
+                          </a:defRPr>
+                        </a:lvl4pPr>
+                        <a:lvl5pPr marL="1828800" algn="l" defTabSz="914400" rtl="0" eaLnBrk="1" latinLnBrk="0" hangingPunct="1">
+                          <a:defRPr sz="1800" kern="1200">
+                            <a:solidFill>
+                              <a:schemeClr val="tx1"/>
+                            </a:solidFill>
+                            <a:latin typeface="Calibri"/>
+                            <a:ea typeface="Calibri"/>
+                            <a:cs typeface="Calibri"/>
+                          </a:defRPr>
+                        </a:lvl5pPr>
+                        <a:lvl6pPr marL="2286000" algn="l" defTabSz="914400" rtl="0" eaLnBrk="1" latinLnBrk="0" hangingPunct="1">
+                          <a:defRPr sz="1800" kern="1200">
+                            <a:solidFill>
+                              <a:schemeClr val="tx1"/>
+                            </a:solidFill>
+                            <a:latin typeface="Calibri"/>
+                            <a:ea typeface="Calibri"/>
+                            <a:cs typeface="Calibri"/>
+                          </a:defRPr>
+                        </a:lvl6pPr>
+                        <a:lvl7pPr marL="2743200" algn="l" defTabSz="914400" rtl="0" eaLnBrk="1" latinLnBrk="0" hangingPunct="1">
+                          <a:defRPr sz="1800" kern="1200">
+                            <a:solidFill>
+                              <a:schemeClr val="tx1"/>
+                            </a:solidFill>
+                            <a:latin typeface="Calibri"/>
+                            <a:ea typeface="Calibri"/>
+                            <a:cs typeface="Calibri"/>
+                          </a:defRPr>
+                        </a:lvl7pPr>
+                        <a:lvl8pPr marL="3200400" algn="l" defTabSz="914400" rtl="0" eaLnBrk="1" latinLnBrk="0" hangingPunct="1">
+                          <a:defRPr sz="1800" kern="1200">
+                            <a:solidFill>
+                              <a:schemeClr val="tx1"/>
+                            </a:solidFill>
+                            <a:latin typeface="Calibri"/>
+                            <a:ea typeface="Calibri"/>
+                            <a:cs typeface="Calibri"/>
+                          </a:defRPr>
+                        </a:lvl8pPr>
+                        <a:lvl9pPr marL="3657600" algn="l" defTabSz="914400" rtl="0" eaLnBrk="1" latinLnBrk="0" hangingPunct="1">
+                          <a:defRPr sz="1800" kern="1200">
+                            <a:solidFill>
+                              <a:schemeClr val="tx1"/>
+                            </a:solidFill>
+                            <a:latin typeface="Calibri"/>
+                            <a:ea typeface="Calibri"/>
+                            <a:cs typeface="Calibri"/>
+                          </a:defRPr>
+                        </a:lvl9pPr>
+                      </a:lstStyle>
+                      <a:p>
+                        <a:pPr algn="ctr">
+                          <a:defRPr sz="1800"/>
+                        </a:pPr>
+                        <a:r>
+                          <a:rPr dirty="0"/>
+                          <a:t>1</a:t>
+                        </a:r>
+                      </a:p>
+                    </a:txBody>
+                    <a:tcPr marL="0" marR="0" marT="0" marB="0" anchor="ctr" horzOverflow="overflow"/>
+                  </a:tc>
+                  <a:extLst>
+                    <a:ext uri="{0D108BD9-81ED-4DB2-BD59-A6C34878D82A}">
+                      <a16:rowId xmlns:a16="http://schemas.microsoft.com/office/drawing/2014/main" val="10007"/>
+                    </a:ext>
+                  </a:extLst>
+                </a:tr>
+              </a:tbl>
+            </a:graphicData>
+          </a:graphic>
+        </p:graphicFrame>
+      </p:grpSp>
+      <p:sp>
+        <p:nvSpPr>
+          <p:cNvPr id="10" name="Textfeld 9">
+            <a:extLst>
+              <a:ext uri="{FF2B5EF4-FFF2-40B4-BE49-F238E27FC236}">
+                <a16:creationId xmlns:a16="http://schemas.microsoft.com/office/drawing/2014/main" id="{35FE8BD5-2EAB-4381-9B00-75F44A92F879}"/>
+              </a:ext>
+            </a:extLst>
+          </p:cNvPr>
+          <p:cNvSpPr txBox="1"/>
+          <p:nvPr/>
+        </p:nvSpPr>
         <p:spPr>
-          <a:xfrm>
-            <a:off x="852890" y="1348229"/>
-            <a:ext cx="3061228" cy="5077212"/>
+          <a:xfrm rot="10800000" flipH="1" flipV="1">
+            <a:off x="9025878" y="3167608"/>
+            <a:ext cx="2243837" cy="369332"/>
           </a:xfrm>
           <a:prstGeom prst="rect">
             <a:avLst/>
           </a:prstGeom>
-        </p:spPr>
-      </p:pic>
-      <p:pic>
-        <p:nvPicPr>
-          <p:cNvPr id="6" name="table">
-            <a:extLst>
-              <a:ext uri="{FF2B5EF4-FFF2-40B4-BE49-F238E27FC236}">
-                <a16:creationId xmlns:a16="http://schemas.microsoft.com/office/drawing/2014/main" id="{98871E3C-09A0-42E8-9DC4-ADE93C6F94E3}"/>
-              </a:ext>
-            </a:extLst>
-          </p:cNvPr>
-          <p:cNvPicPr>
-            <a:picLocks noChangeAspect="1"/>
-          </p:cNvPicPr>
-          <p:nvPr/>
-        </p:nvPicPr>
-        <p:blipFill>
-          <a:blip r:embed="rId3"/>
-          <a:stretch>
-            <a:fillRect/>
-          </a:stretch>
-        </p:blipFill>
-        <p:spPr>
-          <a:xfrm>
-            <a:off x="7038242" y="1403154"/>
-            <a:ext cx="4300868" cy="4967360"/>
-          </a:xfrm>
-          <a:prstGeom prst="rect">
-            <a:avLst/>
-          </a:prstGeom>
-        </p:spPr>
-      </p:pic>
-      <p:sp>
-        <p:nvSpPr>
-          <p:cNvPr id="7" name="CUTOFFS">
-            <a:extLst>
-              <a:ext uri="{FF2B5EF4-FFF2-40B4-BE49-F238E27FC236}">
-                <a16:creationId xmlns:a16="http://schemas.microsoft.com/office/drawing/2014/main" id="{8858DAE9-DD3C-43D5-829B-4088D1D3D367}"/>
-              </a:ext>
-            </a:extLst>
-          </p:cNvPr>
-          <p:cNvSpPr txBox="1"/>
-          <p:nvPr/>
-        </p:nvSpPr>
-        <p:spPr>
-          <a:xfrm>
-            <a:off x="1526925" y="432559"/>
-            <a:ext cx="1713159" cy="535940"/>
-          </a:xfrm>
-          <a:prstGeom prst="rect">
-            <a:avLst/>
-          </a:prstGeom>
-          <a:ln w="12700">
-            <a:miter lim="400000"/>
-          </a:ln>
-          <a:extLst>
-            <a:ext uri="{C572A759-6A51-4108-AA02-DFA0A04FC94B}">
-              <ma14:wrappingTextBoxFlag xmlns="" xmlns:m="http://schemas.openxmlformats.org/officeDocument/2006/math" xmlns:a14="http://schemas.microsoft.com/office/drawing/2010/main" xmlns:ma14="http://schemas.microsoft.com/office/mac/drawingml/2011/main" xmlns:lc="http://schemas.openxmlformats.org/drawingml/2006/lockedCanvas" val="1"/>
-            </a:ext>
-          </a:extLst>
+          <a:noFill/>
         </p:spPr>
         <p:txBody>
-          <a:bodyPr wrap="none" lIns="45719" rIns="45719">
+          <a:bodyPr wrap="square" rtlCol="0">
             <a:spAutoFit/>
           </a:bodyPr>
-          <a:lstStyle>
-            <a:defPPr marL="0" marR="0" indent="0" algn="l" defTabSz="914400" rtl="0" fontAlgn="auto" latinLnBrk="1" hangingPunct="0">
-              <a:lnSpc>
-                <a:spcPct val="100000"/>
-              </a:lnSpc>
-              <a:spcBef>
-                <a:spcPts val="0"/>
-              </a:spcBef>
-              <a:spcAft>
-                <a:spcPts val="0"/>
-              </a:spcAft>
-              <a:buClrTx/>
-              <a:buSzTx/>
-              <a:buFontTx/>
-              <a:buNone/>
-              <a:tabLst/>
-              <a:defRPr kumimoji="0" sz="1800" b="0" i="0" u="none" strike="noStrike" cap="none" spc="0" normalizeH="0" baseline="0">
-                <a:ln>
-                  <a:noFill/>
-                </a:ln>
-                <a:solidFill>
-                  <a:srgbClr val="000000"/>
-                </a:solidFill>
-                <a:effectLst/>
-                <a:uFillTx/>
-              </a:defRPr>
-            </a:defPPr>
-            <a:lvl1pPr marL="0" marR="0" indent="0" algn="l" defTabSz="914400" rtl="0" fontAlgn="auto" latinLnBrk="0" hangingPunct="0">
-              <a:lnSpc>
-                <a:spcPct val="100000"/>
-              </a:lnSpc>
-              <a:spcBef>
-                <a:spcPts val="0"/>
-              </a:spcBef>
-              <a:spcAft>
-                <a:spcPts val="0"/>
-              </a:spcAft>
-              <a:buClrTx/>
-              <a:buSzTx/>
-              <a:buFontTx/>
-              <a:buNone/>
-              <a:tabLst/>
-              <a:defRPr kumimoji="0" sz="1800" b="0" i="0" u="none" strike="noStrike" cap="none" spc="0" normalizeH="0" baseline="0">
-                <a:ln>
-                  <a:noFill/>
-                </a:ln>
-                <a:solidFill>
-                  <a:srgbClr val="000000"/>
-                </a:solidFill>
-                <a:effectLst/>
-                <a:uFillTx/>
-                <a:latin typeface="+mn-lt"/>
-                <a:ea typeface="+mn-ea"/>
-                <a:cs typeface="+mn-cs"/>
-                <a:sym typeface="Calibri"/>
-              </a:defRPr>
-            </a:lvl1pPr>
-            <a:lvl2pPr marL="0" marR="0" indent="457200" algn="l" defTabSz="914400" rtl="0" fontAlgn="auto" latinLnBrk="0" hangingPunct="0">
-              <a:lnSpc>
-                <a:spcPct val="100000"/>
-              </a:lnSpc>
-              <a:spcBef>
-                <a:spcPts val="0"/>
-              </a:spcBef>
-              <a:spcAft>
-                <a:spcPts val="0"/>
-              </a:spcAft>
-              <a:buClrTx/>
-              <a:buSzTx/>
-              <a:buFontTx/>
-              <a:buNone/>
-              <a:tabLst/>
-              <a:defRPr kumimoji="0" sz="1800" b="0" i="0" u="none" strike="noStrike" cap="none" spc="0" normalizeH="0" baseline="0">
-                <a:ln>
-                  <a:noFill/>
-                </a:ln>
-                <a:solidFill>
-                  <a:srgbClr val="000000"/>
-                </a:solidFill>
-                <a:effectLst/>
-                <a:uFillTx/>
-                <a:latin typeface="+mn-lt"/>
-                <a:ea typeface="+mn-ea"/>
-                <a:cs typeface="+mn-cs"/>
-                <a:sym typeface="Calibri"/>
-              </a:defRPr>
-            </a:lvl2pPr>
-            <a:lvl3pPr marL="0" marR="0" indent="914400" algn="l" defTabSz="914400" rtl="0" fontAlgn="auto" latinLnBrk="0" hangingPunct="0">
-              <a:lnSpc>
-                <a:spcPct val="100000"/>
-              </a:lnSpc>
-              <a:spcBef>
-                <a:spcPts val="0"/>
-              </a:spcBef>
-              <a:spcAft>
-                <a:spcPts val="0"/>
-              </a:spcAft>
-              <a:buClrTx/>
-              <a:buSzTx/>
-              <a:buFontTx/>
-              <a:buNone/>
-              <a:tabLst/>
-              <a:defRPr kumimoji="0" sz="1800" b="0" i="0" u="none" strike="noStrike" cap="none" spc="0" normalizeH="0" baseline="0">
-                <a:ln>
-                  <a:noFill/>
-                </a:ln>
-                <a:solidFill>
-                  <a:srgbClr val="000000"/>
-                </a:solidFill>
-                <a:effectLst/>
-                <a:uFillTx/>
-                <a:latin typeface="+mn-lt"/>
-                <a:ea typeface="+mn-ea"/>
-                <a:cs typeface="+mn-cs"/>
-                <a:sym typeface="Calibri"/>
-              </a:defRPr>
-            </a:lvl3pPr>
-            <a:lvl4pPr marL="0" marR="0" indent="1371600" algn="l" defTabSz="914400" rtl="0" fontAlgn="auto" latinLnBrk="0" hangingPunct="0">
-              <a:lnSpc>
-                <a:spcPct val="100000"/>
-              </a:lnSpc>
-              <a:spcBef>
-                <a:spcPts val="0"/>
-              </a:spcBef>
-              <a:spcAft>
-                <a:spcPts val="0"/>
-              </a:spcAft>
-              <a:buClrTx/>
-              <a:buSzTx/>
-              <a:buFontTx/>
-              <a:buNone/>
-              <a:tabLst/>
-              <a:defRPr kumimoji="0" sz="1800" b="0" i="0" u="none" strike="noStrike" cap="none" spc="0" normalizeH="0" baseline="0">
-                <a:ln>
-                  <a:noFill/>
-                </a:ln>
-                <a:solidFill>
-                  <a:srgbClr val="000000"/>
-                </a:solidFill>
-                <a:effectLst/>
-                <a:uFillTx/>
-                <a:latin typeface="+mn-lt"/>
-                <a:ea typeface="+mn-ea"/>
-                <a:cs typeface="+mn-cs"/>
-                <a:sym typeface="Calibri"/>
-              </a:defRPr>
-            </a:lvl4pPr>
-            <a:lvl5pPr marL="0" marR="0" indent="1828800" algn="l" defTabSz="914400" rtl="0" fontAlgn="auto" latinLnBrk="0" hangingPunct="0">
-              <a:lnSpc>
-                <a:spcPct val="100000"/>
-              </a:lnSpc>
-              <a:spcBef>
-                <a:spcPts val="0"/>
-              </a:spcBef>
-              <a:spcAft>
-                <a:spcPts val="0"/>
-              </a:spcAft>
-              <a:buClrTx/>
-              <a:buSzTx/>
-              <a:buFontTx/>
-              <a:buNone/>
-              <a:tabLst/>
-              <a:defRPr kumimoji="0" sz="1800" b="0" i="0" u="none" strike="noStrike" cap="none" spc="0" normalizeH="0" baseline="0">
-                <a:ln>
-                  <a:noFill/>
-                </a:ln>
-                <a:solidFill>
-                  <a:srgbClr val="000000"/>
-                </a:solidFill>
-                <a:effectLst/>
-                <a:uFillTx/>
-                <a:latin typeface="+mn-lt"/>
-                <a:ea typeface="+mn-ea"/>
-                <a:cs typeface="+mn-cs"/>
-                <a:sym typeface="Calibri"/>
-              </a:defRPr>
-            </a:lvl5pPr>
-            <a:lvl6pPr marL="0" marR="0" indent="2286000" algn="l" defTabSz="914400" rtl="0" fontAlgn="auto" latinLnBrk="0" hangingPunct="0">
-              <a:lnSpc>
-                <a:spcPct val="100000"/>
-              </a:lnSpc>
-              <a:spcBef>
-                <a:spcPts val="0"/>
-              </a:spcBef>
-              <a:spcAft>
-                <a:spcPts val="0"/>
-              </a:spcAft>
-              <a:buClrTx/>
-              <a:buSzTx/>
-              <a:buFontTx/>
-              <a:buNone/>
-              <a:tabLst/>
-              <a:defRPr kumimoji="0" sz="1800" b="0" i="0" u="none" strike="noStrike" cap="none" spc="0" normalizeH="0" baseline="0">
-                <a:ln>
-                  <a:noFill/>
-                </a:ln>
-                <a:solidFill>
-                  <a:srgbClr val="000000"/>
-                </a:solidFill>
-                <a:effectLst/>
-                <a:uFillTx/>
-                <a:latin typeface="+mn-lt"/>
-                <a:ea typeface="+mn-ea"/>
-                <a:cs typeface="+mn-cs"/>
-                <a:sym typeface="Calibri"/>
-              </a:defRPr>
-            </a:lvl6pPr>
-            <a:lvl7pPr marL="0" marR="0" indent="2743200" algn="l" defTabSz="914400" rtl="0" fontAlgn="auto" latinLnBrk="0" hangingPunct="0">
-              <a:lnSpc>
-                <a:spcPct val="100000"/>
-              </a:lnSpc>
-              <a:spcBef>
-                <a:spcPts val="0"/>
-              </a:spcBef>
-              <a:spcAft>
-                <a:spcPts val="0"/>
-              </a:spcAft>
-              <a:buClrTx/>
-              <a:buSzTx/>
-              <a:buFontTx/>
-              <a:buNone/>
-              <a:tabLst/>
-              <a:defRPr kumimoji="0" sz="1800" b="0" i="0" u="none" strike="noStrike" cap="none" spc="0" normalizeH="0" baseline="0">
-                <a:ln>
-                  <a:noFill/>
-                </a:ln>
-                <a:solidFill>
-                  <a:srgbClr val="000000"/>
-                </a:solidFill>
-                <a:effectLst/>
-                <a:uFillTx/>
-                <a:latin typeface="+mn-lt"/>
-                <a:ea typeface="+mn-ea"/>
-                <a:cs typeface="+mn-cs"/>
-                <a:sym typeface="Calibri"/>
-              </a:defRPr>
-            </a:lvl7pPr>
-            <a:lvl8pPr marL="0" marR="0" indent="3200400" algn="l" defTabSz="914400" rtl="0" fontAlgn="auto" latinLnBrk="0" hangingPunct="0">
-              <a:lnSpc>
-                <a:spcPct val="100000"/>
-              </a:lnSpc>
-              <a:spcBef>
-                <a:spcPts val="0"/>
-              </a:spcBef>
-              <a:spcAft>
-                <a:spcPts val="0"/>
-              </a:spcAft>
-              <a:buClrTx/>
-              <a:buSzTx/>
-              <a:buFontTx/>
-              <a:buNone/>
-              <a:tabLst/>
-              <a:defRPr kumimoji="0" sz="1800" b="0" i="0" u="none" strike="noStrike" cap="none" spc="0" normalizeH="0" baseline="0">
-                <a:ln>
-                  <a:noFill/>
-                </a:ln>
-                <a:solidFill>
-                  <a:srgbClr val="000000"/>
-                </a:solidFill>
-                <a:effectLst/>
-                <a:uFillTx/>
-                <a:latin typeface="+mn-lt"/>
-                <a:ea typeface="+mn-ea"/>
-                <a:cs typeface="+mn-cs"/>
-                <a:sym typeface="Calibri"/>
-              </a:defRPr>
-            </a:lvl8pPr>
-            <a:lvl9pPr marL="0" marR="0" indent="3657600" algn="l" defTabSz="914400" rtl="0" fontAlgn="auto" latinLnBrk="0" hangingPunct="0">
-              <a:lnSpc>
-                <a:spcPct val="100000"/>
-              </a:lnSpc>
-              <a:spcBef>
-                <a:spcPts val="0"/>
-              </a:spcBef>
-              <a:spcAft>
-                <a:spcPts val="0"/>
-              </a:spcAft>
-              <a:buClrTx/>
-              <a:buSzTx/>
-              <a:buFontTx/>
-              <a:buNone/>
-              <a:tabLst/>
-              <a:defRPr kumimoji="0" sz="1800" b="0" i="0" u="none" strike="noStrike" cap="none" spc="0" normalizeH="0" baseline="0">
-                <a:ln>
-                  <a:noFill/>
-                </a:ln>
-                <a:solidFill>
-                  <a:srgbClr val="000000"/>
-                </a:solidFill>
-                <a:effectLst/>
-                <a:uFillTx/>
-                <a:latin typeface="+mn-lt"/>
-                <a:ea typeface="+mn-ea"/>
-                <a:cs typeface="+mn-cs"/>
-                <a:sym typeface="Calibri"/>
-              </a:defRPr>
-            </a:lvl9pPr>
-          </a:lstStyle>
-          <a:p>
-            <a:r>
-              <a:rPr dirty="0"/>
-              <a:t>CUTOFFS</a:t>
-            </a:r>
-          </a:p>
-        </p:txBody>
-      </p:sp>
-      <p:sp>
-        <p:nvSpPr>
-          <p:cNvPr id="8" name="CONVERSION">
-            <a:extLst>
-              <a:ext uri="{FF2B5EF4-FFF2-40B4-BE49-F238E27FC236}">
-                <a16:creationId xmlns:a16="http://schemas.microsoft.com/office/drawing/2014/main" id="{ECA851A3-E7E0-4024-BF54-6BC445354D9E}"/>
-              </a:ext>
-            </a:extLst>
-          </p:cNvPr>
-          <p:cNvSpPr txBox="1"/>
-          <p:nvPr/>
-        </p:nvSpPr>
-        <p:spPr>
-          <a:xfrm>
-            <a:off x="8004303" y="432559"/>
-            <a:ext cx="2368747" cy="535941"/>
-          </a:xfrm>
-          <a:prstGeom prst="rect">
-            <a:avLst/>
-          </a:prstGeom>
-          <a:ln w="12700">
-            <a:miter lim="400000"/>
-          </a:ln>
-          <a:extLst>
-            <a:ext uri="{C572A759-6A51-4108-AA02-DFA0A04FC94B}">
-              <ma14:wrappingTextBoxFlag xmlns="" xmlns:m="http://schemas.openxmlformats.org/officeDocument/2006/math" xmlns:a14="http://schemas.microsoft.com/office/drawing/2010/main" xmlns:ma14="http://schemas.microsoft.com/office/mac/drawingml/2011/main" xmlns:lc="http://schemas.openxmlformats.org/drawingml/2006/lockedCanvas" val="1"/>
-            </a:ext>
-          </a:extLst>
-        </p:spPr>
-        <p:txBody>
-          <a:bodyPr wrap="none" lIns="45719" rIns="45719">
-            <a:spAutoFit/>
-          </a:bodyPr>
-          <a:lstStyle>
-            <a:defPPr marL="0" marR="0" indent="0" algn="l" defTabSz="914400" rtl="0" fontAlgn="auto" latinLnBrk="1" hangingPunct="0">
-              <a:lnSpc>
-                <a:spcPct val="100000"/>
-              </a:lnSpc>
-              <a:spcBef>
-                <a:spcPts val="0"/>
-              </a:spcBef>
-              <a:spcAft>
-                <a:spcPts val="0"/>
-              </a:spcAft>
-              <a:buClrTx/>
-              <a:buSzTx/>
-              <a:buFontTx/>
-              <a:buNone/>
-              <a:tabLst/>
-              <a:defRPr kumimoji="0" sz="1800" b="0" i="0" u="none" strike="noStrike" cap="none" spc="0" normalizeH="0" baseline="0">
-                <a:ln>
-                  <a:noFill/>
-                </a:ln>
-                <a:solidFill>
-                  <a:srgbClr val="000000"/>
-                </a:solidFill>
-                <a:effectLst/>
-                <a:uFillTx/>
-              </a:defRPr>
-            </a:defPPr>
-            <a:lvl1pPr marL="0" marR="0" indent="0" algn="l" defTabSz="914400" rtl="0" fontAlgn="auto" latinLnBrk="0" hangingPunct="0">
-              <a:lnSpc>
-                <a:spcPct val="100000"/>
-              </a:lnSpc>
-              <a:spcBef>
-                <a:spcPts val="0"/>
-              </a:spcBef>
-              <a:spcAft>
-                <a:spcPts val="0"/>
-              </a:spcAft>
-              <a:buClrTx/>
-              <a:buSzTx/>
-              <a:buFontTx/>
-              <a:buNone/>
-              <a:tabLst/>
-              <a:defRPr kumimoji="0" sz="1800" b="0" i="0" u="none" strike="noStrike" cap="none" spc="0" normalizeH="0" baseline="0">
-                <a:ln>
-                  <a:noFill/>
-                </a:ln>
-                <a:solidFill>
-                  <a:srgbClr val="000000"/>
-                </a:solidFill>
-                <a:effectLst/>
-                <a:uFillTx/>
-                <a:latin typeface="+mn-lt"/>
-                <a:ea typeface="+mn-ea"/>
-                <a:cs typeface="+mn-cs"/>
-                <a:sym typeface="Calibri"/>
-              </a:defRPr>
-            </a:lvl1pPr>
-            <a:lvl2pPr marL="0" marR="0" indent="457200" algn="l" defTabSz="914400" rtl="0" fontAlgn="auto" latinLnBrk="0" hangingPunct="0">
-              <a:lnSpc>
-                <a:spcPct val="100000"/>
-              </a:lnSpc>
-              <a:spcBef>
-                <a:spcPts val="0"/>
-              </a:spcBef>
-              <a:spcAft>
-                <a:spcPts val="0"/>
-              </a:spcAft>
-              <a:buClrTx/>
-              <a:buSzTx/>
-              <a:buFontTx/>
-              <a:buNone/>
-              <a:tabLst/>
-              <a:defRPr kumimoji="0" sz="1800" b="0" i="0" u="none" strike="noStrike" cap="none" spc="0" normalizeH="0" baseline="0">
-                <a:ln>
-                  <a:noFill/>
-                </a:ln>
-                <a:solidFill>
-                  <a:srgbClr val="000000"/>
-                </a:solidFill>
-                <a:effectLst/>
-                <a:uFillTx/>
-                <a:latin typeface="+mn-lt"/>
-                <a:ea typeface="+mn-ea"/>
-                <a:cs typeface="+mn-cs"/>
-                <a:sym typeface="Calibri"/>
-              </a:defRPr>
-            </a:lvl2pPr>
-            <a:lvl3pPr marL="0" marR="0" indent="914400" algn="l" defTabSz="914400" rtl="0" fontAlgn="auto" latinLnBrk="0" hangingPunct="0">
-              <a:lnSpc>
-                <a:spcPct val="100000"/>
-              </a:lnSpc>
-              <a:spcBef>
-                <a:spcPts val="0"/>
-              </a:spcBef>
-              <a:spcAft>
-                <a:spcPts val="0"/>
-              </a:spcAft>
-              <a:buClrTx/>
-              <a:buSzTx/>
-              <a:buFontTx/>
-              <a:buNone/>
-              <a:tabLst/>
-              <a:defRPr kumimoji="0" sz="1800" b="0" i="0" u="none" strike="noStrike" cap="none" spc="0" normalizeH="0" baseline="0">
-                <a:ln>
-                  <a:noFill/>
-                </a:ln>
-                <a:solidFill>
-                  <a:srgbClr val="000000"/>
-                </a:solidFill>
-                <a:effectLst/>
-                <a:uFillTx/>
-                <a:latin typeface="+mn-lt"/>
-                <a:ea typeface="+mn-ea"/>
-                <a:cs typeface="+mn-cs"/>
-                <a:sym typeface="Calibri"/>
-              </a:defRPr>
-            </a:lvl3pPr>
-            <a:lvl4pPr marL="0" marR="0" indent="1371600" algn="l" defTabSz="914400" rtl="0" fontAlgn="auto" latinLnBrk="0" hangingPunct="0">
-              <a:lnSpc>
-                <a:spcPct val="100000"/>
-              </a:lnSpc>
-              <a:spcBef>
-                <a:spcPts val="0"/>
-              </a:spcBef>
-              <a:spcAft>
-                <a:spcPts val="0"/>
-              </a:spcAft>
-              <a:buClrTx/>
-              <a:buSzTx/>
-              <a:buFontTx/>
-              <a:buNone/>
-              <a:tabLst/>
-              <a:defRPr kumimoji="0" sz="1800" b="0" i="0" u="none" strike="noStrike" cap="none" spc="0" normalizeH="0" baseline="0">
-                <a:ln>
-                  <a:noFill/>
-                </a:ln>
-                <a:solidFill>
-                  <a:srgbClr val="000000"/>
-                </a:solidFill>
-                <a:effectLst/>
-                <a:uFillTx/>
-                <a:latin typeface="+mn-lt"/>
-                <a:ea typeface="+mn-ea"/>
-                <a:cs typeface="+mn-cs"/>
-                <a:sym typeface="Calibri"/>
-              </a:defRPr>
-            </a:lvl4pPr>
-            <a:lvl5pPr marL="0" marR="0" indent="1828800" algn="l" defTabSz="914400" rtl="0" fontAlgn="auto" latinLnBrk="0" hangingPunct="0">
-              <a:lnSpc>
-                <a:spcPct val="100000"/>
-              </a:lnSpc>
-              <a:spcBef>
-                <a:spcPts val="0"/>
-              </a:spcBef>
-              <a:spcAft>
-                <a:spcPts val="0"/>
-              </a:spcAft>
-              <a:buClrTx/>
-              <a:buSzTx/>
-              <a:buFontTx/>
-              <a:buNone/>
-              <a:tabLst/>
-              <a:defRPr kumimoji="0" sz="1800" b="0" i="0" u="none" strike="noStrike" cap="none" spc="0" normalizeH="0" baseline="0">
-                <a:ln>
-                  <a:noFill/>
-                </a:ln>
-                <a:solidFill>
-                  <a:srgbClr val="000000"/>
-                </a:solidFill>
-                <a:effectLst/>
-                <a:uFillTx/>
-                <a:latin typeface="+mn-lt"/>
-                <a:ea typeface="+mn-ea"/>
-                <a:cs typeface="+mn-cs"/>
-                <a:sym typeface="Calibri"/>
-              </a:defRPr>
-            </a:lvl5pPr>
-            <a:lvl6pPr marL="0" marR="0" indent="2286000" algn="l" defTabSz="914400" rtl="0" fontAlgn="auto" latinLnBrk="0" hangingPunct="0">
-              <a:lnSpc>
-                <a:spcPct val="100000"/>
-              </a:lnSpc>
-              <a:spcBef>
-                <a:spcPts val="0"/>
-              </a:spcBef>
-              <a:spcAft>
-                <a:spcPts val="0"/>
-              </a:spcAft>
-              <a:buClrTx/>
-              <a:buSzTx/>
-              <a:buFontTx/>
-              <a:buNone/>
-              <a:tabLst/>
-              <a:defRPr kumimoji="0" sz="1800" b="0" i="0" u="none" strike="noStrike" cap="none" spc="0" normalizeH="0" baseline="0">
-                <a:ln>
-                  <a:noFill/>
-                </a:ln>
-                <a:solidFill>
-                  <a:srgbClr val="000000"/>
-                </a:solidFill>
-                <a:effectLst/>
-                <a:uFillTx/>
-                <a:latin typeface="+mn-lt"/>
-                <a:ea typeface="+mn-ea"/>
-                <a:cs typeface="+mn-cs"/>
-                <a:sym typeface="Calibri"/>
-              </a:defRPr>
-            </a:lvl6pPr>
-            <a:lvl7pPr marL="0" marR="0" indent="2743200" algn="l" defTabSz="914400" rtl="0" fontAlgn="auto" latinLnBrk="0" hangingPunct="0">
-              <a:lnSpc>
-                <a:spcPct val="100000"/>
-              </a:lnSpc>
-              <a:spcBef>
-                <a:spcPts val="0"/>
-              </a:spcBef>
-              <a:spcAft>
-                <a:spcPts val="0"/>
-              </a:spcAft>
-              <a:buClrTx/>
-              <a:buSzTx/>
-              <a:buFontTx/>
-              <a:buNone/>
-              <a:tabLst/>
-              <a:defRPr kumimoji="0" sz="1800" b="0" i="0" u="none" strike="noStrike" cap="none" spc="0" normalizeH="0" baseline="0">
-                <a:ln>
-                  <a:noFill/>
-                </a:ln>
-                <a:solidFill>
-                  <a:srgbClr val="000000"/>
-                </a:solidFill>
-                <a:effectLst/>
-                <a:uFillTx/>
-                <a:latin typeface="+mn-lt"/>
-                <a:ea typeface="+mn-ea"/>
-                <a:cs typeface="+mn-cs"/>
-                <a:sym typeface="Calibri"/>
-              </a:defRPr>
-            </a:lvl7pPr>
-            <a:lvl8pPr marL="0" marR="0" indent="3200400" algn="l" defTabSz="914400" rtl="0" fontAlgn="auto" latinLnBrk="0" hangingPunct="0">
-              <a:lnSpc>
-                <a:spcPct val="100000"/>
-              </a:lnSpc>
-              <a:spcBef>
-                <a:spcPts val="0"/>
-              </a:spcBef>
-              <a:spcAft>
-                <a:spcPts val="0"/>
-              </a:spcAft>
-              <a:buClrTx/>
-              <a:buSzTx/>
-              <a:buFontTx/>
-              <a:buNone/>
-              <a:tabLst/>
-              <a:defRPr kumimoji="0" sz="1800" b="0" i="0" u="none" strike="noStrike" cap="none" spc="0" normalizeH="0" baseline="0">
-                <a:ln>
-                  <a:noFill/>
-                </a:ln>
-                <a:solidFill>
-                  <a:srgbClr val="000000"/>
-                </a:solidFill>
-                <a:effectLst/>
-                <a:uFillTx/>
-                <a:latin typeface="+mn-lt"/>
-                <a:ea typeface="+mn-ea"/>
-                <a:cs typeface="+mn-cs"/>
-                <a:sym typeface="Calibri"/>
-              </a:defRPr>
-            </a:lvl8pPr>
-            <a:lvl9pPr marL="0" marR="0" indent="3657600" algn="l" defTabSz="914400" rtl="0" fontAlgn="auto" latinLnBrk="0" hangingPunct="0">
-              <a:lnSpc>
-                <a:spcPct val="100000"/>
-              </a:lnSpc>
-              <a:spcBef>
-                <a:spcPts val="0"/>
-              </a:spcBef>
-              <a:spcAft>
-                <a:spcPts val="0"/>
-              </a:spcAft>
-              <a:buClrTx/>
-              <a:buSzTx/>
-              <a:buFontTx/>
-              <a:buNone/>
-              <a:tabLst/>
-              <a:defRPr kumimoji="0" sz="1800" b="0" i="0" u="none" strike="noStrike" cap="none" spc="0" normalizeH="0" baseline="0">
-                <a:ln>
-                  <a:noFill/>
-                </a:ln>
-                <a:solidFill>
-                  <a:srgbClr val="000000"/>
-                </a:solidFill>
-                <a:effectLst/>
-                <a:uFillTx/>
-                <a:latin typeface="+mn-lt"/>
-                <a:ea typeface="+mn-ea"/>
-                <a:cs typeface="+mn-cs"/>
-                <a:sym typeface="Calibri"/>
-              </a:defRPr>
-            </a:lvl9pPr>
-          </a:lstStyle>
-          <a:p>
-            <a:r>
-              <a:rPr dirty="0"/>
-              <a:t>CONVERSION</a:t>
+          <a:lstStyle/>
+          <a:p>
+            <a:r>
+              <a:rPr lang="en-US" dirty="0"/>
+              <a:t>MCC =  ………..</a:t>
             </a:r>
           </a:p>
         </p:txBody>

--- a/BLOSUMscoresComparedToSingleSNAPscores.pptx
+++ b/BLOSUMscoresComparedToSingleSNAPscores.pptx
@@ -5,7 +5,7 @@
     <p:sldMasterId id="2147483648" r:id="rId1"/>
   </p:sldMasterIdLst>
   <p:notesMasterIdLst>
-    <p:notesMasterId r:id="rId24"/>
+    <p:notesMasterId r:id="rId25"/>
   </p:notesMasterIdLst>
   <p:sldIdLst>
     <p:sldId id="256" r:id="rId2"/>
@@ -22,14 +22,15 @@
     <p:sldId id="281" r:id="rId13"/>
     <p:sldId id="280" r:id="rId14"/>
     <p:sldId id="264" r:id="rId15"/>
-    <p:sldId id="257" r:id="rId16"/>
-    <p:sldId id="267" r:id="rId17"/>
-    <p:sldId id="277" r:id="rId18"/>
-    <p:sldId id="266" r:id="rId19"/>
-    <p:sldId id="276" r:id="rId20"/>
-    <p:sldId id="275" r:id="rId21"/>
-    <p:sldId id="265" r:id="rId22"/>
-    <p:sldId id="274" r:id="rId23"/>
+    <p:sldId id="282" r:id="rId16"/>
+    <p:sldId id="257" r:id="rId17"/>
+    <p:sldId id="267" r:id="rId18"/>
+    <p:sldId id="277" r:id="rId19"/>
+    <p:sldId id="266" r:id="rId20"/>
+    <p:sldId id="276" r:id="rId21"/>
+    <p:sldId id="275" r:id="rId22"/>
+    <p:sldId id="265" r:id="rId23"/>
+    <p:sldId id="274" r:id="rId24"/>
   </p:sldIdLst>
   <p:sldSz cx="12192000" cy="6858000"/>
   <p:notesSz cx="6858000" cy="9144000"/>
@@ -5713,6 +5714,33 @@
           <a:p>
             <a:endParaRPr lang="en-US" dirty="0"/>
           </a:p>
+          <a:p>
+            <a:r>
+              <a:rPr lang="en-US" dirty="0"/>
+              <a:t>Other measures:</a:t>
+            </a:r>
+          </a:p>
+          <a:p>
+            <a:pPr lvl="1"/>
+            <a:r>
+              <a:rPr lang="en-US" dirty="0"/>
+              <a:t>F1-score</a:t>
+            </a:r>
+          </a:p>
+          <a:p>
+            <a:pPr lvl="1"/>
+            <a:r>
+              <a:rPr lang="en-US" dirty="0"/>
+              <a:t>Precision</a:t>
+            </a:r>
+          </a:p>
+          <a:p>
+            <a:pPr lvl="1"/>
+            <a:r>
+              <a:rPr lang="en-US" dirty="0"/>
+              <a:t>Recall/TPR</a:t>
+            </a:r>
+          </a:p>
         </p:txBody>
       </p:sp>
       <p:sp>
@@ -5825,156 +5853,6 @@
           </a:prstGeom>
         </p:spPr>
       </p:pic>
-      <p:sp>
-        <p:nvSpPr>
-          <p:cNvPr id="5" name="Textfeld 4">
-            <a:extLst>
-              <a:ext uri="{FF2B5EF4-FFF2-40B4-BE49-F238E27FC236}">
-                <a16:creationId xmlns:a16="http://schemas.microsoft.com/office/drawing/2014/main" id="{A20160BE-0E87-4117-B39A-45786E0E9AF9}"/>
-              </a:ext>
-            </a:extLst>
-          </p:cNvPr>
-          <p:cNvSpPr txBox="1"/>
-          <p:nvPr/>
-        </p:nvSpPr>
-        <p:spPr>
-          <a:xfrm>
-            <a:off x="1019532" y="3868639"/>
-            <a:ext cx="4823669" cy="2554545"/>
-          </a:xfrm>
-          <a:prstGeom prst="rect">
-            <a:avLst/>
-          </a:prstGeom>
-          <a:noFill/>
-        </p:spPr>
-        <p:txBody>
-          <a:bodyPr wrap="square" rtlCol="0">
-            <a:spAutoFit/>
-          </a:bodyPr>
-          <a:lstStyle/>
-          <a:p>
-            <a:pPr algn="ctr"/>
-            <a:r>
-              <a:rPr lang="de-DE" sz="2000" b="1" dirty="0"/>
-              <a:t>Cross-validation:</a:t>
-            </a:r>
-          </a:p>
-          <a:p>
-            <a:pPr algn="ctr"/>
-            <a:endParaRPr lang="de-DE" sz="2000" dirty="0"/>
-          </a:p>
-          <a:p>
-            <a:pPr algn="ctr"/>
-            <a:r>
-              <a:rPr lang="en-US" sz="2000" dirty="0"/>
-              <a:t>MCC: 0.19 ± 0.01</a:t>
-            </a:r>
-          </a:p>
-          <a:p>
-            <a:pPr algn="ctr"/>
-            <a:endParaRPr lang="en-US" sz="2000" dirty="0"/>
-          </a:p>
-          <a:p>
-            <a:pPr algn="ctr"/>
-            <a:r>
-              <a:rPr lang="en-US" sz="2000" dirty="0"/>
-              <a:t>F1-score: 0.19 ± 0.01</a:t>
-            </a:r>
-          </a:p>
-          <a:p>
-            <a:pPr algn="ctr"/>
-            <a:endParaRPr lang="en-US" sz="2000" dirty="0"/>
-          </a:p>
-          <a:p>
-            <a:pPr algn="ctr"/>
-            <a:r>
-              <a:rPr lang="en-US" sz="2000" dirty="0"/>
-              <a:t>Precision: 0.4 ± 0.02</a:t>
-            </a:r>
-          </a:p>
-          <a:p>
-            <a:pPr algn="ctr"/>
-            <a:endParaRPr lang="de-DE" sz="2000" dirty="0"/>
-          </a:p>
-        </p:txBody>
-      </p:sp>
-      <p:sp>
-        <p:nvSpPr>
-          <p:cNvPr id="9" name="Textfeld 8">
-            <a:extLst>
-              <a:ext uri="{FF2B5EF4-FFF2-40B4-BE49-F238E27FC236}">
-                <a16:creationId xmlns:a16="http://schemas.microsoft.com/office/drawing/2014/main" id="{2116E3B5-479F-4B33-97DA-FEB452B6B981}"/>
-              </a:ext>
-            </a:extLst>
-          </p:cNvPr>
-          <p:cNvSpPr txBox="1"/>
-          <p:nvPr/>
-        </p:nvSpPr>
-        <p:spPr>
-          <a:xfrm>
-            <a:off x="5705549" y="3868639"/>
-            <a:ext cx="4823669" cy="2554545"/>
-          </a:xfrm>
-          <a:prstGeom prst="rect">
-            <a:avLst/>
-          </a:prstGeom>
-          <a:noFill/>
-        </p:spPr>
-        <p:txBody>
-          <a:bodyPr wrap="square" rtlCol="0">
-            <a:spAutoFit/>
-          </a:bodyPr>
-          <a:lstStyle/>
-          <a:p>
-            <a:pPr algn="ctr"/>
-            <a:r>
-              <a:rPr lang="de-DE" sz="2000" b="1" dirty="0" err="1"/>
-              <a:t>Testset</a:t>
-            </a:r>
-            <a:r>
-              <a:rPr lang="de-DE" sz="2000" b="1" dirty="0"/>
-              <a:t>:</a:t>
-            </a:r>
-          </a:p>
-          <a:p>
-            <a:pPr algn="ctr"/>
-            <a:endParaRPr lang="de-DE" sz="2000" dirty="0"/>
-          </a:p>
-          <a:p>
-            <a:pPr algn="ctr"/>
-            <a:r>
-              <a:rPr lang="en-US" sz="2000" dirty="0"/>
-              <a:t>MCC: 0.24 ± 0.01</a:t>
-            </a:r>
-          </a:p>
-          <a:p>
-            <a:pPr algn="ctr"/>
-            <a:endParaRPr lang="en-US" sz="2000" dirty="0"/>
-          </a:p>
-          <a:p>
-            <a:pPr algn="ctr"/>
-            <a:r>
-              <a:rPr lang="en-US" sz="2000" dirty="0"/>
-              <a:t>F1-score: 0.24 ± 0.01</a:t>
-            </a:r>
-          </a:p>
-          <a:p>
-            <a:pPr algn="ctr"/>
-            <a:endParaRPr lang="en-US" sz="2000" dirty="0"/>
-          </a:p>
-          <a:p>
-            <a:pPr algn="ctr"/>
-            <a:r>
-              <a:rPr lang="en-US" sz="2000" dirty="0"/>
-              <a:t>Precision: 0.5 ± 0.02</a:t>
-            </a:r>
-          </a:p>
-          <a:p>
-            <a:pPr algn="ctr"/>
-            <a:endParaRPr lang="de-DE" sz="2000" dirty="0"/>
-          </a:p>
-        </p:txBody>
-      </p:sp>
     </p:spTree>
     <p:extLst>
       <p:ext uri="{BB962C8B-B14F-4D97-AF65-F5344CB8AC3E}">
@@ -5989,6 +5867,242 @@
 </file>
 
 <file path=ppt/slides/slide15.xml><?xml version="1.0" encoding="utf-8"?>
+<p:sld xmlns:a="http://schemas.openxmlformats.org/drawingml/2006/main" xmlns:r="http://schemas.openxmlformats.org/officeDocument/2006/relationships" xmlns:p="http://schemas.openxmlformats.org/presentationml/2006/main">
+  <p:cSld>
+    <p:spTree>
+      <p:nvGrpSpPr>
+        <p:cNvPr id="1" name=""/>
+        <p:cNvGrpSpPr/>
+        <p:nvPr/>
+      </p:nvGrpSpPr>
+      <p:grpSpPr>
+        <a:xfrm>
+          <a:off x="0" y="0"/>
+          <a:ext cx="0" cy="0"/>
+          <a:chOff x="0" y="0"/>
+          <a:chExt cx="0" cy="0"/>
+        </a:xfrm>
+      </p:grpSpPr>
+      <p:sp>
+        <p:nvSpPr>
+          <p:cNvPr id="2" name="Titel 1">
+            <a:extLst>
+              <a:ext uri="{FF2B5EF4-FFF2-40B4-BE49-F238E27FC236}">
+                <a16:creationId xmlns:a16="http://schemas.microsoft.com/office/drawing/2014/main" id="{B92B1ADD-2CE4-4003-B77E-E4D4344E16FE}"/>
+              </a:ext>
+            </a:extLst>
+          </p:cNvPr>
+          <p:cNvSpPr>
+            <a:spLocks noGrp="1"/>
+          </p:cNvSpPr>
+          <p:nvPr>
+            <p:ph type="title"/>
+          </p:nvPr>
+        </p:nvSpPr>
+        <p:spPr/>
+        <p:txBody>
+          <a:bodyPr/>
+          <a:lstStyle/>
+          <a:p>
+            <a:pPr algn="ctr"/>
+            <a:r>
+              <a:rPr lang="en-US" dirty="0"/>
+              <a:t>Performance</a:t>
+            </a:r>
+          </a:p>
+        </p:txBody>
+      </p:sp>
+      <p:sp>
+        <p:nvSpPr>
+          <p:cNvPr id="5" name="Inhaltsplatzhalter 4">
+            <a:extLst>
+              <a:ext uri="{FF2B5EF4-FFF2-40B4-BE49-F238E27FC236}">
+                <a16:creationId xmlns:a16="http://schemas.microsoft.com/office/drawing/2014/main" id="{57F2C987-8AD9-40C4-A534-80D9F09B9DA3}"/>
+              </a:ext>
+            </a:extLst>
+          </p:cNvPr>
+          <p:cNvSpPr>
+            <a:spLocks noGrp="1"/>
+          </p:cNvSpPr>
+          <p:nvPr>
+            <p:ph sz="half" idx="1"/>
+          </p:nvPr>
+        </p:nvSpPr>
+        <p:spPr/>
+        <p:txBody>
+          <a:bodyPr/>
+          <a:lstStyle/>
+          <a:p>
+            <a:pPr marL="0" indent="0">
+              <a:buNone/>
+            </a:pPr>
+            <a:r>
+              <a:rPr lang="de-DE" b="1" dirty="0"/>
+              <a:t>Cross-validation:</a:t>
+            </a:r>
+          </a:p>
+          <a:p>
+            <a:pPr marL="0" indent="0">
+              <a:buNone/>
+            </a:pPr>
+            <a:endParaRPr lang="de-DE" dirty="0"/>
+          </a:p>
+          <a:p>
+            <a:r>
+              <a:rPr lang="en-US" dirty="0"/>
+              <a:t>MCC: 19% ± 1% </a:t>
+            </a:r>
+          </a:p>
+          <a:p>
+            <a:r>
+              <a:rPr lang="en-US" dirty="0"/>
+              <a:t>F1-score: 19% ± 1%</a:t>
+            </a:r>
+          </a:p>
+          <a:p>
+            <a:r>
+              <a:rPr lang="en-US" dirty="0"/>
+              <a:t>Precision: 40% ± 2%</a:t>
+            </a:r>
+          </a:p>
+          <a:p>
+            <a:r>
+              <a:rPr lang="en-US" dirty="0"/>
+              <a:t>Recall: </a:t>
+            </a:r>
+            <a:r>
+              <a:rPr lang="it-IT" dirty="0"/>
+              <a:t>13.4% </a:t>
+            </a:r>
+            <a:r>
+              <a:rPr lang="en-US" dirty="0"/>
+              <a:t>± </a:t>
+            </a:r>
+            <a:r>
+              <a:rPr lang="de-DE" dirty="0"/>
+              <a:t>0.7%</a:t>
+            </a:r>
+            <a:endParaRPr lang="en-US" dirty="0"/>
+          </a:p>
+          <a:p>
+            <a:endParaRPr lang="de-DE" dirty="0"/>
+          </a:p>
+          <a:p>
+            <a:endParaRPr lang="en-US" dirty="0"/>
+          </a:p>
+        </p:txBody>
+      </p:sp>
+      <p:sp>
+        <p:nvSpPr>
+          <p:cNvPr id="6" name="Inhaltsplatzhalter 5">
+            <a:extLst>
+              <a:ext uri="{FF2B5EF4-FFF2-40B4-BE49-F238E27FC236}">
+                <a16:creationId xmlns:a16="http://schemas.microsoft.com/office/drawing/2014/main" id="{D47A9C6F-1B46-4F36-B300-25319252D39E}"/>
+              </a:ext>
+            </a:extLst>
+          </p:cNvPr>
+          <p:cNvSpPr>
+            <a:spLocks noGrp="1"/>
+          </p:cNvSpPr>
+          <p:nvPr>
+            <p:ph sz="half" idx="2"/>
+          </p:nvPr>
+        </p:nvSpPr>
+        <p:spPr/>
+        <p:txBody>
+          <a:bodyPr/>
+          <a:lstStyle/>
+          <a:p>
+            <a:pPr marL="0" indent="0">
+              <a:buNone/>
+            </a:pPr>
+            <a:r>
+              <a:rPr lang="de-DE" b="1" dirty="0" err="1"/>
+              <a:t>Testset</a:t>
+            </a:r>
+            <a:r>
+              <a:rPr lang="de-DE" b="1" dirty="0"/>
+              <a:t>:</a:t>
+            </a:r>
+          </a:p>
+          <a:p>
+            <a:endParaRPr lang="de-DE" dirty="0"/>
+          </a:p>
+          <a:p>
+            <a:r>
+              <a:rPr lang="en-US" dirty="0"/>
+              <a:t>MCC: 24% ± 1%</a:t>
+            </a:r>
+          </a:p>
+          <a:p>
+            <a:r>
+              <a:rPr lang="en-US" dirty="0"/>
+              <a:t>F1-score: 24% ± 1%</a:t>
+            </a:r>
+          </a:p>
+          <a:p>
+            <a:r>
+              <a:rPr lang="en-US" dirty="0"/>
+              <a:t>Precision: 50% ± 2%</a:t>
+            </a:r>
+          </a:p>
+          <a:p>
+            <a:r>
+              <a:rPr lang="en-US" dirty="0"/>
+              <a:t>Recall: 15.4% ± 0.6%</a:t>
+            </a:r>
+          </a:p>
+          <a:p>
+            <a:endParaRPr lang="de-DE" dirty="0"/>
+          </a:p>
+          <a:p>
+            <a:endParaRPr lang="en-US" dirty="0"/>
+          </a:p>
+        </p:txBody>
+      </p:sp>
+      <p:sp>
+        <p:nvSpPr>
+          <p:cNvPr id="4" name="Foliennummernplatzhalter 3">
+            <a:extLst>
+              <a:ext uri="{FF2B5EF4-FFF2-40B4-BE49-F238E27FC236}">
+                <a16:creationId xmlns:a16="http://schemas.microsoft.com/office/drawing/2014/main" id="{8DAB26D1-49A8-44C9-A7CE-46D50D28BF0D}"/>
+              </a:ext>
+            </a:extLst>
+          </p:cNvPr>
+          <p:cNvSpPr>
+            <a:spLocks noGrp="1"/>
+          </p:cNvSpPr>
+          <p:nvPr>
+            <p:ph type="sldNum" sz="quarter" idx="12"/>
+          </p:nvPr>
+        </p:nvSpPr>
+        <p:spPr/>
+        <p:txBody>
+          <a:bodyPr/>
+          <a:lstStyle/>
+          <a:p>
+            <a:fld id="{CCAAE293-A3DA-4FFC-871C-7F0F209F7CB2}" type="slidenum">
+              <a:rPr lang="en-US" smtClean="0"/>
+              <a:t>15</a:t>
+            </a:fld>
+            <a:endParaRPr lang="en-US"/>
+          </a:p>
+        </p:txBody>
+      </p:sp>
+    </p:spTree>
+    <p:extLst>
+      <p:ext uri="{BB962C8B-B14F-4D97-AF65-F5344CB8AC3E}">
+        <p14:creationId xmlns:p14="http://schemas.microsoft.com/office/powerpoint/2010/main" val="1723962012"/>
+      </p:ext>
+    </p:extLst>
+  </p:cSld>
+  <p:clrMapOvr>
+    <a:masterClrMapping/>
+  </p:clrMapOvr>
+</p:sld>
+</file>
+
+<file path=ppt/slides/slide16.xml><?xml version="1.0" encoding="utf-8"?>
 <p:sld xmlns:a="http://schemas.openxmlformats.org/drawingml/2006/main" xmlns:r="http://schemas.openxmlformats.org/officeDocument/2006/relationships" xmlns:p="http://schemas.openxmlformats.org/presentationml/2006/main">
   <p:cSld>
     <p:spTree>
@@ -6401,7 +6515,7 @@
           <a:p>
             <a:fld id="{CCAAE293-A3DA-4FFC-871C-7F0F209F7CB2}" type="slidenum">
               <a:rPr lang="en-US" smtClean="0"/>
-              <a:t>15</a:t>
+              <a:t>16</a:t>
             </a:fld>
             <a:endParaRPr lang="en-US"/>
           </a:p>
@@ -6420,7 +6534,7 @@
 </p:sld>
 </file>
 
-<file path=ppt/slides/slide16.xml><?xml version="1.0" encoding="utf-8"?>
+<file path=ppt/slides/slide17.xml><?xml version="1.0" encoding="utf-8"?>
 <p:sld xmlns:a="http://schemas.openxmlformats.org/drawingml/2006/main" xmlns:r="http://schemas.openxmlformats.org/officeDocument/2006/relationships" xmlns:p="http://schemas.openxmlformats.org/presentationml/2006/main">
   <p:cSld>
     <p:spTree>
@@ -6515,7 +6629,7 @@
           <a:p>
             <a:fld id="{CCAAE293-A3DA-4FFC-871C-7F0F209F7CB2}" type="slidenum">
               <a:rPr lang="en-US" smtClean="0"/>
-              <a:t>16</a:t>
+              <a:t>17</a:t>
             </a:fld>
             <a:endParaRPr lang="en-US"/>
           </a:p>
@@ -7020,7 +7134,7 @@
 </p:sld>
 </file>
 
-<file path=ppt/slides/slide17.xml><?xml version="1.0" encoding="utf-8"?>
+<file path=ppt/slides/slide18.xml><?xml version="1.0" encoding="utf-8"?>
 <p:sld xmlns:a="http://schemas.openxmlformats.org/drawingml/2006/main" xmlns:r="http://schemas.openxmlformats.org/officeDocument/2006/relationships" xmlns:p="http://schemas.openxmlformats.org/presentationml/2006/main">
   <p:cSld>
     <p:spTree>
@@ -7100,7 +7214,7 @@
           <a:p>
             <a:fld id="{CCAAE293-A3DA-4FFC-871C-7F0F209F7CB2}" type="slidenum">
               <a:rPr lang="en-US" smtClean="0"/>
-              <a:t>17</a:t>
+              <a:t>18</a:t>
             </a:fld>
             <a:endParaRPr lang="en-US"/>
           </a:p>
@@ -7156,7 +7270,7 @@
 </p:sld>
 </file>
 
-<file path=ppt/slides/slide18.xml><?xml version="1.0" encoding="utf-8"?>
+<file path=ppt/slides/slide19.xml><?xml version="1.0" encoding="utf-8"?>
 <p:sld xmlns:a="http://schemas.openxmlformats.org/drawingml/2006/main" xmlns:r="http://schemas.openxmlformats.org/officeDocument/2006/relationships" xmlns:p="http://schemas.openxmlformats.org/presentationml/2006/main">
   <p:cSld>
     <p:spTree>
@@ -7196,7 +7310,7 @@
           <a:p>
             <a:fld id="{CCAAE293-A3DA-4FFC-871C-7F0F209F7CB2}" type="slidenum">
               <a:rPr lang="en-US" smtClean="0"/>
-              <a:t>18</a:t>
+              <a:t>19</a:t>
             </a:fld>
             <a:endParaRPr lang="en-US"/>
           </a:p>
@@ -7302,180 +7416,6 @@
 </p:sld>
 </file>
 
-<file path=ppt/slides/slide19.xml><?xml version="1.0" encoding="utf-8"?>
-<p:sld xmlns:a="http://schemas.openxmlformats.org/drawingml/2006/main" xmlns:r="http://schemas.openxmlformats.org/officeDocument/2006/relationships" xmlns:p="http://schemas.openxmlformats.org/presentationml/2006/main">
-  <p:cSld>
-    <p:spTree>
-      <p:nvGrpSpPr>
-        <p:cNvPr id="1" name=""/>
-        <p:cNvGrpSpPr/>
-        <p:nvPr/>
-      </p:nvGrpSpPr>
-      <p:grpSpPr>
-        <a:xfrm>
-          <a:off x="0" y="0"/>
-          <a:ext cx="0" cy="0"/>
-          <a:chOff x="0" y="0"/>
-          <a:chExt cx="0" cy="0"/>
-        </a:xfrm>
-      </p:grpSpPr>
-      <p:sp>
-        <p:nvSpPr>
-          <p:cNvPr id="2" name="Title 1">
-            <a:extLst>
-              <a:ext uri="{FF2B5EF4-FFF2-40B4-BE49-F238E27FC236}">
-                <a16:creationId xmlns:a16="http://schemas.microsoft.com/office/drawing/2014/main" id="{001AF39E-1616-4458-B383-32A4EFFBC15A}"/>
-              </a:ext>
-            </a:extLst>
-          </p:cNvPr>
-          <p:cNvSpPr>
-            <a:spLocks noGrp="1"/>
-          </p:cNvSpPr>
-          <p:nvPr>
-            <p:ph type="title"/>
-          </p:nvPr>
-        </p:nvSpPr>
-        <p:spPr>
-          <a:xfrm>
-            <a:off x="838200" y="365125"/>
-            <a:ext cx="10515600" cy="1325563"/>
-          </a:xfrm>
-        </p:spPr>
-        <p:txBody>
-          <a:bodyPr/>
-          <a:lstStyle/>
-          <a:p>
-            <a:pPr algn="ctr"/>
-            <a:r>
-              <a:rPr lang="de-DE" dirty="0"/>
-              <a:t>Testing </a:t>
-            </a:r>
-            <a:r>
-              <a:rPr lang="de-DE"/>
-              <a:t>for overfitting</a:t>
-            </a:r>
-            <a:endParaRPr lang="en-GB" dirty="0"/>
-          </a:p>
-        </p:txBody>
-      </p:sp>
-      <p:pic>
-        <p:nvPicPr>
-          <p:cNvPr id="6" name="Content Placeholder 5">
-            <a:extLst>
-              <a:ext uri="{FF2B5EF4-FFF2-40B4-BE49-F238E27FC236}">
-                <a16:creationId xmlns:a16="http://schemas.microsoft.com/office/drawing/2014/main" id="{25C075C5-BDCF-496D-BED7-16EC905C951B}"/>
-              </a:ext>
-            </a:extLst>
-          </p:cNvPr>
-          <p:cNvPicPr>
-            <a:picLocks noGrp="1" noChangeAspect="1"/>
-          </p:cNvPicPr>
-          <p:nvPr>
-            <p:ph idx="1"/>
-          </p:nvPr>
-        </p:nvPicPr>
-        <p:blipFill>
-          <a:blip r:embed="rId2">
-            <a:extLst>
-              <a:ext uri="{28A0092B-C50C-407E-A947-70E740481C1C}">
-                <a14:useLocalDpi xmlns:a14="http://schemas.microsoft.com/office/drawing/2010/main" val="0"/>
-              </a:ext>
-            </a:extLst>
-          </a:blip>
-          <a:stretch>
-            <a:fillRect/>
-          </a:stretch>
-        </p:blipFill>
-        <p:spPr>
-          <a:xfrm>
-            <a:off x="269941" y="1371915"/>
-            <a:ext cx="6261488" cy="4351338"/>
-          </a:xfrm>
-        </p:spPr>
-      </p:pic>
-      <p:sp>
-        <p:nvSpPr>
-          <p:cNvPr id="4" name="Slide Number Placeholder 3">
-            <a:extLst>
-              <a:ext uri="{FF2B5EF4-FFF2-40B4-BE49-F238E27FC236}">
-                <a16:creationId xmlns:a16="http://schemas.microsoft.com/office/drawing/2014/main" id="{F8505AD8-0AE0-44EE-B9DA-DF7F5B75F34C}"/>
-              </a:ext>
-            </a:extLst>
-          </p:cNvPr>
-          <p:cNvSpPr>
-            <a:spLocks noGrp="1"/>
-          </p:cNvSpPr>
-          <p:nvPr>
-            <p:ph type="sldNum" sz="quarter" idx="12"/>
-          </p:nvPr>
-        </p:nvSpPr>
-        <p:spPr>
-          <a:xfrm>
-            <a:off x="8610600" y="6356350"/>
-            <a:ext cx="2743200" cy="365125"/>
-          </a:xfrm>
-        </p:spPr>
-        <p:txBody>
-          <a:bodyPr/>
-          <a:lstStyle/>
-          <a:p>
-            <a:fld id="{CCAAE293-A3DA-4FFC-871C-7F0F209F7CB2}" type="slidenum">
-              <a:rPr lang="en-US" smtClean="0"/>
-              <a:t>19</a:t>
-            </a:fld>
-            <a:endParaRPr lang="en-US"/>
-          </a:p>
-        </p:txBody>
-      </p:sp>
-      <p:pic>
-        <p:nvPicPr>
-          <p:cNvPr id="8" name="Picture 7">
-            <a:extLst>
-              <a:ext uri="{FF2B5EF4-FFF2-40B4-BE49-F238E27FC236}">
-                <a16:creationId xmlns:a16="http://schemas.microsoft.com/office/drawing/2014/main" id="{F1215526-4599-4C4C-92F5-9BDF9AD3A98B}"/>
-              </a:ext>
-            </a:extLst>
-          </p:cNvPr>
-          <p:cNvPicPr>
-            <a:picLocks noChangeAspect="1"/>
-          </p:cNvPicPr>
-          <p:nvPr/>
-        </p:nvPicPr>
-        <p:blipFill>
-          <a:blip r:embed="rId3">
-            <a:extLst>
-              <a:ext uri="{28A0092B-C50C-407E-A947-70E740481C1C}">
-                <a14:useLocalDpi xmlns:a14="http://schemas.microsoft.com/office/drawing/2010/main" val="0"/>
-              </a:ext>
-            </a:extLst>
-          </a:blip>
-          <a:stretch>
-            <a:fillRect/>
-          </a:stretch>
-        </p:blipFill>
-        <p:spPr>
-          <a:xfrm>
-            <a:off x="6209198" y="1371915"/>
-            <a:ext cx="5982801" cy="4370841"/>
-          </a:xfrm>
-          <a:prstGeom prst="rect">
-            <a:avLst/>
-          </a:prstGeom>
-        </p:spPr>
-      </p:pic>
-    </p:spTree>
-    <p:extLst>
-      <p:ext uri="{BB962C8B-B14F-4D97-AF65-F5344CB8AC3E}">
-        <p14:creationId xmlns:p14="http://schemas.microsoft.com/office/powerpoint/2010/main" val="3242295772"/>
-      </p:ext>
-    </p:extLst>
-  </p:cSld>
-  <p:clrMapOvr>
-    <a:masterClrMapping/>
-  </p:clrMapOvr>
-</p:sld>
-</file>
-
 <file path=ppt/slides/slide2.xml><?xml version="1.0" encoding="utf-8"?>
 <p:sld xmlns:a="http://schemas.openxmlformats.org/drawingml/2006/main" xmlns:r="http://schemas.openxmlformats.org/officeDocument/2006/relationships" xmlns:p="http://schemas.openxmlformats.org/presentationml/2006/main">
   <p:cSld>
@@ -7641,10 +7581,10 @@
       </p:grpSpPr>
       <p:sp>
         <p:nvSpPr>
-          <p:cNvPr id="2" name="Titel 1">
-            <a:extLst>
-              <a:ext uri="{FF2B5EF4-FFF2-40B4-BE49-F238E27FC236}">
-                <a16:creationId xmlns:a16="http://schemas.microsoft.com/office/drawing/2014/main" id="{0A1CFA08-33E9-4E06-B481-DDF49C7CE225}"/>
+          <p:cNvPr id="2" name="Title 1">
+            <a:extLst>
+              <a:ext uri="{FF2B5EF4-FFF2-40B4-BE49-F238E27FC236}">
+                <a16:creationId xmlns:a16="http://schemas.microsoft.com/office/drawing/2014/main" id="{001AF39E-1616-4458-B383-32A4EFFBC15A}"/>
               </a:ext>
             </a:extLst>
           </p:cNvPr>
@@ -7655,82 +7595,70 @@
             <p:ph type="title"/>
           </p:nvPr>
         </p:nvSpPr>
-        <p:spPr/>
+        <p:spPr>
+          <a:xfrm>
+            <a:off x="838200" y="365125"/>
+            <a:ext cx="10515600" cy="1325563"/>
+          </a:xfrm>
+        </p:spPr>
         <p:txBody>
           <a:bodyPr/>
           <a:lstStyle/>
           <a:p>
             <a:pPr algn="ctr"/>
             <a:r>
-              <a:rPr lang="de-DE" dirty="0" err="1"/>
-              <a:t>Thank</a:t>
-            </a:r>
-            <a:r>
               <a:rPr lang="de-DE" dirty="0"/>
-              <a:t> </a:t>
-            </a:r>
-            <a:r>
-              <a:rPr lang="de-DE" dirty="0" err="1"/>
-              <a:t>you</a:t>
-            </a:r>
-            <a:r>
-              <a:rPr lang="de-DE" dirty="0"/>
-              <a:t>!</a:t>
-            </a:r>
+              <a:t>Testing </a:t>
+            </a:r>
+            <a:r>
+              <a:rPr lang="de-DE"/>
+              <a:t>for overfitting</a:t>
+            </a:r>
+            <a:endParaRPr lang="en-GB" dirty="0"/>
           </a:p>
         </p:txBody>
       </p:sp>
-      <p:sp>
-        <p:nvSpPr>
-          <p:cNvPr id="3" name="Inhaltsplatzhalter 2">
-            <a:extLst>
-              <a:ext uri="{FF2B5EF4-FFF2-40B4-BE49-F238E27FC236}">
-                <a16:creationId xmlns:a16="http://schemas.microsoft.com/office/drawing/2014/main" id="{D1ED0091-A0CC-4522-A4E1-99602C92F687}"/>
-              </a:ext>
-            </a:extLst>
-          </p:cNvPr>
-          <p:cNvSpPr>
-            <a:spLocks noGrp="1"/>
-          </p:cNvSpPr>
+      <p:pic>
+        <p:nvPicPr>
+          <p:cNvPr id="6" name="Content Placeholder 5">
+            <a:extLst>
+              <a:ext uri="{FF2B5EF4-FFF2-40B4-BE49-F238E27FC236}">
+                <a16:creationId xmlns:a16="http://schemas.microsoft.com/office/drawing/2014/main" id="{25C075C5-BDCF-496D-BED7-16EC905C951B}"/>
+              </a:ext>
+            </a:extLst>
+          </p:cNvPr>
+          <p:cNvPicPr>
+            <a:picLocks noGrp="1" noChangeAspect="1"/>
+          </p:cNvPicPr>
           <p:nvPr>
             <p:ph idx="1"/>
           </p:nvPr>
-        </p:nvSpPr>
-        <p:spPr/>
-        <p:txBody>
-          <a:bodyPr>
-            <a:normAutofit/>
-          </a:bodyPr>
-          <a:lstStyle/>
-          <a:p>
-            <a:pPr marL="0" indent="0" algn="ctr">
-              <a:buNone/>
-            </a:pPr>
-            <a:endParaRPr lang="de-DE" sz="3600" dirty="0"/>
-          </a:p>
-          <a:p>
-            <a:pPr marL="0" indent="0" algn="ctr">
-              <a:buNone/>
-            </a:pPr>
-            <a:endParaRPr lang="de-DE" sz="3600" dirty="0"/>
-          </a:p>
-          <a:p>
-            <a:pPr marL="0" indent="0" algn="ctr">
-              <a:buNone/>
-            </a:pPr>
-            <a:r>
-              <a:rPr lang="de-DE" sz="3600" dirty="0"/>
-              <a:t>Questions?</a:t>
-            </a:r>
-          </a:p>
-        </p:txBody>
-      </p:sp>
+        </p:nvPicPr>
+        <p:blipFill>
+          <a:blip r:embed="rId2">
+            <a:extLst>
+              <a:ext uri="{28A0092B-C50C-407E-A947-70E740481C1C}">
+                <a14:useLocalDpi xmlns:a14="http://schemas.microsoft.com/office/drawing/2010/main" val="0"/>
+              </a:ext>
+            </a:extLst>
+          </a:blip>
+          <a:stretch>
+            <a:fillRect/>
+          </a:stretch>
+        </p:blipFill>
+        <p:spPr>
+          <a:xfrm>
+            <a:off x="269941" y="1371915"/>
+            <a:ext cx="6261488" cy="4351338"/>
+          </a:xfrm>
+        </p:spPr>
+      </p:pic>
       <p:sp>
         <p:nvSpPr>
-          <p:cNvPr id="4" name="Foliennummernplatzhalter 3">
-            <a:extLst>
-              <a:ext uri="{FF2B5EF4-FFF2-40B4-BE49-F238E27FC236}">
-                <a16:creationId xmlns:a16="http://schemas.microsoft.com/office/drawing/2014/main" id="{6FE2A71F-4FFC-484B-93E3-04D170029A13}"/>
+          <p:cNvPr id="4" name="Slide Number Placeholder 3">
+            <a:extLst>
+              <a:ext uri="{FF2B5EF4-FFF2-40B4-BE49-F238E27FC236}">
+                <a16:creationId xmlns:a16="http://schemas.microsoft.com/office/drawing/2014/main" id="{F8505AD8-0AE0-44EE-B9DA-DF7F5B75F34C}"/>
               </a:ext>
             </a:extLst>
           </p:cNvPr>
@@ -7741,7 +7669,12 @@
             <p:ph type="sldNum" sz="quarter" idx="12"/>
           </p:nvPr>
         </p:nvSpPr>
-        <p:spPr/>
+        <p:spPr>
+          <a:xfrm>
+            <a:off x="8610600" y="6356350"/>
+            <a:ext cx="2743200" cy="365125"/>
+          </a:xfrm>
+        </p:spPr>
         <p:txBody>
           <a:bodyPr/>
           <a:lstStyle/>
@@ -7754,10 +7687,46 @@
           </a:p>
         </p:txBody>
       </p:sp>
+      <p:pic>
+        <p:nvPicPr>
+          <p:cNvPr id="8" name="Picture 7">
+            <a:extLst>
+              <a:ext uri="{FF2B5EF4-FFF2-40B4-BE49-F238E27FC236}">
+                <a16:creationId xmlns:a16="http://schemas.microsoft.com/office/drawing/2014/main" id="{F1215526-4599-4C4C-92F5-9BDF9AD3A98B}"/>
+              </a:ext>
+            </a:extLst>
+          </p:cNvPr>
+          <p:cNvPicPr>
+            <a:picLocks noChangeAspect="1"/>
+          </p:cNvPicPr>
+          <p:nvPr/>
+        </p:nvPicPr>
+        <p:blipFill>
+          <a:blip r:embed="rId3">
+            <a:extLst>
+              <a:ext uri="{28A0092B-C50C-407E-A947-70E740481C1C}">
+                <a14:useLocalDpi xmlns:a14="http://schemas.microsoft.com/office/drawing/2010/main" val="0"/>
+              </a:ext>
+            </a:extLst>
+          </a:blip>
+          <a:stretch>
+            <a:fillRect/>
+          </a:stretch>
+        </p:blipFill>
+        <p:spPr>
+          <a:xfrm>
+            <a:off x="6209198" y="1371915"/>
+            <a:ext cx="5982801" cy="4370841"/>
+          </a:xfrm>
+          <a:prstGeom prst="rect">
+            <a:avLst/>
+          </a:prstGeom>
+        </p:spPr>
+      </p:pic>
     </p:spTree>
     <p:extLst>
       <p:ext uri="{BB962C8B-B14F-4D97-AF65-F5344CB8AC3E}">
-        <p14:creationId xmlns:p14="http://schemas.microsoft.com/office/powerpoint/2010/main" val="1520254085"/>
+        <p14:creationId xmlns:p14="http://schemas.microsoft.com/office/powerpoint/2010/main" val="3242295772"/>
       </p:ext>
     </p:extLst>
   </p:cSld>
@@ -7789,7 +7758,7 @@
           <p:cNvPr id="2" name="Titel 1">
             <a:extLst>
               <a:ext uri="{FF2B5EF4-FFF2-40B4-BE49-F238E27FC236}">
-                <a16:creationId xmlns:a16="http://schemas.microsoft.com/office/drawing/2014/main" id="{9D97ED67-0983-40BA-B344-DFF1A8F9D645}"/>
+                <a16:creationId xmlns:a16="http://schemas.microsoft.com/office/drawing/2014/main" id="{0A1CFA08-33E9-4E06-B481-DDF49C7CE225}"/>
               </a:ext>
             </a:extLst>
           </p:cNvPr>
@@ -7805,9 +7774,22 @@
           <a:bodyPr/>
           <a:lstStyle/>
           <a:p>
-            <a:r>
-              <a:rPr lang="en-US" dirty="0"/>
-              <a:t>stats</a:t>
+            <a:pPr algn="ctr"/>
+            <a:r>
+              <a:rPr lang="de-DE" dirty="0" err="1"/>
+              <a:t>Thank</a:t>
+            </a:r>
+            <a:r>
+              <a:rPr lang="de-DE" dirty="0"/>
+              <a:t> </a:t>
+            </a:r>
+            <a:r>
+              <a:rPr lang="de-DE" dirty="0" err="1"/>
+              <a:t>you</a:t>
+            </a:r>
+            <a:r>
+              <a:rPr lang="de-DE" dirty="0"/>
+              <a:t>!</a:t>
             </a:r>
           </a:p>
         </p:txBody>
@@ -7817,7 +7799,7 @@
           <p:cNvPr id="3" name="Inhaltsplatzhalter 2">
             <a:extLst>
               <a:ext uri="{FF2B5EF4-FFF2-40B4-BE49-F238E27FC236}">
-                <a16:creationId xmlns:a16="http://schemas.microsoft.com/office/drawing/2014/main" id="{2EB22B1B-35DF-494F-B9F2-FC28829ED749}"/>
+                <a16:creationId xmlns:a16="http://schemas.microsoft.com/office/drawing/2014/main" id="{D1ED0091-A0CC-4522-A4E1-99602C92F687}"/>
               </a:ext>
             </a:extLst>
           </p:cNvPr>
@@ -7831,61 +7813,28 @@
         <p:spPr/>
         <p:txBody>
           <a:bodyPr>
-            <a:normAutofit lnSpcReduction="10000"/>
+            <a:normAutofit/>
           </a:bodyPr>
           <a:lstStyle/>
           <a:p>
-            <a:r>
-              <a:rPr lang="en-US" dirty="0"/>
-              <a:t>TP:	519</a:t>
-            </a:r>
-          </a:p>
-          <a:p>
-            <a:r>
-              <a:rPr lang="en-US" dirty="0"/>
-              <a:t>FP:	517</a:t>
-            </a:r>
-          </a:p>
-          <a:p>
-            <a:r>
-              <a:rPr lang="en-US" dirty="0"/>
-              <a:t>TN:	27949</a:t>
-            </a:r>
-          </a:p>
-          <a:p>
-            <a:r>
-              <a:rPr lang="en-US" dirty="0"/>
-              <a:t>FN:	2842</a:t>
-            </a:r>
-          </a:p>
-          <a:p>
-            <a:r>
-              <a:rPr lang="en-US" dirty="0"/>
-              <a:t>FPR:	0.01816201784585119</a:t>
-            </a:r>
-          </a:p>
-          <a:p>
-            <a:r>
-              <a:rPr lang="en-US" dirty="0"/>
-              <a:t>Precision:	0.500965250965251 ± 0.016364012582564594</a:t>
-            </a:r>
-          </a:p>
-          <a:p>
-            <a:r>
-              <a:rPr lang="en-US" dirty="0"/>
-              <a:t>Recall/TPR:	0.15441832787860757 ± 0.006444302866129453</a:t>
-            </a:r>
-          </a:p>
-          <a:p>
-            <a:r>
-              <a:rPr lang="en-US" dirty="0"/>
-              <a:t>F1-score:	0.2360700477598363 ± 0.008823521693012324 </a:t>
-            </a:r>
-          </a:p>
-          <a:p>
-            <a:r>
-              <a:rPr lang="en-US" dirty="0"/>
-              <a:t>MCC:	0.23597300754427067 ± 0.00979017430278977</a:t>
+            <a:pPr marL="0" indent="0" algn="ctr">
+              <a:buNone/>
+            </a:pPr>
+            <a:endParaRPr lang="de-DE" sz="3600" dirty="0"/>
+          </a:p>
+          <a:p>
+            <a:pPr marL="0" indent="0" algn="ctr">
+              <a:buNone/>
+            </a:pPr>
+            <a:endParaRPr lang="de-DE" sz="3600" dirty="0"/>
+          </a:p>
+          <a:p>
+            <a:pPr marL="0" indent="0" algn="ctr">
+              <a:buNone/>
+            </a:pPr>
+            <a:r>
+              <a:rPr lang="de-DE" sz="3600" dirty="0"/>
+              <a:t>Questions?</a:t>
             </a:r>
           </a:p>
         </p:txBody>
@@ -7895,7 +7844,7 @@
           <p:cNvPr id="4" name="Foliennummernplatzhalter 3">
             <a:extLst>
               <a:ext uri="{FF2B5EF4-FFF2-40B4-BE49-F238E27FC236}">
-                <a16:creationId xmlns:a16="http://schemas.microsoft.com/office/drawing/2014/main" id="{FA0D585C-CC90-4B30-90DD-73F0D164A1C9}"/>
+                <a16:creationId xmlns:a16="http://schemas.microsoft.com/office/drawing/2014/main" id="{6FE2A71F-4FFC-484B-93E3-04D170029A13}"/>
               </a:ext>
             </a:extLst>
           </p:cNvPr>
@@ -7922,7 +7871,7 @@
     </p:spTree>
     <p:extLst>
       <p:ext uri="{BB962C8B-B14F-4D97-AF65-F5344CB8AC3E}">
-        <p14:creationId xmlns:p14="http://schemas.microsoft.com/office/powerpoint/2010/main" val="4122554641"/>
+        <p14:creationId xmlns:p14="http://schemas.microsoft.com/office/powerpoint/2010/main" val="1520254085"/>
       </p:ext>
     </p:extLst>
   </p:cSld>
@@ -7954,7 +7903,7 @@
           <p:cNvPr id="2" name="Titel 1">
             <a:extLst>
               <a:ext uri="{FF2B5EF4-FFF2-40B4-BE49-F238E27FC236}">
-                <a16:creationId xmlns:a16="http://schemas.microsoft.com/office/drawing/2014/main" id="{936C496B-94C2-4A47-81DC-95D6DBF1CF49}"/>
+                <a16:creationId xmlns:a16="http://schemas.microsoft.com/office/drawing/2014/main" id="{9D97ED67-0983-40BA-B344-DFF1A8F9D645}"/>
               </a:ext>
             </a:extLst>
           </p:cNvPr>
@@ -7971,18 +7920,9 @@
           <a:lstStyle/>
           <a:p>
             <a:r>
-              <a:rPr lang="de-DE" dirty="0" err="1"/>
-              <a:t>Stats</a:t>
-            </a:r>
-            <a:r>
-              <a:rPr lang="de-DE" dirty="0"/>
-              <a:t> </a:t>
-            </a:r>
-            <a:r>
-              <a:rPr lang="de-DE" dirty="0" err="1"/>
-              <a:t>crossvalidation</a:t>
-            </a:r>
-            <a:endParaRPr lang="de-DE" dirty="0"/>
+              <a:rPr lang="en-US" dirty="0"/>
+              <a:t>stats</a:t>
+            </a:r>
           </a:p>
         </p:txBody>
       </p:sp>
@@ -7991,7 +7931,7 @@
           <p:cNvPr id="3" name="Inhaltsplatzhalter 2">
             <a:extLst>
               <a:ext uri="{FF2B5EF4-FFF2-40B4-BE49-F238E27FC236}">
-                <a16:creationId xmlns:a16="http://schemas.microsoft.com/office/drawing/2014/main" id="{5EA29DD7-D7EA-4CAD-A334-63FCFE0325A4}"/>
+                <a16:creationId xmlns:a16="http://schemas.microsoft.com/office/drawing/2014/main" id="{2EB22B1B-35DF-494F-B9F2-FC28829ED749}"/>
               </a:ext>
             </a:extLst>
           </p:cNvPr>
@@ -8010,92 +7950,56 @@
           <a:lstStyle/>
           <a:p>
             <a:r>
-              <a:rPr lang="it-IT" dirty="0"/>
-              <a:t>TP: 1401</a:t>
-            </a:r>
-          </a:p>
-          <a:p>
-            <a:r>
-              <a:rPr lang="it-IT" dirty="0"/>
-              <a:t>FP: 2221</a:t>
-            </a:r>
-          </a:p>
-          <a:p>
-            <a:r>
-              <a:rPr lang="it-IT" dirty="0"/>
-              <a:t>TN: 105203</a:t>
-            </a:r>
-          </a:p>
-          <a:p>
-            <a:r>
-              <a:rPr lang="it-IT" dirty="0"/>
-              <a:t>FN: 9076</a:t>
-            </a:r>
-          </a:p>
-          <a:p>
-            <a:r>
-              <a:rPr lang="it-IT" dirty="0"/>
-              <a:t>TPR: 0.13372148515796506 </a:t>
-            </a:r>
-            <a:r>
               <a:rPr lang="en-US" dirty="0"/>
-              <a:t>± </a:t>
-            </a:r>
-            <a:r>
-              <a:rPr lang="de-DE" dirty="0"/>
-              <a:t>0.006728852995094254</a:t>
-            </a:r>
-            <a:endParaRPr lang="en-US" dirty="0"/>
-          </a:p>
-          <a:p>
-            <a:r>
-              <a:rPr lang="it-IT" dirty="0"/>
-              <a:t>FPR: 0.020675081918379506 </a:t>
-            </a:r>
+              <a:t>TP:	519</a:t>
+            </a:r>
+          </a:p>
+          <a:p>
             <a:r>
               <a:rPr lang="en-US" dirty="0"/>
-              <a:t>± </a:t>
-            </a:r>
-            <a:endParaRPr lang="it-IT" dirty="0"/>
-          </a:p>
-          <a:p>
-            <a:r>
-              <a:rPr lang="it-IT" dirty="0"/>
-              <a:t>Precision: 0.38680287134180014 </a:t>
-            </a:r>
+              <a:t>FP:	517</a:t>
+            </a:r>
+          </a:p>
+          <a:p>
             <a:r>
               <a:rPr lang="en-US" dirty="0"/>
-              <a:t>± </a:t>
-            </a:r>
-            <a:r>
-              <a:rPr lang="de-DE" dirty="0"/>
-              <a:t>0.01515588223022108</a:t>
-            </a:r>
-            <a:endParaRPr lang="it-IT" dirty="0"/>
-          </a:p>
-          <a:p>
-            <a:r>
-              <a:rPr lang="it-IT" dirty="0"/>
-              <a:t>MCC: 0.1864096719348082 </a:t>
-            </a:r>
+              <a:t>TN:	27949</a:t>
+            </a:r>
+          </a:p>
+          <a:p>
             <a:r>
               <a:rPr lang="en-US" dirty="0"/>
-              <a:t>± </a:t>
-            </a:r>
-            <a:r>
-              <a:rPr lang="de-DE" dirty="0"/>
-              <a:t>0.009743841686838386</a:t>
-            </a:r>
-            <a:endParaRPr lang="en-US" dirty="0"/>
+              <a:t>FN:	2842</a:t>
+            </a:r>
           </a:p>
           <a:p>
             <a:r>
               <a:rPr lang="en-US" dirty="0"/>
-              <a:t>F1: 0.1898892068383594 ± </a:t>
-            </a:r>
-            <a:r>
-              <a:rPr lang="de-DE" dirty="0"/>
-              <a:t>0.008877620919506887</a:t>
+              <a:t>FPR:	0.01816201784585119</a:t>
+            </a:r>
+          </a:p>
+          <a:p>
+            <a:r>
+              <a:rPr lang="en-US" dirty="0"/>
+              <a:t>Precision:	0.500965250965251 ± 0.016364012582564594</a:t>
+            </a:r>
+          </a:p>
+          <a:p>
+            <a:r>
+              <a:rPr lang="en-US" dirty="0"/>
+              <a:t>Recall/TPR:	0.15441832787860757 ± 0.006444302866129453</a:t>
+            </a:r>
+          </a:p>
+          <a:p>
+            <a:r>
+              <a:rPr lang="en-US" dirty="0"/>
+              <a:t>F1-score:	0.2360700477598363 ± 0.008823521693012324 </a:t>
+            </a:r>
+          </a:p>
+          <a:p>
+            <a:r>
+              <a:rPr lang="en-US" dirty="0"/>
+              <a:t>MCC:	0.23597300754427067 ± 0.00979017430278977</a:t>
             </a:r>
           </a:p>
         </p:txBody>
@@ -8105,7 +8009,7 @@
           <p:cNvPr id="4" name="Foliennummernplatzhalter 3">
             <a:extLst>
               <a:ext uri="{FF2B5EF4-FFF2-40B4-BE49-F238E27FC236}">
-                <a16:creationId xmlns:a16="http://schemas.microsoft.com/office/drawing/2014/main" id="{A5348A38-D92B-4498-9829-ABADED6CBFF9}"/>
+                <a16:creationId xmlns:a16="http://schemas.microsoft.com/office/drawing/2014/main" id="{FA0D585C-CC90-4B30-90DD-73F0D164A1C9}"/>
               </a:ext>
             </a:extLst>
           </p:cNvPr>
@@ -8124,6 +8028,216 @@
             <a:fld id="{CCAAE293-A3DA-4FFC-871C-7F0F209F7CB2}" type="slidenum">
               <a:rPr lang="en-US" smtClean="0"/>
               <a:t>22</a:t>
+            </a:fld>
+            <a:endParaRPr lang="en-US"/>
+          </a:p>
+        </p:txBody>
+      </p:sp>
+    </p:spTree>
+    <p:extLst>
+      <p:ext uri="{BB962C8B-B14F-4D97-AF65-F5344CB8AC3E}">
+        <p14:creationId xmlns:p14="http://schemas.microsoft.com/office/powerpoint/2010/main" val="4122554641"/>
+      </p:ext>
+    </p:extLst>
+  </p:cSld>
+  <p:clrMapOvr>
+    <a:masterClrMapping/>
+  </p:clrMapOvr>
+</p:sld>
+</file>
+
+<file path=ppt/slides/slide23.xml><?xml version="1.0" encoding="utf-8"?>
+<p:sld xmlns:a="http://schemas.openxmlformats.org/drawingml/2006/main" xmlns:r="http://schemas.openxmlformats.org/officeDocument/2006/relationships" xmlns:p="http://schemas.openxmlformats.org/presentationml/2006/main">
+  <p:cSld>
+    <p:spTree>
+      <p:nvGrpSpPr>
+        <p:cNvPr id="1" name=""/>
+        <p:cNvGrpSpPr/>
+        <p:nvPr/>
+      </p:nvGrpSpPr>
+      <p:grpSpPr>
+        <a:xfrm>
+          <a:off x="0" y="0"/>
+          <a:ext cx="0" cy="0"/>
+          <a:chOff x="0" y="0"/>
+          <a:chExt cx="0" cy="0"/>
+        </a:xfrm>
+      </p:grpSpPr>
+      <p:sp>
+        <p:nvSpPr>
+          <p:cNvPr id="2" name="Titel 1">
+            <a:extLst>
+              <a:ext uri="{FF2B5EF4-FFF2-40B4-BE49-F238E27FC236}">
+                <a16:creationId xmlns:a16="http://schemas.microsoft.com/office/drawing/2014/main" id="{936C496B-94C2-4A47-81DC-95D6DBF1CF49}"/>
+              </a:ext>
+            </a:extLst>
+          </p:cNvPr>
+          <p:cNvSpPr>
+            <a:spLocks noGrp="1"/>
+          </p:cNvSpPr>
+          <p:nvPr>
+            <p:ph type="title"/>
+          </p:nvPr>
+        </p:nvSpPr>
+        <p:spPr/>
+        <p:txBody>
+          <a:bodyPr/>
+          <a:lstStyle/>
+          <a:p>
+            <a:r>
+              <a:rPr lang="de-DE" dirty="0" err="1"/>
+              <a:t>Stats</a:t>
+            </a:r>
+            <a:r>
+              <a:rPr lang="de-DE" dirty="0"/>
+              <a:t> </a:t>
+            </a:r>
+            <a:r>
+              <a:rPr lang="de-DE" dirty="0" err="1"/>
+              <a:t>crossvalidation</a:t>
+            </a:r>
+            <a:endParaRPr lang="de-DE" dirty="0"/>
+          </a:p>
+        </p:txBody>
+      </p:sp>
+      <p:sp>
+        <p:nvSpPr>
+          <p:cNvPr id="3" name="Inhaltsplatzhalter 2">
+            <a:extLst>
+              <a:ext uri="{FF2B5EF4-FFF2-40B4-BE49-F238E27FC236}">
+                <a16:creationId xmlns:a16="http://schemas.microsoft.com/office/drawing/2014/main" id="{5EA29DD7-D7EA-4CAD-A334-63FCFE0325A4}"/>
+              </a:ext>
+            </a:extLst>
+          </p:cNvPr>
+          <p:cNvSpPr>
+            <a:spLocks noGrp="1"/>
+          </p:cNvSpPr>
+          <p:nvPr>
+            <p:ph idx="1"/>
+          </p:nvPr>
+        </p:nvSpPr>
+        <p:spPr/>
+        <p:txBody>
+          <a:bodyPr>
+            <a:normAutofit lnSpcReduction="10000"/>
+          </a:bodyPr>
+          <a:lstStyle/>
+          <a:p>
+            <a:r>
+              <a:rPr lang="it-IT" dirty="0"/>
+              <a:t>TP: 1401</a:t>
+            </a:r>
+          </a:p>
+          <a:p>
+            <a:r>
+              <a:rPr lang="it-IT" dirty="0"/>
+              <a:t>FP: 2221</a:t>
+            </a:r>
+          </a:p>
+          <a:p>
+            <a:r>
+              <a:rPr lang="it-IT" dirty="0"/>
+              <a:t>TN: 105203</a:t>
+            </a:r>
+          </a:p>
+          <a:p>
+            <a:r>
+              <a:rPr lang="it-IT" dirty="0"/>
+              <a:t>FN: 9076</a:t>
+            </a:r>
+          </a:p>
+          <a:p>
+            <a:r>
+              <a:rPr lang="it-IT" dirty="0"/>
+              <a:t>TPR: 0.13372148515796506 </a:t>
+            </a:r>
+            <a:r>
+              <a:rPr lang="en-US" dirty="0"/>
+              <a:t>± </a:t>
+            </a:r>
+            <a:r>
+              <a:rPr lang="de-DE" dirty="0"/>
+              <a:t>0.006728852995094254</a:t>
+            </a:r>
+            <a:endParaRPr lang="en-US" dirty="0"/>
+          </a:p>
+          <a:p>
+            <a:r>
+              <a:rPr lang="it-IT" dirty="0"/>
+              <a:t>FPR: 0.020675081918379506 </a:t>
+            </a:r>
+            <a:r>
+              <a:rPr lang="en-US" dirty="0"/>
+              <a:t>± </a:t>
+            </a:r>
+            <a:endParaRPr lang="it-IT" dirty="0"/>
+          </a:p>
+          <a:p>
+            <a:r>
+              <a:rPr lang="it-IT" dirty="0"/>
+              <a:t>Precision: 0.38680287134180014 </a:t>
+            </a:r>
+            <a:r>
+              <a:rPr lang="en-US" dirty="0"/>
+              <a:t>± </a:t>
+            </a:r>
+            <a:r>
+              <a:rPr lang="de-DE" dirty="0"/>
+              <a:t>0.01515588223022108</a:t>
+            </a:r>
+            <a:endParaRPr lang="it-IT" dirty="0"/>
+          </a:p>
+          <a:p>
+            <a:r>
+              <a:rPr lang="it-IT" dirty="0"/>
+              <a:t>MCC: 0.1864096719348082 </a:t>
+            </a:r>
+            <a:r>
+              <a:rPr lang="en-US" dirty="0"/>
+              <a:t>± </a:t>
+            </a:r>
+            <a:r>
+              <a:rPr lang="de-DE" dirty="0"/>
+              <a:t>0.009743841686838386</a:t>
+            </a:r>
+            <a:endParaRPr lang="en-US" dirty="0"/>
+          </a:p>
+          <a:p>
+            <a:r>
+              <a:rPr lang="en-US" dirty="0"/>
+              <a:t>F1: 0.1898892068383594 ± </a:t>
+            </a:r>
+            <a:r>
+              <a:rPr lang="de-DE" dirty="0"/>
+              <a:t>0.008877620919506887</a:t>
+            </a:r>
+          </a:p>
+        </p:txBody>
+      </p:sp>
+      <p:sp>
+        <p:nvSpPr>
+          <p:cNvPr id="4" name="Foliennummernplatzhalter 3">
+            <a:extLst>
+              <a:ext uri="{FF2B5EF4-FFF2-40B4-BE49-F238E27FC236}">
+                <a16:creationId xmlns:a16="http://schemas.microsoft.com/office/drawing/2014/main" id="{A5348A38-D92B-4498-9829-ABADED6CBFF9}"/>
+              </a:ext>
+            </a:extLst>
+          </p:cNvPr>
+          <p:cNvSpPr>
+            <a:spLocks noGrp="1"/>
+          </p:cNvSpPr>
+          <p:nvPr>
+            <p:ph type="sldNum" sz="quarter" idx="12"/>
+          </p:nvPr>
+        </p:nvSpPr>
+        <p:spPr/>
+        <p:txBody>
+          <a:bodyPr/>
+          <a:lstStyle/>
+          <a:p>
+            <a:fld id="{CCAAE293-A3DA-4FFC-871C-7F0F209F7CB2}" type="slidenum">
+              <a:rPr lang="en-US" smtClean="0"/>
+              <a:t>23</a:t>
             </a:fld>
             <a:endParaRPr lang="en-US"/>
           </a:p>

--- a/BLOSUMscoresComparedToSingleSNAPscores.pptx
+++ b/BLOSUMscoresComparedToSingleSNAPscores.pptx
@@ -13206,7 +13206,7 @@
           <a:p>
             <a:r>
               <a:rPr lang="en-US" dirty="0"/>
-              <a:t>MCC =  ………..</a:t>
+              <a:t>MCC =  0.001</a:t>
             </a:r>
           </a:p>
         </p:txBody>

--- a/BLOSUMscoresComparedToSingleSNAPscores.pptx
+++ b/BLOSUMscoresComparedToSingleSNAPscores.pptx
@@ -170,6 +170,9 @@
               </c:strCache>
             </c:strRef>
           </c:tx>
+          <c:spPr>
+            <a:effectLst/>
+          </c:spPr>
           <c:dPt>
             <c:idx val="0"/>
             <c:bubble3D val="0"/>
@@ -180,14 +183,13 @@
               <a:ln>
                 <a:noFill/>
               </a:ln>
-              <a:effectLst>
-                <a:outerShdw blurRad="317500" algn="ctr" rotWithShape="0">
-                  <a:prstClr val="black">
-                    <a:alpha val="25000"/>
-                  </a:prstClr>
-                </a:outerShdw>
-              </a:effectLst>
+              <a:effectLst/>
             </c:spPr>
+            <c:extLst>
+              <c:ext xmlns:c16="http://schemas.microsoft.com/office/drawing/2014/chart" uri="{C3380CC4-5D6E-409C-BE32-E72D297353CC}">
+                <c16:uniqueId val="{00000001-C655-4DA8-A35D-2E4A1E395AAD}"/>
+              </c:ext>
+            </c:extLst>
           </c:dPt>
           <c:dPt>
             <c:idx val="1"/>
@@ -199,14 +201,13 @@
               <a:ln>
                 <a:noFill/>
               </a:ln>
-              <a:effectLst>
-                <a:outerShdw blurRad="317500" algn="ctr" rotWithShape="0">
-                  <a:prstClr val="black">
-                    <a:alpha val="25000"/>
-                  </a:prstClr>
-                </a:outerShdw>
-              </a:effectLst>
+              <a:effectLst/>
             </c:spPr>
+            <c:extLst>
+              <c:ext xmlns:c16="http://schemas.microsoft.com/office/drawing/2014/chart" uri="{C3380CC4-5D6E-409C-BE32-E72D297353CC}">
+                <c16:uniqueId val="{00000003-C655-4DA8-A35D-2E4A1E395AAD}"/>
+              </c:ext>
+            </c:extLst>
           </c:dPt>
           <c:dLbls>
             <c:numFmt formatCode="0.00%" sourceLinked="0"/>
@@ -292,9 +293,6 @@
             </c:numRef>
           </c:val>
           <c:extLst>
-            <c:ext xmlns:c15="http://schemas.microsoft.com/office/drawing/2012/chart" uri="{02D57815-91ED-43cb-92C2-25804820EDAC}">
-              <c15:categoryFilterExceptions/>
-            </c:ext>
             <c:ext xmlns:c16="http://schemas.microsoft.com/office/drawing/2014/chart" uri="{C3380CC4-5D6E-409C-BE32-E72D297353CC}">
               <c16:uniqueId val="{00000000-BE2E-4589-A15E-AFCF3766DEBA}"/>
             </c:ext>
@@ -1043,7 +1041,7 @@
           <a:p>
             <a:fld id="{BE47421D-6B25-4D09-8162-8EA388836D4C}" type="datetimeFigureOut">
               <a:rPr lang="en-US" smtClean="0"/>
-              <a:t>7/2/2019</a:t>
+              <a:t>7/3/2019</a:t>
             </a:fld>
             <a:endParaRPr lang="en-US"/>
           </a:p>
@@ -1460,7 +1458,7 @@
           <a:p>
             <a:fld id="{B71E07F1-449B-44C9-BD54-F5C07B09ED41}" type="datetime1">
               <a:rPr lang="en-US" smtClean="0"/>
-              <a:t>7/2/2019</a:t>
+              <a:t>7/3/2019</a:t>
             </a:fld>
             <a:endParaRPr lang="en-US"/>
           </a:p>
@@ -1736,7 +1734,7 @@
           <a:p>
             <a:fld id="{D79EEBDE-3FA1-4063-B80D-915D5E4A78B1}" type="datetime1">
               <a:rPr lang="en-US" smtClean="0"/>
-              <a:t>7/2/2019</a:t>
+              <a:t>7/3/2019</a:t>
             </a:fld>
             <a:endParaRPr lang="en-US"/>
           </a:p>
@@ -1946,7 +1944,7 @@
           <a:p>
             <a:fld id="{353630B3-3CD1-4E3F-9E40-349197FCC2B7}" type="datetime1">
               <a:rPr lang="en-US" smtClean="0"/>
-              <a:t>7/2/2019</a:t>
+              <a:t>7/3/2019</a:t>
             </a:fld>
             <a:endParaRPr lang="en-US"/>
           </a:p>
@@ -2146,7 +2144,7 @@
           <a:p>
             <a:fld id="{24599511-F4D0-4114-BAA1-E622A7DA1467}" type="datetime1">
               <a:rPr lang="en-US" smtClean="0"/>
-              <a:t>7/2/2019</a:t>
+              <a:t>7/3/2019</a:t>
             </a:fld>
             <a:endParaRPr lang="en-US"/>
           </a:p>
@@ -2488,7 +2486,7 @@
           <a:p>
             <a:fld id="{B53D693C-CC4D-4420-83CB-F3E160B96F87}" type="datetime1">
               <a:rPr lang="en-US" smtClean="0"/>
-              <a:t>7/2/2019</a:t>
+              <a:t>7/3/2019</a:t>
             </a:fld>
             <a:endParaRPr lang="en-US"/>
           </a:p>
@@ -2756,7 +2754,7 @@
           <a:p>
             <a:fld id="{367EC864-8FCC-448A-BE17-39D9885DBBCA}" type="datetime1">
               <a:rPr lang="en-US" smtClean="0"/>
-              <a:t>7/2/2019</a:t>
+              <a:t>7/3/2019</a:t>
             </a:fld>
             <a:endParaRPr lang="en-US"/>
           </a:p>
@@ -3242,7 +3240,7 @@
           <a:p>
             <a:fld id="{C761778D-CD2C-459B-A136-243974ED1D6B}" type="datetime1">
               <a:rPr lang="en-US" smtClean="0"/>
-              <a:t>7/2/2019</a:t>
+              <a:t>7/3/2019</a:t>
             </a:fld>
             <a:endParaRPr lang="en-US"/>
           </a:p>
@@ -3384,7 +3382,7 @@
           <a:p>
             <a:fld id="{6C2D183E-439E-4D5A-9FCD-6954BE72083F}" type="datetime1">
               <a:rPr lang="en-US" smtClean="0"/>
-              <a:t>7/2/2019</a:t>
+              <a:t>7/3/2019</a:t>
             </a:fld>
             <a:endParaRPr lang="en-US"/>
           </a:p>
@@ -3497,7 +3495,7 @@
           <a:p>
             <a:fld id="{163580C6-060F-4634-B1A7-AFF51B63E4D2}" type="datetime1">
               <a:rPr lang="en-US" smtClean="0"/>
-              <a:t>7/2/2019</a:t>
+              <a:t>7/3/2019</a:t>
             </a:fld>
             <a:endParaRPr lang="en-US"/>
           </a:p>
@@ -3810,7 +3808,7 @@
           <a:p>
             <a:fld id="{9B3BBF64-0219-4289-BC1E-E296F521D572}" type="datetime1">
               <a:rPr lang="en-US" smtClean="0"/>
-              <a:t>7/2/2019</a:t>
+              <a:t>7/3/2019</a:t>
             </a:fld>
             <a:endParaRPr lang="en-US"/>
           </a:p>
@@ -4099,7 +4097,7 @@
           <a:p>
             <a:fld id="{C33C430B-6D56-4AA7-83BC-CDEA806B7089}" type="datetime1">
               <a:rPr lang="en-US" smtClean="0"/>
-              <a:t>7/2/2019</a:t>
+              <a:t>7/3/2019</a:t>
             </a:fld>
             <a:endParaRPr lang="en-US"/>
           </a:p>
@@ -4342,7 +4340,7 @@
           <a:p>
             <a:fld id="{A2DE2F3D-109B-4EFE-A3EA-B646ECF38A5C}" type="datetime1">
               <a:rPr lang="en-US" smtClean="0"/>
-              <a:t>7/2/2019</a:t>
+              <a:t>7/3/2019</a:t>
             </a:fld>
             <a:endParaRPr lang="en-US"/>
           </a:p>
@@ -5543,10 +5541,27 @@
           <a:p>
             <a:r>
               <a:rPr lang="en-US" dirty="0"/>
-              <a:t>31827 residues</a:t>
-            </a:r>
-          </a:p>
-          <a:p>
+              <a:t>31827 residues from </a:t>
+            </a:r>
+            <a:r>
+              <a:rPr lang="en-US" dirty="0" err="1"/>
+              <a:t>Biolip</a:t>
+            </a:r>
+            <a:endParaRPr lang="en-US" dirty="0"/>
+          </a:p>
+          <a:p>
+            <a:pPr marL="0" indent="0">
+              <a:buNone/>
+            </a:pPr>
+            <a:r>
+              <a:rPr lang="en-US" dirty="0"/>
+              <a:t>	(No overlap with training data)</a:t>
+            </a:r>
+          </a:p>
+          <a:p>
+            <a:pPr marL="0" indent="0">
+              <a:buNone/>
+            </a:pPr>
             <a:endParaRPr lang="en-US" dirty="0"/>
           </a:p>
           <a:p>
@@ -5599,7 +5614,7 @@
           <p:nvPr>
             <p:extLst>
               <p:ext uri="{D42A27DB-BD31-4B8C-83A1-F6EECF244321}">
-                <p14:modId xmlns:p14="http://schemas.microsoft.com/office/powerpoint/2010/main" val="369933093"/>
+                <p14:modId xmlns:p14="http://schemas.microsoft.com/office/powerpoint/2010/main" val="1998618172"/>
               </p:ext>
             </p:extLst>
           </p:nvPr>
@@ -5982,6 +5997,12 @@
               <a:rPr lang="de-DE" dirty="0"/>
               <a:t>0.7%</a:t>
             </a:r>
+          </a:p>
+          <a:p>
+            <a:r>
+              <a:rPr lang="de-DE" dirty="0"/>
+              <a:t>Coverage: 1</a:t>
+            </a:r>
             <a:endParaRPr lang="en-US" dirty="0"/>
           </a:p>
           <a:p>
@@ -6050,6 +6071,12 @@
             <a:r>
               <a:rPr lang="en-US" dirty="0"/>
               <a:t>Recall: 15.4% ± 0.6%</a:t>
+            </a:r>
+          </a:p>
+          <a:p>
+            <a:r>
+              <a:rPr lang="en-US" dirty="0"/>
+              <a:t>Coverage: 1</a:t>
             </a:r>
           </a:p>
           <a:p>
@@ -7246,6 +7273,7 @@
           <a:bodyPr/>
           <a:lstStyle/>
           <a:p>
+            <a:pPr algn="ctr"/>
             <a:r>
               <a:rPr lang="en-GB" dirty="0" err="1"/>
               <a:t>Cutoff</a:t>
@@ -8975,7 +9003,7 @@
             </a:ln>
             <a:extLst>
               <a:ext uri="{C572A759-6A51-4108-AA02-DFA0A04FC94B}">
-                <ma14:wrappingTextBoxFlag xmlns:lc="http://schemas.openxmlformats.org/drawingml/2006/lockedCanvas" xmlns:ma14="http://schemas.microsoft.com/office/mac/drawingml/2011/main" xmlns:a14="http://schemas.microsoft.com/office/drawing/2010/main" xmlns:m="http://schemas.openxmlformats.org/officeDocument/2006/math" xmlns="" val="1"/>
+                <ma14:wrappingTextBoxFlag xmlns="" xmlns:m="http://schemas.openxmlformats.org/officeDocument/2006/math" xmlns:a14="http://schemas.microsoft.com/office/drawing/2010/main" xmlns:ma14="http://schemas.microsoft.com/office/mac/drawingml/2011/main" xmlns:lc="http://schemas.openxmlformats.org/drawingml/2006/lockedCanvas" val="1"/>
               </a:ext>
             </a:extLst>
           </p:spPr>
@@ -9336,7 +9364,7 @@
             </a:ln>
             <a:extLst>
               <a:ext uri="{C572A759-6A51-4108-AA02-DFA0A04FC94B}">
-                <ma14:wrappingTextBoxFlag xmlns:lc="http://schemas.openxmlformats.org/drawingml/2006/lockedCanvas" xmlns:ma14="http://schemas.microsoft.com/office/mac/drawingml/2011/main" xmlns:a14="http://schemas.microsoft.com/office/drawing/2010/main" xmlns:m="http://schemas.openxmlformats.org/officeDocument/2006/math" xmlns="" val="1"/>
+                <ma14:wrappingTextBoxFlag xmlns="" xmlns:m="http://schemas.openxmlformats.org/officeDocument/2006/math" xmlns:a14="http://schemas.microsoft.com/office/drawing/2010/main" xmlns:ma14="http://schemas.microsoft.com/office/mac/drawingml/2011/main" xmlns:lc="http://schemas.openxmlformats.org/drawingml/2006/lockedCanvas" val="1"/>
               </a:ext>
             </a:extLst>
           </p:spPr>

--- a/BLOSUMscoresComparedToSingleSNAPscores.pptx
+++ b/BLOSUMscoresComparedToSingleSNAPscores.pptx
@@ -1,40 +1,41 @@
 
 <file path=ppt/presentation.xml><?xml version="1.0" encoding="utf-8"?>
-<p:presentation xmlns:a="http://schemas.openxmlformats.org/drawingml/2006/main" xmlns:r="http://schemas.openxmlformats.org/officeDocument/2006/relationships" xmlns:p="http://schemas.openxmlformats.org/presentationml/2006/main" xmlns:m="http://schemas.openxmlformats.org/officeDocument/2006/math" xmlns:a14="http://schemas.microsoft.com/office/drawing/2010/main">
+<p:presentation xmlns:a="http://schemas.openxmlformats.org/drawingml/2006/main" xmlns:r="http://schemas.openxmlformats.org/officeDocument/2006/relationships" xmlns:p="http://schemas.openxmlformats.org/presentationml/2006/main">
   <p:sldMasterIdLst>
-    <p:sldMasterId id="2147483648" r:id="rId5"/>
+    <p:sldMasterId id="2147483648" r:id="rId1"/>
   </p:sldMasterIdLst>
   <p:notesMasterIdLst>
-    <p:notesMasterId r:id="rId7"/>
+    <p:notesMasterId r:id="rId30"/>
   </p:notesMasterIdLst>
   <p:sldIdLst>
-    <p:sldId id="256" r:id="rId8"/>
-    <p:sldId id="257" r:id="rId9"/>
-    <p:sldId id="258" r:id="rId10"/>
-    <p:sldId id="259" r:id="rId11"/>
-    <p:sldId id="260" r:id="rId12"/>
-    <p:sldId id="261" r:id="rId13"/>
-    <p:sldId id="262" r:id="rId14"/>
-    <p:sldId id="263" r:id="rId15"/>
-    <p:sldId id="264" r:id="rId16"/>
-    <p:sldId id="265" r:id="rId17"/>
-    <p:sldId id="266" r:id="rId18"/>
-    <p:sldId id="267" r:id="rId19"/>
-    <p:sldId id="268" r:id="rId20"/>
-    <p:sldId id="269" r:id="rId21"/>
-    <p:sldId id="270" r:id="rId22"/>
-    <p:sldId id="271" r:id="rId23"/>
-    <p:sldId id="272" r:id="rId24"/>
-    <p:sldId id="273" r:id="rId25"/>
-    <p:sldId id="274" r:id="rId26"/>
-    <p:sldId id="275" r:id="rId27"/>
-    <p:sldId id="276" r:id="rId28"/>
-    <p:sldId id="277" r:id="rId29"/>
-    <p:sldId id="278" r:id="rId30"/>
-    <p:sldId id="279" r:id="rId31"/>
-    <p:sldId id="280" r:id="rId32"/>
-    <p:sldId id="281" r:id="rId33"/>
-    <p:sldId id="282" r:id="rId34"/>
+    <p:sldId id="256" r:id="rId2"/>
+    <p:sldId id="257" r:id="rId3"/>
+    <p:sldId id="258" r:id="rId4"/>
+    <p:sldId id="259" r:id="rId5"/>
+    <p:sldId id="260" r:id="rId6"/>
+    <p:sldId id="261" r:id="rId7"/>
+    <p:sldId id="262" r:id="rId8"/>
+    <p:sldId id="263" r:id="rId9"/>
+    <p:sldId id="264" r:id="rId10"/>
+    <p:sldId id="265" r:id="rId11"/>
+    <p:sldId id="266" r:id="rId12"/>
+    <p:sldId id="267" r:id="rId13"/>
+    <p:sldId id="268" r:id="rId14"/>
+    <p:sldId id="269" r:id="rId15"/>
+    <p:sldId id="270" r:id="rId16"/>
+    <p:sldId id="271" r:id="rId17"/>
+    <p:sldId id="272" r:id="rId18"/>
+    <p:sldId id="273" r:id="rId19"/>
+    <p:sldId id="274" r:id="rId20"/>
+    <p:sldId id="275" r:id="rId21"/>
+    <p:sldId id="276" r:id="rId22"/>
+    <p:sldId id="277" r:id="rId23"/>
+    <p:sldId id="278" r:id="rId24"/>
+    <p:sldId id="283" r:id="rId25"/>
+    <p:sldId id="279" r:id="rId26"/>
+    <p:sldId id="280" r:id="rId27"/>
+    <p:sldId id="281" r:id="rId28"/>
+    <p:sldId id="282" r:id="rId29"/>
   </p:sldIdLst>
   <p:sldSz cx="12192000" cy="6858000"/>
   <p:notesSz cx="6858000" cy="9144000"/>
@@ -54,7 +55,7 @@
       <a:buFontTx/>
       <a:buNone/>
       <a:tabLst/>
-      <a:defRPr b="0" baseline="0" cap="none" i="0" spc="0" strike="noStrike" sz="1800" u="none" kumimoji="0" normalizeH="0">
+      <a:defRPr kumimoji="0" sz="1800" b="0" i="0" u="none" strike="noStrike" cap="none" spc="0" normalizeH="0" baseline="0">
         <a:ln>
           <a:noFill/>
         </a:ln>
@@ -80,7 +81,7 @@
       <a:buFontTx/>
       <a:buNone/>
       <a:tabLst/>
-      <a:defRPr b="0" baseline="0" cap="none" i="0" spc="0" strike="noStrike" sz="1800" u="none" kumimoji="0" normalizeH="0">
+      <a:defRPr kumimoji="0" sz="1800" b="0" i="0" u="none" strike="noStrike" cap="none" spc="0" normalizeH="0" baseline="0">
         <a:ln>
           <a:noFill/>
         </a:ln>
@@ -110,7 +111,7 @@
       <a:buFontTx/>
       <a:buNone/>
       <a:tabLst/>
-      <a:defRPr b="0" baseline="0" cap="none" i="0" spc="0" strike="noStrike" sz="1800" u="none" kumimoji="0" normalizeH="0">
+      <a:defRPr kumimoji="0" sz="1800" b="0" i="0" u="none" strike="noStrike" cap="none" spc="0" normalizeH="0" baseline="0">
         <a:ln>
           <a:noFill/>
         </a:ln>
@@ -140,7 +141,7 @@
       <a:buFontTx/>
       <a:buNone/>
       <a:tabLst/>
-      <a:defRPr b="0" baseline="0" cap="none" i="0" spc="0" strike="noStrike" sz="1800" u="none" kumimoji="0" normalizeH="0">
+      <a:defRPr kumimoji="0" sz="1800" b="0" i="0" u="none" strike="noStrike" cap="none" spc="0" normalizeH="0" baseline="0">
         <a:ln>
           <a:noFill/>
         </a:ln>
@@ -170,7 +171,7 @@
       <a:buFontTx/>
       <a:buNone/>
       <a:tabLst/>
-      <a:defRPr b="0" baseline="0" cap="none" i="0" spc="0" strike="noStrike" sz="1800" u="none" kumimoji="0" normalizeH="0">
+      <a:defRPr kumimoji="0" sz="1800" b="0" i="0" u="none" strike="noStrike" cap="none" spc="0" normalizeH="0" baseline="0">
         <a:ln>
           <a:noFill/>
         </a:ln>
@@ -200,7 +201,7 @@
       <a:buFontTx/>
       <a:buNone/>
       <a:tabLst/>
-      <a:defRPr b="0" baseline="0" cap="none" i="0" spc="0" strike="noStrike" sz="1800" u="none" kumimoji="0" normalizeH="0">
+      <a:defRPr kumimoji="0" sz="1800" b="0" i="0" u="none" strike="noStrike" cap="none" spc="0" normalizeH="0" baseline="0">
         <a:ln>
           <a:noFill/>
         </a:ln>
@@ -230,7 +231,7 @@
       <a:buFontTx/>
       <a:buNone/>
       <a:tabLst/>
-      <a:defRPr b="0" baseline="0" cap="none" i="0" spc="0" strike="noStrike" sz="1800" u="none" kumimoji="0" normalizeH="0">
+      <a:defRPr kumimoji="0" sz="1800" b="0" i="0" u="none" strike="noStrike" cap="none" spc="0" normalizeH="0" baseline="0">
         <a:ln>
           <a:noFill/>
         </a:ln>
@@ -260,7 +261,7 @@
       <a:buFontTx/>
       <a:buNone/>
       <a:tabLst/>
-      <a:defRPr b="0" baseline="0" cap="none" i="0" spc="0" strike="noStrike" sz="1800" u="none" kumimoji="0" normalizeH="0">
+      <a:defRPr kumimoji="0" sz="1800" b="0" i="0" u="none" strike="noStrike" cap="none" spc="0" normalizeH="0" baseline="0">
         <a:ln>
           <a:noFill/>
         </a:ln>
@@ -290,7 +291,7 @@
       <a:buFontTx/>
       <a:buNone/>
       <a:tabLst/>
-      <a:defRPr b="0" baseline="0" cap="none" i="0" spc="0" strike="noStrike" sz="1800" u="none" kumimoji="0" normalizeH="0">
+      <a:defRPr kumimoji="0" sz="1800" b="0" i="0" u="none" strike="noStrike" cap="none" spc="0" normalizeH="0" baseline="0">
         <a:ln>
           <a:noFill/>
         </a:ln>
@@ -320,7 +321,7 @@
       <a:buFontTx/>
       <a:buNone/>
       <a:tabLst/>
-      <a:defRPr b="0" baseline="0" cap="none" i="0" spc="0" strike="noStrike" sz="1800" u="none" kumimoji="0" normalizeH="0">
+      <a:defRPr kumimoji="0" sz="1800" b="0" i="0" u="none" strike="noStrike" cap="none" spc="0" normalizeH="0" baseline="0">
         <a:ln>
           <a:noFill/>
         </a:ln>
@@ -339,14 +340,12 @@
 </p:presentation>
 </file>
 
-<file path=ppt/commentAuthors.xml><?xml version="1.0" encoding="utf-8"?>
-<p:cmAuthorLst xmlns:a="http://schemas.openxmlformats.org/drawingml/2006/main" xmlns:r="http://schemas.openxmlformats.org/officeDocument/2006/relationships" xmlns:p="http://schemas.openxmlformats.org/presentationml/2006/main" xmlns:m="http://schemas.openxmlformats.org/officeDocument/2006/math" xmlns:a14="http://schemas.microsoft.com/office/drawing/2010/main"/>
-</file>
-
 <file path=ppt/charts/chart1.xml><?xml version="1.0" encoding="utf-8"?>
-<c:chartSpace xmlns:c="http://schemas.openxmlformats.org/drawingml/2006/chart" xmlns:a="http://schemas.openxmlformats.org/drawingml/2006/main" xmlns:r="http://schemas.openxmlformats.org/officeDocument/2006/relationships">
+<c:chartSpace xmlns:c="http://schemas.openxmlformats.org/drawingml/2006/chart" xmlns:a="http://schemas.openxmlformats.org/drawingml/2006/main" xmlns:r="http://schemas.openxmlformats.org/officeDocument/2006/relationships" xmlns:c16r2="http://schemas.microsoft.com/office/drawing/2015/06/chart">
   <c:date1904 val="1"/>
+  <c:lang val="de-DE"/>
   <c:roundedCorners val="0"/>
+  <c:style val="2"/>
   <c:chart>
     <c:autoTitleDeleted val="1"/>
     <c:plotArea>
@@ -355,8 +354,8 @@
           <c:layoutTarget val="inner"/>
           <c:xMode val="edge"/>
           <c:yMode val="edge"/>
-          <c:x val="0.005"/>
-          <c:y val="0.005"/>
+          <c:x val="5.0000000000000001E-3"/>
+          <c:y val="5.0000000000000001E-3"/>
           <c:w val="0.99"/>
           <c:h val="0.904003"/>
         </c:manualLayout>
@@ -387,24 +386,18 @@
             </a:ln>
             <a:effectLst/>
           </c:spPr>
-          <c:explosion val="0"/>
           <c:dPt>
             <c:idx val="0"/>
-            <c:explosion val="0"/>
-            <c:spPr>
-              <a:solidFill>
-                <a:schemeClr val="accent1"/>
-              </a:solidFill>
-              <a:ln w="12700" cap="flat">
-                <a:noFill/>
-                <a:miter lim="400000"/>
-              </a:ln>
-              <a:effectLst/>
-            </c:spPr>
+            <c:bubble3D val="0"/>
+            <c:extLst>
+              <c:ext xmlns:c16="http://schemas.microsoft.com/office/drawing/2014/chart" uri="{C3380CC4-5D6E-409C-BE32-E72D297353CC}">
+                <c16:uniqueId val="{00000001-6E86-4967-91FA-80F27077B413}"/>
+              </c:ext>
+            </c:extLst>
           </c:dPt>
           <c:dPt>
             <c:idx val="1"/>
-            <c:explosion val="0"/>
+            <c:bubble3D val="0"/>
             <c:spPr>
               <a:solidFill>
                 <a:schemeClr val="accent2"/>
@@ -415,23 +408,30 @@
               </a:ln>
               <a:effectLst/>
             </c:spPr>
+            <c:extLst>
+              <c:ext xmlns:c16="http://schemas.microsoft.com/office/drawing/2014/chart" uri="{C3380CC4-5D6E-409C-BE32-E72D297353CC}">
+                <c16:uniqueId val="{00000003-6E86-4967-91FA-80F27077B413}"/>
+              </c:ext>
+            </c:extLst>
           </c:dPt>
           <c:dLbls>
             <c:dLbl>
               <c:idx val="0"/>
               <c:numFmt formatCode="0.00%" sourceLinked="0"/>
+              <c:spPr/>
               <c:txPr>
                 <a:bodyPr/>
                 <a:lstStyle/>
                 <a:p>
                   <a:pPr>
-                    <a:defRPr b="1" i="0" strike="noStrike" sz="1100" u="none">
+                    <a:defRPr sz="1100" b="1" i="0" u="none" strike="noStrike">
                       <a:solidFill>
                         <a:srgbClr val="FFFFFF"/>
                       </a:solidFill>
                       <a:latin typeface="Calibri"/>
                     </a:defRPr>
                   </a:pPr>
+                  <a:endParaRPr lang="en-US"/>
                 </a:p>
               </c:txPr>
               <c:dLblPos val="inEnd"/>
@@ -441,22 +441,29 @@
               <c:showSerName val="0"/>
               <c:showPercent val="1"/>
               <c:showBubbleSize val="0"/>
+              <c:extLst>
+                <c:ext xmlns:c16="http://schemas.microsoft.com/office/drawing/2014/chart" uri="{C3380CC4-5D6E-409C-BE32-E72D297353CC}">
+                  <c16:uniqueId val="{00000001-6E86-4967-91FA-80F27077B413}"/>
+                </c:ext>
+              </c:extLst>
             </c:dLbl>
             <c:dLbl>
               <c:idx val="1"/>
               <c:numFmt formatCode="0.00%" sourceLinked="0"/>
+              <c:spPr/>
               <c:txPr>
                 <a:bodyPr/>
                 <a:lstStyle/>
                 <a:p>
                   <a:pPr>
-                    <a:defRPr b="1" i="0" strike="noStrike" sz="1100" u="none">
+                    <a:defRPr sz="1100" b="1" i="0" u="none" strike="noStrike">
                       <a:solidFill>
                         <a:srgbClr val="FFFFFF"/>
                       </a:solidFill>
                       <a:latin typeface="Calibri"/>
                     </a:defRPr>
                   </a:pPr>
+                  <a:endParaRPr lang="en-US"/>
                 </a:p>
               </c:txPr>
               <c:dLblPos val="inEnd"/>
@@ -466,20 +473,33 @@
               <c:showSerName val="0"/>
               <c:showPercent val="1"/>
               <c:showBubbleSize val="0"/>
+              <c:extLst>
+                <c:ext xmlns:c16="http://schemas.microsoft.com/office/drawing/2014/chart" uri="{C3380CC4-5D6E-409C-BE32-E72D297353CC}">
+                  <c16:uniqueId val="{00000003-6E86-4967-91FA-80F27077B413}"/>
+                </c:ext>
+              </c:extLst>
             </c:dLbl>
             <c:numFmt formatCode="0.00%" sourceLinked="0"/>
+            <c:spPr>
+              <a:noFill/>
+              <a:ln>
+                <a:noFill/>
+              </a:ln>
+              <a:effectLst/>
+            </c:spPr>
             <c:txPr>
               <a:bodyPr/>
               <a:lstStyle/>
               <a:p>
                 <a:pPr>
-                  <a:defRPr b="1" i="0" strike="noStrike" sz="1100" u="none">
+                  <a:defRPr sz="1100" b="1" i="0" u="none" strike="noStrike">
                     <a:solidFill>
                       <a:srgbClr val="FFFFFF"/>
                     </a:solidFill>
                     <a:latin typeface="Calibri"/>
                   </a:defRPr>
                 </a:pPr>
+                <a:endParaRPr lang="en-US"/>
               </a:p>
             </c:txPr>
             <c:dLblPos val="inEnd"/>
@@ -492,7 +512,6 @@
             <c:showLeaderLines val="1"/>
             <c:leaderLines>
               <c:spPr>
-                <a:noFill/>
                 <a:ln w="9525" cap="flat">
                   <a:solidFill>
                     <a:srgbClr val="A6A6A6"/>
@@ -503,6 +522,9 @@
                 <a:effectLst/>
               </c:spPr>
             </c:leaderLines>
+            <c:extLst>
+              <c:ext xmlns:c15="http://schemas.microsoft.com/office/drawing/2012/chart" uri="{CE6537A1-D6FC-4f65-9D91-7224C49458BB}"/>
+            </c:extLst>
           </c:dLbls>
           <c:cat>
             <c:strRef>
@@ -522,17 +544,32 @@
             <c:numRef>
               <c:f>Sheet1!$B$2:$C$2</c:f>
               <c:numCache>
+                <c:formatCode>General</c:formatCode>
                 <c:ptCount val="2"/>
                 <c:pt idx="0">
-                  <c:v>3361.000000</c:v>
+                  <c:v>3361</c:v>
                 </c:pt>
                 <c:pt idx="1">
-                  <c:v>28446.000000</c:v>
+                  <c:v>28446</c:v>
                 </c:pt>
               </c:numCache>
             </c:numRef>
           </c:val>
+          <c:extLst>
+            <c:ext xmlns:c16="http://schemas.microsoft.com/office/drawing/2014/chart" uri="{C3380CC4-5D6E-409C-BE32-E72D297353CC}">
+              <c16:uniqueId val="{00000004-6E86-4967-91FA-80F27077B413}"/>
+            </c:ext>
+          </c:extLst>
         </c:ser>
+        <c:dLbls>
+          <c:showLegendKey val="0"/>
+          <c:showVal val="0"/>
+          <c:showCatName val="0"/>
+          <c:showSerName val="0"/>
+          <c:showPercent val="0"/>
+          <c:showBubbleSize val="0"/>
+          <c:showLeaderLines val="1"/>
+        </c:dLbls>
         <c:firstSliceAng val="0"/>
       </c:pieChart>
       <c:spPr>
@@ -550,10 +587,10 @@
         <c:manualLayout>
           <c:xMode val="edge"/>
           <c:yMode val="edge"/>
-          <c:x val="0.221321"/>
-          <c:y val="0.947422"/>
-          <c:w val="0.557358"/>
-          <c:h val="0.0525783"/>
+          <c:x val="0.22132099999999999"/>
+          <c:y val="0.94742199999999999"/>
+          <c:w val="0.55735800000000002"/>
+          <c:h val="5.2578300000000001E-2"/>
         </c:manualLayout>
       </c:layout>
       <c:overlay val="1"/>
@@ -574,18 +611,20 @@
         <a:lstStyle/>
         <a:p>
           <a:pPr>
-            <a:defRPr b="0" i="0" strike="noStrike" sz="1100" u="none">
+            <a:defRPr sz="1100" b="0" i="0" u="none" strike="noStrike">
               <a:solidFill>
                 <a:srgbClr val="595959"/>
               </a:solidFill>
               <a:latin typeface="Calibri"/>
             </a:defRPr>
           </a:pPr>
+          <a:endParaRPr lang="en-US"/>
         </a:p>
       </c:txPr>
     </c:legend>
     <c:plotVisOnly val="1"/>
     <c:dispBlanksAs val="gap"/>
+    <c:showDLblsOverMax val="1"/>
   </c:chart>
   <c:spPr>
     <a:noFill/>
@@ -601,8 +640,13 @@
 </file>
 
 <file path=ppt/notesMasters/notesMaster1.xml><?xml version="1.0" encoding="utf-8"?>
-<p:notesMaster xmlns:a="http://schemas.openxmlformats.org/drawingml/2006/main" xmlns:r="http://schemas.openxmlformats.org/officeDocument/2006/relationships" xmlns:p="http://schemas.openxmlformats.org/presentationml/2006/main" xmlns:m="http://schemas.openxmlformats.org/officeDocument/2006/math" xmlns:a14="http://schemas.microsoft.com/office/drawing/2010/main">
+<p:notesMaster xmlns:a="http://schemas.openxmlformats.org/drawingml/2006/main" xmlns:r="http://schemas.openxmlformats.org/officeDocument/2006/relationships" xmlns:p="http://schemas.openxmlformats.org/presentationml/2006/main">
   <p:cSld>
+    <p:bg>
+      <p:bgRef idx="1001">
+        <a:schemeClr val="bg1"/>
+      </p:bgRef>
+    </p:bg>
     <p:spTree>
       <p:nvGrpSpPr>
         <p:cNvPr id="1" name=""/>
@@ -620,7 +664,9 @@
       <p:sp>
         <p:nvSpPr>
           <p:cNvPr id="97" name="Shape 97"/>
-          <p:cNvSpPr/>
+          <p:cNvSpPr>
+            <a:spLocks noGrp="1" noRot="1" noChangeAspect="1"/>
+          </p:cNvSpPr>
           <p:nvPr>
             <p:ph type="sldImg"/>
           </p:nvPr>
@@ -638,14 +684,16 @@
           <a:bodyPr/>
           <a:lstStyle/>
           <a:p>
-            <a:pPr/>
+            <a:endParaRPr/>
           </a:p>
         </p:txBody>
       </p:sp>
       <p:sp>
         <p:nvSpPr>
           <p:cNvPr id="98" name="Shape 98"/>
-          <p:cNvSpPr/>
+          <p:cNvSpPr>
+            <a:spLocks noGrp="1"/>
+          </p:cNvSpPr>
           <p:nvPr>
             <p:ph type="body" sz="quarter" idx="1"/>
           </p:nvPr>
@@ -663,7 +711,7 @@
           <a:bodyPr/>
           <a:lstStyle/>
           <a:p>
-            <a:pPr/>
+            <a:endParaRPr/>
           </a:p>
         </p:txBody>
       </p:sp>
@@ -748,7 +796,7 @@
 </file>
 
 <file path=ppt/slideLayouts/slideLayout1.xml><?xml version="1.0" encoding="utf-8"?>
-<p:sldLayout xmlns:a="http://schemas.openxmlformats.org/drawingml/2006/main" xmlns:r="http://schemas.openxmlformats.org/officeDocument/2006/relationships" xmlns:p="http://schemas.openxmlformats.org/presentationml/2006/main" xmlns:m="http://schemas.openxmlformats.org/officeDocument/2006/math" xmlns:a14="http://schemas.microsoft.com/office/drawing/2010/main" type="title" showMasterSp="0" showMasterPhAnim="1">
+<p:sldLayout xmlns:a="http://schemas.openxmlformats.org/drawingml/2006/main" xmlns:r="http://schemas.openxmlformats.org/officeDocument/2006/relationships" xmlns:p="http://schemas.openxmlformats.org/presentationml/2006/main" showMasterSp="0" type="title">
   <p:cSld name="Titelfolie">
     <p:spTree>
       <p:nvGrpSpPr>
@@ -767,7 +815,9 @@
       <p:sp>
         <p:nvSpPr>
           <p:cNvPr id="13" name="Title Text"/>
-          <p:cNvSpPr txBox="1"/>
+          <p:cNvSpPr txBox="1">
+            <a:spLocks noGrp="1"/>
+          </p:cNvSpPr>
           <p:nvPr>
             <p:ph type="title"/>
           </p:nvPr>
@@ -789,7 +839,6 @@
             </a:lvl1pPr>
           </a:lstStyle>
           <a:p>
-            <a:pPr/>
             <a:r>
               <a:t>Title Text</a:t>
             </a:r>
@@ -799,7 +848,9 @@
       <p:sp>
         <p:nvSpPr>
           <p:cNvPr id="14" name="Body Level One…"/>
-          <p:cNvSpPr txBox="1"/>
+          <p:cNvSpPr txBox="1">
+            <a:spLocks noGrp="1"/>
+          </p:cNvSpPr>
           <p:nvPr>
             <p:ph type="body" sz="quarter" idx="1"/>
           </p:nvPr>
@@ -848,7 +899,6 @@
             </a:lvl5pPr>
           </a:lstStyle>
           <a:p>
-            <a:pPr/>
             <a:r>
               <a:t>Body Level One</a:t>
             </a:r>
@@ -882,7 +932,9 @@
       <p:sp>
         <p:nvSpPr>
           <p:cNvPr id="15" name="Slide Number"/>
-          <p:cNvSpPr txBox="1"/>
+          <p:cNvSpPr txBox="1">
+            <a:spLocks noGrp="1"/>
+          </p:cNvSpPr>
           <p:nvPr>
             <p:ph type="sldNum" sz="quarter" idx="2"/>
           </p:nvPr>
@@ -896,8 +948,10 @@
           <a:bodyPr/>
           <a:lstStyle/>
           <a:p>
-            <a:pPr/>
-            <a:fld id="{86CB4B4D-7CA3-9044-876B-883B54F8677D}" type="slidenum"/>
+            <a:fld id="{86CB4B4D-7CA3-9044-876B-883B54F8677D}" type="slidenum">
+              <a:t>‹Nr.›</a:t>
+            </a:fld>
+            <a:endParaRPr/>
           </a:p>
         </p:txBody>
       </p:sp>
@@ -910,9 +964,7 @@
           <p:nvPr/>
         </p:nvPicPr>
         <p:blipFill>
-          <a:blip r:embed="rId2">
-            <a:extLst/>
-          </a:blip>
+          <a:blip r:embed="rId2"/>
           <a:stretch>
             <a:fillRect/>
           </a:stretch>
@@ -939,9 +991,7 @@
           <p:nvPr/>
         </p:nvPicPr>
         <p:blipFill>
-          <a:blip r:embed="rId3">
-            <a:extLst/>
-          </a:blip>
+          <a:blip r:embed="rId3"/>
           <a:srcRect l="21949" t="28867" r="21951" b="29709"/>
           <a:stretch>
             <a:fillRect/>
@@ -965,12 +1015,12 @@
   <p:clrMapOvr>
     <a:masterClrMapping/>
   </p:clrMapOvr>
-  <p:transition xmlns:p14="http://schemas.microsoft.com/office/powerpoint/2010/main" spd="med" advClick="1"/>
+  <p:transition spd="med"/>
 </p:sldLayout>
 </file>
 
 <file path=ppt/slideLayouts/slideLayout2.xml><?xml version="1.0" encoding="utf-8"?>
-<p:sldLayout xmlns:a="http://schemas.openxmlformats.org/drawingml/2006/main" xmlns:r="http://schemas.openxmlformats.org/officeDocument/2006/relationships" xmlns:p="http://schemas.openxmlformats.org/presentationml/2006/main" xmlns:m="http://schemas.openxmlformats.org/officeDocument/2006/math" xmlns:a14="http://schemas.microsoft.com/office/drawing/2010/main" type="tx" showMasterSp="1" showMasterPhAnim="1">
+<p:sldLayout xmlns:a="http://schemas.openxmlformats.org/drawingml/2006/main" xmlns:r="http://schemas.openxmlformats.org/officeDocument/2006/relationships" xmlns:p="http://schemas.openxmlformats.org/presentationml/2006/main" type="tx">
   <p:cSld name="Titel und Inhalt">
     <p:spTree>
       <p:nvGrpSpPr>
@@ -989,7 +1039,9 @@
       <p:sp>
         <p:nvSpPr>
           <p:cNvPr id="24" name="Title Text"/>
-          <p:cNvSpPr txBox="1"/>
+          <p:cNvSpPr txBox="1">
+            <a:spLocks noGrp="1"/>
+          </p:cNvSpPr>
           <p:nvPr>
             <p:ph type="title"/>
           </p:nvPr>
@@ -1003,7 +1055,6 @@
           <a:bodyPr/>
           <a:lstStyle/>
           <a:p>
-            <a:pPr/>
             <a:r>
               <a:t>Title Text</a:t>
             </a:r>
@@ -1013,7 +1064,9 @@
       <p:sp>
         <p:nvSpPr>
           <p:cNvPr id="25" name="Body Level One…"/>
-          <p:cNvSpPr txBox="1"/>
+          <p:cNvSpPr txBox="1">
+            <a:spLocks noGrp="1"/>
+          </p:cNvSpPr>
           <p:nvPr>
             <p:ph type="body" idx="1"/>
           </p:nvPr>
@@ -1027,7 +1080,6 @@
           <a:bodyPr/>
           <a:lstStyle/>
           <a:p>
-            <a:pPr/>
             <a:r>
               <a:t>Body Level One</a:t>
             </a:r>
@@ -1061,7 +1113,9 @@
       <p:sp>
         <p:nvSpPr>
           <p:cNvPr id="26" name="Slide Number"/>
-          <p:cNvSpPr txBox="1"/>
+          <p:cNvSpPr txBox="1">
+            <a:spLocks noGrp="1"/>
+          </p:cNvSpPr>
           <p:nvPr>
             <p:ph type="sldNum" sz="quarter" idx="2"/>
           </p:nvPr>
@@ -1075,8 +1129,10 @@
           <a:bodyPr/>
           <a:lstStyle/>
           <a:p>
-            <a:pPr/>
-            <a:fld id="{86CB4B4D-7CA3-9044-876B-883B54F8677D}" type="slidenum"/>
+            <a:fld id="{86CB4B4D-7CA3-9044-876B-883B54F8677D}" type="slidenum">
+              <a:t>‹Nr.›</a:t>
+            </a:fld>
+            <a:endParaRPr/>
           </a:p>
         </p:txBody>
       </p:sp>
@@ -1085,12 +1141,12 @@
   <p:clrMapOvr>
     <a:masterClrMapping/>
   </p:clrMapOvr>
-  <p:transition xmlns:p14="http://schemas.microsoft.com/office/powerpoint/2010/main" spd="med" advClick="1"/>
+  <p:transition spd="med"/>
 </p:sldLayout>
 </file>
 
 <file path=ppt/slideLayouts/slideLayout3.xml><?xml version="1.0" encoding="utf-8"?>
-<p:sldLayout xmlns:a="http://schemas.openxmlformats.org/drawingml/2006/main" xmlns:r="http://schemas.openxmlformats.org/officeDocument/2006/relationships" xmlns:p="http://schemas.openxmlformats.org/presentationml/2006/main" xmlns:m="http://schemas.openxmlformats.org/officeDocument/2006/math" xmlns:a14="http://schemas.microsoft.com/office/drawing/2010/main" type="tx" showMasterSp="0" showMasterPhAnim="1">
+<p:sldLayout xmlns:a="http://schemas.openxmlformats.org/drawingml/2006/main" xmlns:r="http://schemas.openxmlformats.org/officeDocument/2006/relationships" xmlns:p="http://schemas.openxmlformats.org/presentationml/2006/main" showMasterSp="0" type="tx">
   <p:cSld name="Abschnitts-&#10;überschrift">
     <p:spTree>
       <p:nvGrpSpPr>
@@ -1109,7 +1165,9 @@
       <p:sp>
         <p:nvSpPr>
           <p:cNvPr id="33" name="Title Text"/>
-          <p:cNvSpPr txBox="1"/>
+          <p:cNvSpPr txBox="1">
+            <a:spLocks noGrp="1"/>
+          </p:cNvSpPr>
           <p:nvPr>
             <p:ph type="title"/>
           </p:nvPr>
@@ -1131,7 +1189,6 @@
             </a:lvl1pPr>
           </a:lstStyle>
           <a:p>
-            <a:pPr/>
             <a:r>
               <a:t>Title Text</a:t>
             </a:r>
@@ -1141,7 +1198,9 @@
       <p:sp>
         <p:nvSpPr>
           <p:cNvPr id="34" name="Body Level One…"/>
-          <p:cNvSpPr txBox="1"/>
+          <p:cNvSpPr txBox="1">
+            <a:spLocks noGrp="1"/>
+          </p:cNvSpPr>
           <p:nvPr>
             <p:ph type="body" sz="quarter" idx="1"/>
           </p:nvPr>
@@ -1210,7 +1269,6 @@
             </a:lvl5pPr>
           </a:lstStyle>
           <a:p>
-            <a:pPr/>
             <a:r>
               <a:t>Body Level One</a:t>
             </a:r>
@@ -1244,7 +1302,9 @@
       <p:sp>
         <p:nvSpPr>
           <p:cNvPr id="35" name="Slide Number"/>
-          <p:cNvSpPr txBox="1"/>
+          <p:cNvSpPr txBox="1">
+            <a:spLocks noGrp="1"/>
+          </p:cNvSpPr>
           <p:nvPr>
             <p:ph type="sldNum" sz="quarter" idx="2"/>
           </p:nvPr>
@@ -1258,8 +1318,10 @@
           <a:bodyPr/>
           <a:lstStyle/>
           <a:p>
-            <a:pPr/>
-            <a:fld id="{86CB4B4D-7CA3-9044-876B-883B54F8677D}" type="slidenum"/>
+            <a:fld id="{86CB4B4D-7CA3-9044-876B-883B54F8677D}" type="slidenum">
+              <a:t>‹Nr.›</a:t>
+            </a:fld>
+            <a:endParaRPr/>
           </a:p>
         </p:txBody>
       </p:sp>
@@ -1268,12 +1330,12 @@
   <p:clrMapOvr>
     <a:masterClrMapping/>
   </p:clrMapOvr>
-  <p:transition xmlns:p14="http://schemas.microsoft.com/office/powerpoint/2010/main" spd="med" advClick="1"/>
+  <p:transition spd="med"/>
 </p:sldLayout>
 </file>
 
 <file path=ppt/slideLayouts/slideLayout4.xml><?xml version="1.0" encoding="utf-8"?>
-<p:sldLayout xmlns:a="http://schemas.openxmlformats.org/drawingml/2006/main" xmlns:r="http://schemas.openxmlformats.org/officeDocument/2006/relationships" xmlns:p="http://schemas.openxmlformats.org/presentationml/2006/main" xmlns:m="http://schemas.openxmlformats.org/officeDocument/2006/math" xmlns:a14="http://schemas.microsoft.com/office/drawing/2010/main" type="tx" showMasterSp="0" showMasterPhAnim="1">
+<p:sldLayout xmlns:a="http://schemas.openxmlformats.org/drawingml/2006/main" xmlns:r="http://schemas.openxmlformats.org/officeDocument/2006/relationships" xmlns:p="http://schemas.openxmlformats.org/presentationml/2006/main" showMasterSp="0" type="tx">
   <p:cSld name="Zwei Inhalte">
     <p:spTree>
       <p:nvGrpSpPr>
@@ -1292,7 +1354,9 @@
       <p:sp>
         <p:nvSpPr>
           <p:cNvPr id="42" name="Title Text"/>
-          <p:cNvSpPr txBox="1"/>
+          <p:cNvSpPr txBox="1">
+            <a:spLocks noGrp="1"/>
+          </p:cNvSpPr>
           <p:nvPr>
             <p:ph type="title"/>
           </p:nvPr>
@@ -1306,7 +1370,6 @@
           <a:bodyPr/>
           <a:lstStyle/>
           <a:p>
-            <a:pPr/>
             <a:r>
               <a:t>Title Text</a:t>
             </a:r>
@@ -1316,7 +1379,9 @@
       <p:sp>
         <p:nvSpPr>
           <p:cNvPr id="43" name="Body Level One…"/>
-          <p:cNvSpPr txBox="1"/>
+          <p:cNvSpPr txBox="1">
+            <a:spLocks noGrp="1"/>
+          </p:cNvSpPr>
           <p:nvPr>
             <p:ph type="body" sz="half" idx="1"/>
           </p:nvPr>
@@ -1334,7 +1399,6 @@
           <a:bodyPr/>
           <a:lstStyle/>
           <a:p>
-            <a:pPr/>
             <a:r>
               <a:t>Body Level One</a:t>
             </a:r>
@@ -1368,7 +1432,9 @@
       <p:sp>
         <p:nvSpPr>
           <p:cNvPr id="44" name="Slide Number"/>
-          <p:cNvSpPr txBox="1"/>
+          <p:cNvSpPr txBox="1">
+            <a:spLocks noGrp="1"/>
+          </p:cNvSpPr>
           <p:nvPr>
             <p:ph type="sldNum" sz="quarter" idx="2"/>
           </p:nvPr>
@@ -1382,8 +1448,10 @@
           <a:bodyPr/>
           <a:lstStyle/>
           <a:p>
-            <a:pPr/>
-            <a:fld id="{86CB4B4D-7CA3-9044-876B-883B54F8677D}" type="slidenum"/>
+            <a:fld id="{86CB4B4D-7CA3-9044-876B-883B54F8677D}" type="slidenum">
+              <a:t>‹Nr.›</a:t>
+            </a:fld>
+            <a:endParaRPr/>
           </a:p>
         </p:txBody>
       </p:sp>
@@ -1396,9 +1464,7 @@
           <p:nvPr/>
         </p:nvPicPr>
         <p:blipFill>
-          <a:blip r:embed="rId2">
-            <a:extLst/>
-          </a:blip>
+          <a:blip r:embed="rId2"/>
           <a:stretch>
             <a:fillRect/>
           </a:stretch>
@@ -1425,9 +1491,7 @@
           <p:nvPr/>
         </p:nvPicPr>
         <p:blipFill>
-          <a:blip r:embed="rId3">
-            <a:extLst/>
-          </a:blip>
+          <a:blip r:embed="rId3"/>
           <a:srcRect l="21949" t="28867" r="21951" b="29709"/>
           <a:stretch>
             <a:fillRect/>
@@ -1451,12 +1515,12 @@
   <p:clrMapOvr>
     <a:masterClrMapping/>
   </p:clrMapOvr>
-  <p:transition xmlns:p14="http://schemas.microsoft.com/office/powerpoint/2010/main" spd="med" advClick="1"/>
+  <p:transition spd="med"/>
 </p:sldLayout>
 </file>
 
 <file path=ppt/slideLayouts/slideLayout5.xml><?xml version="1.0" encoding="utf-8"?>
-<p:sldLayout xmlns:a="http://schemas.openxmlformats.org/drawingml/2006/main" xmlns:r="http://schemas.openxmlformats.org/officeDocument/2006/relationships" xmlns:p="http://schemas.openxmlformats.org/presentationml/2006/main" xmlns:m="http://schemas.openxmlformats.org/officeDocument/2006/math" xmlns:a14="http://schemas.microsoft.com/office/drawing/2010/main" type="tx" showMasterSp="0" showMasterPhAnim="1">
+<p:sldLayout xmlns:a="http://schemas.openxmlformats.org/drawingml/2006/main" xmlns:r="http://schemas.openxmlformats.org/officeDocument/2006/relationships" xmlns:p="http://schemas.openxmlformats.org/presentationml/2006/main" showMasterSp="0" type="tx">
   <p:cSld name="Vergleich">
     <p:spTree>
       <p:nvGrpSpPr>
@@ -1475,7 +1539,9 @@
       <p:sp>
         <p:nvSpPr>
           <p:cNvPr id="53" name="Title Text"/>
-          <p:cNvSpPr txBox="1"/>
+          <p:cNvSpPr txBox="1">
+            <a:spLocks noGrp="1"/>
+          </p:cNvSpPr>
           <p:nvPr>
             <p:ph type="title"/>
           </p:nvPr>
@@ -1493,7 +1559,6 @@
           <a:bodyPr/>
           <a:lstStyle/>
           <a:p>
-            <a:pPr/>
             <a:r>
               <a:t>Title Text</a:t>
             </a:r>
@@ -1503,7 +1568,9 @@
       <p:sp>
         <p:nvSpPr>
           <p:cNvPr id="54" name="Body Level One…"/>
-          <p:cNvSpPr txBox="1"/>
+          <p:cNvSpPr txBox="1">
+            <a:spLocks noGrp="1"/>
+          </p:cNvSpPr>
           <p:nvPr>
             <p:ph type="body" sz="quarter" idx="1"/>
           </p:nvPr>
@@ -1524,35 +1591,34 @@
               <a:buSzTx/>
               <a:buFontTx/>
               <a:buNone/>
-              <a:defRPr b="1" sz="2400"/>
+              <a:defRPr sz="2400" b="1"/>
             </a:lvl1pPr>
             <a:lvl2pPr marL="0" indent="457200">
               <a:buSzTx/>
               <a:buFontTx/>
               <a:buNone/>
-              <a:defRPr b="1" sz="2400"/>
+              <a:defRPr sz="2400" b="1"/>
             </a:lvl2pPr>
             <a:lvl3pPr marL="0" indent="914400">
               <a:buSzTx/>
               <a:buFontTx/>
               <a:buNone/>
-              <a:defRPr b="1" sz="2400"/>
+              <a:defRPr sz="2400" b="1"/>
             </a:lvl3pPr>
             <a:lvl4pPr marL="0" indent="1371600">
               <a:buSzTx/>
               <a:buFontTx/>
               <a:buNone/>
-              <a:defRPr b="1" sz="2400"/>
+              <a:defRPr sz="2400" b="1"/>
             </a:lvl4pPr>
             <a:lvl5pPr marL="0" indent="1828800">
               <a:buSzTx/>
               <a:buFontTx/>
               <a:buNone/>
-              <a:defRPr b="1" sz="2400"/>
+              <a:defRPr sz="2400" b="1"/>
             </a:lvl5pPr>
           </a:lstStyle>
           <a:p>
-            <a:pPr/>
             <a:r>
               <a:t>Body Level One</a:t>
             </a:r>
@@ -1586,7 +1652,9 @@
       <p:sp>
         <p:nvSpPr>
           <p:cNvPr id="55" name="Textplatzhalter 4"/>
-          <p:cNvSpPr/>
+          <p:cNvSpPr>
+            <a:spLocks noGrp="1"/>
+          </p:cNvSpPr>
           <p:nvPr>
             <p:ph type="body" sz="quarter" idx="13"/>
           </p:nvPr>
@@ -1608,15 +1676,18 @@
               <a:buSzTx/>
               <a:buFontTx/>
               <a:buNone/>
-              <a:defRPr b="1" sz="2400"/>
+              <a:defRPr sz="2400" b="1"/>
             </a:pPr>
+            <a:endParaRPr/>
           </a:p>
         </p:txBody>
       </p:sp>
       <p:sp>
         <p:nvSpPr>
           <p:cNvPr id="56" name="Slide Number"/>
-          <p:cNvSpPr txBox="1"/>
+          <p:cNvSpPr txBox="1">
+            <a:spLocks noGrp="1"/>
+          </p:cNvSpPr>
           <p:nvPr>
             <p:ph type="sldNum" sz="quarter" idx="2"/>
           </p:nvPr>
@@ -1630,8 +1701,10 @@
           <a:bodyPr/>
           <a:lstStyle/>
           <a:p>
-            <a:pPr/>
-            <a:fld id="{86CB4B4D-7CA3-9044-876B-883B54F8677D}" type="slidenum"/>
+            <a:fld id="{86CB4B4D-7CA3-9044-876B-883B54F8677D}" type="slidenum">
+              <a:t>‹Nr.›</a:t>
+            </a:fld>
+            <a:endParaRPr/>
           </a:p>
         </p:txBody>
       </p:sp>
@@ -1640,12 +1713,12 @@
   <p:clrMapOvr>
     <a:masterClrMapping/>
   </p:clrMapOvr>
-  <p:transition xmlns:p14="http://schemas.microsoft.com/office/powerpoint/2010/main" spd="med" advClick="1"/>
+  <p:transition spd="med"/>
 </p:sldLayout>
 </file>
 
 <file path=ppt/slideLayouts/slideLayout6.xml><?xml version="1.0" encoding="utf-8"?>
-<p:sldLayout xmlns:a="http://schemas.openxmlformats.org/drawingml/2006/main" xmlns:r="http://schemas.openxmlformats.org/officeDocument/2006/relationships" xmlns:p="http://schemas.openxmlformats.org/presentationml/2006/main" xmlns:m="http://schemas.openxmlformats.org/officeDocument/2006/math" xmlns:a14="http://schemas.microsoft.com/office/drawing/2010/main" type="tx" showMasterSp="0" showMasterPhAnim="1">
+<p:sldLayout xmlns:a="http://schemas.openxmlformats.org/drawingml/2006/main" xmlns:r="http://schemas.openxmlformats.org/officeDocument/2006/relationships" xmlns:p="http://schemas.openxmlformats.org/presentationml/2006/main" showMasterSp="0" type="tx">
   <p:cSld name="Nur Titel">
     <p:spTree>
       <p:nvGrpSpPr>
@@ -1664,7 +1737,9 @@
       <p:sp>
         <p:nvSpPr>
           <p:cNvPr id="63" name="Title Text"/>
-          <p:cNvSpPr txBox="1"/>
+          <p:cNvSpPr txBox="1">
+            <a:spLocks noGrp="1"/>
+          </p:cNvSpPr>
           <p:nvPr>
             <p:ph type="title"/>
           </p:nvPr>
@@ -1678,7 +1753,6 @@
           <a:bodyPr/>
           <a:lstStyle/>
           <a:p>
-            <a:pPr/>
             <a:r>
               <a:t>Title Text</a:t>
             </a:r>
@@ -1688,7 +1762,9 @@
       <p:sp>
         <p:nvSpPr>
           <p:cNvPr id="64" name="Slide Number"/>
-          <p:cNvSpPr txBox="1"/>
+          <p:cNvSpPr txBox="1">
+            <a:spLocks noGrp="1"/>
+          </p:cNvSpPr>
           <p:nvPr>
             <p:ph type="sldNum" sz="quarter" idx="2"/>
           </p:nvPr>
@@ -1702,8 +1778,10 @@
           <a:bodyPr/>
           <a:lstStyle/>
           <a:p>
-            <a:pPr/>
-            <a:fld id="{86CB4B4D-7CA3-9044-876B-883B54F8677D}" type="slidenum"/>
+            <a:fld id="{86CB4B4D-7CA3-9044-876B-883B54F8677D}" type="slidenum">
+              <a:t>‹Nr.›</a:t>
+            </a:fld>
+            <a:endParaRPr/>
           </a:p>
         </p:txBody>
       </p:sp>
@@ -1712,12 +1790,12 @@
   <p:clrMapOvr>
     <a:masterClrMapping/>
   </p:clrMapOvr>
-  <p:transition xmlns:p14="http://schemas.microsoft.com/office/powerpoint/2010/main" spd="med" advClick="1"/>
+  <p:transition spd="med"/>
 </p:sldLayout>
 </file>
 
 <file path=ppt/slideLayouts/slideLayout7.xml><?xml version="1.0" encoding="utf-8"?>
-<p:sldLayout xmlns:a="http://schemas.openxmlformats.org/drawingml/2006/main" xmlns:r="http://schemas.openxmlformats.org/officeDocument/2006/relationships" xmlns:p="http://schemas.openxmlformats.org/presentationml/2006/main" xmlns:m="http://schemas.openxmlformats.org/officeDocument/2006/math" xmlns:a14="http://schemas.microsoft.com/office/drawing/2010/main" type="tx" showMasterSp="0" showMasterPhAnim="1">
+<p:sldLayout xmlns:a="http://schemas.openxmlformats.org/drawingml/2006/main" xmlns:r="http://schemas.openxmlformats.org/officeDocument/2006/relationships" xmlns:p="http://schemas.openxmlformats.org/presentationml/2006/main" showMasterSp="0" type="tx">
   <p:cSld name="Leer">
     <p:spTree>
       <p:nvGrpSpPr>
@@ -1736,7 +1814,9 @@
       <p:sp>
         <p:nvSpPr>
           <p:cNvPr id="71" name="Slide Number"/>
-          <p:cNvSpPr txBox="1"/>
+          <p:cNvSpPr txBox="1">
+            <a:spLocks noGrp="1"/>
+          </p:cNvSpPr>
           <p:nvPr>
             <p:ph type="sldNum" sz="quarter" idx="2"/>
           </p:nvPr>
@@ -1750,8 +1830,10 @@
           <a:bodyPr/>
           <a:lstStyle/>
           <a:p>
-            <a:pPr/>
-            <a:fld id="{86CB4B4D-7CA3-9044-876B-883B54F8677D}" type="slidenum"/>
+            <a:fld id="{86CB4B4D-7CA3-9044-876B-883B54F8677D}" type="slidenum">
+              <a:t>‹Nr.›</a:t>
+            </a:fld>
+            <a:endParaRPr/>
           </a:p>
         </p:txBody>
       </p:sp>
@@ -1760,12 +1842,12 @@
   <p:clrMapOvr>
     <a:masterClrMapping/>
   </p:clrMapOvr>
-  <p:transition xmlns:p14="http://schemas.microsoft.com/office/powerpoint/2010/main" spd="med" advClick="1"/>
+  <p:transition spd="med"/>
 </p:sldLayout>
 </file>
 
 <file path=ppt/slideLayouts/slideLayout8.xml><?xml version="1.0" encoding="utf-8"?>
-<p:sldLayout xmlns:a="http://schemas.openxmlformats.org/drawingml/2006/main" xmlns:r="http://schemas.openxmlformats.org/officeDocument/2006/relationships" xmlns:p="http://schemas.openxmlformats.org/presentationml/2006/main" xmlns:m="http://schemas.openxmlformats.org/officeDocument/2006/math" xmlns:a14="http://schemas.microsoft.com/office/drawing/2010/main" type="tx" showMasterSp="0" showMasterPhAnim="1">
+<p:sldLayout xmlns:a="http://schemas.openxmlformats.org/drawingml/2006/main" xmlns:r="http://schemas.openxmlformats.org/officeDocument/2006/relationships" xmlns:p="http://schemas.openxmlformats.org/presentationml/2006/main" showMasterSp="0" type="tx">
   <p:cSld name="Inhalt mit Überschrift">
     <p:spTree>
       <p:nvGrpSpPr>
@@ -1784,7 +1866,9 @@
       <p:sp>
         <p:nvSpPr>
           <p:cNvPr id="78" name="Title Text"/>
-          <p:cNvSpPr txBox="1"/>
+          <p:cNvSpPr txBox="1">
+            <a:spLocks noGrp="1"/>
+          </p:cNvSpPr>
           <p:nvPr>
             <p:ph type="title"/>
           </p:nvPr>
@@ -1806,7 +1890,6 @@
             </a:lvl1pPr>
           </a:lstStyle>
           <a:p>
-            <a:pPr/>
             <a:r>
               <a:t>Title Text</a:t>
             </a:r>
@@ -1816,7 +1899,9 @@
       <p:sp>
         <p:nvSpPr>
           <p:cNvPr id="79" name="Body Level One…"/>
-          <p:cNvSpPr txBox="1"/>
+          <p:cNvSpPr txBox="1">
+            <a:spLocks noGrp="1"/>
+          </p:cNvSpPr>
           <p:nvPr>
             <p:ph type="body" sz="half" idx="1"/>
           </p:nvPr>
@@ -1850,7 +1935,6 @@
             </a:lvl5pPr>
           </a:lstStyle>
           <a:p>
-            <a:pPr/>
             <a:r>
               <a:t>Body Level One</a:t>
             </a:r>
@@ -1884,7 +1968,9 @@
       <p:sp>
         <p:nvSpPr>
           <p:cNvPr id="80" name="Textplatzhalter 3"/>
-          <p:cNvSpPr/>
+          <p:cNvSpPr>
+            <a:spLocks noGrp="1"/>
+          </p:cNvSpPr>
           <p:nvPr>
             <p:ph type="body" sz="quarter" idx="13"/>
           </p:nvPr>
@@ -1908,13 +1994,16 @@
               <a:buNone/>
               <a:defRPr sz="1600"/>
             </a:pPr>
+            <a:endParaRPr/>
           </a:p>
         </p:txBody>
       </p:sp>
       <p:sp>
         <p:nvSpPr>
           <p:cNvPr id="81" name="Slide Number"/>
-          <p:cNvSpPr txBox="1"/>
+          <p:cNvSpPr txBox="1">
+            <a:spLocks noGrp="1"/>
+          </p:cNvSpPr>
           <p:nvPr>
             <p:ph type="sldNum" sz="quarter" idx="2"/>
           </p:nvPr>
@@ -1928,8 +2017,10 @@
           <a:bodyPr/>
           <a:lstStyle/>
           <a:p>
-            <a:pPr/>
-            <a:fld id="{86CB4B4D-7CA3-9044-876B-883B54F8677D}" type="slidenum"/>
+            <a:fld id="{86CB4B4D-7CA3-9044-876B-883B54F8677D}" type="slidenum">
+              <a:t>‹Nr.›</a:t>
+            </a:fld>
+            <a:endParaRPr/>
           </a:p>
         </p:txBody>
       </p:sp>
@@ -1938,12 +2029,12 @@
   <p:clrMapOvr>
     <a:masterClrMapping/>
   </p:clrMapOvr>
-  <p:transition xmlns:p14="http://schemas.microsoft.com/office/powerpoint/2010/main" spd="med" advClick="1"/>
+  <p:transition spd="med"/>
 </p:sldLayout>
 </file>
 
 <file path=ppt/slideLayouts/slideLayout9.xml><?xml version="1.0" encoding="utf-8"?>
-<p:sldLayout xmlns:a="http://schemas.openxmlformats.org/drawingml/2006/main" xmlns:r="http://schemas.openxmlformats.org/officeDocument/2006/relationships" xmlns:p="http://schemas.openxmlformats.org/presentationml/2006/main" xmlns:m="http://schemas.openxmlformats.org/officeDocument/2006/math" xmlns:a14="http://schemas.microsoft.com/office/drawing/2010/main" type="tx" showMasterSp="0" showMasterPhAnim="1">
+<p:sldLayout xmlns:a="http://schemas.openxmlformats.org/drawingml/2006/main" xmlns:r="http://schemas.openxmlformats.org/officeDocument/2006/relationships" xmlns:p="http://schemas.openxmlformats.org/presentationml/2006/main" showMasterSp="0" type="tx">
   <p:cSld name="Bild mit Überschrift">
     <p:spTree>
       <p:nvGrpSpPr>
@@ -1962,7 +2053,9 @@
       <p:sp>
         <p:nvSpPr>
           <p:cNvPr id="88" name="Title Text"/>
-          <p:cNvSpPr txBox="1"/>
+          <p:cNvSpPr txBox="1">
+            <a:spLocks noGrp="1"/>
+          </p:cNvSpPr>
           <p:nvPr>
             <p:ph type="title"/>
           </p:nvPr>
@@ -1984,7 +2077,6 @@
             </a:lvl1pPr>
           </a:lstStyle>
           <a:p>
-            <a:pPr/>
             <a:r>
               <a:t>Title Text</a:t>
             </a:r>
@@ -1994,7 +2086,9 @@
       <p:sp>
         <p:nvSpPr>
           <p:cNvPr id="89" name="Bildplatzhalter 2"/>
-          <p:cNvSpPr/>
+          <p:cNvSpPr>
+            <a:spLocks noGrp="1"/>
+          </p:cNvSpPr>
           <p:nvPr>
             <p:ph type="pic" sz="half" idx="13"/>
           </p:nvPr>
@@ -2014,14 +2108,16 @@
           </a:bodyPr>
           <a:lstStyle/>
           <a:p>
-            <a:pPr/>
+            <a:endParaRPr/>
           </a:p>
         </p:txBody>
       </p:sp>
       <p:sp>
         <p:nvSpPr>
           <p:cNvPr id="90" name="Body Level One…"/>
-          <p:cNvSpPr txBox="1"/>
+          <p:cNvSpPr txBox="1">
+            <a:spLocks noGrp="1"/>
+          </p:cNvSpPr>
           <p:nvPr>
             <p:ph type="body" sz="quarter" idx="1"/>
           </p:nvPr>
@@ -2070,7 +2166,6 @@
             </a:lvl5pPr>
           </a:lstStyle>
           <a:p>
-            <a:pPr/>
             <a:r>
               <a:t>Body Level One</a:t>
             </a:r>
@@ -2104,7 +2199,9 @@
       <p:sp>
         <p:nvSpPr>
           <p:cNvPr id="91" name="Slide Number"/>
-          <p:cNvSpPr txBox="1"/>
+          <p:cNvSpPr txBox="1">
+            <a:spLocks noGrp="1"/>
+          </p:cNvSpPr>
           <p:nvPr>
             <p:ph type="sldNum" sz="quarter" idx="2"/>
           </p:nvPr>
@@ -2118,8 +2215,10 @@
           <a:bodyPr/>
           <a:lstStyle/>
           <a:p>
-            <a:pPr/>
-            <a:fld id="{86CB4B4D-7CA3-9044-876B-883B54F8677D}" type="slidenum"/>
+            <a:fld id="{86CB4B4D-7CA3-9044-876B-883B54F8677D}" type="slidenum">
+              <a:t>‹Nr.›</a:t>
+            </a:fld>
+            <a:endParaRPr/>
           </a:p>
         </p:txBody>
       </p:sp>
@@ -2128,18 +2227,19 @@
   <p:clrMapOvr>
     <a:masterClrMapping/>
   </p:clrMapOvr>
-  <p:transition xmlns:p14="http://schemas.microsoft.com/office/powerpoint/2010/main" spd="med" advClick="1"/>
+  <p:transition spd="med"/>
 </p:sldLayout>
 </file>
 
 <file path=ppt/slideMasters/slideMaster1.xml><?xml version="1.0" encoding="utf-8"?>
-<p:sldMaster xmlns:a="http://schemas.openxmlformats.org/drawingml/2006/main" xmlns:r="http://schemas.openxmlformats.org/officeDocument/2006/relationships" xmlns:p="http://schemas.openxmlformats.org/presentationml/2006/main" xmlns:m="http://schemas.openxmlformats.org/officeDocument/2006/math" xmlns:a14="http://schemas.microsoft.com/office/drawing/2010/main">
+<p:sldMaster xmlns:a="http://schemas.openxmlformats.org/drawingml/2006/main" xmlns:r="http://schemas.openxmlformats.org/officeDocument/2006/relationships" xmlns:p="http://schemas.openxmlformats.org/presentationml/2006/main">
   <p:cSld>
     <p:bg>
       <p:bgPr>
         <a:solidFill>
           <a:srgbClr val="FFFFFF"/>
         </a:solidFill>
+        <a:effectLst/>
       </p:bgPr>
     </p:bg>
     <p:spTree>
@@ -2159,7 +2259,9 @@
       <p:sp>
         <p:nvSpPr>
           <p:cNvPr id="2" name="Title Text"/>
-          <p:cNvSpPr txBox="1"/>
+          <p:cNvSpPr txBox="1">
+            <a:spLocks noGrp="1"/>
+          </p:cNvSpPr>
           <p:nvPr>
             <p:ph type="title"/>
           </p:nvPr>
@@ -2177,17 +2279,16 @@
           </a:ln>
           <a:extLst>
             <a:ext uri="{C572A759-6A51-4108-AA02-DFA0A04FC94B}">
-              <ma14:wrappingTextBoxFlag xmlns:ma14="http://schemas.microsoft.com/office/mac/drawingml/2011/main" val="1"/>
+              <ma14:wrappingTextBoxFlag xmlns:ma14="http://schemas.microsoft.com/office/mac/drawingml/2011/main" xmlns:a14="http://schemas.microsoft.com/office/drawing/2010/main" xmlns:m="http://schemas.openxmlformats.org/officeDocument/2006/math" xmlns="" val="1"/>
             </a:ext>
           </a:extLst>
         </p:spPr>
         <p:txBody>
           <a:bodyPr lIns="45719" rIns="45719" anchor="ctr">
-            <a:normAutofit fontScale="100000" lnSpcReduction="0"/>
+            <a:normAutofit/>
           </a:bodyPr>
           <a:lstStyle/>
           <a:p>
-            <a:pPr/>
             <a:r>
               <a:t>Title Text</a:t>
             </a:r>
@@ -2197,7 +2298,9 @@
       <p:sp>
         <p:nvSpPr>
           <p:cNvPr id="3" name="Body Level One…"/>
-          <p:cNvSpPr txBox="1"/>
+          <p:cNvSpPr txBox="1">
+            <a:spLocks noGrp="1"/>
+          </p:cNvSpPr>
           <p:nvPr>
             <p:ph type="body" idx="1"/>
           </p:nvPr>
@@ -2215,17 +2318,16 @@
           </a:ln>
           <a:extLst>
             <a:ext uri="{C572A759-6A51-4108-AA02-DFA0A04FC94B}">
-              <ma14:wrappingTextBoxFlag xmlns:ma14="http://schemas.microsoft.com/office/mac/drawingml/2011/main" val="1"/>
+              <ma14:wrappingTextBoxFlag xmlns:ma14="http://schemas.microsoft.com/office/mac/drawingml/2011/main" xmlns:a14="http://schemas.microsoft.com/office/drawing/2010/main" xmlns:m="http://schemas.openxmlformats.org/officeDocument/2006/math" xmlns="" val="1"/>
             </a:ext>
           </a:extLst>
         </p:spPr>
         <p:txBody>
           <a:bodyPr lIns="45719" rIns="45719">
-            <a:normAutofit fontScale="100000" lnSpcReduction="0"/>
+            <a:normAutofit/>
           </a:bodyPr>
           <a:lstStyle/>
           <a:p>
-            <a:pPr/>
             <a:r>
               <a:t>Body Level One</a:t>
             </a:r>
@@ -2259,7 +2361,9 @@
       <p:sp>
         <p:nvSpPr>
           <p:cNvPr id="4" name="Slide Number"/>
-          <p:cNvSpPr txBox="1"/>
+          <p:cNvSpPr txBox="1">
+            <a:spLocks noGrp="1"/>
+          </p:cNvSpPr>
           <p:nvPr>
             <p:ph type="sldNum" sz="quarter" idx="2"/>
           </p:nvPr>
@@ -2290,8 +2394,10 @@
             </a:lvl1pPr>
           </a:lstStyle>
           <a:p>
-            <a:pPr/>
-            <a:fld id="{86CB4B4D-7CA3-9044-876B-883B54F8677D}" type="slidenum"/>
+            <a:fld id="{86CB4B4D-7CA3-9044-876B-883B54F8677D}" type="slidenum">
+              <a:t>‹Nr.›</a:t>
+            </a:fld>
+            <a:endParaRPr/>
           </a:p>
         </p:txBody>
       </p:sp>
@@ -2304,9 +2410,7 @@
           <p:nvPr/>
         </p:nvPicPr>
         <p:blipFill>
-          <a:blip r:embed="rId2">
-            <a:extLst/>
-          </a:blip>
+          <a:blip r:embed="rId11"/>
           <a:stretch>
             <a:fillRect/>
           </a:stretch>
@@ -2333,9 +2437,7 @@
           <p:nvPr/>
         </p:nvPicPr>
         <p:blipFill>
-          <a:blip r:embed="rId3">
-            <a:extLst/>
-          </a:blip>
+          <a:blip r:embed="rId12"/>
           <a:stretch>
             <a:fillRect/>
           </a:stretch>
@@ -2357,17 +2459,17 @@
   </p:cSld>
   <p:clrMap bg1="lt1" tx1="dk1" bg2="lt2" tx2="dk2" accent1="accent1" accent2="accent2" accent3="accent3" accent4="accent4" accent5="accent5" accent6="accent6" hlink="hlink" folHlink="folHlink"/>
   <p:sldLayoutIdLst>
-    <p:sldLayoutId id="2147483649" r:id="rId4"/>
-    <p:sldLayoutId id="2147483650" r:id="rId5"/>
-    <p:sldLayoutId id="2147483651" r:id="rId6"/>
-    <p:sldLayoutId id="2147483652" r:id="rId7"/>
-    <p:sldLayoutId id="2147483653" r:id="rId8"/>
-    <p:sldLayoutId id="2147483654" r:id="rId9"/>
-    <p:sldLayoutId id="2147483655" r:id="rId10"/>
-    <p:sldLayoutId id="2147483656" r:id="rId11"/>
-    <p:sldLayoutId id="2147483657" r:id="rId12"/>
+    <p:sldLayoutId id="2147483649" r:id="rId1"/>
+    <p:sldLayoutId id="2147483650" r:id="rId2"/>
+    <p:sldLayoutId id="2147483651" r:id="rId3"/>
+    <p:sldLayoutId id="2147483652" r:id="rId4"/>
+    <p:sldLayoutId id="2147483653" r:id="rId5"/>
+    <p:sldLayoutId id="2147483654" r:id="rId6"/>
+    <p:sldLayoutId id="2147483655" r:id="rId7"/>
+    <p:sldLayoutId id="2147483656" r:id="rId8"/>
+    <p:sldLayoutId id="2147483657" r:id="rId9"/>
   </p:sldLayoutIdLst>
-  <p:transition xmlns:p14="http://schemas.microsoft.com/office/powerpoint/2010/main" spd="med" advClick="1"/>
+  <p:transition spd="med"/>
   <p:txStyles>
     <p:titleStyle>
       <a:lvl1pPr marL="0" marR="0" indent="0" algn="l" defTabSz="914400" rtl="0" latinLnBrk="0">
@@ -2385,7 +2487,7 @@
         <a:buFontTx/>
         <a:buNone/>
         <a:tabLst/>
-        <a:defRPr b="0" baseline="0" cap="none" i="0" spc="0" strike="noStrike" sz="4400" u="none">
+        <a:defRPr sz="4400" b="0" i="0" u="none" strike="noStrike" cap="none" spc="0" baseline="0">
           <a:solidFill>
             <a:srgbClr val="000000"/>
           </a:solidFill>
@@ -2411,7 +2513,7 @@
         <a:buFontTx/>
         <a:buNone/>
         <a:tabLst/>
-        <a:defRPr b="0" baseline="0" cap="none" i="0" spc="0" strike="noStrike" sz="4400" u="none">
+        <a:defRPr sz="4400" b="0" i="0" u="none" strike="noStrike" cap="none" spc="0" baseline="0">
           <a:solidFill>
             <a:srgbClr val="000000"/>
           </a:solidFill>
@@ -2437,7 +2539,7 @@
         <a:buFontTx/>
         <a:buNone/>
         <a:tabLst/>
-        <a:defRPr b="0" baseline="0" cap="none" i="0" spc="0" strike="noStrike" sz="4400" u="none">
+        <a:defRPr sz="4400" b="0" i="0" u="none" strike="noStrike" cap="none" spc="0" baseline="0">
           <a:solidFill>
             <a:srgbClr val="000000"/>
           </a:solidFill>
@@ -2463,7 +2565,7 @@
         <a:buFontTx/>
         <a:buNone/>
         <a:tabLst/>
-        <a:defRPr b="0" baseline="0" cap="none" i="0" spc="0" strike="noStrike" sz="4400" u="none">
+        <a:defRPr sz="4400" b="0" i="0" u="none" strike="noStrike" cap="none" spc="0" baseline="0">
           <a:solidFill>
             <a:srgbClr val="000000"/>
           </a:solidFill>
@@ -2489,7 +2591,7 @@
         <a:buFontTx/>
         <a:buNone/>
         <a:tabLst/>
-        <a:defRPr b="0" baseline="0" cap="none" i="0" spc="0" strike="noStrike" sz="4400" u="none">
+        <a:defRPr sz="4400" b="0" i="0" u="none" strike="noStrike" cap="none" spc="0" baseline="0">
           <a:solidFill>
             <a:srgbClr val="000000"/>
           </a:solidFill>
@@ -2515,7 +2617,7 @@
         <a:buFontTx/>
         <a:buNone/>
         <a:tabLst/>
-        <a:defRPr b="0" baseline="0" cap="none" i="0" spc="0" strike="noStrike" sz="4400" u="none">
+        <a:defRPr sz="4400" b="0" i="0" u="none" strike="noStrike" cap="none" spc="0" baseline="0">
           <a:solidFill>
             <a:srgbClr val="000000"/>
           </a:solidFill>
@@ -2541,7 +2643,7 @@
         <a:buFontTx/>
         <a:buNone/>
         <a:tabLst/>
-        <a:defRPr b="0" baseline="0" cap="none" i="0" spc="0" strike="noStrike" sz="4400" u="none">
+        <a:defRPr sz="4400" b="0" i="0" u="none" strike="noStrike" cap="none" spc="0" baseline="0">
           <a:solidFill>
             <a:srgbClr val="000000"/>
           </a:solidFill>
@@ -2567,7 +2669,7 @@
         <a:buFontTx/>
         <a:buNone/>
         <a:tabLst/>
-        <a:defRPr b="0" baseline="0" cap="none" i="0" spc="0" strike="noStrike" sz="4400" u="none">
+        <a:defRPr sz="4400" b="0" i="0" u="none" strike="noStrike" cap="none" spc="0" baseline="0">
           <a:solidFill>
             <a:srgbClr val="000000"/>
           </a:solidFill>
@@ -2593,7 +2695,7 @@
         <a:buFontTx/>
         <a:buNone/>
         <a:tabLst/>
-        <a:defRPr b="0" baseline="0" cap="none" i="0" spc="0" strike="noStrike" sz="4400" u="none">
+        <a:defRPr sz="4400" b="0" i="0" u="none" strike="noStrike" cap="none" spc="0" baseline="0">
           <a:solidFill>
             <a:srgbClr val="000000"/>
           </a:solidFill>
@@ -2621,7 +2723,7 @@
         <a:buFont typeface="Arial"/>
         <a:buChar char="•"/>
         <a:tabLst/>
-        <a:defRPr b="0" baseline="0" cap="none" i="0" spc="0" strike="noStrike" sz="2800" u="none">
+        <a:defRPr sz="2800" b="0" i="0" u="none" strike="noStrike" cap="none" spc="0" baseline="0">
           <a:solidFill>
             <a:srgbClr val="000000"/>
           </a:solidFill>
@@ -2647,7 +2749,7 @@
         <a:buFont typeface="Arial"/>
         <a:buChar char="•"/>
         <a:tabLst/>
-        <a:defRPr b="0" baseline="0" cap="none" i="0" spc="0" strike="noStrike" sz="2800" u="none">
+        <a:defRPr sz="2800" b="0" i="0" u="none" strike="noStrike" cap="none" spc="0" baseline="0">
           <a:solidFill>
             <a:srgbClr val="000000"/>
           </a:solidFill>
@@ -2673,7 +2775,7 @@
         <a:buFont typeface="Arial"/>
         <a:buChar char="•"/>
         <a:tabLst/>
-        <a:defRPr b="0" baseline="0" cap="none" i="0" spc="0" strike="noStrike" sz="2800" u="none">
+        <a:defRPr sz="2800" b="0" i="0" u="none" strike="noStrike" cap="none" spc="0" baseline="0">
           <a:solidFill>
             <a:srgbClr val="000000"/>
           </a:solidFill>
@@ -2699,7 +2801,7 @@
         <a:buFont typeface="Arial"/>
         <a:buChar char="•"/>
         <a:tabLst/>
-        <a:defRPr b="0" baseline="0" cap="none" i="0" spc="0" strike="noStrike" sz="2800" u="none">
+        <a:defRPr sz="2800" b="0" i="0" u="none" strike="noStrike" cap="none" spc="0" baseline="0">
           <a:solidFill>
             <a:srgbClr val="000000"/>
           </a:solidFill>
@@ -2725,7 +2827,7 @@
         <a:buFont typeface="Arial"/>
         <a:buChar char="•"/>
         <a:tabLst/>
-        <a:defRPr b="0" baseline="0" cap="none" i="0" spc="0" strike="noStrike" sz="2800" u="none">
+        <a:defRPr sz="2800" b="0" i="0" u="none" strike="noStrike" cap="none" spc="0" baseline="0">
           <a:solidFill>
             <a:srgbClr val="000000"/>
           </a:solidFill>
@@ -2751,7 +2853,7 @@
         <a:buFont typeface="Arial"/>
         <a:buChar char="•"/>
         <a:tabLst/>
-        <a:defRPr b="0" baseline="0" cap="none" i="0" spc="0" strike="noStrike" sz="2800" u="none">
+        <a:defRPr sz="2800" b="0" i="0" u="none" strike="noStrike" cap="none" spc="0" baseline="0">
           <a:solidFill>
             <a:srgbClr val="000000"/>
           </a:solidFill>
@@ -2777,7 +2879,7 @@
         <a:buFont typeface="Arial"/>
         <a:buChar char="•"/>
         <a:tabLst/>
-        <a:defRPr b="0" baseline="0" cap="none" i="0" spc="0" strike="noStrike" sz="2800" u="none">
+        <a:defRPr sz="2800" b="0" i="0" u="none" strike="noStrike" cap="none" spc="0" baseline="0">
           <a:solidFill>
             <a:srgbClr val="000000"/>
           </a:solidFill>
@@ -2803,7 +2905,7 @@
         <a:buFont typeface="Arial"/>
         <a:buChar char="•"/>
         <a:tabLst/>
-        <a:defRPr b="0" baseline="0" cap="none" i="0" spc="0" strike="noStrike" sz="2800" u="none">
+        <a:defRPr sz="2800" b="0" i="0" u="none" strike="noStrike" cap="none" spc="0" baseline="0">
           <a:solidFill>
             <a:srgbClr val="000000"/>
           </a:solidFill>
@@ -2829,7 +2931,7 @@
         <a:buFont typeface="Arial"/>
         <a:buChar char="•"/>
         <a:tabLst/>
-        <a:defRPr b="0" baseline="0" cap="none" i="0" spc="0" strike="noStrike" sz="2800" u="none">
+        <a:defRPr sz="2800" b="0" i="0" u="none" strike="noStrike" cap="none" spc="0" baseline="0">
           <a:solidFill>
             <a:srgbClr val="000000"/>
           </a:solidFill>
@@ -2857,7 +2959,7 @@
         <a:buFontTx/>
         <a:buNone/>
         <a:tabLst/>
-        <a:defRPr b="0" baseline="0" cap="none" i="0" spc="0" strike="noStrike" sz="1200" u="none">
+        <a:defRPr sz="1200" b="0" i="0" u="none" strike="noStrike" cap="none" spc="0" baseline="0">
           <a:solidFill>
             <a:schemeClr val="tx1"/>
           </a:solidFill>
@@ -2883,7 +2985,7 @@
         <a:buFontTx/>
         <a:buNone/>
         <a:tabLst/>
-        <a:defRPr b="0" baseline="0" cap="none" i="0" spc="0" strike="noStrike" sz="1200" u="none">
+        <a:defRPr sz="1200" b="0" i="0" u="none" strike="noStrike" cap="none" spc="0" baseline="0">
           <a:solidFill>
             <a:schemeClr val="tx1"/>
           </a:solidFill>
@@ -2909,7 +3011,7 @@
         <a:buFontTx/>
         <a:buNone/>
         <a:tabLst/>
-        <a:defRPr b="0" baseline="0" cap="none" i="0" spc="0" strike="noStrike" sz="1200" u="none">
+        <a:defRPr sz="1200" b="0" i="0" u="none" strike="noStrike" cap="none" spc="0" baseline="0">
           <a:solidFill>
             <a:schemeClr val="tx1"/>
           </a:solidFill>
@@ -2935,7 +3037,7 @@
         <a:buFontTx/>
         <a:buNone/>
         <a:tabLst/>
-        <a:defRPr b="0" baseline="0" cap="none" i="0" spc="0" strike="noStrike" sz="1200" u="none">
+        <a:defRPr sz="1200" b="0" i="0" u="none" strike="noStrike" cap="none" spc="0" baseline="0">
           <a:solidFill>
             <a:schemeClr val="tx1"/>
           </a:solidFill>
@@ -2961,7 +3063,7 @@
         <a:buFontTx/>
         <a:buNone/>
         <a:tabLst/>
-        <a:defRPr b="0" baseline="0" cap="none" i="0" spc="0" strike="noStrike" sz="1200" u="none">
+        <a:defRPr sz="1200" b="0" i="0" u="none" strike="noStrike" cap="none" spc="0" baseline="0">
           <a:solidFill>
             <a:schemeClr val="tx1"/>
           </a:solidFill>
@@ -2987,7 +3089,7 @@
         <a:buFontTx/>
         <a:buNone/>
         <a:tabLst/>
-        <a:defRPr b="0" baseline="0" cap="none" i="0" spc="0" strike="noStrike" sz="1200" u="none">
+        <a:defRPr sz="1200" b="0" i="0" u="none" strike="noStrike" cap="none" spc="0" baseline="0">
           <a:solidFill>
             <a:schemeClr val="tx1"/>
           </a:solidFill>
@@ -3013,7 +3115,7 @@
         <a:buFontTx/>
         <a:buNone/>
         <a:tabLst/>
-        <a:defRPr b="0" baseline="0" cap="none" i="0" spc="0" strike="noStrike" sz="1200" u="none">
+        <a:defRPr sz="1200" b="0" i="0" u="none" strike="noStrike" cap="none" spc="0" baseline="0">
           <a:solidFill>
             <a:schemeClr val="tx1"/>
           </a:solidFill>
@@ -3039,7 +3141,7 @@
         <a:buFontTx/>
         <a:buNone/>
         <a:tabLst/>
-        <a:defRPr b="0" baseline="0" cap="none" i="0" spc="0" strike="noStrike" sz="1200" u="none">
+        <a:defRPr sz="1200" b="0" i="0" u="none" strike="noStrike" cap="none" spc="0" baseline="0">
           <a:solidFill>
             <a:schemeClr val="tx1"/>
           </a:solidFill>
@@ -3065,7 +3167,7 @@
         <a:buFontTx/>
         <a:buNone/>
         <a:tabLst/>
-        <a:defRPr b="0" baseline="0" cap="none" i="0" spc="0" strike="noStrike" sz="1200" u="none">
+        <a:defRPr sz="1200" b="0" i="0" u="none" strike="noStrike" cap="none" spc="0" baseline="0">
           <a:solidFill>
             <a:schemeClr val="tx1"/>
           </a:solidFill>
@@ -3082,7 +3184,7 @@
 </file>
 
 <file path=ppt/slides/slide1.xml><?xml version="1.0" encoding="utf-8"?>
-<p:sld xmlns:a="http://schemas.openxmlformats.org/drawingml/2006/main" xmlns:r="http://schemas.openxmlformats.org/officeDocument/2006/relationships" xmlns:p="http://schemas.openxmlformats.org/presentationml/2006/main" xmlns:m="http://schemas.openxmlformats.org/officeDocument/2006/math" xmlns:a14="http://schemas.microsoft.com/office/drawing/2010/main" showMasterSp="1" showMasterPhAnim="1">
+<p:sld xmlns:a="http://schemas.openxmlformats.org/drawingml/2006/main" xmlns:r="http://schemas.openxmlformats.org/officeDocument/2006/relationships" xmlns:p="http://schemas.openxmlformats.org/presentationml/2006/main">
   <p:cSld>
     <p:spTree>
       <p:nvGrpSpPr>
@@ -3101,7 +3203,9 @@
       <p:sp>
         <p:nvSpPr>
           <p:cNvPr id="100" name="Titel 1"/>
-          <p:cNvSpPr txBox="1"/>
+          <p:cNvSpPr txBox="1">
+            <a:spLocks noGrp="1"/>
+          </p:cNvSpPr>
           <p:nvPr>
             <p:ph type="ctrTitle"/>
           </p:nvPr>
@@ -3119,7 +3223,6 @@
             </a:lvl1pPr>
           </a:lstStyle>
           <a:p>
-            <a:pPr/>
             <a:r>
               <a:t>BLOSUM scores compared to single SNAP scores</a:t>
             </a:r>
@@ -3129,7 +3232,9 @@
       <p:sp>
         <p:nvSpPr>
           <p:cNvPr id="101" name="Untertitel 2"/>
-          <p:cNvSpPr txBox="1"/>
+          <p:cNvSpPr txBox="1">
+            <a:spLocks noGrp="1"/>
+          </p:cNvSpPr>
           <p:nvPr>
             <p:ph type="subTitle" sz="quarter" idx="1"/>
           </p:nvPr>
@@ -3147,12 +3252,8 @@
           <a:bodyPr/>
           <a:lstStyle/>
           <a:p>
-            <a:pPr/>
-            <a:r>
-              <a:t>Thomas Eska, Paul Hager, Thomas </a:t>
-            </a:r>
-            <a:r>
-              <a:t>Heinzinger</a:t>
+            <a:r>
+              <a:t>Thomas Eska, Paul Hager, Thomas Heinzinger</a:t>
             </a:r>
           </a:p>
         </p:txBody>
@@ -3160,7 +3261,9 @@
       <p:sp>
         <p:nvSpPr>
           <p:cNvPr id="102" name="Foliennummernplatzhalter 3"/>
-          <p:cNvSpPr txBox="1"/>
+          <p:cNvSpPr txBox="1">
+            <a:spLocks noGrp="1"/>
+          </p:cNvSpPr>
           <p:nvPr>
             <p:ph type="sldNum" sz="quarter" idx="2"/>
           </p:nvPr>
@@ -3175,7 +3278,7 @@
           </a:prstGeom>
           <a:extLst>
             <a:ext uri="{C572A759-6A51-4108-AA02-DFA0A04FC94B}">
-              <ma14:wrappingTextBoxFlag xmlns:ma14="http://schemas.microsoft.com/office/mac/drawingml/2011/main" val="1"/>
+              <ma14:wrappingTextBoxFlag xmlns:ma14="http://schemas.microsoft.com/office/mac/drawingml/2011/main" xmlns:a14="http://schemas.microsoft.com/office/drawing/2010/main" xmlns:m="http://schemas.openxmlformats.org/officeDocument/2006/math" xmlns="" val="1"/>
             </a:ext>
           </a:extLst>
         </p:spPr>
@@ -3183,8 +3286,10 @@
           <a:bodyPr/>
           <a:lstStyle/>
           <a:p>
-            <a:pPr/>
-            <a:fld id="{86CB4B4D-7CA3-9044-876B-883B54F8677D}" type="slidenum"/>
+            <a:fld id="{86CB4B4D-7CA3-9044-876B-883B54F8677D}" type="slidenum">
+              <a:t>1</a:t>
+            </a:fld>
+            <a:endParaRPr/>
           </a:p>
         </p:txBody>
       </p:sp>
@@ -3193,12 +3298,12 @@
   <p:clrMapOvr>
     <a:masterClrMapping/>
   </p:clrMapOvr>
-  <p:transition xmlns:p14="http://schemas.microsoft.com/office/powerpoint/2010/main" spd="med" advClick="1"/>
+  <p:transition spd="med"/>
 </p:sld>
 </file>
 
 <file path=ppt/slides/slide10.xml><?xml version="1.0" encoding="utf-8"?>
-<p:sld xmlns:a="http://schemas.openxmlformats.org/drawingml/2006/main" xmlns:r="http://schemas.openxmlformats.org/officeDocument/2006/relationships" xmlns:p="http://schemas.openxmlformats.org/presentationml/2006/main" xmlns:m="http://schemas.openxmlformats.org/officeDocument/2006/math" xmlns:a14="http://schemas.microsoft.com/office/drawing/2010/main" showMasterSp="1" showMasterPhAnim="1">
+<p:sld xmlns:a="http://schemas.openxmlformats.org/drawingml/2006/main" xmlns:r="http://schemas.openxmlformats.org/officeDocument/2006/relationships" xmlns:p="http://schemas.openxmlformats.org/presentationml/2006/main">
   <p:cSld>
     <p:spTree>
       <p:nvGrpSpPr>
@@ -3217,7 +3322,9 @@
       <p:sp>
         <p:nvSpPr>
           <p:cNvPr id="147" name="Titel 1"/>
-          <p:cNvSpPr txBox="1"/>
+          <p:cNvSpPr txBox="1">
+            <a:spLocks noGrp="1"/>
+          </p:cNvSpPr>
           <p:nvPr>
             <p:ph type="title"/>
           </p:nvPr>
@@ -3237,7 +3344,6 @@
             <a:lvl1pPr algn="ctr"/>
           </a:lstStyle>
           <a:p>
-            <a:pPr/>
             <a:r>
               <a:t>Feature: Raw Scores</a:t>
             </a:r>
@@ -3247,7 +3353,9 @@
       <p:sp>
         <p:nvSpPr>
           <p:cNvPr id="148" name="Inhaltsplatzhalter 2"/>
-          <p:cNvSpPr txBox="1"/>
+          <p:cNvSpPr txBox="1">
+            <a:spLocks noGrp="1"/>
+          </p:cNvSpPr>
           <p:nvPr>
             <p:ph type="body" idx="1"/>
           </p:nvPr>
@@ -3265,16 +3373,15 @@
           <a:bodyPr/>
           <a:lstStyle/>
           <a:p>
-            <a:pPr/>
             <a:r>
               <a:t>Solution: input raw scores</a:t>
             </a:r>
           </a:p>
           <a:p>
-            <a:pPr/>
-          </a:p>
-          <a:p>
-            <a:pPr/>
+            <a:endParaRPr/>
+          </a:p>
+          <a:p>
+            <a:endParaRPr/>
           </a:p>
           <a:p>
             <a:pPr marL="0" indent="0">
@@ -3290,7 +3397,9 @@
       <p:sp>
         <p:nvSpPr>
           <p:cNvPr id="149" name="Foliennummernplatzhalter 3"/>
-          <p:cNvSpPr txBox="1"/>
+          <p:cNvSpPr txBox="1">
+            <a:spLocks noGrp="1"/>
+          </p:cNvSpPr>
           <p:nvPr>
             <p:ph type="sldNum" sz="quarter" idx="2"/>
           </p:nvPr>
@@ -3305,7 +3414,7 @@
           </a:prstGeom>
           <a:extLst>
             <a:ext uri="{C572A759-6A51-4108-AA02-DFA0A04FC94B}">
-              <ma14:wrappingTextBoxFlag xmlns:ma14="http://schemas.microsoft.com/office/mac/drawingml/2011/main" val="1"/>
+              <ma14:wrappingTextBoxFlag xmlns:ma14="http://schemas.microsoft.com/office/mac/drawingml/2011/main" xmlns:a14="http://schemas.microsoft.com/office/drawing/2010/main" xmlns:m="http://schemas.openxmlformats.org/officeDocument/2006/math" xmlns="" val="1"/>
             </a:ext>
           </a:extLst>
         </p:spPr>
@@ -3313,8 +3422,10 @@
           <a:bodyPr/>
           <a:lstStyle/>
           <a:p>
-            <a:pPr/>
-            <a:fld id="{86CB4B4D-7CA3-9044-876B-883B54F8677D}" type="slidenum"/>
+            <a:fld id="{86CB4B4D-7CA3-9044-876B-883B54F8677D}" type="slidenum">
+              <a:t>10</a:t>
+            </a:fld>
+            <a:endParaRPr/>
           </a:p>
         </p:txBody>
       </p:sp>
@@ -3323,12 +3434,12 @@
   <p:clrMapOvr>
     <a:masterClrMapping/>
   </p:clrMapOvr>
-  <p:transition xmlns:p14="http://schemas.microsoft.com/office/powerpoint/2010/main" spd="med" advClick="1"/>
+  <p:transition spd="med"/>
 </p:sld>
 </file>
 
 <file path=ppt/slides/slide11.xml><?xml version="1.0" encoding="utf-8"?>
-<p:sld xmlns:a="http://schemas.openxmlformats.org/drawingml/2006/main" xmlns:r="http://schemas.openxmlformats.org/officeDocument/2006/relationships" xmlns:p="http://schemas.openxmlformats.org/presentationml/2006/main" xmlns:m="http://schemas.openxmlformats.org/officeDocument/2006/math" xmlns:a14="http://schemas.microsoft.com/office/drawing/2010/main" showMasterSp="1" showMasterPhAnim="1">
+<p:sld xmlns:a="http://schemas.openxmlformats.org/drawingml/2006/main" xmlns:r="http://schemas.openxmlformats.org/officeDocument/2006/relationships" xmlns:p="http://schemas.openxmlformats.org/presentationml/2006/main">
   <p:cSld>
     <p:spTree>
       <p:nvGrpSpPr>
@@ -3347,7 +3458,9 @@
       <p:sp>
         <p:nvSpPr>
           <p:cNvPr id="151" name="Titel 1"/>
-          <p:cNvSpPr txBox="1"/>
+          <p:cNvSpPr txBox="1">
+            <a:spLocks noGrp="1"/>
+          </p:cNvSpPr>
           <p:nvPr>
             <p:ph type="title"/>
           </p:nvPr>
@@ -3367,10 +3480,7 @@
           <a:p>
             <a:pPr algn="ctr"/>
             <a:r>
-              <a:t>Feature</a:t>
-            </a:r>
-            <a:r>
-              <a:t>: Scaled Values</a:t>
+              <a:t>Feature: Scaled Values</a:t>
             </a:r>
           </a:p>
         </p:txBody>
@@ -3378,7 +3488,9 @@
       <p:sp>
         <p:nvSpPr>
           <p:cNvPr id="152" name="Inhaltsplatzhalter 2"/>
-          <p:cNvSpPr txBox="1"/>
+          <p:cNvSpPr txBox="1">
+            <a:spLocks noGrp="1"/>
+          </p:cNvSpPr>
           <p:nvPr>
             <p:ph type="body" idx="1"/>
           </p:nvPr>
@@ -3396,7 +3508,6 @@
           <a:bodyPr/>
           <a:lstStyle/>
           <a:p>
-            <a:pPr/>
             <a:r>
               <a:t>BLOSUM scores are very small compared to SNAP scores</a:t>
             </a:r>
@@ -3406,12 +3517,14 @@
               <a:buSzTx/>
               <a:buNone/>
             </a:pPr>
+            <a:endParaRPr/>
           </a:p>
           <a:p>
             <a:pPr marL="0" indent="0">
               <a:buSzTx/>
               <a:buNone/>
             </a:pPr>
+            <a:endParaRPr/>
           </a:p>
           <a:p>
             <a:pPr marL="0" indent="0">
@@ -3427,7 +3540,9 @@
       <p:sp>
         <p:nvSpPr>
           <p:cNvPr id="153" name="Foliennummernplatzhalter 3"/>
-          <p:cNvSpPr txBox="1"/>
+          <p:cNvSpPr txBox="1">
+            <a:spLocks noGrp="1"/>
+          </p:cNvSpPr>
           <p:nvPr>
             <p:ph type="sldNum" sz="quarter" idx="2"/>
           </p:nvPr>
@@ -3442,7 +3557,7 @@
           </a:prstGeom>
           <a:extLst>
             <a:ext uri="{C572A759-6A51-4108-AA02-DFA0A04FC94B}">
-              <ma14:wrappingTextBoxFlag xmlns:ma14="http://schemas.microsoft.com/office/mac/drawingml/2011/main" val="1"/>
+              <ma14:wrappingTextBoxFlag xmlns:ma14="http://schemas.microsoft.com/office/mac/drawingml/2011/main" xmlns:a14="http://schemas.microsoft.com/office/drawing/2010/main" xmlns:m="http://schemas.openxmlformats.org/officeDocument/2006/math" xmlns="" val="1"/>
             </a:ext>
           </a:extLst>
         </p:spPr>
@@ -3450,8 +3565,10 @@
           <a:bodyPr/>
           <a:lstStyle/>
           <a:p>
-            <a:pPr/>
-            <a:fld id="{86CB4B4D-7CA3-9044-876B-883B54F8677D}" type="slidenum"/>
+            <a:fld id="{86CB4B4D-7CA3-9044-876B-883B54F8677D}" type="slidenum">
+              <a:t>11</a:t>
+            </a:fld>
+            <a:endParaRPr/>
           </a:p>
         </p:txBody>
       </p:sp>
@@ -3460,12 +3577,12 @@
   <p:clrMapOvr>
     <a:masterClrMapping/>
   </p:clrMapOvr>
-  <p:transition xmlns:p14="http://schemas.microsoft.com/office/powerpoint/2010/main" spd="med" advClick="1"/>
+  <p:transition spd="med"/>
 </p:sld>
 </file>
 
 <file path=ppt/slides/slide12.xml><?xml version="1.0" encoding="utf-8"?>
-<p:sld xmlns:a="http://schemas.openxmlformats.org/drawingml/2006/main" xmlns:r="http://schemas.openxmlformats.org/officeDocument/2006/relationships" xmlns:p="http://schemas.openxmlformats.org/presentationml/2006/main" xmlns:m="http://schemas.openxmlformats.org/officeDocument/2006/math" xmlns:a14="http://schemas.microsoft.com/office/drawing/2010/main" showMasterSp="1" showMasterPhAnim="1">
+<p:sld xmlns:a="http://schemas.openxmlformats.org/drawingml/2006/main" xmlns:r="http://schemas.openxmlformats.org/officeDocument/2006/relationships" xmlns:p="http://schemas.openxmlformats.org/presentationml/2006/main">
   <p:cSld>
     <p:spTree>
       <p:nvGrpSpPr>
@@ -3484,7 +3601,9 @@
       <p:sp>
         <p:nvSpPr>
           <p:cNvPr id="155" name="Titel 5"/>
-          <p:cNvSpPr txBox="1"/>
+          <p:cNvSpPr txBox="1">
+            <a:spLocks noGrp="1"/>
+          </p:cNvSpPr>
           <p:nvPr>
             <p:ph type="title"/>
           </p:nvPr>
@@ -3504,7 +3623,6 @@
             <a:lvl1pPr algn="ctr"/>
           </a:lstStyle>
           <a:p>
-            <a:pPr/>
             <a:r>
               <a:t>Algorithm</a:t>
             </a:r>
@@ -3514,7 +3632,9 @@
       <p:sp>
         <p:nvSpPr>
           <p:cNvPr id="156" name="Inhaltsplatzhalter 6"/>
-          <p:cNvSpPr txBox="1"/>
+          <p:cNvSpPr txBox="1">
+            <a:spLocks noGrp="1"/>
+          </p:cNvSpPr>
           <p:nvPr>
             <p:ph type="body" idx="1"/>
           </p:nvPr>
@@ -3532,7 +3652,6 @@
           <a:bodyPr/>
           <a:lstStyle/>
           <a:p>
-            <a:pPr/>
             <a:r>
               <a:t>Single layer ANN</a:t>
             </a:r>
@@ -3542,33 +3661,30 @@
               <a:buSzTx/>
               <a:buNone/>
             </a:pPr>
-          </a:p>
-          <a:p>
-            <a:pPr/>
+            <a:endParaRPr/>
+          </a:p>
+          <a:p>
             <a:r>
               <a:t>40 input units, 1 output unit</a:t>
             </a:r>
           </a:p>
           <a:p>
-            <a:pPr/>
             <a:r>
               <a:t>20 hidden units</a:t>
             </a:r>
           </a:p>
           <a:p>
-            <a:pPr/>
-          </a:p>
-          <a:p>
-            <a:pPr/>
+            <a:endParaRPr/>
+          </a:p>
+          <a:p>
             <a:r>
               <a:t>Weighted loss</a:t>
             </a:r>
           </a:p>
           <a:p>
-            <a:pPr/>
-          </a:p>
-          <a:p>
-            <a:pPr/>
+            <a:endParaRPr/>
+          </a:p>
+          <a:p>
             <a:r>
               <a:t>Binary Cross Entropy Loss </a:t>
             </a:r>
@@ -3590,7 +3706,9 @@
       <p:sp>
         <p:nvSpPr>
           <p:cNvPr id="157" name="Foliennummernplatzhalter 4"/>
-          <p:cNvSpPr txBox="1"/>
+          <p:cNvSpPr txBox="1">
+            <a:spLocks noGrp="1"/>
+          </p:cNvSpPr>
           <p:nvPr>
             <p:ph type="sldNum" sz="quarter" idx="2"/>
           </p:nvPr>
@@ -3605,7 +3723,7 @@
           </a:prstGeom>
           <a:extLst>
             <a:ext uri="{C572A759-6A51-4108-AA02-DFA0A04FC94B}">
-              <ma14:wrappingTextBoxFlag xmlns:ma14="http://schemas.microsoft.com/office/mac/drawingml/2011/main" val="1"/>
+              <ma14:wrappingTextBoxFlag xmlns:ma14="http://schemas.microsoft.com/office/mac/drawingml/2011/main" xmlns:a14="http://schemas.microsoft.com/office/drawing/2010/main" xmlns:m="http://schemas.openxmlformats.org/officeDocument/2006/math" xmlns="" val="1"/>
             </a:ext>
           </a:extLst>
         </p:spPr>
@@ -3613,8 +3731,10 @@
           <a:bodyPr/>
           <a:lstStyle/>
           <a:p>
-            <a:pPr/>
-            <a:fld id="{86CB4B4D-7CA3-9044-876B-883B54F8677D}" type="slidenum"/>
+            <a:fld id="{86CB4B4D-7CA3-9044-876B-883B54F8677D}" type="slidenum">
+              <a:t>12</a:t>
+            </a:fld>
+            <a:endParaRPr/>
           </a:p>
         </p:txBody>
       </p:sp>
@@ -3643,7 +3763,7 @@
           <a:bodyPr lIns="45719" rIns="45719" anchor="ctr"/>
           <a:lstStyle/>
           <a:p>
-            <a:pPr/>
+            <a:endParaRPr/>
           </a:p>
         </p:txBody>
       </p:sp>
@@ -3656,9 +3776,7 @@
           <p:nvPr/>
         </p:nvPicPr>
         <p:blipFill>
-          <a:blip r:embed="rId2">
-            <a:extLst/>
-          </a:blip>
+          <a:blip r:embed="rId2"/>
           <a:stretch>
             <a:fillRect/>
           </a:stretch>
@@ -3681,12 +3799,12 @@
   <p:clrMapOvr>
     <a:masterClrMapping/>
   </p:clrMapOvr>
-  <p:transition xmlns:p14="http://schemas.microsoft.com/office/powerpoint/2010/main" spd="med" advClick="1"/>
+  <p:transition spd="med"/>
 </p:sld>
 </file>
 
 <file path=ppt/slides/slide13.xml><?xml version="1.0" encoding="utf-8"?>
-<p:sld xmlns:a="http://schemas.openxmlformats.org/drawingml/2006/main" xmlns:r="http://schemas.openxmlformats.org/officeDocument/2006/relationships" xmlns:p="http://schemas.openxmlformats.org/presentationml/2006/main" xmlns:m="http://schemas.openxmlformats.org/officeDocument/2006/math" xmlns:a14="http://schemas.microsoft.com/office/drawing/2010/main" showMasterSp="1" showMasterPhAnim="1">
+<p:sld xmlns:a="http://schemas.openxmlformats.org/drawingml/2006/main" xmlns:r="http://schemas.openxmlformats.org/officeDocument/2006/relationships" xmlns:p="http://schemas.openxmlformats.org/presentationml/2006/main">
   <p:cSld>
     <p:spTree>
       <p:nvGrpSpPr>
@@ -3705,7 +3823,9 @@
       <p:sp>
         <p:nvSpPr>
           <p:cNvPr id="161" name="Titel 1"/>
-          <p:cNvSpPr txBox="1"/>
+          <p:cNvSpPr txBox="1">
+            <a:spLocks noGrp="1"/>
+          </p:cNvSpPr>
           <p:nvPr>
             <p:ph type="title"/>
           </p:nvPr>
@@ -3725,7 +3845,6 @@
             <a:lvl1pPr algn="ctr"/>
           </a:lstStyle>
           <a:p>
-            <a:pPr/>
             <a:r>
               <a:t>Hyperparameter</a:t>
             </a:r>
@@ -3735,7 +3854,9 @@
       <p:sp>
         <p:nvSpPr>
           <p:cNvPr id="162" name="Inhaltsplatzhalter 2"/>
-          <p:cNvSpPr txBox="1"/>
+          <p:cNvSpPr txBox="1">
+            <a:spLocks noGrp="1"/>
+          </p:cNvSpPr>
           <p:nvPr>
             <p:ph type="body" idx="1"/>
           </p:nvPr>
@@ -3776,6 +3897,7 @@
               </a:spcBef>
               <a:defRPr sz="2375"/>
             </a:pPr>
+            <a:endParaRPr/>
           </a:p>
           <a:p>
             <a:pPr marL="217170" indent="-217170" defTabSz="868680">
@@ -3792,7 +3914,7 @@
             </a:r>
           </a:p>
           <a:p>
-            <a:pPr lvl="1" marL="651509" indent="-217170" defTabSz="868680">
+            <a:pPr marL="651509" lvl="1" indent="-217170" defTabSz="868680">
               <a:lnSpc>
                 <a:spcPct val="72000"/>
               </a:lnSpc>
@@ -3806,7 +3928,7 @@
             </a:r>
           </a:p>
           <a:p>
-            <a:pPr lvl="1" marL="651509" indent="-217170" defTabSz="868680">
+            <a:pPr marL="651509" lvl="1" indent="-217170" defTabSz="868680">
               <a:lnSpc>
                 <a:spcPct val="72000"/>
               </a:lnSpc>
@@ -3829,6 +3951,7 @@
               </a:spcBef>
               <a:defRPr sz="2375"/>
             </a:pPr>
+            <a:endParaRPr/>
           </a:p>
           <a:p>
             <a:pPr marL="217170" indent="-217170" defTabSz="868680">
@@ -3854,6 +3977,7 @@
               </a:spcBef>
               <a:defRPr sz="2375"/>
             </a:pPr>
+            <a:endParaRPr/>
           </a:p>
           <a:p>
             <a:pPr marL="217170" indent="-217170" defTabSz="868680">
@@ -3879,6 +4003,7 @@
               </a:spcBef>
               <a:defRPr sz="2375"/>
             </a:pPr>
+            <a:endParaRPr/>
           </a:p>
           <a:p>
             <a:pPr marL="217170" indent="-217170" defTabSz="868680">
@@ -3904,6 +4029,7 @@
               </a:spcBef>
               <a:defRPr sz="2375"/>
             </a:pPr>
+            <a:endParaRPr/>
           </a:p>
           <a:p>
             <a:pPr marL="217170" indent="-217170" defTabSz="868680">
@@ -3924,7 +4050,9 @@
       <p:sp>
         <p:nvSpPr>
           <p:cNvPr id="163" name="Foliennummernplatzhalter 3"/>
-          <p:cNvSpPr txBox="1"/>
+          <p:cNvSpPr txBox="1">
+            <a:spLocks noGrp="1"/>
+          </p:cNvSpPr>
           <p:nvPr>
             <p:ph type="sldNum" sz="quarter" idx="2"/>
           </p:nvPr>
@@ -3939,7 +4067,7 @@
           </a:prstGeom>
           <a:extLst>
             <a:ext uri="{C572A759-6A51-4108-AA02-DFA0A04FC94B}">
-              <ma14:wrappingTextBoxFlag xmlns:ma14="http://schemas.microsoft.com/office/mac/drawingml/2011/main" val="1"/>
+              <ma14:wrappingTextBoxFlag xmlns:ma14="http://schemas.microsoft.com/office/mac/drawingml/2011/main" xmlns:a14="http://schemas.microsoft.com/office/drawing/2010/main" xmlns:m="http://schemas.openxmlformats.org/officeDocument/2006/math" xmlns="" val="1"/>
             </a:ext>
           </a:extLst>
         </p:spPr>
@@ -3947,8 +4075,10 @@
           <a:bodyPr/>
           <a:lstStyle/>
           <a:p>
-            <a:pPr/>
-            <a:fld id="{86CB4B4D-7CA3-9044-876B-883B54F8677D}" type="slidenum"/>
+            <a:fld id="{86CB4B4D-7CA3-9044-876B-883B54F8677D}" type="slidenum">
+              <a:t>13</a:t>
+            </a:fld>
+            <a:endParaRPr/>
           </a:p>
         </p:txBody>
       </p:sp>
@@ -3961,9 +4091,7 @@
           <p:nvPr/>
         </p:nvPicPr>
         <p:blipFill>
-          <a:blip r:embed="rId2">
-            <a:extLst/>
-          </a:blip>
+          <a:blip r:embed="rId2"/>
           <a:stretch>
             <a:fillRect/>
           </a:stretch>
@@ -3986,12 +4114,12 @@
   <p:clrMapOvr>
     <a:masterClrMapping/>
   </p:clrMapOvr>
-  <p:transition xmlns:p14="http://schemas.microsoft.com/office/powerpoint/2010/main" spd="med" advClick="1"/>
+  <p:transition spd="med"/>
 </p:sld>
 </file>
 
 <file path=ppt/slides/slide14.xml><?xml version="1.0" encoding="utf-8"?>
-<p:sld xmlns:a="http://schemas.openxmlformats.org/drawingml/2006/main" xmlns:r="http://schemas.openxmlformats.org/officeDocument/2006/relationships" xmlns:p="http://schemas.openxmlformats.org/presentationml/2006/main" xmlns:m="http://schemas.openxmlformats.org/officeDocument/2006/math" xmlns:a14="http://schemas.microsoft.com/office/drawing/2010/main" showMasterSp="1" showMasterPhAnim="1">
+<p:sld xmlns:a="http://schemas.openxmlformats.org/drawingml/2006/main" xmlns:r="http://schemas.openxmlformats.org/officeDocument/2006/relationships" xmlns:p="http://schemas.openxmlformats.org/presentationml/2006/main">
   <p:cSld>
     <p:spTree>
       <p:nvGrpSpPr>
@@ -4010,7 +4138,9 @@
       <p:sp>
         <p:nvSpPr>
           <p:cNvPr id="166" name="Titel 1"/>
-          <p:cNvSpPr txBox="1"/>
+          <p:cNvSpPr txBox="1">
+            <a:spLocks noGrp="1"/>
+          </p:cNvSpPr>
           <p:nvPr>
             <p:ph type="title"/>
           </p:nvPr>
@@ -4030,7 +4160,6 @@
             <a:lvl1pPr algn="ctr"/>
           </a:lstStyle>
           <a:p>
-            <a:pPr/>
             <a:r>
               <a:t>Hyperparameter</a:t>
             </a:r>
@@ -4046,9 +4175,7 @@
           <p:nvPr/>
         </p:nvPicPr>
         <p:blipFill>
-          <a:blip r:embed="rId2">
-            <a:extLst/>
-          </a:blip>
+          <a:blip r:embed="rId2"/>
           <a:stretch>
             <a:fillRect/>
           </a:stretch>
@@ -4069,7 +4196,9 @@
       <p:sp>
         <p:nvSpPr>
           <p:cNvPr id="168" name="Foliennummernplatzhalter 3"/>
-          <p:cNvSpPr txBox="1"/>
+          <p:cNvSpPr txBox="1">
+            <a:spLocks noGrp="1"/>
+          </p:cNvSpPr>
           <p:nvPr>
             <p:ph type="sldNum" sz="quarter" idx="2"/>
           </p:nvPr>
@@ -4084,7 +4213,7 @@
           </a:prstGeom>
           <a:extLst>
             <a:ext uri="{C572A759-6A51-4108-AA02-DFA0A04FC94B}">
-              <ma14:wrappingTextBoxFlag xmlns:ma14="http://schemas.microsoft.com/office/mac/drawingml/2011/main" val="1"/>
+              <ma14:wrappingTextBoxFlag xmlns:ma14="http://schemas.microsoft.com/office/mac/drawingml/2011/main" xmlns:a14="http://schemas.microsoft.com/office/drawing/2010/main" xmlns:m="http://schemas.openxmlformats.org/officeDocument/2006/math" xmlns="" val="1"/>
             </a:ext>
           </a:extLst>
         </p:spPr>
@@ -4092,8 +4221,10 @@
           <a:bodyPr/>
           <a:lstStyle/>
           <a:p>
-            <a:pPr/>
-            <a:fld id="{86CB4B4D-7CA3-9044-876B-883B54F8677D}" type="slidenum"/>
+            <a:fld id="{86CB4B4D-7CA3-9044-876B-883B54F8677D}" type="slidenum">
+              <a:t>14</a:t>
+            </a:fld>
+            <a:endParaRPr/>
           </a:p>
         </p:txBody>
       </p:sp>
@@ -4102,12 +4233,12 @@
   <p:clrMapOvr>
     <a:masterClrMapping/>
   </p:clrMapOvr>
-  <p:transition xmlns:p14="http://schemas.microsoft.com/office/powerpoint/2010/main" spd="med" advClick="1"/>
+  <p:transition spd="med"/>
 </p:sld>
 </file>
 
 <file path=ppt/slides/slide15.xml><?xml version="1.0" encoding="utf-8"?>
-<p:sld xmlns:a="http://schemas.openxmlformats.org/drawingml/2006/main" xmlns:r="http://schemas.openxmlformats.org/officeDocument/2006/relationships" xmlns:p="http://schemas.openxmlformats.org/presentationml/2006/main" xmlns:m="http://schemas.openxmlformats.org/officeDocument/2006/math" xmlns:a14="http://schemas.microsoft.com/office/drawing/2010/main" showMasterSp="1" showMasterPhAnim="1">
+<p:sld xmlns:a="http://schemas.openxmlformats.org/drawingml/2006/main" xmlns:r="http://schemas.openxmlformats.org/officeDocument/2006/relationships" xmlns:p="http://schemas.openxmlformats.org/presentationml/2006/main">
   <p:cSld>
     <p:spTree>
       <p:nvGrpSpPr>
@@ -4126,7 +4257,9 @@
       <p:sp>
         <p:nvSpPr>
           <p:cNvPr id="170" name="Testing Different BLOSUM Matrices"/>
-          <p:cNvSpPr txBox="1"/>
+          <p:cNvSpPr txBox="1">
+            <a:spLocks noGrp="1"/>
+          </p:cNvSpPr>
           <p:nvPr>
             <p:ph type="title"/>
           </p:nvPr>
@@ -4142,7 +4275,6 @@
             <a:lvl1pPr algn="ctr"/>
           </a:lstStyle>
           <a:p>
-            <a:pPr/>
             <a:r>
               <a:t>Testing Different BLOSUM Matrices</a:t>
             </a:r>
@@ -4152,7 +4284,9 @@
       <p:sp>
         <p:nvSpPr>
           <p:cNvPr id="171" name="No BLOSUM"/>
-          <p:cNvSpPr txBox="1"/>
+          <p:cNvSpPr txBox="1">
+            <a:spLocks noGrp="1"/>
+          </p:cNvSpPr>
           <p:nvPr>
             <p:ph type="body" sz="quarter" idx="1"/>
           </p:nvPr>
@@ -4170,7 +4304,6 @@
           <a:bodyPr/>
           <a:lstStyle/>
           <a:p>
-            <a:pPr/>
             <a:r>
               <a:t>No BLOSUM</a:t>
             </a:r>
@@ -4180,7 +4313,9 @@
       <p:sp>
         <p:nvSpPr>
           <p:cNvPr id="172" name="Slide Number"/>
-          <p:cNvSpPr txBox="1"/>
+          <p:cNvSpPr txBox="1">
+            <a:spLocks noGrp="1"/>
+          </p:cNvSpPr>
           <p:nvPr>
             <p:ph type="sldNum" sz="quarter" idx="2"/>
           </p:nvPr>
@@ -4191,7 +4326,7 @@
           </a:prstGeom>
           <a:extLst>
             <a:ext uri="{C572A759-6A51-4108-AA02-DFA0A04FC94B}">
-              <ma14:wrappingTextBoxFlag xmlns:ma14="http://schemas.microsoft.com/office/mac/drawingml/2011/main" val="1"/>
+              <ma14:wrappingTextBoxFlag xmlns:ma14="http://schemas.microsoft.com/office/mac/drawingml/2011/main" xmlns:a14="http://schemas.microsoft.com/office/drawing/2010/main" xmlns:m="http://schemas.openxmlformats.org/officeDocument/2006/math" xmlns="" val="1"/>
             </a:ext>
           </a:extLst>
         </p:spPr>
@@ -4199,8 +4334,10 @@
           <a:bodyPr/>
           <a:lstStyle/>
           <a:p>
-            <a:pPr/>
-            <a:fld id="{86CB4B4D-7CA3-9044-876B-883B54F8677D}" type="slidenum"/>
+            <a:fld id="{86CB4B4D-7CA3-9044-876B-883B54F8677D}" type="slidenum">
+              <a:t>15</a:t>
+            </a:fld>
+            <a:endParaRPr/>
           </a:p>
         </p:txBody>
       </p:sp>
@@ -4223,13 +4360,13 @@
           </a:ln>
           <a:extLst>
             <a:ext uri="{C572A759-6A51-4108-AA02-DFA0A04FC94B}">
-              <ma14:wrappingTextBoxFlag xmlns:ma14="http://schemas.microsoft.com/office/mac/drawingml/2011/main" val="1"/>
+              <ma14:wrappingTextBoxFlag xmlns:ma14="http://schemas.microsoft.com/office/mac/drawingml/2011/main" xmlns:a14="http://schemas.microsoft.com/office/drawing/2010/main" xmlns:m="http://schemas.openxmlformats.org/officeDocument/2006/math" xmlns="" val="1"/>
             </a:ext>
           </a:extLst>
         </p:spPr>
         <p:txBody>
           <a:bodyPr lIns="45719" rIns="45719">
-            <a:normAutofit fontScale="100000" lnSpcReduction="0"/>
+            <a:normAutofit/>
           </a:bodyPr>
           <a:lstStyle>
             <a:lvl1pPr marL="228600" indent="-228600">
@@ -4246,7 +4383,6 @@
             </a:lvl1pPr>
           </a:lstStyle>
           <a:p>
-            <a:pPr/>
             <a:r>
               <a:t>BLOSUM45</a:t>
             </a:r>
@@ -4272,13 +4408,13 @@
           </a:ln>
           <a:extLst>
             <a:ext uri="{C572A759-6A51-4108-AA02-DFA0A04FC94B}">
-              <ma14:wrappingTextBoxFlag xmlns:ma14="http://schemas.microsoft.com/office/mac/drawingml/2011/main" val="1"/>
+              <ma14:wrappingTextBoxFlag xmlns:ma14="http://schemas.microsoft.com/office/mac/drawingml/2011/main" xmlns:a14="http://schemas.microsoft.com/office/drawing/2010/main" xmlns:m="http://schemas.openxmlformats.org/officeDocument/2006/math" xmlns="" val="1"/>
             </a:ext>
           </a:extLst>
         </p:spPr>
         <p:txBody>
           <a:bodyPr lIns="45719" rIns="45719">
-            <a:normAutofit fontScale="100000" lnSpcReduction="0"/>
+            <a:normAutofit/>
           </a:bodyPr>
           <a:lstStyle>
             <a:lvl1pPr marL="228600" indent="-228600">
@@ -4295,7 +4431,6 @@
             </a:lvl1pPr>
           </a:lstStyle>
           <a:p>
-            <a:pPr/>
             <a:r>
               <a:t>BLOSUM62</a:t>
             </a:r>
@@ -4321,13 +4456,13 @@
           </a:ln>
           <a:extLst>
             <a:ext uri="{C572A759-6A51-4108-AA02-DFA0A04FC94B}">
-              <ma14:wrappingTextBoxFlag xmlns:ma14="http://schemas.microsoft.com/office/mac/drawingml/2011/main" val="1"/>
+              <ma14:wrappingTextBoxFlag xmlns:ma14="http://schemas.microsoft.com/office/mac/drawingml/2011/main" xmlns:a14="http://schemas.microsoft.com/office/drawing/2010/main" xmlns:m="http://schemas.openxmlformats.org/officeDocument/2006/math" xmlns="" val="1"/>
             </a:ext>
           </a:extLst>
         </p:spPr>
         <p:txBody>
           <a:bodyPr lIns="45719" rIns="45719">
-            <a:normAutofit fontScale="100000" lnSpcReduction="0"/>
+            <a:normAutofit/>
           </a:bodyPr>
           <a:lstStyle>
             <a:lvl1pPr marL="228600" indent="-228600">
@@ -4344,7 +4479,6 @@
             </a:lvl1pPr>
           </a:lstStyle>
           <a:p>
-            <a:pPr/>
             <a:r>
               <a:t>BLOSUM80</a:t>
             </a:r>
@@ -4356,12 +4490,12 @@
   <p:clrMapOvr>
     <a:masterClrMapping/>
   </p:clrMapOvr>
-  <p:transition xmlns:p14="http://schemas.microsoft.com/office/powerpoint/2010/main" spd="med" advClick="1"/>
+  <p:transition spd="med"/>
 </p:sld>
 </file>
 
 <file path=ppt/slides/slide16.xml><?xml version="1.0" encoding="utf-8"?>
-<p:sld xmlns:a="http://schemas.openxmlformats.org/drawingml/2006/main" xmlns:r="http://schemas.openxmlformats.org/officeDocument/2006/relationships" xmlns:p="http://schemas.openxmlformats.org/presentationml/2006/main" xmlns:m="http://schemas.openxmlformats.org/officeDocument/2006/math" xmlns:a14="http://schemas.microsoft.com/office/drawing/2010/main" showMasterSp="1" showMasterPhAnim="1">
+<p:sld xmlns:a="http://schemas.openxmlformats.org/drawingml/2006/main" xmlns:r="http://schemas.openxmlformats.org/officeDocument/2006/relationships" xmlns:p="http://schemas.openxmlformats.org/presentationml/2006/main">
   <p:cSld>
     <p:spTree>
       <p:nvGrpSpPr>
@@ -4380,7 +4514,9 @@
       <p:sp>
         <p:nvSpPr>
           <p:cNvPr id="177" name="Titel 1"/>
-          <p:cNvSpPr txBox="1"/>
+          <p:cNvSpPr txBox="1">
+            <a:spLocks noGrp="1"/>
+          </p:cNvSpPr>
           <p:nvPr>
             <p:ph type="title"/>
           </p:nvPr>
@@ -4400,7 +4536,6 @@
             <a:lvl1pPr algn="ctr"/>
           </a:lstStyle>
           <a:p>
-            <a:pPr/>
             <a:r>
               <a:t>Testing Dataset</a:t>
             </a:r>
@@ -4410,7 +4545,9 @@
       <p:sp>
         <p:nvSpPr>
           <p:cNvPr id="178" name="Inhaltsplatzhalter 2"/>
-          <p:cNvSpPr txBox="1"/>
+          <p:cNvSpPr txBox="1">
+            <a:spLocks noGrp="1"/>
+          </p:cNvSpPr>
           <p:nvPr>
             <p:ph type="body" idx="1"/>
           </p:nvPr>
@@ -4428,7 +4565,6 @@
           <a:bodyPr/>
           <a:lstStyle/>
           <a:p>
-            <a:pPr/>
             <a:r>
               <a:t>31827 residues from BioLip</a:t>
             </a:r>
@@ -4447,9 +4583,9 @@
               <a:buSzTx/>
               <a:buNone/>
             </a:pPr>
-          </a:p>
-          <a:p>
-            <a:pPr/>
+            <a:endParaRPr/>
+          </a:p>
+          <a:p>
             <a:r>
               <a:t>No other information known</a:t>
             </a:r>
@@ -4459,7 +4595,9 @@
       <p:sp>
         <p:nvSpPr>
           <p:cNvPr id="179" name="Foliennummernplatzhalter 3"/>
-          <p:cNvSpPr txBox="1"/>
+          <p:cNvSpPr txBox="1">
+            <a:spLocks noGrp="1"/>
+          </p:cNvSpPr>
           <p:nvPr>
             <p:ph type="sldNum" sz="quarter" idx="2"/>
           </p:nvPr>
@@ -4474,7 +4612,7 @@
           </a:prstGeom>
           <a:extLst>
             <a:ext uri="{C572A759-6A51-4108-AA02-DFA0A04FC94B}">
-              <ma14:wrappingTextBoxFlag xmlns:ma14="http://schemas.microsoft.com/office/mac/drawingml/2011/main" val="1"/>
+              <ma14:wrappingTextBoxFlag xmlns:ma14="http://schemas.microsoft.com/office/mac/drawingml/2011/main" xmlns:a14="http://schemas.microsoft.com/office/drawing/2010/main" xmlns:m="http://schemas.openxmlformats.org/officeDocument/2006/math" xmlns="" val="1"/>
             </a:ext>
           </a:extLst>
         </p:spPr>
@@ -4482,8 +4620,10 @@
           <a:bodyPr/>
           <a:lstStyle/>
           <a:p>
-            <a:pPr/>
-            <a:fld id="{86CB4B4D-7CA3-9044-876B-883B54F8677D}" type="slidenum"/>
+            <a:fld id="{86CB4B4D-7CA3-9044-876B-883B54F8677D}" type="slidenum">
+              <a:t>16</a:t>
+            </a:fld>
+            <a:endParaRPr/>
           </a:p>
         </p:txBody>
       </p:sp>
@@ -4497,9 +4637,9 @@
           <a:off x="7650198" y="1751908"/>
           <a:ext cx="3485054" cy="3802554"/>
         </p:xfrm>
-        <a:graphic xmlns:a="http://schemas.openxmlformats.org/drawingml/2006/main">
+        <a:graphic>
           <a:graphicData uri="http://schemas.openxmlformats.org/drawingml/2006/chart">
-            <c:chart xmlns:c="http://schemas.openxmlformats.org/drawingml/2006/chart" r:id="rId2"/>
+            <c:chart xmlns:c="http://schemas.openxmlformats.org/drawingml/2006/chart" xmlns:r="http://schemas.openxmlformats.org/officeDocument/2006/relationships" r:id="rId2"/>
           </a:graphicData>
         </a:graphic>
       </p:graphicFrame>
@@ -4508,12 +4648,12 @@
   <p:clrMapOvr>
     <a:masterClrMapping/>
   </p:clrMapOvr>
-  <p:transition xmlns:p14="http://schemas.microsoft.com/office/powerpoint/2010/main" spd="med" advClick="1"/>
+  <p:transition spd="med"/>
 </p:sld>
 </file>
 
 <file path=ppt/slides/slide17.xml><?xml version="1.0" encoding="utf-8"?>
-<p:sld xmlns:a="http://schemas.openxmlformats.org/drawingml/2006/main" xmlns:r="http://schemas.openxmlformats.org/officeDocument/2006/relationships" xmlns:p="http://schemas.openxmlformats.org/presentationml/2006/main" xmlns:m="http://schemas.openxmlformats.org/officeDocument/2006/math" xmlns:a14="http://schemas.microsoft.com/office/drawing/2010/main" showMasterSp="1" showMasterPhAnim="1">
+<p:sld xmlns:a="http://schemas.openxmlformats.org/drawingml/2006/main" xmlns:r="http://schemas.openxmlformats.org/officeDocument/2006/relationships" xmlns:p="http://schemas.openxmlformats.org/presentationml/2006/main">
   <p:cSld>
     <p:spTree>
       <p:nvGrpSpPr>
@@ -4532,7 +4672,9 @@
       <p:sp>
         <p:nvSpPr>
           <p:cNvPr id="182" name="Titel 1"/>
-          <p:cNvSpPr txBox="1"/>
+          <p:cNvSpPr txBox="1">
+            <a:spLocks noGrp="1"/>
+          </p:cNvSpPr>
           <p:nvPr>
             <p:ph type="title"/>
           </p:nvPr>
@@ -4552,10 +4694,7 @@
           <a:p>
             <a:pPr algn="ctr"/>
             <a:r>
-              <a:t>Confusion</a:t>
-            </a:r>
-            <a:r>
-              <a:t> Matrix</a:t>
+              <a:t>Confusion Matrix</a:t>
             </a:r>
           </a:p>
         </p:txBody>
@@ -4568,18 +4707,36 @@
         </p:nvGraphicFramePr>
         <p:xfrm>
           <a:off x="3154261" y="2245353"/>
-          <a:ext cx="6075891" cy="3556333"/>
+          <a:ext cx="6075890" cy="3556332"/>
         </p:xfrm>
-        <a:graphic xmlns:a="http://schemas.openxmlformats.org/drawingml/2006/main">
+        <a:graphic>
           <a:graphicData uri="http://schemas.openxmlformats.org/drawingml/2006/table">
             <a:tbl>
-              <a:tblPr firstCol="0" firstRow="0" lastCol="0" lastRow="0" bandCol="0" bandRow="1" rtl="0">
+              <a:tblPr bandRow="1">
                 <a:tableStyleId>{4C3C2611-4C71-4FC5-86AE-919BDF0F9419}</a:tableStyleId>
               </a:tblPr>
               <a:tblGrid>
-                <a:gridCol w="1779642"/>
-                <a:gridCol w="2148124"/>
-                <a:gridCol w="2148124"/>
+                <a:gridCol w="1779642">
+                  <a:extLst>
+                    <a:ext uri="{9D8B030D-6E8A-4147-A177-3AD203B41FA5}">
+                      <a16:colId xmlns:a16="http://schemas.microsoft.com/office/drawing/2014/main" val="20000"/>
+                    </a:ext>
+                  </a:extLst>
+                </a:gridCol>
+                <a:gridCol w="2148124">
+                  <a:extLst>
+                    <a:ext uri="{9D8B030D-6E8A-4147-A177-3AD203B41FA5}">
+                      <a16:colId xmlns:a16="http://schemas.microsoft.com/office/drawing/2014/main" val="20001"/>
+                    </a:ext>
+                  </a:extLst>
+                </a:gridCol>
+                <a:gridCol w="2148124">
+                  <a:extLst>
+                    <a:ext uri="{9D8B030D-6E8A-4147-A177-3AD203B41FA5}">
+                      <a16:colId xmlns:a16="http://schemas.microsoft.com/office/drawing/2014/main" val="20002"/>
+                    </a:ext>
+                  </a:extLst>
+                </a:gridCol>
               </a:tblGrid>
               <a:tr h="720000">
                 <a:tc>
@@ -4590,9 +4747,10 @@
                       <a:pPr algn="ctr">
                         <a:defRPr sz="1800"/>
                       </a:pPr>
+                      <a:endParaRPr/>
                     </a:p>
                   </a:txBody>
-                  <a:tcPr marL="45720" marR="45720" marT="45720" marB="45720" anchor="ctr" anchorCtr="0" horzOverflow="overflow">
+                  <a:tcPr marL="45720" marR="45720" anchor="ctr" horzOverflow="overflow">
                     <a:solidFill>
                       <a:srgbClr val="E7E6E6"/>
                     </a:solidFill>
@@ -4611,7 +4769,7 @@
                       </a:r>
                     </a:p>
                   </a:txBody>
-                  <a:tcPr marL="45720" marR="45720" marT="45720" marB="45720" anchor="ctr" anchorCtr="0" horzOverflow="overflow">
+                  <a:tcPr marL="45720" marR="45720" anchor="ctr" horzOverflow="overflow">
                     <a:solidFill>
                       <a:srgbClr val="E7E6E6"/>
                     </a:solidFill>
@@ -4630,12 +4788,17 @@
                       </a:r>
                     </a:p>
                   </a:txBody>
-                  <a:tcPr marL="45720" marR="45720" marT="45720" marB="45720" anchor="ctr" anchorCtr="0" horzOverflow="overflow">
+                  <a:tcPr marL="45720" marR="45720" anchor="ctr" horzOverflow="overflow">
                     <a:solidFill>
                       <a:srgbClr val="E7E6E6"/>
                     </a:solidFill>
                   </a:tcPr>
                 </a:tc>
+                <a:extLst>
+                  <a:ext uri="{0D108BD9-81ED-4DB2-BD59-A6C34878D82A}">
+                    <a16:rowId xmlns:a16="http://schemas.microsoft.com/office/drawing/2014/main" val="10000"/>
+                  </a:ext>
+                </a:extLst>
               </a:tr>
               <a:tr h="1418166">
                 <a:tc>
@@ -4651,7 +4814,7 @@
                       </a:r>
                     </a:p>
                   </a:txBody>
-                  <a:tcPr marL="45720" marR="45720" marT="45720" marB="45720" anchor="ctr" anchorCtr="0" horzOverflow="overflow">
+                  <a:tcPr marL="45720" marR="45720" anchor="ctr" horzOverflow="overflow">
                     <a:solidFill>
                       <a:srgbClr val="E7E6E6"/>
                     </a:solidFill>
@@ -4671,7 +4834,7 @@
                       </a:r>
                     </a:p>
                   </a:txBody>
-                  <a:tcPr marL="45720" marR="45720" marT="45720" marB="45720" anchor="ctr" anchorCtr="0" horzOverflow="overflow">
+                  <a:tcPr marL="45720" marR="45720" anchor="ctr" horzOverflow="overflow">
                     <a:solidFill>
                       <a:srgbClr val="00B050"/>
                     </a:solidFill>
@@ -4691,12 +4854,17 @@
                       </a:r>
                     </a:p>
                   </a:txBody>
-                  <a:tcPr marL="45720" marR="45720" marT="45720" marB="45720" anchor="ctr" anchorCtr="0" horzOverflow="overflow">
+                  <a:tcPr marL="45720" marR="45720" anchor="ctr" horzOverflow="overflow">
                     <a:solidFill>
                       <a:srgbClr val="FF0000"/>
                     </a:solidFill>
                   </a:tcPr>
                 </a:tc>
+                <a:extLst>
+                  <a:ext uri="{0D108BD9-81ED-4DB2-BD59-A6C34878D82A}">
+                    <a16:rowId xmlns:a16="http://schemas.microsoft.com/office/drawing/2014/main" val="10001"/>
+                  </a:ext>
+                </a:extLst>
               </a:tr>
               <a:tr h="1418166">
                 <a:tc>
@@ -4720,7 +4888,7 @@
                       </a:r>
                     </a:p>
                   </a:txBody>
-                  <a:tcPr marL="45720" marR="45720" marT="45720" marB="45720" anchor="ctr" anchorCtr="0" horzOverflow="overflow">
+                  <a:tcPr marL="45720" marR="45720" anchor="ctr" horzOverflow="overflow">
                     <a:solidFill>
                       <a:srgbClr val="E7E6E6"/>
                     </a:solidFill>
@@ -4740,7 +4908,7 @@
                       </a:r>
                     </a:p>
                   </a:txBody>
-                  <a:tcPr marL="45720" marR="45720" marT="45720" marB="45720" anchor="ctr" anchorCtr="0" horzOverflow="overflow">
+                  <a:tcPr marL="45720" marR="45720" anchor="ctr" horzOverflow="overflow">
                     <a:solidFill>
                       <a:srgbClr val="FF0000"/>
                     </a:solidFill>
@@ -4760,12 +4928,17 @@
                       </a:r>
                     </a:p>
                   </a:txBody>
-                  <a:tcPr marL="45720" marR="45720" marT="45720" marB="45720" anchor="ctr" anchorCtr="0" horzOverflow="overflow">
+                  <a:tcPr marL="45720" marR="45720" anchor="ctr" horzOverflow="overflow">
                     <a:solidFill>
                       <a:srgbClr val="00B050"/>
                     </a:solidFill>
                   </a:tcPr>
                 </a:tc>
+                <a:extLst>
+                  <a:ext uri="{0D108BD9-81ED-4DB2-BD59-A6C34878D82A}">
+                    <a16:rowId xmlns:a16="http://schemas.microsoft.com/office/drawing/2014/main" val="10002"/>
+                  </a:ext>
+                </a:extLst>
               </a:tr>
             </a:tbl>
           </a:graphicData>
@@ -4774,7 +4947,9 @@
       <p:sp>
         <p:nvSpPr>
           <p:cNvPr id="184" name="Foliennummernplatzhalter 8"/>
-          <p:cNvSpPr txBox="1"/>
+          <p:cNvSpPr txBox="1">
+            <a:spLocks noGrp="1"/>
+          </p:cNvSpPr>
           <p:nvPr>
             <p:ph type="sldNum" sz="quarter" idx="2"/>
           </p:nvPr>
@@ -4789,7 +4964,7 @@
           </a:prstGeom>
           <a:extLst>
             <a:ext uri="{C572A759-6A51-4108-AA02-DFA0A04FC94B}">
-              <ma14:wrappingTextBoxFlag xmlns:ma14="http://schemas.microsoft.com/office/mac/drawingml/2011/main" val="1"/>
+              <ma14:wrappingTextBoxFlag xmlns:ma14="http://schemas.microsoft.com/office/mac/drawingml/2011/main" xmlns:a14="http://schemas.microsoft.com/office/drawing/2010/main" xmlns:m="http://schemas.openxmlformats.org/officeDocument/2006/math" xmlns="" val="1"/>
             </a:ext>
           </a:extLst>
         </p:spPr>
@@ -4797,8 +4972,10 @@
           <a:bodyPr/>
           <a:lstStyle/>
           <a:p>
-            <a:pPr/>
-            <a:fld id="{86CB4B4D-7CA3-9044-876B-883B54F8677D}" type="slidenum"/>
+            <a:fld id="{86CB4B4D-7CA3-9044-876B-883B54F8677D}" type="slidenum">
+              <a:t>17</a:t>
+            </a:fld>
+            <a:endParaRPr/>
           </a:p>
         </p:txBody>
       </p:sp>
@@ -4807,12 +4984,12 @@
   <p:clrMapOvr>
     <a:masterClrMapping/>
   </p:clrMapOvr>
-  <p:transition xmlns:p14="http://schemas.microsoft.com/office/powerpoint/2010/main" spd="med" advClick="1"/>
+  <p:transition spd="med"/>
 </p:sld>
 </file>
 
 <file path=ppt/slides/slide18.xml><?xml version="1.0" encoding="utf-8"?>
-<p:sld xmlns:a="http://schemas.openxmlformats.org/drawingml/2006/main" xmlns:r="http://schemas.openxmlformats.org/officeDocument/2006/relationships" xmlns:p="http://schemas.openxmlformats.org/presentationml/2006/main" xmlns:m="http://schemas.openxmlformats.org/officeDocument/2006/math" xmlns:a14="http://schemas.microsoft.com/office/drawing/2010/main" showMasterSp="1" showMasterPhAnim="1">
+<p:sld xmlns:a="http://schemas.openxmlformats.org/drawingml/2006/main" xmlns:r="http://schemas.openxmlformats.org/officeDocument/2006/relationships" xmlns:p="http://schemas.openxmlformats.org/presentationml/2006/main">
   <p:cSld>
     <p:spTree>
       <p:nvGrpSpPr>
@@ -4831,7 +5008,9 @@
       <p:sp>
         <p:nvSpPr>
           <p:cNvPr id="186" name="Titel 1"/>
-          <p:cNvSpPr txBox="1"/>
+          <p:cNvSpPr txBox="1">
+            <a:spLocks noGrp="1"/>
+          </p:cNvSpPr>
           <p:nvPr>
             <p:ph type="title"/>
           </p:nvPr>
@@ -4851,7 +5030,6 @@
             <a:lvl1pPr algn="ctr"/>
           </a:lstStyle>
           <a:p>
-            <a:pPr/>
             <a:r>
               <a:t>…compared to random</a:t>
             </a:r>
@@ -4861,7 +5039,9 @@
       <p:sp>
         <p:nvSpPr>
           <p:cNvPr id="187" name="Foliennummernplatzhalter 4"/>
-          <p:cNvSpPr txBox="1"/>
+          <p:cNvSpPr txBox="1">
+            <a:spLocks noGrp="1"/>
+          </p:cNvSpPr>
           <p:nvPr>
             <p:ph type="sldNum" sz="quarter" idx="2"/>
           </p:nvPr>
@@ -4876,7 +5056,7 @@
           </a:prstGeom>
           <a:extLst>
             <a:ext uri="{C572A759-6A51-4108-AA02-DFA0A04FC94B}">
-              <ma14:wrappingTextBoxFlag xmlns:ma14="http://schemas.microsoft.com/office/mac/drawingml/2011/main" val="1"/>
+              <ma14:wrappingTextBoxFlag xmlns:ma14="http://schemas.microsoft.com/office/mac/drawingml/2011/main" xmlns:a14="http://schemas.microsoft.com/office/drawing/2010/main" xmlns:m="http://schemas.openxmlformats.org/officeDocument/2006/math" xmlns="" val="1"/>
             </a:ext>
           </a:extLst>
         </p:spPr>
@@ -4884,8 +5064,10 @@
           <a:bodyPr/>
           <a:lstStyle/>
           <a:p>
-            <a:pPr/>
-            <a:fld id="{86CB4B4D-7CA3-9044-876B-883B54F8677D}" type="slidenum"/>
+            <a:fld id="{86CB4B4D-7CA3-9044-876B-883B54F8677D}" type="slidenum">
+              <a:t>18</a:t>
+            </a:fld>
+            <a:endParaRPr/>
           </a:p>
         </p:txBody>
       </p:sp>
@@ -4897,18 +5079,36 @@
         </p:nvGraphicFramePr>
         <p:xfrm>
           <a:off x="6172201" y="2529077"/>
-          <a:ext cx="4689763" cy="2944435"/>
+          <a:ext cx="4689762" cy="2944433"/>
         </p:xfrm>
-        <a:graphic xmlns:a="http://schemas.openxmlformats.org/drawingml/2006/main">
+        <a:graphic>
           <a:graphicData uri="http://schemas.openxmlformats.org/drawingml/2006/table">
             <a:tbl>
-              <a:tblPr firstCol="0" firstRow="0" lastCol="0" lastRow="0" bandCol="0" bandRow="1" rtl="0">
+              <a:tblPr bandRow="1">
                 <a:tableStyleId>{4C3C2611-4C71-4FC5-86AE-919BDF0F9419}</a:tableStyleId>
               </a:tblPr>
               <a:tblGrid>
-                <a:gridCol w="1563254"/>
-                <a:gridCol w="1563254"/>
-                <a:gridCol w="1563254"/>
+                <a:gridCol w="1563254">
+                  <a:extLst>
+                    <a:ext uri="{9D8B030D-6E8A-4147-A177-3AD203B41FA5}">
+                      <a16:colId xmlns:a16="http://schemas.microsoft.com/office/drawing/2014/main" val="20000"/>
+                    </a:ext>
+                  </a:extLst>
+                </a:gridCol>
+                <a:gridCol w="1563254">
+                  <a:extLst>
+                    <a:ext uri="{9D8B030D-6E8A-4147-A177-3AD203B41FA5}">
+                      <a16:colId xmlns:a16="http://schemas.microsoft.com/office/drawing/2014/main" val="20001"/>
+                    </a:ext>
+                  </a:extLst>
+                </a:gridCol>
+                <a:gridCol w="1563254">
+                  <a:extLst>
+                    <a:ext uri="{9D8B030D-6E8A-4147-A177-3AD203B41FA5}">
+                      <a16:colId xmlns:a16="http://schemas.microsoft.com/office/drawing/2014/main" val="20002"/>
+                    </a:ext>
+                  </a:extLst>
+                </a:gridCol>
               </a:tblGrid>
               <a:tr h="596039">
                 <a:tc>
@@ -4919,9 +5119,10 @@
                       <a:pPr algn="ctr">
                         <a:defRPr sz="1800"/>
                       </a:pPr>
+                      <a:endParaRPr/>
                     </a:p>
                   </a:txBody>
-                  <a:tcPr marL="45720" marR="45720" marT="45720" marB="45720" anchor="ctr" anchorCtr="0" horzOverflow="overflow">
+                  <a:tcPr marL="45720" marR="45720" anchor="ctr" horzOverflow="overflow">
                     <a:solidFill>
                       <a:srgbClr val="E7E6E6"/>
                     </a:solidFill>
@@ -4941,7 +5142,7 @@
                       </a:r>
                     </a:p>
                   </a:txBody>
-                  <a:tcPr marL="45720" marR="45720" marT="45720" marB="45720" anchor="ctr" anchorCtr="0" horzOverflow="overflow">
+                  <a:tcPr marL="45720" marR="45720" anchor="ctr" horzOverflow="overflow">
                     <a:solidFill>
                       <a:srgbClr val="E7E6E6"/>
                     </a:solidFill>
@@ -4961,12 +5162,17 @@
                       </a:r>
                     </a:p>
                   </a:txBody>
-                  <a:tcPr marL="45720" marR="45720" marT="45720" marB="45720" anchor="ctr" anchorCtr="0" horzOverflow="overflow">
+                  <a:tcPr marL="45720" marR="45720" anchor="ctr" horzOverflow="overflow">
                     <a:solidFill>
                       <a:srgbClr val="E7E6E6"/>
                     </a:solidFill>
                   </a:tcPr>
                 </a:tc>
+                <a:extLst>
+                  <a:ext uri="{0D108BD9-81ED-4DB2-BD59-A6C34878D82A}">
+                    <a16:rowId xmlns:a16="http://schemas.microsoft.com/office/drawing/2014/main" val="10000"/>
+                  </a:ext>
+                </a:extLst>
               </a:tr>
               <a:tr h="1174197">
                 <a:tc>
@@ -4983,7 +5189,7 @@
                       </a:r>
                     </a:p>
                   </a:txBody>
-                  <a:tcPr marL="45720" marR="45720" marT="45720" marB="45720" anchor="ctr" anchorCtr="0" horzOverflow="overflow">
+                  <a:tcPr marL="45720" marR="45720" anchor="ctr" horzOverflow="overflow">
                     <a:solidFill>
                       <a:srgbClr val="E7E6E6"/>
                     </a:solidFill>
@@ -5004,7 +5210,7 @@
                       </a:r>
                     </a:p>
                   </a:txBody>
-                  <a:tcPr marL="45720" marR="45720" marT="45720" marB="45720" anchor="ctr" anchorCtr="0" horzOverflow="overflow">
+                  <a:tcPr marL="45720" marR="45720" anchor="ctr" horzOverflow="overflow">
                     <a:solidFill>
                       <a:srgbClr val="00B050"/>
                     </a:solidFill>
@@ -5025,12 +5231,17 @@
                       </a:r>
                     </a:p>
                   </a:txBody>
-                  <a:tcPr marL="45720" marR="45720" marT="45720" marB="45720" anchor="ctr" anchorCtr="0" horzOverflow="overflow">
+                  <a:tcPr marL="45720" marR="45720" anchor="ctr" horzOverflow="overflow">
                     <a:solidFill>
                       <a:srgbClr val="FF0000"/>
                     </a:solidFill>
                   </a:tcPr>
                 </a:tc>
+                <a:extLst>
+                  <a:ext uri="{0D108BD9-81ED-4DB2-BD59-A6C34878D82A}">
+                    <a16:rowId xmlns:a16="http://schemas.microsoft.com/office/drawing/2014/main" val="10001"/>
+                  </a:ext>
+                </a:extLst>
               </a:tr>
               <a:tr h="1174197">
                 <a:tc>
@@ -5048,7 +5259,7 @@
                       </a:r>
                     </a:p>
                   </a:txBody>
-                  <a:tcPr marL="45720" marR="45720" marT="45720" marB="45720" anchor="ctr" anchorCtr="0" horzOverflow="overflow">
+                  <a:tcPr marL="45720" marR="45720" anchor="ctr" horzOverflow="overflow">
                     <a:solidFill>
                       <a:srgbClr val="E7E6E6"/>
                     </a:solidFill>
@@ -5069,7 +5280,7 @@
                       </a:r>
                     </a:p>
                   </a:txBody>
-                  <a:tcPr marL="45720" marR="45720" marT="45720" marB="45720" anchor="ctr" anchorCtr="0" horzOverflow="overflow">
+                  <a:tcPr marL="45720" marR="45720" anchor="ctr" horzOverflow="overflow">
                     <a:solidFill>
                       <a:srgbClr val="FF0000"/>
                     </a:solidFill>
@@ -5090,12 +5301,17 @@
                       </a:r>
                     </a:p>
                   </a:txBody>
-                  <a:tcPr marL="45720" marR="45720" marT="45720" marB="45720" anchor="ctr" anchorCtr="0" horzOverflow="overflow">
+                  <a:tcPr marL="45720" marR="45720" anchor="ctr" horzOverflow="overflow">
                     <a:solidFill>
                       <a:srgbClr val="00B050"/>
                     </a:solidFill>
                   </a:tcPr>
                 </a:tc>
+                <a:extLst>
+                  <a:ext uri="{0D108BD9-81ED-4DB2-BD59-A6C34878D82A}">
+                    <a16:rowId xmlns:a16="http://schemas.microsoft.com/office/drawing/2014/main" val="10002"/>
+                  </a:ext>
+                </a:extLst>
               </a:tr>
             </a:tbl>
           </a:graphicData>
@@ -5120,7 +5336,7 @@
           </a:ln>
           <a:extLst>
             <a:ext uri="{C572A759-6A51-4108-AA02-DFA0A04FC94B}">
-              <ma14:wrappingTextBoxFlag xmlns:ma14="http://schemas.microsoft.com/office/mac/drawingml/2011/main" val="1"/>
+              <ma14:wrappingTextBoxFlag xmlns:ma14="http://schemas.microsoft.com/office/mac/drawingml/2011/main" xmlns:a14="http://schemas.microsoft.com/office/drawing/2010/main" xmlns:m="http://schemas.openxmlformats.org/officeDocument/2006/math" xmlns="" val="1"/>
             </a:ext>
           </a:extLst>
         </p:spPr>
@@ -5132,7 +5348,6 @@
             <a:lvl1pPr algn="ctr"/>
           </a:lstStyle>
           <a:p>
-            <a:pPr/>
             <a:r>
               <a:t>Our Prediction</a:t>
             </a:r>
@@ -5158,7 +5373,7 @@
           </a:ln>
           <a:extLst>
             <a:ext uri="{C572A759-6A51-4108-AA02-DFA0A04FC94B}">
-              <ma14:wrappingTextBoxFlag xmlns:ma14="http://schemas.microsoft.com/office/mac/drawingml/2011/main" val="1"/>
+              <ma14:wrappingTextBoxFlag xmlns:ma14="http://schemas.microsoft.com/office/mac/drawingml/2011/main" xmlns:a14="http://schemas.microsoft.com/office/drawing/2010/main" xmlns:m="http://schemas.openxmlformats.org/officeDocument/2006/math" xmlns="" val="1"/>
             </a:ext>
           </a:extLst>
         </p:spPr>
@@ -5170,7 +5385,6 @@
             <a:lvl1pPr algn="ctr"/>
           </a:lstStyle>
           <a:p>
-            <a:pPr/>
             <a:r>
               <a:t>Random Prediction</a:t>
             </a:r>
@@ -5185,18 +5399,36 @@
         </p:nvGraphicFramePr>
         <p:xfrm>
           <a:off x="880961" y="2522727"/>
-          <a:ext cx="4715163" cy="2969835"/>
+          <a:ext cx="4702461" cy="2957132"/>
         </p:xfrm>
-        <a:graphic xmlns:a="http://schemas.openxmlformats.org/drawingml/2006/main">
+        <a:graphic>
           <a:graphicData uri="http://schemas.openxmlformats.org/drawingml/2006/table">
             <a:tbl>
-              <a:tblPr firstCol="0" firstRow="0" lastCol="0" lastRow="0" bandCol="0" bandRow="1" rtl="0">
+              <a:tblPr bandRow="1">
                 <a:tableStyleId>{4C3C2611-4C71-4FC5-86AE-919BDF0F9419}</a:tableStyleId>
               </a:tblPr>
               <a:tblGrid>
-                <a:gridCol w="1567487"/>
-                <a:gridCol w="1567487"/>
-                <a:gridCol w="1567487"/>
+                <a:gridCol w="1567487">
+                  <a:extLst>
+                    <a:ext uri="{9D8B030D-6E8A-4147-A177-3AD203B41FA5}">
+                      <a16:colId xmlns:a16="http://schemas.microsoft.com/office/drawing/2014/main" val="20000"/>
+                    </a:ext>
+                  </a:extLst>
+                </a:gridCol>
+                <a:gridCol w="1567487">
+                  <a:extLst>
+                    <a:ext uri="{9D8B030D-6E8A-4147-A177-3AD203B41FA5}">
+                      <a16:colId xmlns:a16="http://schemas.microsoft.com/office/drawing/2014/main" val="20001"/>
+                    </a:ext>
+                  </a:extLst>
+                </a:gridCol>
+                <a:gridCol w="1567487">
+                  <a:extLst>
+                    <a:ext uri="{9D8B030D-6E8A-4147-A177-3AD203B41FA5}">
+                      <a16:colId xmlns:a16="http://schemas.microsoft.com/office/drawing/2014/main" val="20002"/>
+                    </a:ext>
+                  </a:extLst>
+                </a:gridCol>
               </a:tblGrid>
               <a:tr h="598688">
                 <a:tc>
@@ -5207,9 +5439,10 @@
                       <a:pPr algn="ctr">
                         <a:defRPr sz="1600"/>
                       </a:pPr>
+                      <a:endParaRPr/>
                     </a:p>
                   </a:txBody>
-                  <a:tcPr marL="45720" marR="45720" marT="45720" marB="45720" anchor="ctr" anchorCtr="0" horzOverflow="overflow">
+                  <a:tcPr marL="45720" marR="45720" anchor="ctr" horzOverflow="overflow">
                     <a:solidFill>
                       <a:srgbClr val="E7E6E6"/>
                     </a:solidFill>
@@ -5229,7 +5462,7 @@
                       </a:r>
                     </a:p>
                   </a:txBody>
-                  <a:tcPr marL="45720" marR="45720" marT="45720" marB="45720" anchor="ctr" anchorCtr="0" horzOverflow="overflow">
+                  <a:tcPr marL="45720" marR="45720" anchor="ctr" horzOverflow="overflow">
                     <a:solidFill>
                       <a:srgbClr val="E7E6E6"/>
                     </a:solidFill>
@@ -5249,12 +5482,17 @@
                       </a:r>
                     </a:p>
                   </a:txBody>
-                  <a:tcPr marL="45720" marR="45720" marT="45720" marB="45720" anchor="ctr" anchorCtr="0" horzOverflow="overflow">
+                  <a:tcPr marL="45720" marR="45720" anchor="ctr" horzOverflow="overflow">
                     <a:solidFill>
                       <a:srgbClr val="E7E6E6"/>
                     </a:solidFill>
                   </a:tcPr>
                 </a:tc>
+                <a:extLst>
+                  <a:ext uri="{0D108BD9-81ED-4DB2-BD59-A6C34878D82A}">
+                    <a16:rowId xmlns:a16="http://schemas.microsoft.com/office/drawing/2014/main" val="10000"/>
+                  </a:ext>
+                </a:extLst>
               </a:tr>
               <a:tr h="1179222">
                 <a:tc>
@@ -5271,7 +5509,7 @@
                       </a:r>
                     </a:p>
                   </a:txBody>
-                  <a:tcPr marL="45720" marR="45720" marT="45720" marB="45720" anchor="ctr" anchorCtr="0" horzOverflow="overflow">
+                  <a:tcPr marL="45720" marR="45720" anchor="ctr" horzOverflow="overflow">
                     <a:solidFill>
                       <a:srgbClr val="E7E6E6"/>
                     </a:solidFill>
@@ -5292,7 +5530,7 @@
                       </a:r>
                     </a:p>
                   </a:txBody>
-                  <a:tcPr marL="45720" marR="45720" marT="45720" marB="45720" anchor="ctr" anchorCtr="0" horzOverflow="overflow">
+                  <a:tcPr marL="45720" marR="45720" anchor="ctr" horzOverflow="overflow">
                     <a:solidFill>
                       <a:srgbClr val="00B050"/>
                     </a:solidFill>
@@ -5313,12 +5551,17 @@
                       </a:r>
                     </a:p>
                   </a:txBody>
-                  <a:tcPr marL="45720" marR="45720" marT="45720" marB="45720" anchor="ctr" anchorCtr="0" horzOverflow="overflow">
+                  <a:tcPr marL="45720" marR="45720" anchor="ctr" horzOverflow="overflow">
                     <a:solidFill>
                       <a:srgbClr val="FF0000"/>
                     </a:solidFill>
                   </a:tcPr>
                 </a:tc>
+                <a:extLst>
+                  <a:ext uri="{0D108BD9-81ED-4DB2-BD59-A6C34878D82A}">
+                    <a16:rowId xmlns:a16="http://schemas.microsoft.com/office/drawing/2014/main" val="10001"/>
+                  </a:ext>
+                </a:extLst>
               </a:tr>
               <a:tr h="1179222">
                 <a:tc>
@@ -5336,7 +5579,7 @@
                       </a:r>
                     </a:p>
                   </a:txBody>
-                  <a:tcPr marL="45720" marR="45720" marT="45720" marB="45720" anchor="ctr" anchorCtr="0" horzOverflow="overflow">
+                  <a:tcPr marL="45720" marR="45720" anchor="ctr" horzOverflow="overflow">
                     <a:solidFill>
                       <a:srgbClr val="E7E6E6"/>
                     </a:solidFill>
@@ -5357,7 +5600,7 @@
                       </a:r>
                     </a:p>
                   </a:txBody>
-                  <a:tcPr marL="45720" marR="45720" marT="45720" marB="45720" anchor="ctr" anchorCtr="0" horzOverflow="overflow">
+                  <a:tcPr marL="45720" marR="45720" anchor="ctr" horzOverflow="overflow">
                     <a:solidFill>
                       <a:srgbClr val="FF0000"/>
                     </a:solidFill>
@@ -5378,12 +5621,17 @@
                       </a:r>
                     </a:p>
                   </a:txBody>
-                  <a:tcPr marL="45720" marR="45720" marT="45720" marB="45720" anchor="ctr" anchorCtr="0" horzOverflow="overflow">
+                  <a:tcPr marL="45720" marR="45720" anchor="ctr" horzOverflow="overflow">
                     <a:solidFill>
                       <a:srgbClr val="00B050"/>
                     </a:solidFill>
                   </a:tcPr>
                 </a:tc>
+                <a:extLst>
+                  <a:ext uri="{0D108BD9-81ED-4DB2-BD59-A6C34878D82A}">
+                    <a16:rowId xmlns:a16="http://schemas.microsoft.com/office/drawing/2014/main" val="10002"/>
+                  </a:ext>
+                </a:extLst>
               </a:tr>
             </a:tbl>
           </a:graphicData>
@@ -5394,12 +5642,12 @@
   <p:clrMapOvr>
     <a:masterClrMapping/>
   </p:clrMapOvr>
-  <p:transition xmlns:p14="http://schemas.microsoft.com/office/powerpoint/2010/main" spd="med" advClick="1"/>
+  <p:transition spd="med"/>
 </p:sld>
 </file>
 
 <file path=ppt/slides/slide19.xml><?xml version="1.0" encoding="utf-8"?>
-<p:sld xmlns:a="http://schemas.openxmlformats.org/drawingml/2006/main" xmlns:r="http://schemas.openxmlformats.org/officeDocument/2006/relationships" xmlns:p="http://schemas.openxmlformats.org/presentationml/2006/main" xmlns:m="http://schemas.openxmlformats.org/officeDocument/2006/math" xmlns:a14="http://schemas.microsoft.com/office/drawing/2010/main" showMasterSp="1" showMasterPhAnim="1">
+<p:sld xmlns:a="http://schemas.openxmlformats.org/drawingml/2006/main" xmlns:r="http://schemas.openxmlformats.org/officeDocument/2006/relationships" xmlns:p="http://schemas.openxmlformats.org/presentationml/2006/main">
   <p:cSld>
     <p:spTree>
       <p:nvGrpSpPr>
@@ -5418,7 +5666,9 @@
       <p:sp>
         <p:nvSpPr>
           <p:cNvPr id="193" name="Titel 1"/>
-          <p:cNvSpPr txBox="1"/>
+          <p:cNvSpPr txBox="1">
+            <a:spLocks noGrp="1"/>
+          </p:cNvSpPr>
           <p:nvPr>
             <p:ph type="title"/>
           </p:nvPr>
@@ -5438,7 +5688,6 @@
             <a:lvl1pPr algn="ctr"/>
           </a:lstStyle>
           <a:p>
-            <a:pPr/>
             <a:r>
               <a:t>Performance</a:t>
             </a:r>
@@ -5448,7 +5697,9 @@
       <p:sp>
         <p:nvSpPr>
           <p:cNvPr id="194" name="Inhaltsplatzhalter 2"/>
-          <p:cNvSpPr txBox="1"/>
+          <p:cNvSpPr txBox="1">
+            <a:spLocks noGrp="1"/>
+          </p:cNvSpPr>
           <p:nvPr>
             <p:ph type="body" idx="1"/>
           </p:nvPr>
@@ -5466,28 +5717,26 @@
           <a:bodyPr/>
           <a:lstStyle/>
           <a:p>
-            <a:pPr/>
             <a:r>
               <a:t>Imbalanced Dataset =&gt; Matthews correlation coefficient</a:t>
             </a:r>
           </a:p>
           <a:p>
-            <a:pPr/>
-          </a:p>
-          <a:p>
-            <a:pPr/>
-          </a:p>
-          <a:p>
-            <a:pPr/>
-          </a:p>
-          <a:p>
-            <a:pPr/>
+            <a:endParaRPr/>
+          </a:p>
+          <a:p>
+            <a:endParaRPr/>
+          </a:p>
+          <a:p>
+            <a:endParaRPr/>
+          </a:p>
+          <a:p>
             <a:r>
               <a:t>Other measures:</a:t>
             </a:r>
           </a:p>
           <a:p>
-            <a:pPr lvl="1" marL="685800" indent="-228600">
+            <a:pPr marL="685800" lvl="1" indent="-228600">
               <a:spcBef>
                 <a:spcPts val="500"/>
               </a:spcBef>
@@ -5498,7 +5747,7 @@
             </a:r>
           </a:p>
           <a:p>
-            <a:pPr lvl="1" marL="685800" indent="-228600">
+            <a:pPr marL="685800" lvl="1" indent="-228600">
               <a:spcBef>
                 <a:spcPts val="500"/>
               </a:spcBef>
@@ -5509,7 +5758,7 @@
             </a:r>
           </a:p>
           <a:p>
-            <a:pPr lvl="1" marL="685800" indent="-228600">
+            <a:pPr marL="685800" lvl="1" indent="-228600">
               <a:spcBef>
                 <a:spcPts val="500"/>
               </a:spcBef>
@@ -5524,7 +5773,9 @@
       <p:sp>
         <p:nvSpPr>
           <p:cNvPr id="195" name="Foliennummernplatzhalter 3"/>
-          <p:cNvSpPr txBox="1"/>
+          <p:cNvSpPr txBox="1">
+            <a:spLocks noGrp="1"/>
+          </p:cNvSpPr>
           <p:nvPr>
             <p:ph type="sldNum" sz="quarter" idx="2"/>
           </p:nvPr>
@@ -5539,7 +5790,7 @@
           </a:prstGeom>
           <a:extLst>
             <a:ext uri="{C572A759-6A51-4108-AA02-DFA0A04FC94B}">
-              <ma14:wrappingTextBoxFlag xmlns:ma14="http://schemas.microsoft.com/office/mac/drawingml/2011/main" val="1"/>
+              <ma14:wrappingTextBoxFlag xmlns:ma14="http://schemas.microsoft.com/office/mac/drawingml/2011/main" xmlns:a14="http://schemas.microsoft.com/office/drawing/2010/main" xmlns:m="http://schemas.openxmlformats.org/officeDocument/2006/math" xmlns="" val="1"/>
             </a:ext>
           </a:extLst>
         </p:spPr>
@@ -5547,8 +5798,10 @@
           <a:bodyPr/>
           <a:lstStyle/>
           <a:p>
-            <a:pPr/>
-            <a:fld id="{86CB4B4D-7CA3-9044-876B-883B54F8677D}" type="slidenum"/>
+            <a:fld id="{86CB4B4D-7CA3-9044-876B-883B54F8677D}" type="slidenum">
+              <a:t>19</a:t>
+            </a:fld>
+            <a:endParaRPr/>
           </a:p>
         </p:txBody>
       </p:sp>
@@ -5561,9 +5814,7 @@
           <p:nvPr/>
         </p:nvPicPr>
         <p:blipFill>
-          <a:blip r:embed="rId2">
-            <a:extLst/>
-          </a:blip>
+          <a:blip r:embed="rId2"/>
           <a:stretch>
             <a:fillRect/>
           </a:stretch>
@@ -5586,12 +5837,12 @@
   <p:clrMapOvr>
     <a:masterClrMapping/>
   </p:clrMapOvr>
-  <p:transition xmlns:p14="http://schemas.microsoft.com/office/powerpoint/2010/main" spd="med" advClick="1"/>
+  <p:transition spd="med"/>
 </p:sld>
 </file>
 
 <file path=ppt/slides/slide2.xml><?xml version="1.0" encoding="utf-8"?>
-<p:sld xmlns:a="http://schemas.openxmlformats.org/drawingml/2006/main" xmlns:r="http://schemas.openxmlformats.org/officeDocument/2006/relationships" xmlns:p="http://schemas.openxmlformats.org/presentationml/2006/main" xmlns:m="http://schemas.openxmlformats.org/officeDocument/2006/math" xmlns:a14="http://schemas.microsoft.com/office/drawing/2010/main" showMasterSp="1" showMasterPhAnim="1">
+<p:sld xmlns:a="http://schemas.openxmlformats.org/drawingml/2006/main" xmlns:r="http://schemas.openxmlformats.org/officeDocument/2006/relationships" xmlns:p="http://schemas.openxmlformats.org/presentationml/2006/main">
   <p:cSld>
     <p:spTree>
       <p:nvGrpSpPr>
@@ -5610,7 +5861,9 @@
       <p:sp>
         <p:nvSpPr>
           <p:cNvPr id="104" name="Titel 1"/>
-          <p:cNvSpPr txBox="1"/>
+          <p:cNvSpPr txBox="1">
+            <a:spLocks noGrp="1"/>
+          </p:cNvSpPr>
           <p:nvPr>
             <p:ph type="title"/>
           </p:nvPr>
@@ -5630,7 +5883,6 @@
             <a:lvl1pPr algn="ctr"/>
           </a:lstStyle>
           <a:p>
-            <a:pPr/>
             <a:r>
               <a:t>Outline</a:t>
             </a:r>
@@ -5640,7 +5892,9 @@
       <p:sp>
         <p:nvSpPr>
           <p:cNvPr id="105" name="Inhaltsplatzhalter 2"/>
-          <p:cNvSpPr txBox="1"/>
+          <p:cNvSpPr txBox="1">
+            <a:spLocks noGrp="1"/>
+          </p:cNvSpPr>
           <p:nvPr>
             <p:ph type="body" idx="1"/>
           </p:nvPr>
@@ -5675,6 +5929,7 @@
               </a:spcBef>
               <a:defRPr sz="2688"/>
             </a:pPr>
+            <a:endParaRPr/>
           </a:p>
           <a:p>
             <a:pPr marL="219455" indent="-219455" defTabSz="877823">
@@ -5694,6 +5949,7 @@
               </a:spcBef>
               <a:defRPr sz="2688"/>
             </a:pPr>
+            <a:endParaRPr/>
           </a:p>
           <a:p>
             <a:pPr marL="219455" indent="-219455" defTabSz="877823">
@@ -5713,6 +5969,7 @@
               </a:spcBef>
               <a:defRPr sz="2688"/>
             </a:pPr>
+            <a:endParaRPr/>
           </a:p>
           <a:p>
             <a:pPr marL="219455" indent="-219455" defTabSz="877823">
@@ -5732,6 +5989,7 @@
               </a:spcBef>
               <a:defRPr sz="2688"/>
             </a:pPr>
+            <a:endParaRPr/>
           </a:p>
           <a:p>
             <a:pPr marL="219455" indent="-219455" defTabSz="877823">
@@ -5749,7 +6007,9 @@
       <p:sp>
         <p:nvSpPr>
           <p:cNvPr id="106" name="Foliennummernplatzhalter 3"/>
-          <p:cNvSpPr txBox="1"/>
+          <p:cNvSpPr txBox="1">
+            <a:spLocks noGrp="1"/>
+          </p:cNvSpPr>
           <p:nvPr>
             <p:ph type="sldNum" sz="quarter" idx="2"/>
           </p:nvPr>
@@ -5764,7 +6024,7 @@
           </a:prstGeom>
           <a:extLst>
             <a:ext uri="{C572A759-6A51-4108-AA02-DFA0A04FC94B}">
-              <ma14:wrappingTextBoxFlag xmlns:ma14="http://schemas.microsoft.com/office/mac/drawingml/2011/main" val="1"/>
+              <ma14:wrappingTextBoxFlag xmlns:ma14="http://schemas.microsoft.com/office/mac/drawingml/2011/main" xmlns:a14="http://schemas.microsoft.com/office/drawing/2010/main" xmlns:m="http://schemas.openxmlformats.org/officeDocument/2006/math" xmlns="" val="1"/>
             </a:ext>
           </a:extLst>
         </p:spPr>
@@ -5772,8 +6032,10 @@
           <a:bodyPr/>
           <a:lstStyle/>
           <a:p>
-            <a:pPr/>
-            <a:fld id="{86CB4B4D-7CA3-9044-876B-883B54F8677D}" type="slidenum"/>
+            <a:fld id="{86CB4B4D-7CA3-9044-876B-883B54F8677D}" type="slidenum">
+              <a:t>2</a:t>
+            </a:fld>
+            <a:endParaRPr/>
           </a:p>
         </p:txBody>
       </p:sp>
@@ -5782,12 +6044,12 @@
   <p:clrMapOvr>
     <a:masterClrMapping/>
   </p:clrMapOvr>
-  <p:transition xmlns:p14="http://schemas.microsoft.com/office/powerpoint/2010/main" spd="med" advClick="1"/>
+  <p:transition spd="med"/>
 </p:sld>
 </file>
 
 <file path=ppt/slides/slide20.xml><?xml version="1.0" encoding="utf-8"?>
-<p:sld xmlns:a="http://schemas.openxmlformats.org/drawingml/2006/main" xmlns:r="http://schemas.openxmlformats.org/officeDocument/2006/relationships" xmlns:p="http://schemas.openxmlformats.org/presentationml/2006/main" xmlns:m="http://schemas.openxmlformats.org/officeDocument/2006/math" xmlns:a14="http://schemas.microsoft.com/office/drawing/2010/main" showMasterSp="1" showMasterPhAnim="1">
+<p:sld xmlns:a="http://schemas.openxmlformats.org/drawingml/2006/main" xmlns:r="http://schemas.openxmlformats.org/officeDocument/2006/relationships" xmlns:p="http://schemas.openxmlformats.org/presentationml/2006/main">
   <p:cSld>
     <p:spTree>
       <p:nvGrpSpPr>
@@ -5806,7 +6068,9 @@
       <p:sp>
         <p:nvSpPr>
           <p:cNvPr id="198" name="Titel 1"/>
-          <p:cNvSpPr txBox="1"/>
+          <p:cNvSpPr txBox="1">
+            <a:spLocks noGrp="1"/>
+          </p:cNvSpPr>
           <p:nvPr>
             <p:ph type="title"/>
           </p:nvPr>
@@ -5826,8 +6090,8 @@
             <a:lvl1pPr algn="ctr"/>
           </a:lstStyle>
           <a:p>
-            <a:pPr/>
-            <a:r>
+            <a:r>
+              <a:rPr dirty="0"/>
               <a:t>Performance</a:t>
             </a:r>
           </a:p>
@@ -5836,7 +6100,9 @@
       <p:sp>
         <p:nvSpPr>
           <p:cNvPr id="199" name="Inhaltsplatzhalter 4"/>
-          <p:cNvSpPr txBox="1"/>
+          <p:cNvSpPr txBox="1">
+            <a:spLocks noGrp="1"/>
+          </p:cNvSpPr>
           <p:nvPr>
             <p:ph type="body" sz="half" idx="1"/>
           </p:nvPr>
@@ -5860,6 +6126,7 @@
               <a:defRPr b="1"/>
             </a:pPr>
             <a:r>
+              <a:rPr dirty="0"/>
               <a:t>Cross-validation:</a:t>
             </a:r>
           </a:p>
@@ -5868,43 +6135,35 @@
               <a:buSzTx/>
               <a:buNone/>
             </a:pPr>
-          </a:p>
-          <a:p>
-            <a:pPr/>
-            <a:r>
+            <a:endParaRPr dirty="0"/>
+          </a:p>
+          <a:p>
+            <a:r>
+              <a:rPr dirty="0"/>
               <a:t>MCC: 19% ± 1% </a:t>
             </a:r>
           </a:p>
           <a:p>
-            <a:pPr/>
-            <a:r>
+            <a:r>
+              <a:rPr dirty="0"/>
               <a:t>F1-score: 19% ± 1%</a:t>
             </a:r>
           </a:p>
           <a:p>
-            <a:pPr/>
-            <a:r>
+            <a:r>
+              <a:rPr dirty="0"/>
               <a:t>Precision: 40% ± 2%</a:t>
             </a:r>
           </a:p>
           <a:p>
-            <a:pPr/>
-            <a:r>
-              <a:t>Recall: </a:t>
-            </a:r>
-            <a:r>
-              <a:t>13.4% </a:t>
-            </a:r>
-            <a:r>
-              <a:t>± </a:t>
-            </a:r>
-            <a:r>
-              <a:t>0.7%</a:t>
-            </a:r>
-          </a:p>
-          <a:p>
-            <a:pPr/>
-            <a:r>
+            <a:r>
+              <a:rPr dirty="0"/>
+              <a:t>Recall: 13.4% ± 0.7%</a:t>
+            </a:r>
+          </a:p>
+          <a:p>
+            <a:r>
+              <a:rPr dirty="0"/>
               <a:t>Coverage: 1</a:t>
             </a:r>
           </a:p>
@@ -5918,7 +6177,7 @@
         </p:nvSpPr>
         <p:spPr>
           <a:xfrm>
-            <a:off x="6172200" y="1825625"/>
+            <a:off x="6172200" y="1844479"/>
             <a:ext cx="5181600" cy="4351338"/>
           </a:xfrm>
           <a:prstGeom prst="rect">
@@ -5929,13 +6188,13 @@
           </a:ln>
           <a:extLst>
             <a:ext uri="{C572A759-6A51-4108-AA02-DFA0A04FC94B}">
-              <ma14:wrappingTextBoxFlag xmlns:ma14="http://schemas.microsoft.com/office/mac/drawingml/2011/main" val="1"/>
+              <ma14:wrappingTextBoxFlag xmlns:ma14="http://schemas.microsoft.com/office/mac/drawingml/2011/main" xmlns:a14="http://schemas.microsoft.com/office/drawing/2010/main" xmlns:m="http://schemas.openxmlformats.org/officeDocument/2006/math" xmlns="" val="1"/>
             </a:ext>
           </a:extLst>
         </p:spPr>
         <p:txBody>
           <a:bodyPr lIns="45719" rIns="45719">
-            <a:normAutofit fontScale="100000" lnSpcReduction="0"/>
+            <a:normAutofit/>
           </a:bodyPr>
           <a:lstStyle/>
           <a:p>
@@ -5946,10 +6205,15 @@
               <a:spcBef>
                 <a:spcPts val="1000"/>
               </a:spcBef>
-              <a:defRPr b="1" sz="2800"/>
+              <a:defRPr sz="2800" b="1"/>
             </a:pPr>
             <a:r>
-              <a:t>Testset:</a:t>
+              <a:rPr dirty="0" err="1"/>
+              <a:t>Testset</a:t>
+            </a:r>
+            <a:r>
+              <a:rPr dirty="0"/>
+              <a:t>:</a:t>
             </a:r>
           </a:p>
           <a:p>
@@ -5965,6 +6229,7 @@
               <a:buChar char="•"/>
               <a:defRPr sz="2800"/>
             </a:pPr>
+            <a:endParaRPr dirty="0"/>
           </a:p>
           <a:p>
             <a:pPr marL="228600" indent="-228600">
@@ -5980,17 +6245,19 @@
               <a:defRPr sz="2800"/>
             </a:pPr>
             <a:r>
+              <a:rPr dirty="0"/>
               <a:t>MCC: 29% ± </a:t>
             </a:r>
             <a:r>
-              <a:rPr>
+              <a:rPr lang="de-DE" dirty="0">
                 <a:solidFill>
-                  <a:srgbClr val="FF0000"/>
+                  <a:schemeClr val="tx1"/>
                 </a:solidFill>
               </a:rPr>
               <a:t>1</a:t>
             </a:r>
             <a:r>
+              <a:rPr dirty="0"/>
               <a:t>%</a:t>
             </a:r>
           </a:p>
@@ -6008,17 +6275,19 @@
               <a:defRPr sz="2800"/>
             </a:pPr>
             <a:r>
+              <a:rPr dirty="0"/>
               <a:t>F1-score: 35% ± </a:t>
             </a:r>
             <a:r>
-              <a:rPr>
+              <a:rPr lang="de-DE" dirty="0">
                 <a:solidFill>
-                  <a:srgbClr val="FF0027"/>
+                  <a:schemeClr val="tx1"/>
                 </a:solidFill>
               </a:rPr>
               <a:t>1</a:t>
             </a:r>
             <a:r>
+              <a:rPr dirty="0"/>
               <a:t>%</a:t>
             </a:r>
           </a:p>
@@ -6036,20 +6305,19 @@
               <a:defRPr sz="2800"/>
             </a:pPr>
             <a:r>
+              <a:rPr dirty="0"/>
               <a:t>Precision: 40% ± </a:t>
             </a:r>
             <a:r>
-              <a:rPr>
+              <a:rPr lang="de-DE" dirty="0">
                 <a:solidFill>
-                  <a:schemeClr val="accent2">
-                    <a:satOff val="-18194"/>
-                    <a:lumOff val="-11215"/>
-                  </a:schemeClr>
+                  <a:schemeClr val="tx1"/>
                 </a:solidFill>
               </a:rPr>
-              <a:t>2</a:t>
-            </a:r>
-            <a:r>
+              <a:t>1</a:t>
+            </a:r>
+            <a:r>
+              <a:rPr dirty="0"/>
               <a:t>%</a:t>
             </a:r>
           </a:p>
@@ -6067,20 +6335,19 @@
               <a:defRPr sz="2800"/>
             </a:pPr>
             <a:r>
-              <a:t>Recall: 30.1% ± </a:t>
-            </a:r>
-            <a:r>
-              <a:rPr>
+              <a:rPr dirty="0"/>
+              <a:t>Recall: 30% ± </a:t>
+            </a:r>
+            <a:r>
+              <a:rPr lang="de-DE" dirty="0">
                 <a:solidFill>
-                  <a:schemeClr val="accent2">
-                    <a:satOff val="-18194"/>
-                    <a:lumOff val="-11215"/>
-                  </a:schemeClr>
+                  <a:schemeClr val="tx1"/>
                 </a:solidFill>
               </a:rPr>
-              <a:t>0.6</a:t>
-            </a:r>
-            <a:r>
+              <a:t>1</a:t>
+            </a:r>
+            <a:r>
+              <a:rPr dirty="0"/>
               <a:t>%</a:t>
             </a:r>
           </a:p>
@@ -6098,6 +6365,7 @@
               <a:defRPr sz="2800"/>
             </a:pPr>
             <a:r>
+              <a:rPr dirty="0"/>
               <a:t>Coverage: 1</a:t>
             </a:r>
           </a:p>
@@ -6106,7 +6374,9 @@
       <p:sp>
         <p:nvSpPr>
           <p:cNvPr id="201" name="Foliennummernplatzhalter 3"/>
-          <p:cNvSpPr txBox="1"/>
+          <p:cNvSpPr txBox="1">
+            <a:spLocks noGrp="1"/>
+          </p:cNvSpPr>
           <p:nvPr>
             <p:ph type="sldNum" sz="quarter" idx="2"/>
           </p:nvPr>
@@ -6121,7 +6391,7 @@
           </a:prstGeom>
           <a:extLst>
             <a:ext uri="{C572A759-6A51-4108-AA02-DFA0A04FC94B}">
-              <ma14:wrappingTextBoxFlag xmlns:ma14="http://schemas.microsoft.com/office/mac/drawingml/2011/main" val="1"/>
+              <ma14:wrappingTextBoxFlag xmlns:ma14="http://schemas.microsoft.com/office/mac/drawingml/2011/main" xmlns:a14="http://schemas.microsoft.com/office/drawing/2010/main" xmlns:m="http://schemas.openxmlformats.org/officeDocument/2006/math" xmlns="" val="1"/>
             </a:ext>
           </a:extLst>
         </p:spPr>
@@ -6129,8 +6399,10 @@
           <a:bodyPr/>
           <a:lstStyle/>
           <a:p>
-            <a:pPr/>
-            <a:fld id="{86CB4B4D-7CA3-9044-876B-883B54F8677D}" type="slidenum"/>
+            <a:fld id="{86CB4B4D-7CA3-9044-876B-883B54F8677D}" type="slidenum">
+              <a:t>20</a:t>
+            </a:fld>
+            <a:endParaRPr/>
           </a:p>
         </p:txBody>
       </p:sp>
@@ -6139,12 +6411,12 @@
   <p:clrMapOvr>
     <a:masterClrMapping/>
   </p:clrMapOvr>
-  <p:transition xmlns:p14="http://schemas.microsoft.com/office/powerpoint/2010/main" spd="med" advClick="1"/>
+  <p:transition spd="med"/>
 </p:sld>
 </file>
 
 <file path=ppt/slides/slide21.xml><?xml version="1.0" encoding="utf-8"?>
-<p:sld xmlns:a="http://schemas.openxmlformats.org/drawingml/2006/main" xmlns:r="http://schemas.openxmlformats.org/officeDocument/2006/relationships" xmlns:p="http://schemas.openxmlformats.org/presentationml/2006/main" xmlns:m="http://schemas.openxmlformats.org/officeDocument/2006/math" xmlns:a14="http://schemas.microsoft.com/office/drawing/2010/main" showMasterSp="1" showMasterPhAnim="1">
+<p:sld xmlns:a="http://schemas.openxmlformats.org/drawingml/2006/main" xmlns:r="http://schemas.openxmlformats.org/officeDocument/2006/relationships" xmlns:p="http://schemas.openxmlformats.org/presentationml/2006/main">
   <p:cSld>
     <p:spTree>
       <p:nvGrpSpPr>
@@ -6169,9 +6441,7 @@
           <p:nvPr/>
         </p:nvPicPr>
         <p:blipFill>
-          <a:blip r:embed="rId2">
-            <a:extLst/>
-          </a:blip>
+          <a:blip r:embed="rId2"/>
           <a:stretch>
             <a:fillRect/>
           </a:stretch>
@@ -6192,7 +6462,9 @@
       <p:sp>
         <p:nvSpPr>
           <p:cNvPr id="204" name="Slide Number Placeholder 4"/>
-          <p:cNvSpPr txBox="1"/>
+          <p:cNvSpPr txBox="1">
+            <a:spLocks noGrp="1"/>
+          </p:cNvSpPr>
           <p:nvPr>
             <p:ph type="sldNum" sz="quarter" idx="2"/>
           </p:nvPr>
@@ -6207,7 +6479,7 @@
           </a:prstGeom>
           <a:extLst>
             <a:ext uri="{C572A759-6A51-4108-AA02-DFA0A04FC94B}">
-              <ma14:wrappingTextBoxFlag xmlns:ma14="http://schemas.microsoft.com/office/mac/drawingml/2011/main" val="1"/>
+              <ma14:wrappingTextBoxFlag xmlns:ma14="http://schemas.microsoft.com/office/mac/drawingml/2011/main" xmlns:a14="http://schemas.microsoft.com/office/drawing/2010/main" xmlns:m="http://schemas.openxmlformats.org/officeDocument/2006/math" xmlns="" val="1"/>
             </a:ext>
           </a:extLst>
         </p:spPr>
@@ -6215,15 +6487,19 @@
           <a:bodyPr/>
           <a:lstStyle/>
           <a:p>
-            <a:pPr/>
-            <a:fld id="{86CB4B4D-7CA3-9044-876B-883B54F8677D}" type="slidenum"/>
+            <a:fld id="{86CB4B4D-7CA3-9044-876B-883B54F8677D}" type="slidenum">
+              <a:t>21</a:t>
+            </a:fld>
+            <a:endParaRPr/>
           </a:p>
         </p:txBody>
       </p:sp>
       <p:sp>
         <p:nvSpPr>
           <p:cNvPr id="205" name="Title 1"/>
-          <p:cNvSpPr txBox="1"/>
+          <p:cNvSpPr txBox="1">
+            <a:spLocks noGrp="1"/>
+          </p:cNvSpPr>
           <p:nvPr>
             <p:ph type="title"/>
           </p:nvPr>
@@ -6243,7 +6519,6 @@
             <a:lvl1pPr algn="ctr"/>
           </a:lstStyle>
           <a:p>
-            <a:pPr/>
             <a:r>
               <a:t>Cutoff Distribution</a:t>
             </a:r>
@@ -6255,12 +6530,12 @@
   <p:clrMapOvr>
     <a:masterClrMapping/>
   </p:clrMapOvr>
-  <p:transition xmlns:p14="http://schemas.microsoft.com/office/powerpoint/2010/main" spd="med" advClick="1"/>
+  <p:transition spd="med"/>
 </p:sld>
 </file>
 
 <file path=ppt/slides/slide22.xml><?xml version="1.0" encoding="utf-8"?>
-<p:sld xmlns:a="http://schemas.openxmlformats.org/drawingml/2006/main" xmlns:r="http://schemas.openxmlformats.org/officeDocument/2006/relationships" xmlns:p="http://schemas.openxmlformats.org/presentationml/2006/main" xmlns:m="http://schemas.openxmlformats.org/officeDocument/2006/math" xmlns:a14="http://schemas.microsoft.com/office/drawing/2010/main" showMasterSp="1" showMasterPhAnim="1">
+<p:sld xmlns:a="http://schemas.openxmlformats.org/drawingml/2006/main" xmlns:r="http://schemas.openxmlformats.org/officeDocument/2006/relationships" xmlns:p="http://schemas.openxmlformats.org/presentationml/2006/main">
   <p:cSld>
     <p:spTree>
       <p:nvGrpSpPr>
@@ -6279,7 +6554,9 @@
       <p:sp>
         <p:nvSpPr>
           <p:cNvPr id="207" name="Foliennummernplatzhalter 3"/>
-          <p:cNvSpPr txBox="1"/>
+          <p:cNvSpPr txBox="1">
+            <a:spLocks noGrp="1"/>
+          </p:cNvSpPr>
           <p:nvPr>
             <p:ph type="sldNum" sz="quarter" idx="2"/>
           </p:nvPr>
@@ -6294,7 +6571,7 @@
           </a:prstGeom>
           <a:extLst>
             <a:ext uri="{C572A759-6A51-4108-AA02-DFA0A04FC94B}">
-              <ma14:wrappingTextBoxFlag xmlns:ma14="http://schemas.microsoft.com/office/mac/drawingml/2011/main" val="1"/>
+              <ma14:wrappingTextBoxFlag xmlns:ma14="http://schemas.microsoft.com/office/mac/drawingml/2011/main" xmlns:a14="http://schemas.microsoft.com/office/drawing/2010/main" xmlns:m="http://schemas.openxmlformats.org/officeDocument/2006/math" xmlns="" val="1"/>
             </a:ext>
           </a:extLst>
         </p:spPr>
@@ -6302,8 +6579,10 @@
           <a:bodyPr/>
           <a:lstStyle/>
           <a:p>
-            <a:pPr/>
-            <a:fld id="{86CB4B4D-7CA3-9044-876B-883B54F8677D}" type="slidenum"/>
+            <a:fld id="{86CB4B4D-7CA3-9044-876B-883B54F8677D}" type="slidenum">
+              <a:t>22</a:t>
+            </a:fld>
+            <a:endParaRPr/>
           </a:p>
         </p:txBody>
       </p:sp>
@@ -6326,13 +6605,13 @@
           </a:ln>
           <a:extLst>
             <a:ext uri="{C572A759-6A51-4108-AA02-DFA0A04FC94B}">
-              <ma14:wrappingTextBoxFlag xmlns:ma14="http://schemas.microsoft.com/office/mac/drawingml/2011/main" val="1"/>
+              <ma14:wrappingTextBoxFlag xmlns:ma14="http://schemas.microsoft.com/office/mac/drawingml/2011/main" xmlns:a14="http://schemas.microsoft.com/office/drawing/2010/main" xmlns:m="http://schemas.openxmlformats.org/officeDocument/2006/math" xmlns="" val="1"/>
             </a:ext>
           </a:extLst>
         </p:spPr>
         <p:txBody>
           <a:bodyPr lIns="45719" rIns="45719" anchor="ctr">
-            <a:normAutofit fontScale="100000" lnSpcReduction="0"/>
+            <a:normAutofit/>
           </a:bodyPr>
           <a:lstStyle>
             <a:lvl1pPr algn="ctr">
@@ -6348,7 +6627,6 @@
             </a:lvl1pPr>
           </a:lstStyle>
           <a:p>
-            <a:pPr/>
             <a:r>
               <a:t>Testing for overfitting</a:t>
             </a:r>
@@ -6364,9 +6642,7 @@
           <p:nvPr/>
         </p:nvPicPr>
         <p:blipFill>
-          <a:blip r:embed="rId2">
-            <a:extLst/>
-          </a:blip>
+          <a:blip r:embed="rId2"/>
           <a:stretch>
             <a:fillRect/>
           </a:stretch>
@@ -6393,9 +6669,7 @@
           <p:nvPr/>
         </p:nvPicPr>
         <p:blipFill>
-          <a:blip r:embed="rId3">
-            <a:extLst/>
-          </a:blip>
+          <a:blip r:embed="rId3"/>
           <a:stretch>
             <a:fillRect/>
           </a:stretch>
@@ -6418,12 +6692,12 @@
   <p:clrMapOvr>
     <a:masterClrMapping/>
   </p:clrMapOvr>
-  <p:transition xmlns:p14="http://schemas.microsoft.com/office/powerpoint/2010/main" spd="med" advClick="1"/>
+  <p:transition spd="med"/>
 </p:sld>
 </file>
 
 <file path=ppt/slides/slide23.xml><?xml version="1.0" encoding="utf-8"?>
-<p:sld xmlns:a="http://schemas.openxmlformats.org/drawingml/2006/main" xmlns:r="http://schemas.openxmlformats.org/officeDocument/2006/relationships" xmlns:p="http://schemas.openxmlformats.org/presentationml/2006/main" xmlns:m="http://schemas.openxmlformats.org/officeDocument/2006/math" xmlns:a14="http://schemas.microsoft.com/office/drawing/2010/main" show="0" showMasterSp="1" showMasterPhAnim="1">
+<p:sld xmlns:a="http://schemas.openxmlformats.org/drawingml/2006/main" xmlns:r="http://schemas.openxmlformats.org/officeDocument/2006/relationships" xmlns:p="http://schemas.openxmlformats.org/presentationml/2006/main" show="0">
   <p:cSld>
     <p:spTree>
       <p:nvGrpSpPr>
@@ -6442,7 +6716,9 @@
       <p:sp>
         <p:nvSpPr>
           <p:cNvPr id="212" name="Title 1"/>
-          <p:cNvSpPr txBox="1"/>
+          <p:cNvSpPr txBox="1">
+            <a:spLocks noGrp="1"/>
+          </p:cNvSpPr>
           <p:nvPr>
             <p:ph type="title"/>
           </p:nvPr>
@@ -6462,7 +6738,6 @@
             <a:lvl1pPr algn="ctr"/>
           </a:lstStyle>
           <a:p>
-            <a:pPr/>
             <a:r>
               <a:t>Testing for Overfitting</a:t>
             </a:r>
@@ -6472,7 +6747,9 @@
       <p:sp>
         <p:nvSpPr>
           <p:cNvPr id="213" name="Slide Number Placeholder 3"/>
-          <p:cNvSpPr txBox="1"/>
+          <p:cNvSpPr txBox="1">
+            <a:spLocks noGrp="1"/>
+          </p:cNvSpPr>
           <p:nvPr>
             <p:ph type="sldNum" sz="quarter" idx="2"/>
           </p:nvPr>
@@ -6487,7 +6764,7 @@
           </a:prstGeom>
           <a:extLst>
             <a:ext uri="{C572A759-6A51-4108-AA02-DFA0A04FC94B}">
-              <ma14:wrappingTextBoxFlag xmlns:ma14="http://schemas.microsoft.com/office/mac/drawingml/2011/main" val="1"/>
+              <ma14:wrappingTextBoxFlag xmlns:ma14="http://schemas.microsoft.com/office/mac/drawingml/2011/main" xmlns:a14="http://schemas.microsoft.com/office/drawing/2010/main" xmlns:m="http://schemas.openxmlformats.org/officeDocument/2006/math" xmlns="" val="1"/>
             </a:ext>
           </a:extLst>
         </p:spPr>
@@ -6495,22 +6772,213 @@
           <a:bodyPr/>
           <a:lstStyle/>
           <a:p>
-            <a:pPr/>
-            <a:fld id="{86CB4B4D-7CA3-9044-876B-883B54F8677D}" type="slidenum"/>
+            <a:fld id="{86CB4B4D-7CA3-9044-876B-883B54F8677D}" type="slidenum">
+              <a:t>23</a:t>
+            </a:fld>
+            <a:endParaRPr/>
           </a:p>
         </p:txBody>
       </p:sp>
+      <p:pic>
+        <p:nvPicPr>
+          <p:cNvPr id="3" name="Grafik 2" descr="Ein Bild, das Text, Karte enthält.&#10;&#10;Automatisch generierte Beschreibung">
+            <a:extLst>
+              <a:ext uri="{FF2B5EF4-FFF2-40B4-BE49-F238E27FC236}">
+                <a16:creationId xmlns:a16="http://schemas.microsoft.com/office/drawing/2014/main" id="{BC5E789C-ED38-4577-89FC-6F71245AF320}"/>
+              </a:ext>
+            </a:extLst>
+          </p:cNvPr>
+          <p:cNvPicPr>
+            <a:picLocks noChangeAspect="1"/>
+          </p:cNvPicPr>
+          <p:nvPr/>
+        </p:nvPicPr>
+        <p:blipFill>
+          <a:blip r:embed="rId2">
+            <a:extLst>
+              <a:ext uri="{28A0092B-C50C-407E-A947-70E740481C1C}">
+                <a14:useLocalDpi xmlns:a14="http://schemas.microsoft.com/office/drawing/2010/main" val="0"/>
+              </a:ext>
+            </a:extLst>
+          </a:blip>
+          <a:stretch>
+            <a:fillRect/>
+          </a:stretch>
+        </p:blipFill>
+        <p:spPr>
+          <a:xfrm>
+            <a:off x="6339828" y="1690687"/>
+            <a:ext cx="5852172" cy="4370841"/>
+          </a:xfrm>
+          <a:prstGeom prst="rect">
+            <a:avLst/>
+          </a:prstGeom>
+        </p:spPr>
+      </p:pic>
+      <p:pic>
+        <p:nvPicPr>
+          <p:cNvPr id="5" name="Grafik 4" descr="Ein Bild, das Screenshot enthält.&#10;&#10;Automatisch generierte Beschreibung">
+            <a:extLst>
+              <a:ext uri="{FF2B5EF4-FFF2-40B4-BE49-F238E27FC236}">
+                <a16:creationId xmlns:a16="http://schemas.microsoft.com/office/drawing/2014/main" id="{7B40107C-3F2C-4A93-B8E9-A32272A63161}"/>
+              </a:ext>
+            </a:extLst>
+          </p:cNvPr>
+          <p:cNvPicPr>
+            <a:picLocks noChangeAspect="1"/>
+          </p:cNvPicPr>
+          <p:nvPr/>
+        </p:nvPicPr>
+        <p:blipFill>
+          <a:blip r:embed="rId3">
+            <a:extLst>
+              <a:ext uri="{28A0092B-C50C-407E-A947-70E740481C1C}">
+                <a14:useLocalDpi xmlns:a14="http://schemas.microsoft.com/office/drawing/2010/main" val="0"/>
+              </a:ext>
+            </a:extLst>
+          </a:blip>
+          <a:stretch>
+            <a:fillRect/>
+          </a:stretch>
+        </p:blipFill>
+        <p:spPr>
+          <a:xfrm>
+            <a:off x="558690" y="1690688"/>
+            <a:ext cx="5852172" cy="4370841"/>
+          </a:xfrm>
+          <a:prstGeom prst="rect">
+            <a:avLst/>
+          </a:prstGeom>
+        </p:spPr>
+      </p:pic>
     </p:spTree>
   </p:cSld>
   <p:clrMapOvr>
     <a:masterClrMapping/>
   </p:clrMapOvr>
-  <p:transition xmlns:p14="http://schemas.microsoft.com/office/powerpoint/2010/main" spd="med" advClick="1"/>
+  <p:transition spd="med"/>
 </p:sld>
 </file>
 
 <file path=ppt/slides/slide24.xml><?xml version="1.0" encoding="utf-8"?>
-<p:sld xmlns:a="http://schemas.openxmlformats.org/drawingml/2006/main" xmlns:r="http://schemas.openxmlformats.org/officeDocument/2006/relationships" xmlns:p="http://schemas.openxmlformats.org/presentationml/2006/main" xmlns:m="http://schemas.openxmlformats.org/officeDocument/2006/math" xmlns:a14="http://schemas.microsoft.com/office/drawing/2010/main" showMasterSp="1" showMasterPhAnim="1">
+<p:sld xmlns:a="http://schemas.openxmlformats.org/drawingml/2006/main" xmlns:r="http://schemas.openxmlformats.org/officeDocument/2006/relationships" xmlns:p="http://schemas.openxmlformats.org/presentationml/2006/main">
+  <p:cSld>
+    <p:spTree>
+      <p:nvGrpSpPr>
+        <p:cNvPr id="1" name=""/>
+        <p:cNvGrpSpPr/>
+        <p:nvPr/>
+      </p:nvGrpSpPr>
+      <p:grpSpPr>
+        <a:xfrm>
+          <a:off x="0" y="0"/>
+          <a:ext cx="0" cy="0"/>
+          <a:chOff x="0" y="0"/>
+          <a:chExt cx="0" cy="0"/>
+        </a:xfrm>
+      </p:grpSpPr>
+      <p:sp>
+        <p:nvSpPr>
+          <p:cNvPr id="2" name="Titel 1">
+            <a:extLst>
+              <a:ext uri="{FF2B5EF4-FFF2-40B4-BE49-F238E27FC236}">
+                <a16:creationId xmlns:a16="http://schemas.microsoft.com/office/drawing/2014/main" id="{D38D457B-3599-490A-883E-2C44D6531D06}"/>
+              </a:ext>
+            </a:extLst>
+          </p:cNvPr>
+          <p:cNvSpPr>
+            <a:spLocks noGrp="1"/>
+          </p:cNvSpPr>
+          <p:nvPr>
+            <p:ph type="title"/>
+          </p:nvPr>
+        </p:nvSpPr>
+        <p:spPr/>
+        <p:txBody>
+          <a:bodyPr/>
+          <a:lstStyle/>
+          <a:p>
+            <a:endParaRPr lang="en-US"/>
+          </a:p>
+        </p:txBody>
+      </p:sp>
+      <p:sp>
+        <p:nvSpPr>
+          <p:cNvPr id="3" name="Textplatzhalter 2">
+            <a:extLst>
+              <a:ext uri="{FF2B5EF4-FFF2-40B4-BE49-F238E27FC236}">
+                <a16:creationId xmlns:a16="http://schemas.microsoft.com/office/drawing/2014/main" id="{E282BAE1-98DB-4B22-A097-CD7F7C7F9A10}"/>
+              </a:ext>
+            </a:extLst>
+          </p:cNvPr>
+          <p:cNvSpPr>
+            <a:spLocks noGrp="1"/>
+          </p:cNvSpPr>
+          <p:nvPr>
+            <p:ph type="body" idx="1"/>
+          </p:nvPr>
+        </p:nvSpPr>
+        <p:spPr/>
+        <p:txBody>
+          <a:bodyPr/>
+          <a:lstStyle/>
+          <a:p>
+            <a:endParaRPr lang="en-US" dirty="0"/>
+          </a:p>
+        </p:txBody>
+      </p:sp>
+      <p:pic>
+        <p:nvPicPr>
+          <p:cNvPr id="4" name="Grafik 3" descr="Ein Bild, das Screenshot enthält.&#10;&#10;Automatisch generierte Beschreibung">
+            <a:extLst>
+              <a:ext uri="{FF2B5EF4-FFF2-40B4-BE49-F238E27FC236}">
+                <a16:creationId xmlns:a16="http://schemas.microsoft.com/office/drawing/2014/main" id="{6E086811-D851-4254-BC46-CDB16CAF5115}"/>
+              </a:ext>
+            </a:extLst>
+          </p:cNvPr>
+          <p:cNvPicPr>
+            <a:picLocks noChangeAspect="1"/>
+          </p:cNvPicPr>
+          <p:nvPr/>
+        </p:nvPicPr>
+        <p:blipFill>
+          <a:blip r:embed="rId2">
+            <a:extLst>
+              <a:ext uri="{28A0092B-C50C-407E-A947-70E740481C1C}">
+                <a14:useLocalDpi xmlns:a14="http://schemas.microsoft.com/office/drawing/2010/main" val="0"/>
+              </a:ext>
+            </a:extLst>
+          </a:blip>
+          <a:stretch>
+            <a:fillRect/>
+          </a:stretch>
+        </p:blipFill>
+        <p:spPr>
+          <a:xfrm>
+            <a:off x="732742" y="169682"/>
+            <a:ext cx="10726515" cy="6007281"/>
+          </a:xfrm>
+          <a:prstGeom prst="rect">
+            <a:avLst/>
+          </a:prstGeom>
+        </p:spPr>
+      </p:pic>
+    </p:spTree>
+    <p:extLst>
+      <p:ext uri="{BB962C8B-B14F-4D97-AF65-F5344CB8AC3E}">
+        <p14:creationId xmlns:p14="http://schemas.microsoft.com/office/powerpoint/2010/main" val="2054300214"/>
+      </p:ext>
+    </p:extLst>
+  </p:cSld>
+  <p:clrMapOvr>
+    <a:masterClrMapping/>
+  </p:clrMapOvr>
+  <p:transition spd="med"/>
+</p:sld>
+</file>
+
+<file path=ppt/slides/slide25.xml><?xml version="1.0" encoding="utf-8"?>
+<p:sld xmlns:a="http://schemas.openxmlformats.org/drawingml/2006/main" xmlns:r="http://schemas.openxmlformats.org/officeDocument/2006/relationships" xmlns:p="http://schemas.openxmlformats.org/presentationml/2006/main">
   <p:cSld>
     <p:spTree>
       <p:nvGrpSpPr>
@@ -6529,7 +6997,9 @@
       <p:sp>
         <p:nvSpPr>
           <p:cNvPr id="215" name="Titel 1"/>
-          <p:cNvSpPr txBox="1"/>
+          <p:cNvSpPr txBox="1">
+            <a:spLocks noGrp="1"/>
+          </p:cNvSpPr>
           <p:nvPr>
             <p:ph type="title"/>
           </p:nvPr>
@@ -6549,7 +7019,6 @@
             <a:lvl1pPr algn="ctr"/>
           </a:lstStyle>
           <a:p>
-            <a:pPr/>
             <a:r>
               <a:t>Thank you!</a:t>
             </a:r>
@@ -6559,7 +7028,9 @@
       <p:sp>
         <p:nvSpPr>
           <p:cNvPr id="216" name="Inhaltsplatzhalter 2"/>
-          <p:cNvSpPr txBox="1"/>
+          <p:cNvSpPr txBox="1">
+            <a:spLocks noGrp="1"/>
+          </p:cNvSpPr>
           <p:nvPr>
             <p:ph type="body" idx="1"/>
           </p:nvPr>
@@ -6582,6 +7053,7 @@
               <a:buNone/>
               <a:defRPr sz="3600"/>
             </a:pPr>
+            <a:endParaRPr/>
           </a:p>
           <a:p>
             <a:pPr marL="0" indent="0" algn="ctr">
@@ -6589,6 +7061,7 @@
               <a:buNone/>
               <a:defRPr sz="3600"/>
             </a:pPr>
+            <a:endParaRPr/>
           </a:p>
           <a:p>
             <a:pPr marL="0" indent="0" algn="ctr">
@@ -6605,7 +7078,9 @@
       <p:sp>
         <p:nvSpPr>
           <p:cNvPr id="217" name="Foliennummernplatzhalter 3"/>
-          <p:cNvSpPr txBox="1"/>
+          <p:cNvSpPr txBox="1">
+            <a:spLocks noGrp="1"/>
+          </p:cNvSpPr>
           <p:nvPr>
             <p:ph type="sldNum" sz="quarter" idx="2"/>
           </p:nvPr>
@@ -6620,7 +7095,7 @@
           </a:prstGeom>
           <a:extLst>
             <a:ext uri="{C572A759-6A51-4108-AA02-DFA0A04FC94B}">
-              <ma14:wrappingTextBoxFlag xmlns:ma14="http://schemas.microsoft.com/office/mac/drawingml/2011/main" val="1"/>
+              <ma14:wrappingTextBoxFlag xmlns:ma14="http://schemas.microsoft.com/office/mac/drawingml/2011/main" xmlns:a14="http://schemas.microsoft.com/office/drawing/2010/main" xmlns:m="http://schemas.openxmlformats.org/officeDocument/2006/math" xmlns="" val="1"/>
             </a:ext>
           </a:extLst>
         </p:spPr>
@@ -6628,8 +7103,10 @@
           <a:bodyPr/>
           <a:lstStyle/>
           <a:p>
-            <a:pPr/>
-            <a:fld id="{86CB4B4D-7CA3-9044-876B-883B54F8677D}" type="slidenum"/>
+            <a:fld id="{86CB4B4D-7CA3-9044-876B-883B54F8677D}" type="slidenum">
+              <a:t>25</a:t>
+            </a:fld>
+            <a:endParaRPr/>
           </a:p>
         </p:txBody>
       </p:sp>
@@ -6638,12 +7115,12 @@
   <p:clrMapOvr>
     <a:masterClrMapping/>
   </p:clrMapOvr>
-  <p:transition xmlns:p14="http://schemas.microsoft.com/office/powerpoint/2010/main" spd="med" advClick="1"/>
+  <p:transition spd="med"/>
 </p:sld>
 </file>
 
-<file path=ppt/slides/slide25.xml><?xml version="1.0" encoding="utf-8"?>
-<p:sld xmlns:a="http://schemas.openxmlformats.org/drawingml/2006/main" xmlns:r="http://schemas.openxmlformats.org/officeDocument/2006/relationships" xmlns:p="http://schemas.openxmlformats.org/presentationml/2006/main" xmlns:m="http://schemas.openxmlformats.org/officeDocument/2006/math" xmlns:a14="http://schemas.microsoft.com/office/drawing/2010/main" showMasterSp="1" showMasterPhAnim="1">
+<file path=ppt/slides/slide26.xml><?xml version="1.0" encoding="utf-8"?>
+<p:sld xmlns:a="http://schemas.openxmlformats.org/drawingml/2006/main" xmlns:r="http://schemas.openxmlformats.org/officeDocument/2006/relationships" xmlns:p="http://schemas.openxmlformats.org/presentationml/2006/main">
   <p:cSld>
     <p:spTree>
       <p:nvGrpSpPr>
@@ -6662,7 +7139,9 @@
       <p:sp>
         <p:nvSpPr>
           <p:cNvPr id="219" name="Sources"/>
-          <p:cNvSpPr txBox="1"/>
+          <p:cNvSpPr txBox="1">
+            <a:spLocks noGrp="1"/>
+          </p:cNvSpPr>
           <p:nvPr>
             <p:ph type="title"/>
           </p:nvPr>
@@ -6678,7 +7157,6 @@
             <a:lvl1pPr algn="ctr"/>
           </a:lstStyle>
           <a:p>
-            <a:pPr/>
             <a:r>
               <a:t>Sources</a:t>
             </a:r>
@@ -6688,7 +7166,9 @@
       <p:sp>
         <p:nvSpPr>
           <p:cNvPr id="220" name="[1] Yang, J et al. “BioLiP: a semi-manually curated database for biologically relevant ligand-protein interactions.” Nucleic acids research (2012)…"/>
-          <p:cNvSpPr txBox="1"/>
+          <p:cNvSpPr txBox="1">
+            <a:spLocks noGrp="1"/>
+          </p:cNvSpPr>
           <p:nvPr>
             <p:ph type="body" idx="1"/>
           </p:nvPr>
@@ -6814,7 +7294,9 @@
       <p:sp>
         <p:nvSpPr>
           <p:cNvPr id="221" name="Slide Number"/>
-          <p:cNvSpPr txBox="1"/>
+          <p:cNvSpPr txBox="1">
+            <a:spLocks noGrp="1"/>
+          </p:cNvSpPr>
           <p:nvPr>
             <p:ph type="sldNum" sz="quarter" idx="2"/>
           </p:nvPr>
@@ -6825,7 +7307,7 @@
           </a:prstGeom>
           <a:extLst>
             <a:ext uri="{C572A759-6A51-4108-AA02-DFA0A04FC94B}">
-              <ma14:wrappingTextBoxFlag xmlns:ma14="http://schemas.microsoft.com/office/mac/drawingml/2011/main" val="1"/>
+              <ma14:wrappingTextBoxFlag xmlns:ma14="http://schemas.microsoft.com/office/mac/drawingml/2011/main" xmlns:a14="http://schemas.microsoft.com/office/drawing/2010/main" xmlns:m="http://schemas.openxmlformats.org/officeDocument/2006/math" xmlns="" val="1"/>
             </a:ext>
           </a:extLst>
         </p:spPr>
@@ -6833,8 +7315,10 @@
           <a:bodyPr/>
           <a:lstStyle/>
           <a:p>
-            <a:pPr/>
-            <a:fld id="{86CB4B4D-7CA3-9044-876B-883B54F8677D}" type="slidenum"/>
+            <a:fld id="{86CB4B4D-7CA3-9044-876B-883B54F8677D}" type="slidenum">
+              <a:t>26</a:t>
+            </a:fld>
+            <a:endParaRPr/>
           </a:p>
         </p:txBody>
       </p:sp>
@@ -6843,12 +7327,12 @@
   <p:clrMapOvr>
     <a:masterClrMapping/>
   </p:clrMapOvr>
-  <p:transition xmlns:p14="http://schemas.microsoft.com/office/powerpoint/2010/main" spd="med" advClick="1"/>
+  <p:transition spd="med"/>
 </p:sld>
 </file>
 
-<file path=ppt/slides/slide26.xml><?xml version="1.0" encoding="utf-8"?>
-<p:sld xmlns:a="http://schemas.openxmlformats.org/drawingml/2006/main" xmlns:r="http://schemas.openxmlformats.org/officeDocument/2006/relationships" xmlns:p="http://schemas.openxmlformats.org/presentationml/2006/main" xmlns:m="http://schemas.openxmlformats.org/officeDocument/2006/math" xmlns:a14="http://schemas.microsoft.com/office/drawing/2010/main" show="0" showMasterSp="1" showMasterPhAnim="1">
+<file path=ppt/slides/slide27.xml><?xml version="1.0" encoding="utf-8"?>
+<p:sld xmlns:a="http://schemas.openxmlformats.org/drawingml/2006/main" xmlns:r="http://schemas.openxmlformats.org/officeDocument/2006/relationships" xmlns:p="http://schemas.openxmlformats.org/presentationml/2006/main" show="0">
   <p:cSld>
     <p:spTree>
       <p:nvGrpSpPr>
@@ -6867,7 +7351,9 @@
       <p:sp>
         <p:nvSpPr>
           <p:cNvPr id="223" name="Titel 1"/>
-          <p:cNvSpPr txBox="1"/>
+          <p:cNvSpPr txBox="1">
+            <a:spLocks noGrp="1"/>
+          </p:cNvSpPr>
           <p:nvPr>
             <p:ph type="title"/>
           </p:nvPr>
@@ -6885,7 +7371,6 @@
           <a:bodyPr/>
           <a:lstStyle/>
           <a:p>
-            <a:pPr/>
             <a:r>
               <a:t>stats</a:t>
             </a:r>
@@ -6895,7 +7380,9 @@
       <p:sp>
         <p:nvSpPr>
           <p:cNvPr id="224" name="Inhaltsplatzhalter 2"/>
-          <p:cNvSpPr txBox="1"/>
+          <p:cNvSpPr txBox="1">
+            <a:spLocks noGrp="1"/>
+          </p:cNvSpPr>
           <p:nvPr>
             <p:ph type="body" idx="1"/>
           </p:nvPr>
@@ -7007,7 +7494,9 @@
       <p:sp>
         <p:nvSpPr>
           <p:cNvPr id="225" name="Foliennummernplatzhalter 3"/>
-          <p:cNvSpPr txBox="1"/>
+          <p:cNvSpPr txBox="1">
+            <a:spLocks noGrp="1"/>
+          </p:cNvSpPr>
           <p:nvPr>
             <p:ph type="sldNum" sz="quarter" idx="2"/>
           </p:nvPr>
@@ -7022,7 +7511,7 @@
           </a:prstGeom>
           <a:extLst>
             <a:ext uri="{C572A759-6A51-4108-AA02-DFA0A04FC94B}">
-              <ma14:wrappingTextBoxFlag xmlns:ma14="http://schemas.microsoft.com/office/mac/drawingml/2011/main" val="1"/>
+              <ma14:wrappingTextBoxFlag xmlns:ma14="http://schemas.microsoft.com/office/mac/drawingml/2011/main" xmlns:a14="http://schemas.microsoft.com/office/drawing/2010/main" xmlns:m="http://schemas.openxmlformats.org/officeDocument/2006/math" xmlns="" val="1"/>
             </a:ext>
           </a:extLst>
         </p:spPr>
@@ -7030,8 +7519,10 @@
           <a:bodyPr/>
           <a:lstStyle/>
           <a:p>
-            <a:pPr/>
-            <a:fld id="{86CB4B4D-7CA3-9044-876B-883B54F8677D}" type="slidenum"/>
+            <a:fld id="{86CB4B4D-7CA3-9044-876B-883B54F8677D}" type="slidenum">
+              <a:t>27</a:t>
+            </a:fld>
+            <a:endParaRPr/>
           </a:p>
         </p:txBody>
       </p:sp>
@@ -7040,12 +7531,12 @@
   <p:clrMapOvr>
     <a:masterClrMapping/>
   </p:clrMapOvr>
-  <p:transition xmlns:p14="http://schemas.microsoft.com/office/powerpoint/2010/main" spd="med" advClick="1"/>
+  <p:transition spd="med"/>
 </p:sld>
 </file>
 
-<file path=ppt/slides/slide27.xml><?xml version="1.0" encoding="utf-8"?>
-<p:sld xmlns:a="http://schemas.openxmlformats.org/drawingml/2006/main" xmlns:r="http://schemas.openxmlformats.org/officeDocument/2006/relationships" xmlns:p="http://schemas.openxmlformats.org/presentationml/2006/main" xmlns:m="http://schemas.openxmlformats.org/officeDocument/2006/math" xmlns:a14="http://schemas.microsoft.com/office/drawing/2010/main" show="0" showMasterSp="1" showMasterPhAnim="1">
+<file path=ppt/slides/slide28.xml><?xml version="1.0" encoding="utf-8"?>
+<p:sld xmlns:a="http://schemas.openxmlformats.org/drawingml/2006/main" xmlns:r="http://schemas.openxmlformats.org/officeDocument/2006/relationships" xmlns:p="http://schemas.openxmlformats.org/presentationml/2006/main" show="0">
   <p:cSld>
     <p:spTree>
       <p:nvGrpSpPr>
@@ -7064,7 +7555,9 @@
       <p:sp>
         <p:nvSpPr>
           <p:cNvPr id="227" name="Titel 1"/>
-          <p:cNvSpPr txBox="1"/>
+          <p:cNvSpPr txBox="1">
+            <a:spLocks noGrp="1"/>
+          </p:cNvSpPr>
           <p:nvPr>
             <p:ph type="title"/>
           </p:nvPr>
@@ -7082,7 +7575,6 @@
           <a:bodyPr/>
           <a:lstStyle/>
           <a:p>
-            <a:pPr/>
             <a:r>
               <a:t>Stats crossvalidation</a:t>
             </a:r>
@@ -7092,7 +7584,9 @@
       <p:sp>
         <p:nvSpPr>
           <p:cNvPr id="228" name="Inhaltsplatzhalter 2"/>
-          <p:cNvSpPr txBox="1"/>
+          <p:cNvSpPr txBox="1">
+            <a:spLocks noGrp="1"/>
+          </p:cNvSpPr>
           <p:nvPr>
             <p:ph type="body" idx="1"/>
           </p:nvPr>
@@ -7156,13 +7650,7 @@
               </a:lnSpc>
             </a:pPr>
             <a:r>
-              <a:t>TPR: 0.13372148515796506 </a:t>
-            </a:r>
-            <a:r>
-              <a:t>± </a:t>
-            </a:r>
-            <a:r>
-              <a:t>0.006728852995094254</a:t>
+              <a:t>TPR: 0.13372148515796506 ± 0.006728852995094254</a:t>
             </a:r>
           </a:p>
           <a:p>
@@ -7172,10 +7660,7 @@
               </a:lnSpc>
             </a:pPr>
             <a:r>
-              <a:t>FPR: 0.020675081918379506 </a:t>
-            </a:r>
-            <a:r>
-              <a:t>± </a:t>
+              <a:t>FPR: 0.020675081918379506 ± </a:t>
             </a:r>
           </a:p>
           <a:p>
@@ -7185,13 +7670,7 @@
               </a:lnSpc>
             </a:pPr>
             <a:r>
-              <a:t>Precision: 0.38680287134180014 </a:t>
-            </a:r>
-            <a:r>
-              <a:t>± </a:t>
-            </a:r>
-            <a:r>
-              <a:t>0.01515588223022108</a:t>
+              <a:t>Precision: 0.38680287134180014 ± 0.01515588223022108</a:t>
             </a:r>
           </a:p>
           <a:p>
@@ -7201,13 +7680,7 @@
               </a:lnSpc>
             </a:pPr>
             <a:r>
-              <a:t>MCC: 0.1864096719348082 </a:t>
-            </a:r>
-            <a:r>
-              <a:t>± </a:t>
-            </a:r>
-            <a:r>
-              <a:t>0.009743841686838386</a:t>
+              <a:t>MCC: 0.1864096719348082 ± 0.009743841686838386</a:t>
             </a:r>
           </a:p>
           <a:p>
@@ -7217,10 +7690,7 @@
               </a:lnSpc>
             </a:pPr>
             <a:r>
-              <a:t>F1: 0.1898892068383594 ± </a:t>
-            </a:r>
-            <a:r>
-              <a:t>0.008877620919506887</a:t>
+              <a:t>F1: 0.1898892068383594 ± 0.008877620919506887</a:t>
             </a:r>
           </a:p>
         </p:txBody>
@@ -7228,7 +7698,9 @@
       <p:sp>
         <p:nvSpPr>
           <p:cNvPr id="229" name="Foliennummernplatzhalter 3"/>
-          <p:cNvSpPr txBox="1"/>
+          <p:cNvSpPr txBox="1">
+            <a:spLocks noGrp="1"/>
+          </p:cNvSpPr>
           <p:nvPr>
             <p:ph type="sldNum" sz="quarter" idx="2"/>
           </p:nvPr>
@@ -7243,7 +7715,7 @@
           </a:prstGeom>
           <a:extLst>
             <a:ext uri="{C572A759-6A51-4108-AA02-DFA0A04FC94B}">
-              <ma14:wrappingTextBoxFlag xmlns:ma14="http://schemas.microsoft.com/office/mac/drawingml/2011/main" val="1"/>
+              <ma14:wrappingTextBoxFlag xmlns:ma14="http://schemas.microsoft.com/office/mac/drawingml/2011/main" xmlns:a14="http://schemas.microsoft.com/office/drawing/2010/main" xmlns:m="http://schemas.openxmlformats.org/officeDocument/2006/math" xmlns="" val="1"/>
             </a:ext>
           </a:extLst>
         </p:spPr>
@@ -7251,8 +7723,10 @@
           <a:bodyPr/>
           <a:lstStyle/>
           <a:p>
-            <a:pPr/>
-            <a:fld id="{86CB4B4D-7CA3-9044-876B-883B54F8677D}" type="slidenum"/>
+            <a:fld id="{86CB4B4D-7CA3-9044-876B-883B54F8677D}" type="slidenum">
+              <a:t>28</a:t>
+            </a:fld>
+            <a:endParaRPr/>
           </a:p>
         </p:txBody>
       </p:sp>
@@ -7261,12 +7735,12 @@
   <p:clrMapOvr>
     <a:masterClrMapping/>
   </p:clrMapOvr>
-  <p:transition xmlns:p14="http://schemas.microsoft.com/office/powerpoint/2010/main" spd="med" advClick="1"/>
+  <p:transition spd="med"/>
 </p:sld>
 </file>
 
 <file path=ppt/slides/slide3.xml><?xml version="1.0" encoding="utf-8"?>
-<p:sld xmlns:a="http://schemas.openxmlformats.org/drawingml/2006/main" xmlns:r="http://schemas.openxmlformats.org/officeDocument/2006/relationships" xmlns:p="http://schemas.openxmlformats.org/presentationml/2006/main" xmlns:m="http://schemas.openxmlformats.org/officeDocument/2006/math" xmlns:a14="http://schemas.microsoft.com/office/drawing/2010/main" showMasterSp="1" showMasterPhAnim="1">
+<p:sld xmlns:a="http://schemas.openxmlformats.org/drawingml/2006/main" xmlns:r="http://schemas.openxmlformats.org/officeDocument/2006/relationships" xmlns:p="http://schemas.openxmlformats.org/presentationml/2006/main">
   <p:cSld>
     <p:spTree>
       <p:nvGrpSpPr>
@@ -7285,7 +7759,9 @@
       <p:sp>
         <p:nvSpPr>
           <p:cNvPr id="108" name="Task"/>
-          <p:cNvSpPr txBox="1"/>
+          <p:cNvSpPr txBox="1">
+            <a:spLocks noGrp="1"/>
+          </p:cNvSpPr>
           <p:nvPr>
             <p:ph type="title"/>
           </p:nvPr>
@@ -7301,7 +7777,6 @@
             <a:lvl1pPr algn="ctr"/>
           </a:lstStyle>
           <a:p>
-            <a:pPr/>
             <a:r>
               <a:t>Task</a:t>
             </a:r>
@@ -7311,7 +7786,9 @@
       <p:sp>
         <p:nvSpPr>
           <p:cNvPr id="109" name="Predict binding site residues using SNAP features…"/>
-          <p:cNvSpPr txBox="1"/>
+          <p:cNvSpPr txBox="1">
+            <a:spLocks noGrp="1"/>
+          </p:cNvSpPr>
           <p:nvPr>
             <p:ph type="body" idx="1"/>
           </p:nvPr>
@@ -7325,16 +7802,14 @@
           <a:bodyPr/>
           <a:lstStyle/>
           <a:p>
-            <a:pPr/>
             <a:r>
               <a:t>Predict binding site residues using SNAP features</a:t>
             </a:r>
           </a:p>
           <a:p>
-            <a:pPr/>
-          </a:p>
-          <a:p>
-            <a:pPr/>
+            <a:endParaRPr/>
+          </a:p>
+          <a:p>
             <a:r>
               <a:t>Extension: Do BLOSUM scores aid in the prediction?</a:t>
             </a:r>
@@ -7344,7 +7819,9 @@
       <p:sp>
         <p:nvSpPr>
           <p:cNvPr id="110" name="Slide Number"/>
-          <p:cNvSpPr txBox="1"/>
+          <p:cNvSpPr txBox="1">
+            <a:spLocks noGrp="1"/>
+          </p:cNvSpPr>
           <p:nvPr>
             <p:ph type="sldNum" sz="quarter" idx="2"/>
           </p:nvPr>
@@ -7359,7 +7836,7 @@
           </a:prstGeom>
           <a:extLst>
             <a:ext uri="{C572A759-6A51-4108-AA02-DFA0A04FC94B}">
-              <ma14:wrappingTextBoxFlag xmlns:ma14="http://schemas.microsoft.com/office/mac/drawingml/2011/main" val="1"/>
+              <ma14:wrappingTextBoxFlag xmlns:ma14="http://schemas.microsoft.com/office/mac/drawingml/2011/main" xmlns:a14="http://schemas.microsoft.com/office/drawing/2010/main" xmlns:m="http://schemas.openxmlformats.org/officeDocument/2006/math" xmlns="" val="1"/>
             </a:ext>
           </a:extLst>
         </p:spPr>
@@ -7367,8 +7844,10 @@
           <a:bodyPr/>
           <a:lstStyle/>
           <a:p>
-            <a:pPr/>
-            <a:fld id="{86CB4B4D-7CA3-9044-876B-883B54F8677D}" type="slidenum"/>
+            <a:fld id="{86CB4B4D-7CA3-9044-876B-883B54F8677D}" type="slidenum">
+              <a:t>3</a:t>
+            </a:fld>
+            <a:endParaRPr/>
           </a:p>
         </p:txBody>
       </p:sp>
@@ -7377,12 +7856,12 @@
   <p:clrMapOvr>
     <a:masterClrMapping/>
   </p:clrMapOvr>
-  <p:transition xmlns:p14="http://schemas.microsoft.com/office/powerpoint/2010/main" spd="med" advClick="1"/>
+  <p:transition spd="med"/>
 </p:sld>
 </file>
 
 <file path=ppt/slides/slide4.xml><?xml version="1.0" encoding="utf-8"?>
-<p:sld xmlns:a="http://schemas.openxmlformats.org/drawingml/2006/main" xmlns:r="http://schemas.openxmlformats.org/officeDocument/2006/relationships" xmlns:p="http://schemas.openxmlformats.org/presentationml/2006/main" xmlns:m="http://schemas.openxmlformats.org/officeDocument/2006/math" xmlns:a14="http://schemas.microsoft.com/office/drawing/2010/main" showMasterSp="1" showMasterPhAnim="1">
+<p:sld xmlns:a="http://schemas.openxmlformats.org/drawingml/2006/main" xmlns:r="http://schemas.openxmlformats.org/officeDocument/2006/relationships" xmlns:p="http://schemas.openxmlformats.org/presentationml/2006/main">
   <p:cSld>
     <p:spTree>
       <p:nvGrpSpPr>
@@ -7401,7 +7880,9 @@
       <p:sp>
         <p:nvSpPr>
           <p:cNvPr id="112" name="Titel 1"/>
-          <p:cNvSpPr txBox="1"/>
+          <p:cNvSpPr txBox="1">
+            <a:spLocks noGrp="1"/>
+          </p:cNvSpPr>
           <p:nvPr>
             <p:ph type="title"/>
           </p:nvPr>
@@ -7421,7 +7902,6 @@
             <a:lvl1pPr algn="ctr"/>
           </a:lstStyle>
           <a:p>
-            <a:pPr/>
             <a:r>
               <a:t>Training dataset</a:t>
             </a:r>
@@ -7431,7 +7911,9 @@
       <p:sp>
         <p:nvSpPr>
           <p:cNvPr id="113" name="Inhaltsplatzhalter 2"/>
-          <p:cNvSpPr txBox="1"/>
+          <p:cNvSpPr txBox="1">
+            <a:spLocks noGrp="1"/>
+          </p:cNvSpPr>
           <p:nvPr>
             <p:ph type="body" idx="1"/>
           </p:nvPr>
@@ -7449,7 +7931,6 @@
           <a:bodyPr/>
           <a:lstStyle/>
           <a:p>
-            <a:pPr/>
             <a:r>
               <a:t>769 Proteins from BioLip</a:t>
             </a:r>
@@ -7477,7 +7958,9 @@
       <p:sp>
         <p:nvSpPr>
           <p:cNvPr id="114" name="Foliennummernplatzhalter 3"/>
-          <p:cNvSpPr txBox="1"/>
+          <p:cNvSpPr txBox="1">
+            <a:spLocks noGrp="1"/>
+          </p:cNvSpPr>
           <p:nvPr>
             <p:ph type="sldNum" sz="quarter" idx="2"/>
           </p:nvPr>
@@ -7492,7 +7975,7 @@
           </a:prstGeom>
           <a:extLst>
             <a:ext uri="{C572A759-6A51-4108-AA02-DFA0A04FC94B}">
-              <ma14:wrappingTextBoxFlag xmlns:ma14="http://schemas.microsoft.com/office/mac/drawingml/2011/main" val="1"/>
+              <ma14:wrappingTextBoxFlag xmlns:ma14="http://schemas.microsoft.com/office/mac/drawingml/2011/main" xmlns:a14="http://schemas.microsoft.com/office/drawing/2010/main" xmlns:m="http://schemas.openxmlformats.org/officeDocument/2006/math" xmlns="" val="1"/>
             </a:ext>
           </a:extLst>
         </p:spPr>
@@ -7500,8 +7983,10 @@
           <a:bodyPr/>
           <a:lstStyle/>
           <a:p>
-            <a:pPr/>
-            <a:fld id="{86CB4B4D-7CA3-9044-876B-883B54F8677D}" type="slidenum"/>
+            <a:fld id="{86CB4B4D-7CA3-9044-876B-883B54F8677D}" type="slidenum">
+              <a:t>4</a:t>
+            </a:fld>
+            <a:endParaRPr/>
           </a:p>
         </p:txBody>
       </p:sp>
@@ -7514,9 +7999,7 @@
           <p:nvPr/>
         </p:nvPicPr>
         <p:blipFill>
-          <a:blip r:embed="rId2">
-            <a:extLst/>
-          </a:blip>
+          <a:blip r:embed="rId2"/>
           <a:stretch>
             <a:fillRect/>
           </a:stretch>
@@ -7543,9 +8026,7 @@
           <p:nvPr/>
         </p:nvPicPr>
         <p:blipFill>
-          <a:blip r:embed="rId3">
-            <a:extLst/>
-          </a:blip>
+          <a:blip r:embed="rId3"/>
           <a:stretch>
             <a:fillRect/>
           </a:stretch>
@@ -7568,12 +8049,12 @@
   <p:clrMapOvr>
     <a:masterClrMapping/>
   </p:clrMapOvr>
-  <p:transition xmlns:p14="http://schemas.microsoft.com/office/powerpoint/2010/main" spd="med" advClick="1"/>
+  <p:transition spd="med"/>
 </p:sld>
 </file>
 
 <file path=ppt/slides/slide5.xml><?xml version="1.0" encoding="utf-8"?>
-<p:sld xmlns:a="http://schemas.openxmlformats.org/drawingml/2006/main" xmlns:r="http://schemas.openxmlformats.org/officeDocument/2006/relationships" xmlns:p="http://schemas.openxmlformats.org/presentationml/2006/main" xmlns:m="http://schemas.openxmlformats.org/officeDocument/2006/math" xmlns:a14="http://schemas.microsoft.com/office/drawing/2010/main" showMasterSp="1" showMasterPhAnim="1">
+<p:sld xmlns:a="http://schemas.openxmlformats.org/drawingml/2006/main" xmlns:r="http://schemas.openxmlformats.org/officeDocument/2006/relationships" xmlns:p="http://schemas.openxmlformats.org/presentationml/2006/main">
   <p:cSld>
     <p:spTree>
       <p:nvGrpSpPr>
@@ -7592,7 +8073,9 @@
       <p:sp>
         <p:nvSpPr>
           <p:cNvPr id="118" name="Titel 1"/>
-          <p:cNvSpPr txBox="1"/>
+          <p:cNvSpPr txBox="1">
+            <a:spLocks noGrp="1"/>
+          </p:cNvSpPr>
           <p:nvPr>
             <p:ph type="title"/>
           </p:nvPr>
@@ -7612,7 +8095,6 @@
             <a:lvl1pPr algn="ctr"/>
           </a:lstStyle>
           <a:p>
-            <a:pPr/>
             <a:r>
               <a:t>Feature: Introduction</a:t>
             </a:r>
@@ -7622,7 +8104,9 @@
       <p:sp>
         <p:nvSpPr>
           <p:cNvPr id="119" name="Inhaltsplatzhalter 4"/>
-          <p:cNvSpPr txBox="1"/>
+          <p:cNvSpPr txBox="1">
+            <a:spLocks noGrp="1"/>
+          </p:cNvSpPr>
           <p:nvPr>
             <p:ph type="body" sz="half" idx="1"/>
           </p:nvPr>
@@ -7640,7 +8124,6 @@
           <a:bodyPr/>
           <a:lstStyle/>
           <a:p>
-            <a:pPr/>
             <a:r>
               <a:t>SNAP-scores</a:t>
             </a:r>
@@ -7666,13 +8149,13 @@
           </a:ln>
           <a:extLst>
             <a:ext uri="{C572A759-6A51-4108-AA02-DFA0A04FC94B}">
-              <ma14:wrappingTextBoxFlag xmlns:ma14="http://schemas.microsoft.com/office/mac/drawingml/2011/main" val="1"/>
+              <ma14:wrappingTextBoxFlag xmlns:ma14="http://schemas.microsoft.com/office/mac/drawingml/2011/main" xmlns:a14="http://schemas.microsoft.com/office/drawing/2010/main" xmlns:m="http://schemas.openxmlformats.org/officeDocument/2006/math" xmlns="" val="1"/>
             </a:ext>
           </a:extLst>
         </p:spPr>
         <p:txBody>
           <a:bodyPr lIns="45719" rIns="45719">
-            <a:normAutofit fontScale="100000" lnSpcReduction="0"/>
+            <a:normAutofit/>
           </a:bodyPr>
           <a:lstStyle>
             <a:lvl1pPr marL="228600" indent="-228600">
@@ -7689,7 +8172,6 @@
             </a:lvl1pPr>
           </a:lstStyle>
           <a:p>
-            <a:pPr/>
             <a:r>
               <a:t>BLOSUM62-scores</a:t>
             </a:r>
@@ -7699,7 +8181,9 @@
       <p:sp>
         <p:nvSpPr>
           <p:cNvPr id="121" name="Foliennummernplatzhalter 3"/>
-          <p:cNvSpPr txBox="1"/>
+          <p:cNvSpPr txBox="1">
+            <a:spLocks noGrp="1"/>
+          </p:cNvSpPr>
           <p:nvPr>
             <p:ph type="sldNum" sz="quarter" idx="2"/>
           </p:nvPr>
@@ -7714,7 +8198,7 @@
           </a:prstGeom>
           <a:extLst>
             <a:ext uri="{C572A759-6A51-4108-AA02-DFA0A04FC94B}">
-              <ma14:wrappingTextBoxFlag xmlns:ma14="http://schemas.microsoft.com/office/mac/drawingml/2011/main" val="1"/>
+              <ma14:wrappingTextBoxFlag xmlns:ma14="http://schemas.microsoft.com/office/mac/drawingml/2011/main" xmlns:a14="http://schemas.microsoft.com/office/drawing/2010/main" xmlns:m="http://schemas.openxmlformats.org/officeDocument/2006/math" xmlns="" val="1"/>
             </a:ext>
           </a:extLst>
         </p:spPr>
@@ -7722,8 +8206,10 @@
           <a:bodyPr/>
           <a:lstStyle/>
           <a:p>
-            <a:pPr/>
-            <a:fld id="{86CB4B4D-7CA3-9044-876B-883B54F8677D}" type="slidenum"/>
+            <a:fld id="{86CB4B4D-7CA3-9044-876B-883B54F8677D}" type="slidenum">
+              <a:t>5</a:t>
+            </a:fld>
+            <a:endParaRPr/>
           </a:p>
         </p:txBody>
       </p:sp>
@@ -7736,9 +8222,7 @@
           <p:nvPr/>
         </p:nvPicPr>
         <p:blipFill>
-          <a:blip r:embed="rId2">
-            <a:extLst/>
-          </a:blip>
+          <a:blip r:embed="rId2"/>
           <a:stretch>
             <a:fillRect/>
           </a:stretch>
@@ -7765,9 +8249,7 @@
           <p:nvPr/>
         </p:nvPicPr>
         <p:blipFill>
-          <a:blip r:embed="rId3">
-            <a:extLst/>
-          </a:blip>
+          <a:blip r:embed="rId3"/>
           <a:stretch>
             <a:fillRect/>
           </a:stretch>
@@ -7790,12 +8272,12 @@
   <p:clrMapOvr>
     <a:masterClrMapping/>
   </p:clrMapOvr>
-  <p:transition xmlns:p14="http://schemas.microsoft.com/office/powerpoint/2010/main" spd="med" advClick="1"/>
+  <p:transition spd="med"/>
 </p:sld>
 </file>
 
 <file path=ppt/slides/slide6.xml><?xml version="1.0" encoding="utf-8"?>
-<p:sld xmlns:a="http://schemas.openxmlformats.org/drawingml/2006/main" xmlns:r="http://schemas.openxmlformats.org/officeDocument/2006/relationships" xmlns:p="http://schemas.openxmlformats.org/presentationml/2006/main" xmlns:m="http://schemas.openxmlformats.org/officeDocument/2006/math" xmlns:a14="http://schemas.microsoft.com/office/drawing/2010/main" showMasterSp="1" showMasterPhAnim="1">
+<p:sld xmlns:a="http://schemas.openxmlformats.org/drawingml/2006/main" xmlns:r="http://schemas.openxmlformats.org/officeDocument/2006/relationships" xmlns:p="http://schemas.openxmlformats.org/presentationml/2006/main">
   <p:cSld>
     <p:spTree>
       <p:nvGrpSpPr>
@@ -7814,7 +8296,9 @@
       <p:sp>
         <p:nvSpPr>
           <p:cNvPr id="125" name="Titel 1"/>
-          <p:cNvSpPr txBox="1"/>
+          <p:cNvSpPr txBox="1">
+            <a:spLocks noGrp="1"/>
+          </p:cNvSpPr>
           <p:nvPr>
             <p:ph type="title"/>
           </p:nvPr>
@@ -7834,7 +8318,6 @@
             <a:lvl1pPr algn="ctr"/>
           </a:lstStyle>
           <a:p>
-            <a:pPr/>
             <a:r>
               <a:t>Distribution of Scores</a:t>
             </a:r>
@@ -7844,7 +8327,9 @@
       <p:sp>
         <p:nvSpPr>
           <p:cNvPr id="126" name="Foliennummernplatzhalter 12"/>
-          <p:cNvSpPr txBox="1"/>
+          <p:cNvSpPr txBox="1">
+            <a:spLocks noGrp="1"/>
+          </p:cNvSpPr>
           <p:nvPr>
             <p:ph type="sldNum" sz="quarter" idx="2"/>
           </p:nvPr>
@@ -7859,7 +8344,7 @@
           </a:prstGeom>
           <a:extLst>
             <a:ext uri="{C572A759-6A51-4108-AA02-DFA0A04FC94B}">
-              <ma14:wrappingTextBoxFlag xmlns:ma14="http://schemas.microsoft.com/office/mac/drawingml/2011/main" val="1"/>
+              <ma14:wrappingTextBoxFlag xmlns:ma14="http://schemas.microsoft.com/office/mac/drawingml/2011/main" xmlns:a14="http://schemas.microsoft.com/office/drawing/2010/main" xmlns:m="http://schemas.openxmlformats.org/officeDocument/2006/math" xmlns="" val="1"/>
             </a:ext>
           </a:extLst>
         </p:spPr>
@@ -7867,8 +8352,10 @@
           <a:bodyPr/>
           <a:lstStyle/>
           <a:p>
-            <a:pPr/>
-            <a:fld id="{86CB4B4D-7CA3-9044-876B-883B54F8677D}" type="slidenum"/>
+            <a:fld id="{86CB4B4D-7CA3-9044-876B-883B54F8677D}" type="slidenum">
+              <a:t>6</a:t>
+            </a:fld>
+            <a:endParaRPr/>
           </a:p>
         </p:txBody>
       </p:sp>
@@ -7881,9 +8368,7 @@
           <p:nvPr/>
         </p:nvPicPr>
         <p:blipFill>
-          <a:blip r:embed="rId2">
-            <a:extLst/>
-          </a:blip>
+          <a:blip r:embed="rId2"/>
           <a:stretch>
             <a:fillRect/>
           </a:stretch>
@@ -7910,9 +8395,7 @@
           <p:nvPr/>
         </p:nvPicPr>
         <p:blipFill>
-          <a:blip r:embed="rId3">
-            <a:extLst/>
-          </a:blip>
+          <a:blip r:embed="rId3"/>
           <a:stretch>
             <a:fillRect/>
           </a:stretch>
@@ -7935,12 +8418,12 @@
   <p:clrMapOvr>
     <a:masterClrMapping/>
   </p:clrMapOvr>
-  <p:transition xmlns:p14="http://schemas.microsoft.com/office/powerpoint/2010/main" spd="med" advClick="1"/>
+  <p:transition spd="med"/>
 </p:sld>
 </file>
 
 <file path=ppt/slides/slide7.xml><?xml version="1.0" encoding="utf-8"?>
-<p:sld xmlns:a="http://schemas.openxmlformats.org/drawingml/2006/main" xmlns:r="http://schemas.openxmlformats.org/officeDocument/2006/relationships" xmlns:p="http://schemas.openxmlformats.org/presentationml/2006/main" xmlns:m="http://schemas.openxmlformats.org/officeDocument/2006/math" xmlns:a14="http://schemas.microsoft.com/office/drawing/2010/main" showMasterSp="1" showMasterPhAnim="1">
+<p:sld xmlns:a="http://schemas.openxmlformats.org/drawingml/2006/main" xmlns:r="http://schemas.openxmlformats.org/officeDocument/2006/relationships" xmlns:p="http://schemas.openxmlformats.org/presentationml/2006/main">
   <p:cSld>
     <p:spTree>
       <p:nvGrpSpPr>
@@ -7959,7 +8442,9 @@
       <p:sp>
         <p:nvSpPr>
           <p:cNvPr id="130" name="Titel 1"/>
-          <p:cNvSpPr txBox="1"/>
+          <p:cNvSpPr txBox="1">
+            <a:spLocks noGrp="1"/>
+          </p:cNvSpPr>
           <p:nvPr>
             <p:ph type="title"/>
           </p:nvPr>
@@ -7979,7 +8464,6 @@
             <a:lvl1pPr algn="ctr"/>
           </a:lstStyle>
           <a:p>
-            <a:pPr/>
             <a:r>
               <a:t>Feature: First Ideas</a:t>
             </a:r>
@@ -7989,7 +8473,9 @@
       <p:sp>
         <p:nvSpPr>
           <p:cNvPr id="131" name="Inhaltsplatzhalter 2"/>
-          <p:cNvSpPr txBox="1"/>
+          <p:cNvSpPr txBox="1">
+            <a:spLocks noGrp="1"/>
+          </p:cNvSpPr>
           <p:nvPr>
             <p:ph type="body" idx="1"/>
           </p:nvPr>
@@ -8018,7 +8504,7 @@
             </a:r>
           </a:p>
           <a:p>
-            <a:pPr lvl="1" marL="589787" indent="-196595" defTabSz="786383">
+            <a:pPr marL="589787" lvl="1" indent="-196595" defTabSz="786383">
               <a:spcBef>
                 <a:spcPts val="800"/>
               </a:spcBef>
@@ -8040,7 +8526,7 @@
             </a:r>
           </a:p>
           <a:p>
-            <a:pPr lvl="1" marL="589787" indent="-196595" defTabSz="786383">
+            <a:pPr marL="589787" lvl="1" indent="-196595" defTabSz="786383">
               <a:spcBef>
                 <a:spcPts val="800"/>
               </a:spcBef>
@@ -8051,12 +8537,13 @@
             </a:r>
           </a:p>
           <a:p>
-            <a:pPr lvl="1" marL="589787" indent="-196595" defTabSz="786383">
+            <a:pPr marL="589787" lvl="1" indent="-196595" defTabSz="786383">
               <a:spcBef>
                 <a:spcPts val="800"/>
               </a:spcBef>
               <a:defRPr sz="2400"/>
             </a:pPr>
+            <a:endParaRPr/>
           </a:p>
           <a:p>
             <a:pPr>
@@ -8067,7 +8554,7 @@
             </a:r>
           </a:p>
           <a:p>
-            <a:pPr lvl="1" marL="685800" indent="-228600">
+            <a:pPr marL="685800" lvl="1" indent="-228600">
               <a:spcBef>
                 <a:spcPts val="500"/>
               </a:spcBef>
@@ -8100,7 +8587,9 @@
       <p:sp>
         <p:nvSpPr>
           <p:cNvPr id="132" name="Foliennummernplatzhalter 3"/>
-          <p:cNvSpPr txBox="1"/>
+          <p:cNvSpPr txBox="1">
+            <a:spLocks noGrp="1"/>
+          </p:cNvSpPr>
           <p:nvPr>
             <p:ph type="sldNum" sz="quarter" idx="2"/>
           </p:nvPr>
@@ -8115,7 +8604,7 @@
           </a:prstGeom>
           <a:extLst>
             <a:ext uri="{C572A759-6A51-4108-AA02-DFA0A04FC94B}">
-              <ma14:wrappingTextBoxFlag xmlns:ma14="http://schemas.microsoft.com/office/mac/drawingml/2011/main" val="1"/>
+              <ma14:wrappingTextBoxFlag xmlns:ma14="http://schemas.microsoft.com/office/mac/drawingml/2011/main" xmlns:a14="http://schemas.microsoft.com/office/drawing/2010/main" xmlns:m="http://schemas.openxmlformats.org/officeDocument/2006/math" xmlns="" val="1"/>
             </a:ext>
           </a:extLst>
         </p:spPr>
@@ -8123,8 +8612,10 @@
           <a:bodyPr/>
           <a:lstStyle/>
           <a:p>
-            <a:pPr/>
-            <a:fld id="{86CB4B4D-7CA3-9044-876B-883B54F8677D}" type="slidenum"/>
+            <a:fld id="{86CB4B4D-7CA3-9044-876B-883B54F8677D}" type="slidenum">
+              <a:t>7</a:t>
+            </a:fld>
+            <a:endParaRPr/>
           </a:p>
         </p:txBody>
       </p:sp>
@@ -8133,12 +8624,12 @@
   <p:clrMapOvr>
     <a:masterClrMapping/>
   </p:clrMapOvr>
-  <p:transition xmlns:p14="http://schemas.microsoft.com/office/powerpoint/2010/main" spd="med" advClick="1"/>
+  <p:transition spd="med"/>
 </p:sld>
 </file>
 
 <file path=ppt/slides/slide8.xml><?xml version="1.0" encoding="utf-8"?>
-<p:sld xmlns:a="http://schemas.openxmlformats.org/drawingml/2006/main" xmlns:r="http://schemas.openxmlformats.org/officeDocument/2006/relationships" xmlns:p="http://schemas.openxmlformats.org/presentationml/2006/main" xmlns:m="http://schemas.openxmlformats.org/officeDocument/2006/math" xmlns:a14="http://schemas.microsoft.com/office/drawing/2010/main" showMasterSp="1" showMasterPhAnim="1">
+<p:sld xmlns:a="http://schemas.openxmlformats.org/drawingml/2006/main" xmlns:r="http://schemas.openxmlformats.org/officeDocument/2006/relationships" xmlns:p="http://schemas.openxmlformats.org/presentationml/2006/main">
   <p:cSld>
     <p:spTree>
       <p:nvGrpSpPr>
@@ -8157,7 +8648,9 @@
       <p:sp>
         <p:nvSpPr>
           <p:cNvPr id="134" name="Foliennummernplatzhalter 3"/>
-          <p:cNvSpPr txBox="1"/>
+          <p:cNvSpPr txBox="1">
+            <a:spLocks noGrp="1"/>
+          </p:cNvSpPr>
           <p:nvPr>
             <p:ph type="sldNum" sz="quarter" idx="2"/>
           </p:nvPr>
@@ -8172,7 +8665,7 @@
           </a:prstGeom>
           <a:extLst>
             <a:ext uri="{C572A759-6A51-4108-AA02-DFA0A04FC94B}">
-              <ma14:wrappingTextBoxFlag xmlns:ma14="http://schemas.microsoft.com/office/mac/drawingml/2011/main" val="1"/>
+              <ma14:wrappingTextBoxFlag xmlns:ma14="http://schemas.microsoft.com/office/mac/drawingml/2011/main" xmlns:a14="http://schemas.microsoft.com/office/drawing/2010/main" xmlns:m="http://schemas.openxmlformats.org/officeDocument/2006/math" xmlns="" val="1"/>
             </a:ext>
           </a:extLst>
         </p:spPr>
@@ -8180,8 +8673,10 @@
           <a:bodyPr/>
           <a:lstStyle/>
           <a:p>
-            <a:pPr/>
-            <a:fld id="{86CB4B4D-7CA3-9044-876B-883B54F8677D}" type="slidenum"/>
+            <a:fld id="{86CB4B4D-7CA3-9044-876B-883B54F8677D}" type="slidenum">
+              <a:t>8</a:t>
+            </a:fld>
+            <a:endParaRPr/>
           </a:p>
         </p:txBody>
       </p:sp>
@@ -8208,9 +8703,7 @@
             <p:nvPr/>
           </p:nvPicPr>
           <p:blipFill>
-            <a:blip r:embed="rId2">
-              <a:extLst/>
-            </a:blip>
+            <a:blip r:embed="rId2"/>
             <a:stretch>
               <a:fillRect/>
             </a:stretch>
@@ -8252,7 +8745,7 @@
             <a:effectLst/>
             <a:extLst>
               <a:ext uri="{C572A759-6A51-4108-AA02-DFA0A04FC94B}">
-                <ma14:wrappingTextBoxFlag xmlns:ma14="http://schemas.microsoft.com/office/mac/drawingml/2011/main" val="1"/>
+                <ma14:wrappingTextBoxFlag xmlns:ma14="http://schemas.microsoft.com/office/mac/drawingml/2011/main" xmlns:a14="http://schemas.microsoft.com/office/drawing/2010/main" xmlns:m="http://schemas.openxmlformats.org/officeDocument/2006/math" xmlns="" val="1"/>
               </a:ext>
             </a:extLst>
           </p:spPr>
@@ -8264,7 +8757,6 @@
               <a:lvl1pPr algn="ctr"/>
             </a:lstStyle>
             <a:p>
-              <a:pPr/>
               <a:r>
                 <a:t>CUTOFFS</a:t>
               </a:r>
@@ -8281,9 +8773,9 @@
         <p:grpSpPr>
           <a:xfrm>
             <a:off x="6938631" y="707295"/>
-            <a:ext cx="4300869" cy="5256113"/>
+            <a:ext cx="4300868" cy="5256110"/>
             <a:chOff x="25400" y="0"/>
-            <a:chExt cx="4300868" cy="5256111"/>
+            <a:chExt cx="4300867" cy="5256108"/>
           </a:xfrm>
         </p:grpSpPr>
         <p:sp>
@@ -8308,7 +8800,7 @@
             <a:effectLst/>
             <a:extLst>
               <a:ext uri="{C572A759-6A51-4108-AA02-DFA0A04FC94B}">
-                <ma14:wrappingTextBoxFlag xmlns:ma14="http://schemas.microsoft.com/office/mac/drawingml/2011/main" val="1"/>
+                <ma14:wrappingTextBoxFlag xmlns:ma14="http://schemas.microsoft.com/office/mac/drawingml/2011/main" xmlns:a14="http://schemas.microsoft.com/office/drawing/2010/main" xmlns:m="http://schemas.openxmlformats.org/officeDocument/2006/math" xmlns="" val="1"/>
               </a:ext>
             </a:extLst>
           </p:spPr>
@@ -8320,7 +8812,6 @@
               <a:lvl1pPr algn="ctr"/>
             </a:lstStyle>
             <a:p>
-              <a:pPr/>
               <a:r>
                 <a:t>CONVERSION</a:t>
               </a:r>
@@ -8335,19 +8826,43 @@
           </p:nvGraphicFramePr>
           <p:xfrm>
             <a:off x="25400" y="580558"/>
-            <a:ext cx="4300869" cy="4675554"/>
+            <a:ext cx="4300867" cy="4675550"/>
           </p:xfrm>
-          <a:graphic xmlns:a="http://schemas.openxmlformats.org/drawingml/2006/main">
+          <a:graphic>
             <a:graphicData uri="http://schemas.openxmlformats.org/drawingml/2006/table">
               <a:tbl>
-                <a:tblPr firstCol="0" firstRow="1" lastCol="0" lastRow="0" bandCol="0" bandRow="0" rtl="0">
+                <a:tblPr firstRow="1">
                   <a:tableStyleId>{4C3C2611-4C71-4FC5-86AE-919BDF0F9419}</a:tableStyleId>
                 </a:tblPr>
                 <a:tblGrid>
-                  <a:gridCol w="1075217"/>
-                  <a:gridCol w="1075217"/>
-                  <a:gridCol w="1075217"/>
-                  <a:gridCol w="1075217"/>
+                  <a:gridCol w="1075217">
+                    <a:extLst>
+                      <a:ext uri="{9D8B030D-6E8A-4147-A177-3AD203B41FA5}">
+                        <a16:colId xmlns:a16="http://schemas.microsoft.com/office/drawing/2014/main" val="20000"/>
+                      </a:ext>
+                    </a:extLst>
+                  </a:gridCol>
+                  <a:gridCol w="1075217">
+                    <a:extLst>
+                      <a:ext uri="{9D8B030D-6E8A-4147-A177-3AD203B41FA5}">
+                        <a16:colId xmlns:a16="http://schemas.microsoft.com/office/drawing/2014/main" val="20001"/>
+                      </a:ext>
+                    </a:extLst>
+                  </a:gridCol>
+                  <a:gridCol w="1075217">
+                    <a:extLst>
+                      <a:ext uri="{9D8B030D-6E8A-4147-A177-3AD203B41FA5}">
+                        <a16:colId xmlns:a16="http://schemas.microsoft.com/office/drawing/2014/main" val="20002"/>
+                      </a:ext>
+                    </a:extLst>
+                  </a:gridCol>
+                  <a:gridCol w="1075217">
+                    <a:extLst>
+                      <a:ext uri="{9D8B030D-6E8A-4147-A177-3AD203B41FA5}">
+                        <a16:colId xmlns:a16="http://schemas.microsoft.com/office/drawing/2014/main" val="20003"/>
+                      </a:ext>
+                    </a:extLst>
+                  </a:gridCol>
                 </a:tblGrid>
                 <a:tr h="584444">
                   <a:tc>
@@ -8372,7 +8887,7 @@
                         </a:r>
                       </a:p>
                     </a:txBody>
-                    <a:tcPr marL="0" marR="0" marT="0" marB="0" anchor="ctr" anchorCtr="0" horzOverflow="overflow">
+                    <a:tcPr marL="0" marR="0" marT="0" marB="0" anchor="ctr" horzOverflow="overflow">
                       <a:solidFill>
                         <a:schemeClr val="accent3"/>
                       </a:solidFill>
@@ -8400,7 +8915,7 @@
                         </a:r>
                       </a:p>
                     </a:txBody>
-                    <a:tcPr marL="0" marR="0" marT="0" marB="0" anchor="ctr" anchorCtr="0" horzOverflow="overflow">
+                    <a:tcPr marL="0" marR="0" marT="0" marB="0" anchor="ctr" horzOverflow="overflow">
                       <a:solidFill>
                         <a:schemeClr val="accent3"/>
                       </a:solidFill>
@@ -8428,7 +8943,7 @@
                         </a:r>
                       </a:p>
                     </a:txBody>
-                    <a:tcPr marL="0" marR="0" marT="0" marB="0" anchor="ctr" anchorCtr="0" horzOverflow="overflow">
+                    <a:tcPr marL="0" marR="0" marT="0" marB="0" anchor="ctr" horzOverflow="overflow">
                       <a:solidFill>
                         <a:schemeClr val="accent3"/>
                       </a:solidFill>
@@ -8456,12 +8971,17 @@
                         </a:r>
                       </a:p>
                     </a:txBody>
-                    <a:tcPr marL="0" marR="0" marT="0" marB="0" anchor="ctr" anchorCtr="0" horzOverflow="overflow">
+                    <a:tcPr marL="0" marR="0" marT="0" marB="0" anchor="ctr" horzOverflow="overflow">
                       <a:solidFill>
                         <a:schemeClr val="accent3"/>
                       </a:solidFill>
                     </a:tcPr>
                   </a:tc>
+                  <a:extLst>
+                    <a:ext uri="{0D108BD9-81ED-4DB2-BD59-A6C34878D82A}">
+                      <a16:rowId xmlns:a16="http://schemas.microsoft.com/office/drawing/2014/main" val="10000"/>
+                    </a:ext>
+                  </a:extLst>
                 </a:tr>
                 <a:tr h="584444">
                   <a:tc>
@@ -8475,7 +8995,7 @@
                         </a:r>
                       </a:p>
                     </a:txBody>
-                    <a:tcPr marL="0" marR="0" marT="0" marB="0" anchor="ctr" anchorCtr="0" horzOverflow="overflow">
+                    <a:tcPr marL="0" marR="0" marT="0" marB="0" anchor="ctr" horzOverflow="overflow">
                       <a:solidFill>
                         <a:srgbClr val="F0F0F0"/>
                       </a:solidFill>
@@ -8492,7 +9012,7 @@
                         </a:r>
                       </a:p>
                     </a:txBody>
-                    <a:tcPr marL="0" marR="0" marT="0" marB="0" anchor="ctr" anchorCtr="0" horzOverflow="overflow">
+                    <a:tcPr marL="0" marR="0" marT="0" marB="0" anchor="ctr" horzOverflow="overflow">
                       <a:solidFill>
                         <a:srgbClr val="F0F0F0"/>
                       </a:solidFill>
@@ -8509,7 +9029,7 @@
                         </a:r>
                       </a:p>
                     </a:txBody>
-                    <a:tcPr marL="0" marR="0" marT="0" marB="0" anchor="ctr" anchorCtr="0" horzOverflow="overflow">
+                    <a:tcPr marL="0" marR="0" marT="0" marB="0" anchor="ctr" horzOverflow="overflow">
                       <a:solidFill>
                         <a:srgbClr val="F0F0F0"/>
                       </a:solidFill>
@@ -8526,12 +9046,17 @@
                         </a:r>
                       </a:p>
                     </a:txBody>
-                    <a:tcPr marL="0" marR="0" marT="0" marB="0" anchor="ctr" anchorCtr="0" horzOverflow="overflow">
+                    <a:tcPr marL="0" marR="0" marT="0" marB="0" anchor="ctr" horzOverflow="overflow">
                       <a:solidFill>
                         <a:srgbClr val="F0F0F0"/>
                       </a:solidFill>
                     </a:tcPr>
                   </a:tc>
+                  <a:extLst>
+                    <a:ext uri="{0D108BD9-81ED-4DB2-BD59-A6C34878D82A}">
+                      <a16:rowId xmlns:a16="http://schemas.microsoft.com/office/drawing/2014/main" val="10001"/>
+                    </a:ext>
+                  </a:extLst>
                 </a:tr>
                 <a:tr h="584444">
                   <a:tc>
@@ -8545,7 +9070,7 @@
                         </a:r>
                       </a:p>
                     </a:txBody>
-                    <a:tcPr marL="0" marR="0" marT="0" marB="0" anchor="ctr" anchorCtr="0" horzOverflow="overflow">
+                    <a:tcPr marL="0" marR="0" marT="0" marB="0" anchor="ctr" horzOverflow="overflow">
                       <a:solidFill>
                         <a:srgbClr val="F0F0F0"/>
                       </a:solidFill>
@@ -8562,7 +9087,7 @@
                         </a:r>
                       </a:p>
                     </a:txBody>
-                    <a:tcPr marL="0" marR="0" marT="0" marB="0" anchor="ctr" anchorCtr="0" horzOverflow="overflow">
+                    <a:tcPr marL="0" marR="0" marT="0" marB="0" anchor="ctr" horzOverflow="overflow">
                       <a:solidFill>
                         <a:srgbClr val="F0F0F0"/>
                       </a:solidFill>
@@ -8579,7 +9104,7 @@
                         </a:r>
                       </a:p>
                     </a:txBody>
-                    <a:tcPr marL="0" marR="0" marT="0" marB="0" anchor="ctr" anchorCtr="0" horzOverflow="overflow">
+                    <a:tcPr marL="0" marR="0" marT="0" marB="0" anchor="ctr" horzOverflow="overflow">
                       <a:solidFill>
                         <a:srgbClr val="F0F0F0"/>
                       </a:solidFill>
@@ -8596,12 +9121,17 @@
                         </a:r>
                       </a:p>
                     </a:txBody>
-                    <a:tcPr marL="0" marR="0" marT="0" marB="0" anchor="ctr" anchorCtr="0" horzOverflow="overflow">
+                    <a:tcPr marL="0" marR="0" marT="0" marB="0" anchor="ctr" horzOverflow="overflow">
                       <a:solidFill>
                         <a:srgbClr val="F0F0F0"/>
                       </a:solidFill>
                     </a:tcPr>
                   </a:tc>
+                  <a:extLst>
+                    <a:ext uri="{0D108BD9-81ED-4DB2-BD59-A6C34878D82A}">
+                      <a16:rowId xmlns:a16="http://schemas.microsoft.com/office/drawing/2014/main" val="10002"/>
+                    </a:ext>
+                  </a:extLst>
                 </a:tr>
                 <a:tr h="584444">
                   <a:tc>
@@ -8615,7 +9145,7 @@
                         </a:r>
                       </a:p>
                     </a:txBody>
-                    <a:tcPr marL="0" marR="0" marT="0" marB="0" anchor="ctr" anchorCtr="0" horzOverflow="overflow">
+                    <a:tcPr marL="0" marR="0" marT="0" marB="0" anchor="ctr" horzOverflow="overflow">
                       <a:solidFill>
                         <a:srgbClr val="F0F0F0"/>
                       </a:solidFill>
@@ -8632,7 +9162,7 @@
                         </a:r>
                       </a:p>
                     </a:txBody>
-                    <a:tcPr marL="0" marR="0" marT="0" marB="0" anchor="ctr" anchorCtr="0" horzOverflow="overflow">
+                    <a:tcPr marL="0" marR="0" marT="0" marB="0" anchor="ctr" horzOverflow="overflow">
                       <a:solidFill>
                         <a:srgbClr val="F0F0F0"/>
                       </a:solidFill>
@@ -8649,7 +9179,7 @@
                         </a:r>
                       </a:p>
                     </a:txBody>
-                    <a:tcPr marL="0" marR="0" marT="0" marB="0" anchor="ctr" anchorCtr="0" horzOverflow="overflow">
+                    <a:tcPr marL="0" marR="0" marT="0" marB="0" anchor="ctr" horzOverflow="overflow">
                       <a:solidFill>
                         <a:srgbClr val="F0F0F0"/>
                       </a:solidFill>
@@ -8666,12 +9196,17 @@
                         </a:r>
                       </a:p>
                     </a:txBody>
-                    <a:tcPr marL="0" marR="0" marT="0" marB="0" anchor="ctr" anchorCtr="0" horzOverflow="overflow">
+                    <a:tcPr marL="0" marR="0" marT="0" marB="0" anchor="ctr" horzOverflow="overflow">
                       <a:solidFill>
                         <a:srgbClr val="F0F0F0"/>
                       </a:solidFill>
                     </a:tcPr>
                   </a:tc>
+                  <a:extLst>
+                    <a:ext uri="{0D108BD9-81ED-4DB2-BD59-A6C34878D82A}">
+                      <a16:rowId xmlns:a16="http://schemas.microsoft.com/office/drawing/2014/main" val="10003"/>
+                    </a:ext>
+                  </a:extLst>
                 </a:tr>
                 <a:tr h="584444">
                   <a:tc>
@@ -8685,7 +9220,7 @@
                         </a:r>
                       </a:p>
                     </a:txBody>
-                    <a:tcPr marL="0" marR="0" marT="0" marB="0" anchor="ctr" anchorCtr="0" horzOverflow="overflow">
+                    <a:tcPr marL="0" marR="0" marT="0" marB="0" anchor="ctr" horzOverflow="overflow">
                       <a:solidFill>
                         <a:srgbClr val="F0F0F0"/>
                       </a:solidFill>
@@ -8702,7 +9237,7 @@
                         </a:r>
                       </a:p>
                     </a:txBody>
-                    <a:tcPr marL="0" marR="0" marT="0" marB="0" anchor="ctr" anchorCtr="0" horzOverflow="overflow">
+                    <a:tcPr marL="0" marR="0" marT="0" marB="0" anchor="ctr" horzOverflow="overflow">
                       <a:solidFill>
                         <a:srgbClr val="F0F0F0"/>
                       </a:solidFill>
@@ -8719,7 +9254,7 @@
                         </a:r>
                       </a:p>
                     </a:txBody>
-                    <a:tcPr marL="0" marR="0" marT="0" marB="0" anchor="ctr" anchorCtr="0" horzOverflow="overflow">
+                    <a:tcPr marL="0" marR="0" marT="0" marB="0" anchor="ctr" horzOverflow="overflow">
                       <a:solidFill>
                         <a:srgbClr val="F0F0F0"/>
                       </a:solidFill>
@@ -8736,12 +9271,17 @@
                         </a:r>
                       </a:p>
                     </a:txBody>
-                    <a:tcPr marL="0" marR="0" marT="0" marB="0" anchor="ctr" anchorCtr="0" horzOverflow="overflow">
+                    <a:tcPr marL="0" marR="0" marT="0" marB="0" anchor="ctr" horzOverflow="overflow">
                       <a:solidFill>
                         <a:srgbClr val="F0F0F0"/>
                       </a:solidFill>
                     </a:tcPr>
                   </a:tc>
+                  <a:extLst>
+                    <a:ext uri="{0D108BD9-81ED-4DB2-BD59-A6C34878D82A}">
+                      <a16:rowId xmlns:a16="http://schemas.microsoft.com/office/drawing/2014/main" val="10004"/>
+                    </a:ext>
+                  </a:extLst>
                 </a:tr>
                 <a:tr h="584444">
                   <a:tc>
@@ -8755,7 +9295,7 @@
                         </a:r>
                       </a:p>
                     </a:txBody>
-                    <a:tcPr marL="0" marR="0" marT="0" marB="0" anchor="ctr" anchorCtr="0" horzOverflow="overflow">
+                    <a:tcPr marL="0" marR="0" marT="0" marB="0" anchor="ctr" horzOverflow="overflow">
                       <a:solidFill>
                         <a:srgbClr val="F0F0F0"/>
                       </a:solidFill>
@@ -8772,7 +9312,7 @@
                         </a:r>
                       </a:p>
                     </a:txBody>
-                    <a:tcPr marL="0" marR="0" marT="0" marB="0" anchor="ctr" anchorCtr="0" horzOverflow="overflow">
+                    <a:tcPr marL="0" marR="0" marT="0" marB="0" anchor="ctr" horzOverflow="overflow">
                       <a:solidFill>
                         <a:srgbClr val="F0F0F0"/>
                       </a:solidFill>
@@ -8789,7 +9329,7 @@
                         </a:r>
                       </a:p>
                     </a:txBody>
-                    <a:tcPr marL="0" marR="0" marT="0" marB="0" anchor="ctr" anchorCtr="0" horzOverflow="overflow">
+                    <a:tcPr marL="0" marR="0" marT="0" marB="0" anchor="ctr" horzOverflow="overflow">
                       <a:solidFill>
                         <a:srgbClr val="F0F0F0"/>
                       </a:solidFill>
@@ -8806,12 +9346,17 @@
                         </a:r>
                       </a:p>
                     </a:txBody>
-                    <a:tcPr marL="0" marR="0" marT="0" marB="0" anchor="ctr" anchorCtr="0" horzOverflow="overflow">
+                    <a:tcPr marL="0" marR="0" marT="0" marB="0" anchor="ctr" horzOverflow="overflow">
                       <a:solidFill>
                         <a:srgbClr val="F0F0F0"/>
                       </a:solidFill>
                     </a:tcPr>
                   </a:tc>
+                  <a:extLst>
+                    <a:ext uri="{0D108BD9-81ED-4DB2-BD59-A6C34878D82A}">
+                      <a16:rowId xmlns:a16="http://schemas.microsoft.com/office/drawing/2014/main" val="10005"/>
+                    </a:ext>
+                  </a:extLst>
                 </a:tr>
                 <a:tr h="584444">
                   <a:tc>
@@ -8825,7 +9370,7 @@
                         </a:r>
                       </a:p>
                     </a:txBody>
-                    <a:tcPr marL="0" marR="0" marT="0" marB="0" anchor="ctr" anchorCtr="0" horzOverflow="overflow">
+                    <a:tcPr marL="0" marR="0" marT="0" marB="0" anchor="ctr" horzOverflow="overflow">
                       <a:solidFill>
                         <a:srgbClr val="F0F0F0"/>
                       </a:solidFill>
@@ -8842,7 +9387,7 @@
                         </a:r>
                       </a:p>
                     </a:txBody>
-                    <a:tcPr marL="0" marR="0" marT="0" marB="0" anchor="ctr" anchorCtr="0" horzOverflow="overflow">
+                    <a:tcPr marL="0" marR="0" marT="0" marB="0" anchor="ctr" horzOverflow="overflow">
                       <a:solidFill>
                         <a:srgbClr val="F0F0F0"/>
                       </a:solidFill>
@@ -8859,7 +9404,7 @@
                         </a:r>
                       </a:p>
                     </a:txBody>
-                    <a:tcPr marL="0" marR="0" marT="0" marB="0" anchor="ctr" anchorCtr="0" horzOverflow="overflow">
+                    <a:tcPr marL="0" marR="0" marT="0" marB="0" anchor="ctr" horzOverflow="overflow">
                       <a:solidFill>
                         <a:srgbClr val="F0F0F0"/>
                       </a:solidFill>
@@ -8876,12 +9421,17 @@
                         </a:r>
                       </a:p>
                     </a:txBody>
-                    <a:tcPr marL="0" marR="0" marT="0" marB="0" anchor="ctr" anchorCtr="0" horzOverflow="overflow">
+                    <a:tcPr marL="0" marR="0" marT="0" marB="0" anchor="ctr" horzOverflow="overflow">
                       <a:solidFill>
                         <a:srgbClr val="F0F0F0"/>
                       </a:solidFill>
                     </a:tcPr>
                   </a:tc>
+                  <a:extLst>
+                    <a:ext uri="{0D108BD9-81ED-4DB2-BD59-A6C34878D82A}">
+                      <a16:rowId xmlns:a16="http://schemas.microsoft.com/office/drawing/2014/main" val="10006"/>
+                    </a:ext>
+                  </a:extLst>
                 </a:tr>
                 <a:tr h="584444">
                   <a:tc>
@@ -8895,7 +9445,7 @@
                         </a:r>
                       </a:p>
                     </a:txBody>
-                    <a:tcPr marL="0" marR="0" marT="0" marB="0" anchor="ctr" anchorCtr="0" horzOverflow="overflow">
+                    <a:tcPr marL="0" marR="0" marT="0" marB="0" anchor="ctr" horzOverflow="overflow">
                       <a:solidFill>
                         <a:srgbClr val="F0F0F0"/>
                       </a:solidFill>
@@ -8912,7 +9462,7 @@
                         </a:r>
                       </a:p>
                     </a:txBody>
-                    <a:tcPr marL="0" marR="0" marT="0" marB="0" anchor="ctr" anchorCtr="0" horzOverflow="overflow">
+                    <a:tcPr marL="0" marR="0" marT="0" marB="0" anchor="ctr" horzOverflow="overflow">
                       <a:solidFill>
                         <a:srgbClr val="F0F0F0"/>
                       </a:solidFill>
@@ -8929,7 +9479,7 @@
                         </a:r>
                       </a:p>
                     </a:txBody>
-                    <a:tcPr marL="0" marR="0" marT="0" marB="0" anchor="ctr" anchorCtr="0" horzOverflow="overflow">
+                    <a:tcPr marL="0" marR="0" marT="0" marB="0" anchor="ctr" horzOverflow="overflow">
                       <a:solidFill>
                         <a:srgbClr val="F0F0F0"/>
                       </a:solidFill>
@@ -8946,12 +9496,17 @@
                         </a:r>
                       </a:p>
                     </a:txBody>
-                    <a:tcPr marL="0" marR="0" marT="0" marB="0" anchor="ctr" anchorCtr="0" horzOverflow="overflow">
+                    <a:tcPr marL="0" marR="0" marT="0" marB="0" anchor="ctr" horzOverflow="overflow">
                       <a:solidFill>
                         <a:srgbClr val="F0F0F0"/>
                       </a:solidFill>
                     </a:tcPr>
                   </a:tc>
+                  <a:extLst>
+                    <a:ext uri="{0D108BD9-81ED-4DB2-BD59-A6C34878D82A}">
+                      <a16:rowId xmlns:a16="http://schemas.microsoft.com/office/drawing/2014/main" val="10007"/>
+                    </a:ext>
+                  </a:extLst>
                 </a:tr>
               </a:tbl>
             </a:graphicData>
@@ -8963,12 +9518,12 @@
   <p:clrMapOvr>
     <a:masterClrMapping/>
   </p:clrMapOvr>
-  <p:transition xmlns:p14="http://schemas.microsoft.com/office/powerpoint/2010/main" spd="med" advClick="1"/>
+  <p:transition spd="med"/>
 </p:sld>
 </file>
 
 <file path=ppt/slides/slide9.xml><?xml version="1.0" encoding="utf-8"?>
-<p:sld xmlns:a="http://schemas.openxmlformats.org/drawingml/2006/main" xmlns:r="http://schemas.openxmlformats.org/officeDocument/2006/relationships" xmlns:p="http://schemas.openxmlformats.org/presentationml/2006/main" xmlns:m="http://schemas.openxmlformats.org/officeDocument/2006/math" xmlns:a14="http://schemas.microsoft.com/office/drawing/2010/main" showMasterSp="1" showMasterPhAnim="1">
+<p:sld xmlns:a="http://schemas.openxmlformats.org/drawingml/2006/main" xmlns:r="http://schemas.openxmlformats.org/officeDocument/2006/relationships" xmlns:p="http://schemas.openxmlformats.org/presentationml/2006/main">
   <p:cSld>
     <p:spTree>
       <p:nvGrpSpPr>
@@ -8987,7 +9542,9 @@
       <p:sp>
         <p:nvSpPr>
           <p:cNvPr id="142" name="Cutoff Results"/>
-          <p:cNvSpPr txBox="1"/>
+          <p:cNvSpPr txBox="1">
+            <a:spLocks noGrp="1"/>
+          </p:cNvSpPr>
           <p:nvPr>
             <p:ph type="title"/>
           </p:nvPr>
@@ -9003,7 +9560,6 @@
             <a:lvl1pPr algn="ctr"/>
           </a:lstStyle>
           <a:p>
-            <a:pPr/>
             <a:r>
               <a:t>Cutoff Results</a:t>
             </a:r>
@@ -9013,7 +9569,9 @@
       <p:sp>
         <p:nvSpPr>
           <p:cNvPr id="143" name="Cross-Validation with original params…"/>
-          <p:cNvSpPr txBox="1"/>
+          <p:cNvSpPr txBox="1">
+            <a:spLocks noGrp="1"/>
+          </p:cNvSpPr>
           <p:nvPr>
             <p:ph type="body" idx="1"/>
           </p:nvPr>
@@ -9041,7 +9599,7 @@
             </a:r>
           </a:p>
           <a:p>
-            <a:pPr lvl="1" marL="581526" indent="-200526">
+            <a:pPr marL="581526" lvl="1" indent="-200526">
               <a:lnSpc>
                 <a:spcPct val="150000"/>
               </a:lnSpc>
@@ -9055,7 +9613,7 @@
             </a:r>
           </a:p>
           <a:p>
-            <a:pPr lvl="1" marL="581526" indent="-200526">
+            <a:pPr marL="581526" lvl="1" indent="-200526">
               <a:lnSpc>
                 <a:spcPct val="100000"/>
               </a:lnSpc>
@@ -9065,6 +9623,7 @@
               <a:buFontTx/>
               <a:defRPr sz="2400"/>
             </a:pPr>
+            <a:endParaRPr/>
           </a:p>
           <a:p>
             <a:pPr>
@@ -9082,9 +9641,9 @@
                 <a:spcPct val="100000"/>
               </a:lnSpc>
             </a:pPr>
-          </a:p>
-          <a:p>
-            <a:pPr/>
+            <a:endParaRPr/>
+          </a:p>
+          <a:p>
             <a:r>
               <a:t>Problem: Too little information to get meaningful results</a:t>
             </a:r>
@@ -9094,7 +9653,9 @@
       <p:sp>
         <p:nvSpPr>
           <p:cNvPr id="144" name="Slide Number"/>
-          <p:cNvSpPr txBox="1"/>
+          <p:cNvSpPr txBox="1">
+            <a:spLocks noGrp="1"/>
+          </p:cNvSpPr>
           <p:nvPr>
             <p:ph type="sldNum" sz="quarter" idx="2"/>
           </p:nvPr>
@@ -9109,7 +9670,7 @@
           </a:prstGeom>
           <a:extLst>
             <a:ext uri="{C572A759-6A51-4108-AA02-DFA0A04FC94B}">
-              <ma14:wrappingTextBoxFlag xmlns:ma14="http://schemas.microsoft.com/office/mac/drawingml/2011/main" val="1"/>
+              <ma14:wrappingTextBoxFlag xmlns:ma14="http://schemas.microsoft.com/office/mac/drawingml/2011/main" xmlns:a14="http://schemas.microsoft.com/office/drawing/2010/main" xmlns:m="http://schemas.openxmlformats.org/officeDocument/2006/math" xmlns="" val="1"/>
             </a:ext>
           </a:extLst>
         </p:spPr>
@@ -9117,8 +9678,10 @@
           <a:bodyPr/>
           <a:lstStyle/>
           <a:p>
-            <a:pPr/>
-            <a:fld id="{86CB4B4D-7CA3-9044-876B-883B54F8677D}" type="slidenum"/>
+            <a:fld id="{86CB4B4D-7CA3-9044-876B-883B54F8677D}" type="slidenum">
+              <a:t>9</a:t>
+            </a:fld>
+            <a:endParaRPr/>
           </a:p>
         </p:txBody>
       </p:sp>
@@ -9131,9 +9694,7 @@
           <p:nvPr/>
         </p:nvPicPr>
         <p:blipFill>
-          <a:blip r:embed="rId2">
-            <a:extLst/>
-          </a:blip>
+          <a:blip r:embed="rId2"/>
           <a:stretch>
             <a:fillRect/>
           </a:stretch>
@@ -9156,12 +9717,12 @@
   <p:clrMapOvr>
     <a:masterClrMapping/>
   </p:clrMapOvr>
-  <p:transition xmlns:p14="http://schemas.microsoft.com/office/powerpoint/2010/main" spd="med" advClick="1"/>
+  <p:transition spd="med"/>
 </p:sld>
 </file>
 
 <file path=ppt/theme/theme1.xml><?xml version="1.0" encoding="utf-8"?>
-<a:theme xmlns:a="http://schemas.openxmlformats.org/drawingml/2006/main" xmlns:r="http://schemas.openxmlformats.org/officeDocument/2006/relationships" name="Office">
+<a:theme xmlns:a="http://schemas.openxmlformats.org/drawingml/2006/main" name="Office">
   <a:themeElements>
     <a:clrScheme name="Office">
       <a:dk1>
@@ -9363,7 +9924,7 @@
         <a:effectLst/>
         <a:sp3d/>
       </a:spPr>
-      <a:bodyPr rot="0" spcFirstLastPara="1" vertOverflow="overflow" horzOverflow="overflow" vert="horz" wrap="square" lIns="45719" tIns="45719" rIns="45719" bIns="45719" numCol="1" spcCol="38100" rtlCol="0" anchor="ctr" upright="0">
+      <a:bodyPr rot="0" spcFirstLastPara="1" vertOverflow="overflow" horzOverflow="overflow" vert="horz" wrap="square" lIns="45719" tIns="45719" rIns="45719" bIns="45719" numCol="1" spcCol="38100" rtlCol="0" anchor="ctr">
         <a:spAutoFit/>
       </a:bodyPr>
       <a:lstStyle>
@@ -9382,7 +9943,7 @@
           <a:buFontTx/>
           <a:buNone/>
           <a:tabLst/>
-          <a:defRPr b="0" baseline="0" cap="none" i="0" spc="0" strike="noStrike" sz="1800" u="none" kumimoji="0" normalizeH="0">
+          <a:defRPr kumimoji="0" sz="1800" b="0" i="0" u="none" strike="noStrike" cap="none" spc="0" normalizeH="0" baseline="0">
             <a:ln>
               <a:noFill/>
             </a:ln>
@@ -9412,7 +9973,7 @@
           <a:buFontTx/>
           <a:buNone/>
           <a:tabLst/>
-          <a:defRPr b="0" baseline="0" cap="none" i="0" spc="0" strike="noStrike" sz="1800" u="none" kumimoji="0" normalizeH="0">
+          <a:defRPr kumimoji="0" sz="1800" b="0" i="0" u="none" strike="noStrike" cap="none" spc="0" normalizeH="0" baseline="0">
             <a:ln>
               <a:noFill/>
             </a:ln>
@@ -9438,7 +9999,7 @@
           <a:buFontTx/>
           <a:buNone/>
           <a:tabLst/>
-          <a:defRPr b="0" baseline="0" cap="none" i="0" spc="0" strike="noStrike" sz="1800" u="none" kumimoji="0" normalizeH="0">
+          <a:defRPr kumimoji="0" sz="1800" b="0" i="0" u="none" strike="noStrike" cap="none" spc="0" normalizeH="0" baseline="0">
             <a:ln>
               <a:noFill/>
             </a:ln>
@@ -9464,7 +10025,7 @@
           <a:buFontTx/>
           <a:buNone/>
           <a:tabLst/>
-          <a:defRPr b="0" baseline="0" cap="none" i="0" spc="0" strike="noStrike" sz="1800" u="none" kumimoji="0" normalizeH="0">
+          <a:defRPr kumimoji="0" sz="1800" b="0" i="0" u="none" strike="noStrike" cap="none" spc="0" normalizeH="0" baseline="0">
             <a:ln>
               <a:noFill/>
             </a:ln>
@@ -9490,7 +10051,7 @@
           <a:buFontTx/>
           <a:buNone/>
           <a:tabLst/>
-          <a:defRPr b="0" baseline="0" cap="none" i="0" spc="0" strike="noStrike" sz="1800" u="none" kumimoji="0" normalizeH="0">
+          <a:defRPr kumimoji="0" sz="1800" b="0" i="0" u="none" strike="noStrike" cap="none" spc="0" normalizeH="0" baseline="0">
             <a:ln>
               <a:noFill/>
             </a:ln>
@@ -9516,7 +10077,7 @@
           <a:buFontTx/>
           <a:buNone/>
           <a:tabLst/>
-          <a:defRPr b="0" baseline="0" cap="none" i="0" spc="0" strike="noStrike" sz="1800" u="none" kumimoji="0" normalizeH="0">
+          <a:defRPr kumimoji="0" sz="1800" b="0" i="0" u="none" strike="noStrike" cap="none" spc="0" normalizeH="0" baseline="0">
             <a:ln>
               <a:noFill/>
             </a:ln>
@@ -9542,7 +10103,7 @@
           <a:buFontTx/>
           <a:buNone/>
           <a:tabLst/>
-          <a:defRPr b="0" baseline="0" cap="none" i="0" spc="0" strike="noStrike" sz="1800" u="none" kumimoji="0" normalizeH="0">
+          <a:defRPr kumimoji="0" sz="1800" b="0" i="0" u="none" strike="noStrike" cap="none" spc="0" normalizeH="0" baseline="0">
             <a:ln>
               <a:noFill/>
             </a:ln>
@@ -9568,7 +10129,7 @@
           <a:buFontTx/>
           <a:buNone/>
           <a:tabLst/>
-          <a:defRPr b="0" baseline="0" cap="none" i="0" spc="0" strike="noStrike" sz="1800" u="none" kumimoji="0" normalizeH="0">
+          <a:defRPr kumimoji="0" sz="1800" b="0" i="0" u="none" strike="noStrike" cap="none" spc="0" normalizeH="0" baseline="0">
             <a:ln>
               <a:noFill/>
             </a:ln>
@@ -9594,7 +10155,7 @@
           <a:buFontTx/>
           <a:buNone/>
           <a:tabLst/>
-          <a:defRPr b="0" baseline="0" cap="none" i="0" spc="0" strike="noStrike" sz="1800" u="none" kumimoji="0" normalizeH="0">
+          <a:defRPr kumimoji="0" sz="1800" b="0" i="0" u="none" strike="noStrike" cap="none" spc="0" normalizeH="0" baseline="0">
             <a:ln>
               <a:noFill/>
             </a:ln>
@@ -9620,7 +10181,7 @@
           <a:buFontTx/>
           <a:buNone/>
           <a:tabLst/>
-          <a:defRPr b="0" baseline="0" cap="none" i="0" spc="0" strike="noStrike" sz="1800" u="none" kumimoji="0" normalizeH="0">
+          <a:defRPr kumimoji="0" sz="1800" b="0" i="0" u="none" strike="noStrike" cap="none" spc="0" normalizeH="0" baseline="0">
             <a:ln>
               <a:noFill/>
             </a:ln>
@@ -9633,9 +10194,15 @@
         </a:lvl9pPr>
       </a:lstStyle>
       <a:style>
-        <a:lnRef idx="0"/>
-        <a:fillRef idx="0"/>
-        <a:effectRef idx="0"/>
+        <a:lnRef idx="0">
+          <a:scrgbClr r="0" g="0" b="0"/>
+        </a:lnRef>
+        <a:fillRef idx="0">
+          <a:scrgbClr r="0" g="0" b="0"/>
+        </a:fillRef>
+        <a:effectRef idx="0">
+          <a:scrgbClr r="0" g="0" b="0"/>
+        </a:effectRef>
         <a:fontRef idx="none"/>
       </a:style>
     </a:spDef>
@@ -9652,7 +10219,7 @@
         <a:effectLst/>
         <a:sp3d/>
       </a:spPr>
-      <a:bodyPr rot="0" spcFirstLastPara="1" vertOverflow="overflow" horzOverflow="overflow" vert="horz" wrap="square" lIns="91439" tIns="45719" rIns="91439" bIns="45719" numCol="1" spcCol="38100" rtlCol="0" anchor="t" upright="0">
+      <a:bodyPr rot="0" spcFirstLastPara="1" vertOverflow="overflow" horzOverflow="overflow" vert="horz" wrap="square" lIns="91439" tIns="45719" rIns="91439" bIns="45719" numCol="1" spcCol="38100" rtlCol="0" anchor="t">
         <a:noAutofit/>
       </a:bodyPr>
       <a:lstStyle>
@@ -9671,7 +10238,7 @@
           <a:buFontTx/>
           <a:buNone/>
           <a:tabLst/>
-          <a:defRPr b="0" baseline="0" cap="none" i="0" spc="0" strike="noStrike" sz="1800" u="none" kumimoji="0" normalizeH="0">
+          <a:defRPr kumimoji="0" sz="1800" b="0" i="0" u="none" strike="noStrike" cap="none" spc="0" normalizeH="0" baseline="0">
             <a:ln>
               <a:noFill/>
             </a:ln>
@@ -9697,7 +10264,7 @@
           <a:buFontTx/>
           <a:buNone/>
           <a:tabLst/>
-          <a:defRPr b="0" baseline="0" cap="none" i="0" spc="0" strike="noStrike" sz="1800" u="none" kumimoji="0" normalizeH="0">
+          <a:defRPr kumimoji="0" sz="1800" b="0" i="0" u="none" strike="noStrike" cap="none" spc="0" normalizeH="0" baseline="0">
             <a:ln>
               <a:noFill/>
             </a:ln>
@@ -9723,7 +10290,7 @@
           <a:buFontTx/>
           <a:buNone/>
           <a:tabLst/>
-          <a:defRPr b="0" baseline="0" cap="none" i="0" spc="0" strike="noStrike" sz="1800" u="none" kumimoji="0" normalizeH="0">
+          <a:defRPr kumimoji="0" sz="1800" b="0" i="0" u="none" strike="noStrike" cap="none" spc="0" normalizeH="0" baseline="0">
             <a:ln>
               <a:noFill/>
             </a:ln>
@@ -9749,7 +10316,7 @@
           <a:buFontTx/>
           <a:buNone/>
           <a:tabLst/>
-          <a:defRPr b="0" baseline="0" cap="none" i="0" spc="0" strike="noStrike" sz="1800" u="none" kumimoji="0" normalizeH="0">
+          <a:defRPr kumimoji="0" sz="1800" b="0" i="0" u="none" strike="noStrike" cap="none" spc="0" normalizeH="0" baseline="0">
             <a:ln>
               <a:noFill/>
             </a:ln>
@@ -9775,7 +10342,7 @@
           <a:buFontTx/>
           <a:buNone/>
           <a:tabLst/>
-          <a:defRPr b="0" baseline="0" cap="none" i="0" spc="0" strike="noStrike" sz="1800" u="none" kumimoji="0" normalizeH="0">
+          <a:defRPr kumimoji="0" sz="1800" b="0" i="0" u="none" strike="noStrike" cap="none" spc="0" normalizeH="0" baseline="0">
             <a:ln>
               <a:noFill/>
             </a:ln>
@@ -9801,7 +10368,7 @@
           <a:buFontTx/>
           <a:buNone/>
           <a:tabLst/>
-          <a:defRPr b="0" baseline="0" cap="none" i="0" spc="0" strike="noStrike" sz="1800" u="none" kumimoji="0" normalizeH="0">
+          <a:defRPr kumimoji="0" sz="1800" b="0" i="0" u="none" strike="noStrike" cap="none" spc="0" normalizeH="0" baseline="0">
             <a:ln>
               <a:noFill/>
             </a:ln>
@@ -9827,7 +10394,7 @@
           <a:buFontTx/>
           <a:buNone/>
           <a:tabLst/>
-          <a:defRPr b="0" baseline="0" cap="none" i="0" spc="0" strike="noStrike" sz="1800" u="none" kumimoji="0" normalizeH="0">
+          <a:defRPr kumimoji="0" sz="1800" b="0" i="0" u="none" strike="noStrike" cap="none" spc="0" normalizeH="0" baseline="0">
             <a:ln>
               <a:noFill/>
             </a:ln>
@@ -9853,7 +10420,7 @@
           <a:buFontTx/>
           <a:buNone/>
           <a:tabLst/>
-          <a:defRPr b="0" baseline="0" cap="none" i="0" spc="0" strike="noStrike" sz="1800" u="none" kumimoji="0" normalizeH="0">
+          <a:defRPr kumimoji="0" sz="1800" b="0" i="0" u="none" strike="noStrike" cap="none" spc="0" normalizeH="0" baseline="0">
             <a:ln>
               <a:noFill/>
             </a:ln>
@@ -9879,7 +10446,7 @@
           <a:buFontTx/>
           <a:buNone/>
           <a:tabLst/>
-          <a:defRPr b="0" baseline="0" cap="none" i="0" spc="0" strike="noStrike" sz="1800" u="none" kumimoji="0" normalizeH="0">
+          <a:defRPr kumimoji="0" sz="1800" b="0" i="0" u="none" strike="noStrike" cap="none" spc="0" normalizeH="0" baseline="0">
             <a:ln>
               <a:noFill/>
             </a:ln>
@@ -9905,7 +10472,7 @@
           <a:buFontTx/>
           <a:buNone/>
           <a:tabLst/>
-          <a:defRPr b="0" baseline="0" cap="none" i="0" spc="0" strike="noStrike" sz="1800" u="none" kumimoji="0" normalizeH="0">
+          <a:defRPr kumimoji="0" sz="1800" b="0" i="0" u="none" strike="noStrike" cap="none" spc="0" normalizeH="0" baseline="0">
             <a:ln>
               <a:noFill/>
             </a:ln>
@@ -9918,9 +10485,15 @@
         </a:lvl9pPr>
       </a:lstStyle>
       <a:style>
-        <a:lnRef idx="0"/>
-        <a:fillRef idx="0"/>
-        <a:effectRef idx="0"/>
+        <a:lnRef idx="0">
+          <a:scrgbClr r="0" g="0" b="0"/>
+        </a:lnRef>
+        <a:fillRef idx="0">
+          <a:scrgbClr r="0" g="0" b="0"/>
+        </a:fillRef>
+        <a:effectRef idx="0">
+          <a:scrgbClr r="0" g="0" b="0"/>
+        </a:effectRef>
         <a:fontRef idx="none"/>
       </a:style>
     </a:lnDef>
@@ -9934,7 +10507,7 @@
         <a:effectLst/>
         <a:sp3d/>
       </a:spPr>
-      <a:bodyPr rot="0" spcFirstLastPara="1" vertOverflow="overflow" horzOverflow="overflow" vert="horz" wrap="square" lIns="45719" tIns="45719" rIns="45719" bIns="45719" numCol="1" spcCol="38100" rtlCol="0" anchor="t" upright="0">
+      <a:bodyPr rot="0" spcFirstLastPara="1" vertOverflow="overflow" horzOverflow="overflow" vert="horz" wrap="square" lIns="45719" tIns="45719" rIns="45719" bIns="45719" numCol="1" spcCol="38100" rtlCol="0" anchor="t">
         <a:spAutoFit/>
       </a:bodyPr>
       <a:lstStyle>
@@ -9953,7 +10526,7 @@
           <a:buFontTx/>
           <a:buNone/>
           <a:tabLst/>
-          <a:defRPr b="0" baseline="0" cap="none" i="0" spc="0" strike="noStrike" sz="1800" u="none" kumimoji="0" normalizeH="0">
+          <a:defRPr kumimoji="0" sz="1800" b="0" i="0" u="none" strike="noStrike" cap="none" spc="0" normalizeH="0" baseline="0">
             <a:ln>
               <a:noFill/>
             </a:ln>
@@ -9983,7 +10556,7 @@
           <a:buFontTx/>
           <a:buNone/>
           <a:tabLst/>
-          <a:defRPr b="0" baseline="0" cap="none" i="0" spc="0" strike="noStrike" sz="1800" u="none" kumimoji="0" normalizeH="0">
+          <a:defRPr kumimoji="0" sz="1800" b="0" i="0" u="none" strike="noStrike" cap="none" spc="0" normalizeH="0" baseline="0">
             <a:ln>
               <a:noFill/>
             </a:ln>
@@ -10009,7 +10582,7 @@
           <a:buFontTx/>
           <a:buNone/>
           <a:tabLst/>
-          <a:defRPr b="0" baseline="0" cap="none" i="0" spc="0" strike="noStrike" sz="1800" u="none" kumimoji="0" normalizeH="0">
+          <a:defRPr kumimoji="0" sz="1800" b="0" i="0" u="none" strike="noStrike" cap="none" spc="0" normalizeH="0" baseline="0">
             <a:ln>
               <a:noFill/>
             </a:ln>
@@ -10035,7 +10608,7 @@
           <a:buFontTx/>
           <a:buNone/>
           <a:tabLst/>
-          <a:defRPr b="0" baseline="0" cap="none" i="0" spc="0" strike="noStrike" sz="1800" u="none" kumimoji="0" normalizeH="0">
+          <a:defRPr kumimoji="0" sz="1800" b="0" i="0" u="none" strike="noStrike" cap="none" spc="0" normalizeH="0" baseline="0">
             <a:ln>
               <a:noFill/>
             </a:ln>
@@ -10061,7 +10634,7 @@
           <a:buFontTx/>
           <a:buNone/>
           <a:tabLst/>
-          <a:defRPr b="0" baseline="0" cap="none" i="0" spc="0" strike="noStrike" sz="1800" u="none" kumimoji="0" normalizeH="0">
+          <a:defRPr kumimoji="0" sz="1800" b="0" i="0" u="none" strike="noStrike" cap="none" spc="0" normalizeH="0" baseline="0">
             <a:ln>
               <a:noFill/>
             </a:ln>
@@ -10087,7 +10660,7 @@
           <a:buFontTx/>
           <a:buNone/>
           <a:tabLst/>
-          <a:defRPr b="0" baseline="0" cap="none" i="0" spc="0" strike="noStrike" sz="1800" u="none" kumimoji="0" normalizeH="0">
+          <a:defRPr kumimoji="0" sz="1800" b="0" i="0" u="none" strike="noStrike" cap="none" spc="0" normalizeH="0" baseline="0">
             <a:ln>
               <a:noFill/>
             </a:ln>
@@ -10113,7 +10686,7 @@
           <a:buFontTx/>
           <a:buNone/>
           <a:tabLst/>
-          <a:defRPr b="0" baseline="0" cap="none" i="0" spc="0" strike="noStrike" sz="1800" u="none" kumimoji="0" normalizeH="0">
+          <a:defRPr kumimoji="0" sz="1800" b="0" i="0" u="none" strike="noStrike" cap="none" spc="0" normalizeH="0" baseline="0">
             <a:ln>
               <a:noFill/>
             </a:ln>
@@ -10139,7 +10712,7 @@
           <a:buFontTx/>
           <a:buNone/>
           <a:tabLst/>
-          <a:defRPr b="0" baseline="0" cap="none" i="0" spc="0" strike="noStrike" sz="1800" u="none" kumimoji="0" normalizeH="0">
+          <a:defRPr kumimoji="0" sz="1800" b="0" i="0" u="none" strike="noStrike" cap="none" spc="0" normalizeH="0" baseline="0">
             <a:ln>
               <a:noFill/>
             </a:ln>
@@ -10165,7 +10738,7 @@
           <a:buFontTx/>
           <a:buNone/>
           <a:tabLst/>
-          <a:defRPr b="0" baseline="0" cap="none" i="0" spc="0" strike="noStrike" sz="1800" u="none" kumimoji="0" normalizeH="0">
+          <a:defRPr kumimoji="0" sz="1800" b="0" i="0" u="none" strike="noStrike" cap="none" spc="0" normalizeH="0" baseline="0">
             <a:ln>
               <a:noFill/>
             </a:ln>
@@ -10191,7 +10764,7 @@
           <a:buFontTx/>
           <a:buNone/>
           <a:tabLst/>
-          <a:defRPr b="0" baseline="0" cap="none" i="0" spc="0" strike="noStrike" sz="1800" u="none" kumimoji="0" normalizeH="0">
+          <a:defRPr kumimoji="0" sz="1800" b="0" i="0" u="none" strike="noStrike" cap="none" spc="0" normalizeH="0" baseline="0">
             <a:ln>
               <a:noFill/>
             </a:ln>
@@ -10204,18 +10777,25 @@
         </a:lvl9pPr>
       </a:lstStyle>
       <a:style>
-        <a:lnRef idx="0"/>
-        <a:fillRef idx="0"/>
-        <a:effectRef idx="0"/>
+        <a:lnRef idx="0">
+          <a:scrgbClr r="0" g="0" b="0"/>
+        </a:lnRef>
+        <a:fillRef idx="0">
+          <a:scrgbClr r="0" g="0" b="0"/>
+        </a:fillRef>
+        <a:effectRef idx="0">
+          <a:scrgbClr r="0" g="0" b="0"/>
+        </a:effectRef>
         <a:fontRef idx="none"/>
       </a:style>
     </a:txDef>
   </a:objectDefaults>
+  <a:extraClrSchemeLst/>
 </a:theme>
 </file>
 
 <file path=ppt/theme/theme2.xml><?xml version="1.0" encoding="utf-8"?>
-<a:theme xmlns:a="http://schemas.openxmlformats.org/drawingml/2006/main" xmlns:r="http://schemas.openxmlformats.org/officeDocument/2006/relationships" name="Office">
+<a:theme xmlns:a="http://schemas.openxmlformats.org/drawingml/2006/main" name="Office">
   <a:themeElements>
     <a:clrScheme name="Office">
       <a:dk1>
@@ -10417,7 +10997,7 @@
         <a:effectLst/>
         <a:sp3d/>
       </a:spPr>
-      <a:bodyPr rot="0" spcFirstLastPara="1" vertOverflow="overflow" horzOverflow="overflow" vert="horz" wrap="square" lIns="45719" tIns="45719" rIns="45719" bIns="45719" numCol="1" spcCol="38100" rtlCol="0" anchor="ctr" upright="0">
+      <a:bodyPr rot="0" spcFirstLastPara="1" vertOverflow="overflow" horzOverflow="overflow" vert="horz" wrap="square" lIns="45719" tIns="45719" rIns="45719" bIns="45719" numCol="1" spcCol="38100" rtlCol="0" anchor="ctr">
         <a:spAutoFit/>
       </a:bodyPr>
       <a:lstStyle>
@@ -10436,7 +11016,7 @@
           <a:buFontTx/>
           <a:buNone/>
           <a:tabLst/>
-          <a:defRPr b="0" baseline="0" cap="none" i="0" spc="0" strike="noStrike" sz="1800" u="none" kumimoji="0" normalizeH="0">
+          <a:defRPr kumimoji="0" sz="1800" b="0" i="0" u="none" strike="noStrike" cap="none" spc="0" normalizeH="0" baseline="0">
             <a:ln>
               <a:noFill/>
             </a:ln>
@@ -10466,7 +11046,7 @@
           <a:buFontTx/>
           <a:buNone/>
           <a:tabLst/>
-          <a:defRPr b="0" baseline="0" cap="none" i="0" spc="0" strike="noStrike" sz="1800" u="none" kumimoji="0" normalizeH="0">
+          <a:defRPr kumimoji="0" sz="1800" b="0" i="0" u="none" strike="noStrike" cap="none" spc="0" normalizeH="0" baseline="0">
             <a:ln>
               <a:noFill/>
             </a:ln>
@@ -10492,7 +11072,7 @@
           <a:buFontTx/>
           <a:buNone/>
           <a:tabLst/>
-          <a:defRPr b="0" baseline="0" cap="none" i="0" spc="0" strike="noStrike" sz="1800" u="none" kumimoji="0" normalizeH="0">
+          <a:defRPr kumimoji="0" sz="1800" b="0" i="0" u="none" strike="noStrike" cap="none" spc="0" normalizeH="0" baseline="0">
             <a:ln>
               <a:noFill/>
             </a:ln>
@@ -10518,7 +11098,7 @@
           <a:buFontTx/>
           <a:buNone/>
           <a:tabLst/>
-          <a:defRPr b="0" baseline="0" cap="none" i="0" spc="0" strike="noStrike" sz="1800" u="none" kumimoji="0" normalizeH="0">
+          <a:defRPr kumimoji="0" sz="1800" b="0" i="0" u="none" strike="noStrike" cap="none" spc="0" normalizeH="0" baseline="0">
             <a:ln>
               <a:noFill/>
             </a:ln>
@@ -10544,7 +11124,7 @@
           <a:buFontTx/>
           <a:buNone/>
           <a:tabLst/>
-          <a:defRPr b="0" baseline="0" cap="none" i="0" spc="0" strike="noStrike" sz="1800" u="none" kumimoji="0" normalizeH="0">
+          <a:defRPr kumimoji="0" sz="1800" b="0" i="0" u="none" strike="noStrike" cap="none" spc="0" normalizeH="0" baseline="0">
             <a:ln>
               <a:noFill/>
             </a:ln>
@@ -10570,7 +11150,7 @@
           <a:buFontTx/>
           <a:buNone/>
           <a:tabLst/>
-          <a:defRPr b="0" baseline="0" cap="none" i="0" spc="0" strike="noStrike" sz="1800" u="none" kumimoji="0" normalizeH="0">
+          <a:defRPr kumimoji="0" sz="1800" b="0" i="0" u="none" strike="noStrike" cap="none" spc="0" normalizeH="0" baseline="0">
             <a:ln>
               <a:noFill/>
             </a:ln>
@@ -10596,7 +11176,7 @@
           <a:buFontTx/>
           <a:buNone/>
           <a:tabLst/>
-          <a:defRPr b="0" baseline="0" cap="none" i="0" spc="0" strike="noStrike" sz="1800" u="none" kumimoji="0" normalizeH="0">
+          <a:defRPr kumimoji="0" sz="1800" b="0" i="0" u="none" strike="noStrike" cap="none" spc="0" normalizeH="0" baseline="0">
             <a:ln>
               <a:noFill/>
             </a:ln>
@@ -10622,7 +11202,7 @@
           <a:buFontTx/>
           <a:buNone/>
           <a:tabLst/>
-          <a:defRPr b="0" baseline="0" cap="none" i="0" spc="0" strike="noStrike" sz="1800" u="none" kumimoji="0" normalizeH="0">
+          <a:defRPr kumimoji="0" sz="1800" b="0" i="0" u="none" strike="noStrike" cap="none" spc="0" normalizeH="0" baseline="0">
             <a:ln>
               <a:noFill/>
             </a:ln>
@@ -10648,7 +11228,7 @@
           <a:buFontTx/>
           <a:buNone/>
           <a:tabLst/>
-          <a:defRPr b="0" baseline="0" cap="none" i="0" spc="0" strike="noStrike" sz="1800" u="none" kumimoji="0" normalizeH="0">
+          <a:defRPr kumimoji="0" sz="1800" b="0" i="0" u="none" strike="noStrike" cap="none" spc="0" normalizeH="0" baseline="0">
             <a:ln>
               <a:noFill/>
             </a:ln>
@@ -10674,7 +11254,7 @@
           <a:buFontTx/>
           <a:buNone/>
           <a:tabLst/>
-          <a:defRPr b="0" baseline="0" cap="none" i="0" spc="0" strike="noStrike" sz="1800" u="none" kumimoji="0" normalizeH="0">
+          <a:defRPr kumimoji="0" sz="1800" b="0" i="0" u="none" strike="noStrike" cap="none" spc="0" normalizeH="0" baseline="0">
             <a:ln>
               <a:noFill/>
             </a:ln>
@@ -10687,9 +11267,15 @@
         </a:lvl9pPr>
       </a:lstStyle>
       <a:style>
-        <a:lnRef idx="0"/>
-        <a:fillRef idx="0"/>
-        <a:effectRef idx="0"/>
+        <a:lnRef idx="0">
+          <a:scrgbClr r="0" g="0" b="0"/>
+        </a:lnRef>
+        <a:fillRef idx="0">
+          <a:scrgbClr r="0" g="0" b="0"/>
+        </a:fillRef>
+        <a:effectRef idx="0">
+          <a:scrgbClr r="0" g="0" b="0"/>
+        </a:effectRef>
         <a:fontRef idx="none"/>
       </a:style>
     </a:spDef>
@@ -10706,7 +11292,7 @@
         <a:effectLst/>
         <a:sp3d/>
       </a:spPr>
-      <a:bodyPr rot="0" spcFirstLastPara="1" vertOverflow="overflow" horzOverflow="overflow" vert="horz" wrap="square" lIns="91439" tIns="45719" rIns="91439" bIns="45719" numCol="1" spcCol="38100" rtlCol="0" anchor="t" upright="0">
+      <a:bodyPr rot="0" spcFirstLastPara="1" vertOverflow="overflow" horzOverflow="overflow" vert="horz" wrap="square" lIns="91439" tIns="45719" rIns="91439" bIns="45719" numCol="1" spcCol="38100" rtlCol="0" anchor="t">
         <a:noAutofit/>
       </a:bodyPr>
       <a:lstStyle>
@@ -10725,7 +11311,7 @@
           <a:buFontTx/>
           <a:buNone/>
           <a:tabLst/>
-          <a:defRPr b="0" baseline="0" cap="none" i="0" spc="0" strike="noStrike" sz="1800" u="none" kumimoji="0" normalizeH="0">
+          <a:defRPr kumimoji="0" sz="1800" b="0" i="0" u="none" strike="noStrike" cap="none" spc="0" normalizeH="0" baseline="0">
             <a:ln>
               <a:noFill/>
             </a:ln>
@@ -10751,7 +11337,7 @@
           <a:buFontTx/>
           <a:buNone/>
           <a:tabLst/>
-          <a:defRPr b="0" baseline="0" cap="none" i="0" spc="0" strike="noStrike" sz="1800" u="none" kumimoji="0" normalizeH="0">
+          <a:defRPr kumimoji="0" sz="1800" b="0" i="0" u="none" strike="noStrike" cap="none" spc="0" normalizeH="0" baseline="0">
             <a:ln>
               <a:noFill/>
             </a:ln>
@@ -10777,7 +11363,7 @@
           <a:buFontTx/>
           <a:buNone/>
           <a:tabLst/>
-          <a:defRPr b="0" baseline="0" cap="none" i="0" spc="0" strike="noStrike" sz="1800" u="none" kumimoji="0" normalizeH="0">
+          <a:defRPr kumimoji="0" sz="1800" b="0" i="0" u="none" strike="noStrike" cap="none" spc="0" normalizeH="0" baseline="0">
             <a:ln>
               <a:noFill/>
             </a:ln>
@@ -10803,7 +11389,7 @@
           <a:buFontTx/>
           <a:buNone/>
           <a:tabLst/>
-          <a:defRPr b="0" baseline="0" cap="none" i="0" spc="0" strike="noStrike" sz="1800" u="none" kumimoji="0" normalizeH="0">
+          <a:defRPr kumimoji="0" sz="1800" b="0" i="0" u="none" strike="noStrike" cap="none" spc="0" normalizeH="0" baseline="0">
             <a:ln>
               <a:noFill/>
             </a:ln>
@@ -10829,7 +11415,7 @@
           <a:buFontTx/>
           <a:buNone/>
           <a:tabLst/>
-          <a:defRPr b="0" baseline="0" cap="none" i="0" spc="0" strike="noStrike" sz="1800" u="none" kumimoji="0" normalizeH="0">
+          <a:defRPr kumimoji="0" sz="1800" b="0" i="0" u="none" strike="noStrike" cap="none" spc="0" normalizeH="0" baseline="0">
             <a:ln>
               <a:noFill/>
             </a:ln>
@@ -10855,7 +11441,7 @@
           <a:buFontTx/>
           <a:buNone/>
           <a:tabLst/>
-          <a:defRPr b="0" baseline="0" cap="none" i="0" spc="0" strike="noStrike" sz="1800" u="none" kumimoji="0" normalizeH="0">
+          <a:defRPr kumimoji="0" sz="1800" b="0" i="0" u="none" strike="noStrike" cap="none" spc="0" normalizeH="0" baseline="0">
             <a:ln>
               <a:noFill/>
             </a:ln>
@@ -10881,7 +11467,7 @@
           <a:buFontTx/>
           <a:buNone/>
           <a:tabLst/>
-          <a:defRPr b="0" baseline="0" cap="none" i="0" spc="0" strike="noStrike" sz="1800" u="none" kumimoji="0" normalizeH="0">
+          <a:defRPr kumimoji="0" sz="1800" b="0" i="0" u="none" strike="noStrike" cap="none" spc="0" normalizeH="0" baseline="0">
             <a:ln>
               <a:noFill/>
             </a:ln>
@@ -10907,7 +11493,7 @@
           <a:buFontTx/>
           <a:buNone/>
           <a:tabLst/>
-          <a:defRPr b="0" baseline="0" cap="none" i="0" spc="0" strike="noStrike" sz="1800" u="none" kumimoji="0" normalizeH="0">
+          <a:defRPr kumimoji="0" sz="1800" b="0" i="0" u="none" strike="noStrike" cap="none" spc="0" normalizeH="0" baseline="0">
             <a:ln>
               <a:noFill/>
             </a:ln>
@@ -10933,7 +11519,7 @@
           <a:buFontTx/>
           <a:buNone/>
           <a:tabLst/>
-          <a:defRPr b="0" baseline="0" cap="none" i="0" spc="0" strike="noStrike" sz="1800" u="none" kumimoji="0" normalizeH="0">
+          <a:defRPr kumimoji="0" sz="1800" b="0" i="0" u="none" strike="noStrike" cap="none" spc="0" normalizeH="0" baseline="0">
             <a:ln>
               <a:noFill/>
             </a:ln>
@@ -10959,7 +11545,7 @@
           <a:buFontTx/>
           <a:buNone/>
           <a:tabLst/>
-          <a:defRPr b="0" baseline="0" cap="none" i="0" spc="0" strike="noStrike" sz="1800" u="none" kumimoji="0" normalizeH="0">
+          <a:defRPr kumimoji="0" sz="1800" b="0" i="0" u="none" strike="noStrike" cap="none" spc="0" normalizeH="0" baseline="0">
             <a:ln>
               <a:noFill/>
             </a:ln>
@@ -10972,9 +11558,15 @@
         </a:lvl9pPr>
       </a:lstStyle>
       <a:style>
-        <a:lnRef idx="0"/>
-        <a:fillRef idx="0"/>
-        <a:effectRef idx="0"/>
+        <a:lnRef idx="0">
+          <a:scrgbClr r="0" g="0" b="0"/>
+        </a:lnRef>
+        <a:fillRef idx="0">
+          <a:scrgbClr r="0" g="0" b="0"/>
+        </a:fillRef>
+        <a:effectRef idx="0">
+          <a:scrgbClr r="0" g="0" b="0"/>
+        </a:effectRef>
         <a:fontRef idx="none"/>
       </a:style>
     </a:lnDef>
@@ -10988,7 +11580,7 @@
         <a:effectLst/>
         <a:sp3d/>
       </a:spPr>
-      <a:bodyPr rot="0" spcFirstLastPara="1" vertOverflow="overflow" horzOverflow="overflow" vert="horz" wrap="square" lIns="45719" tIns="45719" rIns="45719" bIns="45719" numCol="1" spcCol="38100" rtlCol="0" anchor="t" upright="0">
+      <a:bodyPr rot="0" spcFirstLastPara="1" vertOverflow="overflow" horzOverflow="overflow" vert="horz" wrap="square" lIns="45719" tIns="45719" rIns="45719" bIns="45719" numCol="1" spcCol="38100" rtlCol="0" anchor="t">
         <a:spAutoFit/>
       </a:bodyPr>
       <a:lstStyle>
@@ -11007,7 +11599,7 @@
           <a:buFontTx/>
           <a:buNone/>
           <a:tabLst/>
-          <a:defRPr b="0" baseline="0" cap="none" i="0" spc="0" strike="noStrike" sz="1800" u="none" kumimoji="0" normalizeH="0">
+          <a:defRPr kumimoji="0" sz="1800" b="0" i="0" u="none" strike="noStrike" cap="none" spc="0" normalizeH="0" baseline="0">
             <a:ln>
               <a:noFill/>
             </a:ln>
@@ -11037,7 +11629,7 @@
           <a:buFontTx/>
           <a:buNone/>
           <a:tabLst/>
-          <a:defRPr b="0" baseline="0" cap="none" i="0" spc="0" strike="noStrike" sz="1800" u="none" kumimoji="0" normalizeH="0">
+          <a:defRPr kumimoji="0" sz="1800" b="0" i="0" u="none" strike="noStrike" cap="none" spc="0" normalizeH="0" baseline="0">
             <a:ln>
               <a:noFill/>
             </a:ln>
@@ -11063,7 +11655,7 @@
           <a:buFontTx/>
           <a:buNone/>
           <a:tabLst/>
-          <a:defRPr b="0" baseline="0" cap="none" i="0" spc="0" strike="noStrike" sz="1800" u="none" kumimoji="0" normalizeH="0">
+          <a:defRPr kumimoji="0" sz="1800" b="0" i="0" u="none" strike="noStrike" cap="none" spc="0" normalizeH="0" baseline="0">
             <a:ln>
               <a:noFill/>
             </a:ln>
@@ -11089,7 +11681,7 @@
           <a:buFontTx/>
           <a:buNone/>
           <a:tabLst/>
-          <a:defRPr b="0" baseline="0" cap="none" i="0" spc="0" strike="noStrike" sz="1800" u="none" kumimoji="0" normalizeH="0">
+          <a:defRPr kumimoji="0" sz="1800" b="0" i="0" u="none" strike="noStrike" cap="none" spc="0" normalizeH="0" baseline="0">
             <a:ln>
               <a:noFill/>
             </a:ln>
@@ -11115,7 +11707,7 @@
           <a:buFontTx/>
           <a:buNone/>
           <a:tabLst/>
-          <a:defRPr b="0" baseline="0" cap="none" i="0" spc="0" strike="noStrike" sz="1800" u="none" kumimoji="0" normalizeH="0">
+          <a:defRPr kumimoji="0" sz="1800" b="0" i="0" u="none" strike="noStrike" cap="none" spc="0" normalizeH="0" baseline="0">
             <a:ln>
               <a:noFill/>
             </a:ln>
@@ -11141,7 +11733,7 @@
           <a:buFontTx/>
           <a:buNone/>
           <a:tabLst/>
-          <a:defRPr b="0" baseline="0" cap="none" i="0" spc="0" strike="noStrike" sz="1800" u="none" kumimoji="0" normalizeH="0">
+          <a:defRPr kumimoji="0" sz="1800" b="0" i="0" u="none" strike="noStrike" cap="none" spc="0" normalizeH="0" baseline="0">
             <a:ln>
               <a:noFill/>
             </a:ln>
@@ -11167,7 +11759,7 @@
           <a:buFontTx/>
           <a:buNone/>
           <a:tabLst/>
-          <a:defRPr b="0" baseline="0" cap="none" i="0" spc="0" strike="noStrike" sz="1800" u="none" kumimoji="0" normalizeH="0">
+          <a:defRPr kumimoji="0" sz="1800" b="0" i="0" u="none" strike="noStrike" cap="none" spc="0" normalizeH="0" baseline="0">
             <a:ln>
               <a:noFill/>
             </a:ln>
@@ -11193,7 +11785,7 @@
           <a:buFontTx/>
           <a:buNone/>
           <a:tabLst/>
-          <a:defRPr b="0" baseline="0" cap="none" i="0" spc="0" strike="noStrike" sz="1800" u="none" kumimoji="0" normalizeH="0">
+          <a:defRPr kumimoji="0" sz="1800" b="0" i="0" u="none" strike="noStrike" cap="none" spc="0" normalizeH="0" baseline="0">
             <a:ln>
               <a:noFill/>
             </a:ln>
@@ -11219,7 +11811,7 @@
           <a:buFontTx/>
           <a:buNone/>
           <a:tabLst/>
-          <a:defRPr b="0" baseline="0" cap="none" i="0" spc="0" strike="noStrike" sz="1800" u="none" kumimoji="0" normalizeH="0">
+          <a:defRPr kumimoji="0" sz="1800" b="0" i="0" u="none" strike="noStrike" cap="none" spc="0" normalizeH="0" baseline="0">
             <a:ln>
               <a:noFill/>
             </a:ln>
@@ -11245,7 +11837,7 @@
           <a:buFontTx/>
           <a:buNone/>
           <a:tabLst/>
-          <a:defRPr b="0" baseline="0" cap="none" i="0" spc="0" strike="noStrike" sz="1800" u="none" kumimoji="0" normalizeH="0">
+          <a:defRPr kumimoji="0" sz="1800" b="0" i="0" u="none" strike="noStrike" cap="none" spc="0" normalizeH="0" baseline="0">
             <a:ln>
               <a:noFill/>
             </a:ln>
@@ -11258,12 +11850,19 @@
         </a:lvl9pPr>
       </a:lstStyle>
       <a:style>
-        <a:lnRef idx="0"/>
-        <a:fillRef idx="0"/>
-        <a:effectRef idx="0"/>
+        <a:lnRef idx="0">
+          <a:scrgbClr r="0" g="0" b="0"/>
+        </a:lnRef>
+        <a:fillRef idx="0">
+          <a:scrgbClr r="0" g="0" b="0"/>
+        </a:fillRef>
+        <a:effectRef idx="0">
+          <a:scrgbClr r="0" g="0" b="0"/>
+        </a:effectRef>
         <a:fontRef idx="none"/>
       </a:style>
     </a:txDef>
   </a:objectDefaults>
+  <a:extraClrSchemeLst/>
 </a:theme>
 </file>
--- a/BLOSUMscoresComparedToSingleSNAPscores.pptx
+++ b/BLOSUMscoresComparedToSingleSNAPscores.pptx
@@ -5,7 +5,7 @@
     <p:sldMasterId id="2147483648" r:id="rId1"/>
   </p:sldMasterIdLst>
   <p:notesMasterIdLst>
-    <p:notesMasterId r:id="rId30"/>
+    <p:notesMasterId r:id="rId29"/>
   </p:notesMasterIdLst>
   <p:sldIdLst>
     <p:sldId id="256" r:id="rId2"/>
@@ -28,14 +28,13 @@
     <p:sldId id="273" r:id="rId19"/>
     <p:sldId id="274" r:id="rId20"/>
     <p:sldId id="275" r:id="rId21"/>
-    <p:sldId id="276" r:id="rId22"/>
-    <p:sldId id="277" r:id="rId23"/>
-    <p:sldId id="278" r:id="rId24"/>
-    <p:sldId id="283" r:id="rId25"/>
-    <p:sldId id="279" r:id="rId26"/>
-    <p:sldId id="280" r:id="rId27"/>
-    <p:sldId id="281" r:id="rId28"/>
-    <p:sldId id="282" r:id="rId29"/>
+    <p:sldId id="277" r:id="rId22"/>
+    <p:sldId id="278" r:id="rId23"/>
+    <p:sldId id="283" r:id="rId24"/>
+    <p:sldId id="279" r:id="rId25"/>
+    <p:sldId id="280" r:id="rId26"/>
+    <p:sldId id="281" r:id="rId27"/>
+    <p:sldId id="282" r:id="rId28"/>
   </p:sldIdLst>
   <p:sldSz cx="12192000" cy="6858000"/>
   <p:notesSz cx="6858000" cy="9144000"/>
@@ -337,13 +336,18 @@
       </a:defRPr>
     </a:lvl9pPr>
   </p:defaultTextStyle>
+  <p:extLst>
+    <p:ext uri="{EFAFB233-063F-42B5-8137-9DF3F51BA10A}">
+      <p15:sldGuideLst xmlns:p15="http://schemas.microsoft.com/office/powerpoint/2012/main"/>
+    </p:ext>
+  </p:extLst>
 </p:presentation>
 </file>
 
 <file path=ppt/charts/chart1.xml><?xml version="1.0" encoding="utf-8"?>
 <c:chartSpace xmlns:c="http://schemas.openxmlformats.org/drawingml/2006/chart" xmlns:a="http://schemas.openxmlformats.org/drawingml/2006/main" xmlns:r="http://schemas.openxmlformats.org/officeDocument/2006/relationships" xmlns:c16r2="http://schemas.microsoft.com/office/drawing/2015/06/chart">
   <c:date1904 val="1"/>
-  <c:lang val="de-DE"/>
+  <c:lang val="en-US"/>
   <c:roundedCorners val="0"/>
   <c:style val="2"/>
   <c:chart>
@@ -949,7 +953,7 @@
           <a:lstStyle/>
           <a:p>
             <a:fld id="{86CB4B4D-7CA3-9044-876B-883B54F8677D}" type="slidenum">
-              <a:t>‹Nr.›</a:t>
+              <a:t>‹#›</a:t>
             </a:fld>
             <a:endParaRPr/>
           </a:p>
@@ -1130,7 +1134,7 @@
           <a:lstStyle/>
           <a:p>
             <a:fld id="{86CB4B4D-7CA3-9044-876B-883B54F8677D}" type="slidenum">
-              <a:t>‹Nr.›</a:t>
+              <a:t>‹#›</a:t>
             </a:fld>
             <a:endParaRPr/>
           </a:p>
@@ -1319,7 +1323,7 @@
           <a:lstStyle/>
           <a:p>
             <a:fld id="{86CB4B4D-7CA3-9044-876B-883B54F8677D}" type="slidenum">
-              <a:t>‹Nr.›</a:t>
+              <a:t>‹#›</a:t>
             </a:fld>
             <a:endParaRPr/>
           </a:p>
@@ -1449,7 +1453,7 @@
           <a:lstStyle/>
           <a:p>
             <a:fld id="{86CB4B4D-7CA3-9044-876B-883B54F8677D}" type="slidenum">
-              <a:t>‹Nr.›</a:t>
+              <a:t>‹#›</a:t>
             </a:fld>
             <a:endParaRPr/>
           </a:p>
@@ -1702,7 +1706,7 @@
           <a:lstStyle/>
           <a:p>
             <a:fld id="{86CB4B4D-7CA3-9044-876B-883B54F8677D}" type="slidenum">
-              <a:t>‹Nr.›</a:t>
+              <a:t>‹#›</a:t>
             </a:fld>
             <a:endParaRPr/>
           </a:p>
@@ -1779,7 +1783,7 @@
           <a:lstStyle/>
           <a:p>
             <a:fld id="{86CB4B4D-7CA3-9044-876B-883B54F8677D}" type="slidenum">
-              <a:t>‹Nr.›</a:t>
+              <a:t>‹#›</a:t>
             </a:fld>
             <a:endParaRPr/>
           </a:p>
@@ -1831,7 +1835,7 @@
           <a:lstStyle/>
           <a:p>
             <a:fld id="{86CB4B4D-7CA3-9044-876B-883B54F8677D}" type="slidenum">
-              <a:t>‹Nr.›</a:t>
+              <a:t>‹#›</a:t>
             </a:fld>
             <a:endParaRPr/>
           </a:p>
@@ -2018,7 +2022,7 @@
           <a:lstStyle/>
           <a:p>
             <a:fld id="{86CB4B4D-7CA3-9044-876B-883B54F8677D}" type="slidenum">
-              <a:t>‹Nr.›</a:t>
+              <a:t>‹#›</a:t>
             </a:fld>
             <a:endParaRPr/>
           </a:p>
@@ -2216,7 +2220,7 @@
           <a:lstStyle/>
           <a:p>
             <a:fld id="{86CB4B4D-7CA3-9044-876B-883B54F8677D}" type="slidenum">
-              <a:t>‹Nr.›</a:t>
+              <a:t>‹#›</a:t>
             </a:fld>
             <a:endParaRPr/>
           </a:p>
@@ -2279,7 +2283,7 @@
           </a:ln>
           <a:extLst>
             <a:ext uri="{C572A759-6A51-4108-AA02-DFA0A04FC94B}">
-              <ma14:wrappingTextBoxFlag xmlns:ma14="http://schemas.microsoft.com/office/mac/drawingml/2011/main" xmlns:a14="http://schemas.microsoft.com/office/drawing/2010/main" xmlns:m="http://schemas.openxmlformats.org/officeDocument/2006/math" xmlns="" val="1"/>
+              <ma14:wrappingTextBoxFlag xmlns="" xmlns:m="http://schemas.openxmlformats.org/officeDocument/2006/math" xmlns:a14="http://schemas.microsoft.com/office/drawing/2010/main" xmlns:ma14="http://schemas.microsoft.com/office/mac/drawingml/2011/main" val="1"/>
             </a:ext>
           </a:extLst>
         </p:spPr>
@@ -2318,7 +2322,7 @@
           </a:ln>
           <a:extLst>
             <a:ext uri="{C572A759-6A51-4108-AA02-DFA0A04FC94B}">
-              <ma14:wrappingTextBoxFlag xmlns:ma14="http://schemas.microsoft.com/office/mac/drawingml/2011/main" xmlns:a14="http://schemas.microsoft.com/office/drawing/2010/main" xmlns:m="http://schemas.openxmlformats.org/officeDocument/2006/math" xmlns="" val="1"/>
+              <ma14:wrappingTextBoxFlag xmlns="" xmlns:m="http://schemas.openxmlformats.org/officeDocument/2006/math" xmlns:a14="http://schemas.microsoft.com/office/drawing/2010/main" xmlns:ma14="http://schemas.microsoft.com/office/mac/drawingml/2011/main" val="1"/>
             </a:ext>
           </a:extLst>
         </p:spPr>
@@ -2395,7 +2399,7 @@
           </a:lstStyle>
           <a:p>
             <a:fld id="{86CB4B4D-7CA3-9044-876B-883B54F8677D}" type="slidenum">
-              <a:t>‹Nr.›</a:t>
+              <a:t>‹#›</a:t>
             </a:fld>
             <a:endParaRPr/>
           </a:p>
@@ -3278,7 +3282,7 @@
           </a:prstGeom>
           <a:extLst>
             <a:ext uri="{C572A759-6A51-4108-AA02-DFA0A04FC94B}">
-              <ma14:wrappingTextBoxFlag xmlns:ma14="http://schemas.microsoft.com/office/mac/drawingml/2011/main" xmlns:a14="http://schemas.microsoft.com/office/drawing/2010/main" xmlns:m="http://schemas.openxmlformats.org/officeDocument/2006/math" xmlns="" val="1"/>
+              <ma14:wrappingTextBoxFlag xmlns="" xmlns:m="http://schemas.openxmlformats.org/officeDocument/2006/math" xmlns:a14="http://schemas.microsoft.com/office/drawing/2010/main" xmlns:ma14="http://schemas.microsoft.com/office/mac/drawingml/2011/main" val="1"/>
             </a:ext>
           </a:extLst>
         </p:spPr>
@@ -3414,7 +3418,7 @@
           </a:prstGeom>
           <a:extLst>
             <a:ext uri="{C572A759-6A51-4108-AA02-DFA0A04FC94B}">
-              <ma14:wrappingTextBoxFlag xmlns:ma14="http://schemas.microsoft.com/office/mac/drawingml/2011/main" xmlns:a14="http://schemas.microsoft.com/office/drawing/2010/main" xmlns:m="http://schemas.openxmlformats.org/officeDocument/2006/math" xmlns="" val="1"/>
+              <ma14:wrappingTextBoxFlag xmlns="" xmlns:m="http://schemas.openxmlformats.org/officeDocument/2006/math" xmlns:a14="http://schemas.microsoft.com/office/drawing/2010/main" xmlns:ma14="http://schemas.microsoft.com/office/mac/drawingml/2011/main" val="1"/>
             </a:ext>
           </a:extLst>
         </p:spPr>
@@ -3557,7 +3561,7 @@
           </a:prstGeom>
           <a:extLst>
             <a:ext uri="{C572A759-6A51-4108-AA02-DFA0A04FC94B}">
-              <ma14:wrappingTextBoxFlag xmlns:ma14="http://schemas.microsoft.com/office/mac/drawingml/2011/main" xmlns:a14="http://schemas.microsoft.com/office/drawing/2010/main" xmlns:m="http://schemas.openxmlformats.org/officeDocument/2006/math" xmlns="" val="1"/>
+              <ma14:wrappingTextBoxFlag xmlns="" xmlns:m="http://schemas.openxmlformats.org/officeDocument/2006/math" xmlns:a14="http://schemas.microsoft.com/office/drawing/2010/main" xmlns:ma14="http://schemas.microsoft.com/office/mac/drawingml/2011/main" val="1"/>
             </a:ext>
           </a:extLst>
         </p:spPr>
@@ -3723,7 +3727,7 @@
           </a:prstGeom>
           <a:extLst>
             <a:ext uri="{C572A759-6A51-4108-AA02-DFA0A04FC94B}">
-              <ma14:wrappingTextBoxFlag xmlns:ma14="http://schemas.microsoft.com/office/mac/drawingml/2011/main" xmlns:a14="http://schemas.microsoft.com/office/drawing/2010/main" xmlns:m="http://schemas.openxmlformats.org/officeDocument/2006/math" xmlns="" val="1"/>
+              <ma14:wrappingTextBoxFlag xmlns="" xmlns:m="http://schemas.openxmlformats.org/officeDocument/2006/math" xmlns:a14="http://schemas.microsoft.com/office/drawing/2010/main" xmlns:ma14="http://schemas.microsoft.com/office/mac/drawingml/2011/main" val="1"/>
             </a:ext>
           </a:extLst>
         </p:spPr>
@@ -4067,7 +4071,7 @@
           </a:prstGeom>
           <a:extLst>
             <a:ext uri="{C572A759-6A51-4108-AA02-DFA0A04FC94B}">
-              <ma14:wrappingTextBoxFlag xmlns:ma14="http://schemas.microsoft.com/office/mac/drawingml/2011/main" xmlns:a14="http://schemas.microsoft.com/office/drawing/2010/main" xmlns:m="http://schemas.openxmlformats.org/officeDocument/2006/math" xmlns="" val="1"/>
+              <ma14:wrappingTextBoxFlag xmlns="" xmlns:m="http://schemas.openxmlformats.org/officeDocument/2006/math" xmlns:a14="http://schemas.microsoft.com/office/drawing/2010/main" xmlns:ma14="http://schemas.microsoft.com/office/mac/drawingml/2011/main" val="1"/>
             </a:ext>
           </a:extLst>
         </p:spPr>
@@ -4213,7 +4217,7 @@
           </a:prstGeom>
           <a:extLst>
             <a:ext uri="{C572A759-6A51-4108-AA02-DFA0A04FC94B}">
-              <ma14:wrappingTextBoxFlag xmlns:ma14="http://schemas.microsoft.com/office/mac/drawingml/2011/main" xmlns:a14="http://schemas.microsoft.com/office/drawing/2010/main" xmlns:m="http://schemas.openxmlformats.org/officeDocument/2006/math" xmlns="" val="1"/>
+              <ma14:wrappingTextBoxFlag xmlns="" xmlns:m="http://schemas.openxmlformats.org/officeDocument/2006/math" xmlns:a14="http://schemas.microsoft.com/office/drawing/2010/main" xmlns:ma14="http://schemas.microsoft.com/office/mac/drawingml/2011/main" val="1"/>
             </a:ext>
           </a:extLst>
         </p:spPr>
@@ -4326,7 +4330,7 @@
           </a:prstGeom>
           <a:extLst>
             <a:ext uri="{C572A759-6A51-4108-AA02-DFA0A04FC94B}">
-              <ma14:wrappingTextBoxFlag xmlns:ma14="http://schemas.microsoft.com/office/mac/drawingml/2011/main" xmlns:a14="http://schemas.microsoft.com/office/drawing/2010/main" xmlns:m="http://schemas.openxmlformats.org/officeDocument/2006/math" xmlns="" val="1"/>
+              <ma14:wrappingTextBoxFlag xmlns="" xmlns:m="http://schemas.openxmlformats.org/officeDocument/2006/math" xmlns:a14="http://schemas.microsoft.com/office/drawing/2010/main" xmlns:ma14="http://schemas.microsoft.com/office/mac/drawingml/2011/main" val="1"/>
             </a:ext>
           </a:extLst>
         </p:spPr>
@@ -4360,7 +4364,7 @@
           </a:ln>
           <a:extLst>
             <a:ext uri="{C572A759-6A51-4108-AA02-DFA0A04FC94B}">
-              <ma14:wrappingTextBoxFlag xmlns:ma14="http://schemas.microsoft.com/office/mac/drawingml/2011/main" xmlns:a14="http://schemas.microsoft.com/office/drawing/2010/main" xmlns:m="http://schemas.openxmlformats.org/officeDocument/2006/math" xmlns="" val="1"/>
+              <ma14:wrappingTextBoxFlag xmlns="" xmlns:m="http://schemas.openxmlformats.org/officeDocument/2006/math" xmlns:a14="http://schemas.microsoft.com/office/drawing/2010/main" xmlns:ma14="http://schemas.microsoft.com/office/mac/drawingml/2011/main" val="1"/>
             </a:ext>
           </a:extLst>
         </p:spPr>
@@ -4408,7 +4412,7 @@
           </a:ln>
           <a:extLst>
             <a:ext uri="{C572A759-6A51-4108-AA02-DFA0A04FC94B}">
-              <ma14:wrappingTextBoxFlag xmlns:ma14="http://schemas.microsoft.com/office/mac/drawingml/2011/main" xmlns:a14="http://schemas.microsoft.com/office/drawing/2010/main" xmlns:m="http://schemas.openxmlformats.org/officeDocument/2006/math" xmlns="" val="1"/>
+              <ma14:wrappingTextBoxFlag xmlns="" xmlns:m="http://schemas.openxmlformats.org/officeDocument/2006/math" xmlns:a14="http://schemas.microsoft.com/office/drawing/2010/main" xmlns:ma14="http://schemas.microsoft.com/office/mac/drawingml/2011/main" val="1"/>
             </a:ext>
           </a:extLst>
         </p:spPr>
@@ -4456,7 +4460,7 @@
           </a:ln>
           <a:extLst>
             <a:ext uri="{C572A759-6A51-4108-AA02-DFA0A04FC94B}">
-              <ma14:wrappingTextBoxFlag xmlns:ma14="http://schemas.microsoft.com/office/mac/drawingml/2011/main" xmlns:a14="http://schemas.microsoft.com/office/drawing/2010/main" xmlns:m="http://schemas.openxmlformats.org/officeDocument/2006/math" xmlns="" val="1"/>
+              <ma14:wrappingTextBoxFlag xmlns="" xmlns:m="http://schemas.openxmlformats.org/officeDocument/2006/math" xmlns:a14="http://schemas.microsoft.com/office/drawing/2010/main" xmlns:ma14="http://schemas.microsoft.com/office/mac/drawingml/2011/main" val="1"/>
             </a:ext>
           </a:extLst>
         </p:spPr>
@@ -4612,7 +4616,7 @@
           </a:prstGeom>
           <a:extLst>
             <a:ext uri="{C572A759-6A51-4108-AA02-DFA0A04FC94B}">
-              <ma14:wrappingTextBoxFlag xmlns:ma14="http://schemas.microsoft.com/office/mac/drawingml/2011/main" xmlns:a14="http://schemas.microsoft.com/office/drawing/2010/main" xmlns:m="http://schemas.openxmlformats.org/officeDocument/2006/math" xmlns="" val="1"/>
+              <ma14:wrappingTextBoxFlag xmlns="" xmlns:m="http://schemas.openxmlformats.org/officeDocument/2006/math" xmlns:a14="http://schemas.microsoft.com/office/drawing/2010/main" xmlns:ma14="http://schemas.microsoft.com/office/mac/drawingml/2011/main" val="1"/>
             </a:ext>
           </a:extLst>
         </p:spPr>
@@ -4964,7 +4968,7 @@
           </a:prstGeom>
           <a:extLst>
             <a:ext uri="{C572A759-6A51-4108-AA02-DFA0A04FC94B}">
-              <ma14:wrappingTextBoxFlag xmlns:ma14="http://schemas.microsoft.com/office/mac/drawingml/2011/main" xmlns:a14="http://schemas.microsoft.com/office/drawing/2010/main" xmlns:m="http://schemas.openxmlformats.org/officeDocument/2006/math" xmlns="" val="1"/>
+              <ma14:wrappingTextBoxFlag xmlns="" xmlns:m="http://schemas.openxmlformats.org/officeDocument/2006/math" xmlns:a14="http://schemas.microsoft.com/office/drawing/2010/main" xmlns:ma14="http://schemas.microsoft.com/office/mac/drawingml/2011/main" val="1"/>
             </a:ext>
           </a:extLst>
         </p:spPr>
@@ -5056,7 +5060,7 @@
           </a:prstGeom>
           <a:extLst>
             <a:ext uri="{C572A759-6A51-4108-AA02-DFA0A04FC94B}">
-              <ma14:wrappingTextBoxFlag xmlns:ma14="http://schemas.microsoft.com/office/mac/drawingml/2011/main" xmlns:a14="http://schemas.microsoft.com/office/drawing/2010/main" xmlns:m="http://schemas.openxmlformats.org/officeDocument/2006/math" xmlns="" val="1"/>
+              <ma14:wrappingTextBoxFlag xmlns="" xmlns:m="http://schemas.openxmlformats.org/officeDocument/2006/math" xmlns:a14="http://schemas.microsoft.com/office/drawing/2010/main" xmlns:ma14="http://schemas.microsoft.com/office/mac/drawingml/2011/main" val="1"/>
             </a:ext>
           </a:extLst>
         </p:spPr>
@@ -5336,7 +5340,7 @@
           </a:ln>
           <a:extLst>
             <a:ext uri="{C572A759-6A51-4108-AA02-DFA0A04FC94B}">
-              <ma14:wrappingTextBoxFlag xmlns:ma14="http://schemas.microsoft.com/office/mac/drawingml/2011/main" xmlns:a14="http://schemas.microsoft.com/office/drawing/2010/main" xmlns:m="http://schemas.openxmlformats.org/officeDocument/2006/math" xmlns="" val="1"/>
+              <ma14:wrappingTextBoxFlag xmlns="" xmlns:m="http://schemas.openxmlformats.org/officeDocument/2006/math" xmlns:a14="http://schemas.microsoft.com/office/drawing/2010/main" xmlns:ma14="http://schemas.microsoft.com/office/mac/drawingml/2011/main" val="1"/>
             </a:ext>
           </a:extLst>
         </p:spPr>
@@ -5373,7 +5377,7 @@
           </a:ln>
           <a:extLst>
             <a:ext uri="{C572A759-6A51-4108-AA02-DFA0A04FC94B}">
-              <ma14:wrappingTextBoxFlag xmlns:ma14="http://schemas.microsoft.com/office/mac/drawingml/2011/main" xmlns:a14="http://schemas.microsoft.com/office/drawing/2010/main" xmlns:m="http://schemas.openxmlformats.org/officeDocument/2006/math" xmlns="" val="1"/>
+              <ma14:wrappingTextBoxFlag xmlns="" xmlns:m="http://schemas.openxmlformats.org/officeDocument/2006/math" xmlns:a14="http://schemas.microsoft.com/office/drawing/2010/main" xmlns:ma14="http://schemas.microsoft.com/office/mac/drawingml/2011/main" val="1"/>
             </a:ext>
           </a:extLst>
         </p:spPr>
@@ -5790,7 +5794,7 @@
           </a:prstGeom>
           <a:extLst>
             <a:ext uri="{C572A759-6A51-4108-AA02-DFA0A04FC94B}">
-              <ma14:wrappingTextBoxFlag xmlns:ma14="http://schemas.microsoft.com/office/mac/drawingml/2011/main" xmlns:a14="http://schemas.microsoft.com/office/drawing/2010/main" xmlns:m="http://schemas.openxmlformats.org/officeDocument/2006/math" xmlns="" val="1"/>
+              <ma14:wrappingTextBoxFlag xmlns="" xmlns:m="http://schemas.openxmlformats.org/officeDocument/2006/math" xmlns:a14="http://schemas.microsoft.com/office/drawing/2010/main" xmlns:ma14="http://schemas.microsoft.com/office/mac/drawingml/2011/main" val="1"/>
             </a:ext>
           </a:extLst>
         </p:spPr>
@@ -6024,7 +6028,7 @@
           </a:prstGeom>
           <a:extLst>
             <a:ext uri="{C572A759-6A51-4108-AA02-DFA0A04FC94B}">
-              <ma14:wrappingTextBoxFlag xmlns:ma14="http://schemas.microsoft.com/office/mac/drawingml/2011/main" xmlns:a14="http://schemas.microsoft.com/office/drawing/2010/main" xmlns:m="http://schemas.openxmlformats.org/officeDocument/2006/math" xmlns="" val="1"/>
+              <ma14:wrappingTextBoxFlag xmlns="" xmlns:m="http://schemas.openxmlformats.org/officeDocument/2006/math" xmlns:a14="http://schemas.microsoft.com/office/drawing/2010/main" xmlns:ma14="http://schemas.microsoft.com/office/mac/drawingml/2011/main" val="1"/>
             </a:ext>
           </a:extLst>
         </p:spPr>
@@ -6109,7 +6113,7 @@
         </p:nvSpPr>
         <p:spPr>
           <a:xfrm>
-            <a:off x="838200" y="1825625"/>
+            <a:off x="914400" y="1825625"/>
             <a:ext cx="5181600" cy="4351338"/>
           </a:xfrm>
           <a:prstGeom prst="rect">
@@ -6177,7 +6181,7 @@
         </p:nvSpPr>
         <p:spPr>
           <a:xfrm>
-            <a:off x="6172200" y="1844479"/>
+            <a:off x="6172202" y="1825625"/>
             <a:ext cx="5181600" cy="4351338"/>
           </a:xfrm>
           <a:prstGeom prst="rect">
@@ -6188,7 +6192,7 @@
           </a:ln>
           <a:extLst>
             <a:ext uri="{C572A759-6A51-4108-AA02-DFA0A04FC94B}">
-              <ma14:wrappingTextBoxFlag xmlns:ma14="http://schemas.microsoft.com/office/mac/drawingml/2011/main" xmlns:a14="http://schemas.microsoft.com/office/drawing/2010/main" xmlns:m="http://schemas.openxmlformats.org/officeDocument/2006/math" xmlns="" val="1"/>
+              <ma14:wrappingTextBoxFlag xmlns="" xmlns:m="http://schemas.openxmlformats.org/officeDocument/2006/math" xmlns:a14="http://schemas.microsoft.com/office/drawing/2010/main" xmlns:ma14="http://schemas.microsoft.com/office/mac/drawingml/2011/main" val="1"/>
             </a:ext>
           </a:extLst>
         </p:spPr>
@@ -6391,7 +6395,7 @@
           </a:prstGeom>
           <a:extLst>
             <a:ext uri="{C572A759-6A51-4108-AA02-DFA0A04FC94B}">
-              <ma14:wrappingTextBoxFlag xmlns:ma14="http://schemas.microsoft.com/office/mac/drawingml/2011/main" xmlns:a14="http://schemas.microsoft.com/office/drawing/2010/main" xmlns:m="http://schemas.openxmlformats.org/officeDocument/2006/math" xmlns="" val="1"/>
+              <ma14:wrappingTextBoxFlag xmlns="" xmlns:m="http://schemas.openxmlformats.org/officeDocument/2006/math" xmlns:a14="http://schemas.microsoft.com/office/drawing/2010/main" xmlns:ma14="http://schemas.microsoft.com/office/mac/drawingml/2011/main" val="1"/>
             </a:ext>
           </a:extLst>
         </p:spPr>
@@ -6432,125 +6436,6 @@
           <a:chExt cx="0" cy="0"/>
         </a:xfrm>
       </p:grpSpPr>
-      <p:pic>
-        <p:nvPicPr>
-          <p:cNvPr id="203" name="Content Placeholder 6" descr="Content Placeholder 6"/>
-          <p:cNvPicPr>
-            <a:picLocks noChangeAspect="1"/>
-          </p:cNvPicPr>
-          <p:nvPr/>
-        </p:nvPicPr>
-        <p:blipFill>
-          <a:blip r:embed="rId2"/>
-          <a:stretch>
-            <a:fillRect/>
-          </a:stretch>
-        </p:blipFill>
-        <p:spPr>
-          <a:xfrm>
-            <a:off x="2178774" y="1112382"/>
-            <a:ext cx="7834450" cy="5243969"/>
-          </a:xfrm>
-          <a:prstGeom prst="rect">
-            <a:avLst/>
-          </a:prstGeom>
-          <a:ln w="12700">
-            <a:miter lim="400000"/>
-          </a:ln>
-        </p:spPr>
-      </p:pic>
-      <p:sp>
-        <p:nvSpPr>
-          <p:cNvPr id="204" name="Slide Number Placeholder 4"/>
-          <p:cNvSpPr txBox="1">
-            <a:spLocks noGrp="1"/>
-          </p:cNvSpPr>
-          <p:nvPr>
-            <p:ph type="sldNum" sz="quarter" idx="2"/>
-          </p:nvPr>
-        </p:nvSpPr>
-        <p:spPr>
-          <a:xfrm>
-            <a:off x="11089818" y="6404292"/>
-            <a:ext cx="263982" cy="269241"/>
-          </a:xfrm>
-          <a:prstGeom prst="rect">
-            <a:avLst/>
-          </a:prstGeom>
-          <a:extLst>
-            <a:ext uri="{C572A759-6A51-4108-AA02-DFA0A04FC94B}">
-              <ma14:wrappingTextBoxFlag xmlns:ma14="http://schemas.microsoft.com/office/mac/drawingml/2011/main" xmlns:a14="http://schemas.microsoft.com/office/drawing/2010/main" xmlns:m="http://schemas.openxmlformats.org/officeDocument/2006/math" xmlns="" val="1"/>
-            </a:ext>
-          </a:extLst>
-        </p:spPr>
-        <p:txBody>
-          <a:bodyPr/>
-          <a:lstStyle/>
-          <a:p>
-            <a:fld id="{86CB4B4D-7CA3-9044-876B-883B54F8677D}" type="slidenum">
-              <a:t>21</a:t>
-            </a:fld>
-            <a:endParaRPr/>
-          </a:p>
-        </p:txBody>
-      </p:sp>
-      <p:sp>
-        <p:nvSpPr>
-          <p:cNvPr id="205" name="Title 1"/>
-          <p:cNvSpPr txBox="1">
-            <a:spLocks noGrp="1"/>
-          </p:cNvSpPr>
-          <p:nvPr>
-            <p:ph type="title"/>
-          </p:nvPr>
-        </p:nvSpPr>
-        <p:spPr>
-          <a:xfrm>
-            <a:off x="838200" y="365125"/>
-            <a:ext cx="10515600" cy="1325563"/>
-          </a:xfrm>
-          <a:prstGeom prst="rect">
-            <a:avLst/>
-          </a:prstGeom>
-        </p:spPr>
-        <p:txBody>
-          <a:bodyPr/>
-          <a:lstStyle>
-            <a:lvl1pPr algn="ctr"/>
-          </a:lstStyle>
-          <a:p>
-            <a:r>
-              <a:t>Cutoff Distribution</a:t>
-            </a:r>
-          </a:p>
-        </p:txBody>
-      </p:sp>
-    </p:spTree>
-  </p:cSld>
-  <p:clrMapOvr>
-    <a:masterClrMapping/>
-  </p:clrMapOvr>
-  <p:transition spd="med"/>
-</p:sld>
-</file>
-
-<file path=ppt/slides/slide22.xml><?xml version="1.0" encoding="utf-8"?>
-<p:sld xmlns:a="http://schemas.openxmlformats.org/drawingml/2006/main" xmlns:r="http://schemas.openxmlformats.org/officeDocument/2006/relationships" xmlns:p="http://schemas.openxmlformats.org/presentationml/2006/main">
-  <p:cSld>
-    <p:spTree>
-      <p:nvGrpSpPr>
-        <p:cNvPr id="1" name=""/>
-        <p:cNvGrpSpPr/>
-        <p:nvPr/>
-      </p:nvGrpSpPr>
-      <p:grpSpPr>
-        <a:xfrm>
-          <a:off x="0" y="0"/>
-          <a:ext cx="0" cy="0"/>
-          <a:chOff x="0" y="0"/>
-          <a:chExt cx="0" cy="0"/>
-        </a:xfrm>
-      </p:grpSpPr>
       <p:sp>
         <p:nvSpPr>
           <p:cNvPr id="207" name="Foliennummernplatzhalter 3"/>
@@ -6571,7 +6456,7 @@
           </a:prstGeom>
           <a:extLst>
             <a:ext uri="{C572A759-6A51-4108-AA02-DFA0A04FC94B}">
-              <ma14:wrappingTextBoxFlag xmlns:ma14="http://schemas.microsoft.com/office/mac/drawingml/2011/main" xmlns:a14="http://schemas.microsoft.com/office/drawing/2010/main" xmlns:m="http://schemas.openxmlformats.org/officeDocument/2006/math" xmlns="" val="1"/>
+              <ma14:wrappingTextBoxFlag xmlns="" xmlns:m="http://schemas.openxmlformats.org/officeDocument/2006/math" xmlns:a14="http://schemas.microsoft.com/office/drawing/2010/main" xmlns:ma14="http://schemas.microsoft.com/office/mac/drawingml/2011/main" val="1"/>
             </a:ext>
           </a:extLst>
         </p:spPr>
@@ -6580,7 +6465,7 @@
           <a:lstStyle/>
           <a:p>
             <a:fld id="{86CB4B4D-7CA3-9044-876B-883B54F8677D}" type="slidenum">
-              <a:t>22</a:t>
+              <a:t>21</a:t>
             </a:fld>
             <a:endParaRPr/>
           </a:p>
@@ -6605,7 +6490,7 @@
           </a:ln>
           <a:extLst>
             <a:ext uri="{C572A759-6A51-4108-AA02-DFA0A04FC94B}">
-              <ma14:wrappingTextBoxFlag xmlns:ma14="http://schemas.microsoft.com/office/mac/drawingml/2011/main" xmlns:a14="http://schemas.microsoft.com/office/drawing/2010/main" xmlns:m="http://schemas.openxmlformats.org/officeDocument/2006/math" xmlns="" val="1"/>
+              <ma14:wrappingTextBoxFlag xmlns="" xmlns:m="http://schemas.openxmlformats.org/officeDocument/2006/math" xmlns:a14="http://schemas.microsoft.com/office/drawing/2010/main" xmlns:ma14="http://schemas.microsoft.com/office/mac/drawingml/2011/main" val="1"/>
             </a:ext>
           </a:extLst>
         </p:spPr>
@@ -6696,7 +6581,7 @@
 </p:sld>
 </file>
 
-<file path=ppt/slides/slide23.xml><?xml version="1.0" encoding="utf-8"?>
+<file path=ppt/slides/slide22.xml><?xml version="1.0" encoding="utf-8"?>
 <p:sld xmlns:a="http://schemas.openxmlformats.org/drawingml/2006/main" xmlns:r="http://schemas.openxmlformats.org/officeDocument/2006/relationships" xmlns:p="http://schemas.openxmlformats.org/presentationml/2006/main" show="0">
   <p:cSld>
     <p:spTree>
@@ -6764,7 +6649,7 @@
           </a:prstGeom>
           <a:extLst>
             <a:ext uri="{C572A759-6A51-4108-AA02-DFA0A04FC94B}">
-              <ma14:wrappingTextBoxFlag xmlns:ma14="http://schemas.microsoft.com/office/mac/drawingml/2011/main" xmlns:a14="http://schemas.microsoft.com/office/drawing/2010/main" xmlns:m="http://schemas.openxmlformats.org/officeDocument/2006/math" xmlns="" val="1"/>
+              <ma14:wrappingTextBoxFlag xmlns="" xmlns:m="http://schemas.openxmlformats.org/officeDocument/2006/math" xmlns:a14="http://schemas.microsoft.com/office/drawing/2010/main" xmlns:ma14="http://schemas.microsoft.com/office/mac/drawingml/2011/main" val="1"/>
             </a:ext>
           </a:extLst>
         </p:spPr>
@@ -6773,7 +6658,7 @@
           <a:lstStyle/>
           <a:p>
             <a:fld id="{86CB4B4D-7CA3-9044-876B-883B54F8677D}" type="slidenum">
-              <a:t>23</a:t>
+              <a:t>22</a:t>
             </a:fld>
             <a:endParaRPr/>
           </a:p>
@@ -6860,7 +6745,7 @@
 </p:sld>
 </file>
 
-<file path=ppt/slides/slide24.xml><?xml version="1.0" encoding="utf-8"?>
+<file path=ppt/slides/slide23.xml><?xml version="1.0" encoding="utf-8"?>
 <p:sld xmlns:a="http://schemas.openxmlformats.org/drawingml/2006/main" xmlns:r="http://schemas.openxmlformats.org/officeDocument/2006/relationships" xmlns:p="http://schemas.openxmlformats.org/presentationml/2006/main">
   <p:cSld>
     <p:spTree>
@@ -6977,7 +6862,7 @@
 </p:sld>
 </file>
 
-<file path=ppt/slides/slide25.xml><?xml version="1.0" encoding="utf-8"?>
+<file path=ppt/slides/slide24.xml><?xml version="1.0" encoding="utf-8"?>
 <p:sld xmlns:a="http://schemas.openxmlformats.org/drawingml/2006/main" xmlns:r="http://schemas.openxmlformats.org/officeDocument/2006/relationships" xmlns:p="http://schemas.openxmlformats.org/presentationml/2006/main">
   <p:cSld>
     <p:spTree>
@@ -7095,7 +6980,7 @@
           </a:prstGeom>
           <a:extLst>
             <a:ext uri="{C572A759-6A51-4108-AA02-DFA0A04FC94B}">
-              <ma14:wrappingTextBoxFlag xmlns:ma14="http://schemas.microsoft.com/office/mac/drawingml/2011/main" xmlns:a14="http://schemas.microsoft.com/office/drawing/2010/main" xmlns:m="http://schemas.openxmlformats.org/officeDocument/2006/math" xmlns="" val="1"/>
+              <ma14:wrappingTextBoxFlag xmlns="" xmlns:m="http://schemas.openxmlformats.org/officeDocument/2006/math" xmlns:a14="http://schemas.microsoft.com/office/drawing/2010/main" xmlns:ma14="http://schemas.microsoft.com/office/mac/drawingml/2011/main" val="1"/>
             </a:ext>
           </a:extLst>
         </p:spPr>
@@ -7104,7 +6989,7 @@
           <a:lstStyle/>
           <a:p>
             <a:fld id="{86CB4B4D-7CA3-9044-876B-883B54F8677D}" type="slidenum">
-              <a:t>25</a:t>
+              <a:t>24</a:t>
             </a:fld>
             <a:endParaRPr/>
           </a:p>
@@ -7119,7 +7004,7 @@
 </p:sld>
 </file>
 
-<file path=ppt/slides/slide26.xml><?xml version="1.0" encoding="utf-8"?>
+<file path=ppt/slides/slide25.xml><?xml version="1.0" encoding="utf-8"?>
 <p:sld xmlns:a="http://schemas.openxmlformats.org/drawingml/2006/main" xmlns:r="http://schemas.openxmlformats.org/officeDocument/2006/relationships" xmlns:p="http://schemas.openxmlformats.org/presentationml/2006/main">
   <p:cSld>
     <p:spTree>
@@ -7307,7 +7192,211 @@
           </a:prstGeom>
           <a:extLst>
             <a:ext uri="{C572A759-6A51-4108-AA02-DFA0A04FC94B}">
-              <ma14:wrappingTextBoxFlag xmlns:ma14="http://schemas.microsoft.com/office/mac/drawingml/2011/main" xmlns:a14="http://schemas.microsoft.com/office/drawing/2010/main" xmlns:m="http://schemas.openxmlformats.org/officeDocument/2006/math" xmlns="" val="1"/>
+              <ma14:wrappingTextBoxFlag xmlns="" xmlns:m="http://schemas.openxmlformats.org/officeDocument/2006/math" xmlns:a14="http://schemas.microsoft.com/office/drawing/2010/main" xmlns:ma14="http://schemas.microsoft.com/office/mac/drawingml/2011/main" val="1"/>
+            </a:ext>
+          </a:extLst>
+        </p:spPr>
+        <p:txBody>
+          <a:bodyPr/>
+          <a:lstStyle/>
+          <a:p>
+            <a:fld id="{86CB4B4D-7CA3-9044-876B-883B54F8677D}" type="slidenum">
+              <a:t>25</a:t>
+            </a:fld>
+            <a:endParaRPr/>
+          </a:p>
+        </p:txBody>
+      </p:sp>
+    </p:spTree>
+  </p:cSld>
+  <p:clrMapOvr>
+    <a:masterClrMapping/>
+  </p:clrMapOvr>
+  <p:transition spd="med"/>
+</p:sld>
+</file>
+
+<file path=ppt/slides/slide26.xml><?xml version="1.0" encoding="utf-8"?>
+<p:sld xmlns:a="http://schemas.openxmlformats.org/drawingml/2006/main" xmlns:r="http://schemas.openxmlformats.org/officeDocument/2006/relationships" xmlns:p="http://schemas.openxmlformats.org/presentationml/2006/main" show="0">
+  <p:cSld>
+    <p:spTree>
+      <p:nvGrpSpPr>
+        <p:cNvPr id="1" name=""/>
+        <p:cNvGrpSpPr/>
+        <p:nvPr/>
+      </p:nvGrpSpPr>
+      <p:grpSpPr>
+        <a:xfrm>
+          <a:off x="0" y="0"/>
+          <a:ext cx="0" cy="0"/>
+          <a:chOff x="0" y="0"/>
+          <a:chExt cx="0" cy="0"/>
+        </a:xfrm>
+      </p:grpSpPr>
+      <p:sp>
+        <p:nvSpPr>
+          <p:cNvPr id="223" name="Titel 1"/>
+          <p:cNvSpPr txBox="1">
+            <a:spLocks noGrp="1"/>
+          </p:cNvSpPr>
+          <p:nvPr>
+            <p:ph type="title"/>
+          </p:nvPr>
+        </p:nvSpPr>
+        <p:spPr>
+          <a:xfrm>
+            <a:off x="838200" y="365125"/>
+            <a:ext cx="10515600" cy="1325563"/>
+          </a:xfrm>
+          <a:prstGeom prst="rect">
+            <a:avLst/>
+          </a:prstGeom>
+        </p:spPr>
+        <p:txBody>
+          <a:bodyPr/>
+          <a:lstStyle/>
+          <a:p>
+            <a:r>
+              <a:t>stats</a:t>
+            </a:r>
+          </a:p>
+        </p:txBody>
+      </p:sp>
+      <p:sp>
+        <p:nvSpPr>
+          <p:cNvPr id="224" name="Inhaltsplatzhalter 2"/>
+          <p:cNvSpPr txBox="1">
+            <a:spLocks noGrp="1"/>
+          </p:cNvSpPr>
+          <p:nvPr>
+            <p:ph type="body" idx="1"/>
+          </p:nvPr>
+        </p:nvSpPr>
+        <p:spPr>
+          <a:xfrm>
+            <a:off x="838200" y="1825625"/>
+            <a:ext cx="10515600" cy="4351338"/>
+          </a:xfrm>
+          <a:prstGeom prst="rect">
+            <a:avLst/>
+          </a:prstGeom>
+        </p:spPr>
+        <p:txBody>
+          <a:bodyPr/>
+          <a:lstStyle/>
+          <a:p>
+            <a:pPr>
+              <a:lnSpc>
+                <a:spcPct val="81000"/>
+              </a:lnSpc>
+            </a:pPr>
+            <a:r>
+              <a:t>TP:	519</a:t>
+            </a:r>
+          </a:p>
+          <a:p>
+            <a:pPr>
+              <a:lnSpc>
+                <a:spcPct val="81000"/>
+              </a:lnSpc>
+            </a:pPr>
+            <a:r>
+              <a:t>FP:	517</a:t>
+            </a:r>
+          </a:p>
+          <a:p>
+            <a:pPr>
+              <a:lnSpc>
+                <a:spcPct val="81000"/>
+              </a:lnSpc>
+            </a:pPr>
+            <a:r>
+              <a:t>TN:	27949</a:t>
+            </a:r>
+          </a:p>
+          <a:p>
+            <a:pPr>
+              <a:lnSpc>
+                <a:spcPct val="81000"/>
+              </a:lnSpc>
+            </a:pPr>
+            <a:r>
+              <a:t>FN:	2842</a:t>
+            </a:r>
+          </a:p>
+          <a:p>
+            <a:pPr>
+              <a:lnSpc>
+                <a:spcPct val="81000"/>
+              </a:lnSpc>
+            </a:pPr>
+            <a:r>
+              <a:t>FPR:	0.01816201784585119</a:t>
+            </a:r>
+          </a:p>
+          <a:p>
+            <a:pPr>
+              <a:lnSpc>
+                <a:spcPct val="81000"/>
+              </a:lnSpc>
+            </a:pPr>
+            <a:r>
+              <a:t>Precision:	0.500965250965251 ± 0.016364012582564594</a:t>
+            </a:r>
+          </a:p>
+          <a:p>
+            <a:pPr>
+              <a:lnSpc>
+                <a:spcPct val="81000"/>
+              </a:lnSpc>
+            </a:pPr>
+            <a:r>
+              <a:t>Recall/TPR:	0.15441832787860757 ± 0.006444302866129453</a:t>
+            </a:r>
+          </a:p>
+          <a:p>
+            <a:pPr>
+              <a:lnSpc>
+                <a:spcPct val="81000"/>
+              </a:lnSpc>
+            </a:pPr>
+            <a:r>
+              <a:t>F1-score:	0.2360700477598363 ± 0.008823521693012324 </a:t>
+            </a:r>
+          </a:p>
+          <a:p>
+            <a:pPr>
+              <a:lnSpc>
+                <a:spcPct val="81000"/>
+              </a:lnSpc>
+            </a:pPr>
+            <a:r>
+              <a:t>MCC:	0.23597300754427067 ± 0.00979017430278977</a:t>
+            </a:r>
+          </a:p>
+        </p:txBody>
+      </p:sp>
+      <p:sp>
+        <p:nvSpPr>
+          <p:cNvPr id="225" name="Foliennummernplatzhalter 3"/>
+          <p:cNvSpPr txBox="1">
+            <a:spLocks noGrp="1"/>
+          </p:cNvSpPr>
+          <p:nvPr>
+            <p:ph type="sldNum" sz="quarter" idx="2"/>
+          </p:nvPr>
+        </p:nvSpPr>
+        <p:spPr>
+          <a:xfrm>
+            <a:off x="11164827" y="6404292"/>
+            <a:ext cx="188973" cy="269241"/>
+          </a:xfrm>
+          <a:prstGeom prst="rect">
+            <a:avLst/>
+          </a:prstGeom>
+          <a:extLst>
+            <a:ext uri="{C572A759-6A51-4108-AA02-DFA0A04FC94B}">
+              <ma14:wrappingTextBoxFlag xmlns="" xmlns:m="http://schemas.openxmlformats.org/officeDocument/2006/math" xmlns:a14="http://schemas.microsoft.com/office/drawing/2010/main" xmlns:ma14="http://schemas.microsoft.com/office/mac/drawingml/2011/main" val="1"/>
             </a:ext>
           </a:extLst>
         </p:spPr>
@@ -7350,210 +7439,6 @@
       </p:grpSpPr>
       <p:sp>
         <p:nvSpPr>
-          <p:cNvPr id="223" name="Titel 1"/>
-          <p:cNvSpPr txBox="1">
-            <a:spLocks noGrp="1"/>
-          </p:cNvSpPr>
-          <p:nvPr>
-            <p:ph type="title"/>
-          </p:nvPr>
-        </p:nvSpPr>
-        <p:spPr>
-          <a:xfrm>
-            <a:off x="838200" y="365125"/>
-            <a:ext cx="10515600" cy="1325563"/>
-          </a:xfrm>
-          <a:prstGeom prst="rect">
-            <a:avLst/>
-          </a:prstGeom>
-        </p:spPr>
-        <p:txBody>
-          <a:bodyPr/>
-          <a:lstStyle/>
-          <a:p>
-            <a:r>
-              <a:t>stats</a:t>
-            </a:r>
-          </a:p>
-        </p:txBody>
-      </p:sp>
-      <p:sp>
-        <p:nvSpPr>
-          <p:cNvPr id="224" name="Inhaltsplatzhalter 2"/>
-          <p:cNvSpPr txBox="1">
-            <a:spLocks noGrp="1"/>
-          </p:cNvSpPr>
-          <p:nvPr>
-            <p:ph type="body" idx="1"/>
-          </p:nvPr>
-        </p:nvSpPr>
-        <p:spPr>
-          <a:xfrm>
-            <a:off x="838200" y="1825625"/>
-            <a:ext cx="10515600" cy="4351338"/>
-          </a:xfrm>
-          <a:prstGeom prst="rect">
-            <a:avLst/>
-          </a:prstGeom>
-        </p:spPr>
-        <p:txBody>
-          <a:bodyPr/>
-          <a:lstStyle/>
-          <a:p>
-            <a:pPr>
-              <a:lnSpc>
-                <a:spcPct val="81000"/>
-              </a:lnSpc>
-            </a:pPr>
-            <a:r>
-              <a:t>TP:	519</a:t>
-            </a:r>
-          </a:p>
-          <a:p>
-            <a:pPr>
-              <a:lnSpc>
-                <a:spcPct val="81000"/>
-              </a:lnSpc>
-            </a:pPr>
-            <a:r>
-              <a:t>FP:	517</a:t>
-            </a:r>
-          </a:p>
-          <a:p>
-            <a:pPr>
-              <a:lnSpc>
-                <a:spcPct val="81000"/>
-              </a:lnSpc>
-            </a:pPr>
-            <a:r>
-              <a:t>TN:	27949</a:t>
-            </a:r>
-          </a:p>
-          <a:p>
-            <a:pPr>
-              <a:lnSpc>
-                <a:spcPct val="81000"/>
-              </a:lnSpc>
-            </a:pPr>
-            <a:r>
-              <a:t>FN:	2842</a:t>
-            </a:r>
-          </a:p>
-          <a:p>
-            <a:pPr>
-              <a:lnSpc>
-                <a:spcPct val="81000"/>
-              </a:lnSpc>
-            </a:pPr>
-            <a:r>
-              <a:t>FPR:	0.01816201784585119</a:t>
-            </a:r>
-          </a:p>
-          <a:p>
-            <a:pPr>
-              <a:lnSpc>
-                <a:spcPct val="81000"/>
-              </a:lnSpc>
-            </a:pPr>
-            <a:r>
-              <a:t>Precision:	0.500965250965251 ± 0.016364012582564594</a:t>
-            </a:r>
-          </a:p>
-          <a:p>
-            <a:pPr>
-              <a:lnSpc>
-                <a:spcPct val="81000"/>
-              </a:lnSpc>
-            </a:pPr>
-            <a:r>
-              <a:t>Recall/TPR:	0.15441832787860757 ± 0.006444302866129453</a:t>
-            </a:r>
-          </a:p>
-          <a:p>
-            <a:pPr>
-              <a:lnSpc>
-                <a:spcPct val="81000"/>
-              </a:lnSpc>
-            </a:pPr>
-            <a:r>
-              <a:t>F1-score:	0.2360700477598363 ± 0.008823521693012324 </a:t>
-            </a:r>
-          </a:p>
-          <a:p>
-            <a:pPr>
-              <a:lnSpc>
-                <a:spcPct val="81000"/>
-              </a:lnSpc>
-            </a:pPr>
-            <a:r>
-              <a:t>MCC:	0.23597300754427067 ± 0.00979017430278977</a:t>
-            </a:r>
-          </a:p>
-        </p:txBody>
-      </p:sp>
-      <p:sp>
-        <p:nvSpPr>
-          <p:cNvPr id="225" name="Foliennummernplatzhalter 3"/>
-          <p:cNvSpPr txBox="1">
-            <a:spLocks noGrp="1"/>
-          </p:cNvSpPr>
-          <p:nvPr>
-            <p:ph type="sldNum" sz="quarter" idx="2"/>
-          </p:nvPr>
-        </p:nvSpPr>
-        <p:spPr>
-          <a:xfrm>
-            <a:off x="11164827" y="6404292"/>
-            <a:ext cx="188973" cy="269241"/>
-          </a:xfrm>
-          <a:prstGeom prst="rect">
-            <a:avLst/>
-          </a:prstGeom>
-          <a:extLst>
-            <a:ext uri="{C572A759-6A51-4108-AA02-DFA0A04FC94B}">
-              <ma14:wrappingTextBoxFlag xmlns:ma14="http://schemas.microsoft.com/office/mac/drawingml/2011/main" xmlns:a14="http://schemas.microsoft.com/office/drawing/2010/main" xmlns:m="http://schemas.openxmlformats.org/officeDocument/2006/math" xmlns="" val="1"/>
-            </a:ext>
-          </a:extLst>
-        </p:spPr>
-        <p:txBody>
-          <a:bodyPr/>
-          <a:lstStyle/>
-          <a:p>
-            <a:fld id="{86CB4B4D-7CA3-9044-876B-883B54F8677D}" type="slidenum">
-              <a:t>27</a:t>
-            </a:fld>
-            <a:endParaRPr/>
-          </a:p>
-        </p:txBody>
-      </p:sp>
-    </p:spTree>
-  </p:cSld>
-  <p:clrMapOvr>
-    <a:masterClrMapping/>
-  </p:clrMapOvr>
-  <p:transition spd="med"/>
-</p:sld>
-</file>
-
-<file path=ppt/slides/slide28.xml><?xml version="1.0" encoding="utf-8"?>
-<p:sld xmlns:a="http://schemas.openxmlformats.org/drawingml/2006/main" xmlns:r="http://schemas.openxmlformats.org/officeDocument/2006/relationships" xmlns:p="http://schemas.openxmlformats.org/presentationml/2006/main" show="0">
-  <p:cSld>
-    <p:spTree>
-      <p:nvGrpSpPr>
-        <p:cNvPr id="1" name=""/>
-        <p:cNvGrpSpPr/>
-        <p:nvPr/>
-      </p:nvGrpSpPr>
-      <p:grpSpPr>
-        <a:xfrm>
-          <a:off x="0" y="0"/>
-          <a:ext cx="0" cy="0"/>
-          <a:chOff x="0" y="0"/>
-          <a:chExt cx="0" cy="0"/>
-        </a:xfrm>
-      </p:grpSpPr>
-      <p:sp>
-        <p:nvSpPr>
           <p:cNvPr id="227" name="Titel 1"/>
           <p:cNvSpPr txBox="1">
             <a:spLocks noGrp="1"/>
@@ -7715,7 +7600,7 @@
           </a:prstGeom>
           <a:extLst>
             <a:ext uri="{C572A759-6A51-4108-AA02-DFA0A04FC94B}">
-              <ma14:wrappingTextBoxFlag xmlns:ma14="http://schemas.microsoft.com/office/mac/drawingml/2011/main" xmlns:a14="http://schemas.microsoft.com/office/drawing/2010/main" xmlns:m="http://schemas.openxmlformats.org/officeDocument/2006/math" xmlns="" val="1"/>
+              <ma14:wrappingTextBoxFlag xmlns="" xmlns:m="http://schemas.openxmlformats.org/officeDocument/2006/math" xmlns:a14="http://schemas.microsoft.com/office/drawing/2010/main" xmlns:ma14="http://schemas.microsoft.com/office/mac/drawingml/2011/main" val="1"/>
             </a:ext>
           </a:extLst>
         </p:spPr>
@@ -7724,7 +7609,7 @@
           <a:lstStyle/>
           <a:p>
             <a:fld id="{86CB4B4D-7CA3-9044-876B-883B54F8677D}" type="slidenum">
-              <a:t>28</a:t>
+              <a:t>27</a:t>
             </a:fld>
             <a:endParaRPr/>
           </a:p>
@@ -7836,7 +7721,7 @@
           </a:prstGeom>
           <a:extLst>
             <a:ext uri="{C572A759-6A51-4108-AA02-DFA0A04FC94B}">
-              <ma14:wrappingTextBoxFlag xmlns:ma14="http://schemas.microsoft.com/office/mac/drawingml/2011/main" xmlns:a14="http://schemas.microsoft.com/office/drawing/2010/main" xmlns:m="http://schemas.openxmlformats.org/officeDocument/2006/math" xmlns="" val="1"/>
+              <ma14:wrappingTextBoxFlag xmlns="" xmlns:m="http://schemas.openxmlformats.org/officeDocument/2006/math" xmlns:a14="http://schemas.microsoft.com/office/drawing/2010/main" xmlns:ma14="http://schemas.microsoft.com/office/mac/drawingml/2011/main" val="1"/>
             </a:ext>
           </a:extLst>
         </p:spPr>
@@ -7975,7 +7860,7 @@
           </a:prstGeom>
           <a:extLst>
             <a:ext uri="{C572A759-6A51-4108-AA02-DFA0A04FC94B}">
-              <ma14:wrappingTextBoxFlag xmlns:ma14="http://schemas.microsoft.com/office/mac/drawingml/2011/main" xmlns:a14="http://schemas.microsoft.com/office/drawing/2010/main" xmlns:m="http://schemas.openxmlformats.org/officeDocument/2006/math" xmlns="" val="1"/>
+              <ma14:wrappingTextBoxFlag xmlns="" xmlns:m="http://schemas.openxmlformats.org/officeDocument/2006/math" xmlns:a14="http://schemas.microsoft.com/office/drawing/2010/main" xmlns:ma14="http://schemas.microsoft.com/office/mac/drawingml/2011/main" val="1"/>
             </a:ext>
           </a:extLst>
         </p:spPr>
@@ -8149,7 +8034,7 @@
           </a:ln>
           <a:extLst>
             <a:ext uri="{C572A759-6A51-4108-AA02-DFA0A04FC94B}">
-              <ma14:wrappingTextBoxFlag xmlns:ma14="http://schemas.microsoft.com/office/mac/drawingml/2011/main" xmlns:a14="http://schemas.microsoft.com/office/drawing/2010/main" xmlns:m="http://schemas.openxmlformats.org/officeDocument/2006/math" xmlns="" val="1"/>
+              <ma14:wrappingTextBoxFlag xmlns="" xmlns:m="http://schemas.openxmlformats.org/officeDocument/2006/math" xmlns:a14="http://schemas.microsoft.com/office/drawing/2010/main" xmlns:ma14="http://schemas.microsoft.com/office/mac/drawingml/2011/main" val="1"/>
             </a:ext>
           </a:extLst>
         </p:spPr>
@@ -8198,7 +8083,7 @@
           </a:prstGeom>
           <a:extLst>
             <a:ext uri="{C572A759-6A51-4108-AA02-DFA0A04FC94B}">
-              <ma14:wrappingTextBoxFlag xmlns:ma14="http://schemas.microsoft.com/office/mac/drawingml/2011/main" xmlns:a14="http://schemas.microsoft.com/office/drawing/2010/main" xmlns:m="http://schemas.openxmlformats.org/officeDocument/2006/math" xmlns="" val="1"/>
+              <ma14:wrappingTextBoxFlag xmlns="" xmlns:m="http://schemas.openxmlformats.org/officeDocument/2006/math" xmlns:a14="http://schemas.microsoft.com/office/drawing/2010/main" xmlns:ma14="http://schemas.microsoft.com/office/mac/drawingml/2011/main" val="1"/>
             </a:ext>
           </a:extLst>
         </p:spPr>
@@ -8344,7 +8229,7 @@
           </a:prstGeom>
           <a:extLst>
             <a:ext uri="{C572A759-6A51-4108-AA02-DFA0A04FC94B}">
-              <ma14:wrappingTextBoxFlag xmlns:ma14="http://schemas.microsoft.com/office/mac/drawingml/2011/main" xmlns:a14="http://schemas.microsoft.com/office/drawing/2010/main" xmlns:m="http://schemas.openxmlformats.org/officeDocument/2006/math" xmlns="" val="1"/>
+              <ma14:wrappingTextBoxFlag xmlns="" xmlns:m="http://schemas.openxmlformats.org/officeDocument/2006/math" xmlns:a14="http://schemas.microsoft.com/office/drawing/2010/main" xmlns:ma14="http://schemas.microsoft.com/office/mac/drawingml/2011/main" val="1"/>
             </a:ext>
           </a:extLst>
         </p:spPr>
@@ -8604,7 +8489,7 @@
           </a:prstGeom>
           <a:extLst>
             <a:ext uri="{C572A759-6A51-4108-AA02-DFA0A04FC94B}">
-              <ma14:wrappingTextBoxFlag xmlns:ma14="http://schemas.microsoft.com/office/mac/drawingml/2011/main" xmlns:a14="http://schemas.microsoft.com/office/drawing/2010/main" xmlns:m="http://schemas.openxmlformats.org/officeDocument/2006/math" xmlns="" val="1"/>
+              <ma14:wrappingTextBoxFlag xmlns="" xmlns:m="http://schemas.openxmlformats.org/officeDocument/2006/math" xmlns:a14="http://schemas.microsoft.com/office/drawing/2010/main" xmlns:ma14="http://schemas.microsoft.com/office/mac/drawingml/2011/main" val="1"/>
             </a:ext>
           </a:extLst>
         </p:spPr>
@@ -8665,7 +8550,7 @@
           </a:prstGeom>
           <a:extLst>
             <a:ext uri="{C572A759-6A51-4108-AA02-DFA0A04FC94B}">
-              <ma14:wrappingTextBoxFlag xmlns:ma14="http://schemas.microsoft.com/office/mac/drawingml/2011/main" xmlns:a14="http://schemas.microsoft.com/office/drawing/2010/main" xmlns:m="http://schemas.openxmlformats.org/officeDocument/2006/math" xmlns="" val="1"/>
+              <ma14:wrappingTextBoxFlag xmlns="" xmlns:m="http://schemas.openxmlformats.org/officeDocument/2006/math" xmlns:a14="http://schemas.microsoft.com/office/drawing/2010/main" xmlns:ma14="http://schemas.microsoft.com/office/mac/drawingml/2011/main" val="1"/>
             </a:ext>
           </a:extLst>
         </p:spPr>
@@ -8745,7 +8630,7 @@
             <a:effectLst/>
             <a:extLst>
               <a:ext uri="{C572A759-6A51-4108-AA02-DFA0A04FC94B}">
-                <ma14:wrappingTextBoxFlag xmlns:ma14="http://schemas.microsoft.com/office/mac/drawingml/2011/main" xmlns:a14="http://schemas.microsoft.com/office/drawing/2010/main" xmlns:m="http://schemas.openxmlformats.org/officeDocument/2006/math" xmlns="" val="1"/>
+                <ma14:wrappingTextBoxFlag xmlns="" xmlns:m="http://schemas.openxmlformats.org/officeDocument/2006/math" xmlns:a14="http://schemas.microsoft.com/office/drawing/2010/main" xmlns:ma14="http://schemas.microsoft.com/office/mac/drawingml/2011/main" val="1"/>
               </a:ext>
             </a:extLst>
           </p:spPr>
@@ -8800,7 +8685,7 @@
             <a:effectLst/>
             <a:extLst>
               <a:ext uri="{C572A759-6A51-4108-AA02-DFA0A04FC94B}">
-                <ma14:wrappingTextBoxFlag xmlns:ma14="http://schemas.microsoft.com/office/mac/drawingml/2011/main" xmlns:a14="http://schemas.microsoft.com/office/drawing/2010/main" xmlns:m="http://schemas.openxmlformats.org/officeDocument/2006/math" xmlns="" val="1"/>
+                <ma14:wrappingTextBoxFlag xmlns="" xmlns:m="http://schemas.openxmlformats.org/officeDocument/2006/math" xmlns:a14="http://schemas.microsoft.com/office/drawing/2010/main" xmlns:ma14="http://schemas.microsoft.com/office/mac/drawingml/2011/main" val="1"/>
               </a:ext>
             </a:extLst>
           </p:spPr>
@@ -9670,7 +9555,7 @@
           </a:prstGeom>
           <a:extLst>
             <a:ext uri="{C572A759-6A51-4108-AA02-DFA0A04FC94B}">
-              <ma14:wrappingTextBoxFlag xmlns:ma14="http://schemas.microsoft.com/office/mac/drawingml/2011/main" xmlns:a14="http://schemas.microsoft.com/office/drawing/2010/main" xmlns:m="http://schemas.openxmlformats.org/officeDocument/2006/math" xmlns="" val="1"/>
+              <ma14:wrappingTextBoxFlag xmlns="" xmlns:m="http://schemas.openxmlformats.org/officeDocument/2006/math" xmlns:a14="http://schemas.microsoft.com/office/drawing/2010/main" xmlns:ma14="http://schemas.microsoft.com/office/mac/drawingml/2011/main" val="1"/>
             </a:ext>
           </a:extLst>
         </p:spPr>

--- a/BLOSUMscoresComparedToSingleSNAPscores.pptx
+++ b/BLOSUMscoresComparedToSingleSNAPscores.pptx
@@ -5,7 +5,7 @@
     <p:sldMasterId id="2147483648" r:id="rId1"/>
   </p:sldMasterIdLst>
   <p:notesMasterIdLst>
-    <p:notesMasterId r:id="rId29"/>
+    <p:notesMasterId r:id="rId30"/>
   </p:notesMasterIdLst>
   <p:sldIdLst>
     <p:sldId id="256" r:id="rId2"/>
@@ -28,13 +28,14 @@
     <p:sldId id="273" r:id="rId19"/>
     <p:sldId id="274" r:id="rId20"/>
     <p:sldId id="275" r:id="rId21"/>
-    <p:sldId id="277" r:id="rId22"/>
-    <p:sldId id="278" r:id="rId23"/>
-    <p:sldId id="283" r:id="rId24"/>
-    <p:sldId id="279" r:id="rId25"/>
-    <p:sldId id="280" r:id="rId26"/>
-    <p:sldId id="281" r:id="rId27"/>
-    <p:sldId id="282" r:id="rId28"/>
+    <p:sldId id="276" r:id="rId22"/>
+    <p:sldId id="277" r:id="rId23"/>
+    <p:sldId id="278" r:id="rId24"/>
+    <p:sldId id="283" r:id="rId25"/>
+    <p:sldId id="279" r:id="rId26"/>
+    <p:sldId id="280" r:id="rId27"/>
+    <p:sldId id="281" r:id="rId28"/>
+    <p:sldId id="282" r:id="rId29"/>
   </p:sldIdLst>
   <p:sldSz cx="12192000" cy="6858000"/>
   <p:notesSz cx="6858000" cy="9144000"/>
@@ -347,7 +348,7 @@
 <file path=ppt/charts/chart1.xml><?xml version="1.0" encoding="utf-8"?>
 <c:chartSpace xmlns:c="http://schemas.openxmlformats.org/drawingml/2006/chart" xmlns:a="http://schemas.openxmlformats.org/drawingml/2006/main" xmlns:r="http://schemas.openxmlformats.org/officeDocument/2006/relationships" xmlns:c16r2="http://schemas.microsoft.com/office/drawing/2015/06/chart">
   <c:date1904 val="1"/>
-  <c:lang val="en-US"/>
+  <c:lang val="de-DE"/>
   <c:roundedCorners val="0"/>
   <c:style val="2"/>
   <c:chart>
@@ -435,7 +436,7 @@
                       <a:latin typeface="Calibri"/>
                     </a:defRPr>
                   </a:pPr>
-                  <a:endParaRPr lang="en-US"/>
+                  <a:endParaRPr lang="de-DE"/>
                 </a:p>
               </c:txPr>
               <c:dLblPos val="inEnd"/>
@@ -467,7 +468,7 @@
                       <a:latin typeface="Calibri"/>
                     </a:defRPr>
                   </a:pPr>
-                  <a:endParaRPr lang="en-US"/>
+                  <a:endParaRPr lang="de-DE"/>
                 </a:p>
               </c:txPr>
               <c:dLblPos val="inEnd"/>
@@ -503,7 +504,7 @@
                     <a:latin typeface="Calibri"/>
                   </a:defRPr>
                 </a:pPr>
-                <a:endParaRPr lang="en-US"/>
+                <a:endParaRPr lang="de-DE"/>
               </a:p>
             </c:txPr>
             <c:dLblPos val="inEnd"/>
@@ -622,7 +623,7 @@
               <a:latin typeface="Calibri"/>
             </a:defRPr>
           </a:pPr>
-          <a:endParaRPr lang="en-US"/>
+          <a:endParaRPr lang="de-DE"/>
         </a:p>
       </c:txPr>
     </c:legend>
@@ -953,7 +954,7 @@
           <a:lstStyle/>
           <a:p>
             <a:fld id="{86CB4B4D-7CA3-9044-876B-883B54F8677D}" type="slidenum">
-              <a:t>‹#›</a:t>
+              <a:t>‹Nr.›</a:t>
             </a:fld>
             <a:endParaRPr/>
           </a:p>
@@ -1134,7 +1135,7 @@
           <a:lstStyle/>
           <a:p>
             <a:fld id="{86CB4B4D-7CA3-9044-876B-883B54F8677D}" type="slidenum">
-              <a:t>‹#›</a:t>
+              <a:t>‹Nr.›</a:t>
             </a:fld>
             <a:endParaRPr/>
           </a:p>
@@ -1323,7 +1324,7 @@
           <a:lstStyle/>
           <a:p>
             <a:fld id="{86CB4B4D-7CA3-9044-876B-883B54F8677D}" type="slidenum">
-              <a:t>‹#›</a:t>
+              <a:t>‹Nr.›</a:t>
             </a:fld>
             <a:endParaRPr/>
           </a:p>
@@ -1453,7 +1454,7 @@
           <a:lstStyle/>
           <a:p>
             <a:fld id="{86CB4B4D-7CA3-9044-876B-883B54F8677D}" type="slidenum">
-              <a:t>‹#›</a:t>
+              <a:t>‹Nr.›</a:t>
             </a:fld>
             <a:endParaRPr/>
           </a:p>
@@ -1706,7 +1707,7 @@
           <a:lstStyle/>
           <a:p>
             <a:fld id="{86CB4B4D-7CA3-9044-876B-883B54F8677D}" type="slidenum">
-              <a:t>‹#›</a:t>
+              <a:t>‹Nr.›</a:t>
             </a:fld>
             <a:endParaRPr/>
           </a:p>
@@ -1783,7 +1784,7 @@
           <a:lstStyle/>
           <a:p>
             <a:fld id="{86CB4B4D-7CA3-9044-876B-883B54F8677D}" type="slidenum">
-              <a:t>‹#›</a:t>
+              <a:t>‹Nr.›</a:t>
             </a:fld>
             <a:endParaRPr/>
           </a:p>
@@ -1835,7 +1836,7 @@
           <a:lstStyle/>
           <a:p>
             <a:fld id="{86CB4B4D-7CA3-9044-876B-883B54F8677D}" type="slidenum">
-              <a:t>‹#›</a:t>
+              <a:t>‹Nr.›</a:t>
             </a:fld>
             <a:endParaRPr/>
           </a:p>
@@ -2022,7 +2023,7 @@
           <a:lstStyle/>
           <a:p>
             <a:fld id="{86CB4B4D-7CA3-9044-876B-883B54F8677D}" type="slidenum">
-              <a:t>‹#›</a:t>
+              <a:t>‹Nr.›</a:t>
             </a:fld>
             <a:endParaRPr/>
           </a:p>
@@ -2220,7 +2221,7 @@
           <a:lstStyle/>
           <a:p>
             <a:fld id="{86CB4B4D-7CA3-9044-876B-883B54F8677D}" type="slidenum">
-              <a:t>‹#›</a:t>
+              <a:t>‹Nr.›</a:t>
             </a:fld>
             <a:endParaRPr/>
           </a:p>
@@ -2399,7 +2400,7 @@
           </a:lstStyle>
           <a:p>
             <a:fld id="{86CB4B4D-7CA3-9044-876B-883B54F8677D}" type="slidenum">
-              <a:t>‹#›</a:t>
+              <a:t>‹Nr.›</a:t>
             </a:fld>
             <a:endParaRPr/>
           </a:p>
@@ -4297,8 +4298,8 @@
         </p:nvSpPr>
         <p:spPr>
           <a:xfrm>
-            <a:off x="190500" y="1825625"/>
-            <a:ext cx="2486621" cy="4351338"/>
+            <a:off x="190499" y="1825625"/>
+            <a:ext cx="2694743" cy="4351338"/>
           </a:xfrm>
           <a:prstGeom prst="rect">
             <a:avLst/>
@@ -4309,8 +4310,35 @@
           <a:lstStyle/>
           <a:p>
             <a:r>
+              <a:rPr dirty="0"/>
               <a:t>No BLOSUM</a:t>
             </a:r>
+            <a:endParaRPr lang="de-DE" dirty="0"/>
+          </a:p>
+          <a:p>
+            <a:r>
+              <a:rPr lang="de-DE" dirty="0"/>
+              <a:t>MCC: 20 ± 1</a:t>
+            </a:r>
+          </a:p>
+          <a:p>
+            <a:r>
+              <a:rPr lang="de-DE" dirty="0"/>
+              <a:t>F1: 27 ± 1</a:t>
+            </a:r>
+          </a:p>
+          <a:p>
+            <a:r>
+              <a:rPr lang="de-DE" dirty="0"/>
+              <a:t>Precision: 27 ± 1</a:t>
+            </a:r>
+          </a:p>
+          <a:p>
+            <a:r>
+              <a:rPr lang="de-DE" dirty="0"/>
+              <a:t>Recall: 26 ± 1</a:t>
+            </a:r>
+            <a:endParaRPr dirty="0"/>
           </a:p>
         </p:txBody>
       </p:sp>
@@ -4388,6 +4416,7 @@
           </a:lstStyle>
           <a:p>
             <a:r>
+              <a:rPr dirty="0"/>
               <a:t>BLOSUM45</a:t>
             </a:r>
           </a:p>
@@ -4436,7 +4465,33 @@
           </a:lstStyle>
           <a:p>
             <a:r>
+              <a:rPr dirty="0"/>
               <a:t>BLOSUM62</a:t>
+            </a:r>
+            <a:endParaRPr lang="de-DE" dirty="0"/>
+          </a:p>
+          <a:p>
+            <a:r>
+              <a:rPr lang="en-US" dirty="0"/>
+              <a:t>MCC: 19% ± 1% </a:t>
+            </a:r>
+          </a:p>
+          <a:p>
+            <a:r>
+              <a:rPr lang="en-US" dirty="0"/>
+              <a:t>F1-score: 19% ± 1%</a:t>
+            </a:r>
+          </a:p>
+          <a:p>
+            <a:r>
+              <a:rPr lang="en-US" dirty="0"/>
+              <a:t>Precision: 40% ± 2%</a:t>
+            </a:r>
+          </a:p>
+          <a:p>
+            <a:r>
+              <a:rPr lang="en-US" dirty="0"/>
+              <a:t>Recall: 13.4% ± 0.7%</a:t>
             </a:r>
           </a:p>
         </p:txBody>
@@ -6113,7 +6168,7 @@
         </p:nvSpPr>
         <p:spPr>
           <a:xfrm>
-            <a:off x="914400" y="1825625"/>
+            <a:off x="838200" y="1825625"/>
             <a:ext cx="5181600" cy="4351338"/>
           </a:xfrm>
           <a:prstGeom prst="rect">
@@ -6181,7 +6236,7 @@
         </p:nvSpPr>
         <p:spPr>
           <a:xfrm>
-            <a:off x="6172202" y="1825625"/>
+            <a:off x="6172200" y="1844479"/>
             <a:ext cx="5181600" cy="4351338"/>
           </a:xfrm>
           <a:prstGeom prst="rect">
@@ -6420,6 +6475,125 @@
 </file>
 
 <file path=ppt/slides/slide21.xml><?xml version="1.0" encoding="utf-8"?>
+<p:sld xmlns:a="http://schemas.openxmlformats.org/drawingml/2006/main" xmlns:r="http://schemas.openxmlformats.org/officeDocument/2006/relationships" xmlns:p="http://schemas.openxmlformats.org/presentationml/2006/main" show="0">
+  <p:cSld>
+    <p:spTree>
+      <p:nvGrpSpPr>
+        <p:cNvPr id="1" name=""/>
+        <p:cNvGrpSpPr/>
+        <p:nvPr/>
+      </p:nvGrpSpPr>
+      <p:grpSpPr>
+        <a:xfrm>
+          <a:off x="0" y="0"/>
+          <a:ext cx="0" cy="0"/>
+          <a:chOff x="0" y="0"/>
+          <a:chExt cx="0" cy="0"/>
+        </a:xfrm>
+      </p:grpSpPr>
+      <p:pic>
+        <p:nvPicPr>
+          <p:cNvPr id="203" name="Content Placeholder 6" descr="Content Placeholder 6"/>
+          <p:cNvPicPr>
+            <a:picLocks noChangeAspect="1"/>
+          </p:cNvPicPr>
+          <p:nvPr/>
+        </p:nvPicPr>
+        <p:blipFill>
+          <a:blip r:embed="rId2"/>
+          <a:stretch>
+            <a:fillRect/>
+          </a:stretch>
+        </p:blipFill>
+        <p:spPr>
+          <a:xfrm>
+            <a:off x="2178774" y="1112382"/>
+            <a:ext cx="7834450" cy="5243969"/>
+          </a:xfrm>
+          <a:prstGeom prst="rect">
+            <a:avLst/>
+          </a:prstGeom>
+          <a:ln w="12700">
+            <a:miter lim="400000"/>
+          </a:ln>
+        </p:spPr>
+      </p:pic>
+      <p:sp>
+        <p:nvSpPr>
+          <p:cNvPr id="204" name="Slide Number Placeholder 4"/>
+          <p:cNvSpPr txBox="1">
+            <a:spLocks noGrp="1"/>
+          </p:cNvSpPr>
+          <p:nvPr>
+            <p:ph type="sldNum" sz="quarter" idx="2"/>
+          </p:nvPr>
+        </p:nvSpPr>
+        <p:spPr>
+          <a:xfrm>
+            <a:off x="11089818" y="6404292"/>
+            <a:ext cx="263982" cy="269241"/>
+          </a:xfrm>
+          <a:prstGeom prst="rect">
+            <a:avLst/>
+          </a:prstGeom>
+          <a:extLst>
+            <a:ext uri="{C572A759-6A51-4108-AA02-DFA0A04FC94B}">
+              <ma14:wrappingTextBoxFlag xmlns="" xmlns:m="http://schemas.openxmlformats.org/officeDocument/2006/math" xmlns:a14="http://schemas.microsoft.com/office/drawing/2010/main" xmlns:ma14="http://schemas.microsoft.com/office/mac/drawingml/2011/main" val="1"/>
+            </a:ext>
+          </a:extLst>
+        </p:spPr>
+        <p:txBody>
+          <a:bodyPr/>
+          <a:lstStyle/>
+          <a:p>
+            <a:fld id="{86CB4B4D-7CA3-9044-876B-883B54F8677D}" type="slidenum">
+              <a:t>21</a:t>
+            </a:fld>
+            <a:endParaRPr/>
+          </a:p>
+        </p:txBody>
+      </p:sp>
+      <p:sp>
+        <p:nvSpPr>
+          <p:cNvPr id="205" name="Title 1"/>
+          <p:cNvSpPr txBox="1">
+            <a:spLocks noGrp="1"/>
+          </p:cNvSpPr>
+          <p:nvPr>
+            <p:ph type="title"/>
+          </p:nvPr>
+        </p:nvSpPr>
+        <p:spPr>
+          <a:xfrm>
+            <a:off x="838200" y="365125"/>
+            <a:ext cx="10515600" cy="1325563"/>
+          </a:xfrm>
+          <a:prstGeom prst="rect">
+            <a:avLst/>
+          </a:prstGeom>
+        </p:spPr>
+        <p:txBody>
+          <a:bodyPr/>
+          <a:lstStyle>
+            <a:lvl1pPr algn="ctr"/>
+          </a:lstStyle>
+          <a:p>
+            <a:r>
+              <a:t>Cutoff Distribution</a:t>
+            </a:r>
+          </a:p>
+        </p:txBody>
+      </p:sp>
+    </p:spTree>
+  </p:cSld>
+  <p:clrMapOvr>
+    <a:masterClrMapping/>
+  </p:clrMapOvr>
+  <p:transition spd="med"/>
+</p:sld>
+</file>
+
+<file path=ppt/slides/slide22.xml><?xml version="1.0" encoding="utf-8"?>
 <p:sld xmlns:a="http://schemas.openxmlformats.org/drawingml/2006/main" xmlns:r="http://schemas.openxmlformats.org/officeDocument/2006/relationships" xmlns:p="http://schemas.openxmlformats.org/presentationml/2006/main">
   <p:cSld>
     <p:spTree>
@@ -6465,7 +6639,7 @@
           <a:lstStyle/>
           <a:p>
             <a:fld id="{86CB4B4D-7CA3-9044-876B-883B54F8677D}" type="slidenum">
-              <a:t>21</a:t>
+              <a:t>22</a:t>
             </a:fld>
             <a:endParaRPr/>
           </a:p>
@@ -6581,7 +6755,7 @@
 </p:sld>
 </file>
 
-<file path=ppt/slides/slide22.xml><?xml version="1.0" encoding="utf-8"?>
+<file path=ppt/slides/slide23.xml><?xml version="1.0" encoding="utf-8"?>
 <p:sld xmlns:a="http://schemas.openxmlformats.org/drawingml/2006/main" xmlns:r="http://schemas.openxmlformats.org/officeDocument/2006/relationships" xmlns:p="http://schemas.openxmlformats.org/presentationml/2006/main" show="0">
   <p:cSld>
     <p:spTree>
@@ -6658,7 +6832,7 @@
           <a:lstStyle/>
           <a:p>
             <a:fld id="{86CB4B4D-7CA3-9044-876B-883B54F8677D}" type="slidenum">
-              <a:t>22</a:t>
+              <a:t>23</a:t>
             </a:fld>
             <a:endParaRPr/>
           </a:p>
@@ -6745,7 +6919,7 @@
 </p:sld>
 </file>
 
-<file path=ppt/slides/slide23.xml><?xml version="1.0" encoding="utf-8"?>
+<file path=ppt/slides/slide24.xml><?xml version="1.0" encoding="utf-8"?>
 <p:sld xmlns:a="http://schemas.openxmlformats.org/drawingml/2006/main" xmlns:r="http://schemas.openxmlformats.org/officeDocument/2006/relationships" xmlns:p="http://schemas.openxmlformats.org/presentationml/2006/main">
   <p:cSld>
     <p:spTree>
@@ -6862,7 +7036,7 @@
 </p:sld>
 </file>
 
-<file path=ppt/slides/slide24.xml><?xml version="1.0" encoding="utf-8"?>
+<file path=ppt/slides/slide25.xml><?xml version="1.0" encoding="utf-8"?>
 <p:sld xmlns:a="http://schemas.openxmlformats.org/drawingml/2006/main" xmlns:r="http://schemas.openxmlformats.org/officeDocument/2006/relationships" xmlns:p="http://schemas.openxmlformats.org/presentationml/2006/main">
   <p:cSld>
     <p:spTree>
@@ -6989,7 +7163,7 @@
           <a:lstStyle/>
           <a:p>
             <a:fld id="{86CB4B4D-7CA3-9044-876B-883B54F8677D}" type="slidenum">
-              <a:t>24</a:t>
+              <a:t>25</a:t>
             </a:fld>
             <a:endParaRPr/>
           </a:p>
@@ -7004,7 +7178,7 @@
 </p:sld>
 </file>
 
-<file path=ppt/slides/slide25.xml><?xml version="1.0" encoding="utf-8"?>
+<file path=ppt/slides/slide26.xml><?xml version="1.0" encoding="utf-8"?>
 <p:sld xmlns:a="http://schemas.openxmlformats.org/drawingml/2006/main" xmlns:r="http://schemas.openxmlformats.org/officeDocument/2006/relationships" xmlns:p="http://schemas.openxmlformats.org/presentationml/2006/main">
   <p:cSld>
     <p:spTree>
@@ -7187,210 +7361,6 @@
           </p:nvPr>
         </p:nvSpPr>
         <p:spPr>
-          <a:prstGeom prst="rect">
-            <a:avLst/>
-          </a:prstGeom>
-          <a:extLst>
-            <a:ext uri="{C572A759-6A51-4108-AA02-DFA0A04FC94B}">
-              <ma14:wrappingTextBoxFlag xmlns="" xmlns:m="http://schemas.openxmlformats.org/officeDocument/2006/math" xmlns:a14="http://schemas.microsoft.com/office/drawing/2010/main" xmlns:ma14="http://schemas.microsoft.com/office/mac/drawingml/2011/main" val="1"/>
-            </a:ext>
-          </a:extLst>
-        </p:spPr>
-        <p:txBody>
-          <a:bodyPr/>
-          <a:lstStyle/>
-          <a:p>
-            <a:fld id="{86CB4B4D-7CA3-9044-876B-883B54F8677D}" type="slidenum">
-              <a:t>25</a:t>
-            </a:fld>
-            <a:endParaRPr/>
-          </a:p>
-        </p:txBody>
-      </p:sp>
-    </p:spTree>
-  </p:cSld>
-  <p:clrMapOvr>
-    <a:masterClrMapping/>
-  </p:clrMapOvr>
-  <p:transition spd="med"/>
-</p:sld>
-</file>
-
-<file path=ppt/slides/slide26.xml><?xml version="1.0" encoding="utf-8"?>
-<p:sld xmlns:a="http://schemas.openxmlformats.org/drawingml/2006/main" xmlns:r="http://schemas.openxmlformats.org/officeDocument/2006/relationships" xmlns:p="http://schemas.openxmlformats.org/presentationml/2006/main" show="0">
-  <p:cSld>
-    <p:spTree>
-      <p:nvGrpSpPr>
-        <p:cNvPr id="1" name=""/>
-        <p:cNvGrpSpPr/>
-        <p:nvPr/>
-      </p:nvGrpSpPr>
-      <p:grpSpPr>
-        <a:xfrm>
-          <a:off x="0" y="0"/>
-          <a:ext cx="0" cy="0"/>
-          <a:chOff x="0" y="0"/>
-          <a:chExt cx="0" cy="0"/>
-        </a:xfrm>
-      </p:grpSpPr>
-      <p:sp>
-        <p:nvSpPr>
-          <p:cNvPr id="223" name="Titel 1"/>
-          <p:cNvSpPr txBox="1">
-            <a:spLocks noGrp="1"/>
-          </p:cNvSpPr>
-          <p:nvPr>
-            <p:ph type="title"/>
-          </p:nvPr>
-        </p:nvSpPr>
-        <p:spPr>
-          <a:xfrm>
-            <a:off x="838200" y="365125"/>
-            <a:ext cx="10515600" cy="1325563"/>
-          </a:xfrm>
-          <a:prstGeom prst="rect">
-            <a:avLst/>
-          </a:prstGeom>
-        </p:spPr>
-        <p:txBody>
-          <a:bodyPr/>
-          <a:lstStyle/>
-          <a:p>
-            <a:r>
-              <a:t>stats</a:t>
-            </a:r>
-          </a:p>
-        </p:txBody>
-      </p:sp>
-      <p:sp>
-        <p:nvSpPr>
-          <p:cNvPr id="224" name="Inhaltsplatzhalter 2"/>
-          <p:cNvSpPr txBox="1">
-            <a:spLocks noGrp="1"/>
-          </p:cNvSpPr>
-          <p:nvPr>
-            <p:ph type="body" idx="1"/>
-          </p:nvPr>
-        </p:nvSpPr>
-        <p:spPr>
-          <a:xfrm>
-            <a:off x="838200" y="1825625"/>
-            <a:ext cx="10515600" cy="4351338"/>
-          </a:xfrm>
-          <a:prstGeom prst="rect">
-            <a:avLst/>
-          </a:prstGeom>
-        </p:spPr>
-        <p:txBody>
-          <a:bodyPr/>
-          <a:lstStyle/>
-          <a:p>
-            <a:pPr>
-              <a:lnSpc>
-                <a:spcPct val="81000"/>
-              </a:lnSpc>
-            </a:pPr>
-            <a:r>
-              <a:t>TP:	519</a:t>
-            </a:r>
-          </a:p>
-          <a:p>
-            <a:pPr>
-              <a:lnSpc>
-                <a:spcPct val="81000"/>
-              </a:lnSpc>
-            </a:pPr>
-            <a:r>
-              <a:t>FP:	517</a:t>
-            </a:r>
-          </a:p>
-          <a:p>
-            <a:pPr>
-              <a:lnSpc>
-                <a:spcPct val="81000"/>
-              </a:lnSpc>
-            </a:pPr>
-            <a:r>
-              <a:t>TN:	27949</a:t>
-            </a:r>
-          </a:p>
-          <a:p>
-            <a:pPr>
-              <a:lnSpc>
-                <a:spcPct val="81000"/>
-              </a:lnSpc>
-            </a:pPr>
-            <a:r>
-              <a:t>FN:	2842</a:t>
-            </a:r>
-          </a:p>
-          <a:p>
-            <a:pPr>
-              <a:lnSpc>
-                <a:spcPct val="81000"/>
-              </a:lnSpc>
-            </a:pPr>
-            <a:r>
-              <a:t>FPR:	0.01816201784585119</a:t>
-            </a:r>
-          </a:p>
-          <a:p>
-            <a:pPr>
-              <a:lnSpc>
-                <a:spcPct val="81000"/>
-              </a:lnSpc>
-            </a:pPr>
-            <a:r>
-              <a:t>Precision:	0.500965250965251 ± 0.016364012582564594</a:t>
-            </a:r>
-          </a:p>
-          <a:p>
-            <a:pPr>
-              <a:lnSpc>
-                <a:spcPct val="81000"/>
-              </a:lnSpc>
-            </a:pPr>
-            <a:r>
-              <a:t>Recall/TPR:	0.15441832787860757 ± 0.006444302866129453</a:t>
-            </a:r>
-          </a:p>
-          <a:p>
-            <a:pPr>
-              <a:lnSpc>
-                <a:spcPct val="81000"/>
-              </a:lnSpc>
-            </a:pPr>
-            <a:r>
-              <a:t>F1-score:	0.2360700477598363 ± 0.008823521693012324 </a:t>
-            </a:r>
-          </a:p>
-          <a:p>
-            <a:pPr>
-              <a:lnSpc>
-                <a:spcPct val="81000"/>
-              </a:lnSpc>
-            </a:pPr>
-            <a:r>
-              <a:t>MCC:	0.23597300754427067 ± 0.00979017430278977</a:t>
-            </a:r>
-          </a:p>
-        </p:txBody>
-      </p:sp>
-      <p:sp>
-        <p:nvSpPr>
-          <p:cNvPr id="225" name="Foliennummernplatzhalter 3"/>
-          <p:cNvSpPr txBox="1">
-            <a:spLocks noGrp="1"/>
-          </p:cNvSpPr>
-          <p:nvPr>
-            <p:ph type="sldNum" sz="quarter" idx="2"/>
-          </p:nvPr>
-        </p:nvSpPr>
-        <p:spPr>
-          <a:xfrm>
-            <a:off x="11164827" y="6404292"/>
-            <a:ext cx="188973" cy="269241"/>
-          </a:xfrm>
           <a:prstGeom prst="rect">
             <a:avLst/>
           </a:prstGeom>
@@ -7439,6 +7409,210 @@
       </p:grpSpPr>
       <p:sp>
         <p:nvSpPr>
+          <p:cNvPr id="223" name="Titel 1"/>
+          <p:cNvSpPr txBox="1">
+            <a:spLocks noGrp="1"/>
+          </p:cNvSpPr>
+          <p:nvPr>
+            <p:ph type="title"/>
+          </p:nvPr>
+        </p:nvSpPr>
+        <p:spPr>
+          <a:xfrm>
+            <a:off x="838200" y="365125"/>
+            <a:ext cx="10515600" cy="1325563"/>
+          </a:xfrm>
+          <a:prstGeom prst="rect">
+            <a:avLst/>
+          </a:prstGeom>
+        </p:spPr>
+        <p:txBody>
+          <a:bodyPr/>
+          <a:lstStyle/>
+          <a:p>
+            <a:r>
+              <a:t>stats</a:t>
+            </a:r>
+          </a:p>
+        </p:txBody>
+      </p:sp>
+      <p:sp>
+        <p:nvSpPr>
+          <p:cNvPr id="224" name="Inhaltsplatzhalter 2"/>
+          <p:cNvSpPr txBox="1">
+            <a:spLocks noGrp="1"/>
+          </p:cNvSpPr>
+          <p:nvPr>
+            <p:ph type="body" idx="1"/>
+          </p:nvPr>
+        </p:nvSpPr>
+        <p:spPr>
+          <a:xfrm>
+            <a:off x="838200" y="1825625"/>
+            <a:ext cx="10515600" cy="4351338"/>
+          </a:xfrm>
+          <a:prstGeom prst="rect">
+            <a:avLst/>
+          </a:prstGeom>
+        </p:spPr>
+        <p:txBody>
+          <a:bodyPr/>
+          <a:lstStyle/>
+          <a:p>
+            <a:pPr>
+              <a:lnSpc>
+                <a:spcPct val="81000"/>
+              </a:lnSpc>
+            </a:pPr>
+            <a:r>
+              <a:t>TP:	519</a:t>
+            </a:r>
+          </a:p>
+          <a:p>
+            <a:pPr>
+              <a:lnSpc>
+                <a:spcPct val="81000"/>
+              </a:lnSpc>
+            </a:pPr>
+            <a:r>
+              <a:t>FP:	517</a:t>
+            </a:r>
+          </a:p>
+          <a:p>
+            <a:pPr>
+              <a:lnSpc>
+                <a:spcPct val="81000"/>
+              </a:lnSpc>
+            </a:pPr>
+            <a:r>
+              <a:t>TN:	27949</a:t>
+            </a:r>
+          </a:p>
+          <a:p>
+            <a:pPr>
+              <a:lnSpc>
+                <a:spcPct val="81000"/>
+              </a:lnSpc>
+            </a:pPr>
+            <a:r>
+              <a:t>FN:	2842</a:t>
+            </a:r>
+          </a:p>
+          <a:p>
+            <a:pPr>
+              <a:lnSpc>
+                <a:spcPct val="81000"/>
+              </a:lnSpc>
+            </a:pPr>
+            <a:r>
+              <a:t>FPR:	0.01816201784585119</a:t>
+            </a:r>
+          </a:p>
+          <a:p>
+            <a:pPr>
+              <a:lnSpc>
+                <a:spcPct val="81000"/>
+              </a:lnSpc>
+            </a:pPr>
+            <a:r>
+              <a:t>Precision:	0.500965250965251 ± 0.016364012582564594</a:t>
+            </a:r>
+          </a:p>
+          <a:p>
+            <a:pPr>
+              <a:lnSpc>
+                <a:spcPct val="81000"/>
+              </a:lnSpc>
+            </a:pPr>
+            <a:r>
+              <a:t>Recall/TPR:	0.15441832787860757 ± 0.006444302866129453</a:t>
+            </a:r>
+          </a:p>
+          <a:p>
+            <a:pPr>
+              <a:lnSpc>
+                <a:spcPct val="81000"/>
+              </a:lnSpc>
+            </a:pPr>
+            <a:r>
+              <a:t>F1-score:	0.2360700477598363 ± 0.008823521693012324 </a:t>
+            </a:r>
+          </a:p>
+          <a:p>
+            <a:pPr>
+              <a:lnSpc>
+                <a:spcPct val="81000"/>
+              </a:lnSpc>
+            </a:pPr>
+            <a:r>
+              <a:t>MCC:	0.23597300754427067 ± 0.00979017430278977</a:t>
+            </a:r>
+          </a:p>
+        </p:txBody>
+      </p:sp>
+      <p:sp>
+        <p:nvSpPr>
+          <p:cNvPr id="225" name="Foliennummernplatzhalter 3"/>
+          <p:cNvSpPr txBox="1">
+            <a:spLocks noGrp="1"/>
+          </p:cNvSpPr>
+          <p:nvPr>
+            <p:ph type="sldNum" sz="quarter" idx="2"/>
+          </p:nvPr>
+        </p:nvSpPr>
+        <p:spPr>
+          <a:xfrm>
+            <a:off x="11164827" y="6404292"/>
+            <a:ext cx="188973" cy="269241"/>
+          </a:xfrm>
+          <a:prstGeom prst="rect">
+            <a:avLst/>
+          </a:prstGeom>
+          <a:extLst>
+            <a:ext uri="{C572A759-6A51-4108-AA02-DFA0A04FC94B}">
+              <ma14:wrappingTextBoxFlag xmlns="" xmlns:m="http://schemas.openxmlformats.org/officeDocument/2006/math" xmlns:a14="http://schemas.microsoft.com/office/drawing/2010/main" xmlns:ma14="http://schemas.microsoft.com/office/mac/drawingml/2011/main" val="1"/>
+            </a:ext>
+          </a:extLst>
+        </p:spPr>
+        <p:txBody>
+          <a:bodyPr/>
+          <a:lstStyle/>
+          <a:p>
+            <a:fld id="{86CB4B4D-7CA3-9044-876B-883B54F8677D}" type="slidenum">
+              <a:t>27</a:t>
+            </a:fld>
+            <a:endParaRPr/>
+          </a:p>
+        </p:txBody>
+      </p:sp>
+    </p:spTree>
+  </p:cSld>
+  <p:clrMapOvr>
+    <a:masterClrMapping/>
+  </p:clrMapOvr>
+  <p:transition spd="med"/>
+</p:sld>
+</file>
+
+<file path=ppt/slides/slide28.xml><?xml version="1.0" encoding="utf-8"?>
+<p:sld xmlns:a="http://schemas.openxmlformats.org/drawingml/2006/main" xmlns:r="http://schemas.openxmlformats.org/officeDocument/2006/relationships" xmlns:p="http://schemas.openxmlformats.org/presentationml/2006/main" show="0">
+  <p:cSld>
+    <p:spTree>
+      <p:nvGrpSpPr>
+        <p:cNvPr id="1" name=""/>
+        <p:cNvGrpSpPr/>
+        <p:nvPr/>
+      </p:nvGrpSpPr>
+      <p:grpSpPr>
+        <a:xfrm>
+          <a:off x="0" y="0"/>
+          <a:ext cx="0" cy="0"/>
+          <a:chOff x="0" y="0"/>
+          <a:chExt cx="0" cy="0"/>
+        </a:xfrm>
+      </p:grpSpPr>
+      <p:sp>
+        <p:nvSpPr>
           <p:cNvPr id="227" name="Titel 1"/>
           <p:cNvSpPr txBox="1">
             <a:spLocks noGrp="1"/>
@@ -7609,7 +7783,7 @@
           <a:lstStyle/>
           <a:p>
             <a:fld id="{86CB4B4D-7CA3-9044-876B-883B54F8677D}" type="slidenum">
-              <a:t>27</a:t>
+              <a:t>28</a:t>
             </a:fld>
             <a:endParaRPr/>
           </a:p>

--- a/BLOSUMscoresComparedToSingleSNAPscores.pptx
+++ b/BLOSUMscoresComparedToSingleSNAPscores.pptx
@@ -1,41 +1,40 @@
 
 <file path=ppt/presentation.xml><?xml version="1.0" encoding="utf-8"?>
-<p:presentation xmlns:a="http://schemas.openxmlformats.org/drawingml/2006/main" xmlns:r="http://schemas.openxmlformats.org/officeDocument/2006/relationships" xmlns:p="http://schemas.openxmlformats.org/presentationml/2006/main">
+<p:presentation xmlns:a="http://schemas.openxmlformats.org/drawingml/2006/main" xmlns:r="http://schemas.openxmlformats.org/officeDocument/2006/relationships" xmlns:p="http://schemas.openxmlformats.org/presentationml/2006/main" xmlns:m="http://schemas.openxmlformats.org/officeDocument/2006/math" xmlns:a14="http://schemas.microsoft.com/office/drawing/2010/main">
   <p:sldMasterIdLst>
-    <p:sldMasterId id="2147483648" r:id="rId1"/>
+    <p:sldMasterId id="2147483648" r:id="rId5"/>
   </p:sldMasterIdLst>
   <p:notesMasterIdLst>
-    <p:notesMasterId r:id="rId30"/>
+    <p:notesMasterId r:id="rId7"/>
   </p:notesMasterIdLst>
   <p:sldIdLst>
-    <p:sldId id="256" r:id="rId2"/>
-    <p:sldId id="257" r:id="rId3"/>
-    <p:sldId id="258" r:id="rId4"/>
-    <p:sldId id="259" r:id="rId5"/>
-    <p:sldId id="260" r:id="rId6"/>
-    <p:sldId id="261" r:id="rId7"/>
-    <p:sldId id="262" r:id="rId8"/>
-    <p:sldId id="263" r:id="rId9"/>
-    <p:sldId id="264" r:id="rId10"/>
-    <p:sldId id="265" r:id="rId11"/>
-    <p:sldId id="266" r:id="rId12"/>
-    <p:sldId id="267" r:id="rId13"/>
-    <p:sldId id="268" r:id="rId14"/>
-    <p:sldId id="269" r:id="rId15"/>
-    <p:sldId id="270" r:id="rId16"/>
-    <p:sldId id="271" r:id="rId17"/>
-    <p:sldId id="272" r:id="rId18"/>
-    <p:sldId id="273" r:id="rId19"/>
-    <p:sldId id="274" r:id="rId20"/>
-    <p:sldId id="275" r:id="rId21"/>
-    <p:sldId id="276" r:id="rId22"/>
-    <p:sldId id="277" r:id="rId23"/>
-    <p:sldId id="278" r:id="rId24"/>
-    <p:sldId id="283" r:id="rId25"/>
-    <p:sldId id="279" r:id="rId26"/>
-    <p:sldId id="280" r:id="rId27"/>
-    <p:sldId id="281" r:id="rId28"/>
-    <p:sldId id="282" r:id="rId29"/>
+    <p:sldId id="256" r:id="rId8"/>
+    <p:sldId id="257" r:id="rId9"/>
+    <p:sldId id="258" r:id="rId10"/>
+    <p:sldId id="259" r:id="rId11"/>
+    <p:sldId id="260" r:id="rId12"/>
+    <p:sldId id="261" r:id="rId13"/>
+    <p:sldId id="262" r:id="rId14"/>
+    <p:sldId id="263" r:id="rId15"/>
+    <p:sldId id="264" r:id="rId16"/>
+    <p:sldId id="265" r:id="rId17"/>
+    <p:sldId id="266" r:id="rId18"/>
+    <p:sldId id="267" r:id="rId19"/>
+    <p:sldId id="268" r:id="rId20"/>
+    <p:sldId id="269" r:id="rId21"/>
+    <p:sldId id="270" r:id="rId22"/>
+    <p:sldId id="271" r:id="rId23"/>
+    <p:sldId id="272" r:id="rId24"/>
+    <p:sldId id="273" r:id="rId25"/>
+    <p:sldId id="274" r:id="rId26"/>
+    <p:sldId id="275" r:id="rId27"/>
+    <p:sldId id="276" r:id="rId28"/>
+    <p:sldId id="277" r:id="rId29"/>
+    <p:sldId id="278" r:id="rId30"/>
+    <p:sldId id="279" r:id="rId31"/>
+    <p:sldId id="280" r:id="rId32"/>
+    <p:sldId id="281" r:id="rId33"/>
+    <p:sldId id="282" r:id="rId34"/>
   </p:sldIdLst>
   <p:sldSz cx="12192000" cy="6858000"/>
   <p:notesSz cx="6858000" cy="9144000"/>
@@ -55,7 +54,7 @@
       <a:buFontTx/>
       <a:buNone/>
       <a:tabLst/>
-      <a:defRPr kumimoji="0" sz="1800" b="0" i="0" u="none" strike="noStrike" cap="none" spc="0" normalizeH="0" baseline="0">
+      <a:defRPr b="0" baseline="0" cap="none" i="0" spc="0" strike="noStrike" sz="1800" u="none" kumimoji="0" normalizeH="0">
         <a:ln>
           <a:noFill/>
         </a:ln>
@@ -81,7 +80,7 @@
       <a:buFontTx/>
       <a:buNone/>
       <a:tabLst/>
-      <a:defRPr kumimoji="0" sz="1800" b="0" i="0" u="none" strike="noStrike" cap="none" spc="0" normalizeH="0" baseline="0">
+      <a:defRPr b="0" baseline="0" cap="none" i="0" spc="0" strike="noStrike" sz="1800" u="none" kumimoji="0" normalizeH="0">
         <a:ln>
           <a:noFill/>
         </a:ln>
@@ -111,7 +110,7 @@
       <a:buFontTx/>
       <a:buNone/>
       <a:tabLst/>
-      <a:defRPr kumimoji="0" sz="1800" b="0" i="0" u="none" strike="noStrike" cap="none" spc="0" normalizeH="0" baseline="0">
+      <a:defRPr b="0" baseline="0" cap="none" i="0" spc="0" strike="noStrike" sz="1800" u="none" kumimoji="0" normalizeH="0">
         <a:ln>
           <a:noFill/>
         </a:ln>
@@ -141,7 +140,7 @@
       <a:buFontTx/>
       <a:buNone/>
       <a:tabLst/>
-      <a:defRPr kumimoji="0" sz="1800" b="0" i="0" u="none" strike="noStrike" cap="none" spc="0" normalizeH="0" baseline="0">
+      <a:defRPr b="0" baseline="0" cap="none" i="0" spc="0" strike="noStrike" sz="1800" u="none" kumimoji="0" normalizeH="0">
         <a:ln>
           <a:noFill/>
         </a:ln>
@@ -171,7 +170,7 @@
       <a:buFontTx/>
       <a:buNone/>
       <a:tabLst/>
-      <a:defRPr kumimoji="0" sz="1800" b="0" i="0" u="none" strike="noStrike" cap="none" spc="0" normalizeH="0" baseline="0">
+      <a:defRPr b="0" baseline="0" cap="none" i="0" spc="0" strike="noStrike" sz="1800" u="none" kumimoji="0" normalizeH="0">
         <a:ln>
           <a:noFill/>
         </a:ln>
@@ -201,7 +200,7 @@
       <a:buFontTx/>
       <a:buNone/>
       <a:tabLst/>
-      <a:defRPr kumimoji="0" sz="1800" b="0" i="0" u="none" strike="noStrike" cap="none" spc="0" normalizeH="0" baseline="0">
+      <a:defRPr b="0" baseline="0" cap="none" i="0" spc="0" strike="noStrike" sz="1800" u="none" kumimoji="0" normalizeH="0">
         <a:ln>
           <a:noFill/>
         </a:ln>
@@ -231,7 +230,7 @@
       <a:buFontTx/>
       <a:buNone/>
       <a:tabLst/>
-      <a:defRPr kumimoji="0" sz="1800" b="0" i="0" u="none" strike="noStrike" cap="none" spc="0" normalizeH="0" baseline="0">
+      <a:defRPr b="0" baseline="0" cap="none" i="0" spc="0" strike="noStrike" sz="1800" u="none" kumimoji="0" normalizeH="0">
         <a:ln>
           <a:noFill/>
         </a:ln>
@@ -261,7 +260,7 @@
       <a:buFontTx/>
       <a:buNone/>
       <a:tabLst/>
-      <a:defRPr kumimoji="0" sz="1800" b="0" i="0" u="none" strike="noStrike" cap="none" spc="0" normalizeH="0" baseline="0">
+      <a:defRPr b="0" baseline="0" cap="none" i="0" spc="0" strike="noStrike" sz="1800" u="none" kumimoji="0" normalizeH="0">
         <a:ln>
           <a:noFill/>
         </a:ln>
@@ -291,7 +290,7 @@
       <a:buFontTx/>
       <a:buNone/>
       <a:tabLst/>
-      <a:defRPr kumimoji="0" sz="1800" b="0" i="0" u="none" strike="noStrike" cap="none" spc="0" normalizeH="0" baseline="0">
+      <a:defRPr b="0" baseline="0" cap="none" i="0" spc="0" strike="noStrike" sz="1800" u="none" kumimoji="0" normalizeH="0">
         <a:ln>
           <a:noFill/>
         </a:ln>
@@ -321,7 +320,7 @@
       <a:buFontTx/>
       <a:buNone/>
       <a:tabLst/>
-      <a:defRPr kumimoji="0" sz="1800" b="0" i="0" u="none" strike="noStrike" cap="none" spc="0" normalizeH="0" baseline="0">
+      <a:defRPr b="0" baseline="0" cap="none" i="0" spc="0" strike="noStrike" sz="1800" u="none" kumimoji="0" normalizeH="0">
         <a:ln>
           <a:noFill/>
         </a:ln>
@@ -337,20 +336,17 @@
       </a:defRPr>
     </a:lvl9pPr>
   </p:defaultTextStyle>
-  <p:extLst>
-    <p:ext uri="{EFAFB233-063F-42B5-8137-9DF3F51BA10A}">
-      <p15:sldGuideLst xmlns:p15="http://schemas.microsoft.com/office/powerpoint/2012/main"/>
-    </p:ext>
-  </p:extLst>
 </p:presentation>
 </file>
 
+<file path=ppt/commentAuthors.xml><?xml version="1.0" encoding="utf-8"?>
+<p:cmAuthorLst xmlns:a="http://schemas.openxmlformats.org/drawingml/2006/main" xmlns:r="http://schemas.openxmlformats.org/officeDocument/2006/relationships" xmlns:p="http://schemas.openxmlformats.org/presentationml/2006/main" xmlns:m="http://schemas.openxmlformats.org/officeDocument/2006/math" xmlns:a14="http://schemas.microsoft.com/office/drawing/2010/main"/>
+</file>
+
 <file path=ppt/charts/chart1.xml><?xml version="1.0" encoding="utf-8"?>
-<c:chartSpace xmlns:c="http://schemas.openxmlformats.org/drawingml/2006/chart" xmlns:a="http://schemas.openxmlformats.org/drawingml/2006/main" xmlns:r="http://schemas.openxmlformats.org/officeDocument/2006/relationships" xmlns:c16r2="http://schemas.microsoft.com/office/drawing/2015/06/chart">
+<c:chartSpace xmlns:c="http://schemas.openxmlformats.org/drawingml/2006/chart" xmlns:a="http://schemas.openxmlformats.org/drawingml/2006/main" xmlns:r="http://schemas.openxmlformats.org/officeDocument/2006/relationships">
   <c:date1904 val="1"/>
-  <c:lang val="de-DE"/>
   <c:roundedCorners val="0"/>
-  <c:style val="2"/>
   <c:chart>
     <c:autoTitleDeleted val="1"/>
     <c:plotArea>
@@ -359,8 +355,8 @@
           <c:layoutTarget val="inner"/>
           <c:xMode val="edge"/>
           <c:yMode val="edge"/>
-          <c:x val="5.0000000000000001E-3"/>
-          <c:y val="5.0000000000000001E-3"/>
+          <c:x val="0.005"/>
+          <c:y val="0.005"/>
           <c:w val="0.99"/>
           <c:h val="0.904003"/>
         </c:manualLayout>
@@ -391,18 +387,24 @@
             </a:ln>
             <a:effectLst/>
           </c:spPr>
+          <c:explosion val="0"/>
           <c:dPt>
             <c:idx val="0"/>
-            <c:bubble3D val="0"/>
-            <c:extLst>
-              <c:ext xmlns:c16="http://schemas.microsoft.com/office/drawing/2014/chart" uri="{C3380CC4-5D6E-409C-BE32-E72D297353CC}">
-                <c16:uniqueId val="{00000001-6E86-4967-91FA-80F27077B413}"/>
-              </c:ext>
-            </c:extLst>
+            <c:explosion val="0"/>
+            <c:spPr>
+              <a:solidFill>
+                <a:schemeClr val="accent1"/>
+              </a:solidFill>
+              <a:ln w="12700" cap="flat">
+                <a:noFill/>
+                <a:miter lim="400000"/>
+              </a:ln>
+              <a:effectLst/>
+            </c:spPr>
           </c:dPt>
           <c:dPt>
             <c:idx val="1"/>
-            <c:bubble3D val="0"/>
+            <c:explosion val="0"/>
             <c:spPr>
               <a:solidFill>
                 <a:schemeClr val="accent2"/>
@@ -413,30 +415,23 @@
               </a:ln>
               <a:effectLst/>
             </c:spPr>
-            <c:extLst>
-              <c:ext xmlns:c16="http://schemas.microsoft.com/office/drawing/2014/chart" uri="{C3380CC4-5D6E-409C-BE32-E72D297353CC}">
-                <c16:uniqueId val="{00000003-6E86-4967-91FA-80F27077B413}"/>
-              </c:ext>
-            </c:extLst>
           </c:dPt>
           <c:dLbls>
             <c:dLbl>
               <c:idx val="0"/>
               <c:numFmt formatCode="0.00%" sourceLinked="0"/>
-              <c:spPr/>
               <c:txPr>
                 <a:bodyPr/>
                 <a:lstStyle/>
                 <a:p>
                   <a:pPr>
-                    <a:defRPr sz="1100" b="1" i="0" u="none" strike="noStrike">
+                    <a:defRPr b="1" i="0" strike="noStrike" sz="1100" u="none">
                       <a:solidFill>
                         <a:srgbClr val="FFFFFF"/>
                       </a:solidFill>
                       <a:latin typeface="Calibri"/>
                     </a:defRPr>
                   </a:pPr>
-                  <a:endParaRPr lang="de-DE"/>
                 </a:p>
               </c:txPr>
               <c:dLblPos val="inEnd"/>
@@ -446,29 +441,22 @@
               <c:showSerName val="0"/>
               <c:showPercent val="1"/>
               <c:showBubbleSize val="0"/>
-              <c:extLst>
-                <c:ext xmlns:c16="http://schemas.microsoft.com/office/drawing/2014/chart" uri="{C3380CC4-5D6E-409C-BE32-E72D297353CC}">
-                  <c16:uniqueId val="{00000001-6E86-4967-91FA-80F27077B413}"/>
-                </c:ext>
-              </c:extLst>
             </c:dLbl>
             <c:dLbl>
               <c:idx val="1"/>
               <c:numFmt formatCode="0.00%" sourceLinked="0"/>
-              <c:spPr/>
               <c:txPr>
                 <a:bodyPr/>
                 <a:lstStyle/>
                 <a:p>
                   <a:pPr>
-                    <a:defRPr sz="1100" b="1" i="0" u="none" strike="noStrike">
+                    <a:defRPr b="1" i="0" strike="noStrike" sz="1100" u="none">
                       <a:solidFill>
                         <a:srgbClr val="FFFFFF"/>
                       </a:solidFill>
                       <a:latin typeface="Calibri"/>
                     </a:defRPr>
                   </a:pPr>
-                  <a:endParaRPr lang="de-DE"/>
                 </a:p>
               </c:txPr>
               <c:dLblPos val="inEnd"/>
@@ -478,33 +466,20 @@
               <c:showSerName val="0"/>
               <c:showPercent val="1"/>
               <c:showBubbleSize val="0"/>
-              <c:extLst>
-                <c:ext xmlns:c16="http://schemas.microsoft.com/office/drawing/2014/chart" uri="{C3380CC4-5D6E-409C-BE32-E72D297353CC}">
-                  <c16:uniqueId val="{00000003-6E86-4967-91FA-80F27077B413}"/>
-                </c:ext>
-              </c:extLst>
             </c:dLbl>
             <c:numFmt formatCode="0.00%" sourceLinked="0"/>
-            <c:spPr>
-              <a:noFill/>
-              <a:ln>
-                <a:noFill/>
-              </a:ln>
-              <a:effectLst/>
-            </c:spPr>
             <c:txPr>
               <a:bodyPr/>
               <a:lstStyle/>
               <a:p>
                 <a:pPr>
-                  <a:defRPr sz="1100" b="1" i="0" u="none" strike="noStrike">
+                  <a:defRPr b="1" i="0" strike="noStrike" sz="1100" u="none">
                     <a:solidFill>
                       <a:srgbClr val="FFFFFF"/>
                     </a:solidFill>
                     <a:latin typeface="Calibri"/>
                   </a:defRPr>
                 </a:pPr>
-                <a:endParaRPr lang="de-DE"/>
               </a:p>
             </c:txPr>
             <c:dLblPos val="inEnd"/>
@@ -517,6 +492,7 @@
             <c:showLeaderLines val="1"/>
             <c:leaderLines>
               <c:spPr>
+                <a:noFill/>
                 <a:ln w="9525" cap="flat">
                   <a:solidFill>
                     <a:srgbClr val="A6A6A6"/>
@@ -527,9 +503,6 @@
                 <a:effectLst/>
               </c:spPr>
             </c:leaderLines>
-            <c:extLst>
-              <c:ext xmlns:c15="http://schemas.microsoft.com/office/drawing/2012/chart" uri="{CE6537A1-D6FC-4f65-9D91-7224C49458BB}"/>
-            </c:extLst>
           </c:dLbls>
           <c:cat>
             <c:strRef>
@@ -549,32 +522,17 @@
             <c:numRef>
               <c:f>Sheet1!$B$2:$C$2</c:f>
               <c:numCache>
-                <c:formatCode>General</c:formatCode>
                 <c:ptCount val="2"/>
                 <c:pt idx="0">
-                  <c:v>3361</c:v>
+                  <c:v>3361.000000</c:v>
                 </c:pt>
                 <c:pt idx="1">
-                  <c:v>28446</c:v>
+                  <c:v>28446.000000</c:v>
                 </c:pt>
               </c:numCache>
             </c:numRef>
           </c:val>
-          <c:extLst>
-            <c:ext xmlns:c16="http://schemas.microsoft.com/office/drawing/2014/chart" uri="{C3380CC4-5D6E-409C-BE32-E72D297353CC}">
-              <c16:uniqueId val="{00000004-6E86-4967-91FA-80F27077B413}"/>
-            </c:ext>
-          </c:extLst>
         </c:ser>
-        <c:dLbls>
-          <c:showLegendKey val="0"/>
-          <c:showVal val="0"/>
-          <c:showCatName val="0"/>
-          <c:showSerName val="0"/>
-          <c:showPercent val="0"/>
-          <c:showBubbleSize val="0"/>
-          <c:showLeaderLines val="1"/>
-        </c:dLbls>
         <c:firstSliceAng val="0"/>
       </c:pieChart>
       <c:spPr>
@@ -592,10 +550,10 @@
         <c:manualLayout>
           <c:xMode val="edge"/>
           <c:yMode val="edge"/>
-          <c:x val="0.22132099999999999"/>
-          <c:y val="0.94742199999999999"/>
-          <c:w val="0.55735800000000002"/>
-          <c:h val="5.2578300000000001E-2"/>
+          <c:x val="0.221321"/>
+          <c:y val="0.947422"/>
+          <c:w val="0.557358"/>
+          <c:h val="0.0525783"/>
         </c:manualLayout>
       </c:layout>
       <c:overlay val="1"/>
@@ -616,20 +574,18 @@
         <a:lstStyle/>
         <a:p>
           <a:pPr>
-            <a:defRPr sz="1100" b="0" i="0" u="none" strike="noStrike">
+            <a:defRPr b="0" i="0" strike="noStrike" sz="1100" u="none">
               <a:solidFill>
                 <a:srgbClr val="595959"/>
               </a:solidFill>
               <a:latin typeface="Calibri"/>
             </a:defRPr>
           </a:pPr>
-          <a:endParaRPr lang="de-DE"/>
         </a:p>
       </c:txPr>
     </c:legend>
     <c:plotVisOnly val="1"/>
     <c:dispBlanksAs val="gap"/>
-    <c:showDLblsOverMax val="1"/>
   </c:chart>
   <c:spPr>
     <a:noFill/>
@@ -645,13 +601,8 @@
 </file>
 
 <file path=ppt/notesMasters/notesMaster1.xml><?xml version="1.0" encoding="utf-8"?>
-<p:notesMaster xmlns:a="http://schemas.openxmlformats.org/drawingml/2006/main" xmlns:r="http://schemas.openxmlformats.org/officeDocument/2006/relationships" xmlns:p="http://schemas.openxmlformats.org/presentationml/2006/main">
+<p:notesMaster xmlns:a="http://schemas.openxmlformats.org/drawingml/2006/main" xmlns:r="http://schemas.openxmlformats.org/officeDocument/2006/relationships" xmlns:p="http://schemas.openxmlformats.org/presentationml/2006/main" xmlns:m="http://schemas.openxmlformats.org/officeDocument/2006/math" xmlns:a14="http://schemas.microsoft.com/office/drawing/2010/main">
   <p:cSld>
-    <p:bg>
-      <p:bgRef idx="1001">
-        <a:schemeClr val="bg1"/>
-      </p:bgRef>
-    </p:bg>
     <p:spTree>
       <p:nvGrpSpPr>
         <p:cNvPr id="1" name=""/>
@@ -669,9 +620,7 @@
       <p:sp>
         <p:nvSpPr>
           <p:cNvPr id="97" name="Shape 97"/>
-          <p:cNvSpPr>
-            <a:spLocks noGrp="1" noRot="1" noChangeAspect="1"/>
-          </p:cNvSpPr>
+          <p:cNvSpPr/>
           <p:nvPr>
             <p:ph type="sldImg"/>
           </p:nvPr>
@@ -689,16 +638,14 @@
           <a:bodyPr/>
           <a:lstStyle/>
           <a:p>
-            <a:endParaRPr/>
+            <a:pPr/>
           </a:p>
         </p:txBody>
       </p:sp>
       <p:sp>
         <p:nvSpPr>
           <p:cNvPr id="98" name="Shape 98"/>
-          <p:cNvSpPr>
-            <a:spLocks noGrp="1"/>
-          </p:cNvSpPr>
+          <p:cNvSpPr/>
           <p:nvPr>
             <p:ph type="body" sz="quarter" idx="1"/>
           </p:nvPr>
@@ -716,7 +663,7 @@
           <a:bodyPr/>
           <a:lstStyle/>
           <a:p>
-            <a:endParaRPr/>
+            <a:pPr/>
           </a:p>
         </p:txBody>
       </p:sp>
@@ -801,7 +748,7 @@
 </file>
 
 <file path=ppt/slideLayouts/slideLayout1.xml><?xml version="1.0" encoding="utf-8"?>
-<p:sldLayout xmlns:a="http://schemas.openxmlformats.org/drawingml/2006/main" xmlns:r="http://schemas.openxmlformats.org/officeDocument/2006/relationships" xmlns:p="http://schemas.openxmlformats.org/presentationml/2006/main" showMasterSp="0" type="title">
+<p:sldLayout xmlns:a="http://schemas.openxmlformats.org/drawingml/2006/main" xmlns:r="http://schemas.openxmlformats.org/officeDocument/2006/relationships" xmlns:p="http://schemas.openxmlformats.org/presentationml/2006/main" xmlns:m="http://schemas.openxmlformats.org/officeDocument/2006/math" xmlns:a14="http://schemas.microsoft.com/office/drawing/2010/main" type="title" showMasterSp="0" showMasterPhAnim="1">
   <p:cSld name="Titelfolie">
     <p:spTree>
       <p:nvGrpSpPr>
@@ -820,9 +767,7 @@
       <p:sp>
         <p:nvSpPr>
           <p:cNvPr id="13" name="Title Text"/>
-          <p:cNvSpPr txBox="1">
-            <a:spLocks noGrp="1"/>
-          </p:cNvSpPr>
+          <p:cNvSpPr txBox="1"/>
           <p:nvPr>
             <p:ph type="title"/>
           </p:nvPr>
@@ -844,6 +789,7 @@
             </a:lvl1pPr>
           </a:lstStyle>
           <a:p>
+            <a:pPr/>
             <a:r>
               <a:t>Title Text</a:t>
             </a:r>
@@ -853,9 +799,7 @@
       <p:sp>
         <p:nvSpPr>
           <p:cNvPr id="14" name="Body Level One…"/>
-          <p:cNvSpPr txBox="1">
-            <a:spLocks noGrp="1"/>
-          </p:cNvSpPr>
+          <p:cNvSpPr txBox="1"/>
           <p:nvPr>
             <p:ph type="body" sz="quarter" idx="1"/>
           </p:nvPr>
@@ -904,6 +848,7 @@
             </a:lvl5pPr>
           </a:lstStyle>
           <a:p>
+            <a:pPr/>
             <a:r>
               <a:t>Body Level One</a:t>
             </a:r>
@@ -937,9 +882,7 @@
       <p:sp>
         <p:nvSpPr>
           <p:cNvPr id="15" name="Slide Number"/>
-          <p:cNvSpPr txBox="1">
-            <a:spLocks noGrp="1"/>
-          </p:cNvSpPr>
+          <p:cNvSpPr txBox="1"/>
           <p:nvPr>
             <p:ph type="sldNum" sz="quarter" idx="2"/>
           </p:nvPr>
@@ -953,10 +896,8 @@
           <a:bodyPr/>
           <a:lstStyle/>
           <a:p>
-            <a:fld id="{86CB4B4D-7CA3-9044-876B-883B54F8677D}" type="slidenum">
-              <a:t>‹Nr.›</a:t>
-            </a:fld>
-            <a:endParaRPr/>
+            <a:pPr/>
+            <a:fld id="{86CB4B4D-7CA3-9044-876B-883B54F8677D}" type="slidenum"/>
           </a:p>
         </p:txBody>
       </p:sp>
@@ -969,7 +910,9 @@
           <p:nvPr/>
         </p:nvPicPr>
         <p:blipFill>
-          <a:blip r:embed="rId2"/>
+          <a:blip r:embed="rId2">
+            <a:extLst/>
+          </a:blip>
           <a:stretch>
             <a:fillRect/>
           </a:stretch>
@@ -996,7 +939,9 @@
           <p:nvPr/>
         </p:nvPicPr>
         <p:blipFill>
-          <a:blip r:embed="rId3"/>
+          <a:blip r:embed="rId3">
+            <a:extLst/>
+          </a:blip>
           <a:srcRect l="21949" t="28867" r="21951" b="29709"/>
           <a:stretch>
             <a:fillRect/>
@@ -1020,12 +965,12 @@
   <p:clrMapOvr>
     <a:masterClrMapping/>
   </p:clrMapOvr>
-  <p:transition spd="med"/>
+  <p:transition xmlns:p14="http://schemas.microsoft.com/office/powerpoint/2010/main" spd="med" advClick="1"/>
 </p:sldLayout>
 </file>
 
 <file path=ppt/slideLayouts/slideLayout2.xml><?xml version="1.0" encoding="utf-8"?>
-<p:sldLayout xmlns:a="http://schemas.openxmlformats.org/drawingml/2006/main" xmlns:r="http://schemas.openxmlformats.org/officeDocument/2006/relationships" xmlns:p="http://schemas.openxmlformats.org/presentationml/2006/main" type="tx">
+<p:sldLayout xmlns:a="http://schemas.openxmlformats.org/drawingml/2006/main" xmlns:r="http://schemas.openxmlformats.org/officeDocument/2006/relationships" xmlns:p="http://schemas.openxmlformats.org/presentationml/2006/main" xmlns:m="http://schemas.openxmlformats.org/officeDocument/2006/math" xmlns:a14="http://schemas.microsoft.com/office/drawing/2010/main" type="tx" showMasterSp="1" showMasterPhAnim="1">
   <p:cSld name="Titel und Inhalt">
     <p:spTree>
       <p:nvGrpSpPr>
@@ -1044,9 +989,7 @@
       <p:sp>
         <p:nvSpPr>
           <p:cNvPr id="24" name="Title Text"/>
-          <p:cNvSpPr txBox="1">
-            <a:spLocks noGrp="1"/>
-          </p:cNvSpPr>
+          <p:cNvSpPr txBox="1"/>
           <p:nvPr>
             <p:ph type="title"/>
           </p:nvPr>
@@ -1060,6 +1003,7 @@
           <a:bodyPr/>
           <a:lstStyle/>
           <a:p>
+            <a:pPr/>
             <a:r>
               <a:t>Title Text</a:t>
             </a:r>
@@ -1069,9 +1013,7 @@
       <p:sp>
         <p:nvSpPr>
           <p:cNvPr id="25" name="Body Level One…"/>
-          <p:cNvSpPr txBox="1">
-            <a:spLocks noGrp="1"/>
-          </p:cNvSpPr>
+          <p:cNvSpPr txBox="1"/>
           <p:nvPr>
             <p:ph type="body" idx="1"/>
           </p:nvPr>
@@ -1085,6 +1027,7 @@
           <a:bodyPr/>
           <a:lstStyle/>
           <a:p>
+            <a:pPr/>
             <a:r>
               <a:t>Body Level One</a:t>
             </a:r>
@@ -1118,9 +1061,7 @@
       <p:sp>
         <p:nvSpPr>
           <p:cNvPr id="26" name="Slide Number"/>
-          <p:cNvSpPr txBox="1">
-            <a:spLocks noGrp="1"/>
-          </p:cNvSpPr>
+          <p:cNvSpPr txBox="1"/>
           <p:nvPr>
             <p:ph type="sldNum" sz="quarter" idx="2"/>
           </p:nvPr>
@@ -1134,10 +1075,8 @@
           <a:bodyPr/>
           <a:lstStyle/>
           <a:p>
-            <a:fld id="{86CB4B4D-7CA3-9044-876B-883B54F8677D}" type="slidenum">
-              <a:t>‹Nr.›</a:t>
-            </a:fld>
-            <a:endParaRPr/>
+            <a:pPr/>
+            <a:fld id="{86CB4B4D-7CA3-9044-876B-883B54F8677D}" type="slidenum"/>
           </a:p>
         </p:txBody>
       </p:sp>
@@ -1146,12 +1085,12 @@
   <p:clrMapOvr>
     <a:masterClrMapping/>
   </p:clrMapOvr>
-  <p:transition spd="med"/>
+  <p:transition xmlns:p14="http://schemas.microsoft.com/office/powerpoint/2010/main" spd="med" advClick="1"/>
 </p:sldLayout>
 </file>
 
 <file path=ppt/slideLayouts/slideLayout3.xml><?xml version="1.0" encoding="utf-8"?>
-<p:sldLayout xmlns:a="http://schemas.openxmlformats.org/drawingml/2006/main" xmlns:r="http://schemas.openxmlformats.org/officeDocument/2006/relationships" xmlns:p="http://schemas.openxmlformats.org/presentationml/2006/main" showMasterSp="0" type="tx">
+<p:sldLayout xmlns:a="http://schemas.openxmlformats.org/drawingml/2006/main" xmlns:r="http://schemas.openxmlformats.org/officeDocument/2006/relationships" xmlns:p="http://schemas.openxmlformats.org/presentationml/2006/main" xmlns:m="http://schemas.openxmlformats.org/officeDocument/2006/math" xmlns:a14="http://schemas.microsoft.com/office/drawing/2010/main" type="tx" showMasterSp="0" showMasterPhAnim="1">
   <p:cSld name="Abschnitts-&#10;überschrift">
     <p:spTree>
       <p:nvGrpSpPr>
@@ -1170,9 +1109,7 @@
       <p:sp>
         <p:nvSpPr>
           <p:cNvPr id="33" name="Title Text"/>
-          <p:cNvSpPr txBox="1">
-            <a:spLocks noGrp="1"/>
-          </p:cNvSpPr>
+          <p:cNvSpPr txBox="1"/>
           <p:nvPr>
             <p:ph type="title"/>
           </p:nvPr>
@@ -1194,6 +1131,7 @@
             </a:lvl1pPr>
           </a:lstStyle>
           <a:p>
+            <a:pPr/>
             <a:r>
               <a:t>Title Text</a:t>
             </a:r>
@@ -1203,9 +1141,7 @@
       <p:sp>
         <p:nvSpPr>
           <p:cNvPr id="34" name="Body Level One…"/>
-          <p:cNvSpPr txBox="1">
-            <a:spLocks noGrp="1"/>
-          </p:cNvSpPr>
+          <p:cNvSpPr txBox="1"/>
           <p:nvPr>
             <p:ph type="body" sz="quarter" idx="1"/>
           </p:nvPr>
@@ -1274,6 +1210,7 @@
             </a:lvl5pPr>
           </a:lstStyle>
           <a:p>
+            <a:pPr/>
             <a:r>
               <a:t>Body Level One</a:t>
             </a:r>
@@ -1307,9 +1244,7 @@
       <p:sp>
         <p:nvSpPr>
           <p:cNvPr id="35" name="Slide Number"/>
-          <p:cNvSpPr txBox="1">
-            <a:spLocks noGrp="1"/>
-          </p:cNvSpPr>
+          <p:cNvSpPr txBox="1"/>
           <p:nvPr>
             <p:ph type="sldNum" sz="quarter" idx="2"/>
           </p:nvPr>
@@ -1323,10 +1258,8 @@
           <a:bodyPr/>
           <a:lstStyle/>
           <a:p>
-            <a:fld id="{86CB4B4D-7CA3-9044-876B-883B54F8677D}" type="slidenum">
-              <a:t>‹Nr.›</a:t>
-            </a:fld>
-            <a:endParaRPr/>
+            <a:pPr/>
+            <a:fld id="{86CB4B4D-7CA3-9044-876B-883B54F8677D}" type="slidenum"/>
           </a:p>
         </p:txBody>
       </p:sp>
@@ -1335,12 +1268,12 @@
   <p:clrMapOvr>
     <a:masterClrMapping/>
   </p:clrMapOvr>
-  <p:transition spd="med"/>
+  <p:transition xmlns:p14="http://schemas.microsoft.com/office/powerpoint/2010/main" spd="med" advClick="1"/>
 </p:sldLayout>
 </file>
 
 <file path=ppt/slideLayouts/slideLayout4.xml><?xml version="1.0" encoding="utf-8"?>
-<p:sldLayout xmlns:a="http://schemas.openxmlformats.org/drawingml/2006/main" xmlns:r="http://schemas.openxmlformats.org/officeDocument/2006/relationships" xmlns:p="http://schemas.openxmlformats.org/presentationml/2006/main" showMasterSp="0" type="tx">
+<p:sldLayout xmlns:a="http://schemas.openxmlformats.org/drawingml/2006/main" xmlns:r="http://schemas.openxmlformats.org/officeDocument/2006/relationships" xmlns:p="http://schemas.openxmlformats.org/presentationml/2006/main" xmlns:m="http://schemas.openxmlformats.org/officeDocument/2006/math" xmlns:a14="http://schemas.microsoft.com/office/drawing/2010/main" type="tx" showMasterSp="0" showMasterPhAnim="1">
   <p:cSld name="Zwei Inhalte">
     <p:spTree>
       <p:nvGrpSpPr>
@@ -1359,9 +1292,7 @@
       <p:sp>
         <p:nvSpPr>
           <p:cNvPr id="42" name="Title Text"/>
-          <p:cNvSpPr txBox="1">
-            <a:spLocks noGrp="1"/>
-          </p:cNvSpPr>
+          <p:cNvSpPr txBox="1"/>
           <p:nvPr>
             <p:ph type="title"/>
           </p:nvPr>
@@ -1375,6 +1306,7 @@
           <a:bodyPr/>
           <a:lstStyle/>
           <a:p>
+            <a:pPr/>
             <a:r>
               <a:t>Title Text</a:t>
             </a:r>
@@ -1384,9 +1316,7 @@
       <p:sp>
         <p:nvSpPr>
           <p:cNvPr id="43" name="Body Level One…"/>
-          <p:cNvSpPr txBox="1">
-            <a:spLocks noGrp="1"/>
-          </p:cNvSpPr>
+          <p:cNvSpPr txBox="1"/>
           <p:nvPr>
             <p:ph type="body" sz="half" idx="1"/>
           </p:nvPr>
@@ -1404,6 +1334,7 @@
           <a:bodyPr/>
           <a:lstStyle/>
           <a:p>
+            <a:pPr/>
             <a:r>
               <a:t>Body Level One</a:t>
             </a:r>
@@ -1437,9 +1368,7 @@
       <p:sp>
         <p:nvSpPr>
           <p:cNvPr id="44" name="Slide Number"/>
-          <p:cNvSpPr txBox="1">
-            <a:spLocks noGrp="1"/>
-          </p:cNvSpPr>
+          <p:cNvSpPr txBox="1"/>
           <p:nvPr>
             <p:ph type="sldNum" sz="quarter" idx="2"/>
           </p:nvPr>
@@ -1453,10 +1382,8 @@
           <a:bodyPr/>
           <a:lstStyle/>
           <a:p>
-            <a:fld id="{86CB4B4D-7CA3-9044-876B-883B54F8677D}" type="slidenum">
-              <a:t>‹Nr.›</a:t>
-            </a:fld>
-            <a:endParaRPr/>
+            <a:pPr/>
+            <a:fld id="{86CB4B4D-7CA3-9044-876B-883B54F8677D}" type="slidenum"/>
           </a:p>
         </p:txBody>
       </p:sp>
@@ -1469,7 +1396,9 @@
           <p:nvPr/>
         </p:nvPicPr>
         <p:blipFill>
-          <a:blip r:embed="rId2"/>
+          <a:blip r:embed="rId2">
+            <a:extLst/>
+          </a:blip>
           <a:stretch>
             <a:fillRect/>
           </a:stretch>
@@ -1496,7 +1425,9 @@
           <p:nvPr/>
         </p:nvPicPr>
         <p:blipFill>
-          <a:blip r:embed="rId3"/>
+          <a:blip r:embed="rId3">
+            <a:extLst/>
+          </a:blip>
           <a:srcRect l="21949" t="28867" r="21951" b="29709"/>
           <a:stretch>
             <a:fillRect/>
@@ -1520,12 +1451,12 @@
   <p:clrMapOvr>
     <a:masterClrMapping/>
   </p:clrMapOvr>
-  <p:transition spd="med"/>
+  <p:transition xmlns:p14="http://schemas.microsoft.com/office/powerpoint/2010/main" spd="med" advClick="1"/>
 </p:sldLayout>
 </file>
 
 <file path=ppt/slideLayouts/slideLayout5.xml><?xml version="1.0" encoding="utf-8"?>
-<p:sldLayout xmlns:a="http://schemas.openxmlformats.org/drawingml/2006/main" xmlns:r="http://schemas.openxmlformats.org/officeDocument/2006/relationships" xmlns:p="http://schemas.openxmlformats.org/presentationml/2006/main" showMasterSp="0" type="tx">
+<p:sldLayout xmlns:a="http://schemas.openxmlformats.org/drawingml/2006/main" xmlns:r="http://schemas.openxmlformats.org/officeDocument/2006/relationships" xmlns:p="http://schemas.openxmlformats.org/presentationml/2006/main" xmlns:m="http://schemas.openxmlformats.org/officeDocument/2006/math" xmlns:a14="http://schemas.microsoft.com/office/drawing/2010/main" type="tx" showMasterSp="0" showMasterPhAnim="1">
   <p:cSld name="Vergleich">
     <p:spTree>
       <p:nvGrpSpPr>
@@ -1544,9 +1475,7 @@
       <p:sp>
         <p:nvSpPr>
           <p:cNvPr id="53" name="Title Text"/>
-          <p:cNvSpPr txBox="1">
-            <a:spLocks noGrp="1"/>
-          </p:cNvSpPr>
+          <p:cNvSpPr txBox="1"/>
           <p:nvPr>
             <p:ph type="title"/>
           </p:nvPr>
@@ -1564,6 +1493,7 @@
           <a:bodyPr/>
           <a:lstStyle/>
           <a:p>
+            <a:pPr/>
             <a:r>
               <a:t>Title Text</a:t>
             </a:r>
@@ -1573,9 +1503,7 @@
       <p:sp>
         <p:nvSpPr>
           <p:cNvPr id="54" name="Body Level One…"/>
-          <p:cNvSpPr txBox="1">
-            <a:spLocks noGrp="1"/>
-          </p:cNvSpPr>
+          <p:cNvSpPr txBox="1"/>
           <p:nvPr>
             <p:ph type="body" sz="quarter" idx="1"/>
           </p:nvPr>
@@ -1596,34 +1524,35 @@
               <a:buSzTx/>
               <a:buFontTx/>
               <a:buNone/>
-              <a:defRPr sz="2400" b="1"/>
+              <a:defRPr b="1" sz="2400"/>
             </a:lvl1pPr>
             <a:lvl2pPr marL="0" indent="457200">
               <a:buSzTx/>
               <a:buFontTx/>
               <a:buNone/>
-              <a:defRPr sz="2400" b="1"/>
+              <a:defRPr b="1" sz="2400"/>
             </a:lvl2pPr>
             <a:lvl3pPr marL="0" indent="914400">
               <a:buSzTx/>
               <a:buFontTx/>
               <a:buNone/>
-              <a:defRPr sz="2400" b="1"/>
+              <a:defRPr b="1" sz="2400"/>
             </a:lvl3pPr>
             <a:lvl4pPr marL="0" indent="1371600">
               <a:buSzTx/>
               <a:buFontTx/>
               <a:buNone/>
-              <a:defRPr sz="2400" b="1"/>
+              <a:defRPr b="1" sz="2400"/>
             </a:lvl4pPr>
             <a:lvl5pPr marL="0" indent="1828800">
               <a:buSzTx/>
               <a:buFontTx/>
               <a:buNone/>
-              <a:defRPr sz="2400" b="1"/>
+              <a:defRPr b="1" sz="2400"/>
             </a:lvl5pPr>
           </a:lstStyle>
           <a:p>
+            <a:pPr/>
             <a:r>
               <a:t>Body Level One</a:t>
             </a:r>
@@ -1657,9 +1586,7 @@
       <p:sp>
         <p:nvSpPr>
           <p:cNvPr id="55" name="Textplatzhalter 4"/>
-          <p:cNvSpPr>
-            <a:spLocks noGrp="1"/>
-          </p:cNvSpPr>
+          <p:cNvSpPr/>
           <p:nvPr>
             <p:ph type="body" sz="quarter" idx="13"/>
           </p:nvPr>
@@ -1681,18 +1608,15 @@
               <a:buSzTx/>
               <a:buFontTx/>
               <a:buNone/>
-              <a:defRPr sz="2400" b="1"/>
+              <a:defRPr b="1" sz="2400"/>
             </a:pPr>
-            <a:endParaRPr/>
           </a:p>
         </p:txBody>
       </p:sp>
       <p:sp>
         <p:nvSpPr>
           <p:cNvPr id="56" name="Slide Number"/>
-          <p:cNvSpPr txBox="1">
-            <a:spLocks noGrp="1"/>
-          </p:cNvSpPr>
+          <p:cNvSpPr txBox="1"/>
           <p:nvPr>
             <p:ph type="sldNum" sz="quarter" idx="2"/>
           </p:nvPr>
@@ -1706,10 +1630,8 @@
           <a:bodyPr/>
           <a:lstStyle/>
           <a:p>
-            <a:fld id="{86CB4B4D-7CA3-9044-876B-883B54F8677D}" type="slidenum">
-              <a:t>‹Nr.›</a:t>
-            </a:fld>
-            <a:endParaRPr/>
+            <a:pPr/>
+            <a:fld id="{86CB4B4D-7CA3-9044-876B-883B54F8677D}" type="slidenum"/>
           </a:p>
         </p:txBody>
       </p:sp>
@@ -1718,12 +1640,12 @@
   <p:clrMapOvr>
     <a:masterClrMapping/>
   </p:clrMapOvr>
-  <p:transition spd="med"/>
+  <p:transition xmlns:p14="http://schemas.microsoft.com/office/powerpoint/2010/main" spd="med" advClick="1"/>
 </p:sldLayout>
 </file>
 
 <file path=ppt/slideLayouts/slideLayout6.xml><?xml version="1.0" encoding="utf-8"?>
-<p:sldLayout xmlns:a="http://schemas.openxmlformats.org/drawingml/2006/main" xmlns:r="http://schemas.openxmlformats.org/officeDocument/2006/relationships" xmlns:p="http://schemas.openxmlformats.org/presentationml/2006/main" showMasterSp="0" type="tx">
+<p:sldLayout xmlns:a="http://schemas.openxmlformats.org/drawingml/2006/main" xmlns:r="http://schemas.openxmlformats.org/officeDocument/2006/relationships" xmlns:p="http://schemas.openxmlformats.org/presentationml/2006/main" xmlns:m="http://schemas.openxmlformats.org/officeDocument/2006/math" xmlns:a14="http://schemas.microsoft.com/office/drawing/2010/main" type="tx" showMasterSp="0" showMasterPhAnim="1">
   <p:cSld name="Nur Titel">
     <p:spTree>
       <p:nvGrpSpPr>
@@ -1742,9 +1664,7 @@
       <p:sp>
         <p:nvSpPr>
           <p:cNvPr id="63" name="Title Text"/>
-          <p:cNvSpPr txBox="1">
-            <a:spLocks noGrp="1"/>
-          </p:cNvSpPr>
+          <p:cNvSpPr txBox="1"/>
           <p:nvPr>
             <p:ph type="title"/>
           </p:nvPr>
@@ -1758,6 +1678,7 @@
           <a:bodyPr/>
           <a:lstStyle/>
           <a:p>
+            <a:pPr/>
             <a:r>
               <a:t>Title Text</a:t>
             </a:r>
@@ -1767,9 +1688,7 @@
       <p:sp>
         <p:nvSpPr>
           <p:cNvPr id="64" name="Slide Number"/>
-          <p:cNvSpPr txBox="1">
-            <a:spLocks noGrp="1"/>
-          </p:cNvSpPr>
+          <p:cNvSpPr txBox="1"/>
           <p:nvPr>
             <p:ph type="sldNum" sz="quarter" idx="2"/>
           </p:nvPr>
@@ -1783,10 +1702,8 @@
           <a:bodyPr/>
           <a:lstStyle/>
           <a:p>
-            <a:fld id="{86CB4B4D-7CA3-9044-876B-883B54F8677D}" type="slidenum">
-              <a:t>‹Nr.›</a:t>
-            </a:fld>
-            <a:endParaRPr/>
+            <a:pPr/>
+            <a:fld id="{86CB4B4D-7CA3-9044-876B-883B54F8677D}" type="slidenum"/>
           </a:p>
         </p:txBody>
       </p:sp>
@@ -1795,12 +1712,12 @@
   <p:clrMapOvr>
     <a:masterClrMapping/>
   </p:clrMapOvr>
-  <p:transition spd="med"/>
+  <p:transition xmlns:p14="http://schemas.microsoft.com/office/powerpoint/2010/main" spd="med" advClick="1"/>
 </p:sldLayout>
 </file>
 
 <file path=ppt/slideLayouts/slideLayout7.xml><?xml version="1.0" encoding="utf-8"?>
-<p:sldLayout xmlns:a="http://schemas.openxmlformats.org/drawingml/2006/main" xmlns:r="http://schemas.openxmlformats.org/officeDocument/2006/relationships" xmlns:p="http://schemas.openxmlformats.org/presentationml/2006/main" showMasterSp="0" type="tx">
+<p:sldLayout xmlns:a="http://schemas.openxmlformats.org/drawingml/2006/main" xmlns:r="http://schemas.openxmlformats.org/officeDocument/2006/relationships" xmlns:p="http://schemas.openxmlformats.org/presentationml/2006/main" xmlns:m="http://schemas.openxmlformats.org/officeDocument/2006/math" xmlns:a14="http://schemas.microsoft.com/office/drawing/2010/main" type="tx" showMasterSp="0" showMasterPhAnim="1">
   <p:cSld name="Leer">
     <p:spTree>
       <p:nvGrpSpPr>
@@ -1819,9 +1736,7 @@
       <p:sp>
         <p:nvSpPr>
           <p:cNvPr id="71" name="Slide Number"/>
-          <p:cNvSpPr txBox="1">
-            <a:spLocks noGrp="1"/>
-          </p:cNvSpPr>
+          <p:cNvSpPr txBox="1"/>
           <p:nvPr>
             <p:ph type="sldNum" sz="quarter" idx="2"/>
           </p:nvPr>
@@ -1835,10 +1750,8 @@
           <a:bodyPr/>
           <a:lstStyle/>
           <a:p>
-            <a:fld id="{86CB4B4D-7CA3-9044-876B-883B54F8677D}" type="slidenum">
-              <a:t>‹Nr.›</a:t>
-            </a:fld>
-            <a:endParaRPr/>
+            <a:pPr/>
+            <a:fld id="{86CB4B4D-7CA3-9044-876B-883B54F8677D}" type="slidenum"/>
           </a:p>
         </p:txBody>
       </p:sp>
@@ -1847,12 +1760,12 @@
   <p:clrMapOvr>
     <a:masterClrMapping/>
   </p:clrMapOvr>
-  <p:transition spd="med"/>
+  <p:transition xmlns:p14="http://schemas.microsoft.com/office/powerpoint/2010/main" spd="med" advClick="1"/>
 </p:sldLayout>
 </file>
 
 <file path=ppt/slideLayouts/slideLayout8.xml><?xml version="1.0" encoding="utf-8"?>
-<p:sldLayout xmlns:a="http://schemas.openxmlformats.org/drawingml/2006/main" xmlns:r="http://schemas.openxmlformats.org/officeDocument/2006/relationships" xmlns:p="http://schemas.openxmlformats.org/presentationml/2006/main" showMasterSp="0" type="tx">
+<p:sldLayout xmlns:a="http://schemas.openxmlformats.org/drawingml/2006/main" xmlns:r="http://schemas.openxmlformats.org/officeDocument/2006/relationships" xmlns:p="http://schemas.openxmlformats.org/presentationml/2006/main" xmlns:m="http://schemas.openxmlformats.org/officeDocument/2006/math" xmlns:a14="http://schemas.microsoft.com/office/drawing/2010/main" type="tx" showMasterSp="0" showMasterPhAnim="1">
   <p:cSld name="Inhalt mit Überschrift">
     <p:spTree>
       <p:nvGrpSpPr>
@@ -1871,9 +1784,7 @@
       <p:sp>
         <p:nvSpPr>
           <p:cNvPr id="78" name="Title Text"/>
-          <p:cNvSpPr txBox="1">
-            <a:spLocks noGrp="1"/>
-          </p:cNvSpPr>
+          <p:cNvSpPr txBox="1"/>
           <p:nvPr>
             <p:ph type="title"/>
           </p:nvPr>
@@ -1895,6 +1806,7 @@
             </a:lvl1pPr>
           </a:lstStyle>
           <a:p>
+            <a:pPr/>
             <a:r>
               <a:t>Title Text</a:t>
             </a:r>
@@ -1904,9 +1816,7 @@
       <p:sp>
         <p:nvSpPr>
           <p:cNvPr id="79" name="Body Level One…"/>
-          <p:cNvSpPr txBox="1">
-            <a:spLocks noGrp="1"/>
-          </p:cNvSpPr>
+          <p:cNvSpPr txBox="1"/>
           <p:nvPr>
             <p:ph type="body" sz="half" idx="1"/>
           </p:nvPr>
@@ -1940,6 +1850,7 @@
             </a:lvl5pPr>
           </a:lstStyle>
           <a:p>
+            <a:pPr/>
             <a:r>
               <a:t>Body Level One</a:t>
             </a:r>
@@ -1973,9 +1884,7 @@
       <p:sp>
         <p:nvSpPr>
           <p:cNvPr id="80" name="Textplatzhalter 3"/>
-          <p:cNvSpPr>
-            <a:spLocks noGrp="1"/>
-          </p:cNvSpPr>
+          <p:cNvSpPr/>
           <p:nvPr>
             <p:ph type="body" sz="quarter" idx="13"/>
           </p:nvPr>
@@ -1999,16 +1908,13 @@
               <a:buNone/>
               <a:defRPr sz="1600"/>
             </a:pPr>
-            <a:endParaRPr/>
           </a:p>
         </p:txBody>
       </p:sp>
       <p:sp>
         <p:nvSpPr>
           <p:cNvPr id="81" name="Slide Number"/>
-          <p:cNvSpPr txBox="1">
-            <a:spLocks noGrp="1"/>
-          </p:cNvSpPr>
+          <p:cNvSpPr txBox="1"/>
           <p:nvPr>
             <p:ph type="sldNum" sz="quarter" idx="2"/>
           </p:nvPr>
@@ -2022,10 +1928,8 @@
           <a:bodyPr/>
           <a:lstStyle/>
           <a:p>
-            <a:fld id="{86CB4B4D-7CA3-9044-876B-883B54F8677D}" type="slidenum">
-              <a:t>‹Nr.›</a:t>
-            </a:fld>
-            <a:endParaRPr/>
+            <a:pPr/>
+            <a:fld id="{86CB4B4D-7CA3-9044-876B-883B54F8677D}" type="slidenum"/>
           </a:p>
         </p:txBody>
       </p:sp>
@@ -2034,12 +1938,12 @@
   <p:clrMapOvr>
     <a:masterClrMapping/>
   </p:clrMapOvr>
-  <p:transition spd="med"/>
+  <p:transition xmlns:p14="http://schemas.microsoft.com/office/powerpoint/2010/main" spd="med" advClick="1"/>
 </p:sldLayout>
 </file>
 
 <file path=ppt/slideLayouts/slideLayout9.xml><?xml version="1.0" encoding="utf-8"?>
-<p:sldLayout xmlns:a="http://schemas.openxmlformats.org/drawingml/2006/main" xmlns:r="http://schemas.openxmlformats.org/officeDocument/2006/relationships" xmlns:p="http://schemas.openxmlformats.org/presentationml/2006/main" showMasterSp="0" type="tx">
+<p:sldLayout xmlns:a="http://schemas.openxmlformats.org/drawingml/2006/main" xmlns:r="http://schemas.openxmlformats.org/officeDocument/2006/relationships" xmlns:p="http://schemas.openxmlformats.org/presentationml/2006/main" xmlns:m="http://schemas.openxmlformats.org/officeDocument/2006/math" xmlns:a14="http://schemas.microsoft.com/office/drawing/2010/main" type="tx" showMasterSp="0" showMasterPhAnim="1">
   <p:cSld name="Bild mit Überschrift">
     <p:spTree>
       <p:nvGrpSpPr>
@@ -2058,9 +1962,7 @@
       <p:sp>
         <p:nvSpPr>
           <p:cNvPr id="88" name="Title Text"/>
-          <p:cNvSpPr txBox="1">
-            <a:spLocks noGrp="1"/>
-          </p:cNvSpPr>
+          <p:cNvSpPr txBox="1"/>
           <p:nvPr>
             <p:ph type="title"/>
           </p:nvPr>
@@ -2082,6 +1984,7 @@
             </a:lvl1pPr>
           </a:lstStyle>
           <a:p>
+            <a:pPr/>
             <a:r>
               <a:t>Title Text</a:t>
             </a:r>
@@ -2091,9 +1994,7 @@
       <p:sp>
         <p:nvSpPr>
           <p:cNvPr id="89" name="Bildplatzhalter 2"/>
-          <p:cNvSpPr>
-            <a:spLocks noGrp="1"/>
-          </p:cNvSpPr>
+          <p:cNvSpPr/>
           <p:nvPr>
             <p:ph type="pic" sz="half" idx="13"/>
           </p:nvPr>
@@ -2113,16 +2014,14 @@
           </a:bodyPr>
           <a:lstStyle/>
           <a:p>
-            <a:endParaRPr/>
+            <a:pPr/>
           </a:p>
         </p:txBody>
       </p:sp>
       <p:sp>
         <p:nvSpPr>
           <p:cNvPr id="90" name="Body Level One…"/>
-          <p:cNvSpPr txBox="1">
-            <a:spLocks noGrp="1"/>
-          </p:cNvSpPr>
+          <p:cNvSpPr txBox="1"/>
           <p:nvPr>
             <p:ph type="body" sz="quarter" idx="1"/>
           </p:nvPr>
@@ -2171,6 +2070,7 @@
             </a:lvl5pPr>
           </a:lstStyle>
           <a:p>
+            <a:pPr/>
             <a:r>
               <a:t>Body Level One</a:t>
             </a:r>
@@ -2204,9 +2104,7 @@
       <p:sp>
         <p:nvSpPr>
           <p:cNvPr id="91" name="Slide Number"/>
-          <p:cNvSpPr txBox="1">
-            <a:spLocks noGrp="1"/>
-          </p:cNvSpPr>
+          <p:cNvSpPr txBox="1"/>
           <p:nvPr>
             <p:ph type="sldNum" sz="quarter" idx="2"/>
           </p:nvPr>
@@ -2220,10 +2118,8 @@
           <a:bodyPr/>
           <a:lstStyle/>
           <a:p>
-            <a:fld id="{86CB4B4D-7CA3-9044-876B-883B54F8677D}" type="slidenum">
-              <a:t>‹Nr.›</a:t>
-            </a:fld>
-            <a:endParaRPr/>
+            <a:pPr/>
+            <a:fld id="{86CB4B4D-7CA3-9044-876B-883B54F8677D}" type="slidenum"/>
           </a:p>
         </p:txBody>
       </p:sp>
@@ -2232,19 +2128,18 @@
   <p:clrMapOvr>
     <a:masterClrMapping/>
   </p:clrMapOvr>
-  <p:transition spd="med"/>
+  <p:transition xmlns:p14="http://schemas.microsoft.com/office/powerpoint/2010/main" spd="med" advClick="1"/>
 </p:sldLayout>
 </file>
 
 <file path=ppt/slideMasters/slideMaster1.xml><?xml version="1.0" encoding="utf-8"?>
-<p:sldMaster xmlns:a="http://schemas.openxmlformats.org/drawingml/2006/main" xmlns:r="http://schemas.openxmlformats.org/officeDocument/2006/relationships" xmlns:p="http://schemas.openxmlformats.org/presentationml/2006/main">
+<p:sldMaster xmlns:a="http://schemas.openxmlformats.org/drawingml/2006/main" xmlns:r="http://schemas.openxmlformats.org/officeDocument/2006/relationships" xmlns:p="http://schemas.openxmlformats.org/presentationml/2006/main" xmlns:m="http://schemas.openxmlformats.org/officeDocument/2006/math" xmlns:a14="http://schemas.microsoft.com/office/drawing/2010/main">
   <p:cSld>
     <p:bg>
       <p:bgPr>
         <a:solidFill>
           <a:srgbClr val="FFFFFF"/>
         </a:solidFill>
-        <a:effectLst/>
       </p:bgPr>
     </p:bg>
     <p:spTree>
@@ -2264,9 +2159,7 @@
       <p:sp>
         <p:nvSpPr>
           <p:cNvPr id="2" name="Title Text"/>
-          <p:cNvSpPr txBox="1">
-            <a:spLocks noGrp="1"/>
-          </p:cNvSpPr>
+          <p:cNvSpPr txBox="1"/>
           <p:nvPr>
             <p:ph type="title"/>
           </p:nvPr>
@@ -2284,16 +2177,17 @@
           </a:ln>
           <a:extLst>
             <a:ext uri="{C572A759-6A51-4108-AA02-DFA0A04FC94B}">
-              <ma14:wrappingTextBoxFlag xmlns="" xmlns:m="http://schemas.openxmlformats.org/officeDocument/2006/math" xmlns:a14="http://schemas.microsoft.com/office/drawing/2010/main" xmlns:ma14="http://schemas.microsoft.com/office/mac/drawingml/2011/main" val="1"/>
+              <ma14:wrappingTextBoxFlag xmlns:ma14="http://schemas.microsoft.com/office/mac/drawingml/2011/main" val="1"/>
             </a:ext>
           </a:extLst>
         </p:spPr>
         <p:txBody>
           <a:bodyPr lIns="45719" rIns="45719" anchor="ctr">
-            <a:normAutofit/>
+            <a:normAutofit fontScale="100000" lnSpcReduction="0"/>
           </a:bodyPr>
           <a:lstStyle/>
           <a:p>
+            <a:pPr/>
             <a:r>
               <a:t>Title Text</a:t>
             </a:r>
@@ -2303,9 +2197,7 @@
       <p:sp>
         <p:nvSpPr>
           <p:cNvPr id="3" name="Body Level One…"/>
-          <p:cNvSpPr txBox="1">
-            <a:spLocks noGrp="1"/>
-          </p:cNvSpPr>
+          <p:cNvSpPr txBox="1"/>
           <p:nvPr>
             <p:ph type="body" idx="1"/>
           </p:nvPr>
@@ -2323,16 +2215,17 @@
           </a:ln>
           <a:extLst>
             <a:ext uri="{C572A759-6A51-4108-AA02-DFA0A04FC94B}">
-              <ma14:wrappingTextBoxFlag xmlns="" xmlns:m="http://schemas.openxmlformats.org/officeDocument/2006/math" xmlns:a14="http://schemas.microsoft.com/office/drawing/2010/main" xmlns:ma14="http://schemas.microsoft.com/office/mac/drawingml/2011/main" val="1"/>
+              <ma14:wrappingTextBoxFlag xmlns:ma14="http://schemas.microsoft.com/office/mac/drawingml/2011/main" val="1"/>
             </a:ext>
           </a:extLst>
         </p:spPr>
         <p:txBody>
           <a:bodyPr lIns="45719" rIns="45719">
-            <a:normAutofit/>
+            <a:normAutofit fontScale="100000" lnSpcReduction="0"/>
           </a:bodyPr>
           <a:lstStyle/>
           <a:p>
+            <a:pPr/>
             <a:r>
               <a:t>Body Level One</a:t>
             </a:r>
@@ -2366,9 +2259,7 @@
       <p:sp>
         <p:nvSpPr>
           <p:cNvPr id="4" name="Slide Number"/>
-          <p:cNvSpPr txBox="1">
-            <a:spLocks noGrp="1"/>
-          </p:cNvSpPr>
+          <p:cNvSpPr txBox="1"/>
           <p:nvPr>
             <p:ph type="sldNum" sz="quarter" idx="2"/>
           </p:nvPr>
@@ -2399,10 +2290,8 @@
             </a:lvl1pPr>
           </a:lstStyle>
           <a:p>
-            <a:fld id="{86CB4B4D-7CA3-9044-876B-883B54F8677D}" type="slidenum">
-              <a:t>‹Nr.›</a:t>
-            </a:fld>
-            <a:endParaRPr/>
+            <a:pPr/>
+            <a:fld id="{86CB4B4D-7CA3-9044-876B-883B54F8677D}" type="slidenum"/>
           </a:p>
         </p:txBody>
       </p:sp>
@@ -2415,7 +2304,9 @@
           <p:nvPr/>
         </p:nvPicPr>
         <p:blipFill>
-          <a:blip r:embed="rId11"/>
+          <a:blip r:embed="rId2">
+            <a:extLst/>
+          </a:blip>
           <a:stretch>
             <a:fillRect/>
           </a:stretch>
@@ -2442,7 +2333,9 @@
           <p:nvPr/>
         </p:nvPicPr>
         <p:blipFill>
-          <a:blip r:embed="rId12"/>
+          <a:blip r:embed="rId3">
+            <a:extLst/>
+          </a:blip>
           <a:stretch>
             <a:fillRect/>
           </a:stretch>
@@ -2464,17 +2357,17 @@
   </p:cSld>
   <p:clrMap bg1="lt1" tx1="dk1" bg2="lt2" tx2="dk2" accent1="accent1" accent2="accent2" accent3="accent3" accent4="accent4" accent5="accent5" accent6="accent6" hlink="hlink" folHlink="folHlink"/>
   <p:sldLayoutIdLst>
-    <p:sldLayoutId id="2147483649" r:id="rId1"/>
-    <p:sldLayoutId id="2147483650" r:id="rId2"/>
-    <p:sldLayoutId id="2147483651" r:id="rId3"/>
-    <p:sldLayoutId id="2147483652" r:id="rId4"/>
-    <p:sldLayoutId id="2147483653" r:id="rId5"/>
-    <p:sldLayoutId id="2147483654" r:id="rId6"/>
-    <p:sldLayoutId id="2147483655" r:id="rId7"/>
-    <p:sldLayoutId id="2147483656" r:id="rId8"/>
-    <p:sldLayoutId id="2147483657" r:id="rId9"/>
+    <p:sldLayoutId id="2147483649" r:id="rId4"/>
+    <p:sldLayoutId id="2147483650" r:id="rId5"/>
+    <p:sldLayoutId id="2147483651" r:id="rId6"/>
+    <p:sldLayoutId id="2147483652" r:id="rId7"/>
+    <p:sldLayoutId id="2147483653" r:id="rId8"/>
+    <p:sldLayoutId id="2147483654" r:id="rId9"/>
+    <p:sldLayoutId id="2147483655" r:id="rId10"/>
+    <p:sldLayoutId id="2147483656" r:id="rId11"/>
+    <p:sldLayoutId id="2147483657" r:id="rId12"/>
   </p:sldLayoutIdLst>
-  <p:transition spd="med"/>
+  <p:transition xmlns:p14="http://schemas.microsoft.com/office/powerpoint/2010/main" spd="med" advClick="1"/>
   <p:txStyles>
     <p:titleStyle>
       <a:lvl1pPr marL="0" marR="0" indent="0" algn="l" defTabSz="914400" rtl="0" latinLnBrk="0">
@@ -2492,7 +2385,7 @@
         <a:buFontTx/>
         <a:buNone/>
         <a:tabLst/>
-        <a:defRPr sz="4400" b="0" i="0" u="none" strike="noStrike" cap="none" spc="0" baseline="0">
+        <a:defRPr b="0" baseline="0" cap="none" i="0" spc="0" strike="noStrike" sz="4400" u="none">
           <a:solidFill>
             <a:srgbClr val="000000"/>
           </a:solidFill>
@@ -2518,7 +2411,7 @@
         <a:buFontTx/>
         <a:buNone/>
         <a:tabLst/>
-        <a:defRPr sz="4400" b="0" i="0" u="none" strike="noStrike" cap="none" spc="0" baseline="0">
+        <a:defRPr b="0" baseline="0" cap="none" i="0" spc="0" strike="noStrike" sz="4400" u="none">
           <a:solidFill>
             <a:srgbClr val="000000"/>
           </a:solidFill>
@@ -2544,7 +2437,7 @@
         <a:buFontTx/>
         <a:buNone/>
         <a:tabLst/>
-        <a:defRPr sz="4400" b="0" i="0" u="none" strike="noStrike" cap="none" spc="0" baseline="0">
+        <a:defRPr b="0" baseline="0" cap="none" i="0" spc="0" strike="noStrike" sz="4400" u="none">
           <a:solidFill>
             <a:srgbClr val="000000"/>
           </a:solidFill>
@@ -2570,7 +2463,7 @@
         <a:buFontTx/>
         <a:buNone/>
         <a:tabLst/>
-        <a:defRPr sz="4400" b="0" i="0" u="none" strike="noStrike" cap="none" spc="0" baseline="0">
+        <a:defRPr b="0" baseline="0" cap="none" i="0" spc="0" strike="noStrike" sz="4400" u="none">
           <a:solidFill>
             <a:srgbClr val="000000"/>
           </a:solidFill>
@@ -2596,7 +2489,7 @@
         <a:buFontTx/>
         <a:buNone/>
         <a:tabLst/>
-        <a:defRPr sz="4400" b="0" i="0" u="none" strike="noStrike" cap="none" spc="0" baseline="0">
+        <a:defRPr b="0" baseline="0" cap="none" i="0" spc="0" strike="noStrike" sz="4400" u="none">
           <a:solidFill>
             <a:srgbClr val="000000"/>
           </a:solidFill>
@@ -2622,7 +2515,7 @@
         <a:buFontTx/>
         <a:buNone/>
         <a:tabLst/>
-        <a:defRPr sz="4400" b="0" i="0" u="none" strike="noStrike" cap="none" spc="0" baseline="0">
+        <a:defRPr b="0" baseline="0" cap="none" i="0" spc="0" strike="noStrike" sz="4400" u="none">
           <a:solidFill>
             <a:srgbClr val="000000"/>
           </a:solidFill>
@@ -2648,7 +2541,7 @@
         <a:buFontTx/>
         <a:buNone/>
         <a:tabLst/>
-        <a:defRPr sz="4400" b="0" i="0" u="none" strike="noStrike" cap="none" spc="0" baseline="0">
+        <a:defRPr b="0" baseline="0" cap="none" i="0" spc="0" strike="noStrike" sz="4400" u="none">
           <a:solidFill>
             <a:srgbClr val="000000"/>
           </a:solidFill>
@@ -2674,7 +2567,7 @@
         <a:buFontTx/>
         <a:buNone/>
         <a:tabLst/>
-        <a:defRPr sz="4400" b="0" i="0" u="none" strike="noStrike" cap="none" spc="0" baseline="0">
+        <a:defRPr b="0" baseline="0" cap="none" i="0" spc="0" strike="noStrike" sz="4400" u="none">
           <a:solidFill>
             <a:srgbClr val="000000"/>
           </a:solidFill>
@@ -2700,7 +2593,7 @@
         <a:buFontTx/>
         <a:buNone/>
         <a:tabLst/>
-        <a:defRPr sz="4400" b="0" i="0" u="none" strike="noStrike" cap="none" spc="0" baseline="0">
+        <a:defRPr b="0" baseline="0" cap="none" i="0" spc="0" strike="noStrike" sz="4400" u="none">
           <a:solidFill>
             <a:srgbClr val="000000"/>
           </a:solidFill>
@@ -2728,7 +2621,7 @@
         <a:buFont typeface="Arial"/>
         <a:buChar char="•"/>
         <a:tabLst/>
-        <a:defRPr sz="2800" b="0" i="0" u="none" strike="noStrike" cap="none" spc="0" baseline="0">
+        <a:defRPr b="0" baseline="0" cap="none" i="0" spc="0" strike="noStrike" sz="2800" u="none">
           <a:solidFill>
             <a:srgbClr val="000000"/>
           </a:solidFill>
@@ -2754,7 +2647,7 @@
         <a:buFont typeface="Arial"/>
         <a:buChar char="•"/>
         <a:tabLst/>
-        <a:defRPr sz="2800" b="0" i="0" u="none" strike="noStrike" cap="none" spc="0" baseline="0">
+        <a:defRPr b="0" baseline="0" cap="none" i="0" spc="0" strike="noStrike" sz="2800" u="none">
           <a:solidFill>
             <a:srgbClr val="000000"/>
           </a:solidFill>
@@ -2780,7 +2673,7 @@
         <a:buFont typeface="Arial"/>
         <a:buChar char="•"/>
         <a:tabLst/>
-        <a:defRPr sz="2800" b="0" i="0" u="none" strike="noStrike" cap="none" spc="0" baseline="0">
+        <a:defRPr b="0" baseline="0" cap="none" i="0" spc="0" strike="noStrike" sz="2800" u="none">
           <a:solidFill>
             <a:srgbClr val="000000"/>
           </a:solidFill>
@@ -2806,7 +2699,7 @@
         <a:buFont typeface="Arial"/>
         <a:buChar char="•"/>
         <a:tabLst/>
-        <a:defRPr sz="2800" b="0" i="0" u="none" strike="noStrike" cap="none" spc="0" baseline="0">
+        <a:defRPr b="0" baseline="0" cap="none" i="0" spc="0" strike="noStrike" sz="2800" u="none">
           <a:solidFill>
             <a:srgbClr val="000000"/>
           </a:solidFill>
@@ -2832,7 +2725,7 @@
         <a:buFont typeface="Arial"/>
         <a:buChar char="•"/>
         <a:tabLst/>
-        <a:defRPr sz="2800" b="0" i="0" u="none" strike="noStrike" cap="none" spc="0" baseline="0">
+        <a:defRPr b="0" baseline="0" cap="none" i="0" spc="0" strike="noStrike" sz="2800" u="none">
           <a:solidFill>
             <a:srgbClr val="000000"/>
           </a:solidFill>
@@ -2858,7 +2751,7 @@
         <a:buFont typeface="Arial"/>
         <a:buChar char="•"/>
         <a:tabLst/>
-        <a:defRPr sz="2800" b="0" i="0" u="none" strike="noStrike" cap="none" spc="0" baseline="0">
+        <a:defRPr b="0" baseline="0" cap="none" i="0" spc="0" strike="noStrike" sz="2800" u="none">
           <a:solidFill>
             <a:srgbClr val="000000"/>
           </a:solidFill>
@@ -2884,7 +2777,7 @@
         <a:buFont typeface="Arial"/>
         <a:buChar char="•"/>
         <a:tabLst/>
-        <a:defRPr sz="2800" b="0" i="0" u="none" strike="noStrike" cap="none" spc="0" baseline="0">
+        <a:defRPr b="0" baseline="0" cap="none" i="0" spc="0" strike="noStrike" sz="2800" u="none">
           <a:solidFill>
             <a:srgbClr val="000000"/>
           </a:solidFill>
@@ -2910,7 +2803,7 @@
         <a:buFont typeface="Arial"/>
         <a:buChar char="•"/>
         <a:tabLst/>
-        <a:defRPr sz="2800" b="0" i="0" u="none" strike="noStrike" cap="none" spc="0" baseline="0">
+        <a:defRPr b="0" baseline="0" cap="none" i="0" spc="0" strike="noStrike" sz="2800" u="none">
           <a:solidFill>
             <a:srgbClr val="000000"/>
           </a:solidFill>
@@ -2936,7 +2829,7 @@
         <a:buFont typeface="Arial"/>
         <a:buChar char="•"/>
         <a:tabLst/>
-        <a:defRPr sz="2800" b="0" i="0" u="none" strike="noStrike" cap="none" spc="0" baseline="0">
+        <a:defRPr b="0" baseline="0" cap="none" i="0" spc="0" strike="noStrike" sz="2800" u="none">
           <a:solidFill>
             <a:srgbClr val="000000"/>
           </a:solidFill>
@@ -2964,7 +2857,7 @@
         <a:buFontTx/>
         <a:buNone/>
         <a:tabLst/>
-        <a:defRPr sz="1200" b="0" i="0" u="none" strike="noStrike" cap="none" spc="0" baseline="0">
+        <a:defRPr b="0" baseline="0" cap="none" i="0" spc="0" strike="noStrike" sz="1200" u="none">
           <a:solidFill>
             <a:schemeClr val="tx1"/>
           </a:solidFill>
@@ -2990,7 +2883,7 @@
         <a:buFontTx/>
         <a:buNone/>
         <a:tabLst/>
-        <a:defRPr sz="1200" b="0" i="0" u="none" strike="noStrike" cap="none" spc="0" baseline="0">
+        <a:defRPr b="0" baseline="0" cap="none" i="0" spc="0" strike="noStrike" sz="1200" u="none">
           <a:solidFill>
             <a:schemeClr val="tx1"/>
           </a:solidFill>
@@ -3016,7 +2909,7 @@
         <a:buFontTx/>
         <a:buNone/>
         <a:tabLst/>
-        <a:defRPr sz="1200" b="0" i="0" u="none" strike="noStrike" cap="none" spc="0" baseline="0">
+        <a:defRPr b="0" baseline="0" cap="none" i="0" spc="0" strike="noStrike" sz="1200" u="none">
           <a:solidFill>
             <a:schemeClr val="tx1"/>
           </a:solidFill>
@@ -3042,7 +2935,7 @@
         <a:buFontTx/>
         <a:buNone/>
         <a:tabLst/>
-        <a:defRPr sz="1200" b="0" i="0" u="none" strike="noStrike" cap="none" spc="0" baseline="0">
+        <a:defRPr b="0" baseline="0" cap="none" i="0" spc="0" strike="noStrike" sz="1200" u="none">
           <a:solidFill>
             <a:schemeClr val="tx1"/>
           </a:solidFill>
@@ -3068,7 +2961,7 @@
         <a:buFontTx/>
         <a:buNone/>
         <a:tabLst/>
-        <a:defRPr sz="1200" b="0" i="0" u="none" strike="noStrike" cap="none" spc="0" baseline="0">
+        <a:defRPr b="0" baseline="0" cap="none" i="0" spc="0" strike="noStrike" sz="1200" u="none">
           <a:solidFill>
             <a:schemeClr val="tx1"/>
           </a:solidFill>
@@ -3094,7 +2987,7 @@
         <a:buFontTx/>
         <a:buNone/>
         <a:tabLst/>
-        <a:defRPr sz="1200" b="0" i="0" u="none" strike="noStrike" cap="none" spc="0" baseline="0">
+        <a:defRPr b="0" baseline="0" cap="none" i="0" spc="0" strike="noStrike" sz="1200" u="none">
           <a:solidFill>
             <a:schemeClr val="tx1"/>
           </a:solidFill>
@@ -3120,7 +3013,7 @@
         <a:buFontTx/>
         <a:buNone/>
         <a:tabLst/>
-        <a:defRPr sz="1200" b="0" i="0" u="none" strike="noStrike" cap="none" spc="0" baseline="0">
+        <a:defRPr b="0" baseline="0" cap="none" i="0" spc="0" strike="noStrike" sz="1200" u="none">
           <a:solidFill>
             <a:schemeClr val="tx1"/>
           </a:solidFill>
@@ -3146,7 +3039,7 @@
         <a:buFontTx/>
         <a:buNone/>
         <a:tabLst/>
-        <a:defRPr sz="1200" b="0" i="0" u="none" strike="noStrike" cap="none" spc="0" baseline="0">
+        <a:defRPr b="0" baseline="0" cap="none" i="0" spc="0" strike="noStrike" sz="1200" u="none">
           <a:solidFill>
             <a:schemeClr val="tx1"/>
           </a:solidFill>
@@ -3172,7 +3065,7 @@
         <a:buFontTx/>
         <a:buNone/>
         <a:tabLst/>
-        <a:defRPr sz="1200" b="0" i="0" u="none" strike="noStrike" cap="none" spc="0" baseline="0">
+        <a:defRPr b="0" baseline="0" cap="none" i="0" spc="0" strike="noStrike" sz="1200" u="none">
           <a:solidFill>
             <a:schemeClr val="tx1"/>
           </a:solidFill>
@@ -3189,7 +3082,7 @@
 </file>
 
 <file path=ppt/slides/slide1.xml><?xml version="1.0" encoding="utf-8"?>
-<p:sld xmlns:a="http://schemas.openxmlformats.org/drawingml/2006/main" xmlns:r="http://schemas.openxmlformats.org/officeDocument/2006/relationships" xmlns:p="http://schemas.openxmlformats.org/presentationml/2006/main">
+<p:sld xmlns:a="http://schemas.openxmlformats.org/drawingml/2006/main" xmlns:r="http://schemas.openxmlformats.org/officeDocument/2006/relationships" xmlns:p="http://schemas.openxmlformats.org/presentationml/2006/main" xmlns:m="http://schemas.openxmlformats.org/officeDocument/2006/math" xmlns:a14="http://schemas.microsoft.com/office/drawing/2010/main" showMasterSp="1" showMasterPhAnim="1">
   <p:cSld>
     <p:spTree>
       <p:nvGrpSpPr>
@@ -3208,9 +3101,7 @@
       <p:sp>
         <p:nvSpPr>
           <p:cNvPr id="100" name="Titel 1"/>
-          <p:cNvSpPr txBox="1">
-            <a:spLocks noGrp="1"/>
-          </p:cNvSpPr>
+          <p:cNvSpPr txBox="1"/>
           <p:nvPr>
             <p:ph type="ctrTitle"/>
           </p:nvPr>
@@ -3228,6 +3119,7 @@
             </a:lvl1pPr>
           </a:lstStyle>
           <a:p>
+            <a:pPr/>
             <a:r>
               <a:t>BLOSUM scores compared to single SNAP scores</a:t>
             </a:r>
@@ -3237,9 +3129,7 @@
       <p:sp>
         <p:nvSpPr>
           <p:cNvPr id="101" name="Untertitel 2"/>
-          <p:cNvSpPr txBox="1">
-            <a:spLocks noGrp="1"/>
-          </p:cNvSpPr>
+          <p:cNvSpPr txBox="1"/>
           <p:nvPr>
             <p:ph type="subTitle" sz="quarter" idx="1"/>
           </p:nvPr>
@@ -3257,8 +3147,12 @@
           <a:bodyPr/>
           <a:lstStyle/>
           <a:p>
-            <a:r>
-              <a:t>Thomas Eska, Paul Hager, Thomas Heinzinger</a:t>
+            <a:pPr/>
+            <a:r>
+              <a:t>Thomas Eska, Paul Hager, Thomas </a:t>
+            </a:r>
+            <a:r>
+              <a:t>Heinzinger</a:t>
             </a:r>
           </a:p>
         </p:txBody>
@@ -3266,9 +3160,7 @@
       <p:sp>
         <p:nvSpPr>
           <p:cNvPr id="102" name="Foliennummernplatzhalter 3"/>
-          <p:cNvSpPr txBox="1">
-            <a:spLocks noGrp="1"/>
-          </p:cNvSpPr>
+          <p:cNvSpPr txBox="1"/>
           <p:nvPr>
             <p:ph type="sldNum" sz="quarter" idx="2"/>
           </p:nvPr>
@@ -3283,7 +3175,7 @@
           </a:prstGeom>
           <a:extLst>
             <a:ext uri="{C572A759-6A51-4108-AA02-DFA0A04FC94B}">
-              <ma14:wrappingTextBoxFlag xmlns="" xmlns:m="http://schemas.openxmlformats.org/officeDocument/2006/math" xmlns:a14="http://schemas.microsoft.com/office/drawing/2010/main" xmlns:ma14="http://schemas.microsoft.com/office/mac/drawingml/2011/main" val="1"/>
+              <ma14:wrappingTextBoxFlag xmlns:ma14="http://schemas.microsoft.com/office/mac/drawingml/2011/main" val="1"/>
             </a:ext>
           </a:extLst>
         </p:spPr>
@@ -3291,10 +3183,8 @@
           <a:bodyPr/>
           <a:lstStyle/>
           <a:p>
-            <a:fld id="{86CB4B4D-7CA3-9044-876B-883B54F8677D}" type="slidenum">
-              <a:t>1</a:t>
-            </a:fld>
-            <a:endParaRPr/>
+            <a:pPr/>
+            <a:fld id="{86CB4B4D-7CA3-9044-876B-883B54F8677D}" type="slidenum"/>
           </a:p>
         </p:txBody>
       </p:sp>
@@ -3303,12 +3193,12 @@
   <p:clrMapOvr>
     <a:masterClrMapping/>
   </p:clrMapOvr>
-  <p:transition spd="med"/>
+  <p:transition xmlns:p14="http://schemas.microsoft.com/office/powerpoint/2010/main" spd="med" advClick="1"/>
 </p:sld>
 </file>
 
 <file path=ppt/slides/slide10.xml><?xml version="1.0" encoding="utf-8"?>
-<p:sld xmlns:a="http://schemas.openxmlformats.org/drawingml/2006/main" xmlns:r="http://schemas.openxmlformats.org/officeDocument/2006/relationships" xmlns:p="http://schemas.openxmlformats.org/presentationml/2006/main">
+<p:sld xmlns:a="http://schemas.openxmlformats.org/drawingml/2006/main" xmlns:r="http://schemas.openxmlformats.org/officeDocument/2006/relationships" xmlns:p="http://schemas.openxmlformats.org/presentationml/2006/main" xmlns:m="http://schemas.openxmlformats.org/officeDocument/2006/math" xmlns:a14="http://schemas.microsoft.com/office/drawing/2010/main" showMasterSp="1" showMasterPhAnim="1">
   <p:cSld>
     <p:spTree>
       <p:nvGrpSpPr>
@@ -3327,9 +3217,7 @@
       <p:sp>
         <p:nvSpPr>
           <p:cNvPr id="147" name="Titel 1"/>
-          <p:cNvSpPr txBox="1">
-            <a:spLocks noGrp="1"/>
-          </p:cNvSpPr>
+          <p:cNvSpPr txBox="1"/>
           <p:nvPr>
             <p:ph type="title"/>
           </p:nvPr>
@@ -3349,6 +3237,7 @@
             <a:lvl1pPr algn="ctr"/>
           </a:lstStyle>
           <a:p>
+            <a:pPr/>
             <a:r>
               <a:t>Feature: Raw Scores</a:t>
             </a:r>
@@ -3358,9 +3247,7 @@
       <p:sp>
         <p:nvSpPr>
           <p:cNvPr id="148" name="Inhaltsplatzhalter 2"/>
-          <p:cNvSpPr txBox="1">
-            <a:spLocks noGrp="1"/>
-          </p:cNvSpPr>
+          <p:cNvSpPr txBox="1"/>
           <p:nvPr>
             <p:ph type="body" idx="1"/>
           </p:nvPr>
@@ -3378,15 +3265,16 @@
           <a:bodyPr/>
           <a:lstStyle/>
           <a:p>
+            <a:pPr/>
             <a:r>
               <a:t>Solution: input raw scores</a:t>
             </a:r>
           </a:p>
           <a:p>
-            <a:endParaRPr/>
-          </a:p>
-          <a:p>
-            <a:endParaRPr/>
+            <a:pPr/>
+          </a:p>
+          <a:p>
+            <a:pPr/>
           </a:p>
           <a:p>
             <a:pPr marL="0" indent="0">
@@ -3402,9 +3290,7 @@
       <p:sp>
         <p:nvSpPr>
           <p:cNvPr id="149" name="Foliennummernplatzhalter 3"/>
-          <p:cNvSpPr txBox="1">
-            <a:spLocks noGrp="1"/>
-          </p:cNvSpPr>
+          <p:cNvSpPr txBox="1"/>
           <p:nvPr>
             <p:ph type="sldNum" sz="quarter" idx="2"/>
           </p:nvPr>
@@ -3419,7 +3305,7 @@
           </a:prstGeom>
           <a:extLst>
             <a:ext uri="{C572A759-6A51-4108-AA02-DFA0A04FC94B}">
-              <ma14:wrappingTextBoxFlag xmlns="" xmlns:m="http://schemas.openxmlformats.org/officeDocument/2006/math" xmlns:a14="http://schemas.microsoft.com/office/drawing/2010/main" xmlns:ma14="http://schemas.microsoft.com/office/mac/drawingml/2011/main" val="1"/>
+              <ma14:wrappingTextBoxFlag xmlns:ma14="http://schemas.microsoft.com/office/mac/drawingml/2011/main" val="1"/>
             </a:ext>
           </a:extLst>
         </p:spPr>
@@ -3427,10 +3313,8 @@
           <a:bodyPr/>
           <a:lstStyle/>
           <a:p>
-            <a:fld id="{86CB4B4D-7CA3-9044-876B-883B54F8677D}" type="slidenum">
-              <a:t>10</a:t>
-            </a:fld>
-            <a:endParaRPr/>
+            <a:pPr/>
+            <a:fld id="{86CB4B4D-7CA3-9044-876B-883B54F8677D}" type="slidenum"/>
           </a:p>
         </p:txBody>
       </p:sp>
@@ -3439,12 +3323,12 @@
   <p:clrMapOvr>
     <a:masterClrMapping/>
   </p:clrMapOvr>
-  <p:transition spd="med"/>
+  <p:transition xmlns:p14="http://schemas.microsoft.com/office/powerpoint/2010/main" spd="med" advClick="1"/>
 </p:sld>
 </file>
 
 <file path=ppt/slides/slide11.xml><?xml version="1.0" encoding="utf-8"?>
-<p:sld xmlns:a="http://schemas.openxmlformats.org/drawingml/2006/main" xmlns:r="http://schemas.openxmlformats.org/officeDocument/2006/relationships" xmlns:p="http://schemas.openxmlformats.org/presentationml/2006/main">
+<p:sld xmlns:a="http://schemas.openxmlformats.org/drawingml/2006/main" xmlns:r="http://schemas.openxmlformats.org/officeDocument/2006/relationships" xmlns:p="http://schemas.openxmlformats.org/presentationml/2006/main" xmlns:m="http://schemas.openxmlformats.org/officeDocument/2006/math" xmlns:a14="http://schemas.microsoft.com/office/drawing/2010/main" showMasterSp="1" showMasterPhAnim="1">
   <p:cSld>
     <p:spTree>
       <p:nvGrpSpPr>
@@ -3463,9 +3347,7 @@
       <p:sp>
         <p:nvSpPr>
           <p:cNvPr id="151" name="Titel 1"/>
-          <p:cNvSpPr txBox="1">
-            <a:spLocks noGrp="1"/>
-          </p:cNvSpPr>
+          <p:cNvSpPr txBox="1"/>
           <p:nvPr>
             <p:ph type="title"/>
           </p:nvPr>
@@ -3485,7 +3367,10 @@
           <a:p>
             <a:pPr algn="ctr"/>
             <a:r>
-              <a:t>Feature: Scaled Values</a:t>
+              <a:t>Feature</a:t>
+            </a:r>
+            <a:r>
+              <a:t>: Scaled Values</a:t>
             </a:r>
           </a:p>
         </p:txBody>
@@ -3493,9 +3378,7 @@
       <p:sp>
         <p:nvSpPr>
           <p:cNvPr id="152" name="Inhaltsplatzhalter 2"/>
-          <p:cNvSpPr txBox="1">
-            <a:spLocks noGrp="1"/>
-          </p:cNvSpPr>
+          <p:cNvSpPr txBox="1"/>
           <p:nvPr>
             <p:ph type="body" idx="1"/>
           </p:nvPr>
@@ -3513,6 +3396,7 @@
           <a:bodyPr/>
           <a:lstStyle/>
           <a:p>
+            <a:pPr/>
             <a:r>
               <a:t>BLOSUM scores are very small compared to SNAP scores</a:t>
             </a:r>
@@ -3522,14 +3406,12 @@
               <a:buSzTx/>
               <a:buNone/>
             </a:pPr>
-            <a:endParaRPr/>
           </a:p>
           <a:p>
             <a:pPr marL="0" indent="0">
               <a:buSzTx/>
               <a:buNone/>
             </a:pPr>
-            <a:endParaRPr/>
           </a:p>
           <a:p>
             <a:pPr marL="0" indent="0">
@@ -3545,9 +3427,7 @@
       <p:sp>
         <p:nvSpPr>
           <p:cNvPr id="153" name="Foliennummernplatzhalter 3"/>
-          <p:cNvSpPr txBox="1">
-            <a:spLocks noGrp="1"/>
-          </p:cNvSpPr>
+          <p:cNvSpPr txBox="1"/>
           <p:nvPr>
             <p:ph type="sldNum" sz="quarter" idx="2"/>
           </p:nvPr>
@@ -3562,7 +3442,7 @@
           </a:prstGeom>
           <a:extLst>
             <a:ext uri="{C572A759-6A51-4108-AA02-DFA0A04FC94B}">
-              <ma14:wrappingTextBoxFlag xmlns="" xmlns:m="http://schemas.openxmlformats.org/officeDocument/2006/math" xmlns:a14="http://schemas.microsoft.com/office/drawing/2010/main" xmlns:ma14="http://schemas.microsoft.com/office/mac/drawingml/2011/main" val="1"/>
+              <ma14:wrappingTextBoxFlag xmlns:ma14="http://schemas.microsoft.com/office/mac/drawingml/2011/main" val="1"/>
             </a:ext>
           </a:extLst>
         </p:spPr>
@@ -3570,10 +3450,8 @@
           <a:bodyPr/>
           <a:lstStyle/>
           <a:p>
-            <a:fld id="{86CB4B4D-7CA3-9044-876B-883B54F8677D}" type="slidenum">
-              <a:t>11</a:t>
-            </a:fld>
-            <a:endParaRPr/>
+            <a:pPr/>
+            <a:fld id="{86CB4B4D-7CA3-9044-876B-883B54F8677D}" type="slidenum"/>
           </a:p>
         </p:txBody>
       </p:sp>
@@ -3582,12 +3460,12 @@
   <p:clrMapOvr>
     <a:masterClrMapping/>
   </p:clrMapOvr>
-  <p:transition spd="med"/>
+  <p:transition xmlns:p14="http://schemas.microsoft.com/office/powerpoint/2010/main" spd="med" advClick="1"/>
 </p:sld>
 </file>
 
 <file path=ppt/slides/slide12.xml><?xml version="1.0" encoding="utf-8"?>
-<p:sld xmlns:a="http://schemas.openxmlformats.org/drawingml/2006/main" xmlns:r="http://schemas.openxmlformats.org/officeDocument/2006/relationships" xmlns:p="http://schemas.openxmlformats.org/presentationml/2006/main">
+<p:sld xmlns:a="http://schemas.openxmlformats.org/drawingml/2006/main" xmlns:r="http://schemas.openxmlformats.org/officeDocument/2006/relationships" xmlns:p="http://schemas.openxmlformats.org/presentationml/2006/main" xmlns:m="http://schemas.openxmlformats.org/officeDocument/2006/math" xmlns:a14="http://schemas.microsoft.com/office/drawing/2010/main" showMasterSp="1" showMasterPhAnim="1">
   <p:cSld>
     <p:spTree>
       <p:nvGrpSpPr>
@@ -3606,9 +3484,7 @@
       <p:sp>
         <p:nvSpPr>
           <p:cNvPr id="155" name="Titel 5"/>
-          <p:cNvSpPr txBox="1">
-            <a:spLocks noGrp="1"/>
-          </p:cNvSpPr>
+          <p:cNvSpPr txBox="1"/>
           <p:nvPr>
             <p:ph type="title"/>
           </p:nvPr>
@@ -3628,6 +3504,7 @@
             <a:lvl1pPr algn="ctr"/>
           </a:lstStyle>
           <a:p>
+            <a:pPr/>
             <a:r>
               <a:t>Algorithm</a:t>
             </a:r>
@@ -3637,9 +3514,7 @@
       <p:sp>
         <p:nvSpPr>
           <p:cNvPr id="156" name="Inhaltsplatzhalter 6"/>
-          <p:cNvSpPr txBox="1">
-            <a:spLocks noGrp="1"/>
-          </p:cNvSpPr>
+          <p:cNvSpPr txBox="1"/>
           <p:nvPr>
             <p:ph type="body" idx="1"/>
           </p:nvPr>
@@ -3657,6 +3532,7 @@
           <a:bodyPr/>
           <a:lstStyle/>
           <a:p>
+            <a:pPr/>
             <a:r>
               <a:t>Single layer ANN</a:t>
             </a:r>
@@ -3666,30 +3542,33 @@
               <a:buSzTx/>
               <a:buNone/>
             </a:pPr>
-            <a:endParaRPr/>
-          </a:p>
-          <a:p>
+          </a:p>
+          <a:p>
+            <a:pPr/>
             <a:r>
               <a:t>40 input units, 1 output unit</a:t>
             </a:r>
           </a:p>
           <a:p>
+            <a:pPr/>
             <a:r>
               <a:t>20 hidden units</a:t>
             </a:r>
           </a:p>
           <a:p>
-            <a:endParaRPr/>
-          </a:p>
-          <a:p>
+            <a:pPr/>
+          </a:p>
+          <a:p>
+            <a:pPr/>
             <a:r>
               <a:t>Weighted loss</a:t>
             </a:r>
           </a:p>
           <a:p>
-            <a:endParaRPr/>
-          </a:p>
-          <a:p>
+            <a:pPr/>
+          </a:p>
+          <a:p>
+            <a:pPr/>
             <a:r>
               <a:t>Binary Cross Entropy Loss </a:t>
             </a:r>
@@ -3711,9 +3590,7 @@
       <p:sp>
         <p:nvSpPr>
           <p:cNvPr id="157" name="Foliennummernplatzhalter 4"/>
-          <p:cNvSpPr txBox="1">
-            <a:spLocks noGrp="1"/>
-          </p:cNvSpPr>
+          <p:cNvSpPr txBox="1"/>
           <p:nvPr>
             <p:ph type="sldNum" sz="quarter" idx="2"/>
           </p:nvPr>
@@ -3728,7 +3605,7 @@
           </a:prstGeom>
           <a:extLst>
             <a:ext uri="{C572A759-6A51-4108-AA02-DFA0A04FC94B}">
-              <ma14:wrappingTextBoxFlag xmlns="" xmlns:m="http://schemas.openxmlformats.org/officeDocument/2006/math" xmlns:a14="http://schemas.microsoft.com/office/drawing/2010/main" xmlns:ma14="http://schemas.microsoft.com/office/mac/drawingml/2011/main" val="1"/>
+              <ma14:wrappingTextBoxFlag xmlns:ma14="http://schemas.microsoft.com/office/mac/drawingml/2011/main" val="1"/>
             </a:ext>
           </a:extLst>
         </p:spPr>
@@ -3736,10 +3613,8 @@
           <a:bodyPr/>
           <a:lstStyle/>
           <a:p>
-            <a:fld id="{86CB4B4D-7CA3-9044-876B-883B54F8677D}" type="slidenum">
-              <a:t>12</a:t>
-            </a:fld>
-            <a:endParaRPr/>
+            <a:pPr/>
+            <a:fld id="{86CB4B4D-7CA3-9044-876B-883B54F8677D}" type="slidenum"/>
           </a:p>
         </p:txBody>
       </p:sp>
@@ -3768,7 +3643,7 @@
           <a:bodyPr lIns="45719" rIns="45719" anchor="ctr"/>
           <a:lstStyle/>
           <a:p>
-            <a:endParaRPr/>
+            <a:pPr/>
           </a:p>
         </p:txBody>
       </p:sp>
@@ -3781,7 +3656,9 @@
           <p:nvPr/>
         </p:nvPicPr>
         <p:blipFill>
-          <a:blip r:embed="rId2"/>
+          <a:blip r:embed="rId2">
+            <a:extLst/>
+          </a:blip>
           <a:stretch>
             <a:fillRect/>
           </a:stretch>
@@ -3804,12 +3681,12 @@
   <p:clrMapOvr>
     <a:masterClrMapping/>
   </p:clrMapOvr>
-  <p:transition spd="med"/>
+  <p:transition xmlns:p14="http://schemas.microsoft.com/office/powerpoint/2010/main" spd="med" advClick="1"/>
 </p:sld>
 </file>
 
 <file path=ppt/slides/slide13.xml><?xml version="1.0" encoding="utf-8"?>
-<p:sld xmlns:a="http://schemas.openxmlformats.org/drawingml/2006/main" xmlns:r="http://schemas.openxmlformats.org/officeDocument/2006/relationships" xmlns:p="http://schemas.openxmlformats.org/presentationml/2006/main">
+<p:sld xmlns:a="http://schemas.openxmlformats.org/drawingml/2006/main" xmlns:r="http://schemas.openxmlformats.org/officeDocument/2006/relationships" xmlns:p="http://schemas.openxmlformats.org/presentationml/2006/main" xmlns:m="http://schemas.openxmlformats.org/officeDocument/2006/math" xmlns:a14="http://schemas.microsoft.com/office/drawing/2010/main" showMasterSp="1" showMasterPhAnim="1">
   <p:cSld>
     <p:spTree>
       <p:nvGrpSpPr>
@@ -3828,9 +3705,7 @@
       <p:sp>
         <p:nvSpPr>
           <p:cNvPr id="161" name="Titel 1"/>
-          <p:cNvSpPr txBox="1">
-            <a:spLocks noGrp="1"/>
-          </p:cNvSpPr>
+          <p:cNvSpPr txBox="1"/>
           <p:nvPr>
             <p:ph type="title"/>
           </p:nvPr>
@@ -3850,6 +3725,7 @@
             <a:lvl1pPr algn="ctr"/>
           </a:lstStyle>
           <a:p>
+            <a:pPr/>
             <a:r>
               <a:t>Hyperparameter</a:t>
             </a:r>
@@ -3859,9 +3735,7 @@
       <p:sp>
         <p:nvSpPr>
           <p:cNvPr id="162" name="Inhaltsplatzhalter 2"/>
-          <p:cNvSpPr txBox="1">
-            <a:spLocks noGrp="1"/>
-          </p:cNvSpPr>
+          <p:cNvSpPr txBox="1"/>
           <p:nvPr>
             <p:ph type="body" idx="1"/>
           </p:nvPr>
@@ -3902,7 +3776,6 @@
               </a:spcBef>
               <a:defRPr sz="2375"/>
             </a:pPr>
-            <a:endParaRPr/>
           </a:p>
           <a:p>
             <a:pPr marL="217170" indent="-217170" defTabSz="868680">
@@ -3919,7 +3792,7 @@
             </a:r>
           </a:p>
           <a:p>
-            <a:pPr marL="651509" lvl="1" indent="-217170" defTabSz="868680">
+            <a:pPr lvl="1" marL="651509" indent="-217170" defTabSz="868680">
               <a:lnSpc>
                 <a:spcPct val="72000"/>
               </a:lnSpc>
@@ -3933,7 +3806,7 @@
             </a:r>
           </a:p>
           <a:p>
-            <a:pPr marL="651509" lvl="1" indent="-217170" defTabSz="868680">
+            <a:pPr lvl="1" marL="651509" indent="-217170" defTabSz="868680">
               <a:lnSpc>
                 <a:spcPct val="72000"/>
               </a:lnSpc>
@@ -3956,7 +3829,6 @@
               </a:spcBef>
               <a:defRPr sz="2375"/>
             </a:pPr>
-            <a:endParaRPr/>
           </a:p>
           <a:p>
             <a:pPr marL="217170" indent="-217170" defTabSz="868680">
@@ -3982,7 +3854,6 @@
               </a:spcBef>
               <a:defRPr sz="2375"/>
             </a:pPr>
-            <a:endParaRPr/>
           </a:p>
           <a:p>
             <a:pPr marL="217170" indent="-217170" defTabSz="868680">
@@ -4008,7 +3879,6 @@
               </a:spcBef>
               <a:defRPr sz="2375"/>
             </a:pPr>
-            <a:endParaRPr/>
           </a:p>
           <a:p>
             <a:pPr marL="217170" indent="-217170" defTabSz="868680">
@@ -4034,7 +3904,6 @@
               </a:spcBef>
               <a:defRPr sz="2375"/>
             </a:pPr>
-            <a:endParaRPr/>
           </a:p>
           <a:p>
             <a:pPr marL="217170" indent="-217170" defTabSz="868680">
@@ -4055,9 +3924,7 @@
       <p:sp>
         <p:nvSpPr>
           <p:cNvPr id="163" name="Foliennummernplatzhalter 3"/>
-          <p:cNvSpPr txBox="1">
-            <a:spLocks noGrp="1"/>
-          </p:cNvSpPr>
+          <p:cNvSpPr txBox="1"/>
           <p:nvPr>
             <p:ph type="sldNum" sz="quarter" idx="2"/>
           </p:nvPr>
@@ -4072,7 +3939,7 @@
           </a:prstGeom>
           <a:extLst>
             <a:ext uri="{C572A759-6A51-4108-AA02-DFA0A04FC94B}">
-              <ma14:wrappingTextBoxFlag xmlns="" xmlns:m="http://schemas.openxmlformats.org/officeDocument/2006/math" xmlns:a14="http://schemas.microsoft.com/office/drawing/2010/main" xmlns:ma14="http://schemas.microsoft.com/office/mac/drawingml/2011/main" val="1"/>
+              <ma14:wrappingTextBoxFlag xmlns:ma14="http://schemas.microsoft.com/office/mac/drawingml/2011/main" val="1"/>
             </a:ext>
           </a:extLst>
         </p:spPr>
@@ -4080,10 +3947,8 @@
           <a:bodyPr/>
           <a:lstStyle/>
           <a:p>
-            <a:fld id="{86CB4B4D-7CA3-9044-876B-883B54F8677D}" type="slidenum">
-              <a:t>13</a:t>
-            </a:fld>
-            <a:endParaRPr/>
+            <a:pPr/>
+            <a:fld id="{86CB4B4D-7CA3-9044-876B-883B54F8677D}" type="slidenum"/>
           </a:p>
         </p:txBody>
       </p:sp>
@@ -4096,7 +3961,9 @@
           <p:nvPr/>
         </p:nvPicPr>
         <p:blipFill>
-          <a:blip r:embed="rId2"/>
+          <a:blip r:embed="rId2">
+            <a:extLst/>
+          </a:blip>
           <a:stretch>
             <a:fillRect/>
           </a:stretch>
@@ -4119,12 +3986,12 @@
   <p:clrMapOvr>
     <a:masterClrMapping/>
   </p:clrMapOvr>
-  <p:transition spd="med"/>
+  <p:transition xmlns:p14="http://schemas.microsoft.com/office/powerpoint/2010/main" spd="med" advClick="1"/>
 </p:sld>
 </file>
 
 <file path=ppt/slides/slide14.xml><?xml version="1.0" encoding="utf-8"?>
-<p:sld xmlns:a="http://schemas.openxmlformats.org/drawingml/2006/main" xmlns:r="http://schemas.openxmlformats.org/officeDocument/2006/relationships" xmlns:p="http://schemas.openxmlformats.org/presentationml/2006/main">
+<p:sld xmlns:a="http://schemas.openxmlformats.org/drawingml/2006/main" xmlns:r="http://schemas.openxmlformats.org/officeDocument/2006/relationships" xmlns:p="http://schemas.openxmlformats.org/presentationml/2006/main" xmlns:m="http://schemas.openxmlformats.org/officeDocument/2006/math" xmlns:a14="http://schemas.microsoft.com/office/drawing/2010/main" showMasterSp="1" showMasterPhAnim="1">
   <p:cSld>
     <p:spTree>
       <p:nvGrpSpPr>
@@ -4143,9 +4010,7 @@
       <p:sp>
         <p:nvSpPr>
           <p:cNvPr id="166" name="Titel 1"/>
-          <p:cNvSpPr txBox="1">
-            <a:spLocks noGrp="1"/>
-          </p:cNvSpPr>
+          <p:cNvSpPr txBox="1"/>
           <p:nvPr>
             <p:ph type="title"/>
           </p:nvPr>
@@ -4165,6 +4030,7 @@
             <a:lvl1pPr algn="ctr"/>
           </a:lstStyle>
           <a:p>
+            <a:pPr/>
             <a:r>
               <a:t>Hyperparameter</a:t>
             </a:r>
@@ -4180,7 +4046,9 @@
           <p:nvPr/>
         </p:nvPicPr>
         <p:blipFill>
-          <a:blip r:embed="rId2"/>
+          <a:blip r:embed="rId2">
+            <a:extLst/>
+          </a:blip>
           <a:stretch>
             <a:fillRect/>
           </a:stretch>
@@ -4201,9 +4069,7 @@
       <p:sp>
         <p:nvSpPr>
           <p:cNvPr id="168" name="Foliennummernplatzhalter 3"/>
-          <p:cNvSpPr txBox="1">
-            <a:spLocks noGrp="1"/>
-          </p:cNvSpPr>
+          <p:cNvSpPr txBox="1"/>
           <p:nvPr>
             <p:ph type="sldNum" sz="quarter" idx="2"/>
           </p:nvPr>
@@ -4218,7 +4084,7 @@
           </a:prstGeom>
           <a:extLst>
             <a:ext uri="{C572A759-6A51-4108-AA02-DFA0A04FC94B}">
-              <ma14:wrappingTextBoxFlag xmlns="" xmlns:m="http://schemas.openxmlformats.org/officeDocument/2006/math" xmlns:a14="http://schemas.microsoft.com/office/drawing/2010/main" xmlns:ma14="http://schemas.microsoft.com/office/mac/drawingml/2011/main" val="1"/>
+              <ma14:wrappingTextBoxFlag xmlns:ma14="http://schemas.microsoft.com/office/mac/drawingml/2011/main" val="1"/>
             </a:ext>
           </a:extLst>
         </p:spPr>
@@ -4226,10 +4092,8 @@
           <a:bodyPr/>
           <a:lstStyle/>
           <a:p>
-            <a:fld id="{86CB4B4D-7CA3-9044-876B-883B54F8677D}" type="slidenum">
-              <a:t>14</a:t>
-            </a:fld>
-            <a:endParaRPr/>
+            <a:pPr/>
+            <a:fld id="{86CB4B4D-7CA3-9044-876B-883B54F8677D}" type="slidenum"/>
           </a:p>
         </p:txBody>
       </p:sp>
@@ -4238,12 +4102,12 @@
   <p:clrMapOvr>
     <a:masterClrMapping/>
   </p:clrMapOvr>
-  <p:transition spd="med"/>
+  <p:transition xmlns:p14="http://schemas.microsoft.com/office/powerpoint/2010/main" spd="med" advClick="1"/>
 </p:sld>
 </file>
 
 <file path=ppt/slides/slide15.xml><?xml version="1.0" encoding="utf-8"?>
-<p:sld xmlns:a="http://schemas.openxmlformats.org/drawingml/2006/main" xmlns:r="http://schemas.openxmlformats.org/officeDocument/2006/relationships" xmlns:p="http://schemas.openxmlformats.org/presentationml/2006/main">
+<p:sld xmlns:a="http://schemas.openxmlformats.org/drawingml/2006/main" xmlns:r="http://schemas.openxmlformats.org/officeDocument/2006/relationships" xmlns:p="http://schemas.openxmlformats.org/presentationml/2006/main" xmlns:m="http://schemas.openxmlformats.org/officeDocument/2006/math" xmlns:a14="http://schemas.microsoft.com/office/drawing/2010/main" showMasterSp="1" showMasterPhAnim="1">
   <p:cSld>
     <p:spTree>
       <p:nvGrpSpPr>
@@ -4262,9 +4126,7 @@
       <p:sp>
         <p:nvSpPr>
           <p:cNvPr id="170" name="Testing Different BLOSUM Matrices"/>
-          <p:cNvSpPr txBox="1">
-            <a:spLocks noGrp="1"/>
-          </p:cNvSpPr>
+          <p:cNvSpPr txBox="1"/>
           <p:nvPr>
             <p:ph type="title"/>
           </p:nvPr>
@@ -4280,6 +4142,7 @@
             <a:lvl1pPr algn="ctr"/>
           </a:lstStyle>
           <a:p>
+            <a:pPr/>
             <a:r>
               <a:t>Testing Different BLOSUM Matrices</a:t>
             </a:r>
@@ -4288,66 +4151,8 @@
       </p:sp>
       <p:sp>
         <p:nvSpPr>
-          <p:cNvPr id="171" name="No BLOSUM"/>
-          <p:cNvSpPr txBox="1">
-            <a:spLocks noGrp="1"/>
-          </p:cNvSpPr>
-          <p:nvPr>
-            <p:ph type="body" sz="quarter" idx="1"/>
-          </p:nvPr>
-        </p:nvSpPr>
-        <p:spPr>
-          <a:xfrm>
-            <a:off x="190499" y="1825625"/>
-            <a:ext cx="2694743" cy="4351338"/>
-          </a:xfrm>
-          <a:prstGeom prst="rect">
-            <a:avLst/>
-          </a:prstGeom>
-        </p:spPr>
-        <p:txBody>
-          <a:bodyPr/>
-          <a:lstStyle/>
-          <a:p>
-            <a:r>
-              <a:rPr dirty="0"/>
-              <a:t>No BLOSUM</a:t>
-            </a:r>
-            <a:endParaRPr lang="de-DE" dirty="0"/>
-          </a:p>
-          <a:p>
-            <a:r>
-              <a:rPr lang="de-DE" dirty="0"/>
-              <a:t>MCC: 20 ± 1</a:t>
-            </a:r>
-          </a:p>
-          <a:p>
-            <a:r>
-              <a:rPr lang="de-DE" dirty="0"/>
-              <a:t>F1: 27 ± 1</a:t>
-            </a:r>
-          </a:p>
-          <a:p>
-            <a:r>
-              <a:rPr lang="de-DE" dirty="0"/>
-              <a:t>Precision: 27 ± 1</a:t>
-            </a:r>
-          </a:p>
-          <a:p>
-            <a:r>
-              <a:rPr lang="de-DE" dirty="0"/>
-              <a:t>Recall: 26 ± 1</a:t>
-            </a:r>
-            <a:endParaRPr dirty="0"/>
-          </a:p>
-        </p:txBody>
-      </p:sp>
-      <p:sp>
-        <p:nvSpPr>
-          <p:cNvPr id="172" name="Slide Number"/>
-          <p:cNvSpPr txBox="1">
-            <a:spLocks noGrp="1"/>
-          </p:cNvSpPr>
+          <p:cNvPr id="171" name="Slide Number"/>
+          <p:cNvSpPr txBox="1"/>
           <p:nvPr>
             <p:ph type="sldNum" sz="quarter" idx="2"/>
           </p:nvPr>
@@ -4358,7 +4163,7 @@
           </a:prstGeom>
           <a:extLst>
             <a:ext uri="{C572A759-6A51-4108-AA02-DFA0A04FC94B}">
-              <ma14:wrappingTextBoxFlag xmlns="" xmlns:m="http://schemas.openxmlformats.org/officeDocument/2006/math" xmlns:a14="http://schemas.microsoft.com/office/drawing/2010/main" xmlns:ma14="http://schemas.microsoft.com/office/mac/drawingml/2011/main" val="1"/>
+              <ma14:wrappingTextBoxFlag xmlns:ma14="http://schemas.microsoft.com/office/mac/drawingml/2011/main" val="1"/>
             </a:ext>
           </a:extLst>
         </p:spPr>
@@ -4366,195 +4171,566 @@
           <a:bodyPr/>
           <a:lstStyle/>
           <a:p>
-            <a:fld id="{86CB4B4D-7CA3-9044-876B-883B54F8677D}" type="slidenum">
-              <a:t>15</a:t>
-            </a:fld>
-            <a:endParaRPr/>
+            <a:pPr/>
+            <a:fld id="{86CB4B4D-7CA3-9044-876B-883B54F8677D}" type="slidenum"/>
           </a:p>
         </p:txBody>
       </p:sp>
-      <p:sp>
-        <p:nvSpPr>
-          <p:cNvPr id="173" name="BLOSUM45"/>
-          <p:cNvSpPr txBox="1"/>
+      <p:graphicFrame>
+        <p:nvGraphicFramePr>
+          <p:cNvPr id="172" name="Table"/>
+          <p:cNvGraphicFramePr/>
           <p:nvPr/>
-        </p:nvSpPr>
-        <p:spPr>
-          <a:xfrm>
-            <a:off x="3111500" y="1850564"/>
-            <a:ext cx="2486621" cy="4351339"/>
-          </a:xfrm>
-          <a:prstGeom prst="rect">
-            <a:avLst/>
-          </a:prstGeom>
-          <a:ln w="12700">
-            <a:miter lim="400000"/>
-          </a:ln>
-          <a:extLst>
-            <a:ext uri="{C572A759-6A51-4108-AA02-DFA0A04FC94B}">
-              <ma14:wrappingTextBoxFlag xmlns="" xmlns:m="http://schemas.openxmlformats.org/officeDocument/2006/math" xmlns:a14="http://schemas.microsoft.com/office/drawing/2010/main" xmlns:ma14="http://schemas.microsoft.com/office/mac/drawingml/2011/main" val="1"/>
-            </a:ext>
-          </a:extLst>
-        </p:spPr>
-        <p:txBody>
-          <a:bodyPr lIns="45719" rIns="45719">
-            <a:normAutofit/>
-          </a:bodyPr>
-          <a:lstStyle>
-            <a:lvl1pPr marL="228600" indent="-228600">
-              <a:lnSpc>
-                <a:spcPct val="90000"/>
-              </a:lnSpc>
-              <a:spcBef>
-                <a:spcPts val="1000"/>
-              </a:spcBef>
-              <a:buSzPct val="100000"/>
-              <a:buFont typeface="Arial"/>
-              <a:buChar char="•"/>
-              <a:defRPr sz="2800"/>
-            </a:lvl1pPr>
-          </a:lstStyle>
-          <a:p>
-            <a:r>
-              <a:rPr dirty="0"/>
-              <a:t>BLOSUM45</a:t>
-            </a:r>
-          </a:p>
-        </p:txBody>
-      </p:sp>
-      <p:sp>
-        <p:nvSpPr>
-          <p:cNvPr id="174" name="BLOSUM62"/>
-          <p:cNvSpPr txBox="1"/>
-          <p:nvPr/>
-        </p:nvSpPr>
-        <p:spPr>
-          <a:xfrm>
-            <a:off x="6388100" y="1850564"/>
-            <a:ext cx="2486621" cy="4351339"/>
-          </a:xfrm>
-          <a:prstGeom prst="rect">
-            <a:avLst/>
-          </a:prstGeom>
-          <a:ln w="12700">
-            <a:miter lim="400000"/>
-          </a:ln>
-          <a:extLst>
-            <a:ext uri="{C572A759-6A51-4108-AA02-DFA0A04FC94B}">
-              <ma14:wrappingTextBoxFlag xmlns="" xmlns:m="http://schemas.openxmlformats.org/officeDocument/2006/math" xmlns:a14="http://schemas.microsoft.com/office/drawing/2010/main" xmlns:ma14="http://schemas.microsoft.com/office/mac/drawingml/2011/main" val="1"/>
-            </a:ext>
-          </a:extLst>
-        </p:spPr>
-        <p:txBody>
-          <a:bodyPr lIns="45719" rIns="45719">
-            <a:normAutofit/>
-          </a:bodyPr>
-          <a:lstStyle>
-            <a:lvl1pPr marL="228600" indent="-228600">
-              <a:lnSpc>
-                <a:spcPct val="90000"/>
-              </a:lnSpc>
-              <a:spcBef>
-                <a:spcPts val="1000"/>
-              </a:spcBef>
-              <a:buSzPct val="100000"/>
-              <a:buFont typeface="Arial"/>
-              <a:buChar char="•"/>
-              <a:defRPr sz="2800"/>
-            </a:lvl1pPr>
-          </a:lstStyle>
-          <a:p>
-            <a:r>
-              <a:rPr dirty="0"/>
-              <a:t>BLOSUM62</a:t>
-            </a:r>
-            <a:endParaRPr lang="de-DE" dirty="0"/>
-          </a:p>
-          <a:p>
-            <a:r>
-              <a:rPr lang="en-US" dirty="0"/>
-              <a:t>MCC: 19% ± 1% </a:t>
-            </a:r>
-          </a:p>
-          <a:p>
-            <a:r>
-              <a:rPr lang="en-US" dirty="0"/>
-              <a:t>F1-score: 19% ± 1%</a:t>
-            </a:r>
-          </a:p>
-          <a:p>
-            <a:r>
-              <a:rPr lang="en-US" dirty="0"/>
-              <a:t>Precision: 40% ± 2%</a:t>
-            </a:r>
-          </a:p>
-          <a:p>
-            <a:r>
-              <a:rPr lang="en-US" dirty="0"/>
-              <a:t>Recall: 13.4% ± 0.7%</a:t>
-            </a:r>
-          </a:p>
-        </p:txBody>
-      </p:sp>
-      <p:sp>
-        <p:nvSpPr>
-          <p:cNvPr id="175" name="BLOSUM80"/>
-          <p:cNvSpPr txBox="1"/>
-          <p:nvPr/>
-        </p:nvSpPr>
-        <p:spPr>
-          <a:xfrm>
-            <a:off x="9461500" y="1871821"/>
-            <a:ext cx="2486621" cy="4351339"/>
-          </a:xfrm>
-          <a:prstGeom prst="rect">
-            <a:avLst/>
-          </a:prstGeom>
-          <a:ln w="12700">
-            <a:miter lim="400000"/>
-          </a:ln>
-          <a:extLst>
-            <a:ext uri="{C572A759-6A51-4108-AA02-DFA0A04FC94B}">
-              <ma14:wrappingTextBoxFlag xmlns="" xmlns:m="http://schemas.openxmlformats.org/officeDocument/2006/math" xmlns:a14="http://schemas.microsoft.com/office/drawing/2010/main" xmlns:ma14="http://schemas.microsoft.com/office/mac/drawingml/2011/main" val="1"/>
-            </a:ext>
-          </a:extLst>
-        </p:spPr>
-        <p:txBody>
-          <a:bodyPr lIns="45719" rIns="45719">
-            <a:normAutofit/>
-          </a:bodyPr>
-          <a:lstStyle>
-            <a:lvl1pPr marL="228600" indent="-228600">
-              <a:lnSpc>
-                <a:spcPct val="90000"/>
-              </a:lnSpc>
-              <a:spcBef>
-                <a:spcPts val="1000"/>
-              </a:spcBef>
-              <a:buSzPct val="100000"/>
-              <a:buFont typeface="Arial"/>
-              <a:buChar char="•"/>
-              <a:defRPr sz="2800"/>
-            </a:lvl1pPr>
-          </a:lstStyle>
-          <a:p>
-            <a:r>
-              <a:t>BLOSUM80</a:t>
-            </a:r>
-          </a:p>
-        </p:txBody>
-      </p:sp>
+        </p:nvGraphicFramePr>
+        <p:xfrm>
+          <a:off x="838199" y="2125877"/>
+          <a:ext cx="10528301" cy="3813414"/>
+        </p:xfrm>
+        <a:graphic xmlns:a="http://schemas.openxmlformats.org/drawingml/2006/main">
+          <a:graphicData uri="http://schemas.openxmlformats.org/drawingml/2006/table">
+            <a:tbl>
+              <a:tblPr firstCol="1" firstRow="1" lastCol="0" lastRow="0" bandCol="0" bandRow="1" rtl="0">
+                <a:tableStyleId>{4C3C2611-4C71-4FC5-86AE-919BDF0F9419}</a:tableStyleId>
+              </a:tblPr>
+              <a:tblGrid>
+                <a:gridCol w="2103120"/>
+                <a:gridCol w="2103120"/>
+                <a:gridCol w="2103120"/>
+                <a:gridCol w="2103120"/>
+                <a:gridCol w="2103120"/>
+              </a:tblGrid>
+              <a:tr h="760142">
+                <a:tc>
+                  <a:txBody>
+                    <a:bodyPr/>
+                    <a:lstStyle/>
+                    <a:p>
+                      <a:pPr algn="l">
+                        <a:defRPr sz="1800"/>
+                      </a:pPr>
+                    </a:p>
+                  </a:txBody>
+                  <a:tcPr marL="0" marR="0" marT="0" marB="0" anchor="t" anchorCtr="0" horzOverflow="overflow">
+                    <a:solidFill>
+                      <a:schemeClr val="accent5">
+                        <a:satOff val="-19091"/>
+                        <a:lumOff val="-11921"/>
+                      </a:schemeClr>
+                    </a:solidFill>
+                  </a:tcPr>
+                </a:tc>
+                <a:tc>
+                  <a:txBody>
+                    <a:bodyPr/>
+                    <a:lstStyle/>
+                    <a:p>
+                      <a:pPr algn="ctr">
+                        <a:defRPr b="0" sz="1800">
+                          <a:solidFill>
+                            <a:srgbClr val="000000"/>
+                          </a:solidFill>
+                        </a:defRPr>
+                      </a:pPr>
+                      <a:r>
+                        <a:rPr b="1">
+                          <a:solidFill>
+                            <a:srgbClr val="FFFFFF"/>
+                          </a:solidFill>
+                        </a:rPr>
+                        <a:t>No BLOSUM</a:t>
+                      </a:r>
+                    </a:p>
+                  </a:txBody>
+                  <a:tcPr marL="0" marR="0" marT="0" marB="0" anchor="ctr" anchorCtr="0" horzOverflow="overflow">
+                    <a:solidFill>
+                      <a:schemeClr val="accent5">
+                        <a:satOff val="-19091"/>
+                        <a:lumOff val="-11921"/>
+                      </a:schemeClr>
+                    </a:solidFill>
+                  </a:tcPr>
+                </a:tc>
+                <a:tc>
+                  <a:txBody>
+                    <a:bodyPr/>
+                    <a:lstStyle/>
+                    <a:p>
+                      <a:pPr algn="ctr">
+                        <a:defRPr b="0" sz="1800">
+                          <a:solidFill>
+                            <a:srgbClr val="000000"/>
+                          </a:solidFill>
+                        </a:defRPr>
+                      </a:pPr>
+                      <a:r>
+                        <a:rPr b="1">
+                          <a:solidFill>
+                            <a:srgbClr val="FFFFFF"/>
+                          </a:solidFill>
+                        </a:rPr>
+                        <a:t>BLOSUM45</a:t>
+                      </a:r>
+                    </a:p>
+                  </a:txBody>
+                  <a:tcPr marL="0" marR="0" marT="0" marB="0" anchor="ctr" anchorCtr="0" horzOverflow="overflow">
+                    <a:solidFill>
+                      <a:schemeClr val="accent5">
+                        <a:satOff val="-19091"/>
+                        <a:lumOff val="-11921"/>
+                      </a:schemeClr>
+                    </a:solidFill>
+                  </a:tcPr>
+                </a:tc>
+                <a:tc>
+                  <a:txBody>
+                    <a:bodyPr/>
+                    <a:lstStyle/>
+                    <a:p>
+                      <a:pPr algn="ctr">
+                        <a:defRPr b="0" sz="1800">
+                          <a:solidFill>
+                            <a:srgbClr val="000000"/>
+                          </a:solidFill>
+                        </a:defRPr>
+                      </a:pPr>
+                      <a:r>
+                        <a:rPr b="1">
+                          <a:solidFill>
+                            <a:srgbClr val="FFFFFF"/>
+                          </a:solidFill>
+                        </a:rPr>
+                        <a:t>BLOSUM62</a:t>
+                      </a:r>
+                    </a:p>
+                  </a:txBody>
+                  <a:tcPr marL="0" marR="0" marT="0" marB="0" anchor="ctr" anchorCtr="0" horzOverflow="overflow">
+                    <a:solidFill>
+                      <a:schemeClr val="accent5">
+                        <a:satOff val="-19091"/>
+                        <a:lumOff val="-11921"/>
+                      </a:schemeClr>
+                    </a:solidFill>
+                  </a:tcPr>
+                </a:tc>
+                <a:tc>
+                  <a:txBody>
+                    <a:bodyPr/>
+                    <a:lstStyle/>
+                    <a:p>
+                      <a:pPr algn="ctr">
+                        <a:defRPr b="0" sz="1800">
+                          <a:solidFill>
+                            <a:srgbClr val="000000"/>
+                          </a:solidFill>
+                        </a:defRPr>
+                      </a:pPr>
+                      <a:r>
+                        <a:rPr b="1">
+                          <a:solidFill>
+                            <a:srgbClr val="FFFFFF"/>
+                          </a:solidFill>
+                        </a:rPr>
+                        <a:t>BLOSUM80</a:t>
+                      </a:r>
+                    </a:p>
+                  </a:txBody>
+                  <a:tcPr marL="0" marR="0" marT="0" marB="0" anchor="ctr" anchorCtr="0" horzOverflow="overflow">
+                    <a:solidFill>
+                      <a:schemeClr val="accent5">
+                        <a:satOff val="-19091"/>
+                        <a:lumOff val="-11921"/>
+                      </a:schemeClr>
+                    </a:solidFill>
+                  </a:tcPr>
+                </a:tc>
+              </a:tr>
+              <a:tr h="760142">
+                <a:tc>
+                  <a:txBody>
+                    <a:bodyPr/>
+                    <a:lstStyle/>
+                    <a:p>
+                      <a:pPr algn="ctr">
+                        <a:defRPr b="0" sz="1800">
+                          <a:solidFill>
+                            <a:srgbClr val="000000"/>
+                          </a:solidFill>
+                        </a:defRPr>
+                      </a:pPr>
+                      <a:r>
+                        <a:rPr b="1">
+                          <a:solidFill>
+                            <a:srgbClr val="FFFFFF"/>
+                          </a:solidFill>
+                        </a:rPr>
+                        <a:t>MCC</a:t>
+                      </a:r>
+                    </a:p>
+                  </a:txBody>
+                  <a:tcPr marL="0" marR="0" marT="0" marB="0" anchor="ctr" anchorCtr="0" horzOverflow="overflow">
+                    <a:solidFill>
+                      <a:schemeClr val="accent5">
+                        <a:satOff val="-19091"/>
+                        <a:lumOff val="-11921"/>
+                      </a:schemeClr>
+                    </a:solidFill>
+                  </a:tcPr>
+                </a:tc>
+                <a:tc>
+                  <a:txBody>
+                    <a:bodyPr/>
+                    <a:lstStyle/>
+                    <a:p>
+                      <a:pPr algn="ctr">
+                        <a:defRPr sz="1800"/>
+                      </a:pPr>
+                      <a:r>
+                        <a:t>0.20 ± 0.01</a:t>
+                      </a:r>
+                    </a:p>
+                  </a:txBody>
+                  <a:tcPr marL="0" marR="0" marT="0" marB="0" anchor="ctr" anchorCtr="0" horzOverflow="overflow"/>
+                </a:tc>
+                <a:tc>
+                  <a:txBody>
+                    <a:bodyPr/>
+                    <a:lstStyle/>
+                    <a:p>
+                      <a:pPr algn="ctr">
+                        <a:defRPr sz="1800"/>
+                      </a:pPr>
+                      <a:r>
+                        <a:t>0.206 ± 0.009</a:t>
+                      </a:r>
+                    </a:p>
+                  </a:txBody>
+                  <a:tcPr marL="0" marR="0" marT="0" marB="0" anchor="ctr" anchorCtr="0" horzOverflow="overflow"/>
+                </a:tc>
+                <a:tc>
+                  <a:txBody>
+                    <a:bodyPr/>
+                    <a:lstStyle/>
+                    <a:p>
+                      <a:pPr algn="ctr">
+                        <a:defRPr sz="1800"/>
+                      </a:pPr>
+                      <a:r>
+                        <a:t>0.197 ± 0.008</a:t>
+                      </a:r>
+                    </a:p>
+                  </a:txBody>
+                  <a:tcPr marL="0" marR="0" marT="0" marB="0" anchor="ctr" anchorCtr="0" horzOverflow="overflow"/>
+                </a:tc>
+                <a:tc>
+                  <a:txBody>
+                    <a:bodyPr/>
+                    <a:lstStyle/>
+                    <a:p>
+                      <a:pPr algn="ctr">
+                        <a:defRPr sz="1800"/>
+                      </a:pPr>
+                      <a:r>
+                        <a:t>0.197 ± 0.009</a:t>
+                      </a:r>
+                    </a:p>
+                  </a:txBody>
+                  <a:tcPr marL="0" marR="0" marT="0" marB="0" anchor="ctr" anchorCtr="0" horzOverflow="overflow"/>
+                </a:tc>
+              </a:tr>
+              <a:tr h="760142">
+                <a:tc>
+                  <a:txBody>
+                    <a:bodyPr/>
+                    <a:lstStyle/>
+                    <a:p>
+                      <a:pPr algn="ctr">
+                        <a:defRPr b="0" sz="1800">
+                          <a:solidFill>
+                            <a:srgbClr val="000000"/>
+                          </a:solidFill>
+                        </a:defRPr>
+                      </a:pPr>
+                      <a:r>
+                        <a:rPr b="1">
+                          <a:solidFill>
+                            <a:srgbClr val="FFFFFF"/>
+                          </a:solidFill>
+                        </a:rPr>
+                        <a:t>F1</a:t>
+                      </a:r>
+                    </a:p>
+                  </a:txBody>
+                  <a:tcPr marL="0" marR="0" marT="0" marB="0" anchor="ctr" anchorCtr="0" horzOverflow="overflow">
+                    <a:solidFill>
+                      <a:schemeClr val="accent5">
+                        <a:satOff val="-19091"/>
+                        <a:lumOff val="-11921"/>
+                      </a:schemeClr>
+                    </a:solidFill>
+                  </a:tcPr>
+                </a:tc>
+                <a:tc>
+                  <a:txBody>
+                    <a:bodyPr/>
+                    <a:lstStyle/>
+                    <a:p>
+                      <a:pPr algn="ctr">
+                        <a:defRPr sz="1800"/>
+                      </a:pPr>
+                      <a:r>
+                        <a:t>0.27 ± 0.01</a:t>
+                      </a:r>
+                    </a:p>
+                  </a:txBody>
+                  <a:tcPr marL="0" marR="0" marT="0" marB="0" anchor="ctr" anchorCtr="0" horzOverflow="overflow"/>
+                </a:tc>
+                <a:tc>
+                  <a:txBody>
+                    <a:bodyPr/>
+                    <a:lstStyle/>
+                    <a:p>
+                      <a:pPr algn="ctr">
+                        <a:defRPr sz="1800"/>
+                      </a:pPr>
+                      <a:r>
+                        <a:t>0.263 ± 0.009</a:t>
+                      </a:r>
+                    </a:p>
+                  </a:txBody>
+                  <a:tcPr marL="0" marR="0" marT="0" marB="0" anchor="ctr" anchorCtr="0" horzOverflow="overflow"/>
+                </a:tc>
+                <a:tc>
+                  <a:txBody>
+                    <a:bodyPr/>
+                    <a:lstStyle/>
+                    <a:p>
+                      <a:pPr algn="ctr">
+                        <a:defRPr sz="1800"/>
+                      </a:pPr>
+                      <a:r>
+                        <a:t>0.255 ± 0.008</a:t>
+                      </a:r>
+                    </a:p>
+                  </a:txBody>
+                  <a:tcPr marL="0" marR="0" marT="0" marB="0" anchor="ctr" anchorCtr="0" horzOverflow="overflow"/>
+                </a:tc>
+                <a:tc>
+                  <a:txBody>
+                    <a:bodyPr/>
+                    <a:lstStyle/>
+                    <a:p>
+                      <a:pPr algn="ctr">
+                        <a:defRPr sz="1800"/>
+                      </a:pPr>
+                      <a:r>
+                        <a:t>0.254 ± 0.009</a:t>
+                      </a:r>
+                    </a:p>
+                  </a:txBody>
+                  <a:tcPr marL="0" marR="0" marT="0" marB="0" anchor="ctr" anchorCtr="0" horzOverflow="overflow"/>
+                </a:tc>
+              </a:tr>
+              <a:tr h="760142">
+                <a:tc>
+                  <a:txBody>
+                    <a:bodyPr/>
+                    <a:lstStyle/>
+                    <a:p>
+                      <a:pPr algn="ctr">
+                        <a:defRPr b="0" sz="1800">
+                          <a:solidFill>
+                            <a:srgbClr val="000000"/>
+                          </a:solidFill>
+                        </a:defRPr>
+                      </a:pPr>
+                      <a:r>
+                        <a:rPr b="1">
+                          <a:solidFill>
+                            <a:srgbClr val="FFFFFF"/>
+                          </a:solidFill>
+                        </a:rPr>
+                        <a:t>Precision</a:t>
+                      </a:r>
+                    </a:p>
+                  </a:txBody>
+                  <a:tcPr marL="0" marR="0" marT="0" marB="0" anchor="ctr" anchorCtr="0" horzOverflow="overflow">
+                    <a:solidFill>
+                      <a:schemeClr val="accent5">
+                        <a:satOff val="-19091"/>
+                        <a:lumOff val="-11921"/>
+                      </a:schemeClr>
+                    </a:solidFill>
+                  </a:tcPr>
+                </a:tc>
+                <a:tc>
+                  <a:txBody>
+                    <a:bodyPr/>
+                    <a:lstStyle/>
+                    <a:p>
+                      <a:pPr algn="ctr">
+                        <a:defRPr sz="1800"/>
+                      </a:pPr>
+                      <a:r>
+                        <a:t>0.27 ± 0.01</a:t>
+                      </a:r>
+                    </a:p>
+                  </a:txBody>
+                  <a:tcPr marL="0" marR="0" marT="0" marB="0" anchor="ctr" anchorCtr="0" horzOverflow="overflow"/>
+                </a:tc>
+                <a:tc>
+                  <a:txBody>
+                    <a:bodyPr/>
+                    <a:lstStyle/>
+                    <a:p>
+                      <a:pPr algn="ctr">
+                        <a:defRPr sz="1800"/>
+                      </a:pPr>
+                      <a:r>
+                        <a:t>0.31 ± 0.01</a:t>
+                      </a:r>
+                    </a:p>
+                  </a:txBody>
+                  <a:tcPr marL="0" marR="0" marT="0" marB="0" anchor="ctr" anchorCtr="0" horzOverflow="overflow"/>
+                </a:tc>
+                <a:tc>
+                  <a:txBody>
+                    <a:bodyPr/>
+                    <a:lstStyle/>
+                    <a:p>
+                      <a:pPr algn="ctr">
+                        <a:defRPr sz="1800"/>
+                      </a:pPr>
+                      <a:r>
+                        <a:t>0.30 ± 0.01</a:t>
+                      </a:r>
+                    </a:p>
+                  </a:txBody>
+                  <a:tcPr marL="0" marR="0" marT="0" marB="0" anchor="ctr" anchorCtr="0" horzOverflow="overflow"/>
+                </a:tc>
+                <a:tc>
+                  <a:txBody>
+                    <a:bodyPr/>
+                    <a:lstStyle/>
+                    <a:p>
+                      <a:pPr algn="ctr">
+                        <a:defRPr sz="1800"/>
+                      </a:pPr>
+                      <a:r>
+                        <a:t>0.30 ± 0.01</a:t>
+                      </a:r>
+                    </a:p>
+                  </a:txBody>
+                  <a:tcPr marL="0" marR="0" marT="0" marB="0" anchor="ctr" anchorCtr="0" horzOverflow="overflow"/>
+                </a:tc>
+              </a:tr>
+              <a:tr h="760142">
+                <a:tc>
+                  <a:txBody>
+                    <a:bodyPr/>
+                    <a:lstStyle/>
+                    <a:p>
+                      <a:pPr algn="ctr">
+                        <a:defRPr b="0" sz="1800">
+                          <a:solidFill>
+                            <a:srgbClr val="000000"/>
+                          </a:solidFill>
+                        </a:defRPr>
+                      </a:pPr>
+                      <a:r>
+                        <a:rPr b="1">
+                          <a:solidFill>
+                            <a:srgbClr val="FFFFFF"/>
+                          </a:solidFill>
+                        </a:rPr>
+                        <a:t>Recall</a:t>
+                      </a:r>
+                    </a:p>
+                  </a:txBody>
+                  <a:tcPr marL="0" marR="0" marT="0" marB="0" anchor="ctr" anchorCtr="0" horzOverflow="overflow">
+                    <a:solidFill>
+                      <a:schemeClr val="accent5">
+                        <a:satOff val="-19091"/>
+                        <a:lumOff val="-11921"/>
+                      </a:schemeClr>
+                    </a:solidFill>
+                  </a:tcPr>
+                </a:tc>
+                <a:tc>
+                  <a:txBody>
+                    <a:bodyPr/>
+                    <a:lstStyle/>
+                    <a:p>
+                      <a:pPr algn="ctr">
+                        <a:defRPr sz="1800"/>
+                      </a:pPr>
+                      <a:r>
+                        <a:t>0.26 ± 0.01</a:t>
+                      </a:r>
+                    </a:p>
+                  </a:txBody>
+                  <a:tcPr marL="0" marR="0" marT="0" marB="0" anchor="ctr" anchorCtr="0" horzOverflow="overflow"/>
+                </a:tc>
+                <a:tc>
+                  <a:txBody>
+                    <a:bodyPr/>
+                    <a:lstStyle/>
+                    <a:p>
+                      <a:pPr algn="ctr">
+                        <a:defRPr sz="1800"/>
+                      </a:pPr>
+                      <a:r>
+                        <a:t>0.229 ± 0.008</a:t>
+                      </a:r>
+                    </a:p>
+                  </a:txBody>
+                  <a:tcPr marL="0" marR="0" marT="0" marB="0" anchor="ctr" anchorCtr="0" horzOverflow="overflow"/>
+                </a:tc>
+                <a:tc>
+                  <a:txBody>
+                    <a:bodyPr/>
+                    <a:lstStyle/>
+                    <a:p>
+                      <a:pPr algn="ctr">
+                        <a:defRPr sz="1800"/>
+                      </a:pPr>
+                      <a:r>
+                        <a:t>0.222 ± 0.008</a:t>
+                      </a:r>
+                    </a:p>
+                  </a:txBody>
+                  <a:tcPr marL="0" marR="0" marT="0" marB="0" anchor="ctr" anchorCtr="0" horzOverflow="overflow"/>
+                </a:tc>
+                <a:tc>
+                  <a:txBody>
+                    <a:bodyPr/>
+                    <a:lstStyle/>
+                    <a:p>
+                      <a:pPr algn="ctr">
+                        <a:defRPr sz="1800"/>
+                      </a:pPr>
+                      <a:r>
+                        <a:t>0.220 ± 0.008</a:t>
+                      </a:r>
+                    </a:p>
+                  </a:txBody>
+                  <a:tcPr marL="0" marR="0" marT="0" marB="0" anchor="ctr" anchorCtr="0" horzOverflow="overflow"/>
+                </a:tc>
+              </a:tr>
+            </a:tbl>
+          </a:graphicData>
+        </a:graphic>
+      </p:graphicFrame>
     </p:spTree>
   </p:cSld>
   <p:clrMapOvr>
     <a:masterClrMapping/>
   </p:clrMapOvr>
-  <p:transition spd="med"/>
+  <p:transition xmlns:p14="http://schemas.microsoft.com/office/powerpoint/2010/main" spd="med" advClick="1"/>
 </p:sld>
 </file>
 
 <file path=ppt/slides/slide16.xml><?xml version="1.0" encoding="utf-8"?>
-<p:sld xmlns:a="http://schemas.openxmlformats.org/drawingml/2006/main" xmlns:r="http://schemas.openxmlformats.org/officeDocument/2006/relationships" xmlns:p="http://schemas.openxmlformats.org/presentationml/2006/main">
+<p:sld xmlns:a="http://schemas.openxmlformats.org/drawingml/2006/main" xmlns:r="http://schemas.openxmlformats.org/officeDocument/2006/relationships" xmlns:p="http://schemas.openxmlformats.org/presentationml/2006/main" xmlns:m="http://schemas.openxmlformats.org/officeDocument/2006/math" xmlns:a14="http://schemas.microsoft.com/office/drawing/2010/main" showMasterSp="1" showMasterPhAnim="1">
   <p:cSld>
     <p:spTree>
       <p:nvGrpSpPr>
@@ -4572,10 +4748,8 @@
       </p:grpSpPr>
       <p:sp>
         <p:nvSpPr>
-          <p:cNvPr id="177" name="Titel 1"/>
-          <p:cNvSpPr txBox="1">
-            <a:spLocks noGrp="1"/>
-          </p:cNvSpPr>
+          <p:cNvPr id="174" name="Titel 1"/>
+          <p:cNvSpPr txBox="1"/>
           <p:nvPr>
             <p:ph type="title"/>
           </p:nvPr>
@@ -4595,6 +4769,7 @@
             <a:lvl1pPr algn="ctr"/>
           </a:lstStyle>
           <a:p>
+            <a:pPr/>
             <a:r>
               <a:t>Testing Dataset</a:t>
             </a:r>
@@ -4603,10 +4778,8 @@
       </p:sp>
       <p:sp>
         <p:nvSpPr>
-          <p:cNvPr id="178" name="Inhaltsplatzhalter 2"/>
-          <p:cNvSpPr txBox="1">
-            <a:spLocks noGrp="1"/>
-          </p:cNvSpPr>
+          <p:cNvPr id="175" name="Inhaltsplatzhalter 2"/>
+          <p:cNvSpPr txBox="1"/>
           <p:nvPr>
             <p:ph type="body" idx="1"/>
           </p:nvPr>
@@ -4624,6 +4797,7 @@
           <a:bodyPr/>
           <a:lstStyle/>
           <a:p>
+            <a:pPr/>
             <a:r>
               <a:t>31827 residues from BioLip</a:t>
             </a:r>
@@ -4642,9 +4816,9 @@
               <a:buSzTx/>
               <a:buNone/>
             </a:pPr>
-            <a:endParaRPr/>
-          </a:p>
-          <a:p>
+          </a:p>
+          <a:p>
+            <a:pPr/>
             <a:r>
               <a:t>No other information known</a:t>
             </a:r>
@@ -4653,10 +4827,8 @@
       </p:sp>
       <p:sp>
         <p:nvSpPr>
-          <p:cNvPr id="179" name="Foliennummernplatzhalter 3"/>
-          <p:cNvSpPr txBox="1">
-            <a:spLocks noGrp="1"/>
-          </p:cNvSpPr>
+          <p:cNvPr id="176" name="Foliennummernplatzhalter 3"/>
+          <p:cNvSpPr txBox="1"/>
           <p:nvPr>
             <p:ph type="sldNum" sz="quarter" idx="2"/>
           </p:nvPr>
@@ -4671,7 +4843,7 @@
           </a:prstGeom>
           <a:extLst>
             <a:ext uri="{C572A759-6A51-4108-AA02-DFA0A04FC94B}">
-              <ma14:wrappingTextBoxFlag xmlns="" xmlns:m="http://schemas.openxmlformats.org/officeDocument/2006/math" xmlns:a14="http://schemas.microsoft.com/office/drawing/2010/main" xmlns:ma14="http://schemas.microsoft.com/office/mac/drawingml/2011/main" val="1"/>
+              <ma14:wrappingTextBoxFlag xmlns:ma14="http://schemas.microsoft.com/office/mac/drawingml/2011/main" val="1"/>
             </a:ext>
           </a:extLst>
         </p:spPr>
@@ -4679,16 +4851,14 @@
           <a:bodyPr/>
           <a:lstStyle/>
           <a:p>
-            <a:fld id="{86CB4B4D-7CA3-9044-876B-883B54F8677D}" type="slidenum">
-              <a:t>16</a:t>
-            </a:fld>
-            <a:endParaRPr/>
+            <a:pPr/>
+            <a:fld id="{86CB4B4D-7CA3-9044-876B-883B54F8677D}" type="slidenum"/>
           </a:p>
         </p:txBody>
       </p:sp>
       <p:graphicFrame>
         <p:nvGraphicFramePr>
-          <p:cNvPr id="180" name="Diagramm 6"/>
+          <p:cNvPr id="177" name="Diagramm 6"/>
           <p:cNvGraphicFramePr/>
           <p:nvPr/>
         </p:nvGraphicFramePr>
@@ -4696,9 +4866,9 @@
           <a:off x="7650198" y="1751908"/>
           <a:ext cx="3485054" cy="3802554"/>
         </p:xfrm>
-        <a:graphic>
+        <a:graphic xmlns:a="http://schemas.openxmlformats.org/drawingml/2006/main">
           <a:graphicData uri="http://schemas.openxmlformats.org/drawingml/2006/chart">
-            <c:chart xmlns:c="http://schemas.openxmlformats.org/drawingml/2006/chart" xmlns:r="http://schemas.openxmlformats.org/officeDocument/2006/relationships" r:id="rId2"/>
+            <c:chart xmlns:c="http://schemas.openxmlformats.org/drawingml/2006/chart" r:id="rId2"/>
           </a:graphicData>
         </a:graphic>
       </p:graphicFrame>
@@ -4707,12 +4877,12 @@
   <p:clrMapOvr>
     <a:masterClrMapping/>
   </p:clrMapOvr>
-  <p:transition spd="med"/>
+  <p:transition xmlns:p14="http://schemas.microsoft.com/office/powerpoint/2010/main" spd="med" advClick="1"/>
 </p:sld>
 </file>
 
 <file path=ppt/slides/slide17.xml><?xml version="1.0" encoding="utf-8"?>
-<p:sld xmlns:a="http://schemas.openxmlformats.org/drawingml/2006/main" xmlns:r="http://schemas.openxmlformats.org/officeDocument/2006/relationships" xmlns:p="http://schemas.openxmlformats.org/presentationml/2006/main">
+<p:sld xmlns:a="http://schemas.openxmlformats.org/drawingml/2006/main" xmlns:r="http://schemas.openxmlformats.org/officeDocument/2006/relationships" xmlns:p="http://schemas.openxmlformats.org/presentationml/2006/main" xmlns:m="http://schemas.openxmlformats.org/officeDocument/2006/math" xmlns:a14="http://schemas.microsoft.com/office/drawing/2010/main" showMasterSp="1" showMasterPhAnim="1">
   <p:cSld>
     <p:spTree>
       <p:nvGrpSpPr>
@@ -4730,10 +4900,8 @@
       </p:grpSpPr>
       <p:sp>
         <p:nvSpPr>
-          <p:cNvPr id="182" name="Titel 1"/>
-          <p:cNvSpPr txBox="1">
-            <a:spLocks noGrp="1"/>
-          </p:cNvSpPr>
+          <p:cNvPr id="179" name="Titel 1"/>
+          <p:cNvSpPr txBox="1"/>
           <p:nvPr>
             <p:ph type="title"/>
           </p:nvPr>
@@ -4753,49 +4921,34 @@
           <a:p>
             <a:pPr algn="ctr"/>
             <a:r>
-              <a:t>Confusion Matrix</a:t>
+              <a:t>Confusion</a:t>
+            </a:r>
+            <a:r>
+              <a:t> Matrix</a:t>
             </a:r>
           </a:p>
         </p:txBody>
       </p:sp>
       <p:graphicFrame>
         <p:nvGraphicFramePr>
-          <p:cNvPr id="183" name="Inhaltsplatzhalter 7"/>
+          <p:cNvPr id="180" name="Inhaltsplatzhalter 7"/>
           <p:cNvGraphicFramePr/>
           <p:nvPr/>
         </p:nvGraphicFramePr>
         <p:xfrm>
           <a:off x="3154261" y="2245353"/>
-          <a:ext cx="6075890" cy="3556332"/>
+          <a:ext cx="6075891" cy="3556333"/>
         </p:xfrm>
-        <a:graphic>
+        <a:graphic xmlns:a="http://schemas.openxmlformats.org/drawingml/2006/main">
           <a:graphicData uri="http://schemas.openxmlformats.org/drawingml/2006/table">
             <a:tbl>
-              <a:tblPr bandRow="1">
+              <a:tblPr firstCol="0" firstRow="0" lastCol="0" lastRow="0" bandCol="0" bandRow="1" rtl="0">
                 <a:tableStyleId>{4C3C2611-4C71-4FC5-86AE-919BDF0F9419}</a:tableStyleId>
               </a:tblPr>
               <a:tblGrid>
-                <a:gridCol w="1779642">
-                  <a:extLst>
-                    <a:ext uri="{9D8B030D-6E8A-4147-A177-3AD203B41FA5}">
-                      <a16:colId xmlns:a16="http://schemas.microsoft.com/office/drawing/2014/main" val="20000"/>
-                    </a:ext>
-                  </a:extLst>
-                </a:gridCol>
-                <a:gridCol w="2148124">
-                  <a:extLst>
-                    <a:ext uri="{9D8B030D-6E8A-4147-A177-3AD203B41FA5}">
-                      <a16:colId xmlns:a16="http://schemas.microsoft.com/office/drawing/2014/main" val="20001"/>
-                    </a:ext>
-                  </a:extLst>
-                </a:gridCol>
-                <a:gridCol w="2148124">
-                  <a:extLst>
-                    <a:ext uri="{9D8B030D-6E8A-4147-A177-3AD203B41FA5}">
-                      <a16:colId xmlns:a16="http://schemas.microsoft.com/office/drawing/2014/main" val="20002"/>
-                    </a:ext>
-                  </a:extLst>
-                </a:gridCol>
+                <a:gridCol w="1779642"/>
+                <a:gridCol w="2148124"/>
+                <a:gridCol w="2148124"/>
               </a:tblGrid>
               <a:tr h="720000">
                 <a:tc>
@@ -4806,10 +4959,9 @@
                       <a:pPr algn="ctr">
                         <a:defRPr sz="1800"/>
                       </a:pPr>
-                      <a:endParaRPr/>
                     </a:p>
                   </a:txBody>
-                  <a:tcPr marL="45720" marR="45720" anchor="ctr" horzOverflow="overflow">
+                  <a:tcPr marL="45720" marR="45720" marT="45720" marB="45720" anchor="ctr" anchorCtr="0" horzOverflow="overflow">
                     <a:solidFill>
                       <a:srgbClr val="E7E6E6"/>
                     </a:solidFill>
@@ -4828,7 +4980,7 @@
                       </a:r>
                     </a:p>
                   </a:txBody>
-                  <a:tcPr marL="45720" marR="45720" anchor="ctr" horzOverflow="overflow">
+                  <a:tcPr marL="45720" marR="45720" marT="45720" marB="45720" anchor="ctr" anchorCtr="0" horzOverflow="overflow">
                     <a:solidFill>
                       <a:srgbClr val="E7E6E6"/>
                     </a:solidFill>
@@ -4847,17 +4999,12 @@
                       </a:r>
                     </a:p>
                   </a:txBody>
-                  <a:tcPr marL="45720" marR="45720" anchor="ctr" horzOverflow="overflow">
+                  <a:tcPr marL="45720" marR="45720" marT="45720" marB="45720" anchor="ctr" anchorCtr="0" horzOverflow="overflow">
                     <a:solidFill>
                       <a:srgbClr val="E7E6E6"/>
                     </a:solidFill>
                   </a:tcPr>
                 </a:tc>
-                <a:extLst>
-                  <a:ext uri="{0D108BD9-81ED-4DB2-BD59-A6C34878D82A}">
-                    <a16:rowId xmlns:a16="http://schemas.microsoft.com/office/drawing/2014/main" val="10000"/>
-                  </a:ext>
-                </a:extLst>
               </a:tr>
               <a:tr h="1418166">
                 <a:tc>
@@ -4873,7 +5020,7 @@
                       </a:r>
                     </a:p>
                   </a:txBody>
-                  <a:tcPr marL="45720" marR="45720" anchor="ctr" horzOverflow="overflow">
+                  <a:tcPr marL="45720" marR="45720" marT="45720" marB="45720" anchor="ctr" anchorCtr="0" horzOverflow="overflow">
                     <a:solidFill>
                       <a:srgbClr val="E7E6E6"/>
                     </a:solidFill>
@@ -4893,7 +5040,7 @@
                       </a:r>
                     </a:p>
                   </a:txBody>
-                  <a:tcPr marL="45720" marR="45720" anchor="ctr" horzOverflow="overflow">
+                  <a:tcPr marL="45720" marR="45720" marT="45720" marB="45720" anchor="ctr" anchorCtr="0" horzOverflow="overflow">
                     <a:solidFill>
                       <a:srgbClr val="00B050"/>
                     </a:solidFill>
@@ -4913,17 +5060,12 @@
                       </a:r>
                     </a:p>
                   </a:txBody>
-                  <a:tcPr marL="45720" marR="45720" anchor="ctr" horzOverflow="overflow">
+                  <a:tcPr marL="45720" marR="45720" marT="45720" marB="45720" anchor="ctr" anchorCtr="0" horzOverflow="overflow">
                     <a:solidFill>
                       <a:srgbClr val="FF0000"/>
                     </a:solidFill>
                   </a:tcPr>
                 </a:tc>
-                <a:extLst>
-                  <a:ext uri="{0D108BD9-81ED-4DB2-BD59-A6C34878D82A}">
-                    <a16:rowId xmlns:a16="http://schemas.microsoft.com/office/drawing/2014/main" val="10001"/>
-                  </a:ext>
-                </a:extLst>
               </a:tr>
               <a:tr h="1418166">
                 <a:tc>
@@ -4947,7 +5089,7 @@
                       </a:r>
                     </a:p>
                   </a:txBody>
-                  <a:tcPr marL="45720" marR="45720" anchor="ctr" horzOverflow="overflow">
+                  <a:tcPr marL="45720" marR="45720" marT="45720" marB="45720" anchor="ctr" anchorCtr="0" horzOverflow="overflow">
                     <a:solidFill>
                       <a:srgbClr val="E7E6E6"/>
                     </a:solidFill>
@@ -4967,7 +5109,7 @@
                       </a:r>
                     </a:p>
                   </a:txBody>
-                  <a:tcPr marL="45720" marR="45720" anchor="ctr" horzOverflow="overflow">
+                  <a:tcPr marL="45720" marR="45720" marT="45720" marB="45720" anchor="ctr" anchorCtr="0" horzOverflow="overflow">
                     <a:solidFill>
                       <a:srgbClr val="FF0000"/>
                     </a:solidFill>
@@ -4987,17 +5129,12 @@
                       </a:r>
                     </a:p>
                   </a:txBody>
-                  <a:tcPr marL="45720" marR="45720" anchor="ctr" horzOverflow="overflow">
+                  <a:tcPr marL="45720" marR="45720" marT="45720" marB="45720" anchor="ctr" anchorCtr="0" horzOverflow="overflow">
                     <a:solidFill>
                       <a:srgbClr val="00B050"/>
                     </a:solidFill>
                   </a:tcPr>
                 </a:tc>
-                <a:extLst>
-                  <a:ext uri="{0D108BD9-81ED-4DB2-BD59-A6C34878D82A}">
-                    <a16:rowId xmlns:a16="http://schemas.microsoft.com/office/drawing/2014/main" val="10002"/>
-                  </a:ext>
-                </a:extLst>
               </a:tr>
             </a:tbl>
           </a:graphicData>
@@ -5005,10 +5142,8 @@
       </p:graphicFrame>
       <p:sp>
         <p:nvSpPr>
-          <p:cNvPr id="184" name="Foliennummernplatzhalter 8"/>
-          <p:cNvSpPr txBox="1">
-            <a:spLocks noGrp="1"/>
-          </p:cNvSpPr>
+          <p:cNvPr id="181" name="Foliennummernplatzhalter 8"/>
+          <p:cNvSpPr txBox="1"/>
           <p:nvPr>
             <p:ph type="sldNum" sz="quarter" idx="2"/>
           </p:nvPr>
@@ -5023,7 +5158,7 @@
           </a:prstGeom>
           <a:extLst>
             <a:ext uri="{C572A759-6A51-4108-AA02-DFA0A04FC94B}">
-              <ma14:wrappingTextBoxFlag xmlns="" xmlns:m="http://schemas.openxmlformats.org/officeDocument/2006/math" xmlns:a14="http://schemas.microsoft.com/office/drawing/2010/main" xmlns:ma14="http://schemas.microsoft.com/office/mac/drawingml/2011/main" val="1"/>
+              <ma14:wrappingTextBoxFlag xmlns:ma14="http://schemas.microsoft.com/office/mac/drawingml/2011/main" val="1"/>
             </a:ext>
           </a:extLst>
         </p:spPr>
@@ -5031,10 +5166,8 @@
           <a:bodyPr/>
           <a:lstStyle/>
           <a:p>
-            <a:fld id="{86CB4B4D-7CA3-9044-876B-883B54F8677D}" type="slidenum">
-              <a:t>17</a:t>
-            </a:fld>
-            <a:endParaRPr/>
+            <a:pPr/>
+            <a:fld id="{86CB4B4D-7CA3-9044-876B-883B54F8677D}" type="slidenum"/>
           </a:p>
         </p:txBody>
       </p:sp>
@@ -5043,12 +5176,12 @@
   <p:clrMapOvr>
     <a:masterClrMapping/>
   </p:clrMapOvr>
-  <p:transition spd="med"/>
+  <p:transition xmlns:p14="http://schemas.microsoft.com/office/powerpoint/2010/main" spd="med" advClick="1"/>
 </p:sld>
 </file>
 
 <file path=ppt/slides/slide18.xml><?xml version="1.0" encoding="utf-8"?>
-<p:sld xmlns:a="http://schemas.openxmlformats.org/drawingml/2006/main" xmlns:r="http://schemas.openxmlformats.org/officeDocument/2006/relationships" xmlns:p="http://schemas.openxmlformats.org/presentationml/2006/main">
+<p:sld xmlns:a="http://schemas.openxmlformats.org/drawingml/2006/main" xmlns:r="http://schemas.openxmlformats.org/officeDocument/2006/relationships" xmlns:p="http://schemas.openxmlformats.org/presentationml/2006/main" xmlns:m="http://schemas.openxmlformats.org/officeDocument/2006/math" xmlns:a14="http://schemas.microsoft.com/office/drawing/2010/main" showMasterSp="1" showMasterPhAnim="1">
   <p:cSld>
     <p:spTree>
       <p:nvGrpSpPr>
@@ -5066,10 +5199,8 @@
       </p:grpSpPr>
       <p:sp>
         <p:nvSpPr>
-          <p:cNvPr id="186" name="Titel 1"/>
-          <p:cNvSpPr txBox="1">
-            <a:spLocks noGrp="1"/>
-          </p:cNvSpPr>
+          <p:cNvPr id="183" name="Titel 1"/>
+          <p:cNvSpPr txBox="1"/>
           <p:nvPr>
             <p:ph type="title"/>
           </p:nvPr>
@@ -5089,6 +5220,7 @@
             <a:lvl1pPr algn="ctr"/>
           </a:lstStyle>
           <a:p>
+            <a:pPr/>
             <a:r>
               <a:t>…compared to random</a:t>
             </a:r>
@@ -5097,10 +5229,8 @@
       </p:sp>
       <p:sp>
         <p:nvSpPr>
-          <p:cNvPr id="187" name="Foliennummernplatzhalter 4"/>
-          <p:cNvSpPr txBox="1">
-            <a:spLocks noGrp="1"/>
-          </p:cNvSpPr>
+          <p:cNvPr id="184" name="Foliennummernplatzhalter 4"/>
+          <p:cNvSpPr txBox="1"/>
           <p:nvPr>
             <p:ph type="sldNum" sz="quarter" idx="2"/>
           </p:nvPr>
@@ -5115,7 +5245,7 @@
           </a:prstGeom>
           <a:extLst>
             <a:ext uri="{C572A759-6A51-4108-AA02-DFA0A04FC94B}">
-              <ma14:wrappingTextBoxFlag xmlns="" xmlns:m="http://schemas.openxmlformats.org/officeDocument/2006/math" xmlns:a14="http://schemas.microsoft.com/office/drawing/2010/main" xmlns:ma14="http://schemas.microsoft.com/office/mac/drawingml/2011/main" val="1"/>
+              <ma14:wrappingTextBoxFlag xmlns:ma14="http://schemas.microsoft.com/office/mac/drawingml/2011/main" val="1"/>
             </a:ext>
           </a:extLst>
         </p:spPr>
@@ -5123,51 +5253,31 @@
           <a:bodyPr/>
           <a:lstStyle/>
           <a:p>
-            <a:fld id="{86CB4B4D-7CA3-9044-876B-883B54F8677D}" type="slidenum">
-              <a:t>18</a:t>
-            </a:fld>
-            <a:endParaRPr/>
+            <a:pPr/>
+            <a:fld id="{86CB4B4D-7CA3-9044-876B-883B54F8677D}" type="slidenum"/>
           </a:p>
         </p:txBody>
       </p:sp>
       <p:graphicFrame>
         <p:nvGraphicFramePr>
-          <p:cNvPr id="188" name="Inhaltsplatzhalter 10"/>
+          <p:cNvPr id="185" name="Inhaltsplatzhalter 10"/>
           <p:cNvGraphicFramePr/>
           <p:nvPr/>
         </p:nvGraphicFramePr>
         <p:xfrm>
           <a:off x="6172201" y="2529077"/>
-          <a:ext cx="4689762" cy="2944433"/>
+          <a:ext cx="4689763" cy="2944435"/>
         </p:xfrm>
-        <a:graphic>
+        <a:graphic xmlns:a="http://schemas.openxmlformats.org/drawingml/2006/main">
           <a:graphicData uri="http://schemas.openxmlformats.org/drawingml/2006/table">
             <a:tbl>
-              <a:tblPr bandRow="1">
+              <a:tblPr firstCol="0" firstRow="0" lastCol="0" lastRow="0" bandCol="0" bandRow="1" rtl="0">
                 <a:tableStyleId>{4C3C2611-4C71-4FC5-86AE-919BDF0F9419}</a:tableStyleId>
               </a:tblPr>
               <a:tblGrid>
-                <a:gridCol w="1563254">
-                  <a:extLst>
-                    <a:ext uri="{9D8B030D-6E8A-4147-A177-3AD203B41FA5}">
-                      <a16:colId xmlns:a16="http://schemas.microsoft.com/office/drawing/2014/main" val="20000"/>
-                    </a:ext>
-                  </a:extLst>
-                </a:gridCol>
-                <a:gridCol w="1563254">
-                  <a:extLst>
-                    <a:ext uri="{9D8B030D-6E8A-4147-A177-3AD203B41FA5}">
-                      <a16:colId xmlns:a16="http://schemas.microsoft.com/office/drawing/2014/main" val="20001"/>
-                    </a:ext>
-                  </a:extLst>
-                </a:gridCol>
-                <a:gridCol w="1563254">
-                  <a:extLst>
-                    <a:ext uri="{9D8B030D-6E8A-4147-A177-3AD203B41FA5}">
-                      <a16:colId xmlns:a16="http://schemas.microsoft.com/office/drawing/2014/main" val="20002"/>
-                    </a:ext>
-                  </a:extLst>
-                </a:gridCol>
+                <a:gridCol w="1563254"/>
+                <a:gridCol w="1563254"/>
+                <a:gridCol w="1563254"/>
               </a:tblGrid>
               <a:tr h="596039">
                 <a:tc>
@@ -5178,10 +5288,9 @@
                       <a:pPr algn="ctr">
                         <a:defRPr sz="1800"/>
                       </a:pPr>
-                      <a:endParaRPr/>
                     </a:p>
                   </a:txBody>
-                  <a:tcPr marL="45720" marR="45720" anchor="ctr" horzOverflow="overflow">
+                  <a:tcPr marL="45720" marR="45720" marT="45720" marB="45720" anchor="ctr" anchorCtr="0" horzOverflow="overflow">
                     <a:solidFill>
                       <a:srgbClr val="E7E6E6"/>
                     </a:solidFill>
@@ -5201,7 +5310,7 @@
                       </a:r>
                     </a:p>
                   </a:txBody>
-                  <a:tcPr marL="45720" marR="45720" anchor="ctr" horzOverflow="overflow">
+                  <a:tcPr marL="45720" marR="45720" marT="45720" marB="45720" anchor="ctr" anchorCtr="0" horzOverflow="overflow">
                     <a:solidFill>
                       <a:srgbClr val="E7E6E6"/>
                     </a:solidFill>
@@ -5221,17 +5330,12 @@
                       </a:r>
                     </a:p>
                   </a:txBody>
-                  <a:tcPr marL="45720" marR="45720" anchor="ctr" horzOverflow="overflow">
+                  <a:tcPr marL="45720" marR="45720" marT="45720" marB="45720" anchor="ctr" anchorCtr="0" horzOverflow="overflow">
                     <a:solidFill>
                       <a:srgbClr val="E7E6E6"/>
                     </a:solidFill>
                   </a:tcPr>
                 </a:tc>
-                <a:extLst>
-                  <a:ext uri="{0D108BD9-81ED-4DB2-BD59-A6C34878D82A}">
-                    <a16:rowId xmlns:a16="http://schemas.microsoft.com/office/drawing/2014/main" val="10000"/>
-                  </a:ext>
-                </a:extLst>
               </a:tr>
               <a:tr h="1174197">
                 <a:tc>
@@ -5248,7 +5352,7 @@
                       </a:r>
                     </a:p>
                   </a:txBody>
-                  <a:tcPr marL="45720" marR="45720" anchor="ctr" horzOverflow="overflow">
+                  <a:tcPr marL="45720" marR="45720" marT="45720" marB="45720" anchor="ctr" anchorCtr="0" horzOverflow="overflow">
                     <a:solidFill>
                       <a:srgbClr val="E7E6E6"/>
                     </a:solidFill>
@@ -5269,7 +5373,7 @@
                       </a:r>
                     </a:p>
                   </a:txBody>
-                  <a:tcPr marL="45720" marR="45720" anchor="ctr" horzOverflow="overflow">
+                  <a:tcPr marL="45720" marR="45720" marT="45720" marB="45720" anchor="ctr" anchorCtr="0" horzOverflow="overflow">
                     <a:solidFill>
                       <a:srgbClr val="00B050"/>
                     </a:solidFill>
@@ -5290,17 +5394,12 @@
                       </a:r>
                     </a:p>
                   </a:txBody>
-                  <a:tcPr marL="45720" marR="45720" anchor="ctr" horzOverflow="overflow">
+                  <a:tcPr marL="45720" marR="45720" marT="45720" marB="45720" anchor="ctr" anchorCtr="0" horzOverflow="overflow">
                     <a:solidFill>
                       <a:srgbClr val="FF0000"/>
                     </a:solidFill>
                   </a:tcPr>
                 </a:tc>
-                <a:extLst>
-                  <a:ext uri="{0D108BD9-81ED-4DB2-BD59-A6C34878D82A}">
-                    <a16:rowId xmlns:a16="http://schemas.microsoft.com/office/drawing/2014/main" val="10001"/>
-                  </a:ext>
-                </a:extLst>
               </a:tr>
               <a:tr h="1174197">
                 <a:tc>
@@ -5318,7 +5417,7 @@
                       </a:r>
                     </a:p>
                   </a:txBody>
-                  <a:tcPr marL="45720" marR="45720" anchor="ctr" horzOverflow="overflow">
+                  <a:tcPr marL="45720" marR="45720" marT="45720" marB="45720" anchor="ctr" anchorCtr="0" horzOverflow="overflow">
                     <a:solidFill>
                       <a:srgbClr val="E7E6E6"/>
                     </a:solidFill>
@@ -5339,7 +5438,7 @@
                       </a:r>
                     </a:p>
                   </a:txBody>
-                  <a:tcPr marL="45720" marR="45720" anchor="ctr" horzOverflow="overflow">
+                  <a:tcPr marL="45720" marR="45720" marT="45720" marB="45720" anchor="ctr" anchorCtr="0" horzOverflow="overflow">
                     <a:solidFill>
                       <a:srgbClr val="FF0000"/>
                     </a:solidFill>
@@ -5360,17 +5459,12 @@
                       </a:r>
                     </a:p>
                   </a:txBody>
-                  <a:tcPr marL="45720" marR="45720" anchor="ctr" horzOverflow="overflow">
+                  <a:tcPr marL="45720" marR="45720" marT="45720" marB="45720" anchor="ctr" anchorCtr="0" horzOverflow="overflow">
                     <a:solidFill>
                       <a:srgbClr val="00B050"/>
                     </a:solidFill>
                   </a:tcPr>
                 </a:tc>
-                <a:extLst>
-                  <a:ext uri="{0D108BD9-81ED-4DB2-BD59-A6C34878D82A}">
-                    <a16:rowId xmlns:a16="http://schemas.microsoft.com/office/drawing/2014/main" val="10002"/>
-                  </a:ext>
-                </a:extLst>
               </a:tr>
             </a:tbl>
           </a:graphicData>
@@ -5378,7 +5472,7 @@
       </p:graphicFrame>
       <p:sp>
         <p:nvSpPr>
-          <p:cNvPr id="189" name="Textfeld 2"/>
+          <p:cNvPr id="186" name="Textfeld 2"/>
           <p:cNvSpPr txBox="1"/>
           <p:nvPr/>
         </p:nvSpPr>
@@ -5395,7 +5489,7 @@
           </a:ln>
           <a:extLst>
             <a:ext uri="{C572A759-6A51-4108-AA02-DFA0A04FC94B}">
-              <ma14:wrappingTextBoxFlag xmlns="" xmlns:m="http://schemas.openxmlformats.org/officeDocument/2006/math" xmlns:a14="http://schemas.microsoft.com/office/drawing/2010/main" xmlns:ma14="http://schemas.microsoft.com/office/mac/drawingml/2011/main" val="1"/>
+              <ma14:wrappingTextBoxFlag xmlns:ma14="http://schemas.microsoft.com/office/mac/drawingml/2011/main" val="1"/>
             </a:ext>
           </a:extLst>
         </p:spPr>
@@ -5407,6 +5501,7 @@
             <a:lvl1pPr algn="ctr"/>
           </a:lstStyle>
           <a:p>
+            <a:pPr/>
             <a:r>
               <a:t>Our Prediction</a:t>
             </a:r>
@@ -5415,7 +5510,7 @@
       </p:sp>
       <p:sp>
         <p:nvSpPr>
-          <p:cNvPr id="190" name="Textfeld 7"/>
+          <p:cNvPr id="187" name="Textfeld 7"/>
           <p:cNvSpPr txBox="1"/>
           <p:nvPr/>
         </p:nvSpPr>
@@ -5432,7 +5527,7 @@
           </a:ln>
           <a:extLst>
             <a:ext uri="{C572A759-6A51-4108-AA02-DFA0A04FC94B}">
-              <ma14:wrappingTextBoxFlag xmlns="" xmlns:m="http://schemas.openxmlformats.org/officeDocument/2006/math" xmlns:a14="http://schemas.microsoft.com/office/drawing/2010/main" xmlns:ma14="http://schemas.microsoft.com/office/mac/drawingml/2011/main" val="1"/>
+              <ma14:wrappingTextBoxFlag xmlns:ma14="http://schemas.microsoft.com/office/mac/drawingml/2011/main" val="1"/>
             </a:ext>
           </a:extLst>
         </p:spPr>
@@ -5444,6 +5539,7 @@
             <a:lvl1pPr algn="ctr"/>
           </a:lstStyle>
           <a:p>
+            <a:pPr/>
             <a:r>
               <a:t>Random Prediction</a:t>
             </a:r>
@@ -5452,42 +5548,24 @@
       </p:sp>
       <p:graphicFrame>
         <p:nvGraphicFramePr>
-          <p:cNvPr id="191" name="Inhaltsplatzhalter 7"/>
+          <p:cNvPr id="188" name="Inhaltsplatzhalter 7"/>
           <p:cNvGraphicFramePr/>
           <p:nvPr/>
         </p:nvGraphicFramePr>
         <p:xfrm>
           <a:off x="880961" y="2522727"/>
-          <a:ext cx="4702461" cy="2957132"/>
+          <a:ext cx="4715163" cy="2969835"/>
         </p:xfrm>
-        <a:graphic>
+        <a:graphic xmlns:a="http://schemas.openxmlformats.org/drawingml/2006/main">
           <a:graphicData uri="http://schemas.openxmlformats.org/drawingml/2006/table">
             <a:tbl>
-              <a:tblPr bandRow="1">
+              <a:tblPr firstCol="0" firstRow="0" lastCol="0" lastRow="0" bandCol="0" bandRow="1" rtl="0">
                 <a:tableStyleId>{4C3C2611-4C71-4FC5-86AE-919BDF0F9419}</a:tableStyleId>
               </a:tblPr>
               <a:tblGrid>
-                <a:gridCol w="1567487">
-                  <a:extLst>
-                    <a:ext uri="{9D8B030D-6E8A-4147-A177-3AD203B41FA5}">
-                      <a16:colId xmlns:a16="http://schemas.microsoft.com/office/drawing/2014/main" val="20000"/>
-                    </a:ext>
-                  </a:extLst>
-                </a:gridCol>
-                <a:gridCol w="1567487">
-                  <a:extLst>
-                    <a:ext uri="{9D8B030D-6E8A-4147-A177-3AD203B41FA5}">
-                      <a16:colId xmlns:a16="http://schemas.microsoft.com/office/drawing/2014/main" val="20001"/>
-                    </a:ext>
-                  </a:extLst>
-                </a:gridCol>
-                <a:gridCol w="1567487">
-                  <a:extLst>
-                    <a:ext uri="{9D8B030D-6E8A-4147-A177-3AD203B41FA5}">
-                      <a16:colId xmlns:a16="http://schemas.microsoft.com/office/drawing/2014/main" val="20002"/>
-                    </a:ext>
-                  </a:extLst>
-                </a:gridCol>
+                <a:gridCol w="1567487"/>
+                <a:gridCol w="1567487"/>
+                <a:gridCol w="1567487"/>
               </a:tblGrid>
               <a:tr h="598688">
                 <a:tc>
@@ -5498,10 +5576,9 @@
                       <a:pPr algn="ctr">
                         <a:defRPr sz="1600"/>
                       </a:pPr>
-                      <a:endParaRPr/>
                     </a:p>
                   </a:txBody>
-                  <a:tcPr marL="45720" marR="45720" anchor="ctr" horzOverflow="overflow">
+                  <a:tcPr marL="45720" marR="45720" marT="45720" marB="45720" anchor="ctr" anchorCtr="0" horzOverflow="overflow">
                     <a:solidFill>
                       <a:srgbClr val="E7E6E6"/>
                     </a:solidFill>
@@ -5521,7 +5598,7 @@
                       </a:r>
                     </a:p>
                   </a:txBody>
-                  <a:tcPr marL="45720" marR="45720" anchor="ctr" horzOverflow="overflow">
+                  <a:tcPr marL="45720" marR="45720" marT="45720" marB="45720" anchor="ctr" anchorCtr="0" horzOverflow="overflow">
                     <a:solidFill>
                       <a:srgbClr val="E7E6E6"/>
                     </a:solidFill>
@@ -5541,17 +5618,12 @@
                       </a:r>
                     </a:p>
                   </a:txBody>
-                  <a:tcPr marL="45720" marR="45720" anchor="ctr" horzOverflow="overflow">
+                  <a:tcPr marL="45720" marR="45720" marT="45720" marB="45720" anchor="ctr" anchorCtr="0" horzOverflow="overflow">
                     <a:solidFill>
                       <a:srgbClr val="E7E6E6"/>
                     </a:solidFill>
                   </a:tcPr>
                 </a:tc>
-                <a:extLst>
-                  <a:ext uri="{0D108BD9-81ED-4DB2-BD59-A6C34878D82A}">
-                    <a16:rowId xmlns:a16="http://schemas.microsoft.com/office/drawing/2014/main" val="10000"/>
-                  </a:ext>
-                </a:extLst>
               </a:tr>
               <a:tr h="1179222">
                 <a:tc>
@@ -5568,7 +5640,7 @@
                       </a:r>
                     </a:p>
                   </a:txBody>
-                  <a:tcPr marL="45720" marR="45720" anchor="ctr" horzOverflow="overflow">
+                  <a:tcPr marL="45720" marR="45720" marT="45720" marB="45720" anchor="ctr" anchorCtr="0" horzOverflow="overflow">
                     <a:solidFill>
                       <a:srgbClr val="E7E6E6"/>
                     </a:solidFill>
@@ -5589,7 +5661,7 @@
                       </a:r>
                     </a:p>
                   </a:txBody>
-                  <a:tcPr marL="45720" marR="45720" anchor="ctr" horzOverflow="overflow">
+                  <a:tcPr marL="45720" marR="45720" marT="45720" marB="45720" anchor="ctr" anchorCtr="0" horzOverflow="overflow">
                     <a:solidFill>
                       <a:srgbClr val="00B050"/>
                     </a:solidFill>
@@ -5610,17 +5682,12 @@
                       </a:r>
                     </a:p>
                   </a:txBody>
-                  <a:tcPr marL="45720" marR="45720" anchor="ctr" horzOverflow="overflow">
+                  <a:tcPr marL="45720" marR="45720" marT="45720" marB="45720" anchor="ctr" anchorCtr="0" horzOverflow="overflow">
                     <a:solidFill>
                       <a:srgbClr val="FF0000"/>
                     </a:solidFill>
                   </a:tcPr>
                 </a:tc>
-                <a:extLst>
-                  <a:ext uri="{0D108BD9-81ED-4DB2-BD59-A6C34878D82A}">
-                    <a16:rowId xmlns:a16="http://schemas.microsoft.com/office/drawing/2014/main" val="10001"/>
-                  </a:ext>
-                </a:extLst>
               </a:tr>
               <a:tr h="1179222">
                 <a:tc>
@@ -5638,7 +5705,7 @@
                       </a:r>
                     </a:p>
                   </a:txBody>
-                  <a:tcPr marL="45720" marR="45720" anchor="ctr" horzOverflow="overflow">
+                  <a:tcPr marL="45720" marR="45720" marT="45720" marB="45720" anchor="ctr" anchorCtr="0" horzOverflow="overflow">
                     <a:solidFill>
                       <a:srgbClr val="E7E6E6"/>
                     </a:solidFill>
@@ -5659,7 +5726,7 @@
                       </a:r>
                     </a:p>
                   </a:txBody>
-                  <a:tcPr marL="45720" marR="45720" anchor="ctr" horzOverflow="overflow">
+                  <a:tcPr marL="45720" marR="45720" marT="45720" marB="45720" anchor="ctr" anchorCtr="0" horzOverflow="overflow">
                     <a:solidFill>
                       <a:srgbClr val="FF0000"/>
                     </a:solidFill>
@@ -5680,17 +5747,12 @@
                       </a:r>
                     </a:p>
                   </a:txBody>
-                  <a:tcPr marL="45720" marR="45720" anchor="ctr" horzOverflow="overflow">
+                  <a:tcPr marL="45720" marR="45720" marT="45720" marB="45720" anchor="ctr" anchorCtr="0" horzOverflow="overflow">
                     <a:solidFill>
                       <a:srgbClr val="00B050"/>
                     </a:solidFill>
                   </a:tcPr>
                 </a:tc>
-                <a:extLst>
-                  <a:ext uri="{0D108BD9-81ED-4DB2-BD59-A6C34878D82A}">
-                    <a16:rowId xmlns:a16="http://schemas.microsoft.com/office/drawing/2014/main" val="10002"/>
-                  </a:ext>
-                </a:extLst>
               </a:tr>
             </a:tbl>
           </a:graphicData>
@@ -5701,12 +5763,12 @@
   <p:clrMapOvr>
     <a:masterClrMapping/>
   </p:clrMapOvr>
-  <p:transition spd="med"/>
+  <p:transition xmlns:p14="http://schemas.microsoft.com/office/powerpoint/2010/main" spd="med" advClick="1"/>
 </p:sld>
 </file>
 
 <file path=ppt/slides/slide19.xml><?xml version="1.0" encoding="utf-8"?>
-<p:sld xmlns:a="http://schemas.openxmlformats.org/drawingml/2006/main" xmlns:r="http://schemas.openxmlformats.org/officeDocument/2006/relationships" xmlns:p="http://schemas.openxmlformats.org/presentationml/2006/main">
+<p:sld xmlns:a="http://schemas.openxmlformats.org/drawingml/2006/main" xmlns:r="http://schemas.openxmlformats.org/officeDocument/2006/relationships" xmlns:p="http://schemas.openxmlformats.org/presentationml/2006/main" xmlns:m="http://schemas.openxmlformats.org/officeDocument/2006/math" xmlns:a14="http://schemas.microsoft.com/office/drawing/2010/main" showMasterSp="1" showMasterPhAnim="1">
   <p:cSld>
     <p:spTree>
       <p:nvGrpSpPr>
@@ -5724,10 +5786,8 @@
       </p:grpSpPr>
       <p:sp>
         <p:nvSpPr>
-          <p:cNvPr id="193" name="Titel 1"/>
-          <p:cNvSpPr txBox="1">
-            <a:spLocks noGrp="1"/>
-          </p:cNvSpPr>
+          <p:cNvPr id="190" name="Titel 1"/>
+          <p:cNvSpPr txBox="1"/>
           <p:nvPr>
             <p:ph type="title"/>
           </p:nvPr>
@@ -5747,6 +5807,7 @@
             <a:lvl1pPr algn="ctr"/>
           </a:lstStyle>
           <a:p>
+            <a:pPr/>
             <a:r>
               <a:t>Performance</a:t>
             </a:r>
@@ -5755,10 +5816,8 @@
       </p:sp>
       <p:sp>
         <p:nvSpPr>
-          <p:cNvPr id="194" name="Inhaltsplatzhalter 2"/>
-          <p:cNvSpPr txBox="1">
-            <a:spLocks noGrp="1"/>
-          </p:cNvSpPr>
+          <p:cNvPr id="191" name="Inhaltsplatzhalter 2"/>
+          <p:cNvSpPr txBox="1"/>
           <p:nvPr>
             <p:ph type="body" idx="1"/>
           </p:nvPr>
@@ -5776,26 +5835,28 @@
           <a:bodyPr/>
           <a:lstStyle/>
           <a:p>
+            <a:pPr/>
             <a:r>
               <a:t>Imbalanced Dataset =&gt; Matthews correlation coefficient</a:t>
             </a:r>
           </a:p>
           <a:p>
-            <a:endParaRPr/>
-          </a:p>
-          <a:p>
-            <a:endParaRPr/>
-          </a:p>
-          <a:p>
-            <a:endParaRPr/>
-          </a:p>
-          <a:p>
+            <a:pPr/>
+          </a:p>
+          <a:p>
+            <a:pPr/>
+          </a:p>
+          <a:p>
+            <a:pPr/>
+          </a:p>
+          <a:p>
+            <a:pPr/>
             <a:r>
               <a:t>Other measures:</a:t>
             </a:r>
           </a:p>
           <a:p>
-            <a:pPr marL="685800" lvl="1" indent="-228600">
+            <a:pPr lvl="1" marL="685800" indent="-228600">
               <a:spcBef>
                 <a:spcPts val="500"/>
               </a:spcBef>
@@ -5806,7 +5867,7 @@
             </a:r>
           </a:p>
           <a:p>
-            <a:pPr marL="685800" lvl="1" indent="-228600">
+            <a:pPr lvl="1" marL="685800" indent="-228600">
               <a:spcBef>
                 <a:spcPts val="500"/>
               </a:spcBef>
@@ -5817,7 +5878,7 @@
             </a:r>
           </a:p>
           <a:p>
-            <a:pPr marL="685800" lvl="1" indent="-228600">
+            <a:pPr lvl="1" marL="685800" indent="-228600">
               <a:spcBef>
                 <a:spcPts val="500"/>
               </a:spcBef>
@@ -5831,10 +5892,8 @@
       </p:sp>
       <p:sp>
         <p:nvSpPr>
-          <p:cNvPr id="195" name="Foliennummernplatzhalter 3"/>
-          <p:cNvSpPr txBox="1">
-            <a:spLocks noGrp="1"/>
-          </p:cNvSpPr>
+          <p:cNvPr id="192" name="Foliennummernplatzhalter 3"/>
+          <p:cNvSpPr txBox="1"/>
           <p:nvPr>
             <p:ph type="sldNum" sz="quarter" idx="2"/>
           </p:nvPr>
@@ -5849,7 +5908,7 @@
           </a:prstGeom>
           <a:extLst>
             <a:ext uri="{C572A759-6A51-4108-AA02-DFA0A04FC94B}">
-              <ma14:wrappingTextBoxFlag xmlns="" xmlns:m="http://schemas.openxmlformats.org/officeDocument/2006/math" xmlns:a14="http://schemas.microsoft.com/office/drawing/2010/main" xmlns:ma14="http://schemas.microsoft.com/office/mac/drawingml/2011/main" val="1"/>
+              <ma14:wrappingTextBoxFlag xmlns:ma14="http://schemas.microsoft.com/office/mac/drawingml/2011/main" val="1"/>
             </a:ext>
           </a:extLst>
         </p:spPr>
@@ -5857,23 +5916,23 @@
           <a:bodyPr/>
           <a:lstStyle/>
           <a:p>
-            <a:fld id="{86CB4B4D-7CA3-9044-876B-883B54F8677D}" type="slidenum">
-              <a:t>19</a:t>
-            </a:fld>
-            <a:endParaRPr/>
+            <a:pPr/>
+            <a:fld id="{86CB4B4D-7CA3-9044-876B-883B54F8677D}" type="slidenum"/>
           </a:p>
         </p:txBody>
       </p:sp>
       <p:pic>
         <p:nvPicPr>
-          <p:cNvPr id="196" name="Grafik 7" descr="Grafik 7"/>
+          <p:cNvPr id="193" name="Grafik 7" descr="Grafik 7"/>
           <p:cNvPicPr>
             <a:picLocks noChangeAspect="1"/>
           </p:cNvPicPr>
           <p:nvPr/>
         </p:nvPicPr>
         <p:blipFill>
-          <a:blip r:embed="rId2"/>
+          <a:blip r:embed="rId2">
+            <a:extLst/>
+          </a:blip>
           <a:stretch>
             <a:fillRect/>
           </a:stretch>
@@ -5896,12 +5955,12 @@
   <p:clrMapOvr>
     <a:masterClrMapping/>
   </p:clrMapOvr>
-  <p:transition spd="med"/>
+  <p:transition xmlns:p14="http://schemas.microsoft.com/office/powerpoint/2010/main" spd="med" advClick="1"/>
 </p:sld>
 </file>
 
 <file path=ppt/slides/slide2.xml><?xml version="1.0" encoding="utf-8"?>
-<p:sld xmlns:a="http://schemas.openxmlformats.org/drawingml/2006/main" xmlns:r="http://schemas.openxmlformats.org/officeDocument/2006/relationships" xmlns:p="http://schemas.openxmlformats.org/presentationml/2006/main">
+<p:sld xmlns:a="http://schemas.openxmlformats.org/drawingml/2006/main" xmlns:r="http://schemas.openxmlformats.org/officeDocument/2006/relationships" xmlns:p="http://schemas.openxmlformats.org/presentationml/2006/main" xmlns:m="http://schemas.openxmlformats.org/officeDocument/2006/math" xmlns:a14="http://schemas.microsoft.com/office/drawing/2010/main" showMasterSp="1" showMasterPhAnim="1">
   <p:cSld>
     <p:spTree>
       <p:nvGrpSpPr>
@@ -5920,9 +5979,7 @@
       <p:sp>
         <p:nvSpPr>
           <p:cNvPr id="104" name="Titel 1"/>
-          <p:cNvSpPr txBox="1">
-            <a:spLocks noGrp="1"/>
-          </p:cNvSpPr>
+          <p:cNvSpPr txBox="1"/>
           <p:nvPr>
             <p:ph type="title"/>
           </p:nvPr>
@@ -5942,6 +5999,7 @@
             <a:lvl1pPr algn="ctr"/>
           </a:lstStyle>
           <a:p>
+            <a:pPr/>
             <a:r>
               <a:t>Outline</a:t>
             </a:r>
@@ -5951,9 +6009,7 @@
       <p:sp>
         <p:nvSpPr>
           <p:cNvPr id="105" name="Inhaltsplatzhalter 2"/>
-          <p:cNvSpPr txBox="1">
-            <a:spLocks noGrp="1"/>
-          </p:cNvSpPr>
+          <p:cNvSpPr txBox="1"/>
           <p:nvPr>
             <p:ph type="body" idx="1"/>
           </p:nvPr>
@@ -5988,7 +6044,6 @@
               </a:spcBef>
               <a:defRPr sz="2688"/>
             </a:pPr>
-            <a:endParaRPr/>
           </a:p>
           <a:p>
             <a:pPr marL="219455" indent="-219455" defTabSz="877823">
@@ -6008,7 +6063,6 @@
               </a:spcBef>
               <a:defRPr sz="2688"/>
             </a:pPr>
-            <a:endParaRPr/>
           </a:p>
           <a:p>
             <a:pPr marL="219455" indent="-219455" defTabSz="877823">
@@ -6028,7 +6082,6 @@
               </a:spcBef>
               <a:defRPr sz="2688"/>
             </a:pPr>
-            <a:endParaRPr/>
           </a:p>
           <a:p>
             <a:pPr marL="219455" indent="-219455" defTabSz="877823">
@@ -6048,7 +6101,6 @@
               </a:spcBef>
               <a:defRPr sz="2688"/>
             </a:pPr>
-            <a:endParaRPr/>
           </a:p>
           <a:p>
             <a:pPr marL="219455" indent="-219455" defTabSz="877823">
@@ -6066,9 +6118,7 @@
       <p:sp>
         <p:nvSpPr>
           <p:cNvPr id="106" name="Foliennummernplatzhalter 3"/>
-          <p:cNvSpPr txBox="1">
-            <a:spLocks noGrp="1"/>
-          </p:cNvSpPr>
+          <p:cNvSpPr txBox="1"/>
           <p:nvPr>
             <p:ph type="sldNum" sz="quarter" idx="2"/>
           </p:nvPr>
@@ -6083,7 +6133,7 @@
           </a:prstGeom>
           <a:extLst>
             <a:ext uri="{C572A759-6A51-4108-AA02-DFA0A04FC94B}">
-              <ma14:wrappingTextBoxFlag xmlns="" xmlns:m="http://schemas.openxmlformats.org/officeDocument/2006/math" xmlns:a14="http://schemas.microsoft.com/office/drawing/2010/main" xmlns:ma14="http://schemas.microsoft.com/office/mac/drawingml/2011/main" val="1"/>
+              <ma14:wrappingTextBoxFlag xmlns:ma14="http://schemas.microsoft.com/office/mac/drawingml/2011/main" val="1"/>
             </a:ext>
           </a:extLst>
         </p:spPr>
@@ -6091,10 +6141,8 @@
           <a:bodyPr/>
           <a:lstStyle/>
           <a:p>
-            <a:fld id="{86CB4B4D-7CA3-9044-876B-883B54F8677D}" type="slidenum">
-              <a:t>2</a:t>
-            </a:fld>
-            <a:endParaRPr/>
+            <a:pPr/>
+            <a:fld id="{86CB4B4D-7CA3-9044-876B-883B54F8677D}" type="slidenum"/>
           </a:p>
         </p:txBody>
       </p:sp>
@@ -6103,12 +6151,12 @@
   <p:clrMapOvr>
     <a:masterClrMapping/>
   </p:clrMapOvr>
-  <p:transition spd="med"/>
+  <p:transition xmlns:p14="http://schemas.microsoft.com/office/powerpoint/2010/main" spd="med" advClick="1"/>
 </p:sld>
 </file>
 
 <file path=ppt/slides/slide20.xml><?xml version="1.0" encoding="utf-8"?>
-<p:sld xmlns:a="http://schemas.openxmlformats.org/drawingml/2006/main" xmlns:r="http://schemas.openxmlformats.org/officeDocument/2006/relationships" xmlns:p="http://schemas.openxmlformats.org/presentationml/2006/main">
+<p:sld xmlns:a="http://schemas.openxmlformats.org/drawingml/2006/main" xmlns:r="http://schemas.openxmlformats.org/officeDocument/2006/relationships" xmlns:p="http://schemas.openxmlformats.org/presentationml/2006/main" xmlns:m="http://schemas.openxmlformats.org/officeDocument/2006/math" xmlns:a14="http://schemas.microsoft.com/office/drawing/2010/main" showMasterSp="1" showMasterPhAnim="1">
   <p:cSld>
     <p:spTree>
       <p:nvGrpSpPr>
@@ -6126,10 +6174,8 @@
       </p:grpSpPr>
       <p:sp>
         <p:nvSpPr>
-          <p:cNvPr id="198" name="Titel 1"/>
-          <p:cNvSpPr txBox="1">
-            <a:spLocks noGrp="1"/>
-          </p:cNvSpPr>
+          <p:cNvPr id="195" name="Titel 1"/>
+          <p:cNvSpPr txBox="1"/>
           <p:nvPr>
             <p:ph type="title"/>
           </p:nvPr>
@@ -6149,8 +6195,8 @@
             <a:lvl1pPr algn="ctr"/>
           </a:lstStyle>
           <a:p>
-            <a:r>
-              <a:rPr dirty="0"/>
+            <a:pPr/>
+            <a:r>
               <a:t>Performance</a:t>
             </a:r>
           </a:p>
@@ -6158,10 +6204,8 @@
       </p:sp>
       <p:sp>
         <p:nvSpPr>
-          <p:cNvPr id="199" name="Inhaltsplatzhalter 4"/>
-          <p:cNvSpPr txBox="1">
-            <a:spLocks noGrp="1"/>
-          </p:cNvSpPr>
+          <p:cNvPr id="196" name="Inhaltsplatzhalter 4"/>
+          <p:cNvSpPr txBox="1"/>
           <p:nvPr>
             <p:ph type="body" sz="half" idx="1"/>
           </p:nvPr>
@@ -6185,7 +6229,6 @@
               <a:defRPr b="1"/>
             </a:pPr>
             <a:r>
-              <a:rPr dirty="0"/>
               <a:t>Cross-validation:</a:t>
             </a:r>
           </a:p>
@@ -6194,35 +6237,43 @@
               <a:buSzTx/>
               <a:buNone/>
             </a:pPr>
-            <a:endParaRPr dirty="0"/>
-          </a:p>
-          <a:p>
-            <a:r>
-              <a:rPr dirty="0"/>
+          </a:p>
+          <a:p>
+            <a:pPr/>
+            <a:r>
               <a:t>MCC: 19% ± 1% </a:t>
             </a:r>
           </a:p>
           <a:p>
-            <a:r>
-              <a:rPr dirty="0"/>
+            <a:pPr/>
+            <a:r>
               <a:t>F1-score: 19% ± 1%</a:t>
             </a:r>
           </a:p>
           <a:p>
-            <a:r>
-              <a:rPr dirty="0"/>
+            <a:pPr/>
+            <a:r>
               <a:t>Precision: 40% ± 2%</a:t>
             </a:r>
           </a:p>
           <a:p>
-            <a:r>
-              <a:rPr dirty="0"/>
-              <a:t>Recall: 13.4% ± 0.7%</a:t>
-            </a:r>
-          </a:p>
-          <a:p>
-            <a:r>
-              <a:rPr dirty="0"/>
+            <a:pPr/>
+            <a:r>
+              <a:t>Recall: </a:t>
+            </a:r>
+            <a:r>
+              <a:t>13.4% </a:t>
+            </a:r>
+            <a:r>
+              <a:t>± </a:t>
+            </a:r>
+            <a:r>
+              <a:t>0.7%</a:t>
+            </a:r>
+          </a:p>
+          <a:p>
+            <a:pPr/>
+            <a:r>
               <a:t>Coverage: 1</a:t>
             </a:r>
           </a:p>
@@ -6230,13 +6281,13 @@
       </p:sp>
       <p:sp>
         <p:nvSpPr>
-          <p:cNvPr id="200" name="Inhaltsplatzhalter 5"/>
+          <p:cNvPr id="197" name="Inhaltsplatzhalter 5"/>
           <p:cNvSpPr txBox="1"/>
           <p:nvPr/>
         </p:nvSpPr>
         <p:spPr>
           <a:xfrm>
-            <a:off x="6172200" y="1844479"/>
+            <a:off x="6172200" y="1825625"/>
             <a:ext cx="5181600" cy="4351338"/>
           </a:xfrm>
           <a:prstGeom prst="rect">
@@ -6247,13 +6298,13 @@
           </a:ln>
           <a:extLst>
             <a:ext uri="{C572A759-6A51-4108-AA02-DFA0A04FC94B}">
-              <ma14:wrappingTextBoxFlag xmlns="" xmlns:m="http://schemas.openxmlformats.org/officeDocument/2006/math" xmlns:a14="http://schemas.microsoft.com/office/drawing/2010/main" xmlns:ma14="http://schemas.microsoft.com/office/mac/drawingml/2011/main" val="1"/>
+              <ma14:wrappingTextBoxFlag xmlns:ma14="http://schemas.microsoft.com/office/mac/drawingml/2011/main" val="1"/>
             </a:ext>
           </a:extLst>
         </p:spPr>
         <p:txBody>
           <a:bodyPr lIns="45719" rIns="45719">
-            <a:normAutofit/>
+            <a:normAutofit fontScale="100000" lnSpcReduction="0"/>
           </a:bodyPr>
           <a:lstStyle/>
           <a:p>
@@ -6264,15 +6315,10 @@
               <a:spcBef>
                 <a:spcPts val="1000"/>
               </a:spcBef>
-              <a:defRPr sz="2800" b="1"/>
+              <a:defRPr b="1" sz="2800"/>
             </a:pPr>
             <a:r>
-              <a:rPr dirty="0" err="1"/>
-              <a:t>Testset</a:t>
-            </a:r>
-            <a:r>
-              <a:rPr dirty="0"/>
-              <a:t>:</a:t>
+              <a:t>Testset:</a:t>
             </a:r>
           </a:p>
           <a:p>
@@ -6288,7 +6334,6 @@
               <a:buChar char="•"/>
               <a:defRPr sz="2800"/>
             </a:pPr>
-            <a:endParaRPr dirty="0"/>
           </a:p>
           <a:p>
             <a:pPr marL="228600" indent="-228600">
@@ -6304,20 +6349,7 @@
               <a:defRPr sz="2800"/>
             </a:pPr>
             <a:r>
-              <a:rPr dirty="0"/>
-              <a:t>MCC: 29% ± </a:t>
-            </a:r>
-            <a:r>
-              <a:rPr lang="de-DE" dirty="0">
-                <a:solidFill>
-                  <a:schemeClr val="tx1"/>
-                </a:solidFill>
-              </a:rPr>
-              <a:t>1</a:t>
-            </a:r>
-            <a:r>
-              <a:rPr dirty="0"/>
-              <a:t>%</a:t>
+              <a:t>MCC: 29.1% ± 0.7%</a:t>
             </a:r>
           </a:p>
           <a:p>
@@ -6334,20 +6366,7 @@
               <a:defRPr sz="2800"/>
             </a:pPr>
             <a:r>
-              <a:rPr dirty="0"/>
-              <a:t>F1-score: 35% ± </a:t>
-            </a:r>
-            <a:r>
-              <a:rPr lang="de-DE" dirty="0">
-                <a:solidFill>
-                  <a:schemeClr val="tx1"/>
-                </a:solidFill>
-              </a:rPr>
-              <a:t>1</a:t>
-            </a:r>
-            <a:r>
-              <a:rPr dirty="0"/>
-              <a:t>%</a:t>
+              <a:t>F1-score: 35.2% ± 0.6%</a:t>
             </a:r>
           </a:p>
           <a:p>
@@ -6364,20 +6383,7 @@
               <a:defRPr sz="2800"/>
             </a:pPr>
             <a:r>
-              <a:rPr dirty="0"/>
-              <a:t>Precision: 40% ± </a:t>
-            </a:r>
-            <a:r>
-              <a:rPr lang="de-DE" dirty="0">
-                <a:solidFill>
-                  <a:schemeClr val="tx1"/>
-                </a:solidFill>
-              </a:rPr>
-              <a:t>1</a:t>
-            </a:r>
-            <a:r>
-              <a:rPr dirty="0"/>
-              <a:t>%</a:t>
+              <a:t>Precision: 40.9% ± 0.6%</a:t>
             </a:r>
           </a:p>
           <a:p>
@@ -6394,20 +6400,7 @@
               <a:defRPr sz="2800"/>
             </a:pPr>
             <a:r>
-              <a:rPr dirty="0"/>
-              <a:t>Recall: 30% ± </a:t>
-            </a:r>
-            <a:r>
-              <a:rPr lang="de-DE" dirty="0">
-                <a:solidFill>
-                  <a:schemeClr val="tx1"/>
-                </a:solidFill>
-              </a:rPr>
-              <a:t>1</a:t>
-            </a:r>
-            <a:r>
-              <a:rPr dirty="0"/>
-              <a:t>%</a:t>
+              <a:t>Recall: 31.0% ± 0.9%</a:t>
             </a:r>
           </a:p>
           <a:p>
@@ -6424,7 +6417,6 @@
               <a:defRPr sz="2800"/>
             </a:pPr>
             <a:r>
-              <a:rPr dirty="0"/>
               <a:t>Coverage: 1</a:t>
             </a:r>
           </a:p>
@@ -6432,10 +6424,8 @@
       </p:sp>
       <p:sp>
         <p:nvSpPr>
-          <p:cNvPr id="201" name="Foliennummernplatzhalter 3"/>
-          <p:cNvSpPr txBox="1">
-            <a:spLocks noGrp="1"/>
-          </p:cNvSpPr>
+          <p:cNvPr id="198" name="Foliennummernplatzhalter 3"/>
+          <p:cNvSpPr txBox="1"/>
           <p:nvPr>
             <p:ph type="sldNum" sz="quarter" idx="2"/>
           </p:nvPr>
@@ -6450,7 +6440,7 @@
           </a:prstGeom>
           <a:extLst>
             <a:ext uri="{C572A759-6A51-4108-AA02-DFA0A04FC94B}">
-              <ma14:wrappingTextBoxFlag xmlns="" xmlns:m="http://schemas.openxmlformats.org/officeDocument/2006/math" xmlns:a14="http://schemas.microsoft.com/office/drawing/2010/main" xmlns:ma14="http://schemas.microsoft.com/office/mac/drawingml/2011/main" val="1"/>
+              <ma14:wrappingTextBoxFlag xmlns:ma14="http://schemas.microsoft.com/office/mac/drawingml/2011/main" val="1"/>
             </a:ext>
           </a:extLst>
         </p:spPr>
@@ -6458,10 +6448,8 @@
           <a:bodyPr/>
           <a:lstStyle/>
           <a:p>
-            <a:fld id="{86CB4B4D-7CA3-9044-876B-883B54F8677D}" type="slidenum">
-              <a:t>20</a:t>
-            </a:fld>
-            <a:endParaRPr/>
+            <a:pPr/>
+            <a:fld id="{86CB4B4D-7CA3-9044-876B-883B54F8677D}" type="slidenum"/>
           </a:p>
         </p:txBody>
       </p:sp>
@@ -6470,12 +6458,12 @@
   <p:clrMapOvr>
     <a:masterClrMapping/>
   </p:clrMapOvr>
-  <p:transition spd="med"/>
+  <p:transition xmlns:p14="http://schemas.microsoft.com/office/powerpoint/2010/main" spd="med" advClick="1"/>
 </p:sld>
 </file>
 
 <file path=ppt/slides/slide21.xml><?xml version="1.0" encoding="utf-8"?>
-<p:sld xmlns:a="http://schemas.openxmlformats.org/drawingml/2006/main" xmlns:r="http://schemas.openxmlformats.org/officeDocument/2006/relationships" xmlns:p="http://schemas.openxmlformats.org/presentationml/2006/main" show="0">
+<p:sld xmlns:a="http://schemas.openxmlformats.org/drawingml/2006/main" xmlns:r="http://schemas.openxmlformats.org/officeDocument/2006/relationships" xmlns:p="http://schemas.openxmlformats.org/presentationml/2006/main" xmlns:m="http://schemas.openxmlformats.org/officeDocument/2006/math" xmlns:a14="http://schemas.microsoft.com/office/drawing/2010/main" showMasterSp="1" showMasterPhAnim="1">
   <p:cSld>
     <p:spTree>
       <p:nvGrpSpPr>
@@ -6493,14 +6481,16 @@
       </p:grpSpPr>
       <p:pic>
         <p:nvPicPr>
-          <p:cNvPr id="203" name="Content Placeholder 6" descr="Content Placeholder 6"/>
+          <p:cNvPr id="200" name="Content Placeholder 6" descr="Content Placeholder 6"/>
           <p:cNvPicPr>
             <a:picLocks noChangeAspect="1"/>
           </p:cNvPicPr>
           <p:nvPr/>
         </p:nvPicPr>
         <p:blipFill>
-          <a:blip r:embed="rId2"/>
+          <a:blip r:embed="rId2">
+            <a:extLst/>
+          </a:blip>
           <a:stretch>
             <a:fillRect/>
           </a:stretch>
@@ -6520,10 +6510,8 @@
       </p:pic>
       <p:sp>
         <p:nvSpPr>
-          <p:cNvPr id="204" name="Slide Number Placeholder 4"/>
-          <p:cNvSpPr txBox="1">
-            <a:spLocks noGrp="1"/>
-          </p:cNvSpPr>
+          <p:cNvPr id="201" name="Slide Number Placeholder 4"/>
+          <p:cNvSpPr txBox="1"/>
           <p:nvPr>
             <p:ph type="sldNum" sz="quarter" idx="2"/>
           </p:nvPr>
@@ -6538,7 +6526,7 @@
           </a:prstGeom>
           <a:extLst>
             <a:ext uri="{C572A759-6A51-4108-AA02-DFA0A04FC94B}">
-              <ma14:wrappingTextBoxFlag xmlns="" xmlns:m="http://schemas.openxmlformats.org/officeDocument/2006/math" xmlns:a14="http://schemas.microsoft.com/office/drawing/2010/main" xmlns:ma14="http://schemas.microsoft.com/office/mac/drawingml/2011/main" val="1"/>
+              <ma14:wrappingTextBoxFlag xmlns:ma14="http://schemas.microsoft.com/office/mac/drawingml/2011/main" val="1"/>
             </a:ext>
           </a:extLst>
         </p:spPr>
@@ -6546,19 +6534,15 @@
           <a:bodyPr/>
           <a:lstStyle/>
           <a:p>
-            <a:fld id="{86CB4B4D-7CA3-9044-876B-883B54F8677D}" type="slidenum">
-              <a:t>21</a:t>
-            </a:fld>
-            <a:endParaRPr/>
+            <a:pPr/>
+            <a:fld id="{86CB4B4D-7CA3-9044-876B-883B54F8677D}" type="slidenum"/>
           </a:p>
         </p:txBody>
       </p:sp>
       <p:sp>
         <p:nvSpPr>
-          <p:cNvPr id="205" name="Title 1"/>
-          <p:cNvSpPr txBox="1">
-            <a:spLocks noGrp="1"/>
-          </p:cNvSpPr>
+          <p:cNvPr id="202" name="Title 1"/>
+          <p:cNvSpPr txBox="1"/>
           <p:nvPr>
             <p:ph type="title"/>
           </p:nvPr>
@@ -6578,6 +6562,7 @@
             <a:lvl1pPr algn="ctr"/>
           </a:lstStyle>
           <a:p>
+            <a:pPr/>
             <a:r>
               <a:t>Cutoff Distribution</a:t>
             </a:r>
@@ -6589,12 +6574,12 @@
   <p:clrMapOvr>
     <a:masterClrMapping/>
   </p:clrMapOvr>
-  <p:transition spd="med"/>
+  <p:transition xmlns:p14="http://schemas.microsoft.com/office/powerpoint/2010/main" spd="med" advClick="1"/>
 </p:sld>
 </file>
 
 <file path=ppt/slides/slide22.xml><?xml version="1.0" encoding="utf-8"?>
-<p:sld xmlns:a="http://schemas.openxmlformats.org/drawingml/2006/main" xmlns:r="http://schemas.openxmlformats.org/officeDocument/2006/relationships" xmlns:p="http://schemas.openxmlformats.org/presentationml/2006/main">
+<p:sld xmlns:a="http://schemas.openxmlformats.org/drawingml/2006/main" xmlns:r="http://schemas.openxmlformats.org/officeDocument/2006/relationships" xmlns:p="http://schemas.openxmlformats.org/presentationml/2006/main" xmlns:m="http://schemas.openxmlformats.org/officeDocument/2006/math" xmlns:a14="http://schemas.microsoft.com/office/drawing/2010/main" showMasterSp="1" showMasterPhAnim="1">
   <p:cSld>
     <p:spTree>
       <p:nvGrpSpPr>
@@ -6612,10 +6597,8 @@
       </p:grpSpPr>
       <p:sp>
         <p:nvSpPr>
-          <p:cNvPr id="207" name="Foliennummernplatzhalter 3"/>
-          <p:cNvSpPr txBox="1">
-            <a:spLocks noGrp="1"/>
-          </p:cNvSpPr>
+          <p:cNvPr id="204" name="Foliennummernplatzhalter 3"/>
+          <p:cNvSpPr txBox="1"/>
           <p:nvPr>
             <p:ph type="sldNum" sz="quarter" idx="2"/>
           </p:nvPr>
@@ -6630,7 +6613,7 @@
           </a:prstGeom>
           <a:extLst>
             <a:ext uri="{C572A759-6A51-4108-AA02-DFA0A04FC94B}">
-              <ma14:wrappingTextBoxFlag xmlns="" xmlns:m="http://schemas.openxmlformats.org/officeDocument/2006/math" xmlns:a14="http://schemas.microsoft.com/office/drawing/2010/main" xmlns:ma14="http://schemas.microsoft.com/office/mac/drawingml/2011/main" val="1"/>
+              <ma14:wrappingTextBoxFlag xmlns:ma14="http://schemas.microsoft.com/office/mac/drawingml/2011/main" val="1"/>
             </a:ext>
           </a:extLst>
         </p:spPr>
@@ -6638,16 +6621,14 @@
           <a:bodyPr/>
           <a:lstStyle/>
           <a:p>
-            <a:fld id="{86CB4B4D-7CA3-9044-876B-883B54F8677D}" type="slidenum">
-              <a:t>22</a:t>
-            </a:fld>
-            <a:endParaRPr/>
+            <a:pPr/>
+            <a:fld id="{86CB4B4D-7CA3-9044-876B-883B54F8677D}" type="slidenum"/>
           </a:p>
         </p:txBody>
       </p:sp>
       <p:sp>
         <p:nvSpPr>
-          <p:cNvPr id="208" name="Titel 1"/>
+          <p:cNvPr id="205" name="Titel 1"/>
           <p:cNvSpPr txBox="1"/>
           <p:nvPr/>
         </p:nvSpPr>
@@ -6664,13 +6645,13 @@
           </a:ln>
           <a:extLst>
             <a:ext uri="{C572A759-6A51-4108-AA02-DFA0A04FC94B}">
-              <ma14:wrappingTextBoxFlag xmlns="" xmlns:m="http://schemas.openxmlformats.org/officeDocument/2006/math" xmlns:a14="http://schemas.microsoft.com/office/drawing/2010/main" xmlns:ma14="http://schemas.microsoft.com/office/mac/drawingml/2011/main" val="1"/>
+              <ma14:wrappingTextBoxFlag xmlns:ma14="http://schemas.microsoft.com/office/mac/drawingml/2011/main" val="1"/>
             </a:ext>
           </a:extLst>
         </p:spPr>
         <p:txBody>
           <a:bodyPr lIns="45719" rIns="45719" anchor="ctr">
-            <a:normAutofit/>
+            <a:normAutofit fontScale="100000" lnSpcReduction="0"/>
           </a:bodyPr>
           <a:lstStyle>
             <a:lvl1pPr algn="ctr">
@@ -6686,6 +6667,7 @@
             </a:lvl1pPr>
           </a:lstStyle>
           <a:p>
+            <a:pPr/>
             <a:r>
               <a:t>Testing for overfitting</a:t>
             </a:r>
@@ -6694,14 +6676,16 @@
       </p:sp>
       <p:pic>
         <p:nvPicPr>
-          <p:cNvPr id="209" name="TestTrainOverUnderEpochMCC.png" descr="TestTrainOverUnderEpochMCC.png"/>
+          <p:cNvPr id="206" name="TestTrainOverUnderEpochMCC.png" descr="TestTrainOverUnderEpochMCC.png"/>
           <p:cNvPicPr>
             <a:picLocks noChangeAspect="1"/>
           </p:cNvPicPr>
           <p:nvPr/>
         </p:nvPicPr>
         <p:blipFill>
-          <a:blip r:embed="rId2"/>
+          <a:blip r:embed="rId2">
+            <a:extLst/>
+          </a:blip>
           <a:stretch>
             <a:fillRect/>
           </a:stretch>
@@ -6721,14 +6705,16 @@
       </p:pic>
       <p:pic>
         <p:nvPicPr>
-          <p:cNvPr id="210" name="EpochVSMCC_OrigParams.png" descr="EpochVSMCC_OrigParams.png"/>
+          <p:cNvPr id="207" name="EpochVSMCC_OrigParams.png" descr="EpochVSMCC_OrigParams.png"/>
           <p:cNvPicPr>
             <a:picLocks noChangeAspect="1"/>
           </p:cNvPicPr>
           <p:nvPr/>
         </p:nvPicPr>
         <p:blipFill>
-          <a:blip r:embed="rId3"/>
+          <a:blip r:embed="rId3">
+            <a:extLst/>
+          </a:blip>
           <a:stretch>
             <a:fillRect/>
           </a:stretch>
@@ -6751,12 +6737,12 @@
   <p:clrMapOvr>
     <a:masterClrMapping/>
   </p:clrMapOvr>
-  <p:transition spd="med"/>
+  <p:transition xmlns:p14="http://schemas.microsoft.com/office/powerpoint/2010/main" spd="med" advClick="1"/>
 </p:sld>
 </file>
 
 <file path=ppt/slides/slide23.xml><?xml version="1.0" encoding="utf-8"?>
-<p:sld xmlns:a="http://schemas.openxmlformats.org/drawingml/2006/main" xmlns:r="http://schemas.openxmlformats.org/officeDocument/2006/relationships" xmlns:p="http://schemas.openxmlformats.org/presentationml/2006/main" show="0">
+<p:sld xmlns:a="http://schemas.openxmlformats.org/drawingml/2006/main" xmlns:r="http://schemas.openxmlformats.org/officeDocument/2006/relationships" xmlns:p="http://schemas.openxmlformats.org/presentationml/2006/main" xmlns:m="http://schemas.openxmlformats.org/officeDocument/2006/math" xmlns:a14="http://schemas.microsoft.com/office/drawing/2010/main" show="0" showMasterSp="1" showMasterPhAnim="1">
   <p:cSld>
     <p:spTree>
       <p:nvGrpSpPr>
@@ -6774,10 +6760,8 @@
       </p:grpSpPr>
       <p:sp>
         <p:nvSpPr>
-          <p:cNvPr id="212" name="Title 1"/>
-          <p:cNvSpPr txBox="1">
-            <a:spLocks noGrp="1"/>
-          </p:cNvSpPr>
+          <p:cNvPr id="209" name="Title 1"/>
+          <p:cNvSpPr txBox="1"/>
           <p:nvPr>
             <p:ph type="title"/>
           </p:nvPr>
@@ -6797,6 +6781,7 @@
             <a:lvl1pPr algn="ctr"/>
           </a:lstStyle>
           <a:p>
+            <a:pPr/>
             <a:r>
               <a:t>Testing for Overfitting</a:t>
             </a:r>
@@ -6805,10 +6790,8 @@
       </p:sp>
       <p:sp>
         <p:nvSpPr>
-          <p:cNvPr id="213" name="Slide Number Placeholder 3"/>
-          <p:cNvSpPr txBox="1">
-            <a:spLocks noGrp="1"/>
-          </p:cNvSpPr>
+          <p:cNvPr id="210" name="Slide Number Placeholder 3"/>
+          <p:cNvSpPr txBox="1"/>
           <p:nvPr>
             <p:ph type="sldNum" sz="quarter" idx="2"/>
           </p:nvPr>
@@ -6823,7 +6806,7 @@
           </a:prstGeom>
           <a:extLst>
             <a:ext uri="{C572A759-6A51-4108-AA02-DFA0A04FC94B}">
-              <ma14:wrappingTextBoxFlag xmlns="" xmlns:m="http://schemas.openxmlformats.org/officeDocument/2006/math" xmlns:a14="http://schemas.microsoft.com/office/drawing/2010/main" xmlns:ma14="http://schemas.microsoft.com/office/mac/drawingml/2011/main" val="1"/>
+              <ma14:wrappingTextBoxFlag xmlns:ma14="http://schemas.microsoft.com/office/mac/drawingml/2011/main" val="1"/>
             </a:ext>
           </a:extLst>
         </p:spPr>
@@ -6831,96 +6814,22 @@
           <a:bodyPr/>
           <a:lstStyle/>
           <a:p>
-            <a:fld id="{86CB4B4D-7CA3-9044-876B-883B54F8677D}" type="slidenum">
-              <a:t>23</a:t>
-            </a:fld>
-            <a:endParaRPr/>
+            <a:pPr/>
+            <a:fld id="{86CB4B4D-7CA3-9044-876B-883B54F8677D}" type="slidenum"/>
           </a:p>
         </p:txBody>
       </p:sp>
-      <p:pic>
-        <p:nvPicPr>
-          <p:cNvPr id="3" name="Grafik 2" descr="Ein Bild, das Text, Karte enthält.&#10;&#10;Automatisch generierte Beschreibung">
-            <a:extLst>
-              <a:ext uri="{FF2B5EF4-FFF2-40B4-BE49-F238E27FC236}">
-                <a16:creationId xmlns:a16="http://schemas.microsoft.com/office/drawing/2014/main" id="{BC5E789C-ED38-4577-89FC-6F71245AF320}"/>
-              </a:ext>
-            </a:extLst>
-          </p:cNvPr>
-          <p:cNvPicPr>
-            <a:picLocks noChangeAspect="1"/>
-          </p:cNvPicPr>
-          <p:nvPr/>
-        </p:nvPicPr>
-        <p:blipFill>
-          <a:blip r:embed="rId2">
-            <a:extLst>
-              <a:ext uri="{28A0092B-C50C-407E-A947-70E740481C1C}">
-                <a14:useLocalDpi xmlns:a14="http://schemas.microsoft.com/office/drawing/2010/main" val="0"/>
-              </a:ext>
-            </a:extLst>
-          </a:blip>
-          <a:stretch>
-            <a:fillRect/>
-          </a:stretch>
-        </p:blipFill>
-        <p:spPr>
-          <a:xfrm>
-            <a:off x="6339828" y="1690687"/>
-            <a:ext cx="5852172" cy="4370841"/>
-          </a:xfrm>
-          <a:prstGeom prst="rect">
-            <a:avLst/>
-          </a:prstGeom>
-        </p:spPr>
-      </p:pic>
-      <p:pic>
-        <p:nvPicPr>
-          <p:cNvPr id="5" name="Grafik 4" descr="Ein Bild, das Screenshot enthält.&#10;&#10;Automatisch generierte Beschreibung">
-            <a:extLst>
-              <a:ext uri="{FF2B5EF4-FFF2-40B4-BE49-F238E27FC236}">
-                <a16:creationId xmlns:a16="http://schemas.microsoft.com/office/drawing/2014/main" id="{7B40107C-3F2C-4A93-B8E9-A32272A63161}"/>
-              </a:ext>
-            </a:extLst>
-          </p:cNvPr>
-          <p:cNvPicPr>
-            <a:picLocks noChangeAspect="1"/>
-          </p:cNvPicPr>
-          <p:nvPr/>
-        </p:nvPicPr>
-        <p:blipFill>
-          <a:blip r:embed="rId3">
-            <a:extLst>
-              <a:ext uri="{28A0092B-C50C-407E-A947-70E740481C1C}">
-                <a14:useLocalDpi xmlns:a14="http://schemas.microsoft.com/office/drawing/2010/main" val="0"/>
-              </a:ext>
-            </a:extLst>
-          </a:blip>
-          <a:stretch>
-            <a:fillRect/>
-          </a:stretch>
-        </p:blipFill>
-        <p:spPr>
-          <a:xfrm>
-            <a:off x="558690" y="1690688"/>
-            <a:ext cx="5852172" cy="4370841"/>
-          </a:xfrm>
-          <a:prstGeom prst="rect">
-            <a:avLst/>
-          </a:prstGeom>
-        </p:spPr>
-      </p:pic>
     </p:spTree>
   </p:cSld>
   <p:clrMapOvr>
     <a:masterClrMapping/>
   </p:clrMapOvr>
-  <p:transition spd="med"/>
+  <p:transition xmlns:p14="http://schemas.microsoft.com/office/powerpoint/2010/main" spd="med" advClick="1"/>
 </p:sld>
 </file>
 
 <file path=ppt/slides/slide24.xml><?xml version="1.0" encoding="utf-8"?>
-<p:sld xmlns:a="http://schemas.openxmlformats.org/drawingml/2006/main" xmlns:r="http://schemas.openxmlformats.org/officeDocument/2006/relationships" xmlns:p="http://schemas.openxmlformats.org/presentationml/2006/main">
+<p:sld xmlns:a="http://schemas.openxmlformats.org/drawingml/2006/main" xmlns:r="http://schemas.openxmlformats.org/officeDocument/2006/relationships" xmlns:p="http://schemas.openxmlformats.org/presentationml/2006/main" xmlns:m="http://schemas.openxmlformats.org/officeDocument/2006/math" xmlns:a14="http://schemas.microsoft.com/office/drawing/2010/main" showMasterSp="1" showMasterPhAnim="1">
   <p:cSld>
     <p:spTree>
       <p:nvGrpSpPr>
@@ -6938,106 +6847,122 @@
       </p:grpSpPr>
       <p:sp>
         <p:nvSpPr>
-          <p:cNvPr id="2" name="Titel 1">
-            <a:extLst>
-              <a:ext uri="{FF2B5EF4-FFF2-40B4-BE49-F238E27FC236}">
-                <a16:creationId xmlns:a16="http://schemas.microsoft.com/office/drawing/2014/main" id="{D38D457B-3599-490A-883E-2C44D6531D06}"/>
-              </a:ext>
-            </a:extLst>
-          </p:cNvPr>
-          <p:cNvSpPr>
-            <a:spLocks noGrp="1"/>
-          </p:cNvSpPr>
+          <p:cNvPr id="212" name="Titel 1"/>
+          <p:cNvSpPr txBox="1"/>
           <p:nvPr>
             <p:ph type="title"/>
           </p:nvPr>
         </p:nvSpPr>
-        <p:spPr/>
+        <p:spPr>
+          <a:xfrm>
+            <a:off x="838200" y="365125"/>
+            <a:ext cx="10515600" cy="1325563"/>
+          </a:xfrm>
+          <a:prstGeom prst="rect">
+            <a:avLst/>
+          </a:prstGeom>
+        </p:spPr>
         <p:txBody>
           <a:bodyPr/>
-          <a:lstStyle/>
-          <a:p>
-            <a:endParaRPr lang="en-US"/>
+          <a:lstStyle>
+            <a:lvl1pPr algn="ctr"/>
+          </a:lstStyle>
+          <a:p>
+            <a:pPr/>
+            <a:r>
+              <a:t>Thank you!</a:t>
+            </a:r>
           </a:p>
         </p:txBody>
       </p:sp>
       <p:sp>
         <p:nvSpPr>
-          <p:cNvPr id="3" name="Textplatzhalter 2">
-            <a:extLst>
-              <a:ext uri="{FF2B5EF4-FFF2-40B4-BE49-F238E27FC236}">
-                <a16:creationId xmlns:a16="http://schemas.microsoft.com/office/drawing/2014/main" id="{E282BAE1-98DB-4B22-A097-CD7F7C7F9A10}"/>
-              </a:ext>
-            </a:extLst>
-          </p:cNvPr>
-          <p:cNvSpPr>
-            <a:spLocks noGrp="1"/>
-          </p:cNvSpPr>
+          <p:cNvPr id="213" name="Inhaltsplatzhalter 2"/>
+          <p:cNvSpPr txBox="1"/>
           <p:nvPr>
             <p:ph type="body" idx="1"/>
           </p:nvPr>
         </p:nvSpPr>
-        <p:spPr/>
+        <p:spPr>
+          <a:xfrm>
+            <a:off x="838200" y="1825625"/>
+            <a:ext cx="10515600" cy="4351338"/>
+          </a:xfrm>
+          <a:prstGeom prst="rect">
+            <a:avLst/>
+          </a:prstGeom>
+        </p:spPr>
         <p:txBody>
           <a:bodyPr/>
           <a:lstStyle/>
           <a:p>
-            <a:endParaRPr lang="en-US" dirty="0"/>
+            <a:pPr marL="0" indent="0" algn="ctr">
+              <a:buSzTx/>
+              <a:buNone/>
+              <a:defRPr sz="3600"/>
+            </a:pPr>
+          </a:p>
+          <a:p>
+            <a:pPr marL="0" indent="0" algn="ctr">
+              <a:buSzTx/>
+              <a:buNone/>
+              <a:defRPr sz="3600"/>
+            </a:pPr>
+          </a:p>
+          <a:p>
+            <a:pPr marL="0" indent="0" algn="ctr">
+              <a:buSzTx/>
+              <a:buNone/>
+              <a:defRPr sz="3600"/>
+            </a:pPr>
+            <a:r>
+              <a:t>Questions?</a:t>
+            </a:r>
           </a:p>
         </p:txBody>
       </p:sp>
-      <p:pic>
-        <p:nvPicPr>
-          <p:cNvPr id="4" name="Grafik 3" descr="Ein Bild, das Screenshot enthält.&#10;&#10;Automatisch generierte Beschreibung">
-            <a:extLst>
-              <a:ext uri="{FF2B5EF4-FFF2-40B4-BE49-F238E27FC236}">
-                <a16:creationId xmlns:a16="http://schemas.microsoft.com/office/drawing/2014/main" id="{6E086811-D851-4254-BC46-CDB16CAF5115}"/>
-              </a:ext>
-            </a:extLst>
-          </p:cNvPr>
-          <p:cNvPicPr>
-            <a:picLocks noChangeAspect="1"/>
-          </p:cNvPicPr>
-          <p:nvPr/>
-        </p:nvPicPr>
-        <p:blipFill>
-          <a:blip r:embed="rId2">
-            <a:extLst>
-              <a:ext uri="{28A0092B-C50C-407E-A947-70E740481C1C}">
-                <a14:useLocalDpi xmlns:a14="http://schemas.microsoft.com/office/drawing/2010/main" val="0"/>
-              </a:ext>
-            </a:extLst>
-          </a:blip>
-          <a:stretch>
-            <a:fillRect/>
-          </a:stretch>
-        </p:blipFill>
+      <p:sp>
+        <p:nvSpPr>
+          <p:cNvPr id="214" name="Foliennummernplatzhalter 3"/>
+          <p:cNvSpPr txBox="1"/>
+          <p:nvPr>
+            <p:ph type="sldNum" sz="quarter" idx="2"/>
+          </p:nvPr>
+        </p:nvSpPr>
         <p:spPr>
           <a:xfrm>
-            <a:off x="732742" y="169682"/>
-            <a:ext cx="10726515" cy="6007281"/>
+            <a:off x="11089818" y="6404292"/>
+            <a:ext cx="263982" cy="269241"/>
           </a:xfrm>
           <a:prstGeom prst="rect">
             <a:avLst/>
           </a:prstGeom>
-        </p:spPr>
-      </p:pic>
+          <a:extLst>
+            <a:ext uri="{C572A759-6A51-4108-AA02-DFA0A04FC94B}">
+              <ma14:wrappingTextBoxFlag xmlns:ma14="http://schemas.microsoft.com/office/mac/drawingml/2011/main" val="1"/>
+            </a:ext>
+          </a:extLst>
+        </p:spPr>
+        <p:txBody>
+          <a:bodyPr/>
+          <a:lstStyle/>
+          <a:p>
+            <a:pPr/>
+            <a:fld id="{86CB4B4D-7CA3-9044-876B-883B54F8677D}" type="slidenum"/>
+          </a:p>
+        </p:txBody>
+      </p:sp>
     </p:spTree>
-    <p:extLst>
-      <p:ext uri="{BB962C8B-B14F-4D97-AF65-F5344CB8AC3E}">
-        <p14:creationId xmlns:p14="http://schemas.microsoft.com/office/powerpoint/2010/main" val="2054300214"/>
-      </p:ext>
-    </p:extLst>
   </p:cSld>
   <p:clrMapOvr>
     <a:masterClrMapping/>
   </p:clrMapOvr>
-  <p:transition spd="med"/>
+  <p:transition xmlns:p14="http://schemas.microsoft.com/office/powerpoint/2010/main" spd="med" advClick="1"/>
 </p:sld>
 </file>
 
 <file path=ppt/slides/slide25.xml><?xml version="1.0" encoding="utf-8"?>
-<p:sld xmlns:a="http://schemas.openxmlformats.org/drawingml/2006/main" xmlns:r="http://schemas.openxmlformats.org/officeDocument/2006/relationships" xmlns:p="http://schemas.openxmlformats.org/presentationml/2006/main">
+<p:sld xmlns:a="http://schemas.openxmlformats.org/drawingml/2006/main" xmlns:r="http://schemas.openxmlformats.org/officeDocument/2006/relationships" xmlns:p="http://schemas.openxmlformats.org/presentationml/2006/main" xmlns:m="http://schemas.openxmlformats.org/officeDocument/2006/math" xmlns:a14="http://schemas.microsoft.com/office/drawing/2010/main" showMasterSp="1" showMasterPhAnim="1">
   <p:cSld>
     <p:spTree>
       <p:nvGrpSpPr>
@@ -7055,19 +6980,13 @@
       </p:grpSpPr>
       <p:sp>
         <p:nvSpPr>
-          <p:cNvPr id="215" name="Titel 1"/>
-          <p:cNvSpPr txBox="1">
-            <a:spLocks noGrp="1"/>
-          </p:cNvSpPr>
+          <p:cNvPr id="216" name="Sources"/>
+          <p:cNvSpPr txBox="1"/>
           <p:nvPr>
             <p:ph type="title"/>
           </p:nvPr>
         </p:nvSpPr>
         <p:spPr>
-          <a:xfrm>
-            <a:off x="838200" y="365125"/>
-            <a:ext cx="10515600" cy="1325563"/>
-          </a:xfrm>
           <a:prstGeom prst="rect">
             <a:avLst/>
           </a:prstGeom>
@@ -7078,156 +6997,17 @@
             <a:lvl1pPr algn="ctr"/>
           </a:lstStyle>
           <a:p>
-            <a:r>
-              <a:t>Thank you!</a:t>
+            <a:pPr/>
+            <a:r>
+              <a:t>Sources</a:t>
             </a:r>
           </a:p>
         </p:txBody>
       </p:sp>
       <p:sp>
         <p:nvSpPr>
-          <p:cNvPr id="216" name="Inhaltsplatzhalter 2"/>
-          <p:cNvSpPr txBox="1">
-            <a:spLocks noGrp="1"/>
-          </p:cNvSpPr>
-          <p:nvPr>
-            <p:ph type="body" idx="1"/>
-          </p:nvPr>
-        </p:nvSpPr>
-        <p:spPr>
-          <a:xfrm>
-            <a:off x="838200" y="1825625"/>
-            <a:ext cx="10515600" cy="4351338"/>
-          </a:xfrm>
-          <a:prstGeom prst="rect">
-            <a:avLst/>
-          </a:prstGeom>
-        </p:spPr>
-        <p:txBody>
-          <a:bodyPr/>
-          <a:lstStyle/>
-          <a:p>
-            <a:pPr marL="0" indent="0" algn="ctr">
-              <a:buSzTx/>
-              <a:buNone/>
-              <a:defRPr sz="3600"/>
-            </a:pPr>
-            <a:endParaRPr/>
-          </a:p>
-          <a:p>
-            <a:pPr marL="0" indent="0" algn="ctr">
-              <a:buSzTx/>
-              <a:buNone/>
-              <a:defRPr sz="3600"/>
-            </a:pPr>
-            <a:endParaRPr/>
-          </a:p>
-          <a:p>
-            <a:pPr marL="0" indent="0" algn="ctr">
-              <a:buSzTx/>
-              <a:buNone/>
-              <a:defRPr sz="3600"/>
-            </a:pPr>
-            <a:r>
-              <a:t>Questions?</a:t>
-            </a:r>
-          </a:p>
-        </p:txBody>
-      </p:sp>
-      <p:sp>
-        <p:nvSpPr>
-          <p:cNvPr id="217" name="Foliennummernplatzhalter 3"/>
-          <p:cNvSpPr txBox="1">
-            <a:spLocks noGrp="1"/>
-          </p:cNvSpPr>
-          <p:nvPr>
-            <p:ph type="sldNum" sz="quarter" idx="2"/>
-          </p:nvPr>
-        </p:nvSpPr>
-        <p:spPr>
-          <a:xfrm>
-            <a:off x="11089818" y="6404292"/>
-            <a:ext cx="263982" cy="269241"/>
-          </a:xfrm>
-          <a:prstGeom prst="rect">
-            <a:avLst/>
-          </a:prstGeom>
-          <a:extLst>
-            <a:ext uri="{C572A759-6A51-4108-AA02-DFA0A04FC94B}">
-              <ma14:wrappingTextBoxFlag xmlns="" xmlns:m="http://schemas.openxmlformats.org/officeDocument/2006/math" xmlns:a14="http://schemas.microsoft.com/office/drawing/2010/main" xmlns:ma14="http://schemas.microsoft.com/office/mac/drawingml/2011/main" val="1"/>
-            </a:ext>
-          </a:extLst>
-        </p:spPr>
-        <p:txBody>
-          <a:bodyPr/>
-          <a:lstStyle/>
-          <a:p>
-            <a:fld id="{86CB4B4D-7CA3-9044-876B-883B54F8677D}" type="slidenum">
-              <a:t>25</a:t>
-            </a:fld>
-            <a:endParaRPr/>
-          </a:p>
-        </p:txBody>
-      </p:sp>
-    </p:spTree>
-  </p:cSld>
-  <p:clrMapOvr>
-    <a:masterClrMapping/>
-  </p:clrMapOvr>
-  <p:transition spd="med"/>
-</p:sld>
-</file>
-
-<file path=ppt/slides/slide26.xml><?xml version="1.0" encoding="utf-8"?>
-<p:sld xmlns:a="http://schemas.openxmlformats.org/drawingml/2006/main" xmlns:r="http://schemas.openxmlformats.org/officeDocument/2006/relationships" xmlns:p="http://schemas.openxmlformats.org/presentationml/2006/main">
-  <p:cSld>
-    <p:spTree>
-      <p:nvGrpSpPr>
-        <p:cNvPr id="1" name=""/>
-        <p:cNvGrpSpPr/>
-        <p:nvPr/>
-      </p:nvGrpSpPr>
-      <p:grpSpPr>
-        <a:xfrm>
-          <a:off x="0" y="0"/>
-          <a:ext cx="0" cy="0"/>
-          <a:chOff x="0" y="0"/>
-          <a:chExt cx="0" cy="0"/>
-        </a:xfrm>
-      </p:grpSpPr>
-      <p:sp>
-        <p:nvSpPr>
-          <p:cNvPr id="219" name="Sources"/>
-          <p:cNvSpPr txBox="1">
-            <a:spLocks noGrp="1"/>
-          </p:cNvSpPr>
-          <p:nvPr>
-            <p:ph type="title"/>
-          </p:nvPr>
-        </p:nvSpPr>
-        <p:spPr>
-          <a:prstGeom prst="rect">
-            <a:avLst/>
-          </a:prstGeom>
-        </p:spPr>
-        <p:txBody>
-          <a:bodyPr/>
-          <a:lstStyle>
-            <a:lvl1pPr algn="ctr"/>
-          </a:lstStyle>
-          <a:p>
-            <a:r>
-              <a:t>Sources</a:t>
-            </a:r>
-          </a:p>
-        </p:txBody>
-      </p:sp>
-      <p:sp>
-        <p:nvSpPr>
-          <p:cNvPr id="220" name="[1] Yang, J et al. “BioLiP: a semi-manually curated database for biologically relevant ligand-protein interactions.” Nucleic acids research (2012)…"/>
-          <p:cNvSpPr txBox="1">
-            <a:spLocks noGrp="1"/>
-          </p:cNvSpPr>
+          <p:cNvPr id="217" name="[1] Yang, J et al. “BioLiP: a semi-manually curated database for biologically relevant ligand-protein interactions.” Nucleic acids research (2012)…"/>
+          <p:cNvSpPr txBox="1"/>
           <p:nvPr>
             <p:ph type="body" idx="1"/>
           </p:nvPr>
@@ -7352,10 +7132,8 @@
       </p:sp>
       <p:sp>
         <p:nvSpPr>
-          <p:cNvPr id="221" name="Slide Number"/>
-          <p:cNvSpPr txBox="1">
-            <a:spLocks noGrp="1"/>
-          </p:cNvSpPr>
+          <p:cNvPr id="218" name="Slide Number"/>
+          <p:cNvSpPr txBox="1"/>
           <p:nvPr>
             <p:ph type="sldNum" sz="quarter" idx="2"/>
           </p:nvPr>
@@ -7366,7 +7144,7 @@
           </a:prstGeom>
           <a:extLst>
             <a:ext uri="{C572A759-6A51-4108-AA02-DFA0A04FC94B}">
-              <ma14:wrappingTextBoxFlag xmlns="" xmlns:m="http://schemas.openxmlformats.org/officeDocument/2006/math" xmlns:a14="http://schemas.microsoft.com/office/drawing/2010/main" xmlns:ma14="http://schemas.microsoft.com/office/mac/drawingml/2011/main" val="1"/>
+              <ma14:wrappingTextBoxFlag xmlns:ma14="http://schemas.microsoft.com/office/mac/drawingml/2011/main" val="1"/>
             </a:ext>
           </a:extLst>
         </p:spPr>
@@ -7374,10 +7152,8 @@
           <a:bodyPr/>
           <a:lstStyle/>
           <a:p>
-            <a:fld id="{86CB4B4D-7CA3-9044-876B-883B54F8677D}" type="slidenum">
-              <a:t>26</a:t>
-            </a:fld>
-            <a:endParaRPr/>
+            <a:pPr/>
+            <a:fld id="{86CB4B4D-7CA3-9044-876B-883B54F8677D}" type="slidenum"/>
           </a:p>
         </p:txBody>
       </p:sp>
@@ -7386,12 +7162,12 @@
   <p:clrMapOvr>
     <a:masterClrMapping/>
   </p:clrMapOvr>
-  <p:transition spd="med"/>
+  <p:transition xmlns:p14="http://schemas.microsoft.com/office/powerpoint/2010/main" spd="med" advClick="1"/>
 </p:sld>
 </file>
 
-<file path=ppt/slides/slide27.xml><?xml version="1.0" encoding="utf-8"?>
-<p:sld xmlns:a="http://schemas.openxmlformats.org/drawingml/2006/main" xmlns:r="http://schemas.openxmlformats.org/officeDocument/2006/relationships" xmlns:p="http://schemas.openxmlformats.org/presentationml/2006/main" show="0">
+<file path=ppt/slides/slide26.xml><?xml version="1.0" encoding="utf-8"?>
+<p:sld xmlns:a="http://schemas.openxmlformats.org/drawingml/2006/main" xmlns:r="http://schemas.openxmlformats.org/officeDocument/2006/relationships" xmlns:p="http://schemas.openxmlformats.org/presentationml/2006/main" xmlns:m="http://schemas.openxmlformats.org/officeDocument/2006/math" xmlns:a14="http://schemas.microsoft.com/office/drawing/2010/main" show="0" showMasterSp="1" showMasterPhAnim="1">
   <p:cSld>
     <p:spTree>
       <p:nvGrpSpPr>
@@ -7409,10 +7185,8 @@
       </p:grpSpPr>
       <p:sp>
         <p:nvSpPr>
-          <p:cNvPr id="223" name="Titel 1"/>
-          <p:cNvSpPr txBox="1">
-            <a:spLocks noGrp="1"/>
-          </p:cNvSpPr>
+          <p:cNvPr id="220" name="Titel 1"/>
+          <p:cNvSpPr txBox="1"/>
           <p:nvPr>
             <p:ph type="title"/>
           </p:nvPr>
@@ -7430,6 +7204,7 @@
           <a:bodyPr/>
           <a:lstStyle/>
           <a:p>
+            <a:pPr/>
             <a:r>
               <a:t>stats</a:t>
             </a:r>
@@ -7438,10 +7213,8 @@
       </p:sp>
       <p:sp>
         <p:nvSpPr>
-          <p:cNvPr id="224" name="Inhaltsplatzhalter 2"/>
-          <p:cNvSpPr txBox="1">
-            <a:spLocks noGrp="1"/>
-          </p:cNvSpPr>
+          <p:cNvPr id="221" name="Inhaltsplatzhalter 2"/>
+          <p:cNvSpPr txBox="1"/>
           <p:nvPr>
             <p:ph type="body" idx="1"/>
           </p:nvPr>
@@ -7552,10 +7325,8 @@
       </p:sp>
       <p:sp>
         <p:nvSpPr>
-          <p:cNvPr id="225" name="Foliennummernplatzhalter 3"/>
-          <p:cNvSpPr txBox="1">
-            <a:spLocks noGrp="1"/>
-          </p:cNvSpPr>
+          <p:cNvPr id="222" name="Foliennummernplatzhalter 3"/>
+          <p:cNvSpPr txBox="1"/>
           <p:nvPr>
             <p:ph type="sldNum" sz="quarter" idx="2"/>
           </p:nvPr>
@@ -7570,7 +7341,7 @@
           </a:prstGeom>
           <a:extLst>
             <a:ext uri="{C572A759-6A51-4108-AA02-DFA0A04FC94B}">
-              <ma14:wrappingTextBoxFlag xmlns="" xmlns:m="http://schemas.openxmlformats.org/officeDocument/2006/math" xmlns:a14="http://schemas.microsoft.com/office/drawing/2010/main" xmlns:ma14="http://schemas.microsoft.com/office/mac/drawingml/2011/main" val="1"/>
+              <ma14:wrappingTextBoxFlag xmlns:ma14="http://schemas.microsoft.com/office/mac/drawingml/2011/main" val="1"/>
             </a:ext>
           </a:extLst>
         </p:spPr>
@@ -7578,10 +7349,8 @@
           <a:bodyPr/>
           <a:lstStyle/>
           <a:p>
-            <a:fld id="{86CB4B4D-7CA3-9044-876B-883B54F8677D}" type="slidenum">
-              <a:t>27</a:t>
-            </a:fld>
-            <a:endParaRPr/>
+            <a:pPr/>
+            <a:fld id="{86CB4B4D-7CA3-9044-876B-883B54F8677D}" type="slidenum"/>
           </a:p>
         </p:txBody>
       </p:sp>
@@ -7590,12 +7359,12 @@
   <p:clrMapOvr>
     <a:masterClrMapping/>
   </p:clrMapOvr>
-  <p:transition spd="med"/>
+  <p:transition xmlns:p14="http://schemas.microsoft.com/office/powerpoint/2010/main" spd="med" advClick="1"/>
 </p:sld>
 </file>
 
-<file path=ppt/slides/slide28.xml><?xml version="1.0" encoding="utf-8"?>
-<p:sld xmlns:a="http://schemas.openxmlformats.org/drawingml/2006/main" xmlns:r="http://schemas.openxmlformats.org/officeDocument/2006/relationships" xmlns:p="http://schemas.openxmlformats.org/presentationml/2006/main" show="0">
+<file path=ppt/slides/slide27.xml><?xml version="1.0" encoding="utf-8"?>
+<p:sld xmlns:a="http://schemas.openxmlformats.org/drawingml/2006/main" xmlns:r="http://schemas.openxmlformats.org/officeDocument/2006/relationships" xmlns:p="http://schemas.openxmlformats.org/presentationml/2006/main" xmlns:m="http://schemas.openxmlformats.org/officeDocument/2006/math" xmlns:a14="http://schemas.microsoft.com/office/drawing/2010/main" show="0" showMasterSp="1" showMasterPhAnim="1">
   <p:cSld>
     <p:spTree>
       <p:nvGrpSpPr>
@@ -7613,10 +7382,8 @@
       </p:grpSpPr>
       <p:sp>
         <p:nvSpPr>
-          <p:cNvPr id="227" name="Titel 1"/>
-          <p:cNvSpPr txBox="1">
-            <a:spLocks noGrp="1"/>
-          </p:cNvSpPr>
+          <p:cNvPr id="224" name="Titel 1"/>
+          <p:cNvSpPr txBox="1"/>
           <p:nvPr>
             <p:ph type="title"/>
           </p:nvPr>
@@ -7634,6 +7401,7 @@
           <a:bodyPr/>
           <a:lstStyle/>
           <a:p>
+            <a:pPr/>
             <a:r>
               <a:t>Stats crossvalidation</a:t>
             </a:r>
@@ -7642,10 +7410,8 @@
       </p:sp>
       <p:sp>
         <p:nvSpPr>
-          <p:cNvPr id="228" name="Inhaltsplatzhalter 2"/>
-          <p:cNvSpPr txBox="1">
-            <a:spLocks noGrp="1"/>
-          </p:cNvSpPr>
+          <p:cNvPr id="225" name="Inhaltsplatzhalter 2"/>
+          <p:cNvSpPr txBox="1"/>
           <p:nvPr>
             <p:ph type="body" idx="1"/>
           </p:nvPr>
@@ -7709,7 +7475,13 @@
               </a:lnSpc>
             </a:pPr>
             <a:r>
-              <a:t>TPR: 0.13372148515796506 ± 0.006728852995094254</a:t>
+              <a:t>TPR: 0.13372148515796506 </a:t>
+            </a:r>
+            <a:r>
+              <a:t>± </a:t>
+            </a:r>
+            <a:r>
+              <a:t>0.006728852995094254</a:t>
             </a:r>
           </a:p>
           <a:p>
@@ -7719,7 +7491,10 @@
               </a:lnSpc>
             </a:pPr>
             <a:r>
-              <a:t>FPR: 0.020675081918379506 ± </a:t>
+              <a:t>FPR: 0.020675081918379506 </a:t>
+            </a:r>
+            <a:r>
+              <a:t>± </a:t>
             </a:r>
           </a:p>
           <a:p>
@@ -7729,7 +7504,13 @@
               </a:lnSpc>
             </a:pPr>
             <a:r>
-              <a:t>Precision: 0.38680287134180014 ± 0.01515588223022108</a:t>
+              <a:t>Precision: 0.38680287134180014 </a:t>
+            </a:r>
+            <a:r>
+              <a:t>± </a:t>
+            </a:r>
+            <a:r>
+              <a:t>0.01515588223022108</a:t>
             </a:r>
           </a:p>
           <a:p>
@@ -7739,7 +7520,13 @@
               </a:lnSpc>
             </a:pPr>
             <a:r>
-              <a:t>MCC: 0.1864096719348082 ± 0.009743841686838386</a:t>
+              <a:t>MCC: 0.1864096719348082 </a:t>
+            </a:r>
+            <a:r>
+              <a:t>± </a:t>
+            </a:r>
+            <a:r>
+              <a:t>0.009743841686838386</a:t>
             </a:r>
           </a:p>
           <a:p>
@@ -7749,17 +7536,18 @@
               </a:lnSpc>
             </a:pPr>
             <a:r>
-              <a:t>F1: 0.1898892068383594 ± 0.008877620919506887</a:t>
+              <a:t>F1: 0.1898892068383594 ± </a:t>
+            </a:r>
+            <a:r>
+              <a:t>0.008877620919506887</a:t>
             </a:r>
           </a:p>
         </p:txBody>
       </p:sp>
       <p:sp>
         <p:nvSpPr>
-          <p:cNvPr id="229" name="Foliennummernplatzhalter 3"/>
-          <p:cNvSpPr txBox="1">
-            <a:spLocks noGrp="1"/>
-          </p:cNvSpPr>
+          <p:cNvPr id="226" name="Foliennummernplatzhalter 3"/>
+          <p:cNvSpPr txBox="1"/>
           <p:nvPr>
             <p:ph type="sldNum" sz="quarter" idx="2"/>
           </p:nvPr>
@@ -7774,7 +7562,7 @@
           </a:prstGeom>
           <a:extLst>
             <a:ext uri="{C572A759-6A51-4108-AA02-DFA0A04FC94B}">
-              <ma14:wrappingTextBoxFlag xmlns="" xmlns:m="http://schemas.openxmlformats.org/officeDocument/2006/math" xmlns:a14="http://schemas.microsoft.com/office/drawing/2010/main" xmlns:ma14="http://schemas.microsoft.com/office/mac/drawingml/2011/main" val="1"/>
+              <ma14:wrappingTextBoxFlag xmlns:ma14="http://schemas.microsoft.com/office/mac/drawingml/2011/main" val="1"/>
             </a:ext>
           </a:extLst>
         </p:spPr>
@@ -7782,10 +7570,8 @@
           <a:bodyPr/>
           <a:lstStyle/>
           <a:p>
-            <a:fld id="{86CB4B4D-7CA3-9044-876B-883B54F8677D}" type="slidenum">
-              <a:t>28</a:t>
-            </a:fld>
-            <a:endParaRPr/>
+            <a:pPr/>
+            <a:fld id="{86CB4B4D-7CA3-9044-876B-883B54F8677D}" type="slidenum"/>
           </a:p>
         </p:txBody>
       </p:sp>
@@ -7794,12 +7580,12 @@
   <p:clrMapOvr>
     <a:masterClrMapping/>
   </p:clrMapOvr>
-  <p:transition spd="med"/>
+  <p:transition xmlns:p14="http://schemas.microsoft.com/office/powerpoint/2010/main" spd="med" advClick="1"/>
 </p:sld>
 </file>
 
 <file path=ppt/slides/slide3.xml><?xml version="1.0" encoding="utf-8"?>
-<p:sld xmlns:a="http://schemas.openxmlformats.org/drawingml/2006/main" xmlns:r="http://schemas.openxmlformats.org/officeDocument/2006/relationships" xmlns:p="http://schemas.openxmlformats.org/presentationml/2006/main">
+<p:sld xmlns:a="http://schemas.openxmlformats.org/drawingml/2006/main" xmlns:r="http://schemas.openxmlformats.org/officeDocument/2006/relationships" xmlns:p="http://schemas.openxmlformats.org/presentationml/2006/main" xmlns:m="http://schemas.openxmlformats.org/officeDocument/2006/math" xmlns:a14="http://schemas.microsoft.com/office/drawing/2010/main" showMasterSp="1" showMasterPhAnim="1">
   <p:cSld>
     <p:spTree>
       <p:nvGrpSpPr>
@@ -7818,9 +7604,7 @@
       <p:sp>
         <p:nvSpPr>
           <p:cNvPr id="108" name="Task"/>
-          <p:cNvSpPr txBox="1">
-            <a:spLocks noGrp="1"/>
-          </p:cNvSpPr>
+          <p:cNvSpPr txBox="1"/>
           <p:nvPr>
             <p:ph type="title"/>
           </p:nvPr>
@@ -7836,6 +7620,7 @@
             <a:lvl1pPr algn="ctr"/>
           </a:lstStyle>
           <a:p>
+            <a:pPr/>
             <a:r>
               <a:t>Task</a:t>
             </a:r>
@@ -7845,9 +7630,7 @@
       <p:sp>
         <p:nvSpPr>
           <p:cNvPr id="109" name="Predict binding site residues using SNAP features…"/>
-          <p:cNvSpPr txBox="1">
-            <a:spLocks noGrp="1"/>
-          </p:cNvSpPr>
+          <p:cNvSpPr txBox="1"/>
           <p:nvPr>
             <p:ph type="body" idx="1"/>
           </p:nvPr>
@@ -7861,14 +7644,16 @@
           <a:bodyPr/>
           <a:lstStyle/>
           <a:p>
+            <a:pPr/>
             <a:r>
               <a:t>Predict binding site residues using SNAP features</a:t>
             </a:r>
           </a:p>
           <a:p>
-            <a:endParaRPr/>
-          </a:p>
-          <a:p>
+            <a:pPr/>
+          </a:p>
+          <a:p>
+            <a:pPr/>
             <a:r>
               <a:t>Extension: Do BLOSUM scores aid in the prediction?</a:t>
             </a:r>
@@ -7878,9 +7663,7 @@
       <p:sp>
         <p:nvSpPr>
           <p:cNvPr id="110" name="Slide Number"/>
-          <p:cNvSpPr txBox="1">
-            <a:spLocks noGrp="1"/>
-          </p:cNvSpPr>
+          <p:cNvSpPr txBox="1"/>
           <p:nvPr>
             <p:ph type="sldNum" sz="quarter" idx="2"/>
           </p:nvPr>
@@ -7895,7 +7678,7 @@
           </a:prstGeom>
           <a:extLst>
             <a:ext uri="{C572A759-6A51-4108-AA02-DFA0A04FC94B}">
-              <ma14:wrappingTextBoxFlag xmlns="" xmlns:m="http://schemas.openxmlformats.org/officeDocument/2006/math" xmlns:a14="http://schemas.microsoft.com/office/drawing/2010/main" xmlns:ma14="http://schemas.microsoft.com/office/mac/drawingml/2011/main" val="1"/>
+              <ma14:wrappingTextBoxFlag xmlns:ma14="http://schemas.microsoft.com/office/mac/drawingml/2011/main" val="1"/>
             </a:ext>
           </a:extLst>
         </p:spPr>
@@ -7903,10 +7686,8 @@
           <a:bodyPr/>
           <a:lstStyle/>
           <a:p>
-            <a:fld id="{86CB4B4D-7CA3-9044-876B-883B54F8677D}" type="slidenum">
-              <a:t>3</a:t>
-            </a:fld>
-            <a:endParaRPr/>
+            <a:pPr/>
+            <a:fld id="{86CB4B4D-7CA3-9044-876B-883B54F8677D}" type="slidenum"/>
           </a:p>
         </p:txBody>
       </p:sp>
@@ -7915,12 +7696,12 @@
   <p:clrMapOvr>
     <a:masterClrMapping/>
   </p:clrMapOvr>
-  <p:transition spd="med"/>
+  <p:transition xmlns:p14="http://schemas.microsoft.com/office/powerpoint/2010/main" spd="med" advClick="1"/>
 </p:sld>
 </file>
 
 <file path=ppt/slides/slide4.xml><?xml version="1.0" encoding="utf-8"?>
-<p:sld xmlns:a="http://schemas.openxmlformats.org/drawingml/2006/main" xmlns:r="http://schemas.openxmlformats.org/officeDocument/2006/relationships" xmlns:p="http://schemas.openxmlformats.org/presentationml/2006/main">
+<p:sld xmlns:a="http://schemas.openxmlformats.org/drawingml/2006/main" xmlns:r="http://schemas.openxmlformats.org/officeDocument/2006/relationships" xmlns:p="http://schemas.openxmlformats.org/presentationml/2006/main" xmlns:m="http://schemas.openxmlformats.org/officeDocument/2006/math" xmlns:a14="http://schemas.microsoft.com/office/drawing/2010/main" showMasterSp="1" showMasterPhAnim="1">
   <p:cSld>
     <p:spTree>
       <p:nvGrpSpPr>
@@ -7939,9 +7720,7 @@
       <p:sp>
         <p:nvSpPr>
           <p:cNvPr id="112" name="Titel 1"/>
-          <p:cNvSpPr txBox="1">
-            <a:spLocks noGrp="1"/>
-          </p:cNvSpPr>
+          <p:cNvSpPr txBox="1"/>
           <p:nvPr>
             <p:ph type="title"/>
           </p:nvPr>
@@ -7961,6 +7740,7 @@
             <a:lvl1pPr algn="ctr"/>
           </a:lstStyle>
           <a:p>
+            <a:pPr/>
             <a:r>
               <a:t>Training dataset</a:t>
             </a:r>
@@ -7970,9 +7750,7 @@
       <p:sp>
         <p:nvSpPr>
           <p:cNvPr id="113" name="Inhaltsplatzhalter 2"/>
-          <p:cNvSpPr txBox="1">
-            <a:spLocks noGrp="1"/>
-          </p:cNvSpPr>
+          <p:cNvSpPr txBox="1"/>
           <p:nvPr>
             <p:ph type="body" idx="1"/>
           </p:nvPr>
@@ -7990,6 +7768,7 @@
           <a:bodyPr/>
           <a:lstStyle/>
           <a:p>
+            <a:pPr/>
             <a:r>
               <a:t>769 Proteins from BioLip</a:t>
             </a:r>
@@ -8017,9 +7796,7 @@
       <p:sp>
         <p:nvSpPr>
           <p:cNvPr id="114" name="Foliennummernplatzhalter 3"/>
-          <p:cNvSpPr txBox="1">
-            <a:spLocks noGrp="1"/>
-          </p:cNvSpPr>
+          <p:cNvSpPr txBox="1"/>
           <p:nvPr>
             <p:ph type="sldNum" sz="quarter" idx="2"/>
           </p:nvPr>
@@ -8034,7 +7811,7 @@
           </a:prstGeom>
           <a:extLst>
             <a:ext uri="{C572A759-6A51-4108-AA02-DFA0A04FC94B}">
-              <ma14:wrappingTextBoxFlag xmlns="" xmlns:m="http://schemas.openxmlformats.org/officeDocument/2006/math" xmlns:a14="http://schemas.microsoft.com/office/drawing/2010/main" xmlns:ma14="http://schemas.microsoft.com/office/mac/drawingml/2011/main" val="1"/>
+              <ma14:wrappingTextBoxFlag xmlns:ma14="http://schemas.microsoft.com/office/mac/drawingml/2011/main" val="1"/>
             </a:ext>
           </a:extLst>
         </p:spPr>
@@ -8042,10 +7819,8 @@
           <a:bodyPr/>
           <a:lstStyle/>
           <a:p>
-            <a:fld id="{86CB4B4D-7CA3-9044-876B-883B54F8677D}" type="slidenum">
-              <a:t>4</a:t>
-            </a:fld>
-            <a:endParaRPr/>
+            <a:pPr/>
+            <a:fld id="{86CB4B4D-7CA3-9044-876B-883B54F8677D}" type="slidenum"/>
           </a:p>
         </p:txBody>
       </p:sp>
@@ -8058,7 +7833,9 @@
           <p:nvPr/>
         </p:nvPicPr>
         <p:blipFill>
-          <a:blip r:embed="rId2"/>
+          <a:blip r:embed="rId2">
+            <a:extLst/>
+          </a:blip>
           <a:stretch>
             <a:fillRect/>
           </a:stretch>
@@ -8085,7 +7862,9 @@
           <p:nvPr/>
         </p:nvPicPr>
         <p:blipFill>
-          <a:blip r:embed="rId3"/>
+          <a:blip r:embed="rId3">
+            <a:extLst/>
+          </a:blip>
           <a:stretch>
             <a:fillRect/>
           </a:stretch>
@@ -8108,12 +7887,12 @@
   <p:clrMapOvr>
     <a:masterClrMapping/>
   </p:clrMapOvr>
-  <p:transition spd="med"/>
+  <p:transition xmlns:p14="http://schemas.microsoft.com/office/powerpoint/2010/main" spd="med" advClick="1"/>
 </p:sld>
 </file>
 
 <file path=ppt/slides/slide5.xml><?xml version="1.0" encoding="utf-8"?>
-<p:sld xmlns:a="http://schemas.openxmlformats.org/drawingml/2006/main" xmlns:r="http://schemas.openxmlformats.org/officeDocument/2006/relationships" xmlns:p="http://schemas.openxmlformats.org/presentationml/2006/main">
+<p:sld xmlns:a="http://schemas.openxmlformats.org/drawingml/2006/main" xmlns:r="http://schemas.openxmlformats.org/officeDocument/2006/relationships" xmlns:p="http://schemas.openxmlformats.org/presentationml/2006/main" xmlns:m="http://schemas.openxmlformats.org/officeDocument/2006/math" xmlns:a14="http://schemas.microsoft.com/office/drawing/2010/main" showMasterSp="1" showMasterPhAnim="1">
   <p:cSld>
     <p:spTree>
       <p:nvGrpSpPr>
@@ -8132,9 +7911,7 @@
       <p:sp>
         <p:nvSpPr>
           <p:cNvPr id="118" name="Titel 1"/>
-          <p:cNvSpPr txBox="1">
-            <a:spLocks noGrp="1"/>
-          </p:cNvSpPr>
+          <p:cNvSpPr txBox="1"/>
           <p:nvPr>
             <p:ph type="title"/>
           </p:nvPr>
@@ -8154,6 +7931,7 @@
             <a:lvl1pPr algn="ctr"/>
           </a:lstStyle>
           <a:p>
+            <a:pPr/>
             <a:r>
               <a:t>Feature: Introduction</a:t>
             </a:r>
@@ -8163,9 +7941,7 @@
       <p:sp>
         <p:nvSpPr>
           <p:cNvPr id="119" name="Inhaltsplatzhalter 4"/>
-          <p:cNvSpPr txBox="1">
-            <a:spLocks noGrp="1"/>
-          </p:cNvSpPr>
+          <p:cNvSpPr txBox="1"/>
           <p:nvPr>
             <p:ph type="body" sz="half" idx="1"/>
           </p:nvPr>
@@ -8183,6 +7959,7 @@
           <a:bodyPr/>
           <a:lstStyle/>
           <a:p>
+            <a:pPr/>
             <a:r>
               <a:t>SNAP-scores</a:t>
             </a:r>
@@ -8208,13 +7985,13 @@
           </a:ln>
           <a:extLst>
             <a:ext uri="{C572A759-6A51-4108-AA02-DFA0A04FC94B}">
-              <ma14:wrappingTextBoxFlag xmlns="" xmlns:m="http://schemas.openxmlformats.org/officeDocument/2006/math" xmlns:a14="http://schemas.microsoft.com/office/drawing/2010/main" xmlns:ma14="http://schemas.microsoft.com/office/mac/drawingml/2011/main" val="1"/>
+              <ma14:wrappingTextBoxFlag xmlns:ma14="http://schemas.microsoft.com/office/mac/drawingml/2011/main" val="1"/>
             </a:ext>
           </a:extLst>
         </p:spPr>
         <p:txBody>
           <a:bodyPr lIns="45719" rIns="45719">
-            <a:normAutofit/>
+            <a:normAutofit fontScale="100000" lnSpcReduction="0"/>
           </a:bodyPr>
           <a:lstStyle>
             <a:lvl1pPr marL="228600" indent="-228600">
@@ -8231,6 +8008,7 @@
             </a:lvl1pPr>
           </a:lstStyle>
           <a:p>
+            <a:pPr/>
             <a:r>
               <a:t>BLOSUM62-scores</a:t>
             </a:r>
@@ -8240,9 +8018,7 @@
       <p:sp>
         <p:nvSpPr>
           <p:cNvPr id="121" name="Foliennummernplatzhalter 3"/>
-          <p:cNvSpPr txBox="1">
-            <a:spLocks noGrp="1"/>
-          </p:cNvSpPr>
+          <p:cNvSpPr txBox="1"/>
           <p:nvPr>
             <p:ph type="sldNum" sz="quarter" idx="2"/>
           </p:nvPr>
@@ -8257,7 +8033,7 @@
           </a:prstGeom>
           <a:extLst>
             <a:ext uri="{C572A759-6A51-4108-AA02-DFA0A04FC94B}">
-              <ma14:wrappingTextBoxFlag xmlns="" xmlns:m="http://schemas.openxmlformats.org/officeDocument/2006/math" xmlns:a14="http://schemas.microsoft.com/office/drawing/2010/main" xmlns:ma14="http://schemas.microsoft.com/office/mac/drawingml/2011/main" val="1"/>
+              <ma14:wrappingTextBoxFlag xmlns:ma14="http://schemas.microsoft.com/office/mac/drawingml/2011/main" val="1"/>
             </a:ext>
           </a:extLst>
         </p:spPr>
@@ -8265,10 +8041,8 @@
           <a:bodyPr/>
           <a:lstStyle/>
           <a:p>
-            <a:fld id="{86CB4B4D-7CA3-9044-876B-883B54F8677D}" type="slidenum">
-              <a:t>5</a:t>
-            </a:fld>
-            <a:endParaRPr/>
+            <a:pPr/>
+            <a:fld id="{86CB4B4D-7CA3-9044-876B-883B54F8677D}" type="slidenum"/>
           </a:p>
         </p:txBody>
       </p:sp>
@@ -8281,7 +8055,9 @@
           <p:nvPr/>
         </p:nvPicPr>
         <p:blipFill>
-          <a:blip r:embed="rId2"/>
+          <a:blip r:embed="rId2">
+            <a:extLst/>
+          </a:blip>
           <a:stretch>
             <a:fillRect/>
           </a:stretch>
@@ -8308,7 +8084,9 @@
           <p:nvPr/>
         </p:nvPicPr>
         <p:blipFill>
-          <a:blip r:embed="rId3"/>
+          <a:blip r:embed="rId3">
+            <a:extLst/>
+          </a:blip>
           <a:stretch>
             <a:fillRect/>
           </a:stretch>
@@ -8331,12 +8109,12 @@
   <p:clrMapOvr>
     <a:masterClrMapping/>
   </p:clrMapOvr>
-  <p:transition spd="med"/>
+  <p:transition xmlns:p14="http://schemas.microsoft.com/office/powerpoint/2010/main" spd="med" advClick="1"/>
 </p:sld>
 </file>
 
 <file path=ppt/slides/slide6.xml><?xml version="1.0" encoding="utf-8"?>
-<p:sld xmlns:a="http://schemas.openxmlformats.org/drawingml/2006/main" xmlns:r="http://schemas.openxmlformats.org/officeDocument/2006/relationships" xmlns:p="http://schemas.openxmlformats.org/presentationml/2006/main">
+<p:sld xmlns:a="http://schemas.openxmlformats.org/drawingml/2006/main" xmlns:r="http://schemas.openxmlformats.org/officeDocument/2006/relationships" xmlns:p="http://schemas.openxmlformats.org/presentationml/2006/main" xmlns:m="http://schemas.openxmlformats.org/officeDocument/2006/math" xmlns:a14="http://schemas.microsoft.com/office/drawing/2010/main" showMasterSp="1" showMasterPhAnim="1">
   <p:cSld>
     <p:spTree>
       <p:nvGrpSpPr>
@@ -8355,9 +8133,7 @@
       <p:sp>
         <p:nvSpPr>
           <p:cNvPr id="125" name="Titel 1"/>
-          <p:cNvSpPr txBox="1">
-            <a:spLocks noGrp="1"/>
-          </p:cNvSpPr>
+          <p:cNvSpPr txBox="1"/>
           <p:nvPr>
             <p:ph type="title"/>
           </p:nvPr>
@@ -8377,6 +8153,7 @@
             <a:lvl1pPr algn="ctr"/>
           </a:lstStyle>
           <a:p>
+            <a:pPr/>
             <a:r>
               <a:t>Distribution of Scores</a:t>
             </a:r>
@@ -8386,9 +8163,7 @@
       <p:sp>
         <p:nvSpPr>
           <p:cNvPr id="126" name="Foliennummernplatzhalter 12"/>
-          <p:cNvSpPr txBox="1">
-            <a:spLocks noGrp="1"/>
-          </p:cNvSpPr>
+          <p:cNvSpPr txBox="1"/>
           <p:nvPr>
             <p:ph type="sldNum" sz="quarter" idx="2"/>
           </p:nvPr>
@@ -8403,7 +8178,7 @@
           </a:prstGeom>
           <a:extLst>
             <a:ext uri="{C572A759-6A51-4108-AA02-DFA0A04FC94B}">
-              <ma14:wrappingTextBoxFlag xmlns="" xmlns:m="http://schemas.openxmlformats.org/officeDocument/2006/math" xmlns:a14="http://schemas.microsoft.com/office/drawing/2010/main" xmlns:ma14="http://schemas.microsoft.com/office/mac/drawingml/2011/main" val="1"/>
+              <ma14:wrappingTextBoxFlag xmlns:ma14="http://schemas.microsoft.com/office/mac/drawingml/2011/main" val="1"/>
             </a:ext>
           </a:extLst>
         </p:spPr>
@@ -8411,10 +8186,8 @@
           <a:bodyPr/>
           <a:lstStyle/>
           <a:p>
-            <a:fld id="{86CB4B4D-7CA3-9044-876B-883B54F8677D}" type="slidenum">
-              <a:t>6</a:t>
-            </a:fld>
-            <a:endParaRPr/>
+            <a:pPr/>
+            <a:fld id="{86CB4B4D-7CA3-9044-876B-883B54F8677D}" type="slidenum"/>
           </a:p>
         </p:txBody>
       </p:sp>
@@ -8427,7 +8200,9 @@
           <p:nvPr/>
         </p:nvPicPr>
         <p:blipFill>
-          <a:blip r:embed="rId2"/>
+          <a:blip r:embed="rId2">
+            <a:extLst/>
+          </a:blip>
           <a:stretch>
             <a:fillRect/>
           </a:stretch>
@@ -8454,7 +8229,9 @@
           <p:nvPr/>
         </p:nvPicPr>
         <p:blipFill>
-          <a:blip r:embed="rId3"/>
+          <a:blip r:embed="rId3">
+            <a:extLst/>
+          </a:blip>
           <a:stretch>
             <a:fillRect/>
           </a:stretch>
@@ -8477,12 +8254,12 @@
   <p:clrMapOvr>
     <a:masterClrMapping/>
   </p:clrMapOvr>
-  <p:transition spd="med"/>
+  <p:transition xmlns:p14="http://schemas.microsoft.com/office/powerpoint/2010/main" spd="med" advClick="1"/>
 </p:sld>
 </file>
 
 <file path=ppt/slides/slide7.xml><?xml version="1.0" encoding="utf-8"?>
-<p:sld xmlns:a="http://schemas.openxmlformats.org/drawingml/2006/main" xmlns:r="http://schemas.openxmlformats.org/officeDocument/2006/relationships" xmlns:p="http://schemas.openxmlformats.org/presentationml/2006/main">
+<p:sld xmlns:a="http://schemas.openxmlformats.org/drawingml/2006/main" xmlns:r="http://schemas.openxmlformats.org/officeDocument/2006/relationships" xmlns:p="http://schemas.openxmlformats.org/presentationml/2006/main" xmlns:m="http://schemas.openxmlformats.org/officeDocument/2006/math" xmlns:a14="http://schemas.microsoft.com/office/drawing/2010/main" showMasterSp="1" showMasterPhAnim="1">
   <p:cSld>
     <p:spTree>
       <p:nvGrpSpPr>
@@ -8501,9 +8278,7 @@
       <p:sp>
         <p:nvSpPr>
           <p:cNvPr id="130" name="Titel 1"/>
-          <p:cNvSpPr txBox="1">
-            <a:spLocks noGrp="1"/>
-          </p:cNvSpPr>
+          <p:cNvSpPr txBox="1"/>
           <p:nvPr>
             <p:ph type="title"/>
           </p:nvPr>
@@ -8523,6 +8298,7 @@
             <a:lvl1pPr algn="ctr"/>
           </a:lstStyle>
           <a:p>
+            <a:pPr/>
             <a:r>
               <a:t>Feature: First Ideas</a:t>
             </a:r>
@@ -8532,9 +8308,7 @@
       <p:sp>
         <p:nvSpPr>
           <p:cNvPr id="131" name="Inhaltsplatzhalter 2"/>
-          <p:cNvSpPr txBox="1">
-            <a:spLocks noGrp="1"/>
-          </p:cNvSpPr>
+          <p:cNvSpPr txBox="1"/>
           <p:nvPr>
             <p:ph type="body" idx="1"/>
           </p:nvPr>
@@ -8563,7 +8337,7 @@
             </a:r>
           </a:p>
           <a:p>
-            <a:pPr marL="589787" lvl="1" indent="-196595" defTabSz="786383">
+            <a:pPr lvl="1" marL="589787" indent="-196595" defTabSz="786383">
               <a:spcBef>
                 <a:spcPts val="800"/>
               </a:spcBef>
@@ -8585,7 +8359,7 @@
             </a:r>
           </a:p>
           <a:p>
-            <a:pPr marL="589787" lvl="1" indent="-196595" defTabSz="786383">
+            <a:pPr lvl="1" marL="589787" indent="-196595" defTabSz="786383">
               <a:spcBef>
                 <a:spcPts val="800"/>
               </a:spcBef>
@@ -8596,13 +8370,12 @@
             </a:r>
           </a:p>
           <a:p>
-            <a:pPr marL="589787" lvl="1" indent="-196595" defTabSz="786383">
+            <a:pPr lvl="1" marL="589787" indent="-196595" defTabSz="786383">
               <a:spcBef>
                 <a:spcPts val="800"/>
               </a:spcBef>
               <a:defRPr sz="2400"/>
             </a:pPr>
-            <a:endParaRPr/>
           </a:p>
           <a:p>
             <a:pPr>
@@ -8613,7 +8386,7 @@
             </a:r>
           </a:p>
           <a:p>
-            <a:pPr marL="685800" lvl="1" indent="-228600">
+            <a:pPr lvl="1" marL="685800" indent="-228600">
               <a:spcBef>
                 <a:spcPts val="500"/>
               </a:spcBef>
@@ -8646,9 +8419,7 @@
       <p:sp>
         <p:nvSpPr>
           <p:cNvPr id="132" name="Foliennummernplatzhalter 3"/>
-          <p:cNvSpPr txBox="1">
-            <a:spLocks noGrp="1"/>
-          </p:cNvSpPr>
+          <p:cNvSpPr txBox="1"/>
           <p:nvPr>
             <p:ph type="sldNum" sz="quarter" idx="2"/>
           </p:nvPr>
@@ -8663,7 +8434,7 @@
           </a:prstGeom>
           <a:extLst>
             <a:ext uri="{C572A759-6A51-4108-AA02-DFA0A04FC94B}">
-              <ma14:wrappingTextBoxFlag xmlns="" xmlns:m="http://schemas.openxmlformats.org/officeDocument/2006/math" xmlns:a14="http://schemas.microsoft.com/office/drawing/2010/main" xmlns:ma14="http://schemas.microsoft.com/office/mac/drawingml/2011/main" val="1"/>
+              <ma14:wrappingTextBoxFlag xmlns:ma14="http://schemas.microsoft.com/office/mac/drawingml/2011/main" val="1"/>
             </a:ext>
           </a:extLst>
         </p:spPr>
@@ -8671,10 +8442,8 @@
           <a:bodyPr/>
           <a:lstStyle/>
           <a:p>
-            <a:fld id="{86CB4B4D-7CA3-9044-876B-883B54F8677D}" type="slidenum">
-              <a:t>7</a:t>
-            </a:fld>
-            <a:endParaRPr/>
+            <a:pPr/>
+            <a:fld id="{86CB4B4D-7CA3-9044-876B-883B54F8677D}" type="slidenum"/>
           </a:p>
         </p:txBody>
       </p:sp>
@@ -8683,12 +8452,12 @@
   <p:clrMapOvr>
     <a:masterClrMapping/>
   </p:clrMapOvr>
-  <p:transition spd="med"/>
+  <p:transition xmlns:p14="http://schemas.microsoft.com/office/powerpoint/2010/main" spd="med" advClick="1"/>
 </p:sld>
 </file>
 
 <file path=ppt/slides/slide8.xml><?xml version="1.0" encoding="utf-8"?>
-<p:sld xmlns:a="http://schemas.openxmlformats.org/drawingml/2006/main" xmlns:r="http://schemas.openxmlformats.org/officeDocument/2006/relationships" xmlns:p="http://schemas.openxmlformats.org/presentationml/2006/main">
+<p:sld xmlns:a="http://schemas.openxmlformats.org/drawingml/2006/main" xmlns:r="http://schemas.openxmlformats.org/officeDocument/2006/relationships" xmlns:p="http://schemas.openxmlformats.org/presentationml/2006/main" xmlns:m="http://schemas.openxmlformats.org/officeDocument/2006/math" xmlns:a14="http://schemas.microsoft.com/office/drawing/2010/main" showMasterSp="1" showMasterPhAnim="1">
   <p:cSld>
     <p:spTree>
       <p:nvGrpSpPr>
@@ -8707,9 +8476,7 @@
       <p:sp>
         <p:nvSpPr>
           <p:cNvPr id="134" name="Foliennummernplatzhalter 3"/>
-          <p:cNvSpPr txBox="1">
-            <a:spLocks noGrp="1"/>
-          </p:cNvSpPr>
+          <p:cNvSpPr txBox="1"/>
           <p:nvPr>
             <p:ph type="sldNum" sz="quarter" idx="2"/>
           </p:nvPr>
@@ -8724,7 +8491,7 @@
           </a:prstGeom>
           <a:extLst>
             <a:ext uri="{C572A759-6A51-4108-AA02-DFA0A04FC94B}">
-              <ma14:wrappingTextBoxFlag xmlns="" xmlns:m="http://schemas.openxmlformats.org/officeDocument/2006/math" xmlns:a14="http://schemas.microsoft.com/office/drawing/2010/main" xmlns:ma14="http://schemas.microsoft.com/office/mac/drawingml/2011/main" val="1"/>
+              <ma14:wrappingTextBoxFlag xmlns:ma14="http://schemas.microsoft.com/office/mac/drawingml/2011/main" val="1"/>
             </a:ext>
           </a:extLst>
         </p:spPr>
@@ -8732,10 +8499,8 @@
           <a:bodyPr/>
           <a:lstStyle/>
           <a:p>
-            <a:fld id="{86CB4B4D-7CA3-9044-876B-883B54F8677D}" type="slidenum">
-              <a:t>8</a:t>
-            </a:fld>
-            <a:endParaRPr/>
+            <a:pPr/>
+            <a:fld id="{86CB4B4D-7CA3-9044-876B-883B54F8677D}" type="slidenum"/>
           </a:p>
         </p:txBody>
       </p:sp>
@@ -8762,7 +8527,9 @@
             <p:nvPr/>
           </p:nvPicPr>
           <p:blipFill>
-            <a:blip r:embed="rId2"/>
+            <a:blip r:embed="rId2">
+              <a:extLst/>
+            </a:blip>
             <a:stretch>
               <a:fillRect/>
             </a:stretch>
@@ -8804,7 +8571,7 @@
             <a:effectLst/>
             <a:extLst>
               <a:ext uri="{C572A759-6A51-4108-AA02-DFA0A04FC94B}">
-                <ma14:wrappingTextBoxFlag xmlns="" xmlns:m="http://schemas.openxmlformats.org/officeDocument/2006/math" xmlns:a14="http://schemas.microsoft.com/office/drawing/2010/main" xmlns:ma14="http://schemas.microsoft.com/office/mac/drawingml/2011/main" val="1"/>
+                <ma14:wrappingTextBoxFlag xmlns:ma14="http://schemas.microsoft.com/office/mac/drawingml/2011/main" val="1"/>
               </a:ext>
             </a:extLst>
           </p:spPr>
@@ -8816,6 +8583,7 @@
               <a:lvl1pPr algn="ctr"/>
             </a:lstStyle>
             <a:p>
+              <a:pPr/>
               <a:r>
                 <a:t>CUTOFFS</a:t>
               </a:r>
@@ -8832,9 +8600,9 @@
         <p:grpSpPr>
           <a:xfrm>
             <a:off x="6938631" y="707295"/>
-            <a:ext cx="4300868" cy="5256110"/>
+            <a:ext cx="4300869" cy="5256113"/>
             <a:chOff x="25400" y="0"/>
-            <a:chExt cx="4300867" cy="5256108"/>
+            <a:chExt cx="4300868" cy="5256111"/>
           </a:xfrm>
         </p:grpSpPr>
         <p:sp>
@@ -8859,7 +8627,7 @@
             <a:effectLst/>
             <a:extLst>
               <a:ext uri="{C572A759-6A51-4108-AA02-DFA0A04FC94B}">
-                <ma14:wrappingTextBoxFlag xmlns="" xmlns:m="http://schemas.openxmlformats.org/officeDocument/2006/math" xmlns:a14="http://schemas.microsoft.com/office/drawing/2010/main" xmlns:ma14="http://schemas.microsoft.com/office/mac/drawingml/2011/main" val="1"/>
+                <ma14:wrappingTextBoxFlag xmlns:ma14="http://schemas.microsoft.com/office/mac/drawingml/2011/main" val="1"/>
               </a:ext>
             </a:extLst>
           </p:spPr>
@@ -8871,6 +8639,7 @@
               <a:lvl1pPr algn="ctr"/>
             </a:lstStyle>
             <a:p>
+              <a:pPr/>
               <a:r>
                 <a:t>CONVERSION</a:t>
               </a:r>
@@ -8885,43 +8654,19 @@
           </p:nvGraphicFramePr>
           <p:xfrm>
             <a:off x="25400" y="580558"/>
-            <a:ext cx="4300867" cy="4675550"/>
+            <a:ext cx="4300869" cy="4675554"/>
           </p:xfrm>
-          <a:graphic>
+          <a:graphic xmlns:a="http://schemas.openxmlformats.org/drawingml/2006/main">
             <a:graphicData uri="http://schemas.openxmlformats.org/drawingml/2006/table">
               <a:tbl>
-                <a:tblPr firstRow="1">
+                <a:tblPr firstCol="0" firstRow="1" lastCol="0" lastRow="0" bandCol="0" bandRow="0" rtl="0">
                   <a:tableStyleId>{4C3C2611-4C71-4FC5-86AE-919BDF0F9419}</a:tableStyleId>
                 </a:tblPr>
                 <a:tblGrid>
-                  <a:gridCol w="1075217">
-                    <a:extLst>
-                      <a:ext uri="{9D8B030D-6E8A-4147-A177-3AD203B41FA5}">
-                        <a16:colId xmlns:a16="http://schemas.microsoft.com/office/drawing/2014/main" val="20000"/>
-                      </a:ext>
-                    </a:extLst>
-                  </a:gridCol>
-                  <a:gridCol w="1075217">
-                    <a:extLst>
-                      <a:ext uri="{9D8B030D-6E8A-4147-A177-3AD203B41FA5}">
-                        <a16:colId xmlns:a16="http://schemas.microsoft.com/office/drawing/2014/main" val="20001"/>
-                      </a:ext>
-                    </a:extLst>
-                  </a:gridCol>
-                  <a:gridCol w="1075217">
-                    <a:extLst>
-                      <a:ext uri="{9D8B030D-6E8A-4147-A177-3AD203B41FA5}">
-                        <a16:colId xmlns:a16="http://schemas.microsoft.com/office/drawing/2014/main" val="20002"/>
-                      </a:ext>
-                    </a:extLst>
-                  </a:gridCol>
-                  <a:gridCol w="1075217">
-                    <a:extLst>
-                      <a:ext uri="{9D8B030D-6E8A-4147-A177-3AD203B41FA5}">
-                        <a16:colId xmlns:a16="http://schemas.microsoft.com/office/drawing/2014/main" val="20003"/>
-                      </a:ext>
-                    </a:extLst>
-                  </a:gridCol>
+                  <a:gridCol w="1075217"/>
+                  <a:gridCol w="1075217"/>
+                  <a:gridCol w="1075217"/>
+                  <a:gridCol w="1075217"/>
                 </a:tblGrid>
                 <a:tr h="584444">
                   <a:tc>
@@ -8946,7 +8691,7 @@
                         </a:r>
                       </a:p>
                     </a:txBody>
-                    <a:tcPr marL="0" marR="0" marT="0" marB="0" anchor="ctr" horzOverflow="overflow">
+                    <a:tcPr marL="0" marR="0" marT="0" marB="0" anchor="ctr" anchorCtr="0" horzOverflow="overflow">
                       <a:solidFill>
                         <a:schemeClr val="accent3"/>
                       </a:solidFill>
@@ -8974,7 +8719,7 @@
                         </a:r>
                       </a:p>
                     </a:txBody>
-                    <a:tcPr marL="0" marR="0" marT="0" marB="0" anchor="ctr" horzOverflow="overflow">
+                    <a:tcPr marL="0" marR="0" marT="0" marB="0" anchor="ctr" anchorCtr="0" horzOverflow="overflow">
                       <a:solidFill>
                         <a:schemeClr val="accent3"/>
                       </a:solidFill>
@@ -9002,7 +8747,7 @@
                         </a:r>
                       </a:p>
                     </a:txBody>
-                    <a:tcPr marL="0" marR="0" marT="0" marB="0" anchor="ctr" horzOverflow="overflow">
+                    <a:tcPr marL="0" marR="0" marT="0" marB="0" anchor="ctr" anchorCtr="0" horzOverflow="overflow">
                       <a:solidFill>
                         <a:schemeClr val="accent3"/>
                       </a:solidFill>
@@ -9030,17 +8775,12 @@
                         </a:r>
                       </a:p>
                     </a:txBody>
-                    <a:tcPr marL="0" marR="0" marT="0" marB="0" anchor="ctr" horzOverflow="overflow">
+                    <a:tcPr marL="0" marR="0" marT="0" marB="0" anchor="ctr" anchorCtr="0" horzOverflow="overflow">
                       <a:solidFill>
                         <a:schemeClr val="accent3"/>
                       </a:solidFill>
                     </a:tcPr>
                   </a:tc>
-                  <a:extLst>
-                    <a:ext uri="{0D108BD9-81ED-4DB2-BD59-A6C34878D82A}">
-                      <a16:rowId xmlns:a16="http://schemas.microsoft.com/office/drawing/2014/main" val="10000"/>
-                    </a:ext>
-                  </a:extLst>
                 </a:tr>
                 <a:tr h="584444">
                   <a:tc>
@@ -9054,7 +8794,7 @@
                         </a:r>
                       </a:p>
                     </a:txBody>
-                    <a:tcPr marL="0" marR="0" marT="0" marB="0" anchor="ctr" horzOverflow="overflow">
+                    <a:tcPr marL="0" marR="0" marT="0" marB="0" anchor="ctr" anchorCtr="0" horzOverflow="overflow">
                       <a:solidFill>
                         <a:srgbClr val="F0F0F0"/>
                       </a:solidFill>
@@ -9071,7 +8811,7 @@
                         </a:r>
                       </a:p>
                     </a:txBody>
-                    <a:tcPr marL="0" marR="0" marT="0" marB="0" anchor="ctr" horzOverflow="overflow">
+                    <a:tcPr marL="0" marR="0" marT="0" marB="0" anchor="ctr" anchorCtr="0" horzOverflow="overflow">
                       <a:solidFill>
                         <a:srgbClr val="F0F0F0"/>
                       </a:solidFill>
@@ -9088,7 +8828,7 @@
                         </a:r>
                       </a:p>
                     </a:txBody>
-                    <a:tcPr marL="0" marR="0" marT="0" marB="0" anchor="ctr" horzOverflow="overflow">
+                    <a:tcPr marL="0" marR="0" marT="0" marB="0" anchor="ctr" anchorCtr="0" horzOverflow="overflow">
                       <a:solidFill>
                         <a:srgbClr val="F0F0F0"/>
                       </a:solidFill>
@@ -9105,17 +8845,12 @@
                         </a:r>
                       </a:p>
                     </a:txBody>
-                    <a:tcPr marL="0" marR="0" marT="0" marB="0" anchor="ctr" horzOverflow="overflow">
+                    <a:tcPr marL="0" marR="0" marT="0" marB="0" anchor="ctr" anchorCtr="0" horzOverflow="overflow">
                       <a:solidFill>
                         <a:srgbClr val="F0F0F0"/>
                       </a:solidFill>
                     </a:tcPr>
                   </a:tc>
-                  <a:extLst>
-                    <a:ext uri="{0D108BD9-81ED-4DB2-BD59-A6C34878D82A}">
-                      <a16:rowId xmlns:a16="http://schemas.microsoft.com/office/drawing/2014/main" val="10001"/>
-                    </a:ext>
-                  </a:extLst>
                 </a:tr>
                 <a:tr h="584444">
                   <a:tc>
@@ -9129,7 +8864,7 @@
                         </a:r>
                       </a:p>
                     </a:txBody>
-                    <a:tcPr marL="0" marR="0" marT="0" marB="0" anchor="ctr" horzOverflow="overflow">
+                    <a:tcPr marL="0" marR="0" marT="0" marB="0" anchor="ctr" anchorCtr="0" horzOverflow="overflow">
                       <a:solidFill>
                         <a:srgbClr val="F0F0F0"/>
                       </a:solidFill>
@@ -9146,7 +8881,7 @@
                         </a:r>
                       </a:p>
                     </a:txBody>
-                    <a:tcPr marL="0" marR="0" marT="0" marB="0" anchor="ctr" horzOverflow="overflow">
+                    <a:tcPr marL="0" marR="0" marT="0" marB="0" anchor="ctr" anchorCtr="0" horzOverflow="overflow">
                       <a:solidFill>
                         <a:srgbClr val="F0F0F0"/>
                       </a:solidFill>
@@ -9163,7 +8898,7 @@
                         </a:r>
                       </a:p>
                     </a:txBody>
-                    <a:tcPr marL="0" marR="0" marT="0" marB="0" anchor="ctr" horzOverflow="overflow">
+                    <a:tcPr marL="0" marR="0" marT="0" marB="0" anchor="ctr" anchorCtr="0" horzOverflow="overflow">
                       <a:solidFill>
                         <a:srgbClr val="F0F0F0"/>
                       </a:solidFill>
@@ -9180,17 +8915,12 @@
                         </a:r>
                       </a:p>
                     </a:txBody>
-                    <a:tcPr marL="0" marR="0" marT="0" marB="0" anchor="ctr" horzOverflow="overflow">
+                    <a:tcPr marL="0" marR="0" marT="0" marB="0" anchor="ctr" anchorCtr="0" horzOverflow="overflow">
                       <a:solidFill>
                         <a:srgbClr val="F0F0F0"/>
                       </a:solidFill>
                     </a:tcPr>
                   </a:tc>
-                  <a:extLst>
-                    <a:ext uri="{0D108BD9-81ED-4DB2-BD59-A6C34878D82A}">
-                      <a16:rowId xmlns:a16="http://schemas.microsoft.com/office/drawing/2014/main" val="10002"/>
-                    </a:ext>
-                  </a:extLst>
                 </a:tr>
                 <a:tr h="584444">
                   <a:tc>
@@ -9204,7 +8934,7 @@
                         </a:r>
                       </a:p>
                     </a:txBody>
-                    <a:tcPr marL="0" marR="0" marT="0" marB="0" anchor="ctr" horzOverflow="overflow">
+                    <a:tcPr marL="0" marR="0" marT="0" marB="0" anchor="ctr" anchorCtr="0" horzOverflow="overflow">
                       <a:solidFill>
                         <a:srgbClr val="F0F0F0"/>
                       </a:solidFill>
@@ -9221,7 +8951,7 @@
                         </a:r>
                       </a:p>
                     </a:txBody>
-                    <a:tcPr marL="0" marR="0" marT="0" marB="0" anchor="ctr" horzOverflow="overflow">
+                    <a:tcPr marL="0" marR="0" marT="0" marB="0" anchor="ctr" anchorCtr="0" horzOverflow="overflow">
                       <a:solidFill>
                         <a:srgbClr val="F0F0F0"/>
                       </a:solidFill>
@@ -9238,7 +8968,7 @@
                         </a:r>
                       </a:p>
                     </a:txBody>
-                    <a:tcPr marL="0" marR="0" marT="0" marB="0" anchor="ctr" horzOverflow="overflow">
+                    <a:tcPr marL="0" marR="0" marT="0" marB="0" anchor="ctr" anchorCtr="0" horzOverflow="overflow">
                       <a:solidFill>
                         <a:srgbClr val="F0F0F0"/>
                       </a:solidFill>
@@ -9255,17 +8985,12 @@
                         </a:r>
                       </a:p>
                     </a:txBody>
-                    <a:tcPr marL="0" marR="0" marT="0" marB="0" anchor="ctr" horzOverflow="overflow">
+                    <a:tcPr marL="0" marR="0" marT="0" marB="0" anchor="ctr" anchorCtr="0" horzOverflow="overflow">
                       <a:solidFill>
                         <a:srgbClr val="F0F0F0"/>
                       </a:solidFill>
                     </a:tcPr>
                   </a:tc>
-                  <a:extLst>
-                    <a:ext uri="{0D108BD9-81ED-4DB2-BD59-A6C34878D82A}">
-                      <a16:rowId xmlns:a16="http://schemas.microsoft.com/office/drawing/2014/main" val="10003"/>
-                    </a:ext>
-                  </a:extLst>
                 </a:tr>
                 <a:tr h="584444">
                   <a:tc>
@@ -9279,7 +9004,7 @@
                         </a:r>
                       </a:p>
                     </a:txBody>
-                    <a:tcPr marL="0" marR="0" marT="0" marB="0" anchor="ctr" horzOverflow="overflow">
+                    <a:tcPr marL="0" marR="0" marT="0" marB="0" anchor="ctr" anchorCtr="0" horzOverflow="overflow">
                       <a:solidFill>
                         <a:srgbClr val="F0F0F0"/>
                       </a:solidFill>
@@ -9296,7 +9021,7 @@
                         </a:r>
                       </a:p>
                     </a:txBody>
-                    <a:tcPr marL="0" marR="0" marT="0" marB="0" anchor="ctr" horzOverflow="overflow">
+                    <a:tcPr marL="0" marR="0" marT="0" marB="0" anchor="ctr" anchorCtr="0" horzOverflow="overflow">
                       <a:solidFill>
                         <a:srgbClr val="F0F0F0"/>
                       </a:solidFill>
@@ -9313,7 +9038,7 @@
                         </a:r>
                       </a:p>
                     </a:txBody>
-                    <a:tcPr marL="0" marR="0" marT="0" marB="0" anchor="ctr" horzOverflow="overflow">
+                    <a:tcPr marL="0" marR="0" marT="0" marB="0" anchor="ctr" anchorCtr="0" horzOverflow="overflow">
                       <a:solidFill>
                         <a:srgbClr val="F0F0F0"/>
                       </a:solidFill>
@@ -9330,17 +9055,12 @@
                         </a:r>
                       </a:p>
                     </a:txBody>
-                    <a:tcPr marL="0" marR="0" marT="0" marB="0" anchor="ctr" horzOverflow="overflow">
+                    <a:tcPr marL="0" marR="0" marT="0" marB="0" anchor="ctr" anchorCtr="0" horzOverflow="overflow">
                       <a:solidFill>
                         <a:srgbClr val="F0F0F0"/>
                       </a:solidFill>
                     </a:tcPr>
                   </a:tc>
-                  <a:extLst>
-                    <a:ext uri="{0D108BD9-81ED-4DB2-BD59-A6C34878D82A}">
-                      <a16:rowId xmlns:a16="http://schemas.microsoft.com/office/drawing/2014/main" val="10004"/>
-                    </a:ext>
-                  </a:extLst>
                 </a:tr>
                 <a:tr h="584444">
                   <a:tc>
@@ -9354,7 +9074,7 @@
                         </a:r>
                       </a:p>
                     </a:txBody>
-                    <a:tcPr marL="0" marR="0" marT="0" marB="0" anchor="ctr" horzOverflow="overflow">
+                    <a:tcPr marL="0" marR="0" marT="0" marB="0" anchor="ctr" anchorCtr="0" horzOverflow="overflow">
                       <a:solidFill>
                         <a:srgbClr val="F0F0F0"/>
                       </a:solidFill>
@@ -9371,7 +9091,7 @@
                         </a:r>
                       </a:p>
                     </a:txBody>
-                    <a:tcPr marL="0" marR="0" marT="0" marB="0" anchor="ctr" horzOverflow="overflow">
+                    <a:tcPr marL="0" marR="0" marT="0" marB="0" anchor="ctr" anchorCtr="0" horzOverflow="overflow">
                       <a:solidFill>
                         <a:srgbClr val="F0F0F0"/>
                       </a:solidFill>
@@ -9388,7 +9108,7 @@
                         </a:r>
                       </a:p>
                     </a:txBody>
-                    <a:tcPr marL="0" marR="0" marT="0" marB="0" anchor="ctr" horzOverflow="overflow">
+                    <a:tcPr marL="0" marR="0" marT="0" marB="0" anchor="ctr" anchorCtr="0" horzOverflow="overflow">
                       <a:solidFill>
                         <a:srgbClr val="F0F0F0"/>
                       </a:solidFill>
@@ -9405,17 +9125,12 @@
                         </a:r>
                       </a:p>
                     </a:txBody>
-                    <a:tcPr marL="0" marR="0" marT="0" marB="0" anchor="ctr" horzOverflow="overflow">
+                    <a:tcPr marL="0" marR="0" marT="0" marB="0" anchor="ctr" anchorCtr="0" horzOverflow="overflow">
                       <a:solidFill>
                         <a:srgbClr val="F0F0F0"/>
                       </a:solidFill>
                     </a:tcPr>
                   </a:tc>
-                  <a:extLst>
-                    <a:ext uri="{0D108BD9-81ED-4DB2-BD59-A6C34878D82A}">
-                      <a16:rowId xmlns:a16="http://schemas.microsoft.com/office/drawing/2014/main" val="10005"/>
-                    </a:ext>
-                  </a:extLst>
                 </a:tr>
                 <a:tr h="584444">
                   <a:tc>
@@ -9429,7 +9144,7 @@
                         </a:r>
                       </a:p>
                     </a:txBody>
-                    <a:tcPr marL="0" marR="0" marT="0" marB="0" anchor="ctr" horzOverflow="overflow">
+                    <a:tcPr marL="0" marR="0" marT="0" marB="0" anchor="ctr" anchorCtr="0" horzOverflow="overflow">
                       <a:solidFill>
                         <a:srgbClr val="F0F0F0"/>
                       </a:solidFill>
@@ -9446,7 +9161,7 @@
                         </a:r>
                       </a:p>
                     </a:txBody>
-                    <a:tcPr marL="0" marR="0" marT="0" marB="0" anchor="ctr" horzOverflow="overflow">
+                    <a:tcPr marL="0" marR="0" marT="0" marB="0" anchor="ctr" anchorCtr="0" horzOverflow="overflow">
                       <a:solidFill>
                         <a:srgbClr val="F0F0F0"/>
                       </a:solidFill>
@@ -9463,7 +9178,7 @@
                         </a:r>
                       </a:p>
                     </a:txBody>
-                    <a:tcPr marL="0" marR="0" marT="0" marB="0" anchor="ctr" horzOverflow="overflow">
+                    <a:tcPr marL="0" marR="0" marT="0" marB="0" anchor="ctr" anchorCtr="0" horzOverflow="overflow">
                       <a:solidFill>
                         <a:srgbClr val="F0F0F0"/>
                       </a:solidFill>
@@ -9480,17 +9195,12 @@
                         </a:r>
                       </a:p>
                     </a:txBody>
-                    <a:tcPr marL="0" marR="0" marT="0" marB="0" anchor="ctr" horzOverflow="overflow">
+                    <a:tcPr marL="0" marR="0" marT="0" marB="0" anchor="ctr" anchorCtr="0" horzOverflow="overflow">
                       <a:solidFill>
                         <a:srgbClr val="F0F0F0"/>
                       </a:solidFill>
                     </a:tcPr>
                   </a:tc>
-                  <a:extLst>
-                    <a:ext uri="{0D108BD9-81ED-4DB2-BD59-A6C34878D82A}">
-                      <a16:rowId xmlns:a16="http://schemas.microsoft.com/office/drawing/2014/main" val="10006"/>
-                    </a:ext>
-                  </a:extLst>
                 </a:tr>
                 <a:tr h="584444">
                   <a:tc>
@@ -9504,7 +9214,7 @@
                         </a:r>
                       </a:p>
                     </a:txBody>
-                    <a:tcPr marL="0" marR="0" marT="0" marB="0" anchor="ctr" horzOverflow="overflow">
+                    <a:tcPr marL="0" marR="0" marT="0" marB="0" anchor="ctr" anchorCtr="0" horzOverflow="overflow">
                       <a:solidFill>
                         <a:srgbClr val="F0F0F0"/>
                       </a:solidFill>
@@ -9521,7 +9231,7 @@
                         </a:r>
                       </a:p>
                     </a:txBody>
-                    <a:tcPr marL="0" marR="0" marT="0" marB="0" anchor="ctr" horzOverflow="overflow">
+                    <a:tcPr marL="0" marR="0" marT="0" marB="0" anchor="ctr" anchorCtr="0" horzOverflow="overflow">
                       <a:solidFill>
                         <a:srgbClr val="F0F0F0"/>
                       </a:solidFill>
@@ -9538,7 +9248,7 @@
                         </a:r>
                       </a:p>
                     </a:txBody>
-                    <a:tcPr marL="0" marR="0" marT="0" marB="0" anchor="ctr" horzOverflow="overflow">
+                    <a:tcPr marL="0" marR="0" marT="0" marB="0" anchor="ctr" anchorCtr="0" horzOverflow="overflow">
                       <a:solidFill>
                         <a:srgbClr val="F0F0F0"/>
                       </a:solidFill>
@@ -9555,17 +9265,12 @@
                         </a:r>
                       </a:p>
                     </a:txBody>
-                    <a:tcPr marL="0" marR="0" marT="0" marB="0" anchor="ctr" horzOverflow="overflow">
+                    <a:tcPr marL="0" marR="0" marT="0" marB="0" anchor="ctr" anchorCtr="0" horzOverflow="overflow">
                       <a:solidFill>
                         <a:srgbClr val="F0F0F0"/>
                       </a:solidFill>
                     </a:tcPr>
                   </a:tc>
-                  <a:extLst>
-                    <a:ext uri="{0D108BD9-81ED-4DB2-BD59-A6C34878D82A}">
-                      <a16:rowId xmlns:a16="http://schemas.microsoft.com/office/drawing/2014/main" val="10007"/>
-                    </a:ext>
-                  </a:extLst>
                 </a:tr>
               </a:tbl>
             </a:graphicData>
@@ -9577,12 +9282,12 @@
   <p:clrMapOvr>
     <a:masterClrMapping/>
   </p:clrMapOvr>
-  <p:transition spd="med"/>
+  <p:transition xmlns:p14="http://schemas.microsoft.com/office/powerpoint/2010/main" spd="med" advClick="1"/>
 </p:sld>
 </file>
 
 <file path=ppt/slides/slide9.xml><?xml version="1.0" encoding="utf-8"?>
-<p:sld xmlns:a="http://schemas.openxmlformats.org/drawingml/2006/main" xmlns:r="http://schemas.openxmlformats.org/officeDocument/2006/relationships" xmlns:p="http://schemas.openxmlformats.org/presentationml/2006/main">
+<p:sld xmlns:a="http://schemas.openxmlformats.org/drawingml/2006/main" xmlns:r="http://schemas.openxmlformats.org/officeDocument/2006/relationships" xmlns:p="http://schemas.openxmlformats.org/presentationml/2006/main" xmlns:m="http://schemas.openxmlformats.org/officeDocument/2006/math" xmlns:a14="http://schemas.microsoft.com/office/drawing/2010/main" showMasterSp="1" showMasterPhAnim="1">
   <p:cSld>
     <p:spTree>
       <p:nvGrpSpPr>
@@ -9601,9 +9306,7 @@
       <p:sp>
         <p:nvSpPr>
           <p:cNvPr id="142" name="Cutoff Results"/>
-          <p:cNvSpPr txBox="1">
-            <a:spLocks noGrp="1"/>
-          </p:cNvSpPr>
+          <p:cNvSpPr txBox="1"/>
           <p:nvPr>
             <p:ph type="title"/>
           </p:nvPr>
@@ -9619,6 +9322,7 @@
             <a:lvl1pPr algn="ctr"/>
           </a:lstStyle>
           <a:p>
+            <a:pPr/>
             <a:r>
               <a:t>Cutoff Results</a:t>
             </a:r>
@@ -9628,9 +9332,7 @@
       <p:sp>
         <p:nvSpPr>
           <p:cNvPr id="143" name="Cross-Validation with original params…"/>
-          <p:cNvSpPr txBox="1">
-            <a:spLocks noGrp="1"/>
-          </p:cNvSpPr>
+          <p:cNvSpPr txBox="1"/>
           <p:nvPr>
             <p:ph type="body" idx="1"/>
           </p:nvPr>
@@ -9658,7 +9360,7 @@
             </a:r>
           </a:p>
           <a:p>
-            <a:pPr marL="581526" lvl="1" indent="-200526">
+            <a:pPr lvl="1" marL="581526" indent="-200526">
               <a:lnSpc>
                 <a:spcPct val="150000"/>
               </a:lnSpc>
@@ -9672,7 +9374,7 @@
             </a:r>
           </a:p>
           <a:p>
-            <a:pPr marL="581526" lvl="1" indent="-200526">
+            <a:pPr lvl="1" marL="581526" indent="-200526">
               <a:lnSpc>
                 <a:spcPct val="100000"/>
               </a:lnSpc>
@@ -9682,7 +9384,6 @@
               <a:buFontTx/>
               <a:defRPr sz="2400"/>
             </a:pPr>
-            <a:endParaRPr/>
           </a:p>
           <a:p>
             <a:pPr>
@@ -9700,9 +9401,9 @@
                 <a:spcPct val="100000"/>
               </a:lnSpc>
             </a:pPr>
-            <a:endParaRPr/>
-          </a:p>
-          <a:p>
+          </a:p>
+          <a:p>
+            <a:pPr/>
             <a:r>
               <a:t>Problem: Too little information to get meaningful results</a:t>
             </a:r>
@@ -9712,9 +9413,7 @@
       <p:sp>
         <p:nvSpPr>
           <p:cNvPr id="144" name="Slide Number"/>
-          <p:cNvSpPr txBox="1">
-            <a:spLocks noGrp="1"/>
-          </p:cNvSpPr>
+          <p:cNvSpPr txBox="1"/>
           <p:nvPr>
             <p:ph type="sldNum" sz="quarter" idx="2"/>
           </p:nvPr>
@@ -9729,7 +9428,7 @@
           </a:prstGeom>
           <a:extLst>
             <a:ext uri="{C572A759-6A51-4108-AA02-DFA0A04FC94B}">
-              <ma14:wrappingTextBoxFlag xmlns="" xmlns:m="http://schemas.openxmlformats.org/officeDocument/2006/math" xmlns:a14="http://schemas.microsoft.com/office/drawing/2010/main" xmlns:ma14="http://schemas.microsoft.com/office/mac/drawingml/2011/main" val="1"/>
+              <ma14:wrappingTextBoxFlag xmlns:ma14="http://schemas.microsoft.com/office/mac/drawingml/2011/main" val="1"/>
             </a:ext>
           </a:extLst>
         </p:spPr>
@@ -9737,10 +9436,8 @@
           <a:bodyPr/>
           <a:lstStyle/>
           <a:p>
-            <a:fld id="{86CB4B4D-7CA3-9044-876B-883B54F8677D}" type="slidenum">
-              <a:t>9</a:t>
-            </a:fld>
-            <a:endParaRPr/>
+            <a:pPr/>
+            <a:fld id="{86CB4B4D-7CA3-9044-876B-883B54F8677D}" type="slidenum"/>
           </a:p>
         </p:txBody>
       </p:sp>
@@ -9753,7 +9450,9 @@
           <p:nvPr/>
         </p:nvPicPr>
         <p:blipFill>
-          <a:blip r:embed="rId2"/>
+          <a:blip r:embed="rId2">
+            <a:extLst/>
+          </a:blip>
           <a:stretch>
             <a:fillRect/>
           </a:stretch>
@@ -9776,12 +9475,12 @@
   <p:clrMapOvr>
     <a:masterClrMapping/>
   </p:clrMapOvr>
-  <p:transition spd="med"/>
+  <p:transition xmlns:p14="http://schemas.microsoft.com/office/powerpoint/2010/main" spd="med" advClick="1"/>
 </p:sld>
 </file>
 
 <file path=ppt/theme/theme1.xml><?xml version="1.0" encoding="utf-8"?>
-<a:theme xmlns:a="http://schemas.openxmlformats.org/drawingml/2006/main" name="Office">
+<a:theme xmlns:a="http://schemas.openxmlformats.org/drawingml/2006/main" xmlns:r="http://schemas.openxmlformats.org/officeDocument/2006/relationships" name="Office">
   <a:themeElements>
     <a:clrScheme name="Office">
       <a:dk1>
@@ -9983,7 +9682,7 @@
         <a:effectLst/>
         <a:sp3d/>
       </a:spPr>
-      <a:bodyPr rot="0" spcFirstLastPara="1" vertOverflow="overflow" horzOverflow="overflow" vert="horz" wrap="square" lIns="45719" tIns="45719" rIns="45719" bIns="45719" numCol="1" spcCol="38100" rtlCol="0" anchor="ctr">
+      <a:bodyPr rot="0" spcFirstLastPara="1" vertOverflow="overflow" horzOverflow="overflow" vert="horz" wrap="square" lIns="45719" tIns="45719" rIns="45719" bIns="45719" numCol="1" spcCol="38100" rtlCol="0" anchor="ctr" upright="0">
         <a:spAutoFit/>
       </a:bodyPr>
       <a:lstStyle>
@@ -10002,7 +9701,7 @@
           <a:buFontTx/>
           <a:buNone/>
           <a:tabLst/>
-          <a:defRPr kumimoji="0" sz="1800" b="0" i="0" u="none" strike="noStrike" cap="none" spc="0" normalizeH="0" baseline="0">
+          <a:defRPr b="0" baseline="0" cap="none" i="0" spc="0" strike="noStrike" sz="1800" u="none" kumimoji="0" normalizeH="0">
             <a:ln>
               <a:noFill/>
             </a:ln>
@@ -10032,7 +9731,7 @@
           <a:buFontTx/>
           <a:buNone/>
           <a:tabLst/>
-          <a:defRPr kumimoji="0" sz="1800" b="0" i="0" u="none" strike="noStrike" cap="none" spc="0" normalizeH="0" baseline="0">
+          <a:defRPr b="0" baseline="0" cap="none" i="0" spc="0" strike="noStrike" sz="1800" u="none" kumimoji="0" normalizeH="0">
             <a:ln>
               <a:noFill/>
             </a:ln>
@@ -10058,7 +9757,7 @@
           <a:buFontTx/>
           <a:buNone/>
           <a:tabLst/>
-          <a:defRPr kumimoji="0" sz="1800" b="0" i="0" u="none" strike="noStrike" cap="none" spc="0" normalizeH="0" baseline="0">
+          <a:defRPr b="0" baseline="0" cap="none" i="0" spc="0" strike="noStrike" sz="1800" u="none" kumimoji="0" normalizeH="0">
             <a:ln>
               <a:noFill/>
             </a:ln>
@@ -10084,7 +9783,7 @@
           <a:buFontTx/>
           <a:buNone/>
           <a:tabLst/>
-          <a:defRPr kumimoji="0" sz="1800" b="0" i="0" u="none" strike="noStrike" cap="none" spc="0" normalizeH="0" baseline="0">
+          <a:defRPr b="0" baseline="0" cap="none" i="0" spc="0" strike="noStrike" sz="1800" u="none" kumimoji="0" normalizeH="0">
             <a:ln>
               <a:noFill/>
             </a:ln>
@@ -10110,7 +9809,7 @@
           <a:buFontTx/>
           <a:buNone/>
           <a:tabLst/>
-          <a:defRPr kumimoji="0" sz="1800" b="0" i="0" u="none" strike="noStrike" cap="none" spc="0" normalizeH="0" baseline="0">
+          <a:defRPr b="0" baseline="0" cap="none" i="0" spc="0" strike="noStrike" sz="1800" u="none" kumimoji="0" normalizeH="0">
             <a:ln>
               <a:noFill/>
             </a:ln>
@@ -10136,7 +9835,7 @@
           <a:buFontTx/>
           <a:buNone/>
           <a:tabLst/>
-          <a:defRPr kumimoji="0" sz="1800" b="0" i="0" u="none" strike="noStrike" cap="none" spc="0" normalizeH="0" baseline="0">
+          <a:defRPr b="0" baseline="0" cap="none" i="0" spc="0" strike="noStrike" sz="1800" u="none" kumimoji="0" normalizeH="0">
             <a:ln>
               <a:noFill/>
             </a:ln>
@@ -10162,7 +9861,7 @@
           <a:buFontTx/>
           <a:buNone/>
           <a:tabLst/>
-          <a:defRPr kumimoji="0" sz="1800" b="0" i="0" u="none" strike="noStrike" cap="none" spc="0" normalizeH="0" baseline="0">
+          <a:defRPr b="0" baseline="0" cap="none" i="0" spc="0" strike="noStrike" sz="1800" u="none" kumimoji="0" normalizeH="0">
             <a:ln>
               <a:noFill/>
             </a:ln>
@@ -10188,7 +9887,7 @@
           <a:buFontTx/>
           <a:buNone/>
           <a:tabLst/>
-          <a:defRPr kumimoji="0" sz="1800" b="0" i="0" u="none" strike="noStrike" cap="none" spc="0" normalizeH="0" baseline="0">
+          <a:defRPr b="0" baseline="0" cap="none" i="0" spc="0" strike="noStrike" sz="1800" u="none" kumimoji="0" normalizeH="0">
             <a:ln>
               <a:noFill/>
             </a:ln>
@@ -10214,7 +9913,7 @@
           <a:buFontTx/>
           <a:buNone/>
           <a:tabLst/>
-          <a:defRPr kumimoji="0" sz="1800" b="0" i="0" u="none" strike="noStrike" cap="none" spc="0" normalizeH="0" baseline="0">
+          <a:defRPr b="0" baseline="0" cap="none" i="0" spc="0" strike="noStrike" sz="1800" u="none" kumimoji="0" normalizeH="0">
             <a:ln>
               <a:noFill/>
             </a:ln>
@@ -10240,7 +9939,7 @@
           <a:buFontTx/>
           <a:buNone/>
           <a:tabLst/>
-          <a:defRPr kumimoji="0" sz="1800" b="0" i="0" u="none" strike="noStrike" cap="none" spc="0" normalizeH="0" baseline="0">
+          <a:defRPr b="0" baseline="0" cap="none" i="0" spc="0" strike="noStrike" sz="1800" u="none" kumimoji="0" normalizeH="0">
             <a:ln>
               <a:noFill/>
             </a:ln>
@@ -10253,15 +9952,9 @@
         </a:lvl9pPr>
       </a:lstStyle>
       <a:style>
-        <a:lnRef idx="0">
-          <a:scrgbClr r="0" g="0" b="0"/>
-        </a:lnRef>
-        <a:fillRef idx="0">
-          <a:scrgbClr r="0" g="0" b="0"/>
-        </a:fillRef>
-        <a:effectRef idx="0">
-          <a:scrgbClr r="0" g="0" b="0"/>
-        </a:effectRef>
+        <a:lnRef idx="0"/>
+        <a:fillRef idx="0"/>
+        <a:effectRef idx="0"/>
         <a:fontRef idx="none"/>
       </a:style>
     </a:spDef>
@@ -10278,7 +9971,7 @@
         <a:effectLst/>
         <a:sp3d/>
       </a:spPr>
-      <a:bodyPr rot="0" spcFirstLastPara="1" vertOverflow="overflow" horzOverflow="overflow" vert="horz" wrap="square" lIns="91439" tIns="45719" rIns="91439" bIns="45719" numCol="1" spcCol="38100" rtlCol="0" anchor="t">
+      <a:bodyPr rot="0" spcFirstLastPara="1" vertOverflow="overflow" horzOverflow="overflow" vert="horz" wrap="square" lIns="91439" tIns="45719" rIns="91439" bIns="45719" numCol="1" spcCol="38100" rtlCol="0" anchor="t" upright="0">
         <a:noAutofit/>
       </a:bodyPr>
       <a:lstStyle>
@@ -10297,7 +9990,7 @@
           <a:buFontTx/>
           <a:buNone/>
           <a:tabLst/>
-          <a:defRPr kumimoji="0" sz="1800" b="0" i="0" u="none" strike="noStrike" cap="none" spc="0" normalizeH="0" baseline="0">
+          <a:defRPr b="0" baseline="0" cap="none" i="0" spc="0" strike="noStrike" sz="1800" u="none" kumimoji="0" normalizeH="0">
             <a:ln>
               <a:noFill/>
             </a:ln>
@@ -10323,7 +10016,7 @@
           <a:buFontTx/>
           <a:buNone/>
           <a:tabLst/>
-          <a:defRPr kumimoji="0" sz="1800" b="0" i="0" u="none" strike="noStrike" cap="none" spc="0" normalizeH="0" baseline="0">
+          <a:defRPr b="0" baseline="0" cap="none" i="0" spc="0" strike="noStrike" sz="1800" u="none" kumimoji="0" normalizeH="0">
             <a:ln>
               <a:noFill/>
             </a:ln>
@@ -10349,7 +10042,7 @@
           <a:buFontTx/>
           <a:buNone/>
           <a:tabLst/>
-          <a:defRPr kumimoji="0" sz="1800" b="0" i="0" u="none" strike="noStrike" cap="none" spc="0" normalizeH="0" baseline="0">
+          <a:defRPr b="0" baseline="0" cap="none" i="0" spc="0" strike="noStrike" sz="1800" u="none" kumimoji="0" normalizeH="0">
             <a:ln>
               <a:noFill/>
             </a:ln>
@@ -10375,7 +10068,7 @@
           <a:buFontTx/>
           <a:buNone/>
           <a:tabLst/>
-          <a:defRPr kumimoji="0" sz="1800" b="0" i="0" u="none" strike="noStrike" cap="none" spc="0" normalizeH="0" baseline="0">
+          <a:defRPr b="0" baseline="0" cap="none" i="0" spc="0" strike="noStrike" sz="1800" u="none" kumimoji="0" normalizeH="0">
             <a:ln>
               <a:noFill/>
             </a:ln>
@@ -10401,7 +10094,7 @@
           <a:buFontTx/>
           <a:buNone/>
           <a:tabLst/>
-          <a:defRPr kumimoji="0" sz="1800" b="0" i="0" u="none" strike="noStrike" cap="none" spc="0" normalizeH="0" baseline="0">
+          <a:defRPr b="0" baseline="0" cap="none" i="0" spc="0" strike="noStrike" sz="1800" u="none" kumimoji="0" normalizeH="0">
             <a:ln>
               <a:noFill/>
             </a:ln>
@@ -10427,7 +10120,7 @@
           <a:buFontTx/>
           <a:buNone/>
           <a:tabLst/>
-          <a:defRPr kumimoji="0" sz="1800" b="0" i="0" u="none" strike="noStrike" cap="none" spc="0" normalizeH="0" baseline="0">
+          <a:defRPr b="0" baseline="0" cap="none" i="0" spc="0" strike="noStrike" sz="1800" u="none" kumimoji="0" normalizeH="0">
             <a:ln>
               <a:noFill/>
             </a:ln>
@@ -10453,7 +10146,7 @@
           <a:buFontTx/>
           <a:buNone/>
           <a:tabLst/>
-          <a:defRPr kumimoji="0" sz="1800" b="0" i="0" u="none" strike="noStrike" cap="none" spc="0" normalizeH="0" baseline="0">
+          <a:defRPr b="0" baseline="0" cap="none" i="0" spc="0" strike="noStrike" sz="1800" u="none" kumimoji="0" normalizeH="0">
             <a:ln>
               <a:noFill/>
             </a:ln>
@@ -10479,7 +10172,7 @@
           <a:buFontTx/>
           <a:buNone/>
           <a:tabLst/>
-          <a:defRPr kumimoji="0" sz="1800" b="0" i="0" u="none" strike="noStrike" cap="none" spc="0" normalizeH="0" baseline="0">
+          <a:defRPr b="0" baseline="0" cap="none" i="0" spc="0" strike="noStrike" sz="1800" u="none" kumimoji="0" normalizeH="0">
             <a:ln>
               <a:noFill/>
             </a:ln>
@@ -10505,7 +10198,7 @@
           <a:buFontTx/>
           <a:buNone/>
           <a:tabLst/>
-          <a:defRPr kumimoji="0" sz="1800" b="0" i="0" u="none" strike="noStrike" cap="none" spc="0" normalizeH="0" baseline="0">
+          <a:defRPr b="0" baseline="0" cap="none" i="0" spc="0" strike="noStrike" sz="1800" u="none" kumimoji="0" normalizeH="0">
             <a:ln>
               <a:noFill/>
             </a:ln>
@@ -10531,7 +10224,7 @@
           <a:buFontTx/>
           <a:buNone/>
           <a:tabLst/>
-          <a:defRPr kumimoji="0" sz="1800" b="0" i="0" u="none" strike="noStrike" cap="none" spc="0" normalizeH="0" baseline="0">
+          <a:defRPr b="0" baseline="0" cap="none" i="0" spc="0" strike="noStrike" sz="1800" u="none" kumimoji="0" normalizeH="0">
             <a:ln>
               <a:noFill/>
             </a:ln>
@@ -10544,15 +10237,9 @@
         </a:lvl9pPr>
       </a:lstStyle>
       <a:style>
-        <a:lnRef idx="0">
-          <a:scrgbClr r="0" g="0" b="0"/>
-        </a:lnRef>
-        <a:fillRef idx="0">
-          <a:scrgbClr r="0" g="0" b="0"/>
-        </a:fillRef>
-        <a:effectRef idx="0">
-          <a:scrgbClr r="0" g="0" b="0"/>
-        </a:effectRef>
+        <a:lnRef idx="0"/>
+        <a:fillRef idx="0"/>
+        <a:effectRef idx="0"/>
         <a:fontRef idx="none"/>
       </a:style>
     </a:lnDef>
@@ -10566,7 +10253,7 @@
         <a:effectLst/>
         <a:sp3d/>
       </a:spPr>
-      <a:bodyPr rot="0" spcFirstLastPara="1" vertOverflow="overflow" horzOverflow="overflow" vert="horz" wrap="square" lIns="45719" tIns="45719" rIns="45719" bIns="45719" numCol="1" spcCol="38100" rtlCol="0" anchor="t">
+      <a:bodyPr rot="0" spcFirstLastPara="1" vertOverflow="overflow" horzOverflow="overflow" vert="horz" wrap="square" lIns="45719" tIns="45719" rIns="45719" bIns="45719" numCol="1" spcCol="38100" rtlCol="0" anchor="t" upright="0">
         <a:spAutoFit/>
       </a:bodyPr>
       <a:lstStyle>
@@ -10585,7 +10272,7 @@
           <a:buFontTx/>
           <a:buNone/>
           <a:tabLst/>
-          <a:defRPr kumimoji="0" sz="1800" b="0" i="0" u="none" strike="noStrike" cap="none" spc="0" normalizeH="0" baseline="0">
+          <a:defRPr b="0" baseline="0" cap="none" i="0" spc="0" strike="noStrike" sz="1800" u="none" kumimoji="0" normalizeH="0">
             <a:ln>
               <a:noFill/>
             </a:ln>
@@ -10615,7 +10302,7 @@
           <a:buFontTx/>
           <a:buNone/>
           <a:tabLst/>
-          <a:defRPr kumimoji="0" sz="1800" b="0" i="0" u="none" strike="noStrike" cap="none" spc="0" normalizeH="0" baseline="0">
+          <a:defRPr b="0" baseline="0" cap="none" i="0" spc="0" strike="noStrike" sz="1800" u="none" kumimoji="0" normalizeH="0">
             <a:ln>
               <a:noFill/>
             </a:ln>
@@ -10641,7 +10328,7 @@
           <a:buFontTx/>
           <a:buNone/>
           <a:tabLst/>
-          <a:defRPr kumimoji="0" sz="1800" b="0" i="0" u="none" strike="noStrike" cap="none" spc="0" normalizeH="0" baseline="0">
+          <a:defRPr b="0" baseline="0" cap="none" i="0" spc="0" strike="noStrike" sz="1800" u="none" kumimoji="0" normalizeH="0">
             <a:ln>
               <a:noFill/>
             </a:ln>
@@ -10667,7 +10354,7 @@
           <a:buFontTx/>
           <a:buNone/>
           <a:tabLst/>
-          <a:defRPr kumimoji="0" sz="1800" b="0" i="0" u="none" strike="noStrike" cap="none" spc="0" normalizeH="0" baseline="0">
+          <a:defRPr b="0" baseline="0" cap="none" i="0" spc="0" strike="noStrike" sz="1800" u="none" kumimoji="0" normalizeH="0">
             <a:ln>
               <a:noFill/>
             </a:ln>
@@ -10693,7 +10380,7 @@
           <a:buFontTx/>
           <a:buNone/>
           <a:tabLst/>
-          <a:defRPr kumimoji="0" sz="1800" b="0" i="0" u="none" strike="noStrike" cap="none" spc="0" normalizeH="0" baseline="0">
+          <a:defRPr b="0" baseline="0" cap="none" i="0" spc="0" strike="noStrike" sz="1800" u="none" kumimoji="0" normalizeH="0">
             <a:ln>
               <a:noFill/>
             </a:ln>
@@ -10719,7 +10406,7 @@
           <a:buFontTx/>
           <a:buNone/>
           <a:tabLst/>
-          <a:defRPr kumimoji="0" sz="1800" b="0" i="0" u="none" strike="noStrike" cap="none" spc="0" normalizeH="0" baseline="0">
+          <a:defRPr b="0" baseline="0" cap="none" i="0" spc="0" strike="noStrike" sz="1800" u="none" kumimoji="0" normalizeH="0">
             <a:ln>
               <a:noFill/>
             </a:ln>
@@ -10745,7 +10432,7 @@
           <a:buFontTx/>
           <a:buNone/>
           <a:tabLst/>
-          <a:defRPr kumimoji="0" sz="1800" b="0" i="0" u="none" strike="noStrike" cap="none" spc="0" normalizeH="0" baseline="0">
+          <a:defRPr b="0" baseline="0" cap="none" i="0" spc="0" strike="noStrike" sz="1800" u="none" kumimoji="0" normalizeH="0">
             <a:ln>
               <a:noFill/>
             </a:ln>
@@ -10771,7 +10458,7 @@
           <a:buFontTx/>
           <a:buNone/>
           <a:tabLst/>
-          <a:defRPr kumimoji="0" sz="1800" b="0" i="0" u="none" strike="noStrike" cap="none" spc="0" normalizeH="0" baseline="0">
+          <a:defRPr b="0" baseline="0" cap="none" i="0" spc="0" strike="noStrike" sz="1800" u="none" kumimoji="0" normalizeH="0">
             <a:ln>
               <a:noFill/>
             </a:ln>
@@ -10797,7 +10484,7 @@
           <a:buFontTx/>
           <a:buNone/>
           <a:tabLst/>
-          <a:defRPr kumimoji="0" sz="1800" b="0" i="0" u="none" strike="noStrike" cap="none" spc="0" normalizeH="0" baseline="0">
+          <a:defRPr b="0" baseline="0" cap="none" i="0" spc="0" strike="noStrike" sz="1800" u="none" kumimoji="0" normalizeH="0">
             <a:ln>
               <a:noFill/>
             </a:ln>
@@ -10823,7 +10510,7 @@
           <a:buFontTx/>
           <a:buNone/>
           <a:tabLst/>
-          <a:defRPr kumimoji="0" sz="1800" b="0" i="0" u="none" strike="noStrike" cap="none" spc="0" normalizeH="0" baseline="0">
+          <a:defRPr b="0" baseline="0" cap="none" i="0" spc="0" strike="noStrike" sz="1800" u="none" kumimoji="0" normalizeH="0">
             <a:ln>
               <a:noFill/>
             </a:ln>
@@ -10836,25 +10523,18 @@
         </a:lvl9pPr>
       </a:lstStyle>
       <a:style>
-        <a:lnRef idx="0">
-          <a:scrgbClr r="0" g="0" b="0"/>
-        </a:lnRef>
-        <a:fillRef idx="0">
-          <a:scrgbClr r="0" g="0" b="0"/>
-        </a:fillRef>
-        <a:effectRef idx="0">
-          <a:scrgbClr r="0" g="0" b="0"/>
-        </a:effectRef>
+        <a:lnRef idx="0"/>
+        <a:fillRef idx="0"/>
+        <a:effectRef idx="0"/>
         <a:fontRef idx="none"/>
       </a:style>
     </a:txDef>
   </a:objectDefaults>
-  <a:extraClrSchemeLst/>
 </a:theme>
 </file>
 
 <file path=ppt/theme/theme2.xml><?xml version="1.0" encoding="utf-8"?>
-<a:theme xmlns:a="http://schemas.openxmlformats.org/drawingml/2006/main" name="Office">
+<a:theme xmlns:a="http://schemas.openxmlformats.org/drawingml/2006/main" xmlns:r="http://schemas.openxmlformats.org/officeDocument/2006/relationships" name="Office">
   <a:themeElements>
     <a:clrScheme name="Office">
       <a:dk1>
@@ -11056,7 +10736,7 @@
         <a:effectLst/>
         <a:sp3d/>
       </a:spPr>
-      <a:bodyPr rot="0" spcFirstLastPara="1" vertOverflow="overflow" horzOverflow="overflow" vert="horz" wrap="square" lIns="45719" tIns="45719" rIns="45719" bIns="45719" numCol="1" spcCol="38100" rtlCol="0" anchor="ctr">
+      <a:bodyPr rot="0" spcFirstLastPara="1" vertOverflow="overflow" horzOverflow="overflow" vert="horz" wrap="square" lIns="45719" tIns="45719" rIns="45719" bIns="45719" numCol="1" spcCol="38100" rtlCol="0" anchor="ctr" upright="0">
         <a:spAutoFit/>
       </a:bodyPr>
       <a:lstStyle>
@@ -11075,7 +10755,7 @@
           <a:buFontTx/>
           <a:buNone/>
           <a:tabLst/>
-          <a:defRPr kumimoji="0" sz="1800" b="0" i="0" u="none" strike="noStrike" cap="none" spc="0" normalizeH="0" baseline="0">
+          <a:defRPr b="0" baseline="0" cap="none" i="0" spc="0" strike="noStrike" sz="1800" u="none" kumimoji="0" normalizeH="0">
             <a:ln>
               <a:noFill/>
             </a:ln>
@@ -11105,7 +10785,7 @@
           <a:buFontTx/>
           <a:buNone/>
           <a:tabLst/>
-          <a:defRPr kumimoji="0" sz="1800" b="0" i="0" u="none" strike="noStrike" cap="none" spc="0" normalizeH="0" baseline="0">
+          <a:defRPr b="0" baseline="0" cap="none" i="0" spc="0" strike="noStrike" sz="1800" u="none" kumimoji="0" normalizeH="0">
             <a:ln>
               <a:noFill/>
             </a:ln>
@@ -11131,7 +10811,7 @@
           <a:buFontTx/>
           <a:buNone/>
           <a:tabLst/>
-          <a:defRPr kumimoji="0" sz="1800" b="0" i="0" u="none" strike="noStrike" cap="none" spc="0" normalizeH="0" baseline="0">
+          <a:defRPr b="0" baseline="0" cap="none" i="0" spc="0" strike="noStrike" sz="1800" u="none" kumimoji="0" normalizeH="0">
             <a:ln>
               <a:noFill/>
             </a:ln>
@@ -11157,7 +10837,7 @@
           <a:buFontTx/>
           <a:buNone/>
           <a:tabLst/>
-          <a:defRPr kumimoji="0" sz="1800" b="0" i="0" u="none" strike="noStrike" cap="none" spc="0" normalizeH="0" baseline="0">
+          <a:defRPr b="0" baseline="0" cap="none" i="0" spc="0" strike="noStrike" sz="1800" u="none" kumimoji="0" normalizeH="0">
             <a:ln>
               <a:noFill/>
             </a:ln>
@@ -11183,7 +10863,7 @@
           <a:buFontTx/>
           <a:buNone/>
           <a:tabLst/>
-          <a:defRPr kumimoji="0" sz="1800" b="0" i="0" u="none" strike="noStrike" cap="none" spc="0" normalizeH="0" baseline="0">
+          <a:defRPr b="0" baseline="0" cap="none" i="0" spc="0" strike="noStrike" sz="1800" u="none" kumimoji="0" normalizeH="0">
             <a:ln>
               <a:noFill/>
             </a:ln>
@@ -11209,7 +10889,7 @@
           <a:buFontTx/>
           <a:buNone/>
           <a:tabLst/>
-          <a:defRPr kumimoji="0" sz="1800" b="0" i="0" u="none" strike="noStrike" cap="none" spc="0" normalizeH="0" baseline="0">
+          <a:defRPr b="0" baseline="0" cap="none" i="0" spc="0" strike="noStrike" sz="1800" u="none" kumimoji="0" normalizeH="0">
             <a:ln>
               <a:noFill/>
             </a:ln>
@@ -11235,7 +10915,7 @@
           <a:buFontTx/>
           <a:buNone/>
           <a:tabLst/>
-          <a:defRPr kumimoji="0" sz="1800" b="0" i="0" u="none" strike="noStrike" cap="none" spc="0" normalizeH="0" baseline="0">
+          <a:defRPr b="0" baseline="0" cap="none" i="0" spc="0" strike="noStrike" sz="1800" u="none" kumimoji="0" normalizeH="0">
             <a:ln>
               <a:noFill/>
             </a:ln>
@@ -11261,7 +10941,7 @@
           <a:buFontTx/>
           <a:buNone/>
           <a:tabLst/>
-          <a:defRPr kumimoji="0" sz="1800" b="0" i="0" u="none" strike="noStrike" cap="none" spc="0" normalizeH="0" baseline="0">
+          <a:defRPr b="0" baseline="0" cap="none" i="0" spc="0" strike="noStrike" sz="1800" u="none" kumimoji="0" normalizeH="0">
             <a:ln>
               <a:noFill/>
             </a:ln>
@@ -11287,7 +10967,7 @@
           <a:buFontTx/>
           <a:buNone/>
           <a:tabLst/>
-          <a:defRPr kumimoji="0" sz="1800" b="0" i="0" u="none" strike="noStrike" cap="none" spc="0" normalizeH="0" baseline="0">
+          <a:defRPr b="0" baseline="0" cap="none" i="0" spc="0" strike="noStrike" sz="1800" u="none" kumimoji="0" normalizeH="0">
             <a:ln>
               <a:noFill/>
             </a:ln>
@@ -11313,7 +10993,7 @@
           <a:buFontTx/>
           <a:buNone/>
           <a:tabLst/>
-          <a:defRPr kumimoji="0" sz="1800" b="0" i="0" u="none" strike="noStrike" cap="none" spc="0" normalizeH="0" baseline="0">
+          <a:defRPr b="0" baseline="0" cap="none" i="0" spc="0" strike="noStrike" sz="1800" u="none" kumimoji="0" normalizeH="0">
             <a:ln>
               <a:noFill/>
             </a:ln>
@@ -11326,15 +11006,9 @@
         </a:lvl9pPr>
       </a:lstStyle>
       <a:style>
-        <a:lnRef idx="0">
-          <a:scrgbClr r="0" g="0" b="0"/>
-        </a:lnRef>
-        <a:fillRef idx="0">
-          <a:scrgbClr r="0" g="0" b="0"/>
-        </a:fillRef>
-        <a:effectRef idx="0">
-          <a:scrgbClr r="0" g="0" b="0"/>
-        </a:effectRef>
+        <a:lnRef idx="0"/>
+        <a:fillRef idx="0"/>
+        <a:effectRef idx="0"/>
         <a:fontRef idx="none"/>
       </a:style>
     </a:spDef>
@@ -11351,7 +11025,7 @@
         <a:effectLst/>
         <a:sp3d/>
       </a:spPr>
-      <a:bodyPr rot="0" spcFirstLastPara="1" vertOverflow="overflow" horzOverflow="overflow" vert="horz" wrap="square" lIns="91439" tIns="45719" rIns="91439" bIns="45719" numCol="1" spcCol="38100" rtlCol="0" anchor="t">
+      <a:bodyPr rot="0" spcFirstLastPara="1" vertOverflow="overflow" horzOverflow="overflow" vert="horz" wrap="square" lIns="91439" tIns="45719" rIns="91439" bIns="45719" numCol="1" spcCol="38100" rtlCol="0" anchor="t" upright="0">
         <a:noAutofit/>
       </a:bodyPr>
       <a:lstStyle>
@@ -11370,7 +11044,7 @@
           <a:buFontTx/>
           <a:buNone/>
           <a:tabLst/>
-          <a:defRPr kumimoji="0" sz="1800" b="0" i="0" u="none" strike="noStrike" cap="none" spc="0" normalizeH="0" baseline="0">
+          <a:defRPr b="0" baseline="0" cap="none" i="0" spc="0" strike="noStrike" sz="1800" u="none" kumimoji="0" normalizeH="0">
             <a:ln>
               <a:noFill/>
             </a:ln>
@@ -11396,7 +11070,7 @@
           <a:buFontTx/>
           <a:buNone/>
           <a:tabLst/>
-          <a:defRPr kumimoji="0" sz="1800" b="0" i="0" u="none" strike="noStrike" cap="none" spc="0" normalizeH="0" baseline="0">
+          <a:defRPr b="0" baseline="0" cap="none" i="0" spc="0" strike="noStrike" sz="1800" u="none" kumimoji="0" normalizeH="0">
             <a:ln>
               <a:noFill/>
             </a:ln>
@@ -11422,7 +11096,7 @@
           <a:buFontTx/>
           <a:buNone/>
           <a:tabLst/>
-          <a:defRPr kumimoji="0" sz="1800" b="0" i="0" u="none" strike="noStrike" cap="none" spc="0" normalizeH="0" baseline="0">
+          <a:defRPr b="0" baseline="0" cap="none" i="0" spc="0" strike="noStrike" sz="1800" u="none" kumimoji="0" normalizeH="0">
             <a:ln>
               <a:noFill/>
             </a:ln>
@@ -11448,7 +11122,7 @@
           <a:buFontTx/>
           <a:buNone/>
           <a:tabLst/>
-          <a:defRPr kumimoji="0" sz="1800" b="0" i="0" u="none" strike="noStrike" cap="none" spc="0" normalizeH="0" baseline="0">
+          <a:defRPr b="0" baseline="0" cap="none" i="0" spc="0" strike="noStrike" sz="1800" u="none" kumimoji="0" normalizeH="0">
             <a:ln>
               <a:noFill/>
             </a:ln>
@@ -11474,7 +11148,7 @@
           <a:buFontTx/>
           <a:buNone/>
           <a:tabLst/>
-          <a:defRPr kumimoji="0" sz="1800" b="0" i="0" u="none" strike="noStrike" cap="none" spc="0" normalizeH="0" baseline="0">
+          <a:defRPr b="0" baseline="0" cap="none" i="0" spc="0" strike="noStrike" sz="1800" u="none" kumimoji="0" normalizeH="0">
             <a:ln>
               <a:noFill/>
             </a:ln>
@@ -11500,7 +11174,7 @@
           <a:buFontTx/>
           <a:buNone/>
           <a:tabLst/>
-          <a:defRPr kumimoji="0" sz="1800" b="0" i="0" u="none" strike="noStrike" cap="none" spc="0" normalizeH="0" baseline="0">
+          <a:defRPr b="0" baseline="0" cap="none" i="0" spc="0" strike="noStrike" sz="1800" u="none" kumimoji="0" normalizeH="0">
             <a:ln>
               <a:noFill/>
             </a:ln>
@@ -11526,7 +11200,7 @@
           <a:buFontTx/>
           <a:buNone/>
           <a:tabLst/>
-          <a:defRPr kumimoji="0" sz="1800" b="0" i="0" u="none" strike="noStrike" cap="none" spc="0" normalizeH="0" baseline="0">
+          <a:defRPr b="0" baseline="0" cap="none" i="0" spc="0" strike="noStrike" sz="1800" u="none" kumimoji="0" normalizeH="0">
             <a:ln>
               <a:noFill/>
             </a:ln>
@@ -11552,7 +11226,7 @@
           <a:buFontTx/>
           <a:buNone/>
           <a:tabLst/>
-          <a:defRPr kumimoji="0" sz="1800" b="0" i="0" u="none" strike="noStrike" cap="none" spc="0" normalizeH="0" baseline="0">
+          <a:defRPr b="0" baseline="0" cap="none" i="0" spc="0" strike="noStrike" sz="1800" u="none" kumimoji="0" normalizeH="0">
             <a:ln>
               <a:noFill/>
             </a:ln>
@@ -11578,7 +11252,7 @@
           <a:buFontTx/>
           <a:buNone/>
           <a:tabLst/>
-          <a:defRPr kumimoji="0" sz="1800" b="0" i="0" u="none" strike="noStrike" cap="none" spc="0" normalizeH="0" baseline="0">
+          <a:defRPr b="0" baseline="0" cap="none" i="0" spc="0" strike="noStrike" sz="1800" u="none" kumimoji="0" normalizeH="0">
             <a:ln>
               <a:noFill/>
             </a:ln>
@@ -11604,7 +11278,7 @@
           <a:buFontTx/>
           <a:buNone/>
           <a:tabLst/>
-          <a:defRPr kumimoji="0" sz="1800" b="0" i="0" u="none" strike="noStrike" cap="none" spc="0" normalizeH="0" baseline="0">
+          <a:defRPr b="0" baseline="0" cap="none" i="0" spc="0" strike="noStrike" sz="1800" u="none" kumimoji="0" normalizeH="0">
             <a:ln>
               <a:noFill/>
             </a:ln>
@@ -11617,15 +11291,9 @@
         </a:lvl9pPr>
       </a:lstStyle>
       <a:style>
-        <a:lnRef idx="0">
-          <a:scrgbClr r="0" g="0" b="0"/>
-        </a:lnRef>
-        <a:fillRef idx="0">
-          <a:scrgbClr r="0" g="0" b="0"/>
-        </a:fillRef>
-        <a:effectRef idx="0">
-          <a:scrgbClr r="0" g="0" b="0"/>
-        </a:effectRef>
+        <a:lnRef idx="0"/>
+        <a:fillRef idx="0"/>
+        <a:effectRef idx="0"/>
         <a:fontRef idx="none"/>
       </a:style>
     </a:lnDef>
@@ -11639,7 +11307,7 @@
         <a:effectLst/>
         <a:sp3d/>
       </a:spPr>
-      <a:bodyPr rot="0" spcFirstLastPara="1" vertOverflow="overflow" horzOverflow="overflow" vert="horz" wrap="square" lIns="45719" tIns="45719" rIns="45719" bIns="45719" numCol="1" spcCol="38100" rtlCol="0" anchor="t">
+      <a:bodyPr rot="0" spcFirstLastPara="1" vertOverflow="overflow" horzOverflow="overflow" vert="horz" wrap="square" lIns="45719" tIns="45719" rIns="45719" bIns="45719" numCol="1" spcCol="38100" rtlCol="0" anchor="t" upright="0">
         <a:spAutoFit/>
       </a:bodyPr>
       <a:lstStyle>
@@ -11658,7 +11326,7 @@
           <a:buFontTx/>
           <a:buNone/>
           <a:tabLst/>
-          <a:defRPr kumimoji="0" sz="1800" b="0" i="0" u="none" strike="noStrike" cap="none" spc="0" normalizeH="0" baseline="0">
+          <a:defRPr b="0" baseline="0" cap="none" i="0" spc="0" strike="noStrike" sz="1800" u="none" kumimoji="0" normalizeH="0">
             <a:ln>
               <a:noFill/>
             </a:ln>
@@ -11688,7 +11356,7 @@
           <a:buFontTx/>
           <a:buNone/>
           <a:tabLst/>
-          <a:defRPr kumimoji="0" sz="1800" b="0" i="0" u="none" strike="noStrike" cap="none" spc="0" normalizeH="0" baseline="0">
+          <a:defRPr b="0" baseline="0" cap="none" i="0" spc="0" strike="noStrike" sz="1800" u="none" kumimoji="0" normalizeH="0">
             <a:ln>
               <a:noFill/>
             </a:ln>
@@ -11714,7 +11382,7 @@
           <a:buFontTx/>
           <a:buNone/>
           <a:tabLst/>
-          <a:defRPr kumimoji="0" sz="1800" b="0" i="0" u="none" strike="noStrike" cap="none" spc="0" normalizeH="0" baseline="0">
+          <a:defRPr b="0" baseline="0" cap="none" i="0" spc="0" strike="noStrike" sz="1800" u="none" kumimoji="0" normalizeH="0">
             <a:ln>
               <a:noFill/>
             </a:ln>
@@ -11740,7 +11408,7 @@
           <a:buFontTx/>
           <a:buNone/>
           <a:tabLst/>
-          <a:defRPr kumimoji="0" sz="1800" b="0" i="0" u="none" strike="noStrike" cap="none" spc="0" normalizeH="0" baseline="0">
+          <a:defRPr b="0" baseline="0" cap="none" i="0" spc="0" strike="noStrike" sz="1800" u="none" kumimoji="0" normalizeH="0">
             <a:ln>
               <a:noFill/>
             </a:ln>
@@ -11766,7 +11434,7 @@
           <a:buFontTx/>
           <a:buNone/>
           <a:tabLst/>
-          <a:defRPr kumimoji="0" sz="1800" b="0" i="0" u="none" strike="noStrike" cap="none" spc="0" normalizeH="0" baseline="0">
+          <a:defRPr b="0" baseline="0" cap="none" i="0" spc="0" strike="noStrike" sz="1800" u="none" kumimoji="0" normalizeH="0">
             <a:ln>
               <a:noFill/>
             </a:ln>
@@ -11792,7 +11460,7 @@
           <a:buFontTx/>
           <a:buNone/>
           <a:tabLst/>
-          <a:defRPr kumimoji="0" sz="1800" b="0" i="0" u="none" strike="noStrike" cap="none" spc="0" normalizeH="0" baseline="0">
+          <a:defRPr b="0" baseline="0" cap="none" i="0" spc="0" strike="noStrike" sz="1800" u="none" kumimoji="0" normalizeH="0">
             <a:ln>
               <a:noFill/>
             </a:ln>
@@ -11818,7 +11486,7 @@
           <a:buFontTx/>
           <a:buNone/>
           <a:tabLst/>
-          <a:defRPr kumimoji="0" sz="1800" b="0" i="0" u="none" strike="noStrike" cap="none" spc="0" normalizeH="0" baseline="0">
+          <a:defRPr b="0" baseline="0" cap="none" i="0" spc="0" strike="noStrike" sz="1800" u="none" kumimoji="0" normalizeH="0">
             <a:ln>
               <a:noFill/>
             </a:ln>
@@ -11844,7 +11512,7 @@
           <a:buFontTx/>
           <a:buNone/>
           <a:tabLst/>
-          <a:defRPr kumimoji="0" sz="1800" b="0" i="0" u="none" strike="noStrike" cap="none" spc="0" normalizeH="0" baseline="0">
+          <a:defRPr b="0" baseline="0" cap="none" i="0" spc="0" strike="noStrike" sz="1800" u="none" kumimoji="0" normalizeH="0">
             <a:ln>
               <a:noFill/>
             </a:ln>
@@ -11870,7 +11538,7 @@
           <a:buFontTx/>
           <a:buNone/>
           <a:tabLst/>
-          <a:defRPr kumimoji="0" sz="1800" b="0" i="0" u="none" strike="noStrike" cap="none" spc="0" normalizeH="0" baseline="0">
+          <a:defRPr b="0" baseline="0" cap="none" i="0" spc="0" strike="noStrike" sz="1800" u="none" kumimoji="0" normalizeH="0">
             <a:ln>
               <a:noFill/>
             </a:ln>
@@ -11896,7 +11564,7 @@
           <a:buFontTx/>
           <a:buNone/>
           <a:tabLst/>
-          <a:defRPr kumimoji="0" sz="1800" b="0" i="0" u="none" strike="noStrike" cap="none" spc="0" normalizeH="0" baseline="0">
+          <a:defRPr b="0" baseline="0" cap="none" i="0" spc="0" strike="noStrike" sz="1800" u="none" kumimoji="0" normalizeH="0">
             <a:ln>
               <a:noFill/>
             </a:ln>
@@ -11909,19 +11577,12 @@
         </a:lvl9pPr>
       </a:lstStyle>
       <a:style>
-        <a:lnRef idx="0">
-          <a:scrgbClr r="0" g="0" b="0"/>
-        </a:lnRef>
-        <a:fillRef idx="0">
-          <a:scrgbClr r="0" g="0" b="0"/>
-        </a:fillRef>
-        <a:effectRef idx="0">
-          <a:scrgbClr r="0" g="0" b="0"/>
-        </a:effectRef>
+        <a:lnRef idx="0"/>
+        <a:fillRef idx="0"/>
+        <a:effectRef idx="0"/>
         <a:fontRef idx="none"/>
       </a:style>
     </a:txDef>
   </a:objectDefaults>
-  <a:extraClrSchemeLst/>
 </a:theme>
 </file>
--- a/BLOSUMscoresComparedToSingleSNAPscores.pptx
+++ b/BLOSUMscoresComparedToSingleSNAPscores.pptx
@@ -1,40 +1,41 @@
 
 <file path=ppt/presentation.xml><?xml version="1.0" encoding="utf-8"?>
-<p:presentation xmlns:a="http://schemas.openxmlformats.org/drawingml/2006/main" xmlns:r="http://schemas.openxmlformats.org/officeDocument/2006/relationships" xmlns:p="http://schemas.openxmlformats.org/presentationml/2006/main" xmlns:m="http://schemas.openxmlformats.org/officeDocument/2006/math" xmlns:a14="http://schemas.microsoft.com/office/drawing/2010/main">
+<p:presentation xmlns:a="http://schemas.openxmlformats.org/drawingml/2006/main" xmlns:r="http://schemas.openxmlformats.org/officeDocument/2006/relationships" xmlns:p="http://schemas.openxmlformats.org/presentationml/2006/main">
   <p:sldMasterIdLst>
-    <p:sldMasterId id="2147483648" r:id="rId5"/>
+    <p:sldMasterId id="2147483648" r:id="rId1"/>
   </p:sldMasterIdLst>
   <p:notesMasterIdLst>
-    <p:notesMasterId r:id="rId7"/>
+    <p:notesMasterId r:id="rId30"/>
   </p:notesMasterIdLst>
   <p:sldIdLst>
-    <p:sldId id="256" r:id="rId8"/>
-    <p:sldId id="257" r:id="rId9"/>
-    <p:sldId id="258" r:id="rId10"/>
-    <p:sldId id="259" r:id="rId11"/>
-    <p:sldId id="260" r:id="rId12"/>
-    <p:sldId id="261" r:id="rId13"/>
-    <p:sldId id="262" r:id="rId14"/>
-    <p:sldId id="263" r:id="rId15"/>
-    <p:sldId id="264" r:id="rId16"/>
-    <p:sldId id="265" r:id="rId17"/>
-    <p:sldId id="266" r:id="rId18"/>
-    <p:sldId id="267" r:id="rId19"/>
-    <p:sldId id="268" r:id="rId20"/>
-    <p:sldId id="269" r:id="rId21"/>
-    <p:sldId id="270" r:id="rId22"/>
-    <p:sldId id="271" r:id="rId23"/>
-    <p:sldId id="272" r:id="rId24"/>
-    <p:sldId id="273" r:id="rId25"/>
-    <p:sldId id="274" r:id="rId26"/>
-    <p:sldId id="275" r:id="rId27"/>
-    <p:sldId id="276" r:id="rId28"/>
-    <p:sldId id="277" r:id="rId29"/>
-    <p:sldId id="278" r:id="rId30"/>
-    <p:sldId id="279" r:id="rId31"/>
-    <p:sldId id="280" r:id="rId32"/>
-    <p:sldId id="281" r:id="rId33"/>
-    <p:sldId id="282" r:id="rId34"/>
+    <p:sldId id="256" r:id="rId2"/>
+    <p:sldId id="257" r:id="rId3"/>
+    <p:sldId id="258" r:id="rId4"/>
+    <p:sldId id="259" r:id="rId5"/>
+    <p:sldId id="260" r:id="rId6"/>
+    <p:sldId id="261" r:id="rId7"/>
+    <p:sldId id="262" r:id="rId8"/>
+    <p:sldId id="263" r:id="rId9"/>
+    <p:sldId id="264" r:id="rId10"/>
+    <p:sldId id="265" r:id="rId11"/>
+    <p:sldId id="266" r:id="rId12"/>
+    <p:sldId id="267" r:id="rId13"/>
+    <p:sldId id="268" r:id="rId14"/>
+    <p:sldId id="269" r:id="rId15"/>
+    <p:sldId id="270" r:id="rId16"/>
+    <p:sldId id="271" r:id="rId17"/>
+    <p:sldId id="272" r:id="rId18"/>
+    <p:sldId id="273" r:id="rId19"/>
+    <p:sldId id="274" r:id="rId20"/>
+    <p:sldId id="275" r:id="rId21"/>
+    <p:sldId id="276" r:id="rId22"/>
+    <p:sldId id="277" r:id="rId23"/>
+    <p:sldId id="278" r:id="rId24"/>
+    <p:sldId id="283" r:id="rId25"/>
+    <p:sldId id="279" r:id="rId26"/>
+    <p:sldId id="280" r:id="rId27"/>
+    <p:sldId id="281" r:id="rId28"/>
+    <p:sldId id="282" r:id="rId29"/>
   </p:sldIdLst>
   <p:sldSz cx="12192000" cy="6858000"/>
   <p:notesSz cx="6858000" cy="9144000"/>
@@ -54,7 +55,7 @@
       <a:buFontTx/>
       <a:buNone/>
       <a:tabLst/>
-      <a:defRPr b="0" baseline="0" cap="none" i="0" spc="0" strike="noStrike" sz="1800" u="none" kumimoji="0" normalizeH="0">
+      <a:defRPr kumimoji="0" sz="1800" b="0" i="0" u="none" strike="noStrike" cap="none" spc="0" normalizeH="0" baseline="0">
         <a:ln>
           <a:noFill/>
         </a:ln>
@@ -80,7 +81,7 @@
       <a:buFontTx/>
       <a:buNone/>
       <a:tabLst/>
-      <a:defRPr b="0" baseline="0" cap="none" i="0" spc="0" strike="noStrike" sz="1800" u="none" kumimoji="0" normalizeH="0">
+      <a:defRPr kumimoji="0" sz="1800" b="0" i="0" u="none" strike="noStrike" cap="none" spc="0" normalizeH="0" baseline="0">
         <a:ln>
           <a:noFill/>
         </a:ln>
@@ -110,7 +111,7 @@
       <a:buFontTx/>
       <a:buNone/>
       <a:tabLst/>
-      <a:defRPr b="0" baseline="0" cap="none" i="0" spc="0" strike="noStrike" sz="1800" u="none" kumimoji="0" normalizeH="0">
+      <a:defRPr kumimoji="0" sz="1800" b="0" i="0" u="none" strike="noStrike" cap="none" spc="0" normalizeH="0" baseline="0">
         <a:ln>
           <a:noFill/>
         </a:ln>
@@ -140,7 +141,7 @@
       <a:buFontTx/>
       <a:buNone/>
       <a:tabLst/>
-      <a:defRPr b="0" baseline="0" cap="none" i="0" spc="0" strike="noStrike" sz="1800" u="none" kumimoji="0" normalizeH="0">
+      <a:defRPr kumimoji="0" sz="1800" b="0" i="0" u="none" strike="noStrike" cap="none" spc="0" normalizeH="0" baseline="0">
         <a:ln>
           <a:noFill/>
         </a:ln>
@@ -170,7 +171,7 @@
       <a:buFontTx/>
       <a:buNone/>
       <a:tabLst/>
-      <a:defRPr b="0" baseline="0" cap="none" i="0" spc="0" strike="noStrike" sz="1800" u="none" kumimoji="0" normalizeH="0">
+      <a:defRPr kumimoji="0" sz="1800" b="0" i="0" u="none" strike="noStrike" cap="none" spc="0" normalizeH="0" baseline="0">
         <a:ln>
           <a:noFill/>
         </a:ln>
@@ -200,7 +201,7 @@
       <a:buFontTx/>
       <a:buNone/>
       <a:tabLst/>
-      <a:defRPr b="0" baseline="0" cap="none" i="0" spc="0" strike="noStrike" sz="1800" u="none" kumimoji="0" normalizeH="0">
+      <a:defRPr kumimoji="0" sz="1800" b="0" i="0" u="none" strike="noStrike" cap="none" spc="0" normalizeH="0" baseline="0">
         <a:ln>
           <a:noFill/>
         </a:ln>
@@ -230,7 +231,7 @@
       <a:buFontTx/>
       <a:buNone/>
       <a:tabLst/>
-      <a:defRPr b="0" baseline="0" cap="none" i="0" spc="0" strike="noStrike" sz="1800" u="none" kumimoji="0" normalizeH="0">
+      <a:defRPr kumimoji="0" sz="1800" b="0" i="0" u="none" strike="noStrike" cap="none" spc="0" normalizeH="0" baseline="0">
         <a:ln>
           <a:noFill/>
         </a:ln>
@@ -260,7 +261,7 @@
       <a:buFontTx/>
       <a:buNone/>
       <a:tabLst/>
-      <a:defRPr b="0" baseline="0" cap="none" i="0" spc="0" strike="noStrike" sz="1800" u="none" kumimoji="0" normalizeH="0">
+      <a:defRPr kumimoji="0" sz="1800" b="0" i="0" u="none" strike="noStrike" cap="none" spc="0" normalizeH="0" baseline="0">
         <a:ln>
           <a:noFill/>
         </a:ln>
@@ -290,7 +291,7 @@
       <a:buFontTx/>
       <a:buNone/>
       <a:tabLst/>
-      <a:defRPr b="0" baseline="0" cap="none" i="0" spc="0" strike="noStrike" sz="1800" u="none" kumimoji="0" normalizeH="0">
+      <a:defRPr kumimoji="0" sz="1800" b="0" i="0" u="none" strike="noStrike" cap="none" spc="0" normalizeH="0" baseline="0">
         <a:ln>
           <a:noFill/>
         </a:ln>
@@ -320,7 +321,7 @@
       <a:buFontTx/>
       <a:buNone/>
       <a:tabLst/>
-      <a:defRPr b="0" baseline="0" cap="none" i="0" spc="0" strike="noStrike" sz="1800" u="none" kumimoji="0" normalizeH="0">
+      <a:defRPr kumimoji="0" sz="1800" b="0" i="0" u="none" strike="noStrike" cap="none" spc="0" normalizeH="0" baseline="0">
         <a:ln>
           <a:noFill/>
         </a:ln>
@@ -339,14 +340,12 @@
 </p:presentation>
 </file>
 
-<file path=ppt/commentAuthors.xml><?xml version="1.0" encoding="utf-8"?>
-<p:cmAuthorLst xmlns:a="http://schemas.openxmlformats.org/drawingml/2006/main" xmlns:r="http://schemas.openxmlformats.org/officeDocument/2006/relationships" xmlns:p="http://schemas.openxmlformats.org/presentationml/2006/main" xmlns:m="http://schemas.openxmlformats.org/officeDocument/2006/math" xmlns:a14="http://schemas.microsoft.com/office/drawing/2010/main"/>
-</file>
-
 <file path=ppt/charts/chart1.xml><?xml version="1.0" encoding="utf-8"?>
-<c:chartSpace xmlns:c="http://schemas.openxmlformats.org/drawingml/2006/chart" xmlns:a="http://schemas.openxmlformats.org/drawingml/2006/main" xmlns:r="http://schemas.openxmlformats.org/officeDocument/2006/relationships">
+<c:chartSpace xmlns:c="http://schemas.openxmlformats.org/drawingml/2006/chart" xmlns:a="http://schemas.openxmlformats.org/drawingml/2006/main" xmlns:r="http://schemas.openxmlformats.org/officeDocument/2006/relationships" xmlns:c16r2="http://schemas.microsoft.com/office/drawing/2015/06/chart">
   <c:date1904 val="1"/>
+  <c:lang val="de-DE"/>
   <c:roundedCorners val="0"/>
+  <c:style val="2"/>
   <c:chart>
     <c:autoTitleDeleted val="1"/>
     <c:plotArea>
@@ -355,8 +354,8 @@
           <c:layoutTarget val="inner"/>
           <c:xMode val="edge"/>
           <c:yMode val="edge"/>
-          <c:x val="0.005"/>
-          <c:y val="0.005"/>
+          <c:x val="5.0000000000000001E-3"/>
+          <c:y val="5.0000000000000001E-3"/>
           <c:w val="0.99"/>
           <c:h val="0.904003"/>
         </c:manualLayout>
@@ -387,24 +386,18 @@
             </a:ln>
             <a:effectLst/>
           </c:spPr>
-          <c:explosion val="0"/>
           <c:dPt>
             <c:idx val="0"/>
-            <c:explosion val="0"/>
-            <c:spPr>
-              <a:solidFill>
-                <a:schemeClr val="accent1"/>
-              </a:solidFill>
-              <a:ln w="12700" cap="flat">
-                <a:noFill/>
-                <a:miter lim="400000"/>
-              </a:ln>
-              <a:effectLst/>
-            </c:spPr>
+            <c:bubble3D val="0"/>
+            <c:extLst>
+              <c:ext xmlns:c16="http://schemas.microsoft.com/office/drawing/2014/chart" uri="{C3380CC4-5D6E-409C-BE32-E72D297353CC}">
+                <c16:uniqueId val="{00000001-35D6-4B1F-99CA-FBA9ADD954E2}"/>
+              </c:ext>
+            </c:extLst>
           </c:dPt>
           <c:dPt>
             <c:idx val="1"/>
-            <c:explosion val="0"/>
+            <c:bubble3D val="0"/>
             <c:spPr>
               <a:solidFill>
                 <a:schemeClr val="accent2"/>
@@ -415,23 +408,30 @@
               </a:ln>
               <a:effectLst/>
             </c:spPr>
+            <c:extLst>
+              <c:ext xmlns:c16="http://schemas.microsoft.com/office/drawing/2014/chart" uri="{C3380CC4-5D6E-409C-BE32-E72D297353CC}">
+                <c16:uniqueId val="{00000003-35D6-4B1F-99CA-FBA9ADD954E2}"/>
+              </c:ext>
+            </c:extLst>
           </c:dPt>
           <c:dLbls>
             <c:dLbl>
               <c:idx val="0"/>
               <c:numFmt formatCode="0.00%" sourceLinked="0"/>
+              <c:spPr/>
               <c:txPr>
                 <a:bodyPr/>
                 <a:lstStyle/>
                 <a:p>
                   <a:pPr>
-                    <a:defRPr b="1" i="0" strike="noStrike" sz="1100" u="none">
+                    <a:defRPr sz="1100" b="1" i="0" u="none" strike="noStrike">
                       <a:solidFill>
                         <a:srgbClr val="FFFFFF"/>
                       </a:solidFill>
                       <a:latin typeface="Calibri"/>
                     </a:defRPr>
                   </a:pPr>
+                  <a:endParaRPr lang="en-US"/>
                 </a:p>
               </c:txPr>
               <c:dLblPos val="inEnd"/>
@@ -441,22 +441,29 @@
               <c:showSerName val="0"/>
               <c:showPercent val="1"/>
               <c:showBubbleSize val="0"/>
+              <c:extLst>
+                <c:ext xmlns:c16="http://schemas.microsoft.com/office/drawing/2014/chart" uri="{C3380CC4-5D6E-409C-BE32-E72D297353CC}">
+                  <c16:uniqueId val="{00000001-35D6-4B1F-99CA-FBA9ADD954E2}"/>
+                </c:ext>
+              </c:extLst>
             </c:dLbl>
             <c:dLbl>
               <c:idx val="1"/>
               <c:numFmt formatCode="0.00%" sourceLinked="0"/>
+              <c:spPr/>
               <c:txPr>
                 <a:bodyPr/>
                 <a:lstStyle/>
                 <a:p>
                   <a:pPr>
-                    <a:defRPr b="1" i="0" strike="noStrike" sz="1100" u="none">
+                    <a:defRPr sz="1100" b="1" i="0" u="none" strike="noStrike">
                       <a:solidFill>
                         <a:srgbClr val="FFFFFF"/>
                       </a:solidFill>
                       <a:latin typeface="Calibri"/>
                     </a:defRPr>
                   </a:pPr>
+                  <a:endParaRPr lang="en-US"/>
                 </a:p>
               </c:txPr>
               <c:dLblPos val="inEnd"/>
@@ -466,20 +473,33 @@
               <c:showSerName val="0"/>
               <c:showPercent val="1"/>
               <c:showBubbleSize val="0"/>
+              <c:extLst>
+                <c:ext xmlns:c16="http://schemas.microsoft.com/office/drawing/2014/chart" uri="{C3380CC4-5D6E-409C-BE32-E72D297353CC}">
+                  <c16:uniqueId val="{00000003-35D6-4B1F-99CA-FBA9ADD954E2}"/>
+                </c:ext>
+              </c:extLst>
             </c:dLbl>
             <c:numFmt formatCode="0.00%" sourceLinked="0"/>
+            <c:spPr>
+              <a:noFill/>
+              <a:ln>
+                <a:noFill/>
+              </a:ln>
+              <a:effectLst/>
+            </c:spPr>
             <c:txPr>
               <a:bodyPr/>
               <a:lstStyle/>
               <a:p>
                 <a:pPr>
-                  <a:defRPr b="1" i="0" strike="noStrike" sz="1100" u="none">
+                  <a:defRPr sz="1100" b="1" i="0" u="none" strike="noStrike">
                     <a:solidFill>
                       <a:srgbClr val="FFFFFF"/>
                     </a:solidFill>
                     <a:latin typeface="Calibri"/>
                   </a:defRPr>
                 </a:pPr>
+                <a:endParaRPr lang="en-US"/>
               </a:p>
             </c:txPr>
             <c:dLblPos val="inEnd"/>
@@ -492,7 +512,6 @@
             <c:showLeaderLines val="1"/>
             <c:leaderLines>
               <c:spPr>
-                <a:noFill/>
                 <a:ln w="9525" cap="flat">
                   <a:solidFill>
                     <a:srgbClr val="A6A6A6"/>
@@ -503,6 +522,9 @@
                 <a:effectLst/>
               </c:spPr>
             </c:leaderLines>
+            <c:extLst>
+              <c:ext xmlns:c15="http://schemas.microsoft.com/office/drawing/2012/chart" uri="{CE6537A1-D6FC-4f65-9D91-7224C49458BB}"/>
+            </c:extLst>
           </c:dLbls>
           <c:cat>
             <c:strRef>
@@ -522,17 +544,32 @@
             <c:numRef>
               <c:f>Sheet1!$B$2:$C$2</c:f>
               <c:numCache>
+                <c:formatCode>General</c:formatCode>
                 <c:ptCount val="2"/>
                 <c:pt idx="0">
-                  <c:v>3361.000000</c:v>
+                  <c:v>3361</c:v>
                 </c:pt>
                 <c:pt idx="1">
-                  <c:v>28446.000000</c:v>
+                  <c:v>28446</c:v>
                 </c:pt>
               </c:numCache>
             </c:numRef>
           </c:val>
+          <c:extLst>
+            <c:ext xmlns:c16="http://schemas.microsoft.com/office/drawing/2014/chart" uri="{C3380CC4-5D6E-409C-BE32-E72D297353CC}">
+              <c16:uniqueId val="{00000004-35D6-4B1F-99CA-FBA9ADD954E2}"/>
+            </c:ext>
+          </c:extLst>
         </c:ser>
+        <c:dLbls>
+          <c:showLegendKey val="0"/>
+          <c:showVal val="0"/>
+          <c:showCatName val="0"/>
+          <c:showSerName val="0"/>
+          <c:showPercent val="0"/>
+          <c:showBubbleSize val="0"/>
+          <c:showLeaderLines val="1"/>
+        </c:dLbls>
         <c:firstSliceAng val="0"/>
       </c:pieChart>
       <c:spPr>
@@ -550,10 +587,10 @@
         <c:manualLayout>
           <c:xMode val="edge"/>
           <c:yMode val="edge"/>
-          <c:x val="0.221321"/>
-          <c:y val="0.947422"/>
-          <c:w val="0.557358"/>
-          <c:h val="0.0525783"/>
+          <c:x val="0.22132099999999999"/>
+          <c:y val="0.94742199999999999"/>
+          <c:w val="0.55735800000000002"/>
+          <c:h val="5.2578300000000001E-2"/>
         </c:manualLayout>
       </c:layout>
       <c:overlay val="1"/>
@@ -574,18 +611,20 @@
         <a:lstStyle/>
         <a:p>
           <a:pPr>
-            <a:defRPr b="0" i="0" strike="noStrike" sz="1100" u="none">
+            <a:defRPr sz="1100" b="0" i="0" u="none" strike="noStrike">
               <a:solidFill>
                 <a:srgbClr val="595959"/>
               </a:solidFill>
               <a:latin typeface="Calibri"/>
             </a:defRPr>
           </a:pPr>
+          <a:endParaRPr lang="en-US"/>
         </a:p>
       </c:txPr>
     </c:legend>
     <c:plotVisOnly val="1"/>
     <c:dispBlanksAs val="gap"/>
+    <c:showDLblsOverMax val="1"/>
   </c:chart>
   <c:spPr>
     <a:noFill/>
@@ -601,8 +640,13 @@
 </file>
 
 <file path=ppt/notesMasters/notesMaster1.xml><?xml version="1.0" encoding="utf-8"?>
-<p:notesMaster xmlns:a="http://schemas.openxmlformats.org/drawingml/2006/main" xmlns:r="http://schemas.openxmlformats.org/officeDocument/2006/relationships" xmlns:p="http://schemas.openxmlformats.org/presentationml/2006/main" xmlns:m="http://schemas.openxmlformats.org/officeDocument/2006/math" xmlns:a14="http://schemas.microsoft.com/office/drawing/2010/main">
+<p:notesMaster xmlns:a="http://schemas.openxmlformats.org/drawingml/2006/main" xmlns:r="http://schemas.openxmlformats.org/officeDocument/2006/relationships" xmlns:p="http://schemas.openxmlformats.org/presentationml/2006/main">
   <p:cSld>
+    <p:bg>
+      <p:bgRef idx="1001">
+        <a:schemeClr val="bg1"/>
+      </p:bgRef>
+    </p:bg>
     <p:spTree>
       <p:nvGrpSpPr>
         <p:cNvPr id="1" name=""/>
@@ -620,7 +664,9 @@
       <p:sp>
         <p:nvSpPr>
           <p:cNvPr id="97" name="Shape 97"/>
-          <p:cNvSpPr/>
+          <p:cNvSpPr>
+            <a:spLocks noGrp="1" noRot="1" noChangeAspect="1"/>
+          </p:cNvSpPr>
           <p:nvPr>
             <p:ph type="sldImg"/>
           </p:nvPr>
@@ -638,14 +684,16 @@
           <a:bodyPr/>
           <a:lstStyle/>
           <a:p>
-            <a:pPr/>
+            <a:endParaRPr/>
           </a:p>
         </p:txBody>
       </p:sp>
       <p:sp>
         <p:nvSpPr>
           <p:cNvPr id="98" name="Shape 98"/>
-          <p:cNvSpPr/>
+          <p:cNvSpPr>
+            <a:spLocks noGrp="1"/>
+          </p:cNvSpPr>
           <p:nvPr>
             <p:ph type="body" sz="quarter" idx="1"/>
           </p:nvPr>
@@ -663,7 +711,7 @@
           <a:bodyPr/>
           <a:lstStyle/>
           <a:p>
-            <a:pPr/>
+            <a:endParaRPr/>
           </a:p>
         </p:txBody>
       </p:sp>
@@ -748,7 +796,7 @@
 </file>
 
 <file path=ppt/slideLayouts/slideLayout1.xml><?xml version="1.0" encoding="utf-8"?>
-<p:sldLayout xmlns:a="http://schemas.openxmlformats.org/drawingml/2006/main" xmlns:r="http://schemas.openxmlformats.org/officeDocument/2006/relationships" xmlns:p="http://schemas.openxmlformats.org/presentationml/2006/main" xmlns:m="http://schemas.openxmlformats.org/officeDocument/2006/math" xmlns:a14="http://schemas.microsoft.com/office/drawing/2010/main" type="title" showMasterSp="0" showMasterPhAnim="1">
+<p:sldLayout xmlns:a="http://schemas.openxmlformats.org/drawingml/2006/main" xmlns:r="http://schemas.openxmlformats.org/officeDocument/2006/relationships" xmlns:p="http://schemas.openxmlformats.org/presentationml/2006/main" showMasterSp="0" type="title">
   <p:cSld name="Titelfolie">
     <p:spTree>
       <p:nvGrpSpPr>
@@ -767,7 +815,9 @@
       <p:sp>
         <p:nvSpPr>
           <p:cNvPr id="13" name="Title Text"/>
-          <p:cNvSpPr txBox="1"/>
+          <p:cNvSpPr txBox="1">
+            <a:spLocks noGrp="1"/>
+          </p:cNvSpPr>
           <p:nvPr>
             <p:ph type="title"/>
           </p:nvPr>
@@ -789,7 +839,6 @@
             </a:lvl1pPr>
           </a:lstStyle>
           <a:p>
-            <a:pPr/>
             <a:r>
               <a:t>Title Text</a:t>
             </a:r>
@@ -799,7 +848,9 @@
       <p:sp>
         <p:nvSpPr>
           <p:cNvPr id="14" name="Body Level One…"/>
-          <p:cNvSpPr txBox="1"/>
+          <p:cNvSpPr txBox="1">
+            <a:spLocks noGrp="1"/>
+          </p:cNvSpPr>
           <p:nvPr>
             <p:ph type="body" sz="quarter" idx="1"/>
           </p:nvPr>
@@ -848,7 +899,6 @@
             </a:lvl5pPr>
           </a:lstStyle>
           <a:p>
-            <a:pPr/>
             <a:r>
               <a:t>Body Level One</a:t>
             </a:r>
@@ -882,7 +932,9 @@
       <p:sp>
         <p:nvSpPr>
           <p:cNvPr id="15" name="Slide Number"/>
-          <p:cNvSpPr txBox="1"/>
+          <p:cNvSpPr txBox="1">
+            <a:spLocks noGrp="1"/>
+          </p:cNvSpPr>
           <p:nvPr>
             <p:ph type="sldNum" sz="quarter" idx="2"/>
           </p:nvPr>
@@ -896,8 +948,10 @@
           <a:bodyPr/>
           <a:lstStyle/>
           <a:p>
-            <a:pPr/>
-            <a:fld id="{86CB4B4D-7CA3-9044-876B-883B54F8677D}" type="slidenum"/>
+            <a:fld id="{86CB4B4D-7CA3-9044-876B-883B54F8677D}" type="slidenum">
+              <a:t>‹Nr.›</a:t>
+            </a:fld>
+            <a:endParaRPr/>
           </a:p>
         </p:txBody>
       </p:sp>
@@ -910,9 +964,7 @@
           <p:nvPr/>
         </p:nvPicPr>
         <p:blipFill>
-          <a:blip r:embed="rId2">
-            <a:extLst/>
-          </a:blip>
+          <a:blip r:embed="rId2"/>
           <a:stretch>
             <a:fillRect/>
           </a:stretch>
@@ -939,9 +991,7 @@
           <p:nvPr/>
         </p:nvPicPr>
         <p:blipFill>
-          <a:blip r:embed="rId3">
-            <a:extLst/>
-          </a:blip>
+          <a:blip r:embed="rId3"/>
           <a:srcRect l="21949" t="28867" r="21951" b="29709"/>
           <a:stretch>
             <a:fillRect/>
@@ -965,12 +1015,12 @@
   <p:clrMapOvr>
     <a:masterClrMapping/>
   </p:clrMapOvr>
-  <p:transition xmlns:p14="http://schemas.microsoft.com/office/powerpoint/2010/main" spd="med" advClick="1"/>
+  <p:transition spd="med"/>
 </p:sldLayout>
 </file>
 
 <file path=ppt/slideLayouts/slideLayout2.xml><?xml version="1.0" encoding="utf-8"?>
-<p:sldLayout xmlns:a="http://schemas.openxmlformats.org/drawingml/2006/main" xmlns:r="http://schemas.openxmlformats.org/officeDocument/2006/relationships" xmlns:p="http://schemas.openxmlformats.org/presentationml/2006/main" xmlns:m="http://schemas.openxmlformats.org/officeDocument/2006/math" xmlns:a14="http://schemas.microsoft.com/office/drawing/2010/main" type="tx" showMasterSp="1" showMasterPhAnim="1">
+<p:sldLayout xmlns:a="http://schemas.openxmlformats.org/drawingml/2006/main" xmlns:r="http://schemas.openxmlformats.org/officeDocument/2006/relationships" xmlns:p="http://schemas.openxmlformats.org/presentationml/2006/main" type="tx">
   <p:cSld name="Titel und Inhalt">
     <p:spTree>
       <p:nvGrpSpPr>
@@ -989,7 +1039,9 @@
       <p:sp>
         <p:nvSpPr>
           <p:cNvPr id="24" name="Title Text"/>
-          <p:cNvSpPr txBox="1"/>
+          <p:cNvSpPr txBox="1">
+            <a:spLocks noGrp="1"/>
+          </p:cNvSpPr>
           <p:nvPr>
             <p:ph type="title"/>
           </p:nvPr>
@@ -1003,7 +1055,6 @@
           <a:bodyPr/>
           <a:lstStyle/>
           <a:p>
-            <a:pPr/>
             <a:r>
               <a:t>Title Text</a:t>
             </a:r>
@@ -1013,7 +1064,9 @@
       <p:sp>
         <p:nvSpPr>
           <p:cNvPr id="25" name="Body Level One…"/>
-          <p:cNvSpPr txBox="1"/>
+          <p:cNvSpPr txBox="1">
+            <a:spLocks noGrp="1"/>
+          </p:cNvSpPr>
           <p:nvPr>
             <p:ph type="body" idx="1"/>
           </p:nvPr>
@@ -1027,7 +1080,6 @@
           <a:bodyPr/>
           <a:lstStyle/>
           <a:p>
-            <a:pPr/>
             <a:r>
               <a:t>Body Level One</a:t>
             </a:r>
@@ -1061,7 +1113,9 @@
       <p:sp>
         <p:nvSpPr>
           <p:cNvPr id="26" name="Slide Number"/>
-          <p:cNvSpPr txBox="1"/>
+          <p:cNvSpPr txBox="1">
+            <a:spLocks noGrp="1"/>
+          </p:cNvSpPr>
           <p:nvPr>
             <p:ph type="sldNum" sz="quarter" idx="2"/>
           </p:nvPr>
@@ -1075,8 +1129,10 @@
           <a:bodyPr/>
           <a:lstStyle/>
           <a:p>
-            <a:pPr/>
-            <a:fld id="{86CB4B4D-7CA3-9044-876B-883B54F8677D}" type="slidenum"/>
+            <a:fld id="{86CB4B4D-7CA3-9044-876B-883B54F8677D}" type="slidenum">
+              <a:t>‹Nr.›</a:t>
+            </a:fld>
+            <a:endParaRPr/>
           </a:p>
         </p:txBody>
       </p:sp>
@@ -1085,12 +1141,12 @@
   <p:clrMapOvr>
     <a:masterClrMapping/>
   </p:clrMapOvr>
-  <p:transition xmlns:p14="http://schemas.microsoft.com/office/powerpoint/2010/main" spd="med" advClick="1"/>
+  <p:transition spd="med"/>
 </p:sldLayout>
 </file>
 
 <file path=ppt/slideLayouts/slideLayout3.xml><?xml version="1.0" encoding="utf-8"?>
-<p:sldLayout xmlns:a="http://schemas.openxmlformats.org/drawingml/2006/main" xmlns:r="http://schemas.openxmlformats.org/officeDocument/2006/relationships" xmlns:p="http://schemas.openxmlformats.org/presentationml/2006/main" xmlns:m="http://schemas.openxmlformats.org/officeDocument/2006/math" xmlns:a14="http://schemas.microsoft.com/office/drawing/2010/main" type="tx" showMasterSp="0" showMasterPhAnim="1">
+<p:sldLayout xmlns:a="http://schemas.openxmlformats.org/drawingml/2006/main" xmlns:r="http://schemas.openxmlformats.org/officeDocument/2006/relationships" xmlns:p="http://schemas.openxmlformats.org/presentationml/2006/main" showMasterSp="0" type="tx">
   <p:cSld name="Abschnitts-&#10;überschrift">
     <p:spTree>
       <p:nvGrpSpPr>
@@ -1109,7 +1165,9 @@
       <p:sp>
         <p:nvSpPr>
           <p:cNvPr id="33" name="Title Text"/>
-          <p:cNvSpPr txBox="1"/>
+          <p:cNvSpPr txBox="1">
+            <a:spLocks noGrp="1"/>
+          </p:cNvSpPr>
           <p:nvPr>
             <p:ph type="title"/>
           </p:nvPr>
@@ -1131,7 +1189,6 @@
             </a:lvl1pPr>
           </a:lstStyle>
           <a:p>
-            <a:pPr/>
             <a:r>
               <a:t>Title Text</a:t>
             </a:r>
@@ -1141,7 +1198,9 @@
       <p:sp>
         <p:nvSpPr>
           <p:cNvPr id="34" name="Body Level One…"/>
-          <p:cNvSpPr txBox="1"/>
+          <p:cNvSpPr txBox="1">
+            <a:spLocks noGrp="1"/>
+          </p:cNvSpPr>
           <p:nvPr>
             <p:ph type="body" sz="quarter" idx="1"/>
           </p:nvPr>
@@ -1210,7 +1269,6 @@
             </a:lvl5pPr>
           </a:lstStyle>
           <a:p>
-            <a:pPr/>
             <a:r>
               <a:t>Body Level One</a:t>
             </a:r>
@@ -1244,7 +1302,9 @@
       <p:sp>
         <p:nvSpPr>
           <p:cNvPr id="35" name="Slide Number"/>
-          <p:cNvSpPr txBox="1"/>
+          <p:cNvSpPr txBox="1">
+            <a:spLocks noGrp="1"/>
+          </p:cNvSpPr>
           <p:nvPr>
             <p:ph type="sldNum" sz="quarter" idx="2"/>
           </p:nvPr>
@@ -1258,8 +1318,10 @@
           <a:bodyPr/>
           <a:lstStyle/>
           <a:p>
-            <a:pPr/>
-            <a:fld id="{86CB4B4D-7CA3-9044-876B-883B54F8677D}" type="slidenum"/>
+            <a:fld id="{86CB4B4D-7CA3-9044-876B-883B54F8677D}" type="slidenum">
+              <a:t>‹Nr.›</a:t>
+            </a:fld>
+            <a:endParaRPr/>
           </a:p>
         </p:txBody>
       </p:sp>
@@ -1268,12 +1330,12 @@
   <p:clrMapOvr>
     <a:masterClrMapping/>
   </p:clrMapOvr>
-  <p:transition xmlns:p14="http://schemas.microsoft.com/office/powerpoint/2010/main" spd="med" advClick="1"/>
+  <p:transition spd="med"/>
 </p:sldLayout>
 </file>
 
 <file path=ppt/slideLayouts/slideLayout4.xml><?xml version="1.0" encoding="utf-8"?>
-<p:sldLayout xmlns:a="http://schemas.openxmlformats.org/drawingml/2006/main" xmlns:r="http://schemas.openxmlformats.org/officeDocument/2006/relationships" xmlns:p="http://schemas.openxmlformats.org/presentationml/2006/main" xmlns:m="http://schemas.openxmlformats.org/officeDocument/2006/math" xmlns:a14="http://schemas.microsoft.com/office/drawing/2010/main" type="tx" showMasterSp="0" showMasterPhAnim="1">
+<p:sldLayout xmlns:a="http://schemas.openxmlformats.org/drawingml/2006/main" xmlns:r="http://schemas.openxmlformats.org/officeDocument/2006/relationships" xmlns:p="http://schemas.openxmlformats.org/presentationml/2006/main" showMasterSp="0" type="tx">
   <p:cSld name="Zwei Inhalte">
     <p:spTree>
       <p:nvGrpSpPr>
@@ -1292,7 +1354,9 @@
       <p:sp>
         <p:nvSpPr>
           <p:cNvPr id="42" name="Title Text"/>
-          <p:cNvSpPr txBox="1"/>
+          <p:cNvSpPr txBox="1">
+            <a:spLocks noGrp="1"/>
+          </p:cNvSpPr>
           <p:nvPr>
             <p:ph type="title"/>
           </p:nvPr>
@@ -1306,7 +1370,6 @@
           <a:bodyPr/>
           <a:lstStyle/>
           <a:p>
-            <a:pPr/>
             <a:r>
               <a:t>Title Text</a:t>
             </a:r>
@@ -1316,7 +1379,9 @@
       <p:sp>
         <p:nvSpPr>
           <p:cNvPr id="43" name="Body Level One…"/>
-          <p:cNvSpPr txBox="1"/>
+          <p:cNvSpPr txBox="1">
+            <a:spLocks noGrp="1"/>
+          </p:cNvSpPr>
           <p:nvPr>
             <p:ph type="body" sz="half" idx="1"/>
           </p:nvPr>
@@ -1334,7 +1399,6 @@
           <a:bodyPr/>
           <a:lstStyle/>
           <a:p>
-            <a:pPr/>
             <a:r>
               <a:t>Body Level One</a:t>
             </a:r>
@@ -1368,7 +1432,9 @@
       <p:sp>
         <p:nvSpPr>
           <p:cNvPr id="44" name="Slide Number"/>
-          <p:cNvSpPr txBox="1"/>
+          <p:cNvSpPr txBox="1">
+            <a:spLocks noGrp="1"/>
+          </p:cNvSpPr>
           <p:nvPr>
             <p:ph type="sldNum" sz="quarter" idx="2"/>
           </p:nvPr>
@@ -1382,8 +1448,10 @@
           <a:bodyPr/>
           <a:lstStyle/>
           <a:p>
-            <a:pPr/>
-            <a:fld id="{86CB4B4D-7CA3-9044-876B-883B54F8677D}" type="slidenum"/>
+            <a:fld id="{86CB4B4D-7CA3-9044-876B-883B54F8677D}" type="slidenum">
+              <a:t>‹Nr.›</a:t>
+            </a:fld>
+            <a:endParaRPr/>
           </a:p>
         </p:txBody>
       </p:sp>
@@ -1396,9 +1464,7 @@
           <p:nvPr/>
         </p:nvPicPr>
         <p:blipFill>
-          <a:blip r:embed="rId2">
-            <a:extLst/>
-          </a:blip>
+          <a:blip r:embed="rId2"/>
           <a:stretch>
             <a:fillRect/>
           </a:stretch>
@@ -1425,9 +1491,7 @@
           <p:nvPr/>
         </p:nvPicPr>
         <p:blipFill>
-          <a:blip r:embed="rId3">
-            <a:extLst/>
-          </a:blip>
+          <a:blip r:embed="rId3"/>
           <a:srcRect l="21949" t="28867" r="21951" b="29709"/>
           <a:stretch>
             <a:fillRect/>
@@ -1451,12 +1515,12 @@
   <p:clrMapOvr>
     <a:masterClrMapping/>
   </p:clrMapOvr>
-  <p:transition xmlns:p14="http://schemas.microsoft.com/office/powerpoint/2010/main" spd="med" advClick="1"/>
+  <p:transition spd="med"/>
 </p:sldLayout>
 </file>
 
 <file path=ppt/slideLayouts/slideLayout5.xml><?xml version="1.0" encoding="utf-8"?>
-<p:sldLayout xmlns:a="http://schemas.openxmlformats.org/drawingml/2006/main" xmlns:r="http://schemas.openxmlformats.org/officeDocument/2006/relationships" xmlns:p="http://schemas.openxmlformats.org/presentationml/2006/main" xmlns:m="http://schemas.openxmlformats.org/officeDocument/2006/math" xmlns:a14="http://schemas.microsoft.com/office/drawing/2010/main" type="tx" showMasterSp="0" showMasterPhAnim="1">
+<p:sldLayout xmlns:a="http://schemas.openxmlformats.org/drawingml/2006/main" xmlns:r="http://schemas.openxmlformats.org/officeDocument/2006/relationships" xmlns:p="http://schemas.openxmlformats.org/presentationml/2006/main" showMasterSp="0" type="tx">
   <p:cSld name="Vergleich">
     <p:spTree>
       <p:nvGrpSpPr>
@@ -1475,7 +1539,9 @@
       <p:sp>
         <p:nvSpPr>
           <p:cNvPr id="53" name="Title Text"/>
-          <p:cNvSpPr txBox="1"/>
+          <p:cNvSpPr txBox="1">
+            <a:spLocks noGrp="1"/>
+          </p:cNvSpPr>
           <p:nvPr>
             <p:ph type="title"/>
           </p:nvPr>
@@ -1493,7 +1559,6 @@
           <a:bodyPr/>
           <a:lstStyle/>
           <a:p>
-            <a:pPr/>
             <a:r>
               <a:t>Title Text</a:t>
             </a:r>
@@ -1503,7 +1568,9 @@
       <p:sp>
         <p:nvSpPr>
           <p:cNvPr id="54" name="Body Level One…"/>
-          <p:cNvSpPr txBox="1"/>
+          <p:cNvSpPr txBox="1">
+            <a:spLocks noGrp="1"/>
+          </p:cNvSpPr>
           <p:nvPr>
             <p:ph type="body" sz="quarter" idx="1"/>
           </p:nvPr>
@@ -1524,35 +1591,34 @@
               <a:buSzTx/>
               <a:buFontTx/>
               <a:buNone/>
-              <a:defRPr b="1" sz="2400"/>
+              <a:defRPr sz="2400" b="1"/>
             </a:lvl1pPr>
             <a:lvl2pPr marL="0" indent="457200">
               <a:buSzTx/>
               <a:buFontTx/>
               <a:buNone/>
-              <a:defRPr b="1" sz="2400"/>
+              <a:defRPr sz="2400" b="1"/>
             </a:lvl2pPr>
             <a:lvl3pPr marL="0" indent="914400">
               <a:buSzTx/>
               <a:buFontTx/>
               <a:buNone/>
-              <a:defRPr b="1" sz="2400"/>
+              <a:defRPr sz="2400" b="1"/>
             </a:lvl3pPr>
             <a:lvl4pPr marL="0" indent="1371600">
               <a:buSzTx/>
               <a:buFontTx/>
               <a:buNone/>
-              <a:defRPr b="1" sz="2400"/>
+              <a:defRPr sz="2400" b="1"/>
             </a:lvl4pPr>
             <a:lvl5pPr marL="0" indent="1828800">
               <a:buSzTx/>
               <a:buFontTx/>
               <a:buNone/>
-              <a:defRPr b="1" sz="2400"/>
+              <a:defRPr sz="2400" b="1"/>
             </a:lvl5pPr>
           </a:lstStyle>
           <a:p>
-            <a:pPr/>
             <a:r>
               <a:t>Body Level One</a:t>
             </a:r>
@@ -1586,7 +1652,9 @@
       <p:sp>
         <p:nvSpPr>
           <p:cNvPr id="55" name="Textplatzhalter 4"/>
-          <p:cNvSpPr/>
+          <p:cNvSpPr>
+            <a:spLocks noGrp="1"/>
+          </p:cNvSpPr>
           <p:nvPr>
             <p:ph type="body" sz="quarter" idx="13"/>
           </p:nvPr>
@@ -1608,15 +1676,18 @@
               <a:buSzTx/>
               <a:buFontTx/>
               <a:buNone/>
-              <a:defRPr b="1" sz="2400"/>
+              <a:defRPr sz="2400" b="1"/>
             </a:pPr>
+            <a:endParaRPr/>
           </a:p>
         </p:txBody>
       </p:sp>
       <p:sp>
         <p:nvSpPr>
           <p:cNvPr id="56" name="Slide Number"/>
-          <p:cNvSpPr txBox="1"/>
+          <p:cNvSpPr txBox="1">
+            <a:spLocks noGrp="1"/>
+          </p:cNvSpPr>
           <p:nvPr>
             <p:ph type="sldNum" sz="quarter" idx="2"/>
           </p:nvPr>
@@ -1630,8 +1701,10 @@
           <a:bodyPr/>
           <a:lstStyle/>
           <a:p>
-            <a:pPr/>
-            <a:fld id="{86CB4B4D-7CA3-9044-876B-883B54F8677D}" type="slidenum"/>
+            <a:fld id="{86CB4B4D-7CA3-9044-876B-883B54F8677D}" type="slidenum">
+              <a:t>‹Nr.›</a:t>
+            </a:fld>
+            <a:endParaRPr/>
           </a:p>
         </p:txBody>
       </p:sp>
@@ -1640,12 +1713,12 @@
   <p:clrMapOvr>
     <a:masterClrMapping/>
   </p:clrMapOvr>
-  <p:transition xmlns:p14="http://schemas.microsoft.com/office/powerpoint/2010/main" spd="med" advClick="1"/>
+  <p:transition spd="med"/>
 </p:sldLayout>
 </file>
 
 <file path=ppt/slideLayouts/slideLayout6.xml><?xml version="1.0" encoding="utf-8"?>
-<p:sldLayout xmlns:a="http://schemas.openxmlformats.org/drawingml/2006/main" xmlns:r="http://schemas.openxmlformats.org/officeDocument/2006/relationships" xmlns:p="http://schemas.openxmlformats.org/presentationml/2006/main" xmlns:m="http://schemas.openxmlformats.org/officeDocument/2006/math" xmlns:a14="http://schemas.microsoft.com/office/drawing/2010/main" type="tx" showMasterSp="0" showMasterPhAnim="1">
+<p:sldLayout xmlns:a="http://schemas.openxmlformats.org/drawingml/2006/main" xmlns:r="http://schemas.openxmlformats.org/officeDocument/2006/relationships" xmlns:p="http://schemas.openxmlformats.org/presentationml/2006/main" showMasterSp="0" type="tx">
   <p:cSld name="Nur Titel">
     <p:spTree>
       <p:nvGrpSpPr>
@@ -1664,7 +1737,9 @@
       <p:sp>
         <p:nvSpPr>
           <p:cNvPr id="63" name="Title Text"/>
-          <p:cNvSpPr txBox="1"/>
+          <p:cNvSpPr txBox="1">
+            <a:spLocks noGrp="1"/>
+          </p:cNvSpPr>
           <p:nvPr>
             <p:ph type="title"/>
           </p:nvPr>
@@ -1678,7 +1753,6 @@
           <a:bodyPr/>
           <a:lstStyle/>
           <a:p>
-            <a:pPr/>
             <a:r>
               <a:t>Title Text</a:t>
             </a:r>
@@ -1688,7 +1762,9 @@
       <p:sp>
         <p:nvSpPr>
           <p:cNvPr id="64" name="Slide Number"/>
-          <p:cNvSpPr txBox="1"/>
+          <p:cNvSpPr txBox="1">
+            <a:spLocks noGrp="1"/>
+          </p:cNvSpPr>
           <p:nvPr>
             <p:ph type="sldNum" sz="quarter" idx="2"/>
           </p:nvPr>
@@ -1702,8 +1778,10 @@
           <a:bodyPr/>
           <a:lstStyle/>
           <a:p>
-            <a:pPr/>
-            <a:fld id="{86CB4B4D-7CA3-9044-876B-883B54F8677D}" type="slidenum"/>
+            <a:fld id="{86CB4B4D-7CA3-9044-876B-883B54F8677D}" type="slidenum">
+              <a:t>‹Nr.›</a:t>
+            </a:fld>
+            <a:endParaRPr/>
           </a:p>
         </p:txBody>
       </p:sp>
@@ -1712,12 +1790,12 @@
   <p:clrMapOvr>
     <a:masterClrMapping/>
   </p:clrMapOvr>
-  <p:transition xmlns:p14="http://schemas.microsoft.com/office/powerpoint/2010/main" spd="med" advClick="1"/>
+  <p:transition spd="med"/>
 </p:sldLayout>
 </file>
 
 <file path=ppt/slideLayouts/slideLayout7.xml><?xml version="1.0" encoding="utf-8"?>
-<p:sldLayout xmlns:a="http://schemas.openxmlformats.org/drawingml/2006/main" xmlns:r="http://schemas.openxmlformats.org/officeDocument/2006/relationships" xmlns:p="http://schemas.openxmlformats.org/presentationml/2006/main" xmlns:m="http://schemas.openxmlformats.org/officeDocument/2006/math" xmlns:a14="http://schemas.microsoft.com/office/drawing/2010/main" type="tx" showMasterSp="0" showMasterPhAnim="1">
+<p:sldLayout xmlns:a="http://schemas.openxmlformats.org/drawingml/2006/main" xmlns:r="http://schemas.openxmlformats.org/officeDocument/2006/relationships" xmlns:p="http://schemas.openxmlformats.org/presentationml/2006/main" showMasterSp="0" type="tx">
   <p:cSld name="Leer">
     <p:spTree>
       <p:nvGrpSpPr>
@@ -1736,7 +1814,9 @@
       <p:sp>
         <p:nvSpPr>
           <p:cNvPr id="71" name="Slide Number"/>
-          <p:cNvSpPr txBox="1"/>
+          <p:cNvSpPr txBox="1">
+            <a:spLocks noGrp="1"/>
+          </p:cNvSpPr>
           <p:nvPr>
             <p:ph type="sldNum" sz="quarter" idx="2"/>
           </p:nvPr>
@@ -1750,8 +1830,10 @@
           <a:bodyPr/>
           <a:lstStyle/>
           <a:p>
-            <a:pPr/>
-            <a:fld id="{86CB4B4D-7CA3-9044-876B-883B54F8677D}" type="slidenum"/>
+            <a:fld id="{86CB4B4D-7CA3-9044-876B-883B54F8677D}" type="slidenum">
+              <a:t>‹Nr.›</a:t>
+            </a:fld>
+            <a:endParaRPr/>
           </a:p>
         </p:txBody>
       </p:sp>
@@ -1760,12 +1842,12 @@
   <p:clrMapOvr>
     <a:masterClrMapping/>
   </p:clrMapOvr>
-  <p:transition xmlns:p14="http://schemas.microsoft.com/office/powerpoint/2010/main" spd="med" advClick="1"/>
+  <p:transition spd="med"/>
 </p:sldLayout>
 </file>
 
 <file path=ppt/slideLayouts/slideLayout8.xml><?xml version="1.0" encoding="utf-8"?>
-<p:sldLayout xmlns:a="http://schemas.openxmlformats.org/drawingml/2006/main" xmlns:r="http://schemas.openxmlformats.org/officeDocument/2006/relationships" xmlns:p="http://schemas.openxmlformats.org/presentationml/2006/main" xmlns:m="http://schemas.openxmlformats.org/officeDocument/2006/math" xmlns:a14="http://schemas.microsoft.com/office/drawing/2010/main" type="tx" showMasterSp="0" showMasterPhAnim="1">
+<p:sldLayout xmlns:a="http://schemas.openxmlformats.org/drawingml/2006/main" xmlns:r="http://schemas.openxmlformats.org/officeDocument/2006/relationships" xmlns:p="http://schemas.openxmlformats.org/presentationml/2006/main" showMasterSp="0" type="tx">
   <p:cSld name="Inhalt mit Überschrift">
     <p:spTree>
       <p:nvGrpSpPr>
@@ -1784,7 +1866,9 @@
       <p:sp>
         <p:nvSpPr>
           <p:cNvPr id="78" name="Title Text"/>
-          <p:cNvSpPr txBox="1"/>
+          <p:cNvSpPr txBox="1">
+            <a:spLocks noGrp="1"/>
+          </p:cNvSpPr>
           <p:nvPr>
             <p:ph type="title"/>
           </p:nvPr>
@@ -1806,7 +1890,6 @@
             </a:lvl1pPr>
           </a:lstStyle>
           <a:p>
-            <a:pPr/>
             <a:r>
               <a:t>Title Text</a:t>
             </a:r>
@@ -1816,7 +1899,9 @@
       <p:sp>
         <p:nvSpPr>
           <p:cNvPr id="79" name="Body Level One…"/>
-          <p:cNvSpPr txBox="1"/>
+          <p:cNvSpPr txBox="1">
+            <a:spLocks noGrp="1"/>
+          </p:cNvSpPr>
           <p:nvPr>
             <p:ph type="body" sz="half" idx="1"/>
           </p:nvPr>
@@ -1850,7 +1935,6 @@
             </a:lvl5pPr>
           </a:lstStyle>
           <a:p>
-            <a:pPr/>
             <a:r>
               <a:t>Body Level One</a:t>
             </a:r>
@@ -1884,7 +1968,9 @@
       <p:sp>
         <p:nvSpPr>
           <p:cNvPr id="80" name="Textplatzhalter 3"/>
-          <p:cNvSpPr/>
+          <p:cNvSpPr>
+            <a:spLocks noGrp="1"/>
+          </p:cNvSpPr>
           <p:nvPr>
             <p:ph type="body" sz="quarter" idx="13"/>
           </p:nvPr>
@@ -1908,13 +1994,16 @@
               <a:buNone/>
               <a:defRPr sz="1600"/>
             </a:pPr>
+            <a:endParaRPr/>
           </a:p>
         </p:txBody>
       </p:sp>
       <p:sp>
         <p:nvSpPr>
           <p:cNvPr id="81" name="Slide Number"/>
-          <p:cNvSpPr txBox="1"/>
+          <p:cNvSpPr txBox="1">
+            <a:spLocks noGrp="1"/>
+          </p:cNvSpPr>
           <p:nvPr>
             <p:ph type="sldNum" sz="quarter" idx="2"/>
           </p:nvPr>
@@ -1928,8 +2017,10 @@
           <a:bodyPr/>
           <a:lstStyle/>
           <a:p>
-            <a:pPr/>
-            <a:fld id="{86CB4B4D-7CA3-9044-876B-883B54F8677D}" type="slidenum"/>
+            <a:fld id="{86CB4B4D-7CA3-9044-876B-883B54F8677D}" type="slidenum">
+              <a:t>‹Nr.›</a:t>
+            </a:fld>
+            <a:endParaRPr/>
           </a:p>
         </p:txBody>
       </p:sp>
@@ -1938,12 +2029,12 @@
   <p:clrMapOvr>
     <a:masterClrMapping/>
   </p:clrMapOvr>
-  <p:transition xmlns:p14="http://schemas.microsoft.com/office/powerpoint/2010/main" spd="med" advClick="1"/>
+  <p:transition spd="med"/>
 </p:sldLayout>
 </file>
 
 <file path=ppt/slideLayouts/slideLayout9.xml><?xml version="1.0" encoding="utf-8"?>
-<p:sldLayout xmlns:a="http://schemas.openxmlformats.org/drawingml/2006/main" xmlns:r="http://schemas.openxmlformats.org/officeDocument/2006/relationships" xmlns:p="http://schemas.openxmlformats.org/presentationml/2006/main" xmlns:m="http://schemas.openxmlformats.org/officeDocument/2006/math" xmlns:a14="http://schemas.microsoft.com/office/drawing/2010/main" type="tx" showMasterSp="0" showMasterPhAnim="1">
+<p:sldLayout xmlns:a="http://schemas.openxmlformats.org/drawingml/2006/main" xmlns:r="http://schemas.openxmlformats.org/officeDocument/2006/relationships" xmlns:p="http://schemas.openxmlformats.org/presentationml/2006/main" showMasterSp="0" type="tx">
   <p:cSld name="Bild mit Überschrift">
     <p:spTree>
       <p:nvGrpSpPr>
@@ -1962,7 +2053,9 @@
       <p:sp>
         <p:nvSpPr>
           <p:cNvPr id="88" name="Title Text"/>
-          <p:cNvSpPr txBox="1"/>
+          <p:cNvSpPr txBox="1">
+            <a:spLocks noGrp="1"/>
+          </p:cNvSpPr>
           <p:nvPr>
             <p:ph type="title"/>
           </p:nvPr>
@@ -1984,7 +2077,6 @@
             </a:lvl1pPr>
           </a:lstStyle>
           <a:p>
-            <a:pPr/>
             <a:r>
               <a:t>Title Text</a:t>
             </a:r>
@@ -1994,7 +2086,9 @@
       <p:sp>
         <p:nvSpPr>
           <p:cNvPr id="89" name="Bildplatzhalter 2"/>
-          <p:cNvSpPr/>
+          <p:cNvSpPr>
+            <a:spLocks noGrp="1"/>
+          </p:cNvSpPr>
           <p:nvPr>
             <p:ph type="pic" sz="half" idx="13"/>
           </p:nvPr>
@@ -2014,14 +2108,16 @@
           </a:bodyPr>
           <a:lstStyle/>
           <a:p>
-            <a:pPr/>
+            <a:endParaRPr/>
           </a:p>
         </p:txBody>
       </p:sp>
       <p:sp>
         <p:nvSpPr>
           <p:cNvPr id="90" name="Body Level One…"/>
-          <p:cNvSpPr txBox="1"/>
+          <p:cNvSpPr txBox="1">
+            <a:spLocks noGrp="1"/>
+          </p:cNvSpPr>
           <p:nvPr>
             <p:ph type="body" sz="quarter" idx="1"/>
           </p:nvPr>
@@ -2070,7 +2166,6 @@
             </a:lvl5pPr>
           </a:lstStyle>
           <a:p>
-            <a:pPr/>
             <a:r>
               <a:t>Body Level One</a:t>
             </a:r>
@@ -2104,7 +2199,9 @@
       <p:sp>
         <p:nvSpPr>
           <p:cNvPr id="91" name="Slide Number"/>
-          <p:cNvSpPr txBox="1"/>
+          <p:cNvSpPr txBox="1">
+            <a:spLocks noGrp="1"/>
+          </p:cNvSpPr>
           <p:nvPr>
             <p:ph type="sldNum" sz="quarter" idx="2"/>
           </p:nvPr>
@@ -2118,8 +2215,10 @@
           <a:bodyPr/>
           <a:lstStyle/>
           <a:p>
-            <a:pPr/>
-            <a:fld id="{86CB4B4D-7CA3-9044-876B-883B54F8677D}" type="slidenum"/>
+            <a:fld id="{86CB4B4D-7CA3-9044-876B-883B54F8677D}" type="slidenum">
+              <a:t>‹Nr.›</a:t>
+            </a:fld>
+            <a:endParaRPr/>
           </a:p>
         </p:txBody>
       </p:sp>
@@ -2128,18 +2227,19 @@
   <p:clrMapOvr>
     <a:masterClrMapping/>
   </p:clrMapOvr>
-  <p:transition xmlns:p14="http://schemas.microsoft.com/office/powerpoint/2010/main" spd="med" advClick="1"/>
+  <p:transition spd="med"/>
 </p:sldLayout>
 </file>
 
 <file path=ppt/slideMasters/slideMaster1.xml><?xml version="1.0" encoding="utf-8"?>
-<p:sldMaster xmlns:a="http://schemas.openxmlformats.org/drawingml/2006/main" xmlns:r="http://schemas.openxmlformats.org/officeDocument/2006/relationships" xmlns:p="http://schemas.openxmlformats.org/presentationml/2006/main" xmlns:m="http://schemas.openxmlformats.org/officeDocument/2006/math" xmlns:a14="http://schemas.microsoft.com/office/drawing/2010/main">
+<p:sldMaster xmlns:a="http://schemas.openxmlformats.org/drawingml/2006/main" xmlns:r="http://schemas.openxmlformats.org/officeDocument/2006/relationships" xmlns:p="http://schemas.openxmlformats.org/presentationml/2006/main">
   <p:cSld>
     <p:bg>
       <p:bgPr>
         <a:solidFill>
           <a:srgbClr val="FFFFFF"/>
         </a:solidFill>
+        <a:effectLst/>
       </p:bgPr>
     </p:bg>
     <p:spTree>
@@ -2159,7 +2259,9 @@
       <p:sp>
         <p:nvSpPr>
           <p:cNvPr id="2" name="Title Text"/>
-          <p:cNvSpPr txBox="1"/>
+          <p:cNvSpPr txBox="1">
+            <a:spLocks noGrp="1"/>
+          </p:cNvSpPr>
           <p:nvPr>
             <p:ph type="title"/>
           </p:nvPr>
@@ -2177,17 +2279,16 @@
           </a:ln>
           <a:extLst>
             <a:ext uri="{C572A759-6A51-4108-AA02-DFA0A04FC94B}">
-              <ma14:wrappingTextBoxFlag xmlns:ma14="http://schemas.microsoft.com/office/mac/drawingml/2011/main" val="1"/>
+              <ma14:wrappingTextBoxFlag xmlns:ma14="http://schemas.microsoft.com/office/mac/drawingml/2011/main" xmlns:a14="http://schemas.microsoft.com/office/drawing/2010/main" xmlns:m="http://schemas.openxmlformats.org/officeDocument/2006/math" xmlns="" val="1"/>
             </a:ext>
           </a:extLst>
         </p:spPr>
         <p:txBody>
           <a:bodyPr lIns="45719" rIns="45719" anchor="ctr">
-            <a:normAutofit fontScale="100000" lnSpcReduction="0"/>
+            <a:normAutofit/>
           </a:bodyPr>
           <a:lstStyle/>
           <a:p>
-            <a:pPr/>
             <a:r>
               <a:t>Title Text</a:t>
             </a:r>
@@ -2197,7 +2298,9 @@
       <p:sp>
         <p:nvSpPr>
           <p:cNvPr id="3" name="Body Level One…"/>
-          <p:cNvSpPr txBox="1"/>
+          <p:cNvSpPr txBox="1">
+            <a:spLocks noGrp="1"/>
+          </p:cNvSpPr>
           <p:nvPr>
             <p:ph type="body" idx="1"/>
           </p:nvPr>
@@ -2215,17 +2318,16 @@
           </a:ln>
           <a:extLst>
             <a:ext uri="{C572A759-6A51-4108-AA02-DFA0A04FC94B}">
-              <ma14:wrappingTextBoxFlag xmlns:ma14="http://schemas.microsoft.com/office/mac/drawingml/2011/main" val="1"/>
+              <ma14:wrappingTextBoxFlag xmlns:ma14="http://schemas.microsoft.com/office/mac/drawingml/2011/main" xmlns:a14="http://schemas.microsoft.com/office/drawing/2010/main" xmlns:m="http://schemas.openxmlformats.org/officeDocument/2006/math" xmlns="" val="1"/>
             </a:ext>
           </a:extLst>
         </p:spPr>
         <p:txBody>
           <a:bodyPr lIns="45719" rIns="45719">
-            <a:normAutofit fontScale="100000" lnSpcReduction="0"/>
+            <a:normAutofit/>
           </a:bodyPr>
           <a:lstStyle/>
           <a:p>
-            <a:pPr/>
             <a:r>
               <a:t>Body Level One</a:t>
             </a:r>
@@ -2259,7 +2361,9 @@
       <p:sp>
         <p:nvSpPr>
           <p:cNvPr id="4" name="Slide Number"/>
-          <p:cNvSpPr txBox="1"/>
+          <p:cNvSpPr txBox="1">
+            <a:spLocks noGrp="1"/>
+          </p:cNvSpPr>
           <p:nvPr>
             <p:ph type="sldNum" sz="quarter" idx="2"/>
           </p:nvPr>
@@ -2290,8 +2394,10 @@
             </a:lvl1pPr>
           </a:lstStyle>
           <a:p>
-            <a:pPr/>
-            <a:fld id="{86CB4B4D-7CA3-9044-876B-883B54F8677D}" type="slidenum"/>
+            <a:fld id="{86CB4B4D-7CA3-9044-876B-883B54F8677D}" type="slidenum">
+              <a:t>‹Nr.›</a:t>
+            </a:fld>
+            <a:endParaRPr/>
           </a:p>
         </p:txBody>
       </p:sp>
@@ -2304,9 +2410,7 @@
           <p:nvPr/>
         </p:nvPicPr>
         <p:blipFill>
-          <a:blip r:embed="rId2">
-            <a:extLst/>
-          </a:blip>
+          <a:blip r:embed="rId11"/>
           <a:stretch>
             <a:fillRect/>
           </a:stretch>
@@ -2333,9 +2437,7 @@
           <p:nvPr/>
         </p:nvPicPr>
         <p:blipFill>
-          <a:blip r:embed="rId3">
-            <a:extLst/>
-          </a:blip>
+          <a:blip r:embed="rId12"/>
           <a:stretch>
             <a:fillRect/>
           </a:stretch>
@@ -2357,17 +2459,17 @@
   </p:cSld>
   <p:clrMap bg1="lt1" tx1="dk1" bg2="lt2" tx2="dk2" accent1="accent1" accent2="accent2" accent3="accent3" accent4="accent4" accent5="accent5" accent6="accent6" hlink="hlink" folHlink="folHlink"/>
   <p:sldLayoutIdLst>
-    <p:sldLayoutId id="2147483649" r:id="rId4"/>
-    <p:sldLayoutId id="2147483650" r:id="rId5"/>
-    <p:sldLayoutId id="2147483651" r:id="rId6"/>
-    <p:sldLayoutId id="2147483652" r:id="rId7"/>
-    <p:sldLayoutId id="2147483653" r:id="rId8"/>
-    <p:sldLayoutId id="2147483654" r:id="rId9"/>
-    <p:sldLayoutId id="2147483655" r:id="rId10"/>
-    <p:sldLayoutId id="2147483656" r:id="rId11"/>
-    <p:sldLayoutId id="2147483657" r:id="rId12"/>
+    <p:sldLayoutId id="2147483649" r:id="rId1"/>
+    <p:sldLayoutId id="2147483650" r:id="rId2"/>
+    <p:sldLayoutId id="2147483651" r:id="rId3"/>
+    <p:sldLayoutId id="2147483652" r:id="rId4"/>
+    <p:sldLayoutId id="2147483653" r:id="rId5"/>
+    <p:sldLayoutId id="2147483654" r:id="rId6"/>
+    <p:sldLayoutId id="2147483655" r:id="rId7"/>
+    <p:sldLayoutId id="2147483656" r:id="rId8"/>
+    <p:sldLayoutId id="2147483657" r:id="rId9"/>
   </p:sldLayoutIdLst>
-  <p:transition xmlns:p14="http://schemas.microsoft.com/office/powerpoint/2010/main" spd="med" advClick="1"/>
+  <p:transition spd="med"/>
   <p:txStyles>
     <p:titleStyle>
       <a:lvl1pPr marL="0" marR="0" indent="0" algn="l" defTabSz="914400" rtl="0" latinLnBrk="0">
@@ -2385,7 +2487,7 @@
         <a:buFontTx/>
         <a:buNone/>
         <a:tabLst/>
-        <a:defRPr b="0" baseline="0" cap="none" i="0" spc="0" strike="noStrike" sz="4400" u="none">
+        <a:defRPr sz="4400" b="0" i="0" u="none" strike="noStrike" cap="none" spc="0" baseline="0">
           <a:solidFill>
             <a:srgbClr val="000000"/>
           </a:solidFill>
@@ -2411,7 +2513,7 @@
         <a:buFontTx/>
         <a:buNone/>
         <a:tabLst/>
-        <a:defRPr b="0" baseline="0" cap="none" i="0" spc="0" strike="noStrike" sz="4400" u="none">
+        <a:defRPr sz="4400" b="0" i="0" u="none" strike="noStrike" cap="none" spc="0" baseline="0">
           <a:solidFill>
             <a:srgbClr val="000000"/>
           </a:solidFill>
@@ -2437,7 +2539,7 @@
         <a:buFontTx/>
         <a:buNone/>
         <a:tabLst/>
-        <a:defRPr b="0" baseline="0" cap="none" i="0" spc="0" strike="noStrike" sz="4400" u="none">
+        <a:defRPr sz="4400" b="0" i="0" u="none" strike="noStrike" cap="none" spc="0" baseline="0">
           <a:solidFill>
             <a:srgbClr val="000000"/>
           </a:solidFill>
@@ -2463,7 +2565,7 @@
         <a:buFontTx/>
         <a:buNone/>
         <a:tabLst/>
-        <a:defRPr b="0" baseline="0" cap="none" i="0" spc="0" strike="noStrike" sz="4400" u="none">
+        <a:defRPr sz="4400" b="0" i="0" u="none" strike="noStrike" cap="none" spc="0" baseline="0">
           <a:solidFill>
             <a:srgbClr val="000000"/>
           </a:solidFill>
@@ -2489,7 +2591,7 @@
         <a:buFontTx/>
         <a:buNone/>
         <a:tabLst/>
-        <a:defRPr b="0" baseline="0" cap="none" i="0" spc="0" strike="noStrike" sz="4400" u="none">
+        <a:defRPr sz="4400" b="0" i="0" u="none" strike="noStrike" cap="none" spc="0" baseline="0">
           <a:solidFill>
             <a:srgbClr val="000000"/>
           </a:solidFill>
@@ -2515,7 +2617,7 @@
         <a:buFontTx/>
         <a:buNone/>
         <a:tabLst/>
-        <a:defRPr b="0" baseline="0" cap="none" i="0" spc="0" strike="noStrike" sz="4400" u="none">
+        <a:defRPr sz="4400" b="0" i="0" u="none" strike="noStrike" cap="none" spc="0" baseline="0">
           <a:solidFill>
             <a:srgbClr val="000000"/>
           </a:solidFill>
@@ -2541,7 +2643,7 @@
         <a:buFontTx/>
         <a:buNone/>
         <a:tabLst/>
-        <a:defRPr b="0" baseline="0" cap="none" i="0" spc="0" strike="noStrike" sz="4400" u="none">
+        <a:defRPr sz="4400" b="0" i="0" u="none" strike="noStrike" cap="none" spc="0" baseline="0">
           <a:solidFill>
             <a:srgbClr val="000000"/>
           </a:solidFill>
@@ -2567,7 +2669,7 @@
         <a:buFontTx/>
         <a:buNone/>
         <a:tabLst/>
-        <a:defRPr b="0" baseline="0" cap="none" i="0" spc="0" strike="noStrike" sz="4400" u="none">
+        <a:defRPr sz="4400" b="0" i="0" u="none" strike="noStrike" cap="none" spc="0" baseline="0">
           <a:solidFill>
             <a:srgbClr val="000000"/>
           </a:solidFill>
@@ -2593,7 +2695,7 @@
         <a:buFontTx/>
         <a:buNone/>
         <a:tabLst/>
-        <a:defRPr b="0" baseline="0" cap="none" i="0" spc="0" strike="noStrike" sz="4400" u="none">
+        <a:defRPr sz="4400" b="0" i="0" u="none" strike="noStrike" cap="none" spc="0" baseline="0">
           <a:solidFill>
             <a:srgbClr val="000000"/>
           </a:solidFill>
@@ -2621,7 +2723,7 @@
         <a:buFont typeface="Arial"/>
         <a:buChar char="•"/>
         <a:tabLst/>
-        <a:defRPr b="0" baseline="0" cap="none" i="0" spc="0" strike="noStrike" sz="2800" u="none">
+        <a:defRPr sz="2800" b="0" i="0" u="none" strike="noStrike" cap="none" spc="0" baseline="0">
           <a:solidFill>
             <a:srgbClr val="000000"/>
           </a:solidFill>
@@ -2647,7 +2749,7 @@
         <a:buFont typeface="Arial"/>
         <a:buChar char="•"/>
         <a:tabLst/>
-        <a:defRPr b="0" baseline="0" cap="none" i="0" spc="0" strike="noStrike" sz="2800" u="none">
+        <a:defRPr sz="2800" b="0" i="0" u="none" strike="noStrike" cap="none" spc="0" baseline="0">
           <a:solidFill>
             <a:srgbClr val="000000"/>
           </a:solidFill>
@@ -2673,7 +2775,7 @@
         <a:buFont typeface="Arial"/>
         <a:buChar char="•"/>
         <a:tabLst/>
-        <a:defRPr b="0" baseline="0" cap="none" i="0" spc="0" strike="noStrike" sz="2800" u="none">
+        <a:defRPr sz="2800" b="0" i="0" u="none" strike="noStrike" cap="none" spc="0" baseline="0">
           <a:solidFill>
             <a:srgbClr val="000000"/>
           </a:solidFill>
@@ -2699,7 +2801,7 @@
         <a:buFont typeface="Arial"/>
         <a:buChar char="•"/>
         <a:tabLst/>
-        <a:defRPr b="0" baseline="0" cap="none" i="0" spc="0" strike="noStrike" sz="2800" u="none">
+        <a:defRPr sz="2800" b="0" i="0" u="none" strike="noStrike" cap="none" spc="0" baseline="0">
           <a:solidFill>
             <a:srgbClr val="000000"/>
           </a:solidFill>
@@ -2725,7 +2827,7 @@
         <a:buFont typeface="Arial"/>
         <a:buChar char="•"/>
         <a:tabLst/>
-        <a:defRPr b="0" baseline="0" cap="none" i="0" spc="0" strike="noStrike" sz="2800" u="none">
+        <a:defRPr sz="2800" b="0" i="0" u="none" strike="noStrike" cap="none" spc="0" baseline="0">
           <a:solidFill>
             <a:srgbClr val="000000"/>
           </a:solidFill>
@@ -2751,7 +2853,7 @@
         <a:buFont typeface="Arial"/>
         <a:buChar char="•"/>
         <a:tabLst/>
-        <a:defRPr b="0" baseline="0" cap="none" i="0" spc="0" strike="noStrike" sz="2800" u="none">
+        <a:defRPr sz="2800" b="0" i="0" u="none" strike="noStrike" cap="none" spc="0" baseline="0">
           <a:solidFill>
             <a:srgbClr val="000000"/>
           </a:solidFill>
@@ -2777,7 +2879,7 @@
         <a:buFont typeface="Arial"/>
         <a:buChar char="•"/>
         <a:tabLst/>
-        <a:defRPr b="0" baseline="0" cap="none" i="0" spc="0" strike="noStrike" sz="2800" u="none">
+        <a:defRPr sz="2800" b="0" i="0" u="none" strike="noStrike" cap="none" spc="0" baseline="0">
           <a:solidFill>
             <a:srgbClr val="000000"/>
           </a:solidFill>
@@ -2803,7 +2905,7 @@
         <a:buFont typeface="Arial"/>
         <a:buChar char="•"/>
         <a:tabLst/>
-        <a:defRPr b="0" baseline="0" cap="none" i="0" spc="0" strike="noStrike" sz="2800" u="none">
+        <a:defRPr sz="2800" b="0" i="0" u="none" strike="noStrike" cap="none" spc="0" baseline="0">
           <a:solidFill>
             <a:srgbClr val="000000"/>
           </a:solidFill>
@@ -2829,7 +2931,7 @@
         <a:buFont typeface="Arial"/>
         <a:buChar char="•"/>
         <a:tabLst/>
-        <a:defRPr b="0" baseline="0" cap="none" i="0" spc="0" strike="noStrike" sz="2800" u="none">
+        <a:defRPr sz="2800" b="0" i="0" u="none" strike="noStrike" cap="none" spc="0" baseline="0">
           <a:solidFill>
             <a:srgbClr val="000000"/>
           </a:solidFill>
@@ -2857,7 +2959,7 @@
         <a:buFontTx/>
         <a:buNone/>
         <a:tabLst/>
-        <a:defRPr b="0" baseline="0" cap="none" i="0" spc="0" strike="noStrike" sz="1200" u="none">
+        <a:defRPr sz="1200" b="0" i="0" u="none" strike="noStrike" cap="none" spc="0" baseline="0">
           <a:solidFill>
             <a:schemeClr val="tx1"/>
           </a:solidFill>
@@ -2883,7 +2985,7 @@
         <a:buFontTx/>
         <a:buNone/>
         <a:tabLst/>
-        <a:defRPr b="0" baseline="0" cap="none" i="0" spc="0" strike="noStrike" sz="1200" u="none">
+        <a:defRPr sz="1200" b="0" i="0" u="none" strike="noStrike" cap="none" spc="0" baseline="0">
           <a:solidFill>
             <a:schemeClr val="tx1"/>
           </a:solidFill>
@@ -2909,7 +3011,7 @@
         <a:buFontTx/>
         <a:buNone/>
         <a:tabLst/>
-        <a:defRPr b="0" baseline="0" cap="none" i="0" spc="0" strike="noStrike" sz="1200" u="none">
+        <a:defRPr sz="1200" b="0" i="0" u="none" strike="noStrike" cap="none" spc="0" baseline="0">
           <a:solidFill>
             <a:schemeClr val="tx1"/>
           </a:solidFill>
@@ -2935,7 +3037,7 @@
         <a:buFontTx/>
         <a:buNone/>
         <a:tabLst/>
-        <a:defRPr b="0" baseline="0" cap="none" i="0" spc="0" strike="noStrike" sz="1200" u="none">
+        <a:defRPr sz="1200" b="0" i="0" u="none" strike="noStrike" cap="none" spc="0" baseline="0">
           <a:solidFill>
             <a:schemeClr val="tx1"/>
           </a:solidFill>
@@ -2961,7 +3063,7 @@
         <a:buFontTx/>
         <a:buNone/>
         <a:tabLst/>
-        <a:defRPr b="0" baseline="0" cap="none" i="0" spc="0" strike="noStrike" sz="1200" u="none">
+        <a:defRPr sz="1200" b="0" i="0" u="none" strike="noStrike" cap="none" spc="0" baseline="0">
           <a:solidFill>
             <a:schemeClr val="tx1"/>
           </a:solidFill>
@@ -2987,7 +3089,7 @@
         <a:buFontTx/>
         <a:buNone/>
         <a:tabLst/>
-        <a:defRPr b="0" baseline="0" cap="none" i="0" spc="0" strike="noStrike" sz="1200" u="none">
+        <a:defRPr sz="1200" b="0" i="0" u="none" strike="noStrike" cap="none" spc="0" baseline="0">
           <a:solidFill>
             <a:schemeClr val="tx1"/>
           </a:solidFill>
@@ -3013,7 +3115,7 @@
         <a:buFontTx/>
         <a:buNone/>
         <a:tabLst/>
-        <a:defRPr b="0" baseline="0" cap="none" i="0" spc="0" strike="noStrike" sz="1200" u="none">
+        <a:defRPr sz="1200" b="0" i="0" u="none" strike="noStrike" cap="none" spc="0" baseline="0">
           <a:solidFill>
             <a:schemeClr val="tx1"/>
           </a:solidFill>
@@ -3039,7 +3141,7 @@
         <a:buFontTx/>
         <a:buNone/>
         <a:tabLst/>
-        <a:defRPr b="0" baseline="0" cap="none" i="0" spc="0" strike="noStrike" sz="1200" u="none">
+        <a:defRPr sz="1200" b="0" i="0" u="none" strike="noStrike" cap="none" spc="0" baseline="0">
           <a:solidFill>
             <a:schemeClr val="tx1"/>
           </a:solidFill>
@@ -3065,7 +3167,7 @@
         <a:buFontTx/>
         <a:buNone/>
         <a:tabLst/>
-        <a:defRPr b="0" baseline="0" cap="none" i="0" spc="0" strike="noStrike" sz="1200" u="none">
+        <a:defRPr sz="1200" b="0" i="0" u="none" strike="noStrike" cap="none" spc="0" baseline="0">
           <a:solidFill>
             <a:schemeClr val="tx1"/>
           </a:solidFill>
@@ -3082,7 +3184,7 @@
 </file>
 
 <file path=ppt/slides/slide1.xml><?xml version="1.0" encoding="utf-8"?>
-<p:sld xmlns:a="http://schemas.openxmlformats.org/drawingml/2006/main" xmlns:r="http://schemas.openxmlformats.org/officeDocument/2006/relationships" xmlns:p="http://schemas.openxmlformats.org/presentationml/2006/main" xmlns:m="http://schemas.openxmlformats.org/officeDocument/2006/math" xmlns:a14="http://schemas.microsoft.com/office/drawing/2010/main" showMasterSp="1" showMasterPhAnim="1">
+<p:sld xmlns:a="http://schemas.openxmlformats.org/drawingml/2006/main" xmlns:r="http://schemas.openxmlformats.org/officeDocument/2006/relationships" xmlns:p="http://schemas.openxmlformats.org/presentationml/2006/main">
   <p:cSld>
     <p:spTree>
       <p:nvGrpSpPr>
@@ -3101,7 +3203,9 @@
       <p:sp>
         <p:nvSpPr>
           <p:cNvPr id="100" name="Titel 1"/>
-          <p:cNvSpPr txBox="1"/>
+          <p:cNvSpPr txBox="1">
+            <a:spLocks noGrp="1"/>
+          </p:cNvSpPr>
           <p:nvPr>
             <p:ph type="ctrTitle"/>
           </p:nvPr>
@@ -3119,7 +3223,6 @@
             </a:lvl1pPr>
           </a:lstStyle>
           <a:p>
-            <a:pPr/>
             <a:r>
               <a:t>BLOSUM scores compared to single SNAP scores</a:t>
             </a:r>
@@ -3129,7 +3232,9 @@
       <p:sp>
         <p:nvSpPr>
           <p:cNvPr id="101" name="Untertitel 2"/>
-          <p:cNvSpPr txBox="1"/>
+          <p:cNvSpPr txBox="1">
+            <a:spLocks noGrp="1"/>
+          </p:cNvSpPr>
           <p:nvPr>
             <p:ph type="subTitle" sz="quarter" idx="1"/>
           </p:nvPr>
@@ -3147,12 +3252,8 @@
           <a:bodyPr/>
           <a:lstStyle/>
           <a:p>
-            <a:pPr/>
-            <a:r>
-              <a:t>Thomas Eska, Paul Hager, Thomas </a:t>
-            </a:r>
-            <a:r>
-              <a:t>Heinzinger</a:t>
+            <a:r>
+              <a:t>Thomas Eska, Paul Hager, Thomas Heinzinger</a:t>
             </a:r>
           </a:p>
         </p:txBody>
@@ -3160,7 +3261,9 @@
       <p:sp>
         <p:nvSpPr>
           <p:cNvPr id="102" name="Foliennummernplatzhalter 3"/>
-          <p:cNvSpPr txBox="1"/>
+          <p:cNvSpPr txBox="1">
+            <a:spLocks noGrp="1"/>
+          </p:cNvSpPr>
           <p:nvPr>
             <p:ph type="sldNum" sz="quarter" idx="2"/>
           </p:nvPr>
@@ -3175,7 +3278,7 @@
           </a:prstGeom>
           <a:extLst>
             <a:ext uri="{C572A759-6A51-4108-AA02-DFA0A04FC94B}">
-              <ma14:wrappingTextBoxFlag xmlns:ma14="http://schemas.microsoft.com/office/mac/drawingml/2011/main" val="1"/>
+              <ma14:wrappingTextBoxFlag xmlns:ma14="http://schemas.microsoft.com/office/mac/drawingml/2011/main" xmlns:a14="http://schemas.microsoft.com/office/drawing/2010/main" xmlns:m="http://schemas.openxmlformats.org/officeDocument/2006/math" xmlns="" val="1"/>
             </a:ext>
           </a:extLst>
         </p:spPr>
@@ -3183,8 +3286,10 @@
           <a:bodyPr/>
           <a:lstStyle/>
           <a:p>
-            <a:pPr/>
-            <a:fld id="{86CB4B4D-7CA3-9044-876B-883B54F8677D}" type="slidenum"/>
+            <a:fld id="{86CB4B4D-7CA3-9044-876B-883B54F8677D}" type="slidenum">
+              <a:t>1</a:t>
+            </a:fld>
+            <a:endParaRPr/>
           </a:p>
         </p:txBody>
       </p:sp>
@@ -3193,12 +3298,12 @@
   <p:clrMapOvr>
     <a:masterClrMapping/>
   </p:clrMapOvr>
-  <p:transition xmlns:p14="http://schemas.microsoft.com/office/powerpoint/2010/main" spd="med" advClick="1"/>
+  <p:transition spd="med"/>
 </p:sld>
 </file>
 
 <file path=ppt/slides/slide10.xml><?xml version="1.0" encoding="utf-8"?>
-<p:sld xmlns:a="http://schemas.openxmlformats.org/drawingml/2006/main" xmlns:r="http://schemas.openxmlformats.org/officeDocument/2006/relationships" xmlns:p="http://schemas.openxmlformats.org/presentationml/2006/main" xmlns:m="http://schemas.openxmlformats.org/officeDocument/2006/math" xmlns:a14="http://schemas.microsoft.com/office/drawing/2010/main" showMasterSp="1" showMasterPhAnim="1">
+<p:sld xmlns:a="http://schemas.openxmlformats.org/drawingml/2006/main" xmlns:r="http://schemas.openxmlformats.org/officeDocument/2006/relationships" xmlns:p="http://schemas.openxmlformats.org/presentationml/2006/main">
   <p:cSld>
     <p:spTree>
       <p:nvGrpSpPr>
@@ -3217,7 +3322,9 @@
       <p:sp>
         <p:nvSpPr>
           <p:cNvPr id="147" name="Titel 1"/>
-          <p:cNvSpPr txBox="1"/>
+          <p:cNvSpPr txBox="1">
+            <a:spLocks noGrp="1"/>
+          </p:cNvSpPr>
           <p:nvPr>
             <p:ph type="title"/>
           </p:nvPr>
@@ -3237,7 +3344,6 @@
             <a:lvl1pPr algn="ctr"/>
           </a:lstStyle>
           <a:p>
-            <a:pPr/>
             <a:r>
               <a:t>Feature: Raw Scores</a:t>
             </a:r>
@@ -3247,7 +3353,9 @@
       <p:sp>
         <p:nvSpPr>
           <p:cNvPr id="148" name="Inhaltsplatzhalter 2"/>
-          <p:cNvSpPr txBox="1"/>
+          <p:cNvSpPr txBox="1">
+            <a:spLocks noGrp="1"/>
+          </p:cNvSpPr>
           <p:nvPr>
             <p:ph type="body" idx="1"/>
           </p:nvPr>
@@ -3265,16 +3373,15 @@
           <a:bodyPr/>
           <a:lstStyle/>
           <a:p>
-            <a:pPr/>
             <a:r>
               <a:t>Solution: input raw scores</a:t>
             </a:r>
           </a:p>
           <a:p>
-            <a:pPr/>
-          </a:p>
-          <a:p>
-            <a:pPr/>
+            <a:endParaRPr/>
+          </a:p>
+          <a:p>
+            <a:endParaRPr/>
           </a:p>
           <a:p>
             <a:pPr marL="0" indent="0">
@@ -3290,7 +3397,9 @@
       <p:sp>
         <p:nvSpPr>
           <p:cNvPr id="149" name="Foliennummernplatzhalter 3"/>
-          <p:cNvSpPr txBox="1"/>
+          <p:cNvSpPr txBox="1">
+            <a:spLocks noGrp="1"/>
+          </p:cNvSpPr>
           <p:nvPr>
             <p:ph type="sldNum" sz="quarter" idx="2"/>
           </p:nvPr>
@@ -3305,7 +3414,7 @@
           </a:prstGeom>
           <a:extLst>
             <a:ext uri="{C572A759-6A51-4108-AA02-DFA0A04FC94B}">
-              <ma14:wrappingTextBoxFlag xmlns:ma14="http://schemas.microsoft.com/office/mac/drawingml/2011/main" val="1"/>
+              <ma14:wrappingTextBoxFlag xmlns:ma14="http://schemas.microsoft.com/office/mac/drawingml/2011/main" xmlns:a14="http://schemas.microsoft.com/office/drawing/2010/main" xmlns:m="http://schemas.openxmlformats.org/officeDocument/2006/math" xmlns="" val="1"/>
             </a:ext>
           </a:extLst>
         </p:spPr>
@@ -3313,8 +3422,10 @@
           <a:bodyPr/>
           <a:lstStyle/>
           <a:p>
-            <a:pPr/>
-            <a:fld id="{86CB4B4D-7CA3-9044-876B-883B54F8677D}" type="slidenum"/>
+            <a:fld id="{86CB4B4D-7CA3-9044-876B-883B54F8677D}" type="slidenum">
+              <a:t>10</a:t>
+            </a:fld>
+            <a:endParaRPr/>
           </a:p>
         </p:txBody>
       </p:sp>
@@ -3323,12 +3434,12 @@
   <p:clrMapOvr>
     <a:masterClrMapping/>
   </p:clrMapOvr>
-  <p:transition xmlns:p14="http://schemas.microsoft.com/office/powerpoint/2010/main" spd="med" advClick="1"/>
+  <p:transition spd="med"/>
 </p:sld>
 </file>
 
 <file path=ppt/slides/slide11.xml><?xml version="1.0" encoding="utf-8"?>
-<p:sld xmlns:a="http://schemas.openxmlformats.org/drawingml/2006/main" xmlns:r="http://schemas.openxmlformats.org/officeDocument/2006/relationships" xmlns:p="http://schemas.openxmlformats.org/presentationml/2006/main" xmlns:m="http://schemas.openxmlformats.org/officeDocument/2006/math" xmlns:a14="http://schemas.microsoft.com/office/drawing/2010/main" showMasterSp="1" showMasterPhAnim="1">
+<p:sld xmlns:a="http://schemas.openxmlformats.org/drawingml/2006/main" xmlns:r="http://schemas.openxmlformats.org/officeDocument/2006/relationships" xmlns:p="http://schemas.openxmlformats.org/presentationml/2006/main">
   <p:cSld>
     <p:spTree>
       <p:nvGrpSpPr>
@@ -3347,7 +3458,9 @@
       <p:sp>
         <p:nvSpPr>
           <p:cNvPr id="151" name="Titel 1"/>
-          <p:cNvSpPr txBox="1"/>
+          <p:cNvSpPr txBox="1">
+            <a:spLocks noGrp="1"/>
+          </p:cNvSpPr>
           <p:nvPr>
             <p:ph type="title"/>
           </p:nvPr>
@@ -3367,10 +3480,7 @@
           <a:p>
             <a:pPr algn="ctr"/>
             <a:r>
-              <a:t>Feature</a:t>
-            </a:r>
-            <a:r>
-              <a:t>: Scaled Values</a:t>
+              <a:t>Feature: Scaled Values</a:t>
             </a:r>
           </a:p>
         </p:txBody>
@@ -3378,7 +3488,9 @@
       <p:sp>
         <p:nvSpPr>
           <p:cNvPr id="152" name="Inhaltsplatzhalter 2"/>
-          <p:cNvSpPr txBox="1"/>
+          <p:cNvSpPr txBox="1">
+            <a:spLocks noGrp="1"/>
+          </p:cNvSpPr>
           <p:nvPr>
             <p:ph type="body" idx="1"/>
           </p:nvPr>
@@ -3396,7 +3508,6 @@
           <a:bodyPr/>
           <a:lstStyle/>
           <a:p>
-            <a:pPr/>
             <a:r>
               <a:t>BLOSUM scores are very small compared to SNAP scores</a:t>
             </a:r>
@@ -3406,12 +3517,14 @@
               <a:buSzTx/>
               <a:buNone/>
             </a:pPr>
+            <a:endParaRPr/>
           </a:p>
           <a:p>
             <a:pPr marL="0" indent="0">
               <a:buSzTx/>
               <a:buNone/>
             </a:pPr>
+            <a:endParaRPr/>
           </a:p>
           <a:p>
             <a:pPr marL="0" indent="0">
@@ -3427,7 +3540,9 @@
       <p:sp>
         <p:nvSpPr>
           <p:cNvPr id="153" name="Foliennummernplatzhalter 3"/>
-          <p:cNvSpPr txBox="1"/>
+          <p:cNvSpPr txBox="1">
+            <a:spLocks noGrp="1"/>
+          </p:cNvSpPr>
           <p:nvPr>
             <p:ph type="sldNum" sz="quarter" idx="2"/>
           </p:nvPr>
@@ -3442,7 +3557,7 @@
           </a:prstGeom>
           <a:extLst>
             <a:ext uri="{C572A759-6A51-4108-AA02-DFA0A04FC94B}">
-              <ma14:wrappingTextBoxFlag xmlns:ma14="http://schemas.microsoft.com/office/mac/drawingml/2011/main" val="1"/>
+              <ma14:wrappingTextBoxFlag xmlns:ma14="http://schemas.microsoft.com/office/mac/drawingml/2011/main" xmlns:a14="http://schemas.microsoft.com/office/drawing/2010/main" xmlns:m="http://schemas.openxmlformats.org/officeDocument/2006/math" xmlns="" val="1"/>
             </a:ext>
           </a:extLst>
         </p:spPr>
@@ -3450,8 +3565,10 @@
           <a:bodyPr/>
           <a:lstStyle/>
           <a:p>
-            <a:pPr/>
-            <a:fld id="{86CB4B4D-7CA3-9044-876B-883B54F8677D}" type="slidenum"/>
+            <a:fld id="{86CB4B4D-7CA3-9044-876B-883B54F8677D}" type="slidenum">
+              <a:t>11</a:t>
+            </a:fld>
+            <a:endParaRPr/>
           </a:p>
         </p:txBody>
       </p:sp>
@@ -3460,12 +3577,12 @@
   <p:clrMapOvr>
     <a:masterClrMapping/>
   </p:clrMapOvr>
-  <p:transition xmlns:p14="http://schemas.microsoft.com/office/powerpoint/2010/main" spd="med" advClick="1"/>
+  <p:transition spd="med"/>
 </p:sld>
 </file>
 
 <file path=ppt/slides/slide12.xml><?xml version="1.0" encoding="utf-8"?>
-<p:sld xmlns:a="http://schemas.openxmlformats.org/drawingml/2006/main" xmlns:r="http://schemas.openxmlformats.org/officeDocument/2006/relationships" xmlns:p="http://schemas.openxmlformats.org/presentationml/2006/main" xmlns:m="http://schemas.openxmlformats.org/officeDocument/2006/math" xmlns:a14="http://schemas.microsoft.com/office/drawing/2010/main" showMasterSp="1" showMasterPhAnim="1">
+<p:sld xmlns:a="http://schemas.openxmlformats.org/drawingml/2006/main" xmlns:r="http://schemas.openxmlformats.org/officeDocument/2006/relationships" xmlns:p="http://schemas.openxmlformats.org/presentationml/2006/main">
   <p:cSld>
     <p:spTree>
       <p:nvGrpSpPr>
@@ -3484,7 +3601,9 @@
       <p:sp>
         <p:nvSpPr>
           <p:cNvPr id="155" name="Titel 5"/>
-          <p:cNvSpPr txBox="1"/>
+          <p:cNvSpPr txBox="1">
+            <a:spLocks noGrp="1"/>
+          </p:cNvSpPr>
           <p:nvPr>
             <p:ph type="title"/>
           </p:nvPr>
@@ -3504,7 +3623,6 @@
             <a:lvl1pPr algn="ctr"/>
           </a:lstStyle>
           <a:p>
-            <a:pPr/>
             <a:r>
               <a:t>Algorithm</a:t>
             </a:r>
@@ -3514,7 +3632,9 @@
       <p:sp>
         <p:nvSpPr>
           <p:cNvPr id="156" name="Inhaltsplatzhalter 6"/>
-          <p:cNvSpPr txBox="1"/>
+          <p:cNvSpPr txBox="1">
+            <a:spLocks noGrp="1"/>
+          </p:cNvSpPr>
           <p:nvPr>
             <p:ph type="body" idx="1"/>
           </p:nvPr>
@@ -3532,7 +3652,6 @@
           <a:bodyPr/>
           <a:lstStyle/>
           <a:p>
-            <a:pPr/>
             <a:r>
               <a:t>Single layer ANN</a:t>
             </a:r>
@@ -3542,33 +3661,30 @@
               <a:buSzTx/>
               <a:buNone/>
             </a:pPr>
-          </a:p>
-          <a:p>
-            <a:pPr/>
+            <a:endParaRPr/>
+          </a:p>
+          <a:p>
             <a:r>
               <a:t>40 input units, 1 output unit</a:t>
             </a:r>
           </a:p>
           <a:p>
-            <a:pPr/>
             <a:r>
               <a:t>20 hidden units</a:t>
             </a:r>
           </a:p>
           <a:p>
-            <a:pPr/>
-          </a:p>
-          <a:p>
-            <a:pPr/>
+            <a:endParaRPr/>
+          </a:p>
+          <a:p>
             <a:r>
               <a:t>Weighted loss</a:t>
             </a:r>
           </a:p>
           <a:p>
-            <a:pPr/>
-          </a:p>
-          <a:p>
-            <a:pPr/>
+            <a:endParaRPr/>
+          </a:p>
+          <a:p>
             <a:r>
               <a:t>Binary Cross Entropy Loss </a:t>
             </a:r>
@@ -3590,7 +3706,9 @@
       <p:sp>
         <p:nvSpPr>
           <p:cNvPr id="157" name="Foliennummernplatzhalter 4"/>
-          <p:cNvSpPr txBox="1"/>
+          <p:cNvSpPr txBox="1">
+            <a:spLocks noGrp="1"/>
+          </p:cNvSpPr>
           <p:nvPr>
             <p:ph type="sldNum" sz="quarter" idx="2"/>
           </p:nvPr>
@@ -3605,7 +3723,7 @@
           </a:prstGeom>
           <a:extLst>
             <a:ext uri="{C572A759-6A51-4108-AA02-DFA0A04FC94B}">
-              <ma14:wrappingTextBoxFlag xmlns:ma14="http://schemas.microsoft.com/office/mac/drawingml/2011/main" val="1"/>
+              <ma14:wrappingTextBoxFlag xmlns:ma14="http://schemas.microsoft.com/office/mac/drawingml/2011/main" xmlns:a14="http://schemas.microsoft.com/office/drawing/2010/main" xmlns:m="http://schemas.openxmlformats.org/officeDocument/2006/math" xmlns="" val="1"/>
             </a:ext>
           </a:extLst>
         </p:spPr>
@@ -3613,8 +3731,10 @@
           <a:bodyPr/>
           <a:lstStyle/>
           <a:p>
-            <a:pPr/>
-            <a:fld id="{86CB4B4D-7CA3-9044-876B-883B54F8677D}" type="slidenum"/>
+            <a:fld id="{86CB4B4D-7CA3-9044-876B-883B54F8677D}" type="slidenum">
+              <a:t>12</a:t>
+            </a:fld>
+            <a:endParaRPr/>
           </a:p>
         </p:txBody>
       </p:sp>
@@ -3643,7 +3763,7 @@
           <a:bodyPr lIns="45719" rIns="45719" anchor="ctr"/>
           <a:lstStyle/>
           <a:p>
-            <a:pPr/>
+            <a:endParaRPr/>
           </a:p>
         </p:txBody>
       </p:sp>
@@ -3656,9 +3776,7 @@
           <p:nvPr/>
         </p:nvPicPr>
         <p:blipFill>
-          <a:blip r:embed="rId2">
-            <a:extLst/>
-          </a:blip>
+          <a:blip r:embed="rId2"/>
           <a:stretch>
             <a:fillRect/>
           </a:stretch>
@@ -3681,12 +3799,12 @@
   <p:clrMapOvr>
     <a:masterClrMapping/>
   </p:clrMapOvr>
-  <p:transition xmlns:p14="http://schemas.microsoft.com/office/powerpoint/2010/main" spd="med" advClick="1"/>
+  <p:transition spd="med"/>
 </p:sld>
 </file>
 
 <file path=ppt/slides/slide13.xml><?xml version="1.0" encoding="utf-8"?>
-<p:sld xmlns:a="http://schemas.openxmlformats.org/drawingml/2006/main" xmlns:r="http://schemas.openxmlformats.org/officeDocument/2006/relationships" xmlns:p="http://schemas.openxmlformats.org/presentationml/2006/main" xmlns:m="http://schemas.openxmlformats.org/officeDocument/2006/math" xmlns:a14="http://schemas.microsoft.com/office/drawing/2010/main" showMasterSp="1" showMasterPhAnim="1">
+<p:sld xmlns:a="http://schemas.openxmlformats.org/drawingml/2006/main" xmlns:r="http://schemas.openxmlformats.org/officeDocument/2006/relationships" xmlns:p="http://schemas.openxmlformats.org/presentationml/2006/main">
   <p:cSld>
     <p:spTree>
       <p:nvGrpSpPr>
@@ -3705,7 +3823,9 @@
       <p:sp>
         <p:nvSpPr>
           <p:cNvPr id="161" name="Titel 1"/>
-          <p:cNvSpPr txBox="1"/>
+          <p:cNvSpPr txBox="1">
+            <a:spLocks noGrp="1"/>
+          </p:cNvSpPr>
           <p:nvPr>
             <p:ph type="title"/>
           </p:nvPr>
@@ -3725,7 +3845,6 @@
             <a:lvl1pPr algn="ctr"/>
           </a:lstStyle>
           <a:p>
-            <a:pPr/>
             <a:r>
               <a:t>Hyperparameter</a:t>
             </a:r>
@@ -3735,7 +3854,9 @@
       <p:sp>
         <p:nvSpPr>
           <p:cNvPr id="162" name="Inhaltsplatzhalter 2"/>
-          <p:cNvSpPr txBox="1"/>
+          <p:cNvSpPr txBox="1">
+            <a:spLocks noGrp="1"/>
+          </p:cNvSpPr>
           <p:nvPr>
             <p:ph type="body" idx="1"/>
           </p:nvPr>
@@ -3776,6 +3897,7 @@
               </a:spcBef>
               <a:defRPr sz="2375"/>
             </a:pPr>
+            <a:endParaRPr/>
           </a:p>
           <a:p>
             <a:pPr marL="217170" indent="-217170" defTabSz="868680">
@@ -3792,7 +3914,7 @@
             </a:r>
           </a:p>
           <a:p>
-            <a:pPr lvl="1" marL="651509" indent="-217170" defTabSz="868680">
+            <a:pPr marL="651509" lvl="1" indent="-217170" defTabSz="868680">
               <a:lnSpc>
                 <a:spcPct val="72000"/>
               </a:lnSpc>
@@ -3806,7 +3928,7 @@
             </a:r>
           </a:p>
           <a:p>
-            <a:pPr lvl="1" marL="651509" indent="-217170" defTabSz="868680">
+            <a:pPr marL="651509" lvl="1" indent="-217170" defTabSz="868680">
               <a:lnSpc>
                 <a:spcPct val="72000"/>
               </a:lnSpc>
@@ -3829,6 +3951,7 @@
               </a:spcBef>
               <a:defRPr sz="2375"/>
             </a:pPr>
+            <a:endParaRPr/>
           </a:p>
           <a:p>
             <a:pPr marL="217170" indent="-217170" defTabSz="868680">
@@ -3854,6 +3977,7 @@
               </a:spcBef>
               <a:defRPr sz="2375"/>
             </a:pPr>
+            <a:endParaRPr/>
           </a:p>
           <a:p>
             <a:pPr marL="217170" indent="-217170" defTabSz="868680">
@@ -3879,6 +4003,7 @@
               </a:spcBef>
               <a:defRPr sz="2375"/>
             </a:pPr>
+            <a:endParaRPr/>
           </a:p>
           <a:p>
             <a:pPr marL="217170" indent="-217170" defTabSz="868680">
@@ -3904,6 +4029,7 @@
               </a:spcBef>
               <a:defRPr sz="2375"/>
             </a:pPr>
+            <a:endParaRPr/>
           </a:p>
           <a:p>
             <a:pPr marL="217170" indent="-217170" defTabSz="868680">
@@ -3924,7 +4050,9 @@
       <p:sp>
         <p:nvSpPr>
           <p:cNvPr id="163" name="Foliennummernplatzhalter 3"/>
-          <p:cNvSpPr txBox="1"/>
+          <p:cNvSpPr txBox="1">
+            <a:spLocks noGrp="1"/>
+          </p:cNvSpPr>
           <p:nvPr>
             <p:ph type="sldNum" sz="quarter" idx="2"/>
           </p:nvPr>
@@ -3939,7 +4067,7 @@
           </a:prstGeom>
           <a:extLst>
             <a:ext uri="{C572A759-6A51-4108-AA02-DFA0A04FC94B}">
-              <ma14:wrappingTextBoxFlag xmlns:ma14="http://schemas.microsoft.com/office/mac/drawingml/2011/main" val="1"/>
+              <ma14:wrappingTextBoxFlag xmlns:ma14="http://schemas.microsoft.com/office/mac/drawingml/2011/main" xmlns:a14="http://schemas.microsoft.com/office/drawing/2010/main" xmlns:m="http://schemas.openxmlformats.org/officeDocument/2006/math" xmlns="" val="1"/>
             </a:ext>
           </a:extLst>
         </p:spPr>
@@ -3947,8 +4075,10 @@
           <a:bodyPr/>
           <a:lstStyle/>
           <a:p>
-            <a:pPr/>
-            <a:fld id="{86CB4B4D-7CA3-9044-876B-883B54F8677D}" type="slidenum"/>
+            <a:fld id="{86CB4B4D-7CA3-9044-876B-883B54F8677D}" type="slidenum">
+              <a:t>13</a:t>
+            </a:fld>
+            <a:endParaRPr/>
           </a:p>
         </p:txBody>
       </p:sp>
@@ -3961,9 +4091,7 @@
           <p:nvPr/>
         </p:nvPicPr>
         <p:blipFill>
-          <a:blip r:embed="rId2">
-            <a:extLst/>
-          </a:blip>
+          <a:blip r:embed="rId2"/>
           <a:stretch>
             <a:fillRect/>
           </a:stretch>
@@ -3986,12 +4114,12 @@
   <p:clrMapOvr>
     <a:masterClrMapping/>
   </p:clrMapOvr>
-  <p:transition xmlns:p14="http://schemas.microsoft.com/office/powerpoint/2010/main" spd="med" advClick="1"/>
+  <p:transition spd="med"/>
 </p:sld>
 </file>
 
 <file path=ppt/slides/slide14.xml><?xml version="1.0" encoding="utf-8"?>
-<p:sld xmlns:a="http://schemas.openxmlformats.org/drawingml/2006/main" xmlns:r="http://schemas.openxmlformats.org/officeDocument/2006/relationships" xmlns:p="http://schemas.openxmlformats.org/presentationml/2006/main" xmlns:m="http://schemas.openxmlformats.org/officeDocument/2006/math" xmlns:a14="http://schemas.microsoft.com/office/drawing/2010/main" showMasterSp="1" showMasterPhAnim="1">
+<p:sld xmlns:a="http://schemas.openxmlformats.org/drawingml/2006/main" xmlns:r="http://schemas.openxmlformats.org/officeDocument/2006/relationships" xmlns:p="http://schemas.openxmlformats.org/presentationml/2006/main">
   <p:cSld>
     <p:spTree>
       <p:nvGrpSpPr>
@@ -4010,7 +4138,9 @@
       <p:sp>
         <p:nvSpPr>
           <p:cNvPr id="166" name="Titel 1"/>
-          <p:cNvSpPr txBox="1"/>
+          <p:cNvSpPr txBox="1">
+            <a:spLocks noGrp="1"/>
+          </p:cNvSpPr>
           <p:nvPr>
             <p:ph type="title"/>
           </p:nvPr>
@@ -4030,7 +4160,6 @@
             <a:lvl1pPr algn="ctr"/>
           </a:lstStyle>
           <a:p>
-            <a:pPr/>
             <a:r>
               <a:t>Hyperparameter</a:t>
             </a:r>
@@ -4046,9 +4175,7 @@
           <p:nvPr/>
         </p:nvPicPr>
         <p:blipFill>
-          <a:blip r:embed="rId2">
-            <a:extLst/>
-          </a:blip>
+          <a:blip r:embed="rId2"/>
           <a:stretch>
             <a:fillRect/>
           </a:stretch>
@@ -4069,7 +4196,9 @@
       <p:sp>
         <p:nvSpPr>
           <p:cNvPr id="168" name="Foliennummernplatzhalter 3"/>
-          <p:cNvSpPr txBox="1"/>
+          <p:cNvSpPr txBox="1">
+            <a:spLocks noGrp="1"/>
+          </p:cNvSpPr>
           <p:nvPr>
             <p:ph type="sldNum" sz="quarter" idx="2"/>
           </p:nvPr>
@@ -4084,7 +4213,7 @@
           </a:prstGeom>
           <a:extLst>
             <a:ext uri="{C572A759-6A51-4108-AA02-DFA0A04FC94B}">
-              <ma14:wrappingTextBoxFlag xmlns:ma14="http://schemas.microsoft.com/office/mac/drawingml/2011/main" val="1"/>
+              <ma14:wrappingTextBoxFlag xmlns:ma14="http://schemas.microsoft.com/office/mac/drawingml/2011/main" xmlns:a14="http://schemas.microsoft.com/office/drawing/2010/main" xmlns:m="http://schemas.openxmlformats.org/officeDocument/2006/math" xmlns="" val="1"/>
             </a:ext>
           </a:extLst>
         </p:spPr>
@@ -4092,8 +4221,10 @@
           <a:bodyPr/>
           <a:lstStyle/>
           <a:p>
-            <a:pPr/>
-            <a:fld id="{86CB4B4D-7CA3-9044-876B-883B54F8677D}" type="slidenum"/>
+            <a:fld id="{86CB4B4D-7CA3-9044-876B-883B54F8677D}" type="slidenum">
+              <a:t>14</a:t>
+            </a:fld>
+            <a:endParaRPr/>
           </a:p>
         </p:txBody>
       </p:sp>
@@ -4102,12 +4233,12 @@
   <p:clrMapOvr>
     <a:masterClrMapping/>
   </p:clrMapOvr>
-  <p:transition xmlns:p14="http://schemas.microsoft.com/office/powerpoint/2010/main" spd="med" advClick="1"/>
+  <p:transition spd="med"/>
 </p:sld>
 </file>
 
 <file path=ppt/slides/slide15.xml><?xml version="1.0" encoding="utf-8"?>
-<p:sld xmlns:a="http://schemas.openxmlformats.org/drawingml/2006/main" xmlns:r="http://schemas.openxmlformats.org/officeDocument/2006/relationships" xmlns:p="http://schemas.openxmlformats.org/presentationml/2006/main" xmlns:m="http://schemas.openxmlformats.org/officeDocument/2006/math" xmlns:a14="http://schemas.microsoft.com/office/drawing/2010/main" showMasterSp="1" showMasterPhAnim="1">
+<p:sld xmlns:a="http://schemas.openxmlformats.org/drawingml/2006/main" xmlns:r="http://schemas.openxmlformats.org/officeDocument/2006/relationships" xmlns:p="http://schemas.openxmlformats.org/presentationml/2006/main">
   <p:cSld>
     <p:spTree>
       <p:nvGrpSpPr>
@@ -4126,7 +4257,9 @@
       <p:sp>
         <p:nvSpPr>
           <p:cNvPr id="170" name="Testing Different BLOSUM Matrices"/>
-          <p:cNvSpPr txBox="1"/>
+          <p:cNvSpPr txBox="1">
+            <a:spLocks noGrp="1"/>
+          </p:cNvSpPr>
           <p:nvPr>
             <p:ph type="title"/>
           </p:nvPr>
@@ -4142,7 +4275,6 @@
             <a:lvl1pPr algn="ctr"/>
           </a:lstStyle>
           <a:p>
-            <a:pPr/>
             <a:r>
               <a:t>Testing Different BLOSUM Matrices</a:t>
             </a:r>
@@ -4152,7 +4284,9 @@
       <p:sp>
         <p:nvSpPr>
           <p:cNvPr id="171" name="Slide Number"/>
-          <p:cNvSpPr txBox="1"/>
+          <p:cNvSpPr txBox="1">
+            <a:spLocks noGrp="1"/>
+          </p:cNvSpPr>
           <p:nvPr>
             <p:ph type="sldNum" sz="quarter" idx="2"/>
           </p:nvPr>
@@ -4163,7 +4297,7 @@
           </a:prstGeom>
           <a:extLst>
             <a:ext uri="{C572A759-6A51-4108-AA02-DFA0A04FC94B}">
-              <ma14:wrappingTextBoxFlag xmlns:ma14="http://schemas.microsoft.com/office/mac/drawingml/2011/main" val="1"/>
+              <ma14:wrappingTextBoxFlag xmlns:ma14="http://schemas.microsoft.com/office/mac/drawingml/2011/main" xmlns:a14="http://schemas.microsoft.com/office/drawing/2010/main" xmlns:m="http://schemas.openxmlformats.org/officeDocument/2006/math" xmlns="" val="1"/>
             </a:ext>
           </a:extLst>
         </p:spPr>
@@ -4171,8 +4305,10 @@
           <a:bodyPr/>
           <a:lstStyle/>
           <a:p>
-            <a:pPr/>
-            <a:fld id="{86CB4B4D-7CA3-9044-876B-883B54F8677D}" type="slidenum"/>
+            <a:fld id="{86CB4B4D-7CA3-9044-876B-883B54F8677D}" type="slidenum">
+              <a:t>15</a:t>
+            </a:fld>
+            <a:endParaRPr/>
           </a:p>
         </p:txBody>
       </p:sp>
@@ -4184,20 +4320,50 @@
         </p:nvGraphicFramePr>
         <p:xfrm>
           <a:off x="838199" y="2125877"/>
-          <a:ext cx="10528301" cy="3813414"/>
+          <a:ext cx="10515600" cy="3800710"/>
         </p:xfrm>
-        <a:graphic xmlns:a="http://schemas.openxmlformats.org/drawingml/2006/main">
+        <a:graphic>
           <a:graphicData uri="http://schemas.openxmlformats.org/drawingml/2006/table">
             <a:tbl>
-              <a:tblPr firstCol="1" firstRow="1" lastCol="0" lastRow="0" bandCol="0" bandRow="1" rtl="0">
+              <a:tblPr firstRow="1" firstCol="1" bandRow="1">
                 <a:tableStyleId>{4C3C2611-4C71-4FC5-86AE-919BDF0F9419}</a:tableStyleId>
               </a:tblPr>
               <a:tblGrid>
-                <a:gridCol w="2103120"/>
-                <a:gridCol w="2103120"/>
-                <a:gridCol w="2103120"/>
-                <a:gridCol w="2103120"/>
-                <a:gridCol w="2103120"/>
+                <a:gridCol w="2103120">
+                  <a:extLst>
+                    <a:ext uri="{9D8B030D-6E8A-4147-A177-3AD203B41FA5}">
+                      <a16:colId xmlns:a16="http://schemas.microsoft.com/office/drawing/2014/main" val="20000"/>
+                    </a:ext>
+                  </a:extLst>
+                </a:gridCol>
+                <a:gridCol w="2103120">
+                  <a:extLst>
+                    <a:ext uri="{9D8B030D-6E8A-4147-A177-3AD203B41FA5}">
+                      <a16:colId xmlns:a16="http://schemas.microsoft.com/office/drawing/2014/main" val="20001"/>
+                    </a:ext>
+                  </a:extLst>
+                </a:gridCol>
+                <a:gridCol w="2103120">
+                  <a:extLst>
+                    <a:ext uri="{9D8B030D-6E8A-4147-A177-3AD203B41FA5}">
+                      <a16:colId xmlns:a16="http://schemas.microsoft.com/office/drawing/2014/main" val="20002"/>
+                    </a:ext>
+                  </a:extLst>
+                </a:gridCol>
+                <a:gridCol w="2103120">
+                  <a:extLst>
+                    <a:ext uri="{9D8B030D-6E8A-4147-A177-3AD203B41FA5}">
+                      <a16:colId xmlns:a16="http://schemas.microsoft.com/office/drawing/2014/main" val="20003"/>
+                    </a:ext>
+                  </a:extLst>
+                </a:gridCol>
+                <a:gridCol w="2103120">
+                  <a:extLst>
+                    <a:ext uri="{9D8B030D-6E8A-4147-A177-3AD203B41FA5}">
+                      <a16:colId xmlns:a16="http://schemas.microsoft.com/office/drawing/2014/main" val="20004"/>
+                    </a:ext>
+                  </a:extLst>
+                </a:gridCol>
               </a:tblGrid>
               <a:tr h="760142">
                 <a:tc>
@@ -4208,9 +4374,10 @@
                       <a:pPr algn="l">
                         <a:defRPr sz="1800"/>
                       </a:pPr>
+                      <a:endParaRPr/>
                     </a:p>
                   </a:txBody>
-                  <a:tcPr marL="0" marR="0" marT="0" marB="0" anchor="t" anchorCtr="0" horzOverflow="overflow">
+                  <a:tcPr marL="0" marR="0" marT="0" marB="0" horzOverflow="overflow">
                     <a:solidFill>
                       <a:schemeClr val="accent5">
                         <a:satOff val="-19091"/>
@@ -4225,7 +4392,7 @@
                     <a:lstStyle/>
                     <a:p>
                       <a:pPr algn="ctr">
-                        <a:defRPr b="0" sz="1800">
+                        <a:defRPr sz="1800" b="0">
                           <a:solidFill>
                             <a:srgbClr val="000000"/>
                           </a:solidFill>
@@ -4241,7 +4408,7 @@
                       </a:r>
                     </a:p>
                   </a:txBody>
-                  <a:tcPr marL="0" marR="0" marT="0" marB="0" anchor="ctr" anchorCtr="0" horzOverflow="overflow">
+                  <a:tcPr marL="0" marR="0" marT="0" marB="0" anchor="ctr" horzOverflow="overflow">
                     <a:solidFill>
                       <a:schemeClr val="accent5">
                         <a:satOff val="-19091"/>
@@ -4256,7 +4423,7 @@
                     <a:lstStyle/>
                     <a:p>
                       <a:pPr algn="ctr">
-                        <a:defRPr b="0" sz="1800">
+                        <a:defRPr sz="1800" b="0">
                           <a:solidFill>
                             <a:srgbClr val="000000"/>
                           </a:solidFill>
@@ -4272,7 +4439,7 @@
                       </a:r>
                     </a:p>
                   </a:txBody>
-                  <a:tcPr marL="0" marR="0" marT="0" marB="0" anchor="ctr" anchorCtr="0" horzOverflow="overflow">
+                  <a:tcPr marL="0" marR="0" marT="0" marB="0" anchor="ctr" horzOverflow="overflow">
                     <a:solidFill>
                       <a:schemeClr val="accent5">
                         <a:satOff val="-19091"/>
@@ -4287,7 +4454,7 @@
                     <a:lstStyle/>
                     <a:p>
                       <a:pPr algn="ctr">
-                        <a:defRPr b="0" sz="1800">
+                        <a:defRPr sz="1800" b="0">
                           <a:solidFill>
                             <a:srgbClr val="000000"/>
                           </a:solidFill>
@@ -4303,7 +4470,7 @@
                       </a:r>
                     </a:p>
                   </a:txBody>
-                  <a:tcPr marL="0" marR="0" marT="0" marB="0" anchor="ctr" anchorCtr="0" horzOverflow="overflow">
+                  <a:tcPr marL="0" marR="0" marT="0" marB="0" anchor="ctr" horzOverflow="overflow">
                     <a:solidFill>
                       <a:schemeClr val="accent5">
                         <a:satOff val="-19091"/>
@@ -4318,7 +4485,7 @@
                     <a:lstStyle/>
                     <a:p>
                       <a:pPr algn="ctr">
-                        <a:defRPr b="0" sz="1800">
+                        <a:defRPr sz="1800" b="0">
                           <a:solidFill>
                             <a:srgbClr val="000000"/>
                           </a:solidFill>
@@ -4334,7 +4501,7 @@
                       </a:r>
                     </a:p>
                   </a:txBody>
-                  <a:tcPr marL="0" marR="0" marT="0" marB="0" anchor="ctr" anchorCtr="0" horzOverflow="overflow">
+                  <a:tcPr marL="0" marR="0" marT="0" marB="0" anchor="ctr" horzOverflow="overflow">
                     <a:solidFill>
                       <a:schemeClr val="accent5">
                         <a:satOff val="-19091"/>
@@ -4343,6 +4510,11 @@
                     </a:solidFill>
                   </a:tcPr>
                 </a:tc>
+                <a:extLst>
+                  <a:ext uri="{0D108BD9-81ED-4DB2-BD59-A6C34878D82A}">
+                    <a16:rowId xmlns:a16="http://schemas.microsoft.com/office/drawing/2014/main" val="10000"/>
+                  </a:ext>
+                </a:extLst>
               </a:tr>
               <a:tr h="760142">
                 <a:tc>
@@ -4351,7 +4523,7 @@
                     <a:lstStyle/>
                     <a:p>
                       <a:pPr algn="ctr">
-                        <a:defRPr b="0" sz="1800">
+                        <a:defRPr sz="1800" b="0">
                           <a:solidFill>
                             <a:srgbClr val="000000"/>
                           </a:solidFill>
@@ -4367,7 +4539,7 @@
                       </a:r>
                     </a:p>
                   </a:txBody>
-                  <a:tcPr marL="0" marR="0" marT="0" marB="0" anchor="ctr" anchorCtr="0" horzOverflow="overflow">
+                  <a:tcPr marL="0" marR="0" marT="0" marB="0" anchor="ctr" horzOverflow="overflow">
                     <a:solidFill>
                       <a:schemeClr val="accent5">
                         <a:satOff val="-19091"/>
@@ -4389,7 +4561,7 @@
                       </a:r>
                     </a:p>
                   </a:txBody>
-                  <a:tcPr marL="0" marR="0" marT="0" marB="0" anchor="ctr" anchorCtr="0" horzOverflow="overflow"/>
+                  <a:tcPr marL="0" marR="0" marT="0" marB="0" anchor="ctr" horzOverflow="overflow"/>
                 </a:tc>
                 <a:tc>
                   <a:txBody>
@@ -4404,7 +4576,7 @@
                       </a:r>
                     </a:p>
                   </a:txBody>
-                  <a:tcPr marL="0" marR="0" marT="0" marB="0" anchor="ctr" anchorCtr="0" horzOverflow="overflow"/>
+                  <a:tcPr marL="0" marR="0" marT="0" marB="0" anchor="ctr" horzOverflow="overflow"/>
                 </a:tc>
                 <a:tc>
                   <a:txBody>
@@ -4419,7 +4591,7 @@
                       </a:r>
                     </a:p>
                   </a:txBody>
-                  <a:tcPr marL="0" marR="0" marT="0" marB="0" anchor="ctr" anchorCtr="0" horzOverflow="overflow"/>
+                  <a:tcPr marL="0" marR="0" marT="0" marB="0" anchor="ctr" horzOverflow="overflow"/>
                 </a:tc>
                 <a:tc>
                   <a:txBody>
@@ -4434,8 +4606,13 @@
                       </a:r>
                     </a:p>
                   </a:txBody>
-                  <a:tcPr marL="0" marR="0" marT="0" marB="0" anchor="ctr" anchorCtr="0" horzOverflow="overflow"/>
+                  <a:tcPr marL="0" marR="0" marT="0" marB="0" anchor="ctr" horzOverflow="overflow"/>
                 </a:tc>
+                <a:extLst>
+                  <a:ext uri="{0D108BD9-81ED-4DB2-BD59-A6C34878D82A}">
+                    <a16:rowId xmlns:a16="http://schemas.microsoft.com/office/drawing/2014/main" val="10001"/>
+                  </a:ext>
+                </a:extLst>
               </a:tr>
               <a:tr h="760142">
                 <a:tc>
@@ -4444,7 +4621,7 @@
                     <a:lstStyle/>
                     <a:p>
                       <a:pPr algn="ctr">
-                        <a:defRPr b="0" sz="1800">
+                        <a:defRPr sz="1800" b="0">
                           <a:solidFill>
                             <a:srgbClr val="000000"/>
                           </a:solidFill>
@@ -4460,7 +4637,7 @@
                       </a:r>
                     </a:p>
                   </a:txBody>
-                  <a:tcPr marL="0" marR="0" marT="0" marB="0" anchor="ctr" anchorCtr="0" horzOverflow="overflow">
+                  <a:tcPr marL="0" marR="0" marT="0" marB="0" anchor="ctr" horzOverflow="overflow">
                     <a:solidFill>
                       <a:schemeClr val="accent5">
                         <a:satOff val="-19091"/>
@@ -4482,7 +4659,7 @@
                       </a:r>
                     </a:p>
                   </a:txBody>
-                  <a:tcPr marL="0" marR="0" marT="0" marB="0" anchor="ctr" anchorCtr="0" horzOverflow="overflow"/>
+                  <a:tcPr marL="0" marR="0" marT="0" marB="0" anchor="ctr" horzOverflow="overflow"/>
                 </a:tc>
                 <a:tc>
                   <a:txBody>
@@ -4497,7 +4674,7 @@
                       </a:r>
                     </a:p>
                   </a:txBody>
-                  <a:tcPr marL="0" marR="0" marT="0" marB="0" anchor="ctr" anchorCtr="0" horzOverflow="overflow"/>
+                  <a:tcPr marL="0" marR="0" marT="0" marB="0" anchor="ctr" horzOverflow="overflow"/>
                 </a:tc>
                 <a:tc>
                   <a:txBody>
@@ -4512,7 +4689,7 @@
                       </a:r>
                     </a:p>
                   </a:txBody>
-                  <a:tcPr marL="0" marR="0" marT="0" marB="0" anchor="ctr" anchorCtr="0" horzOverflow="overflow"/>
+                  <a:tcPr marL="0" marR="0" marT="0" marB="0" anchor="ctr" horzOverflow="overflow"/>
                 </a:tc>
                 <a:tc>
                   <a:txBody>
@@ -4527,8 +4704,13 @@
                       </a:r>
                     </a:p>
                   </a:txBody>
-                  <a:tcPr marL="0" marR="0" marT="0" marB="0" anchor="ctr" anchorCtr="0" horzOverflow="overflow"/>
+                  <a:tcPr marL="0" marR="0" marT="0" marB="0" anchor="ctr" horzOverflow="overflow"/>
                 </a:tc>
+                <a:extLst>
+                  <a:ext uri="{0D108BD9-81ED-4DB2-BD59-A6C34878D82A}">
+                    <a16:rowId xmlns:a16="http://schemas.microsoft.com/office/drawing/2014/main" val="10002"/>
+                  </a:ext>
+                </a:extLst>
               </a:tr>
               <a:tr h="760142">
                 <a:tc>
@@ -4537,7 +4719,7 @@
                     <a:lstStyle/>
                     <a:p>
                       <a:pPr algn="ctr">
-                        <a:defRPr b="0" sz="1800">
+                        <a:defRPr sz="1800" b="0">
                           <a:solidFill>
                             <a:srgbClr val="000000"/>
                           </a:solidFill>
@@ -4553,7 +4735,7 @@
                       </a:r>
                     </a:p>
                   </a:txBody>
-                  <a:tcPr marL="0" marR="0" marT="0" marB="0" anchor="ctr" anchorCtr="0" horzOverflow="overflow">
+                  <a:tcPr marL="0" marR="0" marT="0" marB="0" anchor="ctr" horzOverflow="overflow">
                     <a:solidFill>
                       <a:schemeClr val="accent5">
                         <a:satOff val="-19091"/>
@@ -4575,7 +4757,7 @@
                       </a:r>
                     </a:p>
                   </a:txBody>
-                  <a:tcPr marL="0" marR="0" marT="0" marB="0" anchor="ctr" anchorCtr="0" horzOverflow="overflow"/>
+                  <a:tcPr marL="0" marR="0" marT="0" marB="0" anchor="ctr" horzOverflow="overflow"/>
                 </a:tc>
                 <a:tc>
                   <a:txBody>
@@ -4590,7 +4772,7 @@
                       </a:r>
                     </a:p>
                   </a:txBody>
-                  <a:tcPr marL="0" marR="0" marT="0" marB="0" anchor="ctr" anchorCtr="0" horzOverflow="overflow"/>
+                  <a:tcPr marL="0" marR="0" marT="0" marB="0" anchor="ctr" horzOverflow="overflow"/>
                 </a:tc>
                 <a:tc>
                   <a:txBody>
@@ -4605,7 +4787,7 @@
                       </a:r>
                     </a:p>
                   </a:txBody>
-                  <a:tcPr marL="0" marR="0" marT="0" marB="0" anchor="ctr" anchorCtr="0" horzOverflow="overflow"/>
+                  <a:tcPr marL="0" marR="0" marT="0" marB="0" anchor="ctr" horzOverflow="overflow"/>
                 </a:tc>
                 <a:tc>
                   <a:txBody>
@@ -4620,8 +4802,13 @@
                       </a:r>
                     </a:p>
                   </a:txBody>
-                  <a:tcPr marL="0" marR="0" marT="0" marB="0" anchor="ctr" anchorCtr="0" horzOverflow="overflow"/>
+                  <a:tcPr marL="0" marR="0" marT="0" marB="0" anchor="ctr" horzOverflow="overflow"/>
                 </a:tc>
+                <a:extLst>
+                  <a:ext uri="{0D108BD9-81ED-4DB2-BD59-A6C34878D82A}">
+                    <a16:rowId xmlns:a16="http://schemas.microsoft.com/office/drawing/2014/main" val="10003"/>
+                  </a:ext>
+                </a:extLst>
               </a:tr>
               <a:tr h="760142">
                 <a:tc>
@@ -4630,7 +4817,7 @@
                     <a:lstStyle/>
                     <a:p>
                       <a:pPr algn="ctr">
-                        <a:defRPr b="0" sz="1800">
+                        <a:defRPr sz="1800" b="0">
                           <a:solidFill>
                             <a:srgbClr val="000000"/>
                           </a:solidFill>
@@ -4646,7 +4833,7 @@
                       </a:r>
                     </a:p>
                   </a:txBody>
-                  <a:tcPr marL="0" marR="0" marT="0" marB="0" anchor="ctr" anchorCtr="0" horzOverflow="overflow">
+                  <a:tcPr marL="0" marR="0" marT="0" marB="0" anchor="ctr" horzOverflow="overflow">
                     <a:solidFill>
                       <a:schemeClr val="accent5">
                         <a:satOff val="-19091"/>
@@ -4668,7 +4855,7 @@
                       </a:r>
                     </a:p>
                   </a:txBody>
-                  <a:tcPr marL="0" marR="0" marT="0" marB="0" anchor="ctr" anchorCtr="0" horzOverflow="overflow"/>
+                  <a:tcPr marL="0" marR="0" marT="0" marB="0" anchor="ctr" horzOverflow="overflow"/>
                 </a:tc>
                 <a:tc>
                   <a:txBody>
@@ -4683,7 +4870,7 @@
                       </a:r>
                     </a:p>
                   </a:txBody>
-                  <a:tcPr marL="0" marR="0" marT="0" marB="0" anchor="ctr" anchorCtr="0" horzOverflow="overflow"/>
+                  <a:tcPr marL="0" marR="0" marT="0" marB="0" anchor="ctr" horzOverflow="overflow"/>
                 </a:tc>
                 <a:tc>
                   <a:txBody>
@@ -4698,7 +4885,7 @@
                       </a:r>
                     </a:p>
                   </a:txBody>
-                  <a:tcPr marL="0" marR="0" marT="0" marB="0" anchor="ctr" anchorCtr="0" horzOverflow="overflow"/>
+                  <a:tcPr marL="0" marR="0" marT="0" marB="0" anchor="ctr" horzOverflow="overflow"/>
                 </a:tc>
                 <a:tc>
                   <a:txBody>
@@ -4713,8 +4900,13 @@
                       </a:r>
                     </a:p>
                   </a:txBody>
-                  <a:tcPr marL="0" marR="0" marT="0" marB="0" anchor="ctr" anchorCtr="0" horzOverflow="overflow"/>
+                  <a:tcPr marL="0" marR="0" marT="0" marB="0" anchor="ctr" horzOverflow="overflow"/>
                 </a:tc>
+                <a:extLst>
+                  <a:ext uri="{0D108BD9-81ED-4DB2-BD59-A6C34878D82A}">
+                    <a16:rowId xmlns:a16="http://schemas.microsoft.com/office/drawing/2014/main" val="10004"/>
+                  </a:ext>
+                </a:extLst>
               </a:tr>
             </a:tbl>
           </a:graphicData>
@@ -4725,12 +4917,12 @@
   <p:clrMapOvr>
     <a:masterClrMapping/>
   </p:clrMapOvr>
-  <p:transition xmlns:p14="http://schemas.microsoft.com/office/powerpoint/2010/main" spd="med" advClick="1"/>
+  <p:transition spd="med"/>
 </p:sld>
 </file>
 
 <file path=ppt/slides/slide16.xml><?xml version="1.0" encoding="utf-8"?>
-<p:sld xmlns:a="http://schemas.openxmlformats.org/drawingml/2006/main" xmlns:r="http://schemas.openxmlformats.org/officeDocument/2006/relationships" xmlns:p="http://schemas.openxmlformats.org/presentationml/2006/main" xmlns:m="http://schemas.openxmlformats.org/officeDocument/2006/math" xmlns:a14="http://schemas.microsoft.com/office/drawing/2010/main" showMasterSp="1" showMasterPhAnim="1">
+<p:sld xmlns:a="http://schemas.openxmlformats.org/drawingml/2006/main" xmlns:r="http://schemas.openxmlformats.org/officeDocument/2006/relationships" xmlns:p="http://schemas.openxmlformats.org/presentationml/2006/main">
   <p:cSld>
     <p:spTree>
       <p:nvGrpSpPr>
@@ -4749,7 +4941,9 @@
       <p:sp>
         <p:nvSpPr>
           <p:cNvPr id="174" name="Titel 1"/>
-          <p:cNvSpPr txBox="1"/>
+          <p:cNvSpPr txBox="1">
+            <a:spLocks noGrp="1"/>
+          </p:cNvSpPr>
           <p:nvPr>
             <p:ph type="title"/>
           </p:nvPr>
@@ -4769,7 +4963,6 @@
             <a:lvl1pPr algn="ctr"/>
           </a:lstStyle>
           <a:p>
-            <a:pPr/>
             <a:r>
               <a:t>Testing Dataset</a:t>
             </a:r>
@@ -4779,7 +4972,9 @@
       <p:sp>
         <p:nvSpPr>
           <p:cNvPr id="175" name="Inhaltsplatzhalter 2"/>
-          <p:cNvSpPr txBox="1"/>
+          <p:cNvSpPr txBox="1">
+            <a:spLocks noGrp="1"/>
+          </p:cNvSpPr>
           <p:nvPr>
             <p:ph type="body" idx="1"/>
           </p:nvPr>
@@ -4797,7 +4992,6 @@
           <a:bodyPr/>
           <a:lstStyle/>
           <a:p>
-            <a:pPr/>
             <a:r>
               <a:t>31827 residues from BioLip</a:t>
             </a:r>
@@ -4816,9 +5010,9 @@
               <a:buSzTx/>
               <a:buNone/>
             </a:pPr>
-          </a:p>
-          <a:p>
-            <a:pPr/>
+            <a:endParaRPr/>
+          </a:p>
+          <a:p>
             <a:r>
               <a:t>No other information known</a:t>
             </a:r>
@@ -4828,7 +5022,9 @@
       <p:sp>
         <p:nvSpPr>
           <p:cNvPr id="176" name="Foliennummernplatzhalter 3"/>
-          <p:cNvSpPr txBox="1"/>
+          <p:cNvSpPr txBox="1">
+            <a:spLocks noGrp="1"/>
+          </p:cNvSpPr>
           <p:nvPr>
             <p:ph type="sldNum" sz="quarter" idx="2"/>
           </p:nvPr>
@@ -4843,7 +5039,7 @@
           </a:prstGeom>
           <a:extLst>
             <a:ext uri="{C572A759-6A51-4108-AA02-DFA0A04FC94B}">
-              <ma14:wrappingTextBoxFlag xmlns:ma14="http://schemas.microsoft.com/office/mac/drawingml/2011/main" val="1"/>
+              <ma14:wrappingTextBoxFlag xmlns:ma14="http://schemas.microsoft.com/office/mac/drawingml/2011/main" xmlns:a14="http://schemas.microsoft.com/office/drawing/2010/main" xmlns:m="http://schemas.openxmlformats.org/officeDocument/2006/math" xmlns="" val="1"/>
             </a:ext>
           </a:extLst>
         </p:spPr>
@@ -4851,8 +5047,10 @@
           <a:bodyPr/>
           <a:lstStyle/>
           <a:p>
-            <a:pPr/>
-            <a:fld id="{86CB4B4D-7CA3-9044-876B-883B54F8677D}" type="slidenum"/>
+            <a:fld id="{86CB4B4D-7CA3-9044-876B-883B54F8677D}" type="slidenum">
+              <a:t>16</a:t>
+            </a:fld>
+            <a:endParaRPr/>
           </a:p>
         </p:txBody>
       </p:sp>
@@ -4866,9 +5064,9 @@
           <a:off x="7650198" y="1751908"/>
           <a:ext cx="3485054" cy="3802554"/>
         </p:xfrm>
-        <a:graphic xmlns:a="http://schemas.openxmlformats.org/drawingml/2006/main">
+        <a:graphic>
           <a:graphicData uri="http://schemas.openxmlformats.org/drawingml/2006/chart">
-            <c:chart xmlns:c="http://schemas.openxmlformats.org/drawingml/2006/chart" r:id="rId2"/>
+            <c:chart xmlns:c="http://schemas.openxmlformats.org/drawingml/2006/chart" xmlns:r="http://schemas.openxmlformats.org/officeDocument/2006/relationships" r:id="rId2"/>
           </a:graphicData>
         </a:graphic>
       </p:graphicFrame>
@@ -4877,12 +5075,12 @@
   <p:clrMapOvr>
     <a:masterClrMapping/>
   </p:clrMapOvr>
-  <p:transition xmlns:p14="http://schemas.microsoft.com/office/powerpoint/2010/main" spd="med" advClick="1"/>
+  <p:transition spd="med"/>
 </p:sld>
 </file>
 
 <file path=ppt/slides/slide17.xml><?xml version="1.0" encoding="utf-8"?>
-<p:sld xmlns:a="http://schemas.openxmlformats.org/drawingml/2006/main" xmlns:r="http://schemas.openxmlformats.org/officeDocument/2006/relationships" xmlns:p="http://schemas.openxmlformats.org/presentationml/2006/main" xmlns:m="http://schemas.openxmlformats.org/officeDocument/2006/math" xmlns:a14="http://schemas.microsoft.com/office/drawing/2010/main" showMasterSp="1" showMasterPhAnim="1">
+<p:sld xmlns:a="http://schemas.openxmlformats.org/drawingml/2006/main" xmlns:r="http://schemas.openxmlformats.org/officeDocument/2006/relationships" xmlns:p="http://schemas.openxmlformats.org/presentationml/2006/main">
   <p:cSld>
     <p:spTree>
       <p:nvGrpSpPr>
@@ -4901,7 +5099,9 @@
       <p:sp>
         <p:nvSpPr>
           <p:cNvPr id="179" name="Titel 1"/>
-          <p:cNvSpPr txBox="1"/>
+          <p:cNvSpPr txBox="1">
+            <a:spLocks noGrp="1"/>
+          </p:cNvSpPr>
           <p:nvPr>
             <p:ph type="title"/>
           </p:nvPr>
@@ -4921,10 +5121,7 @@
           <a:p>
             <a:pPr algn="ctr"/>
             <a:r>
-              <a:t>Confusion</a:t>
-            </a:r>
-            <a:r>
-              <a:t> Matrix</a:t>
+              <a:t>Confusion Matrix</a:t>
             </a:r>
           </a:p>
         </p:txBody>
@@ -4937,18 +5134,36 @@
         </p:nvGraphicFramePr>
         <p:xfrm>
           <a:off x="3154261" y="2245353"/>
-          <a:ext cx="6075891" cy="3556333"/>
+          <a:ext cx="6075890" cy="3556332"/>
         </p:xfrm>
-        <a:graphic xmlns:a="http://schemas.openxmlformats.org/drawingml/2006/main">
+        <a:graphic>
           <a:graphicData uri="http://schemas.openxmlformats.org/drawingml/2006/table">
             <a:tbl>
-              <a:tblPr firstCol="0" firstRow="0" lastCol="0" lastRow="0" bandCol="0" bandRow="1" rtl="0">
+              <a:tblPr bandRow="1">
                 <a:tableStyleId>{4C3C2611-4C71-4FC5-86AE-919BDF0F9419}</a:tableStyleId>
               </a:tblPr>
               <a:tblGrid>
-                <a:gridCol w="1779642"/>
-                <a:gridCol w="2148124"/>
-                <a:gridCol w="2148124"/>
+                <a:gridCol w="1779642">
+                  <a:extLst>
+                    <a:ext uri="{9D8B030D-6E8A-4147-A177-3AD203B41FA5}">
+                      <a16:colId xmlns:a16="http://schemas.microsoft.com/office/drawing/2014/main" val="20000"/>
+                    </a:ext>
+                  </a:extLst>
+                </a:gridCol>
+                <a:gridCol w="2148124">
+                  <a:extLst>
+                    <a:ext uri="{9D8B030D-6E8A-4147-A177-3AD203B41FA5}">
+                      <a16:colId xmlns:a16="http://schemas.microsoft.com/office/drawing/2014/main" val="20001"/>
+                    </a:ext>
+                  </a:extLst>
+                </a:gridCol>
+                <a:gridCol w="2148124">
+                  <a:extLst>
+                    <a:ext uri="{9D8B030D-6E8A-4147-A177-3AD203B41FA5}">
+                      <a16:colId xmlns:a16="http://schemas.microsoft.com/office/drawing/2014/main" val="20002"/>
+                    </a:ext>
+                  </a:extLst>
+                </a:gridCol>
               </a:tblGrid>
               <a:tr h="720000">
                 <a:tc>
@@ -4959,9 +5174,10 @@
                       <a:pPr algn="ctr">
                         <a:defRPr sz="1800"/>
                       </a:pPr>
+                      <a:endParaRPr/>
                     </a:p>
                   </a:txBody>
-                  <a:tcPr marL="45720" marR="45720" marT="45720" marB="45720" anchor="ctr" anchorCtr="0" horzOverflow="overflow">
+                  <a:tcPr marL="45720" marR="45720" anchor="ctr" horzOverflow="overflow">
                     <a:solidFill>
                       <a:srgbClr val="E7E6E6"/>
                     </a:solidFill>
@@ -4980,7 +5196,7 @@
                       </a:r>
                     </a:p>
                   </a:txBody>
-                  <a:tcPr marL="45720" marR="45720" marT="45720" marB="45720" anchor="ctr" anchorCtr="0" horzOverflow="overflow">
+                  <a:tcPr marL="45720" marR="45720" anchor="ctr" horzOverflow="overflow">
                     <a:solidFill>
                       <a:srgbClr val="E7E6E6"/>
                     </a:solidFill>
@@ -4999,12 +5215,17 @@
                       </a:r>
                     </a:p>
                   </a:txBody>
-                  <a:tcPr marL="45720" marR="45720" marT="45720" marB="45720" anchor="ctr" anchorCtr="0" horzOverflow="overflow">
+                  <a:tcPr marL="45720" marR="45720" anchor="ctr" horzOverflow="overflow">
                     <a:solidFill>
                       <a:srgbClr val="E7E6E6"/>
                     </a:solidFill>
                   </a:tcPr>
                 </a:tc>
+                <a:extLst>
+                  <a:ext uri="{0D108BD9-81ED-4DB2-BD59-A6C34878D82A}">
+                    <a16:rowId xmlns:a16="http://schemas.microsoft.com/office/drawing/2014/main" val="10000"/>
+                  </a:ext>
+                </a:extLst>
               </a:tr>
               <a:tr h="1418166">
                 <a:tc>
@@ -5020,7 +5241,7 @@
                       </a:r>
                     </a:p>
                   </a:txBody>
-                  <a:tcPr marL="45720" marR="45720" marT="45720" marB="45720" anchor="ctr" anchorCtr="0" horzOverflow="overflow">
+                  <a:tcPr marL="45720" marR="45720" anchor="ctr" horzOverflow="overflow">
                     <a:solidFill>
                       <a:srgbClr val="E7E6E6"/>
                     </a:solidFill>
@@ -5040,7 +5261,7 @@
                       </a:r>
                     </a:p>
                   </a:txBody>
-                  <a:tcPr marL="45720" marR="45720" marT="45720" marB="45720" anchor="ctr" anchorCtr="0" horzOverflow="overflow">
+                  <a:tcPr marL="45720" marR="45720" anchor="ctr" horzOverflow="overflow">
                     <a:solidFill>
                       <a:srgbClr val="00B050"/>
                     </a:solidFill>
@@ -5060,12 +5281,17 @@
                       </a:r>
                     </a:p>
                   </a:txBody>
-                  <a:tcPr marL="45720" marR="45720" marT="45720" marB="45720" anchor="ctr" anchorCtr="0" horzOverflow="overflow">
+                  <a:tcPr marL="45720" marR="45720" anchor="ctr" horzOverflow="overflow">
                     <a:solidFill>
                       <a:srgbClr val="FF0000"/>
                     </a:solidFill>
                   </a:tcPr>
                 </a:tc>
+                <a:extLst>
+                  <a:ext uri="{0D108BD9-81ED-4DB2-BD59-A6C34878D82A}">
+                    <a16:rowId xmlns:a16="http://schemas.microsoft.com/office/drawing/2014/main" val="10001"/>
+                  </a:ext>
+                </a:extLst>
               </a:tr>
               <a:tr h="1418166">
                 <a:tc>
@@ -5089,7 +5315,7 @@
                       </a:r>
                     </a:p>
                   </a:txBody>
-                  <a:tcPr marL="45720" marR="45720" marT="45720" marB="45720" anchor="ctr" anchorCtr="0" horzOverflow="overflow">
+                  <a:tcPr marL="45720" marR="45720" anchor="ctr" horzOverflow="overflow">
                     <a:solidFill>
                       <a:srgbClr val="E7E6E6"/>
                     </a:solidFill>
@@ -5109,7 +5335,7 @@
                       </a:r>
                     </a:p>
                   </a:txBody>
-                  <a:tcPr marL="45720" marR="45720" marT="45720" marB="45720" anchor="ctr" anchorCtr="0" horzOverflow="overflow">
+                  <a:tcPr marL="45720" marR="45720" anchor="ctr" horzOverflow="overflow">
                     <a:solidFill>
                       <a:srgbClr val="FF0000"/>
                     </a:solidFill>
@@ -5129,12 +5355,17 @@
                       </a:r>
                     </a:p>
                   </a:txBody>
-                  <a:tcPr marL="45720" marR="45720" marT="45720" marB="45720" anchor="ctr" anchorCtr="0" horzOverflow="overflow">
+                  <a:tcPr marL="45720" marR="45720" anchor="ctr" horzOverflow="overflow">
                     <a:solidFill>
                       <a:srgbClr val="00B050"/>
                     </a:solidFill>
                   </a:tcPr>
                 </a:tc>
+                <a:extLst>
+                  <a:ext uri="{0D108BD9-81ED-4DB2-BD59-A6C34878D82A}">
+                    <a16:rowId xmlns:a16="http://schemas.microsoft.com/office/drawing/2014/main" val="10002"/>
+                  </a:ext>
+                </a:extLst>
               </a:tr>
             </a:tbl>
           </a:graphicData>
@@ -5143,7 +5374,9 @@
       <p:sp>
         <p:nvSpPr>
           <p:cNvPr id="181" name="Foliennummernplatzhalter 8"/>
-          <p:cNvSpPr txBox="1"/>
+          <p:cNvSpPr txBox="1">
+            <a:spLocks noGrp="1"/>
+          </p:cNvSpPr>
           <p:nvPr>
             <p:ph type="sldNum" sz="quarter" idx="2"/>
           </p:nvPr>
@@ -5158,7 +5391,7 @@
           </a:prstGeom>
           <a:extLst>
             <a:ext uri="{C572A759-6A51-4108-AA02-DFA0A04FC94B}">
-              <ma14:wrappingTextBoxFlag xmlns:ma14="http://schemas.microsoft.com/office/mac/drawingml/2011/main" val="1"/>
+              <ma14:wrappingTextBoxFlag xmlns:ma14="http://schemas.microsoft.com/office/mac/drawingml/2011/main" xmlns:a14="http://schemas.microsoft.com/office/drawing/2010/main" xmlns:m="http://schemas.openxmlformats.org/officeDocument/2006/math" xmlns="" val="1"/>
             </a:ext>
           </a:extLst>
         </p:spPr>
@@ -5166,8 +5399,10 @@
           <a:bodyPr/>
           <a:lstStyle/>
           <a:p>
-            <a:pPr/>
-            <a:fld id="{86CB4B4D-7CA3-9044-876B-883B54F8677D}" type="slidenum"/>
+            <a:fld id="{86CB4B4D-7CA3-9044-876B-883B54F8677D}" type="slidenum">
+              <a:t>17</a:t>
+            </a:fld>
+            <a:endParaRPr/>
           </a:p>
         </p:txBody>
       </p:sp>
@@ -5176,12 +5411,12 @@
   <p:clrMapOvr>
     <a:masterClrMapping/>
   </p:clrMapOvr>
-  <p:transition xmlns:p14="http://schemas.microsoft.com/office/powerpoint/2010/main" spd="med" advClick="1"/>
+  <p:transition spd="med"/>
 </p:sld>
 </file>
 
 <file path=ppt/slides/slide18.xml><?xml version="1.0" encoding="utf-8"?>
-<p:sld xmlns:a="http://schemas.openxmlformats.org/drawingml/2006/main" xmlns:r="http://schemas.openxmlformats.org/officeDocument/2006/relationships" xmlns:p="http://schemas.openxmlformats.org/presentationml/2006/main" xmlns:m="http://schemas.openxmlformats.org/officeDocument/2006/math" xmlns:a14="http://schemas.microsoft.com/office/drawing/2010/main" showMasterSp="1" showMasterPhAnim="1">
+<p:sld xmlns:a="http://schemas.openxmlformats.org/drawingml/2006/main" xmlns:r="http://schemas.openxmlformats.org/officeDocument/2006/relationships" xmlns:p="http://schemas.openxmlformats.org/presentationml/2006/main">
   <p:cSld>
     <p:spTree>
       <p:nvGrpSpPr>
@@ -5200,7 +5435,9 @@
       <p:sp>
         <p:nvSpPr>
           <p:cNvPr id="183" name="Titel 1"/>
-          <p:cNvSpPr txBox="1"/>
+          <p:cNvSpPr txBox="1">
+            <a:spLocks noGrp="1"/>
+          </p:cNvSpPr>
           <p:nvPr>
             <p:ph type="title"/>
           </p:nvPr>
@@ -5220,7 +5457,6 @@
             <a:lvl1pPr algn="ctr"/>
           </a:lstStyle>
           <a:p>
-            <a:pPr/>
             <a:r>
               <a:t>…compared to random</a:t>
             </a:r>
@@ -5230,7 +5466,9 @@
       <p:sp>
         <p:nvSpPr>
           <p:cNvPr id="184" name="Foliennummernplatzhalter 4"/>
-          <p:cNvSpPr txBox="1"/>
+          <p:cNvSpPr txBox="1">
+            <a:spLocks noGrp="1"/>
+          </p:cNvSpPr>
           <p:nvPr>
             <p:ph type="sldNum" sz="quarter" idx="2"/>
           </p:nvPr>
@@ -5245,7 +5483,7 @@
           </a:prstGeom>
           <a:extLst>
             <a:ext uri="{C572A759-6A51-4108-AA02-DFA0A04FC94B}">
-              <ma14:wrappingTextBoxFlag xmlns:ma14="http://schemas.microsoft.com/office/mac/drawingml/2011/main" val="1"/>
+              <ma14:wrappingTextBoxFlag xmlns:ma14="http://schemas.microsoft.com/office/mac/drawingml/2011/main" xmlns:a14="http://schemas.microsoft.com/office/drawing/2010/main" xmlns:m="http://schemas.openxmlformats.org/officeDocument/2006/math" xmlns="" val="1"/>
             </a:ext>
           </a:extLst>
         </p:spPr>
@@ -5253,8 +5491,10 @@
           <a:bodyPr/>
           <a:lstStyle/>
           <a:p>
-            <a:pPr/>
-            <a:fld id="{86CB4B4D-7CA3-9044-876B-883B54F8677D}" type="slidenum"/>
+            <a:fld id="{86CB4B4D-7CA3-9044-876B-883B54F8677D}" type="slidenum">
+              <a:t>18</a:t>
+            </a:fld>
+            <a:endParaRPr/>
           </a:p>
         </p:txBody>
       </p:sp>
@@ -5266,18 +5506,36 @@
         </p:nvGraphicFramePr>
         <p:xfrm>
           <a:off x="6172201" y="2529077"/>
-          <a:ext cx="4689763" cy="2944435"/>
+          <a:ext cx="4689762" cy="2944433"/>
         </p:xfrm>
-        <a:graphic xmlns:a="http://schemas.openxmlformats.org/drawingml/2006/main">
+        <a:graphic>
           <a:graphicData uri="http://schemas.openxmlformats.org/drawingml/2006/table">
             <a:tbl>
-              <a:tblPr firstCol="0" firstRow="0" lastCol="0" lastRow="0" bandCol="0" bandRow="1" rtl="0">
+              <a:tblPr bandRow="1">
                 <a:tableStyleId>{4C3C2611-4C71-4FC5-86AE-919BDF0F9419}</a:tableStyleId>
               </a:tblPr>
               <a:tblGrid>
-                <a:gridCol w="1563254"/>
-                <a:gridCol w="1563254"/>
-                <a:gridCol w="1563254"/>
+                <a:gridCol w="1563254">
+                  <a:extLst>
+                    <a:ext uri="{9D8B030D-6E8A-4147-A177-3AD203B41FA5}">
+                      <a16:colId xmlns:a16="http://schemas.microsoft.com/office/drawing/2014/main" val="20000"/>
+                    </a:ext>
+                  </a:extLst>
+                </a:gridCol>
+                <a:gridCol w="1563254">
+                  <a:extLst>
+                    <a:ext uri="{9D8B030D-6E8A-4147-A177-3AD203B41FA5}">
+                      <a16:colId xmlns:a16="http://schemas.microsoft.com/office/drawing/2014/main" val="20001"/>
+                    </a:ext>
+                  </a:extLst>
+                </a:gridCol>
+                <a:gridCol w="1563254">
+                  <a:extLst>
+                    <a:ext uri="{9D8B030D-6E8A-4147-A177-3AD203B41FA5}">
+                      <a16:colId xmlns:a16="http://schemas.microsoft.com/office/drawing/2014/main" val="20002"/>
+                    </a:ext>
+                  </a:extLst>
+                </a:gridCol>
               </a:tblGrid>
               <a:tr h="596039">
                 <a:tc>
@@ -5288,9 +5546,10 @@
                       <a:pPr algn="ctr">
                         <a:defRPr sz="1800"/>
                       </a:pPr>
+                      <a:endParaRPr/>
                     </a:p>
                   </a:txBody>
-                  <a:tcPr marL="45720" marR="45720" marT="45720" marB="45720" anchor="ctr" anchorCtr="0" horzOverflow="overflow">
+                  <a:tcPr marL="45720" marR="45720" anchor="ctr" horzOverflow="overflow">
                     <a:solidFill>
                       <a:srgbClr val="E7E6E6"/>
                     </a:solidFill>
@@ -5310,7 +5569,7 @@
                       </a:r>
                     </a:p>
                   </a:txBody>
-                  <a:tcPr marL="45720" marR="45720" marT="45720" marB="45720" anchor="ctr" anchorCtr="0" horzOverflow="overflow">
+                  <a:tcPr marL="45720" marR="45720" anchor="ctr" horzOverflow="overflow">
                     <a:solidFill>
                       <a:srgbClr val="E7E6E6"/>
                     </a:solidFill>
@@ -5330,12 +5589,17 @@
                       </a:r>
                     </a:p>
                   </a:txBody>
-                  <a:tcPr marL="45720" marR="45720" marT="45720" marB="45720" anchor="ctr" anchorCtr="0" horzOverflow="overflow">
+                  <a:tcPr marL="45720" marR="45720" anchor="ctr" horzOverflow="overflow">
                     <a:solidFill>
                       <a:srgbClr val="E7E6E6"/>
                     </a:solidFill>
                   </a:tcPr>
                 </a:tc>
+                <a:extLst>
+                  <a:ext uri="{0D108BD9-81ED-4DB2-BD59-A6C34878D82A}">
+                    <a16:rowId xmlns:a16="http://schemas.microsoft.com/office/drawing/2014/main" val="10000"/>
+                  </a:ext>
+                </a:extLst>
               </a:tr>
               <a:tr h="1174197">
                 <a:tc>
@@ -5352,7 +5616,7 @@
                       </a:r>
                     </a:p>
                   </a:txBody>
-                  <a:tcPr marL="45720" marR="45720" marT="45720" marB="45720" anchor="ctr" anchorCtr="0" horzOverflow="overflow">
+                  <a:tcPr marL="45720" marR="45720" anchor="ctr" horzOverflow="overflow">
                     <a:solidFill>
                       <a:srgbClr val="E7E6E6"/>
                     </a:solidFill>
@@ -5373,7 +5637,7 @@
                       </a:r>
                     </a:p>
                   </a:txBody>
-                  <a:tcPr marL="45720" marR="45720" marT="45720" marB="45720" anchor="ctr" anchorCtr="0" horzOverflow="overflow">
+                  <a:tcPr marL="45720" marR="45720" anchor="ctr" horzOverflow="overflow">
                     <a:solidFill>
                       <a:srgbClr val="00B050"/>
                     </a:solidFill>
@@ -5394,12 +5658,17 @@
                       </a:r>
                     </a:p>
                   </a:txBody>
-                  <a:tcPr marL="45720" marR="45720" marT="45720" marB="45720" anchor="ctr" anchorCtr="0" horzOverflow="overflow">
+                  <a:tcPr marL="45720" marR="45720" anchor="ctr" horzOverflow="overflow">
                     <a:solidFill>
                       <a:srgbClr val="FF0000"/>
                     </a:solidFill>
                   </a:tcPr>
                 </a:tc>
+                <a:extLst>
+                  <a:ext uri="{0D108BD9-81ED-4DB2-BD59-A6C34878D82A}">
+                    <a16:rowId xmlns:a16="http://schemas.microsoft.com/office/drawing/2014/main" val="10001"/>
+                  </a:ext>
+                </a:extLst>
               </a:tr>
               <a:tr h="1174197">
                 <a:tc>
@@ -5417,7 +5686,7 @@
                       </a:r>
                     </a:p>
                   </a:txBody>
-                  <a:tcPr marL="45720" marR="45720" marT="45720" marB="45720" anchor="ctr" anchorCtr="0" horzOverflow="overflow">
+                  <a:tcPr marL="45720" marR="45720" anchor="ctr" horzOverflow="overflow">
                     <a:solidFill>
                       <a:srgbClr val="E7E6E6"/>
                     </a:solidFill>
@@ -5438,7 +5707,7 @@
                       </a:r>
                     </a:p>
                   </a:txBody>
-                  <a:tcPr marL="45720" marR="45720" marT="45720" marB="45720" anchor="ctr" anchorCtr="0" horzOverflow="overflow">
+                  <a:tcPr marL="45720" marR="45720" anchor="ctr" horzOverflow="overflow">
                     <a:solidFill>
                       <a:srgbClr val="FF0000"/>
                     </a:solidFill>
@@ -5459,12 +5728,17 @@
                       </a:r>
                     </a:p>
                   </a:txBody>
-                  <a:tcPr marL="45720" marR="45720" marT="45720" marB="45720" anchor="ctr" anchorCtr="0" horzOverflow="overflow">
+                  <a:tcPr marL="45720" marR="45720" anchor="ctr" horzOverflow="overflow">
                     <a:solidFill>
                       <a:srgbClr val="00B050"/>
                     </a:solidFill>
                   </a:tcPr>
                 </a:tc>
+                <a:extLst>
+                  <a:ext uri="{0D108BD9-81ED-4DB2-BD59-A6C34878D82A}">
+                    <a16:rowId xmlns:a16="http://schemas.microsoft.com/office/drawing/2014/main" val="10002"/>
+                  </a:ext>
+                </a:extLst>
               </a:tr>
             </a:tbl>
           </a:graphicData>
@@ -5489,7 +5763,7 @@
           </a:ln>
           <a:extLst>
             <a:ext uri="{C572A759-6A51-4108-AA02-DFA0A04FC94B}">
-              <ma14:wrappingTextBoxFlag xmlns:ma14="http://schemas.microsoft.com/office/mac/drawingml/2011/main" val="1"/>
+              <ma14:wrappingTextBoxFlag xmlns:ma14="http://schemas.microsoft.com/office/mac/drawingml/2011/main" xmlns:a14="http://schemas.microsoft.com/office/drawing/2010/main" xmlns:m="http://schemas.openxmlformats.org/officeDocument/2006/math" xmlns="" val="1"/>
             </a:ext>
           </a:extLst>
         </p:spPr>
@@ -5501,7 +5775,6 @@
             <a:lvl1pPr algn="ctr"/>
           </a:lstStyle>
           <a:p>
-            <a:pPr/>
             <a:r>
               <a:t>Our Prediction</a:t>
             </a:r>
@@ -5527,7 +5800,7 @@
           </a:ln>
           <a:extLst>
             <a:ext uri="{C572A759-6A51-4108-AA02-DFA0A04FC94B}">
-              <ma14:wrappingTextBoxFlag xmlns:ma14="http://schemas.microsoft.com/office/mac/drawingml/2011/main" val="1"/>
+              <ma14:wrappingTextBoxFlag xmlns:ma14="http://schemas.microsoft.com/office/mac/drawingml/2011/main" xmlns:a14="http://schemas.microsoft.com/office/drawing/2010/main" xmlns:m="http://schemas.openxmlformats.org/officeDocument/2006/math" xmlns="" val="1"/>
             </a:ext>
           </a:extLst>
         </p:spPr>
@@ -5539,7 +5812,6 @@
             <a:lvl1pPr algn="ctr"/>
           </a:lstStyle>
           <a:p>
-            <a:pPr/>
             <a:r>
               <a:t>Random Prediction</a:t>
             </a:r>
@@ -5554,18 +5826,36 @@
         </p:nvGraphicFramePr>
         <p:xfrm>
           <a:off x="880961" y="2522727"/>
-          <a:ext cx="4715163" cy="2969835"/>
+          <a:ext cx="4702461" cy="2957132"/>
         </p:xfrm>
-        <a:graphic xmlns:a="http://schemas.openxmlformats.org/drawingml/2006/main">
+        <a:graphic>
           <a:graphicData uri="http://schemas.openxmlformats.org/drawingml/2006/table">
             <a:tbl>
-              <a:tblPr firstCol="0" firstRow="0" lastCol="0" lastRow="0" bandCol="0" bandRow="1" rtl="0">
+              <a:tblPr bandRow="1">
                 <a:tableStyleId>{4C3C2611-4C71-4FC5-86AE-919BDF0F9419}</a:tableStyleId>
               </a:tblPr>
               <a:tblGrid>
-                <a:gridCol w="1567487"/>
-                <a:gridCol w="1567487"/>
-                <a:gridCol w="1567487"/>
+                <a:gridCol w="1567487">
+                  <a:extLst>
+                    <a:ext uri="{9D8B030D-6E8A-4147-A177-3AD203B41FA5}">
+                      <a16:colId xmlns:a16="http://schemas.microsoft.com/office/drawing/2014/main" val="20000"/>
+                    </a:ext>
+                  </a:extLst>
+                </a:gridCol>
+                <a:gridCol w="1567487">
+                  <a:extLst>
+                    <a:ext uri="{9D8B030D-6E8A-4147-A177-3AD203B41FA5}">
+                      <a16:colId xmlns:a16="http://schemas.microsoft.com/office/drawing/2014/main" val="20001"/>
+                    </a:ext>
+                  </a:extLst>
+                </a:gridCol>
+                <a:gridCol w="1567487">
+                  <a:extLst>
+                    <a:ext uri="{9D8B030D-6E8A-4147-A177-3AD203B41FA5}">
+                      <a16:colId xmlns:a16="http://schemas.microsoft.com/office/drawing/2014/main" val="20002"/>
+                    </a:ext>
+                  </a:extLst>
+                </a:gridCol>
               </a:tblGrid>
               <a:tr h="598688">
                 <a:tc>
@@ -5576,9 +5866,10 @@
                       <a:pPr algn="ctr">
                         <a:defRPr sz="1600"/>
                       </a:pPr>
+                      <a:endParaRPr/>
                     </a:p>
                   </a:txBody>
-                  <a:tcPr marL="45720" marR="45720" marT="45720" marB="45720" anchor="ctr" anchorCtr="0" horzOverflow="overflow">
+                  <a:tcPr marL="45720" marR="45720" anchor="ctr" horzOverflow="overflow">
                     <a:solidFill>
                       <a:srgbClr val="E7E6E6"/>
                     </a:solidFill>
@@ -5598,7 +5889,7 @@
                       </a:r>
                     </a:p>
                   </a:txBody>
-                  <a:tcPr marL="45720" marR="45720" marT="45720" marB="45720" anchor="ctr" anchorCtr="0" horzOverflow="overflow">
+                  <a:tcPr marL="45720" marR="45720" anchor="ctr" horzOverflow="overflow">
                     <a:solidFill>
                       <a:srgbClr val="E7E6E6"/>
                     </a:solidFill>
@@ -5618,12 +5909,17 @@
                       </a:r>
                     </a:p>
                   </a:txBody>
-                  <a:tcPr marL="45720" marR="45720" marT="45720" marB="45720" anchor="ctr" anchorCtr="0" horzOverflow="overflow">
+                  <a:tcPr marL="45720" marR="45720" anchor="ctr" horzOverflow="overflow">
                     <a:solidFill>
                       <a:srgbClr val="E7E6E6"/>
                     </a:solidFill>
                   </a:tcPr>
                 </a:tc>
+                <a:extLst>
+                  <a:ext uri="{0D108BD9-81ED-4DB2-BD59-A6C34878D82A}">
+                    <a16:rowId xmlns:a16="http://schemas.microsoft.com/office/drawing/2014/main" val="10000"/>
+                  </a:ext>
+                </a:extLst>
               </a:tr>
               <a:tr h="1179222">
                 <a:tc>
@@ -5640,7 +5936,7 @@
                       </a:r>
                     </a:p>
                   </a:txBody>
-                  <a:tcPr marL="45720" marR="45720" marT="45720" marB="45720" anchor="ctr" anchorCtr="0" horzOverflow="overflow">
+                  <a:tcPr marL="45720" marR="45720" anchor="ctr" horzOverflow="overflow">
                     <a:solidFill>
                       <a:srgbClr val="E7E6E6"/>
                     </a:solidFill>
@@ -5661,7 +5957,7 @@
                       </a:r>
                     </a:p>
                   </a:txBody>
-                  <a:tcPr marL="45720" marR="45720" marT="45720" marB="45720" anchor="ctr" anchorCtr="0" horzOverflow="overflow">
+                  <a:tcPr marL="45720" marR="45720" anchor="ctr" horzOverflow="overflow">
                     <a:solidFill>
                       <a:srgbClr val="00B050"/>
                     </a:solidFill>
@@ -5682,12 +5978,17 @@
                       </a:r>
                     </a:p>
                   </a:txBody>
-                  <a:tcPr marL="45720" marR="45720" marT="45720" marB="45720" anchor="ctr" anchorCtr="0" horzOverflow="overflow">
+                  <a:tcPr marL="45720" marR="45720" anchor="ctr" horzOverflow="overflow">
                     <a:solidFill>
                       <a:srgbClr val="FF0000"/>
                     </a:solidFill>
                   </a:tcPr>
                 </a:tc>
+                <a:extLst>
+                  <a:ext uri="{0D108BD9-81ED-4DB2-BD59-A6C34878D82A}">
+                    <a16:rowId xmlns:a16="http://schemas.microsoft.com/office/drawing/2014/main" val="10001"/>
+                  </a:ext>
+                </a:extLst>
               </a:tr>
               <a:tr h="1179222">
                 <a:tc>
@@ -5705,7 +6006,7 @@
                       </a:r>
                     </a:p>
                   </a:txBody>
-                  <a:tcPr marL="45720" marR="45720" marT="45720" marB="45720" anchor="ctr" anchorCtr="0" horzOverflow="overflow">
+                  <a:tcPr marL="45720" marR="45720" anchor="ctr" horzOverflow="overflow">
                     <a:solidFill>
                       <a:srgbClr val="E7E6E6"/>
                     </a:solidFill>
@@ -5726,7 +6027,7 @@
                       </a:r>
                     </a:p>
                   </a:txBody>
-                  <a:tcPr marL="45720" marR="45720" marT="45720" marB="45720" anchor="ctr" anchorCtr="0" horzOverflow="overflow">
+                  <a:tcPr marL="45720" marR="45720" anchor="ctr" horzOverflow="overflow">
                     <a:solidFill>
                       <a:srgbClr val="FF0000"/>
                     </a:solidFill>
@@ -5747,12 +6048,17 @@
                       </a:r>
                     </a:p>
                   </a:txBody>
-                  <a:tcPr marL="45720" marR="45720" marT="45720" marB="45720" anchor="ctr" anchorCtr="0" horzOverflow="overflow">
+                  <a:tcPr marL="45720" marR="45720" anchor="ctr" horzOverflow="overflow">
                     <a:solidFill>
                       <a:srgbClr val="00B050"/>
                     </a:solidFill>
                   </a:tcPr>
                 </a:tc>
+                <a:extLst>
+                  <a:ext uri="{0D108BD9-81ED-4DB2-BD59-A6C34878D82A}">
+                    <a16:rowId xmlns:a16="http://schemas.microsoft.com/office/drawing/2014/main" val="10002"/>
+                  </a:ext>
+                </a:extLst>
               </a:tr>
             </a:tbl>
           </a:graphicData>
@@ -5763,12 +6069,12 @@
   <p:clrMapOvr>
     <a:masterClrMapping/>
   </p:clrMapOvr>
-  <p:transition xmlns:p14="http://schemas.microsoft.com/office/powerpoint/2010/main" spd="med" advClick="1"/>
+  <p:transition spd="med"/>
 </p:sld>
 </file>
 
 <file path=ppt/slides/slide19.xml><?xml version="1.0" encoding="utf-8"?>
-<p:sld xmlns:a="http://schemas.openxmlformats.org/drawingml/2006/main" xmlns:r="http://schemas.openxmlformats.org/officeDocument/2006/relationships" xmlns:p="http://schemas.openxmlformats.org/presentationml/2006/main" xmlns:m="http://schemas.openxmlformats.org/officeDocument/2006/math" xmlns:a14="http://schemas.microsoft.com/office/drawing/2010/main" showMasterSp="1" showMasterPhAnim="1">
+<p:sld xmlns:a="http://schemas.openxmlformats.org/drawingml/2006/main" xmlns:r="http://schemas.openxmlformats.org/officeDocument/2006/relationships" xmlns:p="http://schemas.openxmlformats.org/presentationml/2006/main">
   <p:cSld>
     <p:spTree>
       <p:nvGrpSpPr>
@@ -5787,7 +6093,9 @@
       <p:sp>
         <p:nvSpPr>
           <p:cNvPr id="190" name="Titel 1"/>
-          <p:cNvSpPr txBox="1"/>
+          <p:cNvSpPr txBox="1">
+            <a:spLocks noGrp="1"/>
+          </p:cNvSpPr>
           <p:nvPr>
             <p:ph type="title"/>
           </p:nvPr>
@@ -5807,7 +6115,6 @@
             <a:lvl1pPr algn="ctr"/>
           </a:lstStyle>
           <a:p>
-            <a:pPr/>
             <a:r>
               <a:t>Performance</a:t>
             </a:r>
@@ -5817,7 +6124,9 @@
       <p:sp>
         <p:nvSpPr>
           <p:cNvPr id="191" name="Inhaltsplatzhalter 2"/>
-          <p:cNvSpPr txBox="1"/>
+          <p:cNvSpPr txBox="1">
+            <a:spLocks noGrp="1"/>
+          </p:cNvSpPr>
           <p:nvPr>
             <p:ph type="body" idx="1"/>
           </p:nvPr>
@@ -5835,28 +6144,26 @@
           <a:bodyPr/>
           <a:lstStyle/>
           <a:p>
-            <a:pPr/>
             <a:r>
               <a:t>Imbalanced Dataset =&gt; Matthews correlation coefficient</a:t>
             </a:r>
           </a:p>
           <a:p>
-            <a:pPr/>
-          </a:p>
-          <a:p>
-            <a:pPr/>
-          </a:p>
-          <a:p>
-            <a:pPr/>
-          </a:p>
-          <a:p>
-            <a:pPr/>
+            <a:endParaRPr/>
+          </a:p>
+          <a:p>
+            <a:endParaRPr/>
+          </a:p>
+          <a:p>
+            <a:endParaRPr/>
+          </a:p>
+          <a:p>
             <a:r>
               <a:t>Other measures:</a:t>
             </a:r>
           </a:p>
           <a:p>
-            <a:pPr lvl="1" marL="685800" indent="-228600">
+            <a:pPr marL="685800" lvl="1" indent="-228600">
               <a:spcBef>
                 <a:spcPts val="500"/>
               </a:spcBef>
@@ -5867,7 +6174,7 @@
             </a:r>
           </a:p>
           <a:p>
-            <a:pPr lvl="1" marL="685800" indent="-228600">
+            <a:pPr marL="685800" lvl="1" indent="-228600">
               <a:spcBef>
                 <a:spcPts val="500"/>
               </a:spcBef>
@@ -5878,7 +6185,7 @@
             </a:r>
           </a:p>
           <a:p>
-            <a:pPr lvl="1" marL="685800" indent="-228600">
+            <a:pPr marL="685800" lvl="1" indent="-228600">
               <a:spcBef>
                 <a:spcPts val="500"/>
               </a:spcBef>
@@ -5893,7 +6200,9 @@
       <p:sp>
         <p:nvSpPr>
           <p:cNvPr id="192" name="Foliennummernplatzhalter 3"/>
-          <p:cNvSpPr txBox="1"/>
+          <p:cNvSpPr txBox="1">
+            <a:spLocks noGrp="1"/>
+          </p:cNvSpPr>
           <p:nvPr>
             <p:ph type="sldNum" sz="quarter" idx="2"/>
           </p:nvPr>
@@ -5908,7 +6217,7 @@
           </a:prstGeom>
           <a:extLst>
             <a:ext uri="{C572A759-6A51-4108-AA02-DFA0A04FC94B}">
-              <ma14:wrappingTextBoxFlag xmlns:ma14="http://schemas.microsoft.com/office/mac/drawingml/2011/main" val="1"/>
+              <ma14:wrappingTextBoxFlag xmlns:ma14="http://schemas.microsoft.com/office/mac/drawingml/2011/main" xmlns:a14="http://schemas.microsoft.com/office/drawing/2010/main" xmlns:m="http://schemas.openxmlformats.org/officeDocument/2006/math" xmlns="" val="1"/>
             </a:ext>
           </a:extLst>
         </p:spPr>
@@ -5916,8 +6225,10 @@
           <a:bodyPr/>
           <a:lstStyle/>
           <a:p>
-            <a:pPr/>
-            <a:fld id="{86CB4B4D-7CA3-9044-876B-883B54F8677D}" type="slidenum"/>
+            <a:fld id="{86CB4B4D-7CA3-9044-876B-883B54F8677D}" type="slidenum">
+              <a:t>19</a:t>
+            </a:fld>
+            <a:endParaRPr/>
           </a:p>
         </p:txBody>
       </p:sp>
@@ -5930,9 +6241,7 @@
           <p:nvPr/>
         </p:nvPicPr>
         <p:blipFill>
-          <a:blip r:embed="rId2">
-            <a:extLst/>
-          </a:blip>
+          <a:blip r:embed="rId2"/>
           <a:stretch>
             <a:fillRect/>
           </a:stretch>
@@ -5955,12 +6264,12 @@
   <p:clrMapOvr>
     <a:masterClrMapping/>
   </p:clrMapOvr>
-  <p:transition xmlns:p14="http://schemas.microsoft.com/office/powerpoint/2010/main" spd="med" advClick="1"/>
+  <p:transition spd="med"/>
 </p:sld>
 </file>
 
 <file path=ppt/slides/slide2.xml><?xml version="1.0" encoding="utf-8"?>
-<p:sld xmlns:a="http://schemas.openxmlformats.org/drawingml/2006/main" xmlns:r="http://schemas.openxmlformats.org/officeDocument/2006/relationships" xmlns:p="http://schemas.openxmlformats.org/presentationml/2006/main" xmlns:m="http://schemas.openxmlformats.org/officeDocument/2006/math" xmlns:a14="http://schemas.microsoft.com/office/drawing/2010/main" showMasterSp="1" showMasterPhAnim="1">
+<p:sld xmlns:a="http://schemas.openxmlformats.org/drawingml/2006/main" xmlns:r="http://schemas.openxmlformats.org/officeDocument/2006/relationships" xmlns:p="http://schemas.openxmlformats.org/presentationml/2006/main">
   <p:cSld>
     <p:spTree>
       <p:nvGrpSpPr>
@@ -5979,7 +6288,9 @@
       <p:sp>
         <p:nvSpPr>
           <p:cNvPr id="104" name="Titel 1"/>
-          <p:cNvSpPr txBox="1"/>
+          <p:cNvSpPr txBox="1">
+            <a:spLocks noGrp="1"/>
+          </p:cNvSpPr>
           <p:nvPr>
             <p:ph type="title"/>
           </p:nvPr>
@@ -5999,7 +6310,6 @@
             <a:lvl1pPr algn="ctr"/>
           </a:lstStyle>
           <a:p>
-            <a:pPr/>
             <a:r>
               <a:t>Outline</a:t>
             </a:r>
@@ -6009,7 +6319,9 @@
       <p:sp>
         <p:nvSpPr>
           <p:cNvPr id="105" name="Inhaltsplatzhalter 2"/>
-          <p:cNvSpPr txBox="1"/>
+          <p:cNvSpPr txBox="1">
+            <a:spLocks noGrp="1"/>
+          </p:cNvSpPr>
           <p:nvPr>
             <p:ph type="body" idx="1"/>
           </p:nvPr>
@@ -6044,6 +6356,7 @@
               </a:spcBef>
               <a:defRPr sz="2688"/>
             </a:pPr>
+            <a:endParaRPr/>
           </a:p>
           <a:p>
             <a:pPr marL="219455" indent="-219455" defTabSz="877823">
@@ -6063,6 +6376,7 @@
               </a:spcBef>
               <a:defRPr sz="2688"/>
             </a:pPr>
+            <a:endParaRPr/>
           </a:p>
           <a:p>
             <a:pPr marL="219455" indent="-219455" defTabSz="877823">
@@ -6082,6 +6396,7 @@
               </a:spcBef>
               <a:defRPr sz="2688"/>
             </a:pPr>
+            <a:endParaRPr/>
           </a:p>
           <a:p>
             <a:pPr marL="219455" indent="-219455" defTabSz="877823">
@@ -6101,6 +6416,7 @@
               </a:spcBef>
               <a:defRPr sz="2688"/>
             </a:pPr>
+            <a:endParaRPr/>
           </a:p>
           <a:p>
             <a:pPr marL="219455" indent="-219455" defTabSz="877823">
@@ -6118,7 +6434,9 @@
       <p:sp>
         <p:nvSpPr>
           <p:cNvPr id="106" name="Foliennummernplatzhalter 3"/>
-          <p:cNvSpPr txBox="1"/>
+          <p:cNvSpPr txBox="1">
+            <a:spLocks noGrp="1"/>
+          </p:cNvSpPr>
           <p:nvPr>
             <p:ph type="sldNum" sz="quarter" idx="2"/>
           </p:nvPr>
@@ -6133,7 +6451,7 @@
           </a:prstGeom>
           <a:extLst>
             <a:ext uri="{C572A759-6A51-4108-AA02-DFA0A04FC94B}">
-              <ma14:wrappingTextBoxFlag xmlns:ma14="http://schemas.microsoft.com/office/mac/drawingml/2011/main" val="1"/>
+              <ma14:wrappingTextBoxFlag xmlns:ma14="http://schemas.microsoft.com/office/mac/drawingml/2011/main" xmlns:a14="http://schemas.microsoft.com/office/drawing/2010/main" xmlns:m="http://schemas.openxmlformats.org/officeDocument/2006/math" xmlns="" val="1"/>
             </a:ext>
           </a:extLst>
         </p:spPr>
@@ -6141,8 +6459,10 @@
           <a:bodyPr/>
           <a:lstStyle/>
           <a:p>
-            <a:pPr/>
-            <a:fld id="{86CB4B4D-7CA3-9044-876B-883B54F8677D}" type="slidenum"/>
+            <a:fld id="{86CB4B4D-7CA3-9044-876B-883B54F8677D}" type="slidenum">
+              <a:t>2</a:t>
+            </a:fld>
+            <a:endParaRPr/>
           </a:p>
         </p:txBody>
       </p:sp>
@@ -6151,12 +6471,12 @@
   <p:clrMapOvr>
     <a:masterClrMapping/>
   </p:clrMapOvr>
-  <p:transition xmlns:p14="http://schemas.microsoft.com/office/powerpoint/2010/main" spd="med" advClick="1"/>
+  <p:transition spd="med"/>
 </p:sld>
 </file>
 
 <file path=ppt/slides/slide20.xml><?xml version="1.0" encoding="utf-8"?>
-<p:sld xmlns:a="http://schemas.openxmlformats.org/drawingml/2006/main" xmlns:r="http://schemas.openxmlformats.org/officeDocument/2006/relationships" xmlns:p="http://schemas.openxmlformats.org/presentationml/2006/main" xmlns:m="http://schemas.openxmlformats.org/officeDocument/2006/math" xmlns:a14="http://schemas.microsoft.com/office/drawing/2010/main" showMasterSp="1" showMasterPhAnim="1">
+<p:sld xmlns:a="http://schemas.openxmlformats.org/drawingml/2006/main" xmlns:r="http://schemas.openxmlformats.org/officeDocument/2006/relationships" xmlns:p="http://schemas.openxmlformats.org/presentationml/2006/main">
   <p:cSld>
     <p:spTree>
       <p:nvGrpSpPr>
@@ -6175,7 +6495,9 @@
       <p:sp>
         <p:nvSpPr>
           <p:cNvPr id="195" name="Titel 1"/>
-          <p:cNvSpPr txBox="1"/>
+          <p:cNvSpPr txBox="1">
+            <a:spLocks noGrp="1"/>
+          </p:cNvSpPr>
           <p:nvPr>
             <p:ph type="title"/>
           </p:nvPr>
@@ -6195,7 +6517,6 @@
             <a:lvl1pPr algn="ctr"/>
           </a:lstStyle>
           <a:p>
-            <a:pPr/>
             <a:r>
               <a:t>Performance</a:t>
             </a:r>
@@ -6205,7 +6526,9 @@
       <p:sp>
         <p:nvSpPr>
           <p:cNvPr id="196" name="Inhaltsplatzhalter 4"/>
-          <p:cNvSpPr txBox="1"/>
+          <p:cNvSpPr txBox="1">
+            <a:spLocks noGrp="1"/>
+          </p:cNvSpPr>
           <p:nvPr>
             <p:ph type="body" sz="half" idx="1"/>
           </p:nvPr>
@@ -6237,42 +6560,29 @@
               <a:buSzTx/>
               <a:buNone/>
             </a:pPr>
-          </a:p>
-          <a:p>
-            <a:pPr/>
+            <a:endParaRPr/>
+          </a:p>
+          <a:p>
             <a:r>
               <a:t>MCC: 19% ± 1% </a:t>
             </a:r>
           </a:p>
           <a:p>
-            <a:pPr/>
             <a:r>
               <a:t>F1-score: 19% ± 1%</a:t>
             </a:r>
           </a:p>
           <a:p>
-            <a:pPr/>
             <a:r>
               <a:t>Precision: 40% ± 2%</a:t>
             </a:r>
           </a:p>
           <a:p>
-            <a:pPr/>
-            <a:r>
-              <a:t>Recall: </a:t>
-            </a:r>
-            <a:r>
-              <a:t>13.4% </a:t>
-            </a:r>
-            <a:r>
-              <a:t>± </a:t>
-            </a:r>
-            <a:r>
-              <a:t>0.7%</a:t>
-            </a:r>
-          </a:p>
-          <a:p>
-            <a:pPr/>
+            <a:r>
+              <a:t>Recall: 13.4% ± 0.7%</a:t>
+            </a:r>
+          </a:p>
+          <a:p>
             <a:r>
               <a:t>Coverage: 1</a:t>
             </a:r>
@@ -6298,13 +6608,13 @@
           </a:ln>
           <a:extLst>
             <a:ext uri="{C572A759-6A51-4108-AA02-DFA0A04FC94B}">
-              <ma14:wrappingTextBoxFlag xmlns:ma14="http://schemas.microsoft.com/office/mac/drawingml/2011/main" val="1"/>
+              <ma14:wrappingTextBoxFlag xmlns:ma14="http://schemas.microsoft.com/office/mac/drawingml/2011/main" xmlns:a14="http://schemas.microsoft.com/office/drawing/2010/main" xmlns:m="http://schemas.openxmlformats.org/officeDocument/2006/math" xmlns="" val="1"/>
             </a:ext>
           </a:extLst>
         </p:spPr>
         <p:txBody>
           <a:bodyPr lIns="45719" rIns="45719">
-            <a:normAutofit fontScale="100000" lnSpcReduction="0"/>
+            <a:normAutofit/>
           </a:bodyPr>
           <a:lstStyle/>
           <a:p>
@@ -6315,7 +6625,7 @@
               <a:spcBef>
                 <a:spcPts val="1000"/>
               </a:spcBef>
-              <a:defRPr b="1" sz="2800"/>
+              <a:defRPr sz="2800" b="1"/>
             </a:pPr>
             <a:r>
               <a:t>Testset:</a:t>
@@ -6334,6 +6644,7 @@
               <a:buChar char="•"/>
               <a:defRPr sz="2800"/>
             </a:pPr>
+            <a:endParaRPr/>
           </a:p>
           <a:p>
             <a:pPr marL="228600" indent="-228600">
@@ -6425,7 +6736,9 @@
       <p:sp>
         <p:nvSpPr>
           <p:cNvPr id="198" name="Foliennummernplatzhalter 3"/>
-          <p:cNvSpPr txBox="1"/>
+          <p:cNvSpPr txBox="1">
+            <a:spLocks noGrp="1"/>
+          </p:cNvSpPr>
           <p:nvPr>
             <p:ph type="sldNum" sz="quarter" idx="2"/>
           </p:nvPr>
@@ -6440,7 +6753,7 @@
           </a:prstGeom>
           <a:extLst>
             <a:ext uri="{C572A759-6A51-4108-AA02-DFA0A04FC94B}">
-              <ma14:wrappingTextBoxFlag xmlns:ma14="http://schemas.microsoft.com/office/mac/drawingml/2011/main" val="1"/>
+              <ma14:wrappingTextBoxFlag xmlns:ma14="http://schemas.microsoft.com/office/mac/drawingml/2011/main" xmlns:a14="http://schemas.microsoft.com/office/drawing/2010/main" xmlns:m="http://schemas.openxmlformats.org/officeDocument/2006/math" xmlns="" val="1"/>
             </a:ext>
           </a:extLst>
         </p:spPr>
@@ -6448,8 +6761,10 @@
           <a:bodyPr/>
           <a:lstStyle/>
           <a:p>
-            <a:pPr/>
-            <a:fld id="{86CB4B4D-7CA3-9044-876B-883B54F8677D}" type="slidenum"/>
+            <a:fld id="{86CB4B4D-7CA3-9044-876B-883B54F8677D}" type="slidenum">
+              <a:t>20</a:t>
+            </a:fld>
+            <a:endParaRPr/>
           </a:p>
         </p:txBody>
       </p:sp>
@@ -6458,12 +6773,12 @@
   <p:clrMapOvr>
     <a:masterClrMapping/>
   </p:clrMapOvr>
-  <p:transition xmlns:p14="http://schemas.microsoft.com/office/powerpoint/2010/main" spd="med" advClick="1"/>
+  <p:transition spd="med"/>
 </p:sld>
 </file>
 
 <file path=ppt/slides/slide21.xml><?xml version="1.0" encoding="utf-8"?>
-<p:sld xmlns:a="http://schemas.openxmlformats.org/drawingml/2006/main" xmlns:r="http://schemas.openxmlformats.org/officeDocument/2006/relationships" xmlns:p="http://schemas.openxmlformats.org/presentationml/2006/main" xmlns:m="http://schemas.openxmlformats.org/officeDocument/2006/math" xmlns:a14="http://schemas.microsoft.com/office/drawing/2010/main" showMasterSp="1" showMasterPhAnim="1">
+<p:sld xmlns:a="http://schemas.openxmlformats.org/drawingml/2006/main" xmlns:r="http://schemas.openxmlformats.org/officeDocument/2006/relationships" xmlns:p="http://schemas.openxmlformats.org/presentationml/2006/main" show="0">
   <p:cSld>
     <p:spTree>
       <p:nvGrpSpPr>
@@ -6488,9 +6803,7 @@
           <p:nvPr/>
         </p:nvPicPr>
         <p:blipFill>
-          <a:blip r:embed="rId2">
-            <a:extLst/>
-          </a:blip>
+          <a:blip r:embed="rId2"/>
           <a:stretch>
             <a:fillRect/>
           </a:stretch>
@@ -6511,7 +6824,9 @@
       <p:sp>
         <p:nvSpPr>
           <p:cNvPr id="201" name="Slide Number Placeholder 4"/>
-          <p:cNvSpPr txBox="1"/>
+          <p:cNvSpPr txBox="1">
+            <a:spLocks noGrp="1"/>
+          </p:cNvSpPr>
           <p:nvPr>
             <p:ph type="sldNum" sz="quarter" idx="2"/>
           </p:nvPr>
@@ -6526,7 +6841,7 @@
           </a:prstGeom>
           <a:extLst>
             <a:ext uri="{C572A759-6A51-4108-AA02-DFA0A04FC94B}">
-              <ma14:wrappingTextBoxFlag xmlns:ma14="http://schemas.microsoft.com/office/mac/drawingml/2011/main" val="1"/>
+              <ma14:wrappingTextBoxFlag xmlns:ma14="http://schemas.microsoft.com/office/mac/drawingml/2011/main" xmlns:a14="http://schemas.microsoft.com/office/drawing/2010/main" xmlns:m="http://schemas.openxmlformats.org/officeDocument/2006/math" xmlns="" val="1"/>
             </a:ext>
           </a:extLst>
         </p:spPr>
@@ -6534,15 +6849,19 @@
           <a:bodyPr/>
           <a:lstStyle/>
           <a:p>
-            <a:pPr/>
-            <a:fld id="{86CB4B4D-7CA3-9044-876B-883B54F8677D}" type="slidenum"/>
+            <a:fld id="{86CB4B4D-7CA3-9044-876B-883B54F8677D}" type="slidenum">
+              <a:t>21</a:t>
+            </a:fld>
+            <a:endParaRPr/>
           </a:p>
         </p:txBody>
       </p:sp>
       <p:sp>
         <p:nvSpPr>
           <p:cNvPr id="202" name="Title 1"/>
-          <p:cNvSpPr txBox="1"/>
+          <p:cNvSpPr txBox="1">
+            <a:spLocks noGrp="1"/>
+          </p:cNvSpPr>
           <p:nvPr>
             <p:ph type="title"/>
           </p:nvPr>
@@ -6562,7 +6881,6 @@
             <a:lvl1pPr algn="ctr"/>
           </a:lstStyle>
           <a:p>
-            <a:pPr/>
             <a:r>
               <a:t>Cutoff Distribution</a:t>
             </a:r>
@@ -6574,12 +6892,12 @@
   <p:clrMapOvr>
     <a:masterClrMapping/>
   </p:clrMapOvr>
-  <p:transition xmlns:p14="http://schemas.microsoft.com/office/powerpoint/2010/main" spd="med" advClick="1"/>
+  <p:transition spd="med"/>
 </p:sld>
 </file>
 
 <file path=ppt/slides/slide22.xml><?xml version="1.0" encoding="utf-8"?>
-<p:sld xmlns:a="http://schemas.openxmlformats.org/drawingml/2006/main" xmlns:r="http://schemas.openxmlformats.org/officeDocument/2006/relationships" xmlns:p="http://schemas.openxmlformats.org/presentationml/2006/main" xmlns:m="http://schemas.openxmlformats.org/officeDocument/2006/math" xmlns:a14="http://schemas.microsoft.com/office/drawing/2010/main" showMasterSp="1" showMasterPhAnim="1">
+<p:sld xmlns:a="http://schemas.openxmlformats.org/drawingml/2006/main" xmlns:r="http://schemas.openxmlformats.org/officeDocument/2006/relationships" xmlns:p="http://schemas.openxmlformats.org/presentationml/2006/main">
   <p:cSld>
     <p:spTree>
       <p:nvGrpSpPr>
@@ -6598,7 +6916,9 @@
       <p:sp>
         <p:nvSpPr>
           <p:cNvPr id="204" name="Foliennummernplatzhalter 3"/>
-          <p:cNvSpPr txBox="1"/>
+          <p:cNvSpPr txBox="1">
+            <a:spLocks noGrp="1"/>
+          </p:cNvSpPr>
           <p:nvPr>
             <p:ph type="sldNum" sz="quarter" idx="2"/>
           </p:nvPr>
@@ -6613,7 +6933,7 @@
           </a:prstGeom>
           <a:extLst>
             <a:ext uri="{C572A759-6A51-4108-AA02-DFA0A04FC94B}">
-              <ma14:wrappingTextBoxFlag xmlns:ma14="http://schemas.microsoft.com/office/mac/drawingml/2011/main" val="1"/>
+              <ma14:wrappingTextBoxFlag xmlns:ma14="http://schemas.microsoft.com/office/mac/drawingml/2011/main" xmlns:a14="http://schemas.microsoft.com/office/drawing/2010/main" xmlns:m="http://schemas.openxmlformats.org/officeDocument/2006/math" xmlns="" val="1"/>
             </a:ext>
           </a:extLst>
         </p:spPr>
@@ -6621,8 +6941,10 @@
           <a:bodyPr/>
           <a:lstStyle/>
           <a:p>
-            <a:pPr/>
-            <a:fld id="{86CB4B4D-7CA3-9044-876B-883B54F8677D}" type="slidenum"/>
+            <a:fld id="{86CB4B4D-7CA3-9044-876B-883B54F8677D}" type="slidenum">
+              <a:t>22</a:t>
+            </a:fld>
+            <a:endParaRPr/>
           </a:p>
         </p:txBody>
       </p:sp>
@@ -6645,13 +6967,13 @@
           </a:ln>
           <a:extLst>
             <a:ext uri="{C572A759-6A51-4108-AA02-DFA0A04FC94B}">
-              <ma14:wrappingTextBoxFlag xmlns:ma14="http://schemas.microsoft.com/office/mac/drawingml/2011/main" val="1"/>
+              <ma14:wrappingTextBoxFlag xmlns:ma14="http://schemas.microsoft.com/office/mac/drawingml/2011/main" xmlns:a14="http://schemas.microsoft.com/office/drawing/2010/main" xmlns:m="http://schemas.openxmlformats.org/officeDocument/2006/math" xmlns="" val="1"/>
             </a:ext>
           </a:extLst>
         </p:spPr>
         <p:txBody>
           <a:bodyPr lIns="45719" rIns="45719" anchor="ctr">
-            <a:normAutofit fontScale="100000" lnSpcReduction="0"/>
+            <a:normAutofit/>
           </a:bodyPr>
           <a:lstStyle>
             <a:lvl1pPr algn="ctr">
@@ -6667,7 +6989,6 @@
             </a:lvl1pPr>
           </a:lstStyle>
           <a:p>
-            <a:pPr/>
             <a:r>
               <a:t>Testing for overfitting</a:t>
             </a:r>
@@ -6683,9 +7004,7 @@
           <p:nvPr/>
         </p:nvPicPr>
         <p:blipFill>
-          <a:blip r:embed="rId2">
-            <a:extLst/>
-          </a:blip>
+          <a:blip r:embed="rId2"/>
           <a:stretch>
             <a:fillRect/>
           </a:stretch>
@@ -6712,9 +7031,7 @@
           <p:nvPr/>
         </p:nvPicPr>
         <p:blipFill>
-          <a:blip r:embed="rId3">
-            <a:extLst/>
-          </a:blip>
+          <a:blip r:embed="rId3"/>
           <a:stretch>
             <a:fillRect/>
           </a:stretch>
@@ -6737,12 +7054,12 @@
   <p:clrMapOvr>
     <a:masterClrMapping/>
   </p:clrMapOvr>
-  <p:transition xmlns:p14="http://schemas.microsoft.com/office/powerpoint/2010/main" spd="med" advClick="1"/>
+  <p:transition spd="med"/>
 </p:sld>
 </file>
 
 <file path=ppt/slides/slide23.xml><?xml version="1.0" encoding="utf-8"?>
-<p:sld xmlns:a="http://schemas.openxmlformats.org/drawingml/2006/main" xmlns:r="http://schemas.openxmlformats.org/officeDocument/2006/relationships" xmlns:p="http://schemas.openxmlformats.org/presentationml/2006/main" xmlns:m="http://schemas.openxmlformats.org/officeDocument/2006/math" xmlns:a14="http://schemas.microsoft.com/office/drawing/2010/main" show="0" showMasterSp="1" showMasterPhAnim="1">
+<p:sld xmlns:a="http://schemas.openxmlformats.org/drawingml/2006/main" xmlns:r="http://schemas.openxmlformats.org/officeDocument/2006/relationships" xmlns:p="http://schemas.openxmlformats.org/presentationml/2006/main">
   <p:cSld>
     <p:spTree>
       <p:nvGrpSpPr>
@@ -6761,7 +7078,9 @@
       <p:sp>
         <p:nvSpPr>
           <p:cNvPr id="209" name="Title 1"/>
-          <p:cNvSpPr txBox="1"/>
+          <p:cNvSpPr txBox="1">
+            <a:spLocks noGrp="1"/>
+          </p:cNvSpPr>
           <p:nvPr>
             <p:ph type="title"/>
           </p:nvPr>
@@ -6781,7 +7100,6 @@
             <a:lvl1pPr algn="ctr"/>
           </a:lstStyle>
           <a:p>
-            <a:pPr/>
             <a:r>
               <a:t>Testing for Overfitting</a:t>
             </a:r>
@@ -6791,7 +7109,9 @@
       <p:sp>
         <p:nvSpPr>
           <p:cNvPr id="210" name="Slide Number Placeholder 3"/>
-          <p:cNvSpPr txBox="1"/>
+          <p:cNvSpPr txBox="1">
+            <a:spLocks noGrp="1"/>
+          </p:cNvSpPr>
           <p:nvPr>
             <p:ph type="sldNum" sz="quarter" idx="2"/>
           </p:nvPr>
@@ -6806,7 +7126,7 @@
           </a:prstGeom>
           <a:extLst>
             <a:ext uri="{C572A759-6A51-4108-AA02-DFA0A04FC94B}">
-              <ma14:wrappingTextBoxFlag xmlns:ma14="http://schemas.microsoft.com/office/mac/drawingml/2011/main" val="1"/>
+              <ma14:wrappingTextBoxFlag xmlns:ma14="http://schemas.microsoft.com/office/mac/drawingml/2011/main" xmlns:a14="http://schemas.microsoft.com/office/drawing/2010/main" xmlns:m="http://schemas.openxmlformats.org/officeDocument/2006/math" xmlns="" val="1"/>
             </a:ext>
           </a:extLst>
         </p:spPr>
@@ -6814,22 +7134,213 @@
           <a:bodyPr/>
           <a:lstStyle/>
           <a:p>
-            <a:pPr/>
-            <a:fld id="{86CB4B4D-7CA3-9044-876B-883B54F8677D}" type="slidenum"/>
+            <a:fld id="{86CB4B4D-7CA3-9044-876B-883B54F8677D}" type="slidenum">
+              <a:t>23</a:t>
+            </a:fld>
+            <a:endParaRPr/>
           </a:p>
         </p:txBody>
       </p:sp>
+      <p:pic>
+        <p:nvPicPr>
+          <p:cNvPr id="3" name="Grafik 2" descr="Ein Bild, das Text, Karte enthält.&#10;&#10;Automatisch generierte Beschreibung">
+            <a:extLst>
+              <a:ext uri="{FF2B5EF4-FFF2-40B4-BE49-F238E27FC236}">
+                <a16:creationId xmlns:a16="http://schemas.microsoft.com/office/drawing/2014/main" id="{DB9A3BD3-123E-4E88-9BAD-41F309806FC7}"/>
+              </a:ext>
+            </a:extLst>
+          </p:cNvPr>
+          <p:cNvPicPr>
+            <a:picLocks noChangeAspect="1"/>
+          </p:cNvPicPr>
+          <p:nvPr/>
+        </p:nvPicPr>
+        <p:blipFill>
+          <a:blip r:embed="rId2">
+            <a:extLst>
+              <a:ext uri="{28A0092B-C50C-407E-A947-70E740481C1C}">
+                <a14:useLocalDpi xmlns:a14="http://schemas.microsoft.com/office/drawing/2010/main" val="0"/>
+              </a:ext>
+            </a:extLst>
+          </a:blip>
+          <a:stretch>
+            <a:fillRect/>
+          </a:stretch>
+        </p:blipFill>
+        <p:spPr>
+          <a:xfrm>
+            <a:off x="243828" y="1776412"/>
+            <a:ext cx="5852172" cy="3901962"/>
+          </a:xfrm>
+          <a:prstGeom prst="rect">
+            <a:avLst/>
+          </a:prstGeom>
+        </p:spPr>
+      </p:pic>
+      <p:pic>
+        <p:nvPicPr>
+          <p:cNvPr id="5" name="Grafik 4" descr="Ein Bild, das Screenshot enthält.&#10;&#10;Automatisch generierte Beschreibung">
+            <a:extLst>
+              <a:ext uri="{FF2B5EF4-FFF2-40B4-BE49-F238E27FC236}">
+                <a16:creationId xmlns:a16="http://schemas.microsoft.com/office/drawing/2014/main" id="{2DE00A1B-E4DF-4288-B0C2-506922B463C6}"/>
+              </a:ext>
+            </a:extLst>
+          </p:cNvPr>
+          <p:cNvPicPr>
+            <a:picLocks noChangeAspect="1"/>
+          </p:cNvPicPr>
+          <p:nvPr/>
+        </p:nvPicPr>
+        <p:blipFill>
+          <a:blip r:embed="rId3">
+            <a:extLst>
+              <a:ext uri="{28A0092B-C50C-407E-A947-70E740481C1C}">
+                <a14:useLocalDpi xmlns:a14="http://schemas.microsoft.com/office/drawing/2010/main" val="0"/>
+              </a:ext>
+            </a:extLst>
+          </a:blip>
+          <a:stretch>
+            <a:fillRect/>
+          </a:stretch>
+        </p:blipFill>
+        <p:spPr>
+          <a:xfrm>
+            <a:off x="6096000" y="1776412"/>
+            <a:ext cx="5852172" cy="3901962"/>
+          </a:xfrm>
+          <a:prstGeom prst="rect">
+            <a:avLst/>
+          </a:prstGeom>
+        </p:spPr>
+      </p:pic>
     </p:spTree>
   </p:cSld>
   <p:clrMapOvr>
     <a:masterClrMapping/>
   </p:clrMapOvr>
-  <p:transition xmlns:p14="http://schemas.microsoft.com/office/powerpoint/2010/main" spd="med" advClick="1"/>
+  <p:transition spd="med"/>
 </p:sld>
 </file>
 
 <file path=ppt/slides/slide24.xml><?xml version="1.0" encoding="utf-8"?>
-<p:sld xmlns:a="http://schemas.openxmlformats.org/drawingml/2006/main" xmlns:r="http://schemas.openxmlformats.org/officeDocument/2006/relationships" xmlns:p="http://schemas.openxmlformats.org/presentationml/2006/main" xmlns:m="http://schemas.openxmlformats.org/officeDocument/2006/math" xmlns:a14="http://schemas.microsoft.com/office/drawing/2010/main" showMasterSp="1" showMasterPhAnim="1">
+<p:sld xmlns:a="http://schemas.openxmlformats.org/drawingml/2006/main" xmlns:r="http://schemas.openxmlformats.org/officeDocument/2006/relationships" xmlns:p="http://schemas.openxmlformats.org/presentationml/2006/main">
+  <p:cSld>
+    <p:spTree>
+      <p:nvGrpSpPr>
+        <p:cNvPr id="1" name=""/>
+        <p:cNvGrpSpPr/>
+        <p:nvPr/>
+      </p:nvGrpSpPr>
+      <p:grpSpPr>
+        <a:xfrm>
+          <a:off x="0" y="0"/>
+          <a:ext cx="0" cy="0"/>
+          <a:chOff x="0" y="0"/>
+          <a:chExt cx="0" cy="0"/>
+        </a:xfrm>
+      </p:grpSpPr>
+      <p:sp>
+        <p:nvSpPr>
+          <p:cNvPr id="2" name="Titel 1">
+            <a:extLst>
+              <a:ext uri="{FF2B5EF4-FFF2-40B4-BE49-F238E27FC236}">
+                <a16:creationId xmlns:a16="http://schemas.microsoft.com/office/drawing/2014/main" id="{41DAE5B6-4CA1-44E4-B2B7-2B4031CB41B4}"/>
+              </a:ext>
+            </a:extLst>
+          </p:cNvPr>
+          <p:cNvSpPr>
+            <a:spLocks noGrp="1"/>
+          </p:cNvSpPr>
+          <p:nvPr>
+            <p:ph type="title"/>
+          </p:nvPr>
+        </p:nvSpPr>
+        <p:spPr/>
+        <p:txBody>
+          <a:bodyPr/>
+          <a:lstStyle/>
+          <a:p>
+            <a:endParaRPr lang="en-US" dirty="0"/>
+          </a:p>
+        </p:txBody>
+      </p:sp>
+      <p:sp>
+        <p:nvSpPr>
+          <p:cNvPr id="3" name="Textplatzhalter 2">
+            <a:extLst>
+              <a:ext uri="{FF2B5EF4-FFF2-40B4-BE49-F238E27FC236}">
+                <a16:creationId xmlns:a16="http://schemas.microsoft.com/office/drawing/2014/main" id="{76884346-6DB2-4C41-9CCA-9000F06D7ECF}"/>
+              </a:ext>
+            </a:extLst>
+          </p:cNvPr>
+          <p:cNvSpPr>
+            <a:spLocks noGrp="1"/>
+          </p:cNvSpPr>
+          <p:nvPr>
+            <p:ph type="body" idx="1"/>
+          </p:nvPr>
+        </p:nvSpPr>
+        <p:spPr/>
+        <p:txBody>
+          <a:bodyPr/>
+          <a:lstStyle/>
+          <a:p>
+            <a:endParaRPr lang="en-US"/>
+          </a:p>
+        </p:txBody>
+      </p:sp>
+      <p:pic>
+        <p:nvPicPr>
+          <p:cNvPr id="5" name="Grafik 4" descr="Ein Bild, das Screenshot enthält.&#10;&#10;Automatisch generierte Beschreibung">
+            <a:extLst>
+              <a:ext uri="{FF2B5EF4-FFF2-40B4-BE49-F238E27FC236}">
+                <a16:creationId xmlns:a16="http://schemas.microsoft.com/office/drawing/2014/main" id="{2B7DC2B5-6ECA-4F6E-86D2-88BB2A3CF1E6}"/>
+              </a:ext>
+            </a:extLst>
+          </p:cNvPr>
+          <p:cNvPicPr>
+            <a:picLocks noChangeAspect="1"/>
+          </p:cNvPicPr>
+          <p:nvPr/>
+        </p:nvPicPr>
+        <p:blipFill>
+          <a:blip r:embed="rId2">
+            <a:extLst>
+              <a:ext uri="{28A0092B-C50C-407E-A947-70E740481C1C}">
+                <a14:useLocalDpi xmlns:a14="http://schemas.microsoft.com/office/drawing/2010/main" val="0"/>
+              </a:ext>
+            </a:extLst>
+          </a:blip>
+          <a:stretch>
+            <a:fillRect/>
+          </a:stretch>
+        </p:blipFill>
+        <p:spPr>
+          <a:xfrm>
+            <a:off x="1076371" y="554574"/>
+            <a:ext cx="10039257" cy="5622389"/>
+          </a:xfrm>
+          <a:prstGeom prst="rect">
+            <a:avLst/>
+          </a:prstGeom>
+        </p:spPr>
+      </p:pic>
+    </p:spTree>
+    <p:extLst>
+      <p:ext uri="{BB962C8B-B14F-4D97-AF65-F5344CB8AC3E}">
+        <p14:creationId xmlns:p14="http://schemas.microsoft.com/office/powerpoint/2010/main" val="594101159"/>
+      </p:ext>
+    </p:extLst>
+  </p:cSld>
+  <p:clrMapOvr>
+    <a:masterClrMapping/>
+  </p:clrMapOvr>
+  <p:transition spd="med"/>
+</p:sld>
+</file>
+
+<file path=ppt/slides/slide25.xml><?xml version="1.0" encoding="utf-8"?>
+<p:sld xmlns:a="http://schemas.openxmlformats.org/drawingml/2006/main" xmlns:r="http://schemas.openxmlformats.org/officeDocument/2006/relationships" xmlns:p="http://schemas.openxmlformats.org/presentationml/2006/main">
   <p:cSld>
     <p:spTree>
       <p:nvGrpSpPr>
@@ -6848,7 +7359,9 @@
       <p:sp>
         <p:nvSpPr>
           <p:cNvPr id="212" name="Titel 1"/>
-          <p:cNvSpPr txBox="1"/>
+          <p:cNvSpPr txBox="1">
+            <a:spLocks noGrp="1"/>
+          </p:cNvSpPr>
           <p:nvPr>
             <p:ph type="title"/>
           </p:nvPr>
@@ -6868,7 +7381,6 @@
             <a:lvl1pPr algn="ctr"/>
           </a:lstStyle>
           <a:p>
-            <a:pPr/>
             <a:r>
               <a:t>Thank you!</a:t>
             </a:r>
@@ -6878,7 +7390,9 @@
       <p:sp>
         <p:nvSpPr>
           <p:cNvPr id="213" name="Inhaltsplatzhalter 2"/>
-          <p:cNvSpPr txBox="1"/>
+          <p:cNvSpPr txBox="1">
+            <a:spLocks noGrp="1"/>
+          </p:cNvSpPr>
           <p:nvPr>
             <p:ph type="body" idx="1"/>
           </p:nvPr>
@@ -6901,6 +7415,7 @@
               <a:buNone/>
               <a:defRPr sz="3600"/>
             </a:pPr>
+            <a:endParaRPr/>
           </a:p>
           <a:p>
             <a:pPr marL="0" indent="0" algn="ctr">
@@ -6908,6 +7423,7 @@
               <a:buNone/>
               <a:defRPr sz="3600"/>
             </a:pPr>
+            <a:endParaRPr/>
           </a:p>
           <a:p>
             <a:pPr marL="0" indent="0" algn="ctr">
@@ -6924,7 +7440,9 @@
       <p:sp>
         <p:nvSpPr>
           <p:cNvPr id="214" name="Foliennummernplatzhalter 3"/>
-          <p:cNvSpPr txBox="1"/>
+          <p:cNvSpPr txBox="1">
+            <a:spLocks noGrp="1"/>
+          </p:cNvSpPr>
           <p:nvPr>
             <p:ph type="sldNum" sz="quarter" idx="2"/>
           </p:nvPr>
@@ -6939,7 +7457,7 @@
           </a:prstGeom>
           <a:extLst>
             <a:ext uri="{C572A759-6A51-4108-AA02-DFA0A04FC94B}">
-              <ma14:wrappingTextBoxFlag xmlns:ma14="http://schemas.microsoft.com/office/mac/drawingml/2011/main" val="1"/>
+              <ma14:wrappingTextBoxFlag xmlns:ma14="http://schemas.microsoft.com/office/mac/drawingml/2011/main" xmlns:a14="http://schemas.microsoft.com/office/drawing/2010/main" xmlns:m="http://schemas.openxmlformats.org/officeDocument/2006/math" xmlns="" val="1"/>
             </a:ext>
           </a:extLst>
         </p:spPr>
@@ -6947,8 +7465,10 @@
           <a:bodyPr/>
           <a:lstStyle/>
           <a:p>
-            <a:pPr/>
-            <a:fld id="{86CB4B4D-7CA3-9044-876B-883B54F8677D}" type="slidenum"/>
+            <a:fld id="{86CB4B4D-7CA3-9044-876B-883B54F8677D}" type="slidenum">
+              <a:t>25</a:t>
+            </a:fld>
+            <a:endParaRPr/>
           </a:p>
         </p:txBody>
       </p:sp>
@@ -6957,12 +7477,12 @@
   <p:clrMapOvr>
     <a:masterClrMapping/>
   </p:clrMapOvr>
-  <p:transition xmlns:p14="http://schemas.microsoft.com/office/powerpoint/2010/main" spd="med" advClick="1"/>
+  <p:transition spd="med"/>
 </p:sld>
 </file>
 
-<file path=ppt/slides/slide25.xml><?xml version="1.0" encoding="utf-8"?>
-<p:sld xmlns:a="http://schemas.openxmlformats.org/drawingml/2006/main" xmlns:r="http://schemas.openxmlformats.org/officeDocument/2006/relationships" xmlns:p="http://schemas.openxmlformats.org/presentationml/2006/main" xmlns:m="http://schemas.openxmlformats.org/officeDocument/2006/math" xmlns:a14="http://schemas.microsoft.com/office/drawing/2010/main" showMasterSp="1" showMasterPhAnim="1">
+<file path=ppt/slides/slide26.xml><?xml version="1.0" encoding="utf-8"?>
+<p:sld xmlns:a="http://schemas.openxmlformats.org/drawingml/2006/main" xmlns:r="http://schemas.openxmlformats.org/officeDocument/2006/relationships" xmlns:p="http://schemas.openxmlformats.org/presentationml/2006/main">
   <p:cSld>
     <p:spTree>
       <p:nvGrpSpPr>
@@ -6981,7 +7501,9 @@
       <p:sp>
         <p:nvSpPr>
           <p:cNvPr id="216" name="Sources"/>
-          <p:cNvSpPr txBox="1"/>
+          <p:cNvSpPr txBox="1">
+            <a:spLocks noGrp="1"/>
+          </p:cNvSpPr>
           <p:nvPr>
             <p:ph type="title"/>
           </p:nvPr>
@@ -6997,7 +7519,6 @@
             <a:lvl1pPr algn="ctr"/>
           </a:lstStyle>
           <a:p>
-            <a:pPr/>
             <a:r>
               <a:t>Sources</a:t>
             </a:r>
@@ -7007,7 +7528,9 @@
       <p:sp>
         <p:nvSpPr>
           <p:cNvPr id="217" name="[1] Yang, J et al. “BioLiP: a semi-manually curated database for biologically relevant ligand-protein interactions.” Nucleic acids research (2012)…"/>
-          <p:cNvSpPr txBox="1"/>
+          <p:cNvSpPr txBox="1">
+            <a:spLocks noGrp="1"/>
+          </p:cNvSpPr>
           <p:nvPr>
             <p:ph type="body" idx="1"/>
           </p:nvPr>
@@ -7133,7 +7656,9 @@
       <p:sp>
         <p:nvSpPr>
           <p:cNvPr id="218" name="Slide Number"/>
-          <p:cNvSpPr txBox="1"/>
+          <p:cNvSpPr txBox="1">
+            <a:spLocks noGrp="1"/>
+          </p:cNvSpPr>
           <p:nvPr>
             <p:ph type="sldNum" sz="quarter" idx="2"/>
           </p:nvPr>
@@ -7144,7 +7669,7 @@
           </a:prstGeom>
           <a:extLst>
             <a:ext uri="{C572A759-6A51-4108-AA02-DFA0A04FC94B}">
-              <ma14:wrappingTextBoxFlag xmlns:ma14="http://schemas.microsoft.com/office/mac/drawingml/2011/main" val="1"/>
+              <ma14:wrappingTextBoxFlag xmlns:ma14="http://schemas.microsoft.com/office/mac/drawingml/2011/main" xmlns:a14="http://schemas.microsoft.com/office/drawing/2010/main" xmlns:m="http://schemas.openxmlformats.org/officeDocument/2006/math" xmlns="" val="1"/>
             </a:ext>
           </a:extLst>
         </p:spPr>
@@ -7152,8 +7677,10 @@
           <a:bodyPr/>
           <a:lstStyle/>
           <a:p>
-            <a:pPr/>
-            <a:fld id="{86CB4B4D-7CA3-9044-876B-883B54F8677D}" type="slidenum"/>
+            <a:fld id="{86CB4B4D-7CA3-9044-876B-883B54F8677D}" type="slidenum">
+              <a:t>26</a:t>
+            </a:fld>
+            <a:endParaRPr/>
           </a:p>
         </p:txBody>
       </p:sp>
@@ -7162,12 +7689,12 @@
   <p:clrMapOvr>
     <a:masterClrMapping/>
   </p:clrMapOvr>
-  <p:transition xmlns:p14="http://schemas.microsoft.com/office/powerpoint/2010/main" spd="med" advClick="1"/>
+  <p:transition spd="med"/>
 </p:sld>
 </file>
 
-<file path=ppt/slides/slide26.xml><?xml version="1.0" encoding="utf-8"?>
-<p:sld xmlns:a="http://schemas.openxmlformats.org/drawingml/2006/main" xmlns:r="http://schemas.openxmlformats.org/officeDocument/2006/relationships" xmlns:p="http://schemas.openxmlformats.org/presentationml/2006/main" xmlns:m="http://schemas.openxmlformats.org/officeDocument/2006/math" xmlns:a14="http://schemas.microsoft.com/office/drawing/2010/main" show="0" showMasterSp="1" showMasterPhAnim="1">
+<file path=ppt/slides/slide27.xml><?xml version="1.0" encoding="utf-8"?>
+<p:sld xmlns:a="http://schemas.openxmlformats.org/drawingml/2006/main" xmlns:r="http://schemas.openxmlformats.org/officeDocument/2006/relationships" xmlns:p="http://schemas.openxmlformats.org/presentationml/2006/main" show="0">
   <p:cSld>
     <p:spTree>
       <p:nvGrpSpPr>
@@ -7186,7 +7713,9 @@
       <p:sp>
         <p:nvSpPr>
           <p:cNvPr id="220" name="Titel 1"/>
-          <p:cNvSpPr txBox="1"/>
+          <p:cNvSpPr txBox="1">
+            <a:spLocks noGrp="1"/>
+          </p:cNvSpPr>
           <p:nvPr>
             <p:ph type="title"/>
           </p:nvPr>
@@ -7204,7 +7733,6 @@
           <a:bodyPr/>
           <a:lstStyle/>
           <a:p>
-            <a:pPr/>
             <a:r>
               <a:t>stats</a:t>
             </a:r>
@@ -7214,7 +7742,9 @@
       <p:sp>
         <p:nvSpPr>
           <p:cNvPr id="221" name="Inhaltsplatzhalter 2"/>
-          <p:cNvSpPr txBox="1"/>
+          <p:cNvSpPr txBox="1">
+            <a:spLocks noGrp="1"/>
+          </p:cNvSpPr>
           <p:nvPr>
             <p:ph type="body" idx="1"/>
           </p:nvPr>
@@ -7326,7 +7856,9 @@
       <p:sp>
         <p:nvSpPr>
           <p:cNvPr id="222" name="Foliennummernplatzhalter 3"/>
-          <p:cNvSpPr txBox="1"/>
+          <p:cNvSpPr txBox="1">
+            <a:spLocks noGrp="1"/>
+          </p:cNvSpPr>
           <p:nvPr>
             <p:ph type="sldNum" sz="quarter" idx="2"/>
           </p:nvPr>
@@ -7341,7 +7873,7 @@
           </a:prstGeom>
           <a:extLst>
             <a:ext uri="{C572A759-6A51-4108-AA02-DFA0A04FC94B}">
-              <ma14:wrappingTextBoxFlag xmlns:ma14="http://schemas.microsoft.com/office/mac/drawingml/2011/main" val="1"/>
+              <ma14:wrappingTextBoxFlag xmlns:ma14="http://schemas.microsoft.com/office/mac/drawingml/2011/main" xmlns:a14="http://schemas.microsoft.com/office/drawing/2010/main" xmlns:m="http://schemas.openxmlformats.org/officeDocument/2006/math" xmlns="" val="1"/>
             </a:ext>
           </a:extLst>
         </p:spPr>
@@ -7349,8 +7881,10 @@
           <a:bodyPr/>
           <a:lstStyle/>
           <a:p>
-            <a:pPr/>
-            <a:fld id="{86CB4B4D-7CA3-9044-876B-883B54F8677D}" type="slidenum"/>
+            <a:fld id="{86CB4B4D-7CA3-9044-876B-883B54F8677D}" type="slidenum">
+              <a:t>27</a:t>
+            </a:fld>
+            <a:endParaRPr/>
           </a:p>
         </p:txBody>
       </p:sp>
@@ -7359,12 +7893,12 @@
   <p:clrMapOvr>
     <a:masterClrMapping/>
   </p:clrMapOvr>
-  <p:transition xmlns:p14="http://schemas.microsoft.com/office/powerpoint/2010/main" spd="med" advClick="1"/>
+  <p:transition spd="med"/>
 </p:sld>
 </file>
 
-<file path=ppt/slides/slide27.xml><?xml version="1.0" encoding="utf-8"?>
-<p:sld xmlns:a="http://schemas.openxmlformats.org/drawingml/2006/main" xmlns:r="http://schemas.openxmlformats.org/officeDocument/2006/relationships" xmlns:p="http://schemas.openxmlformats.org/presentationml/2006/main" xmlns:m="http://schemas.openxmlformats.org/officeDocument/2006/math" xmlns:a14="http://schemas.microsoft.com/office/drawing/2010/main" show="0" showMasterSp="1" showMasterPhAnim="1">
+<file path=ppt/slides/slide28.xml><?xml version="1.0" encoding="utf-8"?>
+<p:sld xmlns:a="http://schemas.openxmlformats.org/drawingml/2006/main" xmlns:r="http://schemas.openxmlformats.org/officeDocument/2006/relationships" xmlns:p="http://schemas.openxmlformats.org/presentationml/2006/main" show="0">
   <p:cSld>
     <p:spTree>
       <p:nvGrpSpPr>
@@ -7383,7 +7917,9 @@
       <p:sp>
         <p:nvSpPr>
           <p:cNvPr id="224" name="Titel 1"/>
-          <p:cNvSpPr txBox="1"/>
+          <p:cNvSpPr txBox="1">
+            <a:spLocks noGrp="1"/>
+          </p:cNvSpPr>
           <p:nvPr>
             <p:ph type="title"/>
           </p:nvPr>
@@ -7401,7 +7937,6 @@
           <a:bodyPr/>
           <a:lstStyle/>
           <a:p>
-            <a:pPr/>
             <a:r>
               <a:t>Stats crossvalidation</a:t>
             </a:r>
@@ -7411,7 +7946,9 @@
       <p:sp>
         <p:nvSpPr>
           <p:cNvPr id="225" name="Inhaltsplatzhalter 2"/>
-          <p:cNvSpPr txBox="1"/>
+          <p:cNvSpPr txBox="1">
+            <a:spLocks noGrp="1"/>
+          </p:cNvSpPr>
           <p:nvPr>
             <p:ph type="body" idx="1"/>
           </p:nvPr>
@@ -7475,13 +8012,7 @@
               </a:lnSpc>
             </a:pPr>
             <a:r>
-              <a:t>TPR: 0.13372148515796506 </a:t>
-            </a:r>
-            <a:r>
-              <a:t>± </a:t>
-            </a:r>
-            <a:r>
-              <a:t>0.006728852995094254</a:t>
+              <a:t>TPR: 0.13372148515796506 ± 0.006728852995094254</a:t>
             </a:r>
           </a:p>
           <a:p>
@@ -7491,10 +8022,7 @@
               </a:lnSpc>
             </a:pPr>
             <a:r>
-              <a:t>FPR: 0.020675081918379506 </a:t>
-            </a:r>
-            <a:r>
-              <a:t>± </a:t>
+              <a:t>FPR: 0.020675081918379506 ± </a:t>
             </a:r>
           </a:p>
           <a:p>
@@ -7504,13 +8032,7 @@
               </a:lnSpc>
             </a:pPr>
             <a:r>
-              <a:t>Precision: 0.38680287134180014 </a:t>
-            </a:r>
-            <a:r>
-              <a:t>± </a:t>
-            </a:r>
-            <a:r>
-              <a:t>0.01515588223022108</a:t>
+              <a:t>Precision: 0.38680287134180014 ± 0.01515588223022108</a:t>
             </a:r>
           </a:p>
           <a:p>
@@ -7520,13 +8042,7 @@
               </a:lnSpc>
             </a:pPr>
             <a:r>
-              <a:t>MCC: 0.1864096719348082 </a:t>
-            </a:r>
-            <a:r>
-              <a:t>± </a:t>
-            </a:r>
-            <a:r>
-              <a:t>0.009743841686838386</a:t>
+              <a:t>MCC: 0.1864096719348082 ± 0.009743841686838386</a:t>
             </a:r>
           </a:p>
           <a:p>
@@ -7536,10 +8052,7 @@
               </a:lnSpc>
             </a:pPr>
             <a:r>
-              <a:t>F1: 0.1898892068383594 ± </a:t>
-            </a:r>
-            <a:r>
-              <a:t>0.008877620919506887</a:t>
+              <a:t>F1: 0.1898892068383594 ± 0.008877620919506887</a:t>
             </a:r>
           </a:p>
         </p:txBody>
@@ -7547,7 +8060,9 @@
       <p:sp>
         <p:nvSpPr>
           <p:cNvPr id="226" name="Foliennummernplatzhalter 3"/>
-          <p:cNvSpPr txBox="1"/>
+          <p:cNvSpPr txBox="1">
+            <a:spLocks noGrp="1"/>
+          </p:cNvSpPr>
           <p:nvPr>
             <p:ph type="sldNum" sz="quarter" idx="2"/>
           </p:nvPr>
@@ -7562,7 +8077,7 @@
           </a:prstGeom>
           <a:extLst>
             <a:ext uri="{C572A759-6A51-4108-AA02-DFA0A04FC94B}">
-              <ma14:wrappingTextBoxFlag xmlns:ma14="http://schemas.microsoft.com/office/mac/drawingml/2011/main" val="1"/>
+              <ma14:wrappingTextBoxFlag xmlns:ma14="http://schemas.microsoft.com/office/mac/drawingml/2011/main" xmlns:a14="http://schemas.microsoft.com/office/drawing/2010/main" xmlns:m="http://schemas.openxmlformats.org/officeDocument/2006/math" xmlns="" val="1"/>
             </a:ext>
           </a:extLst>
         </p:spPr>
@@ -7570,8 +8085,10 @@
           <a:bodyPr/>
           <a:lstStyle/>
           <a:p>
-            <a:pPr/>
-            <a:fld id="{86CB4B4D-7CA3-9044-876B-883B54F8677D}" type="slidenum"/>
+            <a:fld id="{86CB4B4D-7CA3-9044-876B-883B54F8677D}" type="slidenum">
+              <a:t>28</a:t>
+            </a:fld>
+            <a:endParaRPr/>
           </a:p>
         </p:txBody>
       </p:sp>
@@ -7580,12 +8097,12 @@
   <p:clrMapOvr>
     <a:masterClrMapping/>
   </p:clrMapOvr>
-  <p:transition xmlns:p14="http://schemas.microsoft.com/office/powerpoint/2010/main" spd="med" advClick="1"/>
+  <p:transition spd="med"/>
 </p:sld>
 </file>
 
 <file path=ppt/slides/slide3.xml><?xml version="1.0" encoding="utf-8"?>
-<p:sld xmlns:a="http://schemas.openxmlformats.org/drawingml/2006/main" xmlns:r="http://schemas.openxmlformats.org/officeDocument/2006/relationships" xmlns:p="http://schemas.openxmlformats.org/presentationml/2006/main" xmlns:m="http://schemas.openxmlformats.org/officeDocument/2006/math" xmlns:a14="http://schemas.microsoft.com/office/drawing/2010/main" showMasterSp="1" showMasterPhAnim="1">
+<p:sld xmlns:a="http://schemas.openxmlformats.org/drawingml/2006/main" xmlns:r="http://schemas.openxmlformats.org/officeDocument/2006/relationships" xmlns:p="http://schemas.openxmlformats.org/presentationml/2006/main">
   <p:cSld>
     <p:spTree>
       <p:nvGrpSpPr>
@@ -7604,7 +8121,9 @@
       <p:sp>
         <p:nvSpPr>
           <p:cNvPr id="108" name="Task"/>
-          <p:cNvSpPr txBox="1"/>
+          <p:cNvSpPr txBox="1">
+            <a:spLocks noGrp="1"/>
+          </p:cNvSpPr>
           <p:nvPr>
             <p:ph type="title"/>
           </p:nvPr>
@@ -7620,7 +8139,6 @@
             <a:lvl1pPr algn="ctr"/>
           </a:lstStyle>
           <a:p>
-            <a:pPr/>
             <a:r>
               <a:t>Task</a:t>
             </a:r>
@@ -7630,7 +8148,9 @@
       <p:sp>
         <p:nvSpPr>
           <p:cNvPr id="109" name="Predict binding site residues using SNAP features…"/>
-          <p:cNvSpPr txBox="1"/>
+          <p:cNvSpPr txBox="1">
+            <a:spLocks noGrp="1"/>
+          </p:cNvSpPr>
           <p:nvPr>
             <p:ph type="body" idx="1"/>
           </p:nvPr>
@@ -7644,16 +8164,14 @@
           <a:bodyPr/>
           <a:lstStyle/>
           <a:p>
-            <a:pPr/>
             <a:r>
               <a:t>Predict binding site residues using SNAP features</a:t>
             </a:r>
           </a:p>
           <a:p>
-            <a:pPr/>
-          </a:p>
-          <a:p>
-            <a:pPr/>
+            <a:endParaRPr/>
+          </a:p>
+          <a:p>
             <a:r>
               <a:t>Extension: Do BLOSUM scores aid in the prediction?</a:t>
             </a:r>
@@ -7663,7 +8181,9 @@
       <p:sp>
         <p:nvSpPr>
           <p:cNvPr id="110" name="Slide Number"/>
-          <p:cNvSpPr txBox="1"/>
+          <p:cNvSpPr txBox="1">
+            <a:spLocks noGrp="1"/>
+          </p:cNvSpPr>
           <p:nvPr>
             <p:ph type="sldNum" sz="quarter" idx="2"/>
           </p:nvPr>
@@ -7678,7 +8198,7 @@
           </a:prstGeom>
           <a:extLst>
             <a:ext uri="{C572A759-6A51-4108-AA02-DFA0A04FC94B}">
-              <ma14:wrappingTextBoxFlag xmlns:ma14="http://schemas.microsoft.com/office/mac/drawingml/2011/main" val="1"/>
+              <ma14:wrappingTextBoxFlag xmlns:ma14="http://schemas.microsoft.com/office/mac/drawingml/2011/main" xmlns:a14="http://schemas.microsoft.com/office/drawing/2010/main" xmlns:m="http://schemas.openxmlformats.org/officeDocument/2006/math" xmlns="" val="1"/>
             </a:ext>
           </a:extLst>
         </p:spPr>
@@ -7686,8 +8206,10 @@
           <a:bodyPr/>
           <a:lstStyle/>
           <a:p>
-            <a:pPr/>
-            <a:fld id="{86CB4B4D-7CA3-9044-876B-883B54F8677D}" type="slidenum"/>
+            <a:fld id="{86CB4B4D-7CA3-9044-876B-883B54F8677D}" type="slidenum">
+              <a:t>3</a:t>
+            </a:fld>
+            <a:endParaRPr/>
           </a:p>
         </p:txBody>
       </p:sp>
@@ -7696,12 +8218,12 @@
   <p:clrMapOvr>
     <a:masterClrMapping/>
   </p:clrMapOvr>
-  <p:transition xmlns:p14="http://schemas.microsoft.com/office/powerpoint/2010/main" spd="med" advClick="1"/>
+  <p:transition spd="med"/>
 </p:sld>
 </file>
 
 <file path=ppt/slides/slide4.xml><?xml version="1.0" encoding="utf-8"?>
-<p:sld xmlns:a="http://schemas.openxmlformats.org/drawingml/2006/main" xmlns:r="http://schemas.openxmlformats.org/officeDocument/2006/relationships" xmlns:p="http://schemas.openxmlformats.org/presentationml/2006/main" xmlns:m="http://schemas.openxmlformats.org/officeDocument/2006/math" xmlns:a14="http://schemas.microsoft.com/office/drawing/2010/main" showMasterSp="1" showMasterPhAnim="1">
+<p:sld xmlns:a="http://schemas.openxmlformats.org/drawingml/2006/main" xmlns:r="http://schemas.openxmlformats.org/officeDocument/2006/relationships" xmlns:p="http://schemas.openxmlformats.org/presentationml/2006/main">
   <p:cSld>
     <p:spTree>
       <p:nvGrpSpPr>
@@ -7720,7 +8242,9 @@
       <p:sp>
         <p:nvSpPr>
           <p:cNvPr id="112" name="Titel 1"/>
-          <p:cNvSpPr txBox="1"/>
+          <p:cNvSpPr txBox="1">
+            <a:spLocks noGrp="1"/>
+          </p:cNvSpPr>
           <p:nvPr>
             <p:ph type="title"/>
           </p:nvPr>
@@ -7740,7 +8264,6 @@
             <a:lvl1pPr algn="ctr"/>
           </a:lstStyle>
           <a:p>
-            <a:pPr/>
             <a:r>
               <a:t>Training dataset</a:t>
             </a:r>
@@ -7750,7 +8273,9 @@
       <p:sp>
         <p:nvSpPr>
           <p:cNvPr id="113" name="Inhaltsplatzhalter 2"/>
-          <p:cNvSpPr txBox="1"/>
+          <p:cNvSpPr txBox="1">
+            <a:spLocks noGrp="1"/>
+          </p:cNvSpPr>
           <p:nvPr>
             <p:ph type="body" idx="1"/>
           </p:nvPr>
@@ -7768,7 +8293,6 @@
           <a:bodyPr/>
           <a:lstStyle/>
           <a:p>
-            <a:pPr/>
             <a:r>
               <a:t>769 Proteins from BioLip</a:t>
             </a:r>
@@ -7796,7 +8320,9 @@
       <p:sp>
         <p:nvSpPr>
           <p:cNvPr id="114" name="Foliennummernplatzhalter 3"/>
-          <p:cNvSpPr txBox="1"/>
+          <p:cNvSpPr txBox="1">
+            <a:spLocks noGrp="1"/>
+          </p:cNvSpPr>
           <p:nvPr>
             <p:ph type="sldNum" sz="quarter" idx="2"/>
           </p:nvPr>
@@ -7811,7 +8337,7 @@
           </a:prstGeom>
           <a:extLst>
             <a:ext uri="{C572A759-6A51-4108-AA02-DFA0A04FC94B}">
-              <ma14:wrappingTextBoxFlag xmlns:ma14="http://schemas.microsoft.com/office/mac/drawingml/2011/main" val="1"/>
+              <ma14:wrappingTextBoxFlag xmlns:ma14="http://schemas.microsoft.com/office/mac/drawingml/2011/main" xmlns:a14="http://schemas.microsoft.com/office/drawing/2010/main" xmlns:m="http://schemas.openxmlformats.org/officeDocument/2006/math" xmlns="" val="1"/>
             </a:ext>
           </a:extLst>
         </p:spPr>
@@ -7819,8 +8345,10 @@
           <a:bodyPr/>
           <a:lstStyle/>
           <a:p>
-            <a:pPr/>
-            <a:fld id="{86CB4B4D-7CA3-9044-876B-883B54F8677D}" type="slidenum"/>
+            <a:fld id="{86CB4B4D-7CA3-9044-876B-883B54F8677D}" type="slidenum">
+              <a:t>4</a:t>
+            </a:fld>
+            <a:endParaRPr/>
           </a:p>
         </p:txBody>
       </p:sp>
@@ -7833,9 +8361,7 @@
           <p:nvPr/>
         </p:nvPicPr>
         <p:blipFill>
-          <a:blip r:embed="rId2">
-            <a:extLst/>
-          </a:blip>
+          <a:blip r:embed="rId2"/>
           <a:stretch>
             <a:fillRect/>
           </a:stretch>
@@ -7862,9 +8388,7 @@
           <p:nvPr/>
         </p:nvPicPr>
         <p:blipFill>
-          <a:blip r:embed="rId3">
-            <a:extLst/>
-          </a:blip>
+          <a:blip r:embed="rId3"/>
           <a:stretch>
             <a:fillRect/>
           </a:stretch>
@@ -7887,12 +8411,12 @@
   <p:clrMapOvr>
     <a:masterClrMapping/>
   </p:clrMapOvr>
-  <p:transition xmlns:p14="http://schemas.microsoft.com/office/powerpoint/2010/main" spd="med" advClick="1"/>
+  <p:transition spd="med"/>
 </p:sld>
 </file>
 
 <file path=ppt/slides/slide5.xml><?xml version="1.0" encoding="utf-8"?>
-<p:sld xmlns:a="http://schemas.openxmlformats.org/drawingml/2006/main" xmlns:r="http://schemas.openxmlformats.org/officeDocument/2006/relationships" xmlns:p="http://schemas.openxmlformats.org/presentationml/2006/main" xmlns:m="http://schemas.openxmlformats.org/officeDocument/2006/math" xmlns:a14="http://schemas.microsoft.com/office/drawing/2010/main" showMasterSp="1" showMasterPhAnim="1">
+<p:sld xmlns:a="http://schemas.openxmlformats.org/drawingml/2006/main" xmlns:r="http://schemas.openxmlformats.org/officeDocument/2006/relationships" xmlns:p="http://schemas.openxmlformats.org/presentationml/2006/main">
   <p:cSld>
     <p:spTree>
       <p:nvGrpSpPr>
@@ -7911,7 +8435,9 @@
       <p:sp>
         <p:nvSpPr>
           <p:cNvPr id="118" name="Titel 1"/>
-          <p:cNvSpPr txBox="1"/>
+          <p:cNvSpPr txBox="1">
+            <a:spLocks noGrp="1"/>
+          </p:cNvSpPr>
           <p:nvPr>
             <p:ph type="title"/>
           </p:nvPr>
@@ -7931,7 +8457,6 @@
             <a:lvl1pPr algn="ctr"/>
           </a:lstStyle>
           <a:p>
-            <a:pPr/>
             <a:r>
               <a:t>Feature: Introduction</a:t>
             </a:r>
@@ -7941,7 +8466,9 @@
       <p:sp>
         <p:nvSpPr>
           <p:cNvPr id="119" name="Inhaltsplatzhalter 4"/>
-          <p:cNvSpPr txBox="1"/>
+          <p:cNvSpPr txBox="1">
+            <a:spLocks noGrp="1"/>
+          </p:cNvSpPr>
           <p:nvPr>
             <p:ph type="body" sz="half" idx="1"/>
           </p:nvPr>
@@ -7959,7 +8486,6 @@
           <a:bodyPr/>
           <a:lstStyle/>
           <a:p>
-            <a:pPr/>
             <a:r>
               <a:t>SNAP-scores</a:t>
             </a:r>
@@ -7985,13 +8511,13 @@
           </a:ln>
           <a:extLst>
             <a:ext uri="{C572A759-6A51-4108-AA02-DFA0A04FC94B}">
-              <ma14:wrappingTextBoxFlag xmlns:ma14="http://schemas.microsoft.com/office/mac/drawingml/2011/main" val="1"/>
+              <ma14:wrappingTextBoxFlag xmlns:ma14="http://schemas.microsoft.com/office/mac/drawingml/2011/main" xmlns:a14="http://schemas.microsoft.com/office/drawing/2010/main" xmlns:m="http://schemas.openxmlformats.org/officeDocument/2006/math" xmlns="" val="1"/>
             </a:ext>
           </a:extLst>
         </p:spPr>
         <p:txBody>
           <a:bodyPr lIns="45719" rIns="45719">
-            <a:normAutofit fontScale="100000" lnSpcReduction="0"/>
+            <a:normAutofit/>
           </a:bodyPr>
           <a:lstStyle>
             <a:lvl1pPr marL="228600" indent="-228600">
@@ -8008,7 +8534,6 @@
             </a:lvl1pPr>
           </a:lstStyle>
           <a:p>
-            <a:pPr/>
             <a:r>
               <a:t>BLOSUM62-scores</a:t>
             </a:r>
@@ -8018,7 +8543,9 @@
       <p:sp>
         <p:nvSpPr>
           <p:cNvPr id="121" name="Foliennummernplatzhalter 3"/>
-          <p:cNvSpPr txBox="1"/>
+          <p:cNvSpPr txBox="1">
+            <a:spLocks noGrp="1"/>
+          </p:cNvSpPr>
           <p:nvPr>
             <p:ph type="sldNum" sz="quarter" idx="2"/>
           </p:nvPr>
@@ -8033,7 +8560,7 @@
           </a:prstGeom>
           <a:extLst>
             <a:ext uri="{C572A759-6A51-4108-AA02-DFA0A04FC94B}">
-              <ma14:wrappingTextBoxFlag xmlns:ma14="http://schemas.microsoft.com/office/mac/drawingml/2011/main" val="1"/>
+              <ma14:wrappingTextBoxFlag xmlns:ma14="http://schemas.microsoft.com/office/mac/drawingml/2011/main" xmlns:a14="http://schemas.microsoft.com/office/drawing/2010/main" xmlns:m="http://schemas.openxmlformats.org/officeDocument/2006/math" xmlns="" val="1"/>
             </a:ext>
           </a:extLst>
         </p:spPr>
@@ -8041,8 +8568,10 @@
           <a:bodyPr/>
           <a:lstStyle/>
           <a:p>
-            <a:pPr/>
-            <a:fld id="{86CB4B4D-7CA3-9044-876B-883B54F8677D}" type="slidenum"/>
+            <a:fld id="{86CB4B4D-7CA3-9044-876B-883B54F8677D}" type="slidenum">
+              <a:t>5</a:t>
+            </a:fld>
+            <a:endParaRPr/>
           </a:p>
         </p:txBody>
       </p:sp>
@@ -8055,9 +8584,7 @@
           <p:nvPr/>
         </p:nvPicPr>
         <p:blipFill>
-          <a:blip r:embed="rId2">
-            <a:extLst/>
-          </a:blip>
+          <a:blip r:embed="rId2"/>
           <a:stretch>
             <a:fillRect/>
           </a:stretch>
@@ -8084,9 +8611,7 @@
           <p:nvPr/>
         </p:nvPicPr>
         <p:blipFill>
-          <a:blip r:embed="rId3">
-            <a:extLst/>
-          </a:blip>
+          <a:blip r:embed="rId3"/>
           <a:stretch>
             <a:fillRect/>
           </a:stretch>
@@ -8109,12 +8634,12 @@
   <p:clrMapOvr>
     <a:masterClrMapping/>
   </p:clrMapOvr>
-  <p:transition xmlns:p14="http://schemas.microsoft.com/office/powerpoint/2010/main" spd="med" advClick="1"/>
+  <p:transition spd="med"/>
 </p:sld>
 </file>
 
 <file path=ppt/slides/slide6.xml><?xml version="1.0" encoding="utf-8"?>
-<p:sld xmlns:a="http://schemas.openxmlformats.org/drawingml/2006/main" xmlns:r="http://schemas.openxmlformats.org/officeDocument/2006/relationships" xmlns:p="http://schemas.openxmlformats.org/presentationml/2006/main" xmlns:m="http://schemas.openxmlformats.org/officeDocument/2006/math" xmlns:a14="http://schemas.microsoft.com/office/drawing/2010/main" showMasterSp="1" showMasterPhAnim="1">
+<p:sld xmlns:a="http://schemas.openxmlformats.org/drawingml/2006/main" xmlns:r="http://schemas.openxmlformats.org/officeDocument/2006/relationships" xmlns:p="http://schemas.openxmlformats.org/presentationml/2006/main">
   <p:cSld>
     <p:spTree>
       <p:nvGrpSpPr>
@@ -8133,7 +8658,9 @@
       <p:sp>
         <p:nvSpPr>
           <p:cNvPr id="125" name="Titel 1"/>
-          <p:cNvSpPr txBox="1"/>
+          <p:cNvSpPr txBox="1">
+            <a:spLocks noGrp="1"/>
+          </p:cNvSpPr>
           <p:nvPr>
             <p:ph type="title"/>
           </p:nvPr>
@@ -8153,7 +8680,6 @@
             <a:lvl1pPr algn="ctr"/>
           </a:lstStyle>
           <a:p>
-            <a:pPr/>
             <a:r>
               <a:t>Distribution of Scores</a:t>
             </a:r>
@@ -8163,7 +8689,9 @@
       <p:sp>
         <p:nvSpPr>
           <p:cNvPr id="126" name="Foliennummernplatzhalter 12"/>
-          <p:cNvSpPr txBox="1"/>
+          <p:cNvSpPr txBox="1">
+            <a:spLocks noGrp="1"/>
+          </p:cNvSpPr>
           <p:nvPr>
             <p:ph type="sldNum" sz="quarter" idx="2"/>
           </p:nvPr>
@@ -8178,7 +8706,7 @@
           </a:prstGeom>
           <a:extLst>
             <a:ext uri="{C572A759-6A51-4108-AA02-DFA0A04FC94B}">
-              <ma14:wrappingTextBoxFlag xmlns:ma14="http://schemas.microsoft.com/office/mac/drawingml/2011/main" val="1"/>
+              <ma14:wrappingTextBoxFlag xmlns:ma14="http://schemas.microsoft.com/office/mac/drawingml/2011/main" xmlns:a14="http://schemas.microsoft.com/office/drawing/2010/main" xmlns:m="http://schemas.openxmlformats.org/officeDocument/2006/math" xmlns="" val="1"/>
             </a:ext>
           </a:extLst>
         </p:spPr>
@@ -8186,8 +8714,10 @@
           <a:bodyPr/>
           <a:lstStyle/>
           <a:p>
-            <a:pPr/>
-            <a:fld id="{86CB4B4D-7CA3-9044-876B-883B54F8677D}" type="slidenum"/>
+            <a:fld id="{86CB4B4D-7CA3-9044-876B-883B54F8677D}" type="slidenum">
+              <a:t>6</a:t>
+            </a:fld>
+            <a:endParaRPr/>
           </a:p>
         </p:txBody>
       </p:sp>
@@ -8200,9 +8730,7 @@
           <p:nvPr/>
         </p:nvPicPr>
         <p:blipFill>
-          <a:blip r:embed="rId2">
-            <a:extLst/>
-          </a:blip>
+          <a:blip r:embed="rId2"/>
           <a:stretch>
             <a:fillRect/>
           </a:stretch>
@@ -8229,9 +8757,7 @@
           <p:nvPr/>
         </p:nvPicPr>
         <p:blipFill>
-          <a:blip r:embed="rId3">
-            <a:extLst/>
-          </a:blip>
+          <a:blip r:embed="rId3"/>
           <a:stretch>
             <a:fillRect/>
           </a:stretch>
@@ -8254,12 +8780,12 @@
   <p:clrMapOvr>
     <a:masterClrMapping/>
   </p:clrMapOvr>
-  <p:transition xmlns:p14="http://schemas.microsoft.com/office/powerpoint/2010/main" spd="med" advClick="1"/>
+  <p:transition spd="med"/>
 </p:sld>
 </file>
 
 <file path=ppt/slides/slide7.xml><?xml version="1.0" encoding="utf-8"?>
-<p:sld xmlns:a="http://schemas.openxmlformats.org/drawingml/2006/main" xmlns:r="http://schemas.openxmlformats.org/officeDocument/2006/relationships" xmlns:p="http://schemas.openxmlformats.org/presentationml/2006/main" xmlns:m="http://schemas.openxmlformats.org/officeDocument/2006/math" xmlns:a14="http://schemas.microsoft.com/office/drawing/2010/main" showMasterSp="1" showMasterPhAnim="1">
+<p:sld xmlns:a="http://schemas.openxmlformats.org/drawingml/2006/main" xmlns:r="http://schemas.openxmlformats.org/officeDocument/2006/relationships" xmlns:p="http://schemas.openxmlformats.org/presentationml/2006/main">
   <p:cSld>
     <p:spTree>
       <p:nvGrpSpPr>
@@ -8278,7 +8804,9 @@
       <p:sp>
         <p:nvSpPr>
           <p:cNvPr id="130" name="Titel 1"/>
-          <p:cNvSpPr txBox="1"/>
+          <p:cNvSpPr txBox="1">
+            <a:spLocks noGrp="1"/>
+          </p:cNvSpPr>
           <p:nvPr>
             <p:ph type="title"/>
           </p:nvPr>
@@ -8298,7 +8826,6 @@
             <a:lvl1pPr algn="ctr"/>
           </a:lstStyle>
           <a:p>
-            <a:pPr/>
             <a:r>
               <a:t>Feature: First Ideas</a:t>
             </a:r>
@@ -8308,7 +8835,9 @@
       <p:sp>
         <p:nvSpPr>
           <p:cNvPr id="131" name="Inhaltsplatzhalter 2"/>
-          <p:cNvSpPr txBox="1"/>
+          <p:cNvSpPr txBox="1">
+            <a:spLocks noGrp="1"/>
+          </p:cNvSpPr>
           <p:nvPr>
             <p:ph type="body" idx="1"/>
           </p:nvPr>
@@ -8337,7 +8866,7 @@
             </a:r>
           </a:p>
           <a:p>
-            <a:pPr lvl="1" marL="589787" indent="-196595" defTabSz="786383">
+            <a:pPr marL="589787" lvl="1" indent="-196595" defTabSz="786383">
               <a:spcBef>
                 <a:spcPts val="800"/>
               </a:spcBef>
@@ -8359,7 +8888,7 @@
             </a:r>
           </a:p>
           <a:p>
-            <a:pPr lvl="1" marL="589787" indent="-196595" defTabSz="786383">
+            <a:pPr marL="589787" lvl="1" indent="-196595" defTabSz="786383">
               <a:spcBef>
                 <a:spcPts val="800"/>
               </a:spcBef>
@@ -8370,12 +8899,13 @@
             </a:r>
           </a:p>
           <a:p>
-            <a:pPr lvl="1" marL="589787" indent="-196595" defTabSz="786383">
+            <a:pPr marL="589787" lvl="1" indent="-196595" defTabSz="786383">
               <a:spcBef>
                 <a:spcPts val="800"/>
               </a:spcBef>
               <a:defRPr sz="2400"/>
             </a:pPr>
+            <a:endParaRPr/>
           </a:p>
           <a:p>
             <a:pPr>
@@ -8386,7 +8916,7 @@
             </a:r>
           </a:p>
           <a:p>
-            <a:pPr lvl="1" marL="685800" indent="-228600">
+            <a:pPr marL="685800" lvl="1" indent="-228600">
               <a:spcBef>
                 <a:spcPts val="500"/>
               </a:spcBef>
@@ -8419,7 +8949,9 @@
       <p:sp>
         <p:nvSpPr>
           <p:cNvPr id="132" name="Foliennummernplatzhalter 3"/>
-          <p:cNvSpPr txBox="1"/>
+          <p:cNvSpPr txBox="1">
+            <a:spLocks noGrp="1"/>
+          </p:cNvSpPr>
           <p:nvPr>
             <p:ph type="sldNum" sz="quarter" idx="2"/>
           </p:nvPr>
@@ -8434,7 +8966,7 @@
           </a:prstGeom>
           <a:extLst>
             <a:ext uri="{C572A759-6A51-4108-AA02-DFA0A04FC94B}">
-              <ma14:wrappingTextBoxFlag xmlns:ma14="http://schemas.microsoft.com/office/mac/drawingml/2011/main" val="1"/>
+              <ma14:wrappingTextBoxFlag xmlns:ma14="http://schemas.microsoft.com/office/mac/drawingml/2011/main" xmlns:a14="http://schemas.microsoft.com/office/drawing/2010/main" xmlns:m="http://schemas.openxmlformats.org/officeDocument/2006/math" xmlns="" val="1"/>
             </a:ext>
           </a:extLst>
         </p:spPr>
@@ -8442,8 +8974,10 @@
           <a:bodyPr/>
           <a:lstStyle/>
           <a:p>
-            <a:pPr/>
-            <a:fld id="{86CB4B4D-7CA3-9044-876B-883B54F8677D}" type="slidenum"/>
+            <a:fld id="{86CB4B4D-7CA3-9044-876B-883B54F8677D}" type="slidenum">
+              <a:t>7</a:t>
+            </a:fld>
+            <a:endParaRPr/>
           </a:p>
         </p:txBody>
       </p:sp>
@@ -8452,12 +8986,12 @@
   <p:clrMapOvr>
     <a:masterClrMapping/>
   </p:clrMapOvr>
-  <p:transition xmlns:p14="http://schemas.microsoft.com/office/powerpoint/2010/main" spd="med" advClick="1"/>
+  <p:transition spd="med"/>
 </p:sld>
 </file>
 
 <file path=ppt/slides/slide8.xml><?xml version="1.0" encoding="utf-8"?>
-<p:sld xmlns:a="http://schemas.openxmlformats.org/drawingml/2006/main" xmlns:r="http://schemas.openxmlformats.org/officeDocument/2006/relationships" xmlns:p="http://schemas.openxmlformats.org/presentationml/2006/main" xmlns:m="http://schemas.openxmlformats.org/officeDocument/2006/math" xmlns:a14="http://schemas.microsoft.com/office/drawing/2010/main" showMasterSp="1" showMasterPhAnim="1">
+<p:sld xmlns:a="http://schemas.openxmlformats.org/drawingml/2006/main" xmlns:r="http://schemas.openxmlformats.org/officeDocument/2006/relationships" xmlns:p="http://schemas.openxmlformats.org/presentationml/2006/main">
   <p:cSld>
     <p:spTree>
       <p:nvGrpSpPr>
@@ -8476,7 +9010,9 @@
       <p:sp>
         <p:nvSpPr>
           <p:cNvPr id="134" name="Foliennummernplatzhalter 3"/>
-          <p:cNvSpPr txBox="1"/>
+          <p:cNvSpPr txBox="1">
+            <a:spLocks noGrp="1"/>
+          </p:cNvSpPr>
           <p:nvPr>
             <p:ph type="sldNum" sz="quarter" idx="2"/>
           </p:nvPr>
@@ -8491,7 +9027,7 @@
           </a:prstGeom>
           <a:extLst>
             <a:ext uri="{C572A759-6A51-4108-AA02-DFA0A04FC94B}">
-              <ma14:wrappingTextBoxFlag xmlns:ma14="http://schemas.microsoft.com/office/mac/drawingml/2011/main" val="1"/>
+              <ma14:wrappingTextBoxFlag xmlns:ma14="http://schemas.microsoft.com/office/mac/drawingml/2011/main" xmlns:a14="http://schemas.microsoft.com/office/drawing/2010/main" xmlns:m="http://schemas.openxmlformats.org/officeDocument/2006/math" xmlns="" val="1"/>
             </a:ext>
           </a:extLst>
         </p:spPr>
@@ -8499,8 +9035,10 @@
           <a:bodyPr/>
           <a:lstStyle/>
           <a:p>
-            <a:pPr/>
-            <a:fld id="{86CB4B4D-7CA3-9044-876B-883B54F8677D}" type="slidenum"/>
+            <a:fld id="{86CB4B4D-7CA3-9044-876B-883B54F8677D}" type="slidenum">
+              <a:t>8</a:t>
+            </a:fld>
+            <a:endParaRPr/>
           </a:p>
         </p:txBody>
       </p:sp>
@@ -8527,9 +9065,7 @@
             <p:nvPr/>
           </p:nvPicPr>
           <p:blipFill>
-            <a:blip r:embed="rId2">
-              <a:extLst/>
-            </a:blip>
+            <a:blip r:embed="rId2"/>
             <a:stretch>
               <a:fillRect/>
             </a:stretch>
@@ -8571,7 +9107,7 @@
             <a:effectLst/>
             <a:extLst>
               <a:ext uri="{C572A759-6A51-4108-AA02-DFA0A04FC94B}">
-                <ma14:wrappingTextBoxFlag xmlns:ma14="http://schemas.microsoft.com/office/mac/drawingml/2011/main" val="1"/>
+                <ma14:wrappingTextBoxFlag xmlns:ma14="http://schemas.microsoft.com/office/mac/drawingml/2011/main" xmlns:a14="http://schemas.microsoft.com/office/drawing/2010/main" xmlns:m="http://schemas.openxmlformats.org/officeDocument/2006/math" xmlns="" val="1"/>
               </a:ext>
             </a:extLst>
           </p:spPr>
@@ -8583,7 +9119,6 @@
               <a:lvl1pPr algn="ctr"/>
             </a:lstStyle>
             <a:p>
-              <a:pPr/>
               <a:r>
                 <a:t>CUTOFFS</a:t>
               </a:r>
@@ -8600,9 +9135,9 @@
         <p:grpSpPr>
           <a:xfrm>
             <a:off x="6938631" y="707295"/>
-            <a:ext cx="4300869" cy="5256113"/>
+            <a:ext cx="4300868" cy="5256110"/>
             <a:chOff x="25400" y="0"/>
-            <a:chExt cx="4300868" cy="5256111"/>
+            <a:chExt cx="4300867" cy="5256108"/>
           </a:xfrm>
         </p:grpSpPr>
         <p:sp>
@@ -8627,7 +9162,7 @@
             <a:effectLst/>
             <a:extLst>
               <a:ext uri="{C572A759-6A51-4108-AA02-DFA0A04FC94B}">
-                <ma14:wrappingTextBoxFlag xmlns:ma14="http://schemas.microsoft.com/office/mac/drawingml/2011/main" val="1"/>
+                <ma14:wrappingTextBoxFlag xmlns:ma14="http://schemas.microsoft.com/office/mac/drawingml/2011/main" xmlns:a14="http://schemas.microsoft.com/office/drawing/2010/main" xmlns:m="http://schemas.openxmlformats.org/officeDocument/2006/math" xmlns="" val="1"/>
               </a:ext>
             </a:extLst>
           </p:spPr>
@@ -8639,7 +9174,6 @@
               <a:lvl1pPr algn="ctr"/>
             </a:lstStyle>
             <a:p>
-              <a:pPr/>
               <a:r>
                 <a:t>CONVERSION</a:t>
               </a:r>
@@ -8654,19 +9188,43 @@
           </p:nvGraphicFramePr>
           <p:xfrm>
             <a:off x="25400" y="580558"/>
-            <a:ext cx="4300869" cy="4675554"/>
+            <a:ext cx="4300867" cy="4675550"/>
           </p:xfrm>
-          <a:graphic xmlns:a="http://schemas.openxmlformats.org/drawingml/2006/main">
+          <a:graphic>
             <a:graphicData uri="http://schemas.openxmlformats.org/drawingml/2006/table">
               <a:tbl>
-                <a:tblPr firstCol="0" firstRow="1" lastCol="0" lastRow="0" bandCol="0" bandRow="0" rtl="0">
+                <a:tblPr firstRow="1">
                   <a:tableStyleId>{4C3C2611-4C71-4FC5-86AE-919BDF0F9419}</a:tableStyleId>
                 </a:tblPr>
                 <a:tblGrid>
-                  <a:gridCol w="1075217"/>
-                  <a:gridCol w="1075217"/>
-                  <a:gridCol w="1075217"/>
-                  <a:gridCol w="1075217"/>
+                  <a:gridCol w="1075217">
+                    <a:extLst>
+                      <a:ext uri="{9D8B030D-6E8A-4147-A177-3AD203B41FA5}">
+                        <a16:colId xmlns:a16="http://schemas.microsoft.com/office/drawing/2014/main" val="20000"/>
+                      </a:ext>
+                    </a:extLst>
+                  </a:gridCol>
+                  <a:gridCol w="1075217">
+                    <a:extLst>
+                      <a:ext uri="{9D8B030D-6E8A-4147-A177-3AD203B41FA5}">
+                        <a16:colId xmlns:a16="http://schemas.microsoft.com/office/drawing/2014/main" val="20001"/>
+                      </a:ext>
+                    </a:extLst>
+                  </a:gridCol>
+                  <a:gridCol w="1075217">
+                    <a:extLst>
+                      <a:ext uri="{9D8B030D-6E8A-4147-A177-3AD203B41FA5}">
+                        <a16:colId xmlns:a16="http://schemas.microsoft.com/office/drawing/2014/main" val="20002"/>
+                      </a:ext>
+                    </a:extLst>
+                  </a:gridCol>
+                  <a:gridCol w="1075217">
+                    <a:extLst>
+                      <a:ext uri="{9D8B030D-6E8A-4147-A177-3AD203B41FA5}">
+                        <a16:colId xmlns:a16="http://schemas.microsoft.com/office/drawing/2014/main" val="20003"/>
+                      </a:ext>
+                    </a:extLst>
+                  </a:gridCol>
                 </a:tblGrid>
                 <a:tr h="584444">
                   <a:tc>
@@ -8691,7 +9249,7 @@
                         </a:r>
                       </a:p>
                     </a:txBody>
-                    <a:tcPr marL="0" marR="0" marT="0" marB="0" anchor="ctr" anchorCtr="0" horzOverflow="overflow">
+                    <a:tcPr marL="0" marR="0" marT="0" marB="0" anchor="ctr" horzOverflow="overflow">
                       <a:solidFill>
                         <a:schemeClr val="accent3"/>
                       </a:solidFill>
@@ -8719,7 +9277,7 @@
                         </a:r>
                       </a:p>
                     </a:txBody>
-                    <a:tcPr marL="0" marR="0" marT="0" marB="0" anchor="ctr" anchorCtr="0" horzOverflow="overflow">
+                    <a:tcPr marL="0" marR="0" marT="0" marB="0" anchor="ctr" horzOverflow="overflow">
                       <a:solidFill>
                         <a:schemeClr val="accent3"/>
                       </a:solidFill>
@@ -8747,7 +9305,7 @@
                         </a:r>
                       </a:p>
                     </a:txBody>
-                    <a:tcPr marL="0" marR="0" marT="0" marB="0" anchor="ctr" anchorCtr="0" horzOverflow="overflow">
+                    <a:tcPr marL="0" marR="0" marT="0" marB="0" anchor="ctr" horzOverflow="overflow">
                       <a:solidFill>
                         <a:schemeClr val="accent3"/>
                       </a:solidFill>
@@ -8775,12 +9333,17 @@
                         </a:r>
                       </a:p>
                     </a:txBody>
-                    <a:tcPr marL="0" marR="0" marT="0" marB="0" anchor="ctr" anchorCtr="0" horzOverflow="overflow">
+                    <a:tcPr marL="0" marR="0" marT="0" marB="0" anchor="ctr" horzOverflow="overflow">
                       <a:solidFill>
                         <a:schemeClr val="accent3"/>
                       </a:solidFill>
                     </a:tcPr>
                   </a:tc>
+                  <a:extLst>
+                    <a:ext uri="{0D108BD9-81ED-4DB2-BD59-A6C34878D82A}">
+                      <a16:rowId xmlns:a16="http://schemas.microsoft.com/office/drawing/2014/main" val="10000"/>
+                    </a:ext>
+                  </a:extLst>
                 </a:tr>
                 <a:tr h="584444">
                   <a:tc>
@@ -8794,7 +9357,7 @@
                         </a:r>
                       </a:p>
                     </a:txBody>
-                    <a:tcPr marL="0" marR="0" marT="0" marB="0" anchor="ctr" anchorCtr="0" horzOverflow="overflow">
+                    <a:tcPr marL="0" marR="0" marT="0" marB="0" anchor="ctr" horzOverflow="overflow">
                       <a:solidFill>
                         <a:srgbClr val="F0F0F0"/>
                       </a:solidFill>
@@ -8811,7 +9374,7 @@
                         </a:r>
                       </a:p>
                     </a:txBody>
-                    <a:tcPr marL="0" marR="0" marT="0" marB="0" anchor="ctr" anchorCtr="0" horzOverflow="overflow">
+                    <a:tcPr marL="0" marR="0" marT="0" marB="0" anchor="ctr" horzOverflow="overflow">
                       <a:solidFill>
                         <a:srgbClr val="F0F0F0"/>
                       </a:solidFill>
@@ -8828,7 +9391,7 @@
                         </a:r>
                       </a:p>
                     </a:txBody>
-                    <a:tcPr marL="0" marR="0" marT="0" marB="0" anchor="ctr" anchorCtr="0" horzOverflow="overflow">
+                    <a:tcPr marL="0" marR="0" marT="0" marB="0" anchor="ctr" horzOverflow="overflow">
                       <a:solidFill>
                         <a:srgbClr val="F0F0F0"/>
                       </a:solidFill>
@@ -8845,12 +9408,17 @@
                         </a:r>
                       </a:p>
                     </a:txBody>
-                    <a:tcPr marL="0" marR="0" marT="0" marB="0" anchor="ctr" anchorCtr="0" horzOverflow="overflow">
+                    <a:tcPr marL="0" marR="0" marT="0" marB="0" anchor="ctr" horzOverflow="overflow">
                       <a:solidFill>
                         <a:srgbClr val="F0F0F0"/>
                       </a:solidFill>
                     </a:tcPr>
                   </a:tc>
+                  <a:extLst>
+                    <a:ext uri="{0D108BD9-81ED-4DB2-BD59-A6C34878D82A}">
+                      <a16:rowId xmlns:a16="http://schemas.microsoft.com/office/drawing/2014/main" val="10001"/>
+                    </a:ext>
+                  </a:extLst>
                 </a:tr>
                 <a:tr h="584444">
                   <a:tc>
@@ -8864,7 +9432,7 @@
                         </a:r>
                       </a:p>
                     </a:txBody>
-                    <a:tcPr marL="0" marR="0" marT="0" marB="0" anchor="ctr" anchorCtr="0" horzOverflow="overflow">
+                    <a:tcPr marL="0" marR="0" marT="0" marB="0" anchor="ctr" horzOverflow="overflow">
                       <a:solidFill>
                         <a:srgbClr val="F0F0F0"/>
                       </a:solidFill>
@@ -8881,7 +9449,7 @@
                         </a:r>
                       </a:p>
                     </a:txBody>
-                    <a:tcPr marL="0" marR="0" marT="0" marB="0" anchor="ctr" anchorCtr="0" horzOverflow="overflow">
+                    <a:tcPr marL="0" marR="0" marT="0" marB="0" anchor="ctr" horzOverflow="overflow">
                       <a:solidFill>
                         <a:srgbClr val="F0F0F0"/>
                       </a:solidFill>
@@ -8898,7 +9466,7 @@
                         </a:r>
                       </a:p>
                     </a:txBody>
-                    <a:tcPr marL="0" marR="0" marT="0" marB="0" anchor="ctr" anchorCtr="0" horzOverflow="overflow">
+                    <a:tcPr marL="0" marR="0" marT="0" marB="0" anchor="ctr" horzOverflow="overflow">
                       <a:solidFill>
                         <a:srgbClr val="F0F0F0"/>
                       </a:solidFill>
@@ -8915,12 +9483,17 @@
                         </a:r>
                       </a:p>
                     </a:txBody>
-                    <a:tcPr marL="0" marR="0" marT="0" marB="0" anchor="ctr" anchorCtr="0" horzOverflow="overflow">
+                    <a:tcPr marL="0" marR="0" marT="0" marB="0" anchor="ctr" horzOverflow="overflow">
                       <a:solidFill>
                         <a:srgbClr val="F0F0F0"/>
                       </a:solidFill>
                     </a:tcPr>
                   </a:tc>
+                  <a:extLst>
+                    <a:ext uri="{0D108BD9-81ED-4DB2-BD59-A6C34878D82A}">
+                      <a16:rowId xmlns:a16="http://schemas.microsoft.com/office/drawing/2014/main" val="10002"/>
+                    </a:ext>
+                  </a:extLst>
                 </a:tr>
                 <a:tr h="584444">
                   <a:tc>
@@ -8934,7 +9507,7 @@
                         </a:r>
                       </a:p>
                     </a:txBody>
-                    <a:tcPr marL="0" marR="0" marT="0" marB="0" anchor="ctr" anchorCtr="0" horzOverflow="overflow">
+                    <a:tcPr marL="0" marR="0" marT="0" marB="0" anchor="ctr" horzOverflow="overflow">
                       <a:solidFill>
                         <a:srgbClr val="F0F0F0"/>
                       </a:solidFill>
@@ -8951,7 +9524,7 @@
                         </a:r>
                       </a:p>
                     </a:txBody>
-                    <a:tcPr marL="0" marR="0" marT="0" marB="0" anchor="ctr" anchorCtr="0" horzOverflow="overflow">
+                    <a:tcPr marL="0" marR="0" marT="0" marB="0" anchor="ctr" horzOverflow="overflow">
                       <a:solidFill>
                         <a:srgbClr val="F0F0F0"/>
                       </a:solidFill>
@@ -8968,7 +9541,7 @@
                         </a:r>
                       </a:p>
                     </a:txBody>
-                    <a:tcPr marL="0" marR="0" marT="0" marB="0" anchor="ctr" anchorCtr="0" horzOverflow="overflow">
+                    <a:tcPr marL="0" marR="0" marT="0" marB="0" anchor="ctr" horzOverflow="overflow">
                       <a:solidFill>
                         <a:srgbClr val="F0F0F0"/>
                       </a:solidFill>
@@ -8985,12 +9558,17 @@
                         </a:r>
                       </a:p>
                     </a:txBody>
-                    <a:tcPr marL="0" marR="0" marT="0" marB="0" anchor="ctr" anchorCtr="0" horzOverflow="overflow">
+                    <a:tcPr marL="0" marR="0" marT="0" marB="0" anchor="ctr" horzOverflow="overflow">
                       <a:solidFill>
                         <a:srgbClr val="F0F0F0"/>
                       </a:solidFill>
                     </a:tcPr>
                   </a:tc>
+                  <a:extLst>
+                    <a:ext uri="{0D108BD9-81ED-4DB2-BD59-A6C34878D82A}">
+                      <a16:rowId xmlns:a16="http://schemas.microsoft.com/office/drawing/2014/main" val="10003"/>
+                    </a:ext>
+                  </a:extLst>
                 </a:tr>
                 <a:tr h="584444">
                   <a:tc>
@@ -9004,7 +9582,7 @@
                         </a:r>
                       </a:p>
                     </a:txBody>
-                    <a:tcPr marL="0" marR="0" marT="0" marB="0" anchor="ctr" anchorCtr="0" horzOverflow="overflow">
+                    <a:tcPr marL="0" marR="0" marT="0" marB="0" anchor="ctr" horzOverflow="overflow">
                       <a:solidFill>
                         <a:srgbClr val="F0F0F0"/>
                       </a:solidFill>
@@ -9021,7 +9599,7 @@
                         </a:r>
                       </a:p>
                     </a:txBody>
-                    <a:tcPr marL="0" marR="0" marT="0" marB="0" anchor="ctr" anchorCtr="0" horzOverflow="overflow">
+                    <a:tcPr marL="0" marR="0" marT="0" marB="0" anchor="ctr" horzOverflow="overflow">
                       <a:solidFill>
                         <a:srgbClr val="F0F0F0"/>
                       </a:solidFill>
@@ -9038,7 +9616,7 @@
                         </a:r>
                       </a:p>
                     </a:txBody>
-                    <a:tcPr marL="0" marR="0" marT="0" marB="0" anchor="ctr" anchorCtr="0" horzOverflow="overflow">
+                    <a:tcPr marL="0" marR="0" marT="0" marB="0" anchor="ctr" horzOverflow="overflow">
                       <a:solidFill>
                         <a:srgbClr val="F0F0F0"/>
                       </a:solidFill>
@@ -9055,12 +9633,17 @@
                         </a:r>
                       </a:p>
                     </a:txBody>
-                    <a:tcPr marL="0" marR="0" marT="0" marB="0" anchor="ctr" anchorCtr="0" horzOverflow="overflow">
+                    <a:tcPr marL="0" marR="0" marT="0" marB="0" anchor="ctr" horzOverflow="overflow">
                       <a:solidFill>
                         <a:srgbClr val="F0F0F0"/>
                       </a:solidFill>
                     </a:tcPr>
                   </a:tc>
+                  <a:extLst>
+                    <a:ext uri="{0D108BD9-81ED-4DB2-BD59-A6C34878D82A}">
+                      <a16:rowId xmlns:a16="http://schemas.microsoft.com/office/drawing/2014/main" val="10004"/>
+                    </a:ext>
+                  </a:extLst>
                 </a:tr>
                 <a:tr h="584444">
                   <a:tc>
@@ -9074,7 +9657,7 @@
                         </a:r>
                       </a:p>
                     </a:txBody>
-                    <a:tcPr marL="0" marR="0" marT="0" marB="0" anchor="ctr" anchorCtr="0" horzOverflow="overflow">
+                    <a:tcPr marL="0" marR="0" marT="0" marB="0" anchor="ctr" horzOverflow="overflow">
                       <a:solidFill>
                         <a:srgbClr val="F0F0F0"/>
                       </a:solidFill>
@@ -9091,7 +9674,7 @@
                         </a:r>
                       </a:p>
                     </a:txBody>
-                    <a:tcPr marL="0" marR="0" marT="0" marB="0" anchor="ctr" anchorCtr="0" horzOverflow="overflow">
+                    <a:tcPr marL="0" marR="0" marT="0" marB="0" anchor="ctr" horzOverflow="overflow">
                       <a:solidFill>
                         <a:srgbClr val="F0F0F0"/>
                       </a:solidFill>
@@ -9108,7 +9691,7 @@
                         </a:r>
                       </a:p>
                     </a:txBody>
-                    <a:tcPr marL="0" marR="0" marT="0" marB="0" anchor="ctr" anchorCtr="0" horzOverflow="overflow">
+                    <a:tcPr marL="0" marR="0" marT="0" marB="0" anchor="ctr" horzOverflow="overflow">
                       <a:solidFill>
                         <a:srgbClr val="F0F0F0"/>
                       </a:solidFill>
@@ -9125,12 +9708,17 @@
                         </a:r>
                       </a:p>
                     </a:txBody>
-                    <a:tcPr marL="0" marR="0" marT="0" marB="0" anchor="ctr" anchorCtr="0" horzOverflow="overflow">
+                    <a:tcPr marL="0" marR="0" marT="0" marB="0" anchor="ctr" horzOverflow="overflow">
                       <a:solidFill>
                         <a:srgbClr val="F0F0F0"/>
                       </a:solidFill>
                     </a:tcPr>
                   </a:tc>
+                  <a:extLst>
+                    <a:ext uri="{0D108BD9-81ED-4DB2-BD59-A6C34878D82A}">
+                      <a16:rowId xmlns:a16="http://schemas.microsoft.com/office/drawing/2014/main" val="10005"/>
+                    </a:ext>
+                  </a:extLst>
                 </a:tr>
                 <a:tr h="584444">
                   <a:tc>
@@ -9144,7 +9732,7 @@
                         </a:r>
                       </a:p>
                     </a:txBody>
-                    <a:tcPr marL="0" marR="0" marT="0" marB="0" anchor="ctr" anchorCtr="0" horzOverflow="overflow">
+                    <a:tcPr marL="0" marR="0" marT="0" marB="0" anchor="ctr" horzOverflow="overflow">
                       <a:solidFill>
                         <a:srgbClr val="F0F0F0"/>
                       </a:solidFill>
@@ -9161,7 +9749,7 @@
                         </a:r>
                       </a:p>
                     </a:txBody>
-                    <a:tcPr marL="0" marR="0" marT="0" marB="0" anchor="ctr" anchorCtr="0" horzOverflow="overflow">
+                    <a:tcPr marL="0" marR="0" marT="0" marB="0" anchor="ctr" horzOverflow="overflow">
                       <a:solidFill>
                         <a:srgbClr val="F0F0F0"/>
                       </a:solidFill>
@@ -9178,7 +9766,7 @@
                         </a:r>
                       </a:p>
                     </a:txBody>
-                    <a:tcPr marL="0" marR="0" marT="0" marB="0" anchor="ctr" anchorCtr="0" horzOverflow="overflow">
+                    <a:tcPr marL="0" marR="0" marT="0" marB="0" anchor="ctr" horzOverflow="overflow">
                       <a:solidFill>
                         <a:srgbClr val="F0F0F0"/>
                       </a:solidFill>
@@ -9195,12 +9783,17 @@
                         </a:r>
                       </a:p>
                     </a:txBody>
-                    <a:tcPr marL="0" marR="0" marT="0" marB="0" anchor="ctr" anchorCtr="0" horzOverflow="overflow">
+                    <a:tcPr marL="0" marR="0" marT="0" marB="0" anchor="ctr" horzOverflow="overflow">
                       <a:solidFill>
                         <a:srgbClr val="F0F0F0"/>
                       </a:solidFill>
                     </a:tcPr>
                   </a:tc>
+                  <a:extLst>
+                    <a:ext uri="{0D108BD9-81ED-4DB2-BD59-A6C34878D82A}">
+                      <a16:rowId xmlns:a16="http://schemas.microsoft.com/office/drawing/2014/main" val="10006"/>
+                    </a:ext>
+                  </a:extLst>
                 </a:tr>
                 <a:tr h="584444">
                   <a:tc>
@@ -9214,7 +9807,7 @@
                         </a:r>
                       </a:p>
                     </a:txBody>
-                    <a:tcPr marL="0" marR="0" marT="0" marB="0" anchor="ctr" anchorCtr="0" horzOverflow="overflow">
+                    <a:tcPr marL="0" marR="0" marT="0" marB="0" anchor="ctr" horzOverflow="overflow">
                       <a:solidFill>
                         <a:srgbClr val="F0F0F0"/>
                       </a:solidFill>
@@ -9231,7 +9824,7 @@
                         </a:r>
                       </a:p>
                     </a:txBody>
-                    <a:tcPr marL="0" marR="0" marT="0" marB="0" anchor="ctr" anchorCtr="0" horzOverflow="overflow">
+                    <a:tcPr marL="0" marR="0" marT="0" marB="0" anchor="ctr" horzOverflow="overflow">
                       <a:solidFill>
                         <a:srgbClr val="F0F0F0"/>
                       </a:solidFill>
@@ -9248,7 +9841,7 @@
                         </a:r>
                       </a:p>
                     </a:txBody>
-                    <a:tcPr marL="0" marR="0" marT="0" marB="0" anchor="ctr" anchorCtr="0" horzOverflow="overflow">
+                    <a:tcPr marL="0" marR="0" marT="0" marB="0" anchor="ctr" horzOverflow="overflow">
                       <a:solidFill>
                         <a:srgbClr val="F0F0F0"/>
                       </a:solidFill>
@@ -9265,12 +9858,17 @@
                         </a:r>
                       </a:p>
                     </a:txBody>
-                    <a:tcPr marL="0" marR="0" marT="0" marB="0" anchor="ctr" anchorCtr="0" horzOverflow="overflow">
+                    <a:tcPr marL="0" marR="0" marT="0" marB="0" anchor="ctr" horzOverflow="overflow">
                       <a:solidFill>
                         <a:srgbClr val="F0F0F0"/>
                       </a:solidFill>
                     </a:tcPr>
                   </a:tc>
+                  <a:extLst>
+                    <a:ext uri="{0D108BD9-81ED-4DB2-BD59-A6C34878D82A}">
+                      <a16:rowId xmlns:a16="http://schemas.microsoft.com/office/drawing/2014/main" val="10007"/>
+                    </a:ext>
+                  </a:extLst>
                 </a:tr>
               </a:tbl>
             </a:graphicData>
@@ -9282,12 +9880,12 @@
   <p:clrMapOvr>
     <a:masterClrMapping/>
   </p:clrMapOvr>
-  <p:transition xmlns:p14="http://schemas.microsoft.com/office/powerpoint/2010/main" spd="med" advClick="1"/>
+  <p:transition spd="med"/>
 </p:sld>
 </file>
 
 <file path=ppt/slides/slide9.xml><?xml version="1.0" encoding="utf-8"?>
-<p:sld xmlns:a="http://schemas.openxmlformats.org/drawingml/2006/main" xmlns:r="http://schemas.openxmlformats.org/officeDocument/2006/relationships" xmlns:p="http://schemas.openxmlformats.org/presentationml/2006/main" xmlns:m="http://schemas.openxmlformats.org/officeDocument/2006/math" xmlns:a14="http://schemas.microsoft.com/office/drawing/2010/main" showMasterSp="1" showMasterPhAnim="1">
+<p:sld xmlns:a="http://schemas.openxmlformats.org/drawingml/2006/main" xmlns:r="http://schemas.openxmlformats.org/officeDocument/2006/relationships" xmlns:p="http://schemas.openxmlformats.org/presentationml/2006/main">
   <p:cSld>
     <p:spTree>
       <p:nvGrpSpPr>
@@ -9306,7 +9904,9 @@
       <p:sp>
         <p:nvSpPr>
           <p:cNvPr id="142" name="Cutoff Results"/>
-          <p:cNvSpPr txBox="1"/>
+          <p:cNvSpPr txBox="1">
+            <a:spLocks noGrp="1"/>
+          </p:cNvSpPr>
           <p:nvPr>
             <p:ph type="title"/>
           </p:nvPr>
@@ -9322,7 +9922,6 @@
             <a:lvl1pPr algn="ctr"/>
           </a:lstStyle>
           <a:p>
-            <a:pPr/>
             <a:r>
               <a:t>Cutoff Results</a:t>
             </a:r>
@@ -9332,7 +9931,9 @@
       <p:sp>
         <p:nvSpPr>
           <p:cNvPr id="143" name="Cross-Validation with original params…"/>
-          <p:cNvSpPr txBox="1"/>
+          <p:cNvSpPr txBox="1">
+            <a:spLocks noGrp="1"/>
+          </p:cNvSpPr>
           <p:nvPr>
             <p:ph type="body" idx="1"/>
           </p:nvPr>
@@ -9360,7 +9961,7 @@
             </a:r>
           </a:p>
           <a:p>
-            <a:pPr lvl="1" marL="581526" indent="-200526">
+            <a:pPr marL="581526" lvl="1" indent="-200526">
               <a:lnSpc>
                 <a:spcPct val="150000"/>
               </a:lnSpc>
@@ -9374,7 +9975,7 @@
             </a:r>
           </a:p>
           <a:p>
-            <a:pPr lvl="1" marL="581526" indent="-200526">
+            <a:pPr marL="581526" lvl="1" indent="-200526">
               <a:lnSpc>
                 <a:spcPct val="100000"/>
               </a:lnSpc>
@@ -9384,6 +9985,7 @@
               <a:buFontTx/>
               <a:defRPr sz="2400"/>
             </a:pPr>
+            <a:endParaRPr/>
           </a:p>
           <a:p>
             <a:pPr>
@@ -9401,9 +10003,9 @@
                 <a:spcPct val="100000"/>
               </a:lnSpc>
             </a:pPr>
-          </a:p>
-          <a:p>
-            <a:pPr/>
+            <a:endParaRPr/>
+          </a:p>
+          <a:p>
             <a:r>
               <a:t>Problem: Too little information to get meaningful results</a:t>
             </a:r>
@@ -9413,7 +10015,9 @@
       <p:sp>
         <p:nvSpPr>
           <p:cNvPr id="144" name="Slide Number"/>
-          <p:cNvSpPr txBox="1"/>
+          <p:cNvSpPr txBox="1">
+            <a:spLocks noGrp="1"/>
+          </p:cNvSpPr>
           <p:nvPr>
             <p:ph type="sldNum" sz="quarter" idx="2"/>
           </p:nvPr>
@@ -9428,7 +10032,7 @@
           </a:prstGeom>
           <a:extLst>
             <a:ext uri="{C572A759-6A51-4108-AA02-DFA0A04FC94B}">
-              <ma14:wrappingTextBoxFlag xmlns:ma14="http://schemas.microsoft.com/office/mac/drawingml/2011/main" val="1"/>
+              <ma14:wrappingTextBoxFlag xmlns:ma14="http://schemas.microsoft.com/office/mac/drawingml/2011/main" xmlns:a14="http://schemas.microsoft.com/office/drawing/2010/main" xmlns:m="http://schemas.openxmlformats.org/officeDocument/2006/math" xmlns="" val="1"/>
             </a:ext>
           </a:extLst>
         </p:spPr>
@@ -9436,8 +10040,10 @@
           <a:bodyPr/>
           <a:lstStyle/>
           <a:p>
-            <a:pPr/>
-            <a:fld id="{86CB4B4D-7CA3-9044-876B-883B54F8677D}" type="slidenum"/>
+            <a:fld id="{86CB4B4D-7CA3-9044-876B-883B54F8677D}" type="slidenum">
+              <a:t>9</a:t>
+            </a:fld>
+            <a:endParaRPr/>
           </a:p>
         </p:txBody>
       </p:sp>
@@ -9450,9 +10056,7 @@
           <p:nvPr/>
         </p:nvPicPr>
         <p:blipFill>
-          <a:blip r:embed="rId2">
-            <a:extLst/>
-          </a:blip>
+          <a:blip r:embed="rId2"/>
           <a:stretch>
             <a:fillRect/>
           </a:stretch>
@@ -9475,12 +10079,12 @@
   <p:clrMapOvr>
     <a:masterClrMapping/>
   </p:clrMapOvr>
-  <p:transition xmlns:p14="http://schemas.microsoft.com/office/powerpoint/2010/main" spd="med" advClick="1"/>
+  <p:transition spd="med"/>
 </p:sld>
 </file>
 
 <file path=ppt/theme/theme1.xml><?xml version="1.0" encoding="utf-8"?>
-<a:theme xmlns:a="http://schemas.openxmlformats.org/drawingml/2006/main" xmlns:r="http://schemas.openxmlformats.org/officeDocument/2006/relationships" name="Office">
+<a:theme xmlns:a="http://schemas.openxmlformats.org/drawingml/2006/main" name="Office">
   <a:themeElements>
     <a:clrScheme name="Office">
       <a:dk1>
@@ -9682,7 +10286,7 @@
         <a:effectLst/>
         <a:sp3d/>
       </a:spPr>
-      <a:bodyPr rot="0" spcFirstLastPara="1" vertOverflow="overflow" horzOverflow="overflow" vert="horz" wrap="square" lIns="45719" tIns="45719" rIns="45719" bIns="45719" numCol="1" spcCol="38100" rtlCol="0" anchor="ctr" upright="0">
+      <a:bodyPr rot="0" spcFirstLastPara="1" vertOverflow="overflow" horzOverflow="overflow" vert="horz" wrap="square" lIns="45719" tIns="45719" rIns="45719" bIns="45719" numCol="1" spcCol="38100" rtlCol="0" anchor="ctr">
         <a:spAutoFit/>
       </a:bodyPr>
       <a:lstStyle>
@@ -9701,7 +10305,7 @@
           <a:buFontTx/>
           <a:buNone/>
           <a:tabLst/>
-          <a:defRPr b="0" baseline="0" cap="none" i="0" spc="0" strike="noStrike" sz="1800" u="none" kumimoji="0" normalizeH="0">
+          <a:defRPr kumimoji="0" sz="1800" b="0" i="0" u="none" strike="noStrike" cap="none" spc="0" normalizeH="0" baseline="0">
             <a:ln>
               <a:noFill/>
             </a:ln>
@@ -9731,7 +10335,7 @@
           <a:buFontTx/>
           <a:buNone/>
           <a:tabLst/>
-          <a:defRPr b="0" baseline="0" cap="none" i="0" spc="0" strike="noStrike" sz="1800" u="none" kumimoji="0" normalizeH="0">
+          <a:defRPr kumimoji="0" sz="1800" b="0" i="0" u="none" strike="noStrike" cap="none" spc="0" normalizeH="0" baseline="0">
             <a:ln>
               <a:noFill/>
             </a:ln>
@@ -9757,7 +10361,7 @@
           <a:buFontTx/>
           <a:buNone/>
           <a:tabLst/>
-          <a:defRPr b="0" baseline="0" cap="none" i="0" spc="0" strike="noStrike" sz="1800" u="none" kumimoji="0" normalizeH="0">
+          <a:defRPr kumimoji="0" sz="1800" b="0" i="0" u="none" strike="noStrike" cap="none" spc="0" normalizeH="0" baseline="0">
             <a:ln>
               <a:noFill/>
             </a:ln>
@@ -9783,7 +10387,7 @@
           <a:buFontTx/>
           <a:buNone/>
           <a:tabLst/>
-          <a:defRPr b="0" baseline="0" cap="none" i="0" spc="0" strike="noStrike" sz="1800" u="none" kumimoji="0" normalizeH="0">
+          <a:defRPr kumimoji="0" sz="1800" b="0" i="0" u="none" strike="noStrike" cap="none" spc="0" normalizeH="0" baseline="0">
             <a:ln>
               <a:noFill/>
             </a:ln>
@@ -9809,7 +10413,7 @@
           <a:buFontTx/>
           <a:buNone/>
           <a:tabLst/>
-          <a:defRPr b="0" baseline="0" cap="none" i="0" spc="0" strike="noStrike" sz="1800" u="none" kumimoji="0" normalizeH="0">
+          <a:defRPr kumimoji="0" sz="1800" b="0" i="0" u="none" strike="noStrike" cap="none" spc="0" normalizeH="0" baseline="0">
             <a:ln>
               <a:noFill/>
             </a:ln>
@@ -9835,7 +10439,7 @@
           <a:buFontTx/>
           <a:buNone/>
           <a:tabLst/>
-          <a:defRPr b="0" baseline="0" cap="none" i="0" spc="0" strike="noStrike" sz="1800" u="none" kumimoji="0" normalizeH="0">
+          <a:defRPr kumimoji="0" sz="1800" b="0" i="0" u="none" strike="noStrike" cap="none" spc="0" normalizeH="0" baseline="0">
             <a:ln>
               <a:noFill/>
             </a:ln>
@@ -9861,7 +10465,7 @@
           <a:buFontTx/>
           <a:buNone/>
           <a:tabLst/>
-          <a:defRPr b="0" baseline="0" cap="none" i="0" spc="0" strike="noStrike" sz="1800" u="none" kumimoji="0" normalizeH="0">
+          <a:defRPr kumimoji="0" sz="1800" b="0" i="0" u="none" strike="noStrike" cap="none" spc="0" normalizeH="0" baseline="0">
             <a:ln>
               <a:noFill/>
             </a:ln>
@@ -9887,7 +10491,7 @@
           <a:buFontTx/>
           <a:buNone/>
           <a:tabLst/>
-          <a:defRPr b="0" baseline="0" cap="none" i="0" spc="0" strike="noStrike" sz="1800" u="none" kumimoji="0" normalizeH="0">
+          <a:defRPr kumimoji="0" sz="1800" b="0" i="0" u="none" strike="noStrike" cap="none" spc="0" normalizeH="0" baseline="0">
             <a:ln>
               <a:noFill/>
             </a:ln>
@@ -9913,7 +10517,7 @@
           <a:buFontTx/>
           <a:buNone/>
           <a:tabLst/>
-          <a:defRPr b="0" baseline="0" cap="none" i="0" spc="0" strike="noStrike" sz="1800" u="none" kumimoji="0" normalizeH="0">
+          <a:defRPr kumimoji="0" sz="1800" b="0" i="0" u="none" strike="noStrike" cap="none" spc="0" normalizeH="0" baseline="0">
             <a:ln>
               <a:noFill/>
             </a:ln>
@@ -9939,7 +10543,7 @@
           <a:buFontTx/>
           <a:buNone/>
           <a:tabLst/>
-          <a:defRPr b="0" baseline="0" cap="none" i="0" spc="0" strike="noStrike" sz="1800" u="none" kumimoji="0" normalizeH="0">
+          <a:defRPr kumimoji="0" sz="1800" b="0" i="0" u="none" strike="noStrike" cap="none" spc="0" normalizeH="0" baseline="0">
             <a:ln>
               <a:noFill/>
             </a:ln>
@@ -9952,9 +10556,15 @@
         </a:lvl9pPr>
       </a:lstStyle>
       <a:style>
-        <a:lnRef idx="0"/>
-        <a:fillRef idx="0"/>
-        <a:effectRef idx="0"/>
+        <a:lnRef idx="0">
+          <a:scrgbClr r="0" g="0" b="0"/>
+        </a:lnRef>
+        <a:fillRef idx="0">
+          <a:scrgbClr r="0" g="0" b="0"/>
+        </a:fillRef>
+        <a:effectRef idx="0">
+          <a:scrgbClr r="0" g="0" b="0"/>
+        </a:effectRef>
         <a:fontRef idx="none"/>
       </a:style>
     </a:spDef>
@@ -9971,7 +10581,7 @@
         <a:effectLst/>
         <a:sp3d/>
       </a:spPr>
-      <a:bodyPr rot="0" spcFirstLastPara="1" vertOverflow="overflow" horzOverflow="overflow" vert="horz" wrap="square" lIns="91439" tIns="45719" rIns="91439" bIns="45719" numCol="1" spcCol="38100" rtlCol="0" anchor="t" upright="0">
+      <a:bodyPr rot="0" spcFirstLastPara="1" vertOverflow="overflow" horzOverflow="overflow" vert="horz" wrap="square" lIns="91439" tIns="45719" rIns="91439" bIns="45719" numCol="1" spcCol="38100" rtlCol="0" anchor="t">
         <a:noAutofit/>
       </a:bodyPr>
       <a:lstStyle>
@@ -9990,7 +10600,7 @@
           <a:buFontTx/>
           <a:buNone/>
           <a:tabLst/>
-          <a:defRPr b="0" baseline="0" cap="none" i="0" spc="0" strike="noStrike" sz="1800" u="none" kumimoji="0" normalizeH="0">
+          <a:defRPr kumimoji="0" sz="1800" b="0" i="0" u="none" strike="noStrike" cap="none" spc="0" normalizeH="0" baseline="0">
             <a:ln>
               <a:noFill/>
             </a:ln>
@@ -10016,7 +10626,7 @@
           <a:buFontTx/>
           <a:buNone/>
           <a:tabLst/>
-          <a:defRPr b="0" baseline="0" cap="none" i="0" spc="0" strike="noStrike" sz="1800" u="none" kumimoji="0" normalizeH="0">
+          <a:defRPr kumimoji="0" sz="1800" b="0" i="0" u="none" strike="noStrike" cap="none" spc="0" normalizeH="0" baseline="0">
             <a:ln>
               <a:noFill/>
             </a:ln>
@@ -10042,7 +10652,7 @@
           <a:buFontTx/>
           <a:buNone/>
           <a:tabLst/>
-          <a:defRPr b="0" baseline="0" cap="none" i="0" spc="0" strike="noStrike" sz="1800" u="none" kumimoji="0" normalizeH="0">
+          <a:defRPr kumimoji="0" sz="1800" b="0" i="0" u="none" strike="noStrike" cap="none" spc="0" normalizeH="0" baseline="0">
             <a:ln>
               <a:noFill/>
             </a:ln>
@@ -10068,7 +10678,7 @@
           <a:buFontTx/>
           <a:buNone/>
           <a:tabLst/>
-          <a:defRPr b="0" baseline="0" cap="none" i="0" spc="0" strike="noStrike" sz="1800" u="none" kumimoji="0" normalizeH="0">
+          <a:defRPr kumimoji="0" sz="1800" b="0" i="0" u="none" strike="noStrike" cap="none" spc="0" normalizeH="0" baseline="0">
             <a:ln>
               <a:noFill/>
             </a:ln>
@@ -10094,7 +10704,7 @@
           <a:buFontTx/>
           <a:buNone/>
           <a:tabLst/>
-          <a:defRPr b="0" baseline="0" cap="none" i="0" spc="0" strike="noStrike" sz="1800" u="none" kumimoji="0" normalizeH="0">
+          <a:defRPr kumimoji="0" sz="1800" b="0" i="0" u="none" strike="noStrike" cap="none" spc="0" normalizeH="0" baseline="0">
             <a:ln>
               <a:noFill/>
             </a:ln>
@@ -10120,7 +10730,7 @@
           <a:buFontTx/>
           <a:buNone/>
           <a:tabLst/>
-          <a:defRPr b="0" baseline="0" cap="none" i="0" spc="0" strike="noStrike" sz="1800" u="none" kumimoji="0" normalizeH="0">
+          <a:defRPr kumimoji="0" sz="1800" b="0" i="0" u="none" strike="noStrike" cap="none" spc="0" normalizeH="0" baseline="0">
             <a:ln>
               <a:noFill/>
             </a:ln>
@@ -10146,7 +10756,7 @@
           <a:buFontTx/>
           <a:buNone/>
           <a:tabLst/>
-          <a:defRPr b="0" baseline="0" cap="none" i="0" spc="0" strike="noStrike" sz="1800" u="none" kumimoji="0" normalizeH="0">
+          <a:defRPr kumimoji="0" sz="1800" b="0" i="0" u="none" strike="noStrike" cap="none" spc="0" normalizeH="0" baseline="0">
             <a:ln>
               <a:noFill/>
             </a:ln>
@@ -10172,7 +10782,7 @@
           <a:buFontTx/>
           <a:buNone/>
           <a:tabLst/>
-          <a:defRPr b="0" baseline="0" cap="none" i="0" spc="0" strike="noStrike" sz="1800" u="none" kumimoji="0" normalizeH="0">
+          <a:defRPr kumimoji="0" sz="1800" b="0" i="0" u="none" strike="noStrike" cap="none" spc="0" normalizeH="0" baseline="0">
             <a:ln>
               <a:noFill/>
             </a:ln>
@@ -10198,7 +10808,7 @@
           <a:buFontTx/>
           <a:buNone/>
           <a:tabLst/>
-          <a:defRPr b="0" baseline="0" cap="none" i="0" spc="0" strike="noStrike" sz="1800" u="none" kumimoji="0" normalizeH="0">
+          <a:defRPr kumimoji="0" sz="1800" b="0" i="0" u="none" strike="noStrike" cap="none" spc="0" normalizeH="0" baseline="0">
             <a:ln>
               <a:noFill/>
             </a:ln>
@@ -10224,7 +10834,7 @@
           <a:buFontTx/>
           <a:buNone/>
           <a:tabLst/>
-          <a:defRPr b="0" baseline="0" cap="none" i="0" spc="0" strike="noStrike" sz="1800" u="none" kumimoji="0" normalizeH="0">
+          <a:defRPr kumimoji="0" sz="1800" b="0" i="0" u="none" strike="noStrike" cap="none" spc="0" normalizeH="0" baseline="0">
             <a:ln>
               <a:noFill/>
             </a:ln>
@@ -10237,9 +10847,15 @@
         </a:lvl9pPr>
       </a:lstStyle>
       <a:style>
-        <a:lnRef idx="0"/>
-        <a:fillRef idx="0"/>
-        <a:effectRef idx="0"/>
+        <a:lnRef idx="0">
+          <a:scrgbClr r="0" g="0" b="0"/>
+        </a:lnRef>
+        <a:fillRef idx="0">
+          <a:scrgbClr r="0" g="0" b="0"/>
+        </a:fillRef>
+        <a:effectRef idx="0">
+          <a:scrgbClr r="0" g="0" b="0"/>
+        </a:effectRef>
         <a:fontRef idx="none"/>
       </a:style>
     </a:lnDef>
@@ -10253,7 +10869,7 @@
         <a:effectLst/>
         <a:sp3d/>
       </a:spPr>
-      <a:bodyPr rot="0" spcFirstLastPara="1" vertOverflow="overflow" horzOverflow="overflow" vert="horz" wrap="square" lIns="45719" tIns="45719" rIns="45719" bIns="45719" numCol="1" spcCol="38100" rtlCol="0" anchor="t" upright="0">
+      <a:bodyPr rot="0" spcFirstLastPara="1" vertOverflow="overflow" horzOverflow="overflow" vert="horz" wrap="square" lIns="45719" tIns="45719" rIns="45719" bIns="45719" numCol="1" spcCol="38100" rtlCol="0" anchor="t">
         <a:spAutoFit/>
       </a:bodyPr>
       <a:lstStyle>
@@ -10272,7 +10888,7 @@
           <a:buFontTx/>
           <a:buNone/>
           <a:tabLst/>
-          <a:defRPr b="0" baseline="0" cap="none" i="0" spc="0" strike="noStrike" sz="1800" u="none" kumimoji="0" normalizeH="0">
+          <a:defRPr kumimoji="0" sz="1800" b="0" i="0" u="none" strike="noStrike" cap="none" spc="0" normalizeH="0" baseline="0">
             <a:ln>
               <a:noFill/>
             </a:ln>
@@ -10302,7 +10918,7 @@
           <a:buFontTx/>
           <a:buNone/>
           <a:tabLst/>
-          <a:defRPr b="0" baseline="0" cap="none" i="0" spc="0" strike="noStrike" sz="1800" u="none" kumimoji="0" normalizeH="0">
+          <a:defRPr kumimoji="0" sz="1800" b="0" i="0" u="none" strike="noStrike" cap="none" spc="0" normalizeH="0" baseline="0">
             <a:ln>
               <a:noFill/>
             </a:ln>
@@ -10328,7 +10944,7 @@
           <a:buFontTx/>
           <a:buNone/>
           <a:tabLst/>
-          <a:defRPr b="0" baseline="0" cap="none" i="0" spc="0" strike="noStrike" sz="1800" u="none" kumimoji="0" normalizeH="0">
+          <a:defRPr kumimoji="0" sz="1800" b="0" i="0" u="none" strike="noStrike" cap="none" spc="0" normalizeH="0" baseline="0">
             <a:ln>
               <a:noFill/>
             </a:ln>
@@ -10354,7 +10970,7 @@
           <a:buFontTx/>
           <a:buNone/>
           <a:tabLst/>
-          <a:defRPr b="0" baseline="0" cap="none" i="0" spc="0" strike="noStrike" sz="1800" u="none" kumimoji="0" normalizeH="0">
+          <a:defRPr kumimoji="0" sz="1800" b="0" i="0" u="none" strike="noStrike" cap="none" spc="0" normalizeH="0" baseline="0">
             <a:ln>
               <a:noFill/>
             </a:ln>
@@ -10380,7 +10996,7 @@
           <a:buFontTx/>
           <a:buNone/>
           <a:tabLst/>
-          <a:defRPr b="0" baseline="0" cap="none" i="0" spc="0" strike="noStrike" sz="1800" u="none" kumimoji="0" normalizeH="0">
+          <a:defRPr kumimoji="0" sz="1800" b="0" i="0" u="none" strike="noStrike" cap="none" spc="0" normalizeH="0" baseline="0">
             <a:ln>
               <a:noFill/>
             </a:ln>
@@ -10406,7 +11022,7 @@
           <a:buFontTx/>
           <a:buNone/>
           <a:tabLst/>
-          <a:defRPr b="0" baseline="0" cap="none" i="0" spc="0" strike="noStrike" sz="1800" u="none" kumimoji="0" normalizeH="0">
+          <a:defRPr kumimoji="0" sz="1800" b="0" i="0" u="none" strike="noStrike" cap="none" spc="0" normalizeH="0" baseline="0">
             <a:ln>
               <a:noFill/>
             </a:ln>
@@ -10432,7 +11048,7 @@
           <a:buFontTx/>
           <a:buNone/>
           <a:tabLst/>
-          <a:defRPr b="0" baseline="0" cap="none" i="0" spc="0" strike="noStrike" sz="1800" u="none" kumimoji="0" normalizeH="0">
+          <a:defRPr kumimoji="0" sz="1800" b="0" i="0" u="none" strike="noStrike" cap="none" spc="0" normalizeH="0" baseline="0">
             <a:ln>
               <a:noFill/>
             </a:ln>
@@ -10458,7 +11074,7 @@
           <a:buFontTx/>
           <a:buNone/>
           <a:tabLst/>
-          <a:defRPr b="0" baseline="0" cap="none" i="0" spc="0" strike="noStrike" sz="1800" u="none" kumimoji="0" normalizeH="0">
+          <a:defRPr kumimoji="0" sz="1800" b="0" i="0" u="none" strike="noStrike" cap="none" spc="0" normalizeH="0" baseline="0">
             <a:ln>
               <a:noFill/>
             </a:ln>
@@ -10484,7 +11100,7 @@
           <a:buFontTx/>
           <a:buNone/>
           <a:tabLst/>
-          <a:defRPr b="0" baseline="0" cap="none" i="0" spc="0" strike="noStrike" sz="1800" u="none" kumimoji="0" normalizeH="0">
+          <a:defRPr kumimoji="0" sz="1800" b="0" i="0" u="none" strike="noStrike" cap="none" spc="0" normalizeH="0" baseline="0">
             <a:ln>
               <a:noFill/>
             </a:ln>
@@ -10510,7 +11126,7 @@
           <a:buFontTx/>
           <a:buNone/>
           <a:tabLst/>
-          <a:defRPr b="0" baseline="0" cap="none" i="0" spc="0" strike="noStrike" sz="1800" u="none" kumimoji="0" normalizeH="0">
+          <a:defRPr kumimoji="0" sz="1800" b="0" i="0" u="none" strike="noStrike" cap="none" spc="0" normalizeH="0" baseline="0">
             <a:ln>
               <a:noFill/>
             </a:ln>
@@ -10523,18 +11139,25 @@
         </a:lvl9pPr>
       </a:lstStyle>
       <a:style>
-        <a:lnRef idx="0"/>
-        <a:fillRef idx="0"/>
-        <a:effectRef idx="0"/>
+        <a:lnRef idx="0">
+          <a:scrgbClr r="0" g="0" b="0"/>
+        </a:lnRef>
+        <a:fillRef idx="0">
+          <a:scrgbClr r="0" g="0" b="0"/>
+        </a:fillRef>
+        <a:effectRef idx="0">
+          <a:scrgbClr r="0" g="0" b="0"/>
+        </a:effectRef>
         <a:fontRef idx="none"/>
       </a:style>
     </a:txDef>
   </a:objectDefaults>
+  <a:extraClrSchemeLst/>
 </a:theme>
 </file>
 
 <file path=ppt/theme/theme2.xml><?xml version="1.0" encoding="utf-8"?>
-<a:theme xmlns:a="http://schemas.openxmlformats.org/drawingml/2006/main" xmlns:r="http://schemas.openxmlformats.org/officeDocument/2006/relationships" name="Office">
+<a:theme xmlns:a="http://schemas.openxmlformats.org/drawingml/2006/main" name="Office">
   <a:themeElements>
     <a:clrScheme name="Office">
       <a:dk1>
@@ -10736,7 +11359,7 @@
         <a:effectLst/>
         <a:sp3d/>
       </a:spPr>
-      <a:bodyPr rot="0" spcFirstLastPara="1" vertOverflow="overflow" horzOverflow="overflow" vert="horz" wrap="square" lIns="45719" tIns="45719" rIns="45719" bIns="45719" numCol="1" spcCol="38100" rtlCol="0" anchor="ctr" upright="0">
+      <a:bodyPr rot="0" spcFirstLastPara="1" vertOverflow="overflow" horzOverflow="overflow" vert="horz" wrap="square" lIns="45719" tIns="45719" rIns="45719" bIns="45719" numCol="1" spcCol="38100" rtlCol="0" anchor="ctr">
         <a:spAutoFit/>
       </a:bodyPr>
       <a:lstStyle>
@@ -10755,7 +11378,7 @@
           <a:buFontTx/>
           <a:buNone/>
           <a:tabLst/>
-          <a:defRPr b="0" baseline="0" cap="none" i="0" spc="0" strike="noStrike" sz="1800" u="none" kumimoji="0" normalizeH="0">
+          <a:defRPr kumimoji="0" sz="1800" b="0" i="0" u="none" strike="noStrike" cap="none" spc="0" normalizeH="0" baseline="0">
             <a:ln>
               <a:noFill/>
             </a:ln>
@@ -10785,7 +11408,7 @@
           <a:buFontTx/>
           <a:buNone/>
           <a:tabLst/>
-          <a:defRPr b="0" baseline="0" cap="none" i="0" spc="0" strike="noStrike" sz="1800" u="none" kumimoji="0" normalizeH="0">
+          <a:defRPr kumimoji="0" sz="1800" b="0" i="0" u="none" strike="noStrike" cap="none" spc="0" normalizeH="0" baseline="0">
             <a:ln>
               <a:noFill/>
             </a:ln>
@@ -10811,7 +11434,7 @@
           <a:buFontTx/>
           <a:buNone/>
           <a:tabLst/>
-          <a:defRPr b="0" baseline="0" cap="none" i="0" spc="0" strike="noStrike" sz="1800" u="none" kumimoji="0" normalizeH="0">
+          <a:defRPr kumimoji="0" sz="1800" b="0" i="0" u="none" strike="noStrike" cap="none" spc="0" normalizeH="0" baseline="0">
             <a:ln>
               <a:noFill/>
             </a:ln>
@@ -10837,7 +11460,7 @@
           <a:buFontTx/>
           <a:buNone/>
           <a:tabLst/>
-          <a:defRPr b="0" baseline="0" cap="none" i="0" spc="0" strike="noStrike" sz="1800" u="none" kumimoji="0" normalizeH="0">
+          <a:defRPr kumimoji="0" sz="1800" b="0" i="0" u="none" strike="noStrike" cap="none" spc="0" normalizeH="0" baseline="0">
             <a:ln>
               <a:noFill/>
             </a:ln>
@@ -10863,7 +11486,7 @@
           <a:buFontTx/>
           <a:buNone/>
           <a:tabLst/>
-          <a:defRPr b="0" baseline="0" cap="none" i="0" spc="0" strike="noStrike" sz="1800" u="none" kumimoji="0" normalizeH="0">
+          <a:defRPr kumimoji="0" sz="1800" b="0" i="0" u="none" strike="noStrike" cap="none" spc="0" normalizeH="0" baseline="0">
             <a:ln>
               <a:noFill/>
             </a:ln>
@@ -10889,7 +11512,7 @@
           <a:buFontTx/>
           <a:buNone/>
           <a:tabLst/>
-          <a:defRPr b="0" baseline="0" cap="none" i="0" spc="0" strike="noStrike" sz="1800" u="none" kumimoji="0" normalizeH="0">
+          <a:defRPr kumimoji="0" sz="1800" b="0" i="0" u="none" strike="noStrike" cap="none" spc="0" normalizeH="0" baseline="0">
             <a:ln>
               <a:noFill/>
             </a:ln>
@@ -10915,7 +11538,7 @@
           <a:buFontTx/>
           <a:buNone/>
           <a:tabLst/>
-          <a:defRPr b="0" baseline="0" cap="none" i="0" spc="0" strike="noStrike" sz="1800" u="none" kumimoji="0" normalizeH="0">
+          <a:defRPr kumimoji="0" sz="1800" b="0" i="0" u="none" strike="noStrike" cap="none" spc="0" normalizeH="0" baseline="0">
             <a:ln>
               <a:noFill/>
             </a:ln>
@@ -10941,7 +11564,7 @@
           <a:buFontTx/>
           <a:buNone/>
           <a:tabLst/>
-          <a:defRPr b="0" baseline="0" cap="none" i="0" spc="0" strike="noStrike" sz="1800" u="none" kumimoji="0" normalizeH="0">
+          <a:defRPr kumimoji="0" sz="1800" b="0" i="0" u="none" strike="noStrike" cap="none" spc="0" normalizeH="0" baseline="0">
             <a:ln>
               <a:noFill/>
             </a:ln>
@@ -10967,7 +11590,7 @@
           <a:buFontTx/>
           <a:buNone/>
           <a:tabLst/>
-          <a:defRPr b="0" baseline="0" cap="none" i="0" spc="0" strike="noStrike" sz="1800" u="none" kumimoji="0" normalizeH="0">
+          <a:defRPr kumimoji="0" sz="1800" b="0" i="0" u="none" strike="noStrike" cap="none" spc="0" normalizeH="0" baseline="0">
             <a:ln>
               <a:noFill/>
             </a:ln>
@@ -10993,7 +11616,7 @@
           <a:buFontTx/>
           <a:buNone/>
           <a:tabLst/>
-          <a:defRPr b="0" baseline="0" cap="none" i="0" spc="0" strike="noStrike" sz="1800" u="none" kumimoji="0" normalizeH="0">
+          <a:defRPr kumimoji="0" sz="1800" b="0" i="0" u="none" strike="noStrike" cap="none" spc="0" normalizeH="0" baseline="0">
             <a:ln>
               <a:noFill/>
             </a:ln>
@@ -11006,9 +11629,15 @@
         </a:lvl9pPr>
       </a:lstStyle>
       <a:style>
-        <a:lnRef idx="0"/>
-        <a:fillRef idx="0"/>
-        <a:effectRef idx="0"/>
+        <a:lnRef idx="0">
+          <a:scrgbClr r="0" g="0" b="0"/>
+        </a:lnRef>
+        <a:fillRef idx="0">
+          <a:scrgbClr r="0" g="0" b="0"/>
+        </a:fillRef>
+        <a:effectRef idx="0">
+          <a:scrgbClr r="0" g="0" b="0"/>
+        </a:effectRef>
         <a:fontRef idx="none"/>
       </a:style>
     </a:spDef>
@@ -11025,7 +11654,7 @@
         <a:effectLst/>
         <a:sp3d/>
       </a:spPr>
-      <a:bodyPr rot="0" spcFirstLastPara="1" vertOverflow="overflow" horzOverflow="overflow" vert="horz" wrap="square" lIns="91439" tIns="45719" rIns="91439" bIns="45719" numCol="1" spcCol="38100" rtlCol="0" anchor="t" upright="0">
+      <a:bodyPr rot="0" spcFirstLastPara="1" vertOverflow="overflow" horzOverflow="overflow" vert="horz" wrap="square" lIns="91439" tIns="45719" rIns="91439" bIns="45719" numCol="1" spcCol="38100" rtlCol="0" anchor="t">
         <a:noAutofit/>
       </a:bodyPr>
       <a:lstStyle>
@@ -11044,7 +11673,7 @@
           <a:buFontTx/>
           <a:buNone/>
           <a:tabLst/>
-          <a:defRPr b="0" baseline="0" cap="none" i="0" spc="0" strike="noStrike" sz="1800" u="none" kumimoji="0" normalizeH="0">
+          <a:defRPr kumimoji="0" sz="1800" b="0" i="0" u="none" strike="noStrike" cap="none" spc="0" normalizeH="0" baseline="0">
             <a:ln>
               <a:noFill/>
             </a:ln>
@@ -11070,7 +11699,7 @@
           <a:buFontTx/>
           <a:buNone/>
           <a:tabLst/>
-          <a:defRPr b="0" baseline="0" cap="none" i="0" spc="0" strike="noStrike" sz="1800" u="none" kumimoji="0" normalizeH="0">
+          <a:defRPr kumimoji="0" sz="1800" b="0" i="0" u="none" strike="noStrike" cap="none" spc="0" normalizeH="0" baseline="0">
             <a:ln>
               <a:noFill/>
             </a:ln>
@@ -11096,7 +11725,7 @@
           <a:buFontTx/>
           <a:buNone/>
           <a:tabLst/>
-          <a:defRPr b="0" baseline="0" cap="none" i="0" spc="0" strike="noStrike" sz="1800" u="none" kumimoji="0" normalizeH="0">
+          <a:defRPr kumimoji="0" sz="1800" b="0" i="0" u="none" strike="noStrike" cap="none" spc="0" normalizeH="0" baseline="0">
             <a:ln>
               <a:noFill/>
             </a:ln>
@@ -11122,7 +11751,7 @@
           <a:buFontTx/>
           <a:buNone/>
           <a:tabLst/>
-          <a:defRPr b="0" baseline="0" cap="none" i="0" spc="0" strike="noStrike" sz="1800" u="none" kumimoji="0" normalizeH="0">
+          <a:defRPr kumimoji="0" sz="1800" b="0" i="0" u="none" strike="noStrike" cap="none" spc="0" normalizeH="0" baseline="0">
             <a:ln>
               <a:noFill/>
             </a:ln>
@@ -11148,7 +11777,7 @@
           <a:buFontTx/>
           <a:buNone/>
           <a:tabLst/>
-          <a:defRPr b="0" baseline="0" cap="none" i="0" spc="0" strike="noStrike" sz="1800" u="none" kumimoji="0" normalizeH="0">
+          <a:defRPr kumimoji="0" sz="1800" b="0" i="0" u="none" strike="noStrike" cap="none" spc="0" normalizeH="0" baseline="0">
             <a:ln>
               <a:noFill/>
             </a:ln>
@@ -11174,7 +11803,7 @@
           <a:buFontTx/>
           <a:buNone/>
           <a:tabLst/>
-          <a:defRPr b="0" baseline="0" cap="none" i="0" spc="0" strike="noStrike" sz="1800" u="none" kumimoji="0" normalizeH="0">
+          <a:defRPr kumimoji="0" sz="1800" b="0" i="0" u="none" strike="noStrike" cap="none" spc="0" normalizeH="0" baseline="0">
             <a:ln>
               <a:noFill/>
             </a:ln>
@@ -11200,7 +11829,7 @@
           <a:buFontTx/>
           <a:buNone/>
           <a:tabLst/>
-          <a:defRPr b="0" baseline="0" cap="none" i="0" spc="0" strike="noStrike" sz="1800" u="none" kumimoji="0" normalizeH="0">
+          <a:defRPr kumimoji="0" sz="1800" b="0" i="0" u="none" strike="noStrike" cap="none" spc="0" normalizeH="0" baseline="0">
             <a:ln>
               <a:noFill/>
             </a:ln>
@@ -11226,7 +11855,7 @@
           <a:buFontTx/>
           <a:buNone/>
           <a:tabLst/>
-          <a:defRPr b="0" baseline="0" cap="none" i="0" spc="0" strike="noStrike" sz="1800" u="none" kumimoji="0" normalizeH="0">
+          <a:defRPr kumimoji="0" sz="1800" b="0" i="0" u="none" strike="noStrike" cap="none" spc="0" normalizeH="0" baseline="0">
             <a:ln>
               <a:noFill/>
             </a:ln>
@@ -11252,7 +11881,7 @@
           <a:buFontTx/>
           <a:buNone/>
           <a:tabLst/>
-          <a:defRPr b="0" baseline="0" cap="none" i="0" spc="0" strike="noStrike" sz="1800" u="none" kumimoji="0" normalizeH="0">
+          <a:defRPr kumimoji="0" sz="1800" b="0" i="0" u="none" strike="noStrike" cap="none" spc="0" normalizeH="0" baseline="0">
             <a:ln>
               <a:noFill/>
             </a:ln>
@@ -11278,7 +11907,7 @@
           <a:buFontTx/>
           <a:buNone/>
           <a:tabLst/>
-          <a:defRPr b="0" baseline="0" cap="none" i="0" spc="0" strike="noStrike" sz="1800" u="none" kumimoji="0" normalizeH="0">
+          <a:defRPr kumimoji="0" sz="1800" b="0" i="0" u="none" strike="noStrike" cap="none" spc="0" normalizeH="0" baseline="0">
             <a:ln>
               <a:noFill/>
             </a:ln>
@@ -11291,9 +11920,15 @@
         </a:lvl9pPr>
       </a:lstStyle>
       <a:style>
-        <a:lnRef idx="0"/>
-        <a:fillRef idx="0"/>
-        <a:effectRef idx="0"/>
+        <a:lnRef idx="0">
+          <a:scrgbClr r="0" g="0" b="0"/>
+        </a:lnRef>
+        <a:fillRef idx="0">
+          <a:scrgbClr r="0" g="0" b="0"/>
+        </a:fillRef>
+        <a:effectRef idx="0">
+          <a:scrgbClr r="0" g="0" b="0"/>
+        </a:effectRef>
         <a:fontRef idx="none"/>
       </a:style>
     </a:lnDef>
@@ -11307,7 +11942,7 @@
         <a:effectLst/>
         <a:sp3d/>
       </a:spPr>
-      <a:bodyPr rot="0" spcFirstLastPara="1" vertOverflow="overflow" horzOverflow="overflow" vert="horz" wrap="square" lIns="45719" tIns="45719" rIns="45719" bIns="45719" numCol="1" spcCol="38100" rtlCol="0" anchor="t" upright="0">
+      <a:bodyPr rot="0" spcFirstLastPara="1" vertOverflow="overflow" horzOverflow="overflow" vert="horz" wrap="square" lIns="45719" tIns="45719" rIns="45719" bIns="45719" numCol="1" spcCol="38100" rtlCol="0" anchor="t">
         <a:spAutoFit/>
       </a:bodyPr>
       <a:lstStyle>
@@ -11326,7 +11961,7 @@
           <a:buFontTx/>
           <a:buNone/>
           <a:tabLst/>
-          <a:defRPr b="0" baseline="0" cap="none" i="0" spc="0" strike="noStrike" sz="1800" u="none" kumimoji="0" normalizeH="0">
+          <a:defRPr kumimoji="0" sz="1800" b="0" i="0" u="none" strike="noStrike" cap="none" spc="0" normalizeH="0" baseline="0">
             <a:ln>
               <a:noFill/>
             </a:ln>
@@ -11356,7 +11991,7 @@
           <a:buFontTx/>
           <a:buNone/>
           <a:tabLst/>
-          <a:defRPr b="0" baseline="0" cap="none" i="0" spc="0" strike="noStrike" sz="1800" u="none" kumimoji="0" normalizeH="0">
+          <a:defRPr kumimoji="0" sz="1800" b="0" i="0" u="none" strike="noStrike" cap="none" spc="0" normalizeH="0" baseline="0">
             <a:ln>
               <a:noFill/>
             </a:ln>
@@ -11382,7 +12017,7 @@
           <a:buFontTx/>
           <a:buNone/>
           <a:tabLst/>
-          <a:defRPr b="0" baseline="0" cap="none" i="0" spc="0" strike="noStrike" sz="1800" u="none" kumimoji="0" normalizeH="0">
+          <a:defRPr kumimoji="0" sz="1800" b="0" i="0" u="none" strike="noStrike" cap="none" spc="0" normalizeH="0" baseline="0">
             <a:ln>
               <a:noFill/>
             </a:ln>
@@ -11408,7 +12043,7 @@
           <a:buFontTx/>
           <a:buNone/>
           <a:tabLst/>
-          <a:defRPr b="0" baseline="0" cap="none" i="0" spc="0" strike="noStrike" sz="1800" u="none" kumimoji="0" normalizeH="0">
+          <a:defRPr kumimoji="0" sz="1800" b="0" i="0" u="none" strike="noStrike" cap="none" spc="0" normalizeH="0" baseline="0">
             <a:ln>
               <a:noFill/>
             </a:ln>
@@ -11434,7 +12069,7 @@
           <a:buFontTx/>
           <a:buNone/>
           <a:tabLst/>
-          <a:defRPr b="0" baseline="0" cap="none" i="0" spc="0" strike="noStrike" sz="1800" u="none" kumimoji="0" normalizeH="0">
+          <a:defRPr kumimoji="0" sz="1800" b="0" i="0" u="none" strike="noStrike" cap="none" spc="0" normalizeH="0" baseline="0">
             <a:ln>
               <a:noFill/>
             </a:ln>
@@ -11460,7 +12095,7 @@
           <a:buFontTx/>
           <a:buNone/>
           <a:tabLst/>
-          <a:defRPr b="0" baseline="0" cap="none" i="0" spc="0" strike="noStrike" sz="1800" u="none" kumimoji="0" normalizeH="0">
+          <a:defRPr kumimoji="0" sz="1800" b="0" i="0" u="none" strike="noStrike" cap="none" spc="0" normalizeH="0" baseline="0">
             <a:ln>
               <a:noFill/>
             </a:ln>
@@ -11486,7 +12121,7 @@
           <a:buFontTx/>
           <a:buNone/>
           <a:tabLst/>
-          <a:defRPr b="0" baseline="0" cap="none" i="0" spc="0" strike="noStrike" sz="1800" u="none" kumimoji="0" normalizeH="0">
+          <a:defRPr kumimoji="0" sz="1800" b="0" i="0" u="none" strike="noStrike" cap="none" spc="0" normalizeH="0" baseline="0">
             <a:ln>
               <a:noFill/>
             </a:ln>
@@ -11512,7 +12147,7 @@
           <a:buFontTx/>
           <a:buNone/>
           <a:tabLst/>
-          <a:defRPr b="0" baseline="0" cap="none" i="0" spc="0" strike="noStrike" sz="1800" u="none" kumimoji="0" normalizeH="0">
+          <a:defRPr kumimoji="0" sz="1800" b="0" i="0" u="none" strike="noStrike" cap="none" spc="0" normalizeH="0" baseline="0">
             <a:ln>
               <a:noFill/>
             </a:ln>
@@ -11538,7 +12173,7 @@
           <a:buFontTx/>
           <a:buNone/>
           <a:tabLst/>
-          <a:defRPr b="0" baseline="0" cap="none" i="0" spc="0" strike="noStrike" sz="1800" u="none" kumimoji="0" normalizeH="0">
+          <a:defRPr kumimoji="0" sz="1800" b="0" i="0" u="none" strike="noStrike" cap="none" spc="0" normalizeH="0" baseline="0">
             <a:ln>
               <a:noFill/>
             </a:ln>
@@ -11564,7 +12199,7 @@
           <a:buFontTx/>
           <a:buNone/>
           <a:tabLst/>
-          <a:defRPr b="0" baseline="0" cap="none" i="0" spc="0" strike="noStrike" sz="1800" u="none" kumimoji="0" normalizeH="0">
+          <a:defRPr kumimoji="0" sz="1800" b="0" i="0" u="none" strike="noStrike" cap="none" spc="0" normalizeH="0" baseline="0">
             <a:ln>
               <a:noFill/>
             </a:ln>
@@ -11577,12 +12212,19 @@
         </a:lvl9pPr>
       </a:lstStyle>
       <a:style>
-        <a:lnRef idx="0"/>
-        <a:fillRef idx="0"/>
-        <a:effectRef idx="0"/>
+        <a:lnRef idx="0">
+          <a:scrgbClr r="0" g="0" b="0"/>
+        </a:lnRef>
+        <a:fillRef idx="0">
+          <a:scrgbClr r="0" g="0" b="0"/>
+        </a:fillRef>
+        <a:effectRef idx="0">
+          <a:scrgbClr r="0" g="0" b="0"/>
+        </a:effectRef>
         <a:fontRef idx="none"/>
       </a:style>
     </a:txDef>
   </a:objectDefaults>
+  <a:extraClrSchemeLst/>
 </a:theme>
 </file>